--- a/GM/Placement/PUFFER A Routability-Driven Placement Framework via Cell Padding/PUFFER A Routability-Driven Placement Framework via Cell Padding.pptx
+++ b/GM/Placement/PUFFER A Routability-Driven Placement Framework via Cell Padding/PUFFER A Routability-Driven Placement Framework via Cell Padding.pptx
@@ -5,7 +5,7 @@
     <p:sldMasterId id="2147483648" r:id="rId1"/>
   </p:sldMasterIdLst>
   <p:notesMasterIdLst>
-    <p:notesMasterId r:id="rId10"/>
+    <p:notesMasterId r:id="rId12"/>
   </p:notesMasterIdLst>
   <p:sldIdLst>
     <p:sldId id="256" r:id="rId2"/>
@@ -15,7 +15,9 @@
     <p:sldId id="301" r:id="rId6"/>
     <p:sldId id="302" r:id="rId7"/>
     <p:sldId id="303" r:id="rId8"/>
-    <p:sldId id="298" r:id="rId9"/>
+    <p:sldId id="304" r:id="rId9"/>
+    <p:sldId id="305" r:id="rId10"/>
+    <p:sldId id="298" r:id="rId11"/>
   </p:sldIdLst>
   <p:sldSz cx="12192000" cy="6858000"/>
   <p:notesSz cx="6858000" cy="9144000"/>
@@ -1460,7 +1462,7 @@
           <a:p>
             <a:fld id="{C9ED61FB-B9B0-4D85-A72E-A614C28ECC4E}" type="datetimeFigureOut">
               <a:rPr lang="en-US" smtClean="0"/>
-              <a:t>9/28/2023</a:t>
+              <a:t>9/30/2023</a:t>
             </a:fld>
             <a:endParaRPr lang="en-US"/>
           </a:p>
@@ -2041,6 +2043,124 @@
 </p:notes>
 </file>
 
+<file path=ppt/notesSlides/notesSlide4.xml><?xml version="1.0" encoding="utf-8"?>
+<p:notes xmlns:a="http://schemas.openxmlformats.org/drawingml/2006/main" xmlns:r="http://schemas.openxmlformats.org/officeDocument/2006/relationships" xmlns:p="http://schemas.openxmlformats.org/presentationml/2006/main">
+  <p:cSld>
+    <p:spTree>
+      <p:nvGrpSpPr>
+        <p:cNvPr id="1" name=""/>
+        <p:cNvGrpSpPr/>
+        <p:nvPr/>
+      </p:nvGrpSpPr>
+      <p:grpSpPr>
+        <a:xfrm>
+          <a:off x="0" y="0"/>
+          <a:ext cx="0" cy="0"/>
+          <a:chOff x="0" y="0"/>
+          <a:chExt cx="0" cy="0"/>
+        </a:xfrm>
+      </p:grpSpPr>
+      <p:sp>
+        <p:nvSpPr>
+          <p:cNvPr id="2" name="投影片影像版面配置區 1"/>
+          <p:cNvSpPr>
+            <a:spLocks noGrp="1" noRot="1" noChangeAspect="1"/>
+          </p:cNvSpPr>
+          <p:nvPr>
+            <p:ph type="sldImg"/>
+          </p:nvPr>
+        </p:nvSpPr>
+        <p:spPr/>
+      </p:sp>
+      <p:sp>
+        <p:nvSpPr>
+          <p:cNvPr id="3" name="備忘稿版面配置區 2"/>
+          <p:cNvSpPr>
+            <a:spLocks noGrp="1"/>
+          </p:cNvSpPr>
+          <p:nvPr>
+            <p:ph type="body" idx="1"/>
+          </p:nvPr>
+        </p:nvSpPr>
+        <p:spPr/>
+        <p:txBody>
+          <a:bodyPr/>
+          <a:lstStyle/>
+          <a:p>
+            <a:pPr marL="171450" indent="-171450">
+              <a:buFont typeface="Arial" panose="020B0604020202020204" pitchFamily="34" charset="0"/>
+              <a:buChar char="•"/>
+            </a:pPr>
+            <a:r>
+              <a:rPr lang="el-GR" altLang="zh-TW" sz="1200" dirty="0"/>
+              <a:t>Λ</a:t>
+            </a:r>
+            <a:r>
+              <a:rPr lang="en-US" altLang="zh-TW" sz="1200" dirty="0"/>
+              <a:t> : to balance the weight between wirelength and density</a:t>
+            </a:r>
+          </a:p>
+          <a:p>
+            <a:pPr algn="l"/>
+            <a:r>
+              <a:rPr lang="en-US" altLang="zh-TW" sz="1200" dirty="0"/>
+              <a:t>After doing global routing, </a:t>
+            </a:r>
+            <a:r>
+              <a:rPr lang="en-US" altLang="zh-TW" sz="1800" b="0" i="0" u="none" strike="noStrike" baseline="0" dirty="0">
+                <a:latin typeface="NimbusRomNo9L-Regu"/>
+              </a:rPr>
+              <a:t>we need to legalize the cell positions to remove cell overlaps</a:t>
+            </a:r>
+          </a:p>
+          <a:p>
+            <a:pPr algn="l"/>
+            <a:r>
+              <a:rPr lang="en-US" altLang="zh-TW" sz="1800" b="0" i="0" u="none" strike="noStrike" baseline="0" dirty="0">
+                <a:latin typeface="NimbusRomNo9L-Regu"/>
+              </a:rPr>
+              <a:t>and DRC violations.</a:t>
+            </a:r>
+            <a:endParaRPr lang="zh-TW" altLang="en-US" dirty="0"/>
+          </a:p>
+        </p:txBody>
+      </p:sp>
+      <p:sp>
+        <p:nvSpPr>
+          <p:cNvPr id="4" name="投影片編號版面配置區 3"/>
+          <p:cNvSpPr>
+            <a:spLocks noGrp="1"/>
+          </p:cNvSpPr>
+          <p:nvPr>
+            <p:ph type="sldNum" sz="quarter" idx="5"/>
+          </p:nvPr>
+        </p:nvSpPr>
+        <p:spPr/>
+        <p:txBody>
+          <a:bodyPr/>
+          <a:lstStyle/>
+          <a:p>
+            <a:fld id="{9D457EAB-1485-47AD-BEAD-484FAEBF5A54}" type="slidenum">
+              <a:rPr lang="en-US" smtClean="0"/>
+              <a:t>7</a:t>
+            </a:fld>
+            <a:endParaRPr lang="en-US"/>
+          </a:p>
+        </p:txBody>
+      </p:sp>
+    </p:spTree>
+    <p:extLst>
+      <p:ext uri="{BB962C8B-B14F-4D97-AF65-F5344CB8AC3E}">
+        <p14:creationId xmlns:p14="http://schemas.microsoft.com/office/powerpoint/2010/main" val="3692108309"/>
+      </p:ext>
+    </p:extLst>
+  </p:cSld>
+  <p:clrMapOvr>
+    <a:masterClrMapping/>
+  </p:clrMapOvr>
+</p:notes>
+</file>
+
 <file path=ppt/slideLayouts/slideLayout1.xml><?xml version="1.0" encoding="utf-8"?>
 <p:sldLayout xmlns:a="http://schemas.openxmlformats.org/drawingml/2006/main" xmlns:r="http://schemas.openxmlformats.org/officeDocument/2006/relationships" xmlns:p="http://schemas.openxmlformats.org/presentationml/2006/main" type="title" preserve="1">
   <p:cSld name="Title Slide">
@@ -2188,7 +2308,7 @@
           <a:p>
             <a:fld id="{99BA7BAB-F69F-4C21-8D40-7AA273A2D01F}" type="datetime1">
               <a:rPr lang="en-US" smtClean="0"/>
-              <a:t>9/28/2023</a:t>
+              <a:t>9/30/2023</a:t>
             </a:fld>
             <a:endParaRPr lang="en-US"/>
           </a:p>
@@ -2393,7 +2513,7 @@
           <a:p>
             <a:fld id="{FB00A8EC-4678-43EE-BE64-F312B7F1A46F}" type="datetime1">
               <a:rPr lang="en-US" smtClean="0"/>
-              <a:t>9/28/2023</a:t>
+              <a:t>9/30/2023</a:t>
             </a:fld>
             <a:endParaRPr lang="en-US"/>
           </a:p>
@@ -2601,7 +2721,7 @@
           <a:p>
             <a:fld id="{9487F23D-EA8F-4C56-9373-23F6109AD11F}" type="datetime1">
               <a:rPr lang="en-US" smtClean="0"/>
-              <a:t>9/28/2023</a:t>
+              <a:t>9/30/2023</a:t>
             </a:fld>
             <a:endParaRPr lang="en-US"/>
           </a:p>
@@ -2799,7 +2919,7 @@
           <a:p>
             <a:fld id="{A34E716E-0239-4A81-9CF4-D3B9651721CF}" type="datetime1">
               <a:rPr lang="en-US" smtClean="0"/>
-              <a:t>9/28/2023</a:t>
+              <a:t>9/30/2023</a:t>
             </a:fld>
             <a:endParaRPr lang="en-US"/>
           </a:p>
@@ -3081,7 +3201,7 @@
           <a:p>
             <a:fld id="{CC112E56-3D97-4B86-935C-1C493DD86A08}" type="datetime1">
               <a:rPr lang="en-US" smtClean="0"/>
-              <a:t>9/28/2023</a:t>
+              <a:t>9/30/2023</a:t>
             </a:fld>
             <a:endParaRPr lang="en-US"/>
           </a:p>
@@ -3346,7 +3466,7 @@
           <a:p>
             <a:fld id="{40649135-BABF-4F63-9AF8-3CEC545E47DC}" type="datetime1">
               <a:rPr lang="en-US" smtClean="0"/>
-              <a:t>9/28/2023</a:t>
+              <a:t>9/30/2023</a:t>
             </a:fld>
             <a:endParaRPr lang="en-US"/>
           </a:p>
@@ -3758,7 +3878,7 @@
           <a:p>
             <a:fld id="{B16EBC02-C9C0-442D-A8A6-494057203542}" type="datetime1">
               <a:rPr lang="en-US" smtClean="0"/>
-              <a:t>9/28/2023</a:t>
+              <a:t>9/30/2023</a:t>
             </a:fld>
             <a:endParaRPr lang="en-US"/>
           </a:p>
@@ -3899,7 +4019,7 @@
           <a:p>
             <a:fld id="{A126C4B4-559D-414E-BC9C-16A745BBF3C3}" type="datetime1">
               <a:rPr lang="en-US" smtClean="0"/>
-              <a:t>9/28/2023</a:t>
+              <a:t>9/30/2023</a:t>
             </a:fld>
             <a:endParaRPr lang="en-US"/>
           </a:p>
@@ -4012,7 +4132,7 @@
           <a:p>
             <a:fld id="{0D49D49E-73A5-4C03-BFEA-3D845EB044D8}" type="datetime1">
               <a:rPr lang="en-US" smtClean="0"/>
-              <a:t>9/28/2023</a:t>
+              <a:t>9/30/2023</a:t>
             </a:fld>
             <a:endParaRPr lang="en-US"/>
           </a:p>
@@ -4323,7 +4443,7 @@
           <a:p>
             <a:fld id="{4A0F93E6-3134-410C-B573-A5F6B38FC346}" type="datetime1">
               <a:rPr lang="en-US" smtClean="0"/>
-              <a:t>9/28/2023</a:t>
+              <a:t>9/30/2023</a:t>
             </a:fld>
             <a:endParaRPr lang="en-US"/>
           </a:p>
@@ -4611,7 +4731,7 @@
           <a:p>
             <a:fld id="{F766E70F-5320-45A5-BE33-1819A93C2AF4}" type="datetime1">
               <a:rPr lang="en-US" smtClean="0"/>
-              <a:t>9/28/2023</a:t>
+              <a:t>9/30/2023</a:t>
             </a:fld>
             <a:endParaRPr lang="en-US"/>
           </a:p>
@@ -4852,7 +4972,7 @@
           <a:p>
             <a:fld id="{A706458B-0289-40FF-A02D-2C541B7F1CB6}" type="datetime1">
               <a:rPr lang="en-US" smtClean="0"/>
-              <a:t>9/28/2023</a:t>
+              <a:t>9/30/2023</a:t>
             </a:fld>
             <a:endParaRPr lang="en-US"/>
           </a:p>
@@ -5945,6 +6065,101 @@
 </p:sld>
 </file>
 
+<file path=ppt/slides/slide10.xml><?xml version="1.0" encoding="utf-8"?>
+<p:sld xmlns:a="http://schemas.openxmlformats.org/drawingml/2006/main" xmlns:r="http://schemas.openxmlformats.org/officeDocument/2006/relationships" xmlns:p="http://schemas.openxmlformats.org/presentationml/2006/main">
+  <p:cSld>
+    <p:spTree>
+      <p:nvGrpSpPr>
+        <p:cNvPr id="1" name=""/>
+        <p:cNvGrpSpPr/>
+        <p:nvPr/>
+      </p:nvGrpSpPr>
+      <p:grpSpPr>
+        <a:xfrm>
+          <a:off x="0" y="0"/>
+          <a:ext cx="0" cy="0"/>
+          <a:chOff x="0" y="0"/>
+          <a:chExt cx="0" cy="0"/>
+        </a:xfrm>
+      </p:grpSpPr>
+      <p:sp>
+        <p:nvSpPr>
+          <p:cNvPr id="4" name="Slide Number Placeholder 3">
+            <a:extLst>
+              <a:ext uri="{FF2B5EF4-FFF2-40B4-BE49-F238E27FC236}">
+                <a16:creationId xmlns:a16="http://schemas.microsoft.com/office/drawing/2014/main" id="{DB47E6D4-11C1-7FA3-40FD-EC8CC1AC8613}"/>
+              </a:ext>
+            </a:extLst>
+          </p:cNvPr>
+          <p:cNvSpPr>
+            <a:spLocks noGrp="1"/>
+          </p:cNvSpPr>
+          <p:nvPr>
+            <p:ph type="sldNum" sz="quarter" idx="12"/>
+          </p:nvPr>
+        </p:nvSpPr>
+        <p:spPr/>
+        <p:txBody>
+          <a:bodyPr/>
+          <a:lstStyle/>
+          <a:p>
+            <a:fld id="{666274A1-CF9C-426A-8DD4-B13ED0C24231}" type="slidenum">
+              <a:rPr lang="en-US" smtClean="0"/>
+              <a:t>9</a:t>
+            </a:fld>
+            <a:endParaRPr lang="en-US"/>
+          </a:p>
+        </p:txBody>
+      </p:sp>
+      <p:sp>
+        <p:nvSpPr>
+          <p:cNvPr id="5" name="TextBox 4">
+            <a:extLst>
+              <a:ext uri="{FF2B5EF4-FFF2-40B4-BE49-F238E27FC236}">
+                <a16:creationId xmlns:a16="http://schemas.microsoft.com/office/drawing/2014/main" id="{DE342AA9-4E4B-2420-9858-9BBA5A519307}"/>
+              </a:ext>
+            </a:extLst>
+          </p:cNvPr>
+          <p:cNvSpPr txBox="1"/>
+          <p:nvPr/>
+        </p:nvSpPr>
+        <p:spPr>
+          <a:xfrm>
+            <a:off x="2697986" y="2967335"/>
+            <a:ext cx="6796028" cy="923330"/>
+          </a:xfrm>
+          <a:prstGeom prst="rect">
+            <a:avLst/>
+          </a:prstGeom>
+          <a:noFill/>
+        </p:spPr>
+        <p:txBody>
+          <a:bodyPr wrap="none" rtlCol="0">
+            <a:spAutoFit/>
+          </a:bodyPr>
+          <a:lstStyle/>
+          <a:p>
+            <a:r>
+              <a:rPr lang="en-US" altLang="zh-TW" sz="5400" dirty="0"/>
+              <a:t>Thank you for listening!</a:t>
+            </a:r>
+            <a:endParaRPr lang="zh-TW" altLang="en-US" sz="5400" dirty="0"/>
+          </a:p>
+        </p:txBody>
+      </p:sp>
+    </p:spTree>
+    <p:extLst>
+      <p:ext uri="{BB962C8B-B14F-4D97-AF65-F5344CB8AC3E}">
+        <p14:creationId xmlns:p14="http://schemas.microsoft.com/office/powerpoint/2010/main" val="1947749228"/>
+      </p:ext>
+    </p:extLst>
+  </p:cSld>
+  <p:clrMapOvr>
+    <a:masterClrMapping/>
+  </p:clrMapOvr>
+</p:sld>
+</file>
+
 <file path=ppt/slides/slide2.xml><?xml version="1.0" encoding="utf-8"?>
 <p:sld xmlns:a="http://schemas.openxmlformats.org/drawingml/2006/main" xmlns:r="http://schemas.openxmlformats.org/officeDocument/2006/relationships" xmlns:p="http://schemas.openxmlformats.org/presentationml/2006/main">
   <p:cSld>
@@ -7127,12 +7342,22 @@
                   <a:buAutoNum type="arabicPeriod"/>
                 </a:pPr>
                 <a:r>
-                  <a:rPr lang="en-US" altLang="zh-TW" dirty="0">
+                  <a:rPr lang="en-US" altLang="zh-TW" sz="3200" dirty="0">
                     <a:latin typeface="Times" panose="02020603050405020304" pitchFamily="18" charset="0"/>
                     <a:cs typeface="Times" panose="02020603050405020304" pitchFamily="18" charset="0"/>
                   </a:rPr>
                   <a:t>Routability-driven Placement Problem</a:t>
                 </a:r>
+              </a:p>
+              <a:p>
+                <a:pPr marL="514350" indent="-514350">
+                  <a:buFont typeface="+mj-lt"/>
+                  <a:buAutoNum type="arabicPeriod"/>
+                </a:pPr>
+                <a:endParaRPr lang="en-US" altLang="zh-TW" sz="3200" dirty="0">
+                  <a:latin typeface="Times" panose="02020603050405020304" pitchFamily="18" charset="0"/>
+                  <a:cs typeface="Times" panose="02020603050405020304" pitchFamily="18" charset="0"/>
+                </a:endParaRPr>
               </a:p>
               <a:p>
                 <a:pPr marL="514350" indent="-514350">
@@ -7146,7 +7371,7 @@
               </a:p>
               <a:p>
                 <a:r>
-                  <a:rPr lang="en-US" altLang="zh-TW" sz="2400" dirty="0">
+                  <a:rPr lang="en-US" altLang="zh-TW" dirty="0">
                     <a:latin typeface="Times" panose="02020603050405020304" pitchFamily="18" charset="0"/>
                     <a:cs typeface="Times" panose="02020603050405020304" pitchFamily="18" charset="0"/>
                   </a:rPr>
@@ -7155,7 +7380,7 @@
                 <a14:m>
                   <m:oMath xmlns:m="http://schemas.openxmlformats.org/officeDocument/2006/math">
                     <m:r>
-                      <a:rPr lang="en-US" altLang="zh-TW" sz="2400" i="1" dirty="0" smtClean="0">
+                      <a:rPr lang="en-US" altLang="zh-TW" i="1" dirty="0" smtClean="0">
                         <a:latin typeface="Cambria Math" panose="02040503050406030204" pitchFamily="18" charset="0"/>
                         <a:cs typeface="Times" panose="02020603050405020304" pitchFamily="18" charset="0"/>
                       </a:rPr>
@@ -7164,7 +7389,7 @@
                     <m:sSub>
                       <m:sSubPr>
                         <m:ctrlPr>
-                          <a:rPr lang="en-US" altLang="zh-TW" sz="2400" b="0" i="1" dirty="0" smtClean="0">
+                          <a:rPr lang="en-US" altLang="zh-TW" b="0" i="1" dirty="0" smtClean="0">
                             <a:latin typeface="Cambria Math" panose="02040503050406030204" pitchFamily="18" charset="0"/>
                             <a:cs typeface="Times" panose="02020603050405020304" pitchFamily="18" charset="0"/>
                           </a:rPr>
@@ -7172,7 +7397,7 @@
                       </m:sSubPr>
                       <m:e>
                         <m:r>
-                          <a:rPr lang="en-US" altLang="zh-TW" sz="2400" i="1" dirty="0" smtClean="0">
+                          <a:rPr lang="en-US" altLang="zh-TW" i="1" dirty="0" smtClean="0">
                             <a:latin typeface="Cambria Math" panose="02040503050406030204" pitchFamily="18" charset="0"/>
                             <a:cs typeface="Times" panose="02020603050405020304" pitchFamily="18" charset="0"/>
                           </a:rPr>
@@ -7181,7 +7406,7 @@
                       </m:e>
                       <m:sub>
                         <m:r>
-                          <a:rPr lang="en-US" altLang="zh-TW" sz="2400" b="0" i="1" dirty="0" smtClean="0">
+                          <a:rPr lang="en-US" altLang="zh-TW" b="0" i="1" dirty="0" smtClean="0">
                             <a:latin typeface="Cambria Math" panose="02040503050406030204" pitchFamily="18" charset="0"/>
                             <a:cs typeface="Times" panose="02020603050405020304" pitchFamily="18" charset="0"/>
                           </a:rPr>
@@ -7190,7 +7415,7 @@
                       </m:sub>
                     </m:sSub>
                     <m:r>
-                      <a:rPr lang="en-US" altLang="zh-TW" sz="2400" i="1" dirty="0" smtClean="0">
+                      <a:rPr lang="en-US" altLang="zh-TW" i="1" dirty="0" smtClean="0">
                         <a:latin typeface="Cambria Math" panose="02040503050406030204" pitchFamily="18" charset="0"/>
                         <a:cs typeface="Times" panose="02020603050405020304" pitchFamily="18" charset="0"/>
                       </a:rPr>
@@ -7199,7 +7424,7 @@
                     <m:sSub>
                       <m:sSubPr>
                         <m:ctrlPr>
-                          <a:rPr lang="en-US" altLang="zh-TW" sz="2400" b="0" i="1" dirty="0" smtClean="0">
+                          <a:rPr lang="en-US" altLang="zh-TW" b="0" i="1" dirty="0" smtClean="0">
                             <a:latin typeface="Cambria Math" panose="02040503050406030204" pitchFamily="18" charset="0"/>
                             <a:cs typeface="Times" panose="02020603050405020304" pitchFamily="18" charset="0"/>
                           </a:rPr>
@@ -7207,7 +7432,7 @@
                       </m:sSubPr>
                       <m:e>
                         <m:r>
-                          <a:rPr lang="en-US" altLang="zh-TW" sz="2400" i="1" dirty="0" smtClean="0">
+                          <a:rPr lang="en-US" altLang="zh-TW" i="1" dirty="0" smtClean="0">
                             <a:latin typeface="Cambria Math" panose="02040503050406030204" pitchFamily="18" charset="0"/>
                             <a:cs typeface="Times" panose="02020603050405020304" pitchFamily="18" charset="0"/>
                           </a:rPr>
@@ -7216,7 +7441,7 @@
                       </m:e>
                       <m:sub>
                         <m:r>
-                          <a:rPr lang="en-US" altLang="zh-TW" sz="2400" b="0" i="1" dirty="0" smtClean="0">
+                          <a:rPr lang="en-US" altLang="zh-TW" b="0" i="1" dirty="0" smtClean="0">
                             <a:latin typeface="Cambria Math" panose="02040503050406030204" pitchFamily="18" charset="0"/>
                             <a:cs typeface="Times" panose="02020603050405020304" pitchFamily="18" charset="0"/>
                           </a:rPr>
@@ -7225,7 +7450,7 @@
                       </m:sub>
                     </m:sSub>
                     <m:r>
-                      <a:rPr lang="en-US" altLang="zh-TW" sz="2400" i="1" dirty="0" smtClean="0">
+                      <a:rPr lang="en-US" altLang="zh-TW" i="1" dirty="0" smtClean="0">
                         <a:latin typeface="Cambria Math" panose="02040503050406030204" pitchFamily="18" charset="0"/>
                         <a:cs typeface="Times" panose="02020603050405020304" pitchFamily="18" charset="0"/>
                       </a:rPr>
@@ -7234,7 +7459,7 @@
                     <m:sSub>
                       <m:sSubPr>
                         <m:ctrlPr>
-                          <a:rPr lang="en-US" altLang="zh-TW" sz="2400" b="0" i="1" dirty="0" smtClean="0">
+                          <a:rPr lang="en-US" altLang="zh-TW" b="0" i="1" dirty="0" smtClean="0">
                             <a:latin typeface="Cambria Math" panose="02040503050406030204" pitchFamily="18" charset="0"/>
                             <a:cs typeface="Times" panose="02020603050405020304" pitchFamily="18" charset="0"/>
                           </a:rPr>
@@ -7242,7 +7467,7 @@
                       </m:sSubPr>
                       <m:e>
                         <m:r>
-                          <a:rPr lang="en-US" altLang="zh-TW" sz="2400" i="1" dirty="0" err="1" smtClean="0">
+                          <a:rPr lang="en-US" altLang="zh-TW" i="1" dirty="0" err="1" smtClean="0">
                             <a:latin typeface="Cambria Math" panose="02040503050406030204" pitchFamily="18" charset="0"/>
                             <a:cs typeface="Times" panose="02020603050405020304" pitchFamily="18" charset="0"/>
                           </a:rPr>
@@ -7251,7 +7476,7 @@
                       </m:e>
                       <m:sub>
                         <m:r>
-                          <a:rPr lang="en-US" altLang="zh-TW" sz="2400" b="0" i="1" dirty="0" smtClean="0">
+                          <a:rPr lang="en-US" altLang="zh-TW" b="0" i="1" dirty="0" smtClean="0">
                             <a:latin typeface="Cambria Math" panose="02040503050406030204" pitchFamily="18" charset="0"/>
                             <a:cs typeface="Times" panose="02020603050405020304" pitchFamily="18" charset="0"/>
                           </a:rPr>
@@ -7260,7 +7485,7 @@
                       </m:sub>
                     </m:sSub>
                     <m:r>
-                      <a:rPr lang="en-US" altLang="zh-TW" sz="2400" i="1" dirty="0" smtClean="0">
+                      <a:rPr lang="en-US" altLang="zh-TW" i="1" dirty="0" smtClean="0">
                         <a:latin typeface="Cambria Math" panose="02040503050406030204" pitchFamily="18" charset="0"/>
                         <a:cs typeface="Times" panose="02020603050405020304" pitchFamily="18" charset="0"/>
                       </a:rPr>
@@ -7269,7 +7494,7 @@
                   </m:oMath>
                 </a14:m>
                 <a:r>
-                  <a:rPr lang="en-US" altLang="zh-TW" sz="2400" i="0" dirty="0">
+                  <a:rPr lang="en-US" altLang="zh-TW" i="0" dirty="0">
                     <a:latin typeface="+mj-lt"/>
                     <a:cs typeface="Times" panose="02020603050405020304" pitchFamily="18" charset="0"/>
                   </a:rPr>
@@ -7278,7 +7503,7 @@
                 <a14:m>
                   <m:oMath xmlns:m="http://schemas.openxmlformats.org/officeDocument/2006/math">
                     <m:r>
-                      <a:rPr lang="en-US" altLang="zh-TW" sz="2400" i="1" dirty="0" smtClean="0">
+                      <a:rPr lang="en-US" altLang="zh-TW" i="1" dirty="0" smtClean="0">
                         <a:latin typeface="Cambria Math" panose="02040503050406030204" pitchFamily="18" charset="0"/>
                         <a:cs typeface="Times" panose="02020603050405020304" pitchFamily="18" charset="0"/>
                       </a:rPr>
@@ -7287,7 +7512,7 @@
                   </m:oMath>
                 </a14:m>
                 <a:r>
-                  <a:rPr lang="en-US" altLang="zh-TW" sz="2400" dirty="0">
+                  <a:rPr lang="en-US" altLang="zh-TW" dirty="0">
                     <a:latin typeface="Times" panose="02020603050405020304" pitchFamily="18" charset="0"/>
                     <a:cs typeface="Times" panose="02020603050405020304" pitchFamily="18" charset="0"/>
                   </a:rPr>
@@ -7296,7 +7521,7 @@
                 <a14:m>
                   <m:oMath xmlns:m="http://schemas.openxmlformats.org/officeDocument/2006/math">
                     <m:r>
-                      <a:rPr lang="en-US" altLang="zh-TW" sz="2400" i="1" dirty="0" smtClean="0">
+                      <a:rPr lang="en-US" altLang="zh-TW" i="1" dirty="0" smtClean="0">
                         <a:latin typeface="Cambria Math" panose="02040503050406030204" pitchFamily="18" charset="0"/>
                         <a:cs typeface="Times" panose="02020603050405020304" pitchFamily="18" charset="0"/>
                       </a:rPr>
@@ -7305,7 +7530,7 @@
                     <m:sSub>
                       <m:sSubPr>
                         <m:ctrlPr>
-                          <a:rPr lang="en-US" altLang="zh-TW" sz="2400" b="0" i="1" dirty="0" smtClean="0">
+                          <a:rPr lang="en-US" altLang="zh-TW" b="0" i="1" dirty="0" smtClean="0">
                             <a:latin typeface="Cambria Math" panose="02040503050406030204" pitchFamily="18" charset="0"/>
                             <a:cs typeface="Times" panose="02020603050405020304" pitchFamily="18" charset="0"/>
                           </a:rPr>
@@ -7313,7 +7538,7 @@
                       </m:sSubPr>
                       <m:e>
                         <m:r>
-                          <a:rPr lang="en-US" altLang="zh-TW" sz="2400" i="1" dirty="0" smtClean="0">
+                          <a:rPr lang="en-US" altLang="zh-TW" i="1" dirty="0" smtClean="0">
                             <a:latin typeface="Cambria Math" panose="02040503050406030204" pitchFamily="18" charset="0"/>
                             <a:cs typeface="Times" panose="02020603050405020304" pitchFamily="18" charset="0"/>
                           </a:rPr>
@@ -7322,7 +7547,7 @@
                       </m:e>
                       <m:sub>
                         <m:r>
-                          <a:rPr lang="en-US" altLang="zh-TW" sz="2400" b="0" i="1" dirty="0" smtClean="0">
+                          <a:rPr lang="en-US" altLang="zh-TW" b="0" i="1" dirty="0" smtClean="0">
                             <a:latin typeface="Cambria Math" panose="02040503050406030204" pitchFamily="18" charset="0"/>
                             <a:cs typeface="Times" panose="02020603050405020304" pitchFamily="18" charset="0"/>
                           </a:rPr>
@@ -7331,7 +7556,7 @@
                       </m:sub>
                     </m:sSub>
                     <m:r>
-                      <a:rPr lang="en-US" altLang="zh-TW" sz="2400" i="1" dirty="0" smtClean="0">
+                      <a:rPr lang="en-US" altLang="zh-TW" i="1" dirty="0" smtClean="0">
                         <a:latin typeface="Cambria Math" panose="02040503050406030204" pitchFamily="18" charset="0"/>
                         <a:cs typeface="Times" panose="02020603050405020304" pitchFamily="18" charset="0"/>
                       </a:rPr>
@@ -7340,7 +7565,7 @@
                     <m:sSub>
                       <m:sSubPr>
                         <m:ctrlPr>
-                          <a:rPr lang="en-US" altLang="zh-TW" sz="2400" b="0" i="1" dirty="0" smtClean="0">
+                          <a:rPr lang="en-US" altLang="zh-TW" b="0" i="1" dirty="0" smtClean="0">
                             <a:latin typeface="Cambria Math" panose="02040503050406030204" pitchFamily="18" charset="0"/>
                             <a:cs typeface="Times" panose="02020603050405020304" pitchFamily="18" charset="0"/>
                           </a:rPr>
@@ -7348,7 +7573,7 @@
                       </m:sSubPr>
                       <m:e>
                         <m:r>
-                          <a:rPr lang="en-US" altLang="zh-TW" sz="2400" i="1" dirty="0" smtClean="0">
+                          <a:rPr lang="en-US" altLang="zh-TW" i="1" dirty="0" smtClean="0">
                             <a:latin typeface="Cambria Math" panose="02040503050406030204" pitchFamily="18" charset="0"/>
                             <a:cs typeface="Times" panose="02020603050405020304" pitchFamily="18" charset="0"/>
                           </a:rPr>
@@ -7357,7 +7582,7 @@
                       </m:e>
                       <m:sub>
                         <m:r>
-                          <a:rPr lang="en-US" altLang="zh-TW" sz="2400" i="1" dirty="0" smtClean="0">
+                          <a:rPr lang="en-US" altLang="zh-TW" i="1" dirty="0" smtClean="0">
                             <a:latin typeface="Cambria Math" panose="02040503050406030204" pitchFamily="18" charset="0"/>
                             <a:cs typeface="Times" panose="02020603050405020304" pitchFamily="18" charset="0"/>
                           </a:rPr>
@@ -7366,7 +7591,7 @@
                       </m:sub>
                     </m:sSub>
                     <m:r>
-                      <a:rPr lang="en-US" altLang="zh-TW" sz="2400" i="1" dirty="0" smtClean="0">
+                      <a:rPr lang="en-US" altLang="zh-TW" i="1" dirty="0" smtClean="0">
                         <a:latin typeface="Cambria Math" panose="02040503050406030204" pitchFamily="18" charset="0"/>
                         <a:cs typeface="Times" panose="02020603050405020304" pitchFamily="18" charset="0"/>
                       </a:rPr>
@@ -7375,7 +7600,7 @@
                     <m:sSub>
                       <m:sSubPr>
                         <m:ctrlPr>
-                          <a:rPr lang="en-US" altLang="zh-TW" sz="2400" b="0" i="1" dirty="0" smtClean="0">
+                          <a:rPr lang="en-US" altLang="zh-TW" b="0" i="1" dirty="0" smtClean="0">
                             <a:latin typeface="Cambria Math" panose="02040503050406030204" pitchFamily="18" charset="0"/>
                             <a:cs typeface="Times" panose="02020603050405020304" pitchFamily="18" charset="0"/>
                           </a:rPr>
@@ -7383,7 +7608,7 @@
                       </m:sSubPr>
                       <m:e>
                         <m:r>
-                          <a:rPr lang="en-US" altLang="zh-TW" sz="2400" i="1" dirty="0" err="1" smtClean="0">
+                          <a:rPr lang="en-US" altLang="zh-TW" i="1" dirty="0" err="1" smtClean="0">
                             <a:latin typeface="Cambria Math" panose="02040503050406030204" pitchFamily="18" charset="0"/>
                             <a:cs typeface="Times" panose="02020603050405020304" pitchFamily="18" charset="0"/>
                           </a:rPr>
@@ -7392,7 +7617,7 @@
                       </m:e>
                       <m:sub>
                         <m:r>
-                          <a:rPr lang="en-US" altLang="zh-TW" sz="2400" b="0" i="1" dirty="0" smtClean="0">
+                          <a:rPr lang="en-US" altLang="zh-TW" b="0" i="1" dirty="0" smtClean="0">
                             <a:latin typeface="Cambria Math" panose="02040503050406030204" pitchFamily="18" charset="0"/>
                             <a:cs typeface="Times" panose="02020603050405020304" pitchFamily="18" charset="0"/>
                           </a:rPr>
@@ -7401,7 +7626,7 @@
                       </m:sub>
                     </m:sSub>
                     <m:r>
-                      <a:rPr lang="en-US" altLang="zh-TW" sz="2400" i="1" dirty="0" smtClean="0">
+                      <a:rPr lang="en-US" altLang="zh-TW" i="1" dirty="0" smtClean="0">
                         <a:latin typeface="Cambria Math" panose="02040503050406030204" pitchFamily="18" charset="0"/>
                         <a:cs typeface="Times" panose="02020603050405020304" pitchFamily="18" charset="0"/>
                       </a:rPr>
@@ -7410,7 +7635,7 @@
                   </m:oMath>
                 </a14:m>
                 <a:r>
-                  <a:rPr lang="en-US" altLang="zh-TW" sz="2400" dirty="0">
+                  <a:rPr lang="en-US" altLang="zh-TW" dirty="0">
                     <a:latin typeface="Times" panose="02020603050405020304" pitchFamily="18" charset="0"/>
                     <a:cs typeface="Times" panose="02020603050405020304" pitchFamily="18" charset="0"/>
                   </a:rPr>
@@ -7424,36 +7649,41 @@
                 </a:endParaRPr>
               </a:p>
               <a:p>
+                <a:pPr>
+                  <a:lnSpc>
+                    <a:spcPct val="130000"/>
+                  </a:lnSpc>
+                </a:pPr>
                 <a:r>
-                  <a:rPr lang="en-US" altLang="zh-TW" sz="2400" dirty="0">
+                  <a:rPr lang="en-US" altLang="zh-TW" dirty="0">
                     <a:latin typeface="Times" panose="02020603050405020304" pitchFamily="18" charset="0"/>
                     <a:cs typeface="Times" panose="02020603050405020304" pitchFamily="18" charset="0"/>
                   </a:rPr>
                   <a:t>The placement solution= (</a:t>
                 </a:r>
                 <a:r>
-                  <a:rPr lang="en-US" altLang="zh-TW" sz="2400" b="1" dirty="0">
+                  <a:rPr lang="en-US" altLang="zh-TW" b="1" dirty="0">
                     <a:latin typeface="Times" panose="02020603050405020304" pitchFamily="18" charset="0"/>
                     <a:cs typeface="Times" panose="02020603050405020304" pitchFamily="18" charset="0"/>
                   </a:rPr>
                   <a:t>x</a:t>
                 </a:r>
                 <a:r>
-                  <a:rPr lang="en-US" altLang="zh-TW" sz="2400" dirty="0">
+                  <a:rPr lang="en-US" altLang="zh-TW" dirty="0">
                     <a:latin typeface="Times" panose="02020603050405020304" pitchFamily="18" charset="0"/>
                     <a:cs typeface="Times" panose="02020603050405020304" pitchFamily="18" charset="0"/>
                   </a:rPr>
                   <a:t>, </a:t>
                 </a:r>
                 <a:r>
-                  <a:rPr lang="en-US" altLang="zh-TW" sz="2400" b="1" dirty="0">
+                  <a:rPr lang="en-US" altLang="zh-TW" b="1" dirty="0">
                     <a:latin typeface="Times" panose="02020603050405020304" pitchFamily="18" charset="0"/>
                     <a:cs typeface="Times" panose="02020603050405020304" pitchFamily="18" charset="0"/>
                   </a:rPr>
                   <a:t>y</a:t>
                 </a:r>
                 <a:r>
-                  <a:rPr lang="en-US" altLang="zh-TW" sz="2400" dirty="0">
+                  <a:rPr lang="en-US" altLang="zh-TW" dirty="0">
                     <a:latin typeface="Times" panose="02020603050405020304" pitchFamily="18" charset="0"/>
                     <a:cs typeface="Times" panose="02020603050405020304" pitchFamily="18" charset="0"/>
                   </a:rPr>
@@ -7462,7 +7692,7 @@
                 <a14:m>
                   <m:oMath xmlns:m="http://schemas.openxmlformats.org/officeDocument/2006/math">
                     <m:r>
-                      <a:rPr lang="en-US" altLang="zh-TW" sz="2400" i="1" dirty="0" smtClean="0">
+                      <a:rPr lang="en-US" altLang="zh-TW" i="1" dirty="0" smtClean="0">
                         <a:latin typeface="Cambria Math" panose="02040503050406030204" pitchFamily="18" charset="0"/>
                         <a:cs typeface="Times" panose="02020603050405020304" pitchFamily="18" charset="0"/>
                       </a:rPr>
@@ -7471,7 +7701,7 @@
                     <m:sSub>
                       <m:sSubPr>
                         <m:ctrlPr>
-                          <a:rPr lang="en-US" altLang="zh-TW" sz="2400" b="0" i="1" dirty="0" smtClean="0">
+                          <a:rPr lang="en-US" altLang="zh-TW" b="0" i="1" dirty="0" smtClean="0">
                             <a:latin typeface="Cambria Math" panose="02040503050406030204" pitchFamily="18" charset="0"/>
                             <a:cs typeface="Times" panose="02020603050405020304" pitchFamily="18" charset="0"/>
                           </a:rPr>
@@ -7479,7 +7709,7 @@
                       </m:sSubPr>
                       <m:e>
                         <m:r>
-                          <a:rPr lang="en-US" altLang="zh-TW" sz="2400" i="1" dirty="0" smtClean="0">
+                          <a:rPr lang="en-US" altLang="zh-TW" i="1" dirty="0" smtClean="0">
                             <a:latin typeface="Cambria Math" panose="02040503050406030204" pitchFamily="18" charset="0"/>
                             <a:cs typeface="Times" panose="02020603050405020304" pitchFamily="18" charset="0"/>
                           </a:rPr>
@@ -7488,7 +7718,7 @@
                       </m:e>
                       <m:sub>
                         <m:r>
-                          <a:rPr lang="en-US" altLang="zh-TW" sz="2400" i="1" dirty="0" smtClean="0">
+                          <a:rPr lang="en-US" altLang="zh-TW" i="1" dirty="0" smtClean="0">
                             <a:latin typeface="Cambria Math" panose="02040503050406030204" pitchFamily="18" charset="0"/>
                             <a:cs typeface="Times" panose="02020603050405020304" pitchFamily="18" charset="0"/>
                           </a:rPr>
@@ -7497,7 +7727,7 @@
                       </m:sub>
                     </m:sSub>
                     <m:r>
-                      <a:rPr lang="en-US" altLang="zh-TW" sz="2400" i="1" dirty="0" smtClean="0">
+                      <a:rPr lang="en-US" altLang="zh-TW" i="1" dirty="0" smtClean="0">
                         <a:latin typeface="Cambria Math" panose="02040503050406030204" pitchFamily="18" charset="0"/>
                         <a:cs typeface="Times" panose="02020603050405020304" pitchFamily="18" charset="0"/>
                       </a:rPr>
@@ -7506,7 +7736,7 @@
                     <m:sSub>
                       <m:sSubPr>
                         <m:ctrlPr>
-                          <a:rPr lang="en-US" altLang="zh-TW" sz="2400" b="0" i="1" dirty="0" smtClean="0">
+                          <a:rPr lang="en-US" altLang="zh-TW" b="0" i="1" dirty="0" smtClean="0">
                             <a:latin typeface="Cambria Math" panose="02040503050406030204" pitchFamily="18" charset="0"/>
                             <a:cs typeface="Times" panose="02020603050405020304" pitchFamily="18" charset="0"/>
                           </a:rPr>
@@ -7514,7 +7744,7 @@
                       </m:sSubPr>
                       <m:e>
                         <m:r>
-                          <a:rPr lang="en-US" altLang="zh-TW" sz="2400" i="1" dirty="0" err="1" smtClean="0">
+                          <a:rPr lang="en-US" altLang="zh-TW" i="1" dirty="0" err="1" smtClean="0">
                             <a:latin typeface="Cambria Math" panose="02040503050406030204" pitchFamily="18" charset="0"/>
                             <a:cs typeface="Times" panose="02020603050405020304" pitchFamily="18" charset="0"/>
                           </a:rPr>
@@ -7523,7 +7753,7 @@
                       </m:e>
                       <m:sub>
                         <m:r>
-                          <a:rPr lang="en-US" altLang="zh-TW" sz="2400" i="1" dirty="0" err="1" smtClean="0">
+                          <a:rPr lang="en-US" altLang="zh-TW" i="1" dirty="0" err="1" smtClean="0">
                             <a:latin typeface="Cambria Math" panose="02040503050406030204" pitchFamily="18" charset="0"/>
                             <a:cs typeface="Times" panose="02020603050405020304" pitchFamily="18" charset="0"/>
                           </a:rPr>
@@ -7532,7 +7762,7 @@
                       </m:sub>
                     </m:sSub>
                     <m:r>
-                      <a:rPr lang="en-US" altLang="zh-TW" sz="2400" i="1" dirty="0" smtClean="0">
+                      <a:rPr lang="en-US" altLang="zh-TW" i="1" dirty="0" smtClean="0">
                         <a:latin typeface="Cambria Math" panose="02040503050406030204" pitchFamily="18" charset="0"/>
                         <a:cs typeface="Times" panose="02020603050405020304" pitchFamily="18" charset="0"/>
                       </a:rPr>
@@ -7541,7 +7771,7 @@
                     <m:sSub>
                       <m:sSubPr>
                         <m:ctrlPr>
-                          <a:rPr lang="en-US" altLang="zh-TW" sz="2400" b="0" i="1" dirty="0" smtClean="0">
+                          <a:rPr lang="en-US" altLang="zh-TW" b="0" i="1" dirty="0" smtClean="0">
                             <a:latin typeface="Cambria Math" panose="02040503050406030204" pitchFamily="18" charset="0"/>
                             <a:cs typeface="Times" panose="02020603050405020304" pitchFamily="18" charset="0"/>
                           </a:rPr>
@@ -7549,7 +7779,7 @@
                       </m:sSubPr>
                       <m:e>
                         <m:r>
-                          <a:rPr lang="en-US" altLang="zh-TW" sz="2400" i="1" dirty="0" smtClean="0">
+                          <a:rPr lang="en-US" altLang="zh-TW" i="1" dirty="0" smtClean="0">
                             <a:latin typeface="Cambria Math" panose="02040503050406030204" pitchFamily="18" charset="0"/>
                             <a:cs typeface="Times" panose="02020603050405020304" pitchFamily="18" charset="0"/>
                           </a:rPr>
@@ -7558,7 +7788,7 @@
                       </m:e>
                       <m:sub>
                         <m:r>
-                          <a:rPr lang="en-US" altLang="zh-TW" sz="2400" i="1" dirty="0" smtClean="0">
+                          <a:rPr lang="en-US" altLang="zh-TW" i="1" dirty="0" smtClean="0">
                             <a:latin typeface="Cambria Math" panose="02040503050406030204" pitchFamily="18" charset="0"/>
                             <a:cs typeface="Times" panose="02020603050405020304" pitchFamily="18" charset="0"/>
                           </a:rPr>
@@ -7567,7 +7797,7 @@
                       </m:sub>
                     </m:sSub>
                     <m:r>
-                      <a:rPr lang="en-US" altLang="zh-TW" sz="2400" i="1" dirty="0" smtClean="0">
+                      <a:rPr lang="en-US" altLang="zh-TW" i="1" dirty="0" smtClean="0">
                         <a:latin typeface="Cambria Math" panose="02040503050406030204" pitchFamily="18" charset="0"/>
                         <a:cs typeface="Times" panose="02020603050405020304" pitchFamily="18" charset="0"/>
                       </a:rPr>
@@ -7576,7 +7806,7 @@
                     <m:sSub>
                       <m:sSubPr>
                         <m:ctrlPr>
-                          <a:rPr lang="en-US" altLang="zh-TW" sz="2400" b="0" i="1" dirty="0" smtClean="0">
+                          <a:rPr lang="en-US" altLang="zh-TW" b="0" i="1" dirty="0" smtClean="0">
                             <a:latin typeface="Cambria Math" panose="02040503050406030204" pitchFamily="18" charset="0"/>
                             <a:cs typeface="Times" panose="02020603050405020304" pitchFamily="18" charset="0"/>
                           </a:rPr>
@@ -7584,7 +7814,7 @@
                       </m:sSubPr>
                       <m:e>
                         <m:r>
-                          <a:rPr lang="en-US" altLang="zh-TW" sz="2400" i="1" dirty="0" err="1" smtClean="0">
+                          <a:rPr lang="en-US" altLang="zh-TW" i="1" dirty="0" err="1" smtClean="0">
                             <a:latin typeface="Cambria Math" panose="02040503050406030204" pitchFamily="18" charset="0"/>
                             <a:cs typeface="Times" panose="02020603050405020304" pitchFamily="18" charset="0"/>
                           </a:rPr>
@@ -7593,7 +7823,7 @@
                       </m:e>
                       <m:sub>
                         <m:r>
-                          <a:rPr lang="en-US" altLang="zh-TW" sz="2400" b="0" i="1" dirty="0" smtClean="0">
+                          <a:rPr lang="en-US" altLang="zh-TW" b="0" i="1" dirty="0" smtClean="0">
                             <a:latin typeface="Cambria Math" panose="02040503050406030204" pitchFamily="18" charset="0"/>
                             <a:cs typeface="Times" panose="02020603050405020304" pitchFamily="18" charset="0"/>
                           </a:rPr>
@@ -7602,7 +7832,7 @@
                       </m:sub>
                     </m:sSub>
                     <m:r>
-                      <a:rPr lang="en-US" altLang="zh-TW" sz="2400" i="1" dirty="0" smtClean="0">
+                      <a:rPr lang="en-US" altLang="zh-TW" i="1" dirty="0" smtClean="0">
                         <a:latin typeface="Cambria Math" panose="02040503050406030204" pitchFamily="18" charset="0"/>
                         <a:cs typeface="Times" panose="02020603050405020304" pitchFamily="18" charset="0"/>
                       </a:rPr>
@@ -7611,18 +7841,18 @@
                   </m:oMath>
                 </a14:m>
                 <a:r>
-                  <a:rPr lang="en-US" altLang="zh-TW" sz="2400" dirty="0">
+                  <a:rPr lang="en-US" altLang="zh-TW" dirty="0">
                     <a:latin typeface="Times" panose="02020603050405020304" pitchFamily="18" charset="0"/>
                     <a:cs typeface="Times" panose="02020603050405020304" pitchFamily="18" charset="0"/>
                   </a:rPr>
-                  <a:t>, where(</a:t>
+                  <a:t>, where (</a:t>
                 </a:r>
                 <a14:m>
                   <m:oMath xmlns:m="http://schemas.openxmlformats.org/officeDocument/2006/math">
                     <m:sSub>
                       <m:sSubPr>
                         <m:ctrlPr>
-                          <a:rPr lang="en-US" altLang="zh-TW" sz="2400" b="0" i="1" smtClean="0">
+                          <a:rPr lang="en-US" altLang="zh-TW" b="0" i="1" smtClean="0">
                             <a:latin typeface="Cambria Math" panose="02040503050406030204" pitchFamily="18" charset="0"/>
                             <a:cs typeface="Times" panose="02020603050405020304" pitchFamily="18" charset="0"/>
                           </a:rPr>
@@ -7630,7 +7860,7 @@
                       </m:sSubPr>
                       <m:e>
                         <m:r>
-                          <a:rPr lang="en-US" altLang="zh-TW" sz="2400" b="0" i="1" smtClean="0">
+                          <a:rPr lang="en-US" altLang="zh-TW" b="0" i="1" smtClean="0">
                             <a:latin typeface="Cambria Math" panose="02040503050406030204" pitchFamily="18" charset="0"/>
                             <a:cs typeface="Times" panose="02020603050405020304" pitchFamily="18" charset="0"/>
                           </a:rPr>
@@ -7639,7 +7869,7 @@
                       </m:e>
                       <m:sub>
                         <m:r>
-                          <a:rPr lang="en-US" altLang="zh-TW" sz="2400" b="0" i="1" smtClean="0">
+                          <a:rPr lang="en-US" altLang="zh-TW" b="0" i="1" smtClean="0">
                             <a:latin typeface="Cambria Math" panose="02040503050406030204" pitchFamily="18" charset="0"/>
                             <a:cs typeface="Times" panose="02020603050405020304" pitchFamily="18" charset="0"/>
                           </a:rPr>
@@ -7648,7 +7878,7 @@
                       </m:sub>
                     </m:sSub>
                     <m:r>
-                      <a:rPr lang="en-US" altLang="zh-TW" sz="2400" b="0" i="1" smtClean="0">
+                      <a:rPr lang="en-US" altLang="zh-TW" b="0" i="1" smtClean="0">
                         <a:latin typeface="Cambria Math" panose="02040503050406030204" pitchFamily="18" charset="0"/>
                         <a:cs typeface="Times" panose="02020603050405020304" pitchFamily="18" charset="0"/>
                       </a:rPr>
@@ -7657,7 +7887,7 @@
                     <m:sSub>
                       <m:sSubPr>
                         <m:ctrlPr>
-                          <a:rPr lang="en-US" altLang="zh-TW" sz="2400" b="0" i="1" smtClean="0">
+                          <a:rPr lang="en-US" altLang="zh-TW" b="0" i="1" smtClean="0">
                             <a:latin typeface="Cambria Math" panose="02040503050406030204" pitchFamily="18" charset="0"/>
                             <a:cs typeface="Times" panose="02020603050405020304" pitchFamily="18" charset="0"/>
                           </a:rPr>
@@ -7665,7 +7895,7 @@
                       </m:sSubPr>
                       <m:e>
                         <m:r>
-                          <a:rPr lang="en-US" altLang="zh-TW" sz="2400" b="0" i="1" smtClean="0">
+                          <a:rPr lang="en-US" altLang="zh-TW" b="0" i="1" smtClean="0">
                             <a:latin typeface="Cambria Math" panose="02040503050406030204" pitchFamily="18" charset="0"/>
                             <a:cs typeface="Times" panose="02020603050405020304" pitchFamily="18" charset="0"/>
                           </a:rPr>
@@ -7674,7 +7904,7 @@
                       </m:e>
                       <m:sub>
                         <m:r>
-                          <a:rPr lang="en-US" altLang="zh-TW" sz="2400" b="0" i="1" smtClean="0">
+                          <a:rPr lang="en-US" altLang="zh-TW" b="0" i="1" smtClean="0">
                             <a:latin typeface="Cambria Math" panose="02040503050406030204" pitchFamily="18" charset="0"/>
                             <a:cs typeface="Times" panose="02020603050405020304" pitchFamily="18" charset="0"/>
                           </a:rPr>
@@ -7685,7 +7915,7 @@
                   </m:oMath>
                 </a14:m>
                 <a:r>
-                  <a:rPr lang="en-US" altLang="zh-TW" sz="2400" dirty="0">
+                  <a:rPr lang="en-US" altLang="zh-TW" dirty="0">
                     <a:latin typeface="Times" panose="02020603050405020304" pitchFamily="18" charset="0"/>
                     <a:cs typeface="Times" panose="02020603050405020304" pitchFamily="18" charset="0"/>
                   </a:rPr>
@@ -7694,7 +7924,7 @@
                 <a14:m>
                   <m:oMath xmlns:m="http://schemas.openxmlformats.org/officeDocument/2006/math">
                     <m:r>
-                      <a:rPr lang="en-US" altLang="zh-TW" sz="2400" b="0" i="1" smtClean="0">
+                      <a:rPr lang="en-US" altLang="zh-TW" b="0" i="1" smtClean="0">
                         <a:latin typeface="Cambria Math" panose="02040503050406030204" pitchFamily="18" charset="0"/>
                         <a:cs typeface="Times" panose="02020603050405020304" pitchFamily="18" charset="0"/>
                       </a:rPr>
@@ -7703,7 +7933,7 @@
                     <m:sSub>
                       <m:sSubPr>
                         <m:ctrlPr>
-                          <a:rPr lang="en-US" altLang="zh-TW" sz="2400" b="0" i="1" smtClean="0">
+                          <a:rPr lang="en-US" altLang="zh-TW" b="0" i="1" smtClean="0">
                             <a:latin typeface="Cambria Math" panose="02040503050406030204" pitchFamily="18" charset="0"/>
                             <a:cs typeface="Times" panose="02020603050405020304" pitchFamily="18" charset="0"/>
                           </a:rPr>
@@ -7711,7 +7941,7 @@
                       </m:sSubPr>
                       <m:e>
                         <m:r>
-                          <a:rPr lang="en-US" altLang="zh-TW" sz="2400" b="0" i="1" smtClean="0">
+                          <a:rPr lang="en-US" altLang="zh-TW" b="0" i="1" smtClean="0">
                             <a:latin typeface="Cambria Math" panose="02040503050406030204" pitchFamily="18" charset="0"/>
                             <a:cs typeface="Times" panose="02020603050405020304" pitchFamily="18" charset="0"/>
                           </a:rPr>
@@ -7720,7 +7950,7 @@
                       </m:e>
                       <m:sub>
                         <m:r>
-                          <a:rPr lang="en-US" altLang="zh-TW" sz="2400" b="0" i="1" smtClean="0">
+                          <a:rPr lang="en-US" altLang="zh-TW" b="0" i="1" smtClean="0">
                             <a:latin typeface="Cambria Math" panose="02040503050406030204" pitchFamily="18" charset="0"/>
                             <a:cs typeface="Times" panose="02020603050405020304" pitchFamily="18" charset="0"/>
                           </a:rPr>
@@ -7731,12 +7961,23 @@
                   </m:oMath>
                 </a14:m>
                 <a:r>
-                  <a:rPr lang="en-US" altLang="zh-TW" sz="2400" b="0" dirty="0">
+                  <a:rPr lang="en-US" altLang="zh-TW" b="0" dirty="0">
                     <a:latin typeface="Times" panose="02020603050405020304" pitchFamily="18" charset="0"/>
                     <a:cs typeface="Times" panose="02020603050405020304" pitchFamily="18" charset="0"/>
                   </a:rPr>
                   <a:t>.</a:t>
                 </a:r>
+              </a:p>
+              <a:p>
+                <a:pPr>
+                  <a:lnSpc>
+                    <a:spcPct val="120000"/>
+                  </a:lnSpc>
+                </a:pPr>
+                <a:endParaRPr lang="en-US" altLang="zh-TW" sz="2400" dirty="0">
+                  <a:latin typeface="Times" panose="02020603050405020304" pitchFamily="18" charset="0"/>
+                  <a:cs typeface="Times" panose="02020603050405020304" pitchFamily="18" charset="0"/>
+                </a:endParaRPr>
               </a:p>
               <a:p>
                 <a:endParaRPr lang="en-US" altLang="zh-TW" sz="2400" b="0" dirty="0">
@@ -7768,7 +8009,7 @@
               <a:blipFill>
                 <a:blip r:embed="rId2"/>
                 <a:stretch>
-                  <a:fillRect l="-1043" t="-2381"/>
+                  <a:fillRect l="-1333" t="-3081"/>
                 </a:stretch>
               </a:blipFill>
             </p:spPr>
@@ -7848,10 +8089,534 @@
       </p:grpSpPr>
       <p:sp>
         <p:nvSpPr>
-          <p:cNvPr id="4" name="Slide Number Placeholder 3">
+          <p:cNvPr id="2" name="標題 1">
             <a:extLst>
               <a:ext uri="{FF2B5EF4-FFF2-40B4-BE49-F238E27FC236}">
-                <a16:creationId xmlns:a16="http://schemas.microsoft.com/office/drawing/2014/main" id="{DB47E6D4-11C1-7FA3-40FD-EC8CC1AC8613}"/>
+                <a16:creationId xmlns:a16="http://schemas.microsoft.com/office/drawing/2014/main" id="{17A4DB43-3782-7A5F-C632-D31E2EC09E1D}"/>
+              </a:ext>
+            </a:extLst>
+          </p:cNvPr>
+          <p:cNvSpPr>
+            <a:spLocks noGrp="1"/>
+          </p:cNvSpPr>
+          <p:nvPr>
+            <p:ph type="title"/>
+          </p:nvPr>
+        </p:nvSpPr>
+        <p:spPr/>
+        <p:txBody>
+          <a:bodyPr/>
+          <a:lstStyle/>
+          <a:p>
+            <a:r>
+              <a:rPr lang="en-US" altLang="zh-TW" dirty="0">
+                <a:latin typeface="Times" panose="02020603050405020304" pitchFamily="18" charset="0"/>
+                <a:cs typeface="Times" panose="02020603050405020304" pitchFamily="18" charset="0"/>
+              </a:rPr>
+              <a:t>Preliminaries</a:t>
+            </a:r>
+            <a:endParaRPr lang="zh-TW" altLang="en-US" dirty="0"/>
+          </a:p>
+        </p:txBody>
+      </p:sp>
+      <mc:AlternateContent xmlns:mc="http://schemas.openxmlformats.org/markup-compatibility/2006">
+        <mc:Choice xmlns:a14="http://schemas.microsoft.com/office/drawing/2010/main" Requires="a14">
+          <p:sp>
+            <p:nvSpPr>
+              <p:cNvPr id="3" name="內容版面配置區 2">
+                <a:extLst>
+                  <a:ext uri="{FF2B5EF4-FFF2-40B4-BE49-F238E27FC236}">
+                    <a16:creationId xmlns:a16="http://schemas.microsoft.com/office/drawing/2014/main" id="{8AC4E013-E47D-C26C-B333-168A6F3A8436}"/>
+                  </a:ext>
+                </a:extLst>
+              </p:cNvPr>
+              <p:cNvSpPr>
+                <a:spLocks noGrp="1"/>
+              </p:cNvSpPr>
+              <p:nvPr>
+                <p:ph idx="1"/>
+              </p:nvPr>
+            </p:nvSpPr>
+            <p:spPr/>
+            <p:txBody>
+              <a:bodyPr/>
+              <a:lstStyle/>
+              <a:p>
+                <a:r>
+                  <a:rPr lang="en-US" altLang="zh-TW" sz="2800" dirty="0">
+                    <a:latin typeface="Times" panose="02020603050405020304" pitchFamily="18" charset="0"/>
+                    <a:cs typeface="Times" panose="02020603050405020304" pitchFamily="18" charset="0"/>
+                  </a:rPr>
+                  <a:t>We can formulate </a:t>
+                </a:r>
+                <a:r>
+                  <a:rPr lang="en-US" altLang="zh-TW" sz="2800" b="0" dirty="0">
+                    <a:latin typeface="Times" panose="02020603050405020304" pitchFamily="18" charset="0"/>
+                    <a:cs typeface="Times" panose="02020603050405020304" pitchFamily="18" charset="0"/>
+                  </a:rPr>
+                  <a:t>analytical global routing problem as:</a:t>
+                </a:r>
+              </a:p>
+              <a:p>
+                <a:endParaRPr lang="en-US" altLang="zh-TW" sz="2800" b="0" dirty="0">
+                  <a:latin typeface="Times" panose="02020603050405020304" pitchFamily="18" charset="0"/>
+                  <a:cs typeface="Times" panose="02020603050405020304" pitchFamily="18" charset="0"/>
+                </a:endParaRPr>
+              </a:p>
+              <a:p>
+                <a:pPr marL="0" indent="0">
+                  <a:buNone/>
+                </a:pPr>
+                <a14:m>
+                  <m:oMathPara xmlns:m="http://schemas.openxmlformats.org/officeDocument/2006/math">
+                    <m:oMathParaPr>
+                      <m:jc m:val="centerGroup"/>
+                    </m:oMathParaPr>
+                    <m:oMath xmlns:m="http://schemas.openxmlformats.org/officeDocument/2006/math">
+                      <m:func>
+                        <m:funcPr>
+                          <m:ctrlPr>
+                            <a:rPr lang="en-US" altLang="zh-TW" sz="2800" b="0" i="1" smtClean="0">
+                              <a:latin typeface="Cambria Math" panose="02040503050406030204" pitchFamily="18" charset="0"/>
+                              <a:cs typeface="Times" panose="02020603050405020304" pitchFamily="18" charset="0"/>
+                            </a:rPr>
+                          </m:ctrlPr>
+                        </m:funcPr>
+                        <m:fName>
+                          <m:limLow>
+                            <m:limLowPr>
+                              <m:ctrlPr>
+                                <a:rPr lang="en-US" altLang="zh-TW" sz="2800" b="0" i="1" smtClean="0">
+                                  <a:latin typeface="Cambria Math" panose="02040503050406030204" pitchFamily="18" charset="0"/>
+                                  <a:cs typeface="Times" panose="02020603050405020304" pitchFamily="18" charset="0"/>
+                                </a:rPr>
+                              </m:ctrlPr>
+                            </m:limLowPr>
+                            <m:e>
+                              <m:func>
+                                <m:funcPr>
+                                  <m:ctrlPr>
+                                    <a:rPr lang="en-US" altLang="zh-TW" sz="2800" b="0" i="1" smtClean="0">
+                                      <a:latin typeface="Cambria Math" panose="02040503050406030204" pitchFamily="18" charset="0"/>
+                                      <a:cs typeface="Times" panose="02020603050405020304" pitchFamily="18" charset="0"/>
+                                    </a:rPr>
+                                  </m:ctrlPr>
+                                </m:funcPr>
+                                <m:fName>
+                                  <m:r>
+                                    <m:rPr>
+                                      <m:sty m:val="p"/>
+                                    </m:rPr>
+                                    <a:rPr lang="en-US" altLang="zh-TW" sz="2800" b="0" i="0" smtClean="0">
+                                      <a:latin typeface="Cambria Math" panose="02040503050406030204" pitchFamily="18" charset="0"/>
+                                      <a:cs typeface="Times" panose="02020603050405020304" pitchFamily="18" charset="0"/>
+                                    </a:rPr>
+                                    <m:t>min</m:t>
+                                  </m:r>
+                                </m:fName>
+                                <m:e>
+                                  <m:r>
+                                    <a:rPr lang="en-US" altLang="zh-TW" sz="2800" b="0" i="1" smtClean="0">
+                                      <a:latin typeface="Cambria Math" panose="02040503050406030204" pitchFamily="18" charset="0"/>
+                                      <a:cs typeface="Times" panose="02020603050405020304" pitchFamily="18" charset="0"/>
+                                    </a:rPr>
+                                    <m:t>𝑓</m:t>
+                                  </m:r>
+                                  <m:d>
+                                    <m:dPr>
+                                      <m:ctrlPr>
+                                        <a:rPr lang="en-US" altLang="zh-TW" sz="2800" b="0" i="1" smtClean="0">
+                                          <a:latin typeface="Cambria Math" panose="02040503050406030204" pitchFamily="18" charset="0"/>
+                                          <a:cs typeface="Times" panose="02020603050405020304" pitchFamily="18" charset="0"/>
+                                        </a:rPr>
+                                      </m:ctrlPr>
+                                    </m:dPr>
+                                    <m:e>
+                                      <m:r>
+                                        <a:rPr lang="en-US" altLang="zh-TW" sz="2800" b="0" i="1" smtClean="0">
+                                          <a:latin typeface="Cambria Math" panose="02040503050406030204" pitchFamily="18" charset="0"/>
+                                          <a:cs typeface="Times" panose="02020603050405020304" pitchFamily="18" charset="0"/>
+                                        </a:rPr>
+                                        <m:t>𝑥</m:t>
+                                      </m:r>
+                                    </m:e>
+                                  </m:d>
+                                  <m:r>
+                                    <a:rPr lang="en-US" altLang="zh-TW" sz="2800" b="0" i="1" smtClean="0">
+                                      <a:latin typeface="Cambria Math" panose="02040503050406030204" pitchFamily="18" charset="0"/>
+                                      <a:cs typeface="Times" panose="02020603050405020304" pitchFamily="18" charset="0"/>
+                                    </a:rPr>
+                                    <m:t>=</m:t>
+                                  </m:r>
+                                </m:e>
+                              </m:func>
+                            </m:e>
+                            <m:lim>
+                              <m:r>
+                                <a:rPr lang="en-US" altLang="zh-TW" sz="2800" b="0" i="1" smtClean="0">
+                                  <a:latin typeface="Cambria Math" panose="02040503050406030204" pitchFamily="18" charset="0"/>
+                                  <a:cs typeface="Times" panose="02020603050405020304" pitchFamily="18" charset="0"/>
+                                </a:rPr>
+                                <m:t>(</m:t>
+                              </m:r>
+                              <m:r>
+                                <a:rPr lang="en-US" altLang="zh-TW" sz="2800" b="0" i="1" smtClean="0">
+                                  <a:latin typeface="Cambria Math" panose="02040503050406030204" pitchFamily="18" charset="0"/>
+                                  <a:cs typeface="Times" panose="02020603050405020304" pitchFamily="18" charset="0"/>
+                                </a:rPr>
+                                <m:t>𝑥</m:t>
+                              </m:r>
+                              <m:r>
+                                <a:rPr lang="en-US" altLang="zh-TW" sz="2800" b="0" i="1" smtClean="0">
+                                  <a:latin typeface="Cambria Math" panose="02040503050406030204" pitchFamily="18" charset="0"/>
+                                  <a:cs typeface="Times" panose="02020603050405020304" pitchFamily="18" charset="0"/>
+                                </a:rPr>
+                                <m:t>, </m:t>
+                              </m:r>
+                              <m:r>
+                                <a:rPr lang="en-US" altLang="zh-TW" sz="2800" b="0" i="1" smtClean="0">
+                                  <a:latin typeface="Cambria Math" panose="02040503050406030204" pitchFamily="18" charset="0"/>
+                                  <a:cs typeface="Times" panose="02020603050405020304" pitchFamily="18" charset="0"/>
+                                </a:rPr>
+                                <m:t>𝑦</m:t>
+                              </m:r>
+                              <m:r>
+                                <a:rPr lang="en-US" altLang="zh-TW" sz="2800" b="0" i="1" smtClean="0">
+                                  <a:latin typeface="Cambria Math" panose="02040503050406030204" pitchFamily="18" charset="0"/>
+                                  <a:cs typeface="Times" panose="02020603050405020304" pitchFamily="18" charset="0"/>
+                                </a:rPr>
+                                <m:t>)</m:t>
+                              </m:r>
+                            </m:lim>
+                          </m:limLow>
+                        </m:fName>
+                        <m:e>
+                          <m:r>
+                            <a:rPr lang="en-US" altLang="zh-TW" sz="2800" b="0" i="1" smtClean="0">
+                              <a:latin typeface="Cambria Math" panose="02040503050406030204" pitchFamily="18" charset="0"/>
+                              <a:cs typeface="Times" panose="02020603050405020304" pitchFamily="18" charset="0"/>
+                            </a:rPr>
+                            <m:t>𝑊</m:t>
+                          </m:r>
+                          <m:d>
+                            <m:dPr>
+                              <m:ctrlPr>
+                                <a:rPr lang="en-US" altLang="zh-TW" sz="2800" b="0" i="1" smtClean="0">
+                                  <a:latin typeface="Cambria Math" panose="02040503050406030204" pitchFamily="18" charset="0"/>
+                                  <a:cs typeface="Times" panose="02020603050405020304" pitchFamily="18" charset="0"/>
+                                </a:rPr>
+                              </m:ctrlPr>
+                            </m:dPr>
+                            <m:e>
+                              <m:r>
+                                <a:rPr lang="en-US" altLang="zh-TW" sz="2800" b="0" i="1" smtClean="0">
+                                  <a:latin typeface="Cambria Math" panose="02040503050406030204" pitchFamily="18" charset="0"/>
+                                  <a:cs typeface="Times" panose="02020603050405020304" pitchFamily="18" charset="0"/>
+                                </a:rPr>
+                                <m:t>𝑥</m:t>
+                              </m:r>
+                              <m:r>
+                                <a:rPr lang="en-US" altLang="zh-TW" sz="2800" b="0" i="1" smtClean="0">
+                                  <a:latin typeface="Cambria Math" panose="02040503050406030204" pitchFamily="18" charset="0"/>
+                                  <a:cs typeface="Times" panose="02020603050405020304" pitchFamily="18" charset="0"/>
+                                </a:rPr>
+                                <m:t>, </m:t>
+                              </m:r>
+                              <m:r>
+                                <a:rPr lang="en-US" altLang="zh-TW" sz="2800" b="0" i="1" smtClean="0">
+                                  <a:latin typeface="Cambria Math" panose="02040503050406030204" pitchFamily="18" charset="0"/>
+                                  <a:cs typeface="Times" panose="02020603050405020304" pitchFamily="18" charset="0"/>
+                                </a:rPr>
+                                <m:t>𝑦</m:t>
+                              </m:r>
+                            </m:e>
+                          </m:d>
+                          <m:r>
+                            <a:rPr lang="en-US" altLang="zh-TW" sz="2800" b="0" i="1" smtClean="0">
+                              <a:latin typeface="Cambria Math" panose="02040503050406030204" pitchFamily="18" charset="0"/>
+                              <a:cs typeface="Times" panose="02020603050405020304" pitchFamily="18" charset="0"/>
+                            </a:rPr>
+                            <m:t>+ </m:t>
+                          </m:r>
+                          <m:r>
+                            <m:rPr>
+                              <m:sty m:val="p"/>
+                            </m:rPr>
+                            <a:rPr lang="en-US" altLang="zh-TW" sz="2800" i="1">
+                              <a:latin typeface="Cambria Math" panose="02040503050406030204" pitchFamily="18" charset="0"/>
+                              <a:cs typeface="Times" panose="02020603050405020304" pitchFamily="18" charset="0"/>
+                            </a:rPr>
+                            <m:t>λ</m:t>
+                          </m:r>
+                          <m:r>
+                            <a:rPr lang="en-US" altLang="zh-TW" sz="2800" b="0" i="1" smtClean="0">
+                              <a:latin typeface="Cambria Math" panose="02040503050406030204" pitchFamily="18" charset="0"/>
+                              <a:cs typeface="Times" panose="02020603050405020304" pitchFamily="18" charset="0"/>
+                            </a:rPr>
+                            <m:t>𝐷</m:t>
+                          </m:r>
+                          <m:r>
+                            <a:rPr lang="en-US" altLang="zh-TW" sz="2800" i="1" smtClean="0">
+                              <a:latin typeface="Cambria Math" panose="02040503050406030204" pitchFamily="18" charset="0"/>
+                              <a:cs typeface="Times" panose="02020603050405020304" pitchFamily="18" charset="0"/>
+                            </a:rPr>
+                            <m:t>(</m:t>
+                          </m:r>
+                          <m:r>
+                            <a:rPr lang="en-US" altLang="zh-TW" sz="2800" b="0" i="1" smtClean="0">
+                              <a:latin typeface="Cambria Math" panose="02040503050406030204" pitchFamily="18" charset="0"/>
+                              <a:cs typeface="Times" panose="02020603050405020304" pitchFamily="18" charset="0"/>
+                            </a:rPr>
+                            <m:t>𝑥</m:t>
+                          </m:r>
+                          <m:r>
+                            <a:rPr lang="en-US" altLang="zh-TW" sz="2800" b="0" i="1" smtClean="0">
+                              <a:latin typeface="Cambria Math" panose="02040503050406030204" pitchFamily="18" charset="0"/>
+                              <a:cs typeface="Times" panose="02020603050405020304" pitchFamily="18" charset="0"/>
+                            </a:rPr>
+                            <m:t>, </m:t>
+                          </m:r>
+                          <m:r>
+                            <a:rPr lang="en-US" altLang="zh-TW" sz="2800" b="0" i="1" smtClean="0">
+                              <a:latin typeface="Cambria Math" panose="02040503050406030204" pitchFamily="18" charset="0"/>
+                              <a:cs typeface="Times" panose="02020603050405020304" pitchFamily="18" charset="0"/>
+                            </a:rPr>
+                            <m:t>𝑦</m:t>
+                          </m:r>
+                          <m:r>
+                            <a:rPr lang="en-US" altLang="zh-TW" sz="2800" i="1">
+                              <a:latin typeface="Cambria Math" panose="02040503050406030204" pitchFamily="18" charset="0"/>
+                              <a:cs typeface="Times" panose="02020603050405020304" pitchFamily="18" charset="0"/>
+                            </a:rPr>
+                            <m:t>)</m:t>
+                          </m:r>
+                        </m:e>
+                      </m:func>
+                    </m:oMath>
+                  </m:oMathPara>
+                </a14:m>
+                <a:endParaRPr lang="en-US" altLang="zh-TW" sz="2800" b="0" dirty="0">
+                  <a:latin typeface="Times" panose="02020603050405020304" pitchFamily="18" charset="0"/>
+                  <a:cs typeface="Times" panose="02020603050405020304" pitchFamily="18" charset="0"/>
+                </a:endParaRPr>
+              </a:p>
+              <a:p>
+                <a:endParaRPr lang="en-US" altLang="zh-TW" dirty="0"/>
+              </a:p>
+              <a:p>
+                <a:pPr>
+                  <a:lnSpc>
+                    <a:spcPct val="130000"/>
+                  </a:lnSpc>
+                  <a:buFont typeface="Wingdings" panose="05000000000000000000" pitchFamily="2" charset="2"/>
+                  <a:buChar char="Ø"/>
+                </a:pPr>
+                <a14:m>
+                  <m:oMath xmlns:m="http://schemas.openxmlformats.org/officeDocument/2006/math">
+                    <m:r>
+                      <a:rPr lang="en-US" altLang="zh-TW" sz="2400" b="0" i="1" smtClean="0">
+                        <a:latin typeface="Cambria Math" panose="02040503050406030204" pitchFamily="18" charset="0"/>
+                      </a:rPr>
+                      <m:t> </m:t>
+                    </m:r>
+                    <m:r>
+                      <a:rPr lang="en-US" altLang="zh-TW" sz="2400" b="0" i="1" smtClean="0">
+                        <a:latin typeface="Cambria Math" panose="02040503050406030204" pitchFamily="18" charset="0"/>
+                      </a:rPr>
+                      <m:t>𝑊</m:t>
+                    </m:r>
+                    <m:d>
+                      <m:dPr>
+                        <m:ctrlPr>
+                          <a:rPr lang="en-US" altLang="zh-TW" sz="2400" b="0" i="1" smtClean="0">
+                            <a:latin typeface="Cambria Math" panose="02040503050406030204" pitchFamily="18" charset="0"/>
+                          </a:rPr>
+                        </m:ctrlPr>
+                      </m:dPr>
+                      <m:e>
+                        <m:r>
+                          <a:rPr lang="en-US" altLang="zh-TW" sz="2400" b="0" i="1" smtClean="0">
+                            <a:latin typeface="Cambria Math" panose="02040503050406030204" pitchFamily="18" charset="0"/>
+                          </a:rPr>
+                          <m:t>𝑥</m:t>
+                        </m:r>
+                        <m:r>
+                          <a:rPr lang="en-US" altLang="zh-TW" sz="2400" b="0" i="1" smtClean="0">
+                            <a:latin typeface="Cambria Math" panose="02040503050406030204" pitchFamily="18" charset="0"/>
+                          </a:rPr>
+                          <m:t>, </m:t>
+                        </m:r>
+                        <m:r>
+                          <a:rPr lang="en-US" altLang="zh-TW" sz="2400" b="0" i="1" smtClean="0">
+                            <a:latin typeface="Cambria Math" panose="02040503050406030204" pitchFamily="18" charset="0"/>
+                          </a:rPr>
+                          <m:t>𝑦</m:t>
+                        </m:r>
+                      </m:e>
+                    </m:d>
+                    <m:r>
+                      <a:rPr lang="en-US" altLang="zh-TW" sz="2400" b="0" i="1" smtClean="0">
+                        <a:latin typeface="Cambria Math" panose="02040503050406030204" pitchFamily="18" charset="0"/>
+                      </a:rPr>
+                      <m:t>: </m:t>
+                    </m:r>
+                  </m:oMath>
+                </a14:m>
+                <a:r>
+                  <a:rPr lang="en-US" altLang="zh-TW" sz="2400" dirty="0"/>
+                  <a:t>wirelength.</a:t>
+                </a:r>
+              </a:p>
+              <a:p>
+                <a:pPr>
+                  <a:lnSpc>
+                    <a:spcPct val="130000"/>
+                  </a:lnSpc>
+                  <a:buFont typeface="Wingdings" panose="05000000000000000000" pitchFamily="2" charset="2"/>
+                  <a:buChar char="Ø"/>
+                </a:pPr>
+                <a14:m>
+                  <m:oMath xmlns:m="http://schemas.openxmlformats.org/officeDocument/2006/math">
+                    <m:r>
+                      <a:rPr lang="en-US" altLang="zh-TW" sz="2400" b="0" i="1" smtClean="0">
+                        <a:latin typeface="Cambria Math" panose="02040503050406030204" pitchFamily="18" charset="0"/>
+                      </a:rPr>
+                      <m:t> </m:t>
+                    </m:r>
+                    <m:r>
+                      <a:rPr lang="en-US" altLang="zh-TW" sz="2400" b="0" i="1" smtClean="0">
+                        <a:latin typeface="Cambria Math" panose="02040503050406030204" pitchFamily="18" charset="0"/>
+                      </a:rPr>
+                      <m:t>𝐷</m:t>
+                    </m:r>
+                    <m:d>
+                      <m:dPr>
+                        <m:ctrlPr>
+                          <a:rPr lang="en-US" altLang="zh-TW" sz="2400" b="0" i="1" smtClean="0">
+                            <a:latin typeface="Cambria Math" panose="02040503050406030204" pitchFamily="18" charset="0"/>
+                          </a:rPr>
+                        </m:ctrlPr>
+                      </m:dPr>
+                      <m:e>
+                        <m:r>
+                          <a:rPr lang="en-US" altLang="zh-TW" sz="2400" b="0" i="1" smtClean="0">
+                            <a:latin typeface="Cambria Math" panose="02040503050406030204" pitchFamily="18" charset="0"/>
+                          </a:rPr>
+                          <m:t>𝑥</m:t>
+                        </m:r>
+                        <m:r>
+                          <a:rPr lang="en-US" altLang="zh-TW" sz="2400" b="0" i="1" smtClean="0">
+                            <a:latin typeface="Cambria Math" panose="02040503050406030204" pitchFamily="18" charset="0"/>
+                          </a:rPr>
+                          <m:t>, </m:t>
+                        </m:r>
+                        <m:r>
+                          <a:rPr lang="en-US" altLang="zh-TW" sz="2400" b="0" i="1" smtClean="0">
+                            <a:latin typeface="Cambria Math" panose="02040503050406030204" pitchFamily="18" charset="0"/>
+                          </a:rPr>
+                          <m:t>𝑦</m:t>
+                        </m:r>
+                      </m:e>
+                    </m:d>
+                    <m:r>
+                      <a:rPr lang="en-US" altLang="zh-TW" sz="2400" b="0" i="1" smtClean="0">
+                        <a:latin typeface="Cambria Math" panose="02040503050406030204" pitchFamily="18" charset="0"/>
+                      </a:rPr>
+                      <m:t>: </m:t>
+                    </m:r>
+                  </m:oMath>
+                </a14:m>
+                <a:r>
+                  <a:rPr lang="en-US" altLang="zh-TW" sz="2400" dirty="0"/>
+                  <a:t> Density penalty to spread cells.</a:t>
+                </a:r>
+              </a:p>
+              <a:p>
+                <a:pPr>
+                  <a:lnSpc>
+                    <a:spcPct val="130000"/>
+                  </a:lnSpc>
+                  <a:buFont typeface="Wingdings" panose="05000000000000000000" pitchFamily="2" charset="2"/>
+                  <a:buChar char="Ø"/>
+                </a:pPr>
+                <a:r>
+                  <a:rPr lang="en-US" altLang="zh-TW" sz="2400" dirty="0"/>
+                  <a:t> λ</a:t>
+                </a:r>
+                <a:r>
+                  <a:rPr lang="zh-TW" altLang="en-US" sz="2400" dirty="0"/>
+                  <a:t> </a:t>
+                </a:r>
+                <a:r>
+                  <a:rPr lang="en-US" altLang="zh-TW" sz="2400" dirty="0"/>
+                  <a:t>:</a:t>
+                </a:r>
+                <a:r>
+                  <a:rPr lang="zh-TW" altLang="en-US" sz="2400" dirty="0"/>
+                  <a:t> </a:t>
+                </a:r>
+                <a:r>
+                  <a:rPr lang="en-US" altLang="zh-TW" sz="2400" dirty="0"/>
+                  <a:t>Density penalty factor</a:t>
+                </a:r>
+                <a:endParaRPr lang="zh-TW" altLang="en-US" sz="2400" dirty="0"/>
+              </a:p>
+              <a:p>
+                <a:pPr>
+                  <a:buFont typeface="Wingdings" panose="05000000000000000000" pitchFamily="2" charset="2"/>
+                  <a:buChar char="Ø"/>
+                </a:pPr>
+                <a:endParaRPr lang="zh-TW" altLang="en-US" sz="2400" dirty="0"/>
+              </a:p>
+            </p:txBody>
+          </p:sp>
+        </mc:Choice>
+        <mc:Fallback>
+          <p:sp>
+            <p:nvSpPr>
+              <p:cNvPr id="3" name="內容版面配置區 2">
+                <a:extLst>
+                  <a:ext uri="{FF2B5EF4-FFF2-40B4-BE49-F238E27FC236}">
+                    <a16:creationId xmlns:a16="http://schemas.microsoft.com/office/drawing/2014/main" id="{8AC4E013-E47D-C26C-B333-168A6F3A8436}"/>
+                  </a:ext>
+                </a:extLst>
+              </p:cNvPr>
+              <p:cNvSpPr>
+                <a:spLocks noGrp="1" noRot="1" noChangeAspect="1" noMove="1" noResize="1" noEditPoints="1" noAdjustHandles="1" noChangeArrowheads="1" noChangeShapeType="1" noTextEdit="1"/>
+              </p:cNvSpPr>
+              <p:nvPr>
+                <p:ph idx="1"/>
+              </p:nvPr>
+            </p:nvSpPr>
+            <p:spPr>
+              <a:blipFill>
+                <a:blip r:embed="rId3"/>
+                <a:stretch>
+                  <a:fillRect l="-1043" t="-2381"/>
+                </a:stretch>
+              </a:blipFill>
+            </p:spPr>
+            <p:txBody>
+              <a:bodyPr/>
+              <a:lstStyle/>
+              <a:p>
+                <a:r>
+                  <a:rPr lang="zh-TW" altLang="en-US">
+                    <a:noFill/>
+                  </a:rPr>
+                  <a:t> </a:t>
+                </a:r>
+              </a:p>
+            </p:txBody>
+          </p:sp>
+        </mc:Fallback>
+      </mc:AlternateContent>
+      <p:sp>
+        <p:nvSpPr>
+          <p:cNvPr id="4" name="投影片編號版面配置區 3">
+            <a:extLst>
+              <a:ext uri="{FF2B5EF4-FFF2-40B4-BE49-F238E27FC236}">
+                <a16:creationId xmlns:a16="http://schemas.microsoft.com/office/drawing/2014/main" id="{2DD87A65-A426-F2D5-4AE1-C69B694DAED6}"/>
               </a:ext>
             </a:extLst>
           </p:cNvPr>
@@ -7875,46 +8640,1098 @@
           </a:p>
         </p:txBody>
       </p:sp>
-      <p:sp>
-        <p:nvSpPr>
-          <p:cNvPr id="5" name="TextBox 4">
+    </p:spTree>
+    <p:extLst>
+      <p:ext uri="{BB962C8B-B14F-4D97-AF65-F5344CB8AC3E}">
+        <p14:creationId xmlns:p14="http://schemas.microsoft.com/office/powerpoint/2010/main" val="3933262942"/>
+      </p:ext>
+    </p:extLst>
+  </p:cSld>
+  <p:clrMapOvr>
+    <a:masterClrMapping/>
+  </p:clrMapOvr>
+</p:sld>
+</file>
+
+<file path=ppt/slides/slide9.xml><?xml version="1.0" encoding="utf-8"?>
+<p:sld xmlns:a="http://schemas.openxmlformats.org/drawingml/2006/main" xmlns:r="http://schemas.openxmlformats.org/officeDocument/2006/relationships" xmlns:p="http://schemas.openxmlformats.org/presentationml/2006/main">
+  <p:cSld>
+    <p:spTree>
+      <p:nvGrpSpPr>
+        <p:cNvPr id="1" name=""/>
+        <p:cNvGrpSpPr/>
+        <p:nvPr/>
+      </p:nvGrpSpPr>
+      <p:grpSpPr>
+        <a:xfrm>
+          <a:off x="0" y="0"/>
+          <a:ext cx="0" cy="0"/>
+          <a:chOff x="0" y="0"/>
+          <a:chExt cx="0" cy="0"/>
+        </a:xfrm>
+      </p:grpSpPr>
+      <p:sp>
+        <p:nvSpPr>
+          <p:cNvPr id="2" name="標題 1">
             <a:extLst>
               <a:ext uri="{FF2B5EF4-FFF2-40B4-BE49-F238E27FC236}">
-                <a16:creationId xmlns:a16="http://schemas.microsoft.com/office/drawing/2014/main" id="{DE342AA9-4E4B-2420-9858-9BBA5A519307}"/>
+                <a16:creationId xmlns:a16="http://schemas.microsoft.com/office/drawing/2014/main" id="{1A966039-7CDD-D245-131E-9FA688D523D3}"/>
               </a:ext>
             </a:extLst>
           </p:cNvPr>
-          <p:cNvSpPr txBox="1"/>
-          <p:nvPr/>
-        </p:nvSpPr>
-        <p:spPr>
-          <a:xfrm>
-            <a:off x="2697986" y="2967335"/>
-            <a:ext cx="6796028" cy="923330"/>
-          </a:xfrm>
-          <a:prstGeom prst="rect">
-            <a:avLst/>
-          </a:prstGeom>
-          <a:noFill/>
-        </p:spPr>
+          <p:cNvSpPr>
+            <a:spLocks noGrp="1"/>
+          </p:cNvSpPr>
+          <p:nvPr>
+            <p:ph type="title"/>
+          </p:nvPr>
+        </p:nvSpPr>
+        <p:spPr/>
         <p:txBody>
-          <a:bodyPr wrap="none" rtlCol="0">
-            <a:spAutoFit/>
-          </a:bodyPr>
+          <a:bodyPr/>
           <a:lstStyle/>
           <a:p>
             <a:r>
-              <a:rPr lang="en-US" altLang="zh-TW" sz="5400" dirty="0"/>
-              <a:t>Thank you for listening!</a:t>
-            </a:r>
-            <a:endParaRPr lang="zh-TW" altLang="en-US" sz="5400" dirty="0"/>
+              <a:rPr lang="en-US" altLang="zh-TW" dirty="0">
+                <a:latin typeface="Times" panose="02020603050405020304" pitchFamily="18" charset="0"/>
+                <a:cs typeface="Times" panose="02020603050405020304" pitchFamily="18" charset="0"/>
+              </a:rPr>
+              <a:t>Preliminaries</a:t>
+            </a:r>
+            <a:endParaRPr lang="zh-TW" altLang="en-US" dirty="0">
+              <a:latin typeface="Times" panose="02020603050405020304" pitchFamily="18" charset="0"/>
+              <a:cs typeface="Times" panose="02020603050405020304" pitchFamily="18" charset="0"/>
+            </a:endParaRPr>
+          </a:p>
+        </p:txBody>
+      </p:sp>
+      <mc:AlternateContent xmlns:mc="http://schemas.openxmlformats.org/markup-compatibility/2006">
+        <mc:Choice xmlns:a14="http://schemas.microsoft.com/office/drawing/2010/main" Requires="a14">
+          <p:sp>
+            <p:nvSpPr>
+              <p:cNvPr id="3" name="內容版面配置區 2">
+                <a:extLst>
+                  <a:ext uri="{FF2B5EF4-FFF2-40B4-BE49-F238E27FC236}">
+                    <a16:creationId xmlns:a16="http://schemas.microsoft.com/office/drawing/2014/main" id="{CBD7CEA3-77D1-9FFB-94D0-23801E3C63EE}"/>
+                  </a:ext>
+                </a:extLst>
+              </p:cNvPr>
+              <p:cNvSpPr>
+                <a:spLocks noGrp="1"/>
+              </p:cNvSpPr>
+              <p:nvPr>
+                <p:ph idx="1"/>
+              </p:nvPr>
+            </p:nvSpPr>
+            <p:spPr/>
+            <p:txBody>
+              <a:bodyPr/>
+              <a:lstStyle/>
+              <a:p>
+                <a:pPr marL="514350" indent="-514350">
+                  <a:buFont typeface="+mj-lt"/>
+                  <a:buAutoNum type="arabicPeriod" startAt="2"/>
+                </a:pPr>
+                <a:r>
+                  <a:rPr lang="en-US" altLang="zh-TW" sz="3200" dirty="0">
+                    <a:latin typeface="Times" panose="02020603050405020304" pitchFamily="18" charset="0"/>
+                    <a:cs typeface="Times" panose="02020603050405020304" pitchFamily="18" charset="0"/>
+                  </a:rPr>
+                  <a:t>Electrostatic-based Placement</a:t>
+                </a:r>
+              </a:p>
+              <a:p>
+                <a:pPr marL="0" indent="0">
+                  <a:buNone/>
+                </a:pPr>
+                <a:endParaRPr lang="en-US" altLang="zh-TW" sz="1600" dirty="0">
+                  <a:latin typeface="Times" panose="02020603050405020304" pitchFamily="18" charset="0"/>
+                  <a:cs typeface="Times" panose="02020603050405020304" pitchFamily="18" charset="0"/>
+                </a:endParaRPr>
+              </a:p>
+              <a:p>
+                <a:pPr>
+                  <a:lnSpc>
+                    <a:spcPct val="130000"/>
+                  </a:lnSpc>
+                </a:pPr>
+                <a:r>
+                  <a:rPr lang="en-US" altLang="zh-TW" dirty="0">
+                    <a:latin typeface="Times" panose="02020603050405020304" pitchFamily="18" charset="0"/>
+                    <a:cs typeface="Times" panose="02020603050405020304" pitchFamily="18" charset="0"/>
+                  </a:rPr>
+                  <a:t>This model adopts the weighted-average(WA) wirelength model to approximate the HPWL.</a:t>
+                </a:r>
+              </a:p>
+              <a:p>
+                <a:endParaRPr lang="en-US" altLang="zh-TW" sz="1200" dirty="0">
+                  <a:latin typeface="Times" panose="02020603050405020304" pitchFamily="18" charset="0"/>
+                  <a:cs typeface="Times" panose="02020603050405020304" pitchFamily="18" charset="0"/>
+                </a:endParaRPr>
+              </a:p>
+              <a:p>
+                <a:pPr marL="0" indent="0" algn="ctr">
+                  <a:buNone/>
+                </a:pPr>
+                <a14:m>
+                  <m:oMath xmlns:m="http://schemas.openxmlformats.org/officeDocument/2006/math">
+                    <m:sSub>
+                      <m:sSubPr>
+                        <m:ctrlPr>
+                          <a:rPr lang="en-US" altLang="zh-TW" sz="3200" b="0" i="1" smtClean="0">
+                            <a:latin typeface="Cambria Math" panose="02040503050406030204" pitchFamily="18" charset="0"/>
+                            <a:cs typeface="Times" panose="02020603050405020304" pitchFamily="18" charset="0"/>
+                          </a:rPr>
+                        </m:ctrlPr>
+                      </m:sSubPr>
+                      <m:e>
+                        <m:r>
+                          <a:rPr lang="en-US" altLang="zh-TW" sz="3200" b="0" i="1" smtClean="0">
+                            <a:latin typeface="Cambria Math" panose="02040503050406030204" pitchFamily="18" charset="0"/>
+                            <a:cs typeface="Times" panose="02020603050405020304" pitchFamily="18" charset="0"/>
+                          </a:rPr>
+                          <m:t>𝑊</m:t>
+                        </m:r>
+                      </m:e>
+                      <m:sub>
+                        <m:sSub>
+                          <m:sSubPr>
+                            <m:ctrlPr>
+                              <a:rPr lang="en-US" altLang="zh-TW" sz="3200" b="0" i="1" smtClean="0">
+                                <a:latin typeface="Cambria Math" panose="02040503050406030204" pitchFamily="18" charset="0"/>
+                                <a:cs typeface="Times" panose="02020603050405020304" pitchFamily="18" charset="0"/>
+                              </a:rPr>
+                            </m:ctrlPr>
+                          </m:sSubPr>
+                          <m:e>
+                            <m:r>
+                              <a:rPr lang="en-US" altLang="zh-TW" sz="3200" b="0" i="1" smtClean="0">
+                                <a:latin typeface="Cambria Math" panose="02040503050406030204" pitchFamily="18" charset="0"/>
+                                <a:cs typeface="Times" panose="02020603050405020304" pitchFamily="18" charset="0"/>
+                              </a:rPr>
+                              <m:t>𝑒</m:t>
+                            </m:r>
+                          </m:e>
+                          <m:sub>
+                            <m:r>
+                              <a:rPr lang="en-US" altLang="zh-TW" sz="3200" b="0" i="1" smtClean="0">
+                                <a:latin typeface="Cambria Math" panose="02040503050406030204" pitchFamily="18" charset="0"/>
+                                <a:cs typeface="Times" panose="02020603050405020304" pitchFamily="18" charset="0"/>
+                              </a:rPr>
+                              <m:t>𝑖𝑥</m:t>
+                            </m:r>
+                          </m:sub>
+                        </m:sSub>
+                      </m:sub>
+                    </m:sSub>
+                    <m:r>
+                      <a:rPr lang="en-US" altLang="zh-TW" sz="3200" b="0" i="1" smtClean="0">
+                        <a:latin typeface="Cambria Math" panose="02040503050406030204" pitchFamily="18" charset="0"/>
+                        <a:cs typeface="Times" panose="02020603050405020304" pitchFamily="18" charset="0"/>
+                      </a:rPr>
+                      <m:t> (</m:t>
+                    </m:r>
+                    <m:r>
+                      <a:rPr lang="en-US" altLang="zh-TW" sz="3200" b="0" i="1" smtClean="0">
+                        <a:latin typeface="Cambria Math" panose="02040503050406030204" pitchFamily="18" charset="0"/>
+                        <a:cs typeface="Times" panose="02020603050405020304" pitchFamily="18" charset="0"/>
+                      </a:rPr>
+                      <m:t>𝑥</m:t>
+                    </m:r>
+                    <m:r>
+                      <a:rPr lang="en-US" altLang="zh-TW" sz="3200" b="0" i="1" smtClean="0">
+                        <a:latin typeface="Cambria Math" panose="02040503050406030204" pitchFamily="18" charset="0"/>
+                        <a:cs typeface="Times" panose="02020603050405020304" pitchFamily="18" charset="0"/>
+                      </a:rPr>
+                      <m:t>, </m:t>
+                    </m:r>
+                    <m:r>
+                      <a:rPr lang="en-US" altLang="zh-TW" sz="3200" b="0" i="1" smtClean="0">
+                        <a:latin typeface="Cambria Math" panose="02040503050406030204" pitchFamily="18" charset="0"/>
+                        <a:cs typeface="Times" panose="02020603050405020304" pitchFamily="18" charset="0"/>
+                      </a:rPr>
+                      <m:t>𝑦</m:t>
+                    </m:r>
+                    <m:r>
+                      <a:rPr lang="en-US" altLang="zh-TW" sz="3200" b="0" i="1" smtClean="0">
+                        <a:latin typeface="Cambria Math" panose="02040503050406030204" pitchFamily="18" charset="0"/>
+                        <a:cs typeface="Times" panose="02020603050405020304" pitchFamily="18" charset="0"/>
+                      </a:rPr>
+                      <m:t>)</m:t>
+                    </m:r>
+                  </m:oMath>
+                </a14:m>
+                <a:r>
+                  <a:rPr lang="en-US" altLang="zh-TW" sz="3200" b="0" dirty="0">
+                    <a:latin typeface="Times" panose="02020603050405020304" pitchFamily="18" charset="0"/>
+                    <a:cs typeface="Times" panose="02020603050405020304" pitchFamily="18" charset="0"/>
+                  </a:rPr>
+                  <a:t> = </a:t>
+                </a:r>
+                <a14:m>
+                  <m:oMath xmlns:m="http://schemas.openxmlformats.org/officeDocument/2006/math">
+                    <m:r>
+                      <a:rPr lang="en-US" altLang="zh-TW" sz="3200" b="0" i="0" smtClean="0">
+                        <a:latin typeface="Cambria Math" panose="02040503050406030204" pitchFamily="18" charset="0"/>
+                        <a:cs typeface="Times" panose="02020603050405020304" pitchFamily="18" charset="0"/>
+                      </a:rPr>
+                      <m:t>  </m:t>
+                    </m:r>
+                    <m:f>
+                      <m:fPr>
+                        <m:ctrlPr>
+                          <a:rPr lang="en-US" altLang="zh-TW" sz="3200" b="0" i="1" smtClean="0">
+                            <a:latin typeface="Cambria Math" panose="02040503050406030204" pitchFamily="18" charset="0"/>
+                            <a:cs typeface="Times" panose="02020603050405020304" pitchFamily="18" charset="0"/>
+                          </a:rPr>
+                        </m:ctrlPr>
+                      </m:fPr>
+                      <m:num>
+                        <m:func>
+                          <m:funcPr>
+                            <m:ctrlPr>
+                              <a:rPr lang="en-US" altLang="zh-TW" sz="3200" b="0" i="1" smtClean="0">
+                                <a:latin typeface="Cambria Math" panose="02040503050406030204" pitchFamily="18" charset="0"/>
+                                <a:cs typeface="Times" panose="02020603050405020304" pitchFamily="18" charset="0"/>
+                              </a:rPr>
+                            </m:ctrlPr>
+                          </m:funcPr>
+                          <m:fName>
+                            <m:limLow>
+                              <m:limLowPr>
+                                <m:ctrlPr>
+                                  <a:rPr lang="en-US" altLang="zh-TW" sz="3200" b="0" i="1" smtClean="0">
+                                    <a:latin typeface="Cambria Math" panose="02040503050406030204" pitchFamily="18" charset="0"/>
+                                    <a:cs typeface="Times" panose="02020603050405020304" pitchFamily="18" charset="0"/>
+                                  </a:rPr>
+                                </m:ctrlPr>
+                              </m:limLowPr>
+                              <m:e>
+                                <m:r>
+                                  <m:rPr>
+                                    <m:sty m:val="p"/>
+                                  </m:rPr>
+                                  <a:rPr lang="en-US" altLang="zh-TW" sz="3200" i="1">
+                                    <a:latin typeface="Cambria Math" panose="02040503050406030204" pitchFamily="18" charset="0"/>
+                                    <a:cs typeface="Times" panose="02020603050405020304" pitchFamily="18" charset="0"/>
+                                  </a:rPr>
+                                  <m:t>Σ</m:t>
+                                </m:r>
+                              </m:e>
+                              <m:lim>
+                                <m:r>
+                                  <a:rPr lang="en-US" altLang="zh-TW" sz="3200" b="0" i="1" smtClean="0">
+                                    <a:latin typeface="Cambria Math" panose="02040503050406030204" pitchFamily="18" charset="0"/>
+                                    <a:cs typeface="Times" panose="02020603050405020304" pitchFamily="18" charset="0"/>
+                                  </a:rPr>
+                                  <m:t>𝑗</m:t>
+                                </m:r>
+                                <m:r>
+                                  <a:rPr lang="en-US" altLang="zh-TW" sz="3200" b="0" i="1" smtClean="0">
+                                    <a:latin typeface="Cambria Math" panose="02040503050406030204" pitchFamily="18" charset="0"/>
+                                    <a:ea typeface="Cambria Math" panose="02040503050406030204" pitchFamily="18" charset="0"/>
+                                    <a:cs typeface="Times" panose="02020603050405020304" pitchFamily="18" charset="0"/>
+                                  </a:rPr>
+                                  <m:t>∈</m:t>
+                                </m:r>
+                                <m:sSub>
+                                  <m:sSubPr>
+                                    <m:ctrlPr>
+                                      <a:rPr lang="en-US" altLang="zh-TW" sz="3200" b="0" i="1" smtClean="0">
+                                        <a:latin typeface="Cambria Math" panose="02040503050406030204" pitchFamily="18" charset="0"/>
+                                        <a:ea typeface="Cambria Math" panose="02040503050406030204" pitchFamily="18" charset="0"/>
+                                        <a:cs typeface="Times" panose="02020603050405020304" pitchFamily="18" charset="0"/>
+                                      </a:rPr>
+                                    </m:ctrlPr>
+                                  </m:sSubPr>
+                                  <m:e>
+                                    <m:r>
+                                      <a:rPr lang="en-US" altLang="zh-TW" sz="3200" b="0" i="1" smtClean="0">
+                                        <a:latin typeface="Cambria Math" panose="02040503050406030204" pitchFamily="18" charset="0"/>
+                                        <a:ea typeface="Cambria Math" panose="02040503050406030204" pitchFamily="18" charset="0"/>
+                                        <a:cs typeface="Times" panose="02020603050405020304" pitchFamily="18" charset="0"/>
+                                      </a:rPr>
+                                      <m:t>𝑒</m:t>
+                                    </m:r>
+                                  </m:e>
+                                  <m:sub>
+                                    <m:r>
+                                      <a:rPr lang="en-US" altLang="zh-TW" sz="3200" b="0" i="1" smtClean="0">
+                                        <a:latin typeface="Cambria Math" panose="02040503050406030204" pitchFamily="18" charset="0"/>
+                                        <a:ea typeface="Cambria Math" panose="02040503050406030204" pitchFamily="18" charset="0"/>
+                                        <a:cs typeface="Times" panose="02020603050405020304" pitchFamily="18" charset="0"/>
+                                      </a:rPr>
+                                      <m:t>𝑖</m:t>
+                                    </m:r>
+                                  </m:sub>
+                                </m:sSub>
+                              </m:lim>
+                            </m:limLow>
+                          </m:fName>
+                          <m:e>
+                            <m:sSub>
+                              <m:sSubPr>
+                                <m:ctrlPr>
+                                  <a:rPr lang="en-US" altLang="zh-TW" sz="3200" b="0" i="1" smtClean="0">
+                                    <a:latin typeface="Cambria Math" panose="02040503050406030204" pitchFamily="18" charset="0"/>
+                                    <a:cs typeface="Times" panose="02020603050405020304" pitchFamily="18" charset="0"/>
+                                  </a:rPr>
+                                </m:ctrlPr>
+                              </m:sSubPr>
+                              <m:e>
+                                <m:r>
+                                  <a:rPr lang="en-US" altLang="zh-TW" sz="3200" b="0" i="1" smtClean="0">
+                                    <a:latin typeface="Cambria Math" panose="02040503050406030204" pitchFamily="18" charset="0"/>
+                                    <a:cs typeface="Times" panose="02020603050405020304" pitchFamily="18" charset="0"/>
+                                  </a:rPr>
+                                  <m:t>𝑥</m:t>
+                                </m:r>
+                              </m:e>
+                              <m:sub>
+                                <m:r>
+                                  <a:rPr lang="en-US" altLang="zh-TW" sz="3200" b="0" i="1" smtClean="0">
+                                    <a:latin typeface="Cambria Math" panose="02040503050406030204" pitchFamily="18" charset="0"/>
+                                    <a:cs typeface="Times" panose="02020603050405020304" pitchFamily="18" charset="0"/>
+                                  </a:rPr>
+                                  <m:t>𝑗</m:t>
+                                </m:r>
+                              </m:sub>
+                            </m:sSub>
+                            <m:sSup>
+                              <m:sSupPr>
+                                <m:ctrlPr>
+                                  <a:rPr lang="en-US" altLang="zh-TW" sz="3200" i="1">
+                                    <a:latin typeface="Cambria Math" panose="02040503050406030204" pitchFamily="18" charset="0"/>
+                                    <a:cs typeface="Times" panose="02020603050405020304" pitchFamily="18" charset="0"/>
+                                  </a:rPr>
+                                </m:ctrlPr>
+                              </m:sSupPr>
+                              <m:e>
+                                <m:r>
+                                  <a:rPr lang="en-US" altLang="zh-TW" sz="3200" b="0" i="1" smtClean="0">
+                                    <a:latin typeface="Cambria Math" panose="02040503050406030204" pitchFamily="18" charset="0"/>
+                                    <a:cs typeface="Times" panose="02020603050405020304" pitchFamily="18" charset="0"/>
+                                  </a:rPr>
+                                  <m:t> </m:t>
+                                </m:r>
+                                <m:r>
+                                  <a:rPr lang="en-US" altLang="zh-TW" sz="3200" i="1">
+                                    <a:latin typeface="Cambria Math" panose="02040503050406030204" pitchFamily="18" charset="0"/>
+                                    <a:cs typeface="Times" panose="02020603050405020304" pitchFamily="18" charset="0"/>
+                                  </a:rPr>
+                                  <m:t>𝑒</m:t>
+                                </m:r>
+                              </m:e>
+                              <m:sup>
+                                <m:f>
+                                  <m:fPr>
+                                    <m:ctrlPr>
+                                      <a:rPr lang="en-US" altLang="zh-TW" sz="3200" i="1">
+                                        <a:latin typeface="Cambria Math" panose="02040503050406030204" pitchFamily="18" charset="0"/>
+                                        <a:cs typeface="Times" panose="02020603050405020304" pitchFamily="18" charset="0"/>
+                                      </a:rPr>
+                                    </m:ctrlPr>
+                                  </m:fPr>
+                                  <m:num>
+                                    <m:sSub>
+                                      <m:sSubPr>
+                                        <m:ctrlPr>
+                                          <a:rPr lang="en-US" altLang="zh-TW" sz="3200" i="1">
+                                            <a:latin typeface="Cambria Math" panose="02040503050406030204" pitchFamily="18" charset="0"/>
+                                            <a:cs typeface="Times" panose="02020603050405020304" pitchFamily="18" charset="0"/>
+                                          </a:rPr>
+                                        </m:ctrlPr>
+                                      </m:sSubPr>
+                                      <m:e>
+                                        <m:r>
+                                          <a:rPr lang="en-US" altLang="zh-TW" sz="3200" i="1">
+                                            <a:latin typeface="Cambria Math" panose="02040503050406030204" pitchFamily="18" charset="0"/>
+                                            <a:cs typeface="Times" panose="02020603050405020304" pitchFamily="18" charset="0"/>
+                                          </a:rPr>
+                                          <m:t>𝑥</m:t>
+                                        </m:r>
+                                      </m:e>
+                                      <m:sub>
+                                        <m:r>
+                                          <a:rPr lang="en-US" altLang="zh-TW" sz="3200" i="1">
+                                            <a:latin typeface="Cambria Math" panose="02040503050406030204" pitchFamily="18" charset="0"/>
+                                            <a:cs typeface="Times" panose="02020603050405020304" pitchFamily="18" charset="0"/>
+                                          </a:rPr>
+                                          <m:t>𝑗</m:t>
+                                        </m:r>
+                                      </m:sub>
+                                    </m:sSub>
+                                  </m:num>
+                                  <m:den>
+                                    <m:r>
+                                      <m:rPr>
+                                        <m:sty m:val="p"/>
+                                      </m:rPr>
+                                      <a:rPr lang="en-US" altLang="zh-TW" sz="3200" i="1">
+                                        <a:latin typeface="Cambria Math" panose="02040503050406030204" pitchFamily="18" charset="0"/>
+                                        <a:cs typeface="Times" panose="02020603050405020304" pitchFamily="18" charset="0"/>
+                                      </a:rPr>
+                                      <m:t>γ</m:t>
+                                    </m:r>
+                                  </m:den>
+                                </m:f>
+                              </m:sup>
+                            </m:sSup>
+                          </m:e>
+                        </m:func>
+                      </m:num>
+                      <m:den>
+                        <m:func>
+                          <m:funcPr>
+                            <m:ctrlPr>
+                              <a:rPr lang="en-US" altLang="zh-TW" sz="3200" i="1">
+                                <a:latin typeface="Cambria Math" panose="02040503050406030204" pitchFamily="18" charset="0"/>
+                                <a:cs typeface="Times" panose="02020603050405020304" pitchFamily="18" charset="0"/>
+                              </a:rPr>
+                            </m:ctrlPr>
+                          </m:funcPr>
+                          <m:fName>
+                            <m:sSub>
+                              <m:sSubPr>
+                                <m:ctrlPr>
+                                  <a:rPr lang="en-US" altLang="zh-TW" sz="3200" i="1" smtClean="0">
+                                    <a:latin typeface="Cambria Math" panose="02040503050406030204" pitchFamily="18" charset="0"/>
+                                    <a:cs typeface="Times" panose="02020603050405020304" pitchFamily="18" charset="0"/>
+                                  </a:rPr>
+                                </m:ctrlPr>
+                              </m:sSubPr>
+                              <m:e>
+                                <m:r>
+                                  <m:rPr>
+                                    <m:sty m:val="p"/>
+                                  </m:rPr>
+                                  <a:rPr lang="en-US" altLang="zh-TW" sz="3200" i="1">
+                                    <a:latin typeface="Cambria Math" panose="02040503050406030204" pitchFamily="18" charset="0"/>
+                                    <a:cs typeface="Times" panose="02020603050405020304" pitchFamily="18" charset="0"/>
+                                  </a:rPr>
+                                  <m:t>Σ</m:t>
+                                </m:r>
+                              </m:e>
+                              <m:sub>
+                                <m:r>
+                                  <a:rPr lang="en-US" altLang="zh-TW" sz="3200" i="1">
+                                    <a:latin typeface="Cambria Math" panose="02040503050406030204" pitchFamily="18" charset="0"/>
+                                    <a:cs typeface="Times" panose="02020603050405020304" pitchFamily="18" charset="0"/>
+                                  </a:rPr>
+                                  <m:t>𝑗</m:t>
+                                </m:r>
+                                <m:r>
+                                  <a:rPr lang="en-US" altLang="zh-TW" sz="3200" i="1">
+                                    <a:latin typeface="Cambria Math" panose="02040503050406030204" pitchFamily="18" charset="0"/>
+                                    <a:ea typeface="Cambria Math" panose="02040503050406030204" pitchFamily="18" charset="0"/>
+                                    <a:cs typeface="Times" panose="02020603050405020304" pitchFamily="18" charset="0"/>
+                                  </a:rPr>
+                                  <m:t>∈</m:t>
+                                </m:r>
+                                <m:sSub>
+                                  <m:sSubPr>
+                                    <m:ctrlPr>
+                                      <a:rPr lang="en-US" altLang="zh-TW" sz="3200" i="1">
+                                        <a:latin typeface="Cambria Math" panose="02040503050406030204" pitchFamily="18" charset="0"/>
+                                        <a:ea typeface="Cambria Math" panose="02040503050406030204" pitchFamily="18" charset="0"/>
+                                        <a:cs typeface="Times" panose="02020603050405020304" pitchFamily="18" charset="0"/>
+                                      </a:rPr>
+                                    </m:ctrlPr>
+                                  </m:sSubPr>
+                                  <m:e>
+                                    <m:r>
+                                      <a:rPr lang="en-US" altLang="zh-TW" sz="3200" i="1">
+                                        <a:latin typeface="Cambria Math" panose="02040503050406030204" pitchFamily="18" charset="0"/>
+                                        <a:ea typeface="Cambria Math" panose="02040503050406030204" pitchFamily="18" charset="0"/>
+                                        <a:cs typeface="Times" panose="02020603050405020304" pitchFamily="18" charset="0"/>
+                                      </a:rPr>
+                                      <m:t>𝑒</m:t>
+                                    </m:r>
+                                  </m:e>
+                                  <m:sub>
+                                    <m:r>
+                                      <a:rPr lang="en-US" altLang="zh-TW" sz="3200" i="1">
+                                        <a:latin typeface="Cambria Math" panose="02040503050406030204" pitchFamily="18" charset="0"/>
+                                        <a:ea typeface="Cambria Math" panose="02040503050406030204" pitchFamily="18" charset="0"/>
+                                        <a:cs typeface="Times" panose="02020603050405020304" pitchFamily="18" charset="0"/>
+                                      </a:rPr>
+                                      <m:t>𝑖</m:t>
+                                    </m:r>
+                                  </m:sub>
+                                </m:sSub>
+                              </m:sub>
+                            </m:sSub>
+                          </m:fName>
+                          <m:e>
+                            <m:sSup>
+                              <m:sSupPr>
+                                <m:ctrlPr>
+                                  <a:rPr lang="en-US" altLang="zh-TW" sz="3200" i="1">
+                                    <a:latin typeface="Cambria Math" panose="02040503050406030204" pitchFamily="18" charset="0"/>
+                                    <a:cs typeface="Times" panose="02020603050405020304" pitchFamily="18" charset="0"/>
+                                  </a:rPr>
+                                </m:ctrlPr>
+                              </m:sSupPr>
+                              <m:e>
+                                <m:r>
+                                  <a:rPr lang="en-US" altLang="zh-TW" sz="3200" i="1">
+                                    <a:latin typeface="Cambria Math" panose="02040503050406030204" pitchFamily="18" charset="0"/>
+                                    <a:cs typeface="Times" panose="02020603050405020304" pitchFamily="18" charset="0"/>
+                                  </a:rPr>
+                                  <m:t> </m:t>
+                                </m:r>
+                                <m:r>
+                                  <a:rPr lang="en-US" altLang="zh-TW" sz="3200" i="1">
+                                    <a:latin typeface="Cambria Math" panose="02040503050406030204" pitchFamily="18" charset="0"/>
+                                    <a:cs typeface="Times" panose="02020603050405020304" pitchFamily="18" charset="0"/>
+                                  </a:rPr>
+                                  <m:t>𝑒</m:t>
+                                </m:r>
+                              </m:e>
+                              <m:sup>
+                                <m:f>
+                                  <m:fPr>
+                                    <m:ctrlPr>
+                                      <a:rPr lang="en-US" altLang="zh-TW" sz="3200" i="1">
+                                        <a:latin typeface="Cambria Math" panose="02040503050406030204" pitchFamily="18" charset="0"/>
+                                        <a:cs typeface="Times" panose="02020603050405020304" pitchFamily="18" charset="0"/>
+                                      </a:rPr>
+                                    </m:ctrlPr>
+                                  </m:fPr>
+                                  <m:num>
+                                    <m:sSub>
+                                      <m:sSubPr>
+                                        <m:ctrlPr>
+                                          <a:rPr lang="en-US" altLang="zh-TW" sz="3200" i="1">
+                                            <a:latin typeface="Cambria Math" panose="02040503050406030204" pitchFamily="18" charset="0"/>
+                                            <a:cs typeface="Times" panose="02020603050405020304" pitchFamily="18" charset="0"/>
+                                          </a:rPr>
+                                        </m:ctrlPr>
+                                      </m:sSubPr>
+                                      <m:e>
+                                        <m:r>
+                                          <a:rPr lang="en-US" altLang="zh-TW" sz="3200" i="1">
+                                            <a:latin typeface="Cambria Math" panose="02040503050406030204" pitchFamily="18" charset="0"/>
+                                            <a:cs typeface="Times" panose="02020603050405020304" pitchFamily="18" charset="0"/>
+                                          </a:rPr>
+                                          <m:t>𝑥</m:t>
+                                        </m:r>
+                                      </m:e>
+                                      <m:sub>
+                                        <m:r>
+                                          <a:rPr lang="en-US" altLang="zh-TW" sz="3200" i="1">
+                                            <a:latin typeface="Cambria Math" panose="02040503050406030204" pitchFamily="18" charset="0"/>
+                                            <a:cs typeface="Times" panose="02020603050405020304" pitchFamily="18" charset="0"/>
+                                          </a:rPr>
+                                          <m:t>𝑗</m:t>
+                                        </m:r>
+                                      </m:sub>
+                                    </m:sSub>
+                                  </m:num>
+                                  <m:den>
+                                    <m:r>
+                                      <m:rPr>
+                                        <m:sty m:val="p"/>
+                                      </m:rPr>
+                                      <a:rPr lang="en-US" altLang="zh-TW" sz="3200" i="1">
+                                        <a:latin typeface="Cambria Math" panose="02040503050406030204" pitchFamily="18" charset="0"/>
+                                        <a:cs typeface="Times" panose="02020603050405020304" pitchFamily="18" charset="0"/>
+                                      </a:rPr>
+                                      <m:t>γ</m:t>
+                                    </m:r>
+                                  </m:den>
+                                </m:f>
+                              </m:sup>
+                            </m:sSup>
+                          </m:e>
+                        </m:func>
+                      </m:den>
+                    </m:f>
+                  </m:oMath>
+                </a14:m>
+                <a:r>
+                  <a:rPr lang="en-US" altLang="zh-TW" sz="3200" dirty="0">
+                    <a:latin typeface="Times" panose="02020603050405020304" pitchFamily="18" charset="0"/>
+                    <a:cs typeface="Times" panose="02020603050405020304" pitchFamily="18" charset="0"/>
+                  </a:rPr>
+                  <a:t>  - </a:t>
+                </a:r>
+                <a14:m>
+                  <m:oMath xmlns:m="http://schemas.openxmlformats.org/officeDocument/2006/math">
+                    <m:r>
+                      <a:rPr lang="en-US" altLang="zh-TW" sz="3200">
+                        <a:latin typeface="Cambria Math" panose="02040503050406030204" pitchFamily="18" charset="0"/>
+                        <a:cs typeface="Times" panose="02020603050405020304" pitchFamily="18" charset="0"/>
+                      </a:rPr>
+                      <m:t>  </m:t>
+                    </m:r>
+                    <m:f>
+                      <m:fPr>
+                        <m:ctrlPr>
+                          <a:rPr lang="en-US" altLang="zh-TW" sz="3200" i="1">
+                            <a:latin typeface="Cambria Math" panose="02040503050406030204" pitchFamily="18" charset="0"/>
+                            <a:cs typeface="Times" panose="02020603050405020304" pitchFamily="18" charset="0"/>
+                          </a:rPr>
+                        </m:ctrlPr>
+                      </m:fPr>
+                      <m:num>
+                        <m:func>
+                          <m:funcPr>
+                            <m:ctrlPr>
+                              <a:rPr lang="en-US" altLang="zh-TW" sz="3200" i="1">
+                                <a:latin typeface="Cambria Math" panose="02040503050406030204" pitchFamily="18" charset="0"/>
+                                <a:cs typeface="Times" panose="02020603050405020304" pitchFamily="18" charset="0"/>
+                              </a:rPr>
+                            </m:ctrlPr>
+                          </m:funcPr>
+                          <m:fName>
+                            <m:limLow>
+                              <m:limLowPr>
+                                <m:ctrlPr>
+                                  <a:rPr lang="en-US" altLang="zh-TW" sz="3200" i="1">
+                                    <a:latin typeface="Cambria Math" panose="02040503050406030204" pitchFamily="18" charset="0"/>
+                                    <a:cs typeface="Times" panose="02020603050405020304" pitchFamily="18" charset="0"/>
+                                  </a:rPr>
+                                </m:ctrlPr>
+                              </m:limLowPr>
+                              <m:e>
+                                <m:r>
+                                  <m:rPr>
+                                    <m:sty m:val="p"/>
+                                  </m:rPr>
+                                  <a:rPr lang="en-US" altLang="zh-TW" sz="3200" i="1">
+                                    <a:latin typeface="Cambria Math" panose="02040503050406030204" pitchFamily="18" charset="0"/>
+                                    <a:cs typeface="Times" panose="02020603050405020304" pitchFamily="18" charset="0"/>
+                                  </a:rPr>
+                                  <m:t>Σ</m:t>
+                                </m:r>
+                              </m:e>
+                              <m:lim>
+                                <m:r>
+                                  <a:rPr lang="en-US" altLang="zh-TW" sz="3200" i="1">
+                                    <a:latin typeface="Cambria Math" panose="02040503050406030204" pitchFamily="18" charset="0"/>
+                                    <a:cs typeface="Times" panose="02020603050405020304" pitchFamily="18" charset="0"/>
+                                  </a:rPr>
+                                  <m:t>𝑗</m:t>
+                                </m:r>
+                                <m:r>
+                                  <a:rPr lang="en-US" altLang="zh-TW" sz="3200" i="1">
+                                    <a:latin typeface="Cambria Math" panose="02040503050406030204" pitchFamily="18" charset="0"/>
+                                    <a:ea typeface="Cambria Math" panose="02040503050406030204" pitchFamily="18" charset="0"/>
+                                    <a:cs typeface="Times" panose="02020603050405020304" pitchFamily="18" charset="0"/>
+                                  </a:rPr>
+                                  <m:t>∈</m:t>
+                                </m:r>
+                                <m:sSub>
+                                  <m:sSubPr>
+                                    <m:ctrlPr>
+                                      <a:rPr lang="en-US" altLang="zh-TW" sz="3200" i="1">
+                                        <a:latin typeface="Cambria Math" panose="02040503050406030204" pitchFamily="18" charset="0"/>
+                                        <a:ea typeface="Cambria Math" panose="02040503050406030204" pitchFamily="18" charset="0"/>
+                                        <a:cs typeface="Times" panose="02020603050405020304" pitchFamily="18" charset="0"/>
+                                      </a:rPr>
+                                    </m:ctrlPr>
+                                  </m:sSubPr>
+                                  <m:e>
+                                    <m:r>
+                                      <a:rPr lang="en-US" altLang="zh-TW" sz="3200" i="1">
+                                        <a:latin typeface="Cambria Math" panose="02040503050406030204" pitchFamily="18" charset="0"/>
+                                        <a:ea typeface="Cambria Math" panose="02040503050406030204" pitchFamily="18" charset="0"/>
+                                        <a:cs typeface="Times" panose="02020603050405020304" pitchFamily="18" charset="0"/>
+                                      </a:rPr>
+                                      <m:t>𝑒</m:t>
+                                    </m:r>
+                                  </m:e>
+                                  <m:sub>
+                                    <m:r>
+                                      <a:rPr lang="en-US" altLang="zh-TW" sz="3200" i="1">
+                                        <a:latin typeface="Cambria Math" panose="02040503050406030204" pitchFamily="18" charset="0"/>
+                                        <a:ea typeface="Cambria Math" panose="02040503050406030204" pitchFamily="18" charset="0"/>
+                                        <a:cs typeface="Times" panose="02020603050405020304" pitchFamily="18" charset="0"/>
+                                      </a:rPr>
+                                      <m:t>𝑖</m:t>
+                                    </m:r>
+                                  </m:sub>
+                                </m:sSub>
+                              </m:lim>
+                            </m:limLow>
+                          </m:fName>
+                          <m:e>
+                            <m:sSub>
+                              <m:sSubPr>
+                                <m:ctrlPr>
+                                  <a:rPr lang="en-US" altLang="zh-TW" sz="3200" i="1">
+                                    <a:latin typeface="Cambria Math" panose="02040503050406030204" pitchFamily="18" charset="0"/>
+                                    <a:cs typeface="Times" panose="02020603050405020304" pitchFamily="18" charset="0"/>
+                                  </a:rPr>
+                                </m:ctrlPr>
+                              </m:sSubPr>
+                              <m:e>
+                                <m:r>
+                                  <a:rPr lang="en-US" altLang="zh-TW" sz="3200" i="1">
+                                    <a:latin typeface="Cambria Math" panose="02040503050406030204" pitchFamily="18" charset="0"/>
+                                    <a:cs typeface="Times" panose="02020603050405020304" pitchFamily="18" charset="0"/>
+                                  </a:rPr>
+                                  <m:t>𝑥</m:t>
+                                </m:r>
+                              </m:e>
+                              <m:sub>
+                                <m:r>
+                                  <a:rPr lang="en-US" altLang="zh-TW" sz="3200" i="1">
+                                    <a:latin typeface="Cambria Math" panose="02040503050406030204" pitchFamily="18" charset="0"/>
+                                    <a:cs typeface="Times" panose="02020603050405020304" pitchFamily="18" charset="0"/>
+                                  </a:rPr>
+                                  <m:t>𝑗</m:t>
+                                </m:r>
+                              </m:sub>
+                            </m:sSub>
+                            <m:sSup>
+                              <m:sSupPr>
+                                <m:ctrlPr>
+                                  <a:rPr lang="en-US" altLang="zh-TW" sz="3200" i="1">
+                                    <a:latin typeface="Cambria Math" panose="02040503050406030204" pitchFamily="18" charset="0"/>
+                                    <a:cs typeface="Times" panose="02020603050405020304" pitchFamily="18" charset="0"/>
+                                  </a:rPr>
+                                </m:ctrlPr>
+                              </m:sSupPr>
+                              <m:e>
+                                <m:r>
+                                  <a:rPr lang="en-US" altLang="zh-TW" sz="3200" i="1">
+                                    <a:latin typeface="Cambria Math" panose="02040503050406030204" pitchFamily="18" charset="0"/>
+                                    <a:cs typeface="Times" panose="02020603050405020304" pitchFamily="18" charset="0"/>
+                                  </a:rPr>
+                                  <m:t> </m:t>
+                                </m:r>
+                                <m:r>
+                                  <a:rPr lang="en-US" altLang="zh-TW" sz="3200" i="1">
+                                    <a:latin typeface="Cambria Math" panose="02040503050406030204" pitchFamily="18" charset="0"/>
+                                    <a:cs typeface="Times" panose="02020603050405020304" pitchFamily="18" charset="0"/>
+                                  </a:rPr>
+                                  <m:t>𝑒</m:t>
+                                </m:r>
+                              </m:e>
+                              <m:sup>
+                                <m:f>
+                                  <m:fPr>
+                                    <m:ctrlPr>
+                                      <a:rPr lang="en-US" altLang="zh-TW" sz="3200" i="1">
+                                        <a:latin typeface="Cambria Math" panose="02040503050406030204" pitchFamily="18" charset="0"/>
+                                        <a:cs typeface="Times" panose="02020603050405020304" pitchFamily="18" charset="0"/>
+                                      </a:rPr>
+                                    </m:ctrlPr>
+                                  </m:fPr>
+                                  <m:num>
+                                    <m:sSub>
+                                      <m:sSubPr>
+                                        <m:ctrlPr>
+                                          <a:rPr lang="en-US" altLang="zh-TW" sz="3200" i="1">
+                                            <a:latin typeface="Cambria Math" panose="02040503050406030204" pitchFamily="18" charset="0"/>
+                                            <a:cs typeface="Times" panose="02020603050405020304" pitchFamily="18" charset="0"/>
+                                          </a:rPr>
+                                        </m:ctrlPr>
+                                      </m:sSubPr>
+                                      <m:e>
+                                        <m:r>
+                                          <a:rPr lang="en-US" altLang="zh-TW" sz="3200" i="1">
+                                            <a:latin typeface="Cambria Math" panose="02040503050406030204" pitchFamily="18" charset="0"/>
+                                            <a:cs typeface="Times" panose="02020603050405020304" pitchFamily="18" charset="0"/>
+                                          </a:rPr>
+                                          <m:t>−</m:t>
+                                        </m:r>
+                                        <m:r>
+                                          <a:rPr lang="en-US" altLang="zh-TW" sz="3200" i="1">
+                                            <a:latin typeface="Cambria Math" panose="02040503050406030204" pitchFamily="18" charset="0"/>
+                                            <a:cs typeface="Times" panose="02020603050405020304" pitchFamily="18" charset="0"/>
+                                          </a:rPr>
+                                          <m:t>𝑥</m:t>
+                                        </m:r>
+                                      </m:e>
+                                      <m:sub>
+                                        <m:r>
+                                          <a:rPr lang="en-US" altLang="zh-TW" sz="3200" i="1">
+                                            <a:latin typeface="Cambria Math" panose="02040503050406030204" pitchFamily="18" charset="0"/>
+                                            <a:cs typeface="Times" panose="02020603050405020304" pitchFamily="18" charset="0"/>
+                                          </a:rPr>
+                                          <m:t>𝑗</m:t>
+                                        </m:r>
+                                      </m:sub>
+                                    </m:sSub>
+                                  </m:num>
+                                  <m:den>
+                                    <m:r>
+                                      <m:rPr>
+                                        <m:sty m:val="p"/>
+                                      </m:rPr>
+                                      <a:rPr lang="en-US" altLang="zh-TW" sz="3200" i="1">
+                                        <a:latin typeface="Cambria Math" panose="02040503050406030204" pitchFamily="18" charset="0"/>
+                                        <a:cs typeface="Times" panose="02020603050405020304" pitchFamily="18" charset="0"/>
+                                      </a:rPr>
+                                      <m:t>γ</m:t>
+                                    </m:r>
+                                  </m:den>
+                                </m:f>
+                              </m:sup>
+                            </m:sSup>
+                          </m:e>
+                        </m:func>
+                      </m:num>
+                      <m:den>
+                        <m:func>
+                          <m:funcPr>
+                            <m:ctrlPr>
+                              <a:rPr lang="en-US" altLang="zh-TW" sz="3200" i="1">
+                                <a:latin typeface="Cambria Math" panose="02040503050406030204" pitchFamily="18" charset="0"/>
+                                <a:cs typeface="Times" panose="02020603050405020304" pitchFamily="18" charset="0"/>
+                              </a:rPr>
+                            </m:ctrlPr>
+                          </m:funcPr>
+                          <m:fName>
+                            <m:sSub>
+                              <m:sSubPr>
+                                <m:ctrlPr>
+                                  <a:rPr lang="en-US" altLang="zh-TW" sz="3200" i="1">
+                                    <a:latin typeface="Cambria Math" panose="02040503050406030204" pitchFamily="18" charset="0"/>
+                                    <a:cs typeface="Times" panose="02020603050405020304" pitchFamily="18" charset="0"/>
+                                  </a:rPr>
+                                </m:ctrlPr>
+                              </m:sSubPr>
+                              <m:e>
+                                <m:r>
+                                  <m:rPr>
+                                    <m:sty m:val="p"/>
+                                  </m:rPr>
+                                  <a:rPr lang="en-US" altLang="zh-TW" sz="3200" i="1">
+                                    <a:latin typeface="Cambria Math" panose="02040503050406030204" pitchFamily="18" charset="0"/>
+                                    <a:cs typeface="Times" panose="02020603050405020304" pitchFamily="18" charset="0"/>
+                                  </a:rPr>
+                                  <m:t>Σ</m:t>
+                                </m:r>
+                              </m:e>
+                              <m:sub>
+                                <m:r>
+                                  <a:rPr lang="en-US" altLang="zh-TW" sz="3200" i="1">
+                                    <a:latin typeface="Cambria Math" panose="02040503050406030204" pitchFamily="18" charset="0"/>
+                                    <a:cs typeface="Times" panose="02020603050405020304" pitchFamily="18" charset="0"/>
+                                  </a:rPr>
+                                  <m:t>𝑗</m:t>
+                                </m:r>
+                                <m:r>
+                                  <a:rPr lang="en-US" altLang="zh-TW" sz="3200" i="1">
+                                    <a:latin typeface="Cambria Math" panose="02040503050406030204" pitchFamily="18" charset="0"/>
+                                    <a:ea typeface="Cambria Math" panose="02040503050406030204" pitchFamily="18" charset="0"/>
+                                    <a:cs typeface="Times" panose="02020603050405020304" pitchFamily="18" charset="0"/>
+                                  </a:rPr>
+                                  <m:t>∈</m:t>
+                                </m:r>
+                                <m:sSub>
+                                  <m:sSubPr>
+                                    <m:ctrlPr>
+                                      <a:rPr lang="en-US" altLang="zh-TW" sz="3200" i="1">
+                                        <a:latin typeface="Cambria Math" panose="02040503050406030204" pitchFamily="18" charset="0"/>
+                                        <a:ea typeface="Cambria Math" panose="02040503050406030204" pitchFamily="18" charset="0"/>
+                                        <a:cs typeface="Times" panose="02020603050405020304" pitchFamily="18" charset="0"/>
+                                      </a:rPr>
+                                    </m:ctrlPr>
+                                  </m:sSubPr>
+                                  <m:e>
+                                    <m:r>
+                                      <a:rPr lang="en-US" altLang="zh-TW" sz="3200" i="1">
+                                        <a:latin typeface="Cambria Math" panose="02040503050406030204" pitchFamily="18" charset="0"/>
+                                        <a:ea typeface="Cambria Math" panose="02040503050406030204" pitchFamily="18" charset="0"/>
+                                        <a:cs typeface="Times" panose="02020603050405020304" pitchFamily="18" charset="0"/>
+                                      </a:rPr>
+                                      <m:t>𝑒</m:t>
+                                    </m:r>
+                                  </m:e>
+                                  <m:sub>
+                                    <m:r>
+                                      <a:rPr lang="en-US" altLang="zh-TW" sz="3200" i="1">
+                                        <a:latin typeface="Cambria Math" panose="02040503050406030204" pitchFamily="18" charset="0"/>
+                                        <a:ea typeface="Cambria Math" panose="02040503050406030204" pitchFamily="18" charset="0"/>
+                                        <a:cs typeface="Times" panose="02020603050405020304" pitchFamily="18" charset="0"/>
+                                      </a:rPr>
+                                      <m:t>𝑖</m:t>
+                                    </m:r>
+                                  </m:sub>
+                                </m:sSub>
+                              </m:sub>
+                            </m:sSub>
+                          </m:fName>
+                          <m:e>
+                            <m:sSup>
+                              <m:sSupPr>
+                                <m:ctrlPr>
+                                  <a:rPr lang="en-US" altLang="zh-TW" sz="3200" i="1">
+                                    <a:latin typeface="Cambria Math" panose="02040503050406030204" pitchFamily="18" charset="0"/>
+                                    <a:cs typeface="Times" panose="02020603050405020304" pitchFamily="18" charset="0"/>
+                                  </a:rPr>
+                                </m:ctrlPr>
+                              </m:sSupPr>
+                              <m:e>
+                                <m:r>
+                                  <a:rPr lang="en-US" altLang="zh-TW" sz="3200" i="1">
+                                    <a:latin typeface="Cambria Math" panose="02040503050406030204" pitchFamily="18" charset="0"/>
+                                    <a:cs typeface="Times" panose="02020603050405020304" pitchFamily="18" charset="0"/>
+                                  </a:rPr>
+                                  <m:t> </m:t>
+                                </m:r>
+                                <m:r>
+                                  <a:rPr lang="en-US" altLang="zh-TW" sz="3200" i="1">
+                                    <a:latin typeface="Cambria Math" panose="02040503050406030204" pitchFamily="18" charset="0"/>
+                                    <a:cs typeface="Times" panose="02020603050405020304" pitchFamily="18" charset="0"/>
+                                  </a:rPr>
+                                  <m:t>𝑒</m:t>
+                                </m:r>
+                              </m:e>
+                              <m:sup>
+                                <m:f>
+                                  <m:fPr>
+                                    <m:ctrlPr>
+                                      <a:rPr lang="en-US" altLang="zh-TW" sz="3200" i="1">
+                                        <a:latin typeface="Cambria Math" panose="02040503050406030204" pitchFamily="18" charset="0"/>
+                                        <a:cs typeface="Times" panose="02020603050405020304" pitchFamily="18" charset="0"/>
+                                      </a:rPr>
+                                    </m:ctrlPr>
+                                  </m:fPr>
+                                  <m:num>
+                                    <m:sSub>
+                                      <m:sSubPr>
+                                        <m:ctrlPr>
+                                          <a:rPr lang="en-US" altLang="zh-TW" sz="3200" i="1">
+                                            <a:latin typeface="Cambria Math" panose="02040503050406030204" pitchFamily="18" charset="0"/>
+                                            <a:cs typeface="Times" panose="02020603050405020304" pitchFamily="18" charset="0"/>
+                                          </a:rPr>
+                                        </m:ctrlPr>
+                                      </m:sSubPr>
+                                      <m:e>
+                                        <m:r>
+                                          <a:rPr lang="en-US" altLang="zh-TW" sz="3200" i="1">
+                                            <a:latin typeface="Cambria Math" panose="02040503050406030204" pitchFamily="18" charset="0"/>
+                                            <a:cs typeface="Times" panose="02020603050405020304" pitchFamily="18" charset="0"/>
+                                          </a:rPr>
+                                          <m:t>−</m:t>
+                                        </m:r>
+                                        <m:r>
+                                          <a:rPr lang="en-US" altLang="zh-TW" sz="3200" i="1">
+                                            <a:latin typeface="Cambria Math" panose="02040503050406030204" pitchFamily="18" charset="0"/>
+                                            <a:cs typeface="Times" panose="02020603050405020304" pitchFamily="18" charset="0"/>
+                                          </a:rPr>
+                                          <m:t>𝑥</m:t>
+                                        </m:r>
+                                      </m:e>
+                                      <m:sub>
+                                        <m:r>
+                                          <a:rPr lang="en-US" altLang="zh-TW" sz="3200" i="1">
+                                            <a:latin typeface="Cambria Math" panose="02040503050406030204" pitchFamily="18" charset="0"/>
+                                            <a:cs typeface="Times" panose="02020603050405020304" pitchFamily="18" charset="0"/>
+                                          </a:rPr>
+                                          <m:t>𝑗</m:t>
+                                        </m:r>
+                                      </m:sub>
+                                    </m:sSub>
+                                  </m:num>
+                                  <m:den>
+                                    <m:r>
+                                      <m:rPr>
+                                        <m:sty m:val="p"/>
+                                      </m:rPr>
+                                      <a:rPr lang="en-US" altLang="zh-TW" sz="3200" i="1">
+                                        <a:latin typeface="Cambria Math" panose="02040503050406030204" pitchFamily="18" charset="0"/>
+                                        <a:cs typeface="Times" panose="02020603050405020304" pitchFamily="18" charset="0"/>
+                                      </a:rPr>
+                                      <m:t>γ</m:t>
+                                    </m:r>
+                                  </m:den>
+                                </m:f>
+                              </m:sup>
+                            </m:sSup>
+                          </m:e>
+                        </m:func>
+                      </m:den>
+                    </m:f>
+                  </m:oMath>
+                </a14:m>
+                <a:endParaRPr lang="en-US" altLang="zh-TW" sz="2400" b="0" dirty="0">
+                  <a:latin typeface="Times" panose="02020603050405020304" pitchFamily="18" charset="0"/>
+                  <a:cs typeface="Times" panose="02020603050405020304" pitchFamily="18" charset="0"/>
+                </a:endParaRPr>
+              </a:p>
+            </p:txBody>
+          </p:sp>
+        </mc:Choice>
+        <mc:Fallback>
+          <p:sp>
+            <p:nvSpPr>
+              <p:cNvPr id="3" name="內容版面配置區 2">
+                <a:extLst>
+                  <a:ext uri="{FF2B5EF4-FFF2-40B4-BE49-F238E27FC236}">
+                    <a16:creationId xmlns:a16="http://schemas.microsoft.com/office/drawing/2014/main" id="{CBD7CEA3-77D1-9FFB-94D0-23801E3C63EE}"/>
+                  </a:ext>
+                </a:extLst>
+              </p:cNvPr>
+              <p:cNvSpPr>
+                <a:spLocks noGrp="1" noRot="1" noChangeAspect="1" noMove="1" noResize="1" noEditPoints="1" noAdjustHandles="1" noChangeArrowheads="1" noChangeShapeType="1" noTextEdit="1"/>
+              </p:cNvSpPr>
+              <p:nvPr>
+                <p:ph idx="1"/>
+              </p:nvPr>
+            </p:nvSpPr>
+            <p:spPr>
+              <a:blipFill>
+                <a:blip r:embed="rId2"/>
+                <a:stretch>
+                  <a:fillRect l="-1333" t="-3081"/>
+                </a:stretch>
+              </a:blipFill>
+            </p:spPr>
+            <p:txBody>
+              <a:bodyPr/>
+              <a:lstStyle/>
+              <a:p>
+                <a:r>
+                  <a:rPr lang="zh-TW" altLang="en-US">
+                    <a:noFill/>
+                  </a:rPr>
+                  <a:t> </a:t>
+                </a:r>
+              </a:p>
+            </p:txBody>
+          </p:sp>
+        </mc:Fallback>
+      </mc:AlternateContent>
+      <p:sp>
+        <p:nvSpPr>
+          <p:cNvPr id="4" name="投影片編號版面配置區 3">
+            <a:extLst>
+              <a:ext uri="{FF2B5EF4-FFF2-40B4-BE49-F238E27FC236}">
+                <a16:creationId xmlns:a16="http://schemas.microsoft.com/office/drawing/2014/main" id="{B35B14FF-D48D-70F2-8D80-2E843D4EA732}"/>
+              </a:ext>
+            </a:extLst>
+          </p:cNvPr>
+          <p:cNvSpPr>
+            <a:spLocks noGrp="1"/>
+          </p:cNvSpPr>
+          <p:nvPr>
+            <p:ph type="sldNum" sz="quarter" idx="12"/>
+          </p:nvPr>
+        </p:nvSpPr>
+        <p:spPr/>
+        <p:txBody>
+          <a:bodyPr/>
+          <a:lstStyle/>
+          <a:p>
+            <a:fld id="{666274A1-CF9C-426A-8DD4-B13ED0C24231}" type="slidenum">
+              <a:rPr lang="en-US" smtClean="0"/>
+              <a:t>8</a:t>
+            </a:fld>
+            <a:endParaRPr lang="en-US"/>
           </a:p>
         </p:txBody>
       </p:sp>
     </p:spTree>
     <p:extLst>
       <p:ext uri="{BB962C8B-B14F-4D97-AF65-F5344CB8AC3E}">
-        <p14:creationId xmlns:p14="http://schemas.microsoft.com/office/powerpoint/2010/main" val="1947749228"/>
+        <p14:creationId xmlns:p14="http://schemas.microsoft.com/office/powerpoint/2010/main" val="3605248542"/>
       </p:ext>
     </p:extLst>
   </p:cSld>

--- a/GM/Placement/PUFFER A Routability-Driven Placement Framework via Cell Padding/PUFFER A Routability-Driven Placement Framework via Cell Padding.pptx
+++ b/GM/Placement/PUFFER A Routability-Driven Placement Framework via Cell Padding/PUFFER A Routability-Driven Placement Framework via Cell Padding.pptx
@@ -5,7 +5,7 @@
     <p:sldMasterId id="2147483648" r:id="rId1"/>
   </p:sldMasterIdLst>
   <p:notesMasterIdLst>
-    <p:notesMasterId r:id="rId12"/>
+    <p:notesMasterId r:id="rId15"/>
   </p:notesMasterIdLst>
   <p:sldIdLst>
     <p:sldId id="256" r:id="rId2"/>
@@ -17,7 +17,10 @@
     <p:sldId id="303" r:id="rId8"/>
     <p:sldId id="304" r:id="rId9"/>
     <p:sldId id="305" r:id="rId10"/>
-    <p:sldId id="298" r:id="rId11"/>
+    <p:sldId id="306" r:id="rId11"/>
+    <p:sldId id="307" r:id="rId12"/>
+    <p:sldId id="308" r:id="rId13"/>
+    <p:sldId id="298" r:id="rId14"/>
   </p:sldIdLst>
   <p:sldSz cx="12192000" cy="6858000"/>
   <p:notesSz cx="6858000" cy="9144000"/>
@@ -1462,7 +1465,7 @@
           <a:p>
             <a:fld id="{C9ED61FB-B9B0-4D85-A72E-A614C28ECC4E}" type="datetimeFigureOut">
               <a:rPr lang="en-US" smtClean="0"/>
-              <a:t>9/30/2023</a:t>
+              <a:t>10/1/2023</a:t>
             </a:fld>
             <a:endParaRPr lang="en-US"/>
           </a:p>
@@ -2161,6 +2164,850 @@
 </p:notes>
 </file>
 
+<file path=ppt/notesSlides/notesSlide5.xml><?xml version="1.0" encoding="utf-8"?>
+<p:notes xmlns:a="http://schemas.openxmlformats.org/drawingml/2006/main" xmlns:r="http://schemas.openxmlformats.org/officeDocument/2006/relationships" xmlns:p="http://schemas.openxmlformats.org/presentationml/2006/main">
+  <p:cSld>
+    <p:spTree>
+      <p:nvGrpSpPr>
+        <p:cNvPr id="1" name=""/>
+        <p:cNvGrpSpPr/>
+        <p:nvPr/>
+      </p:nvGrpSpPr>
+      <p:grpSpPr>
+        <a:xfrm>
+          <a:off x="0" y="0"/>
+          <a:ext cx="0" cy="0"/>
+          <a:chOff x="0" y="0"/>
+          <a:chExt cx="0" cy="0"/>
+        </a:xfrm>
+      </p:grpSpPr>
+      <p:sp>
+        <p:nvSpPr>
+          <p:cNvPr id="2" name="投影片影像版面配置區 1"/>
+          <p:cNvSpPr>
+            <a:spLocks noGrp="1" noRot="1" noChangeAspect="1"/>
+          </p:cNvSpPr>
+          <p:nvPr>
+            <p:ph type="sldImg"/>
+          </p:nvPr>
+        </p:nvSpPr>
+        <p:spPr/>
+      </p:sp>
+      <mc:AlternateContent xmlns:mc="http://schemas.openxmlformats.org/markup-compatibility/2006">
+        <mc:Choice xmlns:a14="http://schemas.microsoft.com/office/drawing/2010/main" Requires="a14">
+          <p:sp>
+            <p:nvSpPr>
+              <p:cNvPr id="3" name="備忘稿版面配置區 2"/>
+              <p:cNvSpPr>
+                <a:spLocks noGrp="1"/>
+              </p:cNvSpPr>
+              <p:nvPr>
+                <p:ph type="body" idx="1"/>
+              </p:nvPr>
+            </p:nvSpPr>
+            <p:spPr/>
+            <p:txBody>
+              <a:bodyPr/>
+              <a:lstStyle/>
+              <a:p>
+                <a:pPr marL="171450" indent="-171450">
+                  <a:buFont typeface="Arial" panose="020B0604020202020204" pitchFamily="34" charset="0"/>
+                  <a:buChar char="•"/>
+                </a:pPr>
+                <a:r>
+                  <a:rPr lang="en-US" altLang="zh-TW" sz="1200" dirty="0">
+                    <a:latin typeface="Times" panose="02020603050405020304" pitchFamily="18" charset="0"/>
+                    <a:cs typeface="Times" panose="02020603050405020304" pitchFamily="18" charset="0"/>
+                  </a:rPr>
+                  <a:t>Electrostatic:</a:t>
+                </a:r>
+                <a:r>
+                  <a:rPr lang="zh-TW" altLang="en-US" sz="1200" dirty="0">
+                    <a:latin typeface="Times" panose="02020603050405020304" pitchFamily="18" charset="0"/>
+                    <a:cs typeface="Times" panose="02020603050405020304" pitchFamily="18" charset="0"/>
+                  </a:rPr>
+                  <a:t> 靜電</a:t>
+                </a:r>
+                <a:endParaRPr lang="en-US" altLang="zh-TW" sz="1200" i="1" dirty="0">
+                  <a:latin typeface="Cambria Math" panose="02040503050406030204" pitchFamily="18" charset="0"/>
+                  <a:cs typeface="Times" panose="02020603050405020304" pitchFamily="18" charset="0"/>
+                </a:endParaRPr>
+              </a:p>
+              <a:p>
+                <a:pPr marL="171450" indent="-171450">
+                  <a:buFont typeface="Arial" panose="020B0604020202020204" pitchFamily="34" charset="0"/>
+                  <a:buChar char="•"/>
+                </a:pPr>
+                <a14:m>
+                  <m:oMath xmlns:m="http://schemas.openxmlformats.org/officeDocument/2006/math">
+                    <m:sSub>
+                      <m:sSubPr>
+                        <m:ctrlPr>
+                          <a:rPr lang="en-US" altLang="zh-TW" sz="1200" i="1" smtClean="0">
+                            <a:latin typeface="Cambria Math" panose="02040503050406030204" pitchFamily="18" charset="0"/>
+                            <a:cs typeface="Times" panose="02020603050405020304" pitchFamily="18" charset="0"/>
+                          </a:rPr>
+                        </m:ctrlPr>
+                      </m:sSubPr>
+                      <m:e>
+                        <m:r>
+                          <a:rPr lang="en-US" altLang="zh-TW" sz="1200" i="1">
+                            <a:latin typeface="Cambria Math" panose="02040503050406030204" pitchFamily="18" charset="0"/>
+                            <a:cs typeface="Times" panose="02020603050405020304" pitchFamily="18" charset="0"/>
+                          </a:rPr>
+                          <m:t>𝑊</m:t>
+                        </m:r>
+                      </m:e>
+                      <m:sub>
+                        <m:sSub>
+                          <m:sSubPr>
+                            <m:ctrlPr>
+                              <a:rPr lang="en-US" altLang="zh-TW" sz="1200" i="1">
+                                <a:latin typeface="Cambria Math" panose="02040503050406030204" pitchFamily="18" charset="0"/>
+                                <a:cs typeface="Times" panose="02020603050405020304" pitchFamily="18" charset="0"/>
+                              </a:rPr>
+                            </m:ctrlPr>
+                          </m:sSubPr>
+                          <m:e>
+                            <m:r>
+                              <a:rPr lang="en-US" altLang="zh-TW" sz="1200" i="1">
+                                <a:latin typeface="Cambria Math" panose="02040503050406030204" pitchFamily="18" charset="0"/>
+                                <a:cs typeface="Times" panose="02020603050405020304" pitchFamily="18" charset="0"/>
+                              </a:rPr>
+                              <m:t>𝑒</m:t>
+                            </m:r>
+                          </m:e>
+                          <m:sub>
+                            <m:r>
+                              <a:rPr lang="en-US" altLang="zh-TW" sz="1200" b="0" i="1" smtClean="0">
+                                <a:latin typeface="Cambria Math" panose="02040503050406030204" pitchFamily="18" charset="0"/>
+                                <a:cs typeface="Times" panose="02020603050405020304" pitchFamily="18" charset="0"/>
+                              </a:rPr>
+                              <m:t>𝑖</m:t>
+                            </m:r>
+                          </m:sub>
+                        </m:sSub>
+                      </m:sub>
+                    </m:sSub>
+                    <m:r>
+                      <a:rPr lang="en-US" altLang="zh-TW" sz="1200" i="1">
+                        <a:latin typeface="Cambria Math" panose="02040503050406030204" pitchFamily="18" charset="0"/>
+                        <a:cs typeface="Times" panose="02020603050405020304" pitchFamily="18" charset="0"/>
+                      </a:rPr>
+                      <m:t> (</m:t>
+                    </m:r>
+                    <m:r>
+                      <a:rPr lang="en-US" altLang="zh-TW" sz="1200" i="1">
+                        <a:latin typeface="Cambria Math" panose="02040503050406030204" pitchFamily="18" charset="0"/>
+                        <a:cs typeface="Times" panose="02020603050405020304" pitchFamily="18" charset="0"/>
+                      </a:rPr>
+                      <m:t>𝑥</m:t>
+                    </m:r>
+                    <m:r>
+                      <a:rPr lang="en-US" altLang="zh-TW" sz="1200" i="1">
+                        <a:latin typeface="Cambria Math" panose="02040503050406030204" pitchFamily="18" charset="0"/>
+                        <a:cs typeface="Times" panose="02020603050405020304" pitchFamily="18" charset="0"/>
+                      </a:rPr>
+                      <m:t>, </m:t>
+                    </m:r>
+                    <m:r>
+                      <a:rPr lang="en-US" altLang="zh-TW" sz="1200" i="1">
+                        <a:latin typeface="Cambria Math" panose="02040503050406030204" pitchFamily="18" charset="0"/>
+                        <a:cs typeface="Times" panose="02020603050405020304" pitchFamily="18" charset="0"/>
+                      </a:rPr>
+                      <m:t>𝑦</m:t>
+                    </m:r>
+                    <m:r>
+                      <a:rPr lang="en-US" altLang="zh-TW" sz="1200" i="1">
+                        <a:latin typeface="Cambria Math" panose="02040503050406030204" pitchFamily="18" charset="0"/>
+                        <a:cs typeface="Times" panose="02020603050405020304" pitchFamily="18" charset="0"/>
+                      </a:rPr>
+                      <m:t>):</m:t>
+                    </m:r>
+                  </m:oMath>
+                </a14:m>
+                <a:r>
+                  <a:rPr lang="zh-TW" altLang="en-US" dirty="0"/>
+                  <a:t> </a:t>
+                </a:r>
+                <a:r>
+                  <a:rPr lang="en-US" altLang="zh-TW" dirty="0"/>
+                  <a:t>weighted</a:t>
+                </a:r>
+                <a:r>
+                  <a:rPr lang="en-US" altLang="zh-TW" baseline="0" dirty="0"/>
+                  <a:t> wirelength of  net </a:t>
+                </a:r>
+                <a:r>
+                  <a:rPr lang="en-US" altLang="zh-TW" baseline="0" dirty="0" err="1"/>
+                  <a:t>ei</a:t>
+                </a:r>
+                <a:endParaRPr lang="en-US" altLang="zh-TW" baseline="0" dirty="0"/>
+              </a:p>
+              <a:p>
+                <a:pPr marL="171450" indent="-171450" algn="l">
+                  <a:buFont typeface="Arial" panose="020B0604020202020204" pitchFamily="34" charset="0"/>
+                  <a:buChar char="•"/>
+                </a:pPr>
+                <a:r>
+                  <a:rPr lang="el-GR" altLang="zh-TW" sz="1100" dirty="0"/>
+                  <a:t>Γ</a:t>
+                </a:r>
+                <a:r>
+                  <a:rPr lang="en-US" altLang="zh-TW" sz="1100" dirty="0"/>
+                  <a:t>:</a:t>
+                </a:r>
+                <a:r>
+                  <a:rPr lang="zh-TW" altLang="en-US" sz="1100" dirty="0"/>
+                  <a:t> </a:t>
+                </a:r>
+                <a:r>
+                  <a:rPr lang="en-US" altLang="zh-TW" sz="1800" b="0" i="0" u="none" strike="noStrike" baseline="0" dirty="0">
+                    <a:latin typeface="NimbusRomNo9L-Regu"/>
+                  </a:rPr>
+                  <a:t>smoothing parameter used to adjust the</a:t>
+                </a:r>
+                <a:r>
+                  <a:rPr lang="zh-TW" altLang="en-US" sz="1800" b="0" i="0" u="none" strike="noStrike" baseline="0" dirty="0">
+                    <a:latin typeface="NimbusRomNo9L-Regu"/>
+                  </a:rPr>
+                  <a:t> </a:t>
+                </a:r>
+                <a:r>
+                  <a:rPr lang="en-US" altLang="zh-TW" sz="1800" b="0" i="0" u="none" strike="noStrike" baseline="0" dirty="0">
+                    <a:latin typeface="NimbusRomNo9L-Regu"/>
+                  </a:rPr>
+                  <a:t>accuracy.</a:t>
+                </a:r>
+                <a:endParaRPr lang="zh-TW" altLang="en-US" sz="1100" dirty="0"/>
+              </a:p>
+            </p:txBody>
+          </p:sp>
+        </mc:Choice>
+        <mc:Fallback>
+          <p:sp>
+            <p:nvSpPr>
+              <p:cNvPr id="3" name="備忘稿版面配置區 2"/>
+              <p:cNvSpPr>
+                <a:spLocks noGrp="1"/>
+              </p:cNvSpPr>
+              <p:nvPr>
+                <p:ph type="body" idx="1"/>
+              </p:nvPr>
+            </p:nvSpPr>
+            <p:spPr/>
+            <p:txBody>
+              <a:bodyPr/>
+              <a:lstStyle/>
+              <a:p>
+                <a:pPr marL="171450" indent="-171450">
+                  <a:buFont typeface="Arial" panose="020B0604020202020204" pitchFamily="34" charset="0"/>
+                  <a:buChar char="•"/>
+                </a:pPr>
+                <a:r>
+                  <a:rPr lang="en-US" altLang="zh-TW" sz="1200" dirty="0">
+                    <a:latin typeface="Times" panose="02020603050405020304" pitchFamily="18" charset="0"/>
+                    <a:cs typeface="Times" panose="02020603050405020304" pitchFamily="18" charset="0"/>
+                  </a:rPr>
+                  <a:t>Electrostatic:</a:t>
+                </a:r>
+                <a:r>
+                  <a:rPr lang="zh-TW" altLang="en-US" sz="1200" dirty="0">
+                    <a:latin typeface="Times" panose="02020603050405020304" pitchFamily="18" charset="0"/>
+                    <a:cs typeface="Times" panose="02020603050405020304" pitchFamily="18" charset="0"/>
+                  </a:rPr>
+                  <a:t> 靜電</a:t>
+                </a:r>
+                <a:endParaRPr lang="en-US" altLang="zh-TW" sz="1200" i="1" dirty="0">
+                  <a:latin typeface="Cambria Math" panose="02040503050406030204" pitchFamily="18" charset="0"/>
+                  <a:cs typeface="Times" panose="02020603050405020304" pitchFamily="18" charset="0"/>
+                </a:endParaRPr>
+              </a:p>
+              <a:p>
+                <a:pPr marL="171450" indent="-171450">
+                  <a:buFont typeface="Arial" panose="020B0604020202020204" pitchFamily="34" charset="0"/>
+                  <a:buChar char="•"/>
+                </a:pPr>
+                <a:r>
+                  <a:rPr lang="en-US" altLang="zh-TW" sz="1200" i="0">
+                    <a:latin typeface="Cambria Math" panose="02040503050406030204" pitchFamily="18" charset="0"/>
+                    <a:cs typeface="Times" panose="02020603050405020304" pitchFamily="18" charset="0"/>
+                  </a:rPr>
+                  <a:t>𝑊_(𝑒_</a:t>
+                </a:r>
+                <a:r>
+                  <a:rPr lang="en-US" altLang="zh-TW" sz="1200" b="0" i="0">
+                    <a:latin typeface="Cambria Math" panose="02040503050406030204" pitchFamily="18" charset="0"/>
+                    <a:cs typeface="Times" panose="02020603050405020304" pitchFamily="18" charset="0"/>
+                  </a:rPr>
+                  <a:t>𝑖 ) </a:t>
+                </a:r>
+                <a:r>
+                  <a:rPr lang="en-US" altLang="zh-TW" sz="1200" i="0">
+                    <a:latin typeface="Cambria Math" panose="02040503050406030204" pitchFamily="18" charset="0"/>
+                    <a:cs typeface="Times" panose="02020603050405020304" pitchFamily="18" charset="0"/>
+                  </a:rPr>
+                  <a:t> (𝑥, 𝑦):</a:t>
+                </a:r>
+                <a:r>
+                  <a:rPr lang="zh-TW" altLang="en-US" dirty="0"/>
+                  <a:t> </a:t>
+                </a:r>
+                <a:r>
+                  <a:rPr lang="en-US" altLang="zh-TW" dirty="0"/>
+                  <a:t>weighted</a:t>
+                </a:r>
+                <a:r>
+                  <a:rPr lang="en-US" altLang="zh-TW" baseline="0" dirty="0"/>
+                  <a:t> wirelength of  net </a:t>
+                </a:r>
+                <a:r>
+                  <a:rPr lang="en-US" altLang="zh-TW" baseline="0" dirty="0" err="1"/>
+                  <a:t>ei</a:t>
+                </a:r>
+                <a:endParaRPr lang="en-US" altLang="zh-TW" baseline="0" dirty="0"/>
+              </a:p>
+              <a:p>
+                <a:pPr marL="171450" indent="-171450" algn="l">
+                  <a:buFont typeface="Arial" panose="020B0604020202020204" pitchFamily="34" charset="0"/>
+                  <a:buChar char="•"/>
+                </a:pPr>
+                <a:r>
+                  <a:rPr lang="el-GR" altLang="zh-TW" sz="1100" dirty="0"/>
+                  <a:t>Γ</a:t>
+                </a:r>
+                <a:r>
+                  <a:rPr lang="en-US" altLang="zh-TW" sz="1100" dirty="0"/>
+                  <a:t>:</a:t>
+                </a:r>
+                <a:r>
+                  <a:rPr lang="zh-TW" altLang="en-US" sz="1100" dirty="0"/>
+                  <a:t> </a:t>
+                </a:r>
+                <a:r>
+                  <a:rPr lang="en-US" altLang="zh-TW" sz="1800" b="0" i="0" u="none" strike="noStrike" baseline="0" dirty="0">
+                    <a:latin typeface="NimbusRomNo9L-Regu"/>
+                  </a:rPr>
+                  <a:t>smoothing parameter used to adjust the</a:t>
+                </a:r>
+                <a:r>
+                  <a:rPr lang="zh-TW" altLang="en-US" sz="1800" b="0" i="0" u="none" strike="noStrike" baseline="0" dirty="0">
+                    <a:latin typeface="NimbusRomNo9L-Regu"/>
+                  </a:rPr>
+                  <a:t> </a:t>
+                </a:r>
+                <a:r>
+                  <a:rPr lang="en-US" altLang="zh-TW" sz="1800" b="0" i="0" u="none" strike="noStrike" baseline="0" dirty="0">
+                    <a:latin typeface="NimbusRomNo9L-Regu"/>
+                  </a:rPr>
+                  <a:t>accuracy.</a:t>
+                </a:r>
+                <a:endParaRPr lang="zh-TW" altLang="en-US" sz="1100" dirty="0"/>
+              </a:p>
+            </p:txBody>
+          </p:sp>
+        </mc:Fallback>
+      </mc:AlternateContent>
+      <p:sp>
+        <p:nvSpPr>
+          <p:cNvPr id="4" name="投影片編號版面配置區 3"/>
+          <p:cNvSpPr>
+            <a:spLocks noGrp="1"/>
+          </p:cNvSpPr>
+          <p:nvPr>
+            <p:ph type="sldNum" sz="quarter" idx="5"/>
+          </p:nvPr>
+        </p:nvSpPr>
+        <p:spPr/>
+        <p:txBody>
+          <a:bodyPr/>
+          <a:lstStyle/>
+          <a:p>
+            <a:fld id="{9D457EAB-1485-47AD-BEAD-484FAEBF5A54}" type="slidenum">
+              <a:rPr lang="en-US" smtClean="0"/>
+              <a:t>8</a:t>
+            </a:fld>
+            <a:endParaRPr lang="en-US"/>
+          </a:p>
+        </p:txBody>
+      </p:sp>
+    </p:spTree>
+    <p:extLst>
+      <p:ext uri="{BB962C8B-B14F-4D97-AF65-F5344CB8AC3E}">
+        <p14:creationId xmlns:p14="http://schemas.microsoft.com/office/powerpoint/2010/main" val="1680397726"/>
+      </p:ext>
+    </p:extLst>
+  </p:cSld>
+  <p:clrMapOvr>
+    <a:masterClrMapping/>
+  </p:clrMapOvr>
+</p:notes>
+</file>
+
+<file path=ppt/notesSlides/notesSlide6.xml><?xml version="1.0" encoding="utf-8"?>
+<p:notes xmlns:a="http://schemas.openxmlformats.org/drawingml/2006/main" xmlns:r="http://schemas.openxmlformats.org/officeDocument/2006/relationships" xmlns:p="http://schemas.openxmlformats.org/presentationml/2006/main">
+  <p:cSld>
+    <p:spTree>
+      <p:nvGrpSpPr>
+        <p:cNvPr id="1" name=""/>
+        <p:cNvGrpSpPr/>
+        <p:nvPr/>
+      </p:nvGrpSpPr>
+      <p:grpSpPr>
+        <a:xfrm>
+          <a:off x="0" y="0"/>
+          <a:ext cx="0" cy="0"/>
+          <a:chOff x="0" y="0"/>
+          <a:chExt cx="0" cy="0"/>
+        </a:xfrm>
+      </p:grpSpPr>
+      <p:sp>
+        <p:nvSpPr>
+          <p:cNvPr id="2" name="投影片影像版面配置區 1"/>
+          <p:cNvSpPr>
+            <a:spLocks noGrp="1" noRot="1" noChangeAspect="1"/>
+          </p:cNvSpPr>
+          <p:nvPr>
+            <p:ph type="sldImg"/>
+          </p:nvPr>
+        </p:nvSpPr>
+        <p:spPr/>
+      </p:sp>
+      <mc:AlternateContent xmlns:mc="http://schemas.openxmlformats.org/markup-compatibility/2006">
+        <mc:Choice xmlns:a14="http://schemas.microsoft.com/office/drawing/2010/main" Requires="a14">
+          <p:sp>
+            <p:nvSpPr>
+              <p:cNvPr id="3" name="備忘稿版面配置區 2"/>
+              <p:cNvSpPr>
+                <a:spLocks noGrp="1"/>
+              </p:cNvSpPr>
+              <p:nvPr>
+                <p:ph type="body" idx="1"/>
+              </p:nvPr>
+            </p:nvSpPr>
+            <p:spPr/>
+            <p:txBody>
+              <a:bodyPr/>
+              <a:lstStyle/>
+              <a:p>
+                <a:pPr marL="171450" indent="-171450">
+                  <a:buFont typeface="Arial" panose="020B0604020202020204" pitchFamily="34" charset="0"/>
+                  <a:buChar char="•"/>
+                </a:pPr>
+                <a:r>
+                  <a:rPr lang="en-US" altLang="zh-TW" sz="1200" dirty="0">
+                    <a:latin typeface="Times" panose="02020603050405020304" pitchFamily="18" charset="0"/>
+                    <a:cs typeface="Times" panose="02020603050405020304" pitchFamily="18" charset="0"/>
+                  </a:rPr>
+                  <a:t>Electrostatic:</a:t>
+                </a:r>
+                <a:r>
+                  <a:rPr lang="zh-TW" altLang="en-US" sz="1200" dirty="0">
+                    <a:latin typeface="Times" panose="02020603050405020304" pitchFamily="18" charset="0"/>
+                    <a:cs typeface="Times" panose="02020603050405020304" pitchFamily="18" charset="0"/>
+                  </a:rPr>
+                  <a:t> 靜電</a:t>
+                </a:r>
+                <a:endParaRPr lang="en-US" altLang="zh-TW" sz="1200" i="1" dirty="0">
+                  <a:latin typeface="Cambria Math" panose="02040503050406030204" pitchFamily="18" charset="0"/>
+                  <a:cs typeface="Times" panose="02020603050405020304" pitchFamily="18" charset="0"/>
+                </a:endParaRPr>
+              </a:p>
+              <a:p>
+                <a:pPr marL="171450" indent="-171450">
+                  <a:buFont typeface="Arial" panose="020B0604020202020204" pitchFamily="34" charset="0"/>
+                  <a:buChar char="•"/>
+                </a:pPr>
+                <a14:m>
+                  <m:oMath xmlns:m="http://schemas.openxmlformats.org/officeDocument/2006/math">
+                    <m:sSub>
+                      <m:sSubPr>
+                        <m:ctrlPr>
+                          <a:rPr lang="en-US" altLang="zh-TW" sz="1200" i="1" smtClean="0">
+                            <a:latin typeface="Cambria Math" panose="02040503050406030204" pitchFamily="18" charset="0"/>
+                            <a:cs typeface="Times" panose="02020603050405020304" pitchFamily="18" charset="0"/>
+                          </a:rPr>
+                        </m:ctrlPr>
+                      </m:sSubPr>
+                      <m:e>
+                        <m:r>
+                          <a:rPr lang="en-US" altLang="zh-TW" sz="1200" i="1">
+                            <a:latin typeface="Cambria Math" panose="02040503050406030204" pitchFamily="18" charset="0"/>
+                            <a:cs typeface="Times" panose="02020603050405020304" pitchFamily="18" charset="0"/>
+                          </a:rPr>
+                          <m:t>𝑊</m:t>
+                        </m:r>
+                      </m:e>
+                      <m:sub>
+                        <m:sSub>
+                          <m:sSubPr>
+                            <m:ctrlPr>
+                              <a:rPr lang="en-US" altLang="zh-TW" sz="1200" i="1">
+                                <a:latin typeface="Cambria Math" panose="02040503050406030204" pitchFamily="18" charset="0"/>
+                                <a:cs typeface="Times" panose="02020603050405020304" pitchFamily="18" charset="0"/>
+                              </a:rPr>
+                            </m:ctrlPr>
+                          </m:sSubPr>
+                          <m:e>
+                            <m:r>
+                              <a:rPr lang="en-US" altLang="zh-TW" sz="1200" i="1">
+                                <a:latin typeface="Cambria Math" panose="02040503050406030204" pitchFamily="18" charset="0"/>
+                                <a:cs typeface="Times" panose="02020603050405020304" pitchFamily="18" charset="0"/>
+                              </a:rPr>
+                              <m:t>𝑒</m:t>
+                            </m:r>
+                          </m:e>
+                          <m:sub>
+                            <m:r>
+                              <a:rPr lang="en-US" altLang="zh-TW" sz="1200" b="0" i="1" smtClean="0">
+                                <a:latin typeface="Cambria Math" panose="02040503050406030204" pitchFamily="18" charset="0"/>
+                                <a:cs typeface="Times" panose="02020603050405020304" pitchFamily="18" charset="0"/>
+                              </a:rPr>
+                              <m:t>𝑖</m:t>
+                            </m:r>
+                          </m:sub>
+                        </m:sSub>
+                      </m:sub>
+                    </m:sSub>
+                    <m:r>
+                      <a:rPr lang="en-US" altLang="zh-TW" sz="1200" i="1">
+                        <a:latin typeface="Cambria Math" panose="02040503050406030204" pitchFamily="18" charset="0"/>
+                        <a:cs typeface="Times" panose="02020603050405020304" pitchFamily="18" charset="0"/>
+                      </a:rPr>
+                      <m:t> (</m:t>
+                    </m:r>
+                    <m:r>
+                      <a:rPr lang="en-US" altLang="zh-TW" sz="1200" i="1">
+                        <a:latin typeface="Cambria Math" panose="02040503050406030204" pitchFamily="18" charset="0"/>
+                        <a:cs typeface="Times" panose="02020603050405020304" pitchFamily="18" charset="0"/>
+                      </a:rPr>
+                      <m:t>𝑥</m:t>
+                    </m:r>
+                    <m:r>
+                      <a:rPr lang="en-US" altLang="zh-TW" sz="1200" i="1">
+                        <a:latin typeface="Cambria Math" panose="02040503050406030204" pitchFamily="18" charset="0"/>
+                        <a:cs typeface="Times" panose="02020603050405020304" pitchFamily="18" charset="0"/>
+                      </a:rPr>
+                      <m:t>, </m:t>
+                    </m:r>
+                    <m:r>
+                      <a:rPr lang="en-US" altLang="zh-TW" sz="1200" i="1">
+                        <a:latin typeface="Cambria Math" panose="02040503050406030204" pitchFamily="18" charset="0"/>
+                        <a:cs typeface="Times" panose="02020603050405020304" pitchFamily="18" charset="0"/>
+                      </a:rPr>
+                      <m:t>𝑦</m:t>
+                    </m:r>
+                    <m:r>
+                      <a:rPr lang="en-US" altLang="zh-TW" sz="1200" i="1">
+                        <a:latin typeface="Cambria Math" panose="02040503050406030204" pitchFamily="18" charset="0"/>
+                        <a:cs typeface="Times" panose="02020603050405020304" pitchFamily="18" charset="0"/>
+                      </a:rPr>
+                      <m:t>):</m:t>
+                    </m:r>
+                  </m:oMath>
+                </a14:m>
+                <a:r>
+                  <a:rPr lang="zh-TW" altLang="en-US" dirty="0"/>
+                  <a:t> </a:t>
+                </a:r>
+                <a:r>
+                  <a:rPr lang="en-US" altLang="zh-TW" dirty="0"/>
+                  <a:t>weighted</a:t>
+                </a:r>
+                <a:r>
+                  <a:rPr lang="en-US" altLang="zh-TW" baseline="0" dirty="0"/>
+                  <a:t> wirelength of  net </a:t>
+                </a:r>
+                <a:r>
+                  <a:rPr lang="en-US" altLang="zh-TW" baseline="0" dirty="0" err="1"/>
+                  <a:t>ei</a:t>
+                </a:r>
+                <a:endParaRPr lang="en-US" altLang="zh-TW" baseline="0" dirty="0"/>
+              </a:p>
+              <a:p>
+                <a:pPr marL="171450" indent="-171450" algn="l">
+                  <a:buFont typeface="Arial" panose="020B0604020202020204" pitchFamily="34" charset="0"/>
+                  <a:buChar char="•"/>
+                </a:pPr>
+                <a:r>
+                  <a:rPr lang="el-GR" altLang="zh-TW" sz="1100" dirty="0"/>
+                  <a:t>Γ</a:t>
+                </a:r>
+                <a:r>
+                  <a:rPr lang="en-US" altLang="zh-TW" sz="1100" dirty="0"/>
+                  <a:t>:</a:t>
+                </a:r>
+                <a:r>
+                  <a:rPr lang="zh-TW" altLang="en-US" sz="1100" dirty="0"/>
+                  <a:t> </a:t>
+                </a:r>
+                <a:r>
+                  <a:rPr lang="en-US" altLang="zh-TW" sz="1800" b="0" i="0" u="none" strike="noStrike" baseline="0" dirty="0">
+                    <a:latin typeface="NimbusRomNo9L-Regu"/>
+                  </a:rPr>
+                  <a:t>smoothing parameter used to adjust the</a:t>
+                </a:r>
+                <a:r>
+                  <a:rPr lang="zh-TW" altLang="en-US" sz="1800" b="0" i="0" u="none" strike="noStrike" baseline="0" dirty="0">
+                    <a:latin typeface="NimbusRomNo9L-Regu"/>
+                  </a:rPr>
+                  <a:t> </a:t>
+                </a:r>
+                <a:r>
+                  <a:rPr lang="en-US" altLang="zh-TW" sz="1800" b="0" i="0" u="none" strike="noStrike" baseline="0" dirty="0">
+                    <a:latin typeface="NimbusRomNo9L-Regu"/>
+                  </a:rPr>
+                  <a:t>accuracy.</a:t>
+                </a:r>
+                <a:endParaRPr lang="zh-TW" altLang="en-US" sz="1100" dirty="0"/>
+              </a:p>
+            </p:txBody>
+          </p:sp>
+        </mc:Choice>
+        <mc:Fallback>
+          <p:sp>
+            <p:nvSpPr>
+              <p:cNvPr id="3" name="備忘稿版面配置區 2"/>
+              <p:cNvSpPr>
+                <a:spLocks noGrp="1"/>
+              </p:cNvSpPr>
+              <p:nvPr>
+                <p:ph type="body" idx="1"/>
+              </p:nvPr>
+            </p:nvSpPr>
+            <p:spPr/>
+            <p:txBody>
+              <a:bodyPr/>
+              <a:lstStyle/>
+              <a:p>
+                <a:pPr marL="171450" indent="-171450">
+                  <a:buFont typeface="Arial" panose="020B0604020202020204" pitchFamily="34" charset="0"/>
+                  <a:buChar char="•"/>
+                </a:pPr>
+                <a:r>
+                  <a:rPr lang="en-US" altLang="zh-TW" sz="1200" dirty="0">
+                    <a:latin typeface="Times" panose="02020603050405020304" pitchFamily="18" charset="0"/>
+                    <a:cs typeface="Times" panose="02020603050405020304" pitchFamily="18" charset="0"/>
+                  </a:rPr>
+                  <a:t>Electrostatic:</a:t>
+                </a:r>
+                <a:r>
+                  <a:rPr lang="zh-TW" altLang="en-US" sz="1200" dirty="0">
+                    <a:latin typeface="Times" panose="02020603050405020304" pitchFamily="18" charset="0"/>
+                    <a:cs typeface="Times" panose="02020603050405020304" pitchFamily="18" charset="0"/>
+                  </a:rPr>
+                  <a:t> 靜電</a:t>
+                </a:r>
+                <a:endParaRPr lang="en-US" altLang="zh-TW" sz="1200" i="1" dirty="0">
+                  <a:latin typeface="Cambria Math" panose="02040503050406030204" pitchFamily="18" charset="0"/>
+                  <a:cs typeface="Times" panose="02020603050405020304" pitchFamily="18" charset="0"/>
+                </a:endParaRPr>
+              </a:p>
+              <a:p>
+                <a:pPr marL="171450" indent="-171450">
+                  <a:buFont typeface="Arial" panose="020B0604020202020204" pitchFamily="34" charset="0"/>
+                  <a:buChar char="•"/>
+                </a:pPr>
+                <a:r>
+                  <a:rPr lang="en-US" altLang="zh-TW" sz="1200" i="0">
+                    <a:latin typeface="Cambria Math" panose="02040503050406030204" pitchFamily="18" charset="0"/>
+                    <a:cs typeface="Times" panose="02020603050405020304" pitchFamily="18" charset="0"/>
+                  </a:rPr>
+                  <a:t>𝑊_(𝑒_</a:t>
+                </a:r>
+                <a:r>
+                  <a:rPr lang="en-US" altLang="zh-TW" sz="1200" b="0" i="0">
+                    <a:latin typeface="Cambria Math" panose="02040503050406030204" pitchFamily="18" charset="0"/>
+                    <a:cs typeface="Times" panose="02020603050405020304" pitchFamily="18" charset="0"/>
+                  </a:rPr>
+                  <a:t>𝑖 ) </a:t>
+                </a:r>
+                <a:r>
+                  <a:rPr lang="en-US" altLang="zh-TW" sz="1200" i="0">
+                    <a:latin typeface="Cambria Math" panose="02040503050406030204" pitchFamily="18" charset="0"/>
+                    <a:cs typeface="Times" panose="02020603050405020304" pitchFamily="18" charset="0"/>
+                  </a:rPr>
+                  <a:t> (𝑥, 𝑦):</a:t>
+                </a:r>
+                <a:r>
+                  <a:rPr lang="zh-TW" altLang="en-US" dirty="0"/>
+                  <a:t> </a:t>
+                </a:r>
+                <a:r>
+                  <a:rPr lang="en-US" altLang="zh-TW" dirty="0"/>
+                  <a:t>weighted</a:t>
+                </a:r>
+                <a:r>
+                  <a:rPr lang="en-US" altLang="zh-TW" baseline="0" dirty="0"/>
+                  <a:t> wirelength of  net </a:t>
+                </a:r>
+                <a:r>
+                  <a:rPr lang="en-US" altLang="zh-TW" baseline="0" dirty="0" err="1"/>
+                  <a:t>ei</a:t>
+                </a:r>
+                <a:endParaRPr lang="en-US" altLang="zh-TW" baseline="0" dirty="0"/>
+              </a:p>
+              <a:p>
+                <a:pPr marL="171450" indent="-171450" algn="l">
+                  <a:buFont typeface="Arial" panose="020B0604020202020204" pitchFamily="34" charset="0"/>
+                  <a:buChar char="•"/>
+                </a:pPr>
+                <a:r>
+                  <a:rPr lang="el-GR" altLang="zh-TW" sz="1100" dirty="0"/>
+                  <a:t>Γ</a:t>
+                </a:r>
+                <a:r>
+                  <a:rPr lang="en-US" altLang="zh-TW" sz="1100" dirty="0"/>
+                  <a:t>:</a:t>
+                </a:r>
+                <a:r>
+                  <a:rPr lang="zh-TW" altLang="en-US" sz="1100" dirty="0"/>
+                  <a:t> </a:t>
+                </a:r>
+                <a:r>
+                  <a:rPr lang="en-US" altLang="zh-TW" sz="1800" b="0" i="0" u="none" strike="noStrike" baseline="0" dirty="0">
+                    <a:latin typeface="NimbusRomNo9L-Regu"/>
+                  </a:rPr>
+                  <a:t>smoothing parameter used to adjust the</a:t>
+                </a:r>
+                <a:r>
+                  <a:rPr lang="zh-TW" altLang="en-US" sz="1800" b="0" i="0" u="none" strike="noStrike" baseline="0" dirty="0">
+                    <a:latin typeface="NimbusRomNo9L-Regu"/>
+                  </a:rPr>
+                  <a:t> </a:t>
+                </a:r>
+                <a:r>
+                  <a:rPr lang="en-US" altLang="zh-TW" sz="1800" b="0" i="0" u="none" strike="noStrike" baseline="0" dirty="0">
+                    <a:latin typeface="NimbusRomNo9L-Regu"/>
+                  </a:rPr>
+                  <a:t>accuracy.</a:t>
+                </a:r>
+                <a:endParaRPr lang="zh-TW" altLang="en-US" sz="1100" dirty="0"/>
+              </a:p>
+            </p:txBody>
+          </p:sp>
+        </mc:Fallback>
+      </mc:AlternateContent>
+      <p:sp>
+        <p:nvSpPr>
+          <p:cNvPr id="4" name="投影片編號版面配置區 3"/>
+          <p:cNvSpPr>
+            <a:spLocks noGrp="1"/>
+          </p:cNvSpPr>
+          <p:nvPr>
+            <p:ph type="sldNum" sz="quarter" idx="5"/>
+          </p:nvPr>
+        </p:nvSpPr>
+        <p:spPr/>
+        <p:txBody>
+          <a:bodyPr/>
+          <a:lstStyle/>
+          <a:p>
+            <a:fld id="{9D457EAB-1485-47AD-BEAD-484FAEBF5A54}" type="slidenum">
+              <a:rPr lang="en-US" smtClean="0"/>
+              <a:t>10</a:t>
+            </a:fld>
+            <a:endParaRPr lang="en-US"/>
+          </a:p>
+        </p:txBody>
+      </p:sp>
+    </p:spTree>
+    <p:extLst>
+      <p:ext uri="{BB962C8B-B14F-4D97-AF65-F5344CB8AC3E}">
+        <p14:creationId xmlns:p14="http://schemas.microsoft.com/office/powerpoint/2010/main" val="2461251422"/>
+      </p:ext>
+    </p:extLst>
+  </p:cSld>
+  <p:clrMapOvr>
+    <a:masterClrMapping/>
+  </p:clrMapOvr>
+</p:notes>
+</file>
+
+<file path=ppt/notesSlides/notesSlide7.xml><?xml version="1.0" encoding="utf-8"?>
+<p:notes xmlns:a="http://schemas.openxmlformats.org/drawingml/2006/main" xmlns:r="http://schemas.openxmlformats.org/officeDocument/2006/relationships" xmlns:p="http://schemas.openxmlformats.org/presentationml/2006/main">
+  <p:cSld>
+    <p:spTree>
+      <p:nvGrpSpPr>
+        <p:cNvPr id="1" name=""/>
+        <p:cNvGrpSpPr/>
+        <p:nvPr/>
+      </p:nvGrpSpPr>
+      <p:grpSpPr>
+        <a:xfrm>
+          <a:off x="0" y="0"/>
+          <a:ext cx="0" cy="0"/>
+          <a:chOff x="0" y="0"/>
+          <a:chExt cx="0" cy="0"/>
+        </a:xfrm>
+      </p:grpSpPr>
+      <p:sp>
+        <p:nvSpPr>
+          <p:cNvPr id="2" name="投影片影像版面配置區 1"/>
+          <p:cNvSpPr>
+            <a:spLocks noGrp="1" noRot="1" noChangeAspect="1"/>
+          </p:cNvSpPr>
+          <p:nvPr>
+            <p:ph type="sldImg"/>
+          </p:nvPr>
+        </p:nvSpPr>
+        <p:spPr/>
+      </p:sp>
+      <p:sp>
+        <p:nvSpPr>
+          <p:cNvPr id="3" name="備忘稿版面配置區 2"/>
+          <p:cNvSpPr>
+            <a:spLocks noGrp="1"/>
+          </p:cNvSpPr>
+          <p:nvPr>
+            <p:ph type="body" idx="1"/>
+          </p:nvPr>
+        </p:nvSpPr>
+        <p:spPr/>
+        <p:txBody>
+          <a:bodyPr/>
+          <a:lstStyle/>
+          <a:p>
+            <a:endParaRPr lang="zh-TW" altLang="en-US"/>
+          </a:p>
+        </p:txBody>
+      </p:sp>
+      <p:sp>
+        <p:nvSpPr>
+          <p:cNvPr id="4" name="投影片編號版面配置區 3"/>
+          <p:cNvSpPr>
+            <a:spLocks noGrp="1"/>
+          </p:cNvSpPr>
+          <p:nvPr>
+            <p:ph type="sldNum" sz="quarter" idx="5"/>
+          </p:nvPr>
+        </p:nvSpPr>
+        <p:spPr/>
+        <p:txBody>
+          <a:bodyPr/>
+          <a:lstStyle/>
+          <a:p>
+            <a:fld id="{9D457EAB-1485-47AD-BEAD-484FAEBF5A54}" type="slidenum">
+              <a:rPr lang="en-US" smtClean="0"/>
+              <a:t>11</a:t>
+            </a:fld>
+            <a:endParaRPr lang="en-US"/>
+          </a:p>
+        </p:txBody>
+      </p:sp>
+    </p:spTree>
+    <p:extLst>
+      <p:ext uri="{BB962C8B-B14F-4D97-AF65-F5344CB8AC3E}">
+        <p14:creationId xmlns:p14="http://schemas.microsoft.com/office/powerpoint/2010/main" val="3018122458"/>
+      </p:ext>
+    </p:extLst>
+  </p:cSld>
+  <p:clrMapOvr>
+    <a:masterClrMapping/>
+  </p:clrMapOvr>
+</p:notes>
+</file>
+
 <file path=ppt/slideLayouts/slideLayout1.xml><?xml version="1.0" encoding="utf-8"?>
 <p:sldLayout xmlns:a="http://schemas.openxmlformats.org/drawingml/2006/main" xmlns:r="http://schemas.openxmlformats.org/officeDocument/2006/relationships" xmlns:p="http://schemas.openxmlformats.org/presentationml/2006/main" type="title" preserve="1">
   <p:cSld name="Title Slide">
@@ -2308,7 +3155,7 @@
           <a:p>
             <a:fld id="{99BA7BAB-F69F-4C21-8D40-7AA273A2D01F}" type="datetime1">
               <a:rPr lang="en-US" smtClean="0"/>
-              <a:t>9/30/2023</a:t>
+              <a:t>10/1/2023</a:t>
             </a:fld>
             <a:endParaRPr lang="en-US"/>
           </a:p>
@@ -2513,7 +3360,7 @@
           <a:p>
             <a:fld id="{FB00A8EC-4678-43EE-BE64-F312B7F1A46F}" type="datetime1">
               <a:rPr lang="en-US" smtClean="0"/>
-              <a:t>9/30/2023</a:t>
+              <a:t>10/1/2023</a:t>
             </a:fld>
             <a:endParaRPr lang="en-US"/>
           </a:p>
@@ -2721,7 +3568,7 @@
           <a:p>
             <a:fld id="{9487F23D-EA8F-4C56-9373-23F6109AD11F}" type="datetime1">
               <a:rPr lang="en-US" smtClean="0"/>
-              <a:t>9/30/2023</a:t>
+              <a:t>10/1/2023</a:t>
             </a:fld>
             <a:endParaRPr lang="en-US"/>
           </a:p>
@@ -2919,7 +3766,7 @@
           <a:p>
             <a:fld id="{A34E716E-0239-4A81-9CF4-D3B9651721CF}" type="datetime1">
               <a:rPr lang="en-US" smtClean="0"/>
-              <a:t>9/30/2023</a:t>
+              <a:t>10/1/2023</a:t>
             </a:fld>
             <a:endParaRPr lang="en-US"/>
           </a:p>
@@ -3201,7 +4048,7 @@
           <a:p>
             <a:fld id="{CC112E56-3D97-4B86-935C-1C493DD86A08}" type="datetime1">
               <a:rPr lang="en-US" smtClean="0"/>
-              <a:t>9/30/2023</a:t>
+              <a:t>10/1/2023</a:t>
             </a:fld>
             <a:endParaRPr lang="en-US"/>
           </a:p>
@@ -3466,7 +4313,7 @@
           <a:p>
             <a:fld id="{40649135-BABF-4F63-9AF8-3CEC545E47DC}" type="datetime1">
               <a:rPr lang="en-US" smtClean="0"/>
-              <a:t>9/30/2023</a:t>
+              <a:t>10/1/2023</a:t>
             </a:fld>
             <a:endParaRPr lang="en-US"/>
           </a:p>
@@ -3878,7 +4725,7 @@
           <a:p>
             <a:fld id="{B16EBC02-C9C0-442D-A8A6-494057203542}" type="datetime1">
               <a:rPr lang="en-US" smtClean="0"/>
-              <a:t>9/30/2023</a:t>
+              <a:t>10/1/2023</a:t>
             </a:fld>
             <a:endParaRPr lang="en-US"/>
           </a:p>
@@ -4019,7 +4866,7 @@
           <a:p>
             <a:fld id="{A126C4B4-559D-414E-BC9C-16A745BBF3C3}" type="datetime1">
               <a:rPr lang="en-US" smtClean="0"/>
-              <a:t>9/30/2023</a:t>
+              <a:t>10/1/2023</a:t>
             </a:fld>
             <a:endParaRPr lang="en-US"/>
           </a:p>
@@ -4132,7 +4979,7 @@
           <a:p>
             <a:fld id="{0D49D49E-73A5-4C03-BFEA-3D845EB044D8}" type="datetime1">
               <a:rPr lang="en-US" smtClean="0"/>
-              <a:t>9/30/2023</a:t>
+              <a:t>10/1/2023</a:t>
             </a:fld>
             <a:endParaRPr lang="en-US"/>
           </a:p>
@@ -4443,7 +5290,7 @@
           <a:p>
             <a:fld id="{4A0F93E6-3134-410C-B573-A5F6B38FC346}" type="datetime1">
               <a:rPr lang="en-US" smtClean="0"/>
-              <a:t>9/30/2023</a:t>
+              <a:t>10/1/2023</a:t>
             </a:fld>
             <a:endParaRPr lang="en-US"/>
           </a:p>
@@ -4731,7 +5578,7 @@
           <a:p>
             <a:fld id="{F766E70F-5320-45A5-BE33-1819A93C2AF4}" type="datetime1">
               <a:rPr lang="en-US" smtClean="0"/>
-              <a:t>9/30/2023</a:t>
+              <a:t>10/1/2023</a:t>
             </a:fld>
             <a:endParaRPr lang="en-US"/>
           </a:p>
@@ -4972,7 +5819,7 @@
           <a:p>
             <a:fld id="{A706458B-0289-40FF-A02D-2C541B7F1CB6}" type="datetime1">
               <a:rPr lang="en-US" smtClean="0"/>
-              <a:t>9/30/2023</a:t>
+              <a:t>10/1/2023</a:t>
             </a:fld>
             <a:endParaRPr lang="en-US"/>
           </a:p>
@@ -6084,6 +6931,1636 @@
       </p:grpSpPr>
       <p:sp>
         <p:nvSpPr>
+          <p:cNvPr id="2" name="標題 1">
+            <a:extLst>
+              <a:ext uri="{FF2B5EF4-FFF2-40B4-BE49-F238E27FC236}">
+                <a16:creationId xmlns:a16="http://schemas.microsoft.com/office/drawing/2014/main" id="{8B377EC7-8AA3-B104-A270-92740D671CE5}"/>
+              </a:ext>
+            </a:extLst>
+          </p:cNvPr>
+          <p:cNvSpPr>
+            <a:spLocks noGrp="1"/>
+          </p:cNvSpPr>
+          <p:nvPr>
+            <p:ph type="title"/>
+          </p:nvPr>
+        </p:nvSpPr>
+        <p:spPr/>
+        <p:txBody>
+          <a:bodyPr/>
+          <a:lstStyle/>
+          <a:p>
+            <a:r>
+              <a:rPr lang="en-US" altLang="zh-TW" dirty="0">
+                <a:latin typeface="Times" panose="02020603050405020304" pitchFamily="18" charset="0"/>
+                <a:cs typeface="Times" panose="02020603050405020304" pitchFamily="18" charset="0"/>
+              </a:rPr>
+              <a:t>Preliminaries</a:t>
+            </a:r>
+            <a:endParaRPr lang="zh-TW" altLang="en-US" dirty="0"/>
+          </a:p>
+        </p:txBody>
+      </p:sp>
+      <mc:AlternateContent xmlns:mc="http://schemas.openxmlformats.org/markup-compatibility/2006">
+        <mc:Choice xmlns:a14="http://schemas.microsoft.com/office/drawing/2010/main" Requires="a14">
+          <p:sp>
+            <p:nvSpPr>
+              <p:cNvPr id="3" name="內容版面配置區 2">
+                <a:extLst>
+                  <a:ext uri="{FF2B5EF4-FFF2-40B4-BE49-F238E27FC236}">
+                    <a16:creationId xmlns:a16="http://schemas.microsoft.com/office/drawing/2014/main" id="{6747C24A-A0B6-F91E-A8E3-7294A8C3BB74}"/>
+                  </a:ext>
+                </a:extLst>
+              </p:cNvPr>
+              <p:cNvSpPr>
+                <a:spLocks noGrp="1"/>
+              </p:cNvSpPr>
+              <p:nvPr>
+                <p:ph idx="1"/>
+              </p:nvPr>
+            </p:nvSpPr>
+            <p:spPr>
+              <a:xfrm>
+                <a:off x="838200" y="1690688"/>
+                <a:ext cx="10515600" cy="4351338"/>
+              </a:xfrm>
+            </p:spPr>
+            <p:txBody>
+              <a:bodyPr>
+                <a:normAutofit fontScale="92500" lnSpcReduction="20000"/>
+              </a:bodyPr>
+              <a:lstStyle/>
+              <a:p>
+                <a:pPr>
+                  <a:lnSpc>
+                    <a:spcPct val="130000"/>
+                  </a:lnSpc>
+                </a:pPr>
+                <a:r>
+                  <a:rPr lang="en-US" altLang="zh-TW" dirty="0"/>
+                  <a:t>To get the density penalty, the placement region will first divide into uniform bins by M×M</a:t>
+                </a:r>
+                <a:r>
+                  <a:rPr lang="zh-TW" altLang="en-US" dirty="0"/>
+                  <a:t> </a:t>
+                </a:r>
+                <a:r>
+                  <a:rPr lang="en-US" altLang="zh-TW" dirty="0"/>
+                  <a:t>grids.</a:t>
+                </a:r>
+              </a:p>
+              <a:p>
+                <a:pPr>
+                  <a:lnSpc>
+                    <a:spcPct val="130000"/>
+                  </a:lnSpc>
+                </a:pPr>
+                <a:endParaRPr lang="en-US" altLang="zh-TW" dirty="0"/>
+              </a:p>
+              <a:p>
+                <a:pPr marL="0" indent="0">
+                  <a:lnSpc>
+                    <a:spcPct val="130000"/>
+                  </a:lnSpc>
+                  <a:buNone/>
+                </a:pPr>
+                <a14:m>
+                  <m:oMathPara xmlns:m="http://schemas.openxmlformats.org/officeDocument/2006/math">
+                    <m:oMathParaPr>
+                      <m:jc m:val="centerGroup"/>
+                    </m:oMathParaPr>
+                    <m:oMath xmlns:m="http://schemas.openxmlformats.org/officeDocument/2006/math">
+                      <m:r>
+                        <a:rPr lang="en-US" altLang="zh-TW" sz="3200" b="0" i="1" smtClean="0">
+                          <a:latin typeface="Cambria Math" panose="02040503050406030204" pitchFamily="18" charset="0"/>
+                        </a:rPr>
+                        <m:t>𝐷</m:t>
+                      </m:r>
+                      <m:d>
+                        <m:dPr>
+                          <m:ctrlPr>
+                            <a:rPr lang="en-US" altLang="zh-TW" sz="3200" b="0" i="1" smtClean="0">
+                              <a:latin typeface="Cambria Math" panose="02040503050406030204" pitchFamily="18" charset="0"/>
+                            </a:rPr>
+                          </m:ctrlPr>
+                        </m:dPr>
+                        <m:e>
+                          <m:r>
+                            <a:rPr lang="en-US" altLang="zh-TW" sz="3200" b="0" i="1" smtClean="0">
+                              <a:latin typeface="Cambria Math" panose="02040503050406030204" pitchFamily="18" charset="0"/>
+                            </a:rPr>
+                            <m:t>𝑥</m:t>
+                          </m:r>
+                          <m:r>
+                            <a:rPr lang="en-US" altLang="zh-TW" sz="3200" b="0" i="1" smtClean="0">
+                              <a:latin typeface="Cambria Math" panose="02040503050406030204" pitchFamily="18" charset="0"/>
+                            </a:rPr>
+                            <m:t>, </m:t>
+                          </m:r>
+                          <m:r>
+                            <a:rPr lang="en-US" altLang="zh-TW" sz="3200" b="0" i="1" smtClean="0">
+                              <a:latin typeface="Cambria Math" panose="02040503050406030204" pitchFamily="18" charset="0"/>
+                            </a:rPr>
+                            <m:t>𝑦</m:t>
+                          </m:r>
+                        </m:e>
+                      </m:d>
+                      <m:r>
+                        <a:rPr lang="en-US" altLang="zh-TW" sz="3200" b="0" i="1" smtClean="0">
+                          <a:latin typeface="Cambria Math" panose="02040503050406030204" pitchFamily="18" charset="0"/>
+                        </a:rPr>
+                        <m:t>= </m:t>
+                      </m:r>
+                      <m:func>
+                        <m:funcPr>
+                          <m:ctrlPr>
+                            <a:rPr lang="en-US" altLang="zh-TW" sz="3200" b="0" i="1" smtClean="0">
+                              <a:latin typeface="Cambria Math" panose="02040503050406030204" pitchFamily="18" charset="0"/>
+                            </a:rPr>
+                          </m:ctrlPr>
+                        </m:funcPr>
+                        <m:fName>
+                          <m:limLow>
+                            <m:limLowPr>
+                              <m:ctrlPr>
+                                <a:rPr lang="en-US" altLang="zh-TW" sz="3200" b="0" i="1" smtClean="0">
+                                  <a:latin typeface="Cambria Math" panose="02040503050406030204" pitchFamily="18" charset="0"/>
+                                </a:rPr>
+                              </m:ctrlPr>
+                            </m:limLowPr>
+                            <m:e>
+                              <m:r>
+                                <m:rPr>
+                                  <m:sty m:val="p"/>
+                                </m:rPr>
+                                <a:rPr lang="en-US" altLang="zh-TW" sz="3200" i="1">
+                                  <a:latin typeface="Cambria Math" panose="02040503050406030204" pitchFamily="18" charset="0"/>
+                                </a:rPr>
+                                <m:t>Σ</m:t>
+                              </m:r>
+                            </m:e>
+                            <m:lim>
+                              <m:sSub>
+                                <m:sSubPr>
+                                  <m:ctrlPr>
+                                    <a:rPr lang="en-US" altLang="zh-TW" sz="3200" b="0" i="1" smtClean="0">
+                                      <a:latin typeface="Cambria Math" panose="02040503050406030204" pitchFamily="18" charset="0"/>
+                                    </a:rPr>
+                                  </m:ctrlPr>
+                                </m:sSubPr>
+                                <m:e>
+                                  <m:r>
+                                    <m:rPr>
+                                      <m:sty m:val="p"/>
+                                    </m:rPr>
+                                    <a:rPr lang="en-US" altLang="zh-TW" sz="3200" i="1">
+                                      <a:latin typeface="Cambria Math" panose="02040503050406030204" pitchFamily="18" charset="0"/>
+                                    </a:rPr>
+                                    <m:t>v</m:t>
+                                  </m:r>
+                                </m:e>
+                                <m:sub>
+                                  <m:r>
+                                    <m:rPr>
+                                      <m:sty m:val="p"/>
+                                    </m:rPr>
+                                    <a:rPr lang="en-US" altLang="zh-TW" sz="3200" i="1">
+                                      <a:latin typeface="Cambria Math" panose="02040503050406030204" pitchFamily="18" charset="0"/>
+                                    </a:rPr>
+                                    <m:t>i</m:t>
+                                  </m:r>
+                                </m:sub>
+                              </m:sSub>
+                              <m:r>
+                                <a:rPr lang="en-US" altLang="zh-TW" sz="3200" b="0" i="1" smtClean="0">
+                                  <a:latin typeface="Cambria Math" panose="02040503050406030204" pitchFamily="18" charset="0"/>
+                                  <a:ea typeface="Cambria Math" panose="02040503050406030204" pitchFamily="18" charset="0"/>
+                                </a:rPr>
+                                <m:t>∈</m:t>
+                              </m:r>
+                              <m:r>
+                                <m:rPr>
+                                  <m:sty m:val="p"/>
+                                </m:rPr>
+                                <a:rPr lang="en-US" altLang="zh-TW" sz="3200" i="1">
+                                  <a:latin typeface="Cambria Math" panose="02040503050406030204" pitchFamily="18" charset="0"/>
+                                  <a:ea typeface="Cambria Math" panose="02040503050406030204" pitchFamily="18" charset="0"/>
+                                </a:rPr>
+                                <m:t>V</m:t>
+                              </m:r>
+                              <m:r>
+                                <a:rPr lang="en-US" altLang="zh-TW" sz="3200" i="1" smtClean="0">
+                                  <a:latin typeface="Cambria Math" panose="02040503050406030204" pitchFamily="18" charset="0"/>
+                                  <a:ea typeface="Cambria Math" panose="02040503050406030204" pitchFamily="18" charset="0"/>
+                                </a:rPr>
+                                <m:t>,</m:t>
+                              </m:r>
+                              <m:sSub>
+                                <m:sSubPr>
+                                  <m:ctrlPr>
+                                    <a:rPr lang="en-US" altLang="zh-TW" sz="3200" i="1">
+                                      <a:latin typeface="Cambria Math" panose="02040503050406030204" pitchFamily="18" charset="0"/>
+                                    </a:rPr>
+                                  </m:ctrlPr>
+                                </m:sSubPr>
+                                <m:e>
+                                  <m:r>
+                                    <a:rPr lang="zh-TW" altLang="en-US" sz="3200" i="1" smtClean="0">
+                                      <a:latin typeface="Cambria Math" panose="02040503050406030204" pitchFamily="18" charset="0"/>
+                                    </a:rPr>
+                                    <m:t> </m:t>
+                                  </m:r>
+                                  <m:r>
+                                    <m:rPr>
+                                      <m:sty m:val="p"/>
+                                    </m:rPr>
+                                    <a:rPr lang="en-US" altLang="zh-TW" sz="3200" i="1">
+                                      <a:latin typeface="Cambria Math" panose="02040503050406030204" pitchFamily="18" charset="0"/>
+                                    </a:rPr>
+                                    <m:t>v</m:t>
+                                  </m:r>
+                                </m:e>
+                                <m:sub>
+                                  <m:r>
+                                    <m:rPr>
+                                      <m:sty m:val="p"/>
+                                    </m:rPr>
+                                    <a:rPr lang="en-US" altLang="zh-TW" sz="3200" i="1">
+                                      <a:latin typeface="Cambria Math" panose="02040503050406030204" pitchFamily="18" charset="0"/>
+                                    </a:rPr>
+                                    <m:t>i</m:t>
+                                  </m:r>
+                                </m:sub>
+                              </m:sSub>
+                              <m:r>
+                                <a:rPr lang="en-US" altLang="zh-TW" sz="3200" i="1">
+                                  <a:latin typeface="Cambria Math" panose="02040503050406030204" pitchFamily="18" charset="0"/>
+                                  <a:ea typeface="Cambria Math" panose="02040503050406030204" pitchFamily="18" charset="0"/>
+                                </a:rPr>
+                                <m:t>∈</m:t>
+                              </m:r>
+                              <m:sSub>
+                                <m:sSubPr>
+                                  <m:ctrlPr>
+                                    <a:rPr lang="en-US" altLang="zh-TW" sz="3200" i="1" smtClean="0">
+                                      <a:latin typeface="Cambria Math" panose="02040503050406030204" pitchFamily="18" charset="0"/>
+                                      <a:ea typeface="Cambria Math" panose="02040503050406030204" pitchFamily="18" charset="0"/>
+                                    </a:rPr>
+                                  </m:ctrlPr>
+                                </m:sSubPr>
+                                <m:e>
+                                  <m:r>
+                                    <m:rPr>
+                                      <m:sty m:val="p"/>
+                                    </m:rPr>
+                                    <a:rPr lang="en-US" altLang="zh-TW" sz="3200" i="1">
+                                      <a:latin typeface="Cambria Math" panose="02040503050406030204" pitchFamily="18" charset="0"/>
+                                      <a:ea typeface="Cambria Math" panose="02040503050406030204" pitchFamily="18" charset="0"/>
+                                    </a:rPr>
+                                    <m:t>b</m:t>
+                                  </m:r>
+                                </m:e>
+                                <m:sub>
+                                  <m:r>
+                                    <m:rPr>
+                                      <m:sty m:val="p"/>
+                                    </m:rPr>
+                                    <a:rPr lang="en-US" altLang="zh-TW" sz="3200" i="1">
+                                      <a:latin typeface="Cambria Math" panose="02040503050406030204" pitchFamily="18" charset="0"/>
+                                      <a:ea typeface="Cambria Math" panose="02040503050406030204" pitchFamily="18" charset="0"/>
+                                    </a:rPr>
+                                    <m:t>m</m:t>
+                                  </m:r>
+                                  <m:r>
+                                    <a:rPr lang="en-US" altLang="zh-TW" sz="3200" i="1" smtClean="0">
+                                      <a:latin typeface="Cambria Math" panose="02040503050406030204" pitchFamily="18" charset="0"/>
+                                      <a:ea typeface="Cambria Math" panose="02040503050406030204" pitchFamily="18" charset="0"/>
+                                    </a:rPr>
+                                    <m:t>,</m:t>
+                                  </m:r>
+                                  <m:r>
+                                    <m:rPr>
+                                      <m:sty m:val="p"/>
+                                    </m:rPr>
+                                    <a:rPr lang="en-US" altLang="zh-TW" sz="3200" i="1">
+                                      <a:latin typeface="Cambria Math" panose="02040503050406030204" pitchFamily="18" charset="0"/>
+                                      <a:ea typeface="Cambria Math" panose="02040503050406030204" pitchFamily="18" charset="0"/>
+                                    </a:rPr>
+                                    <m:t>n</m:t>
+                                  </m:r>
+                                </m:sub>
+                              </m:sSub>
+                            </m:lim>
+                          </m:limLow>
+                        </m:fName>
+                        <m:e>
+                          <m:sSub>
+                            <m:sSubPr>
+                              <m:ctrlPr>
+                                <a:rPr lang="en-US" altLang="zh-TW" sz="3200" b="0" i="1" smtClean="0">
+                                  <a:latin typeface="Cambria Math" panose="02040503050406030204" pitchFamily="18" charset="0"/>
+                                </a:rPr>
+                              </m:ctrlPr>
+                            </m:sSubPr>
+                            <m:e>
+                              <m:r>
+                                <m:rPr>
+                                  <m:sty m:val="p"/>
+                                </m:rPr>
+                                <a:rPr lang="en-US" altLang="zh-TW" sz="3200" i="1">
+                                  <a:latin typeface="Cambria Math" panose="02040503050406030204" pitchFamily="18" charset="0"/>
+                                </a:rPr>
+                                <m:t>w</m:t>
+                              </m:r>
+                            </m:e>
+                            <m:sub>
+                              <m:r>
+                                <m:rPr>
+                                  <m:sty m:val="p"/>
+                                </m:rPr>
+                                <a:rPr lang="en-US" altLang="zh-TW" sz="3200" i="1">
+                                  <a:latin typeface="Cambria Math" panose="02040503050406030204" pitchFamily="18" charset="0"/>
+                                </a:rPr>
+                                <m:t>i</m:t>
+                              </m:r>
+                            </m:sub>
+                          </m:sSub>
+                          <m:sSub>
+                            <m:sSubPr>
+                              <m:ctrlPr>
+                                <a:rPr lang="en-US" altLang="zh-TW" sz="3200" b="0" i="1" smtClean="0">
+                                  <a:latin typeface="Cambria Math" panose="02040503050406030204" pitchFamily="18" charset="0"/>
+                                </a:rPr>
+                              </m:ctrlPr>
+                            </m:sSubPr>
+                            <m:e>
+                              <m:r>
+                                <m:rPr>
+                                  <m:sty m:val="p"/>
+                                </m:rPr>
+                                <a:rPr lang="en-US" altLang="zh-TW" sz="3200" i="1">
+                                  <a:latin typeface="Cambria Math" panose="02040503050406030204" pitchFamily="18" charset="0"/>
+                                </a:rPr>
+                                <m:t>h</m:t>
+                              </m:r>
+                            </m:e>
+                            <m:sub>
+                              <m:r>
+                                <m:rPr>
+                                  <m:sty m:val="p"/>
+                                </m:rPr>
+                                <a:rPr lang="en-US" altLang="zh-TW" sz="3200" i="1">
+                                  <a:latin typeface="Cambria Math" panose="02040503050406030204" pitchFamily="18" charset="0"/>
+                                </a:rPr>
+                                <m:t>i</m:t>
+                              </m:r>
+                            </m:sub>
+                          </m:sSub>
+                          <m:r>
+                            <m:rPr>
+                              <m:sty m:val="p"/>
+                            </m:rPr>
+                            <a:rPr lang="en-US" altLang="zh-TW" sz="3200" i="1">
+                              <a:latin typeface="Cambria Math" panose="02040503050406030204" pitchFamily="18" charset="0"/>
+                            </a:rPr>
+                            <m:t>ψ</m:t>
+                          </m:r>
+                          <m:r>
+                            <a:rPr lang="en-US" altLang="zh-TW" sz="3200" i="1" smtClean="0">
+                              <a:latin typeface="Cambria Math" panose="02040503050406030204" pitchFamily="18" charset="0"/>
+                            </a:rPr>
+                            <m:t>(</m:t>
+                          </m:r>
+                          <m:r>
+                            <m:rPr>
+                              <m:sty m:val="p"/>
+                            </m:rPr>
+                            <a:rPr lang="en-US" altLang="zh-TW" sz="3200" i="1">
+                              <a:latin typeface="Cambria Math" panose="02040503050406030204" pitchFamily="18" charset="0"/>
+                            </a:rPr>
+                            <m:t>m</m:t>
+                          </m:r>
+                          <m:r>
+                            <a:rPr lang="en-US" altLang="zh-TW" sz="3200" i="1" smtClean="0">
+                              <a:latin typeface="Cambria Math" panose="02040503050406030204" pitchFamily="18" charset="0"/>
+                            </a:rPr>
+                            <m:t>,</m:t>
+                          </m:r>
+                          <m:r>
+                            <m:rPr>
+                              <m:sty m:val="p"/>
+                            </m:rPr>
+                            <a:rPr lang="en-US" altLang="zh-TW" sz="3200" i="1">
+                              <a:latin typeface="Cambria Math" panose="02040503050406030204" pitchFamily="18" charset="0"/>
+                            </a:rPr>
+                            <m:t>n</m:t>
+                          </m:r>
+                          <m:r>
+                            <a:rPr lang="en-US" altLang="zh-TW" sz="3200" i="1">
+                              <a:latin typeface="Cambria Math" panose="02040503050406030204" pitchFamily="18" charset="0"/>
+                            </a:rPr>
+                            <m:t>)</m:t>
+                          </m:r>
+                        </m:e>
+                      </m:func>
+                    </m:oMath>
+                  </m:oMathPara>
+                </a14:m>
+                <a:endParaRPr lang="en-US" altLang="zh-TW" dirty="0"/>
+              </a:p>
+              <a:p>
+                <a:pPr>
+                  <a:lnSpc>
+                    <a:spcPct val="130000"/>
+                  </a:lnSpc>
+                  <a:buFont typeface="Wingdings" panose="05000000000000000000" pitchFamily="2" charset="2"/>
+                  <a:buChar char="Ø"/>
+                </a:pPr>
+                <a14:m>
+                  <m:oMath xmlns:m="http://schemas.openxmlformats.org/officeDocument/2006/math">
+                    <m:sSub>
+                      <m:sSubPr>
+                        <m:ctrlPr>
+                          <a:rPr lang="en-US" altLang="zh-TW" sz="2800" b="0" i="1" smtClean="0">
+                            <a:latin typeface="Cambria Math" panose="02040503050406030204" pitchFamily="18" charset="0"/>
+                          </a:rPr>
+                        </m:ctrlPr>
+                      </m:sSubPr>
+                      <m:e>
+                        <m:r>
+                          <a:rPr lang="en-US" altLang="zh-TW" sz="2800" b="0" i="1" smtClean="0">
+                            <a:latin typeface="Cambria Math" panose="02040503050406030204" pitchFamily="18" charset="0"/>
+                          </a:rPr>
+                          <m:t> </m:t>
+                        </m:r>
+                        <m:r>
+                          <m:rPr>
+                            <m:sty m:val="p"/>
+                          </m:rPr>
+                          <a:rPr lang="en-US" altLang="zh-TW" sz="2800" i="1">
+                            <a:latin typeface="Cambria Math" panose="02040503050406030204" pitchFamily="18" charset="0"/>
+                          </a:rPr>
+                          <m:t>w</m:t>
+                        </m:r>
+                      </m:e>
+                      <m:sub>
+                        <m:r>
+                          <m:rPr>
+                            <m:sty m:val="p"/>
+                          </m:rPr>
+                          <a:rPr lang="en-US" altLang="zh-TW" sz="2800" i="1">
+                            <a:latin typeface="Cambria Math" panose="02040503050406030204" pitchFamily="18" charset="0"/>
+                          </a:rPr>
+                          <m:t>i</m:t>
+                        </m:r>
+                      </m:sub>
+                    </m:sSub>
+                    <m:sSub>
+                      <m:sSubPr>
+                        <m:ctrlPr>
+                          <a:rPr lang="en-US" altLang="zh-TW" sz="2800" b="0" i="1" smtClean="0">
+                            <a:latin typeface="Cambria Math" panose="02040503050406030204" pitchFamily="18" charset="0"/>
+                          </a:rPr>
+                        </m:ctrlPr>
+                      </m:sSubPr>
+                      <m:e>
+                        <m:r>
+                          <m:rPr>
+                            <m:sty m:val="p"/>
+                          </m:rPr>
+                          <a:rPr lang="en-US" altLang="zh-TW" sz="2800" i="1">
+                            <a:latin typeface="Cambria Math" panose="02040503050406030204" pitchFamily="18" charset="0"/>
+                          </a:rPr>
+                          <m:t>h</m:t>
+                        </m:r>
+                      </m:e>
+                      <m:sub>
+                        <m:r>
+                          <m:rPr>
+                            <m:sty m:val="p"/>
+                          </m:rPr>
+                          <a:rPr lang="en-US" altLang="zh-TW" sz="2800" i="1">
+                            <a:latin typeface="Cambria Math" panose="02040503050406030204" pitchFamily="18" charset="0"/>
+                          </a:rPr>
+                          <m:t>i</m:t>
+                        </m:r>
+                      </m:sub>
+                    </m:sSub>
+                  </m:oMath>
+                </a14:m>
+                <a:r>
+                  <a:rPr lang="en-US" altLang="zh-TW" dirty="0"/>
+                  <a:t>:</a:t>
+                </a:r>
+                <a:r>
+                  <a:rPr lang="zh-TW" altLang="en-US" dirty="0"/>
+                  <a:t>  </a:t>
+                </a:r>
+                <a:r>
+                  <a:rPr lang="en-US" altLang="zh-TW" dirty="0"/>
+                  <a:t>area</a:t>
+                </a:r>
+                <a:r>
+                  <a:rPr lang="zh-TW" altLang="en-US" dirty="0"/>
+                  <a:t> </a:t>
+                </a:r>
+                <a:r>
+                  <a:rPr lang="en-US" altLang="zh-TW" dirty="0"/>
+                  <a:t>of</a:t>
+                </a:r>
+                <a:r>
+                  <a:rPr lang="zh-TW" altLang="en-US" dirty="0"/>
+                  <a:t> </a:t>
+                </a:r>
+                <a:r>
+                  <a:rPr lang="en-US" altLang="zh-TW" dirty="0"/>
+                  <a:t>cell</a:t>
+                </a:r>
+                <a:r>
+                  <a:rPr lang="zh-TW" altLang="en-US" dirty="0"/>
+                  <a:t> </a:t>
+                </a:r>
+                <a:r>
+                  <a:rPr lang="en-US" altLang="zh-TW" dirty="0"/>
+                  <a:t>I</a:t>
+                </a:r>
+              </a:p>
+              <a:p>
+                <a:pPr>
+                  <a:lnSpc>
+                    <a:spcPct val="130000"/>
+                  </a:lnSpc>
+                  <a:buFont typeface="Wingdings" panose="05000000000000000000" pitchFamily="2" charset="2"/>
+                  <a:buChar char="Ø"/>
+                </a:pPr>
+                <a14:m>
+                  <m:oMath xmlns:m="http://schemas.openxmlformats.org/officeDocument/2006/math">
+                    <m:sSub>
+                      <m:sSubPr>
+                        <m:ctrlPr>
+                          <a:rPr lang="en-US" altLang="zh-TW" sz="2800" i="1" smtClean="0">
+                            <a:latin typeface="Cambria Math" panose="02040503050406030204" pitchFamily="18" charset="0"/>
+                            <a:ea typeface="Cambria Math" panose="02040503050406030204" pitchFamily="18" charset="0"/>
+                          </a:rPr>
+                        </m:ctrlPr>
+                      </m:sSubPr>
+                      <m:e>
+                        <m:r>
+                          <a:rPr lang="en-US" altLang="zh-TW" sz="2800" b="0" i="1" smtClean="0">
+                            <a:latin typeface="Cambria Math" panose="02040503050406030204" pitchFamily="18" charset="0"/>
+                            <a:ea typeface="Cambria Math" panose="02040503050406030204" pitchFamily="18" charset="0"/>
+                          </a:rPr>
+                          <m:t> </m:t>
+                        </m:r>
+                        <m:r>
+                          <m:rPr>
+                            <m:sty m:val="p"/>
+                          </m:rPr>
+                          <a:rPr lang="en-US" altLang="zh-TW" sz="2800" i="1">
+                            <a:latin typeface="Cambria Math" panose="02040503050406030204" pitchFamily="18" charset="0"/>
+                            <a:ea typeface="Cambria Math" panose="02040503050406030204" pitchFamily="18" charset="0"/>
+                          </a:rPr>
+                          <m:t>b</m:t>
+                        </m:r>
+                      </m:e>
+                      <m:sub>
+                        <m:r>
+                          <m:rPr>
+                            <m:sty m:val="p"/>
+                          </m:rPr>
+                          <a:rPr lang="en-US" altLang="zh-TW" sz="2800" i="1">
+                            <a:latin typeface="Cambria Math" panose="02040503050406030204" pitchFamily="18" charset="0"/>
+                            <a:ea typeface="Cambria Math" panose="02040503050406030204" pitchFamily="18" charset="0"/>
+                          </a:rPr>
+                          <m:t>m</m:t>
+                        </m:r>
+                        <m:r>
+                          <a:rPr lang="en-US" altLang="zh-TW" sz="2800" i="1" smtClean="0">
+                            <a:latin typeface="Cambria Math" panose="02040503050406030204" pitchFamily="18" charset="0"/>
+                            <a:ea typeface="Cambria Math" panose="02040503050406030204" pitchFamily="18" charset="0"/>
+                          </a:rPr>
+                          <m:t>,</m:t>
+                        </m:r>
+                        <m:r>
+                          <m:rPr>
+                            <m:sty m:val="p"/>
+                          </m:rPr>
+                          <a:rPr lang="en-US" altLang="zh-TW" sz="2800" i="1">
+                            <a:latin typeface="Cambria Math" panose="02040503050406030204" pitchFamily="18" charset="0"/>
+                            <a:ea typeface="Cambria Math" panose="02040503050406030204" pitchFamily="18" charset="0"/>
+                          </a:rPr>
+                          <m:t>n</m:t>
+                        </m:r>
+                      </m:sub>
+                    </m:sSub>
+                  </m:oMath>
+                </a14:m>
+                <a:r>
+                  <a:rPr lang="en-US" altLang="zh-TW" dirty="0"/>
+                  <a:t>:</a:t>
+                </a:r>
+                <a:r>
+                  <a:rPr lang="zh-TW" altLang="en-US" dirty="0"/>
+                  <a:t>  </a:t>
+                </a:r>
+                <a:r>
+                  <a:rPr lang="en-US" altLang="zh-TW" dirty="0"/>
+                  <a:t>the</a:t>
+                </a:r>
+                <a:r>
+                  <a:rPr lang="zh-TW" altLang="en-US" dirty="0"/>
+                  <a:t> </a:t>
+                </a:r>
+                <a:r>
+                  <a:rPr lang="en-US" altLang="zh-TW" dirty="0"/>
+                  <a:t>bin</a:t>
+                </a:r>
+                <a:r>
+                  <a:rPr lang="zh-TW" altLang="en-US" dirty="0"/>
+                  <a:t> </a:t>
+                </a:r>
+                <a:r>
+                  <a:rPr lang="en-US" altLang="zh-TW" dirty="0"/>
+                  <a:t>in</a:t>
+                </a:r>
+                <a:r>
+                  <a:rPr lang="zh-TW" altLang="en-US" dirty="0"/>
+                  <a:t> </a:t>
+                </a:r>
+                <a:r>
+                  <a:rPr lang="en-US" altLang="zh-TW" dirty="0"/>
+                  <a:t>row</a:t>
+                </a:r>
+                <a:r>
+                  <a:rPr lang="zh-TW" altLang="en-US" dirty="0"/>
+                  <a:t> </a:t>
+                </a:r>
+                <a:r>
+                  <a:rPr lang="en-US" altLang="zh-TW" dirty="0"/>
+                  <a:t>m</a:t>
+                </a:r>
+                <a:r>
+                  <a:rPr lang="zh-TW" altLang="en-US" dirty="0"/>
+                  <a:t> </a:t>
+                </a:r>
+                <a:r>
+                  <a:rPr lang="en-US" altLang="zh-TW" dirty="0"/>
+                  <a:t>and</a:t>
+                </a:r>
+                <a:r>
+                  <a:rPr lang="zh-TW" altLang="en-US" dirty="0"/>
+                  <a:t> </a:t>
+                </a:r>
+                <a:r>
+                  <a:rPr lang="en-US" altLang="zh-TW" dirty="0"/>
+                  <a:t>column</a:t>
+                </a:r>
+                <a:r>
+                  <a:rPr lang="zh-TW" altLang="en-US" dirty="0"/>
+                  <a:t> </a:t>
+                </a:r>
+                <a:r>
+                  <a:rPr lang="en-US" altLang="zh-TW" dirty="0"/>
+                  <a:t>n</a:t>
+                </a:r>
+              </a:p>
+              <a:p>
+                <a:pPr>
+                  <a:lnSpc>
+                    <a:spcPct val="130000"/>
+                  </a:lnSpc>
+                  <a:buFont typeface="Wingdings" panose="05000000000000000000" pitchFamily="2" charset="2"/>
+                  <a:buChar char="Ø"/>
+                </a:pPr>
+                <a:r>
+                  <a:rPr lang="en-US" altLang="zh-TW" sz="2800" dirty="0"/>
+                  <a:t> </a:t>
+                </a:r>
+                <a14:m>
+                  <m:oMath xmlns:m="http://schemas.openxmlformats.org/officeDocument/2006/math">
+                    <m:r>
+                      <m:rPr>
+                        <m:sty m:val="p"/>
+                      </m:rPr>
+                      <a:rPr lang="en-US" altLang="zh-TW" sz="2800" i="1" smtClean="0">
+                        <a:latin typeface="Cambria Math" panose="02040503050406030204" pitchFamily="18" charset="0"/>
+                      </a:rPr>
+                      <m:t>ψ</m:t>
+                    </m:r>
+                    <m:r>
+                      <a:rPr lang="en-US" altLang="zh-TW" sz="2800" i="1" smtClean="0">
+                        <a:latin typeface="Cambria Math" panose="02040503050406030204" pitchFamily="18" charset="0"/>
+                      </a:rPr>
+                      <m:t>(</m:t>
+                    </m:r>
+                    <m:r>
+                      <m:rPr>
+                        <m:sty m:val="p"/>
+                      </m:rPr>
+                      <a:rPr lang="en-US" altLang="zh-TW" sz="2800" i="1">
+                        <a:latin typeface="Cambria Math" panose="02040503050406030204" pitchFamily="18" charset="0"/>
+                      </a:rPr>
+                      <m:t>m</m:t>
+                    </m:r>
+                    <m:r>
+                      <a:rPr lang="en-US" altLang="zh-TW" sz="2800" i="1" smtClean="0">
+                        <a:latin typeface="Cambria Math" panose="02040503050406030204" pitchFamily="18" charset="0"/>
+                      </a:rPr>
+                      <m:t>,</m:t>
+                    </m:r>
+                    <m:r>
+                      <m:rPr>
+                        <m:sty m:val="p"/>
+                      </m:rPr>
+                      <a:rPr lang="en-US" altLang="zh-TW" sz="2800" i="1">
+                        <a:latin typeface="Cambria Math" panose="02040503050406030204" pitchFamily="18" charset="0"/>
+                      </a:rPr>
+                      <m:t>n</m:t>
+                    </m:r>
+                  </m:oMath>
+                </a14:m>
+                <a:r>
+                  <a:rPr lang="en-US" altLang="zh-TW" dirty="0"/>
+                  <a:t>)</a:t>
+                </a:r>
+                <a:r>
+                  <a:rPr lang="zh-TW" altLang="en-US" dirty="0"/>
+                  <a:t> </a:t>
+                </a:r>
+                <a:r>
+                  <a:rPr lang="en-US" altLang="zh-TW" dirty="0"/>
+                  <a:t>:</a:t>
+                </a:r>
+                <a:r>
+                  <a:rPr lang="zh-TW" altLang="en-US" dirty="0"/>
+                  <a:t> </a:t>
+                </a:r>
+                <a:r>
+                  <a:rPr lang="en-US" altLang="zh-TW" dirty="0"/>
+                  <a:t>the</a:t>
+                </a:r>
+                <a:r>
+                  <a:rPr lang="zh-TW" altLang="en-US" dirty="0"/>
+                  <a:t> </a:t>
+                </a:r>
+                <a:r>
+                  <a:rPr lang="en-US" altLang="zh-TW" dirty="0"/>
+                  <a:t>electric</a:t>
+                </a:r>
+                <a:r>
+                  <a:rPr lang="zh-TW" altLang="en-US" dirty="0"/>
+                  <a:t> </a:t>
+                </a:r>
+                <a:r>
+                  <a:rPr lang="en-US" altLang="zh-TW" dirty="0"/>
+                  <a:t>potential</a:t>
+                </a:r>
+                <a:r>
+                  <a:rPr lang="zh-TW" altLang="en-US" dirty="0"/>
+                  <a:t> </a:t>
+                </a:r>
+                <a:r>
+                  <a:rPr lang="en-US" altLang="zh-TW" dirty="0"/>
+                  <a:t>of</a:t>
+                </a:r>
+                <a:r>
+                  <a:rPr lang="zh-TW" altLang="en-US" dirty="0"/>
+                  <a:t> </a:t>
+                </a:r>
+                <a14:m>
+                  <m:oMath xmlns:m="http://schemas.openxmlformats.org/officeDocument/2006/math">
+                    <m:sSub>
+                      <m:sSubPr>
+                        <m:ctrlPr>
+                          <a:rPr lang="en-US" altLang="zh-TW" i="1">
+                            <a:latin typeface="Cambria Math" panose="02040503050406030204" pitchFamily="18" charset="0"/>
+                            <a:ea typeface="Cambria Math" panose="02040503050406030204" pitchFamily="18" charset="0"/>
+                          </a:rPr>
+                        </m:ctrlPr>
+                      </m:sSubPr>
+                      <m:e>
+                        <m:r>
+                          <m:rPr>
+                            <m:sty m:val="p"/>
+                          </m:rPr>
+                          <a:rPr lang="en-US" altLang="zh-TW" i="1">
+                            <a:latin typeface="Cambria Math" panose="02040503050406030204" pitchFamily="18" charset="0"/>
+                            <a:ea typeface="Cambria Math" panose="02040503050406030204" pitchFamily="18" charset="0"/>
+                          </a:rPr>
+                          <m:t>b</m:t>
+                        </m:r>
+                      </m:e>
+                      <m:sub>
+                        <m:r>
+                          <m:rPr>
+                            <m:sty m:val="p"/>
+                          </m:rPr>
+                          <a:rPr lang="en-US" altLang="zh-TW" i="1">
+                            <a:latin typeface="Cambria Math" panose="02040503050406030204" pitchFamily="18" charset="0"/>
+                            <a:ea typeface="Cambria Math" panose="02040503050406030204" pitchFamily="18" charset="0"/>
+                          </a:rPr>
+                          <m:t>m</m:t>
+                        </m:r>
+                        <m:r>
+                          <a:rPr lang="en-US" altLang="zh-TW" i="1">
+                            <a:latin typeface="Cambria Math" panose="02040503050406030204" pitchFamily="18" charset="0"/>
+                            <a:ea typeface="Cambria Math" panose="02040503050406030204" pitchFamily="18" charset="0"/>
+                          </a:rPr>
+                          <m:t>,</m:t>
+                        </m:r>
+                        <m:r>
+                          <m:rPr>
+                            <m:sty m:val="p"/>
+                          </m:rPr>
+                          <a:rPr lang="en-US" altLang="zh-TW" i="1">
+                            <a:latin typeface="Cambria Math" panose="02040503050406030204" pitchFamily="18" charset="0"/>
+                            <a:ea typeface="Cambria Math" panose="02040503050406030204" pitchFamily="18" charset="0"/>
+                          </a:rPr>
+                          <m:t>n</m:t>
+                        </m:r>
+                      </m:sub>
+                    </m:sSub>
+                  </m:oMath>
+                </a14:m>
+                <a:endParaRPr lang="en-US" altLang="zh-TW" dirty="0"/>
+              </a:p>
+              <a:p>
+                <a:pPr>
+                  <a:lnSpc>
+                    <a:spcPct val="130000"/>
+                  </a:lnSpc>
+                </a:pPr>
+                <a:endParaRPr lang="zh-TW" altLang="en-US" dirty="0"/>
+              </a:p>
+            </p:txBody>
+          </p:sp>
+        </mc:Choice>
+        <mc:Fallback>
+          <p:sp>
+            <p:nvSpPr>
+              <p:cNvPr id="3" name="內容版面配置區 2">
+                <a:extLst>
+                  <a:ext uri="{FF2B5EF4-FFF2-40B4-BE49-F238E27FC236}">
+                    <a16:creationId xmlns:a16="http://schemas.microsoft.com/office/drawing/2014/main" id="{6747C24A-A0B6-F91E-A8E3-7294A8C3BB74}"/>
+                  </a:ext>
+                </a:extLst>
+              </p:cNvPr>
+              <p:cNvSpPr>
+                <a:spLocks noGrp="1" noRot="1" noChangeAspect="1" noMove="1" noResize="1" noEditPoints="1" noAdjustHandles="1" noChangeArrowheads="1" noChangeShapeType="1" noTextEdit="1"/>
+              </p:cNvSpPr>
+              <p:nvPr>
+                <p:ph idx="1"/>
+              </p:nvPr>
+            </p:nvSpPr>
+            <p:spPr>
+              <a:xfrm>
+                <a:off x="838200" y="1690688"/>
+                <a:ext cx="10515600" cy="4351338"/>
+              </a:xfrm>
+              <a:blipFill>
+                <a:blip r:embed="rId2"/>
+                <a:stretch>
+                  <a:fillRect l="-928" t="-700"/>
+                </a:stretch>
+              </a:blipFill>
+            </p:spPr>
+            <p:txBody>
+              <a:bodyPr/>
+              <a:lstStyle/>
+              <a:p>
+                <a:r>
+                  <a:rPr lang="zh-TW" altLang="en-US">
+                    <a:noFill/>
+                  </a:rPr>
+                  <a:t> </a:t>
+                </a:r>
+              </a:p>
+            </p:txBody>
+          </p:sp>
+        </mc:Fallback>
+      </mc:AlternateContent>
+      <p:sp>
+        <p:nvSpPr>
+          <p:cNvPr id="4" name="投影片編號版面配置區 3">
+            <a:extLst>
+              <a:ext uri="{FF2B5EF4-FFF2-40B4-BE49-F238E27FC236}">
+                <a16:creationId xmlns:a16="http://schemas.microsoft.com/office/drawing/2014/main" id="{99F65292-A2B6-5B24-A6A7-F44E35D88B29}"/>
+              </a:ext>
+            </a:extLst>
+          </p:cNvPr>
+          <p:cNvSpPr>
+            <a:spLocks noGrp="1"/>
+          </p:cNvSpPr>
+          <p:nvPr>
+            <p:ph type="sldNum" sz="quarter" idx="12"/>
+          </p:nvPr>
+        </p:nvSpPr>
+        <p:spPr/>
+        <p:txBody>
+          <a:bodyPr/>
+          <a:lstStyle/>
+          <a:p>
+            <a:fld id="{666274A1-CF9C-426A-8DD4-B13ED0C24231}" type="slidenum">
+              <a:rPr lang="en-US" smtClean="0"/>
+              <a:t>9</a:t>
+            </a:fld>
+            <a:endParaRPr lang="en-US"/>
+          </a:p>
+        </p:txBody>
+      </p:sp>
+    </p:spTree>
+    <p:extLst>
+      <p:ext uri="{BB962C8B-B14F-4D97-AF65-F5344CB8AC3E}">
+        <p14:creationId xmlns:p14="http://schemas.microsoft.com/office/powerpoint/2010/main" val="2187426565"/>
+      </p:ext>
+    </p:extLst>
+  </p:cSld>
+  <p:clrMapOvr>
+    <a:masterClrMapping/>
+  </p:clrMapOvr>
+</p:sld>
+</file>
+
+<file path=ppt/slides/slide11.xml><?xml version="1.0" encoding="utf-8"?>
+<p:sld xmlns:a="http://schemas.openxmlformats.org/drawingml/2006/main" xmlns:r="http://schemas.openxmlformats.org/officeDocument/2006/relationships" xmlns:p="http://schemas.openxmlformats.org/presentationml/2006/main">
+  <p:cSld>
+    <p:spTree>
+      <p:nvGrpSpPr>
+        <p:cNvPr id="1" name=""/>
+        <p:cNvGrpSpPr/>
+        <p:nvPr/>
+      </p:nvGrpSpPr>
+      <p:grpSpPr>
+        <a:xfrm>
+          <a:off x="0" y="0"/>
+          <a:ext cx="0" cy="0"/>
+          <a:chOff x="0" y="0"/>
+          <a:chExt cx="0" cy="0"/>
+        </a:xfrm>
+      </p:grpSpPr>
+      <p:sp>
+        <p:nvSpPr>
+          <p:cNvPr id="2" name="標題 1">
+            <a:extLst>
+              <a:ext uri="{FF2B5EF4-FFF2-40B4-BE49-F238E27FC236}">
+                <a16:creationId xmlns:a16="http://schemas.microsoft.com/office/drawing/2014/main" id="{1A966039-7CDD-D245-131E-9FA688D523D3}"/>
+              </a:ext>
+            </a:extLst>
+          </p:cNvPr>
+          <p:cNvSpPr>
+            <a:spLocks noGrp="1"/>
+          </p:cNvSpPr>
+          <p:nvPr>
+            <p:ph type="title"/>
+          </p:nvPr>
+        </p:nvSpPr>
+        <p:spPr/>
+        <p:txBody>
+          <a:bodyPr/>
+          <a:lstStyle/>
+          <a:p>
+            <a:r>
+              <a:rPr lang="en-US" altLang="zh-TW" dirty="0">
+                <a:latin typeface="Times" panose="02020603050405020304" pitchFamily="18" charset="0"/>
+                <a:cs typeface="Times" panose="02020603050405020304" pitchFamily="18" charset="0"/>
+              </a:rPr>
+              <a:t>Preliminaries</a:t>
+            </a:r>
+            <a:endParaRPr lang="zh-TW" altLang="en-US" dirty="0">
+              <a:latin typeface="Times" panose="02020603050405020304" pitchFamily="18" charset="0"/>
+              <a:cs typeface="Times" panose="02020603050405020304" pitchFamily="18" charset="0"/>
+            </a:endParaRPr>
+          </a:p>
+        </p:txBody>
+      </p:sp>
+      <mc:AlternateContent xmlns:mc="http://schemas.openxmlformats.org/markup-compatibility/2006">
+        <mc:Choice xmlns:a14="http://schemas.microsoft.com/office/drawing/2010/main" Requires="a14">
+          <p:sp>
+            <p:nvSpPr>
+              <p:cNvPr id="3" name="內容版面配置區 2">
+                <a:extLst>
+                  <a:ext uri="{FF2B5EF4-FFF2-40B4-BE49-F238E27FC236}">
+                    <a16:creationId xmlns:a16="http://schemas.microsoft.com/office/drawing/2014/main" id="{CBD7CEA3-77D1-9FFB-94D0-23801E3C63EE}"/>
+                  </a:ext>
+                </a:extLst>
+              </p:cNvPr>
+              <p:cNvSpPr>
+                <a:spLocks noGrp="1"/>
+              </p:cNvSpPr>
+              <p:nvPr>
+                <p:ph idx="1"/>
+              </p:nvPr>
+            </p:nvSpPr>
+            <p:spPr>
+              <a:xfrm>
+                <a:off x="838200" y="1825624"/>
+                <a:ext cx="10515600" cy="4895851"/>
+              </a:xfrm>
+            </p:spPr>
+            <p:txBody>
+              <a:bodyPr>
+                <a:normAutofit/>
+              </a:bodyPr>
+              <a:lstStyle/>
+              <a:p>
+                <a:pPr marL="514350" indent="-514350">
+                  <a:buFont typeface="+mj-lt"/>
+                  <a:buAutoNum type="arabicPeriod" startAt="3"/>
+                </a:pPr>
+                <a:r>
+                  <a:rPr lang="en-US" altLang="zh-TW" sz="3200" dirty="0">
+                    <a:latin typeface="Times" panose="02020603050405020304" pitchFamily="18" charset="0"/>
+                    <a:cs typeface="Times" panose="02020603050405020304" pitchFamily="18" charset="0"/>
+                  </a:rPr>
+                  <a:t>Global routing congestion</a:t>
+                </a:r>
+              </a:p>
+              <a:p>
+                <a:pPr marL="0" indent="0">
+                  <a:buNone/>
+                </a:pPr>
+                <a:endParaRPr lang="en-US" altLang="zh-TW" sz="1600" dirty="0">
+                  <a:latin typeface="Times" panose="02020603050405020304" pitchFamily="18" charset="0"/>
+                  <a:cs typeface="Times" panose="02020603050405020304" pitchFamily="18" charset="0"/>
+                </a:endParaRPr>
+              </a:p>
+              <a:p>
+                <a:pPr>
+                  <a:lnSpc>
+                    <a:spcPct val="130000"/>
+                  </a:lnSpc>
+                </a:pPr>
+                <a:r>
+                  <a:rPr lang="en-US" altLang="zh-TW" dirty="0">
+                    <a:latin typeface="Times" panose="02020603050405020304" pitchFamily="18" charset="0"/>
+                    <a:cs typeface="Times" panose="02020603050405020304" pitchFamily="18" charset="0"/>
+                  </a:rPr>
+                  <a:t>Use the </a:t>
+                </a:r>
+                <a:r>
+                  <a:rPr lang="en-US" altLang="zh-TW" b="1" dirty="0" err="1">
+                    <a:latin typeface="Times" panose="02020603050405020304" pitchFamily="18" charset="0"/>
+                    <a:cs typeface="Times" panose="02020603050405020304" pitchFamily="18" charset="0"/>
+                  </a:rPr>
+                  <a:t>Gcell</a:t>
+                </a:r>
+                <a:r>
+                  <a:rPr lang="en-US" altLang="zh-TW" b="1" dirty="0">
+                    <a:latin typeface="Times" panose="02020603050405020304" pitchFamily="18" charset="0"/>
+                    <a:cs typeface="Times" panose="02020603050405020304" pitchFamily="18" charset="0"/>
+                  </a:rPr>
+                  <a:t>-based routing resource model</a:t>
+                </a:r>
+                <a:r>
+                  <a:rPr lang="en-US" altLang="zh-TW" dirty="0">
+                    <a:latin typeface="Times" panose="02020603050405020304" pitchFamily="18" charset="0"/>
+                    <a:cs typeface="Times" panose="02020603050405020304" pitchFamily="18" charset="0"/>
+                  </a:rPr>
+                  <a:t>, which evaluates the routing capacity and demand with respect to the </a:t>
+                </a:r>
+                <a:r>
+                  <a:rPr lang="en-US" altLang="zh-TW" dirty="0" err="1">
+                    <a:latin typeface="Times" panose="02020603050405020304" pitchFamily="18" charset="0"/>
+                    <a:cs typeface="Times" panose="02020603050405020304" pitchFamily="18" charset="0"/>
+                  </a:rPr>
+                  <a:t>Gcell</a:t>
+                </a:r>
+                <a:r>
+                  <a:rPr lang="en-US" altLang="zh-TW" dirty="0">
+                    <a:latin typeface="Times" panose="02020603050405020304" pitchFamily="18" charset="0"/>
+                    <a:cs typeface="Times" panose="02020603050405020304" pitchFamily="18" charset="0"/>
+                  </a:rPr>
+                  <a:t>.</a:t>
+                </a:r>
+              </a:p>
+              <a:p>
+                <a:endParaRPr lang="en-US" altLang="zh-TW" sz="1200" dirty="0">
+                  <a:latin typeface="Times" panose="02020603050405020304" pitchFamily="18" charset="0"/>
+                  <a:cs typeface="Times" panose="02020603050405020304" pitchFamily="18" charset="0"/>
+                </a:endParaRPr>
+              </a:p>
+              <a:p>
+                <a:pPr marL="0" indent="0" algn="ctr">
+                  <a:buNone/>
+                </a:pPr>
+                <a14:m>
+                  <m:oMath xmlns:m="http://schemas.openxmlformats.org/officeDocument/2006/math">
+                    <m:r>
+                      <a:rPr lang="en-US" altLang="zh-TW" b="0" i="1" smtClean="0">
+                        <a:latin typeface="Cambria Math" panose="02040503050406030204" pitchFamily="18" charset="0"/>
+                        <a:cs typeface="Times" panose="02020603050405020304" pitchFamily="18" charset="0"/>
+                      </a:rPr>
+                      <m:t>𝑂𝑣𝑒𝑟𝑓𝑙𝑜𝑤</m:t>
+                    </m:r>
+                    <m:r>
+                      <a:rPr lang="en-US" altLang="zh-TW" b="0" i="1" smtClean="0">
+                        <a:latin typeface="Cambria Math" panose="02040503050406030204" pitchFamily="18" charset="0"/>
+                        <a:cs typeface="Times" panose="02020603050405020304" pitchFamily="18" charset="0"/>
+                      </a:rPr>
+                      <m:t>(</m:t>
+                    </m:r>
+                    <m:r>
+                      <a:rPr lang="en-US" altLang="zh-TW" b="0" i="1" smtClean="0">
+                        <a:latin typeface="Cambria Math" panose="02040503050406030204" pitchFamily="18" charset="0"/>
+                        <a:cs typeface="Times" panose="02020603050405020304" pitchFamily="18" charset="0"/>
+                      </a:rPr>
+                      <m:t>𝑔</m:t>
+                    </m:r>
+                    <m:r>
+                      <a:rPr lang="en-US" altLang="zh-TW" b="0" i="1" smtClean="0">
+                        <a:latin typeface="Cambria Math" panose="02040503050406030204" pitchFamily="18" charset="0"/>
+                        <a:cs typeface="Times" panose="02020603050405020304" pitchFamily="18" charset="0"/>
+                      </a:rPr>
+                      <m:t>)</m:t>
+                    </m:r>
+                  </m:oMath>
+                </a14:m>
+                <a:r>
+                  <a:rPr lang="en-US" altLang="zh-TW" b="0" dirty="0">
+                    <a:latin typeface="Times" panose="02020603050405020304" pitchFamily="18" charset="0"/>
+                    <a:cs typeface="Times" panose="02020603050405020304" pitchFamily="18" charset="0"/>
+                  </a:rPr>
+                  <a:t> = </a:t>
+                </a:r>
+                <a14:m>
+                  <m:oMath xmlns:m="http://schemas.openxmlformats.org/officeDocument/2006/math">
+                    <m:r>
+                      <m:rPr>
+                        <m:sty m:val="p"/>
+                      </m:rPr>
+                      <a:rPr lang="en-US" altLang="zh-TW" b="0" i="0" smtClean="0">
+                        <a:latin typeface="Cambria Math" panose="02040503050406030204" pitchFamily="18" charset="0"/>
+                        <a:cs typeface="Times" panose="02020603050405020304" pitchFamily="18" charset="0"/>
+                      </a:rPr>
+                      <m:t>max</m:t>
+                    </m:r>
+                    <m:r>
+                      <a:rPr lang="en-US" altLang="zh-TW" b="0" i="1" smtClean="0">
+                        <a:latin typeface="Cambria Math" panose="02040503050406030204" pitchFamily="18" charset="0"/>
+                        <a:cs typeface="Times" panose="02020603050405020304" pitchFamily="18" charset="0"/>
+                      </a:rPr>
+                      <m:t>⁡(0, </m:t>
+                    </m:r>
+                    <m:f>
+                      <m:fPr>
+                        <m:ctrlPr>
+                          <a:rPr lang="en-US" altLang="zh-TW" b="0" i="1" smtClean="0">
+                            <a:latin typeface="Cambria Math" panose="02040503050406030204" pitchFamily="18" charset="0"/>
+                            <a:cs typeface="Times" panose="02020603050405020304" pitchFamily="18" charset="0"/>
+                          </a:rPr>
+                        </m:ctrlPr>
+                      </m:fPr>
+                      <m:num>
+                        <m:r>
+                          <a:rPr lang="en-US" altLang="zh-TW" b="0" i="1" smtClean="0">
+                            <a:latin typeface="Cambria Math" panose="02040503050406030204" pitchFamily="18" charset="0"/>
+                            <a:cs typeface="Times" panose="02020603050405020304" pitchFamily="18" charset="0"/>
+                          </a:rPr>
+                          <m:t>𝐷𝑚𝑑</m:t>
+                        </m:r>
+                        <m:r>
+                          <a:rPr lang="en-US" altLang="zh-TW" b="0" i="1" smtClean="0">
+                            <a:latin typeface="Cambria Math" panose="02040503050406030204" pitchFamily="18" charset="0"/>
+                            <a:cs typeface="Times" panose="02020603050405020304" pitchFamily="18" charset="0"/>
+                          </a:rPr>
+                          <m:t>(</m:t>
+                        </m:r>
+                        <m:r>
+                          <a:rPr lang="en-US" altLang="zh-TW" b="0" i="1" smtClean="0">
+                            <a:latin typeface="Cambria Math" panose="02040503050406030204" pitchFamily="18" charset="0"/>
+                            <a:cs typeface="Times" panose="02020603050405020304" pitchFamily="18" charset="0"/>
+                          </a:rPr>
+                          <m:t>𝑔</m:t>
+                        </m:r>
+                        <m:r>
+                          <a:rPr lang="en-US" altLang="zh-TW" b="0" i="1" smtClean="0">
+                            <a:latin typeface="Cambria Math" panose="02040503050406030204" pitchFamily="18" charset="0"/>
+                            <a:cs typeface="Times" panose="02020603050405020304" pitchFamily="18" charset="0"/>
+                          </a:rPr>
+                          <m:t>)</m:t>
+                        </m:r>
+                      </m:num>
+                      <m:den>
+                        <m:r>
+                          <a:rPr lang="en-US" altLang="zh-TW" b="0" i="1" smtClean="0">
+                            <a:latin typeface="Cambria Math" panose="02040503050406030204" pitchFamily="18" charset="0"/>
+                            <a:cs typeface="Times" panose="02020603050405020304" pitchFamily="18" charset="0"/>
+                          </a:rPr>
+                          <m:t>𝐶𝑎𝑝</m:t>
+                        </m:r>
+                        <m:r>
+                          <a:rPr lang="en-US" altLang="zh-TW" b="0" i="1" smtClean="0">
+                            <a:latin typeface="Cambria Math" panose="02040503050406030204" pitchFamily="18" charset="0"/>
+                            <a:cs typeface="Times" panose="02020603050405020304" pitchFamily="18" charset="0"/>
+                          </a:rPr>
+                          <m:t>(</m:t>
+                        </m:r>
+                        <m:r>
+                          <a:rPr lang="en-US" altLang="zh-TW" b="0" i="1" smtClean="0">
+                            <a:latin typeface="Cambria Math" panose="02040503050406030204" pitchFamily="18" charset="0"/>
+                            <a:cs typeface="Times" panose="02020603050405020304" pitchFamily="18" charset="0"/>
+                          </a:rPr>
+                          <m:t>𝑔</m:t>
+                        </m:r>
+                        <m:r>
+                          <a:rPr lang="en-US" altLang="zh-TW" b="0" i="1" smtClean="0">
+                            <a:latin typeface="Cambria Math" panose="02040503050406030204" pitchFamily="18" charset="0"/>
+                            <a:cs typeface="Times" panose="02020603050405020304" pitchFamily="18" charset="0"/>
+                          </a:rPr>
+                          <m:t>)</m:t>
+                        </m:r>
+                      </m:den>
+                    </m:f>
+                    <m:r>
+                      <a:rPr lang="en-US" altLang="zh-TW" b="0" i="1" smtClean="0">
+                        <a:latin typeface="Cambria Math" panose="02040503050406030204" pitchFamily="18" charset="0"/>
+                        <a:cs typeface="Times" panose="02020603050405020304" pitchFamily="18" charset="0"/>
+                      </a:rPr>
+                      <m:t>)</m:t>
+                    </m:r>
+                  </m:oMath>
+                </a14:m>
+                <a:endParaRPr lang="en-US" altLang="zh-TW" b="0" dirty="0">
+                  <a:latin typeface="Times" panose="02020603050405020304" pitchFamily="18" charset="0"/>
+                  <a:cs typeface="Times" panose="02020603050405020304" pitchFamily="18" charset="0"/>
+                </a:endParaRPr>
+              </a:p>
+              <a:p>
+                <a:endParaRPr lang="en-US" altLang="zh-TW" sz="2400" b="0" i="1" dirty="0">
+                  <a:latin typeface="Cambria Math" panose="02040503050406030204" pitchFamily="18" charset="0"/>
+                  <a:cs typeface="Times" panose="02020603050405020304" pitchFamily="18" charset="0"/>
+                </a:endParaRPr>
+              </a:p>
+              <a:p>
+                <a:pPr>
+                  <a:buFont typeface="Wingdings" panose="05000000000000000000" pitchFamily="2" charset="2"/>
+                  <a:buChar char="Ø"/>
+                </a:pPr>
+                <a14:m>
+                  <m:oMath xmlns:m="http://schemas.openxmlformats.org/officeDocument/2006/math">
+                    <m:r>
+                      <a:rPr lang="en-US" altLang="zh-TW" sz="2400" b="0" i="1" smtClean="0">
+                        <a:latin typeface="Cambria Math" panose="02040503050406030204" pitchFamily="18" charset="0"/>
+                        <a:cs typeface="Times" panose="02020603050405020304" pitchFamily="18" charset="0"/>
+                      </a:rPr>
+                      <m:t> </m:t>
+                    </m:r>
+                    <m:r>
+                      <a:rPr lang="en-US" altLang="zh-TW" sz="2400" b="0" i="1" smtClean="0">
+                        <a:latin typeface="Cambria Math" panose="02040503050406030204" pitchFamily="18" charset="0"/>
+                        <a:cs typeface="Times" panose="02020603050405020304" pitchFamily="18" charset="0"/>
+                      </a:rPr>
+                      <m:t>𝐷𝑚𝑑</m:t>
+                    </m:r>
+                    <m:r>
+                      <a:rPr lang="en-US" altLang="zh-TW" sz="2400" b="0" i="1" smtClean="0">
+                        <a:latin typeface="Cambria Math" panose="02040503050406030204" pitchFamily="18" charset="0"/>
+                        <a:cs typeface="Times" panose="02020603050405020304" pitchFamily="18" charset="0"/>
+                      </a:rPr>
+                      <m:t>(</m:t>
+                    </m:r>
+                    <m:r>
+                      <a:rPr lang="en-US" altLang="zh-TW" sz="2400" b="0" i="1" smtClean="0">
+                        <a:latin typeface="Cambria Math" panose="02040503050406030204" pitchFamily="18" charset="0"/>
+                        <a:cs typeface="Times" panose="02020603050405020304" pitchFamily="18" charset="0"/>
+                      </a:rPr>
+                      <m:t>𝑔</m:t>
+                    </m:r>
+                    <m:r>
+                      <a:rPr lang="en-US" altLang="zh-TW" sz="2400" b="0" i="1" smtClean="0">
+                        <a:latin typeface="Cambria Math" panose="02040503050406030204" pitchFamily="18" charset="0"/>
+                        <a:cs typeface="Times" panose="02020603050405020304" pitchFamily="18" charset="0"/>
+                      </a:rPr>
+                      <m:t>)</m:t>
+                    </m:r>
+                  </m:oMath>
+                </a14:m>
+                <a:r>
+                  <a:rPr lang="en-US" altLang="zh-TW" sz="2400" b="0" dirty="0">
+                    <a:latin typeface="Times" panose="02020603050405020304" pitchFamily="18" charset="0"/>
+                    <a:cs typeface="Times" panose="02020603050405020304" pitchFamily="18" charset="0"/>
+                  </a:rPr>
+                  <a:t>: the routing demands of </a:t>
+                </a:r>
+                <a:r>
+                  <a:rPr lang="en-US" altLang="zh-TW" sz="2400" b="0" dirty="0" err="1">
+                    <a:latin typeface="Times" panose="02020603050405020304" pitchFamily="18" charset="0"/>
+                    <a:cs typeface="Times" panose="02020603050405020304" pitchFamily="18" charset="0"/>
+                  </a:rPr>
+                  <a:t>Gcell</a:t>
+                </a:r>
+                <a:r>
+                  <a:rPr lang="en-US" altLang="zh-TW" sz="2400" b="0" dirty="0">
+                    <a:latin typeface="Times" panose="02020603050405020304" pitchFamily="18" charset="0"/>
+                    <a:cs typeface="Times" panose="02020603050405020304" pitchFamily="18" charset="0"/>
+                  </a:rPr>
+                  <a:t> g</a:t>
+                </a:r>
+              </a:p>
+              <a:p>
+                <a:pPr>
+                  <a:buFont typeface="Wingdings" panose="05000000000000000000" pitchFamily="2" charset="2"/>
+                  <a:buChar char="Ø"/>
+                </a:pPr>
+                <a14:m>
+                  <m:oMath xmlns:m="http://schemas.openxmlformats.org/officeDocument/2006/math">
+                    <m:r>
+                      <a:rPr lang="en-US" altLang="zh-TW" sz="2400" b="0" i="1" smtClean="0">
+                        <a:latin typeface="Cambria Math" panose="02040503050406030204" pitchFamily="18" charset="0"/>
+                        <a:cs typeface="Times" panose="02020603050405020304" pitchFamily="18" charset="0"/>
+                      </a:rPr>
+                      <m:t> </m:t>
+                    </m:r>
+                    <m:r>
+                      <a:rPr lang="en-US" altLang="zh-TW" sz="2400" b="0" i="1" smtClean="0">
+                        <a:latin typeface="Cambria Math" panose="02040503050406030204" pitchFamily="18" charset="0"/>
+                        <a:cs typeface="Times" panose="02020603050405020304" pitchFamily="18" charset="0"/>
+                      </a:rPr>
+                      <m:t>𝐶𝑎𝑝</m:t>
+                    </m:r>
+                    <m:d>
+                      <m:dPr>
+                        <m:ctrlPr>
+                          <a:rPr lang="en-US" altLang="zh-TW" sz="2400" b="0" i="1" smtClean="0">
+                            <a:latin typeface="Cambria Math" panose="02040503050406030204" pitchFamily="18" charset="0"/>
+                            <a:cs typeface="Times" panose="02020603050405020304" pitchFamily="18" charset="0"/>
+                          </a:rPr>
+                        </m:ctrlPr>
+                      </m:dPr>
+                      <m:e>
+                        <m:r>
+                          <a:rPr lang="en-US" altLang="zh-TW" sz="2400" b="0" i="1" smtClean="0">
+                            <a:latin typeface="Cambria Math" panose="02040503050406030204" pitchFamily="18" charset="0"/>
+                            <a:cs typeface="Times" panose="02020603050405020304" pitchFamily="18" charset="0"/>
+                          </a:rPr>
+                          <m:t>𝑔</m:t>
+                        </m:r>
+                      </m:e>
+                    </m:d>
+                  </m:oMath>
+                </a14:m>
+                <a:r>
+                  <a:rPr lang="en-US" altLang="zh-TW" sz="2400" b="0" dirty="0">
+                    <a:latin typeface="Times" panose="02020603050405020304" pitchFamily="18" charset="0"/>
+                    <a:cs typeface="Times" panose="02020603050405020304" pitchFamily="18" charset="0"/>
+                  </a:rPr>
+                  <a:t>  : the routing capacity of </a:t>
+                </a:r>
+                <a:r>
+                  <a:rPr lang="en-US" altLang="zh-TW" sz="2400" b="0" dirty="0" err="1">
+                    <a:latin typeface="Times" panose="02020603050405020304" pitchFamily="18" charset="0"/>
+                    <a:cs typeface="Times" panose="02020603050405020304" pitchFamily="18" charset="0"/>
+                  </a:rPr>
+                  <a:t>Gcell</a:t>
+                </a:r>
+                <a:r>
+                  <a:rPr lang="en-US" altLang="zh-TW" sz="2400" b="0" dirty="0">
+                    <a:latin typeface="Times" panose="02020603050405020304" pitchFamily="18" charset="0"/>
+                    <a:cs typeface="Times" panose="02020603050405020304" pitchFamily="18" charset="0"/>
+                  </a:rPr>
+                  <a:t> g</a:t>
+                </a:r>
+              </a:p>
+              <a:p>
+                <a:endParaRPr lang="en-US" altLang="zh-TW" b="0" dirty="0">
+                  <a:latin typeface="Times" panose="02020603050405020304" pitchFamily="18" charset="0"/>
+                  <a:cs typeface="Times" panose="02020603050405020304" pitchFamily="18" charset="0"/>
+                </a:endParaRPr>
+              </a:p>
+              <a:p>
+                <a:pPr marL="0" indent="0" algn="ctr">
+                  <a:buNone/>
+                </a:pPr>
+                <a:endParaRPr lang="en-US" altLang="zh-TW" sz="2400" b="0" dirty="0">
+                  <a:latin typeface="Times" panose="02020603050405020304" pitchFamily="18" charset="0"/>
+                  <a:cs typeface="Times" panose="02020603050405020304" pitchFamily="18" charset="0"/>
+                </a:endParaRPr>
+              </a:p>
+            </p:txBody>
+          </p:sp>
+        </mc:Choice>
+        <mc:Fallback>
+          <p:sp>
+            <p:nvSpPr>
+              <p:cNvPr id="3" name="內容版面配置區 2">
+                <a:extLst>
+                  <a:ext uri="{FF2B5EF4-FFF2-40B4-BE49-F238E27FC236}">
+                    <a16:creationId xmlns:a16="http://schemas.microsoft.com/office/drawing/2014/main" id="{CBD7CEA3-77D1-9FFB-94D0-23801E3C63EE}"/>
+                  </a:ext>
+                </a:extLst>
+              </p:cNvPr>
+              <p:cNvSpPr>
+                <a:spLocks noGrp="1" noRot="1" noChangeAspect="1" noMove="1" noResize="1" noEditPoints="1" noAdjustHandles="1" noChangeArrowheads="1" noChangeShapeType="1" noTextEdit="1"/>
+              </p:cNvSpPr>
+              <p:nvPr>
+                <p:ph idx="1"/>
+              </p:nvPr>
+            </p:nvSpPr>
+            <p:spPr>
+              <a:xfrm>
+                <a:off x="838200" y="1825624"/>
+                <a:ext cx="10515600" cy="4895851"/>
+              </a:xfrm>
+              <a:blipFill>
+                <a:blip r:embed="rId3"/>
+                <a:stretch>
+                  <a:fillRect l="-1333" t="-2736"/>
+                </a:stretch>
+              </a:blipFill>
+            </p:spPr>
+            <p:txBody>
+              <a:bodyPr/>
+              <a:lstStyle/>
+              <a:p>
+                <a:r>
+                  <a:rPr lang="zh-TW" altLang="en-US">
+                    <a:noFill/>
+                  </a:rPr>
+                  <a:t> </a:t>
+                </a:r>
+              </a:p>
+            </p:txBody>
+          </p:sp>
+        </mc:Fallback>
+      </mc:AlternateContent>
+      <p:sp>
+        <p:nvSpPr>
+          <p:cNvPr id="4" name="投影片編號版面配置區 3">
+            <a:extLst>
+              <a:ext uri="{FF2B5EF4-FFF2-40B4-BE49-F238E27FC236}">
+                <a16:creationId xmlns:a16="http://schemas.microsoft.com/office/drawing/2014/main" id="{B35B14FF-D48D-70F2-8D80-2E843D4EA732}"/>
+              </a:ext>
+            </a:extLst>
+          </p:cNvPr>
+          <p:cNvSpPr>
+            <a:spLocks noGrp="1"/>
+          </p:cNvSpPr>
+          <p:nvPr>
+            <p:ph type="sldNum" sz="quarter" idx="12"/>
+          </p:nvPr>
+        </p:nvSpPr>
+        <p:spPr/>
+        <p:txBody>
+          <a:bodyPr/>
+          <a:lstStyle/>
+          <a:p>
+            <a:fld id="{666274A1-CF9C-426A-8DD4-B13ED0C24231}" type="slidenum">
+              <a:rPr lang="en-US" smtClean="0"/>
+              <a:t>10</a:t>
+            </a:fld>
+            <a:endParaRPr lang="en-US"/>
+          </a:p>
+        </p:txBody>
+      </p:sp>
+    </p:spTree>
+    <p:extLst>
+      <p:ext uri="{BB962C8B-B14F-4D97-AF65-F5344CB8AC3E}">
+        <p14:creationId xmlns:p14="http://schemas.microsoft.com/office/powerpoint/2010/main" val="1084032925"/>
+      </p:ext>
+    </p:extLst>
+  </p:cSld>
+  <p:clrMapOvr>
+    <a:masterClrMapping/>
+  </p:clrMapOvr>
+</p:sld>
+</file>
+
+<file path=ppt/slides/slide12.xml><?xml version="1.0" encoding="utf-8"?>
+<p:sld xmlns:a="http://schemas.openxmlformats.org/drawingml/2006/main" xmlns:r="http://schemas.openxmlformats.org/officeDocument/2006/relationships" xmlns:p="http://schemas.openxmlformats.org/presentationml/2006/main">
+  <p:cSld>
+    <p:spTree>
+      <p:nvGrpSpPr>
+        <p:cNvPr id="1" name=""/>
+        <p:cNvGrpSpPr/>
+        <p:nvPr/>
+      </p:nvGrpSpPr>
+      <p:grpSpPr>
+        <a:xfrm>
+          <a:off x="0" y="0"/>
+          <a:ext cx="0" cy="0"/>
+          <a:chOff x="0" y="0"/>
+          <a:chExt cx="0" cy="0"/>
+        </a:xfrm>
+      </p:grpSpPr>
+      <p:sp>
+        <p:nvSpPr>
+          <p:cNvPr id="2" name="標題 1">
+            <a:extLst>
+              <a:ext uri="{FF2B5EF4-FFF2-40B4-BE49-F238E27FC236}">
+                <a16:creationId xmlns:a16="http://schemas.microsoft.com/office/drawing/2014/main" id="{4AA7ECCA-1EB1-3A4E-DCC9-955149DAD9C0}"/>
+              </a:ext>
+            </a:extLst>
+          </p:cNvPr>
+          <p:cNvSpPr>
+            <a:spLocks noGrp="1"/>
+          </p:cNvSpPr>
+          <p:nvPr>
+            <p:ph type="title"/>
+          </p:nvPr>
+        </p:nvSpPr>
+        <p:spPr/>
+        <p:txBody>
+          <a:bodyPr/>
+          <a:lstStyle/>
+          <a:p>
+            <a:r>
+              <a:rPr lang="en-US" altLang="zh-TW" dirty="0"/>
+              <a:t>Proposed Algorithm</a:t>
+            </a:r>
+            <a:endParaRPr lang="zh-TW" altLang="en-US" dirty="0"/>
+          </a:p>
+        </p:txBody>
+      </p:sp>
+      <p:pic>
+        <p:nvPicPr>
+          <p:cNvPr id="6" name="內容版面配置區 5">
+            <a:extLst>
+              <a:ext uri="{FF2B5EF4-FFF2-40B4-BE49-F238E27FC236}">
+                <a16:creationId xmlns:a16="http://schemas.microsoft.com/office/drawing/2014/main" id="{1818B0E9-FA80-3168-5BAC-7EBC0C5A3CC9}"/>
+              </a:ext>
+            </a:extLst>
+          </p:cNvPr>
+          <p:cNvPicPr>
+            <a:picLocks noGrp="1" noChangeAspect="1"/>
+          </p:cNvPicPr>
+          <p:nvPr>
+            <p:ph idx="1"/>
+          </p:nvPr>
+        </p:nvPicPr>
+        <p:blipFill>
+          <a:blip r:embed="rId3"/>
+          <a:stretch>
+            <a:fillRect/>
+          </a:stretch>
+        </p:blipFill>
+        <p:spPr>
+          <a:xfrm>
+            <a:off x="2558139" y="1343887"/>
+            <a:ext cx="7832770" cy="5359264"/>
+          </a:xfrm>
+        </p:spPr>
+      </p:pic>
+      <p:sp>
+        <p:nvSpPr>
+          <p:cNvPr id="4" name="投影片編號版面配置區 3">
+            <a:extLst>
+              <a:ext uri="{FF2B5EF4-FFF2-40B4-BE49-F238E27FC236}">
+                <a16:creationId xmlns:a16="http://schemas.microsoft.com/office/drawing/2014/main" id="{45E06A71-AEA6-E371-7BE0-D975625ABB6B}"/>
+              </a:ext>
+            </a:extLst>
+          </p:cNvPr>
+          <p:cNvSpPr>
+            <a:spLocks noGrp="1"/>
+          </p:cNvSpPr>
+          <p:nvPr>
+            <p:ph type="sldNum" sz="quarter" idx="12"/>
+          </p:nvPr>
+        </p:nvSpPr>
+        <p:spPr/>
+        <p:txBody>
+          <a:bodyPr/>
+          <a:lstStyle/>
+          <a:p>
+            <a:fld id="{666274A1-CF9C-426A-8DD4-B13ED0C24231}" type="slidenum">
+              <a:rPr lang="en-US" smtClean="0"/>
+              <a:t>11</a:t>
+            </a:fld>
+            <a:endParaRPr lang="en-US"/>
+          </a:p>
+        </p:txBody>
+      </p:sp>
+    </p:spTree>
+    <p:extLst>
+      <p:ext uri="{BB962C8B-B14F-4D97-AF65-F5344CB8AC3E}">
+        <p14:creationId xmlns:p14="http://schemas.microsoft.com/office/powerpoint/2010/main" val="2202447647"/>
+      </p:ext>
+    </p:extLst>
+  </p:cSld>
+  <p:clrMapOvr>
+    <a:masterClrMapping/>
+  </p:clrMapOvr>
+</p:sld>
+</file>
+
+<file path=ppt/slides/slide13.xml><?xml version="1.0" encoding="utf-8"?>
+<p:sld xmlns:a="http://schemas.openxmlformats.org/drawingml/2006/main" xmlns:r="http://schemas.openxmlformats.org/officeDocument/2006/relationships" xmlns:p="http://schemas.openxmlformats.org/presentationml/2006/main">
+  <p:cSld>
+    <p:spTree>
+      <p:nvGrpSpPr>
+        <p:cNvPr id="1" name=""/>
+        <p:cNvGrpSpPr/>
+        <p:nvPr/>
+      </p:nvGrpSpPr>
+      <p:grpSpPr>
+        <a:xfrm>
+          <a:off x="0" y="0"/>
+          <a:ext cx="0" cy="0"/>
+          <a:chOff x="0" y="0"/>
+          <a:chExt cx="0" cy="0"/>
+        </a:xfrm>
+      </p:grpSpPr>
+      <p:sp>
+        <p:nvSpPr>
           <p:cNvPr id="4" name="Slide Number Placeholder 3">
             <a:extLst>
               <a:ext uri="{FF2B5EF4-FFF2-40B4-BE49-F238E27FC236}">
@@ -6105,7 +8582,7 @@
           <a:p>
             <a:fld id="{666274A1-CF9C-426A-8DD4-B13ED0C24231}" type="slidenum">
               <a:rPr lang="en-US" smtClean="0"/>
-              <a:t>9</a:t>
+              <a:t>12</a:t>
             </a:fld>
             <a:endParaRPr lang="en-US"/>
           </a:p>
@@ -6283,7 +8760,7 @@
                 <a:latin typeface="Times New Roman" panose="02020603050405020304" pitchFamily="18" charset="0"/>
                 <a:cs typeface="Times New Roman" panose="02020603050405020304" pitchFamily="18" charset="0"/>
               </a:rPr>
-              <a:t>Proposed Partitioning Framework For Multi-GPU Acceleration</a:t>
+              <a:t>Proposed Algorithm</a:t>
             </a:r>
           </a:p>
           <a:p>
@@ -7314,8 +9791,8 @@
           </a:p>
         </p:txBody>
       </p:sp>
-      <mc:AlternateContent xmlns:mc="http://schemas.openxmlformats.org/markup-compatibility/2006">
-        <mc:Choice xmlns:a14="http://schemas.microsoft.com/office/drawing/2010/main" Requires="a14">
+      <mc:AlternateContent xmlns:mc="http://schemas.openxmlformats.org/markup-compatibility/2006" xmlns:a14="http://schemas.microsoft.com/office/drawing/2010/main">
+        <mc:Choice Requires="a14">
           <p:sp>
             <p:nvSpPr>
               <p:cNvPr id="3" name="內容版面配置區 2">
@@ -7988,7 +10465,7 @@
             </p:txBody>
           </p:sp>
         </mc:Choice>
-        <mc:Fallback>
+        <mc:Fallback xmlns="">
           <p:sp>
             <p:nvSpPr>
               <p:cNvPr id="3" name="內容版面配置區 2">
@@ -8119,8 +10596,8 @@
           </a:p>
         </p:txBody>
       </p:sp>
-      <mc:AlternateContent xmlns:mc="http://schemas.openxmlformats.org/markup-compatibility/2006">
-        <mc:Choice xmlns:a14="http://schemas.microsoft.com/office/drawing/2010/main" Requires="a14">
+      <mc:AlternateContent xmlns:mc="http://schemas.openxmlformats.org/markup-compatibility/2006" xmlns:a14="http://schemas.microsoft.com/office/drawing/2010/main">
+        <mc:Choice Requires="a14">
           <p:sp>
             <p:nvSpPr>
               <p:cNvPr id="3" name="內容版面配置區 2">
@@ -8571,7 +11048,7 @@
             </p:txBody>
           </p:sp>
         </mc:Choice>
-        <mc:Fallback>
+        <mc:Fallback xmlns="">
           <p:sp>
             <p:nvSpPr>
               <p:cNvPr id="3" name="內容版面配置區 2">
@@ -8760,7 +11237,21 @@
                     <a:latin typeface="Times" panose="02020603050405020304" pitchFamily="18" charset="0"/>
                     <a:cs typeface="Times" panose="02020603050405020304" pitchFamily="18" charset="0"/>
                   </a:rPr>
-                  <a:t>This model adopts the weighted-average(WA) wirelength model to approximate the HPWL.</a:t>
+                  <a:t>This model adopts the </a:t>
+                </a:r>
+                <a:r>
+                  <a:rPr lang="en-US" altLang="zh-TW" b="1" dirty="0">
+                    <a:latin typeface="Times" panose="02020603050405020304" pitchFamily="18" charset="0"/>
+                    <a:cs typeface="Times" panose="02020603050405020304" pitchFamily="18" charset="0"/>
+                  </a:rPr>
+                  <a:t>weighted-average(WA) wirelength model </a:t>
+                </a:r>
+                <a:r>
+                  <a:rPr lang="en-US" altLang="zh-TW" dirty="0">
+                    <a:latin typeface="Times" panose="02020603050405020304" pitchFamily="18" charset="0"/>
+                    <a:cs typeface="Times" panose="02020603050405020304" pitchFamily="18" charset="0"/>
+                  </a:rPr>
+                  <a:t>to approximate the HPWL.</a:t>
                 </a:r>
               </a:p>
               <a:p>
@@ -9678,7 +12169,7 @@
             </p:nvSpPr>
             <p:spPr>
               <a:blipFill>
-                <a:blip r:embed="rId2"/>
+                <a:blip r:embed="rId3"/>
                 <a:stretch>
                   <a:fillRect l="-1333" t="-3081"/>
                 </a:stretch>
@@ -9728,6 +12219,386 @@
           </a:p>
         </p:txBody>
       </p:sp>
+      <mc:AlternateContent xmlns:mc="http://schemas.openxmlformats.org/markup-compatibility/2006">
+        <mc:Choice xmlns:a14="http://schemas.microsoft.com/office/drawing/2010/main" Requires="a14">
+          <p:sp>
+            <p:nvSpPr>
+              <p:cNvPr id="6" name="文字方塊 5">
+                <a:extLst>
+                  <a:ext uri="{FF2B5EF4-FFF2-40B4-BE49-F238E27FC236}">
+                    <a16:creationId xmlns:a16="http://schemas.microsoft.com/office/drawing/2014/main" id="{B6B79041-C037-4D87-1301-AEA3192E02E2}"/>
+                  </a:ext>
+                </a:extLst>
+              </p:cNvPr>
+              <p:cNvSpPr txBox="1"/>
+              <p:nvPr/>
+            </p:nvSpPr>
+            <p:spPr>
+              <a:xfrm>
+                <a:off x="6096000" y="760493"/>
+                <a:ext cx="5404909" cy="534826"/>
+              </a:xfrm>
+              <a:prstGeom prst="rect">
+                <a:avLst/>
+              </a:prstGeom>
+              <a:noFill/>
+              <a:ln>
+                <a:solidFill>
+                  <a:schemeClr val="tx1"/>
+                </a:solidFill>
+              </a:ln>
+            </p:spPr>
+            <p:txBody>
+              <a:bodyPr wrap="square" rtlCol="0">
+                <a:spAutoFit/>
+              </a:bodyPr>
+              <a:lstStyle/>
+              <a:p>
+                <a:pPr/>
+                <a14:m>
+                  <m:oMathPara xmlns:m="http://schemas.openxmlformats.org/officeDocument/2006/math">
+                    <m:oMathParaPr>
+                      <m:jc m:val="center"/>
+                    </m:oMathParaPr>
+                    <m:oMath xmlns:m="http://schemas.openxmlformats.org/officeDocument/2006/math">
+                      <m:sSub>
+                        <m:sSubPr>
+                          <m:ctrlPr>
+                            <a:rPr lang="en-US" altLang="zh-TW" sz="2400" b="0" i="1" smtClean="0">
+                              <a:latin typeface="Cambria Math" panose="02040503050406030204" pitchFamily="18" charset="0"/>
+                              <a:cs typeface="Times" panose="02020603050405020304" pitchFamily="18" charset="0"/>
+                            </a:rPr>
+                          </m:ctrlPr>
+                        </m:sSubPr>
+                        <m:e>
+                          <m:sSub>
+                            <m:sSubPr>
+                              <m:ctrlPr>
+                                <a:rPr lang="en-US" altLang="zh-TW" sz="2400" i="1">
+                                  <a:latin typeface="Cambria Math" panose="02040503050406030204" pitchFamily="18" charset="0"/>
+                                  <a:cs typeface="Times" panose="02020603050405020304" pitchFamily="18" charset="0"/>
+                                </a:rPr>
+                              </m:ctrlPr>
+                            </m:sSubPr>
+                            <m:e>
+                              <m:r>
+                                <a:rPr lang="en-US" altLang="zh-TW" sz="2400" i="1">
+                                  <a:latin typeface="Cambria Math" panose="02040503050406030204" pitchFamily="18" charset="0"/>
+                                  <a:cs typeface="Times" panose="02020603050405020304" pitchFamily="18" charset="0"/>
+                                </a:rPr>
+                                <m:t>𝑊</m:t>
+                              </m:r>
+                            </m:e>
+                            <m:sub>
+                              <m:sSub>
+                                <m:sSubPr>
+                                  <m:ctrlPr>
+                                    <a:rPr lang="en-US" altLang="zh-TW" sz="2400" i="1">
+                                      <a:latin typeface="Cambria Math" panose="02040503050406030204" pitchFamily="18" charset="0"/>
+                                      <a:cs typeface="Times" panose="02020603050405020304" pitchFamily="18" charset="0"/>
+                                    </a:rPr>
+                                  </m:ctrlPr>
+                                </m:sSubPr>
+                                <m:e>
+                                  <m:r>
+                                    <a:rPr lang="en-US" altLang="zh-TW" sz="2400" i="1">
+                                      <a:latin typeface="Cambria Math" panose="02040503050406030204" pitchFamily="18" charset="0"/>
+                                      <a:cs typeface="Times" panose="02020603050405020304" pitchFamily="18" charset="0"/>
+                                    </a:rPr>
+                                    <m:t>𝑒</m:t>
+                                  </m:r>
+                                </m:e>
+                                <m:sub>
+                                  <m:r>
+                                    <a:rPr lang="en-US" altLang="zh-TW" sz="2400" b="0" i="1" smtClean="0">
+                                      <a:latin typeface="Cambria Math" panose="02040503050406030204" pitchFamily="18" charset="0"/>
+                                      <a:cs typeface="Times" panose="02020603050405020304" pitchFamily="18" charset="0"/>
+                                    </a:rPr>
+                                    <m:t>𝑖</m:t>
+                                  </m:r>
+                                </m:sub>
+                              </m:sSub>
+                            </m:sub>
+                          </m:sSub>
+                          <m:r>
+                            <a:rPr lang="en-US" altLang="zh-TW" sz="2400" i="1">
+                              <a:latin typeface="Cambria Math" panose="02040503050406030204" pitchFamily="18" charset="0"/>
+                              <a:cs typeface="Times" panose="02020603050405020304" pitchFamily="18" charset="0"/>
+                            </a:rPr>
+                            <m:t> (</m:t>
+                          </m:r>
+                          <m:r>
+                            <a:rPr lang="en-US" altLang="zh-TW" sz="2400" i="1">
+                              <a:latin typeface="Cambria Math" panose="02040503050406030204" pitchFamily="18" charset="0"/>
+                              <a:cs typeface="Times" panose="02020603050405020304" pitchFamily="18" charset="0"/>
+                            </a:rPr>
+                            <m:t>𝑥</m:t>
+                          </m:r>
+                          <m:r>
+                            <a:rPr lang="en-US" altLang="zh-TW" sz="2400" i="1">
+                              <a:latin typeface="Cambria Math" panose="02040503050406030204" pitchFamily="18" charset="0"/>
+                              <a:cs typeface="Times" panose="02020603050405020304" pitchFamily="18" charset="0"/>
+                            </a:rPr>
+                            <m:t>, </m:t>
+                          </m:r>
+                          <m:r>
+                            <a:rPr lang="en-US" altLang="zh-TW" sz="2400" i="1">
+                              <a:latin typeface="Cambria Math" panose="02040503050406030204" pitchFamily="18" charset="0"/>
+                              <a:cs typeface="Times" panose="02020603050405020304" pitchFamily="18" charset="0"/>
+                            </a:rPr>
+                            <m:t>𝑦</m:t>
+                          </m:r>
+                          <m:r>
+                            <a:rPr lang="en-US" altLang="zh-TW" sz="2400" i="1">
+                              <a:latin typeface="Cambria Math" panose="02040503050406030204" pitchFamily="18" charset="0"/>
+                              <a:cs typeface="Times" panose="02020603050405020304" pitchFamily="18" charset="0"/>
+                            </a:rPr>
+                            <m:t>)</m:t>
+                          </m:r>
+                          <m:sSub>
+                            <m:sSubPr>
+                              <m:ctrlPr>
+                                <a:rPr lang="en-US" altLang="zh-TW" sz="2400" i="1">
+                                  <a:latin typeface="Cambria Math" panose="02040503050406030204" pitchFamily="18" charset="0"/>
+                                  <a:cs typeface="Times" panose="02020603050405020304" pitchFamily="18" charset="0"/>
+                                </a:rPr>
+                              </m:ctrlPr>
+                            </m:sSubPr>
+                            <m:e>
+                              <m:r>
+                                <a:rPr lang="zh-TW" altLang="en-US" sz="2400" i="1" smtClean="0">
+                                  <a:latin typeface="Cambria Math" panose="02040503050406030204" pitchFamily="18" charset="0"/>
+                                  <a:cs typeface="Times" panose="02020603050405020304" pitchFamily="18" charset="0"/>
+                                </a:rPr>
+                                <m:t> </m:t>
+                              </m:r>
+                              <m:r>
+                                <a:rPr lang="en-US" altLang="zh-TW" sz="2400" i="1">
+                                  <a:latin typeface="Cambria Math" panose="02040503050406030204" pitchFamily="18" charset="0"/>
+                                  <a:cs typeface="Times" panose="02020603050405020304" pitchFamily="18" charset="0"/>
+                                </a:rPr>
+                                <m:t>=</m:t>
+                              </m:r>
+                              <m:r>
+                                <a:rPr lang="zh-TW" altLang="en-US" sz="2400" i="1" smtClean="0">
+                                  <a:latin typeface="Cambria Math" panose="02040503050406030204" pitchFamily="18" charset="0"/>
+                                  <a:cs typeface="Times" panose="02020603050405020304" pitchFamily="18" charset="0"/>
+                                </a:rPr>
+                                <m:t> </m:t>
+                              </m:r>
+                              <m:r>
+                                <a:rPr lang="en-US" altLang="zh-TW" sz="2400" i="1">
+                                  <a:latin typeface="Cambria Math" panose="02040503050406030204" pitchFamily="18" charset="0"/>
+                                  <a:cs typeface="Times" panose="02020603050405020304" pitchFamily="18" charset="0"/>
+                                </a:rPr>
+                                <m:t>𝑊</m:t>
+                              </m:r>
+                            </m:e>
+                            <m:sub>
+                              <m:sSub>
+                                <m:sSubPr>
+                                  <m:ctrlPr>
+                                    <a:rPr lang="en-US" altLang="zh-TW" sz="2400" i="1">
+                                      <a:latin typeface="Cambria Math" panose="02040503050406030204" pitchFamily="18" charset="0"/>
+                                      <a:cs typeface="Times" panose="02020603050405020304" pitchFamily="18" charset="0"/>
+                                    </a:rPr>
+                                  </m:ctrlPr>
+                                </m:sSubPr>
+                                <m:e>
+                                  <m:r>
+                                    <a:rPr lang="en-US" altLang="zh-TW" sz="2400" i="1">
+                                      <a:latin typeface="Cambria Math" panose="02040503050406030204" pitchFamily="18" charset="0"/>
+                                      <a:cs typeface="Times" panose="02020603050405020304" pitchFamily="18" charset="0"/>
+                                    </a:rPr>
+                                    <m:t>𝑒</m:t>
+                                  </m:r>
+                                </m:e>
+                                <m:sub>
+                                  <m:r>
+                                    <a:rPr lang="en-US" altLang="zh-TW" sz="2400" i="1">
+                                      <a:latin typeface="Cambria Math" panose="02040503050406030204" pitchFamily="18" charset="0"/>
+                                      <a:cs typeface="Times" panose="02020603050405020304" pitchFamily="18" charset="0"/>
+                                    </a:rPr>
+                                    <m:t>𝑖𝑥</m:t>
+                                  </m:r>
+                                </m:sub>
+                              </m:sSub>
+                            </m:sub>
+                          </m:sSub>
+                          <m:r>
+                            <a:rPr lang="en-US" altLang="zh-TW" sz="2400" i="1">
+                              <a:latin typeface="Cambria Math" panose="02040503050406030204" pitchFamily="18" charset="0"/>
+                              <a:cs typeface="Times" panose="02020603050405020304" pitchFamily="18" charset="0"/>
+                            </a:rPr>
+                            <m:t> (</m:t>
+                          </m:r>
+                          <m:r>
+                            <a:rPr lang="en-US" altLang="zh-TW" sz="2400" i="1">
+                              <a:latin typeface="Cambria Math" panose="02040503050406030204" pitchFamily="18" charset="0"/>
+                              <a:cs typeface="Times" panose="02020603050405020304" pitchFamily="18" charset="0"/>
+                            </a:rPr>
+                            <m:t>𝑥</m:t>
+                          </m:r>
+                          <m:r>
+                            <a:rPr lang="en-US" altLang="zh-TW" sz="2400" i="1">
+                              <a:latin typeface="Cambria Math" panose="02040503050406030204" pitchFamily="18" charset="0"/>
+                              <a:cs typeface="Times" panose="02020603050405020304" pitchFamily="18" charset="0"/>
+                            </a:rPr>
+                            <m:t>, </m:t>
+                          </m:r>
+                          <m:r>
+                            <a:rPr lang="en-US" altLang="zh-TW" sz="2400" i="1">
+                              <a:latin typeface="Cambria Math" panose="02040503050406030204" pitchFamily="18" charset="0"/>
+                              <a:cs typeface="Times" panose="02020603050405020304" pitchFamily="18" charset="0"/>
+                            </a:rPr>
+                            <m:t>𝑦</m:t>
+                          </m:r>
+                          <m:r>
+                            <a:rPr lang="en-US" altLang="zh-TW" sz="2400" i="1">
+                              <a:latin typeface="Cambria Math" panose="02040503050406030204" pitchFamily="18" charset="0"/>
+                              <a:cs typeface="Times" panose="02020603050405020304" pitchFamily="18" charset="0"/>
+                            </a:rPr>
+                            <m:t>) +</m:t>
+                          </m:r>
+                          <m:r>
+                            <a:rPr lang="en-US" altLang="zh-TW" sz="2400" b="0" i="1" smtClean="0">
+                              <a:latin typeface="Cambria Math" panose="02040503050406030204" pitchFamily="18" charset="0"/>
+                              <a:cs typeface="Times" panose="02020603050405020304" pitchFamily="18" charset="0"/>
+                            </a:rPr>
+                            <m:t>𝑊</m:t>
+                          </m:r>
+                        </m:e>
+                        <m:sub>
+                          <m:sSub>
+                            <m:sSubPr>
+                              <m:ctrlPr>
+                                <a:rPr lang="en-US" altLang="zh-TW" sz="2400" b="0" i="1" smtClean="0">
+                                  <a:latin typeface="Cambria Math" panose="02040503050406030204" pitchFamily="18" charset="0"/>
+                                  <a:cs typeface="Times" panose="02020603050405020304" pitchFamily="18" charset="0"/>
+                                </a:rPr>
+                              </m:ctrlPr>
+                            </m:sSubPr>
+                            <m:e>
+                              <m:r>
+                                <a:rPr lang="en-US" altLang="zh-TW" sz="2400" b="0" i="1" smtClean="0">
+                                  <a:latin typeface="Cambria Math" panose="02040503050406030204" pitchFamily="18" charset="0"/>
+                                  <a:cs typeface="Times" panose="02020603050405020304" pitchFamily="18" charset="0"/>
+                                </a:rPr>
+                                <m:t>𝑒</m:t>
+                              </m:r>
+                            </m:e>
+                            <m:sub>
+                              <m:r>
+                                <a:rPr lang="en-US" altLang="zh-TW" sz="2400" b="0" i="1" smtClean="0">
+                                  <a:latin typeface="Cambria Math" panose="02040503050406030204" pitchFamily="18" charset="0"/>
+                                  <a:cs typeface="Times" panose="02020603050405020304" pitchFamily="18" charset="0"/>
+                                </a:rPr>
+                                <m:t>𝑖</m:t>
+                              </m:r>
+                              <m:r>
+                                <a:rPr lang="en-US" altLang="zh-TW" sz="2400" b="0" i="1" smtClean="0">
+                                  <a:latin typeface="Cambria Math" panose="02040503050406030204" pitchFamily="18" charset="0"/>
+                                  <a:cs typeface="Times" panose="02020603050405020304" pitchFamily="18" charset="0"/>
+                                </a:rPr>
+                                <m:t>𝑦</m:t>
+                              </m:r>
+                            </m:sub>
+                          </m:sSub>
+                        </m:sub>
+                      </m:sSub>
+                      <m:r>
+                        <a:rPr lang="en-US" altLang="zh-TW" sz="2400" b="0" i="1" smtClean="0">
+                          <a:latin typeface="Cambria Math" panose="02040503050406030204" pitchFamily="18" charset="0"/>
+                          <a:cs typeface="Times" panose="02020603050405020304" pitchFamily="18" charset="0"/>
+                        </a:rPr>
+                        <m:t> (</m:t>
+                      </m:r>
+                      <m:r>
+                        <a:rPr lang="en-US" altLang="zh-TW" sz="2400" b="0" i="1" smtClean="0">
+                          <a:latin typeface="Cambria Math" panose="02040503050406030204" pitchFamily="18" charset="0"/>
+                          <a:cs typeface="Times" panose="02020603050405020304" pitchFamily="18" charset="0"/>
+                        </a:rPr>
+                        <m:t>𝑥</m:t>
+                      </m:r>
+                      <m:r>
+                        <a:rPr lang="en-US" altLang="zh-TW" sz="2400" b="0" i="1" smtClean="0">
+                          <a:latin typeface="Cambria Math" panose="02040503050406030204" pitchFamily="18" charset="0"/>
+                          <a:cs typeface="Times" panose="02020603050405020304" pitchFamily="18" charset="0"/>
+                        </a:rPr>
+                        <m:t>, </m:t>
+                      </m:r>
+                      <m:r>
+                        <a:rPr lang="en-US" altLang="zh-TW" sz="2400" b="0" i="1" smtClean="0">
+                          <a:latin typeface="Cambria Math" panose="02040503050406030204" pitchFamily="18" charset="0"/>
+                          <a:cs typeface="Times" panose="02020603050405020304" pitchFamily="18" charset="0"/>
+                        </a:rPr>
+                        <m:t>𝑦</m:t>
+                      </m:r>
+                      <m:r>
+                        <a:rPr lang="en-US" altLang="zh-TW" sz="2400" b="0" i="1" smtClean="0">
+                          <a:latin typeface="Cambria Math" panose="02040503050406030204" pitchFamily="18" charset="0"/>
+                          <a:cs typeface="Times" panose="02020603050405020304" pitchFamily="18" charset="0"/>
+                        </a:rPr>
+                        <m:t>)</m:t>
+                      </m:r>
+                    </m:oMath>
+                  </m:oMathPara>
+                </a14:m>
+                <a:endParaRPr lang="zh-TW" altLang="en-US" sz="1600" dirty="0"/>
+              </a:p>
+            </p:txBody>
+          </p:sp>
+        </mc:Choice>
+        <mc:Fallback>
+          <p:sp>
+            <p:nvSpPr>
+              <p:cNvPr id="6" name="文字方塊 5">
+                <a:extLst>
+                  <a:ext uri="{FF2B5EF4-FFF2-40B4-BE49-F238E27FC236}">
+                    <a16:creationId xmlns:a16="http://schemas.microsoft.com/office/drawing/2014/main" id="{B6B79041-C037-4D87-1301-AEA3192E02E2}"/>
+                  </a:ext>
+                </a:extLst>
+              </p:cNvPr>
+              <p:cNvSpPr txBox="1">
+                <a:spLocks noRot="1" noChangeAspect="1" noMove="1" noResize="1" noEditPoints="1" noAdjustHandles="1" noChangeArrowheads="1" noChangeShapeType="1" noTextEdit="1"/>
+              </p:cNvSpPr>
+              <p:nvPr/>
+            </p:nvSpPr>
+            <p:spPr>
+              <a:xfrm>
+                <a:off x="6096000" y="760493"/>
+                <a:ext cx="5404909" cy="534826"/>
+              </a:xfrm>
+              <a:prstGeom prst="rect">
+                <a:avLst/>
+              </a:prstGeom>
+              <a:blipFill>
+                <a:blip r:embed="rId4"/>
+                <a:stretch>
+                  <a:fillRect b="-2247"/>
+                </a:stretch>
+              </a:blipFill>
+              <a:ln>
+                <a:solidFill>
+                  <a:schemeClr val="tx1"/>
+                </a:solidFill>
+              </a:ln>
+            </p:spPr>
+            <p:txBody>
+              <a:bodyPr/>
+              <a:lstStyle/>
+              <a:p>
+                <a:r>
+                  <a:rPr lang="zh-TW" altLang="en-US">
+                    <a:noFill/>
+                  </a:rPr>
+                  <a:t> </a:t>
+                </a:r>
+              </a:p>
+            </p:txBody>
+          </p:sp>
+        </mc:Fallback>
+      </mc:AlternateContent>
     </p:spTree>
     <p:extLst>
       <p:ext uri="{BB962C8B-B14F-4D97-AF65-F5344CB8AC3E}">

--- a/GM/Placement/PUFFER A Routability-Driven Placement Framework via Cell Padding/PUFFER A Routability-Driven Placement Framework via Cell Padding.pptx
+++ b/GM/Placement/PUFFER A Routability-Driven Placement Framework via Cell Padding/PUFFER A Routability-Driven Placement Framework via Cell Padding.pptx
@@ -5,7 +5,7 @@
     <p:sldMasterId id="2147483648" r:id="rId1"/>
   </p:sldMasterIdLst>
   <p:notesMasterIdLst>
-    <p:notesMasterId r:id="rId15"/>
+    <p:notesMasterId r:id="rId16"/>
   </p:notesMasterIdLst>
   <p:sldIdLst>
     <p:sldId id="256" r:id="rId2"/>
@@ -20,7 +20,8 @@
     <p:sldId id="306" r:id="rId11"/>
     <p:sldId id="307" r:id="rId12"/>
     <p:sldId id="308" r:id="rId13"/>
-    <p:sldId id="298" r:id="rId14"/>
+    <p:sldId id="309" r:id="rId14"/>
+    <p:sldId id="298" r:id="rId15"/>
   </p:sldIdLst>
   <p:sldSz cx="12192000" cy="6858000"/>
   <p:notesSz cx="6858000" cy="9144000"/>
@@ -2193,8 +2194,8 @@
         </p:nvSpPr>
         <p:spPr/>
       </p:sp>
-      <mc:AlternateContent xmlns:mc="http://schemas.openxmlformats.org/markup-compatibility/2006">
-        <mc:Choice xmlns:a14="http://schemas.microsoft.com/office/drawing/2010/main" Requires="a14">
+      <mc:AlternateContent xmlns:mc="http://schemas.openxmlformats.org/markup-compatibility/2006" xmlns:a14="http://schemas.microsoft.com/office/drawing/2010/main">
+        <mc:Choice Requires="a14">
           <p:sp>
             <p:nvSpPr>
               <p:cNvPr id="3" name="備忘稿版面配置區 2"/>
@@ -2384,7 +2385,7 @@
             </p:txBody>
           </p:sp>
         </mc:Choice>
-        <mc:Fallback>
+        <mc:Fallback xmlns="">
           <p:sp>
             <p:nvSpPr>
               <p:cNvPr id="3" name="備忘稿版面配置區 2"/>
@@ -2573,8 +2574,8 @@
         </p:nvSpPr>
         <p:spPr/>
       </p:sp>
-      <mc:AlternateContent xmlns:mc="http://schemas.openxmlformats.org/markup-compatibility/2006">
-        <mc:Choice xmlns:a14="http://schemas.microsoft.com/office/drawing/2010/main" Requires="a14">
+      <mc:AlternateContent xmlns:mc="http://schemas.openxmlformats.org/markup-compatibility/2006" xmlns:a14="http://schemas.microsoft.com/office/drawing/2010/main">
+        <mc:Choice Requires="a14">
           <p:sp>
             <p:nvSpPr>
               <p:cNvPr id="3" name="備忘稿版面配置區 2"/>
@@ -2764,7 +2765,7 @@
             </p:txBody>
           </p:sp>
         </mc:Choice>
-        <mc:Fallback>
+        <mc:Fallback xmlns="">
           <p:sp>
             <p:nvSpPr>
               <p:cNvPr id="3" name="備忘稿版面配置區 2"/>
@@ -6292,7 +6293,7 @@
                 <a:latin typeface="Times New Roman" panose="02020603050405020304" pitchFamily="18" charset="0"/>
                 <a:cs typeface="Times New Roman" panose="02020603050405020304" pitchFamily="18" charset="0"/>
               </a:rPr>
-              <a:t>-Driven Placement Framework via Cell Padding.pdf</a:t>
+              <a:t>-Driven Placement Framework via Cell Padding</a:t>
             </a:r>
           </a:p>
         </p:txBody>
@@ -6961,8 +6962,8 @@
           </a:p>
         </p:txBody>
       </p:sp>
-      <mc:AlternateContent xmlns:mc="http://schemas.openxmlformats.org/markup-compatibility/2006">
-        <mc:Choice xmlns:a14="http://schemas.microsoft.com/office/drawing/2010/main" Requires="a14">
+      <mc:AlternateContent xmlns:mc="http://schemas.openxmlformats.org/markup-compatibility/2006" xmlns:a14="http://schemas.microsoft.com/office/drawing/2010/main">
+        <mc:Choice Requires="a14">
           <p:sp>
             <p:nvSpPr>
               <p:cNvPr id="3" name="內容版面配置區 2">
@@ -7795,7 +7796,7 @@
             </p:txBody>
           </p:sp>
         </mc:Choice>
-        <mc:Fallback>
+        <mc:Fallback xmlns="">
           <p:sp>
             <p:nvSpPr>
               <p:cNvPr id="3" name="內容版面配置區 2">
@@ -7933,8 +7934,8 @@
           </a:p>
         </p:txBody>
       </p:sp>
-      <mc:AlternateContent xmlns:mc="http://schemas.openxmlformats.org/markup-compatibility/2006">
-        <mc:Choice xmlns:a14="http://schemas.microsoft.com/office/drawing/2010/main" Requires="a14">
+      <mc:AlternateContent xmlns:mc="http://schemas.openxmlformats.org/markup-compatibility/2006" xmlns:a14="http://schemas.microsoft.com/office/drawing/2010/main">
+        <mc:Choice Requires="a14">
           <p:sp>
             <p:nvSpPr>
               <p:cNvPr id="3" name="內容版面配置區 2">
@@ -8339,7 +8340,7 @@
             </p:txBody>
           </p:sp>
         </mc:Choice>
-        <mc:Fallback>
+        <mc:Fallback xmlns="">
           <p:sp>
             <p:nvSpPr>
               <p:cNvPr id="3" name="內容版面配置區 2">
@@ -8561,6 +8562,136 @@
       </p:grpSpPr>
       <p:sp>
         <p:nvSpPr>
+          <p:cNvPr id="2" name="標題 1">
+            <a:extLst>
+              <a:ext uri="{FF2B5EF4-FFF2-40B4-BE49-F238E27FC236}">
+                <a16:creationId xmlns:a16="http://schemas.microsoft.com/office/drawing/2014/main" id="{AEDF6777-6236-46F8-93C4-053ACE59502E}"/>
+              </a:ext>
+            </a:extLst>
+          </p:cNvPr>
+          <p:cNvSpPr>
+            <a:spLocks noGrp="1"/>
+          </p:cNvSpPr>
+          <p:nvPr>
+            <p:ph type="title"/>
+          </p:nvPr>
+        </p:nvSpPr>
+        <p:spPr/>
+        <p:txBody>
+          <a:bodyPr/>
+          <a:lstStyle/>
+          <a:p>
+            <a:r>
+              <a:rPr lang="en-US" altLang="zh-TW" dirty="0"/>
+              <a:t>Proposed Algorithm</a:t>
+            </a:r>
+            <a:endParaRPr lang="zh-TW" altLang="en-US" dirty="0"/>
+          </a:p>
+        </p:txBody>
+      </p:sp>
+      <p:sp>
+        <p:nvSpPr>
+          <p:cNvPr id="3" name="內容版面配置區 2">
+            <a:extLst>
+              <a:ext uri="{FF2B5EF4-FFF2-40B4-BE49-F238E27FC236}">
+                <a16:creationId xmlns:a16="http://schemas.microsoft.com/office/drawing/2014/main" id="{CDD6591C-6706-1D9B-A7CF-BE488BA469CB}"/>
+              </a:ext>
+            </a:extLst>
+          </p:cNvPr>
+          <p:cNvSpPr>
+            <a:spLocks noGrp="1"/>
+          </p:cNvSpPr>
+          <p:nvPr>
+            <p:ph idx="1"/>
+          </p:nvPr>
+        </p:nvSpPr>
+        <p:spPr/>
+        <p:txBody>
+          <a:bodyPr>
+            <a:normAutofit/>
+          </a:bodyPr>
+          <a:lstStyle/>
+          <a:p>
+            <a:pPr marL="0" indent="0">
+              <a:buNone/>
+            </a:pPr>
+            <a:r>
+              <a:rPr lang="en-US" altLang="zh-TW" sz="3200" dirty="0"/>
+              <a:t>A.</a:t>
+            </a:r>
+            <a:r>
+              <a:rPr lang="zh-TW" altLang="en-US" sz="3200" dirty="0"/>
+              <a:t> </a:t>
+            </a:r>
+            <a:r>
+              <a:rPr lang="en-US" altLang="zh-TW" sz="3200" dirty="0"/>
+              <a:t>Routing-detour-imitation-based Congestion Estimation</a:t>
+            </a:r>
+            <a:endParaRPr lang="zh-TW" altLang="en-US" sz="3200" dirty="0"/>
+          </a:p>
+        </p:txBody>
+      </p:sp>
+      <p:sp>
+        <p:nvSpPr>
+          <p:cNvPr id="4" name="投影片編號版面配置區 3">
+            <a:extLst>
+              <a:ext uri="{FF2B5EF4-FFF2-40B4-BE49-F238E27FC236}">
+                <a16:creationId xmlns:a16="http://schemas.microsoft.com/office/drawing/2014/main" id="{C4A4DCC3-BB49-91CF-D3FC-B1B0701D13DC}"/>
+              </a:ext>
+            </a:extLst>
+          </p:cNvPr>
+          <p:cNvSpPr>
+            <a:spLocks noGrp="1"/>
+          </p:cNvSpPr>
+          <p:nvPr>
+            <p:ph type="sldNum" sz="quarter" idx="12"/>
+          </p:nvPr>
+        </p:nvSpPr>
+        <p:spPr/>
+        <p:txBody>
+          <a:bodyPr/>
+          <a:lstStyle/>
+          <a:p>
+            <a:fld id="{666274A1-CF9C-426A-8DD4-B13ED0C24231}" type="slidenum">
+              <a:rPr lang="en-US" smtClean="0"/>
+              <a:t>12</a:t>
+            </a:fld>
+            <a:endParaRPr lang="en-US"/>
+          </a:p>
+        </p:txBody>
+      </p:sp>
+    </p:spTree>
+    <p:extLst>
+      <p:ext uri="{BB962C8B-B14F-4D97-AF65-F5344CB8AC3E}">
+        <p14:creationId xmlns:p14="http://schemas.microsoft.com/office/powerpoint/2010/main" val="1371440977"/>
+      </p:ext>
+    </p:extLst>
+  </p:cSld>
+  <p:clrMapOvr>
+    <a:masterClrMapping/>
+  </p:clrMapOvr>
+</p:sld>
+</file>
+
+<file path=ppt/slides/slide14.xml><?xml version="1.0" encoding="utf-8"?>
+<p:sld xmlns:a="http://schemas.openxmlformats.org/drawingml/2006/main" xmlns:r="http://schemas.openxmlformats.org/officeDocument/2006/relationships" xmlns:p="http://schemas.openxmlformats.org/presentationml/2006/main">
+  <p:cSld>
+    <p:spTree>
+      <p:nvGrpSpPr>
+        <p:cNvPr id="1" name=""/>
+        <p:cNvGrpSpPr/>
+        <p:nvPr/>
+      </p:nvGrpSpPr>
+      <p:grpSpPr>
+        <a:xfrm>
+          <a:off x="0" y="0"/>
+          <a:ext cx="0" cy="0"/>
+          <a:chOff x="0" y="0"/>
+          <a:chExt cx="0" cy="0"/>
+        </a:xfrm>
+      </p:grpSpPr>
+      <p:sp>
+        <p:nvSpPr>
           <p:cNvPr id="4" name="Slide Number Placeholder 3">
             <a:extLst>
               <a:ext uri="{FF2B5EF4-FFF2-40B4-BE49-F238E27FC236}">
@@ -8582,7 +8713,7 @@
           <a:p>
             <a:fld id="{666274A1-CF9C-426A-8DD4-B13ED0C24231}" type="slidenum">
               <a:rPr lang="en-US" smtClean="0"/>
-              <a:t>12</a:t>
+              <a:t>13</a:t>
             </a:fld>
             <a:endParaRPr lang="en-US"/>
           </a:p>
@@ -11182,8 +11313,8 @@
           </a:p>
         </p:txBody>
       </p:sp>
-      <mc:AlternateContent xmlns:mc="http://schemas.openxmlformats.org/markup-compatibility/2006">
-        <mc:Choice xmlns:a14="http://schemas.microsoft.com/office/drawing/2010/main" Requires="a14">
+      <mc:AlternateContent xmlns:mc="http://schemas.openxmlformats.org/markup-compatibility/2006" xmlns:a14="http://schemas.microsoft.com/office/drawing/2010/main">
+        <mc:Choice Requires="a14">
           <p:sp>
             <p:nvSpPr>
               <p:cNvPr id="3" name="內容版面配置區 2">
@@ -12150,7 +12281,7 @@
             </p:txBody>
           </p:sp>
         </mc:Choice>
-        <mc:Fallback>
+        <mc:Fallback xmlns="">
           <p:sp>
             <p:nvSpPr>
               <p:cNvPr id="3" name="內容版面配置區 2">
@@ -12219,8 +12350,8 @@
           </a:p>
         </p:txBody>
       </p:sp>
-      <mc:AlternateContent xmlns:mc="http://schemas.openxmlformats.org/markup-compatibility/2006">
-        <mc:Choice xmlns:a14="http://schemas.microsoft.com/office/drawing/2010/main" Requires="a14">
+      <mc:AlternateContent xmlns:mc="http://schemas.openxmlformats.org/markup-compatibility/2006" xmlns:a14="http://schemas.microsoft.com/office/drawing/2010/main">
+        <mc:Choice Requires="a14">
           <p:sp>
             <p:nvSpPr>
               <p:cNvPr id="6" name="文字方塊 5">
@@ -12493,14 +12624,7 @@
                                   <a:latin typeface="Cambria Math" panose="02040503050406030204" pitchFamily="18" charset="0"/>
                                   <a:cs typeface="Times" panose="02020603050405020304" pitchFamily="18" charset="0"/>
                                 </a:rPr>
-                                <m:t>𝑖</m:t>
-                              </m:r>
-                              <m:r>
-                                <a:rPr lang="en-US" altLang="zh-TW" sz="2400" b="0" i="1" smtClean="0">
-                                  <a:latin typeface="Cambria Math" panose="02040503050406030204" pitchFamily="18" charset="0"/>
-                                  <a:cs typeface="Times" panose="02020603050405020304" pitchFamily="18" charset="0"/>
-                                </a:rPr>
-                                <m:t>𝑦</m:t>
+                                <m:t>𝑖𝑦</m:t>
                               </m:r>
                             </m:sub>
                           </m:sSub>
@@ -12549,7 +12673,7 @@
             </p:txBody>
           </p:sp>
         </mc:Choice>
-        <mc:Fallback>
+        <mc:Fallback xmlns="">
           <p:sp>
             <p:nvSpPr>
               <p:cNvPr id="6" name="文字方塊 5">

--- a/GM/Placement/PUFFER A Routability-Driven Placement Framework via Cell Padding/PUFFER A Routability-Driven Placement Framework via Cell Padding.pptx
+++ b/GM/Placement/PUFFER A Routability-Driven Placement Framework via Cell Padding/PUFFER A Routability-Driven Placement Framework via Cell Padding.pptx
@@ -5,7 +5,7 @@
     <p:sldMasterId id="2147483648" r:id="rId1"/>
   </p:sldMasterIdLst>
   <p:notesMasterIdLst>
-    <p:notesMasterId r:id="rId16"/>
+    <p:notesMasterId r:id="rId18"/>
   </p:notesMasterIdLst>
   <p:sldIdLst>
     <p:sldId id="256" r:id="rId2"/>
@@ -21,7 +21,9 @@
     <p:sldId id="307" r:id="rId12"/>
     <p:sldId id="308" r:id="rId13"/>
     <p:sldId id="309" r:id="rId14"/>
-    <p:sldId id="298" r:id="rId15"/>
+    <p:sldId id="310" r:id="rId15"/>
+    <p:sldId id="311" r:id="rId16"/>
+    <p:sldId id="298" r:id="rId17"/>
   </p:sldIdLst>
   <p:sldSz cx="12192000" cy="6858000"/>
   <p:notesSz cx="6858000" cy="9144000"/>
@@ -1466,7 +1468,7 @@
           <a:p>
             <a:fld id="{C9ED61FB-B9B0-4D85-A72E-A614C28ECC4E}" type="datetimeFigureOut">
               <a:rPr lang="en-US" smtClean="0"/>
-              <a:t>10/1/2023</a:t>
+              <a:t>10/2/2023</a:t>
             </a:fld>
             <a:endParaRPr lang="en-US"/>
           </a:p>
@@ -1808,6 +1810,96 @@
     <p:extLst>
       <p:ext uri="{BB962C8B-B14F-4D97-AF65-F5344CB8AC3E}">
         <p14:creationId xmlns:p14="http://schemas.microsoft.com/office/powerpoint/2010/main" val="1194950833"/>
+      </p:ext>
+    </p:extLst>
+  </p:cSld>
+  <p:clrMapOvr>
+    <a:masterClrMapping/>
+  </p:clrMapOvr>
+</p:notes>
+</file>
+
+<file path=ppt/notesSlides/notesSlide10.xml><?xml version="1.0" encoding="utf-8"?>
+<p:notes xmlns:a="http://schemas.openxmlformats.org/drawingml/2006/main" xmlns:r="http://schemas.openxmlformats.org/officeDocument/2006/relationships" xmlns:p="http://schemas.openxmlformats.org/presentationml/2006/main">
+  <p:cSld>
+    <p:spTree>
+      <p:nvGrpSpPr>
+        <p:cNvPr id="1" name=""/>
+        <p:cNvGrpSpPr/>
+        <p:nvPr/>
+      </p:nvGrpSpPr>
+      <p:grpSpPr>
+        <a:xfrm>
+          <a:off x="0" y="0"/>
+          <a:ext cx="0" cy="0"/>
+          <a:chOff x="0" y="0"/>
+          <a:chExt cx="0" cy="0"/>
+        </a:xfrm>
+      </p:grpSpPr>
+      <p:sp>
+        <p:nvSpPr>
+          <p:cNvPr id="2" name="投影片影像版面配置區 1"/>
+          <p:cNvSpPr>
+            <a:spLocks noGrp="1" noRot="1" noChangeAspect="1"/>
+          </p:cNvSpPr>
+          <p:nvPr>
+            <p:ph type="sldImg"/>
+          </p:nvPr>
+        </p:nvSpPr>
+        <p:spPr/>
+      </p:sp>
+      <p:sp>
+        <p:nvSpPr>
+          <p:cNvPr id="3" name="備忘稿版面配置區 2"/>
+          <p:cNvSpPr>
+            <a:spLocks noGrp="1"/>
+          </p:cNvSpPr>
+          <p:nvPr>
+            <p:ph type="body" idx="1"/>
+          </p:nvPr>
+        </p:nvSpPr>
+        <p:spPr/>
+        <p:txBody>
+          <a:bodyPr/>
+          <a:lstStyle/>
+          <a:p>
+            <a:pPr marL="285750" indent="-285750" algn="l">
+              <a:buFont typeface="Arial" panose="020B0604020202020204" pitchFamily="34" charset="0"/>
+              <a:buChar char="•"/>
+            </a:pPr>
+            <a:endParaRPr lang="en-US" altLang="zh-TW" sz="1800" b="0" i="0" u="none" strike="noStrike" baseline="0" dirty="0">
+              <a:latin typeface="CMMI9"/>
+            </a:endParaRPr>
+          </a:p>
+        </p:txBody>
+      </p:sp>
+      <p:sp>
+        <p:nvSpPr>
+          <p:cNvPr id="4" name="投影片編號版面配置區 3"/>
+          <p:cNvSpPr>
+            <a:spLocks noGrp="1"/>
+          </p:cNvSpPr>
+          <p:nvPr>
+            <p:ph type="sldNum" sz="quarter" idx="5"/>
+          </p:nvPr>
+        </p:nvSpPr>
+        <p:spPr/>
+        <p:txBody>
+          <a:bodyPr/>
+          <a:lstStyle/>
+          <a:p>
+            <a:fld id="{9D457EAB-1485-47AD-BEAD-484FAEBF5A54}" type="slidenum">
+              <a:rPr lang="en-US" smtClean="0"/>
+              <a:t>14</a:t>
+            </a:fld>
+            <a:endParaRPr lang="en-US"/>
+          </a:p>
+        </p:txBody>
+      </p:sp>
+    </p:spTree>
+    <p:extLst>
+      <p:ext uri="{BB962C8B-B14F-4D97-AF65-F5344CB8AC3E}">
+        <p14:creationId xmlns:p14="http://schemas.microsoft.com/office/powerpoint/2010/main" val="1718402670"/>
       </p:ext>
     </p:extLst>
   </p:cSld>
@@ -3009,6 +3101,399 @@
 </p:notes>
 </file>
 
+<file path=ppt/notesSlides/notesSlide8.xml><?xml version="1.0" encoding="utf-8"?>
+<p:notes xmlns:a="http://schemas.openxmlformats.org/drawingml/2006/main" xmlns:r="http://schemas.openxmlformats.org/officeDocument/2006/relationships" xmlns:p="http://schemas.openxmlformats.org/presentationml/2006/main">
+  <p:cSld>
+    <p:spTree>
+      <p:nvGrpSpPr>
+        <p:cNvPr id="1" name=""/>
+        <p:cNvGrpSpPr/>
+        <p:nvPr/>
+      </p:nvGrpSpPr>
+      <p:grpSpPr>
+        <a:xfrm>
+          <a:off x="0" y="0"/>
+          <a:ext cx="0" cy="0"/>
+          <a:chOff x="0" y="0"/>
+          <a:chExt cx="0" cy="0"/>
+        </a:xfrm>
+      </p:grpSpPr>
+      <p:sp>
+        <p:nvSpPr>
+          <p:cNvPr id="2" name="投影片影像版面配置區 1"/>
+          <p:cNvSpPr>
+            <a:spLocks noGrp="1" noRot="1" noChangeAspect="1"/>
+          </p:cNvSpPr>
+          <p:nvPr>
+            <p:ph type="sldImg"/>
+          </p:nvPr>
+        </p:nvSpPr>
+        <p:spPr/>
+      </p:sp>
+      <p:sp>
+        <p:nvSpPr>
+          <p:cNvPr id="3" name="備忘稿版面配置區 2"/>
+          <p:cNvSpPr>
+            <a:spLocks noGrp="1"/>
+          </p:cNvSpPr>
+          <p:nvPr>
+            <p:ph type="body" idx="1"/>
+          </p:nvPr>
+        </p:nvSpPr>
+        <p:spPr/>
+        <p:txBody>
+          <a:bodyPr/>
+          <a:lstStyle/>
+          <a:p>
+            <a:pPr marL="285750" indent="-285750" algn="l">
+              <a:buFont typeface="Arial" panose="020B0604020202020204" pitchFamily="34" charset="0"/>
+              <a:buChar char="•"/>
+            </a:pPr>
+            <a:r>
+              <a:rPr lang="en-US" altLang="zh-TW" sz="1800" b="0" i="0" u="none" strike="noStrike" baseline="0" dirty="0" err="1">
+                <a:latin typeface="CMMI9"/>
+              </a:rPr>
+              <a:t>Cap</a:t>
+            </a:r>
+            <a:r>
+              <a:rPr lang="en-US" altLang="zh-TW" sz="1800" b="0" i="0" u="none" strike="noStrike" baseline="0" dirty="0" err="1">
+                <a:latin typeface="CMMI6"/>
+              </a:rPr>
+              <a:t>H</a:t>
+            </a:r>
+            <a:r>
+              <a:rPr lang="en-US" altLang="zh-TW" sz="1800" b="0" i="0" u="none" strike="noStrike" baseline="0" dirty="0">
+                <a:latin typeface="CMMI6"/>
+              </a:rPr>
+              <a:t>=V </a:t>
+            </a:r>
+            <a:r>
+              <a:rPr lang="en-US" altLang="zh-TW" sz="1800" b="0" i="0" u="none" strike="noStrike" baseline="0" dirty="0">
+                <a:latin typeface="CMR9"/>
+              </a:rPr>
+              <a:t>(</a:t>
+            </a:r>
+            <a:r>
+              <a:rPr lang="en-US" altLang="zh-TW" sz="1800" b="0" i="0" u="none" strike="noStrike" baseline="0" dirty="0">
+                <a:latin typeface="CMMI9"/>
+              </a:rPr>
+              <a:t>g</a:t>
+            </a:r>
+            <a:r>
+              <a:rPr lang="en-US" altLang="zh-TW" sz="1800" b="0" i="0" u="none" strike="noStrike" baseline="0" dirty="0">
+                <a:latin typeface="CMR9"/>
+              </a:rPr>
+              <a:t>) </a:t>
+            </a:r>
+            <a:r>
+              <a:rPr lang="en-US" altLang="zh-TW" sz="1800" b="0" i="0" u="none" strike="noStrike" baseline="0" dirty="0">
+                <a:latin typeface="NimbusRomNo9L-Regu"/>
+              </a:rPr>
+              <a:t>: the horizontal or vertical routing capacity of </a:t>
+            </a:r>
+            <a:r>
+              <a:rPr lang="en-US" altLang="zh-TW" sz="1800" b="0" i="0" u="none" strike="noStrike" baseline="0" dirty="0" err="1">
+                <a:latin typeface="NimbusRomNo9L-Regu"/>
+              </a:rPr>
+              <a:t>Gcell</a:t>
+            </a:r>
+            <a:r>
+              <a:rPr lang="en-US" altLang="zh-TW" sz="1800" b="0" i="0" u="none" strike="noStrike" baseline="0" dirty="0">
+                <a:latin typeface="NimbusRomNo9L-Regu"/>
+              </a:rPr>
+              <a:t> </a:t>
+            </a:r>
+            <a:r>
+              <a:rPr lang="en-US" altLang="zh-TW" sz="1800" b="0" i="0" u="none" strike="noStrike" baseline="0" dirty="0">
+                <a:latin typeface="CMMI9"/>
+              </a:rPr>
+              <a:t>g</a:t>
+            </a:r>
+          </a:p>
+          <a:p>
+            <a:pPr marL="285750" indent="-285750" algn="l">
+              <a:buFont typeface="Arial" panose="020B0604020202020204" pitchFamily="34" charset="0"/>
+              <a:buChar char="•"/>
+            </a:pPr>
+            <a:r>
+              <a:rPr lang="en-US" altLang="zh-TW" sz="1800" b="0" i="0" u="none" strike="noStrike" baseline="0" dirty="0" err="1">
+                <a:latin typeface="CMMI9"/>
+              </a:rPr>
+              <a:t>l.pd</a:t>
+            </a:r>
+            <a:r>
+              <a:rPr lang="en-US" altLang="zh-TW" sz="1800" b="0" i="0" u="none" strike="noStrike" baseline="0" dirty="0">
+                <a:latin typeface="CMMI9"/>
+              </a:rPr>
+              <a:t> </a:t>
+            </a:r>
+            <a:r>
+              <a:rPr lang="en-US" altLang="zh-TW" sz="1800" b="0" i="0" u="none" strike="noStrike" baseline="0" dirty="0">
+                <a:latin typeface="NimbusRomNo9L-Regu"/>
+              </a:rPr>
+              <a:t>: the preferred routing direction of metal layer </a:t>
+            </a:r>
+            <a:r>
+              <a:rPr lang="en-US" altLang="zh-TW" sz="1800" b="0" i="0" u="none" strike="noStrike" baseline="0" dirty="0">
+                <a:latin typeface="CMMI9"/>
+              </a:rPr>
+              <a:t>l</a:t>
+            </a:r>
+          </a:p>
+          <a:p>
+            <a:pPr marL="285750" indent="-285750" algn="l">
+              <a:buFont typeface="Arial" panose="020B0604020202020204" pitchFamily="34" charset="0"/>
+              <a:buChar char="•"/>
+            </a:pPr>
+            <a:r>
+              <a:rPr lang="en-US" altLang="zh-TW" sz="1800" b="0" i="0" u="none" strike="noStrike" baseline="0" dirty="0">
+                <a:latin typeface="CMMI9"/>
+              </a:rPr>
+              <a:t>L </a:t>
+            </a:r>
+            <a:r>
+              <a:rPr lang="en-US" altLang="zh-TW" sz="1800" b="0" i="0" u="none" strike="noStrike" baseline="0" dirty="0">
+                <a:latin typeface="NimbusRomNo9L-Regu"/>
+              </a:rPr>
+              <a:t>: the set of metal layers</a:t>
+            </a:r>
+          </a:p>
+          <a:p>
+            <a:pPr marL="285750" indent="-285750" algn="l">
+              <a:buFont typeface="Arial" panose="020B0604020202020204" pitchFamily="34" charset="0"/>
+              <a:buChar char="•"/>
+            </a:pPr>
+            <a:r>
+              <a:rPr lang="en-US" altLang="zh-TW" sz="1800" b="0" i="0" u="none" strike="noStrike" baseline="0" dirty="0">
+                <a:latin typeface="CMMI9"/>
+              </a:rPr>
+              <a:t>Blk </a:t>
+            </a:r>
+            <a:r>
+              <a:rPr lang="en-US" altLang="zh-TW" sz="1800" b="0" i="0" u="none" strike="noStrike" baseline="0" dirty="0">
+                <a:latin typeface="NimbusRomNo9L-Regu"/>
+              </a:rPr>
+              <a:t>: the set of blockages</a:t>
+            </a:r>
+          </a:p>
+          <a:p>
+            <a:pPr marL="285750" indent="-285750" algn="l">
+              <a:buFont typeface="Arial" panose="020B0604020202020204" pitchFamily="34" charset="0"/>
+              <a:buChar char="•"/>
+            </a:pPr>
+            <a:r>
+              <a:rPr lang="en-US" altLang="zh-TW" sz="1800" b="0" i="0" u="none" strike="noStrike" baseline="0" dirty="0">
+                <a:latin typeface="CMMI9"/>
+              </a:rPr>
+              <a:t>OL</a:t>
+            </a:r>
+            <a:r>
+              <a:rPr lang="en-US" altLang="zh-TW" sz="1800" b="0" i="0" u="none" strike="noStrike" baseline="0" dirty="0">
+                <a:latin typeface="CMMI6"/>
+              </a:rPr>
+              <a:t>H=V </a:t>
+            </a:r>
+            <a:r>
+              <a:rPr lang="en-US" altLang="zh-TW" sz="1800" b="0" i="0" u="none" strike="noStrike" baseline="0" dirty="0">
+                <a:latin typeface="CMR9"/>
+              </a:rPr>
+              <a:t>(</a:t>
+            </a:r>
+            <a:r>
+              <a:rPr lang="en-US" altLang="zh-TW" sz="1800" b="0" i="0" u="none" strike="noStrike" baseline="0" dirty="0">
+                <a:latin typeface="CMMI9"/>
+              </a:rPr>
+              <a:t>b; g</a:t>
+            </a:r>
+            <a:r>
+              <a:rPr lang="en-US" altLang="zh-TW" sz="1800" b="0" i="0" u="none" strike="noStrike" baseline="0" dirty="0">
+                <a:latin typeface="CMR9"/>
+              </a:rPr>
+              <a:t>) </a:t>
+            </a:r>
+            <a:r>
+              <a:rPr lang="en-US" altLang="zh-TW" sz="1800" b="0" i="0" u="none" strike="noStrike" baseline="0" dirty="0">
+                <a:latin typeface="NimbusRomNo9L-Regu"/>
+              </a:rPr>
+              <a:t>is the horizontal or vertical overlaps between blockage </a:t>
+            </a:r>
+            <a:r>
+              <a:rPr lang="en-US" altLang="zh-TW" sz="1800" b="0" i="0" u="none" strike="noStrike" baseline="0" dirty="0">
+                <a:latin typeface="CMMI9"/>
+              </a:rPr>
+              <a:t>b </a:t>
+            </a:r>
+            <a:r>
+              <a:rPr lang="en-US" altLang="zh-TW" sz="1800" b="0" i="0" u="none" strike="noStrike" baseline="0" dirty="0">
+                <a:latin typeface="NimbusRomNo9L-Regu"/>
+              </a:rPr>
+              <a:t>and </a:t>
+            </a:r>
+            <a:r>
+              <a:rPr lang="en-US" altLang="zh-TW" sz="1800" b="0" i="0" u="none" strike="noStrike" baseline="0" dirty="0" err="1">
+                <a:latin typeface="NimbusRomNo9L-Regu"/>
+              </a:rPr>
+              <a:t>Gcell</a:t>
+            </a:r>
+            <a:r>
+              <a:rPr lang="en-US" altLang="zh-TW" sz="1800" b="0" i="0" u="none" strike="noStrike" baseline="0" dirty="0">
+                <a:latin typeface="NimbusRomNo9L-Regu"/>
+              </a:rPr>
+              <a:t> </a:t>
+            </a:r>
+            <a:r>
+              <a:rPr lang="en-US" altLang="zh-TW" sz="1800" b="0" i="0" u="none" strike="noStrike" baseline="0" dirty="0">
+                <a:latin typeface="CMMI9"/>
+              </a:rPr>
+              <a:t>g</a:t>
+            </a:r>
+          </a:p>
+          <a:p>
+            <a:pPr marL="285750" indent="-285750" algn="l">
+              <a:buFont typeface="Arial" panose="020B0604020202020204" pitchFamily="34" charset="0"/>
+              <a:buChar char="•"/>
+            </a:pPr>
+            <a:r>
+              <a:rPr lang="en-US" altLang="zh-TW" sz="1800" b="0" i="0" u="none" strike="noStrike" baseline="0" dirty="0" err="1">
+                <a:latin typeface="CMMI9"/>
+              </a:rPr>
+              <a:t>b.l</a:t>
+            </a:r>
+            <a:r>
+              <a:rPr lang="en-US" altLang="zh-TW" sz="1800" b="0" i="0" u="none" strike="noStrike" baseline="0" dirty="0">
+                <a:latin typeface="CMMI9"/>
+              </a:rPr>
+              <a:t> : the metal layer where the obstacle is located</a:t>
+            </a:r>
+          </a:p>
+        </p:txBody>
+      </p:sp>
+      <p:sp>
+        <p:nvSpPr>
+          <p:cNvPr id="4" name="投影片編號版面配置區 3"/>
+          <p:cNvSpPr>
+            <a:spLocks noGrp="1"/>
+          </p:cNvSpPr>
+          <p:nvPr>
+            <p:ph type="sldNum" sz="quarter" idx="5"/>
+          </p:nvPr>
+        </p:nvSpPr>
+        <p:spPr/>
+        <p:txBody>
+          <a:bodyPr/>
+          <a:lstStyle/>
+          <a:p>
+            <a:fld id="{9D457EAB-1485-47AD-BEAD-484FAEBF5A54}" type="slidenum">
+              <a:rPr lang="en-US" smtClean="0"/>
+              <a:t>12</a:t>
+            </a:fld>
+            <a:endParaRPr lang="en-US"/>
+          </a:p>
+        </p:txBody>
+      </p:sp>
+    </p:spTree>
+    <p:extLst>
+      <p:ext uri="{BB962C8B-B14F-4D97-AF65-F5344CB8AC3E}">
+        <p14:creationId xmlns:p14="http://schemas.microsoft.com/office/powerpoint/2010/main" val="3233825191"/>
+      </p:ext>
+    </p:extLst>
+  </p:cSld>
+  <p:clrMapOvr>
+    <a:masterClrMapping/>
+  </p:clrMapOvr>
+</p:notes>
+</file>
+
+<file path=ppt/notesSlides/notesSlide9.xml><?xml version="1.0" encoding="utf-8"?>
+<p:notes xmlns:a="http://schemas.openxmlformats.org/drawingml/2006/main" xmlns:r="http://schemas.openxmlformats.org/officeDocument/2006/relationships" xmlns:p="http://schemas.openxmlformats.org/presentationml/2006/main">
+  <p:cSld>
+    <p:spTree>
+      <p:nvGrpSpPr>
+        <p:cNvPr id="1" name=""/>
+        <p:cNvGrpSpPr/>
+        <p:nvPr/>
+      </p:nvGrpSpPr>
+      <p:grpSpPr>
+        <a:xfrm>
+          <a:off x="0" y="0"/>
+          <a:ext cx="0" cy="0"/>
+          <a:chOff x="0" y="0"/>
+          <a:chExt cx="0" cy="0"/>
+        </a:xfrm>
+      </p:grpSpPr>
+      <p:sp>
+        <p:nvSpPr>
+          <p:cNvPr id="2" name="投影片影像版面配置區 1"/>
+          <p:cNvSpPr>
+            <a:spLocks noGrp="1" noRot="1" noChangeAspect="1"/>
+          </p:cNvSpPr>
+          <p:nvPr>
+            <p:ph type="sldImg"/>
+          </p:nvPr>
+        </p:nvSpPr>
+        <p:spPr/>
+      </p:sp>
+      <p:sp>
+        <p:nvSpPr>
+          <p:cNvPr id="3" name="備忘稿版面配置區 2"/>
+          <p:cNvSpPr>
+            <a:spLocks noGrp="1"/>
+          </p:cNvSpPr>
+          <p:nvPr>
+            <p:ph type="body" idx="1"/>
+          </p:nvPr>
+        </p:nvSpPr>
+        <p:spPr/>
+        <p:txBody>
+          <a:bodyPr/>
+          <a:lstStyle/>
+          <a:p>
+            <a:pPr marL="285750" indent="-285750" algn="l">
+              <a:buFont typeface="Arial" panose="020B0604020202020204" pitchFamily="34" charset="0"/>
+              <a:buChar char="•"/>
+            </a:pPr>
+            <a:endParaRPr lang="en-US" altLang="zh-TW" sz="1800" b="0" i="0" u="none" strike="noStrike" baseline="0" dirty="0">
+              <a:latin typeface="CMMI9"/>
+            </a:endParaRPr>
+          </a:p>
+        </p:txBody>
+      </p:sp>
+      <p:sp>
+        <p:nvSpPr>
+          <p:cNvPr id="4" name="投影片編號版面配置區 3"/>
+          <p:cNvSpPr>
+            <a:spLocks noGrp="1"/>
+          </p:cNvSpPr>
+          <p:nvPr>
+            <p:ph type="sldNum" sz="quarter" idx="5"/>
+          </p:nvPr>
+        </p:nvSpPr>
+        <p:spPr/>
+        <p:txBody>
+          <a:bodyPr/>
+          <a:lstStyle/>
+          <a:p>
+            <a:fld id="{9D457EAB-1485-47AD-BEAD-484FAEBF5A54}" type="slidenum">
+              <a:rPr lang="en-US" smtClean="0"/>
+              <a:t>13</a:t>
+            </a:fld>
+            <a:endParaRPr lang="en-US"/>
+          </a:p>
+        </p:txBody>
+      </p:sp>
+    </p:spTree>
+    <p:extLst>
+      <p:ext uri="{BB962C8B-B14F-4D97-AF65-F5344CB8AC3E}">
+        <p14:creationId xmlns:p14="http://schemas.microsoft.com/office/powerpoint/2010/main" val="2732201867"/>
+      </p:ext>
+    </p:extLst>
+  </p:cSld>
+  <p:clrMapOvr>
+    <a:masterClrMapping/>
+  </p:clrMapOvr>
+</p:notes>
+</file>
+
 <file path=ppt/slideLayouts/slideLayout1.xml><?xml version="1.0" encoding="utf-8"?>
 <p:sldLayout xmlns:a="http://schemas.openxmlformats.org/drawingml/2006/main" xmlns:r="http://schemas.openxmlformats.org/officeDocument/2006/relationships" xmlns:p="http://schemas.openxmlformats.org/presentationml/2006/main" type="title" preserve="1">
   <p:cSld name="Title Slide">
@@ -3156,7 +3641,7 @@
           <a:p>
             <a:fld id="{99BA7BAB-F69F-4C21-8D40-7AA273A2D01F}" type="datetime1">
               <a:rPr lang="en-US" smtClean="0"/>
-              <a:t>10/1/2023</a:t>
+              <a:t>10/2/2023</a:t>
             </a:fld>
             <a:endParaRPr lang="en-US"/>
           </a:p>
@@ -3361,7 +3846,7 @@
           <a:p>
             <a:fld id="{FB00A8EC-4678-43EE-BE64-F312B7F1A46F}" type="datetime1">
               <a:rPr lang="en-US" smtClean="0"/>
-              <a:t>10/1/2023</a:t>
+              <a:t>10/2/2023</a:t>
             </a:fld>
             <a:endParaRPr lang="en-US"/>
           </a:p>
@@ -3569,7 +4054,7 @@
           <a:p>
             <a:fld id="{9487F23D-EA8F-4C56-9373-23F6109AD11F}" type="datetime1">
               <a:rPr lang="en-US" smtClean="0"/>
-              <a:t>10/1/2023</a:t>
+              <a:t>10/2/2023</a:t>
             </a:fld>
             <a:endParaRPr lang="en-US"/>
           </a:p>
@@ -3767,7 +4252,7 @@
           <a:p>
             <a:fld id="{A34E716E-0239-4A81-9CF4-D3B9651721CF}" type="datetime1">
               <a:rPr lang="en-US" smtClean="0"/>
-              <a:t>10/1/2023</a:t>
+              <a:t>10/2/2023</a:t>
             </a:fld>
             <a:endParaRPr lang="en-US"/>
           </a:p>
@@ -4049,7 +4534,7 @@
           <a:p>
             <a:fld id="{CC112E56-3D97-4B86-935C-1C493DD86A08}" type="datetime1">
               <a:rPr lang="en-US" smtClean="0"/>
-              <a:t>10/1/2023</a:t>
+              <a:t>10/2/2023</a:t>
             </a:fld>
             <a:endParaRPr lang="en-US"/>
           </a:p>
@@ -4314,7 +4799,7 @@
           <a:p>
             <a:fld id="{40649135-BABF-4F63-9AF8-3CEC545E47DC}" type="datetime1">
               <a:rPr lang="en-US" smtClean="0"/>
-              <a:t>10/1/2023</a:t>
+              <a:t>10/2/2023</a:t>
             </a:fld>
             <a:endParaRPr lang="en-US"/>
           </a:p>
@@ -4726,7 +5211,7 @@
           <a:p>
             <a:fld id="{B16EBC02-C9C0-442D-A8A6-494057203542}" type="datetime1">
               <a:rPr lang="en-US" smtClean="0"/>
-              <a:t>10/1/2023</a:t>
+              <a:t>10/2/2023</a:t>
             </a:fld>
             <a:endParaRPr lang="en-US"/>
           </a:p>
@@ -4867,7 +5352,7 @@
           <a:p>
             <a:fld id="{A126C4B4-559D-414E-BC9C-16A745BBF3C3}" type="datetime1">
               <a:rPr lang="en-US" smtClean="0"/>
-              <a:t>10/1/2023</a:t>
+              <a:t>10/2/2023</a:t>
             </a:fld>
             <a:endParaRPr lang="en-US"/>
           </a:p>
@@ -4980,7 +5465,7 @@
           <a:p>
             <a:fld id="{0D49D49E-73A5-4C03-BFEA-3D845EB044D8}" type="datetime1">
               <a:rPr lang="en-US" smtClean="0"/>
-              <a:t>10/1/2023</a:t>
+              <a:t>10/2/2023</a:t>
             </a:fld>
             <a:endParaRPr lang="en-US"/>
           </a:p>
@@ -5291,7 +5776,7 @@
           <a:p>
             <a:fld id="{4A0F93E6-3134-410C-B573-A5F6B38FC346}" type="datetime1">
               <a:rPr lang="en-US" smtClean="0"/>
-              <a:t>10/1/2023</a:t>
+              <a:t>10/2/2023</a:t>
             </a:fld>
             <a:endParaRPr lang="en-US"/>
           </a:p>
@@ -5579,7 +6064,7 @@
           <a:p>
             <a:fld id="{F766E70F-5320-45A5-BE33-1819A93C2AF4}" type="datetime1">
               <a:rPr lang="en-US" smtClean="0"/>
-              <a:t>10/1/2023</a:t>
+              <a:t>10/2/2023</a:t>
             </a:fld>
             <a:endParaRPr lang="en-US"/>
           </a:p>
@@ -5820,7 +6305,7 @@
           <a:p>
             <a:fld id="{A706458B-0289-40FF-A02D-2C541B7F1CB6}" type="datetime1">
               <a:rPr lang="en-US" smtClean="0"/>
-              <a:t>10/1/2023</a:t>
+              <a:t>10/2/2023</a:t>
             </a:fld>
             <a:endParaRPr lang="en-US"/>
           </a:p>
@@ -6962,8 +7447,8 @@
           </a:p>
         </p:txBody>
       </p:sp>
-      <mc:AlternateContent xmlns:mc="http://schemas.openxmlformats.org/markup-compatibility/2006" xmlns:a14="http://schemas.microsoft.com/office/drawing/2010/main">
-        <mc:Choice Requires="a14">
+      <mc:AlternateContent xmlns:mc="http://schemas.openxmlformats.org/markup-compatibility/2006">
+        <mc:Choice xmlns:a14="http://schemas.microsoft.com/office/drawing/2010/main" Requires="a14">
           <p:sp>
             <p:nvSpPr>
               <p:cNvPr id="3" name="內容版面配置區 2">
@@ -6983,12 +7468,12 @@
             <p:spPr>
               <a:xfrm>
                 <a:off x="838200" y="1690688"/>
-                <a:ext cx="10515600" cy="4351338"/>
+                <a:ext cx="10515600" cy="5167312"/>
               </a:xfrm>
             </p:spPr>
             <p:txBody>
               <a:bodyPr>
-                <a:normAutofit fontScale="92500" lnSpcReduction="20000"/>
+                <a:normAutofit/>
               </a:bodyPr>
               <a:lstStyle/>
               <a:p>
@@ -6998,15 +7483,24 @@
                   </a:lnSpc>
                 </a:pPr>
                 <a:r>
-                  <a:rPr lang="en-US" altLang="zh-TW" dirty="0"/>
+                  <a:rPr lang="en-US" altLang="zh-TW" sz="2600" dirty="0">
+                    <a:latin typeface="Times" panose="02020603050405020304" pitchFamily="18" charset="0"/>
+                    <a:cs typeface="Times" panose="02020603050405020304" pitchFamily="18" charset="0"/>
+                  </a:rPr>
                   <a:t>To get the density penalty, the placement region will first divide into uniform bins by M×M</a:t>
                 </a:r>
                 <a:r>
-                  <a:rPr lang="zh-TW" altLang="en-US" dirty="0"/>
+                  <a:rPr lang="zh-TW" altLang="en-US" sz="2600" dirty="0">
+                    <a:latin typeface="Times" panose="02020603050405020304" pitchFamily="18" charset="0"/>
+                    <a:cs typeface="Times" panose="02020603050405020304" pitchFamily="18" charset="0"/>
+                  </a:rPr>
                   <a:t> </a:t>
                 </a:r>
                 <a:r>
-                  <a:rPr lang="en-US" altLang="zh-TW" dirty="0"/>
+                  <a:rPr lang="en-US" altLang="zh-TW" sz="2600" dirty="0">
+                    <a:latin typeface="Times" panose="02020603050405020304" pitchFamily="18" charset="0"/>
+                    <a:cs typeface="Times" panose="02020603050405020304" pitchFamily="18" charset="0"/>
+                  </a:rPr>
                   <a:t>grids.</a:t>
                 </a:r>
               </a:p>
@@ -7016,7 +7510,10 @@
                     <a:spcPct val="130000"/>
                   </a:lnSpc>
                 </a:pPr>
-                <a:endParaRPr lang="en-US" altLang="zh-TW" dirty="0"/>
+                <a:endParaRPr lang="en-US" altLang="zh-TW" sz="1100" dirty="0">
+                  <a:latin typeface="Times" panose="02020603050405020304" pitchFamily="18" charset="0"/>
+                  <a:cs typeface="Times" panose="02020603050405020304" pitchFamily="18" charset="0"/>
+                </a:endParaRPr>
               </a:p>
               <a:p>
                 <a:pPr marL="0" indent="0">
@@ -7367,7 +7864,22 @@
                     </m:oMath>
                   </m:oMathPara>
                 </a14:m>
-                <a:endParaRPr lang="en-US" altLang="zh-TW" dirty="0"/>
+                <a:endParaRPr lang="en-US" altLang="zh-TW" sz="800" dirty="0">
+                  <a:latin typeface="Times" panose="02020603050405020304" pitchFamily="18" charset="0"/>
+                  <a:cs typeface="Times" panose="02020603050405020304" pitchFamily="18" charset="0"/>
+                </a:endParaRPr>
+              </a:p>
+              <a:p>
+                <a:pPr marL="0" indent="0">
+                  <a:lnSpc>
+                    <a:spcPct val="130000"/>
+                  </a:lnSpc>
+                  <a:buNone/>
+                </a:pPr>
+                <a:endParaRPr lang="en-US" altLang="zh-TW" sz="800" dirty="0">
+                  <a:latin typeface="Times" panose="02020603050405020304" pitchFamily="18" charset="0"/>
+                  <a:cs typeface="Times" panose="02020603050405020304" pitchFamily="18" charset="0"/>
+                </a:endParaRPr>
               </a:p>
               <a:p>
                 <a:pPr>
@@ -7382,14 +7894,14 @@
                     <m:sSub>
                       <m:sSubPr>
                         <m:ctrlPr>
-                          <a:rPr lang="en-US" altLang="zh-TW" sz="2800" b="0" i="1" smtClean="0">
+                          <a:rPr lang="en-US" altLang="zh-TW" sz="2600" b="0" i="1" smtClean="0">
                             <a:latin typeface="Cambria Math" panose="02040503050406030204" pitchFamily="18" charset="0"/>
                           </a:rPr>
                         </m:ctrlPr>
                       </m:sSubPr>
                       <m:e>
                         <m:r>
-                          <a:rPr lang="en-US" altLang="zh-TW" sz="2800" b="0" i="1" smtClean="0">
+                          <a:rPr lang="en-US" altLang="zh-TW" sz="2600" b="0" i="1" smtClean="0">
                             <a:latin typeface="Cambria Math" panose="02040503050406030204" pitchFamily="18" charset="0"/>
                           </a:rPr>
                           <m:t> </m:t>
@@ -7398,7 +7910,7 @@
                           <m:rPr>
                             <m:sty m:val="p"/>
                           </m:rPr>
-                          <a:rPr lang="en-US" altLang="zh-TW" sz="2800" i="1">
+                          <a:rPr lang="en-US" altLang="zh-TW" sz="2600" i="1">
                             <a:latin typeface="Cambria Math" panose="02040503050406030204" pitchFamily="18" charset="0"/>
                           </a:rPr>
                           <m:t>w</m:t>
@@ -7409,7 +7921,7 @@
                           <m:rPr>
                             <m:sty m:val="p"/>
                           </m:rPr>
-                          <a:rPr lang="en-US" altLang="zh-TW" sz="2800" i="1">
+                          <a:rPr lang="en-US" altLang="zh-TW" sz="2600" i="1">
                             <a:latin typeface="Cambria Math" panose="02040503050406030204" pitchFamily="18" charset="0"/>
                           </a:rPr>
                           <m:t>i</m:t>
@@ -7419,7 +7931,7 @@
                     <m:sSub>
                       <m:sSubPr>
                         <m:ctrlPr>
-                          <a:rPr lang="en-US" altLang="zh-TW" sz="2800" b="0" i="1" smtClean="0">
+                          <a:rPr lang="en-US" altLang="zh-TW" sz="2600" b="0" i="1" smtClean="0">
                             <a:latin typeface="Cambria Math" panose="02040503050406030204" pitchFamily="18" charset="0"/>
                           </a:rPr>
                         </m:ctrlPr>
@@ -7429,7 +7941,7 @@
                           <m:rPr>
                             <m:sty m:val="p"/>
                           </m:rPr>
-                          <a:rPr lang="en-US" altLang="zh-TW" sz="2800" i="1">
+                          <a:rPr lang="en-US" altLang="zh-TW" sz="2600" i="1">
                             <a:latin typeface="Cambria Math" panose="02040503050406030204" pitchFamily="18" charset="0"/>
                           </a:rPr>
                           <m:t>h</m:t>
@@ -7440,7 +7952,7 @@
                           <m:rPr>
                             <m:sty m:val="p"/>
                           </m:rPr>
-                          <a:rPr lang="en-US" altLang="zh-TW" sz="2800" i="1">
+                          <a:rPr lang="en-US" altLang="zh-TW" sz="2600" i="1">
                             <a:latin typeface="Cambria Math" panose="02040503050406030204" pitchFamily="18" charset="0"/>
                           </a:rPr>
                           <m:t>i</m:t>
@@ -7450,39 +7962,66 @@
                   </m:oMath>
                 </a14:m>
                 <a:r>
-                  <a:rPr lang="en-US" altLang="zh-TW" dirty="0"/>
+                  <a:rPr lang="en-US" altLang="zh-TW" sz="2600" dirty="0">
+                    <a:latin typeface="Times" panose="02020603050405020304" pitchFamily="18" charset="0"/>
+                    <a:cs typeface="Times" panose="02020603050405020304" pitchFamily="18" charset="0"/>
+                  </a:rPr>
                   <a:t>:</a:t>
                 </a:r>
                 <a:r>
-                  <a:rPr lang="zh-TW" altLang="en-US" dirty="0"/>
+                  <a:rPr lang="zh-TW" altLang="en-US" sz="2600" dirty="0">
+                    <a:latin typeface="Times" panose="02020603050405020304" pitchFamily="18" charset="0"/>
+                    <a:cs typeface="Times" panose="02020603050405020304" pitchFamily="18" charset="0"/>
+                  </a:rPr>
                   <a:t>  </a:t>
                 </a:r>
                 <a:r>
-                  <a:rPr lang="en-US" altLang="zh-TW" dirty="0"/>
+                  <a:rPr lang="en-US" altLang="zh-TW" sz="2600" dirty="0">
+                    <a:latin typeface="Times" panose="02020603050405020304" pitchFamily="18" charset="0"/>
+                    <a:cs typeface="Times" panose="02020603050405020304" pitchFamily="18" charset="0"/>
+                  </a:rPr>
                   <a:t>area</a:t>
                 </a:r>
                 <a:r>
-                  <a:rPr lang="zh-TW" altLang="en-US" dirty="0"/>
+                  <a:rPr lang="zh-TW" altLang="en-US" sz="2600" dirty="0">
+                    <a:latin typeface="Times" panose="02020603050405020304" pitchFamily="18" charset="0"/>
+                    <a:cs typeface="Times" panose="02020603050405020304" pitchFamily="18" charset="0"/>
+                  </a:rPr>
                   <a:t> </a:t>
                 </a:r>
                 <a:r>
-                  <a:rPr lang="en-US" altLang="zh-TW" dirty="0"/>
+                  <a:rPr lang="en-US" altLang="zh-TW" sz="2600" dirty="0">
+                    <a:latin typeface="Times" panose="02020603050405020304" pitchFamily="18" charset="0"/>
+                    <a:cs typeface="Times" panose="02020603050405020304" pitchFamily="18" charset="0"/>
+                  </a:rPr>
                   <a:t>of</a:t>
                 </a:r>
                 <a:r>
-                  <a:rPr lang="zh-TW" altLang="en-US" dirty="0"/>
+                  <a:rPr lang="zh-TW" altLang="en-US" sz="2600" dirty="0">
+                    <a:latin typeface="Times" panose="02020603050405020304" pitchFamily="18" charset="0"/>
+                    <a:cs typeface="Times" panose="02020603050405020304" pitchFamily="18" charset="0"/>
+                  </a:rPr>
                   <a:t> </a:t>
                 </a:r>
                 <a:r>
-                  <a:rPr lang="en-US" altLang="zh-TW" dirty="0"/>
+                  <a:rPr lang="en-US" altLang="zh-TW" sz="2600" dirty="0">
+                    <a:latin typeface="Times" panose="02020603050405020304" pitchFamily="18" charset="0"/>
+                    <a:cs typeface="Times" panose="02020603050405020304" pitchFamily="18" charset="0"/>
+                  </a:rPr>
                   <a:t>cell</a:t>
                 </a:r>
                 <a:r>
-                  <a:rPr lang="zh-TW" altLang="en-US" dirty="0"/>
+                  <a:rPr lang="zh-TW" altLang="en-US" sz="2600" dirty="0">
+                    <a:latin typeface="Times" panose="02020603050405020304" pitchFamily="18" charset="0"/>
+                    <a:cs typeface="Times" panose="02020603050405020304" pitchFamily="18" charset="0"/>
+                  </a:rPr>
                   <a:t> </a:t>
                 </a:r>
                 <a:r>
-                  <a:rPr lang="en-US" altLang="zh-TW" dirty="0"/>
+                  <a:rPr lang="en-US" altLang="zh-TW" sz="2600" dirty="0">
+                    <a:latin typeface="Times" panose="02020603050405020304" pitchFamily="18" charset="0"/>
+                    <a:cs typeface="Times" panose="02020603050405020304" pitchFamily="18" charset="0"/>
+                  </a:rPr>
                   <a:t>I</a:t>
                 </a:r>
               </a:p>
@@ -7499,7 +8038,7 @@
                     <m:sSub>
                       <m:sSubPr>
                         <m:ctrlPr>
-                          <a:rPr lang="en-US" altLang="zh-TW" sz="2800" i="1" smtClean="0">
+                          <a:rPr lang="en-US" altLang="zh-TW" sz="2600" i="1" smtClean="0">
                             <a:latin typeface="Cambria Math" panose="02040503050406030204" pitchFamily="18" charset="0"/>
                             <a:ea typeface="Cambria Math" panose="02040503050406030204" pitchFamily="18" charset="0"/>
                           </a:rPr>
@@ -7507,7 +8046,7 @@
                       </m:sSubPr>
                       <m:e>
                         <m:r>
-                          <a:rPr lang="en-US" altLang="zh-TW" sz="2800" b="0" i="1" smtClean="0">
+                          <a:rPr lang="en-US" altLang="zh-TW" sz="2600" b="0" i="1" smtClean="0">
                             <a:latin typeface="Cambria Math" panose="02040503050406030204" pitchFamily="18" charset="0"/>
                             <a:ea typeface="Cambria Math" panose="02040503050406030204" pitchFamily="18" charset="0"/>
                           </a:rPr>
@@ -7517,7 +8056,7 @@
                           <m:rPr>
                             <m:sty m:val="p"/>
                           </m:rPr>
-                          <a:rPr lang="en-US" altLang="zh-TW" sz="2800" i="1">
+                          <a:rPr lang="en-US" altLang="zh-TW" sz="2600" i="1">
                             <a:latin typeface="Cambria Math" panose="02040503050406030204" pitchFamily="18" charset="0"/>
                             <a:ea typeface="Cambria Math" panose="02040503050406030204" pitchFamily="18" charset="0"/>
                           </a:rPr>
@@ -7529,14 +8068,14 @@
                           <m:rPr>
                             <m:sty m:val="p"/>
                           </m:rPr>
-                          <a:rPr lang="en-US" altLang="zh-TW" sz="2800" i="1">
+                          <a:rPr lang="en-US" altLang="zh-TW" sz="2600" i="1">
                             <a:latin typeface="Cambria Math" panose="02040503050406030204" pitchFamily="18" charset="0"/>
                             <a:ea typeface="Cambria Math" panose="02040503050406030204" pitchFamily="18" charset="0"/>
                           </a:rPr>
                           <m:t>m</m:t>
                         </m:r>
                         <m:r>
-                          <a:rPr lang="en-US" altLang="zh-TW" sz="2800" i="1" smtClean="0">
+                          <a:rPr lang="en-US" altLang="zh-TW" sz="2600" i="1" smtClean="0">
                             <a:latin typeface="Cambria Math" panose="02040503050406030204" pitchFamily="18" charset="0"/>
                             <a:ea typeface="Cambria Math" panose="02040503050406030204" pitchFamily="18" charset="0"/>
                           </a:rPr>
@@ -7546,7 +8085,7 @@
                           <m:rPr>
                             <m:sty m:val="p"/>
                           </m:rPr>
-                          <a:rPr lang="en-US" altLang="zh-TW" sz="2800" i="1">
+                          <a:rPr lang="en-US" altLang="zh-TW" sz="2600" i="1">
                             <a:latin typeface="Cambria Math" panose="02040503050406030204" pitchFamily="18" charset="0"/>
                             <a:ea typeface="Cambria Math" panose="02040503050406030204" pitchFamily="18" charset="0"/>
                           </a:rPr>
@@ -7557,71 +8096,122 @@
                   </m:oMath>
                 </a14:m>
                 <a:r>
-                  <a:rPr lang="en-US" altLang="zh-TW" dirty="0"/>
+                  <a:rPr lang="en-US" altLang="zh-TW" sz="2600" dirty="0">
+                    <a:latin typeface="Times" panose="02020603050405020304" pitchFamily="18" charset="0"/>
+                    <a:cs typeface="Times" panose="02020603050405020304" pitchFamily="18" charset="0"/>
+                  </a:rPr>
                   <a:t>:</a:t>
                 </a:r>
                 <a:r>
-                  <a:rPr lang="zh-TW" altLang="en-US" dirty="0"/>
+                  <a:rPr lang="zh-TW" altLang="en-US" sz="2600" dirty="0">
+                    <a:latin typeface="Times" panose="02020603050405020304" pitchFamily="18" charset="0"/>
+                    <a:cs typeface="Times" panose="02020603050405020304" pitchFamily="18" charset="0"/>
+                  </a:rPr>
                   <a:t>  </a:t>
                 </a:r>
                 <a:r>
-                  <a:rPr lang="en-US" altLang="zh-TW" dirty="0"/>
+                  <a:rPr lang="en-US" altLang="zh-TW" sz="2600" dirty="0">
+                    <a:latin typeface="Times" panose="02020603050405020304" pitchFamily="18" charset="0"/>
+                    <a:cs typeface="Times" panose="02020603050405020304" pitchFamily="18" charset="0"/>
+                  </a:rPr>
                   <a:t>the</a:t>
                 </a:r>
                 <a:r>
-                  <a:rPr lang="zh-TW" altLang="en-US" dirty="0"/>
+                  <a:rPr lang="zh-TW" altLang="en-US" sz="2600" dirty="0">
+                    <a:latin typeface="Times" panose="02020603050405020304" pitchFamily="18" charset="0"/>
+                    <a:cs typeface="Times" panose="02020603050405020304" pitchFamily="18" charset="0"/>
+                  </a:rPr>
                   <a:t> </a:t>
                 </a:r>
                 <a:r>
-                  <a:rPr lang="en-US" altLang="zh-TW" dirty="0"/>
+                  <a:rPr lang="en-US" altLang="zh-TW" sz="2600" dirty="0">
+                    <a:latin typeface="Times" panose="02020603050405020304" pitchFamily="18" charset="0"/>
+                    <a:cs typeface="Times" panose="02020603050405020304" pitchFamily="18" charset="0"/>
+                  </a:rPr>
                   <a:t>bin</a:t>
                 </a:r>
                 <a:r>
-                  <a:rPr lang="zh-TW" altLang="en-US" dirty="0"/>
+                  <a:rPr lang="zh-TW" altLang="en-US" sz="2600" dirty="0">
+                    <a:latin typeface="Times" panose="02020603050405020304" pitchFamily="18" charset="0"/>
+                    <a:cs typeface="Times" panose="02020603050405020304" pitchFamily="18" charset="0"/>
+                  </a:rPr>
                   <a:t> </a:t>
                 </a:r>
                 <a:r>
-                  <a:rPr lang="en-US" altLang="zh-TW" dirty="0"/>
+                  <a:rPr lang="en-US" altLang="zh-TW" sz="2600" dirty="0">
+                    <a:latin typeface="Times" panose="02020603050405020304" pitchFamily="18" charset="0"/>
+                    <a:cs typeface="Times" panose="02020603050405020304" pitchFamily="18" charset="0"/>
+                  </a:rPr>
                   <a:t>in</a:t>
                 </a:r>
                 <a:r>
-                  <a:rPr lang="zh-TW" altLang="en-US" dirty="0"/>
+                  <a:rPr lang="zh-TW" altLang="en-US" sz="2600" dirty="0">
+                    <a:latin typeface="Times" panose="02020603050405020304" pitchFamily="18" charset="0"/>
+                    <a:cs typeface="Times" panose="02020603050405020304" pitchFamily="18" charset="0"/>
+                  </a:rPr>
                   <a:t> </a:t>
                 </a:r>
                 <a:r>
-                  <a:rPr lang="en-US" altLang="zh-TW" dirty="0"/>
+                  <a:rPr lang="en-US" altLang="zh-TW" sz="2600" dirty="0">
+                    <a:latin typeface="Times" panose="02020603050405020304" pitchFamily="18" charset="0"/>
+                    <a:cs typeface="Times" panose="02020603050405020304" pitchFamily="18" charset="0"/>
+                  </a:rPr>
                   <a:t>row</a:t>
                 </a:r>
                 <a:r>
-                  <a:rPr lang="zh-TW" altLang="en-US" dirty="0"/>
+                  <a:rPr lang="zh-TW" altLang="en-US" sz="2600" dirty="0">
+                    <a:latin typeface="Times" panose="02020603050405020304" pitchFamily="18" charset="0"/>
+                    <a:cs typeface="Times" panose="02020603050405020304" pitchFamily="18" charset="0"/>
+                  </a:rPr>
                   <a:t> </a:t>
                 </a:r>
                 <a:r>
-                  <a:rPr lang="en-US" altLang="zh-TW" dirty="0"/>
+                  <a:rPr lang="en-US" altLang="zh-TW" sz="2600" dirty="0">
+                    <a:latin typeface="Times" panose="02020603050405020304" pitchFamily="18" charset="0"/>
+                    <a:cs typeface="Times" panose="02020603050405020304" pitchFamily="18" charset="0"/>
+                  </a:rPr>
                   <a:t>m</a:t>
                 </a:r>
                 <a:r>
-                  <a:rPr lang="zh-TW" altLang="en-US" dirty="0"/>
+                  <a:rPr lang="zh-TW" altLang="en-US" sz="2600" dirty="0">
+                    <a:latin typeface="Times" panose="02020603050405020304" pitchFamily="18" charset="0"/>
+                    <a:cs typeface="Times" panose="02020603050405020304" pitchFamily="18" charset="0"/>
+                  </a:rPr>
                   <a:t> </a:t>
                 </a:r>
                 <a:r>
-                  <a:rPr lang="en-US" altLang="zh-TW" dirty="0"/>
+                  <a:rPr lang="en-US" altLang="zh-TW" sz="2600" dirty="0">
+                    <a:latin typeface="Times" panose="02020603050405020304" pitchFamily="18" charset="0"/>
+                    <a:cs typeface="Times" panose="02020603050405020304" pitchFamily="18" charset="0"/>
+                  </a:rPr>
                   <a:t>and</a:t>
                 </a:r>
                 <a:r>
-                  <a:rPr lang="zh-TW" altLang="en-US" dirty="0"/>
+                  <a:rPr lang="zh-TW" altLang="en-US" sz="2600" dirty="0">
+                    <a:latin typeface="Times" panose="02020603050405020304" pitchFamily="18" charset="0"/>
+                    <a:cs typeface="Times" panose="02020603050405020304" pitchFamily="18" charset="0"/>
+                  </a:rPr>
                   <a:t> </a:t>
                 </a:r>
                 <a:r>
-                  <a:rPr lang="en-US" altLang="zh-TW" dirty="0"/>
+                  <a:rPr lang="en-US" altLang="zh-TW" sz="2600" dirty="0">
+                    <a:latin typeface="Times" panose="02020603050405020304" pitchFamily="18" charset="0"/>
+                    <a:cs typeface="Times" panose="02020603050405020304" pitchFamily="18" charset="0"/>
+                  </a:rPr>
                   <a:t>column</a:t>
                 </a:r>
                 <a:r>
-                  <a:rPr lang="zh-TW" altLang="en-US" dirty="0"/>
+                  <a:rPr lang="zh-TW" altLang="en-US" sz="2600" dirty="0">
+                    <a:latin typeface="Times" panose="02020603050405020304" pitchFamily="18" charset="0"/>
+                    <a:cs typeface="Times" panose="02020603050405020304" pitchFamily="18" charset="0"/>
+                  </a:rPr>
                   <a:t> </a:t>
                 </a:r>
                 <a:r>
-                  <a:rPr lang="en-US" altLang="zh-TW" dirty="0"/>
+                  <a:rPr lang="en-US" altLang="zh-TW" sz="2600" dirty="0">
+                    <a:latin typeface="Times" panose="02020603050405020304" pitchFamily="18" charset="0"/>
+                    <a:cs typeface="Times" panose="02020603050405020304" pitchFamily="18" charset="0"/>
+                  </a:rPr>
                   <a:t>n</a:t>
                 </a:r>
               </a:p>
@@ -7634,7 +8224,10 @@
                   <a:buChar char="Ø"/>
                 </a:pPr>
                 <a:r>
-                  <a:rPr lang="en-US" altLang="zh-TW" sz="2800" dirty="0"/>
+                  <a:rPr lang="en-US" altLang="zh-TW" sz="2600" dirty="0">
+                    <a:latin typeface="Times" panose="02020603050405020304" pitchFamily="18" charset="0"/>
+                    <a:cs typeface="Times" panose="02020603050405020304" pitchFamily="18" charset="0"/>
+                  </a:rPr>
                   <a:t> </a:t>
                 </a:r>
                 <a14:m>
@@ -7643,13 +8236,13 @@
                       <m:rPr>
                         <m:sty m:val="p"/>
                       </m:rPr>
-                      <a:rPr lang="en-US" altLang="zh-TW" sz="2800" i="1" smtClean="0">
+                      <a:rPr lang="en-US" altLang="zh-TW" sz="2600" i="1" smtClean="0">
                         <a:latin typeface="Cambria Math" panose="02040503050406030204" pitchFamily="18" charset="0"/>
                       </a:rPr>
                       <m:t>ψ</m:t>
                     </m:r>
                     <m:r>
-                      <a:rPr lang="en-US" altLang="zh-TW" sz="2800" i="1" smtClean="0">
+                      <a:rPr lang="en-US" altLang="zh-TW" sz="2600" i="1" smtClean="0">
                         <a:latin typeface="Cambria Math" panose="02040503050406030204" pitchFamily="18" charset="0"/>
                       </a:rPr>
                       <m:t>(</m:t>
@@ -7658,13 +8251,13 @@
                       <m:rPr>
                         <m:sty m:val="p"/>
                       </m:rPr>
-                      <a:rPr lang="en-US" altLang="zh-TW" sz="2800" i="1">
+                      <a:rPr lang="en-US" altLang="zh-TW" sz="2600" i="1">
                         <a:latin typeface="Cambria Math" panose="02040503050406030204" pitchFamily="18" charset="0"/>
                       </a:rPr>
                       <m:t>m</m:t>
                     </m:r>
                     <m:r>
-                      <a:rPr lang="en-US" altLang="zh-TW" sz="2800" i="1" smtClean="0">
+                      <a:rPr lang="en-US" altLang="zh-TW" sz="2600" i="1" smtClean="0">
                         <a:latin typeface="Cambria Math" panose="02040503050406030204" pitchFamily="18" charset="0"/>
                       </a:rPr>
                       <m:t>,</m:t>
@@ -7673,7 +8266,7 @@
                       <m:rPr>
                         <m:sty m:val="p"/>
                       </m:rPr>
-                      <a:rPr lang="en-US" altLang="zh-TW" sz="2800" i="1">
+                      <a:rPr lang="en-US" altLang="zh-TW" sz="2600" i="1">
                         <a:latin typeface="Cambria Math" panose="02040503050406030204" pitchFamily="18" charset="0"/>
                       </a:rPr>
                       <m:t>n</m:t>
@@ -7681,51 +8274,87 @@
                   </m:oMath>
                 </a14:m>
                 <a:r>
-                  <a:rPr lang="en-US" altLang="zh-TW" dirty="0"/>
+                  <a:rPr lang="en-US" altLang="zh-TW" sz="2600" dirty="0">
+                    <a:latin typeface="Times" panose="02020603050405020304" pitchFamily="18" charset="0"/>
+                    <a:cs typeface="Times" panose="02020603050405020304" pitchFamily="18" charset="0"/>
+                  </a:rPr>
                   <a:t>)</a:t>
                 </a:r>
                 <a:r>
-                  <a:rPr lang="zh-TW" altLang="en-US" dirty="0"/>
+                  <a:rPr lang="zh-TW" altLang="en-US" sz="2600" dirty="0">
+                    <a:latin typeface="Times" panose="02020603050405020304" pitchFamily="18" charset="0"/>
+                    <a:cs typeface="Times" panose="02020603050405020304" pitchFamily="18" charset="0"/>
+                  </a:rPr>
                   <a:t> </a:t>
                 </a:r>
                 <a:r>
-                  <a:rPr lang="en-US" altLang="zh-TW" dirty="0"/>
+                  <a:rPr lang="en-US" altLang="zh-TW" sz="2600" dirty="0">
+                    <a:latin typeface="Times" panose="02020603050405020304" pitchFamily="18" charset="0"/>
+                    <a:cs typeface="Times" panose="02020603050405020304" pitchFamily="18" charset="0"/>
+                  </a:rPr>
                   <a:t>:</a:t>
                 </a:r>
                 <a:r>
-                  <a:rPr lang="zh-TW" altLang="en-US" dirty="0"/>
+                  <a:rPr lang="zh-TW" altLang="en-US" sz="2600" dirty="0">
+                    <a:latin typeface="Times" panose="02020603050405020304" pitchFamily="18" charset="0"/>
+                    <a:cs typeface="Times" panose="02020603050405020304" pitchFamily="18" charset="0"/>
+                  </a:rPr>
                   <a:t> </a:t>
                 </a:r>
                 <a:r>
-                  <a:rPr lang="en-US" altLang="zh-TW" dirty="0"/>
+                  <a:rPr lang="en-US" altLang="zh-TW" sz="2600" dirty="0">
+                    <a:latin typeface="Times" panose="02020603050405020304" pitchFamily="18" charset="0"/>
+                    <a:cs typeface="Times" panose="02020603050405020304" pitchFamily="18" charset="0"/>
+                  </a:rPr>
                   <a:t>the</a:t>
                 </a:r>
                 <a:r>
-                  <a:rPr lang="zh-TW" altLang="en-US" dirty="0"/>
+                  <a:rPr lang="zh-TW" altLang="en-US" sz="2600" dirty="0">
+                    <a:latin typeface="Times" panose="02020603050405020304" pitchFamily="18" charset="0"/>
+                    <a:cs typeface="Times" panose="02020603050405020304" pitchFamily="18" charset="0"/>
+                  </a:rPr>
                   <a:t> </a:t>
                 </a:r>
                 <a:r>
-                  <a:rPr lang="en-US" altLang="zh-TW" dirty="0"/>
+                  <a:rPr lang="en-US" altLang="zh-TW" sz="2600" dirty="0">
+                    <a:latin typeface="Times" panose="02020603050405020304" pitchFamily="18" charset="0"/>
+                    <a:cs typeface="Times" panose="02020603050405020304" pitchFamily="18" charset="0"/>
+                  </a:rPr>
                   <a:t>electric</a:t>
                 </a:r>
                 <a:r>
-                  <a:rPr lang="zh-TW" altLang="en-US" dirty="0"/>
+                  <a:rPr lang="zh-TW" altLang="en-US" sz="2600" dirty="0">
+                    <a:latin typeface="Times" panose="02020603050405020304" pitchFamily="18" charset="0"/>
+                    <a:cs typeface="Times" panose="02020603050405020304" pitchFamily="18" charset="0"/>
+                  </a:rPr>
                   <a:t> </a:t>
                 </a:r>
                 <a:r>
-                  <a:rPr lang="en-US" altLang="zh-TW" dirty="0"/>
+                  <a:rPr lang="en-US" altLang="zh-TW" sz="2600" dirty="0">
+                    <a:latin typeface="Times" panose="02020603050405020304" pitchFamily="18" charset="0"/>
+                    <a:cs typeface="Times" panose="02020603050405020304" pitchFamily="18" charset="0"/>
+                  </a:rPr>
                   <a:t>potential</a:t>
                 </a:r>
                 <a:r>
-                  <a:rPr lang="zh-TW" altLang="en-US" dirty="0"/>
+                  <a:rPr lang="zh-TW" altLang="en-US" sz="2600" dirty="0">
+                    <a:latin typeface="Times" panose="02020603050405020304" pitchFamily="18" charset="0"/>
+                    <a:cs typeface="Times" panose="02020603050405020304" pitchFamily="18" charset="0"/>
+                  </a:rPr>
                   <a:t> </a:t>
                 </a:r>
                 <a:r>
-                  <a:rPr lang="en-US" altLang="zh-TW" dirty="0"/>
+                  <a:rPr lang="en-US" altLang="zh-TW" sz="2600" dirty="0">
+                    <a:latin typeface="Times" panose="02020603050405020304" pitchFamily="18" charset="0"/>
+                    <a:cs typeface="Times" panose="02020603050405020304" pitchFamily="18" charset="0"/>
+                  </a:rPr>
                   <a:t>of</a:t>
                 </a:r>
                 <a:r>
-                  <a:rPr lang="zh-TW" altLang="en-US" dirty="0"/>
+                  <a:rPr lang="zh-TW" altLang="en-US" sz="2600" dirty="0">
+                    <a:latin typeface="Times" panose="02020603050405020304" pitchFamily="18" charset="0"/>
+                    <a:cs typeface="Times" panose="02020603050405020304" pitchFamily="18" charset="0"/>
+                  </a:rPr>
                   <a:t> </a:t>
                 </a:r>
                 <a14:m>
@@ -7733,7 +8362,7 @@
                     <m:sSub>
                       <m:sSubPr>
                         <m:ctrlPr>
-                          <a:rPr lang="en-US" altLang="zh-TW" i="1">
+                          <a:rPr lang="en-US" altLang="zh-TW" sz="2600" i="1">
                             <a:latin typeface="Cambria Math" panose="02040503050406030204" pitchFamily="18" charset="0"/>
                             <a:ea typeface="Cambria Math" panose="02040503050406030204" pitchFamily="18" charset="0"/>
                           </a:rPr>
@@ -7744,7 +8373,7 @@
                           <m:rPr>
                             <m:sty m:val="p"/>
                           </m:rPr>
-                          <a:rPr lang="en-US" altLang="zh-TW" i="1">
+                          <a:rPr lang="en-US" altLang="zh-TW" sz="2600" i="1">
                             <a:latin typeface="Cambria Math" panose="02040503050406030204" pitchFamily="18" charset="0"/>
                             <a:ea typeface="Cambria Math" panose="02040503050406030204" pitchFamily="18" charset="0"/>
                           </a:rPr>
@@ -7756,14 +8385,14 @@
                           <m:rPr>
                             <m:sty m:val="p"/>
                           </m:rPr>
-                          <a:rPr lang="en-US" altLang="zh-TW" i="1">
+                          <a:rPr lang="en-US" altLang="zh-TW" sz="2600" i="1">
                             <a:latin typeface="Cambria Math" panose="02040503050406030204" pitchFamily="18" charset="0"/>
                             <a:ea typeface="Cambria Math" panose="02040503050406030204" pitchFamily="18" charset="0"/>
                           </a:rPr>
                           <m:t>m</m:t>
                         </m:r>
                         <m:r>
-                          <a:rPr lang="en-US" altLang="zh-TW" i="1">
+                          <a:rPr lang="en-US" altLang="zh-TW" sz="2600" i="1">
                             <a:latin typeface="Cambria Math" panose="02040503050406030204" pitchFamily="18" charset="0"/>
                             <a:ea typeface="Cambria Math" panose="02040503050406030204" pitchFamily="18" charset="0"/>
                           </a:rPr>
@@ -7773,7 +8402,7 @@
                           <m:rPr>
                             <m:sty m:val="p"/>
                           </m:rPr>
-                          <a:rPr lang="en-US" altLang="zh-TW" i="1">
+                          <a:rPr lang="en-US" altLang="zh-TW" sz="2600" i="1">
                             <a:latin typeface="Cambria Math" panose="02040503050406030204" pitchFamily="18" charset="0"/>
                             <a:ea typeface="Cambria Math" panose="02040503050406030204" pitchFamily="18" charset="0"/>
                           </a:rPr>
@@ -7783,7 +8412,10 @@
                     </m:sSub>
                   </m:oMath>
                 </a14:m>
-                <a:endParaRPr lang="en-US" altLang="zh-TW" dirty="0"/>
+                <a:endParaRPr lang="en-US" altLang="zh-TW" dirty="0">
+                  <a:latin typeface="Times" panose="02020603050405020304" pitchFamily="18" charset="0"/>
+                  <a:cs typeface="Times" panose="02020603050405020304" pitchFamily="18" charset="0"/>
+                </a:endParaRPr>
               </a:p>
               <a:p>
                 <a:pPr>
@@ -7791,12 +8423,15 @@
                     <a:spcPct val="130000"/>
                   </a:lnSpc>
                 </a:pPr>
-                <a:endParaRPr lang="zh-TW" altLang="en-US" dirty="0"/>
+                <a:endParaRPr lang="zh-TW" altLang="en-US" dirty="0">
+                  <a:latin typeface="Times" panose="02020603050405020304" pitchFamily="18" charset="0"/>
+                  <a:cs typeface="Times" panose="02020603050405020304" pitchFamily="18" charset="0"/>
+                </a:endParaRPr>
               </a:p>
             </p:txBody>
           </p:sp>
         </mc:Choice>
-        <mc:Fallback xmlns="">
+        <mc:Fallback>
           <p:sp>
             <p:nvSpPr>
               <p:cNvPr id="3" name="內容版面配置區 2">
@@ -7816,12 +8451,12 @@
             <p:spPr>
               <a:xfrm>
                 <a:off x="838200" y="1690688"/>
-                <a:ext cx="10515600" cy="4351338"/>
+                <a:ext cx="10515600" cy="5167312"/>
               </a:xfrm>
               <a:blipFill>
                 <a:blip r:embed="rId2"/>
                 <a:stretch>
-                  <a:fillRect l="-928" t="-700"/>
+                  <a:fillRect l="-928"/>
                 </a:stretch>
               </a:blipFill>
             </p:spPr>
@@ -7934,8 +8569,8 @@
           </a:p>
         </p:txBody>
       </p:sp>
-      <mc:AlternateContent xmlns:mc="http://schemas.openxmlformats.org/markup-compatibility/2006" xmlns:a14="http://schemas.microsoft.com/office/drawing/2010/main">
-        <mc:Choice Requires="a14">
+      <mc:AlternateContent xmlns:mc="http://schemas.openxmlformats.org/markup-compatibility/2006">
+        <mc:Choice xmlns:a14="http://schemas.microsoft.com/office/drawing/2010/main" Requires="a14">
           <p:sp>
             <p:nvSpPr>
               <p:cNvPr id="3" name="內容版面配置區 2">
@@ -7992,42 +8627,42 @@
                   </a:lnSpc>
                 </a:pPr>
                 <a:r>
-                  <a:rPr lang="en-US" altLang="zh-TW" dirty="0">
+                  <a:rPr lang="en-US" altLang="zh-TW" sz="2400" dirty="0">
                     <a:latin typeface="Times" panose="02020603050405020304" pitchFamily="18" charset="0"/>
                     <a:cs typeface="Times" panose="02020603050405020304" pitchFamily="18" charset="0"/>
                   </a:rPr>
                   <a:t>Use the </a:t>
                 </a:r>
                 <a:r>
-                  <a:rPr lang="en-US" altLang="zh-TW" b="1" dirty="0" err="1">
+                  <a:rPr lang="en-US" altLang="zh-TW" sz="2400" b="1" dirty="0" err="1">
                     <a:latin typeface="Times" panose="02020603050405020304" pitchFamily="18" charset="0"/>
                     <a:cs typeface="Times" panose="02020603050405020304" pitchFamily="18" charset="0"/>
                   </a:rPr>
                   <a:t>Gcell</a:t>
                 </a:r>
                 <a:r>
-                  <a:rPr lang="en-US" altLang="zh-TW" b="1" dirty="0">
+                  <a:rPr lang="en-US" altLang="zh-TW" sz="2400" b="1" dirty="0">
                     <a:latin typeface="Times" panose="02020603050405020304" pitchFamily="18" charset="0"/>
                     <a:cs typeface="Times" panose="02020603050405020304" pitchFamily="18" charset="0"/>
                   </a:rPr>
                   <a:t>-based routing resource model</a:t>
                 </a:r>
                 <a:r>
-                  <a:rPr lang="en-US" altLang="zh-TW" dirty="0">
+                  <a:rPr lang="en-US" altLang="zh-TW" sz="2400" dirty="0">
                     <a:latin typeface="Times" panose="02020603050405020304" pitchFamily="18" charset="0"/>
                     <a:cs typeface="Times" panose="02020603050405020304" pitchFamily="18" charset="0"/>
                   </a:rPr>
                   <a:t>, which evaluates the routing capacity and demand with respect to the </a:t>
                 </a:r>
                 <a:r>
-                  <a:rPr lang="en-US" altLang="zh-TW" dirty="0" err="1">
+                  <a:rPr lang="en-US" altLang="zh-TW" sz="2400" dirty="0" err="1">
                     <a:latin typeface="Times" panose="02020603050405020304" pitchFamily="18" charset="0"/>
                     <a:cs typeface="Times" panose="02020603050405020304" pitchFamily="18" charset="0"/>
                   </a:rPr>
                   <a:t>Gcell</a:t>
                 </a:r>
                 <a:r>
-                  <a:rPr lang="en-US" altLang="zh-TW" dirty="0">
+                  <a:rPr lang="en-US" altLang="zh-TW" sz="2400" dirty="0">
                     <a:latin typeface="Times" panose="02020603050405020304" pitchFamily="18" charset="0"/>
                     <a:cs typeface="Times" panose="02020603050405020304" pitchFamily="18" charset="0"/>
                   </a:rPr>
@@ -8188,7 +8823,7 @@
               </a:p>
               <a:p>
                 <a:endParaRPr lang="en-US" altLang="zh-TW" sz="2400" b="0" i="1" dirty="0">
-                  <a:latin typeface="Cambria Math" panose="02040503050406030204" pitchFamily="18" charset="0"/>
+                  <a:latin typeface="Times" panose="02020603050405020304" pitchFamily="18" charset="0"/>
                   <a:cs typeface="Times" panose="02020603050405020304" pitchFamily="18" charset="0"/>
                 </a:endParaRPr>
               </a:p>
@@ -8340,7 +8975,7 @@
             </p:txBody>
           </p:sp>
         </mc:Choice>
-        <mc:Fallback xmlns="">
+        <mc:Fallback>
           <p:sp>
             <p:nvSpPr>
               <p:cNvPr id="3" name="內容版面配置區 2">
@@ -8465,10 +9100,16 @@
           <a:lstStyle/>
           <a:p>
             <a:r>
-              <a:rPr lang="en-US" altLang="zh-TW" dirty="0"/>
+              <a:rPr lang="en-US" altLang="zh-TW" dirty="0">
+                <a:latin typeface="Times" panose="02020603050405020304" pitchFamily="18" charset="0"/>
+                <a:cs typeface="Times" panose="02020603050405020304" pitchFamily="18" charset="0"/>
+              </a:rPr>
               <a:t>Proposed Algorithm</a:t>
             </a:r>
-            <a:endParaRPr lang="zh-TW" altLang="en-US" dirty="0"/>
+            <a:endParaRPr lang="zh-TW" altLang="en-US" dirty="0">
+              <a:latin typeface="Times" panose="02020603050405020304" pitchFamily="18" charset="0"/>
+              <a:cs typeface="Times" panose="02020603050405020304" pitchFamily="18" charset="0"/>
+            </a:endParaRPr>
           </a:p>
         </p:txBody>
       </p:sp>
@@ -8576,16 +9217,25 @@
             <p:ph type="title"/>
           </p:nvPr>
         </p:nvSpPr>
-        <p:spPr/>
+        <p:spPr>
+          <a:xfrm>
+            <a:off x="434738" y="320675"/>
+            <a:ext cx="11757262" cy="1325563"/>
+          </a:xfrm>
+        </p:spPr>
         <p:txBody>
-          <a:bodyPr/>
+          <a:bodyPr>
+            <a:normAutofit/>
+          </a:bodyPr>
           <a:lstStyle/>
           <a:p>
             <a:r>
-              <a:rPr lang="en-US" altLang="zh-TW" dirty="0"/>
-              <a:t>Proposed Algorithm</a:t>
-            </a:r>
-            <a:endParaRPr lang="zh-TW" altLang="en-US" dirty="0"/>
+              <a:rPr lang="en-US" altLang="zh-TW" sz="4000" dirty="0">
+                <a:latin typeface="Times" panose="02020603050405020304" pitchFamily="18" charset="0"/>
+                <a:cs typeface="Times" panose="02020603050405020304" pitchFamily="18" charset="0"/>
+              </a:rPr>
+              <a:t>Routing-detour-imitation-based Congestion Estimation</a:t>
+            </a:r>
           </a:p>
         </p:txBody>
       </p:sp>
@@ -8605,29 +9255,120 @@
             <p:ph idx="1"/>
           </p:nvPr>
         </p:nvSpPr>
-        <p:spPr/>
+        <p:spPr>
+          <a:xfrm>
+            <a:off x="839645" y="1846584"/>
+            <a:ext cx="10512709" cy="3164829"/>
+          </a:xfrm>
+        </p:spPr>
         <p:txBody>
           <a:bodyPr>
             <a:normAutofit/>
           </a:bodyPr>
           <a:lstStyle/>
           <a:p>
-            <a:pPr marL="0" indent="0">
-              <a:buNone/>
+            <a:pPr marL="514350" indent="-514350">
+              <a:buFont typeface="+mj-lt"/>
+              <a:buAutoNum type="arabicPeriod"/>
             </a:pPr>
             <a:r>
-              <a:rPr lang="en-US" altLang="zh-TW" sz="3200" dirty="0"/>
-              <a:t>A.</a:t>
-            </a:r>
-            <a:r>
-              <a:rPr lang="zh-TW" altLang="en-US" sz="3200" dirty="0"/>
-              <a:t> </a:t>
-            </a:r>
-            <a:r>
-              <a:rPr lang="en-US" altLang="zh-TW" sz="3200" dirty="0"/>
-              <a:t>Routing-detour-imitation-based Congestion Estimation</a:t>
-            </a:r>
-            <a:endParaRPr lang="zh-TW" altLang="en-US" sz="3200" dirty="0"/>
+              <a:rPr lang="en-US" altLang="zh-TW" sz="3200" dirty="0">
+                <a:latin typeface="Times" panose="02020603050405020304" pitchFamily="18" charset="0"/>
+                <a:cs typeface="Times" panose="02020603050405020304" pitchFamily="18" charset="0"/>
+              </a:rPr>
+              <a:t>Blockage-aware Routing Capacity Assessment</a:t>
+            </a:r>
+          </a:p>
+          <a:p>
+            <a:pPr marL="514350" indent="-514350">
+              <a:buFont typeface="+mj-lt"/>
+              <a:buAutoNum type="arabicPeriod"/>
+            </a:pPr>
+            <a:endParaRPr lang="en-US" altLang="zh-TW" sz="1400" dirty="0">
+              <a:latin typeface="Times" panose="02020603050405020304" pitchFamily="18" charset="0"/>
+              <a:cs typeface="Times" panose="02020603050405020304" pitchFamily="18" charset="0"/>
+            </a:endParaRPr>
+          </a:p>
+          <a:p>
+            <a:r>
+              <a:rPr lang="en-US" altLang="zh-TW" sz="2400" dirty="0">
+                <a:latin typeface="Times" panose="02020603050405020304" pitchFamily="18" charset="0"/>
+                <a:cs typeface="Times" panose="02020603050405020304" pitchFamily="18" charset="0"/>
+              </a:rPr>
+              <a:t>To get the capacity map.</a:t>
+            </a:r>
+          </a:p>
+          <a:p>
+            <a:r>
+              <a:rPr lang="en-US" altLang="zh-TW" sz="2400" dirty="0">
+                <a:latin typeface="Times" panose="02020603050405020304" pitchFamily="18" charset="0"/>
+                <a:cs typeface="Times" panose="02020603050405020304" pitchFamily="18" charset="0"/>
+              </a:rPr>
+              <a:t>Routing capacity includes 1. </a:t>
+            </a:r>
+            <a:r>
+              <a:rPr lang="en-US" altLang="zh-TW" sz="2400" b="1" dirty="0">
+                <a:latin typeface="Times" panose="02020603050405020304" pitchFamily="18" charset="0"/>
+                <a:cs typeface="Times" panose="02020603050405020304" pitchFamily="18" charset="0"/>
+              </a:rPr>
+              <a:t>basic capacity </a:t>
+            </a:r>
+            <a:r>
+              <a:rPr lang="en-US" altLang="zh-TW" sz="2400" dirty="0">
+                <a:latin typeface="Times" panose="02020603050405020304" pitchFamily="18" charset="0"/>
+                <a:cs typeface="Times" panose="02020603050405020304" pitchFamily="18" charset="0"/>
+              </a:rPr>
+              <a:t>and 2. </a:t>
+            </a:r>
+            <a:r>
+              <a:rPr lang="en-US" altLang="zh-TW" sz="2400" b="1" dirty="0">
+                <a:latin typeface="Times" panose="02020603050405020304" pitchFamily="18" charset="0"/>
+                <a:cs typeface="Times" panose="02020603050405020304" pitchFamily="18" charset="0"/>
+              </a:rPr>
+              <a:t>blocked capacity.</a:t>
+            </a:r>
+          </a:p>
+          <a:p>
+            <a:endParaRPr lang="en-US" altLang="zh-TW" sz="1000" b="1" dirty="0">
+              <a:latin typeface="Times" panose="02020603050405020304" pitchFamily="18" charset="0"/>
+              <a:cs typeface="Times" panose="02020603050405020304" pitchFamily="18" charset="0"/>
+            </a:endParaRPr>
+          </a:p>
+          <a:p>
+            <a:r>
+              <a:rPr lang="en-US" altLang="zh-TW" sz="2400" b="1" dirty="0">
+                <a:latin typeface="Times" panose="02020603050405020304" pitchFamily="18" charset="0"/>
+                <a:cs typeface="Times" panose="02020603050405020304" pitchFamily="18" charset="0"/>
+              </a:rPr>
+              <a:t>Basic capacity</a:t>
+            </a:r>
+            <a:r>
+              <a:rPr lang="en-US" altLang="zh-TW" sz="2400" dirty="0">
+                <a:latin typeface="Times" panose="02020603050405020304" pitchFamily="18" charset="0"/>
+                <a:cs typeface="Times" panose="02020603050405020304" pitchFamily="18" charset="0"/>
+              </a:rPr>
+              <a:t>: obtain from tech information (wire width and space).</a:t>
+            </a:r>
+          </a:p>
+          <a:p>
+            <a:r>
+              <a:rPr lang="en-US" altLang="zh-TW" sz="2400" b="1" dirty="0">
+                <a:latin typeface="Times" panose="02020603050405020304" pitchFamily="18" charset="0"/>
+                <a:cs typeface="Times" panose="02020603050405020304" pitchFamily="18" charset="0"/>
+              </a:rPr>
+              <a:t>Blocked capacity</a:t>
+            </a:r>
+            <a:r>
+              <a:rPr lang="en-US" altLang="zh-TW" sz="2400" dirty="0">
+                <a:latin typeface="Times" panose="02020603050405020304" pitchFamily="18" charset="0"/>
+                <a:cs typeface="Times" panose="02020603050405020304" pitchFamily="18" charset="0"/>
+              </a:rPr>
+              <a:t>: includes pin obstructions, power ground, macros…</a:t>
+            </a:r>
+            <a:endParaRPr lang="en-US" altLang="zh-TW" dirty="0">
+              <a:latin typeface="Times" panose="02020603050405020304" pitchFamily="18" charset="0"/>
+              <a:cs typeface="Times" panose="02020603050405020304" pitchFamily="18" charset="0"/>
+            </a:endParaRPr>
           </a:p>
         </p:txBody>
       </p:sp>
@@ -8660,6 +9401,564 @@
           </a:p>
         </p:txBody>
       </p:sp>
+      <mc:AlternateContent xmlns:mc="http://schemas.openxmlformats.org/markup-compatibility/2006">
+        <mc:Choice xmlns:a14="http://schemas.microsoft.com/office/drawing/2010/main" Requires="a14">
+          <p:sp>
+            <p:nvSpPr>
+              <p:cNvPr id="5" name="文字方塊 4">
+                <a:extLst>
+                  <a:ext uri="{FF2B5EF4-FFF2-40B4-BE49-F238E27FC236}">
+                    <a16:creationId xmlns:a16="http://schemas.microsoft.com/office/drawing/2014/main" id="{51A918D1-E60D-1CD3-2420-C1F021D85C05}"/>
+                  </a:ext>
+                </a:extLst>
+              </p:cNvPr>
+              <p:cNvSpPr txBox="1"/>
+              <p:nvPr/>
+            </p:nvSpPr>
+            <p:spPr>
+              <a:xfrm>
+                <a:off x="-1" y="5443988"/>
+                <a:ext cx="12670971" cy="752707"/>
+              </a:xfrm>
+              <a:prstGeom prst="rect">
+                <a:avLst/>
+              </a:prstGeom>
+              <a:noFill/>
+            </p:spPr>
+            <p:txBody>
+              <a:bodyPr wrap="square" rtlCol="0">
+                <a:spAutoFit/>
+              </a:bodyPr>
+              <a:lstStyle/>
+              <a:p>
+                <a14:m>
+                  <m:oMath xmlns:m="http://schemas.openxmlformats.org/officeDocument/2006/math">
+                    <m:sSub>
+                      <m:sSubPr>
+                        <m:ctrlPr>
+                          <a:rPr lang="en-US" altLang="zh-TW" sz="2600" b="0" i="1" smtClean="0">
+                            <a:latin typeface="Cambria Math" panose="02040503050406030204" pitchFamily="18" charset="0"/>
+                          </a:rPr>
+                        </m:ctrlPr>
+                      </m:sSubPr>
+                      <m:e>
+                        <m:r>
+                          <a:rPr lang="en-US" altLang="zh-TW" sz="2600" b="0" i="1" smtClean="0">
+                            <a:latin typeface="Cambria Math" panose="02040503050406030204" pitchFamily="18" charset="0"/>
+                          </a:rPr>
+                          <m:t>𝐶𝑎𝑝</m:t>
+                        </m:r>
+                      </m:e>
+                      <m:sub>
+                        <m:r>
+                          <a:rPr lang="en-US" altLang="zh-TW" sz="2600" b="0" i="1" smtClean="0">
+                            <a:latin typeface="Cambria Math" panose="02040503050406030204" pitchFamily="18" charset="0"/>
+                          </a:rPr>
+                          <m:t>𝐻</m:t>
+                        </m:r>
+                        <m:r>
+                          <a:rPr lang="en-US" altLang="zh-TW" sz="2600" b="0" i="1" smtClean="0">
+                            <a:latin typeface="Cambria Math" panose="02040503050406030204" pitchFamily="18" charset="0"/>
+                          </a:rPr>
+                          <m:t>/</m:t>
+                        </m:r>
+                        <m:r>
+                          <a:rPr lang="en-US" altLang="zh-TW" sz="2600" b="0" i="1" smtClean="0">
+                            <a:latin typeface="Cambria Math" panose="02040503050406030204" pitchFamily="18" charset="0"/>
+                          </a:rPr>
+                          <m:t>𝑉</m:t>
+                        </m:r>
+                      </m:sub>
+                    </m:sSub>
+                    <m:r>
+                      <a:rPr lang="en-US" altLang="zh-TW" sz="2600" b="0" i="1" smtClean="0">
+                        <a:latin typeface="Cambria Math" panose="02040503050406030204" pitchFamily="18" charset="0"/>
+                      </a:rPr>
+                      <m:t>(</m:t>
+                    </m:r>
+                    <m:r>
+                      <a:rPr lang="en-US" altLang="zh-TW" sz="2600" b="0" i="1" smtClean="0">
+                        <a:latin typeface="Cambria Math" panose="02040503050406030204" pitchFamily="18" charset="0"/>
+                      </a:rPr>
+                      <m:t>𝑔</m:t>
+                    </m:r>
+                    <m:r>
+                      <a:rPr lang="en-US" altLang="zh-TW" sz="2600" b="0" i="1" smtClean="0">
+                        <a:latin typeface="Cambria Math" panose="02040503050406030204" pitchFamily="18" charset="0"/>
+                      </a:rPr>
+                      <m:t>)</m:t>
+                    </m:r>
+                  </m:oMath>
+                </a14:m>
+                <a:r>
+                  <a:rPr lang="zh-TW" altLang="en-US" sz="2600" dirty="0">
+                    <a:latin typeface="Times" panose="02020603050405020304" pitchFamily="18" charset="0"/>
+                    <a:cs typeface="Times" panose="02020603050405020304" pitchFamily="18" charset="0"/>
+                  </a:rPr>
+                  <a:t> </a:t>
+                </a:r>
+                <a:r>
+                  <a:rPr lang="en-US" altLang="zh-TW" sz="2600" dirty="0">
+                    <a:latin typeface="Times" panose="02020603050405020304" pitchFamily="18" charset="0"/>
+                    <a:cs typeface="Times" panose="02020603050405020304" pitchFamily="18" charset="0"/>
+                  </a:rPr>
+                  <a:t>= </a:t>
+                </a:r>
+                <a14:m>
+                  <m:oMath xmlns:m="http://schemas.openxmlformats.org/officeDocument/2006/math">
+                    <m:nary>
+                      <m:naryPr>
+                        <m:chr m:val="∑"/>
+                        <m:ctrlPr>
+                          <a:rPr lang="en-US" altLang="zh-TW" sz="2600" i="1" smtClean="0">
+                            <a:latin typeface="Cambria Math" panose="02040503050406030204" pitchFamily="18" charset="0"/>
+                          </a:rPr>
+                        </m:ctrlPr>
+                      </m:naryPr>
+                      <m:sub>
+                        <m:r>
+                          <m:rPr>
+                            <m:brk m:alnAt="23"/>
+                          </m:rPr>
+                          <a:rPr lang="en-US" altLang="zh-TW" sz="2600" b="0" i="1" smtClean="0">
+                            <a:latin typeface="Cambria Math" panose="02040503050406030204" pitchFamily="18" charset="0"/>
+                          </a:rPr>
+                          <m:t>𝑙</m:t>
+                        </m:r>
+                        <m:r>
+                          <a:rPr lang="en-US" altLang="zh-TW" sz="2600" b="0" i="1" smtClean="0">
+                            <a:latin typeface="Cambria Math" panose="02040503050406030204" pitchFamily="18" charset="0"/>
+                          </a:rPr>
+                          <m:t>.</m:t>
+                        </m:r>
+                        <m:r>
+                          <a:rPr lang="en-US" altLang="zh-TW" sz="2600" b="0" i="1" smtClean="0">
+                            <a:latin typeface="Cambria Math" panose="02040503050406030204" pitchFamily="18" charset="0"/>
+                          </a:rPr>
+                          <m:t>𝑝𝑑</m:t>
+                        </m:r>
+                        <m:r>
+                          <a:rPr lang="en-US" altLang="zh-TW" sz="2600" b="0" i="1" smtClean="0">
+                            <a:latin typeface="Cambria Math" panose="02040503050406030204" pitchFamily="18" charset="0"/>
+                          </a:rPr>
+                          <m:t>=</m:t>
+                        </m:r>
+                        <m:r>
+                          <a:rPr lang="en-US" altLang="zh-TW" sz="2600" b="0" i="1" smtClean="0">
+                            <a:latin typeface="Cambria Math" panose="02040503050406030204" pitchFamily="18" charset="0"/>
+                          </a:rPr>
+                          <m:t>𝐻</m:t>
+                        </m:r>
+                        <m:r>
+                          <a:rPr lang="en-US" altLang="zh-TW" sz="2600" b="0" i="1" smtClean="0">
+                            <a:latin typeface="Cambria Math" panose="02040503050406030204" pitchFamily="18" charset="0"/>
+                          </a:rPr>
+                          <m:t>/</m:t>
+                        </m:r>
+                        <m:r>
+                          <a:rPr lang="en-US" altLang="zh-TW" sz="2600" b="0" i="1" smtClean="0">
+                            <a:latin typeface="Cambria Math" panose="02040503050406030204" pitchFamily="18" charset="0"/>
+                          </a:rPr>
+                          <m:t>𝑉</m:t>
+                        </m:r>
+                      </m:sub>
+                      <m:sup>
+                        <m:r>
+                          <a:rPr lang="en-US" altLang="zh-TW" sz="2600" b="0" i="1" smtClean="0">
+                            <a:latin typeface="Cambria Math" panose="02040503050406030204" pitchFamily="18" charset="0"/>
+                          </a:rPr>
+                          <m:t>𝑙</m:t>
+                        </m:r>
+                        <m:r>
+                          <a:rPr lang="en-US" altLang="zh-TW" sz="2600" b="0" i="1" smtClean="0">
+                            <a:latin typeface="Cambria Math" panose="02040503050406030204" pitchFamily="18" charset="0"/>
+                            <a:ea typeface="Cambria Math" panose="02040503050406030204" pitchFamily="18" charset="0"/>
+                          </a:rPr>
+                          <m:t>∈</m:t>
+                        </m:r>
+                        <m:r>
+                          <a:rPr lang="en-US" altLang="zh-TW" sz="2600" b="0" i="1" smtClean="0">
+                            <a:latin typeface="Cambria Math" panose="02040503050406030204" pitchFamily="18" charset="0"/>
+                            <a:ea typeface="Cambria Math" panose="02040503050406030204" pitchFamily="18" charset="0"/>
+                          </a:rPr>
+                          <m:t>𝐿</m:t>
+                        </m:r>
+                      </m:sup>
+                      <m:e>
+                        <m:f>
+                          <m:fPr>
+                            <m:ctrlPr>
+                              <a:rPr lang="en-US" altLang="zh-TW" sz="2600" i="1" smtClean="0">
+                                <a:latin typeface="Cambria Math" panose="02040503050406030204" pitchFamily="18" charset="0"/>
+                              </a:rPr>
+                            </m:ctrlPr>
+                          </m:fPr>
+                          <m:num>
+                            <m:sSub>
+                              <m:sSubPr>
+                                <m:ctrlPr>
+                                  <a:rPr lang="en-US" altLang="zh-TW" sz="2600" i="1" smtClean="0">
+                                    <a:latin typeface="Cambria Math" panose="02040503050406030204" pitchFamily="18" charset="0"/>
+                                  </a:rPr>
+                                </m:ctrlPr>
+                              </m:sSubPr>
+                              <m:e>
+                                <m:r>
+                                  <a:rPr lang="en-US" altLang="zh-TW" sz="2600" b="0" i="1" smtClean="0">
+                                    <a:latin typeface="Cambria Math" panose="02040503050406030204" pitchFamily="18" charset="0"/>
+                                  </a:rPr>
+                                  <m:t>𝐺𝑐𝑒𝑙𝑙𝐿𝑒𝑛𝑔𝑡h</m:t>
+                                </m:r>
+                              </m:e>
+                              <m:sub>
+                                <m:r>
+                                  <a:rPr lang="en-US" altLang="zh-TW" sz="2600" b="0" i="1" smtClean="0">
+                                    <a:latin typeface="Cambria Math" panose="02040503050406030204" pitchFamily="18" charset="0"/>
+                                  </a:rPr>
+                                  <m:t>𝐻</m:t>
+                                </m:r>
+                                <m:r>
+                                  <a:rPr lang="en-US" altLang="zh-TW" sz="2600" b="0" i="1" smtClean="0">
+                                    <a:latin typeface="Cambria Math" panose="02040503050406030204" pitchFamily="18" charset="0"/>
+                                  </a:rPr>
+                                  <m:t>/</m:t>
+                                </m:r>
+                                <m:r>
+                                  <a:rPr lang="en-US" altLang="zh-TW" sz="2600" b="0" i="1" smtClean="0">
+                                    <a:latin typeface="Cambria Math" panose="02040503050406030204" pitchFamily="18" charset="0"/>
+                                  </a:rPr>
+                                  <m:t>𝑉</m:t>
+                                </m:r>
+                              </m:sub>
+                            </m:sSub>
+                          </m:num>
+                          <m:den>
+                            <m:sSub>
+                              <m:sSubPr>
+                                <m:ctrlPr>
+                                  <a:rPr lang="en-US" altLang="zh-TW" sz="2600" b="0" i="1" smtClean="0">
+                                    <a:latin typeface="Cambria Math" panose="02040503050406030204" pitchFamily="18" charset="0"/>
+                                  </a:rPr>
+                                </m:ctrlPr>
+                              </m:sSubPr>
+                              <m:e>
+                                <m:r>
+                                  <a:rPr lang="en-US" altLang="zh-TW" sz="2600" i="1">
+                                    <a:latin typeface="Cambria Math" panose="02040503050406030204" pitchFamily="18" charset="0"/>
+                                  </a:rPr>
+                                  <m:t>𝑀𝑒𝑡𝑎𝑙𝑊𝑖𝑑𝑡</m:t>
+                                </m:r>
+                                <m:r>
+                                  <a:rPr lang="en-US" altLang="zh-TW" sz="2600" b="0" i="1" smtClean="0">
+                                    <a:latin typeface="Cambria Math" panose="02040503050406030204" pitchFamily="18" charset="0"/>
+                                  </a:rPr>
+                                  <m:t>h</m:t>
+                                </m:r>
+                              </m:e>
+                              <m:sub>
+                                <m:r>
+                                  <a:rPr lang="en-US" altLang="zh-TW" sz="2600" b="0" i="1" smtClean="0">
+                                    <a:latin typeface="Cambria Math" panose="02040503050406030204" pitchFamily="18" charset="0"/>
+                                  </a:rPr>
+                                  <m:t>𝑙</m:t>
+                                </m:r>
+                              </m:sub>
+                            </m:sSub>
+                            <m:r>
+                              <a:rPr lang="en-US" altLang="zh-TW" sz="2600" b="0" i="1" smtClean="0">
+                                <a:latin typeface="Cambria Math" panose="02040503050406030204" pitchFamily="18" charset="0"/>
+                              </a:rPr>
+                              <m:t>+ </m:t>
+                            </m:r>
+                            <m:sSub>
+                              <m:sSubPr>
+                                <m:ctrlPr>
+                                  <a:rPr lang="en-US" altLang="zh-TW" sz="2600" b="0" i="1" smtClean="0">
+                                    <a:latin typeface="Cambria Math" panose="02040503050406030204" pitchFamily="18" charset="0"/>
+                                  </a:rPr>
+                                </m:ctrlPr>
+                              </m:sSubPr>
+                              <m:e>
+                                <m:r>
+                                  <a:rPr lang="en-US" altLang="zh-TW" sz="2600" b="0" i="1" smtClean="0">
+                                    <a:latin typeface="Cambria Math" panose="02040503050406030204" pitchFamily="18" charset="0"/>
+                                  </a:rPr>
+                                  <m:t>𝑊𝑖𝑟𝑒𝑆𝑝𝑎𝑐𝑖𝑛𝑔</m:t>
+                                </m:r>
+                              </m:e>
+                              <m:sub>
+                                <m:r>
+                                  <a:rPr lang="en-US" altLang="zh-TW" sz="2600" b="0" i="1" smtClean="0">
+                                    <a:latin typeface="Cambria Math" panose="02040503050406030204" pitchFamily="18" charset="0"/>
+                                  </a:rPr>
+                                  <m:t>𝑙</m:t>
+                                </m:r>
+                              </m:sub>
+                            </m:sSub>
+                          </m:den>
+                        </m:f>
+                      </m:e>
+                    </m:nary>
+                    <m:r>
+                      <a:rPr lang="en-US" altLang="zh-TW" sz="2600" b="0" i="1" smtClean="0">
+                        <a:latin typeface="Cambria Math" panose="02040503050406030204" pitchFamily="18" charset="0"/>
+                      </a:rPr>
+                      <m:t>  −  </m:t>
+                    </m:r>
+                    <m:nary>
+                      <m:naryPr>
+                        <m:chr m:val="∑"/>
+                        <m:supHide m:val="on"/>
+                        <m:ctrlPr>
+                          <a:rPr lang="en-US" altLang="zh-TW" sz="2600" i="1">
+                            <a:latin typeface="Cambria Math" panose="02040503050406030204" pitchFamily="18" charset="0"/>
+                          </a:rPr>
+                        </m:ctrlPr>
+                      </m:naryPr>
+                      <m:sub>
+                        <m:r>
+                          <m:rPr>
+                            <m:brk m:alnAt="23"/>
+                          </m:rPr>
+                          <a:rPr lang="en-US" altLang="zh-TW" sz="2600" b="0" i="1" smtClean="0">
+                            <a:latin typeface="Cambria Math" panose="02040503050406030204" pitchFamily="18" charset="0"/>
+                          </a:rPr>
+                          <m:t>𝑏</m:t>
+                        </m:r>
+                        <m:r>
+                          <a:rPr lang="en-US" altLang="zh-TW" sz="2600" b="0" i="1" smtClean="0">
+                            <a:latin typeface="Cambria Math" panose="02040503050406030204" pitchFamily="18" charset="0"/>
+                            <a:ea typeface="Cambria Math" panose="02040503050406030204" pitchFamily="18" charset="0"/>
+                          </a:rPr>
+                          <m:t>∈</m:t>
+                        </m:r>
+                        <m:r>
+                          <a:rPr lang="en-US" altLang="zh-TW" sz="2600" b="0" i="1" smtClean="0">
+                            <a:latin typeface="Cambria Math" panose="02040503050406030204" pitchFamily="18" charset="0"/>
+                            <a:ea typeface="Cambria Math" panose="02040503050406030204" pitchFamily="18" charset="0"/>
+                          </a:rPr>
+                          <m:t>𝐵𝑙𝑘</m:t>
+                        </m:r>
+                      </m:sub>
+                      <m:sup/>
+                      <m:e>
+                        <m:f>
+                          <m:fPr>
+                            <m:ctrlPr>
+                              <a:rPr lang="en-US" altLang="zh-TW" sz="2600" i="1">
+                                <a:latin typeface="Cambria Math" panose="02040503050406030204" pitchFamily="18" charset="0"/>
+                              </a:rPr>
+                            </m:ctrlPr>
+                          </m:fPr>
+                          <m:num>
+                            <m:sSub>
+                              <m:sSubPr>
+                                <m:ctrlPr>
+                                  <a:rPr lang="en-US" altLang="zh-TW" sz="2600" i="1" smtClean="0">
+                                    <a:latin typeface="Cambria Math" panose="02040503050406030204" pitchFamily="18" charset="0"/>
+                                  </a:rPr>
+                                </m:ctrlPr>
+                              </m:sSubPr>
+                              <m:e>
+                                <m:r>
+                                  <a:rPr lang="en-US" altLang="zh-TW" sz="2600" b="0" i="1" smtClean="0">
+                                    <a:latin typeface="Cambria Math" panose="02040503050406030204" pitchFamily="18" charset="0"/>
+                                  </a:rPr>
+                                  <m:t>𝑂𝐿</m:t>
+                                </m:r>
+                              </m:e>
+                              <m:sub>
+                                <m:r>
+                                  <a:rPr lang="en-US" altLang="zh-TW" sz="2600" b="0" i="1" smtClean="0">
+                                    <a:latin typeface="Cambria Math" panose="02040503050406030204" pitchFamily="18" charset="0"/>
+                                  </a:rPr>
+                                  <m:t>𝐻</m:t>
+                                </m:r>
+                                <m:r>
+                                  <a:rPr lang="en-US" altLang="zh-TW" sz="2600" b="0" i="1" smtClean="0">
+                                    <a:latin typeface="Cambria Math" panose="02040503050406030204" pitchFamily="18" charset="0"/>
+                                  </a:rPr>
+                                  <m:t>/</m:t>
+                                </m:r>
+                                <m:r>
+                                  <a:rPr lang="en-US" altLang="zh-TW" sz="2600" b="0" i="1" smtClean="0">
+                                    <a:latin typeface="Cambria Math" panose="02040503050406030204" pitchFamily="18" charset="0"/>
+                                  </a:rPr>
+                                  <m:t>𝑉</m:t>
+                                </m:r>
+                              </m:sub>
+                            </m:sSub>
+                            <m:r>
+                              <a:rPr lang="en-US" altLang="zh-TW" sz="2600" b="0" i="1" smtClean="0">
+                                <a:latin typeface="Cambria Math" panose="02040503050406030204" pitchFamily="18" charset="0"/>
+                              </a:rPr>
+                              <m:t> (</m:t>
+                            </m:r>
+                            <m:r>
+                              <a:rPr lang="en-US" altLang="zh-TW" sz="2600" b="0" i="1" smtClean="0">
+                                <a:latin typeface="Cambria Math" panose="02040503050406030204" pitchFamily="18" charset="0"/>
+                              </a:rPr>
+                              <m:t>𝑏</m:t>
+                            </m:r>
+                            <m:r>
+                              <a:rPr lang="en-US" altLang="zh-TW" sz="2600" b="0" i="1" smtClean="0">
+                                <a:latin typeface="Cambria Math" panose="02040503050406030204" pitchFamily="18" charset="0"/>
+                              </a:rPr>
+                              <m:t>,</m:t>
+                            </m:r>
+                            <m:r>
+                              <a:rPr lang="en-US" altLang="zh-TW" sz="2600" b="0" i="1" smtClean="0">
+                                <a:latin typeface="Cambria Math" panose="02040503050406030204" pitchFamily="18" charset="0"/>
+                              </a:rPr>
+                              <m:t>𝑔</m:t>
+                            </m:r>
+                            <m:r>
+                              <a:rPr lang="en-US" altLang="zh-TW" sz="2600" b="0" i="1" smtClean="0">
+                                <a:latin typeface="Cambria Math" panose="02040503050406030204" pitchFamily="18" charset="0"/>
+                              </a:rPr>
+                              <m:t>)</m:t>
+                            </m:r>
+                          </m:num>
+                          <m:den>
+                            <m:sSub>
+                              <m:sSubPr>
+                                <m:ctrlPr>
+                                  <a:rPr lang="en-US" altLang="zh-TW" sz="2600" i="1">
+                                    <a:latin typeface="Cambria Math" panose="02040503050406030204" pitchFamily="18" charset="0"/>
+                                  </a:rPr>
+                                </m:ctrlPr>
+                              </m:sSubPr>
+                              <m:e>
+                                <m:r>
+                                  <a:rPr lang="en-US" altLang="zh-TW" sz="2600" i="1">
+                                    <a:latin typeface="Cambria Math" panose="02040503050406030204" pitchFamily="18" charset="0"/>
+                                  </a:rPr>
+                                  <m:t>𝑀𝑒𝑡𝑎𝑙𝑊𝑖𝑑𝑡h</m:t>
+                                </m:r>
+                              </m:e>
+                              <m:sub>
+                                <m:r>
+                                  <a:rPr lang="en-US" altLang="zh-TW" sz="2600" b="0" i="1" smtClean="0">
+                                    <a:latin typeface="Cambria Math" panose="02040503050406030204" pitchFamily="18" charset="0"/>
+                                  </a:rPr>
+                                  <m:t>𝑏</m:t>
+                                </m:r>
+                                <m:r>
+                                  <a:rPr lang="en-US" altLang="zh-TW" sz="2600" b="0" i="1" smtClean="0">
+                                    <a:latin typeface="Cambria Math" panose="02040503050406030204" pitchFamily="18" charset="0"/>
+                                  </a:rPr>
+                                  <m:t>.</m:t>
+                                </m:r>
+                                <m:r>
+                                  <a:rPr lang="en-US" altLang="zh-TW" sz="2600" i="1">
+                                    <a:latin typeface="Cambria Math" panose="02040503050406030204" pitchFamily="18" charset="0"/>
+                                  </a:rPr>
+                                  <m:t>𝑙</m:t>
+                                </m:r>
+                              </m:sub>
+                            </m:sSub>
+                            <m:r>
+                              <a:rPr lang="en-US" altLang="zh-TW" sz="2600" i="1">
+                                <a:latin typeface="Cambria Math" panose="02040503050406030204" pitchFamily="18" charset="0"/>
+                              </a:rPr>
+                              <m:t>+ </m:t>
+                            </m:r>
+                            <m:sSub>
+                              <m:sSubPr>
+                                <m:ctrlPr>
+                                  <a:rPr lang="en-US" altLang="zh-TW" sz="2600" i="1">
+                                    <a:latin typeface="Cambria Math" panose="02040503050406030204" pitchFamily="18" charset="0"/>
+                                  </a:rPr>
+                                </m:ctrlPr>
+                              </m:sSubPr>
+                              <m:e>
+                                <m:r>
+                                  <a:rPr lang="en-US" altLang="zh-TW" sz="2600" i="1">
+                                    <a:latin typeface="Cambria Math" panose="02040503050406030204" pitchFamily="18" charset="0"/>
+                                  </a:rPr>
+                                  <m:t>𝑊𝑖𝑟𝑒𝑆𝑝𝑎𝑐𝑖𝑛𝑔</m:t>
+                                </m:r>
+                              </m:e>
+                              <m:sub>
+                                <m:r>
+                                  <a:rPr lang="en-US" altLang="zh-TW" sz="2600" b="0" i="1" smtClean="0">
+                                    <a:latin typeface="Cambria Math" panose="02040503050406030204" pitchFamily="18" charset="0"/>
+                                  </a:rPr>
+                                  <m:t>𝑏</m:t>
+                                </m:r>
+                                <m:r>
+                                  <a:rPr lang="en-US" altLang="zh-TW" sz="2600" b="0" i="1" smtClean="0">
+                                    <a:latin typeface="Cambria Math" panose="02040503050406030204" pitchFamily="18" charset="0"/>
+                                  </a:rPr>
+                                  <m:t>.</m:t>
+                                </m:r>
+                                <m:r>
+                                  <a:rPr lang="en-US" altLang="zh-TW" sz="2600" i="1">
+                                    <a:latin typeface="Cambria Math" panose="02040503050406030204" pitchFamily="18" charset="0"/>
+                                  </a:rPr>
+                                  <m:t>𝑙</m:t>
+                                </m:r>
+                              </m:sub>
+                            </m:sSub>
+                          </m:den>
+                        </m:f>
+                      </m:e>
+                    </m:nary>
+                  </m:oMath>
+                </a14:m>
+                <a:endParaRPr lang="zh-TW" altLang="en-US" sz="2600" dirty="0">
+                  <a:latin typeface="Times" panose="02020603050405020304" pitchFamily="18" charset="0"/>
+                  <a:cs typeface="Times" panose="02020603050405020304" pitchFamily="18" charset="0"/>
+                </a:endParaRPr>
+              </a:p>
+            </p:txBody>
+          </p:sp>
+        </mc:Choice>
+        <mc:Fallback>
+          <p:sp>
+            <p:nvSpPr>
+              <p:cNvPr id="5" name="文字方塊 4">
+                <a:extLst>
+                  <a:ext uri="{FF2B5EF4-FFF2-40B4-BE49-F238E27FC236}">
+                    <a16:creationId xmlns:a16="http://schemas.microsoft.com/office/drawing/2014/main" id="{51A918D1-E60D-1CD3-2420-C1F021D85C05}"/>
+                  </a:ext>
+                </a:extLst>
+              </p:cNvPr>
+              <p:cNvSpPr txBox="1">
+                <a:spLocks noRot="1" noChangeAspect="1" noMove="1" noResize="1" noEditPoints="1" noAdjustHandles="1" noChangeArrowheads="1" noChangeShapeType="1" noTextEdit="1"/>
+              </p:cNvSpPr>
+              <p:nvPr/>
+            </p:nvSpPr>
+            <p:spPr>
+              <a:xfrm>
+                <a:off x="-1" y="5443988"/>
+                <a:ext cx="12670971" cy="752707"/>
+              </a:xfrm>
+              <a:prstGeom prst="rect">
+                <a:avLst/>
+              </a:prstGeom>
+              <a:blipFill>
+                <a:blip r:embed="rId3"/>
+                <a:stretch>
+                  <a:fillRect b="-806"/>
+                </a:stretch>
+              </a:blipFill>
+            </p:spPr>
+            <p:txBody>
+              <a:bodyPr/>
+              <a:lstStyle/>
+              <a:p>
+                <a:r>
+                  <a:rPr lang="zh-TW" altLang="en-US">
+                    <a:noFill/>
+                  </a:rPr>
+                  <a:t> </a:t>
+                </a:r>
+              </a:p>
+            </p:txBody>
+          </p:sp>
+        </mc:Fallback>
+      </mc:AlternateContent>
     </p:spTree>
     <p:extLst>
       <p:ext uri="{BB962C8B-B14F-4D97-AF65-F5344CB8AC3E}">
@@ -8674,6 +9973,428 @@
 </file>
 
 <file path=ppt/slides/slide14.xml><?xml version="1.0" encoding="utf-8"?>
+<p:sld xmlns:a="http://schemas.openxmlformats.org/drawingml/2006/main" xmlns:r="http://schemas.openxmlformats.org/officeDocument/2006/relationships" xmlns:p="http://schemas.openxmlformats.org/presentationml/2006/main">
+  <p:cSld>
+    <p:spTree>
+      <p:nvGrpSpPr>
+        <p:cNvPr id="1" name=""/>
+        <p:cNvGrpSpPr/>
+        <p:nvPr/>
+      </p:nvGrpSpPr>
+      <p:grpSpPr>
+        <a:xfrm>
+          <a:off x="0" y="0"/>
+          <a:ext cx="0" cy="0"/>
+          <a:chOff x="0" y="0"/>
+          <a:chExt cx="0" cy="0"/>
+        </a:xfrm>
+      </p:grpSpPr>
+      <p:sp>
+        <p:nvSpPr>
+          <p:cNvPr id="2" name="標題 1">
+            <a:extLst>
+              <a:ext uri="{FF2B5EF4-FFF2-40B4-BE49-F238E27FC236}">
+                <a16:creationId xmlns:a16="http://schemas.microsoft.com/office/drawing/2014/main" id="{AEDF6777-6236-46F8-93C4-053ACE59502E}"/>
+              </a:ext>
+            </a:extLst>
+          </p:cNvPr>
+          <p:cNvSpPr>
+            <a:spLocks noGrp="1"/>
+          </p:cNvSpPr>
+          <p:nvPr>
+            <p:ph type="title"/>
+          </p:nvPr>
+        </p:nvSpPr>
+        <p:spPr>
+          <a:xfrm>
+            <a:off x="434737" y="320675"/>
+            <a:ext cx="11612119" cy="1325563"/>
+          </a:xfrm>
+        </p:spPr>
+        <p:txBody>
+          <a:bodyPr>
+            <a:normAutofit/>
+          </a:bodyPr>
+          <a:lstStyle/>
+          <a:p>
+            <a:r>
+              <a:rPr lang="en-US" altLang="zh-TW" sz="4000" dirty="0">
+                <a:latin typeface="Times" panose="02020603050405020304" pitchFamily="18" charset="0"/>
+                <a:cs typeface="Times" panose="02020603050405020304" pitchFamily="18" charset="0"/>
+              </a:rPr>
+              <a:t>Routing-detour-imitation-based Congestion Estimation</a:t>
+            </a:r>
+          </a:p>
+        </p:txBody>
+      </p:sp>
+      <p:sp>
+        <p:nvSpPr>
+          <p:cNvPr id="3" name="內容版面配置區 2">
+            <a:extLst>
+              <a:ext uri="{FF2B5EF4-FFF2-40B4-BE49-F238E27FC236}">
+                <a16:creationId xmlns:a16="http://schemas.microsoft.com/office/drawing/2014/main" id="{CDD6591C-6706-1D9B-A7CF-BE488BA469CB}"/>
+              </a:ext>
+            </a:extLst>
+          </p:cNvPr>
+          <p:cNvSpPr>
+            <a:spLocks noGrp="1"/>
+          </p:cNvSpPr>
+          <p:nvPr>
+            <p:ph idx="1"/>
+          </p:nvPr>
+        </p:nvSpPr>
+        <p:spPr>
+          <a:xfrm>
+            <a:off x="839645" y="1846585"/>
+            <a:ext cx="10512709" cy="2333529"/>
+          </a:xfrm>
+        </p:spPr>
+        <p:txBody>
+          <a:bodyPr>
+            <a:normAutofit/>
+          </a:bodyPr>
+          <a:lstStyle/>
+          <a:p>
+            <a:pPr marL="514350" indent="-514350">
+              <a:buFont typeface="+mj-lt"/>
+              <a:buAutoNum type="arabicPeriod" startAt="2"/>
+            </a:pPr>
+            <a:r>
+              <a:rPr lang="en-US" altLang="zh-TW" sz="3200" dirty="0">
+                <a:latin typeface="Times" panose="02020603050405020304" pitchFamily="18" charset="0"/>
+                <a:cs typeface="Times" panose="02020603050405020304" pitchFamily="18" charset="0"/>
+              </a:rPr>
+              <a:t>Topology-based Congestion Estimation</a:t>
+            </a:r>
+          </a:p>
+          <a:p>
+            <a:pPr marL="514350" indent="-514350">
+              <a:buFont typeface="+mj-lt"/>
+              <a:buAutoNum type="arabicPeriod" startAt="2"/>
+            </a:pPr>
+            <a:endParaRPr lang="en-US" altLang="zh-TW" sz="1400" dirty="0">
+              <a:latin typeface="Times" panose="02020603050405020304" pitchFamily="18" charset="0"/>
+              <a:cs typeface="Times" panose="02020603050405020304" pitchFamily="18" charset="0"/>
+            </a:endParaRPr>
+          </a:p>
+          <a:p>
+            <a:r>
+              <a:rPr lang="en-US" altLang="zh-TW" sz="2400" dirty="0">
+                <a:latin typeface="Times" panose="02020603050405020304" pitchFamily="18" charset="0"/>
+                <a:cs typeface="Times" panose="02020603050405020304" pitchFamily="18" charset="0"/>
+              </a:rPr>
+              <a:t>To estimate the routing demand of all nets.</a:t>
+            </a:r>
+          </a:p>
+          <a:p>
+            <a:r>
+              <a:rPr lang="en-US" altLang="zh-TW" sz="2400" dirty="0">
+                <a:latin typeface="Times" panose="02020603050405020304" pitchFamily="18" charset="0"/>
+                <a:cs typeface="Times" panose="02020603050405020304" pitchFamily="18" charset="0"/>
+              </a:rPr>
+              <a:t>Use </a:t>
+            </a:r>
+            <a:r>
+              <a:rPr lang="en-US" altLang="zh-TW" sz="2400" b="1" dirty="0">
+                <a:latin typeface="Times" panose="02020603050405020304" pitchFamily="18" charset="0"/>
+                <a:cs typeface="Times" panose="02020603050405020304" pitchFamily="18" charset="0"/>
+              </a:rPr>
+              <a:t>FLUTE </a:t>
+            </a:r>
+            <a:r>
+              <a:rPr lang="en-US" altLang="zh-TW" sz="2400" dirty="0">
+                <a:latin typeface="Times" panose="02020603050405020304" pitchFamily="18" charset="0"/>
+                <a:cs typeface="Times" panose="02020603050405020304" pitchFamily="18" charset="0"/>
+              </a:rPr>
+              <a:t>to</a:t>
+            </a:r>
+            <a:r>
+              <a:rPr lang="en-US" altLang="zh-TW" sz="2400" b="1" dirty="0">
+                <a:latin typeface="Times" panose="02020603050405020304" pitchFamily="18" charset="0"/>
+                <a:cs typeface="Times" panose="02020603050405020304" pitchFamily="18" charset="0"/>
+              </a:rPr>
+              <a:t> </a:t>
+            </a:r>
+            <a:r>
+              <a:rPr lang="en-US" altLang="zh-TW" sz="2400" dirty="0">
+                <a:latin typeface="Times" panose="02020603050405020304" pitchFamily="18" charset="0"/>
+                <a:cs typeface="Times" panose="02020603050405020304" pitchFamily="18" charset="0"/>
+              </a:rPr>
+              <a:t>get the RSMT topology of the nets.</a:t>
+            </a:r>
+          </a:p>
+          <a:p>
+            <a:pPr marL="0" indent="0">
+              <a:buNone/>
+            </a:pPr>
+            <a:endParaRPr lang="en-US" altLang="zh-TW" dirty="0">
+              <a:latin typeface="Times" panose="02020603050405020304" pitchFamily="18" charset="0"/>
+              <a:cs typeface="Times" panose="02020603050405020304" pitchFamily="18" charset="0"/>
+            </a:endParaRPr>
+          </a:p>
+        </p:txBody>
+      </p:sp>
+      <p:sp>
+        <p:nvSpPr>
+          <p:cNvPr id="4" name="投影片編號版面配置區 3">
+            <a:extLst>
+              <a:ext uri="{FF2B5EF4-FFF2-40B4-BE49-F238E27FC236}">
+                <a16:creationId xmlns:a16="http://schemas.microsoft.com/office/drawing/2014/main" id="{C4A4DCC3-BB49-91CF-D3FC-B1B0701D13DC}"/>
+              </a:ext>
+            </a:extLst>
+          </p:cNvPr>
+          <p:cNvSpPr>
+            <a:spLocks noGrp="1"/>
+          </p:cNvSpPr>
+          <p:nvPr>
+            <p:ph type="sldNum" sz="quarter" idx="12"/>
+          </p:nvPr>
+        </p:nvSpPr>
+        <p:spPr/>
+        <p:txBody>
+          <a:bodyPr/>
+          <a:lstStyle/>
+          <a:p>
+            <a:fld id="{666274A1-CF9C-426A-8DD4-B13ED0C24231}" type="slidenum">
+              <a:rPr lang="en-US" smtClean="0"/>
+              <a:t>13</a:t>
+            </a:fld>
+            <a:endParaRPr lang="en-US"/>
+          </a:p>
+        </p:txBody>
+      </p:sp>
+      <p:pic>
+        <p:nvPicPr>
+          <p:cNvPr id="7" name="圖片 6">
+            <a:extLst>
+              <a:ext uri="{FF2B5EF4-FFF2-40B4-BE49-F238E27FC236}">
+                <a16:creationId xmlns:a16="http://schemas.microsoft.com/office/drawing/2014/main" id="{F4A9A6F0-1D02-9C58-C305-86EADABA0F94}"/>
+              </a:ext>
+            </a:extLst>
+          </p:cNvPr>
+          <p:cNvPicPr>
+            <a:picLocks noChangeAspect="1"/>
+          </p:cNvPicPr>
+          <p:nvPr/>
+        </p:nvPicPr>
+        <p:blipFill>
+          <a:blip r:embed="rId3"/>
+          <a:stretch>
+            <a:fillRect/>
+          </a:stretch>
+        </p:blipFill>
+        <p:spPr>
+          <a:xfrm>
+            <a:off x="2671283" y="3768313"/>
+            <a:ext cx="6849431" cy="2953162"/>
+          </a:xfrm>
+          <a:prstGeom prst="rect">
+            <a:avLst/>
+          </a:prstGeom>
+        </p:spPr>
+      </p:pic>
+    </p:spTree>
+    <p:extLst>
+      <p:ext uri="{BB962C8B-B14F-4D97-AF65-F5344CB8AC3E}">
+        <p14:creationId xmlns:p14="http://schemas.microsoft.com/office/powerpoint/2010/main" val="4060676104"/>
+      </p:ext>
+    </p:extLst>
+  </p:cSld>
+  <p:clrMapOvr>
+    <a:masterClrMapping/>
+  </p:clrMapOvr>
+</p:sld>
+</file>
+
+<file path=ppt/slides/slide15.xml><?xml version="1.0" encoding="utf-8"?>
+<p:sld xmlns:a="http://schemas.openxmlformats.org/drawingml/2006/main" xmlns:r="http://schemas.openxmlformats.org/officeDocument/2006/relationships" xmlns:p="http://schemas.openxmlformats.org/presentationml/2006/main">
+  <p:cSld>
+    <p:spTree>
+      <p:nvGrpSpPr>
+        <p:cNvPr id="1" name=""/>
+        <p:cNvGrpSpPr/>
+        <p:nvPr/>
+      </p:nvGrpSpPr>
+      <p:grpSpPr>
+        <a:xfrm>
+          <a:off x="0" y="0"/>
+          <a:ext cx="0" cy="0"/>
+          <a:chOff x="0" y="0"/>
+          <a:chExt cx="0" cy="0"/>
+        </a:xfrm>
+      </p:grpSpPr>
+      <p:sp>
+        <p:nvSpPr>
+          <p:cNvPr id="2" name="標題 1">
+            <a:extLst>
+              <a:ext uri="{FF2B5EF4-FFF2-40B4-BE49-F238E27FC236}">
+                <a16:creationId xmlns:a16="http://schemas.microsoft.com/office/drawing/2014/main" id="{AEDF6777-6236-46F8-93C4-053ACE59502E}"/>
+              </a:ext>
+            </a:extLst>
+          </p:cNvPr>
+          <p:cNvSpPr>
+            <a:spLocks noGrp="1"/>
+          </p:cNvSpPr>
+          <p:nvPr>
+            <p:ph type="title"/>
+          </p:nvPr>
+        </p:nvSpPr>
+        <p:spPr>
+          <a:xfrm>
+            <a:off x="434737" y="320675"/>
+            <a:ext cx="11612119" cy="1325563"/>
+          </a:xfrm>
+        </p:spPr>
+        <p:txBody>
+          <a:bodyPr>
+            <a:normAutofit/>
+          </a:bodyPr>
+          <a:lstStyle/>
+          <a:p>
+            <a:r>
+              <a:rPr lang="en-US" altLang="zh-TW" sz="4000" dirty="0">
+                <a:latin typeface="Times" panose="02020603050405020304" pitchFamily="18" charset="0"/>
+                <a:cs typeface="Times" panose="02020603050405020304" pitchFamily="18" charset="0"/>
+              </a:rPr>
+              <a:t>Routing-detour-imitation-based Congestion Estimation</a:t>
+            </a:r>
+          </a:p>
+        </p:txBody>
+      </p:sp>
+      <p:sp>
+        <p:nvSpPr>
+          <p:cNvPr id="3" name="內容版面配置區 2">
+            <a:extLst>
+              <a:ext uri="{FF2B5EF4-FFF2-40B4-BE49-F238E27FC236}">
+                <a16:creationId xmlns:a16="http://schemas.microsoft.com/office/drawing/2014/main" id="{CDD6591C-6706-1D9B-A7CF-BE488BA469CB}"/>
+              </a:ext>
+            </a:extLst>
+          </p:cNvPr>
+          <p:cNvSpPr>
+            <a:spLocks noGrp="1"/>
+          </p:cNvSpPr>
+          <p:nvPr>
+            <p:ph idx="1"/>
+          </p:nvPr>
+        </p:nvSpPr>
+        <p:spPr>
+          <a:xfrm>
+            <a:off x="839645" y="1846585"/>
+            <a:ext cx="10512709" cy="2333529"/>
+          </a:xfrm>
+        </p:spPr>
+        <p:txBody>
+          <a:bodyPr>
+            <a:normAutofit/>
+          </a:bodyPr>
+          <a:lstStyle/>
+          <a:p>
+            <a:pPr marL="514350" indent="-514350">
+              <a:buFont typeface="+mj-lt"/>
+              <a:buAutoNum type="arabicPeriod" startAt="3"/>
+            </a:pPr>
+            <a:r>
+              <a:rPr lang="en-US" altLang="zh-TW" sz="3200" dirty="0">
+                <a:latin typeface="Times" panose="02020603050405020304" pitchFamily="18" charset="0"/>
+                <a:cs typeface="Times" panose="02020603050405020304" pitchFamily="18" charset="0"/>
+              </a:rPr>
+              <a:t>Detour-imitating Routing Demand Expansion</a:t>
+            </a:r>
+          </a:p>
+          <a:p>
+            <a:pPr marL="514350" indent="-514350">
+              <a:buFont typeface="+mj-lt"/>
+              <a:buAutoNum type="arabicPeriod" startAt="3"/>
+            </a:pPr>
+            <a:endParaRPr lang="en-US" altLang="zh-TW" sz="1400" dirty="0">
+              <a:latin typeface="Times" panose="02020603050405020304" pitchFamily="18" charset="0"/>
+              <a:cs typeface="Times" panose="02020603050405020304" pitchFamily="18" charset="0"/>
+            </a:endParaRPr>
+          </a:p>
+          <a:p>
+            <a:pPr marL="0" indent="0">
+              <a:buNone/>
+            </a:pPr>
+            <a:endParaRPr lang="en-US" altLang="zh-TW" dirty="0">
+              <a:latin typeface="Times" panose="02020603050405020304" pitchFamily="18" charset="0"/>
+              <a:cs typeface="Times" panose="02020603050405020304" pitchFamily="18" charset="0"/>
+            </a:endParaRPr>
+          </a:p>
+        </p:txBody>
+      </p:sp>
+      <p:sp>
+        <p:nvSpPr>
+          <p:cNvPr id="4" name="投影片編號版面配置區 3">
+            <a:extLst>
+              <a:ext uri="{FF2B5EF4-FFF2-40B4-BE49-F238E27FC236}">
+                <a16:creationId xmlns:a16="http://schemas.microsoft.com/office/drawing/2014/main" id="{C4A4DCC3-BB49-91CF-D3FC-B1B0701D13DC}"/>
+              </a:ext>
+            </a:extLst>
+          </p:cNvPr>
+          <p:cNvSpPr>
+            <a:spLocks noGrp="1"/>
+          </p:cNvSpPr>
+          <p:nvPr>
+            <p:ph type="sldNum" sz="quarter" idx="12"/>
+          </p:nvPr>
+        </p:nvSpPr>
+        <p:spPr/>
+        <p:txBody>
+          <a:bodyPr/>
+          <a:lstStyle/>
+          <a:p>
+            <a:fld id="{666274A1-CF9C-426A-8DD4-B13ED0C24231}" type="slidenum">
+              <a:rPr lang="en-US" smtClean="0"/>
+              <a:t>14</a:t>
+            </a:fld>
+            <a:endParaRPr lang="en-US"/>
+          </a:p>
+        </p:txBody>
+      </p:sp>
+      <p:pic>
+        <p:nvPicPr>
+          <p:cNvPr id="7" name="圖片 6">
+            <a:extLst>
+              <a:ext uri="{FF2B5EF4-FFF2-40B4-BE49-F238E27FC236}">
+                <a16:creationId xmlns:a16="http://schemas.microsoft.com/office/drawing/2014/main" id="{F4A9A6F0-1D02-9C58-C305-86EADABA0F94}"/>
+              </a:ext>
+            </a:extLst>
+          </p:cNvPr>
+          <p:cNvPicPr>
+            <a:picLocks noChangeAspect="1"/>
+          </p:cNvPicPr>
+          <p:nvPr/>
+        </p:nvPicPr>
+        <p:blipFill>
+          <a:blip r:embed="rId3"/>
+          <a:stretch>
+            <a:fillRect/>
+          </a:stretch>
+        </p:blipFill>
+        <p:spPr>
+          <a:xfrm>
+            <a:off x="2671283" y="3768313"/>
+            <a:ext cx="6849431" cy="2953162"/>
+          </a:xfrm>
+          <a:prstGeom prst="rect">
+            <a:avLst/>
+          </a:prstGeom>
+        </p:spPr>
+      </p:pic>
+    </p:spTree>
+    <p:extLst>
+      <p:ext uri="{BB962C8B-B14F-4D97-AF65-F5344CB8AC3E}">
+        <p14:creationId xmlns:p14="http://schemas.microsoft.com/office/powerpoint/2010/main" val="4210342903"/>
+      </p:ext>
+    </p:extLst>
+  </p:cSld>
+  <p:clrMapOvr>
+    <a:masterClrMapping/>
+  </p:clrMapOvr>
+</p:sld>
+</file>
+
+<file path=ppt/slides/slide16.xml><?xml version="1.0" encoding="utf-8"?>
 <p:sld xmlns:a="http://schemas.openxmlformats.org/drawingml/2006/main" xmlns:r="http://schemas.openxmlformats.org/officeDocument/2006/relationships" xmlns:p="http://schemas.openxmlformats.org/presentationml/2006/main">
   <p:cSld>
     <p:spTree>
@@ -8713,7 +10434,7 @@
           <a:p>
             <a:fld id="{666274A1-CF9C-426A-8DD4-B13ED0C24231}" type="slidenum">
               <a:rPr lang="en-US" smtClean="0"/>
-              <a:t>13</a:t>
+              <a:t>15</a:t>
             </a:fld>
             <a:endParaRPr lang="en-US"/>
           </a:p>
@@ -9922,8 +11643,8 @@
           </a:p>
         </p:txBody>
       </p:sp>
-      <mc:AlternateContent xmlns:mc="http://schemas.openxmlformats.org/markup-compatibility/2006" xmlns:a14="http://schemas.microsoft.com/office/drawing/2010/main">
-        <mc:Choice Requires="a14">
+      <mc:AlternateContent xmlns:mc="http://schemas.openxmlformats.org/markup-compatibility/2006">
+        <mc:Choice xmlns:a14="http://schemas.microsoft.com/office/drawing/2010/main" Requires="a14">
           <p:sp>
             <p:nvSpPr>
               <p:cNvPr id="3" name="內容版面配置區 2">
@@ -10103,7 +11824,7 @@
                 </a14:m>
                 <a:r>
                   <a:rPr lang="en-US" altLang="zh-TW" i="0" dirty="0">
-                    <a:latin typeface="+mj-lt"/>
+                    <a:latin typeface="Times" panose="02020603050405020304" pitchFamily="18" charset="0"/>
                     <a:cs typeface="Times" panose="02020603050405020304" pitchFamily="18" charset="0"/>
                   </a:rPr>
                   <a:t>,</a:t>
@@ -10596,7 +12317,7 @@
             </p:txBody>
           </p:sp>
         </mc:Choice>
-        <mc:Fallback xmlns="">
+        <mc:Fallback>
           <p:sp>
             <p:nvSpPr>
               <p:cNvPr id="3" name="內容版面配置區 2">
@@ -10727,8 +12448,8 @@
           </a:p>
         </p:txBody>
       </p:sp>
-      <mc:AlternateContent xmlns:mc="http://schemas.openxmlformats.org/markup-compatibility/2006" xmlns:a14="http://schemas.microsoft.com/office/drawing/2010/main">
-        <mc:Choice Requires="a14">
+      <mc:AlternateContent xmlns:mc="http://schemas.openxmlformats.org/markup-compatibility/2006">
+        <mc:Choice xmlns:a14="http://schemas.microsoft.com/office/drawing/2010/main" Requires="a14">
           <p:sp>
             <p:nvSpPr>
               <p:cNvPr id="3" name="內容版面配置區 2">
@@ -11009,7 +12730,10 @@
                 </a:endParaRPr>
               </a:p>
               <a:p>
-                <a:endParaRPr lang="en-US" altLang="zh-TW" dirty="0"/>
+                <a:endParaRPr lang="en-US" altLang="zh-TW" dirty="0">
+                  <a:latin typeface="Times" panose="02020603050405020304" pitchFamily="18" charset="0"/>
+                  <a:cs typeface="Times" panose="02020603050405020304" pitchFamily="18" charset="0"/>
+                </a:endParaRPr>
               </a:p>
               <a:p>
                 <a:pPr>
@@ -11071,7 +12795,10 @@
                   </m:oMath>
                 </a14:m>
                 <a:r>
-                  <a:rPr lang="en-US" altLang="zh-TW" sz="2400" dirty="0"/>
+                  <a:rPr lang="en-US" altLang="zh-TW" sz="2400" dirty="0">
+                    <a:latin typeface="Times" panose="02020603050405020304" pitchFamily="18" charset="0"/>
+                    <a:cs typeface="Times" panose="02020603050405020304" pitchFamily="18" charset="0"/>
+                  </a:rPr>
                   <a:t>wirelength.</a:t>
                 </a:r>
               </a:p>
@@ -11135,7 +12862,10 @@
                   </m:oMath>
                 </a14:m>
                 <a:r>
-                  <a:rPr lang="en-US" altLang="zh-TW" sz="2400" dirty="0"/>
+                  <a:rPr lang="en-US" altLang="zh-TW" sz="2400" dirty="0">
+                    <a:latin typeface="Times" panose="02020603050405020304" pitchFamily="18" charset="0"/>
+                    <a:cs typeface="Times" panose="02020603050405020304" pitchFamily="18" charset="0"/>
+                  </a:rPr>
                   <a:t> Density penalty to spread cells.</a:t>
                 </a:r>
               </a:p>
@@ -11148,38 +12878,59 @@
                   <a:buChar char="Ø"/>
                 </a:pPr>
                 <a:r>
-                  <a:rPr lang="en-US" altLang="zh-TW" sz="2400" dirty="0"/>
+                  <a:rPr lang="en-US" altLang="zh-TW" sz="2400" dirty="0">
+                    <a:latin typeface="Times" panose="02020603050405020304" pitchFamily="18" charset="0"/>
+                    <a:cs typeface="Times" panose="02020603050405020304" pitchFamily="18" charset="0"/>
+                  </a:rPr>
                   <a:t> λ</a:t>
                 </a:r>
                 <a:r>
-                  <a:rPr lang="zh-TW" altLang="en-US" sz="2400" dirty="0"/>
+                  <a:rPr lang="zh-TW" altLang="en-US" sz="2400" dirty="0">
+                    <a:latin typeface="Times" panose="02020603050405020304" pitchFamily="18" charset="0"/>
+                    <a:cs typeface="Times" panose="02020603050405020304" pitchFamily="18" charset="0"/>
+                  </a:rPr>
                   <a:t> </a:t>
                 </a:r>
                 <a:r>
-                  <a:rPr lang="en-US" altLang="zh-TW" sz="2400" dirty="0"/>
+                  <a:rPr lang="en-US" altLang="zh-TW" sz="2400" dirty="0">
+                    <a:latin typeface="Times" panose="02020603050405020304" pitchFamily="18" charset="0"/>
+                    <a:cs typeface="Times" panose="02020603050405020304" pitchFamily="18" charset="0"/>
+                  </a:rPr>
                   <a:t>:</a:t>
                 </a:r>
                 <a:r>
-                  <a:rPr lang="zh-TW" altLang="en-US" sz="2400" dirty="0"/>
+                  <a:rPr lang="zh-TW" altLang="en-US" sz="2400" dirty="0">
+                    <a:latin typeface="Times" panose="02020603050405020304" pitchFamily="18" charset="0"/>
+                    <a:cs typeface="Times" panose="02020603050405020304" pitchFamily="18" charset="0"/>
+                  </a:rPr>
                   <a:t> </a:t>
                 </a:r>
                 <a:r>
-                  <a:rPr lang="en-US" altLang="zh-TW" sz="2400" dirty="0"/>
+                  <a:rPr lang="en-US" altLang="zh-TW" sz="2400" dirty="0">
+                    <a:latin typeface="Times" panose="02020603050405020304" pitchFamily="18" charset="0"/>
+                    <a:cs typeface="Times" panose="02020603050405020304" pitchFamily="18" charset="0"/>
+                  </a:rPr>
                   <a:t>Density penalty factor</a:t>
                 </a:r>
-                <a:endParaRPr lang="zh-TW" altLang="en-US" sz="2400" dirty="0"/>
+                <a:endParaRPr lang="zh-TW" altLang="en-US" sz="2400" dirty="0">
+                  <a:latin typeface="Times" panose="02020603050405020304" pitchFamily="18" charset="0"/>
+                  <a:cs typeface="Times" panose="02020603050405020304" pitchFamily="18" charset="0"/>
+                </a:endParaRPr>
               </a:p>
               <a:p>
                 <a:pPr>
                   <a:buFont typeface="Wingdings" panose="05000000000000000000" pitchFamily="2" charset="2"/>
                   <a:buChar char="Ø"/>
                 </a:pPr>
-                <a:endParaRPr lang="zh-TW" altLang="en-US" sz="2400" dirty="0"/>
+                <a:endParaRPr lang="zh-TW" altLang="en-US" sz="2400" dirty="0">
+                  <a:latin typeface="Times" panose="02020603050405020304" pitchFamily="18" charset="0"/>
+                  <a:cs typeface="Times" panose="02020603050405020304" pitchFamily="18" charset="0"/>
+                </a:endParaRPr>
               </a:p>
             </p:txBody>
           </p:sp>
         </mc:Choice>
-        <mc:Fallback xmlns="">
+        <mc:Fallback>
           <p:sp>
             <p:nvSpPr>
               <p:cNvPr id="3" name="內容版面配置區 2">
@@ -11313,8 +13064,8 @@
           </a:p>
         </p:txBody>
       </p:sp>
-      <mc:AlternateContent xmlns:mc="http://schemas.openxmlformats.org/markup-compatibility/2006" xmlns:a14="http://schemas.microsoft.com/office/drawing/2010/main">
-        <mc:Choice Requires="a14">
+      <mc:AlternateContent xmlns:mc="http://schemas.openxmlformats.org/markup-compatibility/2006">
+        <mc:Choice xmlns:a14="http://schemas.microsoft.com/office/drawing/2010/main" Requires="a14">
           <p:sp>
             <p:nvSpPr>
               <p:cNvPr id="3" name="內容版面配置區 2">
@@ -12281,7 +14032,7 @@
             </p:txBody>
           </p:sp>
         </mc:Choice>
-        <mc:Fallback xmlns="">
+        <mc:Fallback>
           <p:sp>
             <p:nvSpPr>
               <p:cNvPr id="3" name="內容版面配置區 2">

--- a/GM/Placement/PUFFER A Routability-Driven Placement Framework via Cell Padding/PUFFER A Routability-Driven Placement Framework via Cell Padding.pptx
+++ b/GM/Placement/PUFFER A Routability-Driven Placement Framework via Cell Padding/PUFFER A Routability-Driven Placement Framework via Cell Padding.pptx
@@ -5,7 +5,7 @@
     <p:sldMasterId id="2147483648" r:id="rId1"/>
   </p:sldMasterIdLst>
   <p:notesMasterIdLst>
-    <p:notesMasterId r:id="rId18"/>
+    <p:notesMasterId r:id="rId20"/>
   </p:notesMasterIdLst>
   <p:sldIdLst>
     <p:sldId id="256" r:id="rId2"/>
@@ -23,7 +23,9 @@
     <p:sldId id="309" r:id="rId14"/>
     <p:sldId id="310" r:id="rId15"/>
     <p:sldId id="311" r:id="rId16"/>
-    <p:sldId id="298" r:id="rId17"/>
+    <p:sldId id="312" r:id="rId17"/>
+    <p:sldId id="313" r:id="rId18"/>
+    <p:sldId id="298" r:id="rId19"/>
   </p:sldIdLst>
   <p:sldSz cx="12192000" cy="6858000"/>
   <p:notesSz cx="6858000" cy="9144000"/>
@@ -1468,7 +1470,7 @@
           <a:p>
             <a:fld id="{C9ED61FB-B9B0-4D85-A72E-A614C28ECC4E}" type="datetimeFigureOut">
               <a:rPr lang="en-US" smtClean="0"/>
-              <a:t>10/2/2023</a:t>
+              <a:t>10/3/2023</a:t>
             </a:fld>
             <a:endParaRPr lang="en-US"/>
           </a:p>
@@ -1900,6 +1902,423 @@
     <p:extLst>
       <p:ext uri="{BB962C8B-B14F-4D97-AF65-F5344CB8AC3E}">
         <p14:creationId xmlns:p14="http://schemas.microsoft.com/office/powerpoint/2010/main" val="1718402670"/>
+      </p:ext>
+    </p:extLst>
+  </p:cSld>
+  <p:clrMapOvr>
+    <a:masterClrMapping/>
+  </p:clrMapOvr>
+</p:notes>
+</file>
+
+<file path=ppt/notesSlides/notesSlide11.xml><?xml version="1.0" encoding="utf-8"?>
+<p:notes xmlns:a="http://schemas.openxmlformats.org/drawingml/2006/main" xmlns:r="http://schemas.openxmlformats.org/officeDocument/2006/relationships" xmlns:p="http://schemas.openxmlformats.org/presentationml/2006/main">
+  <p:cSld>
+    <p:spTree>
+      <p:nvGrpSpPr>
+        <p:cNvPr id="1" name=""/>
+        <p:cNvGrpSpPr/>
+        <p:nvPr/>
+      </p:nvGrpSpPr>
+      <p:grpSpPr>
+        <a:xfrm>
+          <a:off x="0" y="0"/>
+          <a:ext cx="0" cy="0"/>
+          <a:chOff x="0" y="0"/>
+          <a:chExt cx="0" cy="0"/>
+        </a:xfrm>
+      </p:grpSpPr>
+      <p:sp>
+        <p:nvSpPr>
+          <p:cNvPr id="2" name="投影片影像版面配置區 1"/>
+          <p:cNvSpPr>
+            <a:spLocks noGrp="1" noRot="1" noChangeAspect="1"/>
+          </p:cNvSpPr>
+          <p:nvPr>
+            <p:ph type="sldImg"/>
+          </p:nvPr>
+        </p:nvSpPr>
+        <p:spPr/>
+      </p:sp>
+      <p:sp>
+        <p:nvSpPr>
+          <p:cNvPr id="3" name="備忘稿版面配置區 2"/>
+          <p:cNvSpPr>
+            <a:spLocks noGrp="1"/>
+          </p:cNvSpPr>
+          <p:nvPr>
+            <p:ph type="body" idx="1"/>
+          </p:nvPr>
+        </p:nvSpPr>
+        <p:spPr/>
+        <p:txBody>
+          <a:bodyPr/>
+          <a:lstStyle/>
+          <a:p>
+            <a:pPr marL="285750" indent="-285750" algn="l">
+              <a:buFont typeface="Arial" panose="020B0604020202020204" pitchFamily="34" charset="0"/>
+              <a:buChar char="•"/>
+            </a:pPr>
+            <a:r>
+              <a:rPr lang="en-US" altLang="zh-TW" sz="1800" b="0" i="0" u="none" strike="noStrike" baseline="0" dirty="0" err="1">
+                <a:latin typeface="CMMI9"/>
+              </a:rPr>
+              <a:t>LCg</a:t>
+            </a:r>
+            <a:r>
+              <a:rPr lang="en-US" altLang="zh-TW" sz="1800" b="0" i="0" u="none" strike="noStrike" baseline="0" dirty="0">
+                <a:latin typeface="CMR9"/>
+              </a:rPr>
+              <a:t>(</a:t>
+            </a:r>
+            <a:r>
+              <a:rPr lang="en-US" altLang="zh-TW" sz="1800" b="0" i="0" u="none" strike="noStrike" baseline="0" dirty="0">
+                <a:latin typeface="CMMI9"/>
+              </a:rPr>
+              <a:t>c</a:t>
+            </a:r>
+            <a:r>
+              <a:rPr lang="en-US" altLang="zh-TW" sz="1800" b="0" i="0" u="none" strike="noStrike" baseline="0" dirty="0">
+                <a:latin typeface="CMR9"/>
+              </a:rPr>
+              <a:t>) </a:t>
+            </a:r>
+            <a:r>
+              <a:rPr lang="en-US" altLang="zh-TW" sz="1800" b="0" i="0" u="none" strike="noStrike" baseline="0" dirty="0">
+                <a:latin typeface="NimbusRomNo9L-Regu"/>
+              </a:rPr>
+              <a:t>is the local congestion of cell </a:t>
+            </a:r>
+            <a:r>
+              <a:rPr lang="en-US" altLang="zh-TW" sz="1800" b="0" i="0" u="none" strike="noStrike" baseline="0" dirty="0">
+                <a:latin typeface="CMMI9"/>
+              </a:rPr>
+              <a:t>c</a:t>
+            </a:r>
+          </a:p>
+          <a:p>
+            <a:pPr marL="285750" indent="-285750" algn="l">
+              <a:buFont typeface="Arial" panose="020B0604020202020204" pitchFamily="34" charset="0"/>
+              <a:buChar char="•"/>
+            </a:pPr>
+            <a:r>
+              <a:rPr lang="en-US" altLang="zh-TW" sz="1800" b="0" i="0" u="none" strike="noStrike" baseline="0" dirty="0">
+                <a:latin typeface="CMMI9"/>
+              </a:rPr>
+              <a:t>Pos</a:t>
+            </a:r>
+            <a:r>
+              <a:rPr lang="en-US" altLang="zh-TW" sz="1800" b="0" i="0" u="none" strike="noStrike" baseline="0" dirty="0">
+                <a:latin typeface="CMR9"/>
+              </a:rPr>
+              <a:t>(</a:t>
+            </a:r>
+            <a:r>
+              <a:rPr lang="en-US" altLang="zh-TW" sz="1800" b="0" i="0" u="none" strike="noStrike" baseline="0" dirty="0">
+                <a:latin typeface="CMMI9"/>
+              </a:rPr>
+              <a:t>c</a:t>
+            </a:r>
+            <a:r>
+              <a:rPr lang="en-US" altLang="zh-TW" sz="1800" b="0" i="0" u="none" strike="noStrike" baseline="0" dirty="0">
+                <a:latin typeface="CMR9"/>
+              </a:rPr>
+              <a:t>) </a:t>
+            </a:r>
+            <a:r>
+              <a:rPr lang="en-US" altLang="zh-TW" sz="1800" b="0" i="0" u="none" strike="noStrike" baseline="0" dirty="0">
+                <a:latin typeface="NimbusRomNo9L-Regu"/>
+              </a:rPr>
+              <a:t>is the </a:t>
+            </a:r>
+            <a:r>
+              <a:rPr lang="en-US" altLang="zh-TW" sz="1800" b="0" i="0" u="none" strike="noStrike" baseline="0" dirty="0" err="1">
+                <a:latin typeface="NimbusRomNo9L-Regu"/>
+              </a:rPr>
+              <a:t>Gcell</a:t>
+            </a:r>
+            <a:r>
+              <a:rPr lang="en-US" altLang="zh-TW" sz="1800" b="0" i="0" u="none" strike="noStrike" baseline="0" dirty="0">
+                <a:latin typeface="NimbusRomNo9L-Regu"/>
+              </a:rPr>
+              <a:t> set including all </a:t>
+            </a:r>
+            <a:r>
+              <a:rPr lang="en-US" altLang="zh-TW" sz="1800" b="0" i="0" u="none" strike="noStrike" baseline="0" dirty="0" err="1">
+                <a:latin typeface="NimbusRomNo9L-Regu"/>
+              </a:rPr>
+              <a:t>Gcells</a:t>
+            </a:r>
+            <a:r>
+              <a:rPr lang="en-US" altLang="zh-TW" sz="1800" b="0" i="0" u="none" strike="noStrike" baseline="0" dirty="0">
+                <a:latin typeface="NimbusRomNo9L-Regu"/>
+              </a:rPr>
+              <a:t> overlapped with cell </a:t>
+            </a:r>
+            <a:r>
+              <a:rPr lang="en-US" altLang="zh-TW" sz="1800" b="0" i="0" u="none" strike="noStrike" baseline="0" dirty="0">
+                <a:latin typeface="CMMI9"/>
+              </a:rPr>
+              <a:t>c</a:t>
+            </a:r>
+            <a:endParaRPr lang="en-US" altLang="zh-TW" sz="1800" b="0" i="0" u="none" strike="noStrike" baseline="0" dirty="0">
+              <a:latin typeface="NimbusRomNo9L-Regu"/>
+            </a:endParaRPr>
+          </a:p>
+          <a:p>
+            <a:pPr marL="285750" indent="-285750" algn="l">
+              <a:buFont typeface="Arial" panose="020B0604020202020204" pitchFamily="34" charset="0"/>
+              <a:buChar char="•"/>
+            </a:pPr>
+            <a:r>
+              <a:rPr lang="en-US" altLang="zh-TW" sz="1800" b="0" i="0" u="none" strike="noStrike" baseline="0" dirty="0">
+                <a:latin typeface="CMMI9"/>
+              </a:rPr>
+              <a:t>Cg</a:t>
+            </a:r>
+            <a:r>
+              <a:rPr lang="en-US" altLang="zh-TW" sz="1800" b="0" i="0" u="none" strike="noStrike" baseline="0" dirty="0">
+                <a:latin typeface="CMR9"/>
+              </a:rPr>
+              <a:t>(</a:t>
+            </a:r>
+            <a:r>
+              <a:rPr lang="en-US" altLang="zh-TW" sz="1800" b="0" i="0" u="none" strike="noStrike" baseline="0" dirty="0">
+                <a:latin typeface="CMMI9"/>
+              </a:rPr>
+              <a:t>g</a:t>
+            </a:r>
+            <a:r>
+              <a:rPr lang="en-US" altLang="zh-TW" sz="1800" b="0" i="0" u="none" strike="noStrike" baseline="0" dirty="0">
+                <a:latin typeface="CMR9"/>
+              </a:rPr>
+              <a:t>) </a:t>
+            </a:r>
+            <a:r>
+              <a:rPr lang="en-US" altLang="zh-TW" sz="1800" b="0" i="0" u="none" strike="noStrike" baseline="0" dirty="0">
+                <a:latin typeface="NimbusRomNo9L-Regu"/>
+              </a:rPr>
+              <a:t>is the congestion of </a:t>
+            </a:r>
+            <a:r>
+              <a:rPr lang="en-US" altLang="zh-TW" sz="1800" b="0" i="0" u="none" strike="noStrike" baseline="0" dirty="0" err="1">
+                <a:latin typeface="NimbusRomNo9L-Regu"/>
+              </a:rPr>
+              <a:t>Gcell</a:t>
+            </a:r>
+            <a:r>
+              <a:rPr lang="en-US" altLang="zh-TW" sz="1800" b="0" i="0" u="none" strike="noStrike" baseline="0" dirty="0">
+                <a:latin typeface="NimbusRomNo9L-Regu"/>
+              </a:rPr>
+              <a:t> </a:t>
+            </a:r>
+            <a:r>
+              <a:rPr lang="en-US" altLang="zh-TW" sz="1800" b="0" i="0" u="none" strike="noStrike" baseline="0" dirty="0">
+                <a:latin typeface="CMMI9"/>
+              </a:rPr>
+              <a:t>g</a:t>
+            </a:r>
+          </a:p>
+          <a:p>
+            <a:pPr marL="285750" indent="-285750" algn="l">
+              <a:buFont typeface="Arial" panose="020B0604020202020204" pitchFamily="34" charset="0"/>
+              <a:buChar char="•"/>
+            </a:pPr>
+            <a:r>
+              <a:rPr lang="en-US" altLang="zh-TW" sz="1800" b="0" i="0" u="none" strike="noStrike" baseline="0" dirty="0">
+                <a:latin typeface="CMMI9"/>
+              </a:rPr>
+              <a:t>Cg H</a:t>
+            </a:r>
+            <a:r>
+              <a:rPr lang="en-US" altLang="zh-TW" sz="1800" b="0" i="0" u="none" strike="noStrike" baseline="0" dirty="0">
+                <a:latin typeface="CMMI6"/>
+              </a:rPr>
+              <a:t>/V </a:t>
+            </a:r>
+            <a:r>
+              <a:rPr lang="en-US" altLang="zh-TW" sz="1800" b="0" i="0" u="none" strike="noStrike" baseline="0" dirty="0">
+                <a:latin typeface="CMR9"/>
+              </a:rPr>
+              <a:t>(</a:t>
+            </a:r>
+            <a:r>
+              <a:rPr lang="en-US" altLang="zh-TW" sz="1800" b="0" i="0" u="none" strike="noStrike" baseline="0" dirty="0">
+                <a:latin typeface="CMMI9"/>
+              </a:rPr>
+              <a:t>g</a:t>
+            </a:r>
+            <a:r>
+              <a:rPr lang="en-US" altLang="zh-TW" sz="1800" b="0" i="0" u="none" strike="noStrike" baseline="0" dirty="0">
+                <a:latin typeface="CMR9"/>
+              </a:rPr>
+              <a:t>)</a:t>
+            </a:r>
+            <a:r>
+              <a:rPr lang="en-US" altLang="zh-TW" sz="1800" b="0" i="0" u="none" strike="noStrike" baseline="0" dirty="0">
+                <a:latin typeface="NimbusRomNo9L-Regu"/>
+              </a:rPr>
+              <a:t> : horizontal and vertical congestion</a:t>
+            </a:r>
+          </a:p>
+          <a:p>
+            <a:pPr marL="285750" indent="-285750" algn="l">
+              <a:buFont typeface="Arial" panose="020B0604020202020204" pitchFamily="34" charset="0"/>
+              <a:buChar char="•"/>
+            </a:pPr>
+            <a:r>
+              <a:rPr lang="en-US" altLang="zh-TW" sz="1800" b="0" i="0" u="none" strike="noStrike" baseline="0" dirty="0">
+                <a:latin typeface="NimbusRomNo9L-Regu"/>
+              </a:rPr>
+              <a:t>Pin density could be calculated by the number of cell pins in each </a:t>
+            </a:r>
+            <a:r>
+              <a:rPr lang="en-US" altLang="zh-TW" sz="1800" b="0" i="0" u="none" strike="noStrike" baseline="0" dirty="0" err="1">
+                <a:latin typeface="NimbusRomNo9L-Regu"/>
+              </a:rPr>
+              <a:t>Gcell</a:t>
+            </a:r>
+            <a:r>
+              <a:rPr lang="en-US" altLang="zh-TW" sz="1800" b="0" i="0" u="none" strike="noStrike" baseline="0" dirty="0">
+                <a:latin typeface="NimbusRomNo9L-Regu"/>
+              </a:rPr>
+              <a:t> divided by the number of available sites in each </a:t>
+            </a:r>
+            <a:r>
+              <a:rPr lang="en-US" altLang="zh-TW" sz="1800" b="0" i="0" u="none" strike="noStrike" baseline="0" dirty="0" err="1">
+                <a:latin typeface="NimbusRomNo9L-Regu"/>
+              </a:rPr>
+              <a:t>Gcell</a:t>
+            </a:r>
+            <a:r>
+              <a:rPr lang="en-US" altLang="zh-TW" sz="1800" b="0" i="0" u="none" strike="noStrike" baseline="0" dirty="0">
+                <a:latin typeface="NimbusRomNo9L-Regu"/>
+              </a:rPr>
+              <a:t>.</a:t>
+            </a:r>
+            <a:endParaRPr lang="en-US" altLang="zh-TW" sz="1800" b="0" i="0" u="none" strike="noStrike" baseline="0" dirty="0">
+              <a:latin typeface="CMMI9"/>
+            </a:endParaRPr>
+          </a:p>
+        </p:txBody>
+      </p:sp>
+      <p:sp>
+        <p:nvSpPr>
+          <p:cNvPr id="4" name="投影片編號版面配置區 3"/>
+          <p:cNvSpPr>
+            <a:spLocks noGrp="1"/>
+          </p:cNvSpPr>
+          <p:nvPr>
+            <p:ph type="sldNum" sz="quarter" idx="5"/>
+          </p:nvPr>
+        </p:nvSpPr>
+        <p:spPr/>
+        <p:txBody>
+          <a:bodyPr/>
+          <a:lstStyle/>
+          <a:p>
+            <a:fld id="{9D457EAB-1485-47AD-BEAD-484FAEBF5A54}" type="slidenum">
+              <a:rPr lang="en-US" smtClean="0"/>
+              <a:t>15</a:t>
+            </a:fld>
+            <a:endParaRPr lang="en-US"/>
+          </a:p>
+        </p:txBody>
+      </p:sp>
+    </p:spTree>
+    <p:extLst>
+      <p:ext uri="{BB962C8B-B14F-4D97-AF65-F5344CB8AC3E}">
+        <p14:creationId xmlns:p14="http://schemas.microsoft.com/office/powerpoint/2010/main" val="2902574397"/>
+      </p:ext>
+    </p:extLst>
+  </p:cSld>
+  <p:clrMapOvr>
+    <a:masterClrMapping/>
+  </p:clrMapOvr>
+</p:notes>
+</file>
+
+<file path=ppt/notesSlides/notesSlide12.xml><?xml version="1.0" encoding="utf-8"?>
+<p:notes xmlns:a="http://schemas.openxmlformats.org/drawingml/2006/main" xmlns:r="http://schemas.openxmlformats.org/officeDocument/2006/relationships" xmlns:p="http://schemas.openxmlformats.org/presentationml/2006/main">
+  <p:cSld>
+    <p:spTree>
+      <p:nvGrpSpPr>
+        <p:cNvPr id="1" name=""/>
+        <p:cNvGrpSpPr/>
+        <p:nvPr/>
+      </p:nvGrpSpPr>
+      <p:grpSpPr>
+        <a:xfrm>
+          <a:off x="0" y="0"/>
+          <a:ext cx="0" cy="0"/>
+          <a:chOff x="0" y="0"/>
+          <a:chExt cx="0" cy="0"/>
+        </a:xfrm>
+      </p:grpSpPr>
+      <p:sp>
+        <p:nvSpPr>
+          <p:cNvPr id="2" name="投影片影像版面配置區 1"/>
+          <p:cNvSpPr>
+            <a:spLocks noGrp="1" noRot="1" noChangeAspect="1"/>
+          </p:cNvSpPr>
+          <p:nvPr>
+            <p:ph type="sldImg"/>
+          </p:nvPr>
+        </p:nvSpPr>
+        <p:spPr/>
+      </p:sp>
+      <p:sp>
+        <p:nvSpPr>
+          <p:cNvPr id="3" name="備忘稿版面配置區 2"/>
+          <p:cNvSpPr>
+            <a:spLocks noGrp="1"/>
+          </p:cNvSpPr>
+          <p:nvPr>
+            <p:ph type="body" idx="1"/>
+          </p:nvPr>
+        </p:nvSpPr>
+        <p:spPr/>
+        <p:txBody>
+          <a:bodyPr/>
+          <a:lstStyle/>
+          <a:p>
+            <a:pPr marL="285750" indent="-285750" algn="l">
+              <a:buFont typeface="Arial" panose="020B0604020202020204" pitchFamily="34" charset="0"/>
+              <a:buChar char="•"/>
+            </a:pPr>
+            <a:endParaRPr lang="en-US" altLang="zh-TW" sz="1800" b="0" i="0" u="none" strike="noStrike" baseline="0" dirty="0">
+              <a:latin typeface="CMMI9"/>
+            </a:endParaRPr>
+          </a:p>
+        </p:txBody>
+      </p:sp>
+      <p:sp>
+        <p:nvSpPr>
+          <p:cNvPr id="4" name="投影片編號版面配置區 3"/>
+          <p:cNvSpPr>
+            <a:spLocks noGrp="1"/>
+          </p:cNvSpPr>
+          <p:nvPr>
+            <p:ph type="sldNum" sz="quarter" idx="5"/>
+          </p:nvPr>
+        </p:nvSpPr>
+        <p:spPr/>
+        <p:txBody>
+          <a:bodyPr/>
+          <a:lstStyle/>
+          <a:p>
+            <a:fld id="{9D457EAB-1485-47AD-BEAD-484FAEBF5A54}" type="slidenum">
+              <a:rPr lang="en-US" smtClean="0"/>
+              <a:t>16</a:t>
+            </a:fld>
+            <a:endParaRPr lang="en-US"/>
+          </a:p>
+        </p:txBody>
+      </p:sp>
+    </p:spTree>
+    <p:extLst>
+      <p:ext uri="{BB962C8B-B14F-4D97-AF65-F5344CB8AC3E}">
+        <p14:creationId xmlns:p14="http://schemas.microsoft.com/office/powerpoint/2010/main" val="2692143703"/>
       </p:ext>
     </p:extLst>
   </p:cSld>
@@ -3641,7 +4060,7 @@
           <a:p>
             <a:fld id="{99BA7BAB-F69F-4C21-8D40-7AA273A2D01F}" type="datetime1">
               <a:rPr lang="en-US" smtClean="0"/>
-              <a:t>10/2/2023</a:t>
+              <a:t>10/3/2023</a:t>
             </a:fld>
             <a:endParaRPr lang="en-US"/>
           </a:p>
@@ -3846,7 +4265,7 @@
           <a:p>
             <a:fld id="{FB00A8EC-4678-43EE-BE64-F312B7F1A46F}" type="datetime1">
               <a:rPr lang="en-US" smtClean="0"/>
-              <a:t>10/2/2023</a:t>
+              <a:t>10/3/2023</a:t>
             </a:fld>
             <a:endParaRPr lang="en-US"/>
           </a:p>
@@ -4054,7 +4473,7 @@
           <a:p>
             <a:fld id="{9487F23D-EA8F-4C56-9373-23F6109AD11F}" type="datetime1">
               <a:rPr lang="en-US" smtClean="0"/>
-              <a:t>10/2/2023</a:t>
+              <a:t>10/3/2023</a:t>
             </a:fld>
             <a:endParaRPr lang="en-US"/>
           </a:p>
@@ -4252,7 +4671,7 @@
           <a:p>
             <a:fld id="{A34E716E-0239-4A81-9CF4-D3B9651721CF}" type="datetime1">
               <a:rPr lang="en-US" smtClean="0"/>
-              <a:t>10/2/2023</a:t>
+              <a:t>10/3/2023</a:t>
             </a:fld>
             <a:endParaRPr lang="en-US"/>
           </a:p>
@@ -4534,7 +4953,7 @@
           <a:p>
             <a:fld id="{CC112E56-3D97-4B86-935C-1C493DD86A08}" type="datetime1">
               <a:rPr lang="en-US" smtClean="0"/>
-              <a:t>10/2/2023</a:t>
+              <a:t>10/3/2023</a:t>
             </a:fld>
             <a:endParaRPr lang="en-US"/>
           </a:p>
@@ -4799,7 +5218,7 @@
           <a:p>
             <a:fld id="{40649135-BABF-4F63-9AF8-3CEC545E47DC}" type="datetime1">
               <a:rPr lang="en-US" smtClean="0"/>
-              <a:t>10/2/2023</a:t>
+              <a:t>10/3/2023</a:t>
             </a:fld>
             <a:endParaRPr lang="en-US"/>
           </a:p>
@@ -5211,7 +5630,7 @@
           <a:p>
             <a:fld id="{B16EBC02-C9C0-442D-A8A6-494057203542}" type="datetime1">
               <a:rPr lang="en-US" smtClean="0"/>
-              <a:t>10/2/2023</a:t>
+              <a:t>10/3/2023</a:t>
             </a:fld>
             <a:endParaRPr lang="en-US"/>
           </a:p>
@@ -5352,7 +5771,7 @@
           <a:p>
             <a:fld id="{A126C4B4-559D-414E-BC9C-16A745BBF3C3}" type="datetime1">
               <a:rPr lang="en-US" smtClean="0"/>
-              <a:t>10/2/2023</a:t>
+              <a:t>10/3/2023</a:t>
             </a:fld>
             <a:endParaRPr lang="en-US"/>
           </a:p>
@@ -5465,7 +5884,7 @@
           <a:p>
             <a:fld id="{0D49D49E-73A5-4C03-BFEA-3D845EB044D8}" type="datetime1">
               <a:rPr lang="en-US" smtClean="0"/>
-              <a:t>10/2/2023</a:t>
+              <a:t>10/3/2023</a:t>
             </a:fld>
             <a:endParaRPr lang="en-US"/>
           </a:p>
@@ -5776,7 +6195,7 @@
           <a:p>
             <a:fld id="{4A0F93E6-3134-410C-B573-A5F6B38FC346}" type="datetime1">
               <a:rPr lang="en-US" smtClean="0"/>
-              <a:t>10/2/2023</a:t>
+              <a:t>10/3/2023</a:t>
             </a:fld>
             <a:endParaRPr lang="en-US"/>
           </a:p>
@@ -6064,7 +6483,7 @@
           <a:p>
             <a:fld id="{F766E70F-5320-45A5-BE33-1819A93C2AF4}" type="datetime1">
               <a:rPr lang="en-US" smtClean="0"/>
-              <a:t>10/2/2023</a:t>
+              <a:t>10/3/2023</a:t>
             </a:fld>
             <a:endParaRPr lang="en-US"/>
           </a:p>
@@ -6305,7 +6724,7 @@
           <a:p>
             <a:fld id="{A706458B-0289-40FF-A02D-2C541B7F1CB6}" type="datetime1">
               <a:rPr lang="en-US" smtClean="0"/>
-              <a:t>10/2/2023</a:t>
+              <a:t>10/3/2023</a:t>
             </a:fld>
             <a:endParaRPr lang="en-US"/>
           </a:p>
@@ -7447,8 +7866,8 @@
           </a:p>
         </p:txBody>
       </p:sp>
-      <mc:AlternateContent xmlns:mc="http://schemas.openxmlformats.org/markup-compatibility/2006">
-        <mc:Choice xmlns:a14="http://schemas.microsoft.com/office/drawing/2010/main" Requires="a14">
+      <mc:AlternateContent xmlns:mc="http://schemas.openxmlformats.org/markup-compatibility/2006" xmlns:a14="http://schemas.microsoft.com/office/drawing/2010/main">
+        <mc:Choice Requires="a14">
           <p:sp>
             <p:nvSpPr>
               <p:cNvPr id="3" name="內容版面配置區 2">
@@ -8431,7 +8850,7 @@
             </p:txBody>
           </p:sp>
         </mc:Choice>
-        <mc:Fallback>
+        <mc:Fallback xmlns="">
           <p:sp>
             <p:nvSpPr>
               <p:cNvPr id="3" name="內容版面配置區 2">
@@ -8569,8 +8988,8 @@
           </a:p>
         </p:txBody>
       </p:sp>
-      <mc:AlternateContent xmlns:mc="http://schemas.openxmlformats.org/markup-compatibility/2006">
-        <mc:Choice xmlns:a14="http://schemas.microsoft.com/office/drawing/2010/main" Requires="a14">
+      <mc:AlternateContent xmlns:mc="http://schemas.openxmlformats.org/markup-compatibility/2006" xmlns:a14="http://schemas.microsoft.com/office/drawing/2010/main">
+        <mc:Choice Requires="a14">
           <p:sp>
             <p:nvSpPr>
               <p:cNvPr id="3" name="內容版面配置區 2">
@@ -8975,7 +9394,7 @@
             </p:txBody>
           </p:sp>
         </mc:Choice>
-        <mc:Fallback>
+        <mc:Fallback xmlns="">
           <p:sp>
             <p:nvSpPr>
               <p:cNvPr id="3" name="內容版面配置區 2">
@@ -9048,6 +9467,36 @@
           </a:p>
         </p:txBody>
       </p:sp>
+      <p:pic>
+        <p:nvPicPr>
+          <p:cNvPr id="6" name="圖片 5">
+            <a:extLst>
+              <a:ext uri="{FF2B5EF4-FFF2-40B4-BE49-F238E27FC236}">
+                <a16:creationId xmlns:a16="http://schemas.microsoft.com/office/drawing/2014/main" id="{0431A602-D971-6024-13E1-7F927EE4E955}"/>
+              </a:ext>
+            </a:extLst>
+          </p:cNvPr>
+          <p:cNvPicPr>
+            <a:picLocks noChangeAspect="1"/>
+          </p:cNvPicPr>
+          <p:nvPr/>
+        </p:nvPicPr>
+        <p:blipFill>
+          <a:blip r:embed="rId4"/>
+          <a:stretch>
+            <a:fillRect/>
+          </a:stretch>
+        </p:blipFill>
+        <p:spPr>
+          <a:xfrm>
+            <a:off x="6205283" y="495300"/>
+            <a:ext cx="5148517" cy="1590675"/>
+          </a:xfrm>
+          <a:prstGeom prst="rect">
+            <a:avLst/>
+          </a:prstGeom>
+        </p:spPr>
+      </p:pic>
     </p:spTree>
     <p:extLst>
       <p:ext uri="{BB962C8B-B14F-4D97-AF65-F5344CB8AC3E}">
@@ -9272,7 +9721,7 @@
               <a:buAutoNum type="arabicPeriod"/>
             </a:pPr>
             <a:r>
-              <a:rPr lang="en-US" altLang="zh-TW" sz="3200" dirty="0">
+              <a:rPr lang="en-US" altLang="zh-TW" dirty="0">
                 <a:latin typeface="Times" panose="02020603050405020304" pitchFamily="18" charset="0"/>
                 <a:cs typeface="Times" panose="02020603050405020304" pitchFamily="18" charset="0"/>
               </a:rPr>
@@ -9401,8 +9850,8 @@
           </a:p>
         </p:txBody>
       </p:sp>
-      <mc:AlternateContent xmlns:mc="http://schemas.openxmlformats.org/markup-compatibility/2006">
-        <mc:Choice xmlns:a14="http://schemas.microsoft.com/office/drawing/2010/main" Requires="a14">
+      <mc:AlternateContent xmlns:mc="http://schemas.openxmlformats.org/markup-compatibility/2006" xmlns:a14="http://schemas.microsoft.com/office/drawing/2010/main">
+        <mc:Choice Requires="a14">
           <p:sp>
             <p:nvSpPr>
               <p:cNvPr id="5" name="文字方塊 4">
@@ -9914,7 +10363,7 @@
             </p:txBody>
           </p:sp>
         </mc:Choice>
-        <mc:Fallback>
+        <mc:Fallback xmlns="">
           <p:sp>
             <p:nvSpPr>
               <p:cNvPr id="5" name="文字方塊 4">
@@ -10060,7 +10509,7 @@
               <a:buAutoNum type="arabicPeriod" startAt="2"/>
             </a:pPr>
             <a:r>
-              <a:rPr lang="en-US" altLang="zh-TW" sz="3200" dirty="0">
+              <a:rPr lang="en-US" altLang="zh-TW" dirty="0">
                 <a:latin typeface="Times" panose="02020603050405020304" pitchFamily="18" charset="0"/>
                 <a:cs typeface="Times" panose="02020603050405020304" pitchFamily="18" charset="0"/>
               </a:rPr>
@@ -10185,7 +10634,7 @@
         </p:blipFill>
         <p:spPr>
           <a:xfrm>
-            <a:off x="2671283" y="3768313"/>
+            <a:off x="2671284" y="3768313"/>
             <a:ext cx="6849431" cy="2953162"/>
           </a:xfrm>
           <a:prstGeom prst="rect">
@@ -10294,7 +10743,7 @@
               <a:buAutoNum type="arabicPeriod" startAt="3"/>
             </a:pPr>
             <a:r>
-              <a:rPr lang="en-US" altLang="zh-TW" sz="3200" dirty="0">
+              <a:rPr lang="en-US" altLang="zh-TW" dirty="0">
                 <a:latin typeface="Times" panose="02020603050405020304" pitchFamily="18" charset="0"/>
                 <a:cs typeface="Times" panose="02020603050405020304" pitchFamily="18" charset="0"/>
               </a:rPr>
@@ -10413,6 +10862,1380 @@
       </p:grpSpPr>
       <p:sp>
         <p:nvSpPr>
+          <p:cNvPr id="2" name="標題 1">
+            <a:extLst>
+              <a:ext uri="{FF2B5EF4-FFF2-40B4-BE49-F238E27FC236}">
+                <a16:creationId xmlns:a16="http://schemas.microsoft.com/office/drawing/2014/main" id="{AEDF6777-6236-46F8-93C4-053ACE59502E}"/>
+              </a:ext>
+            </a:extLst>
+          </p:cNvPr>
+          <p:cNvSpPr>
+            <a:spLocks noGrp="1"/>
+          </p:cNvSpPr>
+          <p:nvPr>
+            <p:ph type="title"/>
+          </p:nvPr>
+        </p:nvSpPr>
+        <p:spPr>
+          <a:xfrm>
+            <a:off x="434738" y="320675"/>
+            <a:ext cx="11757262" cy="1325563"/>
+          </a:xfrm>
+        </p:spPr>
+        <p:txBody>
+          <a:bodyPr>
+            <a:normAutofit/>
+          </a:bodyPr>
+          <a:lstStyle/>
+          <a:p>
+            <a:r>
+              <a:rPr lang="en-US" altLang="zh-TW" sz="4000" dirty="0">
+                <a:latin typeface="Times" panose="02020603050405020304" pitchFamily="18" charset="0"/>
+                <a:cs typeface="Times" panose="02020603050405020304" pitchFamily="18" charset="0"/>
+              </a:rPr>
+              <a:t>Multi-feature-based Cell Padding</a:t>
+            </a:r>
+          </a:p>
+        </p:txBody>
+      </p:sp>
+      <mc:AlternateContent xmlns:mc="http://schemas.openxmlformats.org/markup-compatibility/2006">
+        <mc:Choice xmlns:a14="http://schemas.microsoft.com/office/drawing/2010/main" Requires="a14">
+          <p:sp>
+            <p:nvSpPr>
+              <p:cNvPr id="3" name="內容版面配置區 2">
+                <a:extLst>
+                  <a:ext uri="{FF2B5EF4-FFF2-40B4-BE49-F238E27FC236}">
+                    <a16:creationId xmlns:a16="http://schemas.microsoft.com/office/drawing/2014/main" id="{CDD6591C-6706-1D9B-A7CF-BE488BA469CB}"/>
+                  </a:ext>
+                </a:extLst>
+              </p:cNvPr>
+              <p:cNvSpPr>
+                <a:spLocks noGrp="1"/>
+              </p:cNvSpPr>
+              <p:nvPr>
+                <p:ph idx="1"/>
+              </p:nvPr>
+            </p:nvSpPr>
+            <p:spPr>
+              <a:xfrm>
+                <a:off x="839645" y="1846585"/>
+                <a:ext cx="10512709" cy="4874890"/>
+              </a:xfrm>
+            </p:spPr>
+            <p:txBody>
+              <a:bodyPr>
+                <a:normAutofit/>
+              </a:bodyPr>
+              <a:lstStyle/>
+              <a:p>
+                <a:pPr marL="514350" indent="-514350">
+                  <a:buFont typeface="+mj-lt"/>
+                  <a:buAutoNum type="arabicPeriod"/>
+                </a:pPr>
+                <a:r>
+                  <a:rPr lang="en-US" altLang="zh-TW" dirty="0">
+                    <a:latin typeface="Times" panose="02020603050405020304" pitchFamily="18" charset="0"/>
+                    <a:cs typeface="Times" panose="02020603050405020304" pitchFamily="18" charset="0"/>
+                  </a:rPr>
+                  <a:t>CNN and GNN-inspired feature extraction</a:t>
+                </a:r>
+              </a:p>
+              <a:p>
+                <a:pPr marL="514350" indent="-514350">
+                  <a:buFont typeface="+mj-lt"/>
+                  <a:buAutoNum type="arabicPeriod"/>
+                </a:pPr>
+                <a:endParaRPr lang="en-US" altLang="zh-TW" sz="600" dirty="0">
+                  <a:latin typeface="Times" panose="02020603050405020304" pitchFamily="18" charset="0"/>
+                  <a:cs typeface="Times" panose="02020603050405020304" pitchFamily="18" charset="0"/>
+                </a:endParaRPr>
+              </a:p>
+              <a:p>
+                <a:r>
+                  <a:rPr lang="en-US" altLang="zh-TW" dirty="0">
+                    <a:latin typeface="Times" panose="02020603050405020304" pitchFamily="18" charset="0"/>
+                    <a:cs typeface="Times" panose="02020603050405020304" pitchFamily="18" charset="0"/>
+                  </a:rPr>
+                  <a:t>Traditional local information ()</a:t>
+                </a:r>
+              </a:p>
+              <a:p>
+                <a:pPr marL="0" indent="0">
+                  <a:buNone/>
+                </a:pPr>
+                <a:endParaRPr lang="en-US" altLang="zh-TW" b="0" i="1" dirty="0">
+                  <a:latin typeface="Cambria Math" panose="02040503050406030204" pitchFamily="18" charset="0"/>
+                  <a:cs typeface="Times" panose="02020603050405020304" pitchFamily="18" charset="0"/>
+                </a:endParaRPr>
+              </a:p>
+              <a:p>
+                <a:pPr marL="0" indent="0" algn="ctr">
+                  <a:buNone/>
+                </a:pPr>
+                <a14:m>
+                  <m:oMath xmlns:m="http://schemas.openxmlformats.org/officeDocument/2006/math">
+                    <m:r>
+                      <a:rPr lang="en-US" altLang="zh-TW" sz="2400" b="0" i="1" smtClean="0">
+                        <a:latin typeface="Cambria Math" panose="02040503050406030204" pitchFamily="18" charset="0"/>
+                        <a:cs typeface="Times" panose="02020603050405020304" pitchFamily="18" charset="0"/>
+                      </a:rPr>
+                      <m:t>𝐿𝐶𝑔</m:t>
+                    </m:r>
+                    <m:d>
+                      <m:dPr>
+                        <m:ctrlPr>
+                          <a:rPr lang="en-US" altLang="zh-TW" sz="2400" b="0" i="1" smtClean="0">
+                            <a:latin typeface="Cambria Math" panose="02040503050406030204" pitchFamily="18" charset="0"/>
+                            <a:cs typeface="Times" panose="02020603050405020304" pitchFamily="18" charset="0"/>
+                          </a:rPr>
+                        </m:ctrlPr>
+                      </m:dPr>
+                      <m:e>
+                        <m:r>
+                          <a:rPr lang="en-US" altLang="zh-TW" sz="2400" b="0" i="1" smtClean="0">
+                            <a:latin typeface="Cambria Math" panose="02040503050406030204" pitchFamily="18" charset="0"/>
+                            <a:cs typeface="Times" panose="02020603050405020304" pitchFamily="18" charset="0"/>
+                          </a:rPr>
+                          <m:t>𝑐</m:t>
+                        </m:r>
+                      </m:e>
+                    </m:d>
+                  </m:oMath>
+                </a14:m>
+                <a:r>
+                  <a:rPr lang="en-US" altLang="zh-TW" sz="2400" dirty="0">
+                    <a:latin typeface="Times" panose="02020603050405020304" pitchFamily="18" charset="0"/>
+                    <a:cs typeface="Times" panose="02020603050405020304" pitchFamily="18" charset="0"/>
+                  </a:rPr>
+                  <a:t> = </a:t>
+                </a:r>
+                <a14:m>
+                  <m:oMath xmlns:m="http://schemas.openxmlformats.org/officeDocument/2006/math">
+                    <m:func>
+                      <m:funcPr>
+                        <m:ctrlPr>
+                          <a:rPr lang="en-US" altLang="zh-TW" sz="2400" i="1" smtClean="0">
+                            <a:latin typeface="Cambria Math" panose="02040503050406030204" pitchFamily="18" charset="0"/>
+                            <a:cs typeface="Times" panose="02020603050405020304" pitchFamily="18" charset="0"/>
+                          </a:rPr>
+                        </m:ctrlPr>
+                      </m:funcPr>
+                      <m:fName>
+                        <m:limLow>
+                          <m:limLowPr>
+                            <m:ctrlPr>
+                              <a:rPr lang="en-US" altLang="zh-TW" sz="2400" i="1" smtClean="0">
+                                <a:latin typeface="Cambria Math" panose="02040503050406030204" pitchFamily="18" charset="0"/>
+                                <a:cs typeface="Times" panose="02020603050405020304" pitchFamily="18" charset="0"/>
+                              </a:rPr>
+                            </m:ctrlPr>
+                          </m:limLowPr>
+                          <m:e>
+                            <m:r>
+                              <m:rPr>
+                                <m:sty m:val="p"/>
+                              </m:rPr>
+                              <a:rPr lang="en-US" altLang="zh-TW" sz="2400" i="0" smtClean="0">
+                                <a:latin typeface="Cambria Math" panose="02040503050406030204" pitchFamily="18" charset="0"/>
+                                <a:cs typeface="Times" panose="02020603050405020304" pitchFamily="18" charset="0"/>
+                              </a:rPr>
+                              <m:t>max</m:t>
+                            </m:r>
+                          </m:e>
+                          <m:lim>
+                            <m:r>
+                              <a:rPr lang="en-US" altLang="zh-TW" sz="2400" b="0" i="1" smtClean="0">
+                                <a:latin typeface="Cambria Math" panose="02040503050406030204" pitchFamily="18" charset="0"/>
+                                <a:cs typeface="Times" panose="02020603050405020304" pitchFamily="18" charset="0"/>
+                              </a:rPr>
+                              <m:t>𝑔</m:t>
+                            </m:r>
+                            <m:r>
+                              <a:rPr lang="zh-TW" altLang="en-US" sz="2400" b="0" i="1" smtClean="0">
+                                <a:latin typeface="Cambria Math" panose="02040503050406030204" pitchFamily="18" charset="0"/>
+                                <a:cs typeface="Times" panose="02020603050405020304" pitchFamily="18" charset="0"/>
+                              </a:rPr>
+                              <m:t>𝜖</m:t>
+                            </m:r>
+                            <m:r>
+                              <a:rPr lang="en-US" altLang="zh-TW" sz="2400" b="0" i="1" smtClean="0">
+                                <a:latin typeface="Cambria Math" panose="02040503050406030204" pitchFamily="18" charset="0"/>
+                                <a:cs typeface="Times" panose="02020603050405020304" pitchFamily="18" charset="0"/>
+                              </a:rPr>
+                              <m:t>𝑃𝑜𝑠</m:t>
+                            </m:r>
+                            <m:r>
+                              <a:rPr lang="en-US" altLang="zh-TW" sz="2400" b="0" i="1" smtClean="0">
+                                <a:latin typeface="Cambria Math" panose="02040503050406030204" pitchFamily="18" charset="0"/>
+                                <a:cs typeface="Times" panose="02020603050405020304" pitchFamily="18" charset="0"/>
+                              </a:rPr>
+                              <m:t>(</m:t>
+                            </m:r>
+                            <m:r>
+                              <a:rPr lang="en-US" altLang="zh-TW" sz="2400" b="0" i="1" smtClean="0">
+                                <a:latin typeface="Cambria Math" panose="02040503050406030204" pitchFamily="18" charset="0"/>
+                                <a:cs typeface="Times" panose="02020603050405020304" pitchFamily="18" charset="0"/>
+                              </a:rPr>
+                              <m:t>𝑐</m:t>
+                            </m:r>
+                            <m:r>
+                              <a:rPr lang="en-US" altLang="zh-TW" sz="2400" b="0" i="1" smtClean="0">
+                                <a:latin typeface="Cambria Math" panose="02040503050406030204" pitchFamily="18" charset="0"/>
+                                <a:cs typeface="Times" panose="02020603050405020304" pitchFamily="18" charset="0"/>
+                              </a:rPr>
+                              <m:t>)</m:t>
+                            </m:r>
+                          </m:lim>
+                        </m:limLow>
+                      </m:fName>
+                      <m:e>
+                        <m:r>
+                          <a:rPr lang="en-US" altLang="zh-TW" sz="2400" b="0" i="1" smtClean="0">
+                            <a:latin typeface="Cambria Math" panose="02040503050406030204" pitchFamily="18" charset="0"/>
+                            <a:cs typeface="Times" panose="02020603050405020304" pitchFamily="18" charset="0"/>
+                          </a:rPr>
+                          <m:t>𝐶𝑔</m:t>
+                        </m:r>
+                        <m:r>
+                          <a:rPr lang="en-US" altLang="zh-TW" sz="2400" b="0" i="1" smtClean="0">
+                            <a:latin typeface="Cambria Math" panose="02040503050406030204" pitchFamily="18" charset="0"/>
+                            <a:cs typeface="Times" panose="02020603050405020304" pitchFamily="18" charset="0"/>
+                          </a:rPr>
+                          <m:t>(</m:t>
+                        </m:r>
+                        <m:r>
+                          <a:rPr lang="en-US" altLang="zh-TW" sz="2400" b="0" i="1" smtClean="0">
+                            <a:latin typeface="Cambria Math" panose="02040503050406030204" pitchFamily="18" charset="0"/>
+                            <a:cs typeface="Times" panose="02020603050405020304" pitchFamily="18" charset="0"/>
+                          </a:rPr>
+                          <m:t>𝑔</m:t>
+                        </m:r>
+                        <m:r>
+                          <a:rPr lang="en-US" altLang="zh-TW" sz="2400" b="0" i="1" smtClean="0">
+                            <a:latin typeface="Cambria Math" panose="02040503050406030204" pitchFamily="18" charset="0"/>
+                            <a:cs typeface="Times" panose="02020603050405020304" pitchFamily="18" charset="0"/>
+                          </a:rPr>
+                          <m:t>)</m:t>
+                        </m:r>
+                      </m:e>
+                    </m:func>
+                  </m:oMath>
+                </a14:m>
+                <a:endParaRPr lang="en-US" altLang="zh-TW" sz="2400" dirty="0">
+                  <a:latin typeface="Times" panose="02020603050405020304" pitchFamily="18" charset="0"/>
+                  <a:cs typeface="Times" panose="02020603050405020304" pitchFamily="18" charset="0"/>
+                </a:endParaRPr>
+              </a:p>
+              <a:p>
+                <a:pPr marL="0" indent="0" algn="ctr">
+                  <a:buNone/>
+                </a:pPr>
+                <a:endParaRPr lang="en-US" altLang="zh-TW" sz="2400" dirty="0">
+                  <a:latin typeface="Times" panose="02020603050405020304" pitchFamily="18" charset="0"/>
+                  <a:cs typeface="Times" panose="02020603050405020304" pitchFamily="18" charset="0"/>
+                </a:endParaRPr>
+              </a:p>
+              <a:p>
+                <a:pPr marL="0" indent="0" algn="ctr">
+                  <a:buNone/>
+                </a:pPr>
+                <a14:m>
+                  <m:oMath xmlns:m="http://schemas.openxmlformats.org/officeDocument/2006/math">
+                    <m:r>
+                      <a:rPr lang="en-US" altLang="zh-TW" sz="2400" i="1" dirty="0" smtClean="0">
+                        <a:latin typeface="Cambria Math" panose="02040503050406030204" pitchFamily="18" charset="0"/>
+                        <a:cs typeface="Times" panose="02020603050405020304" pitchFamily="18" charset="0"/>
+                      </a:rPr>
+                      <m:t>𝐶𝑔</m:t>
+                    </m:r>
+                    <m:r>
+                      <a:rPr lang="en-US" altLang="zh-TW" sz="2400" i="1" dirty="0" smtClean="0">
+                        <a:latin typeface="Cambria Math" panose="02040503050406030204" pitchFamily="18" charset="0"/>
+                        <a:cs typeface="Times" panose="02020603050405020304" pitchFamily="18" charset="0"/>
+                      </a:rPr>
+                      <m:t>(</m:t>
+                    </m:r>
+                    <m:r>
+                      <a:rPr lang="en-US" altLang="zh-TW" sz="2400" i="1" dirty="0" smtClean="0">
+                        <a:latin typeface="Cambria Math" panose="02040503050406030204" pitchFamily="18" charset="0"/>
+                        <a:cs typeface="Times" panose="02020603050405020304" pitchFamily="18" charset="0"/>
+                      </a:rPr>
+                      <m:t>𝑔</m:t>
+                    </m:r>
+                    <m:r>
+                      <a:rPr lang="en-US" altLang="zh-TW" sz="2400" i="1" dirty="0" smtClean="0">
+                        <a:latin typeface="Cambria Math" panose="02040503050406030204" pitchFamily="18" charset="0"/>
+                        <a:cs typeface="Times" panose="02020603050405020304" pitchFamily="18" charset="0"/>
+                      </a:rPr>
+                      <m:t>) </m:t>
+                    </m:r>
+                  </m:oMath>
+                </a14:m>
+                <a:r>
+                  <a:rPr lang="en-US" altLang="zh-TW" sz="2400" dirty="0">
+                    <a:latin typeface="Times" panose="02020603050405020304" pitchFamily="18" charset="0"/>
+                    <a:cs typeface="Times" panose="02020603050405020304" pitchFamily="18" charset="0"/>
+                  </a:rPr>
+                  <a:t>= </a:t>
+                </a:r>
+                <a14:m>
+                  <m:oMath xmlns:m="http://schemas.openxmlformats.org/officeDocument/2006/math">
+                    <m:d>
+                      <m:dPr>
+                        <m:begChr m:val="{"/>
+                        <m:endChr m:val=""/>
+                        <m:ctrlPr>
+                          <a:rPr lang="en-US" altLang="zh-TW" sz="2400" i="1" smtClean="0">
+                            <a:latin typeface="Cambria Math" panose="02040503050406030204" pitchFamily="18" charset="0"/>
+                            <a:cs typeface="Times" panose="02020603050405020304" pitchFamily="18" charset="0"/>
+                          </a:rPr>
+                        </m:ctrlPr>
+                      </m:dPr>
+                      <m:e>
+                        <m:eqArr>
+                          <m:eqArrPr>
+                            <m:ctrlPr>
+                              <a:rPr lang="en-US" altLang="zh-TW" sz="2400" i="1" smtClean="0">
+                                <a:latin typeface="Cambria Math" panose="02040503050406030204" pitchFamily="18" charset="0"/>
+                                <a:cs typeface="Times" panose="02020603050405020304" pitchFamily="18" charset="0"/>
+                              </a:rPr>
+                            </m:ctrlPr>
+                          </m:eqArrPr>
+                          <m:e>
+                            <m:func>
+                              <m:funcPr>
+                                <m:ctrlPr>
+                                  <a:rPr lang="en-US" altLang="zh-TW" sz="2400" b="0" i="1" smtClean="0">
+                                    <a:latin typeface="Cambria Math" panose="02040503050406030204" pitchFamily="18" charset="0"/>
+                                    <a:cs typeface="Times" panose="02020603050405020304" pitchFamily="18" charset="0"/>
+                                  </a:rPr>
+                                </m:ctrlPr>
+                              </m:funcPr>
+                              <m:fName>
+                                <m:r>
+                                  <m:rPr>
+                                    <m:sty m:val="p"/>
+                                  </m:rPr>
+                                  <a:rPr lang="en-US" altLang="zh-TW" sz="2400" b="0" i="0" smtClean="0">
+                                    <a:latin typeface="Cambria Math" panose="02040503050406030204" pitchFamily="18" charset="0"/>
+                                    <a:cs typeface="Times" panose="02020603050405020304" pitchFamily="18" charset="0"/>
+                                  </a:rPr>
+                                  <m:t>max</m:t>
+                                </m:r>
+                              </m:fName>
+                              <m:e>
+                                <m:d>
+                                  <m:dPr>
+                                    <m:ctrlPr>
+                                      <a:rPr lang="en-US" altLang="zh-TW" sz="2400" b="0" i="1" smtClean="0">
+                                        <a:latin typeface="Cambria Math" panose="02040503050406030204" pitchFamily="18" charset="0"/>
+                                        <a:cs typeface="Times" panose="02020603050405020304" pitchFamily="18" charset="0"/>
+                                      </a:rPr>
+                                    </m:ctrlPr>
+                                  </m:dPr>
+                                  <m:e>
+                                    <m:r>
+                                      <a:rPr lang="en-US" altLang="zh-TW" sz="2400" b="0" i="1" smtClean="0">
+                                        <a:latin typeface="Cambria Math" panose="02040503050406030204" pitchFamily="18" charset="0"/>
+                                        <a:cs typeface="Times" panose="02020603050405020304" pitchFamily="18" charset="0"/>
+                                      </a:rPr>
+                                      <m:t>𝐶</m:t>
+                                    </m:r>
+                                    <m:sSub>
+                                      <m:sSubPr>
+                                        <m:ctrlPr>
+                                          <a:rPr lang="en-US" altLang="zh-TW" sz="2400" b="0" i="1" smtClean="0">
+                                            <a:latin typeface="Cambria Math" panose="02040503050406030204" pitchFamily="18" charset="0"/>
+                                            <a:cs typeface="Times" panose="02020603050405020304" pitchFamily="18" charset="0"/>
+                                          </a:rPr>
+                                        </m:ctrlPr>
+                                      </m:sSubPr>
+                                      <m:e>
+                                        <m:r>
+                                          <a:rPr lang="en-US" altLang="zh-TW" sz="2400" b="0" i="1" smtClean="0">
+                                            <a:latin typeface="Cambria Math" panose="02040503050406030204" pitchFamily="18" charset="0"/>
+                                            <a:cs typeface="Times" panose="02020603050405020304" pitchFamily="18" charset="0"/>
+                                          </a:rPr>
+                                          <m:t>𝑔</m:t>
+                                        </m:r>
+                                      </m:e>
+                                      <m:sub>
+                                        <m:r>
+                                          <a:rPr lang="en-US" altLang="zh-TW" sz="2400" b="0" i="1" smtClean="0">
+                                            <a:latin typeface="Cambria Math" panose="02040503050406030204" pitchFamily="18" charset="0"/>
+                                            <a:cs typeface="Times" panose="02020603050405020304" pitchFamily="18" charset="0"/>
+                                          </a:rPr>
+                                          <m:t>𝐻</m:t>
+                                        </m:r>
+                                      </m:sub>
+                                    </m:sSub>
+                                    <m:d>
+                                      <m:dPr>
+                                        <m:ctrlPr>
+                                          <a:rPr lang="en-US" altLang="zh-TW" sz="2400" b="0" i="1" smtClean="0">
+                                            <a:latin typeface="Cambria Math" panose="02040503050406030204" pitchFamily="18" charset="0"/>
+                                            <a:cs typeface="Times" panose="02020603050405020304" pitchFamily="18" charset="0"/>
+                                          </a:rPr>
+                                        </m:ctrlPr>
+                                      </m:dPr>
+                                      <m:e>
+                                        <m:r>
+                                          <a:rPr lang="en-US" altLang="zh-TW" sz="2400" b="0" i="1" smtClean="0">
+                                            <a:latin typeface="Cambria Math" panose="02040503050406030204" pitchFamily="18" charset="0"/>
+                                            <a:cs typeface="Times" panose="02020603050405020304" pitchFamily="18" charset="0"/>
+                                          </a:rPr>
+                                          <m:t>𝑔</m:t>
+                                        </m:r>
+                                      </m:e>
+                                    </m:d>
+                                    <m:r>
+                                      <a:rPr lang="en-US" altLang="zh-TW" sz="2400" b="0" i="1" smtClean="0">
+                                        <a:latin typeface="Cambria Math" panose="02040503050406030204" pitchFamily="18" charset="0"/>
+                                        <a:cs typeface="Times" panose="02020603050405020304" pitchFamily="18" charset="0"/>
+                                      </a:rPr>
+                                      <m:t>, </m:t>
+                                    </m:r>
+                                    <m:r>
+                                      <a:rPr lang="en-US" altLang="zh-TW" sz="2400" b="0" i="1" smtClean="0">
+                                        <a:latin typeface="Cambria Math" panose="02040503050406030204" pitchFamily="18" charset="0"/>
+                                        <a:cs typeface="Times" panose="02020603050405020304" pitchFamily="18" charset="0"/>
+                                      </a:rPr>
+                                      <m:t>𝐶</m:t>
+                                    </m:r>
+                                    <m:sSub>
+                                      <m:sSubPr>
+                                        <m:ctrlPr>
+                                          <a:rPr lang="en-US" altLang="zh-TW" sz="2400" b="0" i="1" smtClean="0">
+                                            <a:latin typeface="Cambria Math" panose="02040503050406030204" pitchFamily="18" charset="0"/>
+                                            <a:cs typeface="Times" panose="02020603050405020304" pitchFamily="18" charset="0"/>
+                                          </a:rPr>
+                                        </m:ctrlPr>
+                                      </m:sSubPr>
+                                      <m:e>
+                                        <m:r>
+                                          <a:rPr lang="en-US" altLang="zh-TW" sz="2400" b="0" i="1" smtClean="0">
+                                            <a:latin typeface="Cambria Math" panose="02040503050406030204" pitchFamily="18" charset="0"/>
+                                            <a:cs typeface="Times" panose="02020603050405020304" pitchFamily="18" charset="0"/>
+                                          </a:rPr>
+                                          <m:t>𝑔</m:t>
+                                        </m:r>
+                                      </m:e>
+                                      <m:sub>
+                                        <m:r>
+                                          <a:rPr lang="en-US" altLang="zh-TW" sz="2400" b="0" i="1" smtClean="0">
+                                            <a:latin typeface="Cambria Math" panose="02040503050406030204" pitchFamily="18" charset="0"/>
+                                            <a:cs typeface="Times" panose="02020603050405020304" pitchFamily="18" charset="0"/>
+                                          </a:rPr>
+                                          <m:t>𝑣</m:t>
+                                        </m:r>
+                                      </m:sub>
+                                    </m:sSub>
+                                    <m:d>
+                                      <m:dPr>
+                                        <m:ctrlPr>
+                                          <a:rPr lang="en-US" altLang="zh-TW" sz="2400" b="0" i="1" smtClean="0">
+                                            <a:latin typeface="Cambria Math" panose="02040503050406030204" pitchFamily="18" charset="0"/>
+                                            <a:cs typeface="Times" panose="02020603050405020304" pitchFamily="18" charset="0"/>
+                                          </a:rPr>
+                                        </m:ctrlPr>
+                                      </m:dPr>
+                                      <m:e>
+                                        <m:r>
+                                          <a:rPr lang="en-US" altLang="zh-TW" sz="2400" b="0" i="1" smtClean="0">
+                                            <a:latin typeface="Cambria Math" panose="02040503050406030204" pitchFamily="18" charset="0"/>
+                                            <a:cs typeface="Times" panose="02020603050405020304" pitchFamily="18" charset="0"/>
+                                          </a:rPr>
+                                          <m:t>𝑔</m:t>
+                                        </m:r>
+                                      </m:e>
+                                    </m:d>
+                                  </m:e>
+                                </m:d>
+                              </m:e>
+                            </m:func>
+                            <m:r>
+                              <a:rPr lang="en-US" altLang="zh-TW" sz="2400" i="1">
+                                <a:latin typeface="Cambria Math" panose="02040503050406030204" pitchFamily="18" charset="0"/>
+                                <a:cs typeface="Times" panose="02020603050405020304" pitchFamily="18" charset="0"/>
+                              </a:rPr>
+                              <m:t>,</m:t>
+                            </m:r>
+                            <m:r>
+                              <a:rPr lang="en-US" altLang="zh-TW" sz="2400" b="0" i="1" smtClean="0">
+                                <a:latin typeface="Cambria Math" panose="02040503050406030204" pitchFamily="18" charset="0"/>
+                                <a:cs typeface="Times" panose="02020603050405020304" pitchFamily="18" charset="0"/>
+                              </a:rPr>
+                              <m:t>    </m:t>
+                            </m:r>
+                            <m:r>
+                              <a:rPr lang="en-US" altLang="zh-TW" sz="2400" i="1">
+                                <a:latin typeface="Cambria Math" panose="02040503050406030204" pitchFamily="18" charset="0"/>
+                                <a:cs typeface="Times" panose="02020603050405020304" pitchFamily="18" charset="0"/>
+                              </a:rPr>
+                              <m:t>𝐶</m:t>
+                            </m:r>
+                            <m:sSub>
+                              <m:sSubPr>
+                                <m:ctrlPr>
+                                  <a:rPr lang="en-US" altLang="zh-TW" sz="2400" i="1">
+                                    <a:latin typeface="Cambria Math" panose="02040503050406030204" pitchFamily="18" charset="0"/>
+                                    <a:cs typeface="Times" panose="02020603050405020304" pitchFamily="18" charset="0"/>
+                                  </a:rPr>
+                                </m:ctrlPr>
+                              </m:sSubPr>
+                              <m:e>
+                                <m:r>
+                                  <a:rPr lang="en-US" altLang="zh-TW" sz="2400" i="1">
+                                    <a:latin typeface="Cambria Math" panose="02040503050406030204" pitchFamily="18" charset="0"/>
+                                    <a:cs typeface="Times" panose="02020603050405020304" pitchFamily="18" charset="0"/>
+                                  </a:rPr>
+                                  <m:t>𝑔</m:t>
+                                </m:r>
+                              </m:e>
+                              <m:sub>
+                                <m:r>
+                                  <a:rPr lang="en-US" altLang="zh-TW" sz="2400" i="1">
+                                    <a:latin typeface="Cambria Math" panose="02040503050406030204" pitchFamily="18" charset="0"/>
+                                    <a:cs typeface="Times" panose="02020603050405020304" pitchFamily="18" charset="0"/>
+                                  </a:rPr>
+                                  <m:t>𝐻</m:t>
+                                </m:r>
+                              </m:sub>
+                            </m:sSub>
+                            <m:d>
+                              <m:dPr>
+                                <m:ctrlPr>
+                                  <a:rPr lang="en-US" altLang="zh-TW" sz="2400" i="1">
+                                    <a:latin typeface="Cambria Math" panose="02040503050406030204" pitchFamily="18" charset="0"/>
+                                    <a:cs typeface="Times" panose="02020603050405020304" pitchFamily="18" charset="0"/>
+                                  </a:rPr>
+                                </m:ctrlPr>
+                              </m:dPr>
+                              <m:e>
+                                <m:r>
+                                  <a:rPr lang="en-US" altLang="zh-TW" sz="2400" i="1">
+                                    <a:latin typeface="Cambria Math" panose="02040503050406030204" pitchFamily="18" charset="0"/>
+                                    <a:cs typeface="Times" panose="02020603050405020304" pitchFamily="18" charset="0"/>
+                                  </a:rPr>
+                                  <m:t>𝑔</m:t>
+                                </m:r>
+                              </m:e>
+                            </m:d>
+                            <m:r>
+                              <a:rPr lang="en-US" altLang="zh-TW" sz="2400" i="1" smtClean="0">
+                                <a:latin typeface="Cambria Math" panose="02040503050406030204" pitchFamily="18" charset="0"/>
+                                <a:ea typeface="Cambria Math" panose="02040503050406030204" pitchFamily="18" charset="0"/>
+                                <a:cs typeface="Times" panose="02020603050405020304" pitchFamily="18" charset="0"/>
+                              </a:rPr>
+                              <m:t>∙</m:t>
+                            </m:r>
+                            <m:r>
+                              <a:rPr lang="en-US" altLang="zh-TW" sz="2400" i="1">
+                                <a:latin typeface="Cambria Math" panose="02040503050406030204" pitchFamily="18" charset="0"/>
+                                <a:cs typeface="Times" panose="02020603050405020304" pitchFamily="18" charset="0"/>
+                              </a:rPr>
+                              <m:t>𝐶</m:t>
+                            </m:r>
+                            <m:sSub>
+                              <m:sSubPr>
+                                <m:ctrlPr>
+                                  <a:rPr lang="en-US" altLang="zh-TW" sz="2400" i="1">
+                                    <a:latin typeface="Cambria Math" panose="02040503050406030204" pitchFamily="18" charset="0"/>
+                                    <a:cs typeface="Times" panose="02020603050405020304" pitchFamily="18" charset="0"/>
+                                  </a:rPr>
+                                </m:ctrlPr>
+                              </m:sSubPr>
+                              <m:e>
+                                <m:r>
+                                  <a:rPr lang="en-US" altLang="zh-TW" sz="2400" i="1">
+                                    <a:latin typeface="Cambria Math" panose="02040503050406030204" pitchFamily="18" charset="0"/>
+                                    <a:cs typeface="Times" panose="02020603050405020304" pitchFamily="18" charset="0"/>
+                                  </a:rPr>
+                                  <m:t>𝑔</m:t>
+                                </m:r>
+                              </m:e>
+                              <m:sub>
+                                <m:r>
+                                  <a:rPr lang="en-US" altLang="zh-TW" sz="2400" b="0" i="1" smtClean="0">
+                                    <a:latin typeface="Cambria Math" panose="02040503050406030204" pitchFamily="18" charset="0"/>
+                                    <a:cs typeface="Times" panose="02020603050405020304" pitchFamily="18" charset="0"/>
+                                  </a:rPr>
+                                  <m:t>𝑉</m:t>
+                                </m:r>
+                              </m:sub>
+                            </m:sSub>
+                            <m:d>
+                              <m:dPr>
+                                <m:ctrlPr>
+                                  <a:rPr lang="en-US" altLang="zh-TW" sz="2400" i="1">
+                                    <a:latin typeface="Cambria Math" panose="02040503050406030204" pitchFamily="18" charset="0"/>
+                                    <a:cs typeface="Times" panose="02020603050405020304" pitchFamily="18" charset="0"/>
+                                  </a:rPr>
+                                </m:ctrlPr>
+                              </m:dPr>
+                              <m:e>
+                                <m:r>
+                                  <a:rPr lang="en-US" altLang="zh-TW" sz="2400" i="1">
+                                    <a:latin typeface="Cambria Math" panose="02040503050406030204" pitchFamily="18" charset="0"/>
+                                    <a:cs typeface="Times" panose="02020603050405020304" pitchFamily="18" charset="0"/>
+                                  </a:rPr>
+                                  <m:t>𝑔</m:t>
+                                </m:r>
+                              </m:e>
+                            </m:d>
+                            <m:r>
+                              <a:rPr lang="en-US" altLang="zh-TW" sz="2400" b="0" i="1" smtClean="0">
+                                <a:latin typeface="Cambria Math" panose="02040503050406030204" pitchFamily="18" charset="0"/>
+                                <a:cs typeface="Times" panose="02020603050405020304" pitchFamily="18" charset="0"/>
+                              </a:rPr>
+                              <m:t>&lt;0</m:t>
+                            </m:r>
+                          </m:e>
+                          <m:e>
+                            <m:r>
+                              <a:rPr lang="en-US" altLang="zh-TW" sz="2400" i="1">
+                                <a:latin typeface="Cambria Math" panose="02040503050406030204" pitchFamily="18" charset="0"/>
+                                <a:cs typeface="Times" panose="02020603050405020304" pitchFamily="18" charset="0"/>
+                              </a:rPr>
+                              <m:t>𝐶</m:t>
+                            </m:r>
+                            <m:sSub>
+                              <m:sSubPr>
+                                <m:ctrlPr>
+                                  <a:rPr lang="en-US" altLang="zh-TW" sz="2400" i="1">
+                                    <a:latin typeface="Cambria Math" panose="02040503050406030204" pitchFamily="18" charset="0"/>
+                                    <a:cs typeface="Times" panose="02020603050405020304" pitchFamily="18" charset="0"/>
+                                  </a:rPr>
+                                </m:ctrlPr>
+                              </m:sSubPr>
+                              <m:e>
+                                <m:r>
+                                  <a:rPr lang="en-US" altLang="zh-TW" sz="2400" i="1">
+                                    <a:latin typeface="Cambria Math" panose="02040503050406030204" pitchFamily="18" charset="0"/>
+                                    <a:cs typeface="Times" panose="02020603050405020304" pitchFamily="18" charset="0"/>
+                                  </a:rPr>
+                                  <m:t>𝑔</m:t>
+                                </m:r>
+                              </m:e>
+                              <m:sub>
+                                <m:r>
+                                  <a:rPr lang="en-US" altLang="zh-TW" sz="2400" i="1">
+                                    <a:latin typeface="Cambria Math" panose="02040503050406030204" pitchFamily="18" charset="0"/>
+                                    <a:cs typeface="Times" panose="02020603050405020304" pitchFamily="18" charset="0"/>
+                                  </a:rPr>
+                                  <m:t>𝐻</m:t>
+                                </m:r>
+                              </m:sub>
+                            </m:sSub>
+                            <m:d>
+                              <m:dPr>
+                                <m:ctrlPr>
+                                  <a:rPr lang="en-US" altLang="zh-TW" sz="2400" i="1">
+                                    <a:latin typeface="Cambria Math" panose="02040503050406030204" pitchFamily="18" charset="0"/>
+                                    <a:cs typeface="Times" panose="02020603050405020304" pitchFamily="18" charset="0"/>
+                                  </a:rPr>
+                                </m:ctrlPr>
+                              </m:dPr>
+                              <m:e>
+                                <m:r>
+                                  <a:rPr lang="en-US" altLang="zh-TW" sz="2400" i="1">
+                                    <a:latin typeface="Cambria Math" panose="02040503050406030204" pitchFamily="18" charset="0"/>
+                                    <a:cs typeface="Times" panose="02020603050405020304" pitchFamily="18" charset="0"/>
+                                  </a:rPr>
+                                  <m:t>𝑔</m:t>
+                                </m:r>
+                              </m:e>
+                            </m:d>
+                            <m:r>
+                              <a:rPr lang="en-US" altLang="zh-TW" sz="2400" b="0" i="1" smtClean="0">
+                                <a:latin typeface="Cambria Math" panose="02040503050406030204" pitchFamily="18" charset="0"/>
+                                <a:cs typeface="Times" panose="02020603050405020304" pitchFamily="18" charset="0"/>
+                              </a:rPr>
+                              <m:t>+</m:t>
+                            </m:r>
+                            <m:r>
+                              <a:rPr lang="en-US" altLang="zh-TW" sz="2400" i="1">
+                                <a:latin typeface="Cambria Math" panose="02040503050406030204" pitchFamily="18" charset="0"/>
+                                <a:cs typeface="Times" panose="02020603050405020304" pitchFamily="18" charset="0"/>
+                              </a:rPr>
+                              <m:t>𝐶</m:t>
+                            </m:r>
+                            <m:sSub>
+                              <m:sSubPr>
+                                <m:ctrlPr>
+                                  <a:rPr lang="en-US" altLang="zh-TW" sz="2400" i="1">
+                                    <a:latin typeface="Cambria Math" panose="02040503050406030204" pitchFamily="18" charset="0"/>
+                                    <a:cs typeface="Times" panose="02020603050405020304" pitchFamily="18" charset="0"/>
+                                  </a:rPr>
+                                </m:ctrlPr>
+                              </m:sSubPr>
+                              <m:e>
+                                <m:r>
+                                  <a:rPr lang="en-US" altLang="zh-TW" sz="2400" i="1">
+                                    <a:latin typeface="Cambria Math" panose="02040503050406030204" pitchFamily="18" charset="0"/>
+                                    <a:cs typeface="Times" panose="02020603050405020304" pitchFamily="18" charset="0"/>
+                                  </a:rPr>
+                                  <m:t>𝑔</m:t>
+                                </m:r>
+                              </m:e>
+                              <m:sub>
+                                <m:r>
+                                  <a:rPr lang="en-US" altLang="zh-TW" sz="2400" i="1">
+                                    <a:latin typeface="Cambria Math" panose="02040503050406030204" pitchFamily="18" charset="0"/>
+                                    <a:cs typeface="Times" panose="02020603050405020304" pitchFamily="18" charset="0"/>
+                                  </a:rPr>
+                                  <m:t>𝑣</m:t>
+                                </m:r>
+                              </m:sub>
+                            </m:sSub>
+                            <m:d>
+                              <m:dPr>
+                                <m:ctrlPr>
+                                  <a:rPr lang="en-US" altLang="zh-TW" sz="2400" i="1">
+                                    <a:latin typeface="Cambria Math" panose="02040503050406030204" pitchFamily="18" charset="0"/>
+                                    <a:cs typeface="Times" panose="02020603050405020304" pitchFamily="18" charset="0"/>
+                                  </a:rPr>
+                                </m:ctrlPr>
+                              </m:dPr>
+                              <m:e>
+                                <m:r>
+                                  <a:rPr lang="en-US" altLang="zh-TW" sz="2400" i="1">
+                                    <a:latin typeface="Cambria Math" panose="02040503050406030204" pitchFamily="18" charset="0"/>
+                                    <a:cs typeface="Times" panose="02020603050405020304" pitchFamily="18" charset="0"/>
+                                  </a:rPr>
+                                  <m:t>𝑔</m:t>
+                                </m:r>
+                              </m:e>
+                            </m:d>
+                            <m:r>
+                              <a:rPr lang="en-US" altLang="zh-TW" sz="2400" b="0" i="1" smtClean="0">
+                                <a:latin typeface="Cambria Math" panose="02040503050406030204" pitchFamily="18" charset="0"/>
+                                <a:cs typeface="Times" panose="02020603050405020304" pitchFamily="18" charset="0"/>
+                              </a:rPr>
+                              <m:t>,                </m:t>
+                            </m:r>
+                            <m:r>
+                              <a:rPr lang="en-US" altLang="zh-TW" sz="2400" b="0" i="1" smtClean="0">
+                                <a:latin typeface="Cambria Math" panose="02040503050406030204" pitchFamily="18" charset="0"/>
+                                <a:cs typeface="Times" panose="02020603050405020304" pitchFamily="18" charset="0"/>
+                              </a:rPr>
+                              <m:t>𝑜𝑡h𝑒𝑟𝑤𝑖𝑠𝑒</m:t>
+                            </m:r>
+                          </m:e>
+                        </m:eqArr>
+                      </m:e>
+                    </m:d>
+                  </m:oMath>
+                </a14:m>
+                <a:endParaRPr lang="en-US" altLang="zh-TW" sz="2400" dirty="0">
+                  <a:latin typeface="Times" panose="02020603050405020304" pitchFamily="18" charset="0"/>
+                  <a:cs typeface="Times" panose="02020603050405020304" pitchFamily="18" charset="0"/>
+                </a:endParaRPr>
+              </a:p>
+              <a:p>
+                <a:pPr marL="0" indent="0" algn="ctr">
+                  <a:buNone/>
+                </a:pPr>
+                <a:endParaRPr lang="en-US" altLang="zh-TW" sz="2400" dirty="0">
+                  <a:latin typeface="Times" panose="02020603050405020304" pitchFamily="18" charset="0"/>
+                  <a:cs typeface="Times" panose="02020603050405020304" pitchFamily="18" charset="0"/>
+                </a:endParaRPr>
+              </a:p>
+              <a:p>
+                <a:pPr marL="0" indent="0" algn="ctr">
+                  <a:buNone/>
+                </a:pPr>
+                <a14:m>
+                  <m:oMathPara xmlns:m="http://schemas.openxmlformats.org/officeDocument/2006/math">
+                    <m:oMathParaPr>
+                      <m:jc m:val="centerGroup"/>
+                    </m:oMathParaPr>
+                    <m:oMath xmlns:m="http://schemas.openxmlformats.org/officeDocument/2006/math">
+                      <m:r>
+                        <a:rPr lang="en-US" altLang="zh-TW" sz="2400" b="0" i="1" smtClean="0">
+                          <a:latin typeface="Cambria Math" panose="02040503050406030204" pitchFamily="18" charset="0"/>
+                          <a:cs typeface="Times" panose="02020603050405020304" pitchFamily="18" charset="0"/>
+                        </a:rPr>
+                        <m:t>𝐶</m:t>
+                      </m:r>
+                      <m:sSub>
+                        <m:sSubPr>
+                          <m:ctrlPr>
+                            <a:rPr lang="en-US" altLang="zh-TW" sz="2400" b="0" i="1" smtClean="0">
+                              <a:latin typeface="Cambria Math" panose="02040503050406030204" pitchFamily="18" charset="0"/>
+                              <a:cs typeface="Times" panose="02020603050405020304" pitchFamily="18" charset="0"/>
+                            </a:rPr>
+                          </m:ctrlPr>
+                        </m:sSubPr>
+                        <m:e>
+                          <m:r>
+                            <a:rPr lang="en-US" altLang="zh-TW" sz="2400" b="0" i="1" smtClean="0">
+                              <a:latin typeface="Cambria Math" panose="02040503050406030204" pitchFamily="18" charset="0"/>
+                              <a:cs typeface="Times" panose="02020603050405020304" pitchFamily="18" charset="0"/>
+                            </a:rPr>
+                            <m:t>𝑔</m:t>
+                          </m:r>
+                        </m:e>
+                        <m:sub>
+                          <m:r>
+                            <a:rPr lang="en-US" altLang="zh-TW" sz="2400" b="0" i="1" smtClean="0">
+                              <a:latin typeface="Cambria Math" panose="02040503050406030204" pitchFamily="18" charset="0"/>
+                              <a:cs typeface="Times" panose="02020603050405020304" pitchFamily="18" charset="0"/>
+                            </a:rPr>
+                            <m:t>𝐻</m:t>
+                          </m:r>
+                          <m:r>
+                            <a:rPr lang="en-US" altLang="zh-TW" sz="2400" b="0" i="1" smtClean="0">
+                              <a:latin typeface="Cambria Math" panose="02040503050406030204" pitchFamily="18" charset="0"/>
+                              <a:cs typeface="Times" panose="02020603050405020304" pitchFamily="18" charset="0"/>
+                            </a:rPr>
+                            <m:t>/</m:t>
+                          </m:r>
+                          <m:r>
+                            <a:rPr lang="en-US" altLang="zh-TW" sz="2400" b="0" i="1" smtClean="0">
+                              <a:latin typeface="Cambria Math" panose="02040503050406030204" pitchFamily="18" charset="0"/>
+                              <a:cs typeface="Times" panose="02020603050405020304" pitchFamily="18" charset="0"/>
+                            </a:rPr>
+                            <m:t>𝑉</m:t>
+                          </m:r>
+                        </m:sub>
+                      </m:sSub>
+                      <m:d>
+                        <m:dPr>
+                          <m:ctrlPr>
+                            <a:rPr lang="en-US" altLang="zh-TW" sz="2400" b="0" i="1" smtClean="0">
+                              <a:latin typeface="Cambria Math" panose="02040503050406030204" pitchFamily="18" charset="0"/>
+                              <a:cs typeface="Times" panose="02020603050405020304" pitchFamily="18" charset="0"/>
+                            </a:rPr>
+                          </m:ctrlPr>
+                        </m:dPr>
+                        <m:e>
+                          <m:r>
+                            <a:rPr lang="en-US" altLang="zh-TW" sz="2400" b="0" i="1" smtClean="0">
+                              <a:latin typeface="Cambria Math" panose="02040503050406030204" pitchFamily="18" charset="0"/>
+                              <a:cs typeface="Times" panose="02020603050405020304" pitchFamily="18" charset="0"/>
+                            </a:rPr>
+                            <m:t>𝑔</m:t>
+                          </m:r>
+                        </m:e>
+                      </m:d>
+                      <m:r>
+                        <a:rPr lang="en-US" altLang="zh-TW" sz="2400" b="0" i="1" smtClean="0">
+                          <a:latin typeface="Cambria Math" panose="02040503050406030204" pitchFamily="18" charset="0"/>
+                          <a:cs typeface="Times" panose="02020603050405020304" pitchFamily="18" charset="0"/>
+                        </a:rPr>
+                        <m:t>= </m:t>
+                      </m:r>
+                      <m:f>
+                        <m:fPr>
+                          <m:ctrlPr>
+                            <a:rPr lang="en-US" altLang="zh-TW" sz="2400" b="0" i="1" smtClean="0">
+                              <a:latin typeface="Cambria Math" panose="02040503050406030204" pitchFamily="18" charset="0"/>
+                              <a:cs typeface="Times" panose="02020603050405020304" pitchFamily="18" charset="0"/>
+                            </a:rPr>
+                          </m:ctrlPr>
+                        </m:fPr>
+                        <m:num>
+                          <m:r>
+                            <a:rPr lang="en-US" altLang="zh-TW" sz="2400" b="0" i="1" smtClean="0">
+                              <a:latin typeface="Cambria Math" panose="02040503050406030204" pitchFamily="18" charset="0"/>
+                              <a:cs typeface="Times" panose="02020603050405020304" pitchFamily="18" charset="0"/>
+                            </a:rPr>
+                            <m:t>𝐷𝑚</m:t>
+                          </m:r>
+                          <m:sSub>
+                            <m:sSubPr>
+                              <m:ctrlPr>
+                                <a:rPr lang="en-US" altLang="zh-TW" sz="2400" b="0" i="1" smtClean="0">
+                                  <a:latin typeface="Cambria Math" panose="02040503050406030204" pitchFamily="18" charset="0"/>
+                                  <a:cs typeface="Times" panose="02020603050405020304" pitchFamily="18" charset="0"/>
+                                </a:rPr>
+                              </m:ctrlPr>
+                            </m:sSubPr>
+                            <m:e>
+                              <m:r>
+                                <a:rPr lang="en-US" altLang="zh-TW" sz="2400" b="0" i="1" smtClean="0">
+                                  <a:latin typeface="Cambria Math" panose="02040503050406030204" pitchFamily="18" charset="0"/>
+                                  <a:cs typeface="Times" panose="02020603050405020304" pitchFamily="18" charset="0"/>
+                                </a:rPr>
+                                <m:t>𝑑</m:t>
+                              </m:r>
+                            </m:e>
+                            <m:sub>
+                              <m:r>
+                                <a:rPr lang="en-US" altLang="zh-TW" sz="2400" b="0" i="1" smtClean="0">
+                                  <a:latin typeface="Cambria Math" panose="02040503050406030204" pitchFamily="18" charset="0"/>
+                                  <a:cs typeface="Times" panose="02020603050405020304" pitchFamily="18" charset="0"/>
+                                </a:rPr>
+                                <m:t>𝐻</m:t>
+                              </m:r>
+                              <m:r>
+                                <a:rPr lang="en-US" altLang="zh-TW" sz="2400" b="0" i="1" smtClean="0">
+                                  <a:latin typeface="Cambria Math" panose="02040503050406030204" pitchFamily="18" charset="0"/>
+                                  <a:cs typeface="Times" panose="02020603050405020304" pitchFamily="18" charset="0"/>
+                                </a:rPr>
+                                <m:t>/</m:t>
+                              </m:r>
+                              <m:r>
+                                <a:rPr lang="en-US" altLang="zh-TW" sz="2400" b="0" i="1" smtClean="0">
+                                  <a:latin typeface="Cambria Math" panose="02040503050406030204" pitchFamily="18" charset="0"/>
+                                  <a:cs typeface="Times" panose="02020603050405020304" pitchFamily="18" charset="0"/>
+                                </a:rPr>
+                                <m:t>𝑉</m:t>
+                              </m:r>
+                            </m:sub>
+                          </m:sSub>
+                          <m:r>
+                            <a:rPr lang="en-US" altLang="zh-TW" sz="2400" b="0" i="1" smtClean="0">
+                              <a:latin typeface="Cambria Math" panose="02040503050406030204" pitchFamily="18" charset="0"/>
+                              <a:cs typeface="Times" panose="02020603050405020304" pitchFamily="18" charset="0"/>
+                            </a:rPr>
+                            <m:t> </m:t>
+                          </m:r>
+                          <m:d>
+                            <m:dPr>
+                              <m:ctrlPr>
+                                <a:rPr lang="en-US" altLang="zh-TW" sz="2400" b="0" i="1" smtClean="0">
+                                  <a:latin typeface="Cambria Math" panose="02040503050406030204" pitchFamily="18" charset="0"/>
+                                  <a:cs typeface="Times" panose="02020603050405020304" pitchFamily="18" charset="0"/>
+                                </a:rPr>
+                              </m:ctrlPr>
+                            </m:dPr>
+                            <m:e>
+                              <m:r>
+                                <a:rPr lang="en-US" altLang="zh-TW" sz="2400" b="0" i="1" smtClean="0">
+                                  <a:latin typeface="Cambria Math" panose="02040503050406030204" pitchFamily="18" charset="0"/>
+                                  <a:cs typeface="Times" panose="02020603050405020304" pitchFamily="18" charset="0"/>
+                                </a:rPr>
+                                <m:t>𝑔</m:t>
+                              </m:r>
+                            </m:e>
+                          </m:d>
+                          <m:r>
+                            <a:rPr lang="en-US" altLang="zh-TW" sz="2400" b="0" i="1" smtClean="0">
+                              <a:latin typeface="Cambria Math" panose="02040503050406030204" pitchFamily="18" charset="0"/>
+                              <a:cs typeface="Times" panose="02020603050405020304" pitchFamily="18" charset="0"/>
+                            </a:rPr>
+                            <m:t>−</m:t>
+                          </m:r>
+                          <m:r>
+                            <a:rPr lang="en-US" altLang="zh-TW" sz="2400" b="0" i="1" smtClean="0">
+                              <a:latin typeface="Cambria Math" panose="02040503050406030204" pitchFamily="18" charset="0"/>
+                              <a:cs typeface="Times" panose="02020603050405020304" pitchFamily="18" charset="0"/>
+                            </a:rPr>
+                            <m:t>𝐶𝑎</m:t>
+                          </m:r>
+                          <m:sSub>
+                            <m:sSubPr>
+                              <m:ctrlPr>
+                                <a:rPr lang="en-US" altLang="zh-TW" sz="2400" b="0" i="1" smtClean="0">
+                                  <a:latin typeface="Cambria Math" panose="02040503050406030204" pitchFamily="18" charset="0"/>
+                                  <a:cs typeface="Times" panose="02020603050405020304" pitchFamily="18" charset="0"/>
+                                </a:rPr>
+                              </m:ctrlPr>
+                            </m:sSubPr>
+                            <m:e>
+                              <m:r>
+                                <a:rPr lang="en-US" altLang="zh-TW" sz="2400" b="0" i="1" smtClean="0">
+                                  <a:latin typeface="Cambria Math" panose="02040503050406030204" pitchFamily="18" charset="0"/>
+                                  <a:cs typeface="Times" panose="02020603050405020304" pitchFamily="18" charset="0"/>
+                                </a:rPr>
+                                <m:t>𝑝</m:t>
+                              </m:r>
+                            </m:e>
+                            <m:sub>
+                              <m:r>
+                                <a:rPr lang="en-US" altLang="zh-TW" sz="2400" b="0" i="1" smtClean="0">
+                                  <a:latin typeface="Cambria Math" panose="02040503050406030204" pitchFamily="18" charset="0"/>
+                                  <a:cs typeface="Times" panose="02020603050405020304" pitchFamily="18" charset="0"/>
+                                </a:rPr>
+                                <m:t>𝐻</m:t>
+                              </m:r>
+                              <m:r>
+                                <a:rPr lang="en-US" altLang="zh-TW" sz="2400" b="0" i="1" smtClean="0">
+                                  <a:latin typeface="Cambria Math" panose="02040503050406030204" pitchFamily="18" charset="0"/>
+                                  <a:cs typeface="Times" panose="02020603050405020304" pitchFamily="18" charset="0"/>
+                                </a:rPr>
+                                <m:t>/</m:t>
+                              </m:r>
+                              <m:r>
+                                <a:rPr lang="en-US" altLang="zh-TW" sz="2400" b="0" i="1" smtClean="0">
+                                  <a:latin typeface="Cambria Math" panose="02040503050406030204" pitchFamily="18" charset="0"/>
+                                  <a:cs typeface="Times" panose="02020603050405020304" pitchFamily="18" charset="0"/>
+                                </a:rPr>
+                                <m:t>𝑉</m:t>
+                              </m:r>
+                            </m:sub>
+                          </m:sSub>
+                        </m:num>
+                        <m:den>
+                          <m:r>
+                            <m:rPr>
+                              <m:sty m:val="p"/>
+                            </m:rPr>
+                            <a:rPr lang="en-US" altLang="zh-TW" sz="2400" b="0" i="0" smtClean="0">
+                              <a:latin typeface="Cambria Math" panose="02040503050406030204" pitchFamily="18" charset="0"/>
+                              <a:cs typeface="Times" panose="02020603050405020304" pitchFamily="18" charset="0"/>
+                            </a:rPr>
+                            <m:t>max</m:t>
+                          </m:r>
+                          <m:r>
+                            <a:rPr lang="en-US" altLang="zh-TW" sz="2400" i="1">
+                              <a:latin typeface="Cambria Math" panose="02040503050406030204" pitchFamily="18" charset="0"/>
+                              <a:cs typeface="Times" panose="02020603050405020304" pitchFamily="18" charset="0"/>
+                            </a:rPr>
+                            <m:t>⁡(</m:t>
+                          </m:r>
+                          <m:r>
+                            <a:rPr lang="en-US" altLang="zh-TW" sz="2400" i="1">
+                              <a:latin typeface="Cambria Math" panose="02040503050406030204" pitchFamily="18" charset="0"/>
+                              <a:cs typeface="Times" panose="02020603050405020304" pitchFamily="18" charset="0"/>
+                            </a:rPr>
+                            <m:t>𝐶𝑎</m:t>
+                          </m:r>
+                          <m:sSub>
+                            <m:sSubPr>
+                              <m:ctrlPr>
+                                <a:rPr lang="en-US" altLang="zh-TW" sz="2400" i="1">
+                                  <a:latin typeface="Cambria Math" panose="02040503050406030204" pitchFamily="18" charset="0"/>
+                                  <a:cs typeface="Times" panose="02020603050405020304" pitchFamily="18" charset="0"/>
+                                </a:rPr>
+                              </m:ctrlPr>
+                            </m:sSubPr>
+                            <m:e>
+                              <m:r>
+                                <a:rPr lang="en-US" altLang="zh-TW" sz="2400" i="1">
+                                  <a:latin typeface="Cambria Math" panose="02040503050406030204" pitchFamily="18" charset="0"/>
+                                  <a:cs typeface="Times" panose="02020603050405020304" pitchFamily="18" charset="0"/>
+                                </a:rPr>
+                                <m:t>𝑝</m:t>
+                              </m:r>
+                            </m:e>
+                            <m:sub>
+                              <m:r>
+                                <a:rPr lang="en-US" altLang="zh-TW" sz="2400" b="0" i="1" smtClean="0">
+                                  <a:latin typeface="Cambria Math" panose="02040503050406030204" pitchFamily="18" charset="0"/>
+                                  <a:cs typeface="Times" panose="02020603050405020304" pitchFamily="18" charset="0"/>
+                                </a:rPr>
+                                <m:t>𝐻</m:t>
+                              </m:r>
+                              <m:r>
+                                <a:rPr lang="en-US" altLang="zh-TW" sz="2400" b="0" i="1" smtClean="0">
+                                  <a:latin typeface="Cambria Math" panose="02040503050406030204" pitchFamily="18" charset="0"/>
+                                  <a:cs typeface="Times" panose="02020603050405020304" pitchFamily="18" charset="0"/>
+                                </a:rPr>
+                                <m:t>/</m:t>
+                              </m:r>
+                              <m:r>
+                                <a:rPr lang="en-US" altLang="zh-TW" sz="2400" b="0" i="1" smtClean="0">
+                                  <a:latin typeface="Cambria Math" panose="02040503050406030204" pitchFamily="18" charset="0"/>
+                                  <a:cs typeface="Times" panose="02020603050405020304" pitchFamily="18" charset="0"/>
+                                </a:rPr>
+                                <m:t>𝑉</m:t>
+                              </m:r>
+                            </m:sub>
+                          </m:sSub>
+                          <m:r>
+                            <a:rPr lang="en-US" altLang="zh-TW" sz="2400" b="0" i="1" smtClean="0">
+                              <a:latin typeface="Cambria Math" panose="02040503050406030204" pitchFamily="18" charset="0"/>
+                              <a:cs typeface="Times" panose="02020603050405020304" pitchFamily="18" charset="0"/>
+                            </a:rPr>
+                            <m:t>,1</m:t>
+                          </m:r>
+                          <m:r>
+                            <a:rPr lang="en-US" altLang="zh-TW" sz="2400" b="0" i="1" smtClean="0">
+                              <a:latin typeface="Cambria Math" panose="02040503050406030204" pitchFamily="18" charset="0"/>
+                              <a:cs typeface="Times" panose="02020603050405020304" pitchFamily="18" charset="0"/>
+                            </a:rPr>
+                            <m:t>)</m:t>
+                          </m:r>
+                        </m:den>
+                      </m:f>
+                    </m:oMath>
+                  </m:oMathPara>
+                </a14:m>
+                <a:endParaRPr lang="en-US" altLang="zh-TW" sz="2400" dirty="0">
+                  <a:latin typeface="Times" panose="02020603050405020304" pitchFamily="18" charset="0"/>
+                  <a:cs typeface="Times" panose="02020603050405020304" pitchFamily="18" charset="0"/>
+                </a:endParaRPr>
+              </a:p>
+            </p:txBody>
+          </p:sp>
+        </mc:Choice>
+        <mc:Fallback>
+          <p:sp>
+            <p:nvSpPr>
+              <p:cNvPr id="3" name="內容版面配置區 2">
+                <a:extLst>
+                  <a:ext uri="{FF2B5EF4-FFF2-40B4-BE49-F238E27FC236}">
+                    <a16:creationId xmlns:a16="http://schemas.microsoft.com/office/drawing/2014/main" id="{CDD6591C-6706-1D9B-A7CF-BE488BA469CB}"/>
+                  </a:ext>
+                </a:extLst>
+              </p:cNvPr>
+              <p:cNvSpPr>
+                <a:spLocks noGrp="1" noRot="1" noChangeAspect="1" noMove="1" noResize="1" noEditPoints="1" noAdjustHandles="1" noChangeArrowheads="1" noChangeShapeType="1" noTextEdit="1"/>
+              </p:cNvSpPr>
+              <p:nvPr>
+                <p:ph idx="1"/>
+              </p:nvPr>
+            </p:nvSpPr>
+            <p:spPr>
+              <a:xfrm>
+                <a:off x="839645" y="1846585"/>
+                <a:ext cx="10512709" cy="4874890"/>
+              </a:xfrm>
+              <a:blipFill>
+                <a:blip r:embed="rId3"/>
+                <a:stretch>
+                  <a:fillRect l="-1044" t="-2250"/>
+                </a:stretch>
+              </a:blipFill>
+            </p:spPr>
+            <p:txBody>
+              <a:bodyPr/>
+              <a:lstStyle/>
+              <a:p>
+                <a:r>
+                  <a:rPr lang="zh-TW" altLang="en-US">
+                    <a:noFill/>
+                  </a:rPr>
+                  <a:t> </a:t>
+                </a:r>
+              </a:p>
+            </p:txBody>
+          </p:sp>
+        </mc:Fallback>
+      </mc:AlternateContent>
+      <p:sp>
+        <p:nvSpPr>
+          <p:cNvPr id="4" name="投影片編號版面配置區 3">
+            <a:extLst>
+              <a:ext uri="{FF2B5EF4-FFF2-40B4-BE49-F238E27FC236}">
+                <a16:creationId xmlns:a16="http://schemas.microsoft.com/office/drawing/2014/main" id="{C4A4DCC3-BB49-91CF-D3FC-B1B0701D13DC}"/>
+              </a:ext>
+            </a:extLst>
+          </p:cNvPr>
+          <p:cNvSpPr>
+            <a:spLocks noGrp="1"/>
+          </p:cNvSpPr>
+          <p:nvPr>
+            <p:ph type="sldNum" sz="quarter" idx="12"/>
+          </p:nvPr>
+        </p:nvSpPr>
+        <p:spPr/>
+        <p:txBody>
+          <a:bodyPr/>
+          <a:lstStyle/>
+          <a:p>
+            <a:fld id="{666274A1-CF9C-426A-8DD4-B13ED0C24231}" type="slidenum">
+              <a:rPr lang="en-US" smtClean="0"/>
+              <a:t>15</a:t>
+            </a:fld>
+            <a:endParaRPr lang="en-US" dirty="0"/>
+          </a:p>
+        </p:txBody>
+      </p:sp>
+    </p:spTree>
+    <p:extLst>
+      <p:ext uri="{BB962C8B-B14F-4D97-AF65-F5344CB8AC3E}">
+        <p14:creationId xmlns:p14="http://schemas.microsoft.com/office/powerpoint/2010/main" val="2848959202"/>
+      </p:ext>
+    </p:extLst>
+  </p:cSld>
+  <p:clrMapOvr>
+    <a:masterClrMapping/>
+  </p:clrMapOvr>
+</p:sld>
+</file>
+
+<file path=ppt/slides/slide17.xml><?xml version="1.0" encoding="utf-8"?>
+<p:sld xmlns:a="http://schemas.openxmlformats.org/drawingml/2006/main" xmlns:r="http://schemas.openxmlformats.org/officeDocument/2006/relationships" xmlns:p="http://schemas.openxmlformats.org/presentationml/2006/main">
+  <p:cSld>
+    <p:spTree>
+      <p:nvGrpSpPr>
+        <p:cNvPr id="1" name=""/>
+        <p:cNvGrpSpPr/>
+        <p:nvPr/>
+      </p:nvGrpSpPr>
+      <p:grpSpPr>
+        <a:xfrm>
+          <a:off x="0" y="0"/>
+          <a:ext cx="0" cy="0"/>
+          <a:chOff x="0" y="0"/>
+          <a:chExt cx="0" cy="0"/>
+        </a:xfrm>
+      </p:grpSpPr>
+      <p:sp>
+        <p:nvSpPr>
+          <p:cNvPr id="2" name="標題 1">
+            <a:extLst>
+              <a:ext uri="{FF2B5EF4-FFF2-40B4-BE49-F238E27FC236}">
+                <a16:creationId xmlns:a16="http://schemas.microsoft.com/office/drawing/2014/main" id="{AEDF6777-6236-46F8-93C4-053ACE59502E}"/>
+              </a:ext>
+            </a:extLst>
+          </p:cNvPr>
+          <p:cNvSpPr>
+            <a:spLocks noGrp="1"/>
+          </p:cNvSpPr>
+          <p:nvPr>
+            <p:ph type="title"/>
+          </p:nvPr>
+        </p:nvSpPr>
+        <p:spPr>
+          <a:xfrm>
+            <a:off x="434738" y="320675"/>
+            <a:ext cx="11757262" cy="1325563"/>
+          </a:xfrm>
+        </p:spPr>
+        <p:txBody>
+          <a:bodyPr>
+            <a:normAutofit/>
+          </a:bodyPr>
+          <a:lstStyle/>
+          <a:p>
+            <a:r>
+              <a:rPr lang="en-US" altLang="zh-TW" sz="4000" dirty="0">
+                <a:latin typeface="Times" panose="02020603050405020304" pitchFamily="18" charset="0"/>
+                <a:cs typeface="Times" panose="02020603050405020304" pitchFamily="18" charset="0"/>
+              </a:rPr>
+              <a:t>Multi-feature-based Cell Padding</a:t>
+            </a:r>
+          </a:p>
+        </p:txBody>
+      </p:sp>
+      <p:sp>
+        <p:nvSpPr>
+          <p:cNvPr id="3" name="內容版面配置區 2">
+            <a:extLst>
+              <a:ext uri="{FF2B5EF4-FFF2-40B4-BE49-F238E27FC236}">
+                <a16:creationId xmlns:a16="http://schemas.microsoft.com/office/drawing/2014/main" id="{CDD6591C-6706-1D9B-A7CF-BE488BA469CB}"/>
+              </a:ext>
+            </a:extLst>
+          </p:cNvPr>
+          <p:cNvSpPr>
+            <a:spLocks noGrp="1"/>
+          </p:cNvSpPr>
+          <p:nvPr>
+            <p:ph idx="1"/>
+          </p:nvPr>
+        </p:nvSpPr>
+        <p:spPr>
+          <a:xfrm>
+            <a:off x="839645" y="1846585"/>
+            <a:ext cx="10512709" cy="4874890"/>
+          </a:xfrm>
+        </p:spPr>
+        <p:txBody>
+          <a:bodyPr>
+            <a:normAutofit/>
+          </a:bodyPr>
+          <a:lstStyle/>
+          <a:p>
+            <a:r>
+              <a:rPr lang="en-US" altLang="zh-TW" dirty="0">
+                <a:latin typeface="Times" panose="02020603050405020304" pitchFamily="18" charset="0"/>
+                <a:cs typeface="Times" panose="02020603050405020304" pitchFamily="18" charset="0"/>
+              </a:rPr>
+              <a:t>Surrounding congestion and surrounding pin density (CNN)</a:t>
+            </a:r>
+            <a:endParaRPr lang="en-US" altLang="zh-TW" b="0" i="1" dirty="0">
+              <a:latin typeface="Cambria Math" panose="02040503050406030204" pitchFamily="18" charset="0"/>
+              <a:cs typeface="Times" panose="02020603050405020304" pitchFamily="18" charset="0"/>
+            </a:endParaRPr>
+          </a:p>
+        </p:txBody>
+      </p:sp>
+      <p:sp>
+        <p:nvSpPr>
+          <p:cNvPr id="4" name="投影片編號版面配置區 3">
+            <a:extLst>
+              <a:ext uri="{FF2B5EF4-FFF2-40B4-BE49-F238E27FC236}">
+                <a16:creationId xmlns:a16="http://schemas.microsoft.com/office/drawing/2014/main" id="{C4A4DCC3-BB49-91CF-D3FC-B1B0701D13DC}"/>
+              </a:ext>
+            </a:extLst>
+          </p:cNvPr>
+          <p:cNvSpPr>
+            <a:spLocks noGrp="1"/>
+          </p:cNvSpPr>
+          <p:nvPr>
+            <p:ph type="sldNum" sz="quarter" idx="12"/>
+          </p:nvPr>
+        </p:nvSpPr>
+        <p:spPr/>
+        <p:txBody>
+          <a:bodyPr/>
+          <a:lstStyle/>
+          <a:p>
+            <a:fld id="{666274A1-CF9C-426A-8DD4-B13ED0C24231}" type="slidenum">
+              <a:rPr lang="en-US" smtClean="0"/>
+              <a:t>16</a:t>
+            </a:fld>
+            <a:endParaRPr lang="en-US" dirty="0"/>
+          </a:p>
+        </p:txBody>
+      </p:sp>
+      <p:pic>
+        <p:nvPicPr>
+          <p:cNvPr id="6" name="圖片 5">
+            <a:extLst>
+              <a:ext uri="{FF2B5EF4-FFF2-40B4-BE49-F238E27FC236}">
+                <a16:creationId xmlns:a16="http://schemas.microsoft.com/office/drawing/2014/main" id="{38F0AD14-C414-FD4C-8494-7E57EB593A9B}"/>
+              </a:ext>
+            </a:extLst>
+          </p:cNvPr>
+          <p:cNvPicPr>
+            <a:picLocks noChangeAspect="1"/>
+          </p:cNvPicPr>
+          <p:nvPr/>
+        </p:nvPicPr>
+        <p:blipFill>
+          <a:blip r:embed="rId3"/>
+          <a:stretch>
+            <a:fillRect/>
+          </a:stretch>
+        </p:blipFill>
+        <p:spPr>
+          <a:xfrm>
+            <a:off x="2628415" y="2557177"/>
+            <a:ext cx="6935168" cy="4086795"/>
+          </a:xfrm>
+          <a:prstGeom prst="rect">
+            <a:avLst/>
+          </a:prstGeom>
+        </p:spPr>
+      </p:pic>
+    </p:spTree>
+    <p:extLst>
+      <p:ext uri="{BB962C8B-B14F-4D97-AF65-F5344CB8AC3E}">
+        <p14:creationId xmlns:p14="http://schemas.microsoft.com/office/powerpoint/2010/main" val="3795175942"/>
+      </p:ext>
+    </p:extLst>
+  </p:cSld>
+  <p:clrMapOvr>
+    <a:masterClrMapping/>
+  </p:clrMapOvr>
+</p:sld>
+</file>
+
+<file path=ppt/slides/slide18.xml><?xml version="1.0" encoding="utf-8"?>
+<p:sld xmlns:a="http://schemas.openxmlformats.org/drawingml/2006/main" xmlns:r="http://schemas.openxmlformats.org/officeDocument/2006/relationships" xmlns:p="http://schemas.openxmlformats.org/presentationml/2006/main">
+  <p:cSld>
+    <p:spTree>
+      <p:nvGrpSpPr>
+        <p:cNvPr id="1" name=""/>
+        <p:cNvGrpSpPr/>
+        <p:nvPr/>
+      </p:nvGrpSpPr>
+      <p:grpSpPr>
+        <a:xfrm>
+          <a:off x="0" y="0"/>
+          <a:ext cx="0" cy="0"/>
+          <a:chOff x="0" y="0"/>
+          <a:chExt cx="0" cy="0"/>
+        </a:xfrm>
+      </p:grpSpPr>
+      <p:sp>
+        <p:nvSpPr>
           <p:cNvPr id="4" name="Slide Number Placeholder 3">
             <a:extLst>
               <a:ext uri="{FF2B5EF4-FFF2-40B4-BE49-F238E27FC236}">
@@ -10434,7 +12257,7 @@
           <a:p>
             <a:fld id="{666274A1-CF9C-426A-8DD4-B13ED0C24231}" type="slidenum">
               <a:rPr lang="en-US" smtClean="0"/>
-              <a:t>15</a:t>
+              <a:t>17</a:t>
             </a:fld>
             <a:endParaRPr lang="en-US"/>
           </a:p>
@@ -11643,8 +13466,8 @@
           </a:p>
         </p:txBody>
       </p:sp>
-      <mc:AlternateContent xmlns:mc="http://schemas.openxmlformats.org/markup-compatibility/2006">
-        <mc:Choice xmlns:a14="http://schemas.microsoft.com/office/drawing/2010/main" Requires="a14">
+      <mc:AlternateContent xmlns:mc="http://schemas.openxmlformats.org/markup-compatibility/2006" xmlns:a14="http://schemas.microsoft.com/office/drawing/2010/main">
+        <mc:Choice Requires="a14">
           <p:sp>
             <p:nvSpPr>
               <p:cNvPr id="3" name="內容版面配置區 2">
@@ -12317,7 +14140,7 @@
             </p:txBody>
           </p:sp>
         </mc:Choice>
-        <mc:Fallback>
+        <mc:Fallback xmlns="">
           <p:sp>
             <p:nvSpPr>
               <p:cNvPr id="3" name="內容版面配置區 2">
@@ -12448,8 +14271,8 @@
           </a:p>
         </p:txBody>
       </p:sp>
-      <mc:AlternateContent xmlns:mc="http://schemas.openxmlformats.org/markup-compatibility/2006">
-        <mc:Choice xmlns:a14="http://schemas.microsoft.com/office/drawing/2010/main" Requires="a14">
+      <mc:AlternateContent xmlns:mc="http://schemas.openxmlformats.org/markup-compatibility/2006" xmlns:a14="http://schemas.microsoft.com/office/drawing/2010/main">
+        <mc:Choice Requires="a14">
           <p:sp>
             <p:nvSpPr>
               <p:cNvPr id="3" name="內容版面配置區 2">
@@ -12930,7 +14753,7 @@
             </p:txBody>
           </p:sp>
         </mc:Choice>
-        <mc:Fallback>
+        <mc:Fallback xmlns="">
           <p:sp>
             <p:nvSpPr>
               <p:cNvPr id="3" name="內容版面配置區 2">
@@ -13064,8 +14887,8 @@
           </a:p>
         </p:txBody>
       </p:sp>
-      <mc:AlternateContent xmlns:mc="http://schemas.openxmlformats.org/markup-compatibility/2006">
-        <mc:Choice xmlns:a14="http://schemas.microsoft.com/office/drawing/2010/main" Requires="a14">
+      <mc:AlternateContent xmlns:mc="http://schemas.openxmlformats.org/markup-compatibility/2006" xmlns:a14="http://schemas.microsoft.com/office/drawing/2010/main">
+        <mc:Choice Requires="a14">
           <p:sp>
             <p:nvSpPr>
               <p:cNvPr id="3" name="內容版面配置區 2">
@@ -14032,7 +15855,7 @@
             </p:txBody>
           </p:sp>
         </mc:Choice>
-        <mc:Fallback>
+        <mc:Fallback xmlns="">
           <p:sp>
             <p:nvSpPr>
               <p:cNvPr id="3" name="內容版面配置區 2">

--- a/GM/Placement/PUFFER A Routability-Driven Placement Framework via Cell Padding/PUFFER A Routability-Driven Placement Framework via Cell Padding.pptx
+++ b/GM/Placement/PUFFER A Routability-Driven Placement Framework via Cell Padding/PUFFER A Routability-Driven Placement Framework via Cell Padding.pptx
@@ -5,7 +5,7 @@
     <p:sldMasterId id="2147483648" r:id="rId1"/>
   </p:sldMasterIdLst>
   <p:notesMasterIdLst>
-    <p:notesMasterId r:id="rId24"/>
+    <p:notesMasterId r:id="rId27"/>
   </p:notesMasterIdLst>
   <p:sldIdLst>
     <p:sldId id="256" r:id="rId2"/>
@@ -14,22 +14,25 @@
     <p:sldId id="299" r:id="rId5"/>
     <p:sldId id="301" r:id="rId6"/>
     <p:sldId id="302" r:id="rId7"/>
-    <p:sldId id="303" r:id="rId8"/>
-    <p:sldId id="304" r:id="rId9"/>
-    <p:sldId id="305" r:id="rId10"/>
-    <p:sldId id="306" r:id="rId11"/>
-    <p:sldId id="307" r:id="rId12"/>
-    <p:sldId id="308" r:id="rId13"/>
-    <p:sldId id="309" r:id="rId14"/>
-    <p:sldId id="310" r:id="rId15"/>
-    <p:sldId id="311" r:id="rId16"/>
-    <p:sldId id="312" r:id="rId17"/>
-    <p:sldId id="314" r:id="rId18"/>
-    <p:sldId id="313" r:id="rId19"/>
-    <p:sldId id="315" r:id="rId20"/>
-    <p:sldId id="316" r:id="rId21"/>
-    <p:sldId id="317" r:id="rId22"/>
-    <p:sldId id="298" r:id="rId23"/>
+    <p:sldId id="318" r:id="rId8"/>
+    <p:sldId id="303" r:id="rId9"/>
+    <p:sldId id="304" r:id="rId10"/>
+    <p:sldId id="305" r:id="rId11"/>
+    <p:sldId id="306" r:id="rId12"/>
+    <p:sldId id="307" r:id="rId13"/>
+    <p:sldId id="308" r:id="rId14"/>
+    <p:sldId id="319" r:id="rId15"/>
+    <p:sldId id="309" r:id="rId16"/>
+    <p:sldId id="310" r:id="rId17"/>
+    <p:sldId id="311" r:id="rId18"/>
+    <p:sldId id="312" r:id="rId19"/>
+    <p:sldId id="314" r:id="rId20"/>
+    <p:sldId id="320" r:id="rId21"/>
+    <p:sldId id="313" r:id="rId22"/>
+    <p:sldId id="315" r:id="rId23"/>
+    <p:sldId id="316" r:id="rId24"/>
+    <p:sldId id="317" r:id="rId25"/>
+    <p:sldId id="298" r:id="rId26"/>
   </p:sldIdLst>
   <p:sldSz cx="12192000" cy="6858000"/>
   <p:notesSz cx="6858000" cy="9144000"/>
@@ -1474,7 +1477,7 @@
           <a:p>
             <a:fld id="{C9ED61FB-B9B0-4D85-A72E-A614C28ECC4E}" type="datetimeFigureOut">
               <a:rPr lang="en-US" smtClean="0"/>
-              <a:t>10/4/2023</a:t>
+              <a:t>10/21/2023</a:t>
             </a:fld>
             <a:endParaRPr lang="en-US"/>
           </a:p>
@@ -1873,9 +1876,252 @@
               <a:buFont typeface="Arial" panose="020B0604020202020204" pitchFamily="34" charset="0"/>
               <a:buChar char="•"/>
             </a:pPr>
-            <a:endParaRPr lang="en-US" altLang="zh-TW" sz="1800" b="0" i="0" u="none" strike="noStrike" baseline="0" dirty="0">
-              <a:latin typeface="CMMI9"/>
-            </a:endParaRPr>
+            <a:r>
+              <a:rPr lang="zh-TW" altLang="en-US" sz="1800" b="0" i="0" u="none" strike="noStrike" baseline="0" dirty="0">
+                <a:latin typeface="CMMI9"/>
+              </a:rPr>
+              <a:t>目的是要找到</a:t>
+            </a:r>
+            <a:r>
+              <a:rPr lang="en-US" altLang="zh-TW" sz="1800" b="0" i="0" u="none" strike="noStrike" baseline="0" dirty="0">
+                <a:latin typeface="CMMI9"/>
+              </a:rPr>
+              <a:t>routing</a:t>
+            </a:r>
+            <a:r>
+              <a:rPr lang="zh-TW" altLang="en-US" sz="1800" b="0" i="0" u="none" strike="noStrike" baseline="0" dirty="0">
+                <a:latin typeface="CMMI9"/>
+              </a:rPr>
+              <a:t>的</a:t>
+            </a:r>
+            <a:r>
+              <a:rPr lang="en-US" altLang="zh-TW" sz="1800" b="0" i="0" u="none" strike="noStrike" baseline="0" dirty="0">
+                <a:latin typeface="CMMI9"/>
+              </a:rPr>
+              <a:t>capacity</a:t>
+            </a:r>
+          </a:p>
+          <a:p>
+            <a:pPr marL="285750" indent="-285750" algn="l">
+              <a:buFont typeface="Arial" panose="020B0604020202020204" pitchFamily="34" charset="0"/>
+              <a:buChar char="•"/>
+            </a:pPr>
+            <a:r>
+              <a:rPr lang="en-US" altLang="zh-TW" sz="1800" b="0" i="0" u="none" strike="noStrike" baseline="0" dirty="0" err="1">
+                <a:latin typeface="CMMI9"/>
+              </a:rPr>
+              <a:t>Cap</a:t>
+            </a:r>
+            <a:r>
+              <a:rPr lang="en-US" altLang="zh-TW" sz="1800" b="0" i="0" u="none" strike="noStrike" baseline="0" dirty="0" err="1">
+                <a:latin typeface="CMMI6"/>
+              </a:rPr>
+              <a:t>H</a:t>
+            </a:r>
+            <a:r>
+              <a:rPr lang="en-US" altLang="zh-TW" sz="1800" b="0" i="0" u="none" strike="noStrike" baseline="0" dirty="0">
+                <a:latin typeface="CMMI6"/>
+              </a:rPr>
+              <a:t>=V </a:t>
+            </a:r>
+            <a:r>
+              <a:rPr lang="en-US" altLang="zh-TW" sz="1800" b="0" i="0" u="none" strike="noStrike" baseline="0" dirty="0">
+                <a:latin typeface="CMR9"/>
+              </a:rPr>
+              <a:t>(</a:t>
+            </a:r>
+            <a:r>
+              <a:rPr lang="en-US" altLang="zh-TW" sz="1800" b="0" i="0" u="none" strike="noStrike" baseline="0" dirty="0">
+                <a:latin typeface="CMMI9"/>
+              </a:rPr>
+              <a:t>g</a:t>
+            </a:r>
+            <a:r>
+              <a:rPr lang="en-US" altLang="zh-TW" sz="1800" b="0" i="0" u="none" strike="noStrike" baseline="0" dirty="0">
+                <a:latin typeface="CMR9"/>
+              </a:rPr>
+              <a:t>) </a:t>
+            </a:r>
+            <a:r>
+              <a:rPr lang="en-US" altLang="zh-TW" sz="1800" b="0" i="0" u="none" strike="noStrike" baseline="0" dirty="0">
+                <a:latin typeface="NimbusRomNo9L-Regu"/>
+              </a:rPr>
+              <a:t>: the horizontal or vertical routing capacity of </a:t>
+            </a:r>
+            <a:r>
+              <a:rPr lang="en-US" altLang="zh-TW" sz="1800" b="0" i="0" u="none" strike="noStrike" baseline="0" dirty="0" err="1">
+                <a:latin typeface="NimbusRomNo9L-Regu"/>
+              </a:rPr>
+              <a:t>Gcell</a:t>
+            </a:r>
+            <a:r>
+              <a:rPr lang="en-US" altLang="zh-TW" sz="1800" b="0" i="0" u="none" strike="noStrike" baseline="0" dirty="0">
+                <a:latin typeface="NimbusRomNo9L-Regu"/>
+              </a:rPr>
+              <a:t> </a:t>
+            </a:r>
+            <a:r>
+              <a:rPr lang="en-US" altLang="zh-TW" sz="1800" b="0" i="0" u="none" strike="noStrike" baseline="0" dirty="0">
+                <a:latin typeface="CMMI9"/>
+              </a:rPr>
+              <a:t>g</a:t>
+            </a:r>
+          </a:p>
+          <a:p>
+            <a:pPr marL="285750" indent="-285750" algn="l">
+              <a:buFont typeface="Arial" panose="020B0604020202020204" pitchFamily="34" charset="0"/>
+              <a:buChar char="•"/>
+            </a:pPr>
+            <a:r>
+              <a:rPr lang="en-US" altLang="zh-TW" sz="1800" b="0" i="0" u="none" strike="noStrike" baseline="0" dirty="0" err="1">
+                <a:latin typeface="CMMI9"/>
+              </a:rPr>
+              <a:t>l.pd</a:t>
+            </a:r>
+            <a:r>
+              <a:rPr lang="en-US" altLang="zh-TW" sz="1800" b="0" i="0" u="none" strike="noStrike" baseline="0" dirty="0">
+                <a:latin typeface="CMMI9"/>
+              </a:rPr>
+              <a:t> </a:t>
+            </a:r>
+            <a:r>
+              <a:rPr lang="en-US" altLang="zh-TW" sz="1800" b="0" i="0" u="none" strike="noStrike" baseline="0" dirty="0">
+                <a:latin typeface="NimbusRomNo9L-Regu"/>
+              </a:rPr>
+              <a:t>: the preferred routing direction of metal layer </a:t>
+            </a:r>
+            <a:r>
+              <a:rPr lang="en-US" altLang="zh-TW" sz="1800" b="0" i="0" u="none" strike="noStrike" baseline="0" dirty="0">
+                <a:latin typeface="CMMI9"/>
+              </a:rPr>
+              <a:t>l</a:t>
+            </a:r>
+          </a:p>
+          <a:p>
+            <a:pPr marL="285750" indent="-285750" algn="l">
+              <a:buFont typeface="Arial" panose="020B0604020202020204" pitchFamily="34" charset="0"/>
+              <a:buChar char="•"/>
+            </a:pPr>
+            <a:r>
+              <a:rPr lang="en-US" altLang="zh-TW" sz="1800" b="0" i="0" u="none" strike="noStrike" baseline="0" dirty="0">
+                <a:latin typeface="CMMI9"/>
+              </a:rPr>
+              <a:t>L </a:t>
+            </a:r>
+            <a:r>
+              <a:rPr lang="en-US" altLang="zh-TW" sz="1800" b="0" i="0" u="none" strike="noStrike" baseline="0" dirty="0">
+                <a:latin typeface="NimbusRomNo9L-Regu"/>
+              </a:rPr>
+              <a:t>: the set of metal layers</a:t>
+            </a:r>
+          </a:p>
+          <a:p>
+            <a:pPr marL="285750" indent="-285750" algn="l">
+              <a:buFont typeface="Arial" panose="020B0604020202020204" pitchFamily="34" charset="0"/>
+              <a:buChar char="•"/>
+            </a:pPr>
+            <a:r>
+              <a:rPr lang="en-US" altLang="zh-TW" sz="1800" b="0" i="0" u="none" strike="noStrike" baseline="0" dirty="0">
+                <a:latin typeface="CMMI9"/>
+              </a:rPr>
+              <a:t>Blk </a:t>
+            </a:r>
+            <a:r>
+              <a:rPr lang="en-US" altLang="zh-TW" sz="1800" b="0" i="0" u="none" strike="noStrike" baseline="0" dirty="0">
+                <a:latin typeface="NimbusRomNo9L-Regu"/>
+              </a:rPr>
+              <a:t>: the set of blockages</a:t>
+            </a:r>
+          </a:p>
+          <a:p>
+            <a:pPr marL="285750" indent="-285750" algn="l">
+              <a:buFont typeface="Arial" panose="020B0604020202020204" pitchFamily="34" charset="0"/>
+              <a:buChar char="•"/>
+            </a:pPr>
+            <a:r>
+              <a:rPr lang="en-US" altLang="zh-TW" sz="1800" b="0" i="0" u="none" strike="noStrike" baseline="0" dirty="0">
+                <a:latin typeface="CMMI9"/>
+              </a:rPr>
+              <a:t>OL</a:t>
+            </a:r>
+            <a:r>
+              <a:rPr lang="en-US" altLang="zh-TW" sz="1800" b="0" i="0" u="none" strike="noStrike" baseline="0" dirty="0">
+                <a:latin typeface="CMMI6"/>
+              </a:rPr>
+              <a:t>H=V </a:t>
+            </a:r>
+            <a:r>
+              <a:rPr lang="en-US" altLang="zh-TW" sz="1800" b="0" i="0" u="none" strike="noStrike" baseline="0" dirty="0">
+                <a:latin typeface="CMR9"/>
+              </a:rPr>
+              <a:t>(</a:t>
+            </a:r>
+            <a:r>
+              <a:rPr lang="en-US" altLang="zh-TW" sz="1800" b="0" i="0" u="none" strike="noStrike" baseline="0" dirty="0">
+                <a:latin typeface="CMMI9"/>
+              </a:rPr>
+              <a:t>b; g</a:t>
+            </a:r>
+            <a:r>
+              <a:rPr lang="en-US" altLang="zh-TW" sz="1800" b="0" i="0" u="none" strike="noStrike" baseline="0" dirty="0">
+                <a:latin typeface="CMR9"/>
+              </a:rPr>
+              <a:t>) </a:t>
+            </a:r>
+            <a:r>
+              <a:rPr lang="en-US" altLang="zh-TW" sz="1800" b="0" i="0" u="none" strike="noStrike" baseline="0" dirty="0">
+                <a:latin typeface="NimbusRomNo9L-Regu"/>
+              </a:rPr>
+              <a:t>is the horizontal or vertical overlaps between blockage </a:t>
+            </a:r>
+            <a:r>
+              <a:rPr lang="en-US" altLang="zh-TW" sz="1800" b="0" i="0" u="none" strike="noStrike" baseline="0" dirty="0">
+                <a:latin typeface="CMMI9"/>
+              </a:rPr>
+              <a:t>b </a:t>
+            </a:r>
+            <a:r>
+              <a:rPr lang="en-US" altLang="zh-TW" sz="1800" b="0" i="0" u="none" strike="noStrike" baseline="0" dirty="0">
+                <a:latin typeface="NimbusRomNo9L-Regu"/>
+              </a:rPr>
+              <a:t>and </a:t>
+            </a:r>
+            <a:r>
+              <a:rPr lang="en-US" altLang="zh-TW" sz="1800" b="0" i="0" u="none" strike="noStrike" baseline="0" dirty="0" err="1">
+                <a:latin typeface="NimbusRomNo9L-Regu"/>
+              </a:rPr>
+              <a:t>Gcell</a:t>
+            </a:r>
+            <a:r>
+              <a:rPr lang="en-US" altLang="zh-TW" sz="1800" b="0" i="0" u="none" strike="noStrike" baseline="0" dirty="0">
+                <a:latin typeface="NimbusRomNo9L-Regu"/>
+              </a:rPr>
+              <a:t> </a:t>
+            </a:r>
+            <a:r>
+              <a:rPr lang="en-US" altLang="zh-TW" sz="1800" b="0" i="0" u="none" strike="noStrike" baseline="0" dirty="0">
+                <a:latin typeface="CMMI9"/>
+              </a:rPr>
+              <a:t>g</a:t>
+            </a:r>
+          </a:p>
+          <a:p>
+            <a:pPr marL="285750" indent="-285750" algn="l">
+              <a:buFont typeface="Arial" panose="020B0604020202020204" pitchFamily="34" charset="0"/>
+              <a:buChar char="•"/>
+            </a:pPr>
+            <a:r>
+              <a:rPr lang="en-US" altLang="zh-TW" sz="1800" b="0" i="0" u="none" strike="noStrike" baseline="0" dirty="0" err="1">
+                <a:latin typeface="CMMI9"/>
+              </a:rPr>
+              <a:t>b.l</a:t>
+            </a:r>
+            <a:r>
+              <a:rPr lang="en-US" altLang="zh-TW" sz="1800" b="0" i="0" u="none" strike="noStrike" baseline="0" dirty="0">
+                <a:latin typeface="CMMI9"/>
+              </a:rPr>
+              <a:t> : the metal layer where the obstacle is located</a:t>
+            </a:r>
           </a:p>
         </p:txBody>
       </p:sp>
@@ -1905,7 +2151,7 @@
     </p:spTree>
     <p:extLst>
       <p:ext uri="{BB962C8B-B14F-4D97-AF65-F5344CB8AC3E}">
-        <p14:creationId xmlns:p14="http://schemas.microsoft.com/office/powerpoint/2010/main" val="1718402670"/>
+        <p14:creationId xmlns:p14="http://schemas.microsoft.com/office/powerpoint/2010/main" val="3233825191"/>
       </p:ext>
     </p:extLst>
   </p:cSld>
@@ -1963,243 +2209,6 @@
               <a:buFont typeface="Arial" panose="020B0604020202020204" pitchFamily="34" charset="0"/>
               <a:buChar char="•"/>
             </a:pPr>
-            <a:r>
-              <a:rPr lang="en-US" altLang="zh-TW" sz="1800" b="0" i="0" u="none" strike="noStrike" baseline="0" dirty="0" err="1">
-                <a:latin typeface="CMMI9"/>
-              </a:rPr>
-              <a:t>LCg</a:t>
-            </a:r>
-            <a:r>
-              <a:rPr lang="en-US" altLang="zh-TW" sz="1800" b="0" i="0" u="none" strike="noStrike" baseline="0" dirty="0">
-                <a:latin typeface="CMR9"/>
-              </a:rPr>
-              <a:t>(</a:t>
-            </a:r>
-            <a:r>
-              <a:rPr lang="en-US" altLang="zh-TW" sz="1800" b="0" i="0" u="none" strike="noStrike" baseline="0" dirty="0">
-                <a:latin typeface="CMMI9"/>
-              </a:rPr>
-              <a:t>c</a:t>
-            </a:r>
-            <a:r>
-              <a:rPr lang="en-US" altLang="zh-TW" sz="1800" b="0" i="0" u="none" strike="noStrike" baseline="0" dirty="0">
-                <a:latin typeface="CMR9"/>
-              </a:rPr>
-              <a:t>) </a:t>
-            </a:r>
-            <a:r>
-              <a:rPr lang="en-US" altLang="zh-TW" sz="1800" b="0" i="0" u="none" strike="noStrike" baseline="0" dirty="0">
-                <a:latin typeface="NimbusRomNo9L-Regu"/>
-              </a:rPr>
-              <a:t>is the local congestion of cell </a:t>
-            </a:r>
-            <a:r>
-              <a:rPr lang="en-US" altLang="zh-TW" sz="1800" b="0" i="0" u="none" strike="noStrike" baseline="0" dirty="0">
-                <a:latin typeface="CMMI9"/>
-              </a:rPr>
-              <a:t>c</a:t>
-            </a:r>
-          </a:p>
-          <a:p>
-            <a:pPr marL="285750" indent="-285750" algn="l">
-              <a:buFont typeface="Arial" panose="020B0604020202020204" pitchFamily="34" charset="0"/>
-              <a:buChar char="•"/>
-            </a:pPr>
-            <a:r>
-              <a:rPr lang="en-US" altLang="zh-TW" sz="1800" b="0" i="0" u="none" strike="noStrike" baseline="0" dirty="0">
-                <a:latin typeface="CMMI9"/>
-              </a:rPr>
-              <a:t>Pos</a:t>
-            </a:r>
-            <a:r>
-              <a:rPr lang="en-US" altLang="zh-TW" sz="1800" b="0" i="0" u="none" strike="noStrike" baseline="0" dirty="0">
-                <a:latin typeface="CMR9"/>
-              </a:rPr>
-              <a:t>(</a:t>
-            </a:r>
-            <a:r>
-              <a:rPr lang="en-US" altLang="zh-TW" sz="1800" b="0" i="0" u="none" strike="noStrike" baseline="0" dirty="0">
-                <a:latin typeface="CMMI9"/>
-              </a:rPr>
-              <a:t>c</a:t>
-            </a:r>
-            <a:r>
-              <a:rPr lang="en-US" altLang="zh-TW" sz="1800" b="0" i="0" u="none" strike="noStrike" baseline="0" dirty="0">
-                <a:latin typeface="CMR9"/>
-              </a:rPr>
-              <a:t>) </a:t>
-            </a:r>
-            <a:r>
-              <a:rPr lang="en-US" altLang="zh-TW" sz="1800" b="0" i="0" u="none" strike="noStrike" baseline="0" dirty="0">
-                <a:latin typeface="NimbusRomNo9L-Regu"/>
-              </a:rPr>
-              <a:t>is the </a:t>
-            </a:r>
-            <a:r>
-              <a:rPr lang="en-US" altLang="zh-TW" sz="1800" b="0" i="0" u="none" strike="noStrike" baseline="0" dirty="0" err="1">
-                <a:latin typeface="NimbusRomNo9L-Regu"/>
-              </a:rPr>
-              <a:t>Gcell</a:t>
-            </a:r>
-            <a:r>
-              <a:rPr lang="en-US" altLang="zh-TW" sz="1800" b="0" i="0" u="none" strike="noStrike" baseline="0" dirty="0">
-                <a:latin typeface="NimbusRomNo9L-Regu"/>
-              </a:rPr>
-              <a:t> set including all </a:t>
-            </a:r>
-            <a:r>
-              <a:rPr lang="en-US" altLang="zh-TW" sz="1800" b="0" i="0" u="none" strike="noStrike" baseline="0" dirty="0" err="1">
-                <a:latin typeface="NimbusRomNo9L-Regu"/>
-              </a:rPr>
-              <a:t>Gcells</a:t>
-            </a:r>
-            <a:r>
-              <a:rPr lang="en-US" altLang="zh-TW" sz="1800" b="0" i="0" u="none" strike="noStrike" baseline="0" dirty="0">
-                <a:latin typeface="NimbusRomNo9L-Regu"/>
-              </a:rPr>
-              <a:t> overlapped with cell </a:t>
-            </a:r>
-            <a:r>
-              <a:rPr lang="en-US" altLang="zh-TW" sz="1800" b="0" i="0" u="none" strike="noStrike" baseline="0" dirty="0">
-                <a:latin typeface="CMMI9"/>
-              </a:rPr>
-              <a:t>c</a:t>
-            </a:r>
-            <a:endParaRPr lang="en-US" altLang="zh-TW" sz="1800" b="0" i="0" u="none" strike="noStrike" baseline="0" dirty="0">
-              <a:latin typeface="NimbusRomNo9L-Regu"/>
-            </a:endParaRPr>
-          </a:p>
-          <a:p>
-            <a:pPr marL="285750" indent="-285750" algn="l">
-              <a:buFont typeface="Arial" panose="020B0604020202020204" pitchFamily="34" charset="0"/>
-              <a:buChar char="•"/>
-            </a:pPr>
-            <a:r>
-              <a:rPr lang="en-US" altLang="zh-TW" sz="1800" b="0" i="0" u="none" strike="noStrike" baseline="0" dirty="0">
-                <a:latin typeface="CMMI9"/>
-              </a:rPr>
-              <a:t>Cg</a:t>
-            </a:r>
-            <a:r>
-              <a:rPr lang="en-US" altLang="zh-TW" sz="1800" b="0" i="0" u="none" strike="noStrike" baseline="0" dirty="0">
-                <a:latin typeface="CMR9"/>
-              </a:rPr>
-              <a:t>(</a:t>
-            </a:r>
-            <a:r>
-              <a:rPr lang="en-US" altLang="zh-TW" sz="1800" b="0" i="0" u="none" strike="noStrike" baseline="0" dirty="0">
-                <a:latin typeface="CMMI9"/>
-              </a:rPr>
-              <a:t>g</a:t>
-            </a:r>
-            <a:r>
-              <a:rPr lang="en-US" altLang="zh-TW" sz="1800" b="0" i="0" u="none" strike="noStrike" baseline="0" dirty="0">
-                <a:latin typeface="CMR9"/>
-              </a:rPr>
-              <a:t>) </a:t>
-            </a:r>
-            <a:r>
-              <a:rPr lang="en-US" altLang="zh-TW" sz="1800" b="0" i="0" u="none" strike="noStrike" baseline="0" dirty="0">
-                <a:latin typeface="NimbusRomNo9L-Regu"/>
-              </a:rPr>
-              <a:t>is the congestion of </a:t>
-            </a:r>
-            <a:r>
-              <a:rPr lang="en-US" altLang="zh-TW" sz="1800" b="0" i="0" u="none" strike="noStrike" baseline="0" dirty="0" err="1">
-                <a:latin typeface="NimbusRomNo9L-Regu"/>
-              </a:rPr>
-              <a:t>Gcell</a:t>
-            </a:r>
-            <a:r>
-              <a:rPr lang="en-US" altLang="zh-TW" sz="1800" b="0" i="0" u="none" strike="noStrike" baseline="0" dirty="0">
-                <a:latin typeface="NimbusRomNo9L-Regu"/>
-              </a:rPr>
-              <a:t> </a:t>
-            </a:r>
-            <a:r>
-              <a:rPr lang="en-US" altLang="zh-TW" sz="1800" b="0" i="0" u="none" strike="noStrike" baseline="0" dirty="0">
-                <a:latin typeface="CMMI9"/>
-              </a:rPr>
-              <a:t>g</a:t>
-            </a:r>
-          </a:p>
-          <a:p>
-            <a:pPr marL="285750" indent="-285750" algn="l">
-              <a:buFont typeface="Arial" panose="020B0604020202020204" pitchFamily="34" charset="0"/>
-              <a:buChar char="•"/>
-            </a:pPr>
-            <a:r>
-              <a:rPr lang="en-US" altLang="zh-TW" sz="1800" b="0" i="0" u="none" strike="noStrike" baseline="0" dirty="0">
-                <a:latin typeface="CMMI9"/>
-              </a:rPr>
-              <a:t>Cg H</a:t>
-            </a:r>
-            <a:r>
-              <a:rPr lang="en-US" altLang="zh-TW" sz="1800" b="0" i="0" u="none" strike="noStrike" baseline="0" dirty="0">
-                <a:latin typeface="CMMI6"/>
-              </a:rPr>
-              <a:t>/V </a:t>
-            </a:r>
-            <a:r>
-              <a:rPr lang="en-US" altLang="zh-TW" sz="1800" b="0" i="0" u="none" strike="noStrike" baseline="0" dirty="0">
-                <a:latin typeface="CMR9"/>
-              </a:rPr>
-              <a:t>(</a:t>
-            </a:r>
-            <a:r>
-              <a:rPr lang="en-US" altLang="zh-TW" sz="1800" b="0" i="0" u="none" strike="noStrike" baseline="0" dirty="0">
-                <a:latin typeface="CMMI9"/>
-              </a:rPr>
-              <a:t>g</a:t>
-            </a:r>
-            <a:r>
-              <a:rPr lang="en-US" altLang="zh-TW" sz="1800" b="0" i="0" u="none" strike="noStrike" baseline="0" dirty="0">
-                <a:latin typeface="CMR9"/>
-              </a:rPr>
-              <a:t>)</a:t>
-            </a:r>
-            <a:r>
-              <a:rPr lang="en-US" altLang="zh-TW" sz="1800" b="0" i="0" u="none" strike="noStrike" baseline="0" dirty="0">
-                <a:latin typeface="NimbusRomNo9L-Regu"/>
-              </a:rPr>
-              <a:t> : horizontal and vertical congestion</a:t>
-            </a:r>
-          </a:p>
-          <a:p>
-            <a:pPr marL="285750" indent="-285750" algn="l">
-              <a:buFont typeface="Arial" panose="020B0604020202020204" pitchFamily="34" charset="0"/>
-              <a:buChar char="•"/>
-            </a:pPr>
-            <a:r>
-              <a:rPr lang="en-US" altLang="zh-TW" sz="1800" b="0" i="0" u="none" strike="noStrike" baseline="0" dirty="0">
-                <a:latin typeface="NimbusRomNo9L-Regu"/>
-              </a:rPr>
-              <a:t>Pin density could be calculated by the number of cell pins in each </a:t>
-            </a:r>
-            <a:r>
-              <a:rPr lang="en-US" altLang="zh-TW" sz="1800" b="0" i="0" u="none" strike="noStrike" baseline="0" dirty="0" err="1">
-                <a:latin typeface="NimbusRomNo9L-Regu"/>
-              </a:rPr>
-              <a:t>Gcell</a:t>
-            </a:r>
-            <a:r>
-              <a:rPr lang="en-US" altLang="zh-TW" sz="1800" b="0" i="0" u="none" strike="noStrike" baseline="0" dirty="0">
-                <a:latin typeface="NimbusRomNo9L-Regu"/>
-              </a:rPr>
-              <a:t> divided by the number of available sites in each </a:t>
-            </a:r>
-            <a:r>
-              <a:rPr lang="en-US" altLang="zh-TW" sz="1800" b="0" i="0" u="none" strike="noStrike" baseline="0" dirty="0" err="1">
-                <a:latin typeface="NimbusRomNo9L-Regu"/>
-              </a:rPr>
-              <a:t>Gcell</a:t>
-            </a:r>
-            <a:r>
-              <a:rPr lang="en-US" altLang="zh-TW" sz="1800" b="0" i="0" u="none" strike="noStrike" baseline="0" dirty="0">
-                <a:latin typeface="NimbusRomNo9L-Regu"/>
-              </a:rPr>
-              <a:t>.</a:t>
-            </a:r>
             <a:endParaRPr lang="en-US" altLang="zh-TW" sz="1800" b="0" i="0" u="none" strike="noStrike" baseline="0" dirty="0">
               <a:latin typeface="CMMI9"/>
             </a:endParaRPr>
@@ -2232,7 +2241,7 @@
     </p:spTree>
     <p:extLst>
       <p:ext uri="{BB962C8B-B14F-4D97-AF65-F5344CB8AC3E}">
-        <p14:creationId xmlns:p14="http://schemas.microsoft.com/office/powerpoint/2010/main" val="2902574397"/>
+        <p14:creationId xmlns:p14="http://schemas.microsoft.com/office/powerpoint/2010/main" val="2732201867"/>
       </p:ext>
     </p:extLst>
   </p:cSld>
@@ -2290,243 +2299,6 @@
               <a:buFont typeface="Arial" panose="020B0604020202020204" pitchFamily="34" charset="0"/>
               <a:buChar char="•"/>
             </a:pPr>
-            <a:r>
-              <a:rPr lang="en-US" altLang="zh-TW" sz="1800" b="0" i="0" u="none" strike="noStrike" baseline="0" dirty="0" err="1">
-                <a:latin typeface="CMMI9"/>
-              </a:rPr>
-              <a:t>LCg</a:t>
-            </a:r>
-            <a:r>
-              <a:rPr lang="en-US" altLang="zh-TW" sz="1800" b="0" i="0" u="none" strike="noStrike" baseline="0" dirty="0">
-                <a:latin typeface="CMR9"/>
-              </a:rPr>
-              <a:t>(</a:t>
-            </a:r>
-            <a:r>
-              <a:rPr lang="en-US" altLang="zh-TW" sz="1800" b="0" i="0" u="none" strike="noStrike" baseline="0" dirty="0">
-                <a:latin typeface="CMMI9"/>
-              </a:rPr>
-              <a:t>c</a:t>
-            </a:r>
-            <a:r>
-              <a:rPr lang="en-US" altLang="zh-TW" sz="1800" b="0" i="0" u="none" strike="noStrike" baseline="0" dirty="0">
-                <a:latin typeface="CMR9"/>
-              </a:rPr>
-              <a:t>) </a:t>
-            </a:r>
-            <a:r>
-              <a:rPr lang="en-US" altLang="zh-TW" sz="1800" b="0" i="0" u="none" strike="noStrike" baseline="0" dirty="0">
-                <a:latin typeface="NimbusRomNo9L-Regu"/>
-              </a:rPr>
-              <a:t>is the local congestion of cell </a:t>
-            </a:r>
-            <a:r>
-              <a:rPr lang="en-US" altLang="zh-TW" sz="1800" b="0" i="0" u="none" strike="noStrike" baseline="0" dirty="0">
-                <a:latin typeface="CMMI9"/>
-              </a:rPr>
-              <a:t>c</a:t>
-            </a:r>
-          </a:p>
-          <a:p>
-            <a:pPr marL="285750" indent="-285750" algn="l">
-              <a:buFont typeface="Arial" panose="020B0604020202020204" pitchFamily="34" charset="0"/>
-              <a:buChar char="•"/>
-            </a:pPr>
-            <a:r>
-              <a:rPr lang="en-US" altLang="zh-TW" sz="1800" b="0" i="0" u="none" strike="noStrike" baseline="0" dirty="0">
-                <a:latin typeface="CMMI9"/>
-              </a:rPr>
-              <a:t>Pos</a:t>
-            </a:r>
-            <a:r>
-              <a:rPr lang="en-US" altLang="zh-TW" sz="1800" b="0" i="0" u="none" strike="noStrike" baseline="0" dirty="0">
-                <a:latin typeface="CMR9"/>
-              </a:rPr>
-              <a:t>(</a:t>
-            </a:r>
-            <a:r>
-              <a:rPr lang="en-US" altLang="zh-TW" sz="1800" b="0" i="0" u="none" strike="noStrike" baseline="0" dirty="0">
-                <a:latin typeface="CMMI9"/>
-              </a:rPr>
-              <a:t>c</a:t>
-            </a:r>
-            <a:r>
-              <a:rPr lang="en-US" altLang="zh-TW" sz="1800" b="0" i="0" u="none" strike="noStrike" baseline="0" dirty="0">
-                <a:latin typeface="CMR9"/>
-              </a:rPr>
-              <a:t>) </a:t>
-            </a:r>
-            <a:r>
-              <a:rPr lang="en-US" altLang="zh-TW" sz="1800" b="0" i="0" u="none" strike="noStrike" baseline="0" dirty="0">
-                <a:latin typeface="NimbusRomNo9L-Regu"/>
-              </a:rPr>
-              <a:t>is the </a:t>
-            </a:r>
-            <a:r>
-              <a:rPr lang="en-US" altLang="zh-TW" sz="1800" b="0" i="0" u="none" strike="noStrike" baseline="0" dirty="0" err="1">
-                <a:latin typeface="NimbusRomNo9L-Regu"/>
-              </a:rPr>
-              <a:t>Gcell</a:t>
-            </a:r>
-            <a:r>
-              <a:rPr lang="en-US" altLang="zh-TW" sz="1800" b="0" i="0" u="none" strike="noStrike" baseline="0" dirty="0">
-                <a:latin typeface="NimbusRomNo9L-Regu"/>
-              </a:rPr>
-              <a:t> set including all </a:t>
-            </a:r>
-            <a:r>
-              <a:rPr lang="en-US" altLang="zh-TW" sz="1800" b="0" i="0" u="none" strike="noStrike" baseline="0" dirty="0" err="1">
-                <a:latin typeface="NimbusRomNo9L-Regu"/>
-              </a:rPr>
-              <a:t>Gcells</a:t>
-            </a:r>
-            <a:r>
-              <a:rPr lang="en-US" altLang="zh-TW" sz="1800" b="0" i="0" u="none" strike="noStrike" baseline="0" dirty="0">
-                <a:latin typeface="NimbusRomNo9L-Regu"/>
-              </a:rPr>
-              <a:t> overlapped with cell </a:t>
-            </a:r>
-            <a:r>
-              <a:rPr lang="en-US" altLang="zh-TW" sz="1800" b="0" i="0" u="none" strike="noStrike" baseline="0" dirty="0">
-                <a:latin typeface="CMMI9"/>
-              </a:rPr>
-              <a:t>c</a:t>
-            </a:r>
-            <a:endParaRPr lang="en-US" altLang="zh-TW" sz="1800" b="0" i="0" u="none" strike="noStrike" baseline="0" dirty="0">
-              <a:latin typeface="NimbusRomNo9L-Regu"/>
-            </a:endParaRPr>
-          </a:p>
-          <a:p>
-            <a:pPr marL="285750" indent="-285750" algn="l">
-              <a:buFont typeface="Arial" panose="020B0604020202020204" pitchFamily="34" charset="0"/>
-              <a:buChar char="•"/>
-            </a:pPr>
-            <a:r>
-              <a:rPr lang="en-US" altLang="zh-TW" sz="1800" b="0" i="0" u="none" strike="noStrike" baseline="0" dirty="0">
-                <a:latin typeface="CMMI9"/>
-              </a:rPr>
-              <a:t>Cg</a:t>
-            </a:r>
-            <a:r>
-              <a:rPr lang="en-US" altLang="zh-TW" sz="1800" b="0" i="0" u="none" strike="noStrike" baseline="0" dirty="0">
-                <a:latin typeface="CMR9"/>
-              </a:rPr>
-              <a:t>(</a:t>
-            </a:r>
-            <a:r>
-              <a:rPr lang="en-US" altLang="zh-TW" sz="1800" b="0" i="0" u="none" strike="noStrike" baseline="0" dirty="0">
-                <a:latin typeface="CMMI9"/>
-              </a:rPr>
-              <a:t>g</a:t>
-            </a:r>
-            <a:r>
-              <a:rPr lang="en-US" altLang="zh-TW" sz="1800" b="0" i="0" u="none" strike="noStrike" baseline="0" dirty="0">
-                <a:latin typeface="CMR9"/>
-              </a:rPr>
-              <a:t>) </a:t>
-            </a:r>
-            <a:r>
-              <a:rPr lang="en-US" altLang="zh-TW" sz="1800" b="0" i="0" u="none" strike="noStrike" baseline="0" dirty="0">
-                <a:latin typeface="NimbusRomNo9L-Regu"/>
-              </a:rPr>
-              <a:t>is the congestion of </a:t>
-            </a:r>
-            <a:r>
-              <a:rPr lang="en-US" altLang="zh-TW" sz="1800" b="0" i="0" u="none" strike="noStrike" baseline="0" dirty="0" err="1">
-                <a:latin typeface="NimbusRomNo9L-Regu"/>
-              </a:rPr>
-              <a:t>Gcell</a:t>
-            </a:r>
-            <a:r>
-              <a:rPr lang="en-US" altLang="zh-TW" sz="1800" b="0" i="0" u="none" strike="noStrike" baseline="0" dirty="0">
-                <a:latin typeface="NimbusRomNo9L-Regu"/>
-              </a:rPr>
-              <a:t> </a:t>
-            </a:r>
-            <a:r>
-              <a:rPr lang="en-US" altLang="zh-TW" sz="1800" b="0" i="0" u="none" strike="noStrike" baseline="0" dirty="0">
-                <a:latin typeface="CMMI9"/>
-              </a:rPr>
-              <a:t>g</a:t>
-            </a:r>
-          </a:p>
-          <a:p>
-            <a:pPr marL="285750" indent="-285750" algn="l">
-              <a:buFont typeface="Arial" panose="020B0604020202020204" pitchFamily="34" charset="0"/>
-              <a:buChar char="•"/>
-            </a:pPr>
-            <a:r>
-              <a:rPr lang="en-US" altLang="zh-TW" sz="1800" b="0" i="0" u="none" strike="noStrike" baseline="0" dirty="0">
-                <a:latin typeface="CMMI9"/>
-              </a:rPr>
-              <a:t>Cg H</a:t>
-            </a:r>
-            <a:r>
-              <a:rPr lang="en-US" altLang="zh-TW" sz="1800" b="0" i="0" u="none" strike="noStrike" baseline="0" dirty="0">
-                <a:latin typeface="CMMI6"/>
-              </a:rPr>
-              <a:t>/V </a:t>
-            </a:r>
-            <a:r>
-              <a:rPr lang="en-US" altLang="zh-TW" sz="1800" b="0" i="0" u="none" strike="noStrike" baseline="0" dirty="0">
-                <a:latin typeface="CMR9"/>
-              </a:rPr>
-              <a:t>(</a:t>
-            </a:r>
-            <a:r>
-              <a:rPr lang="en-US" altLang="zh-TW" sz="1800" b="0" i="0" u="none" strike="noStrike" baseline="0" dirty="0">
-                <a:latin typeface="CMMI9"/>
-              </a:rPr>
-              <a:t>g</a:t>
-            </a:r>
-            <a:r>
-              <a:rPr lang="en-US" altLang="zh-TW" sz="1800" b="0" i="0" u="none" strike="noStrike" baseline="0" dirty="0">
-                <a:latin typeface="CMR9"/>
-              </a:rPr>
-              <a:t>)</a:t>
-            </a:r>
-            <a:r>
-              <a:rPr lang="en-US" altLang="zh-TW" sz="1800" b="0" i="0" u="none" strike="noStrike" baseline="0" dirty="0">
-                <a:latin typeface="NimbusRomNo9L-Regu"/>
-              </a:rPr>
-              <a:t> : horizontal and vertical congestion</a:t>
-            </a:r>
-          </a:p>
-          <a:p>
-            <a:pPr marL="285750" indent="-285750" algn="l">
-              <a:buFont typeface="Arial" panose="020B0604020202020204" pitchFamily="34" charset="0"/>
-              <a:buChar char="•"/>
-            </a:pPr>
-            <a:r>
-              <a:rPr lang="en-US" altLang="zh-TW" sz="1800" b="0" i="0" u="none" strike="noStrike" baseline="0" dirty="0">
-                <a:latin typeface="NimbusRomNo9L-Regu"/>
-              </a:rPr>
-              <a:t>Pin density could be calculated by the number of cell pins in each </a:t>
-            </a:r>
-            <a:r>
-              <a:rPr lang="en-US" altLang="zh-TW" sz="1800" b="0" i="0" u="none" strike="noStrike" baseline="0" dirty="0" err="1">
-                <a:latin typeface="NimbusRomNo9L-Regu"/>
-              </a:rPr>
-              <a:t>Gcell</a:t>
-            </a:r>
-            <a:r>
-              <a:rPr lang="en-US" altLang="zh-TW" sz="1800" b="0" i="0" u="none" strike="noStrike" baseline="0" dirty="0">
-                <a:latin typeface="NimbusRomNo9L-Regu"/>
-              </a:rPr>
-              <a:t> divided by the number of available sites in each </a:t>
-            </a:r>
-            <a:r>
-              <a:rPr lang="en-US" altLang="zh-TW" sz="1800" b="0" i="0" u="none" strike="noStrike" baseline="0" dirty="0" err="1">
-                <a:latin typeface="NimbusRomNo9L-Regu"/>
-              </a:rPr>
-              <a:t>Gcell</a:t>
-            </a:r>
-            <a:r>
-              <a:rPr lang="en-US" altLang="zh-TW" sz="1800" b="0" i="0" u="none" strike="noStrike" baseline="0" dirty="0">
-                <a:latin typeface="NimbusRomNo9L-Regu"/>
-              </a:rPr>
-              <a:t>.</a:t>
-            </a:r>
             <a:endParaRPr lang="en-US" altLang="zh-TW" sz="1800" b="0" i="0" u="none" strike="noStrike" baseline="0" dirty="0">
               <a:latin typeface="CMMI9"/>
             </a:endParaRPr>
@@ -2559,7 +2331,7 @@
     </p:spTree>
     <p:extLst>
       <p:ext uri="{BB962C8B-B14F-4D97-AF65-F5344CB8AC3E}">
-        <p14:creationId xmlns:p14="http://schemas.microsoft.com/office/powerpoint/2010/main" val="2465228620"/>
+        <p14:creationId xmlns:p14="http://schemas.microsoft.com/office/powerpoint/2010/main" val="1718402670"/>
       </p:ext>
     </p:extLst>
   </p:cSld>
@@ -2617,6 +2389,243 @@
               <a:buFont typeface="Arial" panose="020B0604020202020204" pitchFamily="34" charset="0"/>
               <a:buChar char="•"/>
             </a:pPr>
+            <a:r>
+              <a:rPr lang="en-US" altLang="zh-TW" sz="1800" b="0" i="0" u="none" strike="noStrike" baseline="0" dirty="0" err="1">
+                <a:latin typeface="CMMI9"/>
+              </a:rPr>
+              <a:t>LCg</a:t>
+            </a:r>
+            <a:r>
+              <a:rPr lang="en-US" altLang="zh-TW" sz="1800" b="0" i="0" u="none" strike="noStrike" baseline="0" dirty="0">
+                <a:latin typeface="CMR9"/>
+              </a:rPr>
+              <a:t>(</a:t>
+            </a:r>
+            <a:r>
+              <a:rPr lang="en-US" altLang="zh-TW" sz="1800" b="0" i="0" u="none" strike="noStrike" baseline="0" dirty="0">
+                <a:latin typeface="CMMI9"/>
+              </a:rPr>
+              <a:t>c</a:t>
+            </a:r>
+            <a:r>
+              <a:rPr lang="en-US" altLang="zh-TW" sz="1800" b="0" i="0" u="none" strike="noStrike" baseline="0" dirty="0">
+                <a:latin typeface="CMR9"/>
+              </a:rPr>
+              <a:t>) </a:t>
+            </a:r>
+            <a:r>
+              <a:rPr lang="en-US" altLang="zh-TW" sz="1800" b="0" i="0" u="none" strike="noStrike" baseline="0" dirty="0">
+                <a:latin typeface="NimbusRomNo9L-Regu"/>
+              </a:rPr>
+              <a:t>is the local congestion of cell </a:t>
+            </a:r>
+            <a:r>
+              <a:rPr lang="en-US" altLang="zh-TW" sz="1800" b="0" i="0" u="none" strike="noStrike" baseline="0" dirty="0">
+                <a:latin typeface="CMMI9"/>
+              </a:rPr>
+              <a:t>c</a:t>
+            </a:r>
+          </a:p>
+          <a:p>
+            <a:pPr marL="285750" indent="-285750" algn="l">
+              <a:buFont typeface="Arial" panose="020B0604020202020204" pitchFamily="34" charset="0"/>
+              <a:buChar char="•"/>
+            </a:pPr>
+            <a:r>
+              <a:rPr lang="en-US" altLang="zh-TW" sz="1800" b="0" i="0" u="none" strike="noStrike" baseline="0" dirty="0">
+                <a:latin typeface="CMMI9"/>
+              </a:rPr>
+              <a:t>Pos</a:t>
+            </a:r>
+            <a:r>
+              <a:rPr lang="en-US" altLang="zh-TW" sz="1800" b="0" i="0" u="none" strike="noStrike" baseline="0" dirty="0">
+                <a:latin typeface="CMR9"/>
+              </a:rPr>
+              <a:t>(</a:t>
+            </a:r>
+            <a:r>
+              <a:rPr lang="en-US" altLang="zh-TW" sz="1800" b="0" i="0" u="none" strike="noStrike" baseline="0" dirty="0">
+                <a:latin typeface="CMMI9"/>
+              </a:rPr>
+              <a:t>c</a:t>
+            </a:r>
+            <a:r>
+              <a:rPr lang="en-US" altLang="zh-TW" sz="1800" b="0" i="0" u="none" strike="noStrike" baseline="0" dirty="0">
+                <a:latin typeface="CMR9"/>
+              </a:rPr>
+              <a:t>) </a:t>
+            </a:r>
+            <a:r>
+              <a:rPr lang="en-US" altLang="zh-TW" sz="1800" b="0" i="0" u="none" strike="noStrike" baseline="0" dirty="0">
+                <a:latin typeface="NimbusRomNo9L-Regu"/>
+              </a:rPr>
+              <a:t>is the </a:t>
+            </a:r>
+            <a:r>
+              <a:rPr lang="en-US" altLang="zh-TW" sz="1800" b="0" i="0" u="none" strike="noStrike" baseline="0" dirty="0" err="1">
+                <a:latin typeface="NimbusRomNo9L-Regu"/>
+              </a:rPr>
+              <a:t>Gcell</a:t>
+            </a:r>
+            <a:r>
+              <a:rPr lang="en-US" altLang="zh-TW" sz="1800" b="0" i="0" u="none" strike="noStrike" baseline="0" dirty="0">
+                <a:latin typeface="NimbusRomNo9L-Regu"/>
+              </a:rPr>
+              <a:t> set including all </a:t>
+            </a:r>
+            <a:r>
+              <a:rPr lang="en-US" altLang="zh-TW" sz="1800" b="0" i="0" u="none" strike="noStrike" baseline="0" dirty="0" err="1">
+                <a:latin typeface="NimbusRomNo9L-Regu"/>
+              </a:rPr>
+              <a:t>Gcells</a:t>
+            </a:r>
+            <a:r>
+              <a:rPr lang="en-US" altLang="zh-TW" sz="1800" b="0" i="0" u="none" strike="noStrike" baseline="0" dirty="0">
+                <a:latin typeface="NimbusRomNo9L-Regu"/>
+              </a:rPr>
+              <a:t> overlapped with cell </a:t>
+            </a:r>
+            <a:r>
+              <a:rPr lang="en-US" altLang="zh-TW" sz="1800" b="0" i="0" u="none" strike="noStrike" baseline="0" dirty="0">
+                <a:latin typeface="CMMI9"/>
+              </a:rPr>
+              <a:t>c</a:t>
+            </a:r>
+            <a:endParaRPr lang="en-US" altLang="zh-TW" sz="1800" b="0" i="0" u="none" strike="noStrike" baseline="0" dirty="0">
+              <a:latin typeface="NimbusRomNo9L-Regu"/>
+            </a:endParaRPr>
+          </a:p>
+          <a:p>
+            <a:pPr marL="285750" indent="-285750" algn="l">
+              <a:buFont typeface="Arial" panose="020B0604020202020204" pitchFamily="34" charset="0"/>
+              <a:buChar char="•"/>
+            </a:pPr>
+            <a:r>
+              <a:rPr lang="en-US" altLang="zh-TW" sz="1800" b="0" i="0" u="none" strike="noStrike" baseline="0" dirty="0">
+                <a:latin typeface="CMMI9"/>
+              </a:rPr>
+              <a:t>Cg</a:t>
+            </a:r>
+            <a:r>
+              <a:rPr lang="en-US" altLang="zh-TW" sz="1800" b="0" i="0" u="none" strike="noStrike" baseline="0" dirty="0">
+                <a:latin typeface="CMR9"/>
+              </a:rPr>
+              <a:t>(</a:t>
+            </a:r>
+            <a:r>
+              <a:rPr lang="en-US" altLang="zh-TW" sz="1800" b="0" i="0" u="none" strike="noStrike" baseline="0" dirty="0">
+                <a:latin typeface="CMMI9"/>
+              </a:rPr>
+              <a:t>g</a:t>
+            </a:r>
+            <a:r>
+              <a:rPr lang="en-US" altLang="zh-TW" sz="1800" b="0" i="0" u="none" strike="noStrike" baseline="0" dirty="0">
+                <a:latin typeface="CMR9"/>
+              </a:rPr>
+              <a:t>) </a:t>
+            </a:r>
+            <a:r>
+              <a:rPr lang="en-US" altLang="zh-TW" sz="1800" b="0" i="0" u="none" strike="noStrike" baseline="0" dirty="0">
+                <a:latin typeface="NimbusRomNo9L-Regu"/>
+              </a:rPr>
+              <a:t>is the congestion of </a:t>
+            </a:r>
+            <a:r>
+              <a:rPr lang="en-US" altLang="zh-TW" sz="1800" b="0" i="0" u="none" strike="noStrike" baseline="0" dirty="0" err="1">
+                <a:latin typeface="NimbusRomNo9L-Regu"/>
+              </a:rPr>
+              <a:t>Gcell</a:t>
+            </a:r>
+            <a:r>
+              <a:rPr lang="en-US" altLang="zh-TW" sz="1800" b="0" i="0" u="none" strike="noStrike" baseline="0" dirty="0">
+                <a:latin typeface="NimbusRomNo9L-Regu"/>
+              </a:rPr>
+              <a:t> </a:t>
+            </a:r>
+            <a:r>
+              <a:rPr lang="en-US" altLang="zh-TW" sz="1800" b="0" i="0" u="none" strike="noStrike" baseline="0" dirty="0">
+                <a:latin typeface="CMMI9"/>
+              </a:rPr>
+              <a:t>g</a:t>
+            </a:r>
+          </a:p>
+          <a:p>
+            <a:pPr marL="285750" indent="-285750" algn="l">
+              <a:buFont typeface="Arial" panose="020B0604020202020204" pitchFamily="34" charset="0"/>
+              <a:buChar char="•"/>
+            </a:pPr>
+            <a:r>
+              <a:rPr lang="en-US" altLang="zh-TW" sz="1800" b="0" i="0" u="none" strike="noStrike" baseline="0" dirty="0">
+                <a:latin typeface="CMMI9"/>
+              </a:rPr>
+              <a:t>Cg H</a:t>
+            </a:r>
+            <a:r>
+              <a:rPr lang="en-US" altLang="zh-TW" sz="1800" b="0" i="0" u="none" strike="noStrike" baseline="0" dirty="0">
+                <a:latin typeface="CMMI6"/>
+              </a:rPr>
+              <a:t>/V </a:t>
+            </a:r>
+            <a:r>
+              <a:rPr lang="en-US" altLang="zh-TW" sz="1800" b="0" i="0" u="none" strike="noStrike" baseline="0" dirty="0">
+                <a:latin typeface="CMR9"/>
+              </a:rPr>
+              <a:t>(</a:t>
+            </a:r>
+            <a:r>
+              <a:rPr lang="en-US" altLang="zh-TW" sz="1800" b="0" i="0" u="none" strike="noStrike" baseline="0" dirty="0">
+                <a:latin typeface="CMMI9"/>
+              </a:rPr>
+              <a:t>g</a:t>
+            </a:r>
+            <a:r>
+              <a:rPr lang="en-US" altLang="zh-TW" sz="1800" b="0" i="0" u="none" strike="noStrike" baseline="0" dirty="0">
+                <a:latin typeface="CMR9"/>
+              </a:rPr>
+              <a:t>)</a:t>
+            </a:r>
+            <a:r>
+              <a:rPr lang="en-US" altLang="zh-TW" sz="1800" b="0" i="0" u="none" strike="noStrike" baseline="0" dirty="0">
+                <a:latin typeface="NimbusRomNo9L-Regu"/>
+              </a:rPr>
+              <a:t> : horizontal and vertical congestion</a:t>
+            </a:r>
+          </a:p>
+          <a:p>
+            <a:pPr marL="285750" indent="-285750" algn="l">
+              <a:buFont typeface="Arial" panose="020B0604020202020204" pitchFamily="34" charset="0"/>
+              <a:buChar char="•"/>
+            </a:pPr>
+            <a:r>
+              <a:rPr lang="en-US" altLang="zh-TW" sz="1800" b="0" i="0" u="none" strike="noStrike" baseline="0" dirty="0">
+                <a:latin typeface="NimbusRomNo9L-Regu"/>
+              </a:rPr>
+              <a:t>Pin density could be calculated by the number of cell pins in each </a:t>
+            </a:r>
+            <a:r>
+              <a:rPr lang="en-US" altLang="zh-TW" sz="1800" b="0" i="0" u="none" strike="noStrike" baseline="0" dirty="0" err="1">
+                <a:latin typeface="NimbusRomNo9L-Regu"/>
+              </a:rPr>
+              <a:t>Gcell</a:t>
+            </a:r>
+            <a:r>
+              <a:rPr lang="en-US" altLang="zh-TW" sz="1800" b="0" i="0" u="none" strike="noStrike" baseline="0" dirty="0">
+                <a:latin typeface="NimbusRomNo9L-Regu"/>
+              </a:rPr>
+              <a:t> divided by the number of available sites in each </a:t>
+            </a:r>
+            <a:r>
+              <a:rPr lang="en-US" altLang="zh-TW" sz="1800" b="0" i="0" u="none" strike="noStrike" baseline="0" dirty="0" err="1">
+                <a:latin typeface="NimbusRomNo9L-Regu"/>
+              </a:rPr>
+              <a:t>Gcell</a:t>
+            </a:r>
+            <a:r>
+              <a:rPr lang="en-US" altLang="zh-TW" sz="1800" b="0" i="0" u="none" strike="noStrike" baseline="0" dirty="0">
+                <a:latin typeface="NimbusRomNo9L-Regu"/>
+              </a:rPr>
+              <a:t>.</a:t>
+            </a:r>
             <a:endParaRPr lang="en-US" altLang="zh-TW" sz="1800" b="0" i="0" u="none" strike="noStrike" baseline="0" dirty="0">
               <a:latin typeface="CMMI9"/>
             </a:endParaRPr>
@@ -2649,7 +2658,7 @@
     </p:spTree>
     <p:extLst>
       <p:ext uri="{BB962C8B-B14F-4D97-AF65-F5344CB8AC3E}">
-        <p14:creationId xmlns:p14="http://schemas.microsoft.com/office/powerpoint/2010/main" val="2692143703"/>
+        <p14:creationId xmlns:p14="http://schemas.microsoft.com/office/powerpoint/2010/main" val="2902574397"/>
       </p:ext>
     </p:extLst>
   </p:cSld>
@@ -2703,7 +2712,250 @@
           <a:bodyPr/>
           <a:lstStyle/>
           <a:p>
-            <a:endParaRPr lang="zh-TW" altLang="en-US" dirty="0"/>
+            <a:pPr marL="285750" indent="-285750" algn="l">
+              <a:buFont typeface="Arial" panose="020B0604020202020204" pitchFamily="34" charset="0"/>
+              <a:buChar char="•"/>
+            </a:pPr>
+            <a:r>
+              <a:rPr lang="en-US" altLang="zh-TW" sz="1800" b="0" i="0" u="none" strike="noStrike" baseline="0" dirty="0" err="1">
+                <a:latin typeface="CMMI9"/>
+              </a:rPr>
+              <a:t>LCg</a:t>
+            </a:r>
+            <a:r>
+              <a:rPr lang="en-US" altLang="zh-TW" sz="1800" b="0" i="0" u="none" strike="noStrike" baseline="0" dirty="0">
+                <a:latin typeface="CMR9"/>
+              </a:rPr>
+              <a:t>(</a:t>
+            </a:r>
+            <a:r>
+              <a:rPr lang="en-US" altLang="zh-TW" sz="1800" b="0" i="0" u="none" strike="noStrike" baseline="0" dirty="0">
+                <a:latin typeface="CMMI9"/>
+              </a:rPr>
+              <a:t>c</a:t>
+            </a:r>
+            <a:r>
+              <a:rPr lang="en-US" altLang="zh-TW" sz="1800" b="0" i="0" u="none" strike="noStrike" baseline="0" dirty="0">
+                <a:latin typeface="CMR9"/>
+              </a:rPr>
+              <a:t>) </a:t>
+            </a:r>
+            <a:r>
+              <a:rPr lang="en-US" altLang="zh-TW" sz="1800" b="0" i="0" u="none" strike="noStrike" baseline="0" dirty="0">
+                <a:latin typeface="NimbusRomNo9L-Regu"/>
+              </a:rPr>
+              <a:t>is the local congestion of cell </a:t>
+            </a:r>
+            <a:r>
+              <a:rPr lang="en-US" altLang="zh-TW" sz="1800" b="0" i="0" u="none" strike="noStrike" baseline="0" dirty="0">
+                <a:latin typeface="CMMI9"/>
+              </a:rPr>
+              <a:t>c</a:t>
+            </a:r>
+          </a:p>
+          <a:p>
+            <a:pPr marL="285750" indent="-285750" algn="l">
+              <a:buFont typeface="Arial" panose="020B0604020202020204" pitchFamily="34" charset="0"/>
+              <a:buChar char="•"/>
+            </a:pPr>
+            <a:r>
+              <a:rPr lang="en-US" altLang="zh-TW" sz="1800" b="0" i="0" u="none" strike="noStrike" baseline="0" dirty="0">
+                <a:latin typeface="CMMI9"/>
+              </a:rPr>
+              <a:t>Pos</a:t>
+            </a:r>
+            <a:r>
+              <a:rPr lang="en-US" altLang="zh-TW" sz="1800" b="0" i="0" u="none" strike="noStrike" baseline="0" dirty="0">
+                <a:latin typeface="CMR9"/>
+              </a:rPr>
+              <a:t>(</a:t>
+            </a:r>
+            <a:r>
+              <a:rPr lang="en-US" altLang="zh-TW" sz="1800" b="0" i="0" u="none" strike="noStrike" baseline="0" dirty="0">
+                <a:latin typeface="CMMI9"/>
+              </a:rPr>
+              <a:t>c</a:t>
+            </a:r>
+            <a:r>
+              <a:rPr lang="en-US" altLang="zh-TW" sz="1800" b="0" i="0" u="none" strike="noStrike" baseline="0" dirty="0">
+                <a:latin typeface="CMR9"/>
+              </a:rPr>
+              <a:t>) </a:t>
+            </a:r>
+            <a:r>
+              <a:rPr lang="en-US" altLang="zh-TW" sz="1800" b="0" i="0" u="none" strike="noStrike" baseline="0" dirty="0">
+                <a:latin typeface="NimbusRomNo9L-Regu"/>
+              </a:rPr>
+              <a:t>is the </a:t>
+            </a:r>
+            <a:r>
+              <a:rPr lang="en-US" altLang="zh-TW" sz="1800" b="0" i="0" u="none" strike="noStrike" baseline="0" dirty="0" err="1">
+                <a:latin typeface="NimbusRomNo9L-Regu"/>
+              </a:rPr>
+              <a:t>Gcell</a:t>
+            </a:r>
+            <a:r>
+              <a:rPr lang="en-US" altLang="zh-TW" sz="1800" b="0" i="0" u="none" strike="noStrike" baseline="0" dirty="0">
+                <a:latin typeface="NimbusRomNo9L-Regu"/>
+              </a:rPr>
+              <a:t> set including all </a:t>
+            </a:r>
+            <a:r>
+              <a:rPr lang="en-US" altLang="zh-TW" sz="1800" b="0" i="0" u="none" strike="noStrike" baseline="0" dirty="0" err="1">
+                <a:latin typeface="NimbusRomNo9L-Regu"/>
+              </a:rPr>
+              <a:t>Gcells</a:t>
+            </a:r>
+            <a:r>
+              <a:rPr lang="en-US" altLang="zh-TW" sz="1800" b="0" i="0" u="none" strike="noStrike" baseline="0" dirty="0">
+                <a:latin typeface="NimbusRomNo9L-Regu"/>
+              </a:rPr>
+              <a:t> overlapped with cell </a:t>
+            </a:r>
+            <a:r>
+              <a:rPr lang="en-US" altLang="zh-TW" sz="1800" b="0" i="0" u="none" strike="noStrike" baseline="0" dirty="0">
+                <a:latin typeface="CMMI9"/>
+              </a:rPr>
+              <a:t>c</a:t>
+            </a:r>
+            <a:endParaRPr lang="en-US" altLang="zh-TW" sz="1800" b="0" i="0" u="none" strike="noStrike" baseline="0" dirty="0">
+              <a:latin typeface="NimbusRomNo9L-Regu"/>
+            </a:endParaRPr>
+          </a:p>
+          <a:p>
+            <a:pPr marL="285750" indent="-285750" algn="l">
+              <a:buFont typeface="Arial" panose="020B0604020202020204" pitchFamily="34" charset="0"/>
+              <a:buChar char="•"/>
+            </a:pPr>
+            <a:r>
+              <a:rPr lang="en-US" altLang="zh-TW" sz="1800" b="0" i="0" u="none" strike="noStrike" baseline="0" dirty="0">
+                <a:latin typeface="CMMI9"/>
+              </a:rPr>
+              <a:t>Cg</a:t>
+            </a:r>
+            <a:r>
+              <a:rPr lang="en-US" altLang="zh-TW" sz="1800" b="0" i="0" u="none" strike="noStrike" baseline="0" dirty="0">
+                <a:latin typeface="CMR9"/>
+              </a:rPr>
+              <a:t>(</a:t>
+            </a:r>
+            <a:r>
+              <a:rPr lang="en-US" altLang="zh-TW" sz="1800" b="0" i="0" u="none" strike="noStrike" baseline="0" dirty="0">
+                <a:latin typeface="CMMI9"/>
+              </a:rPr>
+              <a:t>g</a:t>
+            </a:r>
+            <a:r>
+              <a:rPr lang="en-US" altLang="zh-TW" sz="1800" b="0" i="0" u="none" strike="noStrike" baseline="0" dirty="0">
+                <a:latin typeface="CMR9"/>
+              </a:rPr>
+              <a:t>) </a:t>
+            </a:r>
+            <a:r>
+              <a:rPr lang="en-US" altLang="zh-TW" sz="1800" b="0" i="0" u="none" strike="noStrike" baseline="0" dirty="0">
+                <a:latin typeface="NimbusRomNo9L-Regu"/>
+              </a:rPr>
+              <a:t>is the congestion of </a:t>
+            </a:r>
+            <a:r>
+              <a:rPr lang="en-US" altLang="zh-TW" sz="1800" b="0" i="0" u="none" strike="noStrike" baseline="0" dirty="0" err="1">
+                <a:latin typeface="NimbusRomNo9L-Regu"/>
+              </a:rPr>
+              <a:t>Gcell</a:t>
+            </a:r>
+            <a:r>
+              <a:rPr lang="en-US" altLang="zh-TW" sz="1800" b="0" i="0" u="none" strike="noStrike" baseline="0" dirty="0">
+                <a:latin typeface="NimbusRomNo9L-Regu"/>
+              </a:rPr>
+              <a:t> </a:t>
+            </a:r>
+            <a:r>
+              <a:rPr lang="en-US" altLang="zh-TW" sz="1800" b="0" i="0" u="none" strike="noStrike" baseline="0" dirty="0">
+                <a:latin typeface="CMMI9"/>
+              </a:rPr>
+              <a:t>g</a:t>
+            </a:r>
+          </a:p>
+          <a:p>
+            <a:pPr marL="285750" indent="-285750" algn="l">
+              <a:buFont typeface="Arial" panose="020B0604020202020204" pitchFamily="34" charset="0"/>
+              <a:buChar char="•"/>
+            </a:pPr>
+            <a:r>
+              <a:rPr lang="en-US" altLang="zh-TW" sz="1800" b="0" i="0" u="none" strike="noStrike" baseline="0" dirty="0">
+                <a:latin typeface="CMMI9"/>
+              </a:rPr>
+              <a:t>Cg H</a:t>
+            </a:r>
+            <a:r>
+              <a:rPr lang="en-US" altLang="zh-TW" sz="1800" b="0" i="0" u="none" strike="noStrike" baseline="0" dirty="0">
+                <a:latin typeface="CMMI6"/>
+              </a:rPr>
+              <a:t>/V </a:t>
+            </a:r>
+            <a:r>
+              <a:rPr lang="en-US" altLang="zh-TW" sz="1800" b="0" i="0" u="none" strike="noStrike" baseline="0" dirty="0">
+                <a:latin typeface="CMR9"/>
+              </a:rPr>
+              <a:t>(</a:t>
+            </a:r>
+            <a:r>
+              <a:rPr lang="en-US" altLang="zh-TW" sz="1800" b="0" i="0" u="none" strike="noStrike" baseline="0" dirty="0">
+                <a:latin typeface="CMMI9"/>
+              </a:rPr>
+              <a:t>g</a:t>
+            </a:r>
+            <a:r>
+              <a:rPr lang="en-US" altLang="zh-TW" sz="1800" b="0" i="0" u="none" strike="noStrike" baseline="0" dirty="0">
+                <a:latin typeface="CMR9"/>
+              </a:rPr>
+              <a:t>)</a:t>
+            </a:r>
+            <a:r>
+              <a:rPr lang="en-US" altLang="zh-TW" sz="1800" b="0" i="0" u="none" strike="noStrike" baseline="0" dirty="0">
+                <a:latin typeface="NimbusRomNo9L-Regu"/>
+              </a:rPr>
+              <a:t> : horizontal and vertical congestion</a:t>
+            </a:r>
+          </a:p>
+          <a:p>
+            <a:pPr marL="285750" indent="-285750" algn="l">
+              <a:buFont typeface="Arial" panose="020B0604020202020204" pitchFamily="34" charset="0"/>
+              <a:buChar char="•"/>
+            </a:pPr>
+            <a:r>
+              <a:rPr lang="en-US" altLang="zh-TW" sz="1800" b="0" i="0" u="none" strike="noStrike" baseline="0" dirty="0">
+                <a:latin typeface="NimbusRomNo9L-Regu"/>
+              </a:rPr>
+              <a:t>Pin density could be calculated by the number of cell pins in each </a:t>
+            </a:r>
+            <a:r>
+              <a:rPr lang="en-US" altLang="zh-TW" sz="1800" b="0" i="0" u="none" strike="noStrike" baseline="0" dirty="0" err="1">
+                <a:latin typeface="NimbusRomNo9L-Regu"/>
+              </a:rPr>
+              <a:t>Gcell</a:t>
+            </a:r>
+            <a:r>
+              <a:rPr lang="en-US" altLang="zh-TW" sz="1800" b="0" i="0" u="none" strike="noStrike" baseline="0" dirty="0">
+                <a:latin typeface="NimbusRomNo9L-Regu"/>
+              </a:rPr>
+              <a:t> divided by the number of available sites in each </a:t>
+            </a:r>
+            <a:r>
+              <a:rPr lang="en-US" altLang="zh-TW" sz="1800" b="0" i="0" u="none" strike="noStrike" baseline="0" dirty="0" err="1">
+                <a:latin typeface="NimbusRomNo9L-Regu"/>
+              </a:rPr>
+              <a:t>Gcell</a:t>
+            </a:r>
+            <a:r>
+              <a:rPr lang="en-US" altLang="zh-TW" sz="1800" b="0" i="0" u="none" strike="noStrike" baseline="0" dirty="0">
+                <a:latin typeface="NimbusRomNo9L-Regu"/>
+              </a:rPr>
+              <a:t>.</a:t>
+            </a:r>
+            <a:endParaRPr lang="en-US" altLang="zh-TW" sz="1800" b="0" i="0" u="none" strike="noStrike" baseline="0" dirty="0">
+              <a:latin typeface="CMMI9"/>
+            </a:endParaRPr>
           </a:p>
         </p:txBody>
       </p:sp>
@@ -2733,7 +2985,7 @@
     </p:spTree>
     <p:extLst>
       <p:ext uri="{BB962C8B-B14F-4D97-AF65-F5344CB8AC3E}">
-        <p14:creationId xmlns:p14="http://schemas.microsoft.com/office/powerpoint/2010/main" val="4134807879"/>
+        <p14:creationId xmlns:p14="http://schemas.microsoft.com/office/powerpoint/2010/main" val="2465228620"/>
       </p:ext>
     </p:extLst>
   </p:cSld>
@@ -2792,10 +3044,241 @@
               <a:buChar char="•"/>
             </a:pPr>
             <a:r>
+              <a:rPr lang="en-US" altLang="zh-TW" sz="1800" b="0" i="0" u="none" strike="noStrike" baseline="0" dirty="0" err="1">
+                <a:latin typeface="CMMI9"/>
+              </a:rPr>
+              <a:t>LCg</a:t>
+            </a:r>
+            <a:r>
+              <a:rPr lang="en-US" altLang="zh-TW" sz="1800" b="0" i="0" u="none" strike="noStrike" baseline="0" dirty="0">
+                <a:latin typeface="CMR9"/>
+              </a:rPr>
+              <a:t>(</a:t>
+            </a:r>
+            <a:r>
+              <a:rPr lang="en-US" altLang="zh-TW" sz="1800" b="0" i="0" u="none" strike="noStrike" baseline="0" dirty="0">
+                <a:latin typeface="CMMI9"/>
+              </a:rPr>
+              <a:t>c</a:t>
+            </a:r>
+            <a:r>
+              <a:rPr lang="en-US" altLang="zh-TW" sz="1800" b="0" i="0" u="none" strike="noStrike" baseline="0" dirty="0">
+                <a:latin typeface="CMR9"/>
+              </a:rPr>
+              <a:t>) </a:t>
+            </a:r>
+            <a:r>
               <a:rPr lang="en-US" altLang="zh-TW" sz="1800" b="0" i="0" u="none" strike="noStrike" baseline="0" dirty="0">
                 <a:latin typeface="NimbusRomNo9L-Regu"/>
               </a:rPr>
-              <a:t>The logarithmic function intends to smooth the distribution of padding values, which could improve the stability of the padding process.</a:t>
+              <a:t>is the local congestion of cell </a:t>
+            </a:r>
+            <a:r>
+              <a:rPr lang="en-US" altLang="zh-TW" sz="1800" b="0" i="0" u="none" strike="noStrike" baseline="0" dirty="0">
+                <a:latin typeface="CMMI9"/>
+              </a:rPr>
+              <a:t>c</a:t>
+            </a:r>
+          </a:p>
+          <a:p>
+            <a:pPr marL="285750" indent="-285750" algn="l">
+              <a:buFont typeface="Arial" panose="020B0604020202020204" pitchFamily="34" charset="0"/>
+              <a:buChar char="•"/>
+            </a:pPr>
+            <a:r>
+              <a:rPr lang="en-US" altLang="zh-TW" sz="1800" b="0" i="0" u="none" strike="noStrike" baseline="0" dirty="0">
+                <a:latin typeface="CMMI9"/>
+              </a:rPr>
+              <a:t>Pos</a:t>
+            </a:r>
+            <a:r>
+              <a:rPr lang="en-US" altLang="zh-TW" sz="1800" b="0" i="0" u="none" strike="noStrike" baseline="0" dirty="0">
+                <a:latin typeface="CMR9"/>
+              </a:rPr>
+              <a:t>(</a:t>
+            </a:r>
+            <a:r>
+              <a:rPr lang="en-US" altLang="zh-TW" sz="1800" b="0" i="0" u="none" strike="noStrike" baseline="0" dirty="0">
+                <a:latin typeface="CMMI9"/>
+              </a:rPr>
+              <a:t>c</a:t>
+            </a:r>
+            <a:r>
+              <a:rPr lang="en-US" altLang="zh-TW" sz="1800" b="0" i="0" u="none" strike="noStrike" baseline="0" dirty="0">
+                <a:latin typeface="CMR9"/>
+              </a:rPr>
+              <a:t>) </a:t>
+            </a:r>
+            <a:r>
+              <a:rPr lang="en-US" altLang="zh-TW" sz="1800" b="0" i="0" u="none" strike="noStrike" baseline="0" dirty="0">
+                <a:latin typeface="NimbusRomNo9L-Regu"/>
+              </a:rPr>
+              <a:t>is the </a:t>
+            </a:r>
+            <a:r>
+              <a:rPr lang="en-US" altLang="zh-TW" sz="1800" b="0" i="0" u="none" strike="noStrike" baseline="0" dirty="0" err="1">
+                <a:latin typeface="NimbusRomNo9L-Regu"/>
+              </a:rPr>
+              <a:t>Gcell</a:t>
+            </a:r>
+            <a:r>
+              <a:rPr lang="en-US" altLang="zh-TW" sz="1800" b="0" i="0" u="none" strike="noStrike" baseline="0" dirty="0">
+                <a:latin typeface="NimbusRomNo9L-Regu"/>
+              </a:rPr>
+              <a:t> set including all </a:t>
+            </a:r>
+            <a:r>
+              <a:rPr lang="en-US" altLang="zh-TW" sz="1800" b="0" i="0" u="none" strike="noStrike" baseline="0" dirty="0" err="1">
+                <a:latin typeface="NimbusRomNo9L-Regu"/>
+              </a:rPr>
+              <a:t>Gcells</a:t>
+            </a:r>
+            <a:r>
+              <a:rPr lang="en-US" altLang="zh-TW" sz="1800" b="0" i="0" u="none" strike="noStrike" baseline="0" dirty="0">
+                <a:latin typeface="NimbusRomNo9L-Regu"/>
+              </a:rPr>
+              <a:t> overlapped with cell </a:t>
+            </a:r>
+            <a:r>
+              <a:rPr lang="en-US" altLang="zh-TW" sz="1800" b="0" i="0" u="none" strike="noStrike" baseline="0" dirty="0">
+                <a:latin typeface="CMMI9"/>
+              </a:rPr>
+              <a:t>c</a:t>
+            </a:r>
+            <a:endParaRPr lang="en-US" altLang="zh-TW" sz="1800" b="0" i="0" u="none" strike="noStrike" baseline="0" dirty="0">
+              <a:latin typeface="NimbusRomNo9L-Regu"/>
+            </a:endParaRPr>
+          </a:p>
+          <a:p>
+            <a:pPr marL="285750" indent="-285750" algn="l">
+              <a:buFont typeface="Arial" panose="020B0604020202020204" pitchFamily="34" charset="0"/>
+              <a:buChar char="•"/>
+            </a:pPr>
+            <a:r>
+              <a:rPr lang="en-US" altLang="zh-TW" sz="1800" b="0" i="0" u="none" strike="noStrike" baseline="0" dirty="0">
+                <a:latin typeface="CMMI9"/>
+              </a:rPr>
+              <a:t>Cg</a:t>
+            </a:r>
+            <a:r>
+              <a:rPr lang="en-US" altLang="zh-TW" sz="1800" b="0" i="0" u="none" strike="noStrike" baseline="0" dirty="0">
+                <a:latin typeface="CMR9"/>
+              </a:rPr>
+              <a:t>(</a:t>
+            </a:r>
+            <a:r>
+              <a:rPr lang="en-US" altLang="zh-TW" sz="1800" b="0" i="0" u="none" strike="noStrike" baseline="0" dirty="0">
+                <a:latin typeface="CMMI9"/>
+              </a:rPr>
+              <a:t>g</a:t>
+            </a:r>
+            <a:r>
+              <a:rPr lang="en-US" altLang="zh-TW" sz="1800" b="0" i="0" u="none" strike="noStrike" baseline="0" dirty="0">
+                <a:latin typeface="CMR9"/>
+              </a:rPr>
+              <a:t>) </a:t>
+            </a:r>
+            <a:r>
+              <a:rPr lang="en-US" altLang="zh-TW" sz="1800" b="0" i="0" u="none" strike="noStrike" baseline="0" dirty="0">
+                <a:latin typeface="NimbusRomNo9L-Regu"/>
+              </a:rPr>
+              <a:t>is the congestion of </a:t>
+            </a:r>
+            <a:r>
+              <a:rPr lang="en-US" altLang="zh-TW" sz="1800" b="0" i="0" u="none" strike="noStrike" baseline="0" dirty="0" err="1">
+                <a:latin typeface="NimbusRomNo9L-Regu"/>
+              </a:rPr>
+              <a:t>Gcell</a:t>
+            </a:r>
+            <a:r>
+              <a:rPr lang="en-US" altLang="zh-TW" sz="1800" b="0" i="0" u="none" strike="noStrike" baseline="0" dirty="0">
+                <a:latin typeface="NimbusRomNo9L-Regu"/>
+              </a:rPr>
+              <a:t> </a:t>
+            </a:r>
+            <a:r>
+              <a:rPr lang="en-US" altLang="zh-TW" sz="1800" b="0" i="0" u="none" strike="noStrike" baseline="0" dirty="0">
+                <a:latin typeface="CMMI9"/>
+              </a:rPr>
+              <a:t>g</a:t>
+            </a:r>
+          </a:p>
+          <a:p>
+            <a:pPr marL="285750" indent="-285750" algn="l">
+              <a:buFont typeface="Arial" panose="020B0604020202020204" pitchFamily="34" charset="0"/>
+              <a:buChar char="•"/>
+            </a:pPr>
+            <a:r>
+              <a:rPr lang="en-US" altLang="zh-TW" sz="1800" b="0" i="0" u="none" strike="noStrike" baseline="0" dirty="0">
+                <a:latin typeface="CMMI9"/>
+              </a:rPr>
+              <a:t>Cg H</a:t>
+            </a:r>
+            <a:r>
+              <a:rPr lang="en-US" altLang="zh-TW" sz="1800" b="0" i="0" u="none" strike="noStrike" baseline="0" dirty="0">
+                <a:latin typeface="CMMI6"/>
+              </a:rPr>
+              <a:t>/V </a:t>
+            </a:r>
+            <a:r>
+              <a:rPr lang="en-US" altLang="zh-TW" sz="1800" b="0" i="0" u="none" strike="noStrike" baseline="0" dirty="0">
+                <a:latin typeface="CMR9"/>
+              </a:rPr>
+              <a:t>(</a:t>
+            </a:r>
+            <a:r>
+              <a:rPr lang="en-US" altLang="zh-TW" sz="1800" b="0" i="0" u="none" strike="noStrike" baseline="0" dirty="0">
+                <a:latin typeface="CMMI9"/>
+              </a:rPr>
+              <a:t>g</a:t>
+            </a:r>
+            <a:r>
+              <a:rPr lang="en-US" altLang="zh-TW" sz="1800" b="0" i="0" u="none" strike="noStrike" baseline="0" dirty="0">
+                <a:latin typeface="CMR9"/>
+              </a:rPr>
+              <a:t>)</a:t>
+            </a:r>
+            <a:r>
+              <a:rPr lang="en-US" altLang="zh-TW" sz="1800" b="0" i="0" u="none" strike="noStrike" baseline="0" dirty="0">
+                <a:latin typeface="NimbusRomNo9L-Regu"/>
+              </a:rPr>
+              <a:t> : horizontal and vertical congestion</a:t>
+            </a:r>
+          </a:p>
+          <a:p>
+            <a:pPr marL="285750" indent="-285750" algn="l">
+              <a:buFont typeface="Arial" panose="020B0604020202020204" pitchFamily="34" charset="0"/>
+              <a:buChar char="•"/>
+            </a:pPr>
+            <a:r>
+              <a:rPr lang="en-US" altLang="zh-TW" sz="1800" b="0" i="0" u="none" strike="noStrike" baseline="0" dirty="0">
+                <a:latin typeface="NimbusRomNo9L-Regu"/>
+              </a:rPr>
+              <a:t>Pin density could be calculated by the number of cell pins in each </a:t>
+            </a:r>
+            <a:r>
+              <a:rPr lang="en-US" altLang="zh-TW" sz="1800" b="0" i="0" u="none" strike="noStrike" baseline="0" dirty="0" err="1">
+                <a:latin typeface="NimbusRomNo9L-Regu"/>
+              </a:rPr>
+              <a:t>Gcell</a:t>
+            </a:r>
+            <a:r>
+              <a:rPr lang="en-US" altLang="zh-TW" sz="1800" b="0" i="0" u="none" strike="noStrike" baseline="0" dirty="0">
+                <a:latin typeface="NimbusRomNo9L-Regu"/>
+              </a:rPr>
+              <a:t> divided by the number of available sites in each </a:t>
+            </a:r>
+            <a:r>
+              <a:rPr lang="en-US" altLang="zh-TW" sz="1800" b="0" i="0" u="none" strike="noStrike" baseline="0" dirty="0" err="1">
+                <a:latin typeface="NimbusRomNo9L-Regu"/>
+              </a:rPr>
+              <a:t>Gcell</a:t>
+            </a:r>
+            <a:r>
+              <a:rPr lang="en-US" altLang="zh-TW" sz="1800" b="0" i="0" u="none" strike="noStrike" baseline="0" dirty="0">
+                <a:latin typeface="NimbusRomNo9L-Regu"/>
+              </a:rPr>
+              <a:t>.</a:t>
             </a:r>
             <a:endParaRPr lang="en-US" altLang="zh-TW" sz="1800" b="0" i="0" u="none" strike="noStrike" baseline="0" dirty="0">
               <a:latin typeface="CMMI9"/>
@@ -2829,7 +3312,7 @@
     </p:spTree>
     <p:extLst>
       <p:ext uri="{BB962C8B-B14F-4D97-AF65-F5344CB8AC3E}">
-        <p14:creationId xmlns:p14="http://schemas.microsoft.com/office/powerpoint/2010/main" val="911398052"/>
+        <p14:creationId xmlns:p14="http://schemas.microsoft.com/office/powerpoint/2010/main" val="1620956765"/>
       </p:ext>
     </p:extLst>
   </p:cSld>
@@ -2911,6 +3394,276 @@
             <a:fld id="{9D457EAB-1485-47AD-BEAD-484FAEBF5A54}" type="slidenum">
               <a:rPr lang="en-US" smtClean="0"/>
               <a:t>20</a:t>
+            </a:fld>
+            <a:endParaRPr lang="en-US"/>
+          </a:p>
+        </p:txBody>
+      </p:sp>
+    </p:spTree>
+    <p:extLst>
+      <p:ext uri="{BB962C8B-B14F-4D97-AF65-F5344CB8AC3E}">
+        <p14:creationId xmlns:p14="http://schemas.microsoft.com/office/powerpoint/2010/main" val="2692143703"/>
+      </p:ext>
+    </p:extLst>
+  </p:cSld>
+  <p:clrMapOvr>
+    <a:masterClrMapping/>
+  </p:clrMapOvr>
+</p:notes>
+</file>
+
+<file path=ppt/notesSlides/notesSlide17.xml><?xml version="1.0" encoding="utf-8"?>
+<p:notes xmlns:a="http://schemas.openxmlformats.org/drawingml/2006/main" xmlns:r="http://schemas.openxmlformats.org/officeDocument/2006/relationships" xmlns:p="http://schemas.openxmlformats.org/presentationml/2006/main">
+  <p:cSld>
+    <p:spTree>
+      <p:nvGrpSpPr>
+        <p:cNvPr id="1" name=""/>
+        <p:cNvGrpSpPr/>
+        <p:nvPr/>
+      </p:nvGrpSpPr>
+      <p:grpSpPr>
+        <a:xfrm>
+          <a:off x="0" y="0"/>
+          <a:ext cx="0" cy="0"/>
+          <a:chOff x="0" y="0"/>
+          <a:chExt cx="0" cy="0"/>
+        </a:xfrm>
+      </p:grpSpPr>
+      <p:sp>
+        <p:nvSpPr>
+          <p:cNvPr id="2" name="投影片影像版面配置區 1"/>
+          <p:cNvSpPr>
+            <a:spLocks noGrp="1" noRot="1" noChangeAspect="1"/>
+          </p:cNvSpPr>
+          <p:nvPr>
+            <p:ph type="sldImg"/>
+          </p:nvPr>
+        </p:nvSpPr>
+        <p:spPr/>
+      </p:sp>
+      <p:sp>
+        <p:nvSpPr>
+          <p:cNvPr id="3" name="備忘稿版面配置區 2"/>
+          <p:cNvSpPr>
+            <a:spLocks noGrp="1"/>
+          </p:cNvSpPr>
+          <p:nvPr>
+            <p:ph type="body" idx="1"/>
+          </p:nvPr>
+        </p:nvSpPr>
+        <p:spPr/>
+        <p:txBody>
+          <a:bodyPr/>
+          <a:lstStyle/>
+          <a:p>
+            <a:endParaRPr lang="zh-TW" altLang="en-US" dirty="0"/>
+          </a:p>
+        </p:txBody>
+      </p:sp>
+      <p:sp>
+        <p:nvSpPr>
+          <p:cNvPr id="4" name="投影片編號版面配置區 3"/>
+          <p:cNvSpPr>
+            <a:spLocks noGrp="1"/>
+          </p:cNvSpPr>
+          <p:nvPr>
+            <p:ph type="sldNum" sz="quarter" idx="5"/>
+          </p:nvPr>
+        </p:nvSpPr>
+        <p:spPr/>
+        <p:txBody>
+          <a:bodyPr/>
+          <a:lstStyle/>
+          <a:p>
+            <a:fld id="{9D457EAB-1485-47AD-BEAD-484FAEBF5A54}" type="slidenum">
+              <a:rPr lang="en-US" smtClean="0"/>
+              <a:t>21</a:t>
+            </a:fld>
+            <a:endParaRPr lang="en-US"/>
+          </a:p>
+        </p:txBody>
+      </p:sp>
+    </p:spTree>
+    <p:extLst>
+      <p:ext uri="{BB962C8B-B14F-4D97-AF65-F5344CB8AC3E}">
+        <p14:creationId xmlns:p14="http://schemas.microsoft.com/office/powerpoint/2010/main" val="4134807879"/>
+      </p:ext>
+    </p:extLst>
+  </p:cSld>
+  <p:clrMapOvr>
+    <a:masterClrMapping/>
+  </p:clrMapOvr>
+</p:notes>
+</file>
+
+<file path=ppt/notesSlides/notesSlide18.xml><?xml version="1.0" encoding="utf-8"?>
+<p:notes xmlns:a="http://schemas.openxmlformats.org/drawingml/2006/main" xmlns:r="http://schemas.openxmlformats.org/officeDocument/2006/relationships" xmlns:p="http://schemas.openxmlformats.org/presentationml/2006/main">
+  <p:cSld>
+    <p:spTree>
+      <p:nvGrpSpPr>
+        <p:cNvPr id="1" name=""/>
+        <p:cNvGrpSpPr/>
+        <p:nvPr/>
+      </p:nvGrpSpPr>
+      <p:grpSpPr>
+        <a:xfrm>
+          <a:off x="0" y="0"/>
+          <a:ext cx="0" cy="0"/>
+          <a:chOff x="0" y="0"/>
+          <a:chExt cx="0" cy="0"/>
+        </a:xfrm>
+      </p:grpSpPr>
+      <p:sp>
+        <p:nvSpPr>
+          <p:cNvPr id="2" name="投影片影像版面配置區 1"/>
+          <p:cNvSpPr>
+            <a:spLocks noGrp="1" noRot="1" noChangeAspect="1"/>
+          </p:cNvSpPr>
+          <p:nvPr>
+            <p:ph type="sldImg"/>
+          </p:nvPr>
+        </p:nvSpPr>
+        <p:spPr/>
+      </p:sp>
+      <p:sp>
+        <p:nvSpPr>
+          <p:cNvPr id="3" name="備忘稿版面配置區 2"/>
+          <p:cNvSpPr>
+            <a:spLocks noGrp="1"/>
+          </p:cNvSpPr>
+          <p:nvPr>
+            <p:ph type="body" idx="1"/>
+          </p:nvPr>
+        </p:nvSpPr>
+        <p:spPr/>
+        <p:txBody>
+          <a:bodyPr/>
+          <a:lstStyle/>
+          <a:p>
+            <a:pPr marL="285750" indent="-285750" algn="l">
+              <a:buFont typeface="Arial" panose="020B0604020202020204" pitchFamily="34" charset="0"/>
+              <a:buChar char="•"/>
+            </a:pPr>
+            <a:r>
+              <a:rPr lang="en-US" altLang="zh-TW" sz="1800" b="0" i="0" u="none" strike="noStrike" baseline="0" dirty="0">
+                <a:latin typeface="NimbusRomNo9L-Regu"/>
+              </a:rPr>
+              <a:t>The logarithmic function intends to smooth the distribution of padding values, which could improve the stability of the padding process.</a:t>
+            </a:r>
+            <a:endParaRPr lang="en-US" altLang="zh-TW" sz="1800" b="0" i="0" u="none" strike="noStrike" baseline="0" dirty="0">
+              <a:latin typeface="CMMI9"/>
+            </a:endParaRPr>
+          </a:p>
+        </p:txBody>
+      </p:sp>
+      <p:sp>
+        <p:nvSpPr>
+          <p:cNvPr id="4" name="投影片編號版面配置區 3"/>
+          <p:cNvSpPr>
+            <a:spLocks noGrp="1"/>
+          </p:cNvSpPr>
+          <p:nvPr>
+            <p:ph type="sldNum" sz="quarter" idx="5"/>
+          </p:nvPr>
+        </p:nvSpPr>
+        <p:spPr/>
+        <p:txBody>
+          <a:bodyPr/>
+          <a:lstStyle/>
+          <a:p>
+            <a:fld id="{9D457EAB-1485-47AD-BEAD-484FAEBF5A54}" type="slidenum">
+              <a:rPr lang="en-US" smtClean="0"/>
+              <a:t>22</a:t>
+            </a:fld>
+            <a:endParaRPr lang="en-US"/>
+          </a:p>
+        </p:txBody>
+      </p:sp>
+    </p:spTree>
+    <p:extLst>
+      <p:ext uri="{BB962C8B-B14F-4D97-AF65-F5344CB8AC3E}">
+        <p14:creationId xmlns:p14="http://schemas.microsoft.com/office/powerpoint/2010/main" val="911398052"/>
+      </p:ext>
+    </p:extLst>
+  </p:cSld>
+  <p:clrMapOvr>
+    <a:masterClrMapping/>
+  </p:clrMapOvr>
+</p:notes>
+</file>
+
+<file path=ppt/notesSlides/notesSlide19.xml><?xml version="1.0" encoding="utf-8"?>
+<p:notes xmlns:a="http://schemas.openxmlformats.org/drawingml/2006/main" xmlns:r="http://schemas.openxmlformats.org/officeDocument/2006/relationships" xmlns:p="http://schemas.openxmlformats.org/presentationml/2006/main">
+  <p:cSld>
+    <p:spTree>
+      <p:nvGrpSpPr>
+        <p:cNvPr id="1" name=""/>
+        <p:cNvGrpSpPr/>
+        <p:nvPr/>
+      </p:nvGrpSpPr>
+      <p:grpSpPr>
+        <a:xfrm>
+          <a:off x="0" y="0"/>
+          <a:ext cx="0" cy="0"/>
+          <a:chOff x="0" y="0"/>
+          <a:chExt cx="0" cy="0"/>
+        </a:xfrm>
+      </p:grpSpPr>
+      <p:sp>
+        <p:nvSpPr>
+          <p:cNvPr id="2" name="投影片影像版面配置區 1"/>
+          <p:cNvSpPr>
+            <a:spLocks noGrp="1" noRot="1" noChangeAspect="1"/>
+          </p:cNvSpPr>
+          <p:nvPr>
+            <p:ph type="sldImg"/>
+          </p:nvPr>
+        </p:nvSpPr>
+        <p:spPr/>
+      </p:sp>
+      <p:sp>
+        <p:nvSpPr>
+          <p:cNvPr id="3" name="備忘稿版面配置區 2"/>
+          <p:cNvSpPr>
+            <a:spLocks noGrp="1"/>
+          </p:cNvSpPr>
+          <p:nvPr>
+            <p:ph type="body" idx="1"/>
+          </p:nvPr>
+        </p:nvSpPr>
+        <p:spPr/>
+        <p:txBody>
+          <a:bodyPr/>
+          <a:lstStyle/>
+          <a:p>
+            <a:pPr marL="285750" indent="-285750" algn="l">
+              <a:buFont typeface="Arial" panose="020B0604020202020204" pitchFamily="34" charset="0"/>
+              <a:buChar char="•"/>
+            </a:pPr>
+            <a:endParaRPr lang="en-US" altLang="zh-TW" sz="1800" b="0" i="0" u="none" strike="noStrike" baseline="0" dirty="0">
+              <a:latin typeface="CMMI9"/>
+            </a:endParaRPr>
+          </a:p>
+        </p:txBody>
+      </p:sp>
+      <p:sp>
+        <p:nvSpPr>
+          <p:cNvPr id="4" name="投影片編號版面配置區 3"/>
+          <p:cNvSpPr>
+            <a:spLocks noGrp="1"/>
+          </p:cNvSpPr>
+          <p:nvPr>
+            <p:ph type="sldNum" sz="quarter" idx="5"/>
+          </p:nvPr>
+        </p:nvSpPr>
+        <p:spPr/>
+        <p:txBody>
+          <a:bodyPr/>
+          <a:lstStyle/>
+          <a:p>
+            <a:fld id="{9D457EAB-1485-47AD-BEAD-484FAEBF5A54}" type="slidenum">
+              <a:rPr lang="en-US" smtClean="0"/>
+              <a:t>23</a:t>
             </a:fld>
             <a:endParaRPr lang="en-US"/>
           </a:p>
@@ -3203,41 +3956,29 @@
           <a:bodyPr/>
           <a:lstStyle/>
           <a:p>
-            <a:pPr marL="171450" indent="-171450">
+            <a:pPr marL="285750" indent="-285750" algn="l">
               <a:buFont typeface="Arial" panose="020B0604020202020204" pitchFamily="34" charset="0"/>
               <a:buChar char="•"/>
             </a:pPr>
             <a:r>
-              <a:rPr lang="el-GR" altLang="zh-TW" sz="1200" dirty="0"/>
-              <a:t>Λ</a:t>
-            </a:r>
-            <a:r>
-              <a:rPr lang="en-US" altLang="zh-TW" sz="1200" dirty="0"/>
-              <a:t> : to balance the weight between wirelength and density</a:t>
-            </a:r>
-          </a:p>
-          <a:p>
-            <a:pPr algn="l"/>
-            <a:r>
-              <a:rPr lang="en-US" altLang="zh-TW" sz="1200" dirty="0"/>
-              <a:t>After doing global routing, </a:t>
-            </a:r>
-            <a:r>
               <a:rPr lang="en-US" altLang="zh-TW" sz="1800" b="0" i="0" u="none" strike="noStrike" baseline="0" dirty="0">
                 <a:latin typeface="NimbusRomNo9L-Regu"/>
               </a:rPr>
-              <a:t>we need to legalize the cell positions to remove cell overlaps</a:t>
-            </a:r>
-          </a:p>
-          <a:p>
-            <a:pPr algn="l"/>
+              <a:t>In quadratic placement, an iterative framework with lower and upper bounds is often applied. The lower bound is described by a quadratic wirelength model to minimize wirelength, and the upper bound is generated by spreading cells in high density  regions to remove cell overlaps</a:t>
+            </a:r>
+          </a:p>
+          <a:p>
+            <a:pPr marL="285750" indent="-285750" algn="l">
+              <a:buFont typeface="Arial" panose="020B0604020202020204" pitchFamily="34" charset="0"/>
+              <a:buChar char="•"/>
+            </a:pPr>
             <a:r>
               <a:rPr lang="en-US" altLang="zh-TW" sz="1800" b="0" i="0" u="none" strike="noStrike" baseline="0" dirty="0">
                 <a:latin typeface="NimbusRomNo9L-Regu"/>
               </a:rPr>
-              <a:t>and DRC violations.</a:t>
-            </a:r>
-            <a:endParaRPr lang="zh-TW" altLang="en-US" dirty="0"/>
+              <a:t>In non-linear placement, the objective function is formulated by a non-linear wirelength model  subject to a density constraint. By relaxing the density constraint into the objective function, the placement problem can be solved by gradient-descent-based methods to obtain a high-quality placement solution with the desired tradeoff between wirelength and cell density.</a:t>
+            </a:r>
+            <a:endParaRPr lang="en-US" altLang="zh-TW" dirty="0"/>
           </a:p>
         </p:txBody>
       </p:sp>
@@ -3258,7 +3999,227 @@
           <a:p>
             <a:fld id="{9D457EAB-1485-47AD-BEAD-484FAEBF5A54}" type="slidenum">
               <a:rPr lang="en-US" smtClean="0"/>
+              <a:t>6</a:t>
+            </a:fld>
+            <a:endParaRPr lang="en-US"/>
+          </a:p>
+        </p:txBody>
+      </p:sp>
+    </p:spTree>
+    <p:extLst>
+      <p:ext uri="{BB962C8B-B14F-4D97-AF65-F5344CB8AC3E}">
+        <p14:creationId xmlns:p14="http://schemas.microsoft.com/office/powerpoint/2010/main" val="3786042762"/>
+      </p:ext>
+    </p:extLst>
+  </p:cSld>
+  <p:clrMapOvr>
+    <a:masterClrMapping/>
+  </p:clrMapOvr>
+</p:notes>
+</file>
+
+<file path=ppt/notesSlides/notesSlide5.xml><?xml version="1.0" encoding="utf-8"?>
+<p:notes xmlns:a="http://schemas.openxmlformats.org/drawingml/2006/main" xmlns:r="http://schemas.openxmlformats.org/officeDocument/2006/relationships" xmlns:p="http://schemas.openxmlformats.org/presentationml/2006/main">
+  <p:cSld>
+    <p:spTree>
+      <p:nvGrpSpPr>
+        <p:cNvPr id="1" name=""/>
+        <p:cNvGrpSpPr/>
+        <p:nvPr/>
+      </p:nvGrpSpPr>
+      <p:grpSpPr>
+        <a:xfrm>
+          <a:off x="0" y="0"/>
+          <a:ext cx="0" cy="0"/>
+          <a:chOff x="0" y="0"/>
+          <a:chExt cx="0" cy="0"/>
+        </a:xfrm>
+      </p:grpSpPr>
+      <p:sp>
+        <p:nvSpPr>
+          <p:cNvPr id="2" name="投影片影像版面配置區 1"/>
+          <p:cNvSpPr>
+            <a:spLocks noGrp="1" noRot="1" noChangeAspect="1"/>
+          </p:cNvSpPr>
+          <p:nvPr>
+            <p:ph type="sldImg"/>
+          </p:nvPr>
+        </p:nvSpPr>
+        <p:spPr/>
+      </p:sp>
+      <p:sp>
+        <p:nvSpPr>
+          <p:cNvPr id="3" name="備忘稿版面配置區 2"/>
+          <p:cNvSpPr>
+            <a:spLocks noGrp="1"/>
+          </p:cNvSpPr>
+          <p:nvPr>
+            <p:ph type="body" idx="1"/>
+          </p:nvPr>
+        </p:nvSpPr>
+        <p:spPr/>
+        <p:txBody>
+          <a:bodyPr/>
+          <a:lstStyle/>
+          <a:p>
+            <a:r>
+              <a:rPr lang="en-US" altLang="zh-TW" sz="1200" dirty="0">
+                <a:latin typeface="Times" panose="02020603050405020304" pitchFamily="18" charset="0"/>
+                <a:cs typeface="Times" panose="02020603050405020304" pitchFamily="18" charset="0"/>
+              </a:rPr>
+              <a:t>V:cell instance</a:t>
+            </a:r>
+          </a:p>
+          <a:p>
+            <a:r>
+              <a:rPr lang="en-US" altLang="zh-TW" sz="1200" dirty="0">
+                <a:latin typeface="Times" panose="02020603050405020304" pitchFamily="18" charset="0"/>
+                <a:cs typeface="Times" panose="02020603050405020304" pitchFamily="18" charset="0"/>
+              </a:rPr>
+              <a:t>E: net </a:t>
+            </a:r>
+            <a:endParaRPr lang="zh-TW" altLang="en-US" dirty="0"/>
+          </a:p>
+        </p:txBody>
+      </p:sp>
+      <p:sp>
+        <p:nvSpPr>
+          <p:cNvPr id="4" name="投影片編號版面配置區 3"/>
+          <p:cNvSpPr>
+            <a:spLocks noGrp="1"/>
+          </p:cNvSpPr>
+          <p:nvPr>
+            <p:ph type="sldNum" sz="quarter" idx="5"/>
+          </p:nvPr>
+        </p:nvSpPr>
+        <p:spPr/>
+        <p:txBody>
+          <a:bodyPr/>
+          <a:lstStyle/>
+          <a:p>
+            <a:fld id="{9D457EAB-1485-47AD-BEAD-484FAEBF5A54}" type="slidenum">
+              <a:rPr lang="en-US" smtClean="0"/>
               <a:t>7</a:t>
+            </a:fld>
+            <a:endParaRPr lang="en-US"/>
+          </a:p>
+        </p:txBody>
+      </p:sp>
+    </p:spTree>
+    <p:extLst>
+      <p:ext uri="{BB962C8B-B14F-4D97-AF65-F5344CB8AC3E}">
+        <p14:creationId xmlns:p14="http://schemas.microsoft.com/office/powerpoint/2010/main" val="2167151080"/>
+      </p:ext>
+    </p:extLst>
+  </p:cSld>
+  <p:clrMapOvr>
+    <a:masterClrMapping/>
+  </p:clrMapOvr>
+</p:notes>
+</file>
+
+<file path=ppt/notesSlides/notesSlide6.xml><?xml version="1.0" encoding="utf-8"?>
+<p:notes xmlns:a="http://schemas.openxmlformats.org/drawingml/2006/main" xmlns:r="http://schemas.openxmlformats.org/officeDocument/2006/relationships" xmlns:p="http://schemas.openxmlformats.org/presentationml/2006/main">
+  <p:cSld>
+    <p:spTree>
+      <p:nvGrpSpPr>
+        <p:cNvPr id="1" name=""/>
+        <p:cNvGrpSpPr/>
+        <p:nvPr/>
+      </p:nvGrpSpPr>
+      <p:grpSpPr>
+        <a:xfrm>
+          <a:off x="0" y="0"/>
+          <a:ext cx="0" cy="0"/>
+          <a:chOff x="0" y="0"/>
+          <a:chExt cx="0" cy="0"/>
+        </a:xfrm>
+      </p:grpSpPr>
+      <p:sp>
+        <p:nvSpPr>
+          <p:cNvPr id="2" name="投影片影像版面配置區 1"/>
+          <p:cNvSpPr>
+            <a:spLocks noGrp="1" noRot="1" noChangeAspect="1"/>
+          </p:cNvSpPr>
+          <p:nvPr>
+            <p:ph type="sldImg"/>
+          </p:nvPr>
+        </p:nvSpPr>
+        <p:spPr/>
+      </p:sp>
+      <p:sp>
+        <p:nvSpPr>
+          <p:cNvPr id="3" name="備忘稿版面配置區 2"/>
+          <p:cNvSpPr>
+            <a:spLocks noGrp="1"/>
+          </p:cNvSpPr>
+          <p:nvPr>
+            <p:ph type="body" idx="1"/>
+          </p:nvPr>
+        </p:nvSpPr>
+        <p:spPr/>
+        <p:txBody>
+          <a:bodyPr/>
+          <a:lstStyle/>
+          <a:p>
+            <a:pPr marL="171450" indent="-171450">
+              <a:buFont typeface="Arial" panose="020B0604020202020204" pitchFamily="34" charset="0"/>
+              <a:buChar char="•"/>
+            </a:pPr>
+            <a:r>
+              <a:rPr lang="el-GR" altLang="zh-TW" sz="1200" dirty="0"/>
+              <a:t>Λ</a:t>
+            </a:r>
+            <a:r>
+              <a:rPr lang="en-US" altLang="zh-TW" sz="1200" dirty="0"/>
+              <a:t> : to balance the weight between wirelength and density</a:t>
+            </a:r>
+          </a:p>
+          <a:p>
+            <a:pPr algn="l"/>
+            <a:r>
+              <a:rPr lang="en-US" altLang="zh-TW" sz="1200" b="1" dirty="0">
+                <a:solidFill>
+                  <a:srgbClr val="FF0000"/>
+                </a:solidFill>
+              </a:rPr>
+              <a:t>* * * * * After doing global routing, </a:t>
+            </a:r>
+            <a:r>
+              <a:rPr lang="en-US" altLang="zh-TW" sz="1800" b="1" i="0" u="none" strike="noStrike" baseline="0" dirty="0">
+                <a:solidFill>
+                  <a:srgbClr val="FF0000"/>
+                </a:solidFill>
+                <a:latin typeface="NimbusRomNo9L-Regu"/>
+              </a:rPr>
+              <a:t>we need to legalize the cell positions to remove cell overlaps and DRC violations.</a:t>
+            </a:r>
+            <a:endParaRPr lang="zh-TW" altLang="en-US" b="1" dirty="0">
+              <a:solidFill>
+                <a:srgbClr val="FF0000"/>
+              </a:solidFill>
+            </a:endParaRPr>
+          </a:p>
+        </p:txBody>
+      </p:sp>
+      <p:sp>
+        <p:nvSpPr>
+          <p:cNvPr id="4" name="投影片編號版面配置區 3"/>
+          <p:cNvSpPr>
+            <a:spLocks noGrp="1"/>
+          </p:cNvSpPr>
+          <p:nvPr>
+            <p:ph type="sldNum" sz="quarter" idx="5"/>
+          </p:nvPr>
+        </p:nvSpPr>
+        <p:spPr/>
+        <p:txBody>
+          <a:bodyPr/>
+          <a:lstStyle/>
+          <a:p>
+            <a:fld id="{9D457EAB-1485-47AD-BEAD-484FAEBF5A54}" type="slidenum">
+              <a:rPr lang="en-US" smtClean="0"/>
+              <a:t>8</a:t>
             </a:fld>
             <a:endParaRPr lang="en-US"/>
           </a:p>
@@ -3277,7 +4238,7 @@
 </p:notes>
 </file>
 
-<file path=ppt/notesSlides/notesSlide5.xml><?xml version="1.0" encoding="utf-8"?>
+<file path=ppt/notesSlides/notesSlide7.xml><?xml version="1.0" encoding="utf-8"?>
 <p:notes xmlns:a="http://schemas.openxmlformats.org/drawingml/2006/main" xmlns:r="http://schemas.openxmlformats.org/officeDocument/2006/relationships" xmlns:p="http://schemas.openxmlformats.org/presentationml/2006/main">
   <p:cSld>
     <p:spTree>
@@ -3638,7 +4599,7 @@
           <a:p>
             <a:fld id="{9D457EAB-1485-47AD-BEAD-484FAEBF5A54}" type="slidenum">
               <a:rPr lang="en-US" smtClean="0"/>
-              <a:t>8</a:t>
+              <a:t>9</a:t>
             </a:fld>
             <a:endParaRPr lang="en-US"/>
           </a:p>
@@ -3657,7 +4618,7 @@
 </p:notes>
 </file>
 
-<file path=ppt/notesSlides/notesSlide6.xml><?xml version="1.0" encoding="utf-8"?>
+<file path=ppt/notesSlides/notesSlide8.xml><?xml version="1.0" encoding="utf-8"?>
 <p:notes xmlns:a="http://schemas.openxmlformats.org/drawingml/2006/main" xmlns:r="http://schemas.openxmlformats.org/officeDocument/2006/relationships" xmlns:p="http://schemas.openxmlformats.org/presentationml/2006/main">
   <p:cSld>
     <p:spTree>
@@ -3853,7 +4814,7 @@
           <a:p>
             <a:fld id="{9D457EAB-1485-47AD-BEAD-484FAEBF5A54}" type="slidenum">
               <a:rPr lang="en-US" smtClean="0"/>
-              <a:t>10</a:t>
+              <a:t>11</a:t>
             </a:fld>
             <a:endParaRPr lang="en-US"/>
           </a:p>
@@ -3863,393 +4824,6 @@
     <p:extLst>
       <p:ext uri="{BB962C8B-B14F-4D97-AF65-F5344CB8AC3E}">
         <p14:creationId xmlns:p14="http://schemas.microsoft.com/office/powerpoint/2010/main" val="2461251422"/>
-      </p:ext>
-    </p:extLst>
-  </p:cSld>
-  <p:clrMapOvr>
-    <a:masterClrMapping/>
-  </p:clrMapOvr>
-</p:notes>
-</file>
-
-<file path=ppt/notesSlides/notesSlide7.xml><?xml version="1.0" encoding="utf-8"?>
-<p:notes xmlns:a="http://schemas.openxmlformats.org/drawingml/2006/main" xmlns:r="http://schemas.openxmlformats.org/officeDocument/2006/relationships" xmlns:p="http://schemas.openxmlformats.org/presentationml/2006/main">
-  <p:cSld>
-    <p:spTree>
-      <p:nvGrpSpPr>
-        <p:cNvPr id="1" name=""/>
-        <p:cNvGrpSpPr/>
-        <p:nvPr/>
-      </p:nvGrpSpPr>
-      <p:grpSpPr>
-        <a:xfrm>
-          <a:off x="0" y="0"/>
-          <a:ext cx="0" cy="0"/>
-          <a:chOff x="0" y="0"/>
-          <a:chExt cx="0" cy="0"/>
-        </a:xfrm>
-      </p:grpSpPr>
-      <p:sp>
-        <p:nvSpPr>
-          <p:cNvPr id="2" name="投影片影像版面配置區 1"/>
-          <p:cNvSpPr>
-            <a:spLocks noGrp="1" noRot="1" noChangeAspect="1"/>
-          </p:cNvSpPr>
-          <p:nvPr>
-            <p:ph type="sldImg"/>
-          </p:nvPr>
-        </p:nvSpPr>
-        <p:spPr/>
-      </p:sp>
-      <p:sp>
-        <p:nvSpPr>
-          <p:cNvPr id="3" name="備忘稿版面配置區 2"/>
-          <p:cNvSpPr>
-            <a:spLocks noGrp="1"/>
-          </p:cNvSpPr>
-          <p:nvPr>
-            <p:ph type="body" idx="1"/>
-          </p:nvPr>
-        </p:nvSpPr>
-        <p:spPr/>
-        <p:txBody>
-          <a:bodyPr/>
-          <a:lstStyle/>
-          <a:p>
-            <a:endParaRPr lang="zh-TW" altLang="en-US"/>
-          </a:p>
-        </p:txBody>
-      </p:sp>
-      <p:sp>
-        <p:nvSpPr>
-          <p:cNvPr id="4" name="投影片編號版面配置區 3"/>
-          <p:cNvSpPr>
-            <a:spLocks noGrp="1"/>
-          </p:cNvSpPr>
-          <p:nvPr>
-            <p:ph type="sldNum" sz="quarter" idx="5"/>
-          </p:nvPr>
-        </p:nvSpPr>
-        <p:spPr/>
-        <p:txBody>
-          <a:bodyPr/>
-          <a:lstStyle/>
-          <a:p>
-            <a:fld id="{9D457EAB-1485-47AD-BEAD-484FAEBF5A54}" type="slidenum">
-              <a:rPr lang="en-US" smtClean="0"/>
-              <a:t>11</a:t>
-            </a:fld>
-            <a:endParaRPr lang="en-US"/>
-          </a:p>
-        </p:txBody>
-      </p:sp>
-    </p:spTree>
-    <p:extLst>
-      <p:ext uri="{BB962C8B-B14F-4D97-AF65-F5344CB8AC3E}">
-        <p14:creationId xmlns:p14="http://schemas.microsoft.com/office/powerpoint/2010/main" val="3018122458"/>
-      </p:ext>
-    </p:extLst>
-  </p:cSld>
-  <p:clrMapOvr>
-    <a:masterClrMapping/>
-  </p:clrMapOvr>
-</p:notes>
-</file>
-
-<file path=ppt/notesSlides/notesSlide8.xml><?xml version="1.0" encoding="utf-8"?>
-<p:notes xmlns:a="http://schemas.openxmlformats.org/drawingml/2006/main" xmlns:r="http://schemas.openxmlformats.org/officeDocument/2006/relationships" xmlns:p="http://schemas.openxmlformats.org/presentationml/2006/main">
-  <p:cSld>
-    <p:spTree>
-      <p:nvGrpSpPr>
-        <p:cNvPr id="1" name=""/>
-        <p:cNvGrpSpPr/>
-        <p:nvPr/>
-      </p:nvGrpSpPr>
-      <p:grpSpPr>
-        <a:xfrm>
-          <a:off x="0" y="0"/>
-          <a:ext cx="0" cy="0"/>
-          <a:chOff x="0" y="0"/>
-          <a:chExt cx="0" cy="0"/>
-        </a:xfrm>
-      </p:grpSpPr>
-      <p:sp>
-        <p:nvSpPr>
-          <p:cNvPr id="2" name="投影片影像版面配置區 1"/>
-          <p:cNvSpPr>
-            <a:spLocks noGrp="1" noRot="1" noChangeAspect="1"/>
-          </p:cNvSpPr>
-          <p:nvPr>
-            <p:ph type="sldImg"/>
-          </p:nvPr>
-        </p:nvSpPr>
-        <p:spPr/>
-      </p:sp>
-      <p:sp>
-        <p:nvSpPr>
-          <p:cNvPr id="3" name="備忘稿版面配置區 2"/>
-          <p:cNvSpPr>
-            <a:spLocks noGrp="1"/>
-          </p:cNvSpPr>
-          <p:nvPr>
-            <p:ph type="body" idx="1"/>
-          </p:nvPr>
-        </p:nvSpPr>
-        <p:spPr/>
-        <p:txBody>
-          <a:bodyPr/>
-          <a:lstStyle/>
-          <a:p>
-            <a:pPr marL="285750" indent="-285750" algn="l">
-              <a:buFont typeface="Arial" panose="020B0604020202020204" pitchFamily="34" charset="0"/>
-              <a:buChar char="•"/>
-            </a:pPr>
-            <a:r>
-              <a:rPr lang="en-US" altLang="zh-TW" sz="1800" b="0" i="0" u="none" strike="noStrike" baseline="0" dirty="0" err="1">
-                <a:latin typeface="CMMI9"/>
-              </a:rPr>
-              <a:t>Cap</a:t>
-            </a:r>
-            <a:r>
-              <a:rPr lang="en-US" altLang="zh-TW" sz="1800" b="0" i="0" u="none" strike="noStrike" baseline="0" dirty="0" err="1">
-                <a:latin typeface="CMMI6"/>
-              </a:rPr>
-              <a:t>H</a:t>
-            </a:r>
-            <a:r>
-              <a:rPr lang="en-US" altLang="zh-TW" sz="1800" b="0" i="0" u="none" strike="noStrike" baseline="0" dirty="0">
-                <a:latin typeface="CMMI6"/>
-              </a:rPr>
-              <a:t>=V </a:t>
-            </a:r>
-            <a:r>
-              <a:rPr lang="en-US" altLang="zh-TW" sz="1800" b="0" i="0" u="none" strike="noStrike" baseline="0" dirty="0">
-                <a:latin typeface="CMR9"/>
-              </a:rPr>
-              <a:t>(</a:t>
-            </a:r>
-            <a:r>
-              <a:rPr lang="en-US" altLang="zh-TW" sz="1800" b="0" i="0" u="none" strike="noStrike" baseline="0" dirty="0">
-                <a:latin typeface="CMMI9"/>
-              </a:rPr>
-              <a:t>g</a:t>
-            </a:r>
-            <a:r>
-              <a:rPr lang="en-US" altLang="zh-TW" sz="1800" b="0" i="0" u="none" strike="noStrike" baseline="0" dirty="0">
-                <a:latin typeface="CMR9"/>
-              </a:rPr>
-              <a:t>) </a:t>
-            </a:r>
-            <a:r>
-              <a:rPr lang="en-US" altLang="zh-TW" sz="1800" b="0" i="0" u="none" strike="noStrike" baseline="0" dirty="0">
-                <a:latin typeface="NimbusRomNo9L-Regu"/>
-              </a:rPr>
-              <a:t>: the horizontal or vertical routing capacity of </a:t>
-            </a:r>
-            <a:r>
-              <a:rPr lang="en-US" altLang="zh-TW" sz="1800" b="0" i="0" u="none" strike="noStrike" baseline="0" dirty="0" err="1">
-                <a:latin typeface="NimbusRomNo9L-Regu"/>
-              </a:rPr>
-              <a:t>Gcell</a:t>
-            </a:r>
-            <a:r>
-              <a:rPr lang="en-US" altLang="zh-TW" sz="1800" b="0" i="0" u="none" strike="noStrike" baseline="0" dirty="0">
-                <a:latin typeface="NimbusRomNo9L-Regu"/>
-              </a:rPr>
-              <a:t> </a:t>
-            </a:r>
-            <a:r>
-              <a:rPr lang="en-US" altLang="zh-TW" sz="1800" b="0" i="0" u="none" strike="noStrike" baseline="0" dirty="0">
-                <a:latin typeface="CMMI9"/>
-              </a:rPr>
-              <a:t>g</a:t>
-            </a:r>
-          </a:p>
-          <a:p>
-            <a:pPr marL="285750" indent="-285750" algn="l">
-              <a:buFont typeface="Arial" panose="020B0604020202020204" pitchFamily="34" charset="0"/>
-              <a:buChar char="•"/>
-            </a:pPr>
-            <a:r>
-              <a:rPr lang="en-US" altLang="zh-TW" sz="1800" b="0" i="0" u="none" strike="noStrike" baseline="0" dirty="0" err="1">
-                <a:latin typeface="CMMI9"/>
-              </a:rPr>
-              <a:t>l.pd</a:t>
-            </a:r>
-            <a:r>
-              <a:rPr lang="en-US" altLang="zh-TW" sz="1800" b="0" i="0" u="none" strike="noStrike" baseline="0" dirty="0">
-                <a:latin typeface="CMMI9"/>
-              </a:rPr>
-              <a:t> </a:t>
-            </a:r>
-            <a:r>
-              <a:rPr lang="en-US" altLang="zh-TW" sz="1800" b="0" i="0" u="none" strike="noStrike" baseline="0" dirty="0">
-                <a:latin typeface="NimbusRomNo9L-Regu"/>
-              </a:rPr>
-              <a:t>: the preferred routing direction of metal layer </a:t>
-            </a:r>
-            <a:r>
-              <a:rPr lang="en-US" altLang="zh-TW" sz="1800" b="0" i="0" u="none" strike="noStrike" baseline="0" dirty="0">
-                <a:latin typeface="CMMI9"/>
-              </a:rPr>
-              <a:t>l</a:t>
-            </a:r>
-          </a:p>
-          <a:p>
-            <a:pPr marL="285750" indent="-285750" algn="l">
-              <a:buFont typeface="Arial" panose="020B0604020202020204" pitchFamily="34" charset="0"/>
-              <a:buChar char="•"/>
-            </a:pPr>
-            <a:r>
-              <a:rPr lang="en-US" altLang="zh-TW" sz="1800" b="0" i="0" u="none" strike="noStrike" baseline="0" dirty="0">
-                <a:latin typeface="CMMI9"/>
-              </a:rPr>
-              <a:t>L </a:t>
-            </a:r>
-            <a:r>
-              <a:rPr lang="en-US" altLang="zh-TW" sz="1800" b="0" i="0" u="none" strike="noStrike" baseline="0" dirty="0">
-                <a:latin typeface="NimbusRomNo9L-Regu"/>
-              </a:rPr>
-              <a:t>: the set of metal layers</a:t>
-            </a:r>
-          </a:p>
-          <a:p>
-            <a:pPr marL="285750" indent="-285750" algn="l">
-              <a:buFont typeface="Arial" panose="020B0604020202020204" pitchFamily="34" charset="0"/>
-              <a:buChar char="•"/>
-            </a:pPr>
-            <a:r>
-              <a:rPr lang="en-US" altLang="zh-TW" sz="1800" b="0" i="0" u="none" strike="noStrike" baseline="0" dirty="0">
-                <a:latin typeface="CMMI9"/>
-              </a:rPr>
-              <a:t>Blk </a:t>
-            </a:r>
-            <a:r>
-              <a:rPr lang="en-US" altLang="zh-TW" sz="1800" b="0" i="0" u="none" strike="noStrike" baseline="0" dirty="0">
-                <a:latin typeface="NimbusRomNo9L-Regu"/>
-              </a:rPr>
-              <a:t>: the set of blockages</a:t>
-            </a:r>
-          </a:p>
-          <a:p>
-            <a:pPr marL="285750" indent="-285750" algn="l">
-              <a:buFont typeface="Arial" panose="020B0604020202020204" pitchFamily="34" charset="0"/>
-              <a:buChar char="•"/>
-            </a:pPr>
-            <a:r>
-              <a:rPr lang="en-US" altLang="zh-TW" sz="1800" b="0" i="0" u="none" strike="noStrike" baseline="0" dirty="0">
-                <a:latin typeface="CMMI9"/>
-              </a:rPr>
-              <a:t>OL</a:t>
-            </a:r>
-            <a:r>
-              <a:rPr lang="en-US" altLang="zh-TW" sz="1800" b="0" i="0" u="none" strike="noStrike" baseline="0" dirty="0">
-                <a:latin typeface="CMMI6"/>
-              </a:rPr>
-              <a:t>H=V </a:t>
-            </a:r>
-            <a:r>
-              <a:rPr lang="en-US" altLang="zh-TW" sz="1800" b="0" i="0" u="none" strike="noStrike" baseline="0" dirty="0">
-                <a:latin typeface="CMR9"/>
-              </a:rPr>
-              <a:t>(</a:t>
-            </a:r>
-            <a:r>
-              <a:rPr lang="en-US" altLang="zh-TW" sz="1800" b="0" i="0" u="none" strike="noStrike" baseline="0" dirty="0">
-                <a:latin typeface="CMMI9"/>
-              </a:rPr>
-              <a:t>b; g</a:t>
-            </a:r>
-            <a:r>
-              <a:rPr lang="en-US" altLang="zh-TW" sz="1800" b="0" i="0" u="none" strike="noStrike" baseline="0" dirty="0">
-                <a:latin typeface="CMR9"/>
-              </a:rPr>
-              <a:t>) </a:t>
-            </a:r>
-            <a:r>
-              <a:rPr lang="en-US" altLang="zh-TW" sz="1800" b="0" i="0" u="none" strike="noStrike" baseline="0" dirty="0">
-                <a:latin typeface="NimbusRomNo9L-Regu"/>
-              </a:rPr>
-              <a:t>is the horizontal or vertical overlaps between blockage </a:t>
-            </a:r>
-            <a:r>
-              <a:rPr lang="en-US" altLang="zh-TW" sz="1800" b="0" i="0" u="none" strike="noStrike" baseline="0" dirty="0">
-                <a:latin typeface="CMMI9"/>
-              </a:rPr>
-              <a:t>b </a:t>
-            </a:r>
-            <a:r>
-              <a:rPr lang="en-US" altLang="zh-TW" sz="1800" b="0" i="0" u="none" strike="noStrike" baseline="0" dirty="0">
-                <a:latin typeface="NimbusRomNo9L-Regu"/>
-              </a:rPr>
-              <a:t>and </a:t>
-            </a:r>
-            <a:r>
-              <a:rPr lang="en-US" altLang="zh-TW" sz="1800" b="0" i="0" u="none" strike="noStrike" baseline="0" dirty="0" err="1">
-                <a:latin typeface="NimbusRomNo9L-Regu"/>
-              </a:rPr>
-              <a:t>Gcell</a:t>
-            </a:r>
-            <a:r>
-              <a:rPr lang="en-US" altLang="zh-TW" sz="1800" b="0" i="0" u="none" strike="noStrike" baseline="0" dirty="0">
-                <a:latin typeface="NimbusRomNo9L-Regu"/>
-              </a:rPr>
-              <a:t> </a:t>
-            </a:r>
-            <a:r>
-              <a:rPr lang="en-US" altLang="zh-TW" sz="1800" b="0" i="0" u="none" strike="noStrike" baseline="0" dirty="0">
-                <a:latin typeface="CMMI9"/>
-              </a:rPr>
-              <a:t>g</a:t>
-            </a:r>
-          </a:p>
-          <a:p>
-            <a:pPr marL="285750" indent="-285750" algn="l">
-              <a:buFont typeface="Arial" panose="020B0604020202020204" pitchFamily="34" charset="0"/>
-              <a:buChar char="•"/>
-            </a:pPr>
-            <a:r>
-              <a:rPr lang="en-US" altLang="zh-TW" sz="1800" b="0" i="0" u="none" strike="noStrike" baseline="0" dirty="0" err="1">
-                <a:latin typeface="CMMI9"/>
-              </a:rPr>
-              <a:t>b.l</a:t>
-            </a:r>
-            <a:r>
-              <a:rPr lang="en-US" altLang="zh-TW" sz="1800" b="0" i="0" u="none" strike="noStrike" baseline="0" dirty="0">
-                <a:latin typeface="CMMI9"/>
-              </a:rPr>
-              <a:t> : the metal layer where the obstacle is located</a:t>
-            </a:r>
-          </a:p>
-        </p:txBody>
-      </p:sp>
-      <p:sp>
-        <p:nvSpPr>
-          <p:cNvPr id="4" name="投影片編號版面配置區 3"/>
-          <p:cNvSpPr>
-            <a:spLocks noGrp="1"/>
-          </p:cNvSpPr>
-          <p:nvPr>
-            <p:ph type="sldNum" sz="quarter" idx="5"/>
-          </p:nvPr>
-        </p:nvSpPr>
-        <p:spPr/>
-        <p:txBody>
-          <a:bodyPr/>
-          <a:lstStyle/>
-          <a:p>
-            <a:fld id="{9D457EAB-1485-47AD-BEAD-484FAEBF5A54}" type="slidenum">
-              <a:rPr lang="en-US" smtClean="0"/>
-              <a:t>12</a:t>
-            </a:fld>
-            <a:endParaRPr lang="en-US"/>
-          </a:p>
-        </p:txBody>
-      </p:sp>
-    </p:spTree>
-    <p:extLst>
-      <p:ext uri="{BB962C8B-B14F-4D97-AF65-F5344CB8AC3E}">
-        <p14:creationId xmlns:p14="http://schemas.microsoft.com/office/powerpoint/2010/main" val="3233825191"/>
       </p:ext>
     </p:extLst>
   </p:cSld>
@@ -4303,13 +4877,103 @@
           <a:bodyPr/>
           <a:lstStyle/>
           <a:p>
-            <a:pPr marL="285750" indent="-285750" algn="l">
+            <a:pPr marL="171450" indent="-171450">
               <a:buFont typeface="Arial" panose="020B0604020202020204" pitchFamily="34" charset="0"/>
               <a:buChar char="•"/>
             </a:pPr>
-            <a:endParaRPr lang="en-US" altLang="zh-TW" sz="1800" b="0" i="0" u="none" strike="noStrike" baseline="0" dirty="0">
-              <a:latin typeface="CMMI9"/>
-            </a:endParaRPr>
+            <a:r>
+              <a:rPr lang="en-US" altLang="zh-TW" dirty="0"/>
+              <a:t>Global placement:  </a:t>
+            </a:r>
+            <a:r>
+              <a:rPr lang="zh-TW" altLang="en-US" dirty="0"/>
+              <a:t>用一些</a:t>
+            </a:r>
+            <a:r>
+              <a:rPr lang="en-US" altLang="zh-TW" dirty="0"/>
+              <a:t>placement engine</a:t>
+            </a:r>
+            <a:r>
+              <a:rPr lang="zh-TW" altLang="en-US" dirty="0"/>
+              <a:t>來</a:t>
+            </a:r>
+            <a:r>
+              <a:rPr lang="en-US" altLang="zh-TW" dirty="0"/>
+              <a:t>spread cells </a:t>
+            </a:r>
+            <a:r>
+              <a:rPr lang="zh-TW" altLang="en-US" dirty="0"/>
+              <a:t>並且 </a:t>
+            </a:r>
+            <a:r>
+              <a:rPr lang="en-US" altLang="zh-TW" dirty="0"/>
+              <a:t>optimize wirelength</a:t>
+            </a:r>
+          </a:p>
+          <a:p>
+            <a:pPr marL="171450" indent="-171450">
+              <a:buFont typeface="Arial" panose="020B0604020202020204" pitchFamily="34" charset="0"/>
+              <a:buChar char="•"/>
+            </a:pPr>
+            <a:r>
+              <a:rPr lang="en-US" altLang="zh-TW" dirty="0" err="1"/>
+              <a:t>Routability</a:t>
+            </a:r>
+            <a:r>
+              <a:rPr lang="en-US" altLang="zh-TW" dirty="0"/>
+              <a:t> optimizer: </a:t>
+            </a:r>
+            <a:r>
+              <a:rPr lang="zh-TW" altLang="en-US" dirty="0"/>
+              <a:t>會分析現在的</a:t>
+            </a:r>
+            <a:r>
+              <a:rPr lang="en-US" altLang="zh-TW" dirty="0"/>
+              <a:t>congestion information</a:t>
+            </a:r>
+            <a:r>
+              <a:rPr lang="zh-TW" altLang="en-US" dirty="0"/>
+              <a:t>並且利用</a:t>
+            </a:r>
+            <a:r>
+              <a:rPr lang="en-US" altLang="zh-TW" dirty="0"/>
+              <a:t>cell padding</a:t>
+            </a:r>
+            <a:r>
+              <a:rPr lang="zh-TW" altLang="en-US" dirty="0"/>
+              <a:t>來降低</a:t>
+            </a:r>
+            <a:r>
+              <a:rPr lang="en-US" altLang="zh-TW" dirty="0"/>
+              <a:t>congestion</a:t>
+            </a:r>
+          </a:p>
+          <a:p>
+            <a:pPr marL="171450" indent="-171450">
+              <a:buFont typeface="Arial" panose="020B0604020202020204" pitchFamily="34" charset="0"/>
+              <a:buChar char="•"/>
+            </a:pPr>
+            <a:r>
+              <a:rPr lang="en-US" altLang="zh-TW" dirty="0"/>
+              <a:t>Legalization: </a:t>
+            </a:r>
+            <a:r>
+              <a:rPr lang="zh-TW" altLang="en-US" dirty="0"/>
+              <a:t>會消除</a:t>
+            </a:r>
+            <a:r>
+              <a:rPr lang="en-US" altLang="zh-TW" dirty="0"/>
+              <a:t>DRC</a:t>
+            </a:r>
+            <a:r>
+              <a:rPr lang="zh-TW" altLang="en-US" dirty="0"/>
+              <a:t>跟</a:t>
+            </a:r>
+            <a:r>
+              <a:rPr lang="en-US" altLang="zh-TW" dirty="0"/>
+              <a:t>overlap</a:t>
+            </a:r>
+            <a:endParaRPr lang="zh-TW" altLang="en-US" dirty="0"/>
           </a:p>
         </p:txBody>
       </p:sp>
@@ -4330,7 +4994,7 @@
           <a:p>
             <a:fld id="{9D457EAB-1485-47AD-BEAD-484FAEBF5A54}" type="slidenum">
               <a:rPr lang="en-US" smtClean="0"/>
-              <a:t>13</a:t>
+              <a:t>12</a:t>
             </a:fld>
             <a:endParaRPr lang="en-US"/>
           </a:p>
@@ -4339,7 +5003,7 @@
     </p:spTree>
     <p:extLst>
       <p:ext uri="{BB962C8B-B14F-4D97-AF65-F5344CB8AC3E}">
-        <p14:creationId xmlns:p14="http://schemas.microsoft.com/office/powerpoint/2010/main" val="2732201867"/>
+        <p14:creationId xmlns:p14="http://schemas.microsoft.com/office/powerpoint/2010/main" val="3018122458"/>
       </p:ext>
     </p:extLst>
   </p:cSld>
@@ -4496,7 +5160,7 @@
           <a:p>
             <a:fld id="{99BA7BAB-F69F-4C21-8D40-7AA273A2D01F}" type="datetime1">
               <a:rPr lang="en-US" smtClean="0"/>
-              <a:t>10/4/2023</a:t>
+              <a:t>10/21/2023</a:t>
             </a:fld>
             <a:endParaRPr lang="en-US"/>
           </a:p>
@@ -4701,7 +5365,7 @@
           <a:p>
             <a:fld id="{FB00A8EC-4678-43EE-BE64-F312B7F1A46F}" type="datetime1">
               <a:rPr lang="en-US" smtClean="0"/>
-              <a:t>10/4/2023</a:t>
+              <a:t>10/21/2023</a:t>
             </a:fld>
             <a:endParaRPr lang="en-US"/>
           </a:p>
@@ -4909,7 +5573,7 @@
           <a:p>
             <a:fld id="{9487F23D-EA8F-4C56-9373-23F6109AD11F}" type="datetime1">
               <a:rPr lang="en-US" smtClean="0"/>
-              <a:t>10/4/2023</a:t>
+              <a:t>10/21/2023</a:t>
             </a:fld>
             <a:endParaRPr lang="en-US"/>
           </a:p>
@@ -5107,7 +5771,7 @@
           <a:p>
             <a:fld id="{A34E716E-0239-4A81-9CF4-D3B9651721CF}" type="datetime1">
               <a:rPr lang="en-US" smtClean="0"/>
-              <a:t>10/4/2023</a:t>
+              <a:t>10/21/2023</a:t>
             </a:fld>
             <a:endParaRPr lang="en-US"/>
           </a:p>
@@ -5389,7 +6053,7 @@
           <a:p>
             <a:fld id="{CC112E56-3D97-4B86-935C-1C493DD86A08}" type="datetime1">
               <a:rPr lang="en-US" smtClean="0"/>
-              <a:t>10/4/2023</a:t>
+              <a:t>10/21/2023</a:t>
             </a:fld>
             <a:endParaRPr lang="en-US"/>
           </a:p>
@@ -5654,7 +6318,7 @@
           <a:p>
             <a:fld id="{40649135-BABF-4F63-9AF8-3CEC545E47DC}" type="datetime1">
               <a:rPr lang="en-US" smtClean="0"/>
-              <a:t>10/4/2023</a:t>
+              <a:t>10/21/2023</a:t>
             </a:fld>
             <a:endParaRPr lang="en-US"/>
           </a:p>
@@ -6066,7 +6730,7 @@
           <a:p>
             <a:fld id="{B16EBC02-C9C0-442D-A8A6-494057203542}" type="datetime1">
               <a:rPr lang="en-US" smtClean="0"/>
-              <a:t>10/4/2023</a:t>
+              <a:t>10/21/2023</a:t>
             </a:fld>
             <a:endParaRPr lang="en-US"/>
           </a:p>
@@ -6207,7 +6871,7 @@
           <a:p>
             <a:fld id="{A126C4B4-559D-414E-BC9C-16A745BBF3C3}" type="datetime1">
               <a:rPr lang="en-US" smtClean="0"/>
-              <a:t>10/4/2023</a:t>
+              <a:t>10/21/2023</a:t>
             </a:fld>
             <a:endParaRPr lang="en-US"/>
           </a:p>
@@ -6320,7 +6984,7 @@
           <a:p>
             <a:fld id="{0D49D49E-73A5-4C03-BFEA-3D845EB044D8}" type="datetime1">
               <a:rPr lang="en-US" smtClean="0"/>
-              <a:t>10/4/2023</a:t>
+              <a:t>10/21/2023</a:t>
             </a:fld>
             <a:endParaRPr lang="en-US"/>
           </a:p>
@@ -6631,7 +7295,7 @@
           <a:p>
             <a:fld id="{4A0F93E6-3134-410C-B573-A5F6B38FC346}" type="datetime1">
               <a:rPr lang="en-US" smtClean="0"/>
-              <a:t>10/4/2023</a:t>
+              <a:t>10/21/2023</a:t>
             </a:fld>
             <a:endParaRPr lang="en-US"/>
           </a:p>
@@ -6919,7 +7583,7 @@
           <a:p>
             <a:fld id="{F766E70F-5320-45A5-BE33-1819A93C2AF4}" type="datetime1">
               <a:rPr lang="en-US" smtClean="0"/>
-              <a:t>10/4/2023</a:t>
+              <a:t>10/21/2023</a:t>
             </a:fld>
             <a:endParaRPr lang="en-US"/>
           </a:p>
@@ -7160,7 +7824,7 @@
           <a:p>
             <a:fld id="{A706458B-0289-40FF-A02D-2C541B7F1CB6}" type="datetime1">
               <a:rPr lang="en-US" smtClean="0"/>
-              <a:t>10/4/2023</a:t>
+              <a:t>10/21/2023</a:t>
             </a:fld>
             <a:endParaRPr lang="en-US"/>
           </a:p>
@@ -8275,6 +8939,1754 @@
           <p:cNvPr id="2" name="標題 1">
             <a:extLst>
               <a:ext uri="{FF2B5EF4-FFF2-40B4-BE49-F238E27FC236}">
+                <a16:creationId xmlns:a16="http://schemas.microsoft.com/office/drawing/2014/main" id="{1A966039-7CDD-D245-131E-9FA688D523D3}"/>
+              </a:ext>
+            </a:extLst>
+          </p:cNvPr>
+          <p:cNvSpPr>
+            <a:spLocks noGrp="1"/>
+          </p:cNvSpPr>
+          <p:nvPr>
+            <p:ph type="title"/>
+          </p:nvPr>
+        </p:nvSpPr>
+        <p:spPr/>
+        <p:txBody>
+          <a:bodyPr/>
+          <a:lstStyle/>
+          <a:p>
+            <a:r>
+              <a:rPr lang="en-US" altLang="zh-TW" dirty="0">
+                <a:latin typeface="Times" panose="02020603050405020304" pitchFamily="18" charset="0"/>
+                <a:cs typeface="Times" panose="02020603050405020304" pitchFamily="18" charset="0"/>
+              </a:rPr>
+              <a:t>Preliminaries</a:t>
+            </a:r>
+            <a:endParaRPr lang="zh-TW" altLang="en-US" dirty="0">
+              <a:latin typeface="Times" panose="02020603050405020304" pitchFamily="18" charset="0"/>
+              <a:cs typeface="Times" panose="02020603050405020304" pitchFamily="18" charset="0"/>
+            </a:endParaRPr>
+          </a:p>
+        </p:txBody>
+      </p:sp>
+      <mc:AlternateContent xmlns:mc="http://schemas.openxmlformats.org/markup-compatibility/2006">
+        <mc:Choice xmlns:a14="http://schemas.microsoft.com/office/drawing/2010/main" Requires="a14">
+          <p:sp>
+            <p:nvSpPr>
+              <p:cNvPr id="3" name="內容版面配置區 2">
+                <a:extLst>
+                  <a:ext uri="{FF2B5EF4-FFF2-40B4-BE49-F238E27FC236}">
+                    <a16:creationId xmlns:a16="http://schemas.microsoft.com/office/drawing/2014/main" id="{CBD7CEA3-77D1-9FFB-94D0-23801E3C63EE}"/>
+                  </a:ext>
+                </a:extLst>
+              </p:cNvPr>
+              <p:cNvSpPr>
+                <a:spLocks noGrp="1"/>
+              </p:cNvSpPr>
+              <p:nvPr>
+                <p:ph idx="1"/>
+              </p:nvPr>
+            </p:nvSpPr>
+            <p:spPr>
+              <a:xfrm>
+                <a:off x="838200" y="1825625"/>
+                <a:ext cx="10515600" cy="4895850"/>
+              </a:xfrm>
+            </p:spPr>
+            <p:txBody>
+              <a:bodyPr>
+                <a:normAutofit/>
+              </a:bodyPr>
+              <a:lstStyle/>
+              <a:p>
+                <a:pPr marL="514350" indent="-514350">
+                  <a:buFont typeface="+mj-lt"/>
+                  <a:buAutoNum type="arabicPeriod" startAt="2"/>
+                </a:pPr>
+                <a:r>
+                  <a:rPr lang="en-US" altLang="zh-TW" sz="2400" dirty="0">
+                    <a:latin typeface="Times" panose="02020603050405020304" pitchFamily="18" charset="0"/>
+                    <a:cs typeface="Times" panose="02020603050405020304" pitchFamily="18" charset="0"/>
+                  </a:rPr>
+                  <a:t>Electrostatic-based</a:t>
+                </a:r>
+                <a:r>
+                  <a:rPr lang="en-US" altLang="zh-TW" sz="2600" dirty="0">
+                    <a:latin typeface="Times" panose="02020603050405020304" pitchFamily="18" charset="0"/>
+                    <a:cs typeface="Times" panose="02020603050405020304" pitchFamily="18" charset="0"/>
+                  </a:rPr>
+                  <a:t> </a:t>
+                </a:r>
+                <a:r>
+                  <a:rPr lang="en-US" altLang="zh-TW" sz="2400" dirty="0">
+                    <a:latin typeface="Times" panose="02020603050405020304" pitchFamily="18" charset="0"/>
+                    <a:cs typeface="Times" panose="02020603050405020304" pitchFamily="18" charset="0"/>
+                  </a:rPr>
+                  <a:t>Placement</a:t>
+                </a:r>
+                <a:endParaRPr lang="en-US" altLang="zh-TW" sz="2600" dirty="0">
+                  <a:latin typeface="Times" panose="02020603050405020304" pitchFamily="18" charset="0"/>
+                  <a:cs typeface="Times" panose="02020603050405020304" pitchFamily="18" charset="0"/>
+                </a:endParaRPr>
+              </a:p>
+              <a:p>
+                <a:pPr marL="0" indent="0">
+                  <a:buNone/>
+                </a:pPr>
+                <a:endParaRPr lang="en-US" altLang="zh-TW" sz="1100" dirty="0">
+                  <a:latin typeface="Times" panose="02020603050405020304" pitchFamily="18" charset="0"/>
+                  <a:cs typeface="Times" panose="02020603050405020304" pitchFamily="18" charset="0"/>
+                </a:endParaRPr>
+              </a:p>
+              <a:p>
+                <a:pPr>
+                  <a:lnSpc>
+                    <a:spcPct val="130000"/>
+                  </a:lnSpc>
+                </a:pPr>
+                <a:r>
+                  <a:rPr lang="en-US" altLang="zh-TW" sz="2200" dirty="0">
+                    <a:latin typeface="Times" panose="02020603050405020304" pitchFamily="18" charset="0"/>
+                    <a:cs typeface="Times" panose="02020603050405020304" pitchFamily="18" charset="0"/>
+                  </a:rPr>
+                  <a:t>This model adopts the </a:t>
+                </a:r>
+                <a:r>
+                  <a:rPr lang="en-US" altLang="zh-TW" sz="2200" b="1" dirty="0">
+                    <a:latin typeface="Times" panose="02020603050405020304" pitchFamily="18" charset="0"/>
+                    <a:cs typeface="Times" panose="02020603050405020304" pitchFamily="18" charset="0"/>
+                  </a:rPr>
+                  <a:t>weighted-average(WA) wirelength model </a:t>
+                </a:r>
+                <a:r>
+                  <a:rPr lang="en-US" altLang="zh-TW" sz="2200" dirty="0">
+                    <a:latin typeface="Times" panose="02020603050405020304" pitchFamily="18" charset="0"/>
+                    <a:cs typeface="Times" panose="02020603050405020304" pitchFamily="18" charset="0"/>
+                  </a:rPr>
+                  <a:t>to approximate the HPWL.</a:t>
+                </a:r>
+                <a:endParaRPr lang="en-US" altLang="zh-TW" sz="1200" dirty="0">
+                  <a:latin typeface="Times" panose="02020603050405020304" pitchFamily="18" charset="0"/>
+                  <a:cs typeface="Times" panose="02020603050405020304" pitchFamily="18" charset="0"/>
+                </a:endParaRPr>
+              </a:p>
+              <a:p>
+                <a:pPr marL="0" indent="0" algn="ctr">
+                  <a:buNone/>
+                </a:pPr>
+                <a14:m>
+                  <m:oMath xmlns:m="http://schemas.openxmlformats.org/officeDocument/2006/math">
+                    <m:sSub>
+                      <m:sSubPr>
+                        <m:ctrlPr>
+                          <a:rPr lang="en-US" altLang="zh-TW" sz="2400" b="0" i="1" smtClean="0">
+                            <a:latin typeface="Cambria Math" panose="02040503050406030204" pitchFamily="18" charset="0"/>
+                            <a:cs typeface="Times" panose="02020603050405020304" pitchFamily="18" charset="0"/>
+                          </a:rPr>
+                        </m:ctrlPr>
+                      </m:sSubPr>
+                      <m:e>
+                        <m:r>
+                          <a:rPr lang="en-US" altLang="zh-TW" sz="2400" b="0" i="1" smtClean="0">
+                            <a:latin typeface="Cambria Math" panose="02040503050406030204" pitchFamily="18" charset="0"/>
+                            <a:cs typeface="Times" panose="02020603050405020304" pitchFamily="18" charset="0"/>
+                          </a:rPr>
+                          <m:t>𝑊</m:t>
+                        </m:r>
+                      </m:e>
+                      <m:sub>
+                        <m:sSub>
+                          <m:sSubPr>
+                            <m:ctrlPr>
+                              <a:rPr lang="en-US" altLang="zh-TW" sz="2400" b="0" i="1" smtClean="0">
+                                <a:latin typeface="Cambria Math" panose="02040503050406030204" pitchFamily="18" charset="0"/>
+                                <a:cs typeface="Times" panose="02020603050405020304" pitchFamily="18" charset="0"/>
+                              </a:rPr>
+                            </m:ctrlPr>
+                          </m:sSubPr>
+                          <m:e>
+                            <m:r>
+                              <a:rPr lang="en-US" altLang="zh-TW" sz="2400" b="0" i="1" smtClean="0">
+                                <a:latin typeface="Cambria Math" panose="02040503050406030204" pitchFamily="18" charset="0"/>
+                                <a:cs typeface="Times" panose="02020603050405020304" pitchFamily="18" charset="0"/>
+                              </a:rPr>
+                              <m:t>𝑒</m:t>
+                            </m:r>
+                          </m:e>
+                          <m:sub>
+                            <m:r>
+                              <a:rPr lang="en-US" altLang="zh-TW" sz="2400" b="0" i="1" smtClean="0">
+                                <a:latin typeface="Cambria Math" panose="02040503050406030204" pitchFamily="18" charset="0"/>
+                                <a:cs typeface="Times" panose="02020603050405020304" pitchFamily="18" charset="0"/>
+                              </a:rPr>
+                              <m:t>𝑖𝑥</m:t>
+                            </m:r>
+                          </m:sub>
+                        </m:sSub>
+                      </m:sub>
+                    </m:sSub>
+                    <m:r>
+                      <a:rPr lang="en-US" altLang="zh-TW" sz="2400" b="0" i="1" smtClean="0">
+                        <a:latin typeface="Cambria Math" panose="02040503050406030204" pitchFamily="18" charset="0"/>
+                        <a:cs typeface="Times" panose="02020603050405020304" pitchFamily="18" charset="0"/>
+                      </a:rPr>
+                      <m:t> (</m:t>
+                    </m:r>
+                    <m:r>
+                      <a:rPr lang="en-US" altLang="zh-TW" sz="2400" b="0" i="1" smtClean="0">
+                        <a:latin typeface="Cambria Math" panose="02040503050406030204" pitchFamily="18" charset="0"/>
+                        <a:cs typeface="Times" panose="02020603050405020304" pitchFamily="18" charset="0"/>
+                      </a:rPr>
+                      <m:t>𝑥</m:t>
+                    </m:r>
+                    <m:r>
+                      <a:rPr lang="en-US" altLang="zh-TW" sz="2400" b="0" i="1" smtClean="0">
+                        <a:latin typeface="Cambria Math" panose="02040503050406030204" pitchFamily="18" charset="0"/>
+                        <a:cs typeface="Times" panose="02020603050405020304" pitchFamily="18" charset="0"/>
+                      </a:rPr>
+                      <m:t>, </m:t>
+                    </m:r>
+                    <m:r>
+                      <a:rPr lang="en-US" altLang="zh-TW" sz="2400" b="0" i="1" smtClean="0">
+                        <a:latin typeface="Cambria Math" panose="02040503050406030204" pitchFamily="18" charset="0"/>
+                        <a:cs typeface="Times" panose="02020603050405020304" pitchFamily="18" charset="0"/>
+                      </a:rPr>
+                      <m:t>𝑦</m:t>
+                    </m:r>
+                    <m:r>
+                      <a:rPr lang="en-US" altLang="zh-TW" sz="2400" b="0" i="1" smtClean="0">
+                        <a:latin typeface="Cambria Math" panose="02040503050406030204" pitchFamily="18" charset="0"/>
+                        <a:cs typeface="Times" panose="02020603050405020304" pitchFamily="18" charset="0"/>
+                      </a:rPr>
+                      <m:t>)</m:t>
+                    </m:r>
+                  </m:oMath>
+                </a14:m>
+                <a:r>
+                  <a:rPr lang="en-US" altLang="zh-TW" sz="2400" b="0" dirty="0">
+                    <a:latin typeface="Times" panose="02020603050405020304" pitchFamily="18" charset="0"/>
+                    <a:cs typeface="Times" panose="02020603050405020304" pitchFamily="18" charset="0"/>
+                  </a:rPr>
+                  <a:t> = </a:t>
+                </a:r>
+                <a14:m>
+                  <m:oMath xmlns:m="http://schemas.openxmlformats.org/officeDocument/2006/math">
+                    <m:r>
+                      <a:rPr lang="en-US" altLang="zh-TW" sz="2400" b="0" i="0" smtClean="0">
+                        <a:latin typeface="Cambria Math" panose="02040503050406030204" pitchFamily="18" charset="0"/>
+                        <a:cs typeface="Times" panose="02020603050405020304" pitchFamily="18" charset="0"/>
+                      </a:rPr>
+                      <m:t>  </m:t>
+                    </m:r>
+                    <m:f>
+                      <m:fPr>
+                        <m:ctrlPr>
+                          <a:rPr lang="en-US" altLang="zh-TW" sz="2400" b="0" i="1" smtClean="0">
+                            <a:latin typeface="Cambria Math" panose="02040503050406030204" pitchFamily="18" charset="0"/>
+                            <a:cs typeface="Times" panose="02020603050405020304" pitchFamily="18" charset="0"/>
+                          </a:rPr>
+                        </m:ctrlPr>
+                      </m:fPr>
+                      <m:num>
+                        <m:func>
+                          <m:funcPr>
+                            <m:ctrlPr>
+                              <a:rPr lang="en-US" altLang="zh-TW" sz="2400" b="0" i="1" smtClean="0">
+                                <a:latin typeface="Cambria Math" panose="02040503050406030204" pitchFamily="18" charset="0"/>
+                                <a:cs typeface="Times" panose="02020603050405020304" pitchFamily="18" charset="0"/>
+                              </a:rPr>
+                            </m:ctrlPr>
+                          </m:funcPr>
+                          <m:fName>
+                            <m:limLow>
+                              <m:limLowPr>
+                                <m:ctrlPr>
+                                  <a:rPr lang="en-US" altLang="zh-TW" sz="2400" b="0" i="1" smtClean="0">
+                                    <a:latin typeface="Cambria Math" panose="02040503050406030204" pitchFamily="18" charset="0"/>
+                                    <a:cs typeface="Times" panose="02020603050405020304" pitchFamily="18" charset="0"/>
+                                  </a:rPr>
+                                </m:ctrlPr>
+                              </m:limLowPr>
+                              <m:e>
+                                <m:r>
+                                  <m:rPr>
+                                    <m:sty m:val="p"/>
+                                  </m:rPr>
+                                  <a:rPr lang="en-US" altLang="zh-TW" sz="2400" i="1">
+                                    <a:latin typeface="Cambria Math" panose="02040503050406030204" pitchFamily="18" charset="0"/>
+                                    <a:cs typeface="Times" panose="02020603050405020304" pitchFamily="18" charset="0"/>
+                                  </a:rPr>
+                                  <m:t>Σ</m:t>
+                                </m:r>
+                              </m:e>
+                              <m:lim>
+                                <m:r>
+                                  <a:rPr lang="en-US" altLang="zh-TW" sz="2400" b="0" i="1" smtClean="0">
+                                    <a:latin typeface="Cambria Math" panose="02040503050406030204" pitchFamily="18" charset="0"/>
+                                    <a:cs typeface="Times" panose="02020603050405020304" pitchFamily="18" charset="0"/>
+                                  </a:rPr>
+                                  <m:t>𝑗</m:t>
+                                </m:r>
+                                <m:r>
+                                  <a:rPr lang="en-US" altLang="zh-TW" sz="2400" b="0" i="1" smtClean="0">
+                                    <a:latin typeface="Cambria Math" panose="02040503050406030204" pitchFamily="18" charset="0"/>
+                                    <a:ea typeface="Cambria Math" panose="02040503050406030204" pitchFamily="18" charset="0"/>
+                                    <a:cs typeface="Times" panose="02020603050405020304" pitchFamily="18" charset="0"/>
+                                  </a:rPr>
+                                  <m:t>∈</m:t>
+                                </m:r>
+                                <m:sSub>
+                                  <m:sSubPr>
+                                    <m:ctrlPr>
+                                      <a:rPr lang="en-US" altLang="zh-TW" sz="2400" b="0" i="1" smtClean="0">
+                                        <a:latin typeface="Cambria Math" panose="02040503050406030204" pitchFamily="18" charset="0"/>
+                                        <a:ea typeface="Cambria Math" panose="02040503050406030204" pitchFamily="18" charset="0"/>
+                                        <a:cs typeface="Times" panose="02020603050405020304" pitchFamily="18" charset="0"/>
+                                      </a:rPr>
+                                    </m:ctrlPr>
+                                  </m:sSubPr>
+                                  <m:e>
+                                    <m:r>
+                                      <a:rPr lang="en-US" altLang="zh-TW" sz="2400" b="0" i="1" smtClean="0">
+                                        <a:latin typeface="Cambria Math" panose="02040503050406030204" pitchFamily="18" charset="0"/>
+                                        <a:ea typeface="Cambria Math" panose="02040503050406030204" pitchFamily="18" charset="0"/>
+                                        <a:cs typeface="Times" panose="02020603050405020304" pitchFamily="18" charset="0"/>
+                                      </a:rPr>
+                                      <m:t>𝑒</m:t>
+                                    </m:r>
+                                  </m:e>
+                                  <m:sub>
+                                    <m:r>
+                                      <a:rPr lang="en-US" altLang="zh-TW" sz="2400" b="0" i="1" smtClean="0">
+                                        <a:latin typeface="Cambria Math" panose="02040503050406030204" pitchFamily="18" charset="0"/>
+                                        <a:ea typeface="Cambria Math" panose="02040503050406030204" pitchFamily="18" charset="0"/>
+                                        <a:cs typeface="Times" panose="02020603050405020304" pitchFamily="18" charset="0"/>
+                                      </a:rPr>
+                                      <m:t>𝑖</m:t>
+                                    </m:r>
+                                  </m:sub>
+                                </m:sSub>
+                              </m:lim>
+                            </m:limLow>
+                          </m:fName>
+                          <m:e>
+                            <m:sSub>
+                              <m:sSubPr>
+                                <m:ctrlPr>
+                                  <a:rPr lang="en-US" altLang="zh-TW" sz="2400" b="0" i="1" smtClean="0">
+                                    <a:latin typeface="Cambria Math" panose="02040503050406030204" pitchFamily="18" charset="0"/>
+                                    <a:cs typeface="Times" panose="02020603050405020304" pitchFamily="18" charset="0"/>
+                                  </a:rPr>
+                                </m:ctrlPr>
+                              </m:sSubPr>
+                              <m:e>
+                                <m:r>
+                                  <a:rPr lang="en-US" altLang="zh-TW" sz="2400" b="0" i="1" smtClean="0">
+                                    <a:latin typeface="Cambria Math" panose="02040503050406030204" pitchFamily="18" charset="0"/>
+                                    <a:cs typeface="Times" panose="02020603050405020304" pitchFamily="18" charset="0"/>
+                                  </a:rPr>
+                                  <m:t>𝑥</m:t>
+                                </m:r>
+                              </m:e>
+                              <m:sub>
+                                <m:r>
+                                  <a:rPr lang="en-US" altLang="zh-TW" sz="2400" b="0" i="1" smtClean="0">
+                                    <a:latin typeface="Cambria Math" panose="02040503050406030204" pitchFamily="18" charset="0"/>
+                                    <a:cs typeface="Times" panose="02020603050405020304" pitchFamily="18" charset="0"/>
+                                  </a:rPr>
+                                  <m:t>𝑗</m:t>
+                                </m:r>
+                              </m:sub>
+                            </m:sSub>
+                            <m:sSup>
+                              <m:sSupPr>
+                                <m:ctrlPr>
+                                  <a:rPr lang="en-US" altLang="zh-TW" sz="2400" i="1">
+                                    <a:latin typeface="Cambria Math" panose="02040503050406030204" pitchFamily="18" charset="0"/>
+                                    <a:cs typeface="Times" panose="02020603050405020304" pitchFamily="18" charset="0"/>
+                                  </a:rPr>
+                                </m:ctrlPr>
+                              </m:sSupPr>
+                              <m:e>
+                                <m:r>
+                                  <a:rPr lang="en-US" altLang="zh-TW" sz="2400" b="0" i="1" smtClean="0">
+                                    <a:latin typeface="Cambria Math" panose="02040503050406030204" pitchFamily="18" charset="0"/>
+                                    <a:cs typeface="Times" panose="02020603050405020304" pitchFamily="18" charset="0"/>
+                                  </a:rPr>
+                                  <m:t> </m:t>
+                                </m:r>
+                                <m:r>
+                                  <a:rPr lang="en-US" altLang="zh-TW" sz="2400" i="1">
+                                    <a:latin typeface="Cambria Math" panose="02040503050406030204" pitchFamily="18" charset="0"/>
+                                    <a:cs typeface="Times" panose="02020603050405020304" pitchFamily="18" charset="0"/>
+                                  </a:rPr>
+                                  <m:t>𝑒</m:t>
+                                </m:r>
+                              </m:e>
+                              <m:sup>
+                                <m:f>
+                                  <m:fPr>
+                                    <m:ctrlPr>
+                                      <a:rPr lang="en-US" altLang="zh-TW" sz="2400" i="1">
+                                        <a:latin typeface="Cambria Math" panose="02040503050406030204" pitchFamily="18" charset="0"/>
+                                        <a:cs typeface="Times" panose="02020603050405020304" pitchFamily="18" charset="0"/>
+                                      </a:rPr>
+                                    </m:ctrlPr>
+                                  </m:fPr>
+                                  <m:num>
+                                    <m:sSub>
+                                      <m:sSubPr>
+                                        <m:ctrlPr>
+                                          <a:rPr lang="en-US" altLang="zh-TW" sz="2400" i="1">
+                                            <a:latin typeface="Cambria Math" panose="02040503050406030204" pitchFamily="18" charset="0"/>
+                                            <a:cs typeface="Times" panose="02020603050405020304" pitchFamily="18" charset="0"/>
+                                          </a:rPr>
+                                        </m:ctrlPr>
+                                      </m:sSubPr>
+                                      <m:e>
+                                        <m:r>
+                                          <a:rPr lang="en-US" altLang="zh-TW" sz="2400" i="1">
+                                            <a:latin typeface="Cambria Math" panose="02040503050406030204" pitchFamily="18" charset="0"/>
+                                            <a:cs typeface="Times" panose="02020603050405020304" pitchFamily="18" charset="0"/>
+                                          </a:rPr>
+                                          <m:t>𝑥</m:t>
+                                        </m:r>
+                                      </m:e>
+                                      <m:sub>
+                                        <m:r>
+                                          <a:rPr lang="en-US" altLang="zh-TW" sz="2400" i="1">
+                                            <a:latin typeface="Cambria Math" panose="02040503050406030204" pitchFamily="18" charset="0"/>
+                                            <a:cs typeface="Times" panose="02020603050405020304" pitchFamily="18" charset="0"/>
+                                          </a:rPr>
+                                          <m:t>𝑗</m:t>
+                                        </m:r>
+                                      </m:sub>
+                                    </m:sSub>
+                                  </m:num>
+                                  <m:den>
+                                    <m:r>
+                                      <m:rPr>
+                                        <m:sty m:val="p"/>
+                                      </m:rPr>
+                                      <a:rPr lang="en-US" altLang="zh-TW" sz="2400" i="1">
+                                        <a:latin typeface="Cambria Math" panose="02040503050406030204" pitchFamily="18" charset="0"/>
+                                        <a:cs typeface="Times" panose="02020603050405020304" pitchFamily="18" charset="0"/>
+                                      </a:rPr>
+                                      <m:t>γ</m:t>
+                                    </m:r>
+                                  </m:den>
+                                </m:f>
+                              </m:sup>
+                            </m:sSup>
+                          </m:e>
+                        </m:func>
+                      </m:num>
+                      <m:den>
+                        <m:func>
+                          <m:funcPr>
+                            <m:ctrlPr>
+                              <a:rPr lang="en-US" altLang="zh-TW" sz="2400" i="1">
+                                <a:latin typeface="Cambria Math" panose="02040503050406030204" pitchFamily="18" charset="0"/>
+                                <a:cs typeface="Times" panose="02020603050405020304" pitchFamily="18" charset="0"/>
+                              </a:rPr>
+                            </m:ctrlPr>
+                          </m:funcPr>
+                          <m:fName>
+                            <m:sSub>
+                              <m:sSubPr>
+                                <m:ctrlPr>
+                                  <a:rPr lang="en-US" altLang="zh-TW" sz="2400" i="1" smtClean="0">
+                                    <a:latin typeface="Cambria Math" panose="02040503050406030204" pitchFamily="18" charset="0"/>
+                                    <a:cs typeface="Times" panose="02020603050405020304" pitchFamily="18" charset="0"/>
+                                  </a:rPr>
+                                </m:ctrlPr>
+                              </m:sSubPr>
+                              <m:e>
+                                <m:r>
+                                  <m:rPr>
+                                    <m:sty m:val="p"/>
+                                  </m:rPr>
+                                  <a:rPr lang="en-US" altLang="zh-TW" sz="2400" i="1">
+                                    <a:latin typeface="Cambria Math" panose="02040503050406030204" pitchFamily="18" charset="0"/>
+                                    <a:cs typeface="Times" panose="02020603050405020304" pitchFamily="18" charset="0"/>
+                                  </a:rPr>
+                                  <m:t>Σ</m:t>
+                                </m:r>
+                              </m:e>
+                              <m:sub>
+                                <m:r>
+                                  <a:rPr lang="en-US" altLang="zh-TW" sz="2400" i="1">
+                                    <a:latin typeface="Cambria Math" panose="02040503050406030204" pitchFamily="18" charset="0"/>
+                                    <a:cs typeface="Times" panose="02020603050405020304" pitchFamily="18" charset="0"/>
+                                  </a:rPr>
+                                  <m:t>𝑗</m:t>
+                                </m:r>
+                                <m:r>
+                                  <a:rPr lang="en-US" altLang="zh-TW" sz="2400" i="1">
+                                    <a:latin typeface="Cambria Math" panose="02040503050406030204" pitchFamily="18" charset="0"/>
+                                    <a:ea typeface="Cambria Math" panose="02040503050406030204" pitchFamily="18" charset="0"/>
+                                    <a:cs typeface="Times" panose="02020603050405020304" pitchFamily="18" charset="0"/>
+                                  </a:rPr>
+                                  <m:t>∈</m:t>
+                                </m:r>
+                                <m:sSub>
+                                  <m:sSubPr>
+                                    <m:ctrlPr>
+                                      <a:rPr lang="en-US" altLang="zh-TW" sz="2400" i="1">
+                                        <a:latin typeface="Cambria Math" panose="02040503050406030204" pitchFamily="18" charset="0"/>
+                                        <a:ea typeface="Cambria Math" panose="02040503050406030204" pitchFamily="18" charset="0"/>
+                                        <a:cs typeface="Times" panose="02020603050405020304" pitchFamily="18" charset="0"/>
+                                      </a:rPr>
+                                    </m:ctrlPr>
+                                  </m:sSubPr>
+                                  <m:e>
+                                    <m:r>
+                                      <a:rPr lang="en-US" altLang="zh-TW" sz="2400" i="1">
+                                        <a:latin typeface="Cambria Math" panose="02040503050406030204" pitchFamily="18" charset="0"/>
+                                        <a:ea typeface="Cambria Math" panose="02040503050406030204" pitchFamily="18" charset="0"/>
+                                        <a:cs typeface="Times" panose="02020603050405020304" pitchFamily="18" charset="0"/>
+                                      </a:rPr>
+                                      <m:t>𝑒</m:t>
+                                    </m:r>
+                                  </m:e>
+                                  <m:sub>
+                                    <m:r>
+                                      <a:rPr lang="en-US" altLang="zh-TW" sz="2400" i="1">
+                                        <a:latin typeface="Cambria Math" panose="02040503050406030204" pitchFamily="18" charset="0"/>
+                                        <a:ea typeface="Cambria Math" panose="02040503050406030204" pitchFamily="18" charset="0"/>
+                                        <a:cs typeface="Times" panose="02020603050405020304" pitchFamily="18" charset="0"/>
+                                      </a:rPr>
+                                      <m:t>𝑖</m:t>
+                                    </m:r>
+                                  </m:sub>
+                                </m:sSub>
+                              </m:sub>
+                            </m:sSub>
+                          </m:fName>
+                          <m:e>
+                            <m:sSup>
+                              <m:sSupPr>
+                                <m:ctrlPr>
+                                  <a:rPr lang="en-US" altLang="zh-TW" sz="2400" i="1">
+                                    <a:latin typeface="Cambria Math" panose="02040503050406030204" pitchFamily="18" charset="0"/>
+                                    <a:cs typeface="Times" panose="02020603050405020304" pitchFamily="18" charset="0"/>
+                                  </a:rPr>
+                                </m:ctrlPr>
+                              </m:sSupPr>
+                              <m:e>
+                                <m:r>
+                                  <a:rPr lang="en-US" altLang="zh-TW" sz="2400" i="1">
+                                    <a:latin typeface="Cambria Math" panose="02040503050406030204" pitchFamily="18" charset="0"/>
+                                    <a:cs typeface="Times" panose="02020603050405020304" pitchFamily="18" charset="0"/>
+                                  </a:rPr>
+                                  <m:t> </m:t>
+                                </m:r>
+                                <m:r>
+                                  <a:rPr lang="en-US" altLang="zh-TW" sz="2400" i="1">
+                                    <a:latin typeface="Cambria Math" panose="02040503050406030204" pitchFamily="18" charset="0"/>
+                                    <a:cs typeface="Times" panose="02020603050405020304" pitchFamily="18" charset="0"/>
+                                  </a:rPr>
+                                  <m:t>𝑒</m:t>
+                                </m:r>
+                              </m:e>
+                              <m:sup>
+                                <m:f>
+                                  <m:fPr>
+                                    <m:ctrlPr>
+                                      <a:rPr lang="en-US" altLang="zh-TW" sz="2400" i="1">
+                                        <a:latin typeface="Cambria Math" panose="02040503050406030204" pitchFamily="18" charset="0"/>
+                                        <a:cs typeface="Times" panose="02020603050405020304" pitchFamily="18" charset="0"/>
+                                      </a:rPr>
+                                    </m:ctrlPr>
+                                  </m:fPr>
+                                  <m:num>
+                                    <m:sSub>
+                                      <m:sSubPr>
+                                        <m:ctrlPr>
+                                          <a:rPr lang="en-US" altLang="zh-TW" sz="2400" i="1">
+                                            <a:latin typeface="Cambria Math" panose="02040503050406030204" pitchFamily="18" charset="0"/>
+                                            <a:cs typeface="Times" panose="02020603050405020304" pitchFamily="18" charset="0"/>
+                                          </a:rPr>
+                                        </m:ctrlPr>
+                                      </m:sSubPr>
+                                      <m:e>
+                                        <m:r>
+                                          <a:rPr lang="en-US" altLang="zh-TW" sz="2400" i="1">
+                                            <a:latin typeface="Cambria Math" panose="02040503050406030204" pitchFamily="18" charset="0"/>
+                                            <a:cs typeface="Times" panose="02020603050405020304" pitchFamily="18" charset="0"/>
+                                          </a:rPr>
+                                          <m:t>𝑥</m:t>
+                                        </m:r>
+                                      </m:e>
+                                      <m:sub>
+                                        <m:r>
+                                          <a:rPr lang="en-US" altLang="zh-TW" sz="2400" i="1">
+                                            <a:latin typeface="Cambria Math" panose="02040503050406030204" pitchFamily="18" charset="0"/>
+                                            <a:cs typeface="Times" panose="02020603050405020304" pitchFamily="18" charset="0"/>
+                                          </a:rPr>
+                                          <m:t>𝑗</m:t>
+                                        </m:r>
+                                      </m:sub>
+                                    </m:sSub>
+                                  </m:num>
+                                  <m:den>
+                                    <m:r>
+                                      <m:rPr>
+                                        <m:sty m:val="p"/>
+                                      </m:rPr>
+                                      <a:rPr lang="en-US" altLang="zh-TW" sz="2400" i="1">
+                                        <a:latin typeface="Cambria Math" panose="02040503050406030204" pitchFamily="18" charset="0"/>
+                                        <a:cs typeface="Times" panose="02020603050405020304" pitchFamily="18" charset="0"/>
+                                      </a:rPr>
+                                      <m:t>γ</m:t>
+                                    </m:r>
+                                  </m:den>
+                                </m:f>
+                              </m:sup>
+                            </m:sSup>
+                          </m:e>
+                        </m:func>
+                      </m:den>
+                    </m:f>
+                  </m:oMath>
+                </a14:m>
+                <a:r>
+                  <a:rPr lang="en-US" altLang="zh-TW" sz="2400" dirty="0">
+                    <a:latin typeface="Times" panose="02020603050405020304" pitchFamily="18" charset="0"/>
+                    <a:cs typeface="Times" panose="02020603050405020304" pitchFamily="18" charset="0"/>
+                  </a:rPr>
+                  <a:t>  - </a:t>
+                </a:r>
+                <a14:m>
+                  <m:oMath xmlns:m="http://schemas.openxmlformats.org/officeDocument/2006/math">
+                    <m:r>
+                      <a:rPr lang="en-US" altLang="zh-TW" sz="2400">
+                        <a:latin typeface="Cambria Math" panose="02040503050406030204" pitchFamily="18" charset="0"/>
+                        <a:cs typeface="Times" panose="02020603050405020304" pitchFamily="18" charset="0"/>
+                      </a:rPr>
+                      <m:t>  </m:t>
+                    </m:r>
+                    <m:f>
+                      <m:fPr>
+                        <m:ctrlPr>
+                          <a:rPr lang="en-US" altLang="zh-TW" sz="2400" i="1">
+                            <a:latin typeface="Cambria Math" panose="02040503050406030204" pitchFamily="18" charset="0"/>
+                            <a:cs typeface="Times" panose="02020603050405020304" pitchFamily="18" charset="0"/>
+                          </a:rPr>
+                        </m:ctrlPr>
+                      </m:fPr>
+                      <m:num>
+                        <m:func>
+                          <m:funcPr>
+                            <m:ctrlPr>
+                              <a:rPr lang="en-US" altLang="zh-TW" sz="2400" i="1">
+                                <a:latin typeface="Cambria Math" panose="02040503050406030204" pitchFamily="18" charset="0"/>
+                                <a:cs typeface="Times" panose="02020603050405020304" pitchFamily="18" charset="0"/>
+                              </a:rPr>
+                            </m:ctrlPr>
+                          </m:funcPr>
+                          <m:fName>
+                            <m:limLow>
+                              <m:limLowPr>
+                                <m:ctrlPr>
+                                  <a:rPr lang="en-US" altLang="zh-TW" sz="2400" i="1">
+                                    <a:latin typeface="Cambria Math" panose="02040503050406030204" pitchFamily="18" charset="0"/>
+                                    <a:cs typeface="Times" panose="02020603050405020304" pitchFamily="18" charset="0"/>
+                                  </a:rPr>
+                                </m:ctrlPr>
+                              </m:limLowPr>
+                              <m:e>
+                                <m:r>
+                                  <m:rPr>
+                                    <m:sty m:val="p"/>
+                                  </m:rPr>
+                                  <a:rPr lang="en-US" altLang="zh-TW" sz="2400" i="1">
+                                    <a:latin typeface="Cambria Math" panose="02040503050406030204" pitchFamily="18" charset="0"/>
+                                    <a:cs typeface="Times" panose="02020603050405020304" pitchFamily="18" charset="0"/>
+                                  </a:rPr>
+                                  <m:t>Σ</m:t>
+                                </m:r>
+                              </m:e>
+                              <m:lim>
+                                <m:r>
+                                  <a:rPr lang="en-US" altLang="zh-TW" sz="2400" i="1">
+                                    <a:latin typeface="Cambria Math" panose="02040503050406030204" pitchFamily="18" charset="0"/>
+                                    <a:cs typeface="Times" panose="02020603050405020304" pitchFamily="18" charset="0"/>
+                                  </a:rPr>
+                                  <m:t>𝑗</m:t>
+                                </m:r>
+                                <m:r>
+                                  <a:rPr lang="en-US" altLang="zh-TW" sz="2400" i="1">
+                                    <a:latin typeface="Cambria Math" panose="02040503050406030204" pitchFamily="18" charset="0"/>
+                                    <a:ea typeface="Cambria Math" panose="02040503050406030204" pitchFamily="18" charset="0"/>
+                                    <a:cs typeface="Times" panose="02020603050405020304" pitchFamily="18" charset="0"/>
+                                  </a:rPr>
+                                  <m:t>∈</m:t>
+                                </m:r>
+                                <m:sSub>
+                                  <m:sSubPr>
+                                    <m:ctrlPr>
+                                      <a:rPr lang="en-US" altLang="zh-TW" sz="2400" i="1">
+                                        <a:latin typeface="Cambria Math" panose="02040503050406030204" pitchFamily="18" charset="0"/>
+                                        <a:ea typeface="Cambria Math" panose="02040503050406030204" pitchFamily="18" charset="0"/>
+                                        <a:cs typeface="Times" panose="02020603050405020304" pitchFamily="18" charset="0"/>
+                                      </a:rPr>
+                                    </m:ctrlPr>
+                                  </m:sSubPr>
+                                  <m:e>
+                                    <m:r>
+                                      <a:rPr lang="en-US" altLang="zh-TW" sz="2400" i="1">
+                                        <a:latin typeface="Cambria Math" panose="02040503050406030204" pitchFamily="18" charset="0"/>
+                                        <a:ea typeface="Cambria Math" panose="02040503050406030204" pitchFamily="18" charset="0"/>
+                                        <a:cs typeface="Times" panose="02020603050405020304" pitchFamily="18" charset="0"/>
+                                      </a:rPr>
+                                      <m:t>𝑒</m:t>
+                                    </m:r>
+                                  </m:e>
+                                  <m:sub>
+                                    <m:r>
+                                      <a:rPr lang="en-US" altLang="zh-TW" sz="2400" i="1">
+                                        <a:latin typeface="Cambria Math" panose="02040503050406030204" pitchFamily="18" charset="0"/>
+                                        <a:ea typeface="Cambria Math" panose="02040503050406030204" pitchFamily="18" charset="0"/>
+                                        <a:cs typeface="Times" panose="02020603050405020304" pitchFamily="18" charset="0"/>
+                                      </a:rPr>
+                                      <m:t>𝑖</m:t>
+                                    </m:r>
+                                  </m:sub>
+                                </m:sSub>
+                              </m:lim>
+                            </m:limLow>
+                          </m:fName>
+                          <m:e>
+                            <m:sSub>
+                              <m:sSubPr>
+                                <m:ctrlPr>
+                                  <a:rPr lang="en-US" altLang="zh-TW" sz="2400" i="1">
+                                    <a:latin typeface="Cambria Math" panose="02040503050406030204" pitchFamily="18" charset="0"/>
+                                    <a:cs typeface="Times" panose="02020603050405020304" pitchFamily="18" charset="0"/>
+                                  </a:rPr>
+                                </m:ctrlPr>
+                              </m:sSubPr>
+                              <m:e>
+                                <m:r>
+                                  <a:rPr lang="en-US" altLang="zh-TW" sz="2400" i="1">
+                                    <a:latin typeface="Cambria Math" panose="02040503050406030204" pitchFamily="18" charset="0"/>
+                                    <a:cs typeface="Times" panose="02020603050405020304" pitchFamily="18" charset="0"/>
+                                  </a:rPr>
+                                  <m:t>𝑥</m:t>
+                                </m:r>
+                              </m:e>
+                              <m:sub>
+                                <m:r>
+                                  <a:rPr lang="en-US" altLang="zh-TW" sz="2400" i="1">
+                                    <a:latin typeface="Cambria Math" panose="02040503050406030204" pitchFamily="18" charset="0"/>
+                                    <a:cs typeface="Times" panose="02020603050405020304" pitchFamily="18" charset="0"/>
+                                  </a:rPr>
+                                  <m:t>𝑗</m:t>
+                                </m:r>
+                              </m:sub>
+                            </m:sSub>
+                            <m:sSup>
+                              <m:sSupPr>
+                                <m:ctrlPr>
+                                  <a:rPr lang="en-US" altLang="zh-TW" sz="2400" i="1">
+                                    <a:latin typeface="Cambria Math" panose="02040503050406030204" pitchFamily="18" charset="0"/>
+                                    <a:cs typeface="Times" panose="02020603050405020304" pitchFamily="18" charset="0"/>
+                                  </a:rPr>
+                                </m:ctrlPr>
+                              </m:sSupPr>
+                              <m:e>
+                                <m:r>
+                                  <a:rPr lang="en-US" altLang="zh-TW" sz="2400" i="1">
+                                    <a:latin typeface="Cambria Math" panose="02040503050406030204" pitchFamily="18" charset="0"/>
+                                    <a:cs typeface="Times" panose="02020603050405020304" pitchFamily="18" charset="0"/>
+                                  </a:rPr>
+                                  <m:t> </m:t>
+                                </m:r>
+                                <m:r>
+                                  <a:rPr lang="en-US" altLang="zh-TW" sz="2400" i="1">
+                                    <a:latin typeface="Cambria Math" panose="02040503050406030204" pitchFamily="18" charset="0"/>
+                                    <a:cs typeface="Times" panose="02020603050405020304" pitchFamily="18" charset="0"/>
+                                  </a:rPr>
+                                  <m:t>𝑒</m:t>
+                                </m:r>
+                              </m:e>
+                              <m:sup>
+                                <m:f>
+                                  <m:fPr>
+                                    <m:ctrlPr>
+                                      <a:rPr lang="en-US" altLang="zh-TW" sz="2400" i="1">
+                                        <a:latin typeface="Cambria Math" panose="02040503050406030204" pitchFamily="18" charset="0"/>
+                                        <a:cs typeface="Times" panose="02020603050405020304" pitchFamily="18" charset="0"/>
+                                      </a:rPr>
+                                    </m:ctrlPr>
+                                  </m:fPr>
+                                  <m:num>
+                                    <m:sSub>
+                                      <m:sSubPr>
+                                        <m:ctrlPr>
+                                          <a:rPr lang="en-US" altLang="zh-TW" sz="2400" i="1">
+                                            <a:latin typeface="Cambria Math" panose="02040503050406030204" pitchFamily="18" charset="0"/>
+                                            <a:cs typeface="Times" panose="02020603050405020304" pitchFamily="18" charset="0"/>
+                                          </a:rPr>
+                                        </m:ctrlPr>
+                                      </m:sSubPr>
+                                      <m:e>
+                                        <m:r>
+                                          <a:rPr lang="en-US" altLang="zh-TW" sz="2400" i="1">
+                                            <a:latin typeface="Cambria Math" panose="02040503050406030204" pitchFamily="18" charset="0"/>
+                                            <a:cs typeface="Times" panose="02020603050405020304" pitchFamily="18" charset="0"/>
+                                          </a:rPr>
+                                          <m:t>−</m:t>
+                                        </m:r>
+                                        <m:r>
+                                          <a:rPr lang="en-US" altLang="zh-TW" sz="2400" i="1">
+                                            <a:latin typeface="Cambria Math" panose="02040503050406030204" pitchFamily="18" charset="0"/>
+                                            <a:cs typeface="Times" panose="02020603050405020304" pitchFamily="18" charset="0"/>
+                                          </a:rPr>
+                                          <m:t>𝑥</m:t>
+                                        </m:r>
+                                      </m:e>
+                                      <m:sub>
+                                        <m:r>
+                                          <a:rPr lang="en-US" altLang="zh-TW" sz="2400" i="1">
+                                            <a:latin typeface="Cambria Math" panose="02040503050406030204" pitchFamily="18" charset="0"/>
+                                            <a:cs typeface="Times" panose="02020603050405020304" pitchFamily="18" charset="0"/>
+                                          </a:rPr>
+                                          <m:t>𝑗</m:t>
+                                        </m:r>
+                                      </m:sub>
+                                    </m:sSub>
+                                  </m:num>
+                                  <m:den>
+                                    <m:r>
+                                      <m:rPr>
+                                        <m:sty m:val="p"/>
+                                      </m:rPr>
+                                      <a:rPr lang="en-US" altLang="zh-TW" sz="2400" i="1">
+                                        <a:latin typeface="Cambria Math" panose="02040503050406030204" pitchFamily="18" charset="0"/>
+                                        <a:cs typeface="Times" panose="02020603050405020304" pitchFamily="18" charset="0"/>
+                                      </a:rPr>
+                                      <m:t>γ</m:t>
+                                    </m:r>
+                                  </m:den>
+                                </m:f>
+                              </m:sup>
+                            </m:sSup>
+                          </m:e>
+                        </m:func>
+                      </m:num>
+                      <m:den>
+                        <m:func>
+                          <m:funcPr>
+                            <m:ctrlPr>
+                              <a:rPr lang="en-US" altLang="zh-TW" sz="2400" i="1">
+                                <a:latin typeface="Cambria Math" panose="02040503050406030204" pitchFamily="18" charset="0"/>
+                                <a:cs typeface="Times" panose="02020603050405020304" pitchFamily="18" charset="0"/>
+                              </a:rPr>
+                            </m:ctrlPr>
+                          </m:funcPr>
+                          <m:fName>
+                            <m:sSub>
+                              <m:sSubPr>
+                                <m:ctrlPr>
+                                  <a:rPr lang="en-US" altLang="zh-TW" sz="2400" i="1">
+                                    <a:latin typeface="Cambria Math" panose="02040503050406030204" pitchFamily="18" charset="0"/>
+                                    <a:cs typeface="Times" panose="02020603050405020304" pitchFamily="18" charset="0"/>
+                                  </a:rPr>
+                                </m:ctrlPr>
+                              </m:sSubPr>
+                              <m:e>
+                                <m:r>
+                                  <m:rPr>
+                                    <m:sty m:val="p"/>
+                                  </m:rPr>
+                                  <a:rPr lang="en-US" altLang="zh-TW" sz="2400" i="1">
+                                    <a:latin typeface="Cambria Math" panose="02040503050406030204" pitchFamily="18" charset="0"/>
+                                    <a:cs typeface="Times" panose="02020603050405020304" pitchFamily="18" charset="0"/>
+                                  </a:rPr>
+                                  <m:t>Σ</m:t>
+                                </m:r>
+                              </m:e>
+                              <m:sub>
+                                <m:r>
+                                  <a:rPr lang="en-US" altLang="zh-TW" sz="2400" i="1">
+                                    <a:latin typeface="Cambria Math" panose="02040503050406030204" pitchFamily="18" charset="0"/>
+                                    <a:cs typeface="Times" panose="02020603050405020304" pitchFamily="18" charset="0"/>
+                                  </a:rPr>
+                                  <m:t>𝑗</m:t>
+                                </m:r>
+                                <m:r>
+                                  <a:rPr lang="en-US" altLang="zh-TW" sz="2400" i="1">
+                                    <a:latin typeface="Cambria Math" panose="02040503050406030204" pitchFamily="18" charset="0"/>
+                                    <a:ea typeface="Cambria Math" panose="02040503050406030204" pitchFamily="18" charset="0"/>
+                                    <a:cs typeface="Times" panose="02020603050405020304" pitchFamily="18" charset="0"/>
+                                  </a:rPr>
+                                  <m:t>∈</m:t>
+                                </m:r>
+                                <m:sSub>
+                                  <m:sSubPr>
+                                    <m:ctrlPr>
+                                      <a:rPr lang="en-US" altLang="zh-TW" sz="2400" i="1">
+                                        <a:latin typeface="Cambria Math" panose="02040503050406030204" pitchFamily="18" charset="0"/>
+                                        <a:ea typeface="Cambria Math" panose="02040503050406030204" pitchFamily="18" charset="0"/>
+                                        <a:cs typeface="Times" panose="02020603050405020304" pitchFamily="18" charset="0"/>
+                                      </a:rPr>
+                                    </m:ctrlPr>
+                                  </m:sSubPr>
+                                  <m:e>
+                                    <m:r>
+                                      <a:rPr lang="en-US" altLang="zh-TW" sz="2400" i="1">
+                                        <a:latin typeface="Cambria Math" panose="02040503050406030204" pitchFamily="18" charset="0"/>
+                                        <a:ea typeface="Cambria Math" panose="02040503050406030204" pitchFamily="18" charset="0"/>
+                                        <a:cs typeface="Times" panose="02020603050405020304" pitchFamily="18" charset="0"/>
+                                      </a:rPr>
+                                      <m:t>𝑒</m:t>
+                                    </m:r>
+                                  </m:e>
+                                  <m:sub>
+                                    <m:r>
+                                      <a:rPr lang="en-US" altLang="zh-TW" sz="2400" i="1">
+                                        <a:latin typeface="Cambria Math" panose="02040503050406030204" pitchFamily="18" charset="0"/>
+                                        <a:ea typeface="Cambria Math" panose="02040503050406030204" pitchFamily="18" charset="0"/>
+                                        <a:cs typeface="Times" panose="02020603050405020304" pitchFamily="18" charset="0"/>
+                                      </a:rPr>
+                                      <m:t>𝑖</m:t>
+                                    </m:r>
+                                  </m:sub>
+                                </m:sSub>
+                              </m:sub>
+                            </m:sSub>
+                          </m:fName>
+                          <m:e>
+                            <m:sSup>
+                              <m:sSupPr>
+                                <m:ctrlPr>
+                                  <a:rPr lang="en-US" altLang="zh-TW" sz="2400" i="1">
+                                    <a:latin typeface="Cambria Math" panose="02040503050406030204" pitchFamily="18" charset="0"/>
+                                    <a:cs typeface="Times" panose="02020603050405020304" pitchFamily="18" charset="0"/>
+                                  </a:rPr>
+                                </m:ctrlPr>
+                              </m:sSupPr>
+                              <m:e>
+                                <m:r>
+                                  <a:rPr lang="en-US" altLang="zh-TW" sz="2400" i="1">
+                                    <a:latin typeface="Cambria Math" panose="02040503050406030204" pitchFamily="18" charset="0"/>
+                                    <a:cs typeface="Times" panose="02020603050405020304" pitchFamily="18" charset="0"/>
+                                  </a:rPr>
+                                  <m:t> </m:t>
+                                </m:r>
+                                <m:r>
+                                  <a:rPr lang="en-US" altLang="zh-TW" sz="2400" i="1">
+                                    <a:latin typeface="Cambria Math" panose="02040503050406030204" pitchFamily="18" charset="0"/>
+                                    <a:cs typeface="Times" panose="02020603050405020304" pitchFamily="18" charset="0"/>
+                                  </a:rPr>
+                                  <m:t>𝑒</m:t>
+                                </m:r>
+                              </m:e>
+                              <m:sup>
+                                <m:f>
+                                  <m:fPr>
+                                    <m:ctrlPr>
+                                      <a:rPr lang="en-US" altLang="zh-TW" sz="2400" i="1">
+                                        <a:latin typeface="Cambria Math" panose="02040503050406030204" pitchFamily="18" charset="0"/>
+                                        <a:cs typeface="Times" panose="02020603050405020304" pitchFamily="18" charset="0"/>
+                                      </a:rPr>
+                                    </m:ctrlPr>
+                                  </m:fPr>
+                                  <m:num>
+                                    <m:sSub>
+                                      <m:sSubPr>
+                                        <m:ctrlPr>
+                                          <a:rPr lang="en-US" altLang="zh-TW" sz="2400" i="1">
+                                            <a:latin typeface="Cambria Math" panose="02040503050406030204" pitchFamily="18" charset="0"/>
+                                            <a:cs typeface="Times" panose="02020603050405020304" pitchFamily="18" charset="0"/>
+                                          </a:rPr>
+                                        </m:ctrlPr>
+                                      </m:sSubPr>
+                                      <m:e>
+                                        <m:r>
+                                          <a:rPr lang="en-US" altLang="zh-TW" sz="2400" i="1">
+                                            <a:latin typeface="Cambria Math" panose="02040503050406030204" pitchFamily="18" charset="0"/>
+                                            <a:cs typeface="Times" panose="02020603050405020304" pitchFamily="18" charset="0"/>
+                                          </a:rPr>
+                                          <m:t>−</m:t>
+                                        </m:r>
+                                        <m:r>
+                                          <a:rPr lang="en-US" altLang="zh-TW" sz="2400" i="1">
+                                            <a:latin typeface="Cambria Math" panose="02040503050406030204" pitchFamily="18" charset="0"/>
+                                            <a:cs typeface="Times" panose="02020603050405020304" pitchFamily="18" charset="0"/>
+                                          </a:rPr>
+                                          <m:t>𝑥</m:t>
+                                        </m:r>
+                                      </m:e>
+                                      <m:sub>
+                                        <m:r>
+                                          <a:rPr lang="en-US" altLang="zh-TW" sz="2400" i="1">
+                                            <a:latin typeface="Cambria Math" panose="02040503050406030204" pitchFamily="18" charset="0"/>
+                                            <a:cs typeface="Times" panose="02020603050405020304" pitchFamily="18" charset="0"/>
+                                          </a:rPr>
+                                          <m:t>𝑗</m:t>
+                                        </m:r>
+                                      </m:sub>
+                                    </m:sSub>
+                                  </m:num>
+                                  <m:den>
+                                    <m:r>
+                                      <m:rPr>
+                                        <m:sty m:val="p"/>
+                                      </m:rPr>
+                                      <a:rPr lang="en-US" altLang="zh-TW" sz="2400" i="1">
+                                        <a:latin typeface="Cambria Math" panose="02040503050406030204" pitchFamily="18" charset="0"/>
+                                        <a:cs typeface="Times" panose="02020603050405020304" pitchFamily="18" charset="0"/>
+                                      </a:rPr>
+                                      <m:t>γ</m:t>
+                                    </m:r>
+                                  </m:den>
+                                </m:f>
+                              </m:sup>
+                            </m:sSup>
+                          </m:e>
+                        </m:func>
+                      </m:den>
+                    </m:f>
+                  </m:oMath>
+                </a14:m>
+                <a:endParaRPr lang="en-US" altLang="zh-TW" sz="2400" b="0" dirty="0">
+                  <a:latin typeface="Times" panose="02020603050405020304" pitchFamily="18" charset="0"/>
+                  <a:cs typeface="Times" panose="02020603050405020304" pitchFamily="18" charset="0"/>
+                </a:endParaRPr>
+              </a:p>
+              <a:p>
+                <a:pPr marL="0" indent="0">
+                  <a:buNone/>
+                </a:pPr>
+                <a:endParaRPr lang="en-US" altLang="zh-TW" sz="1200" dirty="0">
+                  <a:latin typeface="Times" panose="02020603050405020304" pitchFamily="18" charset="0"/>
+                  <a:cs typeface="Times" panose="02020603050405020304" pitchFamily="18" charset="0"/>
+                </a:endParaRPr>
+              </a:p>
+              <a:p>
+                <a:pPr marL="0" indent="0">
+                  <a:buNone/>
+                </a:pPr>
+                <a:endParaRPr lang="en-US" altLang="zh-TW" sz="900" dirty="0">
+                  <a:latin typeface="Times" panose="02020603050405020304" pitchFamily="18" charset="0"/>
+                  <a:cs typeface="Times" panose="02020603050405020304" pitchFamily="18" charset="0"/>
+                </a:endParaRPr>
+              </a:p>
+              <a:p>
+                <a:pPr>
+                  <a:buFont typeface="Wingdings" panose="05000000000000000000" pitchFamily="2" charset="2"/>
+                  <a:buChar char="Ø"/>
+                </a:pPr>
+                <a:r>
+                  <a:rPr lang="zh-TW" altLang="en-US" sz="2000" dirty="0">
+                    <a:latin typeface="Times" panose="02020603050405020304" pitchFamily="18" charset="0"/>
+                    <a:cs typeface="Times" panose="02020603050405020304" pitchFamily="18" charset="0"/>
+                  </a:rPr>
+                  <a:t> </a:t>
+                </a:r>
+                <a14:m>
+                  <m:oMath xmlns:m="http://schemas.openxmlformats.org/officeDocument/2006/math">
+                    <m:sSub>
+                      <m:sSubPr>
+                        <m:ctrlPr>
+                          <a:rPr lang="en-US" altLang="zh-TW" sz="2000" b="0" i="1" smtClean="0">
+                            <a:latin typeface="Cambria Math" panose="02040503050406030204" pitchFamily="18" charset="0"/>
+                            <a:cs typeface="Times" panose="02020603050405020304" pitchFamily="18" charset="0"/>
+                          </a:rPr>
+                        </m:ctrlPr>
+                      </m:sSubPr>
+                      <m:e>
+                        <m:r>
+                          <a:rPr lang="en-US" altLang="zh-TW" sz="2000" b="0" i="1" smtClean="0">
+                            <a:latin typeface="Cambria Math" panose="02040503050406030204" pitchFamily="18" charset="0"/>
+                            <a:cs typeface="Times" panose="02020603050405020304" pitchFamily="18" charset="0"/>
+                          </a:rPr>
+                          <m:t>𝑊</m:t>
+                        </m:r>
+                      </m:e>
+                      <m:sub>
+                        <m:sSub>
+                          <m:sSubPr>
+                            <m:ctrlPr>
+                              <a:rPr lang="en-US" altLang="zh-TW" sz="2000" b="0" i="1" smtClean="0">
+                                <a:latin typeface="Cambria Math" panose="02040503050406030204" pitchFamily="18" charset="0"/>
+                                <a:cs typeface="Times" panose="02020603050405020304" pitchFamily="18" charset="0"/>
+                              </a:rPr>
+                            </m:ctrlPr>
+                          </m:sSubPr>
+                          <m:e>
+                            <m:r>
+                              <a:rPr lang="en-US" altLang="zh-TW" sz="2000" b="0" i="1" smtClean="0">
+                                <a:latin typeface="Cambria Math" panose="02040503050406030204" pitchFamily="18" charset="0"/>
+                                <a:cs typeface="Times" panose="02020603050405020304" pitchFamily="18" charset="0"/>
+                              </a:rPr>
+                              <m:t>𝑒</m:t>
+                            </m:r>
+                          </m:e>
+                          <m:sub>
+                            <m:r>
+                              <a:rPr lang="en-US" altLang="zh-TW" sz="2000" b="0" i="1" smtClean="0">
+                                <a:latin typeface="Cambria Math" panose="02040503050406030204" pitchFamily="18" charset="0"/>
+                                <a:cs typeface="Times" panose="02020603050405020304" pitchFamily="18" charset="0"/>
+                              </a:rPr>
+                              <m:t>𝑖𝑥</m:t>
+                            </m:r>
+                          </m:sub>
+                        </m:sSub>
+                      </m:sub>
+                    </m:sSub>
+                    <m:r>
+                      <a:rPr lang="en-US" altLang="zh-TW" sz="2000" b="0" i="1" smtClean="0">
+                        <a:latin typeface="Cambria Math" panose="02040503050406030204" pitchFamily="18" charset="0"/>
+                        <a:cs typeface="Times" panose="02020603050405020304" pitchFamily="18" charset="0"/>
+                      </a:rPr>
+                      <m:t> (</m:t>
+                    </m:r>
+                    <m:r>
+                      <a:rPr lang="en-US" altLang="zh-TW" sz="2000" b="0" i="1" smtClean="0">
+                        <a:latin typeface="Cambria Math" panose="02040503050406030204" pitchFamily="18" charset="0"/>
+                        <a:cs typeface="Times" panose="02020603050405020304" pitchFamily="18" charset="0"/>
+                      </a:rPr>
+                      <m:t>𝑥</m:t>
+                    </m:r>
+                    <m:r>
+                      <a:rPr lang="en-US" altLang="zh-TW" sz="2000" b="0" i="1" smtClean="0">
+                        <a:latin typeface="Cambria Math" panose="02040503050406030204" pitchFamily="18" charset="0"/>
+                        <a:cs typeface="Times" panose="02020603050405020304" pitchFamily="18" charset="0"/>
+                      </a:rPr>
+                      <m:t>, </m:t>
+                    </m:r>
+                    <m:r>
+                      <a:rPr lang="en-US" altLang="zh-TW" sz="2000" b="0" i="1" smtClean="0">
+                        <a:latin typeface="Cambria Math" panose="02040503050406030204" pitchFamily="18" charset="0"/>
+                        <a:cs typeface="Times" panose="02020603050405020304" pitchFamily="18" charset="0"/>
+                      </a:rPr>
+                      <m:t>𝑦</m:t>
+                    </m:r>
+                    <m:r>
+                      <a:rPr lang="en-US" altLang="zh-TW" sz="2000" b="0" i="1" smtClean="0">
+                        <a:latin typeface="Cambria Math" panose="02040503050406030204" pitchFamily="18" charset="0"/>
+                        <a:cs typeface="Times" panose="02020603050405020304" pitchFamily="18" charset="0"/>
+                      </a:rPr>
+                      <m:t>)</m:t>
+                    </m:r>
+                  </m:oMath>
+                </a14:m>
+                <a:r>
+                  <a:rPr lang="en-US" altLang="zh-TW" sz="2000" b="0" dirty="0">
+                    <a:latin typeface="Times" panose="02020603050405020304" pitchFamily="18" charset="0"/>
+                    <a:cs typeface="Times" panose="02020603050405020304" pitchFamily="18" charset="0"/>
+                  </a:rPr>
+                  <a:t> </a:t>
+                </a:r>
+                <a:r>
+                  <a:rPr lang="en-US" altLang="zh-TW" sz="2000" dirty="0">
+                    <a:latin typeface="Times" panose="02020603050405020304" pitchFamily="18" charset="0"/>
+                    <a:cs typeface="Times" panose="02020603050405020304" pitchFamily="18" charset="0"/>
+                  </a:rPr>
+                  <a:t>: weighted wirelength of  net </a:t>
+                </a:r>
+                <a14:m>
+                  <m:oMath xmlns:m="http://schemas.openxmlformats.org/officeDocument/2006/math">
+                    <m:sSub>
+                      <m:sSubPr>
+                        <m:ctrlPr>
+                          <a:rPr lang="en-US" altLang="zh-TW" sz="2000" i="1" smtClean="0">
+                            <a:latin typeface="Cambria Math" panose="02040503050406030204" pitchFamily="18" charset="0"/>
+                            <a:cs typeface="Times" panose="02020603050405020304" pitchFamily="18" charset="0"/>
+                          </a:rPr>
+                        </m:ctrlPr>
+                      </m:sSubPr>
+                      <m:e>
+                        <m:r>
+                          <a:rPr lang="en-US" altLang="zh-TW" sz="2000" b="0" i="1" smtClean="0">
+                            <a:latin typeface="Cambria Math" panose="02040503050406030204" pitchFamily="18" charset="0"/>
+                            <a:cs typeface="Times" panose="02020603050405020304" pitchFamily="18" charset="0"/>
+                          </a:rPr>
+                          <m:t>𝑒</m:t>
+                        </m:r>
+                      </m:e>
+                      <m:sub>
+                        <m:r>
+                          <a:rPr lang="en-US" altLang="zh-TW" sz="2000" b="0" i="1" smtClean="0">
+                            <a:latin typeface="Cambria Math" panose="02040503050406030204" pitchFamily="18" charset="0"/>
+                            <a:cs typeface="Times" panose="02020603050405020304" pitchFamily="18" charset="0"/>
+                          </a:rPr>
+                          <m:t>𝑖</m:t>
+                        </m:r>
+                      </m:sub>
+                    </m:sSub>
+                  </m:oMath>
+                </a14:m>
+                <a:r>
+                  <a:rPr lang="en-US" altLang="zh-TW" sz="2000" dirty="0">
+                    <a:latin typeface="Times" panose="02020603050405020304" pitchFamily="18" charset="0"/>
+                    <a:cs typeface="Times" panose="02020603050405020304" pitchFamily="18" charset="0"/>
+                  </a:rPr>
+                  <a:t>.</a:t>
+                </a:r>
+              </a:p>
+              <a:p>
+                <a:pPr>
+                  <a:buFont typeface="Wingdings" panose="05000000000000000000" pitchFamily="2" charset="2"/>
+                  <a:buChar char="Ø"/>
+                </a:pPr>
+                <a:r>
+                  <a:rPr lang="zh-TW" altLang="en-US" sz="2000" dirty="0">
+                    <a:latin typeface="Times" panose="02020603050405020304" pitchFamily="18" charset="0"/>
+                    <a:cs typeface="Times" panose="02020603050405020304" pitchFamily="18" charset="0"/>
+                  </a:rPr>
+                  <a:t> </a:t>
+                </a:r>
+                <a:r>
+                  <a:rPr lang="en-US" altLang="zh-TW" sz="2000" dirty="0">
+                    <a:latin typeface="Times" panose="02020603050405020304" pitchFamily="18" charset="0"/>
+                    <a:cs typeface="Times" panose="02020603050405020304" pitchFamily="18" charset="0"/>
+                  </a:rPr>
+                  <a:t>γ</a:t>
+                </a:r>
+                <a:r>
+                  <a:rPr lang="zh-TW" altLang="en-US" sz="2000" dirty="0">
+                    <a:latin typeface="Times" panose="02020603050405020304" pitchFamily="18" charset="0"/>
+                    <a:cs typeface="Times" panose="02020603050405020304" pitchFamily="18" charset="0"/>
+                  </a:rPr>
+                  <a:t> </a:t>
+                </a:r>
+                <a:r>
+                  <a:rPr lang="en-US" altLang="zh-TW" sz="2000" dirty="0">
+                    <a:latin typeface="Times" panose="02020603050405020304" pitchFamily="18" charset="0"/>
+                    <a:cs typeface="Times" panose="02020603050405020304" pitchFamily="18" charset="0"/>
+                  </a:rPr>
+                  <a:t>:  smoothing parameter used to adjust the accuracy.</a:t>
+                </a:r>
+              </a:p>
+              <a:p>
+                <a:pPr>
+                  <a:buFont typeface="Wingdings" panose="05000000000000000000" pitchFamily="2" charset="2"/>
+                  <a:buChar char="Ø"/>
+                </a:pPr>
+                <a:r>
+                  <a:rPr lang="en-US" altLang="zh-TW" sz="2000" dirty="0">
+                    <a:latin typeface="Times" panose="02020603050405020304" pitchFamily="18" charset="0"/>
+                    <a:cs typeface="Times" panose="02020603050405020304" pitchFamily="18" charset="0"/>
+                  </a:rPr>
+                  <a:t> </a:t>
+                </a:r>
+                <a14:m>
+                  <m:oMath xmlns:m="http://schemas.openxmlformats.org/officeDocument/2006/math">
+                    <m:r>
+                      <a:rPr lang="en-US" altLang="zh-TW" sz="2000" b="0" i="1" smtClean="0">
+                        <a:latin typeface="Cambria Math" panose="02040503050406030204" pitchFamily="18" charset="0"/>
+                        <a:cs typeface="Times" panose="02020603050405020304" pitchFamily="18" charset="0"/>
+                      </a:rPr>
+                      <m:t>𝑥</m:t>
+                    </m:r>
+                  </m:oMath>
+                </a14:m>
+                <a:r>
+                  <a:rPr lang="en-US" altLang="zh-TW" sz="2000" dirty="0">
+                    <a:latin typeface="Times" panose="02020603050405020304" pitchFamily="18" charset="0"/>
+                    <a:cs typeface="Times" panose="02020603050405020304" pitchFamily="18" charset="0"/>
+                  </a:rPr>
+                  <a:t> : the x-coordinate.</a:t>
+                </a:r>
+              </a:p>
+              <a:p>
+                <a:pPr marL="0" indent="0">
+                  <a:buNone/>
+                </a:pPr>
+                <a:endParaRPr lang="en-US" altLang="zh-TW" sz="2400" dirty="0">
+                  <a:latin typeface="Times" panose="02020603050405020304" pitchFamily="18" charset="0"/>
+                  <a:cs typeface="Times" panose="02020603050405020304" pitchFamily="18" charset="0"/>
+                </a:endParaRPr>
+              </a:p>
+            </p:txBody>
+          </p:sp>
+        </mc:Choice>
+        <mc:Fallback>
+          <p:sp>
+            <p:nvSpPr>
+              <p:cNvPr id="3" name="內容版面配置區 2">
+                <a:extLst>
+                  <a:ext uri="{FF2B5EF4-FFF2-40B4-BE49-F238E27FC236}">
+                    <a16:creationId xmlns:a16="http://schemas.microsoft.com/office/drawing/2014/main" id="{CBD7CEA3-77D1-9FFB-94D0-23801E3C63EE}"/>
+                  </a:ext>
+                </a:extLst>
+              </p:cNvPr>
+              <p:cNvSpPr>
+                <a:spLocks noGrp="1" noRot="1" noChangeAspect="1" noMove="1" noResize="1" noEditPoints="1" noAdjustHandles="1" noChangeArrowheads="1" noChangeShapeType="1" noTextEdit="1"/>
+              </p:cNvSpPr>
+              <p:nvPr>
+                <p:ph idx="1"/>
+              </p:nvPr>
+            </p:nvSpPr>
+            <p:spPr>
+              <a:xfrm>
+                <a:off x="838200" y="1825625"/>
+                <a:ext cx="10515600" cy="4895850"/>
+              </a:xfrm>
+              <a:blipFill>
+                <a:blip r:embed="rId3"/>
+                <a:stretch>
+                  <a:fillRect l="-812" t="-1244"/>
+                </a:stretch>
+              </a:blipFill>
+            </p:spPr>
+            <p:txBody>
+              <a:bodyPr/>
+              <a:lstStyle/>
+              <a:p>
+                <a:r>
+                  <a:rPr lang="zh-TW" altLang="en-US">
+                    <a:noFill/>
+                  </a:rPr>
+                  <a:t> </a:t>
+                </a:r>
+              </a:p>
+            </p:txBody>
+          </p:sp>
+        </mc:Fallback>
+      </mc:AlternateContent>
+      <p:sp>
+        <p:nvSpPr>
+          <p:cNvPr id="4" name="投影片編號版面配置區 3">
+            <a:extLst>
+              <a:ext uri="{FF2B5EF4-FFF2-40B4-BE49-F238E27FC236}">
+                <a16:creationId xmlns:a16="http://schemas.microsoft.com/office/drawing/2014/main" id="{B35B14FF-D48D-70F2-8D80-2E843D4EA732}"/>
+              </a:ext>
+            </a:extLst>
+          </p:cNvPr>
+          <p:cNvSpPr>
+            <a:spLocks noGrp="1"/>
+          </p:cNvSpPr>
+          <p:nvPr>
+            <p:ph type="sldNum" sz="quarter" idx="12"/>
+          </p:nvPr>
+        </p:nvSpPr>
+        <p:spPr/>
+        <p:txBody>
+          <a:bodyPr/>
+          <a:lstStyle/>
+          <a:p>
+            <a:fld id="{666274A1-CF9C-426A-8DD4-B13ED0C24231}" type="slidenum">
+              <a:rPr lang="en-US" smtClean="0"/>
+              <a:t>9</a:t>
+            </a:fld>
+            <a:endParaRPr lang="en-US"/>
+          </a:p>
+        </p:txBody>
+      </p:sp>
+      <mc:AlternateContent xmlns:mc="http://schemas.openxmlformats.org/markup-compatibility/2006" xmlns:a14="http://schemas.microsoft.com/office/drawing/2010/main">
+        <mc:Choice Requires="a14">
+          <p:sp>
+            <p:nvSpPr>
+              <p:cNvPr id="6" name="文字方塊 5">
+                <a:extLst>
+                  <a:ext uri="{FF2B5EF4-FFF2-40B4-BE49-F238E27FC236}">
+                    <a16:creationId xmlns:a16="http://schemas.microsoft.com/office/drawing/2014/main" id="{B6B79041-C037-4D87-1301-AEA3192E02E2}"/>
+                  </a:ext>
+                </a:extLst>
+              </p:cNvPr>
+              <p:cNvSpPr txBox="1"/>
+              <p:nvPr/>
+            </p:nvSpPr>
+            <p:spPr>
+              <a:xfrm>
+                <a:off x="6096000" y="760493"/>
+                <a:ext cx="5404909" cy="534826"/>
+              </a:xfrm>
+              <a:prstGeom prst="rect">
+                <a:avLst/>
+              </a:prstGeom>
+              <a:noFill/>
+              <a:ln>
+                <a:solidFill>
+                  <a:schemeClr val="tx1"/>
+                </a:solidFill>
+              </a:ln>
+            </p:spPr>
+            <p:txBody>
+              <a:bodyPr wrap="square" rtlCol="0">
+                <a:spAutoFit/>
+              </a:bodyPr>
+              <a:lstStyle/>
+              <a:p>
+                <a:pPr/>
+                <a14:m>
+                  <m:oMathPara xmlns:m="http://schemas.openxmlformats.org/officeDocument/2006/math">
+                    <m:oMathParaPr>
+                      <m:jc m:val="center"/>
+                    </m:oMathParaPr>
+                    <m:oMath xmlns:m="http://schemas.openxmlformats.org/officeDocument/2006/math">
+                      <m:sSub>
+                        <m:sSubPr>
+                          <m:ctrlPr>
+                            <a:rPr lang="en-US" altLang="zh-TW" sz="2400" b="0" i="1" smtClean="0">
+                              <a:latin typeface="Cambria Math" panose="02040503050406030204" pitchFamily="18" charset="0"/>
+                              <a:cs typeface="Times" panose="02020603050405020304" pitchFamily="18" charset="0"/>
+                            </a:rPr>
+                          </m:ctrlPr>
+                        </m:sSubPr>
+                        <m:e>
+                          <m:sSub>
+                            <m:sSubPr>
+                              <m:ctrlPr>
+                                <a:rPr lang="en-US" altLang="zh-TW" sz="2400" i="1">
+                                  <a:latin typeface="Cambria Math" panose="02040503050406030204" pitchFamily="18" charset="0"/>
+                                  <a:cs typeface="Times" panose="02020603050405020304" pitchFamily="18" charset="0"/>
+                                </a:rPr>
+                              </m:ctrlPr>
+                            </m:sSubPr>
+                            <m:e>
+                              <m:r>
+                                <a:rPr lang="en-US" altLang="zh-TW" sz="2400" i="1">
+                                  <a:latin typeface="Cambria Math" panose="02040503050406030204" pitchFamily="18" charset="0"/>
+                                  <a:cs typeface="Times" panose="02020603050405020304" pitchFamily="18" charset="0"/>
+                                </a:rPr>
+                                <m:t>𝑊</m:t>
+                              </m:r>
+                            </m:e>
+                            <m:sub>
+                              <m:sSub>
+                                <m:sSubPr>
+                                  <m:ctrlPr>
+                                    <a:rPr lang="en-US" altLang="zh-TW" sz="2400" i="1">
+                                      <a:latin typeface="Cambria Math" panose="02040503050406030204" pitchFamily="18" charset="0"/>
+                                      <a:cs typeface="Times" panose="02020603050405020304" pitchFamily="18" charset="0"/>
+                                    </a:rPr>
+                                  </m:ctrlPr>
+                                </m:sSubPr>
+                                <m:e>
+                                  <m:r>
+                                    <a:rPr lang="en-US" altLang="zh-TW" sz="2400" i="1">
+                                      <a:latin typeface="Cambria Math" panose="02040503050406030204" pitchFamily="18" charset="0"/>
+                                      <a:cs typeface="Times" panose="02020603050405020304" pitchFamily="18" charset="0"/>
+                                    </a:rPr>
+                                    <m:t>𝑒</m:t>
+                                  </m:r>
+                                </m:e>
+                                <m:sub>
+                                  <m:r>
+                                    <a:rPr lang="en-US" altLang="zh-TW" sz="2400" b="0" i="1" smtClean="0">
+                                      <a:latin typeface="Cambria Math" panose="02040503050406030204" pitchFamily="18" charset="0"/>
+                                      <a:cs typeface="Times" panose="02020603050405020304" pitchFamily="18" charset="0"/>
+                                    </a:rPr>
+                                    <m:t>𝑖</m:t>
+                                  </m:r>
+                                </m:sub>
+                              </m:sSub>
+                            </m:sub>
+                          </m:sSub>
+                          <m:r>
+                            <a:rPr lang="en-US" altLang="zh-TW" sz="2400" i="1">
+                              <a:latin typeface="Cambria Math" panose="02040503050406030204" pitchFamily="18" charset="0"/>
+                              <a:cs typeface="Times" panose="02020603050405020304" pitchFamily="18" charset="0"/>
+                            </a:rPr>
+                            <m:t> (</m:t>
+                          </m:r>
+                          <m:r>
+                            <a:rPr lang="en-US" altLang="zh-TW" sz="2400" i="1">
+                              <a:latin typeface="Cambria Math" panose="02040503050406030204" pitchFamily="18" charset="0"/>
+                              <a:cs typeface="Times" panose="02020603050405020304" pitchFamily="18" charset="0"/>
+                            </a:rPr>
+                            <m:t>𝑥</m:t>
+                          </m:r>
+                          <m:r>
+                            <a:rPr lang="en-US" altLang="zh-TW" sz="2400" i="1">
+                              <a:latin typeface="Cambria Math" panose="02040503050406030204" pitchFamily="18" charset="0"/>
+                              <a:cs typeface="Times" panose="02020603050405020304" pitchFamily="18" charset="0"/>
+                            </a:rPr>
+                            <m:t>, </m:t>
+                          </m:r>
+                          <m:r>
+                            <a:rPr lang="en-US" altLang="zh-TW" sz="2400" i="1">
+                              <a:latin typeface="Cambria Math" panose="02040503050406030204" pitchFamily="18" charset="0"/>
+                              <a:cs typeface="Times" panose="02020603050405020304" pitchFamily="18" charset="0"/>
+                            </a:rPr>
+                            <m:t>𝑦</m:t>
+                          </m:r>
+                          <m:r>
+                            <a:rPr lang="en-US" altLang="zh-TW" sz="2400" i="1">
+                              <a:latin typeface="Cambria Math" panose="02040503050406030204" pitchFamily="18" charset="0"/>
+                              <a:cs typeface="Times" panose="02020603050405020304" pitchFamily="18" charset="0"/>
+                            </a:rPr>
+                            <m:t>)</m:t>
+                          </m:r>
+                          <m:sSub>
+                            <m:sSubPr>
+                              <m:ctrlPr>
+                                <a:rPr lang="en-US" altLang="zh-TW" sz="2400" i="1">
+                                  <a:latin typeface="Cambria Math" panose="02040503050406030204" pitchFamily="18" charset="0"/>
+                                  <a:cs typeface="Times" panose="02020603050405020304" pitchFamily="18" charset="0"/>
+                                </a:rPr>
+                              </m:ctrlPr>
+                            </m:sSubPr>
+                            <m:e>
+                              <m:r>
+                                <a:rPr lang="zh-TW" altLang="en-US" sz="2400" i="1" smtClean="0">
+                                  <a:latin typeface="Cambria Math" panose="02040503050406030204" pitchFamily="18" charset="0"/>
+                                  <a:cs typeface="Times" panose="02020603050405020304" pitchFamily="18" charset="0"/>
+                                </a:rPr>
+                                <m:t> </m:t>
+                              </m:r>
+                              <m:r>
+                                <a:rPr lang="en-US" altLang="zh-TW" sz="2400" i="1">
+                                  <a:latin typeface="Cambria Math" panose="02040503050406030204" pitchFamily="18" charset="0"/>
+                                  <a:cs typeface="Times" panose="02020603050405020304" pitchFamily="18" charset="0"/>
+                                </a:rPr>
+                                <m:t>=</m:t>
+                              </m:r>
+                              <m:r>
+                                <a:rPr lang="zh-TW" altLang="en-US" sz="2400" i="1" smtClean="0">
+                                  <a:latin typeface="Cambria Math" panose="02040503050406030204" pitchFamily="18" charset="0"/>
+                                  <a:cs typeface="Times" panose="02020603050405020304" pitchFamily="18" charset="0"/>
+                                </a:rPr>
+                                <m:t> </m:t>
+                              </m:r>
+                              <m:r>
+                                <a:rPr lang="en-US" altLang="zh-TW" sz="2400" i="1">
+                                  <a:latin typeface="Cambria Math" panose="02040503050406030204" pitchFamily="18" charset="0"/>
+                                  <a:cs typeface="Times" panose="02020603050405020304" pitchFamily="18" charset="0"/>
+                                </a:rPr>
+                                <m:t>𝑊</m:t>
+                              </m:r>
+                            </m:e>
+                            <m:sub>
+                              <m:sSub>
+                                <m:sSubPr>
+                                  <m:ctrlPr>
+                                    <a:rPr lang="en-US" altLang="zh-TW" sz="2400" i="1">
+                                      <a:latin typeface="Cambria Math" panose="02040503050406030204" pitchFamily="18" charset="0"/>
+                                      <a:cs typeface="Times" panose="02020603050405020304" pitchFamily="18" charset="0"/>
+                                    </a:rPr>
+                                  </m:ctrlPr>
+                                </m:sSubPr>
+                                <m:e>
+                                  <m:r>
+                                    <a:rPr lang="en-US" altLang="zh-TW" sz="2400" i="1">
+                                      <a:latin typeface="Cambria Math" panose="02040503050406030204" pitchFamily="18" charset="0"/>
+                                      <a:cs typeface="Times" panose="02020603050405020304" pitchFamily="18" charset="0"/>
+                                    </a:rPr>
+                                    <m:t>𝑒</m:t>
+                                  </m:r>
+                                </m:e>
+                                <m:sub>
+                                  <m:r>
+                                    <a:rPr lang="en-US" altLang="zh-TW" sz="2400" i="1">
+                                      <a:latin typeface="Cambria Math" panose="02040503050406030204" pitchFamily="18" charset="0"/>
+                                      <a:cs typeface="Times" panose="02020603050405020304" pitchFamily="18" charset="0"/>
+                                    </a:rPr>
+                                    <m:t>𝑖𝑥</m:t>
+                                  </m:r>
+                                </m:sub>
+                              </m:sSub>
+                            </m:sub>
+                          </m:sSub>
+                          <m:r>
+                            <a:rPr lang="en-US" altLang="zh-TW" sz="2400" i="1">
+                              <a:latin typeface="Cambria Math" panose="02040503050406030204" pitchFamily="18" charset="0"/>
+                              <a:cs typeface="Times" panose="02020603050405020304" pitchFamily="18" charset="0"/>
+                            </a:rPr>
+                            <m:t> (</m:t>
+                          </m:r>
+                          <m:r>
+                            <a:rPr lang="en-US" altLang="zh-TW" sz="2400" i="1">
+                              <a:latin typeface="Cambria Math" panose="02040503050406030204" pitchFamily="18" charset="0"/>
+                              <a:cs typeface="Times" panose="02020603050405020304" pitchFamily="18" charset="0"/>
+                            </a:rPr>
+                            <m:t>𝑥</m:t>
+                          </m:r>
+                          <m:r>
+                            <a:rPr lang="en-US" altLang="zh-TW" sz="2400" i="1">
+                              <a:latin typeface="Cambria Math" panose="02040503050406030204" pitchFamily="18" charset="0"/>
+                              <a:cs typeface="Times" panose="02020603050405020304" pitchFamily="18" charset="0"/>
+                            </a:rPr>
+                            <m:t>, </m:t>
+                          </m:r>
+                          <m:r>
+                            <a:rPr lang="en-US" altLang="zh-TW" sz="2400" i="1">
+                              <a:latin typeface="Cambria Math" panose="02040503050406030204" pitchFamily="18" charset="0"/>
+                              <a:cs typeface="Times" panose="02020603050405020304" pitchFamily="18" charset="0"/>
+                            </a:rPr>
+                            <m:t>𝑦</m:t>
+                          </m:r>
+                          <m:r>
+                            <a:rPr lang="en-US" altLang="zh-TW" sz="2400" i="1">
+                              <a:latin typeface="Cambria Math" panose="02040503050406030204" pitchFamily="18" charset="0"/>
+                              <a:cs typeface="Times" panose="02020603050405020304" pitchFamily="18" charset="0"/>
+                            </a:rPr>
+                            <m:t>) +</m:t>
+                          </m:r>
+                          <m:r>
+                            <a:rPr lang="en-US" altLang="zh-TW" sz="2400" b="0" i="1" smtClean="0">
+                              <a:latin typeface="Cambria Math" panose="02040503050406030204" pitchFamily="18" charset="0"/>
+                              <a:cs typeface="Times" panose="02020603050405020304" pitchFamily="18" charset="0"/>
+                            </a:rPr>
+                            <m:t>𝑊</m:t>
+                          </m:r>
+                        </m:e>
+                        <m:sub>
+                          <m:sSub>
+                            <m:sSubPr>
+                              <m:ctrlPr>
+                                <a:rPr lang="en-US" altLang="zh-TW" sz="2400" b="0" i="1" smtClean="0">
+                                  <a:latin typeface="Cambria Math" panose="02040503050406030204" pitchFamily="18" charset="0"/>
+                                  <a:cs typeface="Times" panose="02020603050405020304" pitchFamily="18" charset="0"/>
+                                </a:rPr>
+                              </m:ctrlPr>
+                            </m:sSubPr>
+                            <m:e>
+                              <m:r>
+                                <a:rPr lang="en-US" altLang="zh-TW" sz="2400" b="0" i="1" smtClean="0">
+                                  <a:latin typeface="Cambria Math" panose="02040503050406030204" pitchFamily="18" charset="0"/>
+                                  <a:cs typeface="Times" panose="02020603050405020304" pitchFamily="18" charset="0"/>
+                                </a:rPr>
+                                <m:t>𝑒</m:t>
+                              </m:r>
+                            </m:e>
+                            <m:sub>
+                              <m:r>
+                                <a:rPr lang="en-US" altLang="zh-TW" sz="2400" b="0" i="1" smtClean="0">
+                                  <a:latin typeface="Cambria Math" panose="02040503050406030204" pitchFamily="18" charset="0"/>
+                                  <a:cs typeface="Times" panose="02020603050405020304" pitchFamily="18" charset="0"/>
+                                </a:rPr>
+                                <m:t>𝑖𝑦</m:t>
+                              </m:r>
+                            </m:sub>
+                          </m:sSub>
+                        </m:sub>
+                      </m:sSub>
+                      <m:r>
+                        <a:rPr lang="en-US" altLang="zh-TW" sz="2400" b="0" i="1" smtClean="0">
+                          <a:latin typeface="Cambria Math" panose="02040503050406030204" pitchFamily="18" charset="0"/>
+                          <a:cs typeface="Times" panose="02020603050405020304" pitchFamily="18" charset="0"/>
+                        </a:rPr>
+                        <m:t> (</m:t>
+                      </m:r>
+                      <m:r>
+                        <a:rPr lang="en-US" altLang="zh-TW" sz="2400" b="0" i="1" smtClean="0">
+                          <a:latin typeface="Cambria Math" panose="02040503050406030204" pitchFamily="18" charset="0"/>
+                          <a:cs typeface="Times" panose="02020603050405020304" pitchFamily="18" charset="0"/>
+                        </a:rPr>
+                        <m:t>𝑥</m:t>
+                      </m:r>
+                      <m:r>
+                        <a:rPr lang="en-US" altLang="zh-TW" sz="2400" b="0" i="1" smtClean="0">
+                          <a:latin typeface="Cambria Math" panose="02040503050406030204" pitchFamily="18" charset="0"/>
+                          <a:cs typeface="Times" panose="02020603050405020304" pitchFamily="18" charset="0"/>
+                        </a:rPr>
+                        <m:t>, </m:t>
+                      </m:r>
+                      <m:r>
+                        <a:rPr lang="en-US" altLang="zh-TW" sz="2400" b="0" i="1" smtClean="0">
+                          <a:latin typeface="Cambria Math" panose="02040503050406030204" pitchFamily="18" charset="0"/>
+                          <a:cs typeface="Times" panose="02020603050405020304" pitchFamily="18" charset="0"/>
+                        </a:rPr>
+                        <m:t>𝑦</m:t>
+                      </m:r>
+                      <m:r>
+                        <a:rPr lang="en-US" altLang="zh-TW" sz="2400" b="0" i="1" smtClean="0">
+                          <a:latin typeface="Cambria Math" panose="02040503050406030204" pitchFamily="18" charset="0"/>
+                          <a:cs typeface="Times" panose="02020603050405020304" pitchFamily="18" charset="0"/>
+                        </a:rPr>
+                        <m:t>)</m:t>
+                      </m:r>
+                    </m:oMath>
+                  </m:oMathPara>
+                </a14:m>
+                <a:endParaRPr lang="zh-TW" altLang="en-US" sz="1600" dirty="0"/>
+              </a:p>
+            </p:txBody>
+          </p:sp>
+        </mc:Choice>
+        <mc:Fallback xmlns="">
+          <p:sp>
+            <p:nvSpPr>
+              <p:cNvPr id="6" name="文字方塊 5">
+                <a:extLst>
+                  <a:ext uri="{FF2B5EF4-FFF2-40B4-BE49-F238E27FC236}">
+                    <a16:creationId xmlns:a16="http://schemas.microsoft.com/office/drawing/2014/main" id="{B6B79041-C037-4D87-1301-AEA3192E02E2}"/>
+                  </a:ext>
+                </a:extLst>
+              </p:cNvPr>
+              <p:cNvSpPr txBox="1">
+                <a:spLocks noRot="1" noChangeAspect="1" noMove="1" noResize="1" noEditPoints="1" noAdjustHandles="1" noChangeArrowheads="1" noChangeShapeType="1" noTextEdit="1"/>
+              </p:cNvSpPr>
+              <p:nvPr/>
+            </p:nvSpPr>
+            <p:spPr>
+              <a:xfrm>
+                <a:off x="6096000" y="760493"/>
+                <a:ext cx="5404909" cy="534826"/>
+              </a:xfrm>
+              <a:prstGeom prst="rect">
+                <a:avLst/>
+              </a:prstGeom>
+              <a:blipFill>
+                <a:blip r:embed="rId4"/>
+                <a:stretch>
+                  <a:fillRect b="-2247"/>
+                </a:stretch>
+              </a:blipFill>
+              <a:ln>
+                <a:solidFill>
+                  <a:schemeClr val="tx1"/>
+                </a:solidFill>
+              </a:ln>
+            </p:spPr>
+            <p:txBody>
+              <a:bodyPr/>
+              <a:lstStyle/>
+              <a:p>
+                <a:r>
+                  <a:rPr lang="zh-TW" altLang="en-US">
+                    <a:noFill/>
+                  </a:rPr>
+                  <a:t> </a:t>
+                </a:r>
+              </a:p>
+            </p:txBody>
+          </p:sp>
+        </mc:Fallback>
+      </mc:AlternateContent>
+    </p:spTree>
+    <p:extLst>
+      <p:ext uri="{BB962C8B-B14F-4D97-AF65-F5344CB8AC3E}">
+        <p14:creationId xmlns:p14="http://schemas.microsoft.com/office/powerpoint/2010/main" val="3605248542"/>
+      </p:ext>
+    </p:extLst>
+  </p:cSld>
+  <p:clrMapOvr>
+    <a:masterClrMapping/>
+  </p:clrMapOvr>
+</p:sld>
+</file>
+
+<file path=ppt/slides/slide11.xml><?xml version="1.0" encoding="utf-8"?>
+<p:sld xmlns:a="http://schemas.openxmlformats.org/drawingml/2006/main" xmlns:r="http://schemas.openxmlformats.org/officeDocument/2006/relationships" xmlns:p="http://schemas.openxmlformats.org/presentationml/2006/main">
+  <p:cSld>
+    <p:spTree>
+      <p:nvGrpSpPr>
+        <p:cNvPr id="1" name=""/>
+        <p:cNvGrpSpPr/>
+        <p:nvPr/>
+      </p:nvGrpSpPr>
+      <p:grpSpPr>
+        <a:xfrm>
+          <a:off x="0" y="0"/>
+          <a:ext cx="0" cy="0"/>
+          <a:chOff x="0" y="0"/>
+          <a:chExt cx="0" cy="0"/>
+        </a:xfrm>
+      </p:grpSpPr>
+      <p:sp>
+        <p:nvSpPr>
+          <p:cNvPr id="2" name="標題 1">
+            <a:extLst>
+              <a:ext uri="{FF2B5EF4-FFF2-40B4-BE49-F238E27FC236}">
                 <a16:creationId xmlns:a16="http://schemas.microsoft.com/office/drawing/2014/main" id="{8B377EC7-8AA3-B104-A270-92740D671CE5}"/>
               </a:ext>
             </a:extLst>
@@ -8897,12 +11309,16 @@
                   <a:t> </a:t>
                 </a:r>
                 <a:r>
-                  <a:rPr lang="en-US" altLang="zh-TW" sz="2000" dirty="0">
+                  <a:rPr lang="en-US" altLang="zh-TW" sz="2000" dirty="0" err="1">
                     <a:latin typeface="Times" panose="02020603050405020304" pitchFamily="18" charset="0"/>
                     <a:cs typeface="Times" panose="02020603050405020304" pitchFamily="18" charset="0"/>
                   </a:rPr>
-                  <a:t>I</a:t>
-                </a:r>
+                  <a:t>i</a:t>
+                </a:r>
+                <a:endParaRPr lang="en-US" altLang="zh-TW" sz="2000" dirty="0">
+                  <a:latin typeface="Times" panose="02020603050405020304" pitchFamily="18" charset="0"/>
+                  <a:cs typeface="Times" panose="02020603050405020304" pitchFamily="18" charset="0"/>
+                </a:endParaRPr>
               </a:p>
               <a:p>
                 <a:pPr>
@@ -9377,9 +11793,9 @@
           <a:p>
             <a:fld id="{666274A1-CF9C-426A-8DD4-B13ED0C24231}" type="slidenum">
               <a:rPr lang="en-US" smtClean="0"/>
-              <a:t>9</a:t>
+              <a:t>10</a:t>
             </a:fld>
-            <a:endParaRPr lang="en-US"/>
+            <a:endParaRPr lang="en-US" dirty="0"/>
           </a:p>
         </p:txBody>
       </p:sp>
@@ -9396,7 +11812,7 @@
 </p:sld>
 </file>
 
-<file path=ppt/slides/slide11.xml><?xml version="1.0" encoding="utf-8"?>
+<file path=ppt/slides/slide12.xml><?xml version="1.0" encoding="utf-8"?>
 <p:sld xmlns:a="http://schemas.openxmlformats.org/drawingml/2006/main" xmlns:r="http://schemas.openxmlformats.org/officeDocument/2006/relationships" xmlns:p="http://schemas.openxmlformats.org/presentationml/2006/main">
   <p:cSld>
     <p:spTree>
@@ -9448,8 +11864,8 @@
           </a:p>
         </p:txBody>
       </p:sp>
-      <mc:AlternateContent xmlns:mc="http://schemas.openxmlformats.org/markup-compatibility/2006">
-        <mc:Choice xmlns:a14="http://schemas.microsoft.com/office/drawing/2010/main" Requires="a14">
+      <mc:AlternateContent xmlns:mc="http://schemas.openxmlformats.org/markup-compatibility/2006" xmlns:a14="http://schemas.microsoft.com/office/drawing/2010/main">
+        <mc:Choice Requires="a14">
           <p:sp>
             <p:nvSpPr>
               <p:cNvPr id="3" name="內容版面配置區 2">
@@ -9863,7 +12279,7 @@
             </p:txBody>
           </p:sp>
         </mc:Choice>
-        <mc:Fallback>
+        <mc:Fallback xmlns="">
           <p:sp>
             <p:nvSpPr>
               <p:cNvPr id="3" name="內容版面配置區 2">
@@ -9930,7 +12346,7 @@
           <a:p>
             <a:fld id="{666274A1-CF9C-426A-8DD4-B13ED0C24231}" type="slidenum">
               <a:rPr lang="en-US" smtClean="0"/>
-              <a:t>10</a:t>
+              <a:t>11</a:t>
             </a:fld>
             <a:endParaRPr lang="en-US"/>
           </a:p>
@@ -9979,7 +12395,7 @@
 </p:sld>
 </file>
 
-<file path=ppt/slides/slide12.xml><?xml version="1.0" encoding="utf-8"?>
+<file path=ppt/slides/slide13.xml><?xml version="1.0" encoding="utf-8"?>
 <p:sld xmlns:a="http://schemas.openxmlformats.org/drawingml/2006/main" xmlns:r="http://schemas.openxmlformats.org/officeDocument/2006/relationships" xmlns:p="http://schemas.openxmlformats.org/presentationml/2006/main">
   <p:cSld>
     <p:spTree>
@@ -10085,7 +12501,7 @@
           <a:p>
             <a:fld id="{666274A1-CF9C-426A-8DD4-B13ED0C24231}" type="slidenum">
               <a:rPr lang="en-US" smtClean="0"/>
-              <a:t>11</a:t>
+              <a:t>12</a:t>
             </a:fld>
             <a:endParaRPr lang="en-US"/>
           </a:p>
@@ -10104,7 +12520,193 @@
 </p:sld>
 </file>
 
-<file path=ppt/slides/slide13.xml><?xml version="1.0" encoding="utf-8"?>
+<file path=ppt/slides/slide14.xml><?xml version="1.0" encoding="utf-8"?>
+<p:sld xmlns:a="http://schemas.openxmlformats.org/drawingml/2006/main" xmlns:r="http://schemas.openxmlformats.org/officeDocument/2006/relationships" xmlns:p="http://schemas.openxmlformats.org/presentationml/2006/main" show="0">
+  <p:cSld>
+    <p:spTree>
+      <p:nvGrpSpPr>
+        <p:cNvPr id="1" name=""/>
+        <p:cNvGrpSpPr/>
+        <p:nvPr/>
+      </p:nvGrpSpPr>
+      <p:grpSpPr>
+        <a:xfrm>
+          <a:off x="0" y="0"/>
+          <a:ext cx="0" cy="0"/>
+          <a:chOff x="0" y="0"/>
+          <a:chExt cx="0" cy="0"/>
+        </a:xfrm>
+      </p:grpSpPr>
+      <p:sp>
+        <p:nvSpPr>
+          <p:cNvPr id="2" name="標題 1">
+            <a:extLst>
+              <a:ext uri="{FF2B5EF4-FFF2-40B4-BE49-F238E27FC236}">
+                <a16:creationId xmlns:a16="http://schemas.microsoft.com/office/drawing/2014/main" id="{9F8825D9-62B8-AE30-2193-DEF7925EB754}"/>
+              </a:ext>
+            </a:extLst>
+          </p:cNvPr>
+          <p:cNvSpPr>
+            <a:spLocks noGrp="1"/>
+          </p:cNvSpPr>
+          <p:nvPr>
+            <p:ph type="title"/>
+          </p:nvPr>
+        </p:nvSpPr>
+        <p:spPr/>
+        <p:txBody>
+          <a:bodyPr/>
+          <a:lstStyle/>
+          <a:p>
+            <a:r>
+              <a:rPr lang="en-US" altLang="zh-TW" dirty="0">
+                <a:latin typeface="Times New Roman" panose="02020603050405020304" pitchFamily="18" charset="0"/>
+                <a:cs typeface="Times New Roman" panose="02020603050405020304" pitchFamily="18" charset="0"/>
+              </a:rPr>
+              <a:t>Congestion Estimation</a:t>
+            </a:r>
+            <a:endParaRPr lang="zh-TW" altLang="en-US" dirty="0">
+              <a:latin typeface="Times New Roman" panose="02020603050405020304" pitchFamily="18" charset="0"/>
+              <a:cs typeface="Times New Roman" panose="02020603050405020304" pitchFamily="18" charset="0"/>
+            </a:endParaRPr>
+          </a:p>
+        </p:txBody>
+      </p:sp>
+      <p:sp>
+        <p:nvSpPr>
+          <p:cNvPr id="3" name="內容版面配置區 2">
+            <a:extLst>
+              <a:ext uri="{FF2B5EF4-FFF2-40B4-BE49-F238E27FC236}">
+                <a16:creationId xmlns:a16="http://schemas.microsoft.com/office/drawing/2014/main" id="{E5506ACC-F835-BE67-D66A-34B933DFAB1D}"/>
+              </a:ext>
+            </a:extLst>
+          </p:cNvPr>
+          <p:cNvSpPr>
+            <a:spLocks noGrp="1"/>
+          </p:cNvSpPr>
+          <p:nvPr>
+            <p:ph idx="1"/>
+          </p:nvPr>
+        </p:nvSpPr>
+        <p:spPr/>
+        <p:txBody>
+          <a:bodyPr>
+            <a:normAutofit/>
+          </a:bodyPr>
+          <a:lstStyle/>
+          <a:p>
+            <a:pPr>
+              <a:lnSpc>
+                <a:spcPct val="130000"/>
+              </a:lnSpc>
+            </a:pPr>
+            <a:r>
+              <a:rPr lang="en-US" altLang="zh-TW" sz="2400" dirty="0">
+                <a:latin typeface="Times New Roman" panose="02020603050405020304" pitchFamily="18" charset="0"/>
+                <a:cs typeface="Times New Roman" panose="02020603050405020304" pitchFamily="18" charset="0"/>
+              </a:rPr>
+              <a:t>Cells in global placement tend to form bunches of clusters since the placement region is divided into bins by a grid.</a:t>
+            </a:r>
+          </a:p>
+          <a:p>
+            <a:pPr>
+              <a:lnSpc>
+                <a:spcPct val="130000"/>
+              </a:lnSpc>
+            </a:pPr>
+            <a:endParaRPr lang="en-US" altLang="zh-TW" sz="900" dirty="0">
+              <a:latin typeface="Times New Roman" panose="02020603050405020304" pitchFamily="18" charset="0"/>
+              <a:cs typeface="Times New Roman" panose="02020603050405020304" pitchFamily="18" charset="0"/>
+            </a:endParaRPr>
+          </a:p>
+          <a:p>
+            <a:pPr>
+              <a:lnSpc>
+                <a:spcPct val="130000"/>
+              </a:lnSpc>
+            </a:pPr>
+            <a:r>
+              <a:rPr lang="en-US" altLang="zh-TW" sz="2400" dirty="0">
+                <a:latin typeface="Times New Roman" panose="02020603050405020304" pitchFamily="18" charset="0"/>
+                <a:cs typeface="Times New Roman" panose="02020603050405020304" pitchFamily="18" charset="0"/>
+              </a:rPr>
+              <a:t>Cells in the same grid often overlap severely.</a:t>
+            </a:r>
+          </a:p>
+          <a:p>
+            <a:pPr>
+              <a:lnSpc>
+                <a:spcPct val="130000"/>
+              </a:lnSpc>
+            </a:pPr>
+            <a:endParaRPr lang="en-US" altLang="zh-TW" sz="1050" dirty="0">
+              <a:latin typeface="Times New Roman" panose="02020603050405020304" pitchFamily="18" charset="0"/>
+              <a:cs typeface="Times New Roman" panose="02020603050405020304" pitchFamily="18" charset="0"/>
+            </a:endParaRPr>
+          </a:p>
+          <a:p>
+            <a:pPr>
+              <a:lnSpc>
+                <a:spcPct val="130000"/>
+              </a:lnSpc>
+            </a:pPr>
+            <a:r>
+              <a:rPr lang="en-US" altLang="zh-TW" sz="2400" dirty="0">
+                <a:latin typeface="Times New Roman" panose="02020603050405020304" pitchFamily="18" charset="0"/>
+                <a:cs typeface="Times New Roman" panose="02020603050405020304" pitchFamily="18" charset="0"/>
+              </a:rPr>
+              <a:t>Precise routing solution at this stage less meaningful as the overlapped cells inevitably lead to high routing demand.</a:t>
+            </a:r>
+            <a:endParaRPr lang="zh-TW" altLang="en-US" sz="2400" dirty="0">
+              <a:latin typeface="Times New Roman" panose="02020603050405020304" pitchFamily="18" charset="0"/>
+              <a:cs typeface="Times New Roman" panose="02020603050405020304" pitchFamily="18" charset="0"/>
+            </a:endParaRPr>
+          </a:p>
+        </p:txBody>
+      </p:sp>
+      <p:sp>
+        <p:nvSpPr>
+          <p:cNvPr id="4" name="投影片編號版面配置區 3">
+            <a:extLst>
+              <a:ext uri="{FF2B5EF4-FFF2-40B4-BE49-F238E27FC236}">
+                <a16:creationId xmlns:a16="http://schemas.microsoft.com/office/drawing/2014/main" id="{893672DC-7E14-B35A-3EDC-22C475F8F49E}"/>
+              </a:ext>
+            </a:extLst>
+          </p:cNvPr>
+          <p:cNvSpPr>
+            <a:spLocks noGrp="1"/>
+          </p:cNvSpPr>
+          <p:nvPr>
+            <p:ph type="sldNum" sz="quarter" idx="12"/>
+          </p:nvPr>
+        </p:nvSpPr>
+        <p:spPr/>
+        <p:txBody>
+          <a:bodyPr/>
+          <a:lstStyle/>
+          <a:p>
+            <a:fld id="{666274A1-CF9C-426A-8DD4-B13ED0C24231}" type="slidenum">
+              <a:rPr lang="en-US" smtClean="0"/>
+              <a:t>13</a:t>
+            </a:fld>
+            <a:endParaRPr lang="en-US"/>
+          </a:p>
+        </p:txBody>
+      </p:sp>
+    </p:spTree>
+    <p:extLst>
+      <p:ext uri="{BB962C8B-B14F-4D97-AF65-F5344CB8AC3E}">
+        <p14:creationId xmlns:p14="http://schemas.microsoft.com/office/powerpoint/2010/main" val="1764648458"/>
+      </p:ext>
+    </p:extLst>
+  </p:cSld>
+  <p:clrMapOvr>
+    <a:masterClrMapping/>
+  </p:clrMapOvr>
+</p:sld>
+</file>
+
+<file path=ppt/slides/slide15.xml><?xml version="1.0" encoding="utf-8"?>
 <p:sld xmlns:a="http://schemas.openxmlformats.org/drawingml/2006/main" xmlns:r="http://schemas.openxmlformats.org/officeDocument/2006/relationships" xmlns:p="http://schemas.openxmlformats.org/presentationml/2006/main">
   <p:cSld>
     <p:spTree>
@@ -10178,7 +12780,7 @@
         <p:spPr>
           <a:xfrm>
             <a:off x="839645" y="1846584"/>
-            <a:ext cx="10512709" cy="3164829"/>
+            <a:ext cx="10512709" cy="3720774"/>
           </a:xfrm>
         </p:spPr>
         <p:txBody>
@@ -10196,7 +12798,7 @@
                 <a:latin typeface="Times" panose="02020603050405020304" pitchFamily="18" charset="0"/>
                 <a:cs typeface="Times" panose="02020603050405020304" pitchFamily="18" charset="0"/>
               </a:rPr>
-              <a:t>Blockage-aware Routing Capacity Assessment</a:t>
+              <a:t>Blockage-aware Routing Capacity Assessment (to estimate routing capacity)</a:t>
             </a:r>
           </a:p>
           <a:p>
@@ -10204,7 +12806,7 @@
               <a:buFont typeface="+mj-lt"/>
               <a:buAutoNum type="arabicPeriod"/>
             </a:pPr>
-            <a:endParaRPr lang="en-US" altLang="zh-TW" sz="1400" dirty="0">
+            <a:endParaRPr lang="en-US" altLang="zh-TW" sz="300" dirty="0">
               <a:latin typeface="Times" panose="02020603050405020304" pitchFamily="18" charset="0"/>
               <a:cs typeface="Times" panose="02020603050405020304" pitchFamily="18" charset="0"/>
             </a:endParaRPr>
@@ -10215,15 +12817,56 @@
                 <a:latin typeface="Times" panose="02020603050405020304" pitchFamily="18" charset="0"/>
                 <a:cs typeface="Times" panose="02020603050405020304" pitchFamily="18" charset="0"/>
               </a:rPr>
-              <a:t>To get the capacity map.</a:t>
-            </a:r>
-          </a:p>
-          <a:p>
+              <a:t>Use a </a:t>
+            </a:r>
+            <a:r>
+              <a:rPr lang="en-US" altLang="zh-TW" sz="2200" b="1" dirty="0" err="1">
+                <a:latin typeface="Times" panose="02020603050405020304" pitchFamily="18" charset="0"/>
+                <a:cs typeface="Times" panose="02020603050405020304" pitchFamily="18" charset="0"/>
+              </a:rPr>
+              <a:t>Gcell</a:t>
+            </a:r>
+            <a:r>
+              <a:rPr lang="en-US" altLang="zh-TW" sz="2200" b="1" dirty="0">
+                <a:latin typeface="Times" panose="02020603050405020304" pitchFamily="18" charset="0"/>
+                <a:cs typeface="Times" panose="02020603050405020304" pitchFamily="18" charset="0"/>
+              </a:rPr>
+              <a:t>-based routing resource model</a:t>
+            </a:r>
             <a:r>
               <a:rPr lang="en-US" altLang="zh-TW" sz="2200" dirty="0">
                 <a:latin typeface="Times" panose="02020603050405020304" pitchFamily="18" charset="0"/>
                 <a:cs typeface="Times" panose="02020603050405020304" pitchFamily="18" charset="0"/>
               </a:rPr>
+              <a:t>, which evaluates routing capacity and demand with respect to </a:t>
+            </a:r>
+            <a:r>
+              <a:rPr lang="en-US" altLang="zh-TW" sz="2200" dirty="0" err="1">
+                <a:latin typeface="Times" panose="02020603050405020304" pitchFamily="18" charset="0"/>
+                <a:cs typeface="Times" panose="02020603050405020304" pitchFamily="18" charset="0"/>
+              </a:rPr>
+              <a:t>Gcells</a:t>
+            </a:r>
+            <a:r>
+              <a:rPr lang="en-US" altLang="zh-TW" sz="2200" dirty="0">
+                <a:latin typeface="Times" panose="02020603050405020304" pitchFamily="18" charset="0"/>
+                <a:cs typeface="Times" panose="02020603050405020304" pitchFamily="18" charset="0"/>
+              </a:rPr>
+              <a:t>.</a:t>
+            </a:r>
+          </a:p>
+          <a:p>
+            <a:endParaRPr lang="en-US" altLang="zh-TW" sz="400" dirty="0">
+              <a:latin typeface="Times" panose="02020603050405020304" pitchFamily="18" charset="0"/>
+              <a:cs typeface="Times" panose="02020603050405020304" pitchFamily="18" charset="0"/>
+            </a:endParaRPr>
+          </a:p>
+          <a:p>
+            <a:r>
+              <a:rPr lang="en-US" altLang="zh-TW" sz="2200" dirty="0">
+                <a:latin typeface="Times" panose="02020603050405020304" pitchFamily="18" charset="0"/>
+                <a:cs typeface="Times" panose="02020603050405020304" pitchFamily="18" charset="0"/>
+              </a:rPr>
               <a:t>Routing capacity includes 1. </a:t>
             </a:r>
             <a:r>
@@ -10249,21 +12892,26 @@
             </a:r>
           </a:p>
           <a:p>
-            <a:endParaRPr lang="en-US" altLang="zh-TW" sz="1000" b="1" dirty="0">
+            <a:endParaRPr lang="en-US" altLang="zh-TW" sz="700" b="1" dirty="0">
               <a:latin typeface="Times" panose="02020603050405020304" pitchFamily="18" charset="0"/>
               <a:cs typeface="Times" panose="02020603050405020304" pitchFamily="18" charset="0"/>
             </a:endParaRPr>
           </a:p>
           <a:p>
-            <a:r>
-              <a:rPr lang="en-US" altLang="zh-TW" sz="2200" b="1" dirty="0">
+            <a:pPr lvl="1">
+              <a:lnSpc>
+                <a:spcPct val="130000"/>
+              </a:lnSpc>
+            </a:pPr>
+            <a:r>
+              <a:rPr lang="en-US" altLang="zh-TW" sz="2000" b="1" dirty="0">
                 <a:latin typeface="Times" panose="02020603050405020304" pitchFamily="18" charset="0"/>
                 <a:cs typeface="Times" panose="02020603050405020304" pitchFamily="18" charset="0"/>
               </a:rPr>
               <a:t>Basic capacity</a:t>
             </a:r>
             <a:r>
-              <a:rPr lang="en-US" altLang="zh-TW" sz="2200" dirty="0">
+              <a:rPr lang="en-US" altLang="zh-TW" sz="2000" dirty="0">
                 <a:latin typeface="Times" panose="02020603050405020304" pitchFamily="18" charset="0"/>
                 <a:cs typeface="Times" panose="02020603050405020304" pitchFamily="18" charset="0"/>
               </a:rPr>
@@ -10271,15 +12919,20 @@
             </a:r>
           </a:p>
           <a:p>
-            <a:r>
-              <a:rPr lang="en-US" altLang="zh-TW" sz="2200" b="1" dirty="0">
+            <a:pPr lvl="1">
+              <a:lnSpc>
+                <a:spcPct val="130000"/>
+              </a:lnSpc>
+            </a:pPr>
+            <a:r>
+              <a:rPr lang="en-US" altLang="zh-TW" sz="2000" b="1" dirty="0">
                 <a:latin typeface="Times" panose="02020603050405020304" pitchFamily="18" charset="0"/>
                 <a:cs typeface="Times" panose="02020603050405020304" pitchFamily="18" charset="0"/>
               </a:rPr>
               <a:t>Blocked capacity</a:t>
             </a:r>
             <a:r>
-              <a:rPr lang="en-US" altLang="zh-TW" sz="2200" dirty="0">
+              <a:rPr lang="en-US" altLang="zh-TW" sz="2000" dirty="0">
                 <a:latin typeface="Times" panose="02020603050405020304" pitchFamily="18" charset="0"/>
                 <a:cs typeface="Times" panose="02020603050405020304" pitchFamily="18" charset="0"/>
               </a:rPr>
@@ -10311,7 +12964,7 @@
           <a:p>
             <a:fld id="{666274A1-CF9C-426A-8DD4-B13ED0C24231}" type="slidenum">
               <a:rPr lang="en-US" smtClean="0"/>
-              <a:t>12</a:t>
+              <a:t>14</a:t>
             </a:fld>
             <a:endParaRPr lang="en-US"/>
           </a:p>
@@ -10333,7 +12986,7 @@
             </p:nvSpPr>
             <p:spPr>
               <a:xfrm>
-                <a:off x="463683" y="5211759"/>
+                <a:off x="463683" y="5567358"/>
                 <a:ext cx="11264631" cy="701795"/>
               </a:xfrm>
               <a:prstGeom prst="rect">
@@ -10847,7 +13500,7 @@
             </p:nvSpPr>
             <p:spPr>
               <a:xfrm>
-                <a:off x="463683" y="5211759"/>
+                <a:off x="463683" y="5567358"/>
                 <a:ext cx="11264631" cy="701795"/>
               </a:xfrm>
               <a:prstGeom prst="rect">
@@ -10888,7 +13541,7 @@
 </p:sld>
 </file>
 
-<file path=ppt/slides/slide14.xml><?xml version="1.0" encoding="utf-8"?>
+<file path=ppt/slides/slide16.xml><?xml version="1.0" encoding="utf-8"?>
 <p:sld xmlns:a="http://schemas.openxmlformats.org/drawingml/2006/main" xmlns:r="http://schemas.openxmlformats.org/officeDocument/2006/relationships" xmlns:p="http://schemas.openxmlformats.org/presentationml/2006/main">
   <p:cSld>
     <p:spTree>
@@ -10980,7 +13633,7 @@
                 <a:latin typeface="Times" panose="02020603050405020304" pitchFamily="18" charset="0"/>
                 <a:cs typeface="Times" panose="02020603050405020304" pitchFamily="18" charset="0"/>
               </a:rPr>
-              <a:t>Topology-based Congestion Estimation</a:t>
+              <a:t>Topology-based Congestion Estimation (to estimate the routing demand)</a:t>
             </a:r>
           </a:p>
           <a:p>
@@ -10999,44 +13652,35 @@
                 <a:latin typeface="Times" panose="02020603050405020304" pitchFamily="18" charset="0"/>
                 <a:cs typeface="Times" panose="02020603050405020304" pitchFamily="18" charset="0"/>
               </a:rPr>
-              <a:t>To estimate the routing demand of all nets.</a:t>
-            </a:r>
-          </a:p>
-          <a:p>
+              <a:t>Use </a:t>
+            </a:r>
+            <a:r>
+              <a:rPr lang="en-US" altLang="zh-TW" sz="2200" b="1" dirty="0">
+                <a:latin typeface="Times" panose="02020603050405020304" pitchFamily="18" charset="0"/>
+                <a:cs typeface="Times" panose="02020603050405020304" pitchFamily="18" charset="0"/>
+              </a:rPr>
+              <a:t>FLUTE </a:t>
+            </a:r>
             <a:r>
               <a:rPr lang="en-US" altLang="zh-TW" sz="2200" dirty="0">
                 <a:latin typeface="Times" panose="02020603050405020304" pitchFamily="18" charset="0"/>
                 <a:cs typeface="Times" panose="02020603050405020304" pitchFamily="18" charset="0"/>
               </a:rPr>
-              <a:t>Use </a:t>
+              <a:t>to</a:t>
             </a:r>
             <a:r>
               <a:rPr lang="en-US" altLang="zh-TW" sz="2200" b="1" dirty="0">
                 <a:latin typeface="Times" panose="02020603050405020304" pitchFamily="18" charset="0"/>
                 <a:cs typeface="Times" panose="02020603050405020304" pitchFamily="18" charset="0"/>
               </a:rPr>
-              <a:t>FLUTE </a:t>
+              <a:t> </a:t>
             </a:r>
             <a:r>
               <a:rPr lang="en-US" altLang="zh-TW" sz="2200" dirty="0">
                 <a:latin typeface="Times" panose="02020603050405020304" pitchFamily="18" charset="0"/>
                 <a:cs typeface="Times" panose="02020603050405020304" pitchFamily="18" charset="0"/>
               </a:rPr>
-              <a:t>to</a:t>
-            </a:r>
-            <a:r>
-              <a:rPr lang="en-US" altLang="zh-TW" sz="2200" b="1" dirty="0">
-                <a:latin typeface="Times" panose="02020603050405020304" pitchFamily="18" charset="0"/>
-                <a:cs typeface="Times" panose="02020603050405020304" pitchFamily="18" charset="0"/>
-              </a:rPr>
-              <a:t> </a:t>
-            </a:r>
-            <a:r>
-              <a:rPr lang="en-US" altLang="zh-TW" sz="2200" dirty="0">
-                <a:latin typeface="Times" panose="02020603050405020304" pitchFamily="18" charset="0"/>
-                <a:cs typeface="Times" panose="02020603050405020304" pitchFamily="18" charset="0"/>
-              </a:rPr>
-              <a:t>get the RSMT topology of the nets.</a:t>
+              <a:t>get the RSMT topology of the nets, which divide multi-pin net into two-pin net.</a:t>
             </a:r>
           </a:p>
           <a:p>
@@ -11073,7 +13717,7 @@
           <a:p>
             <a:fld id="{666274A1-CF9C-426A-8DD4-B13ED0C24231}" type="slidenum">
               <a:rPr lang="en-US" smtClean="0"/>
-              <a:t>13</a:t>
+              <a:t>15</a:t>
             </a:fld>
             <a:endParaRPr lang="en-US"/>
           </a:p>
@@ -11122,7 +13766,7 @@
 </p:sld>
 </file>
 
-<file path=ppt/slides/slide15.xml><?xml version="1.0" encoding="utf-8"?>
+<file path=ppt/slides/slide17.xml><?xml version="1.0" encoding="utf-8"?>
 <p:sld xmlns:a="http://schemas.openxmlformats.org/drawingml/2006/main" xmlns:r="http://schemas.openxmlformats.org/officeDocument/2006/relationships" xmlns:p="http://schemas.openxmlformats.org/presentationml/2006/main">
   <p:cSld>
     <p:spTree>
@@ -11261,7 +13905,7 @@
           <a:p>
             <a:fld id="{666274A1-CF9C-426A-8DD4-B13ED0C24231}" type="slidenum">
               <a:rPr lang="en-US" smtClean="0"/>
-              <a:t>14</a:t>
+              <a:t>16</a:t>
             </a:fld>
             <a:endParaRPr lang="en-US"/>
           </a:p>
@@ -11310,7 +13954,7 @@
 </p:sld>
 </file>
 
-<file path=ppt/slides/slide16.xml><?xml version="1.0" encoding="utf-8"?>
+<file path=ppt/slides/slide18.xml><?xml version="1.0" encoding="utf-8"?>
 <p:sld xmlns:a="http://schemas.openxmlformats.org/drawingml/2006/main" xmlns:r="http://schemas.openxmlformats.org/officeDocument/2006/relationships" xmlns:p="http://schemas.openxmlformats.org/presentationml/2006/main">
   <p:cSld>
     <p:spTree>
@@ -11428,12 +14072,16 @@
                 </a:endParaRPr>
               </a:p>
               <a:p>
+                <a:pPr marL="457200" indent="-457200">
+                  <a:buFont typeface="+mj-lt"/>
+                  <a:buAutoNum type="alphaLcParenR"/>
+                </a:pPr>
                 <a:r>
                   <a:rPr lang="en-US" altLang="zh-TW" sz="2400" dirty="0">
                     <a:latin typeface="Times" panose="02020603050405020304" pitchFamily="18" charset="0"/>
                     <a:cs typeface="Times" panose="02020603050405020304" pitchFamily="18" charset="0"/>
                   </a:rPr>
-                  <a:t>Traditional local information</a:t>
+                  <a:t>Traditional local information – local congestion</a:t>
                 </a:r>
               </a:p>
               <a:p>
@@ -11465,455 +14113,7 @@
                         <a:latin typeface="Cambria Math" panose="02040503050406030204" pitchFamily="18" charset="0"/>
                         <a:cs typeface="Times" panose="02020603050405020304" pitchFamily="18" charset="0"/>
                       </a:rPr>
-                      <m:t> </m:t>
-                    </m:r>
-                    <m:r>
-                      <a:rPr lang="zh-TW" altLang="en-US" sz="1600" i="1" dirty="0">
-                        <a:latin typeface="Cambria Math" panose="02040503050406030204" pitchFamily="18" charset="0"/>
-                        <a:cs typeface="Times" panose="02020603050405020304" pitchFamily="18" charset="0"/>
-                      </a:rPr>
-                      <m:t> </m:t>
-                    </m:r>
-                    <m:r>
-                      <a:rPr lang="zh-TW" altLang="en-US" sz="1600" i="1" dirty="0">
-                        <a:latin typeface="Cambria Math" panose="02040503050406030204" pitchFamily="18" charset="0"/>
-                        <a:cs typeface="Times" panose="02020603050405020304" pitchFamily="18" charset="0"/>
-                      </a:rPr>
-                      <m:t> </m:t>
-                    </m:r>
-                    <m:r>
-                      <a:rPr lang="zh-TW" altLang="en-US" sz="1600" i="1" dirty="0">
-                        <a:latin typeface="Cambria Math" panose="02040503050406030204" pitchFamily="18" charset="0"/>
-                        <a:cs typeface="Times" panose="02020603050405020304" pitchFamily="18" charset="0"/>
-                      </a:rPr>
-                      <m:t> </m:t>
-                    </m:r>
-                    <m:r>
-                      <a:rPr lang="zh-TW" altLang="en-US" sz="1600" i="1" dirty="0">
-                        <a:latin typeface="Cambria Math" panose="02040503050406030204" pitchFamily="18" charset="0"/>
-                        <a:cs typeface="Times" panose="02020603050405020304" pitchFamily="18" charset="0"/>
-                      </a:rPr>
-                      <m:t> </m:t>
-                    </m:r>
-                    <m:r>
-                      <a:rPr lang="zh-TW" altLang="en-US" sz="1600" i="1" dirty="0">
-                        <a:latin typeface="Cambria Math" panose="02040503050406030204" pitchFamily="18" charset="0"/>
-                        <a:cs typeface="Times" panose="02020603050405020304" pitchFamily="18" charset="0"/>
-                      </a:rPr>
-                      <m:t> </m:t>
-                    </m:r>
-                    <m:r>
-                      <a:rPr lang="zh-TW" altLang="en-US" sz="1600" i="1" dirty="0">
-                        <a:latin typeface="Cambria Math" panose="02040503050406030204" pitchFamily="18" charset="0"/>
-                        <a:cs typeface="Times" panose="02020603050405020304" pitchFamily="18" charset="0"/>
-                      </a:rPr>
-                      <m:t> </m:t>
-                    </m:r>
-                    <m:r>
-                      <a:rPr lang="zh-TW" altLang="en-US" sz="1600" i="1" dirty="0">
-                        <a:latin typeface="Cambria Math" panose="02040503050406030204" pitchFamily="18" charset="0"/>
-                        <a:cs typeface="Times" panose="02020603050405020304" pitchFamily="18" charset="0"/>
-                      </a:rPr>
-                      <m:t> </m:t>
-                    </m:r>
-                    <m:r>
-                      <a:rPr lang="zh-TW" altLang="en-US" sz="1600" i="1" dirty="0">
-                        <a:latin typeface="Cambria Math" panose="02040503050406030204" pitchFamily="18" charset="0"/>
-                        <a:cs typeface="Times" panose="02020603050405020304" pitchFamily="18" charset="0"/>
-                      </a:rPr>
-                      <m:t> </m:t>
-                    </m:r>
-                    <m:r>
-                      <a:rPr lang="zh-TW" altLang="en-US" sz="1600" i="1" dirty="0">
-                        <a:latin typeface="Cambria Math" panose="02040503050406030204" pitchFamily="18" charset="0"/>
-                        <a:cs typeface="Times" panose="02020603050405020304" pitchFamily="18" charset="0"/>
-                      </a:rPr>
-                      <m:t> </m:t>
-                    </m:r>
-                    <m:r>
-                      <a:rPr lang="zh-TW" altLang="en-US" sz="1600" i="1" dirty="0">
-                        <a:latin typeface="Cambria Math" panose="02040503050406030204" pitchFamily="18" charset="0"/>
-                        <a:cs typeface="Times" panose="02020603050405020304" pitchFamily="18" charset="0"/>
-                      </a:rPr>
-                      <m:t> </m:t>
-                    </m:r>
-                    <m:r>
-                      <a:rPr lang="zh-TW" altLang="en-US" sz="1600" i="1" dirty="0">
-                        <a:latin typeface="Cambria Math" panose="02040503050406030204" pitchFamily="18" charset="0"/>
-                        <a:cs typeface="Times" panose="02020603050405020304" pitchFamily="18" charset="0"/>
-                      </a:rPr>
-                      <m:t> </m:t>
-                    </m:r>
-                    <m:r>
-                      <a:rPr lang="zh-TW" altLang="en-US" sz="1600" i="1" dirty="0">
-                        <a:latin typeface="Cambria Math" panose="02040503050406030204" pitchFamily="18" charset="0"/>
-                        <a:cs typeface="Times" panose="02020603050405020304" pitchFamily="18" charset="0"/>
-                      </a:rPr>
-                      <m:t> </m:t>
-                    </m:r>
-                    <m:r>
-                      <a:rPr lang="zh-TW" altLang="en-US" sz="1600" i="1" dirty="0">
-                        <a:latin typeface="Cambria Math" panose="02040503050406030204" pitchFamily="18" charset="0"/>
-                        <a:cs typeface="Times" panose="02020603050405020304" pitchFamily="18" charset="0"/>
-                      </a:rPr>
-                      <m:t> </m:t>
-                    </m:r>
-                    <m:r>
-                      <a:rPr lang="zh-TW" altLang="en-US" sz="1600" i="1" dirty="0">
-                        <a:latin typeface="Cambria Math" panose="02040503050406030204" pitchFamily="18" charset="0"/>
-                        <a:cs typeface="Times" panose="02020603050405020304" pitchFamily="18" charset="0"/>
-                      </a:rPr>
-                      <m:t> </m:t>
-                    </m:r>
-                    <m:r>
-                      <a:rPr lang="zh-TW" altLang="en-US" sz="1600" i="1" dirty="0">
-                        <a:latin typeface="Cambria Math" panose="02040503050406030204" pitchFamily="18" charset="0"/>
-                        <a:cs typeface="Times" panose="02020603050405020304" pitchFamily="18" charset="0"/>
-                      </a:rPr>
-                      <m:t> </m:t>
-                    </m:r>
-                    <m:r>
-                      <a:rPr lang="zh-TW" altLang="en-US" sz="1600" i="1" dirty="0">
-                        <a:latin typeface="Cambria Math" panose="02040503050406030204" pitchFamily="18" charset="0"/>
-                        <a:cs typeface="Times" panose="02020603050405020304" pitchFamily="18" charset="0"/>
-                      </a:rPr>
-                      <m:t> </m:t>
-                    </m:r>
-                    <m:r>
-                      <a:rPr lang="zh-TW" altLang="en-US" sz="1600" i="1" dirty="0">
-                        <a:latin typeface="Cambria Math" panose="02040503050406030204" pitchFamily="18" charset="0"/>
-                        <a:cs typeface="Times" panose="02020603050405020304" pitchFamily="18" charset="0"/>
-                      </a:rPr>
-                      <m:t> </m:t>
-                    </m:r>
-                    <m:r>
-                      <a:rPr lang="zh-TW" altLang="en-US" sz="1600" i="1" dirty="0">
-                        <a:latin typeface="Cambria Math" panose="02040503050406030204" pitchFamily="18" charset="0"/>
-                        <a:cs typeface="Times" panose="02020603050405020304" pitchFamily="18" charset="0"/>
-                      </a:rPr>
-                      <m:t> </m:t>
-                    </m:r>
-                    <m:r>
-                      <a:rPr lang="zh-TW" altLang="en-US" sz="1600" i="1" dirty="0">
-                        <a:latin typeface="Cambria Math" panose="02040503050406030204" pitchFamily="18" charset="0"/>
-                        <a:cs typeface="Times" panose="02020603050405020304" pitchFamily="18" charset="0"/>
-                      </a:rPr>
-                      <m:t> </m:t>
-                    </m:r>
-                    <m:r>
-                      <a:rPr lang="zh-TW" altLang="en-US" sz="1600" i="1" dirty="0">
-                        <a:latin typeface="Cambria Math" panose="02040503050406030204" pitchFamily="18" charset="0"/>
-                        <a:cs typeface="Times" panose="02020603050405020304" pitchFamily="18" charset="0"/>
-                      </a:rPr>
-                      <m:t> </m:t>
-                    </m:r>
-                    <m:r>
-                      <a:rPr lang="zh-TW" altLang="en-US" sz="1600" i="1" dirty="0">
-                        <a:latin typeface="Cambria Math" panose="02040503050406030204" pitchFamily="18" charset="0"/>
-                        <a:cs typeface="Times" panose="02020603050405020304" pitchFamily="18" charset="0"/>
-                      </a:rPr>
-                      <m:t> </m:t>
-                    </m:r>
-                    <m:r>
-                      <a:rPr lang="zh-TW" altLang="en-US" sz="1600" i="1" dirty="0">
-                        <a:latin typeface="Cambria Math" panose="02040503050406030204" pitchFamily="18" charset="0"/>
-                        <a:cs typeface="Times" panose="02020603050405020304" pitchFamily="18" charset="0"/>
-                      </a:rPr>
-                      <m:t> </m:t>
-                    </m:r>
-                    <m:r>
-                      <a:rPr lang="zh-TW" altLang="en-US" sz="1600" i="1" dirty="0">
-                        <a:latin typeface="Cambria Math" panose="02040503050406030204" pitchFamily="18" charset="0"/>
-                        <a:cs typeface="Times" panose="02020603050405020304" pitchFamily="18" charset="0"/>
-                      </a:rPr>
-                      <m:t> </m:t>
-                    </m:r>
-                    <m:r>
-                      <a:rPr lang="zh-TW" altLang="en-US" sz="1600" i="1" dirty="0">
-                        <a:latin typeface="Cambria Math" panose="02040503050406030204" pitchFamily="18" charset="0"/>
-                        <a:cs typeface="Times" panose="02020603050405020304" pitchFamily="18" charset="0"/>
-                      </a:rPr>
-                      <m:t> </m:t>
-                    </m:r>
-                    <m:r>
-                      <a:rPr lang="zh-TW" altLang="en-US" sz="1600" i="1" dirty="0">
-                        <a:latin typeface="Cambria Math" panose="02040503050406030204" pitchFamily="18" charset="0"/>
-                        <a:cs typeface="Times" panose="02020603050405020304" pitchFamily="18" charset="0"/>
-                      </a:rPr>
-                      <m:t> </m:t>
-                    </m:r>
-                    <m:r>
-                      <a:rPr lang="zh-TW" altLang="en-US" sz="1600" i="1" dirty="0">
-                        <a:latin typeface="Cambria Math" panose="02040503050406030204" pitchFamily="18" charset="0"/>
-                        <a:cs typeface="Times" panose="02020603050405020304" pitchFamily="18" charset="0"/>
-                      </a:rPr>
-                      <m:t> </m:t>
-                    </m:r>
-                    <m:r>
-                      <a:rPr lang="zh-TW" altLang="en-US" sz="1600" i="1" dirty="0">
-                        <a:latin typeface="Cambria Math" panose="02040503050406030204" pitchFamily="18" charset="0"/>
-                        <a:cs typeface="Times" panose="02020603050405020304" pitchFamily="18" charset="0"/>
-                      </a:rPr>
-                      <m:t> </m:t>
-                    </m:r>
-                    <m:r>
-                      <a:rPr lang="zh-TW" altLang="en-US" sz="1600" i="1" dirty="0">
-                        <a:latin typeface="Cambria Math" panose="02040503050406030204" pitchFamily="18" charset="0"/>
-                        <a:cs typeface="Times" panose="02020603050405020304" pitchFamily="18" charset="0"/>
-                      </a:rPr>
-                      <m:t> </m:t>
-                    </m:r>
-                    <m:r>
-                      <a:rPr lang="zh-TW" altLang="en-US" sz="1600" i="1" dirty="0">
-                        <a:latin typeface="Cambria Math" panose="02040503050406030204" pitchFamily="18" charset="0"/>
-                        <a:cs typeface="Times" panose="02020603050405020304" pitchFamily="18" charset="0"/>
-                      </a:rPr>
-                      <m:t> </m:t>
-                    </m:r>
-                    <m:r>
-                      <a:rPr lang="zh-TW" altLang="en-US" sz="1600" i="1" dirty="0">
-                        <a:latin typeface="Cambria Math" panose="02040503050406030204" pitchFamily="18" charset="0"/>
-                        <a:cs typeface="Times" panose="02020603050405020304" pitchFamily="18" charset="0"/>
-                      </a:rPr>
-                      <m:t> </m:t>
-                    </m:r>
-                    <m:r>
-                      <a:rPr lang="zh-TW" altLang="en-US" sz="1600" i="1" dirty="0">
-                        <a:latin typeface="Cambria Math" panose="02040503050406030204" pitchFamily="18" charset="0"/>
-                        <a:cs typeface="Times" panose="02020603050405020304" pitchFamily="18" charset="0"/>
-                      </a:rPr>
-                      <m:t> </m:t>
-                    </m:r>
-                    <m:r>
-                      <a:rPr lang="zh-TW" altLang="en-US" sz="1600" i="1" dirty="0">
-                        <a:latin typeface="Cambria Math" panose="02040503050406030204" pitchFamily="18" charset="0"/>
-                        <a:cs typeface="Times" panose="02020603050405020304" pitchFamily="18" charset="0"/>
-                      </a:rPr>
-                      <m:t> </m:t>
-                    </m:r>
-                    <m:r>
-                      <a:rPr lang="zh-TW" altLang="en-US" sz="1600" i="1" dirty="0">
-                        <a:latin typeface="Cambria Math" panose="02040503050406030204" pitchFamily="18" charset="0"/>
-                        <a:cs typeface="Times" panose="02020603050405020304" pitchFamily="18" charset="0"/>
-                      </a:rPr>
-                      <m:t> </m:t>
-                    </m:r>
-                    <m:r>
-                      <a:rPr lang="zh-TW" altLang="en-US" sz="1600" i="1" dirty="0">
-                        <a:latin typeface="Cambria Math" panose="02040503050406030204" pitchFamily="18" charset="0"/>
-                        <a:cs typeface="Times" panose="02020603050405020304" pitchFamily="18" charset="0"/>
-                      </a:rPr>
-                      <m:t> </m:t>
-                    </m:r>
-                    <m:r>
-                      <a:rPr lang="zh-TW" altLang="en-US" sz="1600" i="1" dirty="0">
-                        <a:latin typeface="Cambria Math" panose="02040503050406030204" pitchFamily="18" charset="0"/>
-                        <a:cs typeface="Times" panose="02020603050405020304" pitchFamily="18" charset="0"/>
-                      </a:rPr>
-                      <m:t> </m:t>
-                    </m:r>
-                    <m:r>
-                      <a:rPr lang="zh-TW" altLang="en-US" sz="1600" i="1" dirty="0">
-                        <a:latin typeface="Cambria Math" panose="02040503050406030204" pitchFamily="18" charset="0"/>
-                        <a:cs typeface="Times" panose="02020603050405020304" pitchFamily="18" charset="0"/>
-                      </a:rPr>
-                      <m:t> </m:t>
-                    </m:r>
-                    <m:r>
-                      <a:rPr lang="zh-TW" altLang="en-US" sz="1600" i="1" dirty="0">
-                        <a:latin typeface="Cambria Math" panose="02040503050406030204" pitchFamily="18" charset="0"/>
-                        <a:cs typeface="Times" panose="02020603050405020304" pitchFamily="18" charset="0"/>
-                      </a:rPr>
-                      <m:t> </m:t>
-                    </m:r>
-                    <m:r>
-                      <a:rPr lang="zh-TW" altLang="en-US" sz="1600" i="1" dirty="0">
-                        <a:latin typeface="Cambria Math" panose="02040503050406030204" pitchFamily="18" charset="0"/>
-                        <a:cs typeface="Times" panose="02020603050405020304" pitchFamily="18" charset="0"/>
-                      </a:rPr>
-                      <m:t> </m:t>
-                    </m:r>
-                    <m:r>
-                      <a:rPr lang="zh-TW" altLang="en-US" sz="1600" i="1" dirty="0">
-                        <a:latin typeface="Cambria Math" panose="02040503050406030204" pitchFamily="18" charset="0"/>
-                        <a:cs typeface="Times" panose="02020603050405020304" pitchFamily="18" charset="0"/>
-                      </a:rPr>
-                      <m:t> </m:t>
-                    </m:r>
-                    <m:r>
-                      <a:rPr lang="zh-TW" altLang="en-US" sz="1600" i="1" dirty="0">
-                        <a:latin typeface="Cambria Math" panose="02040503050406030204" pitchFamily="18" charset="0"/>
-                        <a:cs typeface="Times" panose="02020603050405020304" pitchFamily="18" charset="0"/>
-                      </a:rPr>
-                      <m:t> </m:t>
-                    </m:r>
-                    <m:r>
-                      <a:rPr lang="zh-TW" altLang="en-US" sz="1600" i="1" dirty="0">
-                        <a:latin typeface="Cambria Math" panose="02040503050406030204" pitchFamily="18" charset="0"/>
-                        <a:cs typeface="Times" panose="02020603050405020304" pitchFamily="18" charset="0"/>
-                      </a:rPr>
-                      <m:t> </m:t>
-                    </m:r>
-                    <m:r>
-                      <a:rPr lang="zh-TW" altLang="en-US" sz="1600" i="1" dirty="0">
-                        <a:latin typeface="Cambria Math" panose="02040503050406030204" pitchFamily="18" charset="0"/>
-                        <a:cs typeface="Times" panose="02020603050405020304" pitchFamily="18" charset="0"/>
-                      </a:rPr>
-                      <m:t> </m:t>
-                    </m:r>
-                    <m:r>
-                      <a:rPr lang="zh-TW" altLang="en-US" sz="1600" i="1" dirty="0">
-                        <a:latin typeface="Cambria Math" panose="02040503050406030204" pitchFamily="18" charset="0"/>
-                        <a:cs typeface="Times" panose="02020603050405020304" pitchFamily="18" charset="0"/>
-                      </a:rPr>
-                      <m:t> </m:t>
-                    </m:r>
-                    <m:r>
-                      <a:rPr lang="zh-TW" altLang="en-US" sz="1600" i="1" dirty="0">
-                        <a:latin typeface="Cambria Math" panose="02040503050406030204" pitchFamily="18" charset="0"/>
-                        <a:cs typeface="Times" panose="02020603050405020304" pitchFamily="18" charset="0"/>
-                      </a:rPr>
-                      <m:t> </m:t>
-                    </m:r>
-                    <m:r>
-                      <a:rPr lang="zh-TW" altLang="en-US" sz="1600" i="1" dirty="0">
-                        <a:latin typeface="Cambria Math" panose="02040503050406030204" pitchFamily="18" charset="0"/>
-                        <a:cs typeface="Times" panose="02020603050405020304" pitchFamily="18" charset="0"/>
-                      </a:rPr>
-                      <m:t> </m:t>
-                    </m:r>
-                    <m:r>
-                      <a:rPr lang="zh-TW" altLang="en-US" sz="1600" i="1" dirty="0">
-                        <a:latin typeface="Cambria Math" panose="02040503050406030204" pitchFamily="18" charset="0"/>
-                        <a:cs typeface="Times" panose="02020603050405020304" pitchFamily="18" charset="0"/>
-                      </a:rPr>
-                      <m:t> </m:t>
-                    </m:r>
-                    <m:r>
-                      <a:rPr lang="zh-TW" altLang="en-US" sz="1600" i="1" dirty="0">
-                        <a:latin typeface="Cambria Math" panose="02040503050406030204" pitchFamily="18" charset="0"/>
-                        <a:cs typeface="Times" panose="02020603050405020304" pitchFamily="18" charset="0"/>
-                      </a:rPr>
-                      <m:t> </m:t>
-                    </m:r>
-                    <m:r>
-                      <a:rPr lang="zh-TW" altLang="en-US" sz="1600" i="1" dirty="0">
-                        <a:latin typeface="Cambria Math" panose="02040503050406030204" pitchFamily="18" charset="0"/>
-                        <a:cs typeface="Times" panose="02020603050405020304" pitchFamily="18" charset="0"/>
-                      </a:rPr>
-                      <m:t> </m:t>
-                    </m:r>
-                    <m:r>
-                      <a:rPr lang="zh-TW" altLang="en-US" sz="1600" i="1" dirty="0">
-                        <a:latin typeface="Cambria Math" panose="02040503050406030204" pitchFamily="18" charset="0"/>
-                        <a:cs typeface="Times" panose="02020603050405020304" pitchFamily="18" charset="0"/>
-                      </a:rPr>
-                      <m:t> </m:t>
-                    </m:r>
-                    <m:r>
-                      <a:rPr lang="zh-TW" altLang="en-US" sz="1600" i="1" dirty="0">
-                        <a:latin typeface="Cambria Math" panose="02040503050406030204" pitchFamily="18" charset="0"/>
-                        <a:cs typeface="Times" panose="02020603050405020304" pitchFamily="18" charset="0"/>
-                      </a:rPr>
-                      <m:t> </m:t>
-                    </m:r>
-                    <m:r>
-                      <a:rPr lang="zh-TW" altLang="en-US" sz="1600" i="1" dirty="0">
-                        <a:latin typeface="Cambria Math" panose="02040503050406030204" pitchFamily="18" charset="0"/>
-                        <a:cs typeface="Times" panose="02020603050405020304" pitchFamily="18" charset="0"/>
-                      </a:rPr>
-                      <m:t> </m:t>
-                    </m:r>
-                    <m:r>
-                      <a:rPr lang="zh-TW" altLang="en-US" sz="1600" i="1" dirty="0">
-                        <a:latin typeface="Cambria Math" panose="02040503050406030204" pitchFamily="18" charset="0"/>
-                        <a:cs typeface="Times" panose="02020603050405020304" pitchFamily="18" charset="0"/>
-                      </a:rPr>
-                      <m:t> </m:t>
-                    </m:r>
-                    <m:r>
-                      <a:rPr lang="zh-TW" altLang="en-US" sz="1600" i="1" dirty="0">
-                        <a:latin typeface="Cambria Math" panose="02040503050406030204" pitchFamily="18" charset="0"/>
-                        <a:cs typeface="Times" panose="02020603050405020304" pitchFamily="18" charset="0"/>
-                      </a:rPr>
-                      <m:t> </m:t>
-                    </m:r>
-                    <m:r>
-                      <a:rPr lang="zh-TW" altLang="en-US" sz="1600" i="1" dirty="0">
-                        <a:latin typeface="Cambria Math" panose="02040503050406030204" pitchFamily="18" charset="0"/>
-                        <a:cs typeface="Times" panose="02020603050405020304" pitchFamily="18" charset="0"/>
-                      </a:rPr>
-                      <m:t> </m:t>
-                    </m:r>
-                    <m:r>
-                      <a:rPr lang="zh-TW" altLang="en-US" sz="1600" i="1" dirty="0">
-                        <a:latin typeface="Cambria Math" panose="02040503050406030204" pitchFamily="18" charset="0"/>
-                        <a:cs typeface="Times" panose="02020603050405020304" pitchFamily="18" charset="0"/>
-                      </a:rPr>
-                      <m:t> </m:t>
-                    </m:r>
-                    <m:r>
-                      <a:rPr lang="zh-TW" altLang="en-US" sz="1600" i="1" dirty="0">
-                        <a:latin typeface="Cambria Math" panose="02040503050406030204" pitchFamily="18" charset="0"/>
-                        <a:cs typeface="Times" panose="02020603050405020304" pitchFamily="18" charset="0"/>
-                      </a:rPr>
-                      <m:t> </m:t>
-                    </m:r>
-                    <m:r>
-                      <a:rPr lang="zh-TW" altLang="en-US" sz="1600" i="1" dirty="0">
-                        <a:latin typeface="Cambria Math" panose="02040503050406030204" pitchFamily="18" charset="0"/>
-                        <a:cs typeface="Times" panose="02020603050405020304" pitchFamily="18" charset="0"/>
-                      </a:rPr>
-                      <m:t> </m:t>
-                    </m:r>
-                    <m:r>
-                      <a:rPr lang="zh-TW" altLang="en-US" sz="1600" i="1" dirty="0">
-                        <a:latin typeface="Cambria Math" panose="02040503050406030204" pitchFamily="18" charset="0"/>
-                        <a:cs typeface="Times" panose="02020603050405020304" pitchFamily="18" charset="0"/>
-                      </a:rPr>
-                      <m:t> </m:t>
-                    </m:r>
-                    <m:r>
-                      <a:rPr lang="zh-TW" altLang="en-US" sz="1600" i="1" dirty="0">
-                        <a:latin typeface="Cambria Math" panose="02040503050406030204" pitchFamily="18" charset="0"/>
-                        <a:cs typeface="Times" panose="02020603050405020304" pitchFamily="18" charset="0"/>
-                      </a:rPr>
-                      <m:t> </m:t>
-                    </m:r>
-                    <m:r>
-                      <a:rPr lang="zh-TW" altLang="en-US" sz="1600" i="1" dirty="0">
-                        <a:latin typeface="Cambria Math" panose="02040503050406030204" pitchFamily="18" charset="0"/>
-                        <a:cs typeface="Times" panose="02020603050405020304" pitchFamily="18" charset="0"/>
-                      </a:rPr>
-                      <m:t> </m:t>
-                    </m:r>
-                    <m:r>
-                      <a:rPr lang="zh-TW" altLang="en-US" sz="1600" i="1" dirty="0">
-                        <a:latin typeface="Cambria Math" panose="02040503050406030204" pitchFamily="18" charset="0"/>
-                        <a:cs typeface="Times" panose="02020603050405020304" pitchFamily="18" charset="0"/>
-                      </a:rPr>
-                      <m:t> </m:t>
-                    </m:r>
-                    <m:r>
-                      <a:rPr lang="zh-TW" altLang="en-US" sz="1600" i="1" dirty="0">
-                        <a:latin typeface="Cambria Math" panose="02040503050406030204" pitchFamily="18" charset="0"/>
-                        <a:cs typeface="Times" panose="02020603050405020304" pitchFamily="18" charset="0"/>
-                      </a:rPr>
-                      <m:t> </m:t>
-                    </m:r>
-                    <m:r>
-                      <a:rPr lang="zh-TW" altLang="en-US" sz="1600" i="1" dirty="0">
-                        <a:latin typeface="Cambria Math" panose="02040503050406030204" pitchFamily="18" charset="0"/>
-                        <a:cs typeface="Times" panose="02020603050405020304" pitchFamily="18" charset="0"/>
-                      </a:rPr>
-                      <m:t> </m:t>
-                    </m:r>
-                    <m:r>
-                      <a:rPr lang="zh-TW" altLang="en-US" sz="1600" i="1" dirty="0">
-                        <a:latin typeface="Cambria Math" panose="02040503050406030204" pitchFamily="18" charset="0"/>
-                        <a:cs typeface="Times" panose="02020603050405020304" pitchFamily="18" charset="0"/>
-                      </a:rPr>
-                      <m:t> </m:t>
+                      <m:t>                                                                 </m:t>
                     </m:r>
                     <m:r>
                       <a:rPr lang="en-US" altLang="zh-TW" sz="2400" b="0" i="1" smtClean="0">
@@ -12288,7 +14488,7 @@
           <a:p>
             <a:fld id="{666274A1-CF9C-426A-8DD4-B13ED0C24231}" type="slidenum">
               <a:rPr lang="en-US" smtClean="0"/>
-              <a:t>15</a:t>
+              <a:t>17</a:t>
             </a:fld>
             <a:endParaRPr lang="en-US" dirty="0"/>
           </a:p>
@@ -12673,7 +14873,7 @@
 </p:sld>
 </file>
 
-<file path=ppt/slides/slide17.xml><?xml version="1.0" encoding="utf-8"?>
+<file path=ppt/slides/slide19.xml><?xml version="1.0" encoding="utf-8"?>
 <p:sld xmlns:a="http://schemas.openxmlformats.org/drawingml/2006/main" xmlns:r="http://schemas.openxmlformats.org/officeDocument/2006/relationships" xmlns:p="http://schemas.openxmlformats.org/presentationml/2006/main">
   <p:cSld>
     <p:spTree>
@@ -12728,8 +14928,8 @@
           </a:p>
         </p:txBody>
       </p:sp>
-      <mc:AlternateContent xmlns:mc="http://schemas.openxmlformats.org/markup-compatibility/2006">
-        <mc:Choice xmlns:a14="http://schemas.microsoft.com/office/drawing/2010/main" Requires="a14">
+      <mc:AlternateContent xmlns:mc="http://schemas.openxmlformats.org/markup-compatibility/2006" xmlns:a14="http://schemas.microsoft.com/office/drawing/2010/main">
+        <mc:Choice Requires="a14">
           <p:sp>
             <p:nvSpPr>
               <p:cNvPr id="3" name="內容版面配置區 2">
@@ -13793,7 +15993,7 @@
             </p:txBody>
           </p:sp>
         </mc:Choice>
-        <mc:Fallback>
+        <mc:Fallback xmlns="">
           <p:sp>
             <p:nvSpPr>
               <p:cNvPr id="3" name="內容版面配置區 2">
@@ -13860,7 +16060,7 @@
           <a:p>
             <a:fld id="{666274A1-CF9C-426A-8DD4-B13ED0C24231}" type="slidenum">
               <a:rPr lang="en-US" smtClean="0"/>
-              <a:t>16</a:t>
+              <a:t>18</a:t>
             </a:fld>
             <a:endParaRPr lang="en-US" dirty="0"/>
           </a:p>
@@ -13879,7 +16079,1008 @@
 </p:sld>
 </file>
 
-<file path=ppt/slides/slide18.xml><?xml version="1.0" encoding="utf-8"?>
+<file path=ppt/slides/slide2.xml><?xml version="1.0" encoding="utf-8"?>
+<p:sld xmlns:a="http://schemas.openxmlformats.org/drawingml/2006/main" xmlns:r="http://schemas.openxmlformats.org/officeDocument/2006/relationships" xmlns:p="http://schemas.openxmlformats.org/presentationml/2006/main">
+  <p:cSld>
+    <p:spTree>
+      <p:nvGrpSpPr>
+        <p:cNvPr id="1" name=""/>
+        <p:cNvGrpSpPr/>
+        <p:nvPr/>
+      </p:nvGrpSpPr>
+      <p:grpSpPr>
+        <a:xfrm>
+          <a:off x="0" y="0"/>
+          <a:ext cx="0" cy="0"/>
+          <a:chOff x="0" y="0"/>
+          <a:chExt cx="0" cy="0"/>
+        </a:xfrm>
+      </p:grpSpPr>
+      <p:sp>
+        <p:nvSpPr>
+          <p:cNvPr id="2" name="Title 1">
+            <a:extLst>
+              <a:ext uri="{FF2B5EF4-FFF2-40B4-BE49-F238E27FC236}">
+                <a16:creationId xmlns:a16="http://schemas.microsoft.com/office/drawing/2014/main" id="{034B2B09-3A89-725A-85C2-749F88A4474D}"/>
+              </a:ext>
+            </a:extLst>
+          </p:cNvPr>
+          <p:cNvSpPr>
+            <a:spLocks noGrp="1"/>
+          </p:cNvSpPr>
+          <p:nvPr>
+            <p:ph type="title"/>
+          </p:nvPr>
+        </p:nvSpPr>
+        <p:spPr/>
+        <p:txBody>
+          <a:bodyPr/>
+          <a:lstStyle/>
+          <a:p>
+            <a:r>
+              <a:rPr lang="en-US" sz="4000" dirty="0">
+                <a:latin typeface="Times New Roman" panose="02020603050405020304" pitchFamily="18" charset="0"/>
+                <a:cs typeface="Times New Roman" panose="02020603050405020304" pitchFamily="18" charset="0"/>
+              </a:rPr>
+              <a:t>Outline</a:t>
+            </a:r>
+            <a:endParaRPr lang="en-US" dirty="0">
+              <a:latin typeface="Times New Roman" panose="02020603050405020304" pitchFamily="18" charset="0"/>
+              <a:cs typeface="Times New Roman" panose="02020603050405020304" pitchFamily="18" charset="0"/>
+            </a:endParaRPr>
+          </a:p>
+        </p:txBody>
+      </p:sp>
+      <p:sp>
+        <p:nvSpPr>
+          <p:cNvPr id="3" name="Content Placeholder 2">
+            <a:extLst>
+              <a:ext uri="{FF2B5EF4-FFF2-40B4-BE49-F238E27FC236}">
+                <a16:creationId xmlns:a16="http://schemas.microsoft.com/office/drawing/2014/main" id="{35A1418A-E9D3-D2C1-863A-CF59359781D1}"/>
+              </a:ext>
+            </a:extLst>
+          </p:cNvPr>
+          <p:cNvSpPr>
+            <a:spLocks noGrp="1"/>
+          </p:cNvSpPr>
+          <p:nvPr>
+            <p:ph idx="1"/>
+          </p:nvPr>
+        </p:nvSpPr>
+        <p:spPr/>
+        <p:txBody>
+          <a:bodyPr>
+            <a:normAutofit/>
+          </a:bodyPr>
+          <a:lstStyle/>
+          <a:p>
+            <a:pPr>
+              <a:lnSpc>
+                <a:spcPct val="130000"/>
+              </a:lnSpc>
+            </a:pPr>
+            <a:r>
+              <a:rPr lang="en-US" sz="2400" dirty="0">
+                <a:latin typeface="Times New Roman" panose="02020603050405020304" pitchFamily="18" charset="0"/>
+                <a:cs typeface="Times New Roman" panose="02020603050405020304" pitchFamily="18" charset="0"/>
+              </a:rPr>
+              <a:t>Abstract</a:t>
+            </a:r>
+          </a:p>
+          <a:p>
+            <a:pPr>
+              <a:lnSpc>
+                <a:spcPct val="130000"/>
+              </a:lnSpc>
+            </a:pPr>
+            <a:r>
+              <a:rPr lang="en-US" sz="2400" dirty="0">
+                <a:latin typeface="Times New Roman" panose="02020603050405020304" pitchFamily="18" charset="0"/>
+                <a:cs typeface="Times New Roman" panose="02020603050405020304" pitchFamily="18" charset="0"/>
+              </a:rPr>
+              <a:t>Introduction</a:t>
+            </a:r>
+          </a:p>
+          <a:p>
+            <a:pPr>
+              <a:lnSpc>
+                <a:spcPct val="130000"/>
+              </a:lnSpc>
+            </a:pPr>
+            <a:r>
+              <a:rPr lang="en-US" sz="2400" dirty="0">
+                <a:latin typeface="Times New Roman" panose="02020603050405020304" pitchFamily="18" charset="0"/>
+                <a:cs typeface="Times New Roman" panose="02020603050405020304" pitchFamily="18" charset="0"/>
+              </a:rPr>
+              <a:t>Preliminaries</a:t>
+            </a:r>
+          </a:p>
+          <a:p>
+            <a:pPr>
+              <a:lnSpc>
+                <a:spcPct val="130000"/>
+              </a:lnSpc>
+            </a:pPr>
+            <a:r>
+              <a:rPr lang="en-US" sz="2400" dirty="0">
+                <a:latin typeface="Times New Roman" panose="02020603050405020304" pitchFamily="18" charset="0"/>
+                <a:cs typeface="Times New Roman" panose="02020603050405020304" pitchFamily="18" charset="0"/>
+              </a:rPr>
+              <a:t>Proposed Algorithm</a:t>
+            </a:r>
+          </a:p>
+          <a:p>
+            <a:pPr>
+              <a:lnSpc>
+                <a:spcPct val="130000"/>
+              </a:lnSpc>
+            </a:pPr>
+            <a:r>
+              <a:rPr lang="en-US" sz="2400" dirty="0">
+                <a:latin typeface="Times New Roman" panose="02020603050405020304" pitchFamily="18" charset="0"/>
+                <a:cs typeface="Times New Roman" panose="02020603050405020304" pitchFamily="18" charset="0"/>
+              </a:rPr>
+              <a:t>Experimental Result</a:t>
+            </a:r>
+          </a:p>
+          <a:p>
+            <a:pPr>
+              <a:lnSpc>
+                <a:spcPct val="130000"/>
+              </a:lnSpc>
+            </a:pPr>
+            <a:r>
+              <a:rPr lang="en-US" sz="2400" dirty="0">
+                <a:latin typeface="Times New Roman" panose="02020603050405020304" pitchFamily="18" charset="0"/>
+                <a:cs typeface="Times New Roman" panose="02020603050405020304" pitchFamily="18" charset="0"/>
+              </a:rPr>
+              <a:t>Conclusion</a:t>
+            </a:r>
+          </a:p>
+        </p:txBody>
+      </p:sp>
+      <p:sp>
+        <p:nvSpPr>
+          <p:cNvPr id="4" name="Slide Number Placeholder 3">
+            <a:extLst>
+              <a:ext uri="{FF2B5EF4-FFF2-40B4-BE49-F238E27FC236}">
+                <a16:creationId xmlns:a16="http://schemas.microsoft.com/office/drawing/2014/main" id="{3592E110-E718-0573-BF00-CE5E90916A66}"/>
+              </a:ext>
+            </a:extLst>
+          </p:cNvPr>
+          <p:cNvSpPr>
+            <a:spLocks noGrp="1"/>
+          </p:cNvSpPr>
+          <p:nvPr>
+            <p:ph type="sldNum" sz="quarter" idx="12"/>
+          </p:nvPr>
+        </p:nvSpPr>
+        <p:spPr/>
+        <p:txBody>
+          <a:bodyPr/>
+          <a:lstStyle/>
+          <a:p>
+            <a:fld id="{666274A1-CF9C-426A-8DD4-B13ED0C24231}" type="slidenum">
+              <a:rPr lang="en-US" smtClean="0"/>
+              <a:t>1</a:t>
+            </a:fld>
+            <a:endParaRPr lang="en-US"/>
+          </a:p>
+        </p:txBody>
+      </p:sp>
+    </p:spTree>
+    <p:extLst>
+      <p:ext uri="{BB962C8B-B14F-4D97-AF65-F5344CB8AC3E}">
+        <p14:creationId xmlns:p14="http://schemas.microsoft.com/office/powerpoint/2010/main" val="1597209759"/>
+      </p:ext>
+    </p:extLst>
+  </p:cSld>
+  <p:clrMapOvr>
+    <a:masterClrMapping/>
+  </p:clrMapOvr>
+</p:sld>
+</file>
+
+<file path=ppt/slides/slide20.xml><?xml version="1.0" encoding="utf-8"?>
+<p:sld xmlns:a="http://schemas.openxmlformats.org/drawingml/2006/main" xmlns:r="http://schemas.openxmlformats.org/officeDocument/2006/relationships" xmlns:p="http://schemas.openxmlformats.org/presentationml/2006/main">
+  <p:cSld>
+    <p:spTree>
+      <p:nvGrpSpPr>
+        <p:cNvPr id="1" name=""/>
+        <p:cNvGrpSpPr/>
+        <p:nvPr/>
+      </p:nvGrpSpPr>
+      <p:grpSpPr>
+        <a:xfrm>
+          <a:off x="0" y="0"/>
+          <a:ext cx="0" cy="0"/>
+          <a:chOff x="0" y="0"/>
+          <a:chExt cx="0" cy="0"/>
+        </a:xfrm>
+      </p:grpSpPr>
+      <p:sp>
+        <p:nvSpPr>
+          <p:cNvPr id="2" name="標題 1">
+            <a:extLst>
+              <a:ext uri="{FF2B5EF4-FFF2-40B4-BE49-F238E27FC236}">
+                <a16:creationId xmlns:a16="http://schemas.microsoft.com/office/drawing/2014/main" id="{AEDF6777-6236-46F8-93C4-053ACE59502E}"/>
+              </a:ext>
+            </a:extLst>
+          </p:cNvPr>
+          <p:cNvSpPr>
+            <a:spLocks noGrp="1"/>
+          </p:cNvSpPr>
+          <p:nvPr>
+            <p:ph type="title"/>
+          </p:nvPr>
+        </p:nvSpPr>
+        <p:spPr>
+          <a:xfrm>
+            <a:off x="434738" y="320675"/>
+            <a:ext cx="11757262" cy="1325563"/>
+          </a:xfrm>
+        </p:spPr>
+        <p:txBody>
+          <a:bodyPr>
+            <a:normAutofit/>
+          </a:bodyPr>
+          <a:lstStyle/>
+          <a:p>
+            <a:r>
+              <a:rPr lang="en-US" altLang="zh-TW" sz="4000" dirty="0">
+                <a:latin typeface="Times" panose="02020603050405020304" pitchFamily="18" charset="0"/>
+                <a:cs typeface="Times" panose="02020603050405020304" pitchFamily="18" charset="0"/>
+              </a:rPr>
+              <a:t>Multi-feature-based Cell Padding</a:t>
+            </a:r>
+          </a:p>
+        </p:txBody>
+      </p:sp>
+      <mc:AlternateContent xmlns:mc="http://schemas.openxmlformats.org/markup-compatibility/2006">
+        <mc:Choice xmlns:a14="http://schemas.microsoft.com/office/drawing/2010/main" Requires="a14">
+          <p:sp>
+            <p:nvSpPr>
+              <p:cNvPr id="3" name="內容版面配置區 2">
+                <a:extLst>
+                  <a:ext uri="{FF2B5EF4-FFF2-40B4-BE49-F238E27FC236}">
+                    <a16:creationId xmlns:a16="http://schemas.microsoft.com/office/drawing/2014/main" id="{CDD6591C-6706-1D9B-A7CF-BE488BA469CB}"/>
+                  </a:ext>
+                </a:extLst>
+              </p:cNvPr>
+              <p:cNvSpPr>
+                <a:spLocks noGrp="1"/>
+              </p:cNvSpPr>
+              <p:nvPr>
+                <p:ph idx="1"/>
+              </p:nvPr>
+            </p:nvSpPr>
+            <p:spPr>
+              <a:xfrm>
+                <a:off x="839645" y="1846585"/>
+                <a:ext cx="10512709" cy="4874890"/>
+              </a:xfrm>
+            </p:spPr>
+            <p:txBody>
+              <a:bodyPr>
+                <a:normAutofit/>
+              </a:bodyPr>
+              <a:lstStyle/>
+              <a:p>
+                <a:pPr marL="514350" indent="-514350">
+                  <a:buFont typeface="+mj-lt"/>
+                  <a:buAutoNum type="arabicPeriod"/>
+                </a:pPr>
+                <a:r>
+                  <a:rPr lang="en-US" altLang="zh-TW" sz="2400" dirty="0">
+                    <a:latin typeface="Times" panose="02020603050405020304" pitchFamily="18" charset="0"/>
+                    <a:cs typeface="Times" panose="02020603050405020304" pitchFamily="18" charset="0"/>
+                  </a:rPr>
+                  <a:t>CNN and GNN-inspired feature extraction</a:t>
+                </a:r>
+              </a:p>
+              <a:p>
+                <a:pPr marL="514350" indent="-514350">
+                  <a:buFont typeface="+mj-lt"/>
+                  <a:buAutoNum type="arabicPeriod"/>
+                </a:pPr>
+                <a:endParaRPr lang="en-US" altLang="zh-TW" sz="600" dirty="0">
+                  <a:latin typeface="Times" panose="02020603050405020304" pitchFamily="18" charset="0"/>
+                  <a:cs typeface="Times" panose="02020603050405020304" pitchFamily="18" charset="0"/>
+                </a:endParaRPr>
+              </a:p>
+              <a:p>
+                <a:pPr marL="514350" indent="-514350">
+                  <a:buFont typeface="+mj-lt"/>
+                  <a:buAutoNum type="arabicPeriod"/>
+                </a:pPr>
+                <a:endParaRPr lang="en-US" altLang="zh-TW" sz="600" dirty="0">
+                  <a:latin typeface="Times" panose="02020603050405020304" pitchFamily="18" charset="0"/>
+                  <a:cs typeface="Times" panose="02020603050405020304" pitchFamily="18" charset="0"/>
+                </a:endParaRPr>
+              </a:p>
+              <a:p>
+                <a:pPr marL="457200" indent="-457200">
+                  <a:buFont typeface="+mj-lt"/>
+                  <a:buAutoNum type="alphaLcParenR"/>
+                </a:pPr>
+                <a:r>
+                  <a:rPr lang="en-US" altLang="zh-TW" sz="2400" dirty="0">
+                    <a:latin typeface="Times" panose="02020603050405020304" pitchFamily="18" charset="0"/>
+                    <a:cs typeface="Times" panose="02020603050405020304" pitchFamily="18" charset="0"/>
+                  </a:rPr>
+                  <a:t>Traditional local information – pin density</a:t>
+                </a:r>
+              </a:p>
+              <a:p>
+                <a:pPr lvl="1"/>
+                <a:endParaRPr lang="en-US" altLang="zh-TW" sz="1800" b="0" i="1" dirty="0">
+                  <a:latin typeface="Times" panose="02020603050405020304" pitchFamily="18" charset="0"/>
+                  <a:cs typeface="Times" panose="02020603050405020304" pitchFamily="18" charset="0"/>
+                </a:endParaRPr>
+              </a:p>
+              <a:p>
+                <a:pPr lvl="1"/>
+                <a:endParaRPr lang="en-US" altLang="zh-TW" sz="1800" b="0" i="1" dirty="0">
+                  <a:latin typeface="Times" panose="02020603050405020304" pitchFamily="18" charset="0"/>
+                  <a:cs typeface="Times" panose="02020603050405020304" pitchFamily="18" charset="0"/>
+                </a:endParaRPr>
+              </a:p>
+              <a:p>
+                <a:pPr lvl="1"/>
+                <a:r>
+                  <a:rPr lang="en-US" altLang="zh-TW" b="0" dirty="0">
+                    <a:latin typeface="Times" panose="02020603050405020304" pitchFamily="18" charset="0"/>
+                    <a:cs typeface="Times" panose="02020603050405020304" pitchFamily="18" charset="0"/>
+                  </a:rPr>
+                  <a:t>Pin density = </a:t>
+                </a:r>
+                <a14:m>
+                  <m:oMath xmlns:m="http://schemas.openxmlformats.org/officeDocument/2006/math">
+                    <m:f>
+                      <m:fPr>
+                        <m:ctrlPr>
+                          <a:rPr lang="en-US" altLang="zh-TW" b="0" i="1" smtClean="0">
+                            <a:latin typeface="Cambria Math" panose="02040503050406030204" pitchFamily="18" charset="0"/>
+                            <a:cs typeface="Times" panose="02020603050405020304" pitchFamily="18" charset="0"/>
+                          </a:rPr>
+                        </m:ctrlPr>
+                      </m:fPr>
+                      <m:num>
+                        <m:r>
+                          <a:rPr lang="en-US" altLang="zh-TW" b="0" i="1" smtClean="0">
+                            <a:latin typeface="Cambria Math" panose="02040503050406030204" pitchFamily="18" charset="0"/>
+                            <a:cs typeface="Times" panose="02020603050405020304" pitchFamily="18" charset="0"/>
+                          </a:rPr>
+                          <m:t>𝑛𝑢𝑚𝑏𝑒𝑟</m:t>
+                        </m:r>
+                        <m:r>
+                          <a:rPr lang="en-US" altLang="zh-TW" b="0" i="1" smtClean="0">
+                            <a:latin typeface="Cambria Math" panose="02040503050406030204" pitchFamily="18" charset="0"/>
+                            <a:cs typeface="Times" panose="02020603050405020304" pitchFamily="18" charset="0"/>
+                          </a:rPr>
+                          <m:t> </m:t>
+                        </m:r>
+                        <m:r>
+                          <a:rPr lang="en-US" altLang="zh-TW" b="0" i="1" smtClean="0">
+                            <a:latin typeface="Cambria Math" panose="02040503050406030204" pitchFamily="18" charset="0"/>
+                            <a:cs typeface="Times" panose="02020603050405020304" pitchFamily="18" charset="0"/>
+                          </a:rPr>
+                          <m:t>𝑜𝑓</m:t>
+                        </m:r>
+                        <m:r>
+                          <a:rPr lang="en-US" altLang="zh-TW" b="0" i="1" smtClean="0">
+                            <a:latin typeface="Cambria Math" panose="02040503050406030204" pitchFamily="18" charset="0"/>
+                            <a:cs typeface="Times" panose="02020603050405020304" pitchFamily="18" charset="0"/>
+                          </a:rPr>
+                          <m:t> </m:t>
+                        </m:r>
+                        <m:r>
+                          <a:rPr lang="en-US" altLang="zh-TW" b="0" i="1" smtClean="0">
+                            <a:latin typeface="Cambria Math" panose="02040503050406030204" pitchFamily="18" charset="0"/>
+                            <a:cs typeface="Times" panose="02020603050405020304" pitchFamily="18" charset="0"/>
+                          </a:rPr>
+                          <m:t>𝑝𝑖𝑛𝑠</m:t>
+                        </m:r>
+                        <m:r>
+                          <a:rPr lang="en-US" altLang="zh-TW" b="0" i="1" smtClean="0">
+                            <a:latin typeface="Cambria Math" panose="02040503050406030204" pitchFamily="18" charset="0"/>
+                            <a:cs typeface="Times" panose="02020603050405020304" pitchFamily="18" charset="0"/>
+                          </a:rPr>
+                          <m:t> </m:t>
+                        </m:r>
+                        <m:r>
+                          <a:rPr lang="en-US" altLang="zh-TW" b="0" i="1" smtClean="0">
+                            <a:latin typeface="Cambria Math" panose="02040503050406030204" pitchFamily="18" charset="0"/>
+                            <a:cs typeface="Times" panose="02020603050405020304" pitchFamily="18" charset="0"/>
+                          </a:rPr>
+                          <m:t>𝑖𝑛</m:t>
+                        </m:r>
+                        <m:r>
+                          <a:rPr lang="en-US" altLang="zh-TW" b="0" i="1" smtClean="0">
+                            <a:latin typeface="Cambria Math" panose="02040503050406030204" pitchFamily="18" charset="0"/>
+                            <a:cs typeface="Times" panose="02020603050405020304" pitchFamily="18" charset="0"/>
+                          </a:rPr>
+                          <m:t> </m:t>
+                        </m:r>
+                        <m:r>
+                          <a:rPr lang="en-US" altLang="zh-TW" b="0" i="1" smtClean="0">
+                            <a:latin typeface="Cambria Math" panose="02040503050406030204" pitchFamily="18" charset="0"/>
+                            <a:cs typeface="Times" panose="02020603050405020304" pitchFamily="18" charset="0"/>
+                          </a:rPr>
+                          <m:t>𝑒𝑎𝑐h</m:t>
+                        </m:r>
+                        <m:r>
+                          <a:rPr lang="en-US" altLang="zh-TW" b="0" i="1" smtClean="0">
+                            <a:latin typeface="Cambria Math" panose="02040503050406030204" pitchFamily="18" charset="0"/>
+                            <a:cs typeface="Times" panose="02020603050405020304" pitchFamily="18" charset="0"/>
+                          </a:rPr>
+                          <m:t> </m:t>
+                        </m:r>
+                        <m:r>
+                          <a:rPr lang="en-US" altLang="zh-TW" b="0" i="1" smtClean="0">
+                            <a:latin typeface="Cambria Math" panose="02040503050406030204" pitchFamily="18" charset="0"/>
+                            <a:cs typeface="Times" panose="02020603050405020304" pitchFamily="18" charset="0"/>
+                          </a:rPr>
+                          <m:t>𝐺𝑐𝑒𝑙𝑙</m:t>
+                        </m:r>
+                      </m:num>
+                      <m:den>
+                        <m:r>
+                          <a:rPr lang="en-US" altLang="zh-TW" b="0" i="1" smtClean="0">
+                            <a:latin typeface="Cambria Math" panose="02040503050406030204" pitchFamily="18" charset="0"/>
+                            <a:cs typeface="Times" panose="02020603050405020304" pitchFamily="18" charset="0"/>
+                          </a:rPr>
+                          <m:t>𝑁𝑢𝑚𝑏𝑒𝑟</m:t>
+                        </m:r>
+                        <m:r>
+                          <a:rPr lang="en-US" altLang="zh-TW" b="0" i="1" smtClean="0">
+                            <a:latin typeface="Cambria Math" panose="02040503050406030204" pitchFamily="18" charset="0"/>
+                            <a:cs typeface="Times" panose="02020603050405020304" pitchFamily="18" charset="0"/>
+                          </a:rPr>
+                          <m:t> </m:t>
+                        </m:r>
+                        <m:r>
+                          <a:rPr lang="en-US" altLang="zh-TW" b="0" i="1" smtClean="0">
+                            <a:latin typeface="Cambria Math" panose="02040503050406030204" pitchFamily="18" charset="0"/>
+                            <a:cs typeface="Times" panose="02020603050405020304" pitchFamily="18" charset="0"/>
+                          </a:rPr>
+                          <m:t>𝑜𝑓</m:t>
+                        </m:r>
+                        <m:r>
+                          <a:rPr lang="en-US" altLang="zh-TW" b="0" i="1" smtClean="0">
+                            <a:latin typeface="Cambria Math" panose="02040503050406030204" pitchFamily="18" charset="0"/>
+                            <a:cs typeface="Times" panose="02020603050405020304" pitchFamily="18" charset="0"/>
+                          </a:rPr>
+                          <m:t> </m:t>
+                        </m:r>
+                        <m:r>
+                          <a:rPr lang="en-US" altLang="zh-TW" b="0" i="1" smtClean="0">
+                            <a:latin typeface="Cambria Math" panose="02040503050406030204" pitchFamily="18" charset="0"/>
+                            <a:cs typeface="Times" panose="02020603050405020304" pitchFamily="18" charset="0"/>
+                          </a:rPr>
+                          <m:t>𝑎𝑣𝑎𝑖𝑙𝑎𝑏𝑙𝑒</m:t>
+                        </m:r>
+                        <m:r>
+                          <a:rPr lang="en-US" altLang="zh-TW" b="0" i="1" smtClean="0">
+                            <a:latin typeface="Cambria Math" panose="02040503050406030204" pitchFamily="18" charset="0"/>
+                            <a:cs typeface="Times" panose="02020603050405020304" pitchFamily="18" charset="0"/>
+                          </a:rPr>
+                          <m:t> </m:t>
+                        </m:r>
+                        <m:r>
+                          <a:rPr lang="en-US" altLang="zh-TW" b="0" i="1" smtClean="0">
+                            <a:latin typeface="Cambria Math" panose="02040503050406030204" pitchFamily="18" charset="0"/>
+                            <a:cs typeface="Times" panose="02020603050405020304" pitchFamily="18" charset="0"/>
+                          </a:rPr>
+                          <m:t>𝑠𝑖𝑡𝑒𝑠</m:t>
+                        </m:r>
+                        <m:r>
+                          <a:rPr lang="en-US" altLang="zh-TW" b="0" i="1" smtClean="0">
+                            <a:latin typeface="Cambria Math" panose="02040503050406030204" pitchFamily="18" charset="0"/>
+                            <a:cs typeface="Times" panose="02020603050405020304" pitchFamily="18" charset="0"/>
+                          </a:rPr>
+                          <m:t> </m:t>
+                        </m:r>
+                        <m:r>
+                          <a:rPr lang="en-US" altLang="zh-TW" b="0" i="1" smtClean="0">
+                            <a:latin typeface="Cambria Math" panose="02040503050406030204" pitchFamily="18" charset="0"/>
+                            <a:cs typeface="Times" panose="02020603050405020304" pitchFamily="18" charset="0"/>
+                          </a:rPr>
+                          <m:t>𝑖𝑛</m:t>
+                        </m:r>
+                        <m:r>
+                          <a:rPr lang="en-US" altLang="zh-TW" b="0" i="1" smtClean="0">
+                            <a:latin typeface="Cambria Math" panose="02040503050406030204" pitchFamily="18" charset="0"/>
+                            <a:cs typeface="Times" panose="02020603050405020304" pitchFamily="18" charset="0"/>
+                          </a:rPr>
+                          <m:t> </m:t>
+                        </m:r>
+                        <m:r>
+                          <a:rPr lang="en-US" altLang="zh-TW" b="0" i="1" smtClean="0">
+                            <a:latin typeface="Cambria Math" panose="02040503050406030204" pitchFamily="18" charset="0"/>
+                            <a:cs typeface="Times" panose="02020603050405020304" pitchFamily="18" charset="0"/>
+                          </a:rPr>
+                          <m:t>𝑒𝑎𝑐h</m:t>
+                        </m:r>
+                        <m:r>
+                          <a:rPr lang="en-US" altLang="zh-TW" b="0" i="1" smtClean="0">
+                            <a:latin typeface="Cambria Math" panose="02040503050406030204" pitchFamily="18" charset="0"/>
+                            <a:cs typeface="Times" panose="02020603050405020304" pitchFamily="18" charset="0"/>
+                          </a:rPr>
+                          <m:t> </m:t>
+                        </m:r>
+                        <m:r>
+                          <a:rPr lang="en-US" altLang="zh-TW" b="0" i="1" smtClean="0">
+                            <a:latin typeface="Cambria Math" panose="02040503050406030204" pitchFamily="18" charset="0"/>
+                            <a:cs typeface="Times" panose="02020603050405020304" pitchFamily="18" charset="0"/>
+                          </a:rPr>
+                          <m:t>𝐺𝑐𝑒𝑙𝑙</m:t>
+                        </m:r>
+                      </m:den>
+                    </m:f>
+                  </m:oMath>
+                </a14:m>
+                <a:endParaRPr lang="en-US" altLang="zh-TW" b="0" dirty="0">
+                  <a:latin typeface="Cambria Math" panose="02040503050406030204" pitchFamily="18" charset="0"/>
+                  <a:cs typeface="Times" panose="02020603050405020304" pitchFamily="18" charset="0"/>
+                </a:endParaRPr>
+              </a:p>
+            </p:txBody>
+          </p:sp>
+        </mc:Choice>
+        <mc:Fallback>
+          <p:sp>
+            <p:nvSpPr>
+              <p:cNvPr id="3" name="內容版面配置區 2">
+                <a:extLst>
+                  <a:ext uri="{FF2B5EF4-FFF2-40B4-BE49-F238E27FC236}">
+                    <a16:creationId xmlns:a16="http://schemas.microsoft.com/office/drawing/2014/main" id="{CDD6591C-6706-1D9B-A7CF-BE488BA469CB}"/>
+                  </a:ext>
+                </a:extLst>
+              </p:cNvPr>
+              <p:cNvSpPr>
+                <a:spLocks noGrp="1" noRot="1" noChangeAspect="1" noMove="1" noResize="1" noEditPoints="1" noAdjustHandles="1" noChangeArrowheads="1" noChangeShapeType="1" noTextEdit="1"/>
+              </p:cNvSpPr>
+              <p:nvPr>
+                <p:ph idx="1"/>
+              </p:nvPr>
+            </p:nvSpPr>
+            <p:spPr>
+              <a:xfrm>
+                <a:off x="839645" y="1846585"/>
+                <a:ext cx="10512709" cy="4874890"/>
+              </a:xfrm>
+              <a:blipFill>
+                <a:blip r:embed="rId3"/>
+                <a:stretch>
+                  <a:fillRect l="-812" t="-1750"/>
+                </a:stretch>
+              </a:blipFill>
+            </p:spPr>
+            <p:txBody>
+              <a:bodyPr/>
+              <a:lstStyle/>
+              <a:p>
+                <a:r>
+                  <a:rPr lang="zh-TW" altLang="en-US">
+                    <a:noFill/>
+                  </a:rPr>
+                  <a:t> </a:t>
+                </a:r>
+              </a:p>
+            </p:txBody>
+          </p:sp>
+        </mc:Fallback>
+      </mc:AlternateContent>
+      <p:sp>
+        <p:nvSpPr>
+          <p:cNvPr id="4" name="投影片編號版面配置區 3">
+            <a:extLst>
+              <a:ext uri="{FF2B5EF4-FFF2-40B4-BE49-F238E27FC236}">
+                <a16:creationId xmlns:a16="http://schemas.microsoft.com/office/drawing/2014/main" id="{C4A4DCC3-BB49-91CF-D3FC-B1B0701D13DC}"/>
+              </a:ext>
+            </a:extLst>
+          </p:cNvPr>
+          <p:cNvSpPr>
+            <a:spLocks noGrp="1"/>
+          </p:cNvSpPr>
+          <p:nvPr>
+            <p:ph type="sldNum" sz="quarter" idx="12"/>
+          </p:nvPr>
+        </p:nvSpPr>
+        <p:spPr/>
+        <p:txBody>
+          <a:bodyPr/>
+          <a:lstStyle/>
+          <a:p>
+            <a:fld id="{666274A1-CF9C-426A-8DD4-B13ED0C24231}" type="slidenum">
+              <a:rPr lang="en-US" smtClean="0"/>
+              <a:t>19</a:t>
+            </a:fld>
+            <a:endParaRPr lang="en-US" dirty="0"/>
+          </a:p>
+        </p:txBody>
+      </p:sp>
+      <p:grpSp>
+        <p:nvGrpSpPr>
+          <p:cNvPr id="22" name="群組 21">
+            <a:extLst>
+              <a:ext uri="{FF2B5EF4-FFF2-40B4-BE49-F238E27FC236}">
+                <a16:creationId xmlns:a16="http://schemas.microsoft.com/office/drawing/2014/main" id="{A9433396-1CFD-29A7-4051-B035D53EC0AE}"/>
+              </a:ext>
+            </a:extLst>
+          </p:cNvPr>
+          <p:cNvGrpSpPr/>
+          <p:nvPr/>
+        </p:nvGrpSpPr>
+        <p:grpSpPr>
+          <a:xfrm>
+            <a:off x="8149449" y="2063601"/>
+            <a:ext cx="3491495" cy="3875385"/>
+            <a:chOff x="5370403" y="320675"/>
+            <a:chExt cx="5439534" cy="6249272"/>
+          </a:xfrm>
+        </p:grpSpPr>
+        <p:grpSp>
+          <p:nvGrpSpPr>
+            <p:cNvPr id="20" name="群組 19">
+              <a:extLst>
+                <a:ext uri="{FF2B5EF4-FFF2-40B4-BE49-F238E27FC236}">
+                  <a16:creationId xmlns:a16="http://schemas.microsoft.com/office/drawing/2014/main" id="{4BF2DFD7-C5EE-B86C-1026-5BF4E1901252}"/>
+                </a:ext>
+              </a:extLst>
+            </p:cNvPr>
+            <p:cNvGrpSpPr/>
+            <p:nvPr/>
+          </p:nvGrpSpPr>
+          <p:grpSpPr>
+            <a:xfrm>
+              <a:off x="5370403" y="320675"/>
+              <a:ext cx="5439534" cy="6249272"/>
+              <a:chOff x="5370403" y="320675"/>
+              <a:chExt cx="5439534" cy="6249272"/>
+            </a:xfrm>
+          </p:grpSpPr>
+          <p:grpSp>
+            <p:nvGrpSpPr>
+              <p:cNvPr id="18" name="群組 17">
+                <a:extLst>
+                  <a:ext uri="{FF2B5EF4-FFF2-40B4-BE49-F238E27FC236}">
+                    <a16:creationId xmlns:a16="http://schemas.microsoft.com/office/drawing/2014/main" id="{B6739085-E8CA-5583-6916-7D92AC95159C}"/>
+                  </a:ext>
+                </a:extLst>
+              </p:cNvPr>
+              <p:cNvGrpSpPr/>
+              <p:nvPr/>
+            </p:nvGrpSpPr>
+            <p:grpSpPr>
+              <a:xfrm>
+                <a:off x="5370403" y="320675"/>
+                <a:ext cx="5439534" cy="6249272"/>
+                <a:chOff x="5350948" y="288053"/>
+                <a:chExt cx="5439534" cy="6249272"/>
+              </a:xfrm>
+            </p:grpSpPr>
+            <p:grpSp>
+              <p:nvGrpSpPr>
+                <p:cNvPr id="16" name="群組 15">
+                  <a:extLst>
+                    <a:ext uri="{FF2B5EF4-FFF2-40B4-BE49-F238E27FC236}">
+                      <a16:creationId xmlns:a16="http://schemas.microsoft.com/office/drawing/2014/main" id="{397BCE72-ECD8-890A-5B4A-2BA1CD0354CD}"/>
+                    </a:ext>
+                  </a:extLst>
+                </p:cNvPr>
+                <p:cNvGrpSpPr/>
+                <p:nvPr/>
+              </p:nvGrpSpPr>
+              <p:grpSpPr>
+                <a:xfrm>
+                  <a:off x="5350948" y="288053"/>
+                  <a:ext cx="5439534" cy="6249272"/>
+                  <a:chOff x="5350948" y="320675"/>
+                  <a:chExt cx="5439534" cy="6249272"/>
+                </a:xfrm>
+              </p:grpSpPr>
+              <p:pic>
+                <p:nvPicPr>
+                  <p:cNvPr id="14" name="圖片 13">
+                    <a:extLst>
+                      <a:ext uri="{FF2B5EF4-FFF2-40B4-BE49-F238E27FC236}">
+                        <a16:creationId xmlns:a16="http://schemas.microsoft.com/office/drawing/2014/main" id="{8FF248D8-F31C-F028-EBB6-9D7D894C2926}"/>
+                      </a:ext>
+                    </a:extLst>
+                  </p:cNvPr>
+                  <p:cNvPicPr>
+                    <a:picLocks noChangeAspect="1"/>
+                  </p:cNvPicPr>
+                  <p:nvPr/>
+                </p:nvPicPr>
+                <p:blipFill>
+                  <a:blip r:embed="rId4"/>
+                  <a:stretch>
+                    <a:fillRect/>
+                  </a:stretch>
+                </p:blipFill>
+                <p:spPr>
+                  <a:xfrm>
+                    <a:off x="5350948" y="320675"/>
+                    <a:ext cx="5439534" cy="6249272"/>
+                  </a:xfrm>
+                  <a:prstGeom prst="rect">
+                    <a:avLst/>
+                  </a:prstGeom>
+                </p:spPr>
+              </p:pic>
+              <p:sp>
+                <p:nvSpPr>
+                  <p:cNvPr id="15" name="矩形 14">
+                    <a:extLst>
+                      <a:ext uri="{FF2B5EF4-FFF2-40B4-BE49-F238E27FC236}">
+                        <a16:creationId xmlns:a16="http://schemas.microsoft.com/office/drawing/2014/main" id="{94576F59-6AB4-DCF6-6175-442405768DBA}"/>
+                      </a:ext>
+                    </a:extLst>
+                  </p:cNvPr>
+                  <p:cNvSpPr/>
+                  <p:nvPr/>
+                </p:nvSpPr>
+                <p:spPr>
+                  <a:xfrm>
+                    <a:off x="9163455" y="1439694"/>
+                    <a:ext cx="1614792" cy="1031132"/>
+                  </a:xfrm>
+                  <a:prstGeom prst="rect">
+                    <a:avLst/>
+                  </a:prstGeom>
+                  <a:solidFill>
+                    <a:schemeClr val="bg1"/>
+                  </a:solidFill>
+                  <a:ln>
+                    <a:solidFill>
+                      <a:schemeClr val="bg1"/>
+                    </a:solidFill>
+                  </a:ln>
+                </p:spPr>
+                <p:style>
+                  <a:lnRef idx="2">
+                    <a:schemeClr val="accent1">
+                      <a:shade val="15000"/>
+                    </a:schemeClr>
+                  </a:lnRef>
+                  <a:fillRef idx="1">
+                    <a:schemeClr val="accent1"/>
+                  </a:fillRef>
+                  <a:effectRef idx="0">
+                    <a:schemeClr val="accent1"/>
+                  </a:effectRef>
+                  <a:fontRef idx="minor">
+                    <a:schemeClr val="lt1"/>
+                  </a:fontRef>
+                </p:style>
+                <p:txBody>
+                  <a:bodyPr rtlCol="0" anchor="ctr"/>
+                  <a:lstStyle/>
+                  <a:p>
+                    <a:pPr algn="ctr"/>
+                    <a:endParaRPr lang="zh-TW" altLang="en-US">
+                      <a:ln>
+                        <a:solidFill>
+                          <a:sysClr val="windowText" lastClr="000000"/>
+                        </a:solidFill>
+                      </a:ln>
+                      <a:solidFill>
+                        <a:sysClr val="windowText" lastClr="000000"/>
+                      </a:solidFill>
+                    </a:endParaRPr>
+                  </a:p>
+                </p:txBody>
+              </p:sp>
+            </p:grpSp>
+            <p:sp>
+              <p:nvSpPr>
+                <p:cNvPr id="17" name="矩形 16">
+                  <a:extLst>
+                    <a:ext uri="{FF2B5EF4-FFF2-40B4-BE49-F238E27FC236}">
+                      <a16:creationId xmlns:a16="http://schemas.microsoft.com/office/drawing/2014/main" id="{3C9663B1-44D9-5035-CCB0-9EC75A0A6A49}"/>
+                    </a:ext>
+                  </a:extLst>
+                </p:cNvPr>
+                <p:cNvSpPr/>
+                <p:nvPr/>
+              </p:nvSpPr>
+              <p:spPr>
+                <a:xfrm>
+                  <a:off x="9260732" y="2856493"/>
+                  <a:ext cx="1517515" cy="3648209"/>
+                </a:xfrm>
+                <a:prstGeom prst="rect">
+                  <a:avLst/>
+                </a:prstGeom>
+                <a:solidFill>
+                  <a:schemeClr val="bg1"/>
+                </a:solidFill>
+                <a:ln>
+                  <a:solidFill>
+                    <a:schemeClr val="bg1"/>
+                  </a:solidFill>
+                </a:ln>
+              </p:spPr>
+              <p:style>
+                <a:lnRef idx="2">
+                  <a:schemeClr val="accent1">
+                    <a:shade val="15000"/>
+                  </a:schemeClr>
+                </a:lnRef>
+                <a:fillRef idx="1">
+                  <a:schemeClr val="accent1"/>
+                </a:fillRef>
+                <a:effectRef idx="0">
+                  <a:schemeClr val="accent1"/>
+                </a:effectRef>
+                <a:fontRef idx="minor">
+                  <a:schemeClr val="lt1"/>
+                </a:fontRef>
+              </p:style>
+              <p:txBody>
+                <a:bodyPr rtlCol="0" anchor="ctr"/>
+                <a:lstStyle/>
+                <a:p>
+                  <a:pPr algn="ctr"/>
+                  <a:endParaRPr lang="zh-TW" altLang="en-US">
+                    <a:ln>
+                      <a:solidFill>
+                        <a:sysClr val="windowText" lastClr="000000"/>
+                      </a:solidFill>
+                    </a:ln>
+                    <a:solidFill>
+                      <a:sysClr val="windowText" lastClr="000000"/>
+                    </a:solidFill>
+                  </a:endParaRPr>
+                </a:p>
+              </p:txBody>
+            </p:sp>
+          </p:grpSp>
+          <p:sp>
+            <p:nvSpPr>
+              <p:cNvPr id="19" name="矩形 18">
+                <a:extLst>
+                  <a:ext uri="{FF2B5EF4-FFF2-40B4-BE49-F238E27FC236}">
+                    <a16:creationId xmlns:a16="http://schemas.microsoft.com/office/drawing/2014/main" id="{AD1034A0-A1B7-7A2D-AE60-9388C711AD89}"/>
+                  </a:ext>
+                </a:extLst>
+              </p:cNvPr>
+              <p:cNvSpPr/>
+              <p:nvPr/>
+            </p:nvSpPr>
+            <p:spPr>
+              <a:xfrm>
+                <a:off x="9990306" y="2389761"/>
+                <a:ext cx="819631" cy="3648209"/>
+              </a:xfrm>
+              <a:prstGeom prst="rect">
+                <a:avLst/>
+              </a:prstGeom>
+              <a:solidFill>
+                <a:schemeClr val="bg1"/>
+              </a:solidFill>
+              <a:ln>
+                <a:solidFill>
+                  <a:schemeClr val="bg1"/>
+                </a:solidFill>
+              </a:ln>
+            </p:spPr>
+            <p:style>
+              <a:lnRef idx="2">
+                <a:schemeClr val="accent1">
+                  <a:shade val="15000"/>
+                </a:schemeClr>
+              </a:lnRef>
+              <a:fillRef idx="1">
+                <a:schemeClr val="accent1"/>
+              </a:fillRef>
+              <a:effectRef idx="0">
+                <a:schemeClr val="accent1"/>
+              </a:effectRef>
+              <a:fontRef idx="minor">
+                <a:schemeClr val="lt1"/>
+              </a:fontRef>
+            </p:style>
+            <p:txBody>
+              <a:bodyPr rtlCol="0" anchor="ctr"/>
+              <a:lstStyle/>
+              <a:p>
+                <a:pPr algn="ctr"/>
+                <a:endParaRPr lang="zh-TW" altLang="en-US">
+                  <a:ln>
+                    <a:solidFill>
+                      <a:sysClr val="windowText" lastClr="000000"/>
+                    </a:solidFill>
+                  </a:ln>
+                  <a:solidFill>
+                    <a:sysClr val="windowText" lastClr="000000"/>
+                  </a:solidFill>
+                </a:endParaRPr>
+              </a:p>
+            </p:txBody>
+          </p:sp>
+        </p:grpSp>
+        <p:sp>
+          <p:nvSpPr>
+            <p:cNvPr id="21" name="矩形 20">
+              <a:extLst>
+                <a:ext uri="{FF2B5EF4-FFF2-40B4-BE49-F238E27FC236}">
+                  <a16:creationId xmlns:a16="http://schemas.microsoft.com/office/drawing/2014/main" id="{C69788EB-6E24-D203-BE90-1D6498420FCE}"/>
+                </a:ext>
+              </a:extLst>
+            </p:cNvPr>
+            <p:cNvSpPr/>
+            <p:nvPr/>
+          </p:nvSpPr>
+          <p:spPr>
+            <a:xfrm>
+              <a:off x="8891973" y="3577531"/>
+              <a:ext cx="1517515" cy="2950066"/>
+            </a:xfrm>
+            <a:prstGeom prst="rect">
+              <a:avLst/>
+            </a:prstGeom>
+            <a:solidFill>
+              <a:schemeClr val="bg1"/>
+            </a:solidFill>
+            <a:ln>
+              <a:solidFill>
+                <a:schemeClr val="bg1"/>
+              </a:solidFill>
+            </a:ln>
+          </p:spPr>
+          <p:style>
+            <a:lnRef idx="2">
+              <a:schemeClr val="accent1">
+                <a:shade val="15000"/>
+              </a:schemeClr>
+            </a:lnRef>
+            <a:fillRef idx="1">
+              <a:schemeClr val="accent1"/>
+            </a:fillRef>
+            <a:effectRef idx="0">
+              <a:schemeClr val="accent1"/>
+            </a:effectRef>
+            <a:fontRef idx="minor">
+              <a:schemeClr val="lt1"/>
+            </a:fontRef>
+          </p:style>
+          <p:txBody>
+            <a:bodyPr rtlCol="0" anchor="ctr"/>
+            <a:lstStyle/>
+            <a:p>
+              <a:pPr algn="ctr"/>
+              <a:endParaRPr lang="zh-TW" altLang="en-US">
+                <a:ln>
+                  <a:solidFill>
+                    <a:sysClr val="windowText" lastClr="000000"/>
+                  </a:solidFill>
+                </a:ln>
+                <a:solidFill>
+                  <a:sysClr val="windowText" lastClr="000000"/>
+                </a:solidFill>
+              </a:endParaRPr>
+            </a:p>
+          </p:txBody>
+        </p:sp>
+      </p:grpSp>
+    </p:spTree>
+    <p:extLst>
+      <p:ext uri="{BB962C8B-B14F-4D97-AF65-F5344CB8AC3E}">
+        <p14:creationId xmlns:p14="http://schemas.microsoft.com/office/powerpoint/2010/main" val="3776998001"/>
+      </p:ext>
+    </p:extLst>
+  </p:cSld>
+  <p:clrMapOvr>
+    <a:masterClrMapping/>
+  </p:clrMapOvr>
+</p:sld>
+</file>
+
+<file path=ppt/slides/slide21.xml><?xml version="1.0" encoding="utf-8"?>
 <p:sld xmlns:a="http://schemas.openxmlformats.org/drawingml/2006/main" xmlns:r="http://schemas.openxmlformats.org/officeDocument/2006/relationships" xmlns:p="http://schemas.openxmlformats.org/presentationml/2006/main">
   <p:cSld>
     <p:spTree>
@@ -14291,6 +17492,10 @@
           </a:bodyPr>
           <a:lstStyle/>
           <a:p>
+            <a:pPr marL="457200" indent="-457200">
+              <a:buFont typeface="+mj-lt"/>
+              <a:buAutoNum type="alphaLcParenR" startAt="2"/>
+            </a:pPr>
             <a:r>
               <a:rPr lang="en-US" altLang="zh-TW" sz="2400" dirty="0">
                 <a:latin typeface="Times" panose="02020603050405020304" pitchFamily="18" charset="0"/>
@@ -14377,7 +17582,7 @@
           <a:p>
             <a:fld id="{666274A1-CF9C-426A-8DD4-B13ED0C24231}" type="slidenum">
               <a:rPr lang="en-US" smtClean="0"/>
-              <a:t>17</a:t>
+              <a:t>20</a:t>
             </a:fld>
             <a:endParaRPr lang="en-US" dirty="0"/>
           </a:p>
@@ -14575,7 +17780,7 @@
 </p:sld>
 </file>
 
-<file path=ppt/slides/slide19.xml><?xml version="1.0" encoding="utf-8"?>
+<file path=ppt/slides/slide22.xml><?xml version="1.0" encoding="utf-8"?>
 <p:sld xmlns:a="http://schemas.openxmlformats.org/drawingml/2006/main" xmlns:r="http://schemas.openxmlformats.org/officeDocument/2006/relationships" xmlns:p="http://schemas.openxmlformats.org/presentationml/2006/main">
   <p:cSld>
     <p:spTree>
@@ -14651,6 +17856,10 @@
               </a:bodyPr>
               <a:lstStyle/>
               <a:p>
+                <a:pPr marL="457200" indent="-457200">
+                  <a:buFont typeface="+mj-lt"/>
+                  <a:buAutoNum type="alphaLcParenR" startAt="3"/>
+                </a:pPr>
                 <a:r>
                   <a:rPr lang="en-US" altLang="zh-TW" sz="2400" dirty="0">
                     <a:latin typeface="Times" panose="02020603050405020304" pitchFamily="18" charset="0"/>
@@ -15102,14 +18311,7 @@
                             <a:latin typeface="Cambria Math" panose="02040503050406030204" pitchFamily="18" charset="0"/>
                             <a:cs typeface="Times" panose="02020603050405020304" pitchFamily="18" charset="0"/>
                           </a:rPr>
-                          <m:t>𝑃</m:t>
-                        </m:r>
-                        <m:r>
-                          <a:rPr lang="en-US" altLang="zh-TW" sz="2400" b="0" i="1" smtClean="0">
-                            <a:latin typeface="Cambria Math" panose="02040503050406030204" pitchFamily="18" charset="0"/>
-                            <a:cs typeface="Times" panose="02020603050405020304" pitchFamily="18" charset="0"/>
-                          </a:rPr>
-                          <m:t>𝐶𝑔</m:t>
+                          <m:t>𝑃𝐶𝑔</m:t>
                         </m:r>
                         <m:r>
                           <a:rPr lang="en-US" altLang="zh-TW" sz="2400" b="0" i="1" smtClean="0">
@@ -15721,17 +18923,7 @@
                                 <a:latin typeface="Cambria Math" panose="02040503050406030204" pitchFamily="18" charset="0"/>
                                 <a:cs typeface="Times" panose="02020603050405020304" pitchFamily="18" charset="0"/>
                               </a:rPr>
-                              <m:t>a</m:t>
-                            </m:r>
-                            <m:r>
-                              <m:rPr>
-                                <m:sty m:val="p"/>
-                              </m:rPr>
-                              <a:rPr lang="en-US" altLang="zh-TW" sz="2400" i="1">
-                                <a:latin typeface="Cambria Math" panose="02040503050406030204" pitchFamily="18" charset="0"/>
-                                <a:cs typeface="Times" panose="02020603050405020304" pitchFamily="18" charset="0"/>
-                              </a:rPr>
-                              <m:t>x</m:t>
+                              <m:t>ax</m:t>
                             </m:r>
                           </m:e>
                           <m:lim>
@@ -16028,7 +19220,7 @@
           <a:p>
             <a:fld id="{666274A1-CF9C-426A-8DD4-B13ED0C24231}" type="slidenum">
               <a:rPr lang="en-US" smtClean="0"/>
-              <a:t>18</a:t>
+              <a:t>21</a:t>
             </a:fld>
             <a:endParaRPr lang="en-US" dirty="0"/>
           </a:p>
@@ -16384,209 +19576,7 @@
 </p:sld>
 </file>
 
-<file path=ppt/slides/slide2.xml><?xml version="1.0" encoding="utf-8"?>
-<p:sld xmlns:a="http://schemas.openxmlformats.org/drawingml/2006/main" xmlns:r="http://schemas.openxmlformats.org/officeDocument/2006/relationships" xmlns:p="http://schemas.openxmlformats.org/presentationml/2006/main">
-  <p:cSld>
-    <p:spTree>
-      <p:nvGrpSpPr>
-        <p:cNvPr id="1" name=""/>
-        <p:cNvGrpSpPr/>
-        <p:nvPr/>
-      </p:nvGrpSpPr>
-      <p:grpSpPr>
-        <a:xfrm>
-          <a:off x="0" y="0"/>
-          <a:ext cx="0" cy="0"/>
-          <a:chOff x="0" y="0"/>
-          <a:chExt cx="0" cy="0"/>
-        </a:xfrm>
-      </p:grpSpPr>
-      <p:sp>
-        <p:nvSpPr>
-          <p:cNvPr id="2" name="Title 1">
-            <a:extLst>
-              <a:ext uri="{FF2B5EF4-FFF2-40B4-BE49-F238E27FC236}">
-                <a16:creationId xmlns:a16="http://schemas.microsoft.com/office/drawing/2014/main" id="{034B2B09-3A89-725A-85C2-749F88A4474D}"/>
-              </a:ext>
-            </a:extLst>
-          </p:cNvPr>
-          <p:cNvSpPr>
-            <a:spLocks noGrp="1"/>
-          </p:cNvSpPr>
-          <p:nvPr>
-            <p:ph type="title"/>
-          </p:nvPr>
-        </p:nvSpPr>
-        <p:spPr/>
-        <p:txBody>
-          <a:bodyPr/>
-          <a:lstStyle/>
-          <a:p>
-            <a:r>
-              <a:rPr lang="en-US" sz="4000" dirty="0">
-                <a:latin typeface="Times New Roman" panose="02020603050405020304" pitchFamily="18" charset="0"/>
-                <a:cs typeface="Times New Roman" panose="02020603050405020304" pitchFamily="18" charset="0"/>
-              </a:rPr>
-              <a:t>Outline</a:t>
-            </a:r>
-            <a:endParaRPr lang="en-US" dirty="0">
-              <a:latin typeface="Times New Roman" panose="02020603050405020304" pitchFamily="18" charset="0"/>
-              <a:cs typeface="Times New Roman" panose="02020603050405020304" pitchFamily="18" charset="0"/>
-            </a:endParaRPr>
-          </a:p>
-        </p:txBody>
-      </p:sp>
-      <p:sp>
-        <p:nvSpPr>
-          <p:cNvPr id="3" name="Content Placeholder 2">
-            <a:extLst>
-              <a:ext uri="{FF2B5EF4-FFF2-40B4-BE49-F238E27FC236}">
-                <a16:creationId xmlns:a16="http://schemas.microsoft.com/office/drawing/2014/main" id="{35A1418A-E9D3-D2C1-863A-CF59359781D1}"/>
-              </a:ext>
-            </a:extLst>
-          </p:cNvPr>
-          <p:cNvSpPr>
-            <a:spLocks noGrp="1"/>
-          </p:cNvSpPr>
-          <p:nvPr>
-            <p:ph idx="1"/>
-          </p:nvPr>
-        </p:nvSpPr>
-        <p:spPr/>
-        <p:txBody>
-          <a:bodyPr>
-            <a:normAutofit/>
-          </a:bodyPr>
-          <a:lstStyle/>
-          <a:p>
-            <a:pPr>
-              <a:lnSpc>
-                <a:spcPct val="130000"/>
-              </a:lnSpc>
-            </a:pPr>
-            <a:r>
-              <a:rPr lang="en-US" sz="2400" dirty="0">
-                <a:latin typeface="Times New Roman" panose="02020603050405020304" pitchFamily="18" charset="0"/>
-                <a:cs typeface="Times New Roman" panose="02020603050405020304" pitchFamily="18" charset="0"/>
-              </a:rPr>
-              <a:t>Abstract</a:t>
-            </a:r>
-          </a:p>
-          <a:p>
-            <a:pPr>
-              <a:lnSpc>
-                <a:spcPct val="130000"/>
-              </a:lnSpc>
-            </a:pPr>
-            <a:r>
-              <a:rPr lang="en-US" sz="2400" dirty="0">
-                <a:latin typeface="Times New Roman" panose="02020603050405020304" pitchFamily="18" charset="0"/>
-                <a:cs typeface="Times New Roman" panose="02020603050405020304" pitchFamily="18" charset="0"/>
-              </a:rPr>
-              <a:t>Introduction</a:t>
-            </a:r>
-          </a:p>
-          <a:p>
-            <a:pPr>
-              <a:lnSpc>
-                <a:spcPct val="130000"/>
-              </a:lnSpc>
-            </a:pPr>
-            <a:r>
-              <a:rPr lang="en-US" sz="2400" dirty="0">
-                <a:latin typeface="Times New Roman" panose="02020603050405020304" pitchFamily="18" charset="0"/>
-                <a:cs typeface="Times New Roman" panose="02020603050405020304" pitchFamily="18" charset="0"/>
-              </a:rPr>
-              <a:t>Preliminaries</a:t>
-            </a:r>
-          </a:p>
-          <a:p>
-            <a:pPr>
-              <a:lnSpc>
-                <a:spcPct val="130000"/>
-              </a:lnSpc>
-            </a:pPr>
-            <a:r>
-              <a:rPr lang="en-US" sz="2400" dirty="0">
-                <a:latin typeface="Times New Roman" panose="02020603050405020304" pitchFamily="18" charset="0"/>
-                <a:cs typeface="Times New Roman" panose="02020603050405020304" pitchFamily="18" charset="0"/>
-              </a:rPr>
-              <a:t>Proposed Algorithm</a:t>
-            </a:r>
-          </a:p>
-          <a:p>
-            <a:pPr>
-              <a:lnSpc>
-                <a:spcPct val="130000"/>
-              </a:lnSpc>
-            </a:pPr>
-            <a:r>
-              <a:rPr lang="en-US" sz="2400" dirty="0">
-                <a:latin typeface="Times New Roman" panose="02020603050405020304" pitchFamily="18" charset="0"/>
-                <a:cs typeface="Times New Roman" panose="02020603050405020304" pitchFamily="18" charset="0"/>
-              </a:rPr>
-              <a:t>Experimental Result</a:t>
-            </a:r>
-          </a:p>
-          <a:p>
-            <a:pPr>
-              <a:lnSpc>
-                <a:spcPct val="130000"/>
-              </a:lnSpc>
-            </a:pPr>
-            <a:r>
-              <a:rPr lang="en-US" sz="2400" dirty="0">
-                <a:latin typeface="Times New Roman" panose="02020603050405020304" pitchFamily="18" charset="0"/>
-                <a:cs typeface="Times New Roman" panose="02020603050405020304" pitchFamily="18" charset="0"/>
-              </a:rPr>
-              <a:t>Conclusion</a:t>
-            </a:r>
-          </a:p>
-        </p:txBody>
-      </p:sp>
-      <p:sp>
-        <p:nvSpPr>
-          <p:cNvPr id="4" name="Slide Number Placeholder 3">
-            <a:extLst>
-              <a:ext uri="{FF2B5EF4-FFF2-40B4-BE49-F238E27FC236}">
-                <a16:creationId xmlns:a16="http://schemas.microsoft.com/office/drawing/2014/main" id="{3592E110-E718-0573-BF00-CE5E90916A66}"/>
-              </a:ext>
-            </a:extLst>
-          </p:cNvPr>
-          <p:cNvSpPr>
-            <a:spLocks noGrp="1"/>
-          </p:cNvSpPr>
-          <p:nvPr>
-            <p:ph type="sldNum" sz="quarter" idx="12"/>
-          </p:nvPr>
-        </p:nvSpPr>
-        <p:spPr/>
-        <p:txBody>
-          <a:bodyPr/>
-          <a:lstStyle/>
-          <a:p>
-            <a:fld id="{666274A1-CF9C-426A-8DD4-B13ED0C24231}" type="slidenum">
-              <a:rPr lang="en-US" smtClean="0"/>
-              <a:t>1</a:t>
-            </a:fld>
-            <a:endParaRPr lang="en-US"/>
-          </a:p>
-        </p:txBody>
-      </p:sp>
-    </p:spTree>
-    <p:extLst>
-      <p:ext uri="{BB962C8B-B14F-4D97-AF65-F5344CB8AC3E}">
-        <p14:creationId xmlns:p14="http://schemas.microsoft.com/office/powerpoint/2010/main" val="1597209759"/>
-      </p:ext>
-    </p:extLst>
-  </p:cSld>
-  <p:clrMapOvr>
-    <a:masterClrMapping/>
-  </p:clrMapOvr>
-</p:sld>
-</file>
-
-<file path=ppt/slides/slide20.xml><?xml version="1.0" encoding="utf-8"?>
+<file path=ppt/slides/slide23.xml><?xml version="1.0" encoding="utf-8"?>
 <p:sld xmlns:a="http://schemas.openxmlformats.org/drawingml/2006/main" xmlns:r="http://schemas.openxmlformats.org/officeDocument/2006/relationships" xmlns:p="http://schemas.openxmlformats.org/presentationml/2006/main">
   <p:cSld>
     <p:spTree>
@@ -16641,8 +19631,8 @@
           </a:p>
         </p:txBody>
       </p:sp>
-      <mc:AlternateContent xmlns:mc="http://schemas.openxmlformats.org/markup-compatibility/2006">
-        <mc:Choice xmlns:a14="http://schemas.microsoft.com/office/drawing/2010/main" Requires="a14">
+      <mc:AlternateContent xmlns:mc="http://schemas.openxmlformats.org/markup-compatibility/2006" xmlns:a14="http://schemas.microsoft.com/office/drawing/2010/main">
+        <mc:Choice Requires="a14">
           <p:sp>
             <p:nvSpPr>
               <p:cNvPr id="3" name="內容版面配置區 2">
@@ -17098,7 +20088,7 @@
             </p:txBody>
           </p:sp>
         </mc:Choice>
-        <mc:Fallback>
+        <mc:Fallback xmlns="">
           <p:sp>
             <p:nvSpPr>
               <p:cNvPr id="3" name="內容版面配置區 2">
@@ -17165,7 +20155,7 @@
           <a:p>
             <a:fld id="{666274A1-CF9C-426A-8DD4-B13ED0C24231}" type="slidenum">
               <a:rPr lang="en-US" smtClean="0"/>
-              <a:t>19</a:t>
+              <a:t>22</a:t>
             </a:fld>
             <a:endParaRPr lang="en-US" dirty="0"/>
           </a:p>
@@ -17214,7 +20204,7 @@
 </p:sld>
 </file>
 
-<file path=ppt/slides/slide21.xml><?xml version="1.0" encoding="utf-8"?>
+<file path=ppt/slides/slide24.xml><?xml version="1.0" encoding="utf-8"?>
 <p:sld xmlns:a="http://schemas.openxmlformats.org/drawingml/2006/main" xmlns:r="http://schemas.openxmlformats.org/officeDocument/2006/relationships" xmlns:p="http://schemas.openxmlformats.org/presentationml/2006/main">
   <p:cSld>
     <p:spTree>
@@ -17364,7 +20354,7 @@
           <a:p>
             <a:fld id="{666274A1-CF9C-426A-8DD4-B13ED0C24231}" type="slidenum">
               <a:rPr lang="en-US" smtClean="0"/>
-              <a:t>20</a:t>
+              <a:t>23</a:t>
             </a:fld>
             <a:endParaRPr lang="en-US" dirty="0"/>
           </a:p>
@@ -17383,7 +20373,7 @@
 </p:sld>
 </file>
 
-<file path=ppt/slides/slide22.xml><?xml version="1.0" encoding="utf-8"?>
+<file path=ppt/slides/slide25.xml><?xml version="1.0" encoding="utf-8"?>
 <p:sld xmlns:a="http://schemas.openxmlformats.org/drawingml/2006/main" xmlns:r="http://schemas.openxmlformats.org/officeDocument/2006/relationships" xmlns:p="http://schemas.openxmlformats.org/presentationml/2006/main">
   <p:cSld>
     <p:spTree>
@@ -17423,7 +20413,7 @@
           <a:p>
             <a:fld id="{666274A1-CF9C-426A-8DD4-B13ED0C24231}" type="slidenum">
               <a:rPr lang="en-US" smtClean="0"/>
-              <a:t>21</a:t>
+              <a:t>24</a:t>
             </a:fld>
             <a:endParaRPr lang="en-US"/>
           </a:p>
@@ -18314,31 +21304,144 @@
             </a:r>
           </a:p>
           <a:p>
+            <a:endParaRPr lang="en-US" altLang="zh-TW" sz="1100" dirty="0">
+              <a:latin typeface="Times" panose="02020603050405020304" pitchFamily="18" charset="0"/>
+              <a:cs typeface="Times" panose="02020603050405020304" pitchFamily="18" charset="0"/>
+            </a:endParaRPr>
+          </a:p>
+          <a:p>
             <a:pPr lvl="1"/>
+            <a:r>
+              <a:rPr lang="en-US" altLang="zh-TW" sz="2200" dirty="0">
+                <a:latin typeface="Times New Roman" panose="02020603050405020304" pitchFamily="18" charset="0"/>
+                <a:cs typeface="Times New Roman" panose="02020603050405020304" pitchFamily="18" charset="0"/>
+              </a:rPr>
+              <a:t>Basic placement engine: </a:t>
+            </a:r>
+          </a:p>
+          <a:p>
+            <a:pPr lvl="1"/>
+            <a:endParaRPr lang="en-US" altLang="zh-TW" sz="700" dirty="0">
+              <a:latin typeface="Times New Roman" panose="02020603050405020304" pitchFamily="18" charset="0"/>
+              <a:cs typeface="Times New Roman" panose="02020603050405020304" pitchFamily="18" charset="0"/>
+            </a:endParaRPr>
+          </a:p>
+          <a:p>
+            <a:pPr lvl="2"/>
+            <a:r>
+              <a:rPr lang="en-US" altLang="zh-TW" dirty="0">
+                <a:latin typeface="Times New Roman" panose="02020603050405020304" pitchFamily="18" charset="0"/>
+                <a:cs typeface="Times New Roman" panose="02020603050405020304" pitchFamily="18" charset="0"/>
+              </a:rPr>
+              <a:t>Quadratic placement.</a:t>
+            </a:r>
+          </a:p>
+          <a:p>
+            <a:pPr lvl="2"/>
+            <a:r>
+              <a:rPr lang="en-US" altLang="zh-TW" dirty="0">
+                <a:latin typeface="Times New Roman" panose="02020603050405020304" pitchFamily="18" charset="0"/>
+                <a:cs typeface="Times New Roman" panose="02020603050405020304" pitchFamily="18" charset="0"/>
+              </a:rPr>
+              <a:t>Non-linear placement.</a:t>
+            </a:r>
+          </a:p>
+          <a:p>
+            <a:pPr lvl="2"/>
+            <a:endParaRPr lang="en-US" altLang="zh-TW" sz="1800" dirty="0">
+              <a:latin typeface="Times" panose="02020603050405020304" pitchFamily="18" charset="0"/>
+              <a:cs typeface="Times" panose="02020603050405020304" pitchFamily="18" charset="0"/>
+            </a:endParaRPr>
+          </a:p>
+          <a:p>
+            <a:pPr lvl="1"/>
+            <a:r>
+              <a:rPr lang="en-US" altLang="zh-TW" sz="2200" dirty="0" err="1">
+                <a:latin typeface="Times" panose="02020603050405020304" pitchFamily="18" charset="0"/>
+                <a:cs typeface="Times" panose="02020603050405020304" pitchFamily="18" charset="0"/>
+              </a:rPr>
+              <a:t>Routability</a:t>
+            </a:r>
             <a:r>
               <a:rPr lang="en-US" altLang="zh-TW" sz="2200" dirty="0">
                 <a:latin typeface="Times" panose="02020603050405020304" pitchFamily="18" charset="0"/>
                 <a:cs typeface="Times" panose="02020603050405020304" pitchFamily="18" charset="0"/>
               </a:rPr>
-              <a:t>Basic placement engine: Quadratic placement, non-linear placement.</a:t>
+              <a:t> optimizer.</a:t>
             </a:r>
           </a:p>
           <a:p>
             <a:pPr lvl="1"/>
-            <a:r>
-              <a:rPr lang="en-US" altLang="zh-TW" sz="2200" dirty="0" err="1">
+            <a:endParaRPr lang="en-US" altLang="zh-TW" sz="700" dirty="0">
+              <a:latin typeface="Times" panose="02020603050405020304" pitchFamily="18" charset="0"/>
+              <a:cs typeface="Times" panose="02020603050405020304" pitchFamily="18" charset="0"/>
+            </a:endParaRPr>
+          </a:p>
+          <a:p>
+            <a:pPr lvl="2"/>
+            <a:r>
+              <a:rPr lang="en-US" altLang="zh-TW" dirty="0">
+                <a:latin typeface="Times New Roman" panose="02020603050405020304" pitchFamily="18" charset="0"/>
+                <a:cs typeface="Times New Roman" panose="02020603050405020304" pitchFamily="18" charset="0"/>
+              </a:rPr>
+              <a:t>Congestion map, which is generated by probabilistic model </a:t>
+            </a:r>
+            <a:r>
+              <a:rPr lang="en-US" altLang="zh-TW" sz="1800" dirty="0">
+                <a:latin typeface="NimbusRomNo9L-Regu"/>
+                <a:cs typeface="Times" panose="02020603050405020304" pitchFamily="18" charset="0"/>
+              </a:rPr>
+              <a:t>[2], </a:t>
+            </a:r>
+            <a:r>
+              <a:rPr lang="en-US" altLang="zh-TW" sz="1800" b="0" i="0" u="none" strike="noStrike" baseline="0" dirty="0">
+                <a:latin typeface="NimbusRomNo9L-Regu"/>
+              </a:rPr>
+              <a:t>[8], [9], [10], [11]</a:t>
+            </a:r>
+            <a:r>
+              <a:rPr lang="en-US" altLang="zh-TW" dirty="0">
                 <a:latin typeface="Times" panose="02020603050405020304" pitchFamily="18" charset="0"/>
                 <a:cs typeface="Times" panose="02020603050405020304" pitchFamily="18" charset="0"/>
               </a:rPr>
-              <a:t>Routability</a:t>
-            </a:r>
-            <a:r>
-              <a:rPr lang="en-US" altLang="zh-TW" sz="2200" dirty="0">
+              <a:t>.</a:t>
+            </a:r>
+          </a:p>
+          <a:p>
+            <a:pPr lvl="2"/>
+            <a:r>
+              <a:rPr lang="en-US" altLang="zh-TW" dirty="0">
                 <a:latin typeface="Times" panose="02020603050405020304" pitchFamily="18" charset="0"/>
                 <a:cs typeface="Times" panose="02020603050405020304" pitchFamily="18" charset="0"/>
               </a:rPr>
-              <a:t> optimizer.</a:t>
-            </a:r>
+              <a:t>Integrated global router </a:t>
+            </a:r>
+            <a:r>
+              <a:rPr lang="en-US" altLang="zh-TW" sz="1800" b="0" i="0" u="none" strike="noStrike" baseline="0" dirty="0">
+                <a:latin typeface="NimbusRomNo9L-Regu"/>
+              </a:rPr>
+              <a:t>[3], [4], [5].</a:t>
+            </a:r>
+          </a:p>
+          <a:p>
+            <a:pPr lvl="2"/>
+            <a:r>
+              <a:rPr lang="en-US" altLang="zh-TW" dirty="0">
+                <a:latin typeface="Times" panose="02020603050405020304" pitchFamily="18" charset="0"/>
+                <a:cs typeface="Times" panose="02020603050405020304" pitchFamily="18" charset="0"/>
+              </a:rPr>
+              <a:t>Machine learning based technique </a:t>
+            </a:r>
+            <a:r>
+              <a:rPr lang="en-US" altLang="zh-TW" sz="1800" b="0" i="0" u="none" strike="noStrike" baseline="0" dirty="0">
+                <a:latin typeface="NimbusRomNo9L-Regu"/>
+              </a:rPr>
+              <a:t>[6], [7].</a:t>
+            </a:r>
+            <a:endParaRPr lang="en-US" altLang="zh-TW" sz="1800" dirty="0">
+              <a:latin typeface="Times" panose="02020603050405020304" pitchFamily="18" charset="0"/>
+              <a:cs typeface="Times" panose="02020603050405020304" pitchFamily="18" charset="0"/>
+            </a:endParaRPr>
           </a:p>
           <a:p>
             <a:endParaRPr lang="en-US" altLang="zh-TW" dirty="0">
@@ -18412,6 +21515,297 @@
           <p:cNvPr id="2" name="標題 1">
             <a:extLst>
               <a:ext uri="{FF2B5EF4-FFF2-40B4-BE49-F238E27FC236}">
+                <a16:creationId xmlns:a16="http://schemas.microsoft.com/office/drawing/2014/main" id="{5CEA9D29-2BBD-0E1E-DBD3-F6145D6CBC63}"/>
+              </a:ext>
+            </a:extLst>
+          </p:cNvPr>
+          <p:cNvSpPr>
+            <a:spLocks noGrp="1"/>
+          </p:cNvSpPr>
+          <p:nvPr>
+            <p:ph type="title"/>
+          </p:nvPr>
+        </p:nvSpPr>
+        <p:spPr/>
+        <p:txBody>
+          <a:bodyPr/>
+          <a:lstStyle/>
+          <a:p>
+            <a:r>
+              <a:rPr lang="en-US" altLang="zh-TW" sz="4000" dirty="0">
+                <a:latin typeface="Times" panose="02020603050405020304" pitchFamily="18" charset="0"/>
+                <a:cs typeface="Times" panose="02020603050405020304" pitchFamily="18" charset="0"/>
+              </a:rPr>
+              <a:t>Introduction</a:t>
+            </a:r>
+            <a:endParaRPr lang="zh-TW" altLang="en-US" dirty="0">
+              <a:latin typeface="Times" panose="02020603050405020304" pitchFamily="18" charset="0"/>
+              <a:cs typeface="Times" panose="02020603050405020304" pitchFamily="18" charset="0"/>
+            </a:endParaRPr>
+          </a:p>
+        </p:txBody>
+      </p:sp>
+      <p:sp>
+        <p:nvSpPr>
+          <p:cNvPr id="3" name="內容版面配置區 2">
+            <a:extLst>
+              <a:ext uri="{FF2B5EF4-FFF2-40B4-BE49-F238E27FC236}">
+                <a16:creationId xmlns:a16="http://schemas.microsoft.com/office/drawing/2014/main" id="{CD74F3A4-97A5-7640-801C-D093727610C1}"/>
+              </a:ext>
+            </a:extLst>
+          </p:cNvPr>
+          <p:cNvSpPr>
+            <a:spLocks noGrp="1"/>
+          </p:cNvSpPr>
+          <p:nvPr>
+            <p:ph idx="1"/>
+          </p:nvPr>
+        </p:nvSpPr>
+        <p:spPr/>
+        <p:txBody>
+          <a:bodyPr/>
+          <a:lstStyle/>
+          <a:p>
+            <a:r>
+              <a:rPr lang="en-US" altLang="zh-TW" sz="2400" dirty="0">
+                <a:latin typeface="Times New Roman" panose="02020603050405020304" pitchFamily="18" charset="0"/>
+                <a:cs typeface="Times New Roman" panose="02020603050405020304" pitchFamily="18" charset="0"/>
+              </a:rPr>
+              <a:t>Congestion map</a:t>
+            </a:r>
+          </a:p>
+          <a:p>
+            <a:endParaRPr lang="en-US" altLang="zh-TW" sz="1100" dirty="0">
+              <a:latin typeface="Times New Roman" panose="02020603050405020304" pitchFamily="18" charset="0"/>
+              <a:cs typeface="Times New Roman" panose="02020603050405020304" pitchFamily="18" charset="0"/>
+            </a:endParaRPr>
+          </a:p>
+          <a:p>
+            <a:pPr lvl="1"/>
+            <a:r>
+              <a:rPr lang="en-US" altLang="zh-TW" sz="2200" dirty="0">
+                <a:latin typeface="Times New Roman" panose="02020603050405020304" pitchFamily="18" charset="0"/>
+                <a:cs typeface="Times New Roman" panose="02020603050405020304" pitchFamily="18" charset="0"/>
+              </a:rPr>
+              <a:t>S</a:t>
+            </a:r>
+            <a:r>
+              <a:rPr lang="en-US" altLang="zh-TW" sz="2200" b="0" i="0" u="none" strike="noStrike" baseline="0" dirty="0">
+                <a:latin typeface="Times New Roman" panose="02020603050405020304" pitchFamily="18" charset="0"/>
+                <a:cs typeface="Times New Roman" panose="02020603050405020304" pitchFamily="18" charset="0"/>
+              </a:rPr>
+              <a:t>pread cells in congested regions by cell inflation and rough legalization.</a:t>
+            </a:r>
+          </a:p>
+          <a:p>
+            <a:pPr lvl="1"/>
+            <a:endParaRPr lang="en-US" altLang="zh-TW" sz="900" b="0" i="0" u="none" strike="noStrike" baseline="0" dirty="0">
+              <a:latin typeface="Times New Roman" panose="02020603050405020304" pitchFamily="18" charset="0"/>
+              <a:cs typeface="Times New Roman" panose="02020603050405020304" pitchFamily="18" charset="0"/>
+            </a:endParaRPr>
+          </a:p>
+          <a:p>
+            <a:pPr lvl="2"/>
+            <a:r>
+              <a:rPr lang="en-US" altLang="zh-TW" b="0" i="0" u="none" strike="noStrike" baseline="0" dirty="0">
+                <a:latin typeface="Times New Roman" panose="02020603050405020304" pitchFamily="18" charset="0"/>
+                <a:cs typeface="Times New Roman" panose="02020603050405020304" pitchFamily="18" charset="0"/>
+              </a:rPr>
+              <a:t>POLAR 2.0 </a:t>
+            </a:r>
+            <a:r>
+              <a:rPr lang="en-US" altLang="zh-TW" sz="2000" b="0" i="0" u="none" strike="noStrike" baseline="0" dirty="0">
+                <a:latin typeface="NimbusRomNo9L-Regu"/>
+                <a:cs typeface="Times New Roman" panose="02020603050405020304" pitchFamily="18" charset="0"/>
+              </a:rPr>
+              <a:t>[8]</a:t>
+            </a:r>
+            <a:endParaRPr lang="en-US" altLang="zh-TW" dirty="0">
+              <a:latin typeface="NimbusRomNo9L-Regu"/>
+              <a:cs typeface="Times New Roman" panose="02020603050405020304" pitchFamily="18" charset="0"/>
+            </a:endParaRPr>
+          </a:p>
+          <a:p>
+            <a:pPr lvl="2"/>
+            <a:r>
+              <a:rPr lang="en-US" altLang="zh-TW" b="0" i="0" u="none" strike="noStrike" baseline="0" dirty="0">
+                <a:latin typeface="Times New Roman" panose="02020603050405020304" pitchFamily="18" charset="0"/>
+                <a:cs typeface="Times New Roman" panose="02020603050405020304" pitchFamily="18" charset="0"/>
+              </a:rPr>
+              <a:t>Ripple 2.0 </a:t>
+            </a:r>
+            <a:r>
+              <a:rPr lang="en-US" altLang="zh-TW" sz="2000" b="0" i="0" u="none" strike="noStrike" baseline="0" dirty="0">
+                <a:latin typeface="NimbusRomNo9L-Regu"/>
+                <a:cs typeface="Times New Roman" panose="02020603050405020304" pitchFamily="18" charset="0"/>
+              </a:rPr>
+              <a:t>[9]</a:t>
+            </a:r>
+          </a:p>
+          <a:p>
+            <a:pPr lvl="2"/>
+            <a:endParaRPr lang="en-US" altLang="zh-TW" sz="900" b="0" i="0" u="none" strike="noStrike" baseline="0" dirty="0">
+              <a:latin typeface="Times New Roman" panose="02020603050405020304" pitchFamily="18" charset="0"/>
+              <a:cs typeface="Times New Roman" panose="02020603050405020304" pitchFamily="18" charset="0"/>
+            </a:endParaRPr>
+          </a:p>
+          <a:p>
+            <a:pPr lvl="1"/>
+            <a:r>
+              <a:rPr lang="en-US" altLang="zh-TW" sz="2200" dirty="0">
+                <a:latin typeface="Times New Roman" panose="02020603050405020304" pitchFamily="18" charset="0"/>
+                <a:cs typeface="Times New Roman" panose="02020603050405020304" pitchFamily="18" charset="0"/>
+              </a:rPr>
+              <a:t>W</a:t>
+            </a:r>
+            <a:r>
+              <a:rPr lang="en-US" altLang="zh-TW" sz="2200" b="0" i="0" u="none" strike="noStrike" baseline="0" dirty="0">
+                <a:latin typeface="Times New Roman" panose="02020603050405020304" pitchFamily="18" charset="0"/>
+                <a:cs typeface="Times New Roman" panose="02020603050405020304" pitchFamily="18" charset="0"/>
+              </a:rPr>
+              <a:t>hite space allocation </a:t>
+            </a:r>
+            <a:r>
+              <a:rPr lang="en-US" altLang="zh-TW" sz="1800" b="0" i="0" u="none" strike="noStrike" baseline="0" dirty="0">
+                <a:latin typeface="NimbusRomNo9L-Regu"/>
+                <a:cs typeface="Times New Roman" panose="02020603050405020304" pitchFamily="18" charset="0"/>
+              </a:rPr>
+              <a:t>[10], [11].</a:t>
+            </a:r>
+          </a:p>
+          <a:p>
+            <a:pPr lvl="1"/>
+            <a:endParaRPr lang="en-US" altLang="zh-TW" sz="800" b="0" i="0" u="none" strike="noStrike" baseline="0" dirty="0">
+              <a:latin typeface="Times New Roman" panose="02020603050405020304" pitchFamily="18" charset="0"/>
+              <a:cs typeface="Times New Roman" panose="02020603050405020304" pitchFamily="18" charset="0"/>
+            </a:endParaRPr>
+          </a:p>
+          <a:p>
+            <a:pPr lvl="1"/>
+            <a:r>
+              <a:rPr lang="en-US" altLang="zh-TW" sz="2200" dirty="0">
+                <a:latin typeface="Times New Roman" panose="02020603050405020304" pitchFamily="18" charset="0"/>
+                <a:cs typeface="Times New Roman" panose="02020603050405020304" pitchFamily="18" charset="0"/>
+              </a:rPr>
+              <a:t>To modify the congestion constraint </a:t>
+            </a:r>
+            <a:r>
+              <a:rPr lang="en-US" altLang="zh-TW" sz="2200" b="0" i="0" u="none" strike="noStrike" baseline="0" dirty="0">
+                <a:latin typeface="Times New Roman" panose="02020603050405020304" pitchFamily="18" charset="0"/>
+                <a:cs typeface="Times New Roman" panose="02020603050405020304" pitchFamily="18" charset="0"/>
+              </a:rPr>
+              <a:t>according to the congestion information </a:t>
+            </a:r>
+            <a:r>
+              <a:rPr lang="en-US" altLang="zh-TW" sz="1800" b="0" i="0" u="none" strike="noStrike" baseline="0" dirty="0">
+                <a:latin typeface="NimbusRomNo9L-Regu"/>
+              </a:rPr>
+              <a:t>[4]</a:t>
+            </a:r>
+            <a:r>
+              <a:rPr lang="en-US" altLang="zh-TW" sz="2200" b="0" i="0" u="none" strike="noStrike" baseline="0" dirty="0">
+                <a:latin typeface="Times New Roman" panose="02020603050405020304" pitchFamily="18" charset="0"/>
+                <a:cs typeface="Times New Roman" panose="02020603050405020304" pitchFamily="18" charset="0"/>
+              </a:rPr>
+              <a:t>.</a:t>
+            </a:r>
+          </a:p>
+          <a:p>
+            <a:pPr lvl="1"/>
+            <a:endParaRPr lang="en-US" altLang="zh-TW" sz="800" b="0" i="0" u="none" strike="noStrike" baseline="0" dirty="0">
+              <a:latin typeface="Times New Roman" panose="02020603050405020304" pitchFamily="18" charset="0"/>
+              <a:cs typeface="Times New Roman" panose="02020603050405020304" pitchFamily="18" charset="0"/>
+            </a:endParaRPr>
+          </a:p>
+          <a:p>
+            <a:pPr lvl="1"/>
+            <a:r>
+              <a:rPr lang="en-US" altLang="zh-TW" sz="2200" dirty="0">
+                <a:latin typeface="Times New Roman" panose="02020603050405020304" pitchFamily="18" charset="0"/>
+                <a:cs typeface="Times New Roman" panose="02020603050405020304" pitchFamily="18" charset="0"/>
+              </a:rPr>
+              <a:t>Modeling routing demands or congestion as a new optimizing target and integrating it into the objective function </a:t>
+            </a:r>
+            <a:r>
+              <a:rPr lang="en-US" altLang="zh-TW" sz="1800" b="0" i="0" u="none" strike="noStrike" baseline="0" dirty="0">
+                <a:latin typeface="NimbusRomNo9L-Regu"/>
+              </a:rPr>
+              <a:t>[13]</a:t>
+            </a:r>
+            <a:r>
+              <a:rPr lang="en-US" altLang="zh-TW" sz="2200" dirty="0">
+                <a:latin typeface="Times New Roman" panose="02020603050405020304" pitchFamily="18" charset="0"/>
+                <a:cs typeface="Times New Roman" panose="02020603050405020304" pitchFamily="18" charset="0"/>
+              </a:rPr>
+              <a:t>.</a:t>
+            </a:r>
+          </a:p>
+        </p:txBody>
+      </p:sp>
+      <p:sp>
+        <p:nvSpPr>
+          <p:cNvPr id="4" name="投影片編號版面配置區 3">
+            <a:extLst>
+              <a:ext uri="{FF2B5EF4-FFF2-40B4-BE49-F238E27FC236}">
+                <a16:creationId xmlns:a16="http://schemas.microsoft.com/office/drawing/2014/main" id="{98B5C8A6-9E09-A340-C475-439F204D7E17}"/>
+              </a:ext>
+            </a:extLst>
+          </p:cNvPr>
+          <p:cNvSpPr>
+            <a:spLocks noGrp="1"/>
+          </p:cNvSpPr>
+          <p:nvPr>
+            <p:ph type="sldNum" sz="quarter" idx="12"/>
+          </p:nvPr>
+        </p:nvSpPr>
+        <p:spPr/>
+        <p:txBody>
+          <a:bodyPr/>
+          <a:lstStyle/>
+          <a:p>
+            <a:fld id="{666274A1-CF9C-426A-8DD4-B13ED0C24231}" type="slidenum">
+              <a:rPr lang="en-US" smtClean="0"/>
+              <a:t>6</a:t>
+            </a:fld>
+            <a:endParaRPr lang="en-US"/>
+          </a:p>
+        </p:txBody>
+      </p:sp>
+    </p:spTree>
+    <p:extLst>
+      <p:ext uri="{BB962C8B-B14F-4D97-AF65-F5344CB8AC3E}">
+        <p14:creationId xmlns:p14="http://schemas.microsoft.com/office/powerpoint/2010/main" val="103584150"/>
+      </p:ext>
+    </p:extLst>
+  </p:cSld>
+  <p:clrMapOvr>
+    <a:masterClrMapping/>
+  </p:clrMapOvr>
+</p:sld>
+</file>
+
+<file path=ppt/slides/slide8.xml><?xml version="1.0" encoding="utf-8"?>
+<p:sld xmlns:a="http://schemas.openxmlformats.org/drawingml/2006/main" xmlns:r="http://schemas.openxmlformats.org/officeDocument/2006/relationships" xmlns:p="http://schemas.openxmlformats.org/presentationml/2006/main">
+  <p:cSld>
+    <p:spTree>
+      <p:nvGrpSpPr>
+        <p:cNvPr id="1" name=""/>
+        <p:cNvGrpSpPr/>
+        <p:nvPr/>
+      </p:nvGrpSpPr>
+      <p:grpSpPr>
+        <a:xfrm>
+          <a:off x="0" y="0"/>
+          <a:ext cx="0" cy="0"/>
+          <a:chOff x="0" y="0"/>
+          <a:chExt cx="0" cy="0"/>
+        </a:xfrm>
+      </p:grpSpPr>
+      <p:sp>
+        <p:nvSpPr>
+          <p:cNvPr id="2" name="標題 1">
+            <a:extLst>
+              <a:ext uri="{FF2B5EF4-FFF2-40B4-BE49-F238E27FC236}">
                 <a16:creationId xmlns:a16="http://schemas.microsoft.com/office/drawing/2014/main" id="{1A966039-7CDD-D245-131E-9FA688D523D3}"/>
               </a:ext>
             </a:extLst>
@@ -18492,7 +21886,7 @@
                     <a:latin typeface="Times" panose="02020603050405020304" pitchFamily="18" charset="0"/>
                     <a:cs typeface="Times" panose="02020603050405020304" pitchFamily="18" charset="0"/>
                   </a:rPr>
-                  <a:t>H= (V, E), where V= </a:t>
+                  <a:t>Netlist H= (V, E), where V= </a:t>
                 </a:r>
                 <a14:m>
                   <m:oMath xmlns:m="http://schemas.openxmlformats.org/officeDocument/2006/math">
@@ -18776,7 +22170,7 @@
                     <a:latin typeface="Times" panose="02020603050405020304" pitchFamily="18" charset="0"/>
                     <a:cs typeface="Times" panose="02020603050405020304" pitchFamily="18" charset="0"/>
                   </a:rPr>
-                  <a:t>The placement solution= (</a:t>
+                  <a:t>The placement solution: (</a:t>
                 </a:r>
                 <a:r>
                   <a:rPr lang="en-US" altLang="zh-TW" sz="2200" b="1" dirty="0">
@@ -18804,7 +22198,7 @@
                     <a:latin typeface="Times" panose="02020603050405020304" pitchFamily="18" charset="0"/>
                     <a:cs typeface="Times" panose="02020603050405020304" pitchFamily="18" charset="0"/>
                   </a:rPr>
-                  <a:t>)= </a:t>
+                  <a:t>) = </a:t>
                 </a:r>
                 <a14:m>
                   <m:oMath xmlns:m="http://schemas.openxmlformats.org/officeDocument/2006/math">
@@ -19086,15 +22480,31 @@
                 </a:r>
               </a:p>
               <a:p>
+                <a:endParaRPr lang="en-US" altLang="zh-TW" sz="1200" dirty="0">
+                  <a:latin typeface="Times" panose="02020603050405020304" pitchFamily="18" charset="0"/>
+                  <a:cs typeface="Times" panose="02020603050405020304" pitchFamily="18" charset="0"/>
+                </a:endParaRPr>
+              </a:p>
+              <a:p>
                 <a:pPr>
                   <a:lnSpc>
                     <a:spcPct val="120000"/>
                   </a:lnSpc>
                 </a:pPr>
-                <a:endParaRPr lang="en-US" altLang="zh-TW" sz="2400" dirty="0">
-                  <a:latin typeface="Times" panose="02020603050405020304" pitchFamily="18" charset="0"/>
-                  <a:cs typeface="Times" panose="02020603050405020304" pitchFamily="18" charset="0"/>
-                </a:endParaRPr>
+                <a:r>
+                  <a:rPr lang="en-US" altLang="zh-TW" sz="2200" dirty="0" err="1">
+                    <a:latin typeface="Times New Roman" panose="02020603050405020304" pitchFamily="18" charset="0"/>
+                    <a:cs typeface="Times New Roman" panose="02020603050405020304" pitchFamily="18" charset="0"/>
+                  </a:rPr>
+                  <a:t>Routability</a:t>
+                </a:r>
+                <a:r>
+                  <a:rPr lang="en-US" altLang="zh-TW" sz="2200" dirty="0">
+                    <a:latin typeface="Times New Roman" panose="02020603050405020304" pitchFamily="18" charset="0"/>
+                    <a:cs typeface="Times New Roman" panose="02020603050405020304" pitchFamily="18" charset="0"/>
+                  </a:rPr>
+                  <a:t>-driven placer determines legal locations for all movable cells to minimize the routing wirelength and overflow.</a:t>
+                </a:r>
               </a:p>
               <a:p>
                 <a:endParaRPr lang="en-US" altLang="zh-TW" sz="2400" b="0" dirty="0">
@@ -19124,9 +22534,9 @@
             </p:nvSpPr>
             <p:spPr>
               <a:blipFill>
-                <a:blip r:embed="rId2"/>
+                <a:blip r:embed="rId3"/>
                 <a:stretch>
-                  <a:fillRect l="-928" t="-2101"/>
+                  <a:fillRect l="-928" t="-2101" r="-290"/>
                 </a:stretch>
               </a:blipFill>
             </p:spPr>
@@ -19168,7 +22578,7 @@
           <a:p>
             <a:fld id="{666274A1-CF9C-426A-8DD4-B13ED0C24231}" type="slidenum">
               <a:rPr lang="en-US" smtClean="0"/>
-              <a:t>6</a:t>
+              <a:t>7</a:t>
             </a:fld>
             <a:endParaRPr lang="en-US"/>
           </a:p>
@@ -19187,7 +22597,7 @@
 </p:sld>
 </file>
 
-<file path=ppt/slides/slide8.xml><?xml version="1.0" encoding="utf-8"?>
+<file path=ppt/slides/slide9.xml><?xml version="1.0" encoding="utf-8"?>
 <p:sld xmlns:a="http://schemas.openxmlformats.org/drawingml/2006/main" xmlns:r="http://schemas.openxmlformats.org/officeDocument/2006/relationships" xmlns:p="http://schemas.openxmlformats.org/presentationml/2006/main">
   <p:cSld>
     <p:spTree>
@@ -19236,8 +22646,8 @@
           </a:p>
         </p:txBody>
       </p:sp>
-      <mc:AlternateContent xmlns:mc="http://schemas.openxmlformats.org/markup-compatibility/2006">
-        <mc:Choice xmlns:a14="http://schemas.microsoft.com/office/drawing/2010/main" Requires="a14">
+      <mc:AlternateContent xmlns:mc="http://schemas.openxmlformats.org/markup-compatibility/2006" xmlns:a14="http://schemas.microsoft.com/office/drawing/2010/main">
+        <mc:Choice Requires="a14">
           <p:sp>
             <p:nvSpPr>
               <p:cNvPr id="3" name="內容版面配置區 2">
@@ -19724,7 +23134,7 @@
             </p:txBody>
           </p:sp>
         </mc:Choice>
-        <mc:Fallback>
+        <mc:Fallback xmlns="">
           <p:sp>
             <p:nvSpPr>
               <p:cNvPr id="3" name="內容版面配置區 2">
@@ -19787,7 +23197,7 @@
           <a:p>
             <a:fld id="{666274A1-CF9C-426A-8DD4-B13ED0C24231}" type="slidenum">
               <a:rPr lang="en-US" smtClean="0"/>
-              <a:t>7</a:t>
+              <a:t>8</a:t>
             </a:fld>
             <a:endParaRPr lang="en-US"/>
           </a:p>
@@ -19797,1723 +23207,6 @@
     <p:extLst>
       <p:ext uri="{BB962C8B-B14F-4D97-AF65-F5344CB8AC3E}">
         <p14:creationId xmlns:p14="http://schemas.microsoft.com/office/powerpoint/2010/main" val="3933262942"/>
-      </p:ext>
-    </p:extLst>
-  </p:cSld>
-  <p:clrMapOvr>
-    <a:masterClrMapping/>
-  </p:clrMapOvr>
-</p:sld>
-</file>
-
-<file path=ppt/slides/slide9.xml><?xml version="1.0" encoding="utf-8"?>
-<p:sld xmlns:a="http://schemas.openxmlformats.org/drawingml/2006/main" xmlns:r="http://schemas.openxmlformats.org/officeDocument/2006/relationships" xmlns:p="http://schemas.openxmlformats.org/presentationml/2006/main">
-  <p:cSld>
-    <p:spTree>
-      <p:nvGrpSpPr>
-        <p:cNvPr id="1" name=""/>
-        <p:cNvGrpSpPr/>
-        <p:nvPr/>
-      </p:nvGrpSpPr>
-      <p:grpSpPr>
-        <a:xfrm>
-          <a:off x="0" y="0"/>
-          <a:ext cx="0" cy="0"/>
-          <a:chOff x="0" y="0"/>
-          <a:chExt cx="0" cy="0"/>
-        </a:xfrm>
-      </p:grpSpPr>
-      <p:sp>
-        <p:nvSpPr>
-          <p:cNvPr id="2" name="標題 1">
-            <a:extLst>
-              <a:ext uri="{FF2B5EF4-FFF2-40B4-BE49-F238E27FC236}">
-                <a16:creationId xmlns:a16="http://schemas.microsoft.com/office/drawing/2014/main" id="{1A966039-7CDD-D245-131E-9FA688D523D3}"/>
-              </a:ext>
-            </a:extLst>
-          </p:cNvPr>
-          <p:cNvSpPr>
-            <a:spLocks noGrp="1"/>
-          </p:cNvSpPr>
-          <p:nvPr>
-            <p:ph type="title"/>
-          </p:nvPr>
-        </p:nvSpPr>
-        <p:spPr/>
-        <p:txBody>
-          <a:bodyPr/>
-          <a:lstStyle/>
-          <a:p>
-            <a:r>
-              <a:rPr lang="en-US" altLang="zh-TW" dirty="0">
-                <a:latin typeface="Times" panose="02020603050405020304" pitchFamily="18" charset="0"/>
-                <a:cs typeface="Times" panose="02020603050405020304" pitchFamily="18" charset="0"/>
-              </a:rPr>
-              <a:t>Preliminaries</a:t>
-            </a:r>
-            <a:endParaRPr lang="zh-TW" altLang="en-US" dirty="0">
-              <a:latin typeface="Times" panose="02020603050405020304" pitchFamily="18" charset="0"/>
-              <a:cs typeface="Times" panose="02020603050405020304" pitchFamily="18" charset="0"/>
-            </a:endParaRPr>
-          </a:p>
-        </p:txBody>
-      </p:sp>
-      <mc:AlternateContent xmlns:mc="http://schemas.openxmlformats.org/markup-compatibility/2006">
-        <mc:Choice xmlns:a14="http://schemas.microsoft.com/office/drawing/2010/main" Requires="a14">
-          <p:sp>
-            <p:nvSpPr>
-              <p:cNvPr id="3" name="內容版面配置區 2">
-                <a:extLst>
-                  <a:ext uri="{FF2B5EF4-FFF2-40B4-BE49-F238E27FC236}">
-                    <a16:creationId xmlns:a16="http://schemas.microsoft.com/office/drawing/2014/main" id="{CBD7CEA3-77D1-9FFB-94D0-23801E3C63EE}"/>
-                  </a:ext>
-                </a:extLst>
-              </p:cNvPr>
-              <p:cNvSpPr>
-                <a:spLocks noGrp="1"/>
-              </p:cNvSpPr>
-              <p:nvPr>
-                <p:ph idx="1"/>
-              </p:nvPr>
-            </p:nvSpPr>
-            <p:spPr>
-              <a:xfrm>
-                <a:off x="838200" y="1825625"/>
-                <a:ext cx="10515600" cy="4895850"/>
-              </a:xfrm>
-            </p:spPr>
-            <p:txBody>
-              <a:bodyPr>
-                <a:normAutofit/>
-              </a:bodyPr>
-              <a:lstStyle/>
-              <a:p>
-                <a:pPr marL="514350" indent="-514350">
-                  <a:buFont typeface="+mj-lt"/>
-                  <a:buAutoNum type="arabicPeriod" startAt="2"/>
-                </a:pPr>
-                <a:r>
-                  <a:rPr lang="en-US" altLang="zh-TW" sz="2400" dirty="0">
-                    <a:latin typeface="Times" panose="02020603050405020304" pitchFamily="18" charset="0"/>
-                    <a:cs typeface="Times" panose="02020603050405020304" pitchFamily="18" charset="0"/>
-                  </a:rPr>
-                  <a:t>Electrostatic-based</a:t>
-                </a:r>
-                <a:r>
-                  <a:rPr lang="en-US" altLang="zh-TW" sz="2600" dirty="0">
-                    <a:latin typeface="Times" panose="02020603050405020304" pitchFamily="18" charset="0"/>
-                    <a:cs typeface="Times" panose="02020603050405020304" pitchFamily="18" charset="0"/>
-                  </a:rPr>
-                  <a:t> </a:t>
-                </a:r>
-                <a:r>
-                  <a:rPr lang="en-US" altLang="zh-TW" sz="2400" dirty="0">
-                    <a:latin typeface="Times" panose="02020603050405020304" pitchFamily="18" charset="0"/>
-                    <a:cs typeface="Times" panose="02020603050405020304" pitchFamily="18" charset="0"/>
-                  </a:rPr>
-                  <a:t>Placement</a:t>
-                </a:r>
-                <a:endParaRPr lang="en-US" altLang="zh-TW" sz="2600" dirty="0">
-                  <a:latin typeface="Times" panose="02020603050405020304" pitchFamily="18" charset="0"/>
-                  <a:cs typeface="Times" panose="02020603050405020304" pitchFamily="18" charset="0"/>
-                </a:endParaRPr>
-              </a:p>
-              <a:p>
-                <a:pPr marL="0" indent="0">
-                  <a:buNone/>
-                </a:pPr>
-                <a:endParaRPr lang="en-US" altLang="zh-TW" sz="1100" dirty="0">
-                  <a:latin typeface="Times" panose="02020603050405020304" pitchFamily="18" charset="0"/>
-                  <a:cs typeface="Times" panose="02020603050405020304" pitchFamily="18" charset="0"/>
-                </a:endParaRPr>
-              </a:p>
-              <a:p>
-                <a:pPr>
-                  <a:lnSpc>
-                    <a:spcPct val="130000"/>
-                  </a:lnSpc>
-                </a:pPr>
-                <a:r>
-                  <a:rPr lang="en-US" altLang="zh-TW" sz="2200" dirty="0">
-                    <a:latin typeface="Times" panose="02020603050405020304" pitchFamily="18" charset="0"/>
-                    <a:cs typeface="Times" panose="02020603050405020304" pitchFamily="18" charset="0"/>
-                  </a:rPr>
-                  <a:t>This model adopts the </a:t>
-                </a:r>
-                <a:r>
-                  <a:rPr lang="en-US" altLang="zh-TW" sz="2200" b="1" dirty="0">
-                    <a:latin typeface="Times" panose="02020603050405020304" pitchFamily="18" charset="0"/>
-                    <a:cs typeface="Times" panose="02020603050405020304" pitchFamily="18" charset="0"/>
-                  </a:rPr>
-                  <a:t>weighted-average(WA) wirelength model </a:t>
-                </a:r>
-                <a:r>
-                  <a:rPr lang="en-US" altLang="zh-TW" sz="2200" dirty="0">
-                    <a:latin typeface="Times" panose="02020603050405020304" pitchFamily="18" charset="0"/>
-                    <a:cs typeface="Times" panose="02020603050405020304" pitchFamily="18" charset="0"/>
-                  </a:rPr>
-                  <a:t>to approximate the HPWL.</a:t>
-                </a:r>
-                <a:endParaRPr lang="en-US" altLang="zh-TW" sz="1200" dirty="0">
-                  <a:latin typeface="Times" panose="02020603050405020304" pitchFamily="18" charset="0"/>
-                  <a:cs typeface="Times" panose="02020603050405020304" pitchFamily="18" charset="0"/>
-                </a:endParaRPr>
-              </a:p>
-              <a:p>
-                <a:pPr marL="0" indent="0" algn="ctr">
-                  <a:buNone/>
-                </a:pPr>
-                <a14:m>
-                  <m:oMath xmlns:m="http://schemas.openxmlformats.org/officeDocument/2006/math">
-                    <m:sSub>
-                      <m:sSubPr>
-                        <m:ctrlPr>
-                          <a:rPr lang="en-US" altLang="zh-TW" sz="2400" b="0" i="1" smtClean="0">
-                            <a:latin typeface="Cambria Math" panose="02040503050406030204" pitchFamily="18" charset="0"/>
-                            <a:cs typeface="Times" panose="02020603050405020304" pitchFamily="18" charset="0"/>
-                          </a:rPr>
-                        </m:ctrlPr>
-                      </m:sSubPr>
-                      <m:e>
-                        <m:r>
-                          <a:rPr lang="en-US" altLang="zh-TW" sz="2400" b="0" i="1" smtClean="0">
-                            <a:latin typeface="Cambria Math" panose="02040503050406030204" pitchFamily="18" charset="0"/>
-                            <a:cs typeface="Times" panose="02020603050405020304" pitchFamily="18" charset="0"/>
-                          </a:rPr>
-                          <m:t>𝑊</m:t>
-                        </m:r>
-                      </m:e>
-                      <m:sub>
-                        <m:sSub>
-                          <m:sSubPr>
-                            <m:ctrlPr>
-                              <a:rPr lang="en-US" altLang="zh-TW" sz="2400" b="0" i="1" smtClean="0">
-                                <a:latin typeface="Cambria Math" panose="02040503050406030204" pitchFamily="18" charset="0"/>
-                                <a:cs typeface="Times" panose="02020603050405020304" pitchFamily="18" charset="0"/>
-                              </a:rPr>
-                            </m:ctrlPr>
-                          </m:sSubPr>
-                          <m:e>
-                            <m:r>
-                              <a:rPr lang="en-US" altLang="zh-TW" sz="2400" b="0" i="1" smtClean="0">
-                                <a:latin typeface="Cambria Math" panose="02040503050406030204" pitchFamily="18" charset="0"/>
-                                <a:cs typeface="Times" panose="02020603050405020304" pitchFamily="18" charset="0"/>
-                              </a:rPr>
-                              <m:t>𝑒</m:t>
-                            </m:r>
-                          </m:e>
-                          <m:sub>
-                            <m:r>
-                              <a:rPr lang="en-US" altLang="zh-TW" sz="2400" b="0" i="1" smtClean="0">
-                                <a:latin typeface="Cambria Math" panose="02040503050406030204" pitchFamily="18" charset="0"/>
-                                <a:cs typeface="Times" panose="02020603050405020304" pitchFamily="18" charset="0"/>
-                              </a:rPr>
-                              <m:t>𝑖𝑥</m:t>
-                            </m:r>
-                          </m:sub>
-                        </m:sSub>
-                      </m:sub>
-                    </m:sSub>
-                    <m:r>
-                      <a:rPr lang="en-US" altLang="zh-TW" sz="2400" b="0" i="1" smtClean="0">
-                        <a:latin typeface="Cambria Math" panose="02040503050406030204" pitchFamily="18" charset="0"/>
-                        <a:cs typeface="Times" panose="02020603050405020304" pitchFamily="18" charset="0"/>
-                      </a:rPr>
-                      <m:t> (</m:t>
-                    </m:r>
-                    <m:r>
-                      <a:rPr lang="en-US" altLang="zh-TW" sz="2400" b="0" i="1" smtClean="0">
-                        <a:latin typeface="Cambria Math" panose="02040503050406030204" pitchFamily="18" charset="0"/>
-                        <a:cs typeface="Times" panose="02020603050405020304" pitchFamily="18" charset="0"/>
-                      </a:rPr>
-                      <m:t>𝑥</m:t>
-                    </m:r>
-                    <m:r>
-                      <a:rPr lang="en-US" altLang="zh-TW" sz="2400" b="0" i="1" smtClean="0">
-                        <a:latin typeface="Cambria Math" panose="02040503050406030204" pitchFamily="18" charset="0"/>
-                        <a:cs typeface="Times" panose="02020603050405020304" pitchFamily="18" charset="0"/>
-                      </a:rPr>
-                      <m:t>, </m:t>
-                    </m:r>
-                    <m:r>
-                      <a:rPr lang="en-US" altLang="zh-TW" sz="2400" b="0" i="1" smtClean="0">
-                        <a:latin typeface="Cambria Math" panose="02040503050406030204" pitchFamily="18" charset="0"/>
-                        <a:cs typeface="Times" panose="02020603050405020304" pitchFamily="18" charset="0"/>
-                      </a:rPr>
-                      <m:t>𝑦</m:t>
-                    </m:r>
-                    <m:r>
-                      <a:rPr lang="en-US" altLang="zh-TW" sz="2400" b="0" i="1" smtClean="0">
-                        <a:latin typeface="Cambria Math" panose="02040503050406030204" pitchFamily="18" charset="0"/>
-                        <a:cs typeface="Times" panose="02020603050405020304" pitchFamily="18" charset="0"/>
-                      </a:rPr>
-                      <m:t>)</m:t>
-                    </m:r>
-                  </m:oMath>
-                </a14:m>
-                <a:r>
-                  <a:rPr lang="en-US" altLang="zh-TW" sz="2400" b="0" dirty="0">
-                    <a:latin typeface="Times" panose="02020603050405020304" pitchFamily="18" charset="0"/>
-                    <a:cs typeface="Times" panose="02020603050405020304" pitchFamily="18" charset="0"/>
-                  </a:rPr>
-                  <a:t> = </a:t>
-                </a:r>
-                <a14:m>
-                  <m:oMath xmlns:m="http://schemas.openxmlformats.org/officeDocument/2006/math">
-                    <m:r>
-                      <a:rPr lang="en-US" altLang="zh-TW" sz="2400" b="0" i="0" smtClean="0">
-                        <a:latin typeface="Cambria Math" panose="02040503050406030204" pitchFamily="18" charset="0"/>
-                        <a:cs typeface="Times" panose="02020603050405020304" pitchFamily="18" charset="0"/>
-                      </a:rPr>
-                      <m:t>  </m:t>
-                    </m:r>
-                    <m:f>
-                      <m:fPr>
-                        <m:ctrlPr>
-                          <a:rPr lang="en-US" altLang="zh-TW" sz="2400" b="0" i="1" smtClean="0">
-                            <a:latin typeface="Cambria Math" panose="02040503050406030204" pitchFamily="18" charset="0"/>
-                            <a:cs typeface="Times" panose="02020603050405020304" pitchFamily="18" charset="0"/>
-                          </a:rPr>
-                        </m:ctrlPr>
-                      </m:fPr>
-                      <m:num>
-                        <m:func>
-                          <m:funcPr>
-                            <m:ctrlPr>
-                              <a:rPr lang="en-US" altLang="zh-TW" sz="2400" b="0" i="1" smtClean="0">
-                                <a:latin typeface="Cambria Math" panose="02040503050406030204" pitchFamily="18" charset="0"/>
-                                <a:cs typeface="Times" panose="02020603050405020304" pitchFamily="18" charset="0"/>
-                              </a:rPr>
-                            </m:ctrlPr>
-                          </m:funcPr>
-                          <m:fName>
-                            <m:limLow>
-                              <m:limLowPr>
-                                <m:ctrlPr>
-                                  <a:rPr lang="en-US" altLang="zh-TW" sz="2400" b="0" i="1" smtClean="0">
-                                    <a:latin typeface="Cambria Math" panose="02040503050406030204" pitchFamily="18" charset="0"/>
-                                    <a:cs typeface="Times" panose="02020603050405020304" pitchFamily="18" charset="0"/>
-                                  </a:rPr>
-                                </m:ctrlPr>
-                              </m:limLowPr>
-                              <m:e>
-                                <m:r>
-                                  <m:rPr>
-                                    <m:sty m:val="p"/>
-                                  </m:rPr>
-                                  <a:rPr lang="en-US" altLang="zh-TW" sz="2400" i="1">
-                                    <a:latin typeface="Cambria Math" panose="02040503050406030204" pitchFamily="18" charset="0"/>
-                                    <a:cs typeface="Times" panose="02020603050405020304" pitchFamily="18" charset="0"/>
-                                  </a:rPr>
-                                  <m:t>Σ</m:t>
-                                </m:r>
-                              </m:e>
-                              <m:lim>
-                                <m:r>
-                                  <a:rPr lang="en-US" altLang="zh-TW" sz="2400" b="0" i="1" smtClean="0">
-                                    <a:latin typeface="Cambria Math" panose="02040503050406030204" pitchFamily="18" charset="0"/>
-                                    <a:cs typeface="Times" panose="02020603050405020304" pitchFamily="18" charset="0"/>
-                                  </a:rPr>
-                                  <m:t>𝑗</m:t>
-                                </m:r>
-                                <m:r>
-                                  <a:rPr lang="en-US" altLang="zh-TW" sz="2400" b="0" i="1" smtClean="0">
-                                    <a:latin typeface="Cambria Math" panose="02040503050406030204" pitchFamily="18" charset="0"/>
-                                    <a:ea typeface="Cambria Math" panose="02040503050406030204" pitchFamily="18" charset="0"/>
-                                    <a:cs typeface="Times" panose="02020603050405020304" pitchFamily="18" charset="0"/>
-                                  </a:rPr>
-                                  <m:t>∈</m:t>
-                                </m:r>
-                                <m:sSub>
-                                  <m:sSubPr>
-                                    <m:ctrlPr>
-                                      <a:rPr lang="en-US" altLang="zh-TW" sz="2400" b="0" i="1" smtClean="0">
-                                        <a:latin typeface="Cambria Math" panose="02040503050406030204" pitchFamily="18" charset="0"/>
-                                        <a:ea typeface="Cambria Math" panose="02040503050406030204" pitchFamily="18" charset="0"/>
-                                        <a:cs typeface="Times" panose="02020603050405020304" pitchFamily="18" charset="0"/>
-                                      </a:rPr>
-                                    </m:ctrlPr>
-                                  </m:sSubPr>
-                                  <m:e>
-                                    <m:r>
-                                      <a:rPr lang="en-US" altLang="zh-TW" sz="2400" b="0" i="1" smtClean="0">
-                                        <a:latin typeface="Cambria Math" panose="02040503050406030204" pitchFamily="18" charset="0"/>
-                                        <a:ea typeface="Cambria Math" panose="02040503050406030204" pitchFamily="18" charset="0"/>
-                                        <a:cs typeface="Times" panose="02020603050405020304" pitchFamily="18" charset="0"/>
-                                      </a:rPr>
-                                      <m:t>𝑒</m:t>
-                                    </m:r>
-                                  </m:e>
-                                  <m:sub>
-                                    <m:r>
-                                      <a:rPr lang="en-US" altLang="zh-TW" sz="2400" b="0" i="1" smtClean="0">
-                                        <a:latin typeface="Cambria Math" panose="02040503050406030204" pitchFamily="18" charset="0"/>
-                                        <a:ea typeface="Cambria Math" panose="02040503050406030204" pitchFamily="18" charset="0"/>
-                                        <a:cs typeface="Times" panose="02020603050405020304" pitchFamily="18" charset="0"/>
-                                      </a:rPr>
-                                      <m:t>𝑖</m:t>
-                                    </m:r>
-                                  </m:sub>
-                                </m:sSub>
-                              </m:lim>
-                            </m:limLow>
-                          </m:fName>
-                          <m:e>
-                            <m:sSub>
-                              <m:sSubPr>
-                                <m:ctrlPr>
-                                  <a:rPr lang="en-US" altLang="zh-TW" sz="2400" b="0" i="1" smtClean="0">
-                                    <a:latin typeface="Cambria Math" panose="02040503050406030204" pitchFamily="18" charset="0"/>
-                                    <a:cs typeface="Times" panose="02020603050405020304" pitchFamily="18" charset="0"/>
-                                  </a:rPr>
-                                </m:ctrlPr>
-                              </m:sSubPr>
-                              <m:e>
-                                <m:r>
-                                  <a:rPr lang="en-US" altLang="zh-TW" sz="2400" b="0" i="1" smtClean="0">
-                                    <a:latin typeface="Cambria Math" panose="02040503050406030204" pitchFamily="18" charset="0"/>
-                                    <a:cs typeface="Times" panose="02020603050405020304" pitchFamily="18" charset="0"/>
-                                  </a:rPr>
-                                  <m:t>𝑥</m:t>
-                                </m:r>
-                              </m:e>
-                              <m:sub>
-                                <m:r>
-                                  <a:rPr lang="en-US" altLang="zh-TW" sz="2400" b="0" i="1" smtClean="0">
-                                    <a:latin typeface="Cambria Math" panose="02040503050406030204" pitchFamily="18" charset="0"/>
-                                    <a:cs typeface="Times" panose="02020603050405020304" pitchFamily="18" charset="0"/>
-                                  </a:rPr>
-                                  <m:t>𝑗</m:t>
-                                </m:r>
-                              </m:sub>
-                            </m:sSub>
-                            <m:sSup>
-                              <m:sSupPr>
-                                <m:ctrlPr>
-                                  <a:rPr lang="en-US" altLang="zh-TW" sz="2400" i="1">
-                                    <a:latin typeface="Cambria Math" panose="02040503050406030204" pitchFamily="18" charset="0"/>
-                                    <a:cs typeface="Times" panose="02020603050405020304" pitchFamily="18" charset="0"/>
-                                  </a:rPr>
-                                </m:ctrlPr>
-                              </m:sSupPr>
-                              <m:e>
-                                <m:r>
-                                  <a:rPr lang="en-US" altLang="zh-TW" sz="2400" b="0" i="1" smtClean="0">
-                                    <a:latin typeface="Cambria Math" panose="02040503050406030204" pitchFamily="18" charset="0"/>
-                                    <a:cs typeface="Times" panose="02020603050405020304" pitchFamily="18" charset="0"/>
-                                  </a:rPr>
-                                  <m:t> </m:t>
-                                </m:r>
-                                <m:r>
-                                  <a:rPr lang="en-US" altLang="zh-TW" sz="2400" i="1">
-                                    <a:latin typeface="Cambria Math" panose="02040503050406030204" pitchFamily="18" charset="0"/>
-                                    <a:cs typeface="Times" panose="02020603050405020304" pitchFamily="18" charset="0"/>
-                                  </a:rPr>
-                                  <m:t>𝑒</m:t>
-                                </m:r>
-                              </m:e>
-                              <m:sup>
-                                <m:f>
-                                  <m:fPr>
-                                    <m:ctrlPr>
-                                      <a:rPr lang="en-US" altLang="zh-TW" sz="2400" i="1">
-                                        <a:latin typeface="Cambria Math" panose="02040503050406030204" pitchFamily="18" charset="0"/>
-                                        <a:cs typeface="Times" panose="02020603050405020304" pitchFamily="18" charset="0"/>
-                                      </a:rPr>
-                                    </m:ctrlPr>
-                                  </m:fPr>
-                                  <m:num>
-                                    <m:sSub>
-                                      <m:sSubPr>
-                                        <m:ctrlPr>
-                                          <a:rPr lang="en-US" altLang="zh-TW" sz="2400" i="1">
-                                            <a:latin typeface="Cambria Math" panose="02040503050406030204" pitchFamily="18" charset="0"/>
-                                            <a:cs typeface="Times" panose="02020603050405020304" pitchFamily="18" charset="0"/>
-                                          </a:rPr>
-                                        </m:ctrlPr>
-                                      </m:sSubPr>
-                                      <m:e>
-                                        <m:r>
-                                          <a:rPr lang="en-US" altLang="zh-TW" sz="2400" i="1">
-                                            <a:latin typeface="Cambria Math" panose="02040503050406030204" pitchFamily="18" charset="0"/>
-                                            <a:cs typeface="Times" panose="02020603050405020304" pitchFamily="18" charset="0"/>
-                                          </a:rPr>
-                                          <m:t>𝑥</m:t>
-                                        </m:r>
-                                      </m:e>
-                                      <m:sub>
-                                        <m:r>
-                                          <a:rPr lang="en-US" altLang="zh-TW" sz="2400" i="1">
-                                            <a:latin typeface="Cambria Math" panose="02040503050406030204" pitchFamily="18" charset="0"/>
-                                            <a:cs typeface="Times" panose="02020603050405020304" pitchFamily="18" charset="0"/>
-                                          </a:rPr>
-                                          <m:t>𝑗</m:t>
-                                        </m:r>
-                                      </m:sub>
-                                    </m:sSub>
-                                  </m:num>
-                                  <m:den>
-                                    <m:r>
-                                      <m:rPr>
-                                        <m:sty m:val="p"/>
-                                      </m:rPr>
-                                      <a:rPr lang="en-US" altLang="zh-TW" sz="2400" i="1">
-                                        <a:latin typeface="Cambria Math" panose="02040503050406030204" pitchFamily="18" charset="0"/>
-                                        <a:cs typeface="Times" panose="02020603050405020304" pitchFamily="18" charset="0"/>
-                                      </a:rPr>
-                                      <m:t>γ</m:t>
-                                    </m:r>
-                                  </m:den>
-                                </m:f>
-                              </m:sup>
-                            </m:sSup>
-                          </m:e>
-                        </m:func>
-                      </m:num>
-                      <m:den>
-                        <m:func>
-                          <m:funcPr>
-                            <m:ctrlPr>
-                              <a:rPr lang="en-US" altLang="zh-TW" sz="2400" i="1">
-                                <a:latin typeface="Cambria Math" panose="02040503050406030204" pitchFamily="18" charset="0"/>
-                                <a:cs typeface="Times" panose="02020603050405020304" pitchFamily="18" charset="0"/>
-                              </a:rPr>
-                            </m:ctrlPr>
-                          </m:funcPr>
-                          <m:fName>
-                            <m:sSub>
-                              <m:sSubPr>
-                                <m:ctrlPr>
-                                  <a:rPr lang="en-US" altLang="zh-TW" sz="2400" i="1" smtClean="0">
-                                    <a:latin typeface="Cambria Math" panose="02040503050406030204" pitchFamily="18" charset="0"/>
-                                    <a:cs typeface="Times" panose="02020603050405020304" pitchFamily="18" charset="0"/>
-                                  </a:rPr>
-                                </m:ctrlPr>
-                              </m:sSubPr>
-                              <m:e>
-                                <m:r>
-                                  <m:rPr>
-                                    <m:sty m:val="p"/>
-                                  </m:rPr>
-                                  <a:rPr lang="en-US" altLang="zh-TW" sz="2400" i="1">
-                                    <a:latin typeface="Cambria Math" panose="02040503050406030204" pitchFamily="18" charset="0"/>
-                                    <a:cs typeface="Times" panose="02020603050405020304" pitchFamily="18" charset="0"/>
-                                  </a:rPr>
-                                  <m:t>Σ</m:t>
-                                </m:r>
-                              </m:e>
-                              <m:sub>
-                                <m:r>
-                                  <a:rPr lang="en-US" altLang="zh-TW" sz="2400" i="1">
-                                    <a:latin typeface="Cambria Math" panose="02040503050406030204" pitchFamily="18" charset="0"/>
-                                    <a:cs typeface="Times" panose="02020603050405020304" pitchFamily="18" charset="0"/>
-                                  </a:rPr>
-                                  <m:t>𝑗</m:t>
-                                </m:r>
-                                <m:r>
-                                  <a:rPr lang="en-US" altLang="zh-TW" sz="2400" i="1">
-                                    <a:latin typeface="Cambria Math" panose="02040503050406030204" pitchFamily="18" charset="0"/>
-                                    <a:ea typeface="Cambria Math" panose="02040503050406030204" pitchFamily="18" charset="0"/>
-                                    <a:cs typeface="Times" panose="02020603050405020304" pitchFamily="18" charset="0"/>
-                                  </a:rPr>
-                                  <m:t>∈</m:t>
-                                </m:r>
-                                <m:sSub>
-                                  <m:sSubPr>
-                                    <m:ctrlPr>
-                                      <a:rPr lang="en-US" altLang="zh-TW" sz="2400" i="1">
-                                        <a:latin typeface="Cambria Math" panose="02040503050406030204" pitchFamily="18" charset="0"/>
-                                        <a:ea typeface="Cambria Math" panose="02040503050406030204" pitchFamily="18" charset="0"/>
-                                        <a:cs typeface="Times" panose="02020603050405020304" pitchFamily="18" charset="0"/>
-                                      </a:rPr>
-                                    </m:ctrlPr>
-                                  </m:sSubPr>
-                                  <m:e>
-                                    <m:r>
-                                      <a:rPr lang="en-US" altLang="zh-TW" sz="2400" i="1">
-                                        <a:latin typeface="Cambria Math" panose="02040503050406030204" pitchFamily="18" charset="0"/>
-                                        <a:ea typeface="Cambria Math" panose="02040503050406030204" pitchFamily="18" charset="0"/>
-                                        <a:cs typeface="Times" panose="02020603050405020304" pitchFamily="18" charset="0"/>
-                                      </a:rPr>
-                                      <m:t>𝑒</m:t>
-                                    </m:r>
-                                  </m:e>
-                                  <m:sub>
-                                    <m:r>
-                                      <a:rPr lang="en-US" altLang="zh-TW" sz="2400" i="1">
-                                        <a:latin typeface="Cambria Math" panose="02040503050406030204" pitchFamily="18" charset="0"/>
-                                        <a:ea typeface="Cambria Math" panose="02040503050406030204" pitchFamily="18" charset="0"/>
-                                        <a:cs typeface="Times" panose="02020603050405020304" pitchFamily="18" charset="0"/>
-                                      </a:rPr>
-                                      <m:t>𝑖</m:t>
-                                    </m:r>
-                                  </m:sub>
-                                </m:sSub>
-                              </m:sub>
-                            </m:sSub>
-                          </m:fName>
-                          <m:e>
-                            <m:sSup>
-                              <m:sSupPr>
-                                <m:ctrlPr>
-                                  <a:rPr lang="en-US" altLang="zh-TW" sz="2400" i="1">
-                                    <a:latin typeface="Cambria Math" panose="02040503050406030204" pitchFamily="18" charset="0"/>
-                                    <a:cs typeface="Times" panose="02020603050405020304" pitchFamily="18" charset="0"/>
-                                  </a:rPr>
-                                </m:ctrlPr>
-                              </m:sSupPr>
-                              <m:e>
-                                <m:r>
-                                  <a:rPr lang="en-US" altLang="zh-TW" sz="2400" i="1">
-                                    <a:latin typeface="Cambria Math" panose="02040503050406030204" pitchFamily="18" charset="0"/>
-                                    <a:cs typeface="Times" panose="02020603050405020304" pitchFamily="18" charset="0"/>
-                                  </a:rPr>
-                                  <m:t> </m:t>
-                                </m:r>
-                                <m:r>
-                                  <a:rPr lang="en-US" altLang="zh-TW" sz="2400" i="1">
-                                    <a:latin typeface="Cambria Math" panose="02040503050406030204" pitchFamily="18" charset="0"/>
-                                    <a:cs typeface="Times" panose="02020603050405020304" pitchFamily="18" charset="0"/>
-                                  </a:rPr>
-                                  <m:t>𝑒</m:t>
-                                </m:r>
-                              </m:e>
-                              <m:sup>
-                                <m:f>
-                                  <m:fPr>
-                                    <m:ctrlPr>
-                                      <a:rPr lang="en-US" altLang="zh-TW" sz="2400" i="1">
-                                        <a:latin typeface="Cambria Math" panose="02040503050406030204" pitchFamily="18" charset="0"/>
-                                        <a:cs typeface="Times" panose="02020603050405020304" pitchFamily="18" charset="0"/>
-                                      </a:rPr>
-                                    </m:ctrlPr>
-                                  </m:fPr>
-                                  <m:num>
-                                    <m:sSub>
-                                      <m:sSubPr>
-                                        <m:ctrlPr>
-                                          <a:rPr lang="en-US" altLang="zh-TW" sz="2400" i="1">
-                                            <a:latin typeface="Cambria Math" panose="02040503050406030204" pitchFamily="18" charset="0"/>
-                                            <a:cs typeface="Times" panose="02020603050405020304" pitchFamily="18" charset="0"/>
-                                          </a:rPr>
-                                        </m:ctrlPr>
-                                      </m:sSubPr>
-                                      <m:e>
-                                        <m:r>
-                                          <a:rPr lang="en-US" altLang="zh-TW" sz="2400" i="1">
-                                            <a:latin typeface="Cambria Math" panose="02040503050406030204" pitchFamily="18" charset="0"/>
-                                            <a:cs typeface="Times" panose="02020603050405020304" pitchFamily="18" charset="0"/>
-                                          </a:rPr>
-                                          <m:t>𝑥</m:t>
-                                        </m:r>
-                                      </m:e>
-                                      <m:sub>
-                                        <m:r>
-                                          <a:rPr lang="en-US" altLang="zh-TW" sz="2400" i="1">
-                                            <a:latin typeface="Cambria Math" panose="02040503050406030204" pitchFamily="18" charset="0"/>
-                                            <a:cs typeface="Times" panose="02020603050405020304" pitchFamily="18" charset="0"/>
-                                          </a:rPr>
-                                          <m:t>𝑗</m:t>
-                                        </m:r>
-                                      </m:sub>
-                                    </m:sSub>
-                                  </m:num>
-                                  <m:den>
-                                    <m:r>
-                                      <m:rPr>
-                                        <m:sty m:val="p"/>
-                                      </m:rPr>
-                                      <a:rPr lang="en-US" altLang="zh-TW" sz="2400" i="1">
-                                        <a:latin typeface="Cambria Math" panose="02040503050406030204" pitchFamily="18" charset="0"/>
-                                        <a:cs typeface="Times" panose="02020603050405020304" pitchFamily="18" charset="0"/>
-                                      </a:rPr>
-                                      <m:t>γ</m:t>
-                                    </m:r>
-                                  </m:den>
-                                </m:f>
-                              </m:sup>
-                            </m:sSup>
-                          </m:e>
-                        </m:func>
-                      </m:den>
-                    </m:f>
-                  </m:oMath>
-                </a14:m>
-                <a:r>
-                  <a:rPr lang="en-US" altLang="zh-TW" sz="2400" dirty="0">
-                    <a:latin typeface="Times" panose="02020603050405020304" pitchFamily="18" charset="0"/>
-                    <a:cs typeface="Times" panose="02020603050405020304" pitchFamily="18" charset="0"/>
-                  </a:rPr>
-                  <a:t>  - </a:t>
-                </a:r>
-                <a14:m>
-                  <m:oMath xmlns:m="http://schemas.openxmlformats.org/officeDocument/2006/math">
-                    <m:r>
-                      <a:rPr lang="en-US" altLang="zh-TW" sz="2400">
-                        <a:latin typeface="Cambria Math" panose="02040503050406030204" pitchFamily="18" charset="0"/>
-                        <a:cs typeface="Times" panose="02020603050405020304" pitchFamily="18" charset="0"/>
-                      </a:rPr>
-                      <m:t>  </m:t>
-                    </m:r>
-                    <m:f>
-                      <m:fPr>
-                        <m:ctrlPr>
-                          <a:rPr lang="en-US" altLang="zh-TW" sz="2400" i="1">
-                            <a:latin typeface="Cambria Math" panose="02040503050406030204" pitchFamily="18" charset="0"/>
-                            <a:cs typeface="Times" panose="02020603050405020304" pitchFamily="18" charset="0"/>
-                          </a:rPr>
-                        </m:ctrlPr>
-                      </m:fPr>
-                      <m:num>
-                        <m:func>
-                          <m:funcPr>
-                            <m:ctrlPr>
-                              <a:rPr lang="en-US" altLang="zh-TW" sz="2400" i="1">
-                                <a:latin typeface="Cambria Math" panose="02040503050406030204" pitchFamily="18" charset="0"/>
-                                <a:cs typeface="Times" panose="02020603050405020304" pitchFamily="18" charset="0"/>
-                              </a:rPr>
-                            </m:ctrlPr>
-                          </m:funcPr>
-                          <m:fName>
-                            <m:limLow>
-                              <m:limLowPr>
-                                <m:ctrlPr>
-                                  <a:rPr lang="en-US" altLang="zh-TW" sz="2400" i="1">
-                                    <a:latin typeface="Cambria Math" panose="02040503050406030204" pitchFamily="18" charset="0"/>
-                                    <a:cs typeface="Times" panose="02020603050405020304" pitchFamily="18" charset="0"/>
-                                  </a:rPr>
-                                </m:ctrlPr>
-                              </m:limLowPr>
-                              <m:e>
-                                <m:r>
-                                  <m:rPr>
-                                    <m:sty m:val="p"/>
-                                  </m:rPr>
-                                  <a:rPr lang="en-US" altLang="zh-TW" sz="2400" i="1">
-                                    <a:latin typeface="Cambria Math" panose="02040503050406030204" pitchFamily="18" charset="0"/>
-                                    <a:cs typeface="Times" panose="02020603050405020304" pitchFamily="18" charset="0"/>
-                                  </a:rPr>
-                                  <m:t>Σ</m:t>
-                                </m:r>
-                              </m:e>
-                              <m:lim>
-                                <m:r>
-                                  <a:rPr lang="en-US" altLang="zh-TW" sz="2400" i="1">
-                                    <a:latin typeface="Cambria Math" panose="02040503050406030204" pitchFamily="18" charset="0"/>
-                                    <a:cs typeface="Times" panose="02020603050405020304" pitchFamily="18" charset="0"/>
-                                  </a:rPr>
-                                  <m:t>𝑗</m:t>
-                                </m:r>
-                                <m:r>
-                                  <a:rPr lang="en-US" altLang="zh-TW" sz="2400" i="1">
-                                    <a:latin typeface="Cambria Math" panose="02040503050406030204" pitchFamily="18" charset="0"/>
-                                    <a:ea typeface="Cambria Math" panose="02040503050406030204" pitchFamily="18" charset="0"/>
-                                    <a:cs typeface="Times" panose="02020603050405020304" pitchFamily="18" charset="0"/>
-                                  </a:rPr>
-                                  <m:t>∈</m:t>
-                                </m:r>
-                                <m:sSub>
-                                  <m:sSubPr>
-                                    <m:ctrlPr>
-                                      <a:rPr lang="en-US" altLang="zh-TW" sz="2400" i="1">
-                                        <a:latin typeface="Cambria Math" panose="02040503050406030204" pitchFamily="18" charset="0"/>
-                                        <a:ea typeface="Cambria Math" panose="02040503050406030204" pitchFamily="18" charset="0"/>
-                                        <a:cs typeface="Times" panose="02020603050405020304" pitchFamily="18" charset="0"/>
-                                      </a:rPr>
-                                    </m:ctrlPr>
-                                  </m:sSubPr>
-                                  <m:e>
-                                    <m:r>
-                                      <a:rPr lang="en-US" altLang="zh-TW" sz="2400" i="1">
-                                        <a:latin typeface="Cambria Math" panose="02040503050406030204" pitchFamily="18" charset="0"/>
-                                        <a:ea typeface="Cambria Math" panose="02040503050406030204" pitchFamily="18" charset="0"/>
-                                        <a:cs typeface="Times" panose="02020603050405020304" pitchFamily="18" charset="0"/>
-                                      </a:rPr>
-                                      <m:t>𝑒</m:t>
-                                    </m:r>
-                                  </m:e>
-                                  <m:sub>
-                                    <m:r>
-                                      <a:rPr lang="en-US" altLang="zh-TW" sz="2400" i="1">
-                                        <a:latin typeface="Cambria Math" panose="02040503050406030204" pitchFamily="18" charset="0"/>
-                                        <a:ea typeface="Cambria Math" panose="02040503050406030204" pitchFamily="18" charset="0"/>
-                                        <a:cs typeface="Times" panose="02020603050405020304" pitchFamily="18" charset="0"/>
-                                      </a:rPr>
-                                      <m:t>𝑖</m:t>
-                                    </m:r>
-                                  </m:sub>
-                                </m:sSub>
-                              </m:lim>
-                            </m:limLow>
-                          </m:fName>
-                          <m:e>
-                            <m:sSub>
-                              <m:sSubPr>
-                                <m:ctrlPr>
-                                  <a:rPr lang="en-US" altLang="zh-TW" sz="2400" i="1">
-                                    <a:latin typeface="Cambria Math" panose="02040503050406030204" pitchFamily="18" charset="0"/>
-                                    <a:cs typeface="Times" panose="02020603050405020304" pitchFamily="18" charset="0"/>
-                                  </a:rPr>
-                                </m:ctrlPr>
-                              </m:sSubPr>
-                              <m:e>
-                                <m:r>
-                                  <a:rPr lang="en-US" altLang="zh-TW" sz="2400" i="1">
-                                    <a:latin typeface="Cambria Math" panose="02040503050406030204" pitchFamily="18" charset="0"/>
-                                    <a:cs typeface="Times" panose="02020603050405020304" pitchFamily="18" charset="0"/>
-                                  </a:rPr>
-                                  <m:t>𝑥</m:t>
-                                </m:r>
-                              </m:e>
-                              <m:sub>
-                                <m:r>
-                                  <a:rPr lang="en-US" altLang="zh-TW" sz="2400" i="1">
-                                    <a:latin typeface="Cambria Math" panose="02040503050406030204" pitchFamily="18" charset="0"/>
-                                    <a:cs typeface="Times" panose="02020603050405020304" pitchFamily="18" charset="0"/>
-                                  </a:rPr>
-                                  <m:t>𝑗</m:t>
-                                </m:r>
-                              </m:sub>
-                            </m:sSub>
-                            <m:sSup>
-                              <m:sSupPr>
-                                <m:ctrlPr>
-                                  <a:rPr lang="en-US" altLang="zh-TW" sz="2400" i="1">
-                                    <a:latin typeface="Cambria Math" panose="02040503050406030204" pitchFamily="18" charset="0"/>
-                                    <a:cs typeface="Times" panose="02020603050405020304" pitchFamily="18" charset="0"/>
-                                  </a:rPr>
-                                </m:ctrlPr>
-                              </m:sSupPr>
-                              <m:e>
-                                <m:r>
-                                  <a:rPr lang="en-US" altLang="zh-TW" sz="2400" i="1">
-                                    <a:latin typeface="Cambria Math" panose="02040503050406030204" pitchFamily="18" charset="0"/>
-                                    <a:cs typeface="Times" panose="02020603050405020304" pitchFamily="18" charset="0"/>
-                                  </a:rPr>
-                                  <m:t> </m:t>
-                                </m:r>
-                                <m:r>
-                                  <a:rPr lang="en-US" altLang="zh-TW" sz="2400" i="1">
-                                    <a:latin typeface="Cambria Math" panose="02040503050406030204" pitchFamily="18" charset="0"/>
-                                    <a:cs typeface="Times" panose="02020603050405020304" pitchFamily="18" charset="0"/>
-                                  </a:rPr>
-                                  <m:t>𝑒</m:t>
-                                </m:r>
-                              </m:e>
-                              <m:sup>
-                                <m:f>
-                                  <m:fPr>
-                                    <m:ctrlPr>
-                                      <a:rPr lang="en-US" altLang="zh-TW" sz="2400" i="1">
-                                        <a:latin typeface="Cambria Math" panose="02040503050406030204" pitchFamily="18" charset="0"/>
-                                        <a:cs typeface="Times" panose="02020603050405020304" pitchFamily="18" charset="0"/>
-                                      </a:rPr>
-                                    </m:ctrlPr>
-                                  </m:fPr>
-                                  <m:num>
-                                    <m:sSub>
-                                      <m:sSubPr>
-                                        <m:ctrlPr>
-                                          <a:rPr lang="en-US" altLang="zh-TW" sz="2400" i="1">
-                                            <a:latin typeface="Cambria Math" panose="02040503050406030204" pitchFamily="18" charset="0"/>
-                                            <a:cs typeface="Times" panose="02020603050405020304" pitchFamily="18" charset="0"/>
-                                          </a:rPr>
-                                        </m:ctrlPr>
-                                      </m:sSubPr>
-                                      <m:e>
-                                        <m:r>
-                                          <a:rPr lang="en-US" altLang="zh-TW" sz="2400" i="1">
-                                            <a:latin typeface="Cambria Math" panose="02040503050406030204" pitchFamily="18" charset="0"/>
-                                            <a:cs typeface="Times" panose="02020603050405020304" pitchFamily="18" charset="0"/>
-                                          </a:rPr>
-                                          <m:t>−</m:t>
-                                        </m:r>
-                                        <m:r>
-                                          <a:rPr lang="en-US" altLang="zh-TW" sz="2400" i="1">
-                                            <a:latin typeface="Cambria Math" panose="02040503050406030204" pitchFamily="18" charset="0"/>
-                                            <a:cs typeface="Times" panose="02020603050405020304" pitchFamily="18" charset="0"/>
-                                          </a:rPr>
-                                          <m:t>𝑥</m:t>
-                                        </m:r>
-                                      </m:e>
-                                      <m:sub>
-                                        <m:r>
-                                          <a:rPr lang="en-US" altLang="zh-TW" sz="2400" i="1">
-                                            <a:latin typeface="Cambria Math" panose="02040503050406030204" pitchFamily="18" charset="0"/>
-                                            <a:cs typeface="Times" panose="02020603050405020304" pitchFamily="18" charset="0"/>
-                                          </a:rPr>
-                                          <m:t>𝑗</m:t>
-                                        </m:r>
-                                      </m:sub>
-                                    </m:sSub>
-                                  </m:num>
-                                  <m:den>
-                                    <m:r>
-                                      <m:rPr>
-                                        <m:sty m:val="p"/>
-                                      </m:rPr>
-                                      <a:rPr lang="en-US" altLang="zh-TW" sz="2400" i="1">
-                                        <a:latin typeface="Cambria Math" panose="02040503050406030204" pitchFamily="18" charset="0"/>
-                                        <a:cs typeface="Times" panose="02020603050405020304" pitchFamily="18" charset="0"/>
-                                      </a:rPr>
-                                      <m:t>γ</m:t>
-                                    </m:r>
-                                  </m:den>
-                                </m:f>
-                              </m:sup>
-                            </m:sSup>
-                          </m:e>
-                        </m:func>
-                      </m:num>
-                      <m:den>
-                        <m:func>
-                          <m:funcPr>
-                            <m:ctrlPr>
-                              <a:rPr lang="en-US" altLang="zh-TW" sz="2400" i="1">
-                                <a:latin typeface="Cambria Math" panose="02040503050406030204" pitchFamily="18" charset="0"/>
-                                <a:cs typeface="Times" panose="02020603050405020304" pitchFamily="18" charset="0"/>
-                              </a:rPr>
-                            </m:ctrlPr>
-                          </m:funcPr>
-                          <m:fName>
-                            <m:sSub>
-                              <m:sSubPr>
-                                <m:ctrlPr>
-                                  <a:rPr lang="en-US" altLang="zh-TW" sz="2400" i="1">
-                                    <a:latin typeface="Cambria Math" panose="02040503050406030204" pitchFamily="18" charset="0"/>
-                                    <a:cs typeface="Times" panose="02020603050405020304" pitchFamily="18" charset="0"/>
-                                  </a:rPr>
-                                </m:ctrlPr>
-                              </m:sSubPr>
-                              <m:e>
-                                <m:r>
-                                  <m:rPr>
-                                    <m:sty m:val="p"/>
-                                  </m:rPr>
-                                  <a:rPr lang="en-US" altLang="zh-TW" sz="2400" i="1">
-                                    <a:latin typeface="Cambria Math" panose="02040503050406030204" pitchFamily="18" charset="0"/>
-                                    <a:cs typeface="Times" panose="02020603050405020304" pitchFamily="18" charset="0"/>
-                                  </a:rPr>
-                                  <m:t>Σ</m:t>
-                                </m:r>
-                              </m:e>
-                              <m:sub>
-                                <m:r>
-                                  <a:rPr lang="en-US" altLang="zh-TW" sz="2400" i="1">
-                                    <a:latin typeface="Cambria Math" panose="02040503050406030204" pitchFamily="18" charset="0"/>
-                                    <a:cs typeface="Times" panose="02020603050405020304" pitchFamily="18" charset="0"/>
-                                  </a:rPr>
-                                  <m:t>𝑗</m:t>
-                                </m:r>
-                                <m:r>
-                                  <a:rPr lang="en-US" altLang="zh-TW" sz="2400" i="1">
-                                    <a:latin typeface="Cambria Math" panose="02040503050406030204" pitchFamily="18" charset="0"/>
-                                    <a:ea typeface="Cambria Math" panose="02040503050406030204" pitchFamily="18" charset="0"/>
-                                    <a:cs typeface="Times" panose="02020603050405020304" pitchFamily="18" charset="0"/>
-                                  </a:rPr>
-                                  <m:t>∈</m:t>
-                                </m:r>
-                                <m:sSub>
-                                  <m:sSubPr>
-                                    <m:ctrlPr>
-                                      <a:rPr lang="en-US" altLang="zh-TW" sz="2400" i="1">
-                                        <a:latin typeface="Cambria Math" panose="02040503050406030204" pitchFamily="18" charset="0"/>
-                                        <a:ea typeface="Cambria Math" panose="02040503050406030204" pitchFamily="18" charset="0"/>
-                                        <a:cs typeface="Times" panose="02020603050405020304" pitchFamily="18" charset="0"/>
-                                      </a:rPr>
-                                    </m:ctrlPr>
-                                  </m:sSubPr>
-                                  <m:e>
-                                    <m:r>
-                                      <a:rPr lang="en-US" altLang="zh-TW" sz="2400" i="1">
-                                        <a:latin typeface="Cambria Math" panose="02040503050406030204" pitchFamily="18" charset="0"/>
-                                        <a:ea typeface="Cambria Math" panose="02040503050406030204" pitchFamily="18" charset="0"/>
-                                        <a:cs typeface="Times" panose="02020603050405020304" pitchFamily="18" charset="0"/>
-                                      </a:rPr>
-                                      <m:t>𝑒</m:t>
-                                    </m:r>
-                                  </m:e>
-                                  <m:sub>
-                                    <m:r>
-                                      <a:rPr lang="en-US" altLang="zh-TW" sz="2400" i="1">
-                                        <a:latin typeface="Cambria Math" panose="02040503050406030204" pitchFamily="18" charset="0"/>
-                                        <a:ea typeface="Cambria Math" panose="02040503050406030204" pitchFamily="18" charset="0"/>
-                                        <a:cs typeface="Times" panose="02020603050405020304" pitchFamily="18" charset="0"/>
-                                      </a:rPr>
-                                      <m:t>𝑖</m:t>
-                                    </m:r>
-                                  </m:sub>
-                                </m:sSub>
-                              </m:sub>
-                            </m:sSub>
-                          </m:fName>
-                          <m:e>
-                            <m:sSup>
-                              <m:sSupPr>
-                                <m:ctrlPr>
-                                  <a:rPr lang="en-US" altLang="zh-TW" sz="2400" i="1">
-                                    <a:latin typeface="Cambria Math" panose="02040503050406030204" pitchFamily="18" charset="0"/>
-                                    <a:cs typeface="Times" panose="02020603050405020304" pitchFamily="18" charset="0"/>
-                                  </a:rPr>
-                                </m:ctrlPr>
-                              </m:sSupPr>
-                              <m:e>
-                                <m:r>
-                                  <a:rPr lang="en-US" altLang="zh-TW" sz="2400" i="1">
-                                    <a:latin typeface="Cambria Math" panose="02040503050406030204" pitchFamily="18" charset="0"/>
-                                    <a:cs typeface="Times" panose="02020603050405020304" pitchFamily="18" charset="0"/>
-                                  </a:rPr>
-                                  <m:t> </m:t>
-                                </m:r>
-                                <m:r>
-                                  <a:rPr lang="en-US" altLang="zh-TW" sz="2400" i="1">
-                                    <a:latin typeface="Cambria Math" panose="02040503050406030204" pitchFamily="18" charset="0"/>
-                                    <a:cs typeface="Times" panose="02020603050405020304" pitchFamily="18" charset="0"/>
-                                  </a:rPr>
-                                  <m:t>𝑒</m:t>
-                                </m:r>
-                              </m:e>
-                              <m:sup>
-                                <m:f>
-                                  <m:fPr>
-                                    <m:ctrlPr>
-                                      <a:rPr lang="en-US" altLang="zh-TW" sz="2400" i="1">
-                                        <a:latin typeface="Cambria Math" panose="02040503050406030204" pitchFamily="18" charset="0"/>
-                                        <a:cs typeface="Times" panose="02020603050405020304" pitchFamily="18" charset="0"/>
-                                      </a:rPr>
-                                    </m:ctrlPr>
-                                  </m:fPr>
-                                  <m:num>
-                                    <m:sSub>
-                                      <m:sSubPr>
-                                        <m:ctrlPr>
-                                          <a:rPr lang="en-US" altLang="zh-TW" sz="2400" i="1">
-                                            <a:latin typeface="Cambria Math" panose="02040503050406030204" pitchFamily="18" charset="0"/>
-                                            <a:cs typeface="Times" panose="02020603050405020304" pitchFamily="18" charset="0"/>
-                                          </a:rPr>
-                                        </m:ctrlPr>
-                                      </m:sSubPr>
-                                      <m:e>
-                                        <m:r>
-                                          <a:rPr lang="en-US" altLang="zh-TW" sz="2400" i="1">
-                                            <a:latin typeface="Cambria Math" panose="02040503050406030204" pitchFamily="18" charset="0"/>
-                                            <a:cs typeface="Times" panose="02020603050405020304" pitchFamily="18" charset="0"/>
-                                          </a:rPr>
-                                          <m:t>−</m:t>
-                                        </m:r>
-                                        <m:r>
-                                          <a:rPr lang="en-US" altLang="zh-TW" sz="2400" i="1">
-                                            <a:latin typeface="Cambria Math" panose="02040503050406030204" pitchFamily="18" charset="0"/>
-                                            <a:cs typeface="Times" panose="02020603050405020304" pitchFamily="18" charset="0"/>
-                                          </a:rPr>
-                                          <m:t>𝑥</m:t>
-                                        </m:r>
-                                      </m:e>
-                                      <m:sub>
-                                        <m:r>
-                                          <a:rPr lang="en-US" altLang="zh-TW" sz="2400" i="1">
-                                            <a:latin typeface="Cambria Math" panose="02040503050406030204" pitchFamily="18" charset="0"/>
-                                            <a:cs typeface="Times" panose="02020603050405020304" pitchFamily="18" charset="0"/>
-                                          </a:rPr>
-                                          <m:t>𝑗</m:t>
-                                        </m:r>
-                                      </m:sub>
-                                    </m:sSub>
-                                  </m:num>
-                                  <m:den>
-                                    <m:r>
-                                      <m:rPr>
-                                        <m:sty m:val="p"/>
-                                      </m:rPr>
-                                      <a:rPr lang="en-US" altLang="zh-TW" sz="2400" i="1">
-                                        <a:latin typeface="Cambria Math" panose="02040503050406030204" pitchFamily="18" charset="0"/>
-                                        <a:cs typeface="Times" panose="02020603050405020304" pitchFamily="18" charset="0"/>
-                                      </a:rPr>
-                                      <m:t>γ</m:t>
-                                    </m:r>
-                                  </m:den>
-                                </m:f>
-                              </m:sup>
-                            </m:sSup>
-                          </m:e>
-                        </m:func>
-                      </m:den>
-                    </m:f>
-                  </m:oMath>
-                </a14:m>
-                <a:endParaRPr lang="en-US" altLang="zh-TW" sz="2400" b="0" dirty="0">
-                  <a:latin typeface="Times" panose="02020603050405020304" pitchFamily="18" charset="0"/>
-                  <a:cs typeface="Times" panose="02020603050405020304" pitchFamily="18" charset="0"/>
-                </a:endParaRPr>
-              </a:p>
-              <a:p>
-                <a:pPr marL="0" indent="0">
-                  <a:buNone/>
-                </a:pPr>
-                <a:endParaRPr lang="en-US" altLang="zh-TW" sz="1200" dirty="0">
-                  <a:latin typeface="Times" panose="02020603050405020304" pitchFamily="18" charset="0"/>
-                  <a:cs typeface="Times" panose="02020603050405020304" pitchFamily="18" charset="0"/>
-                </a:endParaRPr>
-              </a:p>
-              <a:p>
-                <a:pPr marL="0" indent="0">
-                  <a:buNone/>
-                </a:pPr>
-                <a:endParaRPr lang="en-US" altLang="zh-TW" sz="900" dirty="0">
-                  <a:latin typeface="Times" panose="02020603050405020304" pitchFamily="18" charset="0"/>
-                  <a:cs typeface="Times" panose="02020603050405020304" pitchFamily="18" charset="0"/>
-                </a:endParaRPr>
-              </a:p>
-              <a:p>
-                <a:pPr>
-                  <a:buFont typeface="Wingdings" panose="05000000000000000000" pitchFamily="2" charset="2"/>
-                  <a:buChar char="Ø"/>
-                </a:pPr>
-                <a:r>
-                  <a:rPr lang="zh-TW" altLang="en-US" sz="2000" dirty="0">
-                    <a:latin typeface="Times" panose="02020603050405020304" pitchFamily="18" charset="0"/>
-                    <a:cs typeface="Times" panose="02020603050405020304" pitchFamily="18" charset="0"/>
-                  </a:rPr>
-                  <a:t> </a:t>
-                </a:r>
-                <a14:m>
-                  <m:oMath xmlns:m="http://schemas.openxmlformats.org/officeDocument/2006/math">
-                    <m:sSub>
-                      <m:sSubPr>
-                        <m:ctrlPr>
-                          <a:rPr lang="en-US" altLang="zh-TW" sz="2000" b="0" i="1" smtClean="0">
-                            <a:latin typeface="Cambria Math" panose="02040503050406030204" pitchFamily="18" charset="0"/>
-                            <a:cs typeface="Times" panose="02020603050405020304" pitchFamily="18" charset="0"/>
-                          </a:rPr>
-                        </m:ctrlPr>
-                      </m:sSubPr>
-                      <m:e>
-                        <m:r>
-                          <a:rPr lang="en-US" altLang="zh-TW" sz="2000" b="0" i="1" smtClean="0">
-                            <a:latin typeface="Cambria Math" panose="02040503050406030204" pitchFamily="18" charset="0"/>
-                            <a:cs typeface="Times" panose="02020603050405020304" pitchFamily="18" charset="0"/>
-                          </a:rPr>
-                          <m:t>𝑊</m:t>
-                        </m:r>
-                      </m:e>
-                      <m:sub>
-                        <m:sSub>
-                          <m:sSubPr>
-                            <m:ctrlPr>
-                              <a:rPr lang="en-US" altLang="zh-TW" sz="2000" b="0" i="1" smtClean="0">
-                                <a:latin typeface="Cambria Math" panose="02040503050406030204" pitchFamily="18" charset="0"/>
-                                <a:cs typeface="Times" panose="02020603050405020304" pitchFamily="18" charset="0"/>
-                              </a:rPr>
-                            </m:ctrlPr>
-                          </m:sSubPr>
-                          <m:e>
-                            <m:r>
-                              <a:rPr lang="en-US" altLang="zh-TW" sz="2000" b="0" i="1" smtClean="0">
-                                <a:latin typeface="Cambria Math" panose="02040503050406030204" pitchFamily="18" charset="0"/>
-                                <a:cs typeface="Times" panose="02020603050405020304" pitchFamily="18" charset="0"/>
-                              </a:rPr>
-                              <m:t>𝑒</m:t>
-                            </m:r>
-                          </m:e>
-                          <m:sub>
-                            <m:r>
-                              <a:rPr lang="en-US" altLang="zh-TW" sz="2000" b="0" i="1" smtClean="0">
-                                <a:latin typeface="Cambria Math" panose="02040503050406030204" pitchFamily="18" charset="0"/>
-                                <a:cs typeface="Times" panose="02020603050405020304" pitchFamily="18" charset="0"/>
-                              </a:rPr>
-                              <m:t>𝑖𝑥</m:t>
-                            </m:r>
-                          </m:sub>
-                        </m:sSub>
-                      </m:sub>
-                    </m:sSub>
-                    <m:r>
-                      <a:rPr lang="en-US" altLang="zh-TW" sz="2000" b="0" i="1" smtClean="0">
-                        <a:latin typeface="Cambria Math" panose="02040503050406030204" pitchFamily="18" charset="0"/>
-                        <a:cs typeface="Times" panose="02020603050405020304" pitchFamily="18" charset="0"/>
-                      </a:rPr>
-                      <m:t> (</m:t>
-                    </m:r>
-                    <m:r>
-                      <a:rPr lang="en-US" altLang="zh-TW" sz="2000" b="0" i="1" smtClean="0">
-                        <a:latin typeface="Cambria Math" panose="02040503050406030204" pitchFamily="18" charset="0"/>
-                        <a:cs typeface="Times" panose="02020603050405020304" pitchFamily="18" charset="0"/>
-                      </a:rPr>
-                      <m:t>𝑥</m:t>
-                    </m:r>
-                    <m:r>
-                      <a:rPr lang="en-US" altLang="zh-TW" sz="2000" b="0" i="1" smtClean="0">
-                        <a:latin typeface="Cambria Math" panose="02040503050406030204" pitchFamily="18" charset="0"/>
-                        <a:cs typeface="Times" panose="02020603050405020304" pitchFamily="18" charset="0"/>
-                      </a:rPr>
-                      <m:t>, </m:t>
-                    </m:r>
-                    <m:r>
-                      <a:rPr lang="en-US" altLang="zh-TW" sz="2000" b="0" i="1" smtClean="0">
-                        <a:latin typeface="Cambria Math" panose="02040503050406030204" pitchFamily="18" charset="0"/>
-                        <a:cs typeface="Times" panose="02020603050405020304" pitchFamily="18" charset="0"/>
-                      </a:rPr>
-                      <m:t>𝑦</m:t>
-                    </m:r>
-                    <m:r>
-                      <a:rPr lang="en-US" altLang="zh-TW" sz="2000" b="0" i="1" smtClean="0">
-                        <a:latin typeface="Cambria Math" panose="02040503050406030204" pitchFamily="18" charset="0"/>
-                        <a:cs typeface="Times" panose="02020603050405020304" pitchFamily="18" charset="0"/>
-                      </a:rPr>
-                      <m:t>)</m:t>
-                    </m:r>
-                  </m:oMath>
-                </a14:m>
-                <a:r>
-                  <a:rPr lang="en-US" altLang="zh-TW" sz="2000" b="0" dirty="0">
-                    <a:latin typeface="Times" panose="02020603050405020304" pitchFamily="18" charset="0"/>
-                    <a:cs typeface="Times" panose="02020603050405020304" pitchFamily="18" charset="0"/>
-                  </a:rPr>
-                  <a:t> </a:t>
-                </a:r>
-                <a:r>
-                  <a:rPr lang="en-US" altLang="zh-TW" sz="2000" dirty="0">
-                    <a:latin typeface="Times" panose="02020603050405020304" pitchFamily="18" charset="0"/>
-                    <a:cs typeface="Times" panose="02020603050405020304" pitchFamily="18" charset="0"/>
-                  </a:rPr>
-                  <a:t>: weighted wirelength of  net </a:t>
-                </a:r>
-                <a14:m>
-                  <m:oMath xmlns:m="http://schemas.openxmlformats.org/officeDocument/2006/math">
-                    <m:sSub>
-                      <m:sSubPr>
-                        <m:ctrlPr>
-                          <a:rPr lang="en-US" altLang="zh-TW" sz="2000" i="1" smtClean="0">
-                            <a:latin typeface="Cambria Math" panose="02040503050406030204" pitchFamily="18" charset="0"/>
-                            <a:cs typeface="Times" panose="02020603050405020304" pitchFamily="18" charset="0"/>
-                          </a:rPr>
-                        </m:ctrlPr>
-                      </m:sSubPr>
-                      <m:e>
-                        <m:r>
-                          <a:rPr lang="en-US" altLang="zh-TW" sz="2000" b="0" i="1" smtClean="0">
-                            <a:latin typeface="Cambria Math" panose="02040503050406030204" pitchFamily="18" charset="0"/>
-                            <a:cs typeface="Times" panose="02020603050405020304" pitchFamily="18" charset="0"/>
-                          </a:rPr>
-                          <m:t>𝑒</m:t>
-                        </m:r>
-                      </m:e>
-                      <m:sub>
-                        <m:r>
-                          <a:rPr lang="en-US" altLang="zh-TW" sz="2000" b="0" i="1" smtClean="0">
-                            <a:latin typeface="Cambria Math" panose="02040503050406030204" pitchFamily="18" charset="0"/>
-                            <a:cs typeface="Times" panose="02020603050405020304" pitchFamily="18" charset="0"/>
-                          </a:rPr>
-                          <m:t>𝑖</m:t>
-                        </m:r>
-                      </m:sub>
-                    </m:sSub>
-                  </m:oMath>
-                </a14:m>
-                <a:r>
-                  <a:rPr lang="en-US" altLang="zh-TW" sz="2000" dirty="0">
-                    <a:latin typeface="Times" panose="02020603050405020304" pitchFamily="18" charset="0"/>
-                    <a:cs typeface="Times" panose="02020603050405020304" pitchFamily="18" charset="0"/>
-                  </a:rPr>
-                  <a:t>.</a:t>
-                </a:r>
-              </a:p>
-              <a:p>
-                <a:pPr>
-                  <a:buFont typeface="Wingdings" panose="05000000000000000000" pitchFamily="2" charset="2"/>
-                  <a:buChar char="Ø"/>
-                </a:pPr>
-                <a:r>
-                  <a:rPr lang="zh-TW" altLang="en-US" sz="2000" dirty="0">
-                    <a:latin typeface="Times" panose="02020603050405020304" pitchFamily="18" charset="0"/>
-                    <a:cs typeface="Times" panose="02020603050405020304" pitchFamily="18" charset="0"/>
-                  </a:rPr>
-                  <a:t> </a:t>
-                </a:r>
-                <a:r>
-                  <a:rPr lang="en-US" altLang="zh-TW" sz="2000" dirty="0">
-                    <a:latin typeface="Times" panose="02020603050405020304" pitchFamily="18" charset="0"/>
-                    <a:cs typeface="Times" panose="02020603050405020304" pitchFamily="18" charset="0"/>
-                  </a:rPr>
-                  <a:t>γ</a:t>
-                </a:r>
-                <a:r>
-                  <a:rPr lang="zh-TW" altLang="en-US" sz="2000" dirty="0">
-                    <a:latin typeface="Times" panose="02020603050405020304" pitchFamily="18" charset="0"/>
-                    <a:cs typeface="Times" panose="02020603050405020304" pitchFamily="18" charset="0"/>
-                  </a:rPr>
-                  <a:t> </a:t>
-                </a:r>
-                <a:r>
-                  <a:rPr lang="en-US" altLang="zh-TW" sz="2000" dirty="0">
-                    <a:latin typeface="Times" panose="02020603050405020304" pitchFamily="18" charset="0"/>
-                    <a:cs typeface="Times" panose="02020603050405020304" pitchFamily="18" charset="0"/>
-                  </a:rPr>
-                  <a:t>:  smoothing parameter used to adjust the accuracy.</a:t>
-                </a:r>
-              </a:p>
-              <a:p>
-                <a:pPr marL="0" indent="0">
-                  <a:buNone/>
-                </a:pPr>
-                <a:endParaRPr lang="en-US" altLang="zh-TW" sz="2400" dirty="0">
-                  <a:latin typeface="Times" panose="02020603050405020304" pitchFamily="18" charset="0"/>
-                  <a:cs typeface="Times" panose="02020603050405020304" pitchFamily="18" charset="0"/>
-                </a:endParaRPr>
-              </a:p>
-            </p:txBody>
-          </p:sp>
-        </mc:Choice>
-        <mc:Fallback>
-          <p:sp>
-            <p:nvSpPr>
-              <p:cNvPr id="3" name="內容版面配置區 2">
-                <a:extLst>
-                  <a:ext uri="{FF2B5EF4-FFF2-40B4-BE49-F238E27FC236}">
-                    <a16:creationId xmlns:a16="http://schemas.microsoft.com/office/drawing/2014/main" id="{CBD7CEA3-77D1-9FFB-94D0-23801E3C63EE}"/>
-                  </a:ext>
-                </a:extLst>
-              </p:cNvPr>
-              <p:cNvSpPr>
-                <a:spLocks noGrp="1" noRot="1" noChangeAspect="1" noMove="1" noResize="1" noEditPoints="1" noAdjustHandles="1" noChangeArrowheads="1" noChangeShapeType="1" noTextEdit="1"/>
-              </p:cNvSpPr>
-              <p:nvPr>
-                <p:ph idx="1"/>
-              </p:nvPr>
-            </p:nvSpPr>
-            <p:spPr>
-              <a:xfrm>
-                <a:off x="838200" y="1825625"/>
-                <a:ext cx="10515600" cy="4895850"/>
-              </a:xfrm>
-              <a:blipFill>
-                <a:blip r:embed="rId3"/>
-                <a:stretch>
-                  <a:fillRect l="-812" t="-1244"/>
-                </a:stretch>
-              </a:blipFill>
-            </p:spPr>
-            <p:txBody>
-              <a:bodyPr/>
-              <a:lstStyle/>
-              <a:p>
-                <a:r>
-                  <a:rPr lang="zh-TW" altLang="en-US">
-                    <a:noFill/>
-                  </a:rPr>
-                  <a:t> </a:t>
-                </a:r>
-              </a:p>
-            </p:txBody>
-          </p:sp>
-        </mc:Fallback>
-      </mc:AlternateContent>
-      <p:sp>
-        <p:nvSpPr>
-          <p:cNvPr id="4" name="投影片編號版面配置區 3">
-            <a:extLst>
-              <a:ext uri="{FF2B5EF4-FFF2-40B4-BE49-F238E27FC236}">
-                <a16:creationId xmlns:a16="http://schemas.microsoft.com/office/drawing/2014/main" id="{B35B14FF-D48D-70F2-8D80-2E843D4EA732}"/>
-              </a:ext>
-            </a:extLst>
-          </p:cNvPr>
-          <p:cNvSpPr>
-            <a:spLocks noGrp="1"/>
-          </p:cNvSpPr>
-          <p:nvPr>
-            <p:ph type="sldNum" sz="quarter" idx="12"/>
-          </p:nvPr>
-        </p:nvSpPr>
-        <p:spPr/>
-        <p:txBody>
-          <a:bodyPr/>
-          <a:lstStyle/>
-          <a:p>
-            <a:fld id="{666274A1-CF9C-426A-8DD4-B13ED0C24231}" type="slidenum">
-              <a:rPr lang="en-US" smtClean="0"/>
-              <a:t>8</a:t>
-            </a:fld>
-            <a:endParaRPr lang="en-US"/>
-          </a:p>
-        </p:txBody>
-      </p:sp>
-      <mc:AlternateContent xmlns:mc="http://schemas.openxmlformats.org/markup-compatibility/2006" xmlns:a14="http://schemas.microsoft.com/office/drawing/2010/main">
-        <mc:Choice Requires="a14">
-          <p:sp>
-            <p:nvSpPr>
-              <p:cNvPr id="6" name="文字方塊 5">
-                <a:extLst>
-                  <a:ext uri="{FF2B5EF4-FFF2-40B4-BE49-F238E27FC236}">
-                    <a16:creationId xmlns:a16="http://schemas.microsoft.com/office/drawing/2014/main" id="{B6B79041-C037-4D87-1301-AEA3192E02E2}"/>
-                  </a:ext>
-                </a:extLst>
-              </p:cNvPr>
-              <p:cNvSpPr txBox="1"/>
-              <p:nvPr/>
-            </p:nvSpPr>
-            <p:spPr>
-              <a:xfrm>
-                <a:off x="6096000" y="760493"/>
-                <a:ext cx="5404909" cy="534826"/>
-              </a:xfrm>
-              <a:prstGeom prst="rect">
-                <a:avLst/>
-              </a:prstGeom>
-              <a:noFill/>
-              <a:ln>
-                <a:solidFill>
-                  <a:schemeClr val="tx1"/>
-                </a:solidFill>
-              </a:ln>
-            </p:spPr>
-            <p:txBody>
-              <a:bodyPr wrap="square" rtlCol="0">
-                <a:spAutoFit/>
-              </a:bodyPr>
-              <a:lstStyle/>
-              <a:p>
-                <a:pPr/>
-                <a14:m>
-                  <m:oMathPara xmlns:m="http://schemas.openxmlformats.org/officeDocument/2006/math">
-                    <m:oMathParaPr>
-                      <m:jc m:val="center"/>
-                    </m:oMathParaPr>
-                    <m:oMath xmlns:m="http://schemas.openxmlformats.org/officeDocument/2006/math">
-                      <m:sSub>
-                        <m:sSubPr>
-                          <m:ctrlPr>
-                            <a:rPr lang="en-US" altLang="zh-TW" sz="2400" b="0" i="1" smtClean="0">
-                              <a:latin typeface="Cambria Math" panose="02040503050406030204" pitchFamily="18" charset="0"/>
-                              <a:cs typeface="Times" panose="02020603050405020304" pitchFamily="18" charset="0"/>
-                            </a:rPr>
-                          </m:ctrlPr>
-                        </m:sSubPr>
-                        <m:e>
-                          <m:sSub>
-                            <m:sSubPr>
-                              <m:ctrlPr>
-                                <a:rPr lang="en-US" altLang="zh-TW" sz="2400" i="1">
-                                  <a:latin typeface="Cambria Math" panose="02040503050406030204" pitchFamily="18" charset="0"/>
-                                  <a:cs typeface="Times" panose="02020603050405020304" pitchFamily="18" charset="0"/>
-                                </a:rPr>
-                              </m:ctrlPr>
-                            </m:sSubPr>
-                            <m:e>
-                              <m:r>
-                                <a:rPr lang="en-US" altLang="zh-TW" sz="2400" i="1">
-                                  <a:latin typeface="Cambria Math" panose="02040503050406030204" pitchFamily="18" charset="0"/>
-                                  <a:cs typeface="Times" panose="02020603050405020304" pitchFamily="18" charset="0"/>
-                                </a:rPr>
-                                <m:t>𝑊</m:t>
-                              </m:r>
-                            </m:e>
-                            <m:sub>
-                              <m:sSub>
-                                <m:sSubPr>
-                                  <m:ctrlPr>
-                                    <a:rPr lang="en-US" altLang="zh-TW" sz="2400" i="1">
-                                      <a:latin typeface="Cambria Math" panose="02040503050406030204" pitchFamily="18" charset="0"/>
-                                      <a:cs typeface="Times" panose="02020603050405020304" pitchFamily="18" charset="0"/>
-                                    </a:rPr>
-                                  </m:ctrlPr>
-                                </m:sSubPr>
-                                <m:e>
-                                  <m:r>
-                                    <a:rPr lang="en-US" altLang="zh-TW" sz="2400" i="1">
-                                      <a:latin typeface="Cambria Math" panose="02040503050406030204" pitchFamily="18" charset="0"/>
-                                      <a:cs typeface="Times" panose="02020603050405020304" pitchFamily="18" charset="0"/>
-                                    </a:rPr>
-                                    <m:t>𝑒</m:t>
-                                  </m:r>
-                                </m:e>
-                                <m:sub>
-                                  <m:r>
-                                    <a:rPr lang="en-US" altLang="zh-TW" sz="2400" b="0" i="1" smtClean="0">
-                                      <a:latin typeface="Cambria Math" panose="02040503050406030204" pitchFamily="18" charset="0"/>
-                                      <a:cs typeface="Times" panose="02020603050405020304" pitchFamily="18" charset="0"/>
-                                    </a:rPr>
-                                    <m:t>𝑖</m:t>
-                                  </m:r>
-                                </m:sub>
-                              </m:sSub>
-                            </m:sub>
-                          </m:sSub>
-                          <m:r>
-                            <a:rPr lang="en-US" altLang="zh-TW" sz="2400" i="1">
-                              <a:latin typeface="Cambria Math" panose="02040503050406030204" pitchFamily="18" charset="0"/>
-                              <a:cs typeface="Times" panose="02020603050405020304" pitchFamily="18" charset="0"/>
-                            </a:rPr>
-                            <m:t> (</m:t>
-                          </m:r>
-                          <m:r>
-                            <a:rPr lang="en-US" altLang="zh-TW" sz="2400" i="1">
-                              <a:latin typeface="Cambria Math" panose="02040503050406030204" pitchFamily="18" charset="0"/>
-                              <a:cs typeface="Times" panose="02020603050405020304" pitchFamily="18" charset="0"/>
-                            </a:rPr>
-                            <m:t>𝑥</m:t>
-                          </m:r>
-                          <m:r>
-                            <a:rPr lang="en-US" altLang="zh-TW" sz="2400" i="1">
-                              <a:latin typeface="Cambria Math" panose="02040503050406030204" pitchFamily="18" charset="0"/>
-                              <a:cs typeface="Times" panose="02020603050405020304" pitchFamily="18" charset="0"/>
-                            </a:rPr>
-                            <m:t>, </m:t>
-                          </m:r>
-                          <m:r>
-                            <a:rPr lang="en-US" altLang="zh-TW" sz="2400" i="1">
-                              <a:latin typeface="Cambria Math" panose="02040503050406030204" pitchFamily="18" charset="0"/>
-                              <a:cs typeface="Times" panose="02020603050405020304" pitchFamily="18" charset="0"/>
-                            </a:rPr>
-                            <m:t>𝑦</m:t>
-                          </m:r>
-                          <m:r>
-                            <a:rPr lang="en-US" altLang="zh-TW" sz="2400" i="1">
-                              <a:latin typeface="Cambria Math" panose="02040503050406030204" pitchFamily="18" charset="0"/>
-                              <a:cs typeface="Times" panose="02020603050405020304" pitchFamily="18" charset="0"/>
-                            </a:rPr>
-                            <m:t>)</m:t>
-                          </m:r>
-                          <m:sSub>
-                            <m:sSubPr>
-                              <m:ctrlPr>
-                                <a:rPr lang="en-US" altLang="zh-TW" sz="2400" i="1">
-                                  <a:latin typeface="Cambria Math" panose="02040503050406030204" pitchFamily="18" charset="0"/>
-                                  <a:cs typeface="Times" panose="02020603050405020304" pitchFamily="18" charset="0"/>
-                                </a:rPr>
-                              </m:ctrlPr>
-                            </m:sSubPr>
-                            <m:e>
-                              <m:r>
-                                <a:rPr lang="zh-TW" altLang="en-US" sz="2400" i="1" smtClean="0">
-                                  <a:latin typeface="Cambria Math" panose="02040503050406030204" pitchFamily="18" charset="0"/>
-                                  <a:cs typeface="Times" panose="02020603050405020304" pitchFamily="18" charset="0"/>
-                                </a:rPr>
-                                <m:t> </m:t>
-                              </m:r>
-                              <m:r>
-                                <a:rPr lang="en-US" altLang="zh-TW" sz="2400" i="1">
-                                  <a:latin typeface="Cambria Math" panose="02040503050406030204" pitchFamily="18" charset="0"/>
-                                  <a:cs typeface="Times" panose="02020603050405020304" pitchFamily="18" charset="0"/>
-                                </a:rPr>
-                                <m:t>=</m:t>
-                              </m:r>
-                              <m:r>
-                                <a:rPr lang="zh-TW" altLang="en-US" sz="2400" i="1" smtClean="0">
-                                  <a:latin typeface="Cambria Math" panose="02040503050406030204" pitchFamily="18" charset="0"/>
-                                  <a:cs typeface="Times" panose="02020603050405020304" pitchFamily="18" charset="0"/>
-                                </a:rPr>
-                                <m:t> </m:t>
-                              </m:r>
-                              <m:r>
-                                <a:rPr lang="en-US" altLang="zh-TW" sz="2400" i="1">
-                                  <a:latin typeface="Cambria Math" panose="02040503050406030204" pitchFamily="18" charset="0"/>
-                                  <a:cs typeface="Times" panose="02020603050405020304" pitchFamily="18" charset="0"/>
-                                </a:rPr>
-                                <m:t>𝑊</m:t>
-                              </m:r>
-                            </m:e>
-                            <m:sub>
-                              <m:sSub>
-                                <m:sSubPr>
-                                  <m:ctrlPr>
-                                    <a:rPr lang="en-US" altLang="zh-TW" sz="2400" i="1">
-                                      <a:latin typeface="Cambria Math" panose="02040503050406030204" pitchFamily="18" charset="0"/>
-                                      <a:cs typeface="Times" panose="02020603050405020304" pitchFamily="18" charset="0"/>
-                                    </a:rPr>
-                                  </m:ctrlPr>
-                                </m:sSubPr>
-                                <m:e>
-                                  <m:r>
-                                    <a:rPr lang="en-US" altLang="zh-TW" sz="2400" i="1">
-                                      <a:latin typeface="Cambria Math" panose="02040503050406030204" pitchFamily="18" charset="0"/>
-                                      <a:cs typeface="Times" panose="02020603050405020304" pitchFamily="18" charset="0"/>
-                                    </a:rPr>
-                                    <m:t>𝑒</m:t>
-                                  </m:r>
-                                </m:e>
-                                <m:sub>
-                                  <m:r>
-                                    <a:rPr lang="en-US" altLang="zh-TW" sz="2400" i="1">
-                                      <a:latin typeface="Cambria Math" panose="02040503050406030204" pitchFamily="18" charset="0"/>
-                                      <a:cs typeface="Times" panose="02020603050405020304" pitchFamily="18" charset="0"/>
-                                    </a:rPr>
-                                    <m:t>𝑖𝑥</m:t>
-                                  </m:r>
-                                </m:sub>
-                              </m:sSub>
-                            </m:sub>
-                          </m:sSub>
-                          <m:r>
-                            <a:rPr lang="en-US" altLang="zh-TW" sz="2400" i="1">
-                              <a:latin typeface="Cambria Math" panose="02040503050406030204" pitchFamily="18" charset="0"/>
-                              <a:cs typeface="Times" panose="02020603050405020304" pitchFamily="18" charset="0"/>
-                            </a:rPr>
-                            <m:t> (</m:t>
-                          </m:r>
-                          <m:r>
-                            <a:rPr lang="en-US" altLang="zh-TW" sz="2400" i="1">
-                              <a:latin typeface="Cambria Math" panose="02040503050406030204" pitchFamily="18" charset="0"/>
-                              <a:cs typeface="Times" panose="02020603050405020304" pitchFamily="18" charset="0"/>
-                            </a:rPr>
-                            <m:t>𝑥</m:t>
-                          </m:r>
-                          <m:r>
-                            <a:rPr lang="en-US" altLang="zh-TW" sz="2400" i="1">
-                              <a:latin typeface="Cambria Math" panose="02040503050406030204" pitchFamily="18" charset="0"/>
-                              <a:cs typeface="Times" panose="02020603050405020304" pitchFamily="18" charset="0"/>
-                            </a:rPr>
-                            <m:t>, </m:t>
-                          </m:r>
-                          <m:r>
-                            <a:rPr lang="en-US" altLang="zh-TW" sz="2400" i="1">
-                              <a:latin typeface="Cambria Math" panose="02040503050406030204" pitchFamily="18" charset="0"/>
-                              <a:cs typeface="Times" panose="02020603050405020304" pitchFamily="18" charset="0"/>
-                            </a:rPr>
-                            <m:t>𝑦</m:t>
-                          </m:r>
-                          <m:r>
-                            <a:rPr lang="en-US" altLang="zh-TW" sz="2400" i="1">
-                              <a:latin typeface="Cambria Math" panose="02040503050406030204" pitchFamily="18" charset="0"/>
-                              <a:cs typeface="Times" panose="02020603050405020304" pitchFamily="18" charset="0"/>
-                            </a:rPr>
-                            <m:t>) +</m:t>
-                          </m:r>
-                          <m:r>
-                            <a:rPr lang="en-US" altLang="zh-TW" sz="2400" b="0" i="1" smtClean="0">
-                              <a:latin typeface="Cambria Math" panose="02040503050406030204" pitchFamily="18" charset="0"/>
-                              <a:cs typeface="Times" panose="02020603050405020304" pitchFamily="18" charset="0"/>
-                            </a:rPr>
-                            <m:t>𝑊</m:t>
-                          </m:r>
-                        </m:e>
-                        <m:sub>
-                          <m:sSub>
-                            <m:sSubPr>
-                              <m:ctrlPr>
-                                <a:rPr lang="en-US" altLang="zh-TW" sz="2400" b="0" i="1" smtClean="0">
-                                  <a:latin typeface="Cambria Math" panose="02040503050406030204" pitchFamily="18" charset="0"/>
-                                  <a:cs typeface="Times" panose="02020603050405020304" pitchFamily="18" charset="0"/>
-                                </a:rPr>
-                              </m:ctrlPr>
-                            </m:sSubPr>
-                            <m:e>
-                              <m:r>
-                                <a:rPr lang="en-US" altLang="zh-TW" sz="2400" b="0" i="1" smtClean="0">
-                                  <a:latin typeface="Cambria Math" panose="02040503050406030204" pitchFamily="18" charset="0"/>
-                                  <a:cs typeface="Times" panose="02020603050405020304" pitchFamily="18" charset="0"/>
-                                </a:rPr>
-                                <m:t>𝑒</m:t>
-                              </m:r>
-                            </m:e>
-                            <m:sub>
-                              <m:r>
-                                <a:rPr lang="en-US" altLang="zh-TW" sz="2400" b="0" i="1" smtClean="0">
-                                  <a:latin typeface="Cambria Math" panose="02040503050406030204" pitchFamily="18" charset="0"/>
-                                  <a:cs typeface="Times" panose="02020603050405020304" pitchFamily="18" charset="0"/>
-                                </a:rPr>
-                                <m:t>𝑖𝑦</m:t>
-                              </m:r>
-                            </m:sub>
-                          </m:sSub>
-                        </m:sub>
-                      </m:sSub>
-                      <m:r>
-                        <a:rPr lang="en-US" altLang="zh-TW" sz="2400" b="0" i="1" smtClean="0">
-                          <a:latin typeface="Cambria Math" panose="02040503050406030204" pitchFamily="18" charset="0"/>
-                          <a:cs typeface="Times" panose="02020603050405020304" pitchFamily="18" charset="0"/>
-                        </a:rPr>
-                        <m:t> (</m:t>
-                      </m:r>
-                      <m:r>
-                        <a:rPr lang="en-US" altLang="zh-TW" sz="2400" b="0" i="1" smtClean="0">
-                          <a:latin typeface="Cambria Math" panose="02040503050406030204" pitchFamily="18" charset="0"/>
-                          <a:cs typeface="Times" panose="02020603050405020304" pitchFamily="18" charset="0"/>
-                        </a:rPr>
-                        <m:t>𝑥</m:t>
-                      </m:r>
-                      <m:r>
-                        <a:rPr lang="en-US" altLang="zh-TW" sz="2400" b="0" i="1" smtClean="0">
-                          <a:latin typeface="Cambria Math" panose="02040503050406030204" pitchFamily="18" charset="0"/>
-                          <a:cs typeface="Times" panose="02020603050405020304" pitchFamily="18" charset="0"/>
-                        </a:rPr>
-                        <m:t>, </m:t>
-                      </m:r>
-                      <m:r>
-                        <a:rPr lang="en-US" altLang="zh-TW" sz="2400" b="0" i="1" smtClean="0">
-                          <a:latin typeface="Cambria Math" panose="02040503050406030204" pitchFamily="18" charset="0"/>
-                          <a:cs typeface="Times" panose="02020603050405020304" pitchFamily="18" charset="0"/>
-                        </a:rPr>
-                        <m:t>𝑦</m:t>
-                      </m:r>
-                      <m:r>
-                        <a:rPr lang="en-US" altLang="zh-TW" sz="2400" b="0" i="1" smtClean="0">
-                          <a:latin typeface="Cambria Math" panose="02040503050406030204" pitchFamily="18" charset="0"/>
-                          <a:cs typeface="Times" panose="02020603050405020304" pitchFamily="18" charset="0"/>
-                        </a:rPr>
-                        <m:t>)</m:t>
-                      </m:r>
-                    </m:oMath>
-                  </m:oMathPara>
-                </a14:m>
-                <a:endParaRPr lang="zh-TW" altLang="en-US" sz="1600" dirty="0"/>
-              </a:p>
-            </p:txBody>
-          </p:sp>
-        </mc:Choice>
-        <mc:Fallback xmlns="">
-          <p:sp>
-            <p:nvSpPr>
-              <p:cNvPr id="6" name="文字方塊 5">
-                <a:extLst>
-                  <a:ext uri="{FF2B5EF4-FFF2-40B4-BE49-F238E27FC236}">
-                    <a16:creationId xmlns:a16="http://schemas.microsoft.com/office/drawing/2014/main" id="{B6B79041-C037-4D87-1301-AEA3192E02E2}"/>
-                  </a:ext>
-                </a:extLst>
-              </p:cNvPr>
-              <p:cNvSpPr txBox="1">
-                <a:spLocks noRot="1" noChangeAspect="1" noMove="1" noResize="1" noEditPoints="1" noAdjustHandles="1" noChangeArrowheads="1" noChangeShapeType="1" noTextEdit="1"/>
-              </p:cNvSpPr>
-              <p:nvPr/>
-            </p:nvSpPr>
-            <p:spPr>
-              <a:xfrm>
-                <a:off x="6096000" y="760493"/>
-                <a:ext cx="5404909" cy="534826"/>
-              </a:xfrm>
-              <a:prstGeom prst="rect">
-                <a:avLst/>
-              </a:prstGeom>
-              <a:blipFill>
-                <a:blip r:embed="rId4"/>
-                <a:stretch>
-                  <a:fillRect b="-2247"/>
-                </a:stretch>
-              </a:blipFill>
-              <a:ln>
-                <a:solidFill>
-                  <a:schemeClr val="tx1"/>
-                </a:solidFill>
-              </a:ln>
-            </p:spPr>
-            <p:txBody>
-              <a:bodyPr/>
-              <a:lstStyle/>
-              <a:p>
-                <a:r>
-                  <a:rPr lang="zh-TW" altLang="en-US">
-                    <a:noFill/>
-                  </a:rPr>
-                  <a:t> </a:t>
-                </a:r>
-              </a:p>
-            </p:txBody>
-          </p:sp>
-        </mc:Fallback>
-      </mc:AlternateContent>
-    </p:spTree>
-    <p:extLst>
-      <p:ext uri="{BB962C8B-B14F-4D97-AF65-F5344CB8AC3E}">
-        <p14:creationId xmlns:p14="http://schemas.microsoft.com/office/powerpoint/2010/main" val="3605248542"/>
       </p:ext>
     </p:extLst>
   </p:cSld>

--- a/GM/Placement/PUFFER A Routability-Driven Placement Framework via Cell Padding/PUFFER A Routability-Driven Placement Framework via Cell Padding.pptx
+++ b/GM/Placement/PUFFER A Routability-Driven Placement Framework via Cell Padding/PUFFER A Routability-Driven Placement Framework via Cell Padding.pptx
@@ -5,7 +5,7 @@
     <p:sldMasterId id="2147483648" r:id="rId1"/>
   </p:sldMasterIdLst>
   <p:notesMasterIdLst>
-    <p:notesMasterId r:id="rId27"/>
+    <p:notesMasterId r:id="rId30"/>
   </p:notesMasterIdLst>
   <p:sldIdLst>
     <p:sldId id="256" r:id="rId2"/>
@@ -31,8 +31,11 @@
     <p:sldId id="313" r:id="rId22"/>
     <p:sldId id="315" r:id="rId23"/>
     <p:sldId id="316" r:id="rId24"/>
-    <p:sldId id="317" r:id="rId25"/>
-    <p:sldId id="298" r:id="rId26"/>
+    <p:sldId id="322" r:id="rId25"/>
+    <p:sldId id="323" r:id="rId26"/>
+    <p:sldId id="324" r:id="rId27"/>
+    <p:sldId id="317" r:id="rId28"/>
+    <p:sldId id="298" r:id="rId29"/>
   </p:sldIdLst>
   <p:sldSz cx="12192000" cy="6858000"/>
   <p:notesSz cx="6858000" cy="9144000"/>
@@ -1477,7 +1480,7 @@
           <a:p>
             <a:fld id="{C9ED61FB-B9B0-4D85-A72E-A614C28ECC4E}" type="datetimeFigureOut">
               <a:rPr lang="en-US" smtClean="0"/>
-              <a:t>10/21/2023</a:t>
+              <a:t>10/22/2023</a:t>
             </a:fld>
             <a:endParaRPr lang="en-US"/>
           </a:p>
@@ -3370,9 +3373,60 @@
               <a:buFont typeface="Arial" panose="020B0604020202020204" pitchFamily="34" charset="0"/>
               <a:buChar char="•"/>
             </a:pPr>
-            <a:endParaRPr lang="en-US" altLang="zh-TW" sz="1800" b="0" i="0" u="none" strike="noStrike" baseline="0" dirty="0">
-              <a:latin typeface="CMMI9"/>
-            </a:endParaRPr>
+            <a:r>
+              <a:rPr lang="en-US" altLang="zh-TW" sz="1800" b="0" i="0" u="none" strike="noStrike" baseline="0" dirty="0" err="1">
+                <a:latin typeface="CMMI9"/>
+              </a:rPr>
+              <a:t>Cnn</a:t>
+            </a:r>
+            <a:r>
+              <a:rPr lang="zh-TW" altLang="en-US" sz="1800" b="0" i="0" u="none" strike="noStrike" baseline="0" dirty="0">
+                <a:latin typeface="CMMI9"/>
+              </a:rPr>
+              <a:t>在做</a:t>
+            </a:r>
+            <a:r>
+              <a:rPr lang="en-US" altLang="zh-TW" sz="1800" b="0" i="0" u="none" strike="noStrike" baseline="0" dirty="0">
+                <a:latin typeface="CMMI9"/>
+              </a:rPr>
+              <a:t>convolution</a:t>
+            </a:r>
+            <a:r>
+              <a:rPr lang="zh-TW" altLang="en-US" sz="1800" b="0" i="0" u="none" strike="noStrike" baseline="0" dirty="0">
+                <a:latin typeface="CMMI9"/>
+              </a:rPr>
+              <a:t>的時候，</a:t>
+            </a:r>
+            <a:r>
+              <a:rPr lang="en-US" altLang="zh-TW" sz="1800" b="0" i="0" u="none" strike="noStrike" baseline="0" dirty="0">
+                <a:latin typeface="CMMI9"/>
+              </a:rPr>
+              <a:t>kernel </a:t>
+            </a:r>
+            <a:r>
+              <a:rPr lang="zh-TW" altLang="en-US" sz="1800" b="0" i="0" u="none" strike="noStrike" baseline="0" dirty="0">
+                <a:latin typeface="CMMI9"/>
+              </a:rPr>
+              <a:t>會提取附近的特徵。所以在這邊他會提取附近的</a:t>
+            </a:r>
+            <a:r>
+              <a:rPr lang="en-US" altLang="zh-TW" sz="1800" b="0" i="0" u="none" strike="noStrike" baseline="0" dirty="0">
+                <a:latin typeface="CMMI9"/>
+              </a:rPr>
+              <a:t>congestion</a:t>
+            </a:r>
+            <a:r>
+              <a:rPr lang="zh-TW" altLang="en-US" sz="1800" b="0" i="0" u="none" strike="noStrike" baseline="0" dirty="0">
+                <a:latin typeface="CMMI9"/>
+              </a:rPr>
+              <a:t>跟</a:t>
+            </a:r>
+            <a:r>
+              <a:rPr lang="en-US" altLang="zh-TW" sz="1800" b="0" i="0" u="none" strike="noStrike" baseline="0" dirty="0">
+                <a:latin typeface="CMMI9"/>
+              </a:rPr>
+              <a:t>pin density</a:t>
+            </a:r>
           </a:p>
         </p:txBody>
       </p:sp>
@@ -3456,7 +3510,98 @@
           <a:bodyPr/>
           <a:lstStyle/>
           <a:p>
-            <a:endParaRPr lang="zh-TW" altLang="en-US" dirty="0"/>
+            <a:r>
+              <a:rPr lang="en-US" altLang="zh-TW" dirty="0"/>
+              <a:t>Pin p </a:t>
+            </a:r>
+            <a:r>
+              <a:rPr lang="zh-TW" altLang="en-US" dirty="0"/>
+              <a:t>的</a:t>
+            </a:r>
+            <a:r>
+              <a:rPr lang="en-US" altLang="zh-TW" dirty="0"/>
+              <a:t>congestion</a:t>
+            </a:r>
+            <a:r>
+              <a:rPr lang="zh-TW" altLang="en-US" dirty="0"/>
+              <a:t>會等於所有</a:t>
+            </a:r>
+            <a:r>
+              <a:rPr lang="en-US" altLang="zh-TW" dirty="0"/>
+              <a:t>p</a:t>
+            </a:r>
+            <a:r>
+              <a:rPr lang="zh-TW" altLang="en-US" dirty="0"/>
+              <a:t>會經過的</a:t>
+            </a:r>
+            <a:r>
+              <a:rPr lang="en-US" altLang="zh-TW" dirty="0"/>
+              <a:t>path</a:t>
+            </a:r>
+            <a:r>
+              <a:rPr lang="zh-TW" altLang="en-US" dirty="0"/>
+              <a:t> </a:t>
+            </a:r>
+            <a:r>
+              <a:rPr lang="en-US" altLang="zh-TW" dirty="0"/>
+              <a:t>l </a:t>
+            </a:r>
+            <a:r>
+              <a:rPr lang="zh-TW" altLang="en-US" dirty="0"/>
+              <a:t>中該</a:t>
+            </a:r>
+            <a:r>
+              <a:rPr lang="en-US" altLang="zh-TW" dirty="0"/>
+              <a:t>path</a:t>
+            </a:r>
+            <a:r>
+              <a:rPr lang="zh-TW" altLang="en-US" dirty="0"/>
+              <a:t> </a:t>
+            </a:r>
+            <a:r>
+              <a:rPr lang="en-US" altLang="zh-TW" dirty="0"/>
+              <a:t>l(</a:t>
+            </a:r>
+            <a:r>
+              <a:rPr lang="zh-TW" altLang="en-US" dirty="0"/>
+              <a:t>所有跟</a:t>
+            </a:r>
+            <a:r>
+              <a:rPr lang="en-US" altLang="zh-TW" dirty="0"/>
+              <a:t>pin</a:t>
+            </a:r>
+            <a:r>
+              <a:rPr lang="zh-TW" altLang="en-US" dirty="0"/>
+              <a:t> </a:t>
+            </a:r>
+            <a:r>
+              <a:rPr lang="en-US" altLang="zh-TW" dirty="0"/>
+              <a:t>p</a:t>
+            </a:r>
+            <a:r>
+              <a:rPr lang="zh-TW" altLang="en-US" dirty="0"/>
+              <a:t>有關的</a:t>
+            </a:r>
+            <a:r>
+              <a:rPr lang="en-US" altLang="zh-TW" dirty="0"/>
+              <a:t>two point net)</a:t>
+            </a:r>
+            <a:r>
+              <a:rPr lang="zh-TW" altLang="en-US" dirty="0"/>
+              <a:t>有最大</a:t>
+            </a:r>
+            <a:r>
+              <a:rPr lang="en-US" altLang="zh-TW" dirty="0" err="1"/>
+              <a:t>gcells</a:t>
+            </a:r>
+            <a:r>
+              <a:rPr lang="en-US" altLang="zh-TW" dirty="0"/>
+              <a:t> congestion</a:t>
+            </a:r>
+            <a:r>
+              <a:rPr lang="zh-TW" altLang="en-US" dirty="0"/>
+              <a:t>的最小值</a:t>
+            </a:r>
           </a:p>
         </p:txBody>
       </p:sp>
@@ -3548,7 +3693,89 @@
               <a:rPr lang="en-US" altLang="zh-TW" sz="1800" b="0" i="0" u="none" strike="noStrike" baseline="0" dirty="0">
                 <a:latin typeface="NimbusRomNo9L-Regu"/>
               </a:rPr>
-              <a:t>The logarithmic function intends to smooth the distribution of padding values, which could improve the stability of the padding process.</a:t>
+              <a:t>The logarithmic function </a:t>
+            </a:r>
+            <a:r>
+              <a:rPr lang="zh-TW" altLang="en-US" sz="1800" b="0" i="0" u="none" strike="noStrike" baseline="0" dirty="0">
+                <a:latin typeface="NimbusRomNo9L-Regu"/>
+              </a:rPr>
+              <a:t>是為了要</a:t>
+            </a:r>
+            <a:r>
+              <a:rPr lang="zh-TW" altLang="en-US" sz="2800" b="0" i="0" dirty="0">
+                <a:solidFill>
+                  <a:srgbClr val="D1D5DB"/>
+                </a:solidFill>
+                <a:effectLst/>
+                <a:latin typeface="Söhne"/>
+              </a:rPr>
+              <a:t>平滑</a:t>
+            </a:r>
+            <a:r>
+              <a:rPr lang="en-US" altLang="zh-TW" sz="1800" b="0" i="0" u="none" strike="noStrike" baseline="0" dirty="0">
+                <a:latin typeface="NimbusRomNo9L-Regu"/>
+              </a:rPr>
+              <a:t> padding values</a:t>
+            </a:r>
+            <a:r>
+              <a:rPr lang="zh-TW" altLang="en-US" sz="1800" b="0" i="0" u="none" strike="noStrike" baseline="0" dirty="0">
+                <a:latin typeface="NimbusRomNo9L-Regu"/>
+              </a:rPr>
+              <a:t>的</a:t>
+            </a:r>
+            <a:r>
+              <a:rPr lang="en-US" altLang="zh-TW" sz="1800" b="0" i="0" u="none" strike="noStrike" baseline="0" dirty="0">
+                <a:latin typeface="NimbusRomNo9L-Regu"/>
+              </a:rPr>
+              <a:t>distribution, </a:t>
+            </a:r>
+            <a:r>
+              <a:rPr lang="zh-TW" altLang="en-US" sz="1800" b="0" i="0" u="none" strike="noStrike" baseline="0" dirty="0">
+                <a:latin typeface="NimbusRomNo9L-Regu"/>
+              </a:rPr>
+              <a:t>進而改善</a:t>
+            </a:r>
+            <a:r>
+              <a:rPr lang="en-US" altLang="zh-TW" sz="1800" b="0" i="0" u="none" strike="noStrike" baseline="0" dirty="0">
+                <a:latin typeface="NimbusRomNo9L-Regu"/>
+              </a:rPr>
+              <a:t>padding process</a:t>
+            </a:r>
+            <a:r>
+              <a:rPr lang="zh-TW" altLang="en-US" sz="1800" b="0" i="0" u="none" strike="noStrike" baseline="0" dirty="0">
+                <a:latin typeface="NimbusRomNo9L-Regu"/>
+              </a:rPr>
+              <a:t>的</a:t>
+            </a:r>
+            <a:r>
+              <a:rPr lang="en-US" altLang="zh-TW" sz="1800" b="0" i="0" u="none" strike="noStrike" baseline="0" dirty="0">
+                <a:latin typeface="NimbusRomNo9L-Regu"/>
+              </a:rPr>
+              <a:t>stability</a:t>
+            </a:r>
+          </a:p>
+          <a:p>
+            <a:pPr marL="285750" indent="-285750" algn="l">
+              <a:buFont typeface="Arial" panose="020B0604020202020204" pitchFamily="34" charset="0"/>
+              <a:buChar char="•"/>
+            </a:pPr>
+            <a:r>
+              <a:rPr lang="zh-TW" altLang="en-US" sz="1800" b="0" i="0" u="none" strike="noStrike" baseline="0" dirty="0">
+                <a:latin typeface="NimbusRomNo9L-Regu"/>
+              </a:rPr>
+              <a:t>他的</a:t>
+            </a:r>
+            <a:r>
+              <a:rPr lang="en-US" altLang="zh-TW" sz="1800" b="0" i="0" u="none" strike="noStrike" baseline="0" dirty="0">
+                <a:latin typeface="NimbusRomNo9L-Regu"/>
+              </a:rPr>
+              <a:t>strategy parameter</a:t>
+            </a:r>
+            <a:r>
+              <a:rPr lang="zh-TW" altLang="en-US" sz="1800" b="0" i="0" u="none" strike="noStrike" baseline="0" dirty="0">
+                <a:latin typeface="NimbusRomNo9L-Regu"/>
+              </a:rPr>
+              <a:t>會利用一個方法來找，後面會說到</a:t>
             </a:r>
             <a:endParaRPr lang="en-US" altLang="zh-TW" sz="1800" b="0" i="0" u="none" strike="noStrike" baseline="0" dirty="0">
               <a:latin typeface="CMMI9"/>
@@ -3640,9 +3867,30 @@
               <a:buFont typeface="Arial" panose="020B0604020202020204" pitchFamily="34" charset="0"/>
               <a:buChar char="•"/>
             </a:pPr>
-            <a:endParaRPr lang="en-US" altLang="zh-TW" sz="1800" b="0" i="0" u="none" strike="noStrike" baseline="0" dirty="0">
-              <a:latin typeface="CMMI9"/>
-            </a:endParaRPr>
+            <a:r>
+              <a:rPr lang="zh-TW" altLang="en-US" sz="1800" b="0" i="0" u="none" strike="noStrike" baseline="0" dirty="0">
+                <a:latin typeface="CMMI9"/>
+              </a:rPr>
+              <a:t>因為這樣可以避免一些可能會增加</a:t>
+            </a:r>
+            <a:r>
+              <a:rPr lang="en-US" altLang="zh-TW" sz="1800" b="0" i="0" u="none" strike="noStrike" baseline="0" dirty="0">
+                <a:latin typeface="CMMI9"/>
+              </a:rPr>
+              <a:t>wirelength</a:t>
+            </a:r>
+            <a:r>
+              <a:rPr lang="zh-TW" altLang="en-US" sz="1800" b="0" i="0" u="none" strike="noStrike" baseline="0" dirty="0">
+                <a:latin typeface="CMMI9"/>
+              </a:rPr>
+              <a:t>的</a:t>
+            </a:r>
+            <a:r>
+              <a:rPr lang="en-US" altLang="zh-TW" sz="1800" b="0" i="0" u="none" strike="noStrike" baseline="0" dirty="0">
+                <a:latin typeface="CMMI9"/>
+              </a:rPr>
+              <a:t>padding</a:t>
+            </a:r>
           </a:p>
         </p:txBody>
       </p:sp>
@@ -3672,7 +3920,7 @@
     </p:spTree>
     <p:extLst>
       <p:ext uri="{BB962C8B-B14F-4D97-AF65-F5344CB8AC3E}">
-        <p14:creationId xmlns:p14="http://schemas.microsoft.com/office/powerpoint/2010/main" val="205459903"/>
+        <p14:creationId xmlns:p14="http://schemas.microsoft.com/office/powerpoint/2010/main" val="2262985869"/>
       </p:ext>
     </p:extLst>
   </p:cSld>
@@ -3797,6 +4045,570 @@
     <p:extLst>
       <p:ext uri="{BB962C8B-B14F-4D97-AF65-F5344CB8AC3E}">
         <p14:creationId xmlns:p14="http://schemas.microsoft.com/office/powerpoint/2010/main" val="2693843812"/>
+      </p:ext>
+    </p:extLst>
+  </p:cSld>
+  <p:clrMapOvr>
+    <a:masterClrMapping/>
+  </p:clrMapOvr>
+</p:notes>
+</file>
+
+<file path=ppt/notesSlides/notesSlide20.xml><?xml version="1.0" encoding="utf-8"?>
+<p:notes xmlns:a="http://schemas.openxmlformats.org/drawingml/2006/main" xmlns:r="http://schemas.openxmlformats.org/officeDocument/2006/relationships" xmlns:p="http://schemas.openxmlformats.org/presentationml/2006/main">
+  <p:cSld>
+    <p:spTree>
+      <p:nvGrpSpPr>
+        <p:cNvPr id="1" name=""/>
+        <p:cNvGrpSpPr/>
+        <p:nvPr/>
+      </p:nvGrpSpPr>
+      <p:grpSpPr>
+        <a:xfrm>
+          <a:off x="0" y="0"/>
+          <a:ext cx="0" cy="0"/>
+          <a:chOff x="0" y="0"/>
+          <a:chExt cx="0" cy="0"/>
+        </a:xfrm>
+      </p:grpSpPr>
+      <p:sp>
+        <p:nvSpPr>
+          <p:cNvPr id="2" name="投影片影像版面配置區 1"/>
+          <p:cNvSpPr>
+            <a:spLocks noGrp="1" noRot="1" noChangeAspect="1"/>
+          </p:cNvSpPr>
+          <p:nvPr>
+            <p:ph type="sldImg"/>
+          </p:nvPr>
+        </p:nvSpPr>
+        <p:spPr/>
+      </p:sp>
+      <p:sp>
+        <p:nvSpPr>
+          <p:cNvPr id="3" name="備忘稿版面配置區 2"/>
+          <p:cNvSpPr>
+            <a:spLocks noGrp="1"/>
+          </p:cNvSpPr>
+          <p:nvPr>
+            <p:ph type="body" idx="1"/>
+          </p:nvPr>
+        </p:nvSpPr>
+        <p:spPr/>
+        <p:txBody>
+          <a:bodyPr/>
+          <a:lstStyle/>
+          <a:p>
+            <a:pPr marL="285750" indent="-285750" algn="l">
+              <a:buFont typeface="Arial" panose="020B0604020202020204" pitchFamily="34" charset="0"/>
+              <a:buChar char="•"/>
+            </a:pPr>
+            <a:r>
+              <a:rPr lang="zh-TW" altLang="en-US" sz="1800" b="0" i="0" u="none" strike="noStrike" baseline="0" dirty="0">
+                <a:latin typeface="CMMI9"/>
+              </a:rPr>
+              <a:t>因為這樣可以避免一些可能會增加</a:t>
+            </a:r>
+            <a:r>
+              <a:rPr lang="en-US" altLang="zh-TW" sz="1800" b="0" i="0" u="none" strike="noStrike" baseline="0" dirty="0">
+                <a:latin typeface="CMMI9"/>
+              </a:rPr>
+              <a:t>wirelength</a:t>
+            </a:r>
+            <a:r>
+              <a:rPr lang="zh-TW" altLang="en-US" sz="1800" b="0" i="0" u="none" strike="noStrike" baseline="0" dirty="0">
+                <a:latin typeface="CMMI9"/>
+              </a:rPr>
+              <a:t>的</a:t>
+            </a:r>
+            <a:r>
+              <a:rPr lang="en-US" altLang="zh-TW" sz="1800" b="0" i="0" u="none" strike="noStrike" baseline="0" dirty="0">
+                <a:latin typeface="CMMI9"/>
+              </a:rPr>
+              <a:t>padding</a:t>
+            </a:r>
+          </a:p>
+          <a:p>
+            <a:pPr marL="285750" indent="-285750" algn="l">
+              <a:buFont typeface="Arial" panose="020B0604020202020204" pitchFamily="34" charset="0"/>
+              <a:buChar char="•"/>
+            </a:pPr>
+            <a:r>
+              <a:rPr lang="en-US" altLang="zh-TW" sz="1800" b="0" i="0" u="none" strike="noStrike" baseline="0" dirty="0">
+                <a:latin typeface="CMMI9"/>
+              </a:rPr>
+              <a:t>1. </a:t>
+            </a:r>
+            <a:r>
+              <a:rPr lang="zh-TW" altLang="en-US" sz="1800" b="0" i="0" u="none" strike="noStrike" baseline="0" dirty="0">
+                <a:latin typeface="CMMI9"/>
+              </a:rPr>
+              <a:t>估計</a:t>
+            </a:r>
+            <a:r>
+              <a:rPr lang="en-US" altLang="zh-TW" sz="1800" b="0" i="0" u="none" strike="noStrike" baseline="0" dirty="0">
+                <a:latin typeface="CMMI9"/>
+              </a:rPr>
+              <a:t>congestion</a:t>
+            </a:r>
+          </a:p>
+          <a:p>
+            <a:pPr marL="285750" indent="-285750" algn="l">
+              <a:buFont typeface="Arial" panose="020B0604020202020204" pitchFamily="34" charset="0"/>
+              <a:buChar char="•"/>
+            </a:pPr>
+            <a:r>
+              <a:rPr lang="en-US" altLang="zh-TW" sz="1800" b="0" i="0" u="none" strike="noStrike" baseline="0" dirty="0">
+                <a:latin typeface="CMMI9"/>
+              </a:rPr>
+              <a:t>2. </a:t>
+            </a:r>
+            <a:r>
+              <a:rPr lang="zh-TW" altLang="en-US" sz="1800" b="0" i="0" u="none" strike="noStrike" baseline="0" dirty="0">
+                <a:latin typeface="CMMI9"/>
+              </a:rPr>
+              <a:t>從</a:t>
+            </a:r>
+            <a:r>
+              <a:rPr lang="en-US" altLang="zh-TW" sz="1800" b="0" i="0" u="none" strike="noStrike" baseline="0" dirty="0">
+                <a:latin typeface="CMMI9"/>
+              </a:rPr>
+              <a:t>congestion map</a:t>
+            </a:r>
+            <a:r>
+              <a:rPr lang="zh-TW" altLang="en-US" sz="1800" b="0" i="0" u="none" strike="noStrike" baseline="0" dirty="0">
+                <a:latin typeface="CMMI9"/>
+              </a:rPr>
+              <a:t>跟</a:t>
+            </a:r>
+            <a:r>
+              <a:rPr lang="en-US" altLang="zh-TW" sz="1800" b="0" i="0" u="none" strike="noStrike" baseline="0" dirty="0">
+                <a:latin typeface="CMMI9"/>
+              </a:rPr>
+              <a:t>placement</a:t>
+            </a:r>
+            <a:r>
+              <a:rPr lang="zh-TW" altLang="en-US" sz="1800" b="0" i="0" u="none" strike="noStrike" baseline="0" dirty="0">
+                <a:latin typeface="CMMI9"/>
+              </a:rPr>
+              <a:t> </a:t>
+            </a:r>
+            <a:r>
+              <a:rPr lang="en-US" altLang="zh-TW" sz="1800" b="0" i="0" u="none" strike="noStrike" baseline="0" dirty="0">
+                <a:latin typeface="CMMI9"/>
+              </a:rPr>
+              <a:t>information</a:t>
+            </a:r>
+            <a:r>
+              <a:rPr lang="zh-TW" altLang="en-US" sz="1800" b="0" i="0" u="none" strike="noStrike" baseline="0" dirty="0">
+                <a:latin typeface="CMMI9"/>
+              </a:rPr>
+              <a:t>來提取之前講到的</a:t>
+            </a:r>
+            <a:r>
+              <a:rPr lang="en-US" altLang="zh-TW" sz="1800" b="0" i="0" u="none" strike="noStrike" baseline="0" dirty="0">
+                <a:latin typeface="CMMI9"/>
+              </a:rPr>
+              <a:t>3</a:t>
+            </a:r>
+            <a:r>
+              <a:rPr lang="zh-TW" altLang="en-US" sz="1800" b="0" i="0" u="none" strike="noStrike" baseline="0" dirty="0">
+                <a:latin typeface="CMMI9"/>
+              </a:rPr>
+              <a:t>個</a:t>
+            </a:r>
+            <a:r>
+              <a:rPr lang="en-US" altLang="zh-TW" sz="1800" b="0" i="0" u="none" strike="noStrike" baseline="0" dirty="0">
+                <a:latin typeface="CMMI9"/>
+              </a:rPr>
+              <a:t>features</a:t>
+            </a:r>
+          </a:p>
+          <a:p>
+            <a:pPr marL="285750" indent="-285750" algn="l">
+              <a:buFont typeface="Arial" panose="020B0604020202020204" pitchFamily="34" charset="0"/>
+              <a:buChar char="•"/>
+            </a:pPr>
+            <a:r>
+              <a:rPr lang="en-US" altLang="zh-TW" sz="1800" b="0" i="0" u="none" strike="noStrike" baseline="0" dirty="0">
+                <a:latin typeface="CMMI9"/>
+              </a:rPr>
+              <a:t>3</a:t>
+            </a:r>
+            <a:r>
+              <a:rPr lang="zh-TW" altLang="en-US" sz="1800" b="0" i="0" u="none" strike="noStrike" baseline="0" dirty="0">
+                <a:latin typeface="CMMI9"/>
+              </a:rPr>
+              <a:t>、</a:t>
+            </a:r>
+            <a:r>
+              <a:rPr lang="en-US" altLang="zh-TW" sz="1800" b="0" i="0" u="none" strike="noStrike" baseline="0" dirty="0">
+                <a:latin typeface="CMMI9"/>
+              </a:rPr>
+              <a:t>4 :</a:t>
+            </a:r>
+            <a:r>
+              <a:rPr lang="zh-TW" altLang="en-US" sz="1800" b="0" i="0" u="none" strike="noStrike" baseline="0" dirty="0">
+                <a:latin typeface="CMMI9"/>
+              </a:rPr>
+              <a:t> 根據剛剛講到的公式來計算跟回收</a:t>
+            </a:r>
+            <a:r>
+              <a:rPr lang="en-US" altLang="zh-TW" sz="1800" b="0" i="0" u="none" strike="noStrike" baseline="0" dirty="0">
+                <a:latin typeface="CMMI9"/>
+              </a:rPr>
+              <a:t>padding</a:t>
+            </a:r>
+          </a:p>
+          <a:p>
+            <a:pPr marL="285750" indent="-285750" algn="l">
+              <a:buFont typeface="Arial" panose="020B0604020202020204" pitchFamily="34" charset="0"/>
+              <a:buChar char="•"/>
+            </a:pPr>
+            <a:r>
+              <a:rPr lang="en-US" altLang="zh-TW" sz="1800" b="0" i="0" u="none" strike="noStrike" baseline="0" dirty="0">
+                <a:latin typeface="CMMI9"/>
+              </a:rPr>
+              <a:t>5:</a:t>
+            </a:r>
+            <a:r>
+              <a:rPr lang="zh-TW" altLang="en-US" sz="1800" b="0" i="0" u="none" strike="noStrike" baseline="0" dirty="0">
+                <a:latin typeface="CMMI9"/>
+              </a:rPr>
+              <a:t>  計算</a:t>
+            </a:r>
+            <a:r>
+              <a:rPr lang="en-US" altLang="zh-TW" sz="1800" b="0" i="0" u="none" strike="noStrike" baseline="0" dirty="0">
+                <a:latin typeface="CMMI9"/>
+              </a:rPr>
+              <a:t>padding utilization (</a:t>
+            </a:r>
+            <a:r>
+              <a:rPr lang="zh-TW" altLang="en-US" sz="1800" b="0" i="0" u="none" strike="noStrike" baseline="0" dirty="0">
+                <a:latin typeface="CMMI9"/>
+              </a:rPr>
+              <a:t>控制</a:t>
+            </a:r>
+            <a:r>
+              <a:rPr lang="en-US" altLang="zh-TW" sz="1800" b="0" i="0" u="none" strike="noStrike" baseline="0" dirty="0">
+                <a:latin typeface="CMMI9"/>
+              </a:rPr>
+              <a:t>padding utilization</a:t>
+            </a:r>
+            <a:r>
+              <a:rPr lang="zh-TW" altLang="en-US" sz="1800" b="0" i="0" u="none" strike="noStrike" baseline="0" dirty="0">
+                <a:latin typeface="CMMI9"/>
+              </a:rPr>
+              <a:t>可以避免</a:t>
+            </a:r>
+            <a:r>
+              <a:rPr lang="en-US" altLang="zh-TW" sz="1800" b="0" i="0" u="none" strike="noStrike" baseline="0" dirty="0">
+                <a:latin typeface="CMMI9"/>
+              </a:rPr>
+              <a:t>Over padding, </a:t>
+            </a:r>
+            <a:r>
+              <a:rPr lang="zh-TW" altLang="en-US" sz="1800" b="0" i="0" u="none" strike="noStrike" baseline="0" dirty="0">
+                <a:latin typeface="CMMI9"/>
+              </a:rPr>
+              <a:t>阻礙後續的優化</a:t>
+            </a:r>
+            <a:r>
+              <a:rPr lang="en-US" altLang="zh-TW" sz="1800" b="0" i="0" u="none" strike="noStrike" baseline="0" dirty="0">
+                <a:latin typeface="CMMI9"/>
+              </a:rPr>
+              <a:t>)</a:t>
+            </a:r>
+          </a:p>
+          <a:p>
+            <a:pPr marL="285750" indent="-285750" algn="l">
+              <a:buFont typeface="Arial" panose="020B0604020202020204" pitchFamily="34" charset="0"/>
+              <a:buChar char="•"/>
+            </a:pPr>
+            <a:r>
+              <a:rPr lang="en-US" altLang="zh-TW" sz="1800" b="0" i="0" u="none" strike="noStrike" baseline="0" dirty="0">
+                <a:latin typeface="CMMI9"/>
+              </a:rPr>
+              <a:t>6-9</a:t>
+            </a:r>
+            <a:r>
+              <a:rPr lang="zh-TW" altLang="en-US" sz="1800" b="0" i="0" u="none" strike="noStrike" baseline="0" dirty="0">
+                <a:latin typeface="CMMI9"/>
+              </a:rPr>
+              <a:t> </a:t>
+            </a:r>
+            <a:r>
+              <a:rPr lang="en-US" altLang="zh-TW" sz="1800" b="0" i="0" u="none" strike="noStrike" baseline="0" dirty="0">
+                <a:latin typeface="CMMI9"/>
+              </a:rPr>
+              <a:t>:</a:t>
+            </a:r>
+            <a:r>
+              <a:rPr lang="zh-TW" altLang="en-US" sz="1800" b="0" i="0" u="none" strike="noStrike" baseline="0" dirty="0">
+                <a:latin typeface="CMMI9"/>
+              </a:rPr>
+              <a:t> 若</a:t>
+            </a:r>
+            <a:r>
+              <a:rPr lang="en-US" altLang="zh-TW" sz="1800" b="0" i="0" u="none" strike="noStrike" baseline="0" dirty="0">
+                <a:latin typeface="CMMI9"/>
+              </a:rPr>
+              <a:t>total padding</a:t>
+            </a:r>
+            <a:r>
+              <a:rPr lang="zh-TW" altLang="en-US" sz="1800" b="0" i="0" u="none" strike="noStrike" baseline="0" dirty="0">
+                <a:latin typeface="CMMI9"/>
+              </a:rPr>
+              <a:t>超過了設定的</a:t>
+            </a:r>
+            <a:r>
+              <a:rPr lang="en-US" altLang="zh-TW" sz="1800" b="0" i="0" u="none" strike="noStrike" baseline="0" dirty="0">
+                <a:latin typeface="CMMI9"/>
+              </a:rPr>
+              <a:t>utilization,</a:t>
+            </a:r>
+            <a:r>
+              <a:rPr lang="zh-TW" altLang="en-US" sz="1800" b="0" i="0" u="none" strike="noStrike" baseline="0" dirty="0">
+                <a:latin typeface="CMMI9"/>
+              </a:rPr>
+              <a:t>那</a:t>
+            </a:r>
+            <a:r>
+              <a:rPr lang="en-US" altLang="zh-TW" sz="1800" b="0" i="0" u="none" strike="noStrike" baseline="0" dirty="0">
+                <a:latin typeface="CMMI9"/>
+              </a:rPr>
+              <a:t>padding</a:t>
+            </a:r>
+            <a:r>
+              <a:rPr lang="zh-TW" altLang="en-US" sz="1800" b="0" i="0" u="none" strike="noStrike" baseline="0" dirty="0">
+                <a:latin typeface="CMMI9"/>
+              </a:rPr>
+              <a:t>會進行縮放來達到</a:t>
+            </a:r>
+            <a:r>
+              <a:rPr lang="en-US" altLang="zh-TW" sz="1800" b="0" i="0" u="none" strike="noStrike" baseline="0" dirty="0">
+                <a:latin typeface="CMMI9"/>
+              </a:rPr>
+              <a:t>constraint</a:t>
+            </a:r>
+          </a:p>
+          <a:p>
+            <a:pPr marL="285750" indent="-285750" algn="l">
+              <a:buFont typeface="Arial" panose="020B0604020202020204" pitchFamily="34" charset="0"/>
+              <a:buChar char="•"/>
+            </a:pPr>
+            <a:endParaRPr lang="en-US" altLang="zh-TW" sz="1800" b="0" i="0" u="none" strike="noStrike" baseline="0" dirty="0">
+              <a:latin typeface="CMMI9"/>
+            </a:endParaRPr>
+          </a:p>
+        </p:txBody>
+      </p:sp>
+      <p:sp>
+        <p:nvSpPr>
+          <p:cNvPr id="4" name="投影片編號版面配置區 3"/>
+          <p:cNvSpPr>
+            <a:spLocks noGrp="1"/>
+          </p:cNvSpPr>
+          <p:nvPr>
+            <p:ph type="sldNum" sz="quarter" idx="5"/>
+          </p:nvPr>
+        </p:nvSpPr>
+        <p:spPr/>
+        <p:txBody>
+          <a:bodyPr/>
+          <a:lstStyle/>
+          <a:p>
+            <a:fld id="{9D457EAB-1485-47AD-BEAD-484FAEBF5A54}" type="slidenum">
+              <a:rPr lang="en-US" smtClean="0"/>
+              <a:t>24</a:t>
+            </a:fld>
+            <a:endParaRPr lang="en-US"/>
+          </a:p>
+        </p:txBody>
+      </p:sp>
+    </p:spTree>
+    <p:extLst>
+      <p:ext uri="{BB962C8B-B14F-4D97-AF65-F5344CB8AC3E}">
+        <p14:creationId xmlns:p14="http://schemas.microsoft.com/office/powerpoint/2010/main" val="80125019"/>
+      </p:ext>
+    </p:extLst>
+  </p:cSld>
+  <p:clrMapOvr>
+    <a:masterClrMapping/>
+  </p:clrMapOvr>
+</p:notes>
+</file>
+
+<file path=ppt/notesSlides/notesSlide21.xml><?xml version="1.0" encoding="utf-8"?>
+<p:notes xmlns:a="http://schemas.openxmlformats.org/drawingml/2006/main" xmlns:r="http://schemas.openxmlformats.org/officeDocument/2006/relationships" xmlns:p="http://schemas.openxmlformats.org/presentationml/2006/main">
+  <p:cSld>
+    <p:spTree>
+      <p:nvGrpSpPr>
+        <p:cNvPr id="1" name=""/>
+        <p:cNvGrpSpPr/>
+        <p:nvPr/>
+      </p:nvGrpSpPr>
+      <p:grpSpPr>
+        <a:xfrm>
+          <a:off x="0" y="0"/>
+          <a:ext cx="0" cy="0"/>
+          <a:chOff x="0" y="0"/>
+          <a:chExt cx="0" cy="0"/>
+        </a:xfrm>
+      </p:grpSpPr>
+      <p:sp>
+        <p:nvSpPr>
+          <p:cNvPr id="2" name="投影片影像版面配置區 1"/>
+          <p:cNvSpPr>
+            <a:spLocks noGrp="1" noRot="1" noChangeAspect="1"/>
+          </p:cNvSpPr>
+          <p:nvPr>
+            <p:ph type="sldImg"/>
+          </p:nvPr>
+        </p:nvSpPr>
+        <p:spPr/>
+      </p:sp>
+      <p:sp>
+        <p:nvSpPr>
+          <p:cNvPr id="3" name="備忘稿版面配置區 2"/>
+          <p:cNvSpPr>
+            <a:spLocks noGrp="1"/>
+          </p:cNvSpPr>
+          <p:nvPr>
+            <p:ph type="body" idx="1"/>
+          </p:nvPr>
+        </p:nvSpPr>
+        <p:spPr/>
+        <p:txBody>
+          <a:bodyPr/>
+          <a:lstStyle/>
+          <a:p>
+            <a:pPr marL="285750" indent="-285750" algn="l">
+              <a:buFont typeface="Arial" panose="020B0604020202020204" pitchFamily="34" charset="0"/>
+              <a:buChar char="•"/>
+            </a:pPr>
+            <a:endParaRPr lang="en-US" altLang="zh-TW" sz="1800" b="0" i="0" u="none" strike="noStrike" baseline="0" dirty="0">
+              <a:latin typeface="CMMI9"/>
+            </a:endParaRPr>
+          </a:p>
+        </p:txBody>
+      </p:sp>
+      <p:sp>
+        <p:nvSpPr>
+          <p:cNvPr id="4" name="投影片編號版面配置區 3"/>
+          <p:cNvSpPr>
+            <a:spLocks noGrp="1"/>
+          </p:cNvSpPr>
+          <p:nvPr>
+            <p:ph type="sldNum" sz="quarter" idx="5"/>
+          </p:nvPr>
+        </p:nvSpPr>
+        <p:spPr/>
+        <p:txBody>
+          <a:bodyPr/>
+          <a:lstStyle/>
+          <a:p>
+            <a:fld id="{9D457EAB-1485-47AD-BEAD-484FAEBF5A54}" type="slidenum">
+              <a:rPr lang="en-US" smtClean="0"/>
+              <a:t>25</a:t>
+            </a:fld>
+            <a:endParaRPr lang="en-US"/>
+          </a:p>
+        </p:txBody>
+      </p:sp>
+    </p:spTree>
+    <p:extLst>
+      <p:ext uri="{BB962C8B-B14F-4D97-AF65-F5344CB8AC3E}">
+        <p14:creationId xmlns:p14="http://schemas.microsoft.com/office/powerpoint/2010/main" val="962809593"/>
+      </p:ext>
+    </p:extLst>
+  </p:cSld>
+  <p:clrMapOvr>
+    <a:masterClrMapping/>
+  </p:clrMapOvr>
+</p:notes>
+</file>
+
+<file path=ppt/notesSlides/notesSlide22.xml><?xml version="1.0" encoding="utf-8"?>
+<p:notes xmlns:a="http://schemas.openxmlformats.org/drawingml/2006/main" xmlns:r="http://schemas.openxmlformats.org/officeDocument/2006/relationships" xmlns:p="http://schemas.openxmlformats.org/presentationml/2006/main">
+  <p:cSld>
+    <p:spTree>
+      <p:nvGrpSpPr>
+        <p:cNvPr id="1" name=""/>
+        <p:cNvGrpSpPr/>
+        <p:nvPr/>
+      </p:nvGrpSpPr>
+      <p:grpSpPr>
+        <a:xfrm>
+          <a:off x="0" y="0"/>
+          <a:ext cx="0" cy="0"/>
+          <a:chOff x="0" y="0"/>
+          <a:chExt cx="0" cy="0"/>
+        </a:xfrm>
+      </p:grpSpPr>
+      <p:sp>
+        <p:nvSpPr>
+          <p:cNvPr id="2" name="投影片影像版面配置區 1"/>
+          <p:cNvSpPr>
+            <a:spLocks noGrp="1" noRot="1" noChangeAspect="1"/>
+          </p:cNvSpPr>
+          <p:nvPr>
+            <p:ph type="sldImg"/>
+          </p:nvPr>
+        </p:nvSpPr>
+        <p:spPr/>
+      </p:sp>
+      <p:sp>
+        <p:nvSpPr>
+          <p:cNvPr id="3" name="備忘稿版面配置區 2"/>
+          <p:cNvSpPr>
+            <a:spLocks noGrp="1"/>
+          </p:cNvSpPr>
+          <p:nvPr>
+            <p:ph type="body" idx="1"/>
+          </p:nvPr>
+        </p:nvSpPr>
+        <p:spPr/>
+        <p:txBody>
+          <a:bodyPr/>
+          <a:lstStyle/>
+          <a:p>
+            <a:pPr marL="285750" indent="-285750" algn="l">
+              <a:buFont typeface="Arial" panose="020B0604020202020204" pitchFamily="34" charset="0"/>
+              <a:buChar char="•"/>
+            </a:pPr>
+            <a:endParaRPr lang="en-US" altLang="zh-TW" sz="1800" b="0" i="0" u="none" strike="noStrike" baseline="0" dirty="0">
+              <a:latin typeface="CMMI9"/>
+            </a:endParaRPr>
+          </a:p>
+        </p:txBody>
+      </p:sp>
+      <p:sp>
+        <p:nvSpPr>
+          <p:cNvPr id="4" name="投影片編號版面配置區 3"/>
+          <p:cNvSpPr>
+            <a:spLocks noGrp="1"/>
+          </p:cNvSpPr>
+          <p:nvPr>
+            <p:ph type="sldNum" sz="quarter" idx="5"/>
+          </p:nvPr>
+        </p:nvSpPr>
+        <p:spPr/>
+        <p:txBody>
+          <a:bodyPr/>
+          <a:lstStyle/>
+          <a:p>
+            <a:fld id="{9D457EAB-1485-47AD-BEAD-484FAEBF5A54}" type="slidenum">
+              <a:rPr lang="en-US" smtClean="0"/>
+              <a:t>26</a:t>
+            </a:fld>
+            <a:endParaRPr lang="en-US"/>
+          </a:p>
+        </p:txBody>
+      </p:sp>
+    </p:spTree>
+    <p:extLst>
+      <p:ext uri="{BB962C8B-B14F-4D97-AF65-F5344CB8AC3E}">
+        <p14:creationId xmlns:p14="http://schemas.microsoft.com/office/powerpoint/2010/main" val="3091761597"/>
       </p:ext>
     </p:extLst>
   </p:cSld>
@@ -5160,7 +5972,7 @@
           <a:p>
             <a:fld id="{99BA7BAB-F69F-4C21-8D40-7AA273A2D01F}" type="datetime1">
               <a:rPr lang="en-US" smtClean="0"/>
-              <a:t>10/21/2023</a:t>
+              <a:t>10/22/2023</a:t>
             </a:fld>
             <a:endParaRPr lang="en-US"/>
           </a:p>
@@ -5365,7 +6177,7 @@
           <a:p>
             <a:fld id="{FB00A8EC-4678-43EE-BE64-F312B7F1A46F}" type="datetime1">
               <a:rPr lang="en-US" smtClean="0"/>
-              <a:t>10/21/2023</a:t>
+              <a:t>10/22/2023</a:t>
             </a:fld>
             <a:endParaRPr lang="en-US"/>
           </a:p>
@@ -5573,7 +6385,7 @@
           <a:p>
             <a:fld id="{9487F23D-EA8F-4C56-9373-23F6109AD11F}" type="datetime1">
               <a:rPr lang="en-US" smtClean="0"/>
-              <a:t>10/21/2023</a:t>
+              <a:t>10/22/2023</a:t>
             </a:fld>
             <a:endParaRPr lang="en-US"/>
           </a:p>
@@ -5771,7 +6583,7 @@
           <a:p>
             <a:fld id="{A34E716E-0239-4A81-9CF4-D3B9651721CF}" type="datetime1">
               <a:rPr lang="en-US" smtClean="0"/>
-              <a:t>10/21/2023</a:t>
+              <a:t>10/22/2023</a:t>
             </a:fld>
             <a:endParaRPr lang="en-US"/>
           </a:p>
@@ -6053,7 +6865,7 @@
           <a:p>
             <a:fld id="{CC112E56-3D97-4B86-935C-1C493DD86A08}" type="datetime1">
               <a:rPr lang="en-US" smtClean="0"/>
-              <a:t>10/21/2023</a:t>
+              <a:t>10/22/2023</a:t>
             </a:fld>
             <a:endParaRPr lang="en-US"/>
           </a:p>
@@ -6318,7 +7130,7 @@
           <a:p>
             <a:fld id="{40649135-BABF-4F63-9AF8-3CEC545E47DC}" type="datetime1">
               <a:rPr lang="en-US" smtClean="0"/>
-              <a:t>10/21/2023</a:t>
+              <a:t>10/22/2023</a:t>
             </a:fld>
             <a:endParaRPr lang="en-US"/>
           </a:p>
@@ -6730,7 +7542,7 @@
           <a:p>
             <a:fld id="{B16EBC02-C9C0-442D-A8A6-494057203542}" type="datetime1">
               <a:rPr lang="en-US" smtClean="0"/>
-              <a:t>10/21/2023</a:t>
+              <a:t>10/22/2023</a:t>
             </a:fld>
             <a:endParaRPr lang="en-US"/>
           </a:p>
@@ -6871,7 +7683,7 @@
           <a:p>
             <a:fld id="{A126C4B4-559D-414E-BC9C-16A745BBF3C3}" type="datetime1">
               <a:rPr lang="en-US" smtClean="0"/>
-              <a:t>10/21/2023</a:t>
+              <a:t>10/22/2023</a:t>
             </a:fld>
             <a:endParaRPr lang="en-US"/>
           </a:p>
@@ -6984,7 +7796,7 @@
           <a:p>
             <a:fld id="{0D49D49E-73A5-4C03-BFEA-3D845EB044D8}" type="datetime1">
               <a:rPr lang="en-US" smtClean="0"/>
-              <a:t>10/21/2023</a:t>
+              <a:t>10/22/2023</a:t>
             </a:fld>
             <a:endParaRPr lang="en-US"/>
           </a:p>
@@ -7295,7 +8107,7 @@
           <a:p>
             <a:fld id="{4A0F93E6-3134-410C-B573-A5F6B38FC346}" type="datetime1">
               <a:rPr lang="en-US" smtClean="0"/>
-              <a:t>10/21/2023</a:t>
+              <a:t>10/22/2023</a:t>
             </a:fld>
             <a:endParaRPr lang="en-US"/>
           </a:p>
@@ -7583,7 +8395,7 @@
           <a:p>
             <a:fld id="{F766E70F-5320-45A5-BE33-1819A93C2AF4}" type="datetime1">
               <a:rPr lang="en-US" smtClean="0"/>
-              <a:t>10/21/2023</a:t>
+              <a:t>10/22/2023</a:t>
             </a:fld>
             <a:endParaRPr lang="en-US"/>
           </a:p>
@@ -7824,7 +8636,7 @@
           <a:p>
             <a:fld id="{A706458B-0289-40FF-A02D-2C541B7F1CB6}" type="datetime1">
               <a:rPr lang="en-US" smtClean="0"/>
-              <a:t>10/21/2023</a:t>
+              <a:t>10/22/2023</a:t>
             </a:fld>
             <a:endParaRPr lang="en-US"/>
           </a:p>
@@ -8969,8 +9781,8 @@
           </a:p>
         </p:txBody>
       </p:sp>
-      <mc:AlternateContent xmlns:mc="http://schemas.openxmlformats.org/markup-compatibility/2006">
-        <mc:Choice xmlns:a14="http://schemas.microsoft.com/office/drawing/2010/main" Requires="a14">
+      <mc:AlternateContent xmlns:mc="http://schemas.openxmlformats.org/markup-compatibility/2006" xmlns:a14="http://schemas.microsoft.com/office/drawing/2010/main">
+        <mc:Choice Requires="a14">
           <p:sp>
             <p:nvSpPr>
               <p:cNvPr id="3" name="內容版面配置區 2">
@@ -10206,7 +11018,7 @@
             </p:txBody>
           </p:sp>
         </mc:Choice>
-        <mc:Fallback>
+        <mc:Fallback xmlns="">
           <p:sp>
             <p:nvSpPr>
               <p:cNvPr id="3" name="內容版面配置區 2">
@@ -10714,8 +11526,8 @@
           </a:p>
         </p:txBody>
       </p:sp>
-      <mc:AlternateContent xmlns:mc="http://schemas.openxmlformats.org/markup-compatibility/2006">
-        <mc:Choice xmlns:a14="http://schemas.microsoft.com/office/drawing/2010/main" Requires="a14">
+      <mc:AlternateContent xmlns:mc="http://schemas.openxmlformats.org/markup-compatibility/2006" xmlns:a14="http://schemas.microsoft.com/office/drawing/2010/main">
+        <mc:Choice Requires="a14">
           <p:sp>
             <p:nvSpPr>
               <p:cNvPr id="3" name="內容版面配置區 2">
@@ -11726,7 +12538,7 @@
             </p:txBody>
           </p:sp>
         </mc:Choice>
-        <mc:Fallback>
+        <mc:Fallback xmlns="">
           <p:sp>
             <p:nvSpPr>
               <p:cNvPr id="3" name="內容版面配置區 2">
@@ -12756,7 +13568,7 @@
                 <a:latin typeface="Times" panose="02020603050405020304" pitchFamily="18" charset="0"/>
                 <a:cs typeface="Times" panose="02020603050405020304" pitchFamily="18" charset="0"/>
               </a:rPr>
-              <a:t>Routing-detour-imitation-based Congestion Estimation</a:t>
+              <a:t>Congestion Estimation</a:t>
             </a:r>
           </a:p>
         </p:txBody>
@@ -12970,8 +13782,8 @@
           </a:p>
         </p:txBody>
       </p:sp>
-      <mc:AlternateContent xmlns:mc="http://schemas.openxmlformats.org/markup-compatibility/2006">
-        <mc:Choice xmlns:a14="http://schemas.microsoft.com/office/drawing/2010/main" Requires="a14">
+      <mc:AlternateContent xmlns:mc="http://schemas.openxmlformats.org/markup-compatibility/2006" xmlns:a14="http://schemas.microsoft.com/office/drawing/2010/main">
+        <mc:Choice Requires="a14">
           <p:sp>
             <p:nvSpPr>
               <p:cNvPr id="5" name="文字方塊 4">
@@ -13483,7 +14295,7 @@
             </p:txBody>
           </p:sp>
         </mc:Choice>
-        <mc:Fallback>
+        <mc:Fallback xmlns="">
           <p:sp>
             <p:nvSpPr>
               <p:cNvPr id="5" name="文字方塊 4">
@@ -13591,7 +14403,7 @@
                 <a:latin typeface="Times" panose="02020603050405020304" pitchFamily="18" charset="0"/>
                 <a:cs typeface="Times" panose="02020603050405020304" pitchFamily="18" charset="0"/>
               </a:rPr>
-              <a:t>Routing-detour-imitation-based Congestion Estimation</a:t>
+              <a:t>Congestion Estimation</a:t>
             </a:r>
           </a:p>
         </p:txBody>
@@ -13816,7 +14628,7 @@
                 <a:latin typeface="Times" panose="02020603050405020304" pitchFamily="18" charset="0"/>
                 <a:cs typeface="Times" panose="02020603050405020304" pitchFamily="18" charset="0"/>
               </a:rPr>
-              <a:t>Routing-detour-imitation-based Congestion Estimation</a:t>
+              <a:t>Congestion Estimation</a:t>
             </a:r>
           </a:p>
         </p:txBody>
@@ -13858,7 +14670,7 @@
                 <a:latin typeface="Times" panose="02020603050405020304" pitchFamily="18" charset="0"/>
                 <a:cs typeface="Times" panose="02020603050405020304" pitchFamily="18" charset="0"/>
               </a:rPr>
-              <a:t>Detour-imitating Routing Demand Expansion</a:t>
+              <a:t>Routing detour-imitating Routing Demand Expansion</a:t>
             </a:r>
           </a:p>
           <a:p>
@@ -14062,22 +14874,12 @@
                 </a:endParaRPr>
               </a:p>
               <a:p>
-                <a:pPr marL="514350" indent="-514350">
-                  <a:buFont typeface="+mj-lt"/>
-                  <a:buAutoNum type="arabicPeriod"/>
-                </a:pPr>
-                <a:endParaRPr lang="en-US" altLang="zh-TW" sz="600" dirty="0">
-                  <a:latin typeface="Times" panose="02020603050405020304" pitchFamily="18" charset="0"/>
-                  <a:cs typeface="Times" panose="02020603050405020304" pitchFamily="18" charset="0"/>
-                </a:endParaRPr>
-              </a:p>
-              <a:p>
-                <a:pPr marL="457200" indent="-457200">
+                <a:pPr marL="914400" lvl="1" indent="-457200">
                   <a:buFont typeface="+mj-lt"/>
                   <a:buAutoNum type="alphaLcParenR"/>
                 </a:pPr>
                 <a:r>
-                  <a:rPr lang="en-US" altLang="zh-TW" sz="2400" dirty="0">
+                  <a:rPr lang="en-US" altLang="zh-TW" sz="2200" dirty="0">
                     <a:latin typeface="Times" panose="02020603050405020304" pitchFamily="18" charset="0"/>
                     <a:cs typeface="Times" panose="02020603050405020304" pitchFamily="18" charset="0"/>
                   </a:rPr>
@@ -14923,13 +15725,13 @@
                 <a:latin typeface="Times" panose="02020603050405020304" pitchFamily="18" charset="0"/>
                 <a:cs typeface="Times" panose="02020603050405020304" pitchFamily="18" charset="0"/>
               </a:rPr>
-              <a:t>Multi-feature-based Cell Padding</a:t>
+              <a:t>Cell Padding</a:t>
             </a:r>
           </a:p>
         </p:txBody>
       </p:sp>
-      <mc:AlternateContent xmlns:mc="http://schemas.openxmlformats.org/markup-compatibility/2006" xmlns:a14="http://schemas.microsoft.com/office/drawing/2010/main">
-        <mc:Choice Requires="a14">
+      <mc:AlternateContent xmlns:mc="http://schemas.openxmlformats.org/markup-compatibility/2006">
+        <mc:Choice xmlns:a14="http://schemas.microsoft.com/office/drawing/2010/main" Requires="a14">
           <p:sp>
             <p:nvSpPr>
               <p:cNvPr id="3" name="內容版面配置區 2">
@@ -14954,11 +15756,70 @@
             </p:spPr>
             <p:txBody>
               <a:bodyPr>
-                <a:normAutofit/>
+                <a:normAutofit lnSpcReduction="10000"/>
               </a:bodyPr>
               <a:lstStyle/>
               <a:p>
-                <a:pPr marL="0" indent="0" algn="ctr">
+                <a:pPr marL="514350" indent="-514350">
+                  <a:buFont typeface="+mj-lt"/>
+                  <a:buAutoNum type="arabicPeriod"/>
+                </a:pPr>
+                <a:r>
+                  <a:rPr lang="en-US" altLang="zh-TW" sz="2400" dirty="0">
+                    <a:latin typeface="Times" panose="02020603050405020304" pitchFamily="18" charset="0"/>
+                    <a:cs typeface="Times" panose="02020603050405020304" pitchFamily="18" charset="0"/>
+                  </a:rPr>
+                  <a:t>CNN and GNN-inspired feature extraction</a:t>
+                </a:r>
+              </a:p>
+              <a:p>
+                <a:pPr marL="514350" indent="-514350">
+                  <a:buFont typeface="+mj-lt"/>
+                  <a:buAutoNum type="arabicPeriod"/>
+                </a:pPr>
+                <a:endParaRPr lang="en-US" altLang="zh-TW" sz="400" dirty="0">
+                  <a:latin typeface="Times" panose="02020603050405020304" pitchFamily="18" charset="0"/>
+                  <a:cs typeface="Times" panose="02020603050405020304" pitchFamily="18" charset="0"/>
+                </a:endParaRPr>
+              </a:p>
+              <a:p>
+                <a:pPr marL="914400" lvl="1" indent="-457200">
+                  <a:spcBef>
+                    <a:spcPts val="1000"/>
+                  </a:spcBef>
+                  <a:buFont typeface="+mj-lt"/>
+                  <a:buAutoNum type="alphaLcParenR"/>
+                  <a:defRPr/>
+                </a:pPr>
+                <a:r>
+                  <a:rPr kumimoji="0" lang="en-US" altLang="zh-TW" sz="2200" b="0" i="0" u="none" strike="noStrike" kern="1200" cap="none" spc="0" normalizeH="0" baseline="0" noProof="0" dirty="0">
+                    <a:ln>
+                      <a:noFill/>
+                    </a:ln>
+                    <a:solidFill>
+                      <a:prstClr val="black"/>
+                    </a:solidFill>
+                    <a:effectLst/>
+                    <a:uLnTx/>
+                    <a:uFillTx/>
+                    <a:latin typeface="Times" panose="02020603050405020304" pitchFamily="18" charset="0"/>
+                    <a:ea typeface="新細明體" panose="02020500000000000000" pitchFamily="18" charset="-120"/>
+                    <a:cs typeface="Times" panose="02020603050405020304" pitchFamily="18" charset="0"/>
+                  </a:rPr>
+                  <a:t>Traditional local information – local congestion</a:t>
+                </a:r>
+              </a:p>
+              <a:p>
+                <a:pPr marL="0" indent="0">
+                  <a:buNone/>
+                </a:pPr>
+                <a:endParaRPr lang="en-US" altLang="zh-TW" sz="1400" dirty="0">
+                  <a:latin typeface="Times" panose="02020603050405020304" pitchFamily="18" charset="0"/>
+                  <a:cs typeface="Times" panose="02020603050405020304" pitchFamily="18" charset="0"/>
+                </a:endParaRPr>
+              </a:p>
+              <a:p>
+                <a:pPr marL="0" indent="0">
                   <a:buNone/>
                 </a:pPr>
                 <a:endParaRPr lang="en-US" altLang="zh-TW" sz="1400" dirty="0">
@@ -14973,28 +15834,28 @@
                 <a14:m>
                   <m:oMath xmlns:m="http://schemas.openxmlformats.org/officeDocument/2006/math">
                     <m:r>
-                      <a:rPr lang="en-US" altLang="zh-TW" sz="2400" i="1" dirty="0" smtClean="0">
+                      <a:rPr lang="en-US" altLang="zh-TW" sz="2300" i="1" dirty="0" smtClean="0">
                         <a:latin typeface="Cambria Math" panose="02040503050406030204" pitchFamily="18" charset="0"/>
                         <a:cs typeface="Times" panose="02020603050405020304" pitchFamily="18" charset="0"/>
                       </a:rPr>
                       <m:t>𝐶𝑔</m:t>
                     </m:r>
                     <m:r>
-                      <a:rPr lang="en-US" altLang="zh-TW" sz="2400" i="1" dirty="0" smtClean="0">
+                      <a:rPr lang="en-US" altLang="zh-TW" sz="2300" i="1" dirty="0" smtClean="0">
                         <a:latin typeface="Cambria Math" panose="02040503050406030204" pitchFamily="18" charset="0"/>
                         <a:cs typeface="Times" panose="02020603050405020304" pitchFamily="18" charset="0"/>
                       </a:rPr>
                       <m:t>(</m:t>
                     </m:r>
                     <m:r>
-                      <a:rPr lang="en-US" altLang="zh-TW" sz="2400" i="1" dirty="0" smtClean="0">
+                      <a:rPr lang="en-US" altLang="zh-TW" sz="2300" i="1" dirty="0" smtClean="0">
                         <a:latin typeface="Cambria Math" panose="02040503050406030204" pitchFamily="18" charset="0"/>
                         <a:cs typeface="Times" panose="02020603050405020304" pitchFamily="18" charset="0"/>
                       </a:rPr>
                       <m:t>𝑔</m:t>
                     </m:r>
                     <m:r>
-                      <a:rPr lang="en-US" altLang="zh-TW" sz="2400" i="1" dirty="0" smtClean="0">
+                      <a:rPr lang="en-US" altLang="zh-TW" sz="2300" i="1" dirty="0" smtClean="0">
                         <a:latin typeface="Cambria Math" panose="02040503050406030204" pitchFamily="18" charset="0"/>
                         <a:cs typeface="Times" panose="02020603050405020304" pitchFamily="18" charset="0"/>
                       </a:rPr>
@@ -15003,7 +15864,7 @@
                   </m:oMath>
                 </a14:m>
                 <a:r>
-                  <a:rPr lang="en-US" altLang="zh-TW" sz="2400" dirty="0">
+                  <a:rPr lang="en-US" altLang="zh-TW" sz="2300" dirty="0">
                     <a:latin typeface="Times" panose="02020603050405020304" pitchFamily="18" charset="0"/>
                     <a:cs typeface="Times" panose="02020603050405020304" pitchFamily="18" charset="0"/>
                   </a:rPr>
@@ -15016,7 +15877,7 @@
                         <m:begChr m:val="{"/>
                         <m:endChr m:val=""/>
                         <m:ctrlPr>
-                          <a:rPr lang="en-US" altLang="zh-TW" sz="2400" i="1" smtClean="0">
+                          <a:rPr lang="en-US" altLang="zh-TW" sz="2300" i="1" smtClean="0">
                             <a:latin typeface="Cambria Math" panose="02040503050406030204" pitchFamily="18" charset="0"/>
                             <a:cs typeface="Times" panose="02020603050405020304" pitchFamily="18" charset="0"/>
                           </a:rPr>
@@ -15026,7 +15887,7 @@
                         <m:eqArr>
                           <m:eqArrPr>
                             <m:ctrlPr>
-                              <a:rPr lang="en-US" altLang="zh-TW" sz="2400" i="1" smtClean="0">
+                              <a:rPr lang="en-US" altLang="zh-TW" sz="2300" i="1" smtClean="0">
                                 <a:latin typeface="Cambria Math" panose="02040503050406030204" pitchFamily="18" charset="0"/>
                                 <a:cs typeface="Times" panose="02020603050405020304" pitchFamily="18" charset="0"/>
                               </a:rPr>
@@ -15036,7 +15897,7 @@
                             <m:func>
                               <m:funcPr>
                                 <m:ctrlPr>
-                                  <a:rPr lang="en-US" altLang="zh-TW" sz="2400" b="0" i="1" smtClean="0">
+                                  <a:rPr lang="en-US" altLang="zh-TW" sz="2300" b="0" i="1" smtClean="0">
                                     <a:latin typeface="Cambria Math" panose="02040503050406030204" pitchFamily="18" charset="0"/>
                                     <a:cs typeface="Times" panose="02020603050405020304" pitchFamily="18" charset="0"/>
                                   </a:rPr>
@@ -15047,7 +15908,7 @@
                                   <m:rPr>
                                     <m:sty m:val="p"/>
                                   </m:rPr>
-                                  <a:rPr lang="en-US" altLang="zh-TW" sz="2400" b="0" i="0" smtClean="0">
+                                  <a:rPr lang="en-US" altLang="zh-TW" sz="2300" b="0" i="0" smtClean="0">
                                     <a:latin typeface="Cambria Math" panose="02040503050406030204" pitchFamily="18" charset="0"/>
                                     <a:cs typeface="Times" panose="02020603050405020304" pitchFamily="18" charset="0"/>
                                   </a:rPr>
@@ -15058,7 +15919,7 @@
                                 <m:d>
                                   <m:dPr>
                                     <m:ctrlPr>
-                                      <a:rPr lang="en-US" altLang="zh-TW" sz="2400" b="0" i="1" smtClean="0">
+                                      <a:rPr lang="en-US" altLang="zh-TW" sz="2300" b="0" i="1" smtClean="0">
                                         <a:latin typeface="Cambria Math" panose="02040503050406030204" pitchFamily="18" charset="0"/>
                                         <a:cs typeface="Times" panose="02020603050405020304" pitchFamily="18" charset="0"/>
                                       </a:rPr>
@@ -15066,7 +15927,7 @@
                                   </m:dPr>
                                   <m:e>
                                     <m:r>
-                                      <a:rPr lang="en-US" altLang="zh-TW" sz="2400" b="0" i="1" smtClean="0">
+                                      <a:rPr lang="en-US" altLang="zh-TW" sz="2300" b="0" i="1" smtClean="0">
                                         <a:latin typeface="Cambria Math" panose="02040503050406030204" pitchFamily="18" charset="0"/>
                                         <a:cs typeface="Times" panose="02020603050405020304" pitchFamily="18" charset="0"/>
                                       </a:rPr>
@@ -15075,7 +15936,7 @@
                                     <m:sSub>
                                       <m:sSubPr>
                                         <m:ctrlPr>
-                                          <a:rPr lang="en-US" altLang="zh-TW" sz="2400" b="0" i="1" smtClean="0">
+                                          <a:rPr lang="en-US" altLang="zh-TW" sz="2300" b="0" i="1" smtClean="0">
                                             <a:latin typeface="Cambria Math" panose="02040503050406030204" pitchFamily="18" charset="0"/>
                                             <a:cs typeface="Times" panose="02020603050405020304" pitchFamily="18" charset="0"/>
                                           </a:rPr>
@@ -15083,7 +15944,7 @@
                                       </m:sSubPr>
                                       <m:e>
                                         <m:r>
-                                          <a:rPr lang="en-US" altLang="zh-TW" sz="2400" b="0" i="1" smtClean="0">
+                                          <a:rPr lang="en-US" altLang="zh-TW" sz="2300" b="0" i="1" smtClean="0">
                                             <a:latin typeface="Cambria Math" panose="02040503050406030204" pitchFamily="18" charset="0"/>
                                             <a:cs typeface="Times" panose="02020603050405020304" pitchFamily="18" charset="0"/>
                                           </a:rPr>
@@ -15092,7 +15953,7 @@
                                       </m:e>
                                       <m:sub>
                                         <m:r>
-                                          <a:rPr lang="en-US" altLang="zh-TW" sz="2400" b="0" i="1" smtClean="0">
+                                          <a:rPr lang="en-US" altLang="zh-TW" sz="2300" b="0" i="1" smtClean="0">
                                             <a:latin typeface="Cambria Math" panose="02040503050406030204" pitchFamily="18" charset="0"/>
                                             <a:cs typeface="Times" panose="02020603050405020304" pitchFamily="18" charset="0"/>
                                           </a:rPr>
@@ -15103,7 +15964,7 @@
                                     <m:d>
                                       <m:dPr>
                                         <m:ctrlPr>
-                                          <a:rPr lang="en-US" altLang="zh-TW" sz="2400" b="0" i="1" smtClean="0">
+                                          <a:rPr lang="en-US" altLang="zh-TW" sz="2300" b="0" i="1" smtClean="0">
                                             <a:latin typeface="Cambria Math" panose="02040503050406030204" pitchFamily="18" charset="0"/>
                                             <a:cs typeface="Times" panose="02020603050405020304" pitchFamily="18" charset="0"/>
                                           </a:rPr>
@@ -15111,7 +15972,7 @@
                                       </m:dPr>
                                       <m:e>
                                         <m:r>
-                                          <a:rPr lang="en-US" altLang="zh-TW" sz="2400" b="0" i="1" smtClean="0">
+                                          <a:rPr lang="en-US" altLang="zh-TW" sz="2300" b="0" i="1" smtClean="0">
                                             <a:latin typeface="Cambria Math" panose="02040503050406030204" pitchFamily="18" charset="0"/>
                                             <a:cs typeface="Times" panose="02020603050405020304" pitchFamily="18" charset="0"/>
                                           </a:rPr>
@@ -15120,14 +15981,14 @@
                                       </m:e>
                                     </m:d>
                                     <m:r>
-                                      <a:rPr lang="en-US" altLang="zh-TW" sz="2400" b="0" i="1" smtClean="0">
+                                      <a:rPr lang="en-US" altLang="zh-TW" sz="2300" b="0" i="1" smtClean="0">
                                         <a:latin typeface="Cambria Math" panose="02040503050406030204" pitchFamily="18" charset="0"/>
                                         <a:cs typeface="Times" panose="02020603050405020304" pitchFamily="18" charset="0"/>
                                       </a:rPr>
                                       <m:t>, </m:t>
                                     </m:r>
                                     <m:r>
-                                      <a:rPr lang="en-US" altLang="zh-TW" sz="2400" b="0" i="1" smtClean="0">
+                                      <a:rPr lang="en-US" altLang="zh-TW" sz="2300" b="0" i="1" smtClean="0">
                                         <a:latin typeface="Cambria Math" panose="02040503050406030204" pitchFamily="18" charset="0"/>
                                         <a:cs typeface="Times" panose="02020603050405020304" pitchFamily="18" charset="0"/>
                                       </a:rPr>
@@ -15136,7 +15997,7 @@
                                     <m:sSub>
                                       <m:sSubPr>
                                         <m:ctrlPr>
-                                          <a:rPr lang="en-US" altLang="zh-TW" sz="2400" b="0" i="1" smtClean="0">
+                                          <a:rPr lang="en-US" altLang="zh-TW" sz="2300" b="0" i="1" smtClean="0">
                                             <a:latin typeface="Cambria Math" panose="02040503050406030204" pitchFamily="18" charset="0"/>
                                             <a:cs typeface="Times" panose="02020603050405020304" pitchFamily="18" charset="0"/>
                                           </a:rPr>
@@ -15144,7 +16005,7 @@
                                       </m:sSubPr>
                                       <m:e>
                                         <m:r>
-                                          <a:rPr lang="en-US" altLang="zh-TW" sz="2400" b="0" i="1" smtClean="0">
+                                          <a:rPr lang="en-US" altLang="zh-TW" sz="2300" b="0" i="1" smtClean="0">
                                             <a:latin typeface="Cambria Math" panose="02040503050406030204" pitchFamily="18" charset="0"/>
                                             <a:cs typeface="Times" panose="02020603050405020304" pitchFamily="18" charset="0"/>
                                           </a:rPr>
@@ -15153,7 +16014,7 @@
                                       </m:e>
                                       <m:sub>
                                         <m:r>
-                                          <a:rPr lang="en-US" altLang="zh-TW" sz="2400" b="0" i="1" smtClean="0">
+                                          <a:rPr lang="en-US" altLang="zh-TW" sz="2300" b="0" i="1" smtClean="0">
                                             <a:latin typeface="Cambria Math" panose="02040503050406030204" pitchFamily="18" charset="0"/>
                                             <a:cs typeface="Times" panose="02020603050405020304" pitchFamily="18" charset="0"/>
                                           </a:rPr>
@@ -15164,7 +16025,7 @@
                                     <m:d>
                                       <m:dPr>
                                         <m:ctrlPr>
-                                          <a:rPr lang="en-US" altLang="zh-TW" sz="2400" b="0" i="1" smtClean="0">
+                                          <a:rPr lang="en-US" altLang="zh-TW" sz="2300" b="0" i="1" smtClean="0">
                                             <a:latin typeface="Cambria Math" panose="02040503050406030204" pitchFamily="18" charset="0"/>
                                             <a:cs typeface="Times" panose="02020603050405020304" pitchFamily="18" charset="0"/>
                                           </a:rPr>
@@ -15172,7 +16033,7 @@
                                       </m:dPr>
                                       <m:e>
                                         <m:r>
-                                          <a:rPr lang="en-US" altLang="zh-TW" sz="2400" b="0" i="1" smtClean="0">
+                                          <a:rPr lang="en-US" altLang="zh-TW" sz="2300" b="0" i="1" smtClean="0">
                                             <a:latin typeface="Cambria Math" panose="02040503050406030204" pitchFamily="18" charset="0"/>
                                             <a:cs typeface="Times" panose="02020603050405020304" pitchFamily="18" charset="0"/>
                                           </a:rPr>
@@ -15185,21 +16046,21 @@
                               </m:e>
                             </m:func>
                             <m:r>
-                              <a:rPr lang="en-US" altLang="zh-TW" sz="2400" i="1">
+                              <a:rPr lang="en-US" altLang="zh-TW" sz="2300" i="1">
                                 <a:latin typeface="Cambria Math" panose="02040503050406030204" pitchFamily="18" charset="0"/>
                                 <a:cs typeface="Times" panose="02020603050405020304" pitchFamily="18" charset="0"/>
                               </a:rPr>
                               <m:t>,</m:t>
                             </m:r>
                             <m:r>
-                              <a:rPr lang="en-US" altLang="zh-TW" sz="2400" b="0" i="1" smtClean="0">
+                              <a:rPr lang="en-US" altLang="zh-TW" sz="2300" b="0" i="1" smtClean="0">
                                 <a:latin typeface="Cambria Math" panose="02040503050406030204" pitchFamily="18" charset="0"/>
                                 <a:cs typeface="Times" panose="02020603050405020304" pitchFamily="18" charset="0"/>
                               </a:rPr>
                               <m:t>    </m:t>
                             </m:r>
                             <m:r>
-                              <a:rPr lang="en-US" altLang="zh-TW" sz="2400" i="1">
+                              <a:rPr lang="en-US" altLang="zh-TW" sz="2300" i="1">
                                 <a:latin typeface="Cambria Math" panose="02040503050406030204" pitchFamily="18" charset="0"/>
                                 <a:cs typeface="Times" panose="02020603050405020304" pitchFamily="18" charset="0"/>
                               </a:rPr>
@@ -15208,7 +16069,7 @@
                             <m:sSub>
                               <m:sSubPr>
                                 <m:ctrlPr>
-                                  <a:rPr lang="en-US" altLang="zh-TW" sz="2400" i="1">
+                                  <a:rPr lang="en-US" altLang="zh-TW" sz="2300" i="1">
                                     <a:latin typeface="Cambria Math" panose="02040503050406030204" pitchFamily="18" charset="0"/>
                                     <a:cs typeface="Times" panose="02020603050405020304" pitchFamily="18" charset="0"/>
                                   </a:rPr>
@@ -15216,7 +16077,7 @@
                               </m:sSubPr>
                               <m:e>
                                 <m:r>
-                                  <a:rPr lang="en-US" altLang="zh-TW" sz="2400" i="1">
+                                  <a:rPr lang="en-US" altLang="zh-TW" sz="2300" i="1">
                                     <a:latin typeface="Cambria Math" panose="02040503050406030204" pitchFamily="18" charset="0"/>
                                     <a:cs typeface="Times" panose="02020603050405020304" pitchFamily="18" charset="0"/>
                                   </a:rPr>
@@ -15225,7 +16086,7 @@
                               </m:e>
                               <m:sub>
                                 <m:r>
-                                  <a:rPr lang="en-US" altLang="zh-TW" sz="2400" i="1">
+                                  <a:rPr lang="en-US" altLang="zh-TW" sz="2300" i="1">
                                     <a:latin typeface="Cambria Math" panose="02040503050406030204" pitchFamily="18" charset="0"/>
                                     <a:cs typeface="Times" panose="02020603050405020304" pitchFamily="18" charset="0"/>
                                   </a:rPr>
@@ -15236,7 +16097,7 @@
                             <m:d>
                               <m:dPr>
                                 <m:ctrlPr>
-                                  <a:rPr lang="en-US" altLang="zh-TW" sz="2400" i="1">
+                                  <a:rPr lang="en-US" altLang="zh-TW" sz="2300" i="1">
                                     <a:latin typeface="Cambria Math" panose="02040503050406030204" pitchFamily="18" charset="0"/>
                                     <a:cs typeface="Times" panose="02020603050405020304" pitchFamily="18" charset="0"/>
                                   </a:rPr>
@@ -15244,7 +16105,7 @@
                               </m:dPr>
                               <m:e>
                                 <m:r>
-                                  <a:rPr lang="en-US" altLang="zh-TW" sz="2400" i="1">
+                                  <a:rPr lang="en-US" altLang="zh-TW" sz="2300" i="1">
                                     <a:latin typeface="Cambria Math" panose="02040503050406030204" pitchFamily="18" charset="0"/>
                                     <a:cs typeface="Times" panose="02020603050405020304" pitchFamily="18" charset="0"/>
                                   </a:rPr>
@@ -15253,7 +16114,7 @@
                               </m:e>
                             </m:d>
                             <m:r>
-                              <a:rPr lang="en-US" altLang="zh-TW" sz="2400" i="1" smtClean="0">
+                              <a:rPr lang="en-US" altLang="zh-TW" sz="2300" i="1" smtClean="0">
                                 <a:latin typeface="Cambria Math" panose="02040503050406030204" pitchFamily="18" charset="0"/>
                                 <a:ea typeface="Cambria Math" panose="02040503050406030204" pitchFamily="18" charset="0"/>
                                 <a:cs typeface="Times" panose="02020603050405020304" pitchFamily="18" charset="0"/>
@@ -15261,7 +16122,7 @@
                               <m:t>∙</m:t>
                             </m:r>
                             <m:r>
-                              <a:rPr lang="en-US" altLang="zh-TW" sz="2400" i="1">
+                              <a:rPr lang="en-US" altLang="zh-TW" sz="2300" i="1">
                                 <a:latin typeface="Cambria Math" panose="02040503050406030204" pitchFamily="18" charset="0"/>
                                 <a:cs typeface="Times" panose="02020603050405020304" pitchFamily="18" charset="0"/>
                               </a:rPr>
@@ -15270,7 +16131,7 @@
                             <m:sSub>
                               <m:sSubPr>
                                 <m:ctrlPr>
-                                  <a:rPr lang="en-US" altLang="zh-TW" sz="2400" i="1">
+                                  <a:rPr lang="en-US" altLang="zh-TW" sz="2300" i="1">
                                     <a:latin typeface="Cambria Math" panose="02040503050406030204" pitchFamily="18" charset="0"/>
                                     <a:cs typeface="Times" panose="02020603050405020304" pitchFamily="18" charset="0"/>
                                   </a:rPr>
@@ -15278,7 +16139,7 @@
                               </m:sSubPr>
                               <m:e>
                                 <m:r>
-                                  <a:rPr lang="en-US" altLang="zh-TW" sz="2400" i="1">
+                                  <a:rPr lang="en-US" altLang="zh-TW" sz="2300" i="1">
                                     <a:latin typeface="Cambria Math" panose="02040503050406030204" pitchFamily="18" charset="0"/>
                                     <a:cs typeface="Times" panose="02020603050405020304" pitchFamily="18" charset="0"/>
                                   </a:rPr>
@@ -15287,7 +16148,7 @@
                               </m:e>
                               <m:sub>
                                 <m:r>
-                                  <a:rPr lang="en-US" altLang="zh-TW" sz="2400" b="0" i="1" smtClean="0">
+                                  <a:rPr lang="en-US" altLang="zh-TW" sz="2300" b="0" i="1" smtClean="0">
                                     <a:latin typeface="Cambria Math" panose="02040503050406030204" pitchFamily="18" charset="0"/>
                                     <a:cs typeface="Times" panose="02020603050405020304" pitchFamily="18" charset="0"/>
                                   </a:rPr>
@@ -15298,7 +16159,7 @@
                             <m:d>
                               <m:dPr>
                                 <m:ctrlPr>
-                                  <a:rPr lang="en-US" altLang="zh-TW" sz="2400" i="1">
+                                  <a:rPr lang="en-US" altLang="zh-TW" sz="2300" i="1">
                                     <a:latin typeface="Cambria Math" panose="02040503050406030204" pitchFamily="18" charset="0"/>
                                     <a:cs typeface="Times" panose="02020603050405020304" pitchFamily="18" charset="0"/>
                                   </a:rPr>
@@ -15306,7 +16167,7 @@
                               </m:dPr>
                               <m:e>
                                 <m:r>
-                                  <a:rPr lang="en-US" altLang="zh-TW" sz="2400" i="1">
+                                  <a:rPr lang="en-US" altLang="zh-TW" sz="2300" i="1">
                                     <a:latin typeface="Cambria Math" panose="02040503050406030204" pitchFamily="18" charset="0"/>
                                     <a:cs typeface="Times" panose="02020603050405020304" pitchFamily="18" charset="0"/>
                                   </a:rPr>
@@ -15315,7 +16176,7 @@
                               </m:e>
                             </m:d>
                             <m:r>
-                              <a:rPr lang="en-US" altLang="zh-TW" sz="2400" b="0" i="1" smtClean="0">
+                              <a:rPr lang="en-US" altLang="zh-TW" sz="2300" b="0" i="1" smtClean="0">
                                 <a:latin typeface="Cambria Math" panose="02040503050406030204" pitchFamily="18" charset="0"/>
                                 <a:cs typeface="Times" panose="02020603050405020304" pitchFamily="18" charset="0"/>
                               </a:rPr>
@@ -15324,7 +16185,7 @@
                           </m:e>
                           <m:e>
                             <m:r>
-                              <a:rPr lang="en-US" altLang="zh-TW" sz="2400" i="1">
+                              <a:rPr lang="en-US" altLang="zh-TW" sz="2300" i="1">
                                 <a:latin typeface="Cambria Math" panose="02040503050406030204" pitchFamily="18" charset="0"/>
                                 <a:cs typeface="Times" panose="02020603050405020304" pitchFamily="18" charset="0"/>
                               </a:rPr>
@@ -15333,7 +16194,7 @@
                             <m:sSub>
                               <m:sSubPr>
                                 <m:ctrlPr>
-                                  <a:rPr lang="en-US" altLang="zh-TW" sz="2400" i="1">
+                                  <a:rPr lang="en-US" altLang="zh-TW" sz="2300" i="1">
                                     <a:latin typeface="Cambria Math" panose="02040503050406030204" pitchFamily="18" charset="0"/>
                                     <a:cs typeface="Times" panose="02020603050405020304" pitchFamily="18" charset="0"/>
                                   </a:rPr>
@@ -15341,7 +16202,7 @@
                               </m:sSubPr>
                               <m:e>
                                 <m:r>
-                                  <a:rPr lang="en-US" altLang="zh-TW" sz="2400" i="1">
+                                  <a:rPr lang="en-US" altLang="zh-TW" sz="2300" i="1">
                                     <a:latin typeface="Cambria Math" panose="02040503050406030204" pitchFamily="18" charset="0"/>
                                     <a:cs typeface="Times" panose="02020603050405020304" pitchFamily="18" charset="0"/>
                                   </a:rPr>
@@ -15350,7 +16211,7 @@
                               </m:e>
                               <m:sub>
                                 <m:r>
-                                  <a:rPr lang="en-US" altLang="zh-TW" sz="2400" i="1">
+                                  <a:rPr lang="en-US" altLang="zh-TW" sz="2300" i="1">
                                     <a:latin typeface="Cambria Math" panose="02040503050406030204" pitchFamily="18" charset="0"/>
                                     <a:cs typeface="Times" panose="02020603050405020304" pitchFamily="18" charset="0"/>
                                   </a:rPr>
@@ -15361,7 +16222,7 @@
                             <m:d>
                               <m:dPr>
                                 <m:ctrlPr>
-                                  <a:rPr lang="en-US" altLang="zh-TW" sz="2400" i="1">
+                                  <a:rPr lang="en-US" altLang="zh-TW" sz="2300" i="1">
                                     <a:latin typeface="Cambria Math" panose="02040503050406030204" pitchFamily="18" charset="0"/>
                                     <a:cs typeface="Times" panose="02020603050405020304" pitchFamily="18" charset="0"/>
                                   </a:rPr>
@@ -15369,7 +16230,7 @@
                               </m:dPr>
                               <m:e>
                                 <m:r>
-                                  <a:rPr lang="en-US" altLang="zh-TW" sz="2400" i="1">
+                                  <a:rPr lang="en-US" altLang="zh-TW" sz="2300" i="1">
                                     <a:latin typeface="Cambria Math" panose="02040503050406030204" pitchFamily="18" charset="0"/>
                                     <a:cs typeface="Times" panose="02020603050405020304" pitchFamily="18" charset="0"/>
                                   </a:rPr>
@@ -15378,14 +16239,14 @@
                               </m:e>
                             </m:d>
                             <m:r>
-                              <a:rPr lang="en-US" altLang="zh-TW" sz="2400" b="0" i="1" smtClean="0">
+                              <a:rPr lang="en-US" altLang="zh-TW" sz="2300" b="0" i="1" smtClean="0">
                                 <a:latin typeface="Cambria Math" panose="02040503050406030204" pitchFamily="18" charset="0"/>
                                 <a:cs typeface="Times" panose="02020603050405020304" pitchFamily="18" charset="0"/>
                               </a:rPr>
                               <m:t>+</m:t>
                             </m:r>
                             <m:r>
-                              <a:rPr lang="en-US" altLang="zh-TW" sz="2400" i="1">
+                              <a:rPr lang="en-US" altLang="zh-TW" sz="2300" i="1">
                                 <a:latin typeface="Cambria Math" panose="02040503050406030204" pitchFamily="18" charset="0"/>
                                 <a:cs typeface="Times" panose="02020603050405020304" pitchFamily="18" charset="0"/>
                               </a:rPr>
@@ -15394,7 +16255,7 @@
                             <m:sSub>
                               <m:sSubPr>
                                 <m:ctrlPr>
-                                  <a:rPr lang="en-US" altLang="zh-TW" sz="2400" i="1">
+                                  <a:rPr lang="en-US" altLang="zh-TW" sz="2300" i="1">
                                     <a:latin typeface="Cambria Math" panose="02040503050406030204" pitchFamily="18" charset="0"/>
                                     <a:cs typeface="Times" panose="02020603050405020304" pitchFamily="18" charset="0"/>
                                   </a:rPr>
@@ -15402,7 +16263,7 @@
                               </m:sSubPr>
                               <m:e>
                                 <m:r>
-                                  <a:rPr lang="en-US" altLang="zh-TW" sz="2400" i="1">
+                                  <a:rPr lang="en-US" altLang="zh-TW" sz="2300" i="1">
                                     <a:latin typeface="Cambria Math" panose="02040503050406030204" pitchFamily="18" charset="0"/>
                                     <a:cs typeface="Times" panose="02020603050405020304" pitchFamily="18" charset="0"/>
                                   </a:rPr>
@@ -15411,7 +16272,7 @@
                               </m:e>
                               <m:sub>
                                 <m:r>
-                                  <a:rPr lang="en-US" altLang="zh-TW" sz="2400" i="1">
+                                  <a:rPr lang="en-US" altLang="zh-TW" sz="2300" i="1">
                                     <a:latin typeface="Cambria Math" panose="02040503050406030204" pitchFamily="18" charset="0"/>
                                     <a:cs typeface="Times" panose="02020603050405020304" pitchFamily="18" charset="0"/>
                                   </a:rPr>
@@ -15422,7 +16283,7 @@
                             <m:d>
                               <m:dPr>
                                 <m:ctrlPr>
-                                  <a:rPr lang="en-US" altLang="zh-TW" sz="2400" i="1">
+                                  <a:rPr lang="en-US" altLang="zh-TW" sz="2300" i="1">
                                     <a:latin typeface="Cambria Math" panose="02040503050406030204" pitchFamily="18" charset="0"/>
                                     <a:cs typeface="Times" panose="02020603050405020304" pitchFamily="18" charset="0"/>
                                   </a:rPr>
@@ -15430,7 +16291,7 @@
                               </m:dPr>
                               <m:e>
                                 <m:r>
-                                  <a:rPr lang="en-US" altLang="zh-TW" sz="2400" i="1">
+                                  <a:rPr lang="en-US" altLang="zh-TW" sz="2300" i="1">
                                     <a:latin typeface="Cambria Math" panose="02040503050406030204" pitchFamily="18" charset="0"/>
                                     <a:cs typeface="Times" panose="02020603050405020304" pitchFamily="18" charset="0"/>
                                   </a:rPr>
@@ -15439,14 +16300,14 @@
                               </m:e>
                             </m:d>
                             <m:r>
-                              <a:rPr lang="en-US" altLang="zh-TW" sz="2400" b="0" i="1" smtClean="0">
+                              <a:rPr lang="en-US" altLang="zh-TW" sz="2300" b="0" i="1" smtClean="0">
                                 <a:latin typeface="Cambria Math" panose="02040503050406030204" pitchFamily="18" charset="0"/>
                                 <a:cs typeface="Times" panose="02020603050405020304" pitchFamily="18" charset="0"/>
                               </a:rPr>
                               <m:t>,                </m:t>
                             </m:r>
                             <m:r>
-                              <a:rPr lang="en-US" altLang="zh-TW" sz="2400" b="0" i="1" smtClean="0">
+                              <a:rPr lang="en-US" altLang="zh-TW" sz="2300" b="0" i="1" smtClean="0">
                                 <a:latin typeface="Cambria Math" panose="02040503050406030204" pitchFamily="18" charset="0"/>
                                 <a:cs typeface="Times" panose="02020603050405020304" pitchFamily="18" charset="0"/>
                               </a:rPr>
@@ -15458,7 +16319,7 @@
                     </m:d>
                   </m:oMath>
                 </a14:m>
-                <a:endParaRPr lang="en-US" altLang="zh-TW" sz="2400" dirty="0">
+                <a:endParaRPr lang="en-US" altLang="zh-TW" sz="2300" dirty="0">
                   <a:latin typeface="Times" panose="02020603050405020304" pitchFamily="18" charset="0"/>
                   <a:cs typeface="Times" panose="02020603050405020304" pitchFamily="18" charset="0"/>
                 </a:endParaRPr>
@@ -15483,7 +16344,7 @@
                     </m:oMathParaPr>
                     <m:oMath xmlns:m="http://schemas.openxmlformats.org/officeDocument/2006/math">
                       <m:r>
-                        <a:rPr lang="en-US" altLang="zh-TW" sz="2400" b="0" i="1" smtClean="0">
+                        <a:rPr lang="en-US" altLang="zh-TW" sz="2300" b="0" i="1" smtClean="0">
                           <a:latin typeface="Cambria Math" panose="02040503050406030204" pitchFamily="18" charset="0"/>
                           <a:cs typeface="Times" panose="02020603050405020304" pitchFamily="18" charset="0"/>
                         </a:rPr>
@@ -15492,7 +16353,7 @@
                       <m:sSub>
                         <m:sSubPr>
                           <m:ctrlPr>
-                            <a:rPr lang="en-US" altLang="zh-TW" sz="2400" b="0" i="1" smtClean="0">
+                            <a:rPr lang="en-US" altLang="zh-TW" sz="2300" b="0" i="1" smtClean="0">
                               <a:latin typeface="Cambria Math" panose="02040503050406030204" pitchFamily="18" charset="0"/>
                               <a:cs typeface="Times" panose="02020603050405020304" pitchFamily="18" charset="0"/>
                             </a:rPr>
@@ -15500,7 +16361,7 @@
                         </m:sSubPr>
                         <m:e>
                           <m:r>
-                            <a:rPr lang="en-US" altLang="zh-TW" sz="2400" b="0" i="1" smtClean="0">
+                            <a:rPr lang="en-US" altLang="zh-TW" sz="2300" b="0" i="1" smtClean="0">
                               <a:latin typeface="Cambria Math" panose="02040503050406030204" pitchFamily="18" charset="0"/>
                               <a:cs typeface="Times" panose="02020603050405020304" pitchFamily="18" charset="0"/>
                             </a:rPr>
@@ -15509,21 +16370,21 @@
                         </m:e>
                         <m:sub>
                           <m:r>
-                            <a:rPr lang="en-US" altLang="zh-TW" sz="2400" b="0" i="1" smtClean="0">
+                            <a:rPr lang="en-US" altLang="zh-TW" sz="2300" b="0" i="1" smtClean="0">
                               <a:latin typeface="Cambria Math" panose="02040503050406030204" pitchFamily="18" charset="0"/>
                               <a:cs typeface="Times" panose="02020603050405020304" pitchFamily="18" charset="0"/>
                             </a:rPr>
                             <m:t>𝐻</m:t>
                           </m:r>
                           <m:r>
-                            <a:rPr lang="en-US" altLang="zh-TW" sz="2400" b="0" i="1" smtClean="0">
+                            <a:rPr lang="en-US" altLang="zh-TW" sz="2300" b="0" i="1" smtClean="0">
                               <a:latin typeface="Cambria Math" panose="02040503050406030204" pitchFamily="18" charset="0"/>
                               <a:cs typeface="Times" panose="02020603050405020304" pitchFamily="18" charset="0"/>
                             </a:rPr>
                             <m:t>/</m:t>
                           </m:r>
                           <m:r>
-                            <a:rPr lang="en-US" altLang="zh-TW" sz="2400" b="0" i="1" smtClean="0">
+                            <a:rPr lang="en-US" altLang="zh-TW" sz="2300" b="0" i="1" smtClean="0">
                               <a:latin typeface="Cambria Math" panose="02040503050406030204" pitchFamily="18" charset="0"/>
                               <a:cs typeface="Times" panose="02020603050405020304" pitchFamily="18" charset="0"/>
                             </a:rPr>
@@ -15534,7 +16395,7 @@
                       <m:d>
                         <m:dPr>
                           <m:ctrlPr>
-                            <a:rPr lang="en-US" altLang="zh-TW" sz="2400" b="0" i="1" smtClean="0">
+                            <a:rPr lang="en-US" altLang="zh-TW" sz="2300" b="0" i="1" smtClean="0">
                               <a:latin typeface="Cambria Math" panose="02040503050406030204" pitchFamily="18" charset="0"/>
                               <a:cs typeface="Times" panose="02020603050405020304" pitchFamily="18" charset="0"/>
                             </a:rPr>
@@ -15542,7 +16403,7 @@
                         </m:dPr>
                         <m:e>
                           <m:r>
-                            <a:rPr lang="en-US" altLang="zh-TW" sz="2400" b="0" i="1" smtClean="0">
+                            <a:rPr lang="en-US" altLang="zh-TW" sz="2300" b="0" i="1" smtClean="0">
                               <a:latin typeface="Cambria Math" panose="02040503050406030204" pitchFamily="18" charset="0"/>
                               <a:cs typeface="Times" panose="02020603050405020304" pitchFamily="18" charset="0"/>
                             </a:rPr>
@@ -15551,7 +16412,7 @@
                         </m:e>
                       </m:d>
                       <m:r>
-                        <a:rPr lang="en-US" altLang="zh-TW" sz="2400" b="0" i="1" smtClean="0">
+                        <a:rPr lang="en-US" altLang="zh-TW" sz="2300" b="0" i="1" smtClean="0">
                           <a:latin typeface="Cambria Math" panose="02040503050406030204" pitchFamily="18" charset="0"/>
                           <a:cs typeface="Times" panose="02020603050405020304" pitchFamily="18" charset="0"/>
                         </a:rPr>
@@ -15560,7 +16421,7 @@
                       <m:f>
                         <m:fPr>
                           <m:ctrlPr>
-                            <a:rPr lang="en-US" altLang="zh-TW" sz="2400" b="0" i="1" smtClean="0">
+                            <a:rPr lang="en-US" altLang="zh-TW" sz="2300" b="0" i="1" smtClean="0">
                               <a:latin typeface="Cambria Math" panose="02040503050406030204" pitchFamily="18" charset="0"/>
                               <a:cs typeface="Times" panose="02020603050405020304" pitchFamily="18" charset="0"/>
                             </a:rPr>
@@ -15568,7 +16429,7 @@
                         </m:fPr>
                         <m:num>
                           <m:r>
-                            <a:rPr lang="en-US" altLang="zh-TW" sz="2400" b="0" i="1" smtClean="0">
+                            <a:rPr lang="en-US" altLang="zh-TW" sz="2300" b="0" i="1" smtClean="0">
                               <a:latin typeface="Cambria Math" panose="02040503050406030204" pitchFamily="18" charset="0"/>
                               <a:cs typeface="Times" panose="02020603050405020304" pitchFamily="18" charset="0"/>
                             </a:rPr>
@@ -15577,7 +16438,7 @@
                           <m:sSub>
                             <m:sSubPr>
                               <m:ctrlPr>
-                                <a:rPr lang="en-US" altLang="zh-TW" sz="2400" b="0" i="1" smtClean="0">
+                                <a:rPr lang="en-US" altLang="zh-TW" sz="2300" b="0" i="1" smtClean="0">
                                   <a:latin typeface="Cambria Math" panose="02040503050406030204" pitchFamily="18" charset="0"/>
                                   <a:cs typeface="Times" panose="02020603050405020304" pitchFamily="18" charset="0"/>
                                 </a:rPr>
@@ -15585,7 +16446,7 @@
                             </m:sSubPr>
                             <m:e>
                               <m:r>
-                                <a:rPr lang="en-US" altLang="zh-TW" sz="2400" b="0" i="1" smtClean="0">
+                                <a:rPr lang="en-US" altLang="zh-TW" sz="2300" b="0" i="1" smtClean="0">
                                   <a:latin typeface="Cambria Math" panose="02040503050406030204" pitchFamily="18" charset="0"/>
                                   <a:cs typeface="Times" panose="02020603050405020304" pitchFamily="18" charset="0"/>
                                 </a:rPr>
@@ -15594,21 +16455,21 @@
                             </m:e>
                             <m:sub>
                               <m:r>
-                                <a:rPr lang="en-US" altLang="zh-TW" sz="2400" b="0" i="1" smtClean="0">
+                                <a:rPr lang="en-US" altLang="zh-TW" sz="2300" b="0" i="1" smtClean="0">
                                   <a:latin typeface="Cambria Math" panose="02040503050406030204" pitchFamily="18" charset="0"/>
                                   <a:cs typeface="Times" panose="02020603050405020304" pitchFamily="18" charset="0"/>
                                 </a:rPr>
                                 <m:t>𝐻</m:t>
                               </m:r>
                               <m:r>
-                                <a:rPr lang="en-US" altLang="zh-TW" sz="2400" b="0" i="1" smtClean="0">
+                                <a:rPr lang="en-US" altLang="zh-TW" sz="2300" b="0" i="1" smtClean="0">
                                   <a:latin typeface="Cambria Math" panose="02040503050406030204" pitchFamily="18" charset="0"/>
                                   <a:cs typeface="Times" panose="02020603050405020304" pitchFamily="18" charset="0"/>
                                 </a:rPr>
                                 <m:t>/</m:t>
                               </m:r>
                               <m:r>
-                                <a:rPr lang="en-US" altLang="zh-TW" sz="2400" b="0" i="1" smtClean="0">
+                                <a:rPr lang="en-US" altLang="zh-TW" sz="2300" b="0" i="1" smtClean="0">
                                   <a:latin typeface="Cambria Math" panose="02040503050406030204" pitchFamily="18" charset="0"/>
                                   <a:cs typeface="Times" panose="02020603050405020304" pitchFamily="18" charset="0"/>
                                 </a:rPr>
@@ -15617,7 +16478,7 @@
                             </m:sub>
                           </m:sSub>
                           <m:r>
-                            <a:rPr lang="en-US" altLang="zh-TW" sz="2400" b="0" i="1" smtClean="0">
+                            <a:rPr lang="en-US" altLang="zh-TW" sz="2300" b="0" i="1" smtClean="0">
                               <a:latin typeface="Cambria Math" panose="02040503050406030204" pitchFamily="18" charset="0"/>
                               <a:cs typeface="Times" panose="02020603050405020304" pitchFamily="18" charset="0"/>
                             </a:rPr>
@@ -15626,7 +16487,7 @@
                           <m:d>
                             <m:dPr>
                               <m:ctrlPr>
-                                <a:rPr lang="en-US" altLang="zh-TW" sz="2400" b="0" i="1" smtClean="0">
+                                <a:rPr lang="en-US" altLang="zh-TW" sz="2300" b="0" i="1" smtClean="0">
                                   <a:latin typeface="Cambria Math" panose="02040503050406030204" pitchFamily="18" charset="0"/>
                                   <a:cs typeface="Times" panose="02020603050405020304" pitchFamily="18" charset="0"/>
                                 </a:rPr>
@@ -15634,7 +16495,7 @@
                             </m:dPr>
                             <m:e>
                               <m:r>
-                                <a:rPr lang="en-US" altLang="zh-TW" sz="2400" b="0" i="1" smtClean="0">
+                                <a:rPr lang="en-US" altLang="zh-TW" sz="2300" b="0" i="1" smtClean="0">
                                   <a:latin typeface="Cambria Math" panose="02040503050406030204" pitchFamily="18" charset="0"/>
                                   <a:cs typeface="Times" panose="02020603050405020304" pitchFamily="18" charset="0"/>
                                 </a:rPr>
@@ -15643,14 +16504,14 @@
                             </m:e>
                           </m:d>
                           <m:r>
-                            <a:rPr lang="en-US" altLang="zh-TW" sz="2400" b="0" i="1" smtClean="0">
+                            <a:rPr lang="en-US" altLang="zh-TW" sz="2300" b="0" i="1" smtClean="0">
                               <a:latin typeface="Cambria Math" panose="02040503050406030204" pitchFamily="18" charset="0"/>
                               <a:cs typeface="Times" panose="02020603050405020304" pitchFamily="18" charset="0"/>
                             </a:rPr>
                             <m:t>−</m:t>
                           </m:r>
                           <m:r>
-                            <a:rPr lang="en-US" altLang="zh-TW" sz="2400" b="0" i="1" smtClean="0">
+                            <a:rPr lang="en-US" altLang="zh-TW" sz="2300" b="0" i="1" smtClean="0">
                               <a:latin typeface="Cambria Math" panose="02040503050406030204" pitchFamily="18" charset="0"/>
                               <a:cs typeface="Times" panose="02020603050405020304" pitchFamily="18" charset="0"/>
                             </a:rPr>
@@ -15659,7 +16520,7 @@
                           <m:sSub>
                             <m:sSubPr>
                               <m:ctrlPr>
-                                <a:rPr lang="en-US" altLang="zh-TW" sz="2400" b="0" i="1" smtClean="0">
+                                <a:rPr lang="en-US" altLang="zh-TW" sz="2300" b="0" i="1" smtClean="0">
                                   <a:latin typeface="Cambria Math" panose="02040503050406030204" pitchFamily="18" charset="0"/>
                                   <a:cs typeface="Times" panose="02020603050405020304" pitchFamily="18" charset="0"/>
                                 </a:rPr>
@@ -15667,7 +16528,7 @@
                             </m:sSubPr>
                             <m:e>
                               <m:r>
-                                <a:rPr lang="en-US" altLang="zh-TW" sz="2400" b="0" i="1" smtClean="0">
+                                <a:rPr lang="en-US" altLang="zh-TW" sz="2300" b="0" i="1" smtClean="0">
                                   <a:latin typeface="Cambria Math" panose="02040503050406030204" pitchFamily="18" charset="0"/>
                                   <a:cs typeface="Times" panose="02020603050405020304" pitchFamily="18" charset="0"/>
                                 </a:rPr>
@@ -15676,21 +16537,21 @@
                             </m:e>
                             <m:sub>
                               <m:r>
-                                <a:rPr lang="en-US" altLang="zh-TW" sz="2400" b="0" i="1" smtClean="0">
+                                <a:rPr lang="en-US" altLang="zh-TW" sz="2300" b="0" i="1" smtClean="0">
                                   <a:latin typeface="Cambria Math" panose="02040503050406030204" pitchFamily="18" charset="0"/>
                                   <a:cs typeface="Times" panose="02020603050405020304" pitchFamily="18" charset="0"/>
                                 </a:rPr>
                                 <m:t>𝐻</m:t>
                               </m:r>
                               <m:r>
-                                <a:rPr lang="en-US" altLang="zh-TW" sz="2400" b="0" i="1" smtClean="0">
+                                <a:rPr lang="en-US" altLang="zh-TW" sz="2300" b="0" i="1" smtClean="0">
                                   <a:latin typeface="Cambria Math" panose="02040503050406030204" pitchFamily="18" charset="0"/>
                                   <a:cs typeface="Times" panose="02020603050405020304" pitchFamily="18" charset="0"/>
                                 </a:rPr>
                                 <m:t>/</m:t>
                               </m:r>
                               <m:r>
-                                <a:rPr lang="en-US" altLang="zh-TW" sz="2400" b="0" i="1" smtClean="0">
+                                <a:rPr lang="en-US" altLang="zh-TW" sz="2300" b="0" i="1" smtClean="0">
                                   <a:latin typeface="Cambria Math" panose="02040503050406030204" pitchFamily="18" charset="0"/>
                                   <a:cs typeface="Times" panose="02020603050405020304" pitchFamily="18" charset="0"/>
                                 </a:rPr>
@@ -15704,21 +16565,21 @@
                             <m:rPr>
                               <m:sty m:val="p"/>
                             </m:rPr>
-                            <a:rPr lang="en-US" altLang="zh-TW" sz="2400" b="0" i="0" smtClean="0">
+                            <a:rPr lang="en-US" altLang="zh-TW" sz="2300" b="0" i="0" smtClean="0">
                               <a:latin typeface="Cambria Math" panose="02040503050406030204" pitchFamily="18" charset="0"/>
                               <a:cs typeface="Times" panose="02020603050405020304" pitchFamily="18" charset="0"/>
                             </a:rPr>
                             <m:t>max</m:t>
                           </m:r>
                           <m:r>
-                            <a:rPr lang="en-US" altLang="zh-TW" sz="2400" i="1">
+                            <a:rPr lang="en-US" altLang="zh-TW" sz="2300" i="1">
                               <a:latin typeface="Cambria Math" panose="02040503050406030204" pitchFamily="18" charset="0"/>
                               <a:cs typeface="Times" panose="02020603050405020304" pitchFamily="18" charset="0"/>
                             </a:rPr>
                             <m:t>⁡(</m:t>
                           </m:r>
                           <m:r>
-                            <a:rPr lang="en-US" altLang="zh-TW" sz="2400" i="1">
+                            <a:rPr lang="en-US" altLang="zh-TW" sz="2300" i="1">
                               <a:latin typeface="Cambria Math" panose="02040503050406030204" pitchFamily="18" charset="0"/>
                               <a:cs typeface="Times" panose="02020603050405020304" pitchFamily="18" charset="0"/>
                             </a:rPr>
@@ -15727,7 +16588,7 @@
                           <m:sSub>
                             <m:sSubPr>
                               <m:ctrlPr>
-                                <a:rPr lang="en-US" altLang="zh-TW" sz="2400" i="1">
+                                <a:rPr lang="en-US" altLang="zh-TW" sz="2300" i="1">
                                   <a:latin typeface="Cambria Math" panose="02040503050406030204" pitchFamily="18" charset="0"/>
                                   <a:cs typeface="Times" panose="02020603050405020304" pitchFamily="18" charset="0"/>
                                 </a:rPr>
@@ -15735,7 +16596,7 @@
                             </m:sSubPr>
                             <m:e>
                               <m:r>
-                                <a:rPr lang="en-US" altLang="zh-TW" sz="2400" i="1">
+                                <a:rPr lang="en-US" altLang="zh-TW" sz="2300" i="1">
                                   <a:latin typeface="Cambria Math" panose="02040503050406030204" pitchFamily="18" charset="0"/>
                                   <a:cs typeface="Times" panose="02020603050405020304" pitchFamily="18" charset="0"/>
                                 </a:rPr>
@@ -15744,21 +16605,21 @@
                             </m:e>
                             <m:sub>
                               <m:r>
-                                <a:rPr lang="en-US" altLang="zh-TW" sz="2400" b="0" i="1" smtClean="0">
+                                <a:rPr lang="en-US" altLang="zh-TW" sz="2300" b="0" i="1" smtClean="0">
                                   <a:latin typeface="Cambria Math" panose="02040503050406030204" pitchFamily="18" charset="0"/>
                                   <a:cs typeface="Times" panose="02020603050405020304" pitchFamily="18" charset="0"/>
                                 </a:rPr>
                                 <m:t>𝐻</m:t>
                               </m:r>
                               <m:r>
-                                <a:rPr lang="en-US" altLang="zh-TW" sz="2400" b="0" i="1" smtClean="0">
+                                <a:rPr lang="en-US" altLang="zh-TW" sz="2300" b="0" i="1" smtClean="0">
                                   <a:latin typeface="Cambria Math" panose="02040503050406030204" pitchFamily="18" charset="0"/>
                                   <a:cs typeface="Times" panose="02020603050405020304" pitchFamily="18" charset="0"/>
                                 </a:rPr>
                                 <m:t>/</m:t>
                               </m:r>
                               <m:r>
-                                <a:rPr lang="en-US" altLang="zh-TW" sz="2400" b="0" i="1" smtClean="0">
+                                <a:rPr lang="en-US" altLang="zh-TW" sz="2300" b="0" i="1" smtClean="0">
                                   <a:latin typeface="Cambria Math" panose="02040503050406030204" pitchFamily="18" charset="0"/>
                                   <a:cs typeface="Times" panose="02020603050405020304" pitchFamily="18" charset="0"/>
                                 </a:rPr>
@@ -15767,7 +16628,7 @@
                             </m:sub>
                           </m:sSub>
                           <m:r>
-                            <a:rPr lang="en-US" altLang="zh-TW" sz="2400" b="0" i="1" smtClean="0">
+                            <a:rPr lang="en-US" altLang="zh-TW" sz="2300" b="0" i="1" smtClean="0">
                               <a:latin typeface="Cambria Math" panose="02040503050406030204" pitchFamily="18" charset="0"/>
                               <a:cs typeface="Times" panose="02020603050405020304" pitchFamily="18" charset="0"/>
                             </a:rPr>
@@ -15778,16 +16639,7 @@
                     </m:oMath>
                   </m:oMathPara>
                 </a14:m>
-                <a:endParaRPr lang="en-US" altLang="zh-TW" sz="2400" dirty="0">
-                  <a:latin typeface="Times" panose="02020603050405020304" pitchFamily="18" charset="0"/>
-                  <a:cs typeface="Times" panose="02020603050405020304" pitchFamily="18" charset="0"/>
-                </a:endParaRPr>
-              </a:p>
-              <a:p>
-                <a:pPr marL="0" indent="0" algn="ctr">
-                  <a:buNone/>
-                </a:pPr>
-                <a:endParaRPr lang="en-US" altLang="zh-TW" sz="2400" dirty="0">
+                <a:endParaRPr lang="en-US" altLang="zh-TW" sz="2300" dirty="0">
                   <a:latin typeface="Times" panose="02020603050405020304" pitchFamily="18" charset="0"/>
                   <a:cs typeface="Times" panose="02020603050405020304" pitchFamily="18" charset="0"/>
                 </a:endParaRPr>
@@ -15993,7 +16845,7 @@
             </p:txBody>
           </p:sp>
         </mc:Choice>
-        <mc:Fallback xmlns="">
+        <mc:Fallback>
           <p:sp>
             <p:nvSpPr>
               <p:cNvPr id="3" name="內容版面配置區 2">
@@ -16018,7 +16870,7 @@
               <a:blipFill>
                 <a:blip r:embed="rId3"/>
                 <a:stretch>
-                  <a:fillRect l="-522"/>
+                  <a:fillRect l="-812" t="-2500"/>
                 </a:stretch>
               </a:blipFill>
             </p:spPr>
@@ -16331,7 +17183,7 @@
                 <a:latin typeface="Times" panose="02020603050405020304" pitchFamily="18" charset="0"/>
                 <a:cs typeface="Times" panose="02020603050405020304" pitchFamily="18" charset="0"/>
               </a:rPr>
-              <a:t>Multi-feature-based Cell Padding</a:t>
+              <a:t>Cell Padding</a:t>
             </a:r>
           </a:p>
         </p:txBody>
@@ -16377,12 +17229,6 @@
                   </a:rPr>
                   <a:t>CNN and GNN-inspired feature extraction</a:t>
                 </a:r>
-              </a:p>
-              <a:p>
-                <a:pPr marL="514350" indent="-514350">
-                  <a:buFont typeface="+mj-lt"/>
-                  <a:buAutoNum type="arabicPeriod"/>
-                </a:pPr>
                 <a:endParaRPr lang="en-US" altLang="zh-TW" sz="600" dirty="0">
                   <a:latin typeface="Times" panose="02020603050405020304" pitchFamily="18" charset="0"/>
                   <a:cs typeface="Times" panose="02020603050405020304" pitchFamily="18" charset="0"/>
@@ -16399,12 +17245,12 @@
                 </a:endParaRPr>
               </a:p>
               <a:p>
-                <a:pPr marL="457200" indent="-457200">
+                <a:pPr marL="914400" lvl="1" indent="-457200">
                   <a:buFont typeface="+mj-lt"/>
                   <a:buAutoNum type="alphaLcParenR"/>
                 </a:pPr>
                 <a:r>
-                  <a:rPr lang="en-US" altLang="zh-TW" sz="2400" dirty="0">
+                  <a:rPr lang="en-US" altLang="zh-TW" sz="2200" dirty="0">
                     <a:latin typeface="Times" panose="02020603050405020304" pitchFamily="18" charset="0"/>
                     <a:cs typeface="Times" panose="02020603050405020304" pitchFamily="18" charset="0"/>
                   </a:rPr>
@@ -16414,6 +17260,20 @@
               <a:p>
                 <a:pPr lvl="1"/>
                 <a:endParaRPr lang="en-US" altLang="zh-TW" sz="1800" b="0" i="1" dirty="0">
+                  <a:latin typeface="Times" panose="02020603050405020304" pitchFamily="18" charset="0"/>
+                  <a:cs typeface="Times" panose="02020603050405020304" pitchFamily="18" charset="0"/>
+                </a:endParaRPr>
+              </a:p>
+              <a:p>
+                <a:pPr lvl="1"/>
+                <a:endParaRPr lang="en-US" altLang="zh-TW" sz="1800" b="0" i="1" dirty="0">
+                  <a:latin typeface="Times" panose="02020603050405020304" pitchFamily="18" charset="0"/>
+                  <a:cs typeface="Times" panose="02020603050405020304" pitchFamily="18" charset="0"/>
+                </a:endParaRPr>
+              </a:p>
+              <a:p>
+                <a:pPr lvl="1"/>
+                <a:endParaRPr lang="en-US" altLang="zh-TW" sz="1800" i="1" dirty="0">
                   <a:latin typeface="Times" panose="02020603050405020304" pitchFamily="18" charset="0"/>
                   <a:cs typeface="Times" panose="02020603050405020304" pitchFamily="18" charset="0"/>
                 </a:endParaRPr>
@@ -17459,7 +18319,7 @@
                 <a:latin typeface="Times" panose="02020603050405020304" pitchFamily="18" charset="0"/>
                 <a:cs typeface="Times" panose="02020603050405020304" pitchFamily="18" charset="0"/>
               </a:rPr>
-              <a:t>Multi-feature-based Cell Padding</a:t>
+              <a:t>Cell Padding</a:t>
             </a:r>
           </a:p>
         </p:txBody>
@@ -17825,14 +18685,14 @@
                 <a:latin typeface="Times" panose="02020603050405020304" pitchFamily="18" charset="0"/>
                 <a:cs typeface="Times" panose="02020603050405020304" pitchFamily="18" charset="0"/>
               </a:rPr>
-              <a:t>Multi-feature-based Cell Padding</a:t>
+              <a:t>Cell Padding</a:t>
             </a:r>
             <a:endParaRPr lang="zh-TW" altLang="en-US" sz="4000" dirty="0"/>
           </a:p>
         </p:txBody>
       </p:sp>
-      <mc:AlternateContent xmlns:mc="http://schemas.openxmlformats.org/markup-compatibility/2006">
-        <mc:Choice xmlns:a14="http://schemas.microsoft.com/office/drawing/2010/main" Requires="a14">
+      <mc:AlternateContent xmlns:mc="http://schemas.openxmlformats.org/markup-compatibility/2006" xmlns:a14="http://schemas.microsoft.com/office/drawing/2010/main">
+        <mc:Choice Requires="a14">
           <p:sp>
             <p:nvSpPr>
               <p:cNvPr id="3" name="內容版面配置區 2">
@@ -19157,7 +20017,7 @@
             </p:txBody>
           </p:sp>
         </mc:Choice>
-        <mc:Fallback>
+        <mc:Fallback xmlns="">
           <p:sp>
             <p:nvSpPr>
               <p:cNvPr id="3" name="內容版面配置區 2">
@@ -19626,13 +20486,13 @@
                 <a:latin typeface="Times" panose="02020603050405020304" pitchFamily="18" charset="0"/>
                 <a:cs typeface="Times" panose="02020603050405020304" pitchFamily="18" charset="0"/>
               </a:rPr>
-              <a:t>Multi-feature-based Cell Padding</a:t>
+              <a:t>Cell Padding</a:t>
             </a:r>
           </a:p>
         </p:txBody>
       </p:sp>
-      <mc:AlternateContent xmlns:mc="http://schemas.openxmlformats.org/markup-compatibility/2006" xmlns:a14="http://schemas.microsoft.com/office/drawing/2010/main">
-        <mc:Choice Requires="a14">
+      <mc:AlternateContent xmlns:mc="http://schemas.openxmlformats.org/markup-compatibility/2006">
+        <mc:Choice xmlns:a14="http://schemas.microsoft.com/office/drawing/2010/main" Requires="a14">
           <p:sp>
             <p:nvSpPr>
               <p:cNvPr id="3" name="內容版面配置區 2">
@@ -20084,11 +20944,25 @@
                   </a:rPr>
                   <a:t>features</a:t>
                 </a:r>
+                <a:r>
+                  <a:rPr lang="zh-TW" altLang="en-US" sz="2000" dirty="0">
+                    <a:latin typeface="Times" panose="02020603050405020304" pitchFamily="18" charset="0"/>
+                    <a:cs typeface="Times" panose="02020603050405020304" pitchFamily="18" charset="0"/>
+                  </a:rPr>
+                  <a:t> </a:t>
+                </a:r>
+                <a:r>
+                  <a:rPr lang="en-US" altLang="zh-TW" sz="2000" dirty="0">
+                    <a:latin typeface="Times" panose="02020603050405020304" pitchFamily="18" charset="0"/>
+                    <a:cs typeface="Times" panose="02020603050405020304" pitchFamily="18" charset="0"/>
+                  </a:rPr>
+                  <a:t>(|F| : total number of features)</a:t>
+                </a:r>
               </a:p>
             </p:txBody>
           </p:sp>
         </mc:Choice>
-        <mc:Fallback xmlns="">
+        <mc:Fallback>
           <p:sp>
             <p:nvSpPr>
               <p:cNvPr id="3" name="內容版面配置區 2">
@@ -20254,6 +21128,485 @@
                 <a:latin typeface="Times" panose="02020603050405020304" pitchFamily="18" charset="0"/>
                 <a:cs typeface="Times" panose="02020603050405020304" pitchFamily="18" charset="0"/>
               </a:rPr>
+              <a:t>Cell Padding</a:t>
+            </a:r>
+          </a:p>
+        </p:txBody>
+      </p:sp>
+      <mc:AlternateContent xmlns:mc="http://schemas.openxmlformats.org/markup-compatibility/2006">
+        <mc:Choice xmlns:a14="http://schemas.microsoft.com/office/drawing/2010/main" Requires="a14">
+          <p:sp>
+            <p:nvSpPr>
+              <p:cNvPr id="3" name="內容版面配置區 2">
+                <a:extLst>
+                  <a:ext uri="{FF2B5EF4-FFF2-40B4-BE49-F238E27FC236}">
+                    <a16:creationId xmlns:a16="http://schemas.microsoft.com/office/drawing/2014/main" id="{CDD6591C-6706-1D9B-A7CF-BE488BA469CB}"/>
+                  </a:ext>
+                </a:extLst>
+              </p:cNvPr>
+              <p:cNvSpPr>
+                <a:spLocks noGrp="1"/>
+              </p:cNvSpPr>
+              <p:nvPr>
+                <p:ph idx="1"/>
+              </p:nvPr>
+            </p:nvSpPr>
+            <p:spPr>
+              <a:xfrm>
+                <a:off x="839645" y="1846585"/>
+                <a:ext cx="10512709" cy="5083604"/>
+              </a:xfrm>
+            </p:spPr>
+            <p:txBody>
+              <a:bodyPr>
+                <a:normAutofit/>
+              </a:bodyPr>
+              <a:lstStyle/>
+              <a:p>
+                <a:pPr marL="514350" indent="-514350">
+                  <a:buFont typeface="+mj-lt"/>
+                  <a:buAutoNum type="arabicPeriod" startAt="2"/>
+                </a:pPr>
+                <a:r>
+                  <a:rPr lang="en-US" altLang="zh-TW" sz="2400" dirty="0">
+                    <a:latin typeface="Times" panose="02020603050405020304" pitchFamily="18" charset="0"/>
+                    <a:cs typeface="Times" panose="02020603050405020304" pitchFamily="18" charset="0"/>
+                  </a:rPr>
+                  <a:t>Multi-feature-based Cell Padding</a:t>
+                </a:r>
+              </a:p>
+              <a:p>
+                <a:pPr marL="514350" indent="-514350">
+                  <a:buFont typeface="+mj-lt"/>
+                  <a:buAutoNum type="arabicPeriod" startAt="3"/>
+                </a:pPr>
+                <a:endParaRPr lang="en-US" altLang="zh-TW" sz="300" dirty="0">
+                  <a:latin typeface="Times" panose="02020603050405020304" pitchFamily="18" charset="0"/>
+                  <a:cs typeface="Times" panose="02020603050405020304" pitchFamily="18" charset="0"/>
+                </a:endParaRPr>
+              </a:p>
+              <a:p>
+                <a:pPr>
+                  <a:lnSpc>
+                    <a:spcPct val="130000"/>
+                  </a:lnSpc>
+                </a:pPr>
+                <a:r>
+                  <a:rPr lang="en-US" altLang="zh-TW" sz="2200" dirty="0">
+                    <a:latin typeface="Times" panose="02020603050405020304" pitchFamily="18" charset="0"/>
+                    <a:cs typeface="Times" panose="02020603050405020304" pitchFamily="18" charset="0"/>
+                  </a:rPr>
+                  <a:t> If a cell have non-positive padding, it should go through the recycling process to withdraw a part of history padding.</a:t>
+                </a:r>
+              </a:p>
+              <a:p>
+                <a:pPr>
+                  <a:lnSpc>
+                    <a:spcPct val="130000"/>
+                  </a:lnSpc>
+                </a:pPr>
+                <a:r>
+                  <a:rPr lang="en-US" altLang="zh-TW" sz="2200" dirty="0">
+                    <a:latin typeface="Times" panose="02020603050405020304" pitchFamily="18" charset="0"/>
+                    <a:cs typeface="Times" panose="02020603050405020304" pitchFamily="18" charset="0"/>
+                  </a:rPr>
+                  <a:t>Padding utilization:</a:t>
+                </a:r>
+              </a:p>
+              <a:p>
+                <a:pPr marL="0" indent="0">
+                  <a:lnSpc>
+                    <a:spcPct val="130000"/>
+                  </a:lnSpc>
+                  <a:buNone/>
+                </a:pPr>
+                <a:endParaRPr lang="en-US" altLang="zh-TW" sz="2200" dirty="0">
+                  <a:latin typeface="Times" panose="02020603050405020304" pitchFamily="18" charset="0"/>
+                  <a:cs typeface="Times" panose="02020603050405020304" pitchFamily="18" charset="0"/>
+                </a:endParaRPr>
+              </a:p>
+              <a:p>
+                <a:pPr marL="0" indent="0">
+                  <a:lnSpc>
+                    <a:spcPct val="130000"/>
+                  </a:lnSpc>
+                  <a:buNone/>
+                </a:pPr>
+                <a:endParaRPr lang="en-US" altLang="zh-TW" sz="900" dirty="0">
+                  <a:latin typeface="Times" panose="02020603050405020304" pitchFamily="18" charset="0"/>
+                  <a:cs typeface="Times" panose="02020603050405020304" pitchFamily="18" charset="0"/>
+                </a:endParaRPr>
+              </a:p>
+              <a:p>
+                <a:pPr marL="0" indent="0">
+                  <a:lnSpc>
+                    <a:spcPct val="130000"/>
+                  </a:lnSpc>
+                  <a:buNone/>
+                </a:pPr>
+                <a:endParaRPr lang="en-US" altLang="zh-TW" sz="900" dirty="0">
+                  <a:latin typeface="Times" panose="02020603050405020304" pitchFamily="18" charset="0"/>
+                  <a:cs typeface="Times" panose="02020603050405020304" pitchFamily="18" charset="0"/>
+                </a:endParaRPr>
+              </a:p>
+              <a:p>
+                <a:pPr>
+                  <a:lnSpc>
+                    <a:spcPct val="110000"/>
+                  </a:lnSpc>
+                  <a:buFont typeface="Wingdings" panose="05000000000000000000" pitchFamily="2" charset="2"/>
+                  <a:buChar char="Ø"/>
+                </a:pPr>
+                <a:r>
+                  <a:rPr lang="en-US" altLang="zh-TW" sz="2200" dirty="0">
+                    <a:latin typeface="Times" panose="02020603050405020304" pitchFamily="18" charset="0"/>
+                    <a:cs typeface="Times" panose="02020603050405020304" pitchFamily="18" charset="0"/>
+                  </a:rPr>
+                  <a:t> </a:t>
+                </a:r>
+                <a14:m>
+                  <m:oMath xmlns:m="http://schemas.openxmlformats.org/officeDocument/2006/math">
+                    <m:r>
+                      <a:rPr lang="en-US" altLang="zh-TW" sz="2000" b="0" i="1" smtClean="0">
+                        <a:latin typeface="Cambria Math" panose="02040503050406030204" pitchFamily="18" charset="0"/>
+                        <a:cs typeface="Times" panose="02020603050405020304" pitchFamily="18" charset="0"/>
+                      </a:rPr>
+                      <m:t>𝑝</m:t>
+                    </m:r>
+                    <m:sSub>
+                      <m:sSubPr>
+                        <m:ctrlPr>
+                          <a:rPr lang="en-US" altLang="zh-TW" sz="2000" b="0" i="1" smtClean="0">
+                            <a:latin typeface="Cambria Math" panose="02040503050406030204" pitchFamily="18" charset="0"/>
+                            <a:cs typeface="Times" panose="02020603050405020304" pitchFamily="18" charset="0"/>
+                          </a:rPr>
+                        </m:ctrlPr>
+                      </m:sSubPr>
+                      <m:e>
+                        <m:r>
+                          <a:rPr lang="en-US" altLang="zh-TW" sz="2000" b="0" i="1" smtClean="0">
+                            <a:latin typeface="Cambria Math" panose="02040503050406030204" pitchFamily="18" charset="0"/>
+                            <a:cs typeface="Times" panose="02020603050405020304" pitchFamily="18" charset="0"/>
+                          </a:rPr>
+                          <m:t>𝑢</m:t>
+                        </m:r>
+                      </m:e>
+                      <m:sub>
+                        <m:r>
+                          <a:rPr lang="en-US" altLang="zh-TW" sz="2000" b="0" i="1" smtClean="0">
+                            <a:latin typeface="Cambria Math" panose="02040503050406030204" pitchFamily="18" charset="0"/>
+                            <a:cs typeface="Times" panose="02020603050405020304" pitchFamily="18" charset="0"/>
+                          </a:rPr>
+                          <m:t>𝑖</m:t>
+                        </m:r>
+                      </m:sub>
+                    </m:sSub>
+                    <m:r>
+                      <a:rPr lang="en-US" altLang="zh-TW" sz="2000" b="0" i="1" smtClean="0">
+                        <a:latin typeface="Cambria Math" panose="02040503050406030204" pitchFamily="18" charset="0"/>
+                        <a:cs typeface="Times" panose="02020603050405020304" pitchFamily="18" charset="0"/>
+                      </a:rPr>
+                      <m:t> </m:t>
+                    </m:r>
+                  </m:oMath>
+                </a14:m>
+                <a:r>
+                  <a:rPr lang="en-US" altLang="zh-TW" sz="2000" dirty="0">
+                    <a:latin typeface="Times" panose="02020603050405020304" pitchFamily="18" charset="0"/>
+                    <a:cs typeface="Times" panose="02020603050405020304" pitchFamily="18" charset="0"/>
+                  </a:rPr>
+                  <a:t>: padding utilization of line 5</a:t>
+                </a:r>
+              </a:p>
+              <a:p>
+                <a:pPr>
+                  <a:lnSpc>
+                    <a:spcPct val="110000"/>
+                  </a:lnSpc>
+                  <a:buFont typeface="Wingdings" panose="05000000000000000000" pitchFamily="2" charset="2"/>
+                  <a:buChar char="Ø"/>
+                </a:pPr>
+                <a:r>
+                  <a:rPr lang="en-US" altLang="zh-TW" sz="2000" dirty="0">
+                    <a:latin typeface="Times" panose="02020603050405020304" pitchFamily="18" charset="0"/>
+                    <a:cs typeface="Times" panose="02020603050405020304" pitchFamily="18" charset="0"/>
+                  </a:rPr>
+                  <a:t> </a:t>
+                </a:r>
+                <a14:m>
+                  <m:oMath xmlns:m="http://schemas.openxmlformats.org/officeDocument/2006/math">
+                    <m:r>
+                      <a:rPr lang="en-US" altLang="zh-TW" sz="2000" b="0" i="1" smtClean="0">
+                        <a:latin typeface="Cambria Math" panose="02040503050406030204" pitchFamily="18" charset="0"/>
+                        <a:cs typeface="Times" panose="02020603050405020304" pitchFamily="18" charset="0"/>
+                      </a:rPr>
+                      <m:t>𝑝</m:t>
+                    </m:r>
+                    <m:sSub>
+                      <m:sSubPr>
+                        <m:ctrlPr>
+                          <a:rPr lang="en-US" altLang="zh-TW" sz="2000" b="0" i="1" smtClean="0">
+                            <a:latin typeface="Cambria Math" panose="02040503050406030204" pitchFamily="18" charset="0"/>
+                            <a:cs typeface="Times" panose="02020603050405020304" pitchFamily="18" charset="0"/>
+                          </a:rPr>
+                        </m:ctrlPr>
+                      </m:sSubPr>
+                      <m:e>
+                        <m:r>
+                          <a:rPr lang="en-US" altLang="zh-TW" sz="2000" b="0" i="1" smtClean="0">
+                            <a:latin typeface="Cambria Math" panose="02040503050406030204" pitchFamily="18" charset="0"/>
+                            <a:cs typeface="Times" panose="02020603050405020304" pitchFamily="18" charset="0"/>
+                          </a:rPr>
+                          <m:t>𝑢</m:t>
+                        </m:r>
+                      </m:e>
+                      <m:sub>
+                        <m:r>
+                          <a:rPr lang="en-US" altLang="zh-TW" sz="2000" b="0" i="1" smtClean="0">
+                            <a:latin typeface="Cambria Math" panose="02040503050406030204" pitchFamily="18" charset="0"/>
+                            <a:cs typeface="Times" panose="02020603050405020304" pitchFamily="18" charset="0"/>
+                          </a:rPr>
+                          <m:t>𝑙𝑜𝑤</m:t>
+                        </m:r>
+                      </m:sub>
+                    </m:sSub>
+                    <m:r>
+                      <a:rPr lang="en-US" altLang="zh-TW" sz="2000" b="0" i="1" smtClean="0">
+                        <a:latin typeface="Cambria Math" panose="02040503050406030204" pitchFamily="18" charset="0"/>
+                        <a:cs typeface="Times" panose="02020603050405020304" pitchFamily="18" charset="0"/>
+                      </a:rPr>
+                      <m:t>, </m:t>
+                    </m:r>
+                    <m:r>
+                      <a:rPr lang="en-US" altLang="zh-TW" sz="2000" i="1">
+                        <a:latin typeface="Cambria Math" panose="02040503050406030204" pitchFamily="18" charset="0"/>
+                        <a:cs typeface="Times" panose="02020603050405020304" pitchFamily="18" charset="0"/>
+                      </a:rPr>
+                      <m:t>𝑝</m:t>
+                    </m:r>
+                    <m:sSub>
+                      <m:sSubPr>
+                        <m:ctrlPr>
+                          <a:rPr lang="en-US" altLang="zh-TW" sz="2000" i="1">
+                            <a:latin typeface="Cambria Math" panose="02040503050406030204" pitchFamily="18" charset="0"/>
+                            <a:cs typeface="Times" panose="02020603050405020304" pitchFamily="18" charset="0"/>
+                          </a:rPr>
+                        </m:ctrlPr>
+                      </m:sSubPr>
+                      <m:e>
+                        <m:r>
+                          <a:rPr lang="en-US" altLang="zh-TW" sz="2000" i="1">
+                            <a:latin typeface="Cambria Math" panose="02040503050406030204" pitchFamily="18" charset="0"/>
+                            <a:cs typeface="Times" panose="02020603050405020304" pitchFamily="18" charset="0"/>
+                          </a:rPr>
+                          <m:t>𝑢</m:t>
+                        </m:r>
+                      </m:e>
+                      <m:sub>
+                        <m:r>
+                          <a:rPr lang="en-US" altLang="zh-TW" sz="2000" b="0" i="1" smtClean="0">
+                            <a:latin typeface="Cambria Math" panose="02040503050406030204" pitchFamily="18" charset="0"/>
+                            <a:cs typeface="Times" panose="02020603050405020304" pitchFamily="18" charset="0"/>
+                          </a:rPr>
+                          <m:t>h𝑖𝑔h</m:t>
+                        </m:r>
+                      </m:sub>
+                    </m:sSub>
+                  </m:oMath>
+                </a14:m>
+                <a:r>
+                  <a:rPr lang="en-US" altLang="zh-TW" sz="2000" dirty="0">
+                    <a:latin typeface="Times" panose="02020603050405020304" pitchFamily="18" charset="0"/>
+                    <a:cs typeface="Times" panose="02020603050405020304" pitchFamily="18" charset="0"/>
+                  </a:rPr>
+                  <a:t> : strategy parameter determining min and max padding utilization</a:t>
+                </a:r>
+              </a:p>
+              <a:p>
+                <a:pPr>
+                  <a:lnSpc>
+                    <a:spcPct val="110000"/>
+                  </a:lnSpc>
+                  <a:buFont typeface="Wingdings" panose="05000000000000000000" pitchFamily="2" charset="2"/>
+                  <a:buChar char="Ø"/>
+                </a:pPr>
+                <a:r>
+                  <a:rPr lang="en-US" altLang="zh-TW" sz="2000" dirty="0">
+                    <a:latin typeface="Times" panose="02020603050405020304" pitchFamily="18" charset="0"/>
+                    <a:cs typeface="Times" panose="02020603050405020304" pitchFamily="18" charset="0"/>
+                  </a:rPr>
+                  <a:t> ξ : max iteration of routing optimization</a:t>
+                </a:r>
+              </a:p>
+            </p:txBody>
+          </p:sp>
+        </mc:Choice>
+        <mc:Fallback>
+          <p:sp>
+            <p:nvSpPr>
+              <p:cNvPr id="3" name="內容版面配置區 2">
+                <a:extLst>
+                  <a:ext uri="{FF2B5EF4-FFF2-40B4-BE49-F238E27FC236}">
+                    <a16:creationId xmlns:a16="http://schemas.microsoft.com/office/drawing/2014/main" id="{CDD6591C-6706-1D9B-A7CF-BE488BA469CB}"/>
+                  </a:ext>
+                </a:extLst>
+              </p:cNvPr>
+              <p:cNvSpPr>
+                <a:spLocks noGrp="1" noRot="1" noChangeAspect="1" noMove="1" noResize="1" noEditPoints="1" noAdjustHandles="1" noChangeArrowheads="1" noChangeShapeType="1" noTextEdit="1"/>
+              </p:cNvSpPr>
+              <p:nvPr>
+                <p:ph idx="1"/>
+              </p:nvPr>
+            </p:nvSpPr>
+            <p:spPr>
+              <a:xfrm>
+                <a:off x="839645" y="1846585"/>
+                <a:ext cx="10512709" cy="5083604"/>
+              </a:xfrm>
+              <a:blipFill>
+                <a:blip r:embed="rId3"/>
+                <a:stretch>
+                  <a:fillRect l="-812" t="-1679"/>
+                </a:stretch>
+              </a:blipFill>
+            </p:spPr>
+            <p:txBody>
+              <a:bodyPr/>
+              <a:lstStyle/>
+              <a:p>
+                <a:r>
+                  <a:rPr lang="zh-TW" altLang="en-US">
+                    <a:noFill/>
+                  </a:rPr>
+                  <a:t> </a:t>
+                </a:r>
+              </a:p>
+            </p:txBody>
+          </p:sp>
+        </mc:Fallback>
+      </mc:AlternateContent>
+      <p:sp>
+        <p:nvSpPr>
+          <p:cNvPr id="4" name="投影片編號版面配置區 3">
+            <a:extLst>
+              <a:ext uri="{FF2B5EF4-FFF2-40B4-BE49-F238E27FC236}">
+                <a16:creationId xmlns:a16="http://schemas.microsoft.com/office/drawing/2014/main" id="{C4A4DCC3-BB49-91CF-D3FC-B1B0701D13DC}"/>
+              </a:ext>
+            </a:extLst>
+          </p:cNvPr>
+          <p:cNvSpPr>
+            <a:spLocks noGrp="1"/>
+          </p:cNvSpPr>
+          <p:nvPr>
+            <p:ph type="sldNum" sz="quarter" idx="12"/>
+          </p:nvPr>
+        </p:nvSpPr>
+        <p:spPr/>
+        <p:txBody>
+          <a:bodyPr/>
+          <a:lstStyle/>
+          <a:p>
+            <a:fld id="{666274A1-CF9C-426A-8DD4-B13ED0C24231}" type="slidenum">
+              <a:rPr lang="en-US" smtClean="0"/>
+              <a:t>23</a:t>
+            </a:fld>
+            <a:endParaRPr lang="en-US" dirty="0"/>
+          </a:p>
+        </p:txBody>
+      </p:sp>
+      <p:pic>
+        <p:nvPicPr>
+          <p:cNvPr id="9" name="圖片 8">
+            <a:extLst>
+              <a:ext uri="{FF2B5EF4-FFF2-40B4-BE49-F238E27FC236}">
+                <a16:creationId xmlns:a16="http://schemas.microsoft.com/office/drawing/2014/main" id="{442D7C86-38FF-CED7-CD1D-78106517D1BE}"/>
+              </a:ext>
+            </a:extLst>
+          </p:cNvPr>
+          <p:cNvPicPr>
+            <a:picLocks noChangeAspect="1"/>
+          </p:cNvPicPr>
+          <p:nvPr/>
+        </p:nvPicPr>
+        <p:blipFill>
+          <a:blip r:embed="rId4"/>
+          <a:stretch>
+            <a:fillRect/>
+          </a:stretch>
+        </p:blipFill>
+        <p:spPr>
+          <a:xfrm>
+            <a:off x="3524381" y="3975283"/>
+            <a:ext cx="5143236" cy="826208"/>
+          </a:xfrm>
+          <a:prstGeom prst="rect">
+            <a:avLst/>
+          </a:prstGeom>
+        </p:spPr>
+      </p:pic>
+    </p:spTree>
+    <p:extLst>
+      <p:ext uri="{BB962C8B-B14F-4D97-AF65-F5344CB8AC3E}">
+        <p14:creationId xmlns:p14="http://schemas.microsoft.com/office/powerpoint/2010/main" val="149396179"/>
+      </p:ext>
+    </p:extLst>
+  </p:cSld>
+  <p:clrMapOvr>
+    <a:masterClrMapping/>
+  </p:clrMapOvr>
+</p:sld>
+</file>
+
+<file path=ppt/slides/slide25.xml><?xml version="1.0" encoding="utf-8"?>
+<p:sld xmlns:a="http://schemas.openxmlformats.org/drawingml/2006/main" xmlns:r="http://schemas.openxmlformats.org/officeDocument/2006/relationships" xmlns:p="http://schemas.openxmlformats.org/presentationml/2006/main">
+  <p:cSld>
+    <p:spTree>
+      <p:nvGrpSpPr>
+        <p:cNvPr id="1" name=""/>
+        <p:cNvGrpSpPr/>
+        <p:nvPr/>
+      </p:nvGrpSpPr>
+      <p:grpSpPr>
+        <a:xfrm>
+          <a:off x="0" y="0"/>
+          <a:ext cx="0" cy="0"/>
+          <a:chOff x="0" y="0"/>
+          <a:chExt cx="0" cy="0"/>
+        </a:xfrm>
+      </p:grpSpPr>
+      <p:sp>
+        <p:nvSpPr>
+          <p:cNvPr id="2" name="標題 1">
+            <a:extLst>
+              <a:ext uri="{FF2B5EF4-FFF2-40B4-BE49-F238E27FC236}">
+                <a16:creationId xmlns:a16="http://schemas.microsoft.com/office/drawing/2014/main" id="{AEDF6777-6236-46F8-93C4-053ACE59502E}"/>
+              </a:ext>
+            </a:extLst>
+          </p:cNvPr>
+          <p:cNvSpPr>
+            <a:spLocks noGrp="1"/>
+          </p:cNvSpPr>
+          <p:nvPr>
+            <p:ph type="title"/>
+          </p:nvPr>
+        </p:nvSpPr>
+        <p:spPr>
+          <a:xfrm>
+            <a:off x="434738" y="320675"/>
+            <a:ext cx="11757262" cy="1325563"/>
+          </a:xfrm>
+        </p:spPr>
+        <p:txBody>
+          <a:bodyPr>
+            <a:normAutofit/>
+          </a:bodyPr>
+          <a:lstStyle/>
+          <a:p>
+            <a:r>
+              <a:rPr lang="en-US" altLang="zh-TW" sz="4000" dirty="0">
+                <a:latin typeface="Times" panose="02020603050405020304" pitchFamily="18" charset="0"/>
+                <a:cs typeface="Times" panose="02020603050405020304" pitchFamily="18" charset="0"/>
+              </a:rPr>
               <a:t>Multi-feature-based Cell Padding</a:t>
             </a:r>
           </a:p>
@@ -20289,20 +21642,20 @@
           <a:p>
             <a:pPr marL="514350" indent="-514350">
               <a:buFont typeface="+mj-lt"/>
-              <a:buAutoNum type="arabicPeriod" startAt="3"/>
+              <a:buAutoNum type="arabicPeriod" startAt="2"/>
             </a:pPr>
             <a:r>
               <a:rPr lang="en-US" altLang="zh-TW" sz="2400" dirty="0">
                 <a:latin typeface="Times" panose="02020603050405020304" pitchFamily="18" charset="0"/>
                 <a:cs typeface="Times" panose="02020603050405020304" pitchFamily="18" charset="0"/>
               </a:rPr>
-              <a:t>Padding Recycling and Utilization Control</a:t>
+              <a:t>Multi-feature-based Cell Padding</a:t>
             </a:r>
           </a:p>
           <a:p>
             <a:pPr marL="514350" indent="-514350">
               <a:buFont typeface="+mj-lt"/>
-              <a:buAutoNum type="arabicPeriod" startAt="3"/>
+              <a:buAutoNum type="arabicPeriod" startAt="2"/>
             </a:pPr>
             <a:endParaRPr lang="en-US" altLang="zh-TW" sz="2000" dirty="0">
               <a:latin typeface="Times" panose="02020603050405020304" pitchFamily="18" charset="0"/>
@@ -20310,24 +21663,32 @@
             </a:endParaRPr>
           </a:p>
           <a:p>
+            <a:pPr>
+              <a:lnSpc>
+                <a:spcPct val="130000"/>
+              </a:lnSpc>
+            </a:pPr>
             <a:r>
               <a:rPr lang="en-US" altLang="zh-TW" sz="2200" dirty="0">
                 <a:latin typeface="Times" panose="02020603050405020304" pitchFamily="18" charset="0"/>
                 <a:cs typeface="Times" panose="02020603050405020304" pitchFamily="18" charset="0"/>
               </a:rPr>
-              <a:t> Utilize incremental padding strategy which is based on the </a:t>
-            </a:r>
-            <a:r>
-              <a:rPr lang="en-US" altLang="zh-TW" sz="2200">
+              <a:t> </a:t>
+            </a:r>
+            <a:r>
+              <a:rPr lang="en-US" altLang="zh-TW" sz="2200" dirty="0" err="1">
                 <a:latin typeface="Times" panose="02020603050405020304" pitchFamily="18" charset="0"/>
                 <a:cs typeface="Times" panose="02020603050405020304" pitchFamily="18" charset="0"/>
               </a:rPr>
-              <a:t>preceding result.</a:t>
-            </a:r>
-            <a:endParaRPr lang="en-US" altLang="zh-TW" sz="2000" dirty="0">
-              <a:latin typeface="Times" panose="02020603050405020304" pitchFamily="18" charset="0"/>
-              <a:cs typeface="Times" panose="02020603050405020304" pitchFamily="18" charset="0"/>
-            </a:endParaRPr>
+              <a:t>Routabililty</a:t>
+            </a:r>
+            <a:r>
+              <a:rPr lang="en-US" altLang="zh-TW" sz="2200" dirty="0">
+                <a:latin typeface="Times" panose="02020603050405020304" pitchFamily="18" charset="0"/>
+                <a:cs typeface="Times" panose="02020603050405020304" pitchFamily="18" charset="0"/>
+              </a:rPr>
+              <a:t> optimization process:</a:t>
+            </a:r>
           </a:p>
         </p:txBody>
       </p:sp>
@@ -20354,7 +21715,750 @@
           <a:p>
             <a:fld id="{666274A1-CF9C-426A-8DD4-B13ED0C24231}" type="slidenum">
               <a:rPr lang="en-US" smtClean="0"/>
-              <a:t>23</a:t>
+              <a:t>24</a:t>
+            </a:fld>
+            <a:endParaRPr lang="en-US" dirty="0"/>
+          </a:p>
+        </p:txBody>
+      </p:sp>
+      <p:pic>
+        <p:nvPicPr>
+          <p:cNvPr id="8" name="圖片 7">
+            <a:extLst>
+              <a:ext uri="{FF2B5EF4-FFF2-40B4-BE49-F238E27FC236}">
+                <a16:creationId xmlns:a16="http://schemas.microsoft.com/office/drawing/2014/main" id="{B3CA337D-AFC2-C562-AA80-567D9D843CBB}"/>
+              </a:ext>
+            </a:extLst>
+          </p:cNvPr>
+          <p:cNvPicPr>
+            <a:picLocks noChangeAspect="1"/>
+          </p:cNvPicPr>
+          <p:nvPr/>
+        </p:nvPicPr>
+        <p:blipFill>
+          <a:blip r:embed="rId3"/>
+          <a:stretch>
+            <a:fillRect/>
+          </a:stretch>
+        </p:blipFill>
+        <p:spPr>
+          <a:xfrm>
+            <a:off x="2200593" y="1646238"/>
+            <a:ext cx="7790813" cy="4828381"/>
+          </a:xfrm>
+          <a:prstGeom prst="rect">
+            <a:avLst/>
+          </a:prstGeom>
+        </p:spPr>
+      </p:pic>
+    </p:spTree>
+    <p:extLst>
+      <p:ext uri="{BB962C8B-B14F-4D97-AF65-F5344CB8AC3E}">
+        <p14:creationId xmlns:p14="http://schemas.microsoft.com/office/powerpoint/2010/main" val="3172725510"/>
+      </p:ext>
+    </p:extLst>
+  </p:cSld>
+  <p:clrMapOvr>
+    <a:masterClrMapping/>
+  </p:clrMapOvr>
+  <p:timing>
+    <p:tnLst>
+      <p:par>
+        <p:cTn id="1" dur="indefinite" restart="never" nodeType="tmRoot">
+          <p:childTnLst>
+            <p:seq concurrent="1" nextAc="seek">
+              <p:cTn id="2" dur="indefinite" nodeType="mainSeq">
+                <p:childTnLst>
+                  <p:par>
+                    <p:cTn id="3" fill="hold">
+                      <p:stCondLst>
+                        <p:cond delay="indefinite"/>
+                      </p:stCondLst>
+                      <p:childTnLst>
+                        <p:par>
+                          <p:cTn id="4" fill="hold">
+                            <p:stCondLst>
+                              <p:cond delay="0"/>
+                            </p:stCondLst>
+                            <p:childTnLst>
+                              <p:par>
+                                <p:cTn id="5" presetID="1" presetClass="entr" presetSubtype="0" fill="hold" nodeType="clickEffect">
+                                  <p:stCondLst>
+                                    <p:cond delay="0"/>
+                                  </p:stCondLst>
+                                  <p:childTnLst>
+                                    <p:set>
+                                      <p:cBhvr>
+                                        <p:cTn id="6" dur="1" fill="hold">
+                                          <p:stCondLst>
+                                            <p:cond delay="0"/>
+                                          </p:stCondLst>
+                                        </p:cTn>
+                                        <p:tgtEl>
+                                          <p:spTgt spid="8"/>
+                                        </p:tgtEl>
+                                        <p:attrNameLst>
+                                          <p:attrName>style.visibility</p:attrName>
+                                        </p:attrNameLst>
+                                      </p:cBhvr>
+                                      <p:to>
+                                        <p:strVal val="visible"/>
+                                      </p:to>
+                                    </p:set>
+                                  </p:childTnLst>
+                                </p:cTn>
+                              </p:par>
+                            </p:childTnLst>
+                          </p:cTn>
+                        </p:par>
+                      </p:childTnLst>
+                    </p:cTn>
+                  </p:par>
+                </p:childTnLst>
+              </p:cTn>
+              <p:prevCondLst>
+                <p:cond evt="onPrev" delay="0">
+                  <p:tgtEl>
+                    <p:sldTgt/>
+                  </p:tgtEl>
+                </p:cond>
+              </p:prevCondLst>
+              <p:nextCondLst>
+                <p:cond evt="onNext" delay="0">
+                  <p:tgtEl>
+                    <p:sldTgt/>
+                  </p:tgtEl>
+                </p:cond>
+              </p:nextCondLst>
+            </p:seq>
+          </p:childTnLst>
+        </p:cTn>
+      </p:par>
+    </p:tnLst>
+  </p:timing>
+</p:sld>
+</file>
+
+<file path=ppt/slides/slide26.xml><?xml version="1.0" encoding="utf-8"?>
+<p:sld xmlns:a="http://schemas.openxmlformats.org/drawingml/2006/main" xmlns:r="http://schemas.openxmlformats.org/officeDocument/2006/relationships" xmlns:p="http://schemas.openxmlformats.org/presentationml/2006/main">
+  <p:cSld>
+    <p:spTree>
+      <p:nvGrpSpPr>
+        <p:cNvPr id="1" name=""/>
+        <p:cNvGrpSpPr/>
+        <p:nvPr/>
+      </p:nvGrpSpPr>
+      <p:grpSpPr>
+        <a:xfrm>
+          <a:off x="0" y="0"/>
+          <a:ext cx="0" cy="0"/>
+          <a:chOff x="0" y="0"/>
+          <a:chExt cx="0" cy="0"/>
+        </a:xfrm>
+      </p:grpSpPr>
+      <p:sp>
+        <p:nvSpPr>
+          <p:cNvPr id="2" name="標題 1">
+            <a:extLst>
+              <a:ext uri="{FF2B5EF4-FFF2-40B4-BE49-F238E27FC236}">
+                <a16:creationId xmlns:a16="http://schemas.microsoft.com/office/drawing/2014/main" id="{AEDF6777-6236-46F8-93C4-053ACE59502E}"/>
+              </a:ext>
+            </a:extLst>
+          </p:cNvPr>
+          <p:cNvSpPr>
+            <a:spLocks noGrp="1"/>
+          </p:cNvSpPr>
+          <p:nvPr>
+            <p:ph type="title"/>
+          </p:nvPr>
+        </p:nvSpPr>
+        <p:spPr>
+          <a:xfrm>
+            <a:off x="434738" y="320675"/>
+            <a:ext cx="11757262" cy="1325563"/>
+          </a:xfrm>
+        </p:spPr>
+        <p:txBody>
+          <a:bodyPr>
+            <a:normAutofit/>
+          </a:bodyPr>
+          <a:lstStyle/>
+          <a:p>
+            <a:r>
+              <a:rPr lang="en-US" altLang="zh-TW" sz="4000" dirty="0">
+                <a:latin typeface="Times" panose="02020603050405020304" pitchFamily="18" charset="0"/>
+                <a:cs typeface="Times" panose="02020603050405020304" pitchFamily="18" charset="0"/>
+              </a:rPr>
+              <a:t>Multi-feature-based Cell Padding</a:t>
+            </a:r>
+          </a:p>
+        </p:txBody>
+      </p:sp>
+      <mc:AlternateContent xmlns:mc="http://schemas.openxmlformats.org/markup-compatibility/2006">
+        <mc:Choice xmlns:a14="http://schemas.microsoft.com/office/drawing/2010/main" Requires="a14">
+          <p:sp>
+            <p:nvSpPr>
+              <p:cNvPr id="3" name="內容版面配置區 2">
+                <a:extLst>
+                  <a:ext uri="{FF2B5EF4-FFF2-40B4-BE49-F238E27FC236}">
+                    <a16:creationId xmlns:a16="http://schemas.microsoft.com/office/drawing/2014/main" id="{CDD6591C-6706-1D9B-A7CF-BE488BA469CB}"/>
+                  </a:ext>
+                </a:extLst>
+              </p:cNvPr>
+              <p:cNvSpPr>
+                <a:spLocks noGrp="1"/>
+              </p:cNvSpPr>
+              <p:nvPr>
+                <p:ph idx="1"/>
+              </p:nvPr>
+            </p:nvSpPr>
+            <p:spPr>
+              <a:xfrm>
+                <a:off x="839645" y="1846585"/>
+                <a:ext cx="10512709" cy="4874890"/>
+              </a:xfrm>
+            </p:spPr>
+            <p:txBody>
+              <a:bodyPr>
+                <a:normAutofit lnSpcReduction="10000"/>
+              </a:bodyPr>
+              <a:lstStyle/>
+              <a:p>
+                <a:pPr marL="514350" indent="-514350">
+                  <a:buFont typeface="+mj-lt"/>
+                  <a:buAutoNum type="arabicPeriod" startAt="2"/>
+                </a:pPr>
+                <a:r>
+                  <a:rPr lang="en-US" altLang="zh-TW" sz="2400" dirty="0">
+                    <a:latin typeface="Times" panose="02020603050405020304" pitchFamily="18" charset="0"/>
+                    <a:cs typeface="Times" panose="02020603050405020304" pitchFamily="18" charset="0"/>
+                  </a:rPr>
+                  <a:t>Multi-feature-based Cell Padding</a:t>
+                </a:r>
+              </a:p>
+              <a:p>
+                <a:pPr marL="514350" indent="-514350">
+                  <a:buFont typeface="+mj-lt"/>
+                  <a:buAutoNum type="arabicPeriod" startAt="3"/>
+                </a:pPr>
+                <a:endParaRPr lang="en-US" altLang="zh-TW" sz="600" dirty="0">
+                  <a:latin typeface="Times" panose="02020603050405020304" pitchFamily="18" charset="0"/>
+                  <a:cs typeface="Times" panose="02020603050405020304" pitchFamily="18" charset="0"/>
+                </a:endParaRPr>
+              </a:p>
+              <a:p>
+                <a:pPr>
+                  <a:lnSpc>
+                    <a:spcPct val="130000"/>
+                  </a:lnSpc>
+                </a:pPr>
+                <a:r>
+                  <a:rPr lang="en-US" altLang="zh-TW" sz="2200" dirty="0">
+                    <a:latin typeface="Times" panose="02020603050405020304" pitchFamily="18" charset="0"/>
+                    <a:cs typeface="Times" panose="02020603050405020304" pitchFamily="18" charset="0"/>
+                  </a:rPr>
+                  <a:t> Three conditions to trigger the </a:t>
+                </a:r>
+                <a:r>
+                  <a:rPr lang="en-US" altLang="zh-TW" sz="2200" dirty="0" err="1">
+                    <a:latin typeface="Times" panose="02020603050405020304" pitchFamily="18" charset="0"/>
+                    <a:cs typeface="Times" panose="02020603050405020304" pitchFamily="18" charset="0"/>
+                  </a:rPr>
+                  <a:t>routability</a:t>
+                </a:r>
+                <a:r>
+                  <a:rPr lang="en-US" altLang="zh-TW" sz="2200" dirty="0">
+                    <a:latin typeface="Times" panose="02020603050405020304" pitchFamily="18" charset="0"/>
+                    <a:cs typeface="Times" panose="02020603050405020304" pitchFamily="18" charset="0"/>
+                  </a:rPr>
+                  <a:t> optimizer (</a:t>
+                </a:r>
+                <a14:m>
+                  <m:oMath xmlns:m="http://schemas.openxmlformats.org/officeDocument/2006/math">
+                    <m:r>
+                      <a:rPr lang="zh-TW" altLang="en-US" sz="2400" i="1" smtClean="0">
+                        <a:latin typeface="Cambria Math" panose="02040503050406030204" pitchFamily="18" charset="0"/>
+                        <a:cs typeface="Times" panose="02020603050405020304" pitchFamily="18" charset="0"/>
+                      </a:rPr>
+                      <m:t>𝜏</m:t>
+                    </m:r>
+                  </m:oMath>
+                </a14:m>
+                <a:r>
+                  <a:rPr lang="en-US" altLang="zh-TW" sz="2200" dirty="0">
+                    <a:latin typeface="Times" panose="02020603050405020304" pitchFamily="18" charset="0"/>
+                    <a:cs typeface="Times" panose="02020603050405020304" pitchFamily="18" charset="0"/>
+                  </a:rPr>
+                  <a:t>, </a:t>
+                </a:r>
+                <a14:m>
+                  <m:oMath xmlns:m="http://schemas.openxmlformats.org/officeDocument/2006/math">
+                    <m:r>
+                      <a:rPr lang="en-US" altLang="zh-TW" sz="2400" i="1" dirty="0">
+                        <a:latin typeface="Cambria Math" panose="02040503050406030204" pitchFamily="18" charset="0"/>
+                        <a:cs typeface="Times" panose="02020603050405020304" pitchFamily="18" charset="0"/>
+                      </a:rPr>
+                      <m:t>𝜂</m:t>
+                    </m:r>
+                  </m:oMath>
+                </a14:m>
+                <a:r>
+                  <a:rPr lang="en-US" altLang="zh-TW" sz="2200" dirty="0">
+                    <a:latin typeface="Times" panose="02020603050405020304" pitchFamily="18" charset="0"/>
+                    <a:cs typeface="Times" panose="02020603050405020304" pitchFamily="18" charset="0"/>
+                  </a:rPr>
+                  <a:t>, </a:t>
+                </a:r>
+                <a14:m>
+                  <m:oMath xmlns:m="http://schemas.openxmlformats.org/officeDocument/2006/math">
+                    <m:r>
+                      <m:rPr>
+                        <m:sty m:val="p"/>
+                      </m:rPr>
+                      <a:rPr lang="en-US" altLang="zh-TW" sz="2400" i="1">
+                        <a:latin typeface="Cambria Math" panose="02040503050406030204" pitchFamily="18" charset="0"/>
+                        <a:cs typeface="Times" panose="02020603050405020304" pitchFamily="18" charset="0"/>
+                      </a:rPr>
+                      <m:t>ξ</m:t>
+                    </m:r>
+                  </m:oMath>
+                </a14:m>
+                <a:r>
+                  <a:rPr lang="en-US" altLang="zh-TW" sz="2200" dirty="0">
+                    <a:latin typeface="Times" panose="02020603050405020304" pitchFamily="18" charset="0"/>
+                    <a:cs typeface="Times" panose="02020603050405020304" pitchFamily="18" charset="0"/>
+                  </a:rPr>
+                  <a:t>   are strategy parameter) :</a:t>
+                </a:r>
+              </a:p>
+              <a:p>
+                <a:pPr marL="914400" lvl="1" indent="-457200">
+                  <a:lnSpc>
+                    <a:spcPct val="130000"/>
+                  </a:lnSpc>
+                  <a:buFont typeface="+mj-lt"/>
+                  <a:buAutoNum type="arabicPeriod"/>
+                </a:pPr>
+                <a:r>
+                  <a:rPr lang="en-US" altLang="zh-TW" sz="2000" dirty="0">
+                    <a:latin typeface="Times" panose="02020603050405020304" pitchFamily="18" charset="0"/>
+                    <a:cs typeface="Times" panose="02020603050405020304" pitchFamily="18" charset="0"/>
+                  </a:rPr>
+                  <a:t>Density flow &lt; threshold </a:t>
+                </a:r>
+                <a14:m>
+                  <m:oMath xmlns:m="http://schemas.openxmlformats.org/officeDocument/2006/math">
+                    <m:r>
+                      <a:rPr lang="zh-TW" altLang="en-US" sz="2000" i="1" smtClean="0">
+                        <a:latin typeface="Cambria Math" panose="02040503050406030204" pitchFamily="18" charset="0"/>
+                        <a:cs typeface="Times" panose="02020603050405020304" pitchFamily="18" charset="0"/>
+                      </a:rPr>
+                      <m:t>𝜏</m:t>
+                    </m:r>
+                  </m:oMath>
+                </a14:m>
+                <a:endParaRPr lang="en-US" altLang="zh-TW" sz="2000" dirty="0">
+                  <a:latin typeface="Times" panose="02020603050405020304" pitchFamily="18" charset="0"/>
+                  <a:cs typeface="Times" panose="02020603050405020304" pitchFamily="18" charset="0"/>
+                </a:endParaRPr>
+              </a:p>
+              <a:p>
+                <a:pPr lvl="2">
+                  <a:lnSpc>
+                    <a:spcPct val="130000"/>
+                  </a:lnSpc>
+                </a:pPr>
+                <a:r>
+                  <a:rPr lang="en-US" altLang="zh-TW" sz="1800" dirty="0">
+                    <a:latin typeface="Times" panose="02020603050405020304" pitchFamily="18" charset="0"/>
+                    <a:cs typeface="Times" panose="02020603050405020304" pitchFamily="18" charset="0"/>
+                  </a:rPr>
+                  <a:t>Density flow: </a:t>
+                </a:r>
+                <a14:m>
+                  <m:oMath xmlns:m="http://schemas.openxmlformats.org/officeDocument/2006/math">
+                    <m:f>
+                      <m:fPr>
+                        <m:ctrlPr>
+                          <a:rPr lang="en-US" altLang="zh-TW" i="1" dirty="0" smtClean="0">
+                            <a:latin typeface="Cambria Math" panose="02040503050406030204" pitchFamily="18" charset="0"/>
+                            <a:cs typeface="Times" panose="02020603050405020304" pitchFamily="18" charset="0"/>
+                          </a:rPr>
+                        </m:ctrlPr>
+                      </m:fPr>
+                      <m:num>
+                        <m:r>
+                          <m:rPr>
+                            <m:sty m:val="p"/>
+                          </m:rPr>
+                          <a:rPr lang="el-GR" altLang="zh-TW" i="1">
+                            <a:latin typeface="Cambria Math" panose="02040503050406030204" pitchFamily="18" charset="0"/>
+                            <a:ea typeface="Cambria Math" panose="02040503050406030204" pitchFamily="18" charset="0"/>
+                            <a:cs typeface="Times" panose="02020603050405020304" pitchFamily="18" charset="0"/>
+                          </a:rPr>
+                          <m:t>Σ</m:t>
+                        </m:r>
+                        <m:r>
+                          <a:rPr lang="en-US" altLang="zh-TW" b="0" i="1" smtClean="0">
+                            <a:latin typeface="Cambria Math" panose="02040503050406030204" pitchFamily="18" charset="0"/>
+                            <a:ea typeface="Cambria Math" panose="02040503050406030204" pitchFamily="18" charset="0"/>
+                            <a:cs typeface="Times" panose="02020603050405020304" pitchFamily="18" charset="0"/>
+                          </a:rPr>
+                          <m:t> </m:t>
+                        </m:r>
+                        <m:r>
+                          <a:rPr lang="en-US" altLang="zh-TW" b="0" i="1" smtClean="0">
+                            <a:latin typeface="Cambria Math" panose="02040503050406030204" pitchFamily="18" charset="0"/>
+                            <a:ea typeface="Cambria Math" panose="02040503050406030204" pitchFamily="18" charset="0"/>
+                            <a:cs typeface="Times" panose="02020603050405020304" pitchFamily="18" charset="0"/>
+                          </a:rPr>
+                          <m:t>𝑐𝑒𝑙𝑙</m:t>
+                        </m:r>
+                        <m:r>
+                          <a:rPr lang="en-US" altLang="zh-TW" b="0" i="1" smtClean="0">
+                            <a:latin typeface="Cambria Math" panose="02040503050406030204" pitchFamily="18" charset="0"/>
+                            <a:ea typeface="Cambria Math" panose="02040503050406030204" pitchFamily="18" charset="0"/>
+                            <a:cs typeface="Times" panose="02020603050405020304" pitchFamily="18" charset="0"/>
+                          </a:rPr>
+                          <m:t> </m:t>
+                        </m:r>
+                        <m:r>
+                          <a:rPr lang="en-US" altLang="zh-TW" b="0" i="1" smtClean="0">
+                            <a:latin typeface="Cambria Math" panose="02040503050406030204" pitchFamily="18" charset="0"/>
+                            <a:ea typeface="Cambria Math" panose="02040503050406030204" pitchFamily="18" charset="0"/>
+                            <a:cs typeface="Times" panose="02020603050405020304" pitchFamily="18" charset="0"/>
+                          </a:rPr>
+                          <m:t>𝑜𝑣𝑒𝑟𝑓𝑙𝑜𝑤</m:t>
+                        </m:r>
+                        <m:r>
+                          <a:rPr lang="en-US" altLang="zh-TW" b="0" i="1" smtClean="0">
+                            <a:latin typeface="Cambria Math" panose="02040503050406030204" pitchFamily="18" charset="0"/>
+                            <a:ea typeface="Cambria Math" panose="02040503050406030204" pitchFamily="18" charset="0"/>
+                            <a:cs typeface="Times" panose="02020603050405020304" pitchFamily="18" charset="0"/>
+                          </a:rPr>
+                          <m:t> </m:t>
+                        </m:r>
+                        <m:r>
+                          <a:rPr lang="en-US" altLang="zh-TW" b="0" i="1" smtClean="0">
+                            <a:latin typeface="Cambria Math" panose="02040503050406030204" pitchFamily="18" charset="0"/>
+                            <a:ea typeface="Cambria Math" panose="02040503050406030204" pitchFamily="18" charset="0"/>
+                            <a:cs typeface="Times" panose="02020603050405020304" pitchFamily="18" charset="0"/>
+                          </a:rPr>
+                          <m:t>𝑎𝑟𝑒𝑎</m:t>
+                        </m:r>
+                        <m:r>
+                          <a:rPr lang="en-US" altLang="zh-TW" b="0" i="1" smtClean="0">
+                            <a:latin typeface="Cambria Math" panose="02040503050406030204" pitchFamily="18" charset="0"/>
+                            <a:ea typeface="Cambria Math" panose="02040503050406030204" pitchFamily="18" charset="0"/>
+                            <a:cs typeface="Times" panose="02020603050405020304" pitchFamily="18" charset="0"/>
+                          </a:rPr>
+                          <m:t> </m:t>
+                        </m:r>
+                        <m:r>
+                          <a:rPr lang="en-US" altLang="zh-TW" b="0" i="1" smtClean="0">
+                            <a:latin typeface="Cambria Math" panose="02040503050406030204" pitchFamily="18" charset="0"/>
+                            <a:ea typeface="Cambria Math" panose="02040503050406030204" pitchFamily="18" charset="0"/>
+                            <a:cs typeface="Times" panose="02020603050405020304" pitchFamily="18" charset="0"/>
+                          </a:rPr>
+                          <m:t>𝑜𝑓</m:t>
+                        </m:r>
+                        <m:r>
+                          <a:rPr lang="en-US" altLang="zh-TW" b="0" i="1" smtClean="0">
+                            <a:latin typeface="Cambria Math" panose="02040503050406030204" pitchFamily="18" charset="0"/>
+                            <a:ea typeface="Cambria Math" panose="02040503050406030204" pitchFamily="18" charset="0"/>
+                            <a:cs typeface="Times" panose="02020603050405020304" pitchFamily="18" charset="0"/>
+                          </a:rPr>
+                          <m:t> </m:t>
+                        </m:r>
+                        <m:r>
+                          <a:rPr lang="en-US" altLang="zh-TW" b="0" i="1" smtClean="0">
+                            <a:latin typeface="Cambria Math" panose="02040503050406030204" pitchFamily="18" charset="0"/>
+                            <a:ea typeface="Cambria Math" panose="02040503050406030204" pitchFamily="18" charset="0"/>
+                            <a:cs typeface="Times" panose="02020603050405020304" pitchFamily="18" charset="0"/>
+                          </a:rPr>
+                          <m:t>𝑎𝑙𝑙</m:t>
+                        </m:r>
+                        <m:r>
+                          <a:rPr lang="en-US" altLang="zh-TW" b="0" i="1" smtClean="0">
+                            <a:latin typeface="Cambria Math" panose="02040503050406030204" pitchFamily="18" charset="0"/>
+                            <a:ea typeface="Cambria Math" panose="02040503050406030204" pitchFamily="18" charset="0"/>
+                            <a:cs typeface="Times" panose="02020603050405020304" pitchFamily="18" charset="0"/>
+                          </a:rPr>
+                          <m:t> </m:t>
+                        </m:r>
+                        <m:r>
+                          <a:rPr lang="en-US" altLang="zh-TW" b="0" i="1" smtClean="0">
+                            <a:latin typeface="Cambria Math" panose="02040503050406030204" pitchFamily="18" charset="0"/>
+                            <a:ea typeface="Cambria Math" panose="02040503050406030204" pitchFamily="18" charset="0"/>
+                            <a:cs typeface="Times" panose="02020603050405020304" pitchFamily="18" charset="0"/>
+                          </a:rPr>
+                          <m:t>𝑏𝑖𝑛𝑠</m:t>
+                        </m:r>
+                      </m:num>
+                      <m:den>
+                        <m:r>
+                          <a:rPr lang="en-US" altLang="zh-TW" b="0" i="1" dirty="0" smtClean="0">
+                            <a:latin typeface="Cambria Math" panose="02040503050406030204" pitchFamily="18" charset="0"/>
+                            <a:cs typeface="Times" panose="02020603050405020304" pitchFamily="18" charset="0"/>
+                          </a:rPr>
+                          <m:t>𝑛𝑢𝑚𝑏𝑒𝑟</m:t>
+                        </m:r>
+                        <m:r>
+                          <a:rPr lang="en-US" altLang="zh-TW" b="0" i="1" dirty="0" smtClean="0">
+                            <a:latin typeface="Cambria Math" panose="02040503050406030204" pitchFamily="18" charset="0"/>
+                            <a:cs typeface="Times" panose="02020603050405020304" pitchFamily="18" charset="0"/>
+                          </a:rPr>
+                          <m:t> </m:t>
+                        </m:r>
+                        <m:r>
+                          <a:rPr lang="en-US" altLang="zh-TW" b="0" i="1" dirty="0" smtClean="0">
+                            <a:latin typeface="Cambria Math" panose="02040503050406030204" pitchFamily="18" charset="0"/>
+                            <a:cs typeface="Times" panose="02020603050405020304" pitchFamily="18" charset="0"/>
+                          </a:rPr>
+                          <m:t>𝑜𝑓</m:t>
+                        </m:r>
+                        <m:r>
+                          <a:rPr lang="en-US" altLang="zh-TW" b="0" i="1" dirty="0" smtClean="0">
+                            <a:latin typeface="Cambria Math" panose="02040503050406030204" pitchFamily="18" charset="0"/>
+                            <a:cs typeface="Times" panose="02020603050405020304" pitchFamily="18" charset="0"/>
+                          </a:rPr>
+                          <m:t> </m:t>
+                        </m:r>
+                        <m:r>
+                          <a:rPr lang="en-US" altLang="zh-TW" b="0" i="1" dirty="0" smtClean="0">
+                            <a:latin typeface="Cambria Math" panose="02040503050406030204" pitchFamily="18" charset="0"/>
+                            <a:cs typeface="Times" panose="02020603050405020304" pitchFamily="18" charset="0"/>
+                          </a:rPr>
+                          <m:t>𝑏𝑖𝑛𝑠</m:t>
+                        </m:r>
+                      </m:den>
+                    </m:f>
+                  </m:oMath>
+                </a14:m>
+                <a:endParaRPr lang="en-US" altLang="zh-TW" dirty="0">
+                  <a:latin typeface="Times" panose="02020603050405020304" pitchFamily="18" charset="0"/>
+                  <a:cs typeface="Times" panose="02020603050405020304" pitchFamily="18" charset="0"/>
+                </a:endParaRPr>
+              </a:p>
+              <a:p>
+                <a:pPr lvl="2">
+                  <a:lnSpc>
+                    <a:spcPct val="130000"/>
+                  </a:lnSpc>
+                </a:pPr>
+                <a:endParaRPr lang="en-US" altLang="zh-TW" sz="500" dirty="0">
+                  <a:latin typeface="Times" panose="02020603050405020304" pitchFamily="18" charset="0"/>
+                  <a:cs typeface="Times" panose="02020603050405020304" pitchFamily="18" charset="0"/>
+                </a:endParaRPr>
+              </a:p>
+              <a:p>
+                <a:pPr marL="800100" lvl="1" indent="-342900">
+                  <a:lnSpc>
+                    <a:spcPct val="130000"/>
+                  </a:lnSpc>
+                  <a:buFont typeface="+mj-lt"/>
+                  <a:buAutoNum type="arabicPeriod"/>
+                </a:pPr>
+                <a:r>
+                  <a:rPr lang="en-US" altLang="zh-TW" sz="2000" dirty="0">
+                    <a:latin typeface="Times" panose="02020603050405020304" pitchFamily="18" charset="0"/>
+                    <a:cs typeface="Times" panose="02020603050405020304" pitchFamily="18" charset="0"/>
+                  </a:rPr>
+                  <a:t>  Padding utilization of the preceding round &lt; threshold </a:t>
+                </a:r>
+                <a14:m>
+                  <m:oMath xmlns:m="http://schemas.openxmlformats.org/officeDocument/2006/math">
+                    <m:r>
+                      <a:rPr lang="en-US" altLang="zh-TW" sz="2000" i="1" dirty="0" smtClean="0">
+                        <a:latin typeface="Cambria Math" panose="02040503050406030204" pitchFamily="18" charset="0"/>
+                        <a:cs typeface="Times" panose="02020603050405020304" pitchFamily="18" charset="0"/>
+                      </a:rPr>
+                      <m:t>𝜂</m:t>
+                    </m:r>
+                  </m:oMath>
+                </a14:m>
+                <a:endParaRPr lang="en-US" altLang="zh-TW" sz="2000" dirty="0">
+                  <a:latin typeface="Times" panose="02020603050405020304" pitchFamily="18" charset="0"/>
+                  <a:cs typeface="Times" panose="02020603050405020304" pitchFamily="18" charset="0"/>
+                </a:endParaRPr>
+              </a:p>
+              <a:p>
+                <a:pPr lvl="2">
+                  <a:lnSpc>
+                    <a:spcPct val="130000"/>
+                  </a:lnSpc>
+                </a:pPr>
+                <a:r>
+                  <a:rPr lang="en-US" altLang="zh-TW" sz="1800" dirty="0">
+                    <a:latin typeface="Times" panose="02020603050405020304" pitchFamily="18" charset="0"/>
+                    <a:cs typeface="Times" panose="02020603050405020304" pitchFamily="18" charset="0"/>
+                  </a:rPr>
+                  <a:t>Padding is converging</a:t>
+                </a:r>
+              </a:p>
+              <a:p>
+                <a:pPr marL="800100" lvl="1" indent="-342900">
+                  <a:lnSpc>
+                    <a:spcPct val="130000"/>
+                  </a:lnSpc>
+                  <a:buFont typeface="+mj-lt"/>
+                  <a:buAutoNum type="arabicPeriod"/>
+                </a:pPr>
+                <a:endParaRPr lang="en-US" altLang="zh-TW" sz="500" dirty="0">
+                  <a:latin typeface="Times" panose="02020603050405020304" pitchFamily="18" charset="0"/>
+                  <a:cs typeface="Times" panose="02020603050405020304" pitchFamily="18" charset="0"/>
+                </a:endParaRPr>
+              </a:p>
+              <a:p>
+                <a:pPr marL="800100" lvl="1" indent="-342900">
+                  <a:lnSpc>
+                    <a:spcPct val="130000"/>
+                  </a:lnSpc>
+                  <a:buFont typeface="+mj-lt"/>
+                  <a:buAutoNum type="arabicPeriod"/>
+                </a:pPr>
+                <a:r>
+                  <a:rPr lang="zh-TW" altLang="en-US" sz="2000" dirty="0">
+                    <a:latin typeface="Times" panose="02020603050405020304" pitchFamily="18" charset="0"/>
+                    <a:cs typeface="Times" panose="02020603050405020304" pitchFamily="18" charset="0"/>
+                  </a:rPr>
+                  <a:t>  </a:t>
+                </a:r>
+                <a:r>
+                  <a:rPr lang="en-US" altLang="zh-TW" sz="2000" dirty="0">
+                    <a:latin typeface="Times" panose="02020603050405020304" pitchFamily="18" charset="0"/>
+                    <a:cs typeface="Times" panose="02020603050405020304" pitchFamily="18" charset="0"/>
+                  </a:rPr>
+                  <a:t>Call time of </a:t>
+                </a:r>
+                <a:r>
+                  <a:rPr lang="en-US" altLang="zh-TW" sz="2000" dirty="0" err="1">
+                    <a:latin typeface="Times" panose="02020603050405020304" pitchFamily="18" charset="0"/>
+                    <a:cs typeface="Times" panose="02020603050405020304" pitchFamily="18" charset="0"/>
+                  </a:rPr>
+                  <a:t>routability</a:t>
+                </a:r>
+                <a:r>
+                  <a:rPr lang="en-US" altLang="zh-TW" sz="2000" dirty="0">
+                    <a:latin typeface="Times" panose="02020603050405020304" pitchFamily="18" charset="0"/>
+                    <a:cs typeface="Times" panose="02020603050405020304" pitchFamily="18" charset="0"/>
+                  </a:rPr>
+                  <a:t> optimizer &lt; </a:t>
+                </a:r>
+                <a:r>
+                  <a:rPr lang="en-US" altLang="zh-TW" sz="2000" b="0" i="0" u="none" strike="noStrike" baseline="0" dirty="0">
+                    <a:latin typeface="Times" panose="02020603050405020304" pitchFamily="18" charset="0"/>
+                    <a:cs typeface="Times" panose="02020603050405020304" pitchFamily="18" charset="0"/>
+                  </a:rPr>
+                  <a:t>maximum iteration </a:t>
+                </a:r>
+                <a14:m>
+                  <m:oMath xmlns:m="http://schemas.openxmlformats.org/officeDocument/2006/math">
+                    <m:r>
+                      <m:rPr>
+                        <m:sty m:val="p"/>
+                      </m:rPr>
+                      <a:rPr lang="en-US" altLang="zh-TW" sz="2000" i="1" smtClean="0">
+                        <a:latin typeface="Cambria Math" panose="02040503050406030204" pitchFamily="18" charset="0"/>
+                        <a:cs typeface="Times" panose="02020603050405020304" pitchFamily="18" charset="0"/>
+                      </a:rPr>
+                      <m:t>ξ</m:t>
+                    </m:r>
+                  </m:oMath>
+                </a14:m>
+                <a:r>
+                  <a:rPr lang="en-US" altLang="zh-TW" sz="1600" dirty="0">
+                    <a:latin typeface="Times" panose="02020603050405020304" pitchFamily="18" charset="0"/>
+                    <a:cs typeface="Times" panose="02020603050405020304" pitchFamily="18" charset="0"/>
+                  </a:rPr>
+                  <a:t>	</a:t>
+                </a:r>
+              </a:p>
+              <a:p>
+                <a:pPr>
+                  <a:lnSpc>
+                    <a:spcPct val="130000"/>
+                  </a:lnSpc>
+                </a:pPr>
+                <a:r>
+                  <a:rPr lang="en-US" altLang="zh-TW" sz="2200" dirty="0">
+                    <a:latin typeface="Times" panose="02020603050405020304" pitchFamily="18" charset="0"/>
+                    <a:cs typeface="Times" panose="02020603050405020304" pitchFamily="18" charset="0"/>
+                  </a:rPr>
+                  <a:t>Otherwise, the WL-driven placement engine will optimize both wirelength and density until it converges.</a:t>
+                </a:r>
+              </a:p>
+            </p:txBody>
+          </p:sp>
+        </mc:Choice>
+        <mc:Fallback>
+          <p:sp>
+            <p:nvSpPr>
+              <p:cNvPr id="3" name="內容版面配置區 2">
+                <a:extLst>
+                  <a:ext uri="{FF2B5EF4-FFF2-40B4-BE49-F238E27FC236}">
+                    <a16:creationId xmlns:a16="http://schemas.microsoft.com/office/drawing/2014/main" id="{CDD6591C-6706-1D9B-A7CF-BE488BA469CB}"/>
+                  </a:ext>
+                </a:extLst>
+              </p:cNvPr>
+              <p:cNvSpPr>
+                <a:spLocks noGrp="1" noRot="1" noChangeAspect="1" noMove="1" noResize="1" noEditPoints="1" noAdjustHandles="1" noChangeArrowheads="1" noChangeShapeType="1" noTextEdit="1"/>
+              </p:cNvSpPr>
+              <p:nvPr>
+                <p:ph idx="1"/>
+              </p:nvPr>
+            </p:nvSpPr>
+            <p:spPr>
+              <a:xfrm>
+                <a:off x="839645" y="1846585"/>
+                <a:ext cx="10512709" cy="4874890"/>
+              </a:xfrm>
+              <a:blipFill>
+                <a:blip r:embed="rId3"/>
+                <a:stretch>
+                  <a:fillRect l="-812" t="-2500"/>
+                </a:stretch>
+              </a:blipFill>
+            </p:spPr>
+            <p:txBody>
+              <a:bodyPr/>
+              <a:lstStyle/>
+              <a:p>
+                <a:r>
+                  <a:rPr lang="zh-TW" altLang="en-US">
+                    <a:noFill/>
+                  </a:rPr>
+                  <a:t> </a:t>
+                </a:r>
+              </a:p>
+            </p:txBody>
+          </p:sp>
+        </mc:Fallback>
+      </mc:AlternateContent>
+      <p:sp>
+        <p:nvSpPr>
+          <p:cNvPr id="4" name="投影片編號版面配置區 3">
+            <a:extLst>
+              <a:ext uri="{FF2B5EF4-FFF2-40B4-BE49-F238E27FC236}">
+                <a16:creationId xmlns:a16="http://schemas.microsoft.com/office/drawing/2014/main" id="{C4A4DCC3-BB49-91CF-D3FC-B1B0701D13DC}"/>
+              </a:ext>
+            </a:extLst>
+          </p:cNvPr>
+          <p:cNvSpPr>
+            <a:spLocks noGrp="1"/>
+          </p:cNvSpPr>
+          <p:nvPr>
+            <p:ph type="sldNum" sz="quarter" idx="12"/>
+          </p:nvPr>
+        </p:nvSpPr>
+        <p:spPr/>
+        <p:txBody>
+          <a:bodyPr/>
+          <a:lstStyle/>
+          <a:p>
+            <a:fld id="{666274A1-CF9C-426A-8DD4-B13ED0C24231}" type="slidenum">
+              <a:rPr lang="en-US" smtClean="0"/>
+              <a:t>25</a:t>
             </a:fld>
             <a:endParaRPr lang="en-US" dirty="0"/>
           </a:p>
@@ -20363,7 +22467,7 @@
     </p:spTree>
     <p:extLst>
       <p:ext uri="{BB962C8B-B14F-4D97-AF65-F5344CB8AC3E}">
-        <p14:creationId xmlns:p14="http://schemas.microsoft.com/office/powerpoint/2010/main" val="3339907986"/>
+        <p14:creationId xmlns:p14="http://schemas.microsoft.com/office/powerpoint/2010/main" val="265493472"/>
       </p:ext>
     </p:extLst>
   </p:cSld>
@@ -20373,7 +22477,605 @@
 </p:sld>
 </file>
 
-<file path=ppt/slides/slide25.xml><?xml version="1.0" encoding="utf-8"?>
+<file path=ppt/slides/slide27.xml><?xml version="1.0" encoding="utf-8"?>
+<p:sld xmlns:a="http://schemas.openxmlformats.org/drawingml/2006/main" xmlns:r="http://schemas.openxmlformats.org/officeDocument/2006/relationships" xmlns:p="http://schemas.openxmlformats.org/presentationml/2006/main">
+  <p:cSld>
+    <p:spTree>
+      <p:nvGrpSpPr>
+        <p:cNvPr id="1" name=""/>
+        <p:cNvGrpSpPr/>
+        <p:nvPr/>
+      </p:nvGrpSpPr>
+      <p:grpSpPr>
+        <a:xfrm>
+          <a:off x="0" y="0"/>
+          <a:ext cx="0" cy="0"/>
+          <a:chOff x="0" y="0"/>
+          <a:chExt cx="0" cy="0"/>
+        </a:xfrm>
+      </p:grpSpPr>
+      <p:sp>
+        <p:nvSpPr>
+          <p:cNvPr id="2" name="標題 1">
+            <a:extLst>
+              <a:ext uri="{FF2B5EF4-FFF2-40B4-BE49-F238E27FC236}">
+                <a16:creationId xmlns:a16="http://schemas.microsoft.com/office/drawing/2014/main" id="{AEDF6777-6236-46F8-93C4-053ACE59502E}"/>
+              </a:ext>
+            </a:extLst>
+          </p:cNvPr>
+          <p:cNvSpPr>
+            <a:spLocks noGrp="1"/>
+          </p:cNvSpPr>
+          <p:nvPr>
+            <p:ph type="title"/>
+          </p:nvPr>
+        </p:nvSpPr>
+        <p:spPr>
+          <a:xfrm>
+            <a:off x="434738" y="320675"/>
+            <a:ext cx="11757262" cy="1325563"/>
+          </a:xfrm>
+        </p:spPr>
+        <p:txBody>
+          <a:bodyPr>
+            <a:normAutofit/>
+          </a:bodyPr>
+          <a:lstStyle/>
+          <a:p>
+            <a:r>
+              <a:rPr lang="en-US" altLang="zh-TW" sz="4000" dirty="0">
+                <a:latin typeface="Times" panose="02020603050405020304" pitchFamily="18" charset="0"/>
+                <a:cs typeface="Times" panose="02020603050405020304" pitchFamily="18" charset="0"/>
+              </a:rPr>
+              <a:t>Cell Padding</a:t>
+            </a:r>
+          </a:p>
+        </p:txBody>
+      </p:sp>
+      <mc:AlternateContent xmlns:mc="http://schemas.openxmlformats.org/markup-compatibility/2006">
+        <mc:Choice xmlns:a14="http://schemas.microsoft.com/office/drawing/2010/main" Requires="a14">
+          <p:sp>
+            <p:nvSpPr>
+              <p:cNvPr id="3" name="內容版面配置區 2">
+                <a:extLst>
+                  <a:ext uri="{FF2B5EF4-FFF2-40B4-BE49-F238E27FC236}">
+                    <a16:creationId xmlns:a16="http://schemas.microsoft.com/office/drawing/2014/main" id="{CDD6591C-6706-1D9B-A7CF-BE488BA469CB}"/>
+                  </a:ext>
+                </a:extLst>
+              </p:cNvPr>
+              <p:cNvSpPr>
+                <a:spLocks noGrp="1"/>
+              </p:cNvSpPr>
+              <p:nvPr>
+                <p:ph idx="1"/>
+              </p:nvPr>
+            </p:nvSpPr>
+            <p:spPr>
+              <a:xfrm>
+                <a:off x="839645" y="1846585"/>
+                <a:ext cx="10512709" cy="4874890"/>
+              </a:xfrm>
+            </p:spPr>
+            <p:txBody>
+              <a:bodyPr>
+                <a:normAutofit/>
+              </a:bodyPr>
+              <a:lstStyle/>
+              <a:p>
+                <a:pPr marL="514350" indent="-514350">
+                  <a:buFont typeface="+mj-lt"/>
+                  <a:buAutoNum type="arabicPeriod" startAt="3"/>
+                </a:pPr>
+                <a:r>
+                  <a:rPr lang="en-US" altLang="zh-TW" sz="2400" dirty="0">
+                    <a:latin typeface="Times" panose="02020603050405020304" pitchFamily="18" charset="0"/>
+                    <a:cs typeface="Times" panose="02020603050405020304" pitchFamily="18" charset="0"/>
+                  </a:rPr>
+                  <a:t>Padding Recycling and Utilization Control</a:t>
+                </a:r>
+              </a:p>
+              <a:p>
+                <a:pPr marL="514350" indent="-514350">
+                  <a:buFont typeface="+mj-lt"/>
+                  <a:buAutoNum type="arabicPeriod" startAt="3"/>
+                </a:pPr>
+                <a:endParaRPr lang="en-US" altLang="zh-TW" sz="2000" dirty="0">
+                  <a:latin typeface="Times" panose="02020603050405020304" pitchFamily="18" charset="0"/>
+                  <a:cs typeface="Times" panose="02020603050405020304" pitchFamily="18" charset="0"/>
+                </a:endParaRPr>
+              </a:p>
+              <a:p>
+                <a:pPr>
+                  <a:lnSpc>
+                    <a:spcPct val="130000"/>
+                  </a:lnSpc>
+                </a:pPr>
+                <a:r>
+                  <a:rPr lang="en-US" altLang="zh-TW" sz="2200" dirty="0">
+                    <a:latin typeface="Times" panose="02020603050405020304" pitchFamily="18" charset="0"/>
+                    <a:cs typeface="Times" panose="02020603050405020304" pitchFamily="18" charset="0"/>
+                  </a:rPr>
+                  <a:t> Utilize incremental padding strategy which is based on the preceding result.</a:t>
+                </a:r>
+              </a:p>
+              <a:p>
+                <a:r>
+                  <a:rPr lang="en-US" altLang="zh-TW" sz="2000" dirty="0">
+                    <a:latin typeface="Times" panose="02020603050405020304" pitchFamily="18" charset="0"/>
+                    <a:cs typeface="Times" panose="02020603050405020304" pitchFamily="18" charset="0"/>
+                  </a:rPr>
+                  <a:t> </a:t>
+                </a:r>
+                <a:r>
+                  <a:rPr lang="en-US" altLang="zh-TW" sz="2200" dirty="0">
+                    <a:latin typeface="Times" panose="02020603050405020304" pitchFamily="18" charset="0"/>
+                    <a:cs typeface="Times" panose="02020603050405020304" pitchFamily="18" charset="0"/>
+                  </a:rPr>
+                  <a:t>Recycling rate:</a:t>
+                </a:r>
+              </a:p>
+              <a:p>
+                <a:endParaRPr lang="en-US" altLang="zh-TW" sz="2200" dirty="0">
+                  <a:latin typeface="Times" panose="02020603050405020304" pitchFamily="18" charset="0"/>
+                  <a:cs typeface="Times" panose="02020603050405020304" pitchFamily="18" charset="0"/>
+                </a:endParaRPr>
+              </a:p>
+              <a:p>
+                <a:endParaRPr lang="en-US" altLang="zh-TW" sz="2200" dirty="0">
+                  <a:latin typeface="Times" panose="02020603050405020304" pitchFamily="18" charset="0"/>
+                  <a:cs typeface="Times" panose="02020603050405020304" pitchFamily="18" charset="0"/>
+                </a:endParaRPr>
+              </a:p>
+              <a:p>
+                <a:endParaRPr lang="en-US" altLang="zh-TW" sz="2200" dirty="0">
+                  <a:latin typeface="Times" panose="02020603050405020304" pitchFamily="18" charset="0"/>
+                  <a:cs typeface="Times" panose="02020603050405020304" pitchFamily="18" charset="0"/>
+                </a:endParaRPr>
+              </a:p>
+              <a:p>
+                <a:pPr>
+                  <a:buFont typeface="Wingdings" panose="05000000000000000000" pitchFamily="2" charset="2"/>
+                  <a:buChar char="Ø"/>
+                </a:pPr>
+                <a:r>
+                  <a:rPr lang="en-US" altLang="zh-TW" sz="2200" dirty="0">
+                    <a:latin typeface="Times" panose="02020603050405020304" pitchFamily="18" charset="0"/>
+                    <a:cs typeface="Times" panose="02020603050405020304" pitchFamily="18" charset="0"/>
+                  </a:rPr>
+                  <a:t> </a:t>
+                </a:r>
+                <a14:m>
+                  <m:oMath xmlns:m="http://schemas.openxmlformats.org/officeDocument/2006/math">
+                    <m:sSub>
+                      <m:sSubPr>
+                        <m:ctrlPr>
+                          <a:rPr lang="en-US" altLang="zh-TW" sz="2000" i="1" smtClean="0">
+                            <a:latin typeface="Cambria Math" panose="02040503050406030204" pitchFamily="18" charset="0"/>
+                            <a:cs typeface="Times" panose="02020603050405020304" pitchFamily="18" charset="0"/>
+                          </a:rPr>
+                        </m:ctrlPr>
+                      </m:sSubPr>
+                      <m:e>
+                        <m:r>
+                          <a:rPr lang="zh-TW" altLang="en-US" sz="2000" i="1" smtClean="0">
+                            <a:latin typeface="Cambria Math" panose="02040503050406030204" pitchFamily="18" charset="0"/>
+                            <a:cs typeface="Times" panose="02020603050405020304" pitchFamily="18" charset="0"/>
+                          </a:rPr>
+                          <m:t>𝛾</m:t>
+                        </m:r>
+                      </m:e>
+                      <m:sub>
+                        <m:r>
+                          <a:rPr lang="en-US" altLang="zh-TW" sz="2000" b="0" i="1" smtClean="0">
+                            <a:latin typeface="Cambria Math" panose="02040503050406030204" pitchFamily="18" charset="0"/>
+                            <a:cs typeface="Times" panose="02020603050405020304" pitchFamily="18" charset="0"/>
+                          </a:rPr>
+                          <m:t>𝑖</m:t>
+                        </m:r>
+                      </m:sub>
+                    </m:sSub>
+                    <m:r>
+                      <a:rPr lang="en-US" altLang="zh-TW" sz="2000" b="0" i="1" smtClean="0">
+                        <a:latin typeface="Cambria Math" panose="02040503050406030204" pitchFamily="18" charset="0"/>
+                        <a:cs typeface="Times" panose="02020603050405020304" pitchFamily="18" charset="0"/>
+                      </a:rPr>
+                      <m:t> </m:t>
+                    </m:r>
+                    <m:r>
+                      <a:rPr lang="en-US" altLang="zh-TW" sz="2000" b="0" i="0" smtClean="0">
+                        <a:latin typeface="Cambria Math" panose="02040503050406030204" pitchFamily="18" charset="0"/>
+                        <a:cs typeface="Times" panose="02020603050405020304" pitchFamily="18" charset="0"/>
+                      </a:rPr>
+                      <m:t>:  </m:t>
+                    </m:r>
+                    <m:r>
+                      <m:rPr>
+                        <m:sty m:val="p"/>
+                      </m:rPr>
+                      <a:rPr lang="en-US" altLang="zh-TW" sz="2000" b="0" i="0" smtClean="0">
+                        <a:latin typeface="Cambria Math" panose="02040503050406030204" pitchFamily="18" charset="0"/>
+                        <a:cs typeface="Times" panose="02020603050405020304" pitchFamily="18" charset="0"/>
+                      </a:rPr>
+                      <m:t>recycle</m:t>
+                    </m:r>
+                    <m:r>
+                      <a:rPr lang="en-US" altLang="zh-TW" sz="2000" b="0" i="0" smtClean="0">
+                        <a:latin typeface="Cambria Math" panose="02040503050406030204" pitchFamily="18" charset="0"/>
+                        <a:cs typeface="Times" panose="02020603050405020304" pitchFamily="18" charset="0"/>
+                      </a:rPr>
+                      <m:t> </m:t>
+                    </m:r>
+                    <m:r>
+                      <m:rPr>
+                        <m:sty m:val="p"/>
+                      </m:rPr>
+                      <a:rPr lang="en-US" altLang="zh-TW" sz="2000" b="0" i="0" smtClean="0">
+                        <a:latin typeface="Cambria Math" panose="02040503050406030204" pitchFamily="18" charset="0"/>
+                        <a:cs typeface="Times" panose="02020603050405020304" pitchFamily="18" charset="0"/>
+                      </a:rPr>
+                      <m:t>rate</m:t>
+                    </m:r>
+                    <m:r>
+                      <a:rPr lang="en-US" altLang="zh-TW" sz="2000" b="0" i="0" smtClean="0">
+                        <a:latin typeface="Cambria Math" panose="02040503050406030204" pitchFamily="18" charset="0"/>
+                        <a:cs typeface="Times" panose="02020603050405020304" pitchFamily="18" charset="0"/>
+                      </a:rPr>
+                      <m:t> </m:t>
+                    </m:r>
+                    <m:r>
+                      <m:rPr>
+                        <m:sty m:val="p"/>
+                      </m:rPr>
+                      <a:rPr lang="en-US" altLang="zh-TW" sz="2000" b="0" i="0" smtClean="0">
+                        <a:latin typeface="Cambria Math" panose="02040503050406030204" pitchFamily="18" charset="0"/>
+                        <a:cs typeface="Times" panose="02020603050405020304" pitchFamily="18" charset="0"/>
+                      </a:rPr>
+                      <m:t>of</m:t>
+                    </m:r>
+                    <m:r>
+                      <a:rPr lang="en-US" altLang="zh-TW" sz="2000" b="0" i="0" smtClean="0">
+                        <a:latin typeface="Cambria Math" panose="02040503050406030204" pitchFamily="18" charset="0"/>
+                        <a:cs typeface="Times" panose="02020603050405020304" pitchFamily="18" charset="0"/>
+                      </a:rPr>
+                      <m:t> </m:t>
+                    </m:r>
+                    <m:r>
+                      <m:rPr>
+                        <m:sty m:val="p"/>
+                      </m:rPr>
+                      <a:rPr lang="en-US" altLang="zh-TW" sz="2000" b="0" i="0" smtClean="0">
+                        <a:latin typeface="Cambria Math" panose="02040503050406030204" pitchFamily="18" charset="0"/>
+                        <a:cs typeface="Times" panose="02020603050405020304" pitchFamily="18" charset="0"/>
+                      </a:rPr>
+                      <m:t>cell</m:t>
+                    </m:r>
+                    <m:r>
+                      <a:rPr lang="en-US" altLang="zh-TW" sz="2000" b="0" i="0" smtClean="0">
+                        <a:latin typeface="Cambria Math" panose="02040503050406030204" pitchFamily="18" charset="0"/>
+                        <a:cs typeface="Times" panose="02020603050405020304" pitchFamily="18" charset="0"/>
+                      </a:rPr>
+                      <m:t> </m:t>
+                    </m:r>
+                    <m:r>
+                      <m:rPr>
+                        <m:sty m:val="p"/>
+                      </m:rPr>
+                      <a:rPr lang="en-US" altLang="zh-TW" sz="2000" b="0" i="0" smtClean="0">
+                        <a:latin typeface="Cambria Math" panose="02040503050406030204" pitchFamily="18" charset="0"/>
+                        <a:cs typeface="Times" panose="02020603050405020304" pitchFamily="18" charset="0"/>
+                      </a:rPr>
+                      <m:t>c</m:t>
+                    </m:r>
+                    <m:r>
+                      <a:rPr lang="en-US" altLang="zh-TW" sz="2000" b="0" i="0" smtClean="0">
+                        <a:latin typeface="Cambria Math" panose="02040503050406030204" pitchFamily="18" charset="0"/>
+                        <a:cs typeface="Times" panose="02020603050405020304" pitchFamily="18" charset="0"/>
+                      </a:rPr>
+                      <m:t> </m:t>
+                    </m:r>
+                    <m:r>
+                      <m:rPr>
+                        <m:sty m:val="p"/>
+                      </m:rPr>
+                      <a:rPr lang="en-US" altLang="zh-TW" sz="2000" b="0" i="0" smtClean="0">
+                        <a:latin typeface="Cambria Math" panose="02040503050406030204" pitchFamily="18" charset="0"/>
+                        <a:cs typeface="Times" panose="02020603050405020304" pitchFamily="18" charset="0"/>
+                      </a:rPr>
+                      <m:t>in</m:t>
+                    </m:r>
+                    <m:r>
+                      <a:rPr lang="en-US" altLang="zh-TW" sz="2000" b="0" i="0" smtClean="0">
+                        <a:latin typeface="Cambria Math" panose="02040503050406030204" pitchFamily="18" charset="0"/>
+                        <a:cs typeface="Times" panose="02020603050405020304" pitchFamily="18" charset="0"/>
+                      </a:rPr>
+                      <m:t> </m:t>
+                    </m:r>
+                    <m:r>
+                      <a:rPr lang="en-US" altLang="zh-TW" sz="2000" b="0" i="1" smtClean="0">
+                        <a:latin typeface="Cambria Math" panose="02040503050406030204" pitchFamily="18" charset="0"/>
+                        <a:cs typeface="Times" panose="02020603050405020304" pitchFamily="18" charset="0"/>
+                      </a:rPr>
+                      <m:t>𝑖</m:t>
+                    </m:r>
+                    <m:r>
+                      <m:rPr>
+                        <m:sty m:val="p"/>
+                      </m:rPr>
+                      <a:rPr lang="en-US" altLang="zh-TW" sz="2000" b="0" i="0" smtClean="0">
+                        <a:latin typeface="Cambria Math" panose="02040503050406030204" pitchFamily="18" charset="0"/>
+                        <a:cs typeface="Times" panose="02020603050405020304" pitchFamily="18" charset="0"/>
+                      </a:rPr>
+                      <m:t>th</m:t>
+                    </m:r>
+                    <m:r>
+                      <a:rPr lang="en-US" altLang="zh-TW" sz="2000" b="0" i="0" smtClean="0">
+                        <a:latin typeface="Cambria Math" panose="02040503050406030204" pitchFamily="18" charset="0"/>
+                        <a:cs typeface="Times" panose="02020603050405020304" pitchFamily="18" charset="0"/>
+                      </a:rPr>
+                      <m:t> </m:t>
+                    </m:r>
+                    <m:r>
+                      <m:rPr>
+                        <m:sty m:val="p"/>
+                      </m:rPr>
+                      <a:rPr lang="en-US" altLang="zh-TW" sz="2000" b="0" i="0" smtClean="0">
+                        <a:latin typeface="Cambria Math" panose="02040503050406030204" pitchFamily="18" charset="0"/>
+                        <a:cs typeface="Times" panose="02020603050405020304" pitchFamily="18" charset="0"/>
+                      </a:rPr>
+                      <m:t>ireration</m:t>
+                    </m:r>
+                  </m:oMath>
+                </a14:m>
+                <a:endParaRPr lang="en-US" altLang="zh-TW" sz="2000" dirty="0">
+                  <a:latin typeface="Times" panose="02020603050405020304" pitchFamily="18" charset="0"/>
+                  <a:cs typeface="Times" panose="02020603050405020304" pitchFamily="18" charset="0"/>
+                </a:endParaRPr>
+              </a:p>
+              <a:p>
+                <a:pPr>
+                  <a:buFont typeface="Wingdings" panose="05000000000000000000" pitchFamily="2" charset="2"/>
+                  <a:buChar char="Ø"/>
+                </a:pPr>
+                <a14:m>
+                  <m:oMath xmlns:m="http://schemas.openxmlformats.org/officeDocument/2006/math">
+                    <m:r>
+                      <a:rPr lang="en-US" altLang="zh-TW" sz="2000" b="0" i="1" smtClean="0">
+                        <a:latin typeface="Cambria Math" panose="02040503050406030204" pitchFamily="18" charset="0"/>
+                        <a:cs typeface="Times" panose="02020603050405020304" pitchFamily="18" charset="0"/>
+                      </a:rPr>
+                      <m:t> </m:t>
+                    </m:r>
+                    <m:r>
+                      <a:rPr lang="en-US" altLang="zh-TW" sz="2000" b="0" i="1" smtClean="0">
+                        <a:latin typeface="Cambria Math" panose="02040503050406030204" pitchFamily="18" charset="0"/>
+                        <a:cs typeface="Times" panose="02020603050405020304" pitchFamily="18" charset="0"/>
+                      </a:rPr>
+                      <m:t>𝑝𝑡</m:t>
+                    </m:r>
+                    <m:r>
+                      <a:rPr lang="en-US" altLang="zh-TW" sz="2000" b="0" i="1" smtClean="0">
+                        <a:latin typeface="Cambria Math" panose="02040503050406030204" pitchFamily="18" charset="0"/>
+                        <a:cs typeface="Times" panose="02020603050405020304" pitchFamily="18" charset="0"/>
+                      </a:rPr>
+                      <m:t>(</m:t>
+                    </m:r>
+                    <m:r>
+                      <a:rPr lang="en-US" altLang="zh-TW" sz="2000" b="0" i="1" smtClean="0">
+                        <a:latin typeface="Cambria Math" panose="02040503050406030204" pitchFamily="18" charset="0"/>
+                        <a:cs typeface="Times" panose="02020603050405020304" pitchFamily="18" charset="0"/>
+                      </a:rPr>
+                      <m:t>𝑐</m:t>
+                    </m:r>
+                    <m:r>
+                      <a:rPr lang="en-US" altLang="zh-TW" sz="2000" b="0" i="1" smtClean="0">
+                        <a:latin typeface="Cambria Math" panose="02040503050406030204" pitchFamily="18" charset="0"/>
+                        <a:cs typeface="Times" panose="02020603050405020304" pitchFamily="18" charset="0"/>
+                      </a:rPr>
+                      <m:t>)</m:t>
+                    </m:r>
+                  </m:oMath>
+                </a14:m>
+                <a:r>
+                  <a:rPr lang="en-US" altLang="zh-TW" sz="2000" dirty="0">
+                    <a:latin typeface="Times" panose="02020603050405020304" pitchFamily="18" charset="0"/>
+                    <a:cs typeface="Times" panose="02020603050405020304" pitchFamily="18" charset="0"/>
+                  </a:rPr>
+                  <a:t> : number of times cell </a:t>
+                </a:r>
+                <a14:m>
+                  <m:oMath xmlns:m="http://schemas.openxmlformats.org/officeDocument/2006/math">
+                    <m:r>
+                      <a:rPr lang="en-US" altLang="zh-TW" sz="2000" b="0" i="1" smtClean="0">
+                        <a:latin typeface="Cambria Math" panose="02040503050406030204" pitchFamily="18" charset="0"/>
+                        <a:cs typeface="Times" panose="02020603050405020304" pitchFamily="18" charset="0"/>
+                      </a:rPr>
+                      <m:t>𝑐</m:t>
+                    </m:r>
+                  </m:oMath>
+                </a14:m>
+                <a:r>
+                  <a:rPr lang="en-US" altLang="zh-TW" sz="2000" dirty="0">
+                    <a:latin typeface="Times" panose="02020603050405020304" pitchFamily="18" charset="0"/>
+                    <a:cs typeface="Times" panose="02020603050405020304" pitchFamily="18" charset="0"/>
+                  </a:rPr>
+                  <a:t> has been padding</a:t>
+                </a:r>
+              </a:p>
+              <a:p>
+                <a:pPr>
+                  <a:buFont typeface="Wingdings" panose="05000000000000000000" pitchFamily="2" charset="2"/>
+                  <a:buChar char="Ø"/>
+                </a:pPr>
+                <a:r>
+                  <a:rPr lang="en-US" altLang="zh-TW" sz="2000" dirty="0">
+                    <a:latin typeface="Times" panose="02020603050405020304" pitchFamily="18" charset="0"/>
+                    <a:cs typeface="Times" panose="02020603050405020304" pitchFamily="18" charset="0"/>
+                  </a:rPr>
+                  <a:t> </a:t>
+                </a:r>
+                <a14:m>
+                  <m:oMath xmlns:m="http://schemas.openxmlformats.org/officeDocument/2006/math">
+                    <m:r>
+                      <m:rPr>
+                        <m:sty m:val="p"/>
+                      </m:rPr>
+                      <a:rPr lang="en-US" altLang="zh-TW" sz="2000" i="1" dirty="0" smtClean="0">
+                        <a:latin typeface="Cambria Math" panose="02040503050406030204" pitchFamily="18" charset="0"/>
+                        <a:cs typeface="Times" panose="02020603050405020304" pitchFamily="18" charset="0"/>
+                      </a:rPr>
+                      <m:t>ξ</m:t>
+                    </m:r>
+                  </m:oMath>
+                </a14:m>
+                <a:r>
+                  <a:rPr lang="zh-TW" altLang="en-US" sz="2000" dirty="0">
+                    <a:latin typeface="Times" panose="02020603050405020304" pitchFamily="18" charset="0"/>
+                    <a:cs typeface="Times" panose="02020603050405020304" pitchFamily="18" charset="0"/>
+                  </a:rPr>
+                  <a:t> </a:t>
+                </a:r>
+                <a:r>
+                  <a:rPr lang="en-US" altLang="zh-TW" sz="2000" dirty="0">
+                    <a:latin typeface="Times" panose="02020603050405020304" pitchFamily="18" charset="0"/>
+                    <a:cs typeface="Times" panose="02020603050405020304" pitchFamily="18" charset="0"/>
+                  </a:rPr>
+                  <a:t>:</a:t>
+                </a:r>
+                <a:r>
+                  <a:rPr lang="zh-TW" altLang="en-US" sz="2000" dirty="0">
+                    <a:latin typeface="Times" panose="02020603050405020304" pitchFamily="18" charset="0"/>
+                    <a:cs typeface="Times" panose="02020603050405020304" pitchFamily="18" charset="0"/>
+                  </a:rPr>
+                  <a:t> </a:t>
+                </a:r>
+                <a:r>
+                  <a:rPr lang="en-US" altLang="zh-TW" sz="2000" dirty="0">
+                    <a:latin typeface="Times" panose="02020603050405020304" pitchFamily="18" charset="0"/>
+                    <a:cs typeface="Times" panose="02020603050405020304" pitchFamily="18" charset="0"/>
+                  </a:rPr>
+                  <a:t>strategy parameter determining the recycling rate</a:t>
+                </a:r>
+              </a:p>
+            </p:txBody>
+          </p:sp>
+        </mc:Choice>
+        <mc:Fallback>
+          <p:sp>
+            <p:nvSpPr>
+              <p:cNvPr id="3" name="內容版面配置區 2">
+                <a:extLst>
+                  <a:ext uri="{FF2B5EF4-FFF2-40B4-BE49-F238E27FC236}">
+                    <a16:creationId xmlns:a16="http://schemas.microsoft.com/office/drawing/2014/main" id="{CDD6591C-6706-1D9B-A7CF-BE488BA469CB}"/>
+                  </a:ext>
+                </a:extLst>
+              </p:cNvPr>
+              <p:cNvSpPr>
+                <a:spLocks noGrp="1" noRot="1" noChangeAspect="1" noMove="1" noResize="1" noEditPoints="1" noAdjustHandles="1" noChangeArrowheads="1" noChangeShapeType="1" noTextEdit="1"/>
+              </p:cNvSpPr>
+              <p:nvPr>
+                <p:ph idx="1"/>
+              </p:nvPr>
+            </p:nvSpPr>
+            <p:spPr>
+              <a:xfrm>
+                <a:off x="839645" y="1846585"/>
+                <a:ext cx="10512709" cy="4874890"/>
+              </a:xfrm>
+              <a:blipFill>
+                <a:blip r:embed="rId3"/>
+                <a:stretch>
+                  <a:fillRect l="-812" t="-1750"/>
+                </a:stretch>
+              </a:blipFill>
+            </p:spPr>
+            <p:txBody>
+              <a:bodyPr/>
+              <a:lstStyle/>
+              <a:p>
+                <a:r>
+                  <a:rPr lang="zh-TW" altLang="en-US">
+                    <a:noFill/>
+                  </a:rPr>
+                  <a:t> </a:t>
+                </a:r>
+              </a:p>
+            </p:txBody>
+          </p:sp>
+        </mc:Fallback>
+      </mc:AlternateContent>
+      <p:sp>
+        <p:nvSpPr>
+          <p:cNvPr id="4" name="投影片編號版面配置區 3">
+            <a:extLst>
+              <a:ext uri="{FF2B5EF4-FFF2-40B4-BE49-F238E27FC236}">
+                <a16:creationId xmlns:a16="http://schemas.microsoft.com/office/drawing/2014/main" id="{C4A4DCC3-BB49-91CF-D3FC-B1B0701D13DC}"/>
+              </a:ext>
+            </a:extLst>
+          </p:cNvPr>
+          <p:cNvSpPr>
+            <a:spLocks noGrp="1"/>
+          </p:cNvSpPr>
+          <p:nvPr>
+            <p:ph type="sldNum" sz="quarter" idx="12"/>
+          </p:nvPr>
+        </p:nvSpPr>
+        <p:spPr/>
+        <p:txBody>
+          <a:bodyPr/>
+          <a:lstStyle/>
+          <a:p>
+            <a:fld id="{666274A1-CF9C-426A-8DD4-B13ED0C24231}" type="slidenum">
+              <a:rPr lang="en-US" smtClean="0"/>
+              <a:t>26</a:t>
+            </a:fld>
+            <a:endParaRPr lang="en-US" dirty="0"/>
+          </a:p>
+        </p:txBody>
+      </p:sp>
+      <p:pic>
+        <p:nvPicPr>
+          <p:cNvPr id="8" name="圖片 7">
+            <a:extLst>
+              <a:ext uri="{FF2B5EF4-FFF2-40B4-BE49-F238E27FC236}">
+                <a16:creationId xmlns:a16="http://schemas.microsoft.com/office/drawing/2014/main" id="{D83D1B73-4EDB-8493-566E-6E961846C523}"/>
+              </a:ext>
+            </a:extLst>
+          </p:cNvPr>
+          <p:cNvPicPr>
+            <a:picLocks noChangeAspect="1"/>
+          </p:cNvPicPr>
+          <p:nvPr/>
+        </p:nvPicPr>
+        <p:blipFill>
+          <a:blip r:embed="rId4"/>
+          <a:stretch>
+            <a:fillRect/>
+          </a:stretch>
+        </p:blipFill>
+        <p:spPr>
+          <a:xfrm>
+            <a:off x="4970361" y="3802237"/>
+            <a:ext cx="2251275" cy="789015"/>
+          </a:xfrm>
+          <a:prstGeom prst="rect">
+            <a:avLst/>
+          </a:prstGeom>
+        </p:spPr>
+      </p:pic>
+    </p:spTree>
+    <p:extLst>
+      <p:ext uri="{BB962C8B-B14F-4D97-AF65-F5344CB8AC3E}">
+        <p14:creationId xmlns:p14="http://schemas.microsoft.com/office/powerpoint/2010/main" val="1457493368"/>
+      </p:ext>
+    </p:extLst>
+  </p:cSld>
+  <p:clrMapOvr>
+    <a:masterClrMapping/>
+  </p:clrMapOvr>
+</p:sld>
+</file>
+
+<file path=ppt/slides/slide28.xml><?xml version="1.0" encoding="utf-8"?>
 <p:sld xmlns:a="http://schemas.openxmlformats.org/drawingml/2006/main" xmlns:r="http://schemas.openxmlformats.org/officeDocument/2006/relationships" xmlns:p="http://schemas.openxmlformats.org/presentationml/2006/main">
   <p:cSld>
     <p:spTree>
@@ -20413,7 +23115,7 @@
           <a:p>
             <a:fld id="{666274A1-CF9C-426A-8DD4-B13ED0C24231}" type="slidenum">
               <a:rPr lang="en-US" smtClean="0"/>
-              <a:t>24</a:t>
+              <a:t>27</a:t>
             </a:fld>
             <a:endParaRPr lang="en-US"/>
           </a:p>
@@ -21836,8 +24538,8 @@
           </a:p>
         </p:txBody>
       </p:sp>
-      <mc:AlternateContent xmlns:mc="http://schemas.openxmlformats.org/markup-compatibility/2006">
-        <mc:Choice xmlns:a14="http://schemas.microsoft.com/office/drawing/2010/main" Requires="a14">
+      <mc:AlternateContent xmlns:mc="http://schemas.openxmlformats.org/markup-compatibility/2006" xmlns:a14="http://schemas.microsoft.com/office/drawing/2010/main">
+        <mc:Choice Requires="a14">
           <p:sp>
             <p:nvSpPr>
               <p:cNvPr id="3" name="內容版面配置區 2">
@@ -22515,7 +25217,7 @@
             </p:txBody>
           </p:sp>
         </mc:Choice>
-        <mc:Fallback>
+        <mc:Fallback xmlns="">
           <p:sp>
             <p:nvSpPr>
               <p:cNvPr id="3" name="內容版面配置區 2">

--- a/GM/Placement/PUFFER A Routability-Driven Placement Framework via Cell Padding/PUFFER A Routability-Driven Placement Framework via Cell Padding.pptx
+++ b/GM/Placement/PUFFER A Routability-Driven Placement Framework via Cell Padding/PUFFER A Routability-Driven Placement Framework via Cell Padding.pptx
@@ -14821,8 +14821,8 @@
           </a:p>
         </p:txBody>
       </p:sp>
-      <mc:AlternateContent xmlns:mc="http://schemas.openxmlformats.org/markup-compatibility/2006">
-        <mc:Choice xmlns:a14="http://schemas.microsoft.com/office/drawing/2010/main" Requires="a14">
+      <mc:AlternateContent xmlns:mc="http://schemas.openxmlformats.org/markup-compatibility/2006" xmlns:a14="http://schemas.microsoft.com/office/drawing/2010/main">
+        <mc:Choice Requires="a14">
           <p:sp>
             <p:nvSpPr>
               <p:cNvPr id="3" name="內容版面配置區 2">
@@ -15223,7 +15223,7 @@
             </p:txBody>
           </p:sp>
         </mc:Choice>
-        <mc:Fallback>
+        <mc:Fallback xmlns="">
           <p:sp>
             <p:nvSpPr>
               <p:cNvPr id="3" name="內容版面配置區 2">
@@ -15730,8 +15730,8 @@
           </a:p>
         </p:txBody>
       </p:sp>
-      <mc:AlternateContent xmlns:mc="http://schemas.openxmlformats.org/markup-compatibility/2006">
-        <mc:Choice xmlns:a14="http://schemas.microsoft.com/office/drawing/2010/main" Requires="a14">
+      <mc:AlternateContent xmlns:mc="http://schemas.openxmlformats.org/markup-compatibility/2006" xmlns:a14="http://schemas.microsoft.com/office/drawing/2010/main">
+        <mc:Choice Requires="a14">
           <p:sp>
             <p:nvSpPr>
               <p:cNvPr id="3" name="內容版面配置區 2">
@@ -16845,7 +16845,7 @@
             </p:txBody>
           </p:sp>
         </mc:Choice>
-        <mc:Fallback>
+        <mc:Fallback xmlns="">
           <p:sp>
             <p:nvSpPr>
               <p:cNvPr id="3" name="內容版面配置區 2">
@@ -17188,8 +17188,8 @@
           </a:p>
         </p:txBody>
       </p:sp>
-      <mc:AlternateContent xmlns:mc="http://schemas.openxmlformats.org/markup-compatibility/2006">
-        <mc:Choice xmlns:a14="http://schemas.microsoft.com/office/drawing/2010/main" Requires="a14">
+      <mc:AlternateContent xmlns:mc="http://schemas.openxmlformats.org/markup-compatibility/2006" xmlns:a14="http://schemas.microsoft.com/office/drawing/2010/main">
+        <mc:Choice Requires="a14">
           <p:sp>
             <p:nvSpPr>
               <p:cNvPr id="3" name="內容版面配置區 2">
@@ -17488,7 +17488,7 @@
             </p:txBody>
           </p:sp>
         </mc:Choice>
-        <mc:Fallback>
+        <mc:Fallback xmlns="">
           <p:sp>
             <p:nvSpPr>
               <p:cNvPr id="3" name="內容版面配置區 2">
@@ -20491,8 +20491,8 @@
           </a:p>
         </p:txBody>
       </p:sp>
-      <mc:AlternateContent xmlns:mc="http://schemas.openxmlformats.org/markup-compatibility/2006">
-        <mc:Choice xmlns:a14="http://schemas.microsoft.com/office/drawing/2010/main" Requires="a14">
+      <mc:AlternateContent xmlns:mc="http://schemas.openxmlformats.org/markup-compatibility/2006" xmlns:a14="http://schemas.microsoft.com/office/drawing/2010/main">
+        <mc:Choice Requires="a14">
           <p:sp>
             <p:nvSpPr>
               <p:cNvPr id="3" name="內容版面配置區 2">
@@ -20962,7 +20962,7 @@
             </p:txBody>
           </p:sp>
         </mc:Choice>
-        <mc:Fallback>
+        <mc:Fallback xmlns="">
           <p:sp>
             <p:nvSpPr>
               <p:cNvPr id="3" name="內容版面配置區 2">
@@ -21133,8 +21133,8 @@
           </a:p>
         </p:txBody>
       </p:sp>
-      <mc:AlternateContent xmlns:mc="http://schemas.openxmlformats.org/markup-compatibility/2006">
-        <mc:Choice xmlns:a14="http://schemas.microsoft.com/office/drawing/2010/main" Requires="a14">
+      <mc:AlternateContent xmlns:mc="http://schemas.openxmlformats.org/markup-compatibility/2006" xmlns:a14="http://schemas.microsoft.com/office/drawing/2010/main">
+        <mc:Choice Requires="a14">
           <p:sp>
             <p:nvSpPr>
               <p:cNvPr id="3" name="內容版面配置區 2">
@@ -21441,7 +21441,7 @@
             </p:txBody>
           </p:sp>
         </mc:Choice>
-        <mc:Fallback>
+        <mc:Fallback xmlns="">
           <p:sp>
             <p:nvSpPr>
               <p:cNvPr id="3" name="內容版面配置區 2">
@@ -21894,8 +21894,8 @@
           </a:p>
         </p:txBody>
       </p:sp>
-      <mc:AlternateContent xmlns:mc="http://schemas.openxmlformats.org/markup-compatibility/2006">
-        <mc:Choice xmlns:a14="http://schemas.microsoft.com/office/drawing/2010/main" Requires="a14">
+      <mc:AlternateContent xmlns:mc="http://schemas.openxmlformats.org/markup-compatibility/2006" xmlns:a14="http://schemas.microsoft.com/office/drawing/2010/main">
+        <mc:Choice Requires="a14">
           <p:sp>
             <p:nvSpPr>
               <p:cNvPr id="3" name="內容版面配置區 2">
@@ -22391,7 +22391,7 @@
             </p:txBody>
           </p:sp>
         </mc:Choice>
-        <mc:Fallback>
+        <mc:Fallback xmlns="">
           <p:sp>
             <p:nvSpPr>
               <p:cNvPr id="3" name="內容版面配置區 2">
@@ -22532,8 +22532,8 @@
           </a:p>
         </p:txBody>
       </p:sp>
-      <mc:AlternateContent xmlns:mc="http://schemas.openxmlformats.org/markup-compatibility/2006">
-        <mc:Choice xmlns:a14="http://schemas.microsoft.com/office/drawing/2010/main" Requires="a14">
+      <mc:AlternateContent xmlns:mc="http://schemas.openxmlformats.org/markup-compatibility/2006" xmlns:a14="http://schemas.microsoft.com/office/drawing/2010/main">
+        <mc:Choice Requires="a14">
           <p:sp>
             <p:nvSpPr>
               <p:cNvPr id="3" name="內容版面配置區 2">
@@ -22959,7 +22959,7 @@
             </p:txBody>
           </p:sp>
         </mc:Choice>
-        <mc:Fallback>
+        <mc:Fallback xmlns="">
           <p:sp>
             <p:nvSpPr>
               <p:cNvPr id="3" name="內容版面配置區 2">

--- a/GM/Placement/PUFFER A Routability-Driven Placement Framework via Cell Padding/PUFFER A Routability-Driven Placement Framework via Cell Padding.pptx
+++ b/GM/Placement/PUFFER A Routability-Driven Placement Framework via Cell Padding/PUFFER A Routability-Driven Placement Framework via Cell Padding.pptx
@@ -5,7 +5,7 @@
     <p:sldMasterId id="2147483648" r:id="rId1"/>
   </p:sldMasterIdLst>
   <p:notesMasterIdLst>
-    <p:notesMasterId r:id="rId30"/>
+    <p:notesMasterId r:id="rId33"/>
   </p:notesMasterIdLst>
   <p:sldIdLst>
     <p:sldId id="256" r:id="rId2"/>
@@ -31,11 +31,14 @@
     <p:sldId id="313" r:id="rId22"/>
     <p:sldId id="315" r:id="rId23"/>
     <p:sldId id="316" r:id="rId24"/>
-    <p:sldId id="322" r:id="rId25"/>
-    <p:sldId id="323" r:id="rId26"/>
-    <p:sldId id="324" r:id="rId27"/>
-    <p:sldId id="317" r:id="rId28"/>
-    <p:sldId id="298" r:id="rId29"/>
+    <p:sldId id="317" r:id="rId25"/>
+    <p:sldId id="322" r:id="rId26"/>
+    <p:sldId id="323" r:id="rId27"/>
+    <p:sldId id="324" r:id="rId28"/>
+    <p:sldId id="325" r:id="rId29"/>
+    <p:sldId id="327" r:id="rId30"/>
+    <p:sldId id="326" r:id="rId31"/>
+    <p:sldId id="298" r:id="rId32"/>
   </p:sldIdLst>
   <p:sldSz cx="12192000" cy="6858000"/>
   <p:notesSz cx="6858000" cy="9144000"/>
@@ -1480,7 +1483,7 @@
           <a:p>
             <a:fld id="{C9ED61FB-B9B0-4D85-A72E-A614C28ECC4E}" type="datetimeFigureOut">
               <a:rPr lang="en-US" smtClean="0"/>
-              <a:t>10/22/2023</a:t>
+              <a:t>10/23/2023</a:t>
             </a:fld>
             <a:endParaRPr lang="en-US"/>
           </a:p>
@@ -3867,30 +3870,9 @@
               <a:buFont typeface="Arial" panose="020B0604020202020204" pitchFamily="34" charset="0"/>
               <a:buChar char="•"/>
             </a:pPr>
-            <a:r>
-              <a:rPr lang="zh-TW" altLang="en-US" sz="1800" b="0" i="0" u="none" strike="noStrike" baseline="0" dirty="0">
-                <a:latin typeface="CMMI9"/>
-              </a:rPr>
-              <a:t>因為這樣可以避免一些可能會增加</a:t>
-            </a:r>
-            <a:r>
-              <a:rPr lang="en-US" altLang="zh-TW" sz="1800" b="0" i="0" u="none" strike="noStrike" baseline="0" dirty="0">
-                <a:latin typeface="CMMI9"/>
-              </a:rPr>
-              <a:t>wirelength</a:t>
-            </a:r>
-            <a:r>
-              <a:rPr lang="zh-TW" altLang="en-US" sz="1800" b="0" i="0" u="none" strike="noStrike" baseline="0" dirty="0">
-                <a:latin typeface="CMMI9"/>
-              </a:rPr>
-              <a:t>的</a:t>
-            </a:r>
-            <a:r>
-              <a:rPr lang="en-US" altLang="zh-TW" sz="1800" b="0" i="0" u="none" strike="noStrike" baseline="0" dirty="0">
-                <a:latin typeface="CMMI9"/>
-              </a:rPr>
-              <a:t>padding</a:t>
-            </a:r>
+            <a:endParaRPr lang="en-US" altLang="zh-TW" sz="1800" b="0" i="0" u="none" strike="noStrike" baseline="0" dirty="0">
+              <a:latin typeface="CMMI9"/>
+            </a:endParaRPr>
           </a:p>
         </p:txBody>
       </p:sp>
@@ -3920,7 +3902,7 @@
     </p:spTree>
     <p:extLst>
       <p:ext uri="{BB962C8B-B14F-4D97-AF65-F5344CB8AC3E}">
-        <p14:creationId xmlns:p14="http://schemas.microsoft.com/office/powerpoint/2010/main" val="2262985869"/>
+        <p14:creationId xmlns:p14="http://schemas.microsoft.com/office/powerpoint/2010/main" val="2713146015"/>
       </p:ext>
     </p:extLst>
   </p:cSld>
@@ -4127,279 +4109,6 @@
               <a:t>padding</a:t>
             </a:r>
           </a:p>
-          <a:p>
-            <a:pPr marL="285750" indent="-285750" algn="l">
-              <a:buFont typeface="Arial" panose="020B0604020202020204" pitchFamily="34" charset="0"/>
-              <a:buChar char="•"/>
-            </a:pPr>
-            <a:r>
-              <a:rPr lang="en-US" altLang="zh-TW" sz="1800" b="0" i="0" u="none" strike="noStrike" baseline="0" dirty="0">
-                <a:latin typeface="CMMI9"/>
-              </a:rPr>
-              <a:t>1. </a:t>
-            </a:r>
-            <a:r>
-              <a:rPr lang="zh-TW" altLang="en-US" sz="1800" b="0" i="0" u="none" strike="noStrike" baseline="0" dirty="0">
-                <a:latin typeface="CMMI9"/>
-              </a:rPr>
-              <a:t>估計</a:t>
-            </a:r>
-            <a:r>
-              <a:rPr lang="en-US" altLang="zh-TW" sz="1800" b="0" i="0" u="none" strike="noStrike" baseline="0" dirty="0">
-                <a:latin typeface="CMMI9"/>
-              </a:rPr>
-              <a:t>congestion</a:t>
-            </a:r>
-          </a:p>
-          <a:p>
-            <a:pPr marL="285750" indent="-285750" algn="l">
-              <a:buFont typeface="Arial" panose="020B0604020202020204" pitchFamily="34" charset="0"/>
-              <a:buChar char="•"/>
-            </a:pPr>
-            <a:r>
-              <a:rPr lang="en-US" altLang="zh-TW" sz="1800" b="0" i="0" u="none" strike="noStrike" baseline="0" dirty="0">
-                <a:latin typeface="CMMI9"/>
-              </a:rPr>
-              <a:t>2. </a:t>
-            </a:r>
-            <a:r>
-              <a:rPr lang="zh-TW" altLang="en-US" sz="1800" b="0" i="0" u="none" strike="noStrike" baseline="0" dirty="0">
-                <a:latin typeface="CMMI9"/>
-              </a:rPr>
-              <a:t>從</a:t>
-            </a:r>
-            <a:r>
-              <a:rPr lang="en-US" altLang="zh-TW" sz="1800" b="0" i="0" u="none" strike="noStrike" baseline="0" dirty="0">
-                <a:latin typeface="CMMI9"/>
-              </a:rPr>
-              <a:t>congestion map</a:t>
-            </a:r>
-            <a:r>
-              <a:rPr lang="zh-TW" altLang="en-US" sz="1800" b="0" i="0" u="none" strike="noStrike" baseline="0" dirty="0">
-                <a:latin typeface="CMMI9"/>
-              </a:rPr>
-              <a:t>跟</a:t>
-            </a:r>
-            <a:r>
-              <a:rPr lang="en-US" altLang="zh-TW" sz="1800" b="0" i="0" u="none" strike="noStrike" baseline="0" dirty="0">
-                <a:latin typeface="CMMI9"/>
-              </a:rPr>
-              <a:t>placement</a:t>
-            </a:r>
-            <a:r>
-              <a:rPr lang="zh-TW" altLang="en-US" sz="1800" b="0" i="0" u="none" strike="noStrike" baseline="0" dirty="0">
-                <a:latin typeface="CMMI9"/>
-              </a:rPr>
-              <a:t> </a:t>
-            </a:r>
-            <a:r>
-              <a:rPr lang="en-US" altLang="zh-TW" sz="1800" b="0" i="0" u="none" strike="noStrike" baseline="0" dirty="0">
-                <a:latin typeface="CMMI9"/>
-              </a:rPr>
-              <a:t>information</a:t>
-            </a:r>
-            <a:r>
-              <a:rPr lang="zh-TW" altLang="en-US" sz="1800" b="0" i="0" u="none" strike="noStrike" baseline="0" dirty="0">
-                <a:latin typeface="CMMI9"/>
-              </a:rPr>
-              <a:t>來提取之前講到的</a:t>
-            </a:r>
-            <a:r>
-              <a:rPr lang="en-US" altLang="zh-TW" sz="1800" b="0" i="0" u="none" strike="noStrike" baseline="0" dirty="0">
-                <a:latin typeface="CMMI9"/>
-              </a:rPr>
-              <a:t>3</a:t>
-            </a:r>
-            <a:r>
-              <a:rPr lang="zh-TW" altLang="en-US" sz="1800" b="0" i="0" u="none" strike="noStrike" baseline="0" dirty="0">
-                <a:latin typeface="CMMI9"/>
-              </a:rPr>
-              <a:t>個</a:t>
-            </a:r>
-            <a:r>
-              <a:rPr lang="en-US" altLang="zh-TW" sz="1800" b="0" i="0" u="none" strike="noStrike" baseline="0" dirty="0">
-                <a:latin typeface="CMMI9"/>
-              </a:rPr>
-              <a:t>features</a:t>
-            </a:r>
-          </a:p>
-          <a:p>
-            <a:pPr marL="285750" indent="-285750" algn="l">
-              <a:buFont typeface="Arial" panose="020B0604020202020204" pitchFamily="34" charset="0"/>
-              <a:buChar char="•"/>
-            </a:pPr>
-            <a:r>
-              <a:rPr lang="en-US" altLang="zh-TW" sz="1800" b="0" i="0" u="none" strike="noStrike" baseline="0" dirty="0">
-                <a:latin typeface="CMMI9"/>
-              </a:rPr>
-              <a:t>3</a:t>
-            </a:r>
-            <a:r>
-              <a:rPr lang="zh-TW" altLang="en-US" sz="1800" b="0" i="0" u="none" strike="noStrike" baseline="0" dirty="0">
-                <a:latin typeface="CMMI9"/>
-              </a:rPr>
-              <a:t>、</a:t>
-            </a:r>
-            <a:r>
-              <a:rPr lang="en-US" altLang="zh-TW" sz="1800" b="0" i="0" u="none" strike="noStrike" baseline="0" dirty="0">
-                <a:latin typeface="CMMI9"/>
-              </a:rPr>
-              <a:t>4 :</a:t>
-            </a:r>
-            <a:r>
-              <a:rPr lang="zh-TW" altLang="en-US" sz="1800" b="0" i="0" u="none" strike="noStrike" baseline="0" dirty="0">
-                <a:latin typeface="CMMI9"/>
-              </a:rPr>
-              <a:t> 根據剛剛講到的公式來計算跟回收</a:t>
-            </a:r>
-            <a:r>
-              <a:rPr lang="en-US" altLang="zh-TW" sz="1800" b="0" i="0" u="none" strike="noStrike" baseline="0" dirty="0">
-                <a:latin typeface="CMMI9"/>
-              </a:rPr>
-              <a:t>padding</a:t>
-            </a:r>
-          </a:p>
-          <a:p>
-            <a:pPr marL="285750" indent="-285750" algn="l">
-              <a:buFont typeface="Arial" panose="020B0604020202020204" pitchFamily="34" charset="0"/>
-              <a:buChar char="•"/>
-            </a:pPr>
-            <a:r>
-              <a:rPr lang="en-US" altLang="zh-TW" sz="1800" b="0" i="0" u="none" strike="noStrike" baseline="0" dirty="0">
-                <a:latin typeface="CMMI9"/>
-              </a:rPr>
-              <a:t>5:</a:t>
-            </a:r>
-            <a:r>
-              <a:rPr lang="zh-TW" altLang="en-US" sz="1800" b="0" i="0" u="none" strike="noStrike" baseline="0" dirty="0">
-                <a:latin typeface="CMMI9"/>
-              </a:rPr>
-              <a:t>  計算</a:t>
-            </a:r>
-            <a:r>
-              <a:rPr lang="en-US" altLang="zh-TW" sz="1800" b="0" i="0" u="none" strike="noStrike" baseline="0" dirty="0">
-                <a:latin typeface="CMMI9"/>
-              </a:rPr>
-              <a:t>padding utilization (</a:t>
-            </a:r>
-            <a:r>
-              <a:rPr lang="zh-TW" altLang="en-US" sz="1800" b="0" i="0" u="none" strike="noStrike" baseline="0" dirty="0">
-                <a:latin typeface="CMMI9"/>
-              </a:rPr>
-              <a:t>控制</a:t>
-            </a:r>
-            <a:r>
-              <a:rPr lang="en-US" altLang="zh-TW" sz="1800" b="0" i="0" u="none" strike="noStrike" baseline="0" dirty="0">
-                <a:latin typeface="CMMI9"/>
-              </a:rPr>
-              <a:t>padding utilization</a:t>
-            </a:r>
-            <a:r>
-              <a:rPr lang="zh-TW" altLang="en-US" sz="1800" b="0" i="0" u="none" strike="noStrike" baseline="0" dirty="0">
-                <a:latin typeface="CMMI9"/>
-              </a:rPr>
-              <a:t>可以避免</a:t>
-            </a:r>
-            <a:r>
-              <a:rPr lang="en-US" altLang="zh-TW" sz="1800" b="0" i="0" u="none" strike="noStrike" baseline="0" dirty="0">
-                <a:latin typeface="CMMI9"/>
-              </a:rPr>
-              <a:t>Over padding, </a:t>
-            </a:r>
-            <a:r>
-              <a:rPr lang="zh-TW" altLang="en-US" sz="1800" b="0" i="0" u="none" strike="noStrike" baseline="0" dirty="0">
-                <a:latin typeface="CMMI9"/>
-              </a:rPr>
-              <a:t>阻礙後續的優化</a:t>
-            </a:r>
-            <a:r>
-              <a:rPr lang="en-US" altLang="zh-TW" sz="1800" b="0" i="0" u="none" strike="noStrike" baseline="0" dirty="0">
-                <a:latin typeface="CMMI9"/>
-              </a:rPr>
-              <a:t>)</a:t>
-            </a:r>
-          </a:p>
-          <a:p>
-            <a:pPr marL="285750" indent="-285750" algn="l">
-              <a:buFont typeface="Arial" panose="020B0604020202020204" pitchFamily="34" charset="0"/>
-              <a:buChar char="•"/>
-            </a:pPr>
-            <a:r>
-              <a:rPr lang="en-US" altLang="zh-TW" sz="1800" b="0" i="0" u="none" strike="noStrike" baseline="0" dirty="0">
-                <a:latin typeface="CMMI9"/>
-              </a:rPr>
-              <a:t>6-9</a:t>
-            </a:r>
-            <a:r>
-              <a:rPr lang="zh-TW" altLang="en-US" sz="1800" b="0" i="0" u="none" strike="noStrike" baseline="0" dirty="0">
-                <a:latin typeface="CMMI9"/>
-              </a:rPr>
-              <a:t> </a:t>
-            </a:r>
-            <a:r>
-              <a:rPr lang="en-US" altLang="zh-TW" sz="1800" b="0" i="0" u="none" strike="noStrike" baseline="0" dirty="0">
-                <a:latin typeface="CMMI9"/>
-              </a:rPr>
-              <a:t>:</a:t>
-            </a:r>
-            <a:r>
-              <a:rPr lang="zh-TW" altLang="en-US" sz="1800" b="0" i="0" u="none" strike="noStrike" baseline="0" dirty="0">
-                <a:latin typeface="CMMI9"/>
-              </a:rPr>
-              <a:t> 若</a:t>
-            </a:r>
-            <a:r>
-              <a:rPr lang="en-US" altLang="zh-TW" sz="1800" b="0" i="0" u="none" strike="noStrike" baseline="0" dirty="0">
-                <a:latin typeface="CMMI9"/>
-              </a:rPr>
-              <a:t>total padding</a:t>
-            </a:r>
-            <a:r>
-              <a:rPr lang="zh-TW" altLang="en-US" sz="1800" b="0" i="0" u="none" strike="noStrike" baseline="0" dirty="0">
-                <a:latin typeface="CMMI9"/>
-              </a:rPr>
-              <a:t>超過了設定的</a:t>
-            </a:r>
-            <a:r>
-              <a:rPr lang="en-US" altLang="zh-TW" sz="1800" b="0" i="0" u="none" strike="noStrike" baseline="0" dirty="0">
-                <a:latin typeface="CMMI9"/>
-              </a:rPr>
-              <a:t>utilization,</a:t>
-            </a:r>
-            <a:r>
-              <a:rPr lang="zh-TW" altLang="en-US" sz="1800" b="0" i="0" u="none" strike="noStrike" baseline="0" dirty="0">
-                <a:latin typeface="CMMI9"/>
-              </a:rPr>
-              <a:t>那</a:t>
-            </a:r>
-            <a:r>
-              <a:rPr lang="en-US" altLang="zh-TW" sz="1800" b="0" i="0" u="none" strike="noStrike" baseline="0" dirty="0">
-                <a:latin typeface="CMMI9"/>
-              </a:rPr>
-              <a:t>padding</a:t>
-            </a:r>
-            <a:r>
-              <a:rPr lang="zh-TW" altLang="en-US" sz="1800" b="0" i="0" u="none" strike="noStrike" baseline="0" dirty="0">
-                <a:latin typeface="CMMI9"/>
-              </a:rPr>
-              <a:t>會進行縮放來達到</a:t>
-            </a:r>
-            <a:r>
-              <a:rPr lang="en-US" altLang="zh-TW" sz="1800" b="0" i="0" u="none" strike="noStrike" baseline="0" dirty="0">
-                <a:latin typeface="CMMI9"/>
-              </a:rPr>
-              <a:t>constraint</a:t>
-            </a:r>
-          </a:p>
-          <a:p>
-            <a:pPr marL="285750" indent="-285750" algn="l">
-              <a:buFont typeface="Arial" panose="020B0604020202020204" pitchFamily="34" charset="0"/>
-              <a:buChar char="•"/>
-            </a:pPr>
-            <a:endParaRPr lang="en-US" altLang="zh-TW" sz="1800" b="0" i="0" u="none" strike="noStrike" baseline="0" dirty="0">
-              <a:latin typeface="CMMI9"/>
-            </a:endParaRPr>
-          </a:p>
         </p:txBody>
       </p:sp>
       <p:sp>
@@ -4428,7 +4137,7 @@
     </p:spTree>
     <p:extLst>
       <p:ext uri="{BB962C8B-B14F-4D97-AF65-F5344CB8AC3E}">
-        <p14:creationId xmlns:p14="http://schemas.microsoft.com/office/powerpoint/2010/main" val="80125019"/>
+        <p14:creationId xmlns:p14="http://schemas.microsoft.com/office/powerpoint/2010/main" val="2262985869"/>
       </p:ext>
     </p:extLst>
   </p:cSld>
@@ -4486,6 +4195,300 @@
               <a:buFont typeface="Arial" panose="020B0604020202020204" pitchFamily="34" charset="0"/>
               <a:buChar char="•"/>
             </a:pPr>
+            <a:r>
+              <a:rPr lang="zh-TW" altLang="en-US" sz="1800" b="0" i="0" u="none" strike="noStrike" baseline="0" dirty="0">
+                <a:latin typeface="CMMI9"/>
+              </a:rPr>
+              <a:t>因為這樣可以避免一些可能會增加</a:t>
+            </a:r>
+            <a:r>
+              <a:rPr lang="en-US" altLang="zh-TW" sz="1800" b="0" i="0" u="none" strike="noStrike" baseline="0" dirty="0">
+                <a:latin typeface="CMMI9"/>
+              </a:rPr>
+              <a:t>wirelength</a:t>
+            </a:r>
+            <a:r>
+              <a:rPr lang="zh-TW" altLang="en-US" sz="1800" b="0" i="0" u="none" strike="noStrike" baseline="0" dirty="0">
+                <a:latin typeface="CMMI9"/>
+              </a:rPr>
+              <a:t>的</a:t>
+            </a:r>
+            <a:r>
+              <a:rPr lang="en-US" altLang="zh-TW" sz="1800" b="0" i="0" u="none" strike="noStrike" baseline="0" dirty="0">
+                <a:latin typeface="CMMI9"/>
+              </a:rPr>
+              <a:t>padding</a:t>
+            </a:r>
+          </a:p>
+          <a:p>
+            <a:pPr marL="285750" indent="-285750" algn="l">
+              <a:buFont typeface="Arial" panose="020B0604020202020204" pitchFamily="34" charset="0"/>
+              <a:buChar char="•"/>
+            </a:pPr>
+            <a:r>
+              <a:rPr lang="en-US" altLang="zh-TW" sz="1800" b="0" i="0" u="none" strike="noStrike" baseline="0" dirty="0">
+                <a:latin typeface="CMMI9"/>
+              </a:rPr>
+              <a:t>1. </a:t>
+            </a:r>
+            <a:r>
+              <a:rPr lang="zh-TW" altLang="en-US" sz="1800" b="0" i="0" u="none" strike="noStrike" baseline="0" dirty="0">
+                <a:latin typeface="CMMI9"/>
+              </a:rPr>
+              <a:t>估計</a:t>
+            </a:r>
+            <a:r>
+              <a:rPr lang="en-US" altLang="zh-TW" sz="1800" b="0" i="0" u="none" strike="noStrike" baseline="0" dirty="0">
+                <a:latin typeface="CMMI9"/>
+              </a:rPr>
+              <a:t>congestion</a:t>
+            </a:r>
+          </a:p>
+          <a:p>
+            <a:pPr marL="285750" indent="-285750" algn="l">
+              <a:buFont typeface="Arial" panose="020B0604020202020204" pitchFamily="34" charset="0"/>
+              <a:buChar char="•"/>
+            </a:pPr>
+            <a:r>
+              <a:rPr lang="en-US" altLang="zh-TW" sz="1800" b="0" i="0" u="none" strike="noStrike" baseline="0" dirty="0">
+                <a:latin typeface="CMMI9"/>
+              </a:rPr>
+              <a:t>2. </a:t>
+            </a:r>
+            <a:r>
+              <a:rPr lang="zh-TW" altLang="en-US" sz="1800" b="0" i="0" u="none" strike="noStrike" baseline="0" dirty="0">
+                <a:latin typeface="CMMI9"/>
+              </a:rPr>
+              <a:t>從</a:t>
+            </a:r>
+            <a:r>
+              <a:rPr lang="en-US" altLang="zh-TW" sz="1800" b="0" i="0" u="none" strike="noStrike" baseline="0" dirty="0">
+                <a:latin typeface="CMMI9"/>
+              </a:rPr>
+              <a:t>congestion map</a:t>
+            </a:r>
+            <a:r>
+              <a:rPr lang="zh-TW" altLang="en-US" sz="1800" b="0" i="0" u="none" strike="noStrike" baseline="0" dirty="0">
+                <a:latin typeface="CMMI9"/>
+              </a:rPr>
+              <a:t>跟</a:t>
+            </a:r>
+            <a:r>
+              <a:rPr lang="en-US" altLang="zh-TW" sz="1800" b="0" i="0" u="none" strike="noStrike" baseline="0" dirty="0">
+                <a:latin typeface="CMMI9"/>
+              </a:rPr>
+              <a:t>placement</a:t>
+            </a:r>
+            <a:r>
+              <a:rPr lang="zh-TW" altLang="en-US" sz="1800" b="0" i="0" u="none" strike="noStrike" baseline="0" dirty="0">
+                <a:latin typeface="CMMI9"/>
+              </a:rPr>
+              <a:t> </a:t>
+            </a:r>
+            <a:r>
+              <a:rPr lang="en-US" altLang="zh-TW" sz="1800" b="0" i="0" u="none" strike="noStrike" baseline="0" dirty="0">
+                <a:latin typeface="CMMI9"/>
+              </a:rPr>
+              <a:t>information</a:t>
+            </a:r>
+            <a:r>
+              <a:rPr lang="zh-TW" altLang="en-US" sz="1800" b="0" i="0" u="none" strike="noStrike" baseline="0" dirty="0">
+                <a:latin typeface="CMMI9"/>
+              </a:rPr>
+              <a:t>來提取之前講到的</a:t>
+            </a:r>
+            <a:r>
+              <a:rPr lang="en-US" altLang="zh-TW" sz="1800" b="0" i="0" u="none" strike="noStrike" baseline="0" dirty="0">
+                <a:latin typeface="CMMI9"/>
+              </a:rPr>
+              <a:t>3</a:t>
+            </a:r>
+            <a:r>
+              <a:rPr lang="zh-TW" altLang="en-US" sz="1800" b="0" i="0" u="none" strike="noStrike" baseline="0" dirty="0">
+                <a:latin typeface="CMMI9"/>
+              </a:rPr>
+              <a:t>個</a:t>
+            </a:r>
+            <a:r>
+              <a:rPr lang="en-US" altLang="zh-TW" sz="1800" b="0" i="0" u="none" strike="noStrike" baseline="0" dirty="0">
+                <a:latin typeface="CMMI9"/>
+              </a:rPr>
+              <a:t>features</a:t>
+            </a:r>
+          </a:p>
+          <a:p>
+            <a:pPr marL="285750" indent="-285750" algn="l">
+              <a:buFont typeface="Arial" panose="020B0604020202020204" pitchFamily="34" charset="0"/>
+              <a:buChar char="•"/>
+            </a:pPr>
+            <a:r>
+              <a:rPr lang="en-US" altLang="zh-TW" sz="1800" b="0" i="0" u="none" strike="noStrike" baseline="0" dirty="0">
+                <a:latin typeface="CMMI9"/>
+              </a:rPr>
+              <a:t>3</a:t>
+            </a:r>
+            <a:r>
+              <a:rPr lang="zh-TW" altLang="en-US" sz="1800" b="0" i="0" u="none" strike="noStrike" baseline="0" dirty="0">
+                <a:latin typeface="CMMI9"/>
+              </a:rPr>
+              <a:t>、</a:t>
+            </a:r>
+            <a:r>
+              <a:rPr lang="en-US" altLang="zh-TW" sz="1800" b="0" i="0" u="none" strike="noStrike" baseline="0" dirty="0">
+                <a:latin typeface="CMMI9"/>
+              </a:rPr>
+              <a:t>4 :</a:t>
+            </a:r>
+            <a:r>
+              <a:rPr lang="zh-TW" altLang="en-US" sz="1800" b="0" i="0" u="none" strike="noStrike" baseline="0" dirty="0">
+                <a:latin typeface="CMMI9"/>
+              </a:rPr>
+              <a:t> 根據剛剛講到的公式來計算跟回收</a:t>
+            </a:r>
+            <a:r>
+              <a:rPr lang="en-US" altLang="zh-TW" sz="1800" b="0" i="0" u="none" strike="noStrike" baseline="0" dirty="0">
+                <a:latin typeface="CMMI9"/>
+              </a:rPr>
+              <a:t>padding</a:t>
+            </a:r>
+          </a:p>
+          <a:p>
+            <a:pPr marL="285750" indent="-285750" algn="l">
+              <a:buFont typeface="Arial" panose="020B0604020202020204" pitchFamily="34" charset="0"/>
+              <a:buChar char="•"/>
+            </a:pPr>
+            <a:r>
+              <a:rPr lang="en-US" altLang="zh-TW" sz="1800" b="0" i="0" u="none" strike="noStrike" baseline="0" dirty="0">
+                <a:latin typeface="CMMI9"/>
+              </a:rPr>
+              <a:t>5:</a:t>
+            </a:r>
+            <a:r>
+              <a:rPr lang="zh-TW" altLang="en-US" sz="1800" b="0" i="0" u="none" strike="noStrike" baseline="0" dirty="0">
+                <a:latin typeface="CMMI9"/>
+              </a:rPr>
+              <a:t>  計算</a:t>
+            </a:r>
+            <a:r>
+              <a:rPr lang="en-US" altLang="zh-TW" sz="1800" b="0" i="0" u="none" strike="noStrike" baseline="0" dirty="0">
+                <a:latin typeface="CMMI9"/>
+              </a:rPr>
+              <a:t>padding utilization (</a:t>
+            </a:r>
+            <a:r>
+              <a:rPr lang="zh-TW" altLang="en-US" sz="1800" b="0" i="0" u="none" strike="noStrike" baseline="0" dirty="0">
+                <a:latin typeface="CMMI9"/>
+              </a:rPr>
+              <a:t>控制</a:t>
+            </a:r>
+            <a:r>
+              <a:rPr lang="en-US" altLang="zh-TW" sz="1800" b="0" i="0" u="none" strike="noStrike" baseline="0" dirty="0">
+                <a:latin typeface="CMMI9"/>
+              </a:rPr>
+              <a:t>padding utilization</a:t>
+            </a:r>
+            <a:r>
+              <a:rPr lang="zh-TW" altLang="en-US" sz="1800" b="0" i="0" u="none" strike="noStrike" baseline="0" dirty="0">
+                <a:latin typeface="CMMI9"/>
+              </a:rPr>
+              <a:t>可以避免</a:t>
+            </a:r>
+            <a:r>
+              <a:rPr lang="en-US" altLang="zh-TW" sz="1800" b="0" i="0" u="none" strike="noStrike" baseline="0" dirty="0">
+                <a:latin typeface="CMMI9"/>
+              </a:rPr>
+              <a:t>Over padding, </a:t>
+            </a:r>
+            <a:r>
+              <a:rPr lang="zh-TW" altLang="en-US" sz="1800" b="0" i="0" u="none" strike="noStrike" baseline="0" dirty="0">
+                <a:latin typeface="CMMI9"/>
+              </a:rPr>
+              <a:t>阻礙後續的優化</a:t>
+            </a:r>
+            <a:r>
+              <a:rPr lang="en-US" altLang="zh-TW" sz="1800" b="0" i="0" u="none" strike="noStrike" baseline="0" dirty="0">
+                <a:latin typeface="CMMI9"/>
+              </a:rPr>
+              <a:t>)</a:t>
+            </a:r>
+          </a:p>
+          <a:p>
+            <a:pPr marL="285750" indent="-285750" algn="l">
+              <a:buFont typeface="Arial" panose="020B0604020202020204" pitchFamily="34" charset="0"/>
+              <a:buChar char="•"/>
+            </a:pPr>
+            <a:r>
+              <a:rPr lang="en-US" altLang="zh-TW" sz="1800" b="0" i="0" u="none" strike="noStrike" baseline="0" dirty="0">
+                <a:latin typeface="CMMI9"/>
+              </a:rPr>
+              <a:t>6-9</a:t>
+            </a:r>
+            <a:r>
+              <a:rPr lang="zh-TW" altLang="en-US" sz="1800" b="0" i="0" u="none" strike="noStrike" baseline="0" dirty="0">
+                <a:latin typeface="CMMI9"/>
+              </a:rPr>
+              <a:t> </a:t>
+            </a:r>
+            <a:r>
+              <a:rPr lang="en-US" altLang="zh-TW" sz="1800" b="0" i="0" u="none" strike="noStrike" baseline="0" dirty="0">
+                <a:latin typeface="CMMI9"/>
+              </a:rPr>
+              <a:t>:</a:t>
+            </a:r>
+            <a:r>
+              <a:rPr lang="zh-TW" altLang="en-US" sz="1800" b="0" i="0" u="none" strike="noStrike" baseline="0" dirty="0">
+                <a:latin typeface="CMMI9"/>
+              </a:rPr>
+              <a:t> 若</a:t>
+            </a:r>
+            <a:r>
+              <a:rPr lang="en-US" altLang="zh-TW" sz="1800" b="0" i="0" u="none" strike="noStrike" baseline="0" dirty="0">
+                <a:latin typeface="CMMI9"/>
+              </a:rPr>
+              <a:t>total padding</a:t>
+            </a:r>
+            <a:r>
+              <a:rPr lang="zh-TW" altLang="en-US" sz="1800" b="0" i="0" u="none" strike="noStrike" baseline="0" dirty="0">
+                <a:latin typeface="CMMI9"/>
+              </a:rPr>
+              <a:t>超過了設定的</a:t>
+            </a:r>
+            <a:r>
+              <a:rPr lang="en-US" altLang="zh-TW" sz="1800" b="0" i="0" u="none" strike="noStrike" baseline="0" dirty="0">
+                <a:latin typeface="CMMI9"/>
+              </a:rPr>
+              <a:t>utilization,</a:t>
+            </a:r>
+            <a:r>
+              <a:rPr lang="zh-TW" altLang="en-US" sz="1800" b="0" i="0" u="none" strike="noStrike" baseline="0" dirty="0">
+                <a:latin typeface="CMMI9"/>
+              </a:rPr>
+              <a:t>那</a:t>
+            </a:r>
+            <a:r>
+              <a:rPr lang="en-US" altLang="zh-TW" sz="1800" b="0" i="0" u="none" strike="noStrike" baseline="0" dirty="0">
+                <a:latin typeface="CMMI9"/>
+              </a:rPr>
+              <a:t>padding</a:t>
+            </a:r>
+            <a:r>
+              <a:rPr lang="zh-TW" altLang="en-US" sz="1800" b="0" i="0" u="none" strike="noStrike" baseline="0" dirty="0">
+                <a:latin typeface="CMMI9"/>
+              </a:rPr>
+              <a:t>會進行縮放來達到</a:t>
+            </a:r>
+            <a:r>
+              <a:rPr lang="en-US" altLang="zh-TW" sz="1800" b="0" i="0" u="none" strike="noStrike" baseline="0" dirty="0">
+                <a:latin typeface="CMMI9"/>
+              </a:rPr>
+              <a:t>constraint</a:t>
+            </a:r>
+          </a:p>
+          <a:p>
+            <a:pPr marL="285750" indent="-285750" algn="l">
+              <a:buFont typeface="Arial" panose="020B0604020202020204" pitchFamily="34" charset="0"/>
+              <a:buChar char="•"/>
+            </a:pPr>
             <a:endParaRPr lang="en-US" altLang="zh-TW" sz="1800" b="0" i="0" u="none" strike="noStrike" baseline="0" dirty="0">
               <a:latin typeface="CMMI9"/>
             </a:endParaRPr>
@@ -4518,7 +4521,7 @@
     </p:spTree>
     <p:extLst>
       <p:ext uri="{BB962C8B-B14F-4D97-AF65-F5344CB8AC3E}">
-        <p14:creationId xmlns:p14="http://schemas.microsoft.com/office/powerpoint/2010/main" val="962809593"/>
+        <p14:creationId xmlns:p14="http://schemas.microsoft.com/office/powerpoint/2010/main" val="80125019"/>
       </p:ext>
     </p:extLst>
   </p:cSld>
@@ -4608,7 +4611,724 @@
     </p:spTree>
     <p:extLst>
       <p:ext uri="{BB962C8B-B14F-4D97-AF65-F5344CB8AC3E}">
-        <p14:creationId xmlns:p14="http://schemas.microsoft.com/office/powerpoint/2010/main" val="3091761597"/>
+        <p14:creationId xmlns:p14="http://schemas.microsoft.com/office/powerpoint/2010/main" val="962809593"/>
+      </p:ext>
+    </p:extLst>
+  </p:cSld>
+  <p:clrMapOvr>
+    <a:masterClrMapping/>
+  </p:clrMapOvr>
+</p:notes>
+</file>
+
+<file path=ppt/notesSlides/notesSlide23.xml><?xml version="1.0" encoding="utf-8"?>
+<p:notes xmlns:a="http://schemas.openxmlformats.org/drawingml/2006/main" xmlns:r="http://schemas.openxmlformats.org/officeDocument/2006/relationships" xmlns:p="http://schemas.openxmlformats.org/presentationml/2006/main">
+  <p:cSld>
+    <p:spTree>
+      <p:nvGrpSpPr>
+        <p:cNvPr id="1" name=""/>
+        <p:cNvGrpSpPr/>
+        <p:nvPr/>
+      </p:nvGrpSpPr>
+      <p:grpSpPr>
+        <a:xfrm>
+          <a:off x="0" y="0"/>
+          <a:ext cx="0" cy="0"/>
+          <a:chOff x="0" y="0"/>
+          <a:chExt cx="0" cy="0"/>
+        </a:xfrm>
+      </p:grpSpPr>
+      <p:sp>
+        <p:nvSpPr>
+          <p:cNvPr id="2" name="投影片影像版面配置區 1"/>
+          <p:cNvSpPr>
+            <a:spLocks noGrp="1" noRot="1" noChangeAspect="1"/>
+          </p:cNvSpPr>
+          <p:nvPr>
+            <p:ph type="sldImg"/>
+          </p:nvPr>
+        </p:nvSpPr>
+        <p:spPr/>
+      </p:sp>
+      <p:sp>
+        <p:nvSpPr>
+          <p:cNvPr id="3" name="備忘稿版面配置區 2"/>
+          <p:cNvSpPr>
+            <a:spLocks noGrp="1"/>
+          </p:cNvSpPr>
+          <p:nvPr>
+            <p:ph type="body" idx="1"/>
+          </p:nvPr>
+        </p:nvSpPr>
+        <p:spPr/>
+        <p:txBody>
+          <a:bodyPr/>
+          <a:lstStyle/>
+          <a:p>
+            <a:pPr marL="285750" indent="-285750" algn="l">
+              <a:buFont typeface="Arial" panose="020B0604020202020204" pitchFamily="34" charset="0"/>
+              <a:buChar char="•"/>
+            </a:pPr>
+            <a:r>
+              <a:rPr lang="zh-TW" altLang="en-US" sz="1800" b="0" i="0" u="none" strike="noStrike" baseline="0" dirty="0">
+                <a:latin typeface="CMMI9"/>
+              </a:rPr>
+              <a:t>這個</a:t>
+            </a:r>
+            <a:r>
+              <a:rPr lang="en-US" altLang="zh-TW" sz="1800" b="0" i="0" u="none" strike="noStrike" baseline="0" dirty="0">
+                <a:latin typeface="CMMI9"/>
+              </a:rPr>
+              <a:t>algorithm 2 </a:t>
+            </a:r>
+            <a:r>
+              <a:rPr lang="zh-TW" altLang="en-US" sz="1800" b="0" i="0" u="none" strike="noStrike" baseline="0" dirty="0">
+                <a:latin typeface="CMMI9"/>
+              </a:rPr>
+              <a:t>是有關於</a:t>
+            </a:r>
+            <a:r>
+              <a:rPr lang="en-US" altLang="zh-TW" sz="1800" b="0" i="0" u="none" strike="noStrike" baseline="0" dirty="0">
+                <a:latin typeface="CMMI9"/>
+              </a:rPr>
+              <a:t>parameter exploration</a:t>
+            </a:r>
+          </a:p>
+          <a:p>
+            <a:pPr marL="285750" indent="-285750" algn="l">
+              <a:buFont typeface="Arial" panose="020B0604020202020204" pitchFamily="34" charset="0"/>
+              <a:buChar char="•"/>
+            </a:pPr>
+            <a:r>
+              <a:rPr lang="en-US" altLang="zh-TW" sz="1800" b="0" i="0" u="none" strike="noStrike" baseline="0" dirty="0" err="1">
+                <a:latin typeface="CMMI9"/>
+              </a:rPr>
+              <a:t>Npc</a:t>
+            </a:r>
+            <a:r>
+              <a:rPr lang="en-US" altLang="zh-TW" sz="1800" b="0" i="0" u="none" strike="noStrike" baseline="0" dirty="0">
+                <a:latin typeface="CMMI9"/>
+              </a:rPr>
+              <a:t>: </a:t>
+            </a:r>
+            <a:r>
+              <a:rPr lang="zh-TW" altLang="en-US" sz="1800" b="0" i="0" u="none" strike="noStrike" baseline="0" dirty="0">
+                <a:latin typeface="CMMI9"/>
+              </a:rPr>
+              <a:t>結果沒有</a:t>
+            </a:r>
+            <a:r>
+              <a:rPr lang="en-US" altLang="zh-TW" sz="1800" b="0" i="0" u="none" strike="noStrike" baseline="0" dirty="0">
+                <a:latin typeface="CMMI9"/>
+              </a:rPr>
+              <a:t>improve</a:t>
+            </a:r>
+            <a:r>
+              <a:rPr lang="zh-TW" altLang="en-US" sz="1800" b="0" i="0" u="none" strike="noStrike" baseline="0" dirty="0">
+                <a:latin typeface="CMMI9"/>
+              </a:rPr>
+              <a:t>的次數， </a:t>
+            </a:r>
+            <a:r>
+              <a:rPr lang="en-US" altLang="zh-TW" sz="1800" b="0" i="0" u="none" strike="noStrike" baseline="0" dirty="0">
+                <a:latin typeface="CMMI9"/>
+              </a:rPr>
+              <a:t>Tc: </a:t>
+            </a:r>
+            <a:r>
+              <a:rPr lang="zh-TW" altLang="en-US" sz="1800" b="0" i="0" u="none" strike="noStrike" baseline="0" dirty="0">
+                <a:latin typeface="CMMI9"/>
+              </a:rPr>
+              <a:t>現在執行的</a:t>
+            </a:r>
+            <a:r>
+              <a:rPr lang="en-US" altLang="zh-TW" sz="1800" b="0" i="0" u="none" strike="noStrike" baseline="0" dirty="0">
+                <a:latin typeface="CMMI9"/>
+              </a:rPr>
+              <a:t>iteration</a:t>
+            </a:r>
+            <a:r>
+              <a:rPr lang="zh-TW" altLang="en-US" sz="1800" b="0" i="0" u="none" strike="noStrike" baseline="0" dirty="0">
+                <a:latin typeface="CMMI9"/>
+              </a:rPr>
+              <a:t>數</a:t>
+            </a:r>
+            <a:endParaRPr lang="en-US" altLang="zh-TW" sz="1800" b="0" i="0" u="none" strike="noStrike" baseline="0" dirty="0">
+              <a:latin typeface="CMMI9"/>
+            </a:endParaRPr>
+          </a:p>
+          <a:p>
+            <a:pPr marL="285750" indent="-285750" algn="l">
+              <a:buFont typeface="Arial" panose="020B0604020202020204" pitchFamily="34" charset="0"/>
+              <a:buChar char="•"/>
+            </a:pPr>
+            <a:r>
+              <a:rPr lang="en-US" altLang="zh-TW" sz="1800" b="0" i="0" u="none" strike="noStrike" baseline="0" dirty="0">
+                <a:latin typeface="CMMI9"/>
+              </a:rPr>
+              <a:t>Parameter list </a:t>
+            </a:r>
+            <a:r>
+              <a:rPr lang="zh-TW" altLang="en-US" sz="1800" b="0" i="0" u="none" strike="noStrike" baseline="0" dirty="0">
+                <a:latin typeface="CMMI9"/>
+              </a:rPr>
+              <a:t>是給</a:t>
+            </a:r>
+            <a:r>
+              <a:rPr lang="en-US" altLang="zh-TW" sz="1800" b="0" i="0" u="none" strike="noStrike" baseline="0" dirty="0">
+                <a:latin typeface="CMMI9"/>
+              </a:rPr>
+              <a:t>discrete</a:t>
+            </a:r>
+            <a:r>
+              <a:rPr lang="zh-TW" altLang="en-US" sz="1800" b="0" i="0" u="none" strike="noStrike" baseline="0" dirty="0">
+                <a:latin typeface="CMMI9"/>
+              </a:rPr>
+              <a:t>的參數的，</a:t>
+            </a:r>
+            <a:r>
+              <a:rPr lang="en-US" altLang="zh-TW" sz="1800" b="0" i="0" u="none" strike="noStrike" baseline="0" dirty="0">
+                <a:latin typeface="CMMI9"/>
+              </a:rPr>
+              <a:t>parameter range</a:t>
+            </a:r>
+            <a:r>
+              <a:rPr lang="zh-TW" altLang="en-US" sz="1800" b="0" i="0" u="none" strike="noStrike" baseline="0" dirty="0">
+                <a:latin typeface="CMMI9"/>
+              </a:rPr>
+              <a:t>是給</a:t>
+            </a:r>
+            <a:r>
+              <a:rPr lang="en-US" altLang="zh-TW" sz="1800" b="0" i="0" u="none" strike="noStrike" baseline="0" dirty="0">
+                <a:latin typeface="CMMI9"/>
+              </a:rPr>
+              <a:t>continuous</a:t>
+            </a:r>
+            <a:r>
+              <a:rPr lang="zh-TW" altLang="en-US" sz="1800" b="0" i="0" u="none" strike="noStrike" baseline="0" dirty="0">
+                <a:latin typeface="CMMI9"/>
+              </a:rPr>
+              <a:t>的參數的</a:t>
+            </a:r>
+            <a:endParaRPr lang="en-US" altLang="zh-TW" sz="1800" b="0" i="0" u="none" strike="noStrike" baseline="0" dirty="0">
+              <a:latin typeface="CMMI9"/>
+            </a:endParaRPr>
+          </a:p>
+        </p:txBody>
+      </p:sp>
+      <p:sp>
+        <p:nvSpPr>
+          <p:cNvPr id="4" name="投影片編號版面配置區 3"/>
+          <p:cNvSpPr>
+            <a:spLocks noGrp="1"/>
+          </p:cNvSpPr>
+          <p:nvPr>
+            <p:ph type="sldNum" sz="quarter" idx="5"/>
+          </p:nvPr>
+        </p:nvSpPr>
+        <p:spPr/>
+        <p:txBody>
+          <a:bodyPr/>
+          <a:lstStyle/>
+          <a:p>
+            <a:fld id="{9D457EAB-1485-47AD-BEAD-484FAEBF5A54}" type="slidenum">
+              <a:rPr lang="en-US" smtClean="0"/>
+              <a:t>27</a:t>
+            </a:fld>
+            <a:endParaRPr lang="en-US"/>
+          </a:p>
+        </p:txBody>
+      </p:sp>
+    </p:spTree>
+    <p:extLst>
+      <p:ext uri="{BB962C8B-B14F-4D97-AF65-F5344CB8AC3E}">
+        <p14:creationId xmlns:p14="http://schemas.microsoft.com/office/powerpoint/2010/main" val="1262121680"/>
+      </p:ext>
+    </p:extLst>
+  </p:cSld>
+  <p:clrMapOvr>
+    <a:masterClrMapping/>
+  </p:clrMapOvr>
+</p:notes>
+</file>
+
+<file path=ppt/notesSlides/notesSlide24.xml><?xml version="1.0" encoding="utf-8"?>
+<p:notes xmlns:a="http://schemas.openxmlformats.org/drawingml/2006/main" xmlns:r="http://schemas.openxmlformats.org/officeDocument/2006/relationships" xmlns:p="http://schemas.openxmlformats.org/presentationml/2006/main">
+  <p:cSld>
+    <p:spTree>
+      <p:nvGrpSpPr>
+        <p:cNvPr id="1" name=""/>
+        <p:cNvGrpSpPr/>
+        <p:nvPr/>
+      </p:nvGrpSpPr>
+      <p:grpSpPr>
+        <a:xfrm>
+          <a:off x="0" y="0"/>
+          <a:ext cx="0" cy="0"/>
+          <a:chOff x="0" y="0"/>
+          <a:chExt cx="0" cy="0"/>
+        </a:xfrm>
+      </p:grpSpPr>
+      <p:sp>
+        <p:nvSpPr>
+          <p:cNvPr id="2" name="投影片影像版面配置區 1"/>
+          <p:cNvSpPr>
+            <a:spLocks noGrp="1" noRot="1" noChangeAspect="1"/>
+          </p:cNvSpPr>
+          <p:nvPr>
+            <p:ph type="sldImg"/>
+          </p:nvPr>
+        </p:nvSpPr>
+        <p:spPr/>
+      </p:sp>
+      <p:sp>
+        <p:nvSpPr>
+          <p:cNvPr id="3" name="備忘稿版面配置區 2"/>
+          <p:cNvSpPr>
+            <a:spLocks noGrp="1"/>
+          </p:cNvSpPr>
+          <p:nvPr>
+            <p:ph type="body" idx="1"/>
+          </p:nvPr>
+        </p:nvSpPr>
+        <p:spPr/>
+        <p:txBody>
+          <a:bodyPr/>
+          <a:lstStyle/>
+          <a:p>
+            <a:pPr marL="285750" indent="-285750" algn="l">
+              <a:buFont typeface="Arial" panose="020B0604020202020204" pitchFamily="34" charset="0"/>
+              <a:buChar char="•"/>
+            </a:pPr>
+            <a:r>
+              <a:rPr lang="zh-TW" altLang="en-US" sz="1800" b="0" i="0" u="none" strike="noStrike" baseline="0" dirty="0">
+                <a:latin typeface="CMMI9"/>
+              </a:rPr>
+              <a:t>這個</a:t>
+            </a:r>
+            <a:r>
+              <a:rPr lang="en-US" altLang="zh-TW" sz="1800" b="0" i="0" u="none" strike="noStrike" baseline="0" dirty="0">
+                <a:latin typeface="CMMI9"/>
+              </a:rPr>
+              <a:t>algorithm3 </a:t>
+            </a:r>
+            <a:r>
+              <a:rPr lang="zh-TW" altLang="en-US" sz="1800" b="0" i="0" u="none" strike="noStrike" baseline="0" dirty="0">
+                <a:latin typeface="CMMI9"/>
+              </a:rPr>
+              <a:t>是有關於他們</a:t>
+            </a:r>
+            <a:r>
+              <a:rPr lang="en-US" altLang="zh-TW" sz="1800" b="0" i="0" u="none" strike="noStrike" baseline="0" dirty="0">
+                <a:latin typeface="CMMI9"/>
+              </a:rPr>
+              <a:t>strategy exploration</a:t>
+            </a:r>
+            <a:r>
+              <a:rPr lang="zh-TW" altLang="en-US" sz="1800" b="0" i="0" u="none" strike="noStrike" baseline="0" dirty="0">
+                <a:latin typeface="CMMI9"/>
+              </a:rPr>
+              <a:t>的計畫，包含兩個部分</a:t>
+            </a:r>
+            <a:r>
+              <a:rPr lang="en-US" altLang="zh-TW" sz="1800" b="0" i="0" u="none" strike="noStrike" baseline="0" dirty="0">
+                <a:latin typeface="CMMI9"/>
+              </a:rPr>
+              <a:t>:</a:t>
+            </a:r>
+            <a:r>
+              <a:rPr lang="zh-TW" altLang="en-US" sz="1800" b="0" i="0" u="none" strike="noStrike" baseline="0" dirty="0">
+                <a:latin typeface="CMMI9"/>
+              </a:rPr>
+              <a:t> </a:t>
+            </a:r>
+            <a:r>
+              <a:rPr lang="en-US" altLang="zh-TW" sz="1800" b="0" i="0" u="none" strike="noStrike" baseline="0" dirty="0">
+                <a:latin typeface="CMMI9"/>
+              </a:rPr>
+              <a:t>1.</a:t>
+            </a:r>
+            <a:r>
+              <a:rPr lang="zh-TW" altLang="en-US" sz="1800" b="0" i="0" u="none" strike="noStrike" baseline="0" dirty="0">
+                <a:latin typeface="CMMI9"/>
+              </a:rPr>
+              <a:t> </a:t>
+            </a:r>
+            <a:r>
+              <a:rPr lang="en-US" altLang="zh-TW" sz="1800" b="0" i="0" u="none" strike="noStrike" baseline="0" dirty="0">
+                <a:latin typeface="CMMI9"/>
+              </a:rPr>
+              <a:t>global exploration</a:t>
+            </a:r>
+            <a:r>
+              <a:rPr lang="zh-TW" altLang="en-US" sz="1800" b="0" i="0" u="none" strike="noStrike" baseline="0" dirty="0">
+                <a:latin typeface="CMMI9"/>
+              </a:rPr>
+              <a:t>跟</a:t>
+            </a:r>
+            <a:r>
+              <a:rPr lang="en-US" altLang="zh-TW" sz="1800" b="0" i="0" u="none" strike="noStrike" baseline="0" dirty="0">
+                <a:latin typeface="CMMI9"/>
+              </a:rPr>
+              <a:t>2.</a:t>
+            </a:r>
+            <a:r>
+              <a:rPr lang="zh-TW" altLang="en-US" sz="1800" b="0" i="0" u="none" strike="noStrike" baseline="0" dirty="0">
+                <a:latin typeface="CMMI9"/>
+              </a:rPr>
+              <a:t> </a:t>
+            </a:r>
+            <a:r>
+              <a:rPr lang="en-US" altLang="zh-TW" sz="1800" b="0" i="0" u="none" strike="noStrike" baseline="0" dirty="0">
+                <a:latin typeface="CMMI9"/>
+              </a:rPr>
+              <a:t>local exploration</a:t>
+            </a:r>
+          </a:p>
+          <a:p>
+            <a:pPr marL="285750" indent="-285750" algn="l">
+              <a:buFont typeface="Arial" panose="020B0604020202020204" pitchFamily="34" charset="0"/>
+              <a:buChar char="•"/>
+            </a:pPr>
+            <a:r>
+              <a:rPr lang="en-US" altLang="zh-TW" sz="1800" b="0" i="0" u="none" strike="noStrike" baseline="0" dirty="0">
+                <a:latin typeface="CMMI9"/>
+              </a:rPr>
+              <a:t>1-2 : </a:t>
+            </a:r>
+            <a:r>
+              <a:rPr lang="zh-TW" altLang="en-US" sz="1800" b="0" i="0" u="none" strike="noStrike" baseline="0" dirty="0">
+                <a:latin typeface="CMMI9"/>
+              </a:rPr>
+              <a:t>先給定所有</a:t>
+            </a:r>
+            <a:r>
+              <a:rPr lang="en-US" altLang="zh-TW" sz="1800" b="0" i="0" u="none" strike="noStrike" baseline="0" dirty="0">
+                <a:latin typeface="CMMI9"/>
+              </a:rPr>
+              <a:t>parameter</a:t>
+            </a:r>
+            <a:r>
+              <a:rPr lang="zh-TW" altLang="en-US" sz="1800" b="0" i="0" u="none" strike="noStrike" baseline="0" dirty="0">
+                <a:latin typeface="CMMI9"/>
+              </a:rPr>
+              <a:t>一個</a:t>
+            </a:r>
+            <a:r>
+              <a:rPr lang="en-US" altLang="zh-TW" sz="1800" b="0" i="0" u="none" strike="noStrike" baseline="0" dirty="0">
+                <a:latin typeface="CMMI9"/>
+              </a:rPr>
+              <a:t>range</a:t>
+            </a:r>
+            <a:r>
+              <a:rPr lang="zh-TW" altLang="en-US" sz="1800" b="0" i="0" u="none" strike="noStrike" baseline="0" dirty="0">
+                <a:latin typeface="CMMI9"/>
+              </a:rPr>
+              <a:t>，接著所有參數一起跑剛剛講的</a:t>
+            </a:r>
+            <a:r>
+              <a:rPr lang="en-US" altLang="zh-TW" sz="1800" b="0" i="0" u="none" strike="noStrike" baseline="0" dirty="0">
+                <a:latin typeface="CMMI9"/>
+              </a:rPr>
+              <a:t>parameter exploration</a:t>
+            </a:r>
+          </a:p>
+          <a:p>
+            <a:pPr marL="285750" indent="-285750" algn="l">
+              <a:buFont typeface="Arial" panose="020B0604020202020204" pitchFamily="34" charset="0"/>
+              <a:buChar char="•"/>
+            </a:pPr>
+            <a:r>
+              <a:rPr lang="en-US" altLang="zh-TW" sz="1800" b="0" i="0" u="none" strike="noStrike" baseline="0" dirty="0">
+                <a:latin typeface="CMMI9"/>
+              </a:rPr>
+              <a:t>3: </a:t>
+            </a:r>
+            <a:r>
+              <a:rPr lang="zh-TW" altLang="en-US" sz="1800" b="0" i="0" u="none" strike="noStrike" baseline="0" dirty="0">
+                <a:latin typeface="CMMI9"/>
+              </a:rPr>
+              <a:t>接著會將</a:t>
+            </a:r>
+            <a:r>
+              <a:rPr lang="en-US" altLang="zh-TW" sz="1800" b="0" i="0" u="none" strike="noStrike" baseline="0" dirty="0">
+                <a:latin typeface="CMMI9"/>
+              </a:rPr>
+              <a:t>parameters</a:t>
+            </a:r>
+            <a:r>
+              <a:rPr lang="zh-TW" altLang="en-US" sz="1800" b="0" i="0" u="none" strike="noStrike" baseline="0" dirty="0">
+                <a:latin typeface="CMMI9"/>
+              </a:rPr>
+              <a:t>分組，有強相關的會分再一起</a:t>
+            </a:r>
+            <a:endParaRPr lang="en-US" altLang="zh-TW" sz="1800" b="0" i="0" u="none" strike="noStrike" baseline="0" dirty="0">
+              <a:latin typeface="CMMI9"/>
+            </a:endParaRPr>
+          </a:p>
+          <a:p>
+            <a:pPr marL="285750" indent="-285750" algn="l">
+              <a:buFont typeface="Arial" panose="020B0604020202020204" pitchFamily="34" charset="0"/>
+              <a:buChar char="•"/>
+            </a:pPr>
+            <a:r>
+              <a:rPr lang="en-US" altLang="zh-TW" sz="1800" b="0" i="0" u="none" strike="noStrike" baseline="0" dirty="0">
+                <a:latin typeface="CMMI9"/>
+              </a:rPr>
+              <a:t>6-11: </a:t>
+            </a:r>
+            <a:r>
+              <a:rPr lang="zh-TW" altLang="en-US" sz="1800" b="0" i="0" u="none" strike="noStrike" baseline="0" dirty="0">
+                <a:latin typeface="CMMI9"/>
+              </a:rPr>
+              <a:t>接著會將分組過後的進行</a:t>
+            </a:r>
+            <a:r>
+              <a:rPr lang="en-US" altLang="zh-TW" sz="1800" b="0" i="0" u="none" strike="noStrike" baseline="0" dirty="0">
+                <a:latin typeface="CMMI9"/>
+              </a:rPr>
+              <a:t>parameter exploration</a:t>
+            </a:r>
+            <a:r>
+              <a:rPr lang="zh-TW" altLang="en-US" sz="1800" b="0" i="0" u="none" strike="noStrike" baseline="0" dirty="0">
+                <a:latin typeface="CMMI9"/>
+              </a:rPr>
+              <a:t>，而不屬於該組的</a:t>
+            </a:r>
+            <a:r>
+              <a:rPr lang="en-US" altLang="zh-TW" sz="1800" b="0" i="0" u="none" strike="noStrike" baseline="0" dirty="0">
+                <a:latin typeface="CMMI9"/>
+              </a:rPr>
+              <a:t>parameters</a:t>
+            </a:r>
+            <a:r>
+              <a:rPr lang="zh-TW" altLang="en-US" sz="1800" b="0" i="0" u="none" strike="noStrike" baseline="0" dirty="0">
+                <a:latin typeface="CMMI9"/>
+              </a:rPr>
+              <a:t>的就會用他們自己</a:t>
+            </a:r>
+            <a:r>
+              <a:rPr lang="en-US" altLang="zh-TW" sz="1800" b="0" i="0" u="none" strike="noStrike" baseline="0" dirty="0">
+                <a:latin typeface="CMMI9"/>
+              </a:rPr>
+              <a:t>range</a:t>
+            </a:r>
+            <a:r>
+              <a:rPr lang="zh-TW" altLang="en-US" sz="1800" b="0" i="0" u="none" strike="noStrike" baseline="0" dirty="0">
+                <a:latin typeface="CMMI9"/>
+              </a:rPr>
+              <a:t>的中位數</a:t>
+            </a:r>
+            <a:endParaRPr lang="en-US" altLang="zh-TW" sz="1800" b="0" i="0" u="none" strike="noStrike" baseline="0" dirty="0">
+              <a:latin typeface="CMMI9"/>
+            </a:endParaRPr>
+          </a:p>
+          <a:p>
+            <a:pPr marL="285750" indent="-285750" algn="l">
+              <a:buFont typeface="Arial" panose="020B0604020202020204" pitchFamily="34" charset="0"/>
+              <a:buChar char="•"/>
+            </a:pPr>
+            <a:r>
+              <a:rPr lang="zh-TW" altLang="en-US" sz="1800" b="0" i="0" u="none" strike="noStrike" baseline="0" dirty="0">
+                <a:latin typeface="CMMI9"/>
+              </a:rPr>
+              <a:t>當全部跑完後</a:t>
+            </a:r>
+            <a:r>
+              <a:rPr lang="en-US" altLang="zh-TW" sz="1800" b="0" i="0" u="none" strike="noStrike" baseline="0" dirty="0">
+                <a:latin typeface="CMMI9"/>
+              </a:rPr>
+              <a:t>(</a:t>
+            </a:r>
+            <a:r>
+              <a:rPr lang="zh-TW" altLang="en-US" sz="1800" b="0" i="0" u="none" strike="noStrike" baseline="0" dirty="0">
+                <a:latin typeface="CMMI9"/>
+              </a:rPr>
+              <a:t>可以平行</a:t>
+            </a:r>
+            <a:r>
+              <a:rPr lang="en-US" altLang="zh-TW" sz="1800" b="0" i="0" u="none" strike="noStrike" baseline="0" dirty="0">
+                <a:latin typeface="CMMI9"/>
+              </a:rPr>
+              <a:t>)</a:t>
+            </a:r>
+            <a:r>
+              <a:rPr lang="zh-TW" altLang="en-US" sz="1800" b="0" i="0" u="none" strike="noStrike" baseline="0" dirty="0">
+                <a:latin typeface="CMMI9"/>
+              </a:rPr>
+              <a:t>就會得到所有</a:t>
+            </a:r>
+            <a:r>
+              <a:rPr lang="en-US" altLang="zh-TW" sz="1800" b="0" i="0" u="none" strike="noStrike" baseline="0" dirty="0" err="1">
+                <a:latin typeface="CMMI9"/>
+              </a:rPr>
+              <a:t>paramete</a:t>
+            </a:r>
+            <a:r>
+              <a:rPr lang="zh-TW" altLang="en-US" sz="1800" b="0" i="0" u="none" strike="noStrike" baseline="0" dirty="0">
+                <a:latin typeface="CMMI9"/>
+              </a:rPr>
+              <a:t>最後的</a:t>
+            </a:r>
+            <a:r>
+              <a:rPr lang="en-US" altLang="zh-TW" sz="1800" b="0" i="0" u="none" strike="noStrike" baseline="0" dirty="0">
+                <a:latin typeface="CMMI9"/>
+              </a:rPr>
+              <a:t>range</a:t>
+            </a:r>
+            <a:r>
+              <a:rPr lang="zh-TW" altLang="en-US" sz="1800" b="0" i="0" u="none" strike="noStrike" baseline="0" dirty="0">
+                <a:latin typeface="CMMI9"/>
+              </a:rPr>
+              <a:t>，接著該</a:t>
+            </a:r>
+            <a:r>
+              <a:rPr lang="en-US" altLang="zh-TW" sz="1800" b="0" i="0" u="none" strike="noStrike" baseline="0" dirty="0">
+                <a:latin typeface="CMMI9"/>
+              </a:rPr>
+              <a:t>parameter</a:t>
+            </a:r>
+            <a:r>
+              <a:rPr lang="zh-TW" altLang="en-US" sz="1800" b="0" i="0" u="none" strike="noStrike" baseline="0" dirty="0">
+                <a:latin typeface="CMMI9"/>
+              </a:rPr>
+              <a:t>就會用那個</a:t>
+            </a:r>
+            <a:r>
+              <a:rPr lang="en-US" altLang="zh-TW" sz="1800" b="0" i="0" u="none" strike="noStrike" baseline="0" dirty="0">
+                <a:latin typeface="CMMI9"/>
+              </a:rPr>
+              <a:t>range</a:t>
+            </a:r>
+            <a:r>
+              <a:rPr lang="zh-TW" altLang="en-US" sz="1800" b="0" i="0" u="none" strike="noStrike" baseline="0">
+                <a:latin typeface="CMMI9"/>
+              </a:rPr>
+              <a:t>的中位數當作最後的值</a:t>
+            </a:r>
+            <a:endParaRPr lang="en-US" altLang="zh-TW" sz="1800" b="0" i="0" u="none" strike="noStrike" baseline="0" dirty="0">
+              <a:latin typeface="CMMI9"/>
+            </a:endParaRPr>
+          </a:p>
+        </p:txBody>
+      </p:sp>
+      <p:sp>
+        <p:nvSpPr>
+          <p:cNvPr id="4" name="投影片編號版面配置區 3"/>
+          <p:cNvSpPr>
+            <a:spLocks noGrp="1"/>
+          </p:cNvSpPr>
+          <p:nvPr>
+            <p:ph type="sldNum" sz="quarter" idx="5"/>
+          </p:nvPr>
+        </p:nvSpPr>
+        <p:spPr/>
+        <p:txBody>
+          <a:bodyPr/>
+          <a:lstStyle/>
+          <a:p>
+            <a:fld id="{9D457EAB-1485-47AD-BEAD-484FAEBF5A54}" type="slidenum">
+              <a:rPr lang="en-US" smtClean="0"/>
+              <a:t>28</a:t>
+            </a:fld>
+            <a:endParaRPr lang="en-US"/>
+          </a:p>
+        </p:txBody>
+      </p:sp>
+    </p:spTree>
+    <p:extLst>
+      <p:ext uri="{BB962C8B-B14F-4D97-AF65-F5344CB8AC3E}">
+        <p14:creationId xmlns:p14="http://schemas.microsoft.com/office/powerpoint/2010/main" val="4257960038"/>
+      </p:ext>
+    </p:extLst>
+  </p:cSld>
+  <p:clrMapOvr>
+    <a:masterClrMapping/>
+  </p:clrMapOvr>
+</p:notes>
+</file>
+
+<file path=ppt/notesSlides/notesSlide25.xml><?xml version="1.0" encoding="utf-8"?>
+<p:notes xmlns:a="http://schemas.openxmlformats.org/drawingml/2006/main" xmlns:r="http://schemas.openxmlformats.org/officeDocument/2006/relationships" xmlns:p="http://schemas.openxmlformats.org/presentationml/2006/main">
+  <p:cSld>
+    <p:spTree>
+      <p:nvGrpSpPr>
+        <p:cNvPr id="1" name=""/>
+        <p:cNvGrpSpPr/>
+        <p:nvPr/>
+      </p:nvGrpSpPr>
+      <p:grpSpPr>
+        <a:xfrm>
+          <a:off x="0" y="0"/>
+          <a:ext cx="0" cy="0"/>
+          <a:chOff x="0" y="0"/>
+          <a:chExt cx="0" cy="0"/>
+        </a:xfrm>
+      </p:grpSpPr>
+      <p:sp>
+        <p:nvSpPr>
+          <p:cNvPr id="2" name="投影片影像版面配置區 1"/>
+          <p:cNvSpPr>
+            <a:spLocks noGrp="1" noRot="1" noChangeAspect="1"/>
+          </p:cNvSpPr>
+          <p:nvPr>
+            <p:ph type="sldImg"/>
+          </p:nvPr>
+        </p:nvSpPr>
+        <p:spPr/>
+      </p:sp>
+      <p:sp>
+        <p:nvSpPr>
+          <p:cNvPr id="3" name="備忘稿版面配置區 2"/>
+          <p:cNvSpPr>
+            <a:spLocks noGrp="1"/>
+          </p:cNvSpPr>
+          <p:nvPr>
+            <p:ph type="body" idx="1"/>
+          </p:nvPr>
+        </p:nvSpPr>
+        <p:spPr/>
+        <p:txBody>
+          <a:bodyPr/>
+          <a:lstStyle/>
+          <a:p>
+            <a:pPr marL="285750" indent="-285750" algn="l">
+              <a:buFont typeface="Arial" panose="020B0604020202020204" pitchFamily="34" charset="0"/>
+              <a:buChar char="•"/>
+            </a:pPr>
+            <a:endParaRPr lang="en-US" altLang="zh-TW" sz="1800" b="0" i="0" u="none" strike="noStrike" baseline="0" dirty="0">
+              <a:latin typeface="CMMI9"/>
+            </a:endParaRPr>
+          </a:p>
+        </p:txBody>
+      </p:sp>
+      <p:sp>
+        <p:nvSpPr>
+          <p:cNvPr id="4" name="投影片編號版面配置區 3"/>
+          <p:cNvSpPr>
+            <a:spLocks noGrp="1"/>
+          </p:cNvSpPr>
+          <p:nvPr>
+            <p:ph type="sldNum" sz="quarter" idx="5"/>
+          </p:nvPr>
+        </p:nvSpPr>
+        <p:spPr/>
+        <p:txBody>
+          <a:bodyPr/>
+          <a:lstStyle/>
+          <a:p>
+            <a:fld id="{9D457EAB-1485-47AD-BEAD-484FAEBF5A54}" type="slidenum">
+              <a:rPr lang="en-US" smtClean="0"/>
+              <a:t>29</a:t>
+            </a:fld>
+            <a:endParaRPr lang="en-US"/>
+          </a:p>
+        </p:txBody>
+      </p:sp>
+    </p:spTree>
+    <p:extLst>
+      <p:ext uri="{BB962C8B-B14F-4D97-AF65-F5344CB8AC3E}">
+        <p14:creationId xmlns:p14="http://schemas.microsoft.com/office/powerpoint/2010/main" val="3347446419"/>
       </p:ext>
     </p:extLst>
   </p:cSld>
@@ -5972,7 +6692,7 @@
           <a:p>
             <a:fld id="{99BA7BAB-F69F-4C21-8D40-7AA273A2D01F}" type="datetime1">
               <a:rPr lang="en-US" smtClean="0"/>
-              <a:t>10/22/2023</a:t>
+              <a:t>10/23/2023</a:t>
             </a:fld>
             <a:endParaRPr lang="en-US"/>
           </a:p>
@@ -6177,7 +6897,7 @@
           <a:p>
             <a:fld id="{FB00A8EC-4678-43EE-BE64-F312B7F1A46F}" type="datetime1">
               <a:rPr lang="en-US" smtClean="0"/>
-              <a:t>10/22/2023</a:t>
+              <a:t>10/23/2023</a:t>
             </a:fld>
             <a:endParaRPr lang="en-US"/>
           </a:p>
@@ -6385,7 +7105,7 @@
           <a:p>
             <a:fld id="{9487F23D-EA8F-4C56-9373-23F6109AD11F}" type="datetime1">
               <a:rPr lang="en-US" smtClean="0"/>
-              <a:t>10/22/2023</a:t>
+              <a:t>10/23/2023</a:t>
             </a:fld>
             <a:endParaRPr lang="en-US"/>
           </a:p>
@@ -6583,7 +7303,7 @@
           <a:p>
             <a:fld id="{A34E716E-0239-4A81-9CF4-D3B9651721CF}" type="datetime1">
               <a:rPr lang="en-US" smtClean="0"/>
-              <a:t>10/22/2023</a:t>
+              <a:t>10/23/2023</a:t>
             </a:fld>
             <a:endParaRPr lang="en-US"/>
           </a:p>
@@ -6865,7 +7585,7 @@
           <a:p>
             <a:fld id="{CC112E56-3D97-4B86-935C-1C493DD86A08}" type="datetime1">
               <a:rPr lang="en-US" smtClean="0"/>
-              <a:t>10/22/2023</a:t>
+              <a:t>10/23/2023</a:t>
             </a:fld>
             <a:endParaRPr lang="en-US"/>
           </a:p>
@@ -7130,7 +7850,7 @@
           <a:p>
             <a:fld id="{40649135-BABF-4F63-9AF8-3CEC545E47DC}" type="datetime1">
               <a:rPr lang="en-US" smtClean="0"/>
-              <a:t>10/22/2023</a:t>
+              <a:t>10/23/2023</a:t>
             </a:fld>
             <a:endParaRPr lang="en-US"/>
           </a:p>
@@ -7542,7 +8262,7 @@
           <a:p>
             <a:fld id="{B16EBC02-C9C0-442D-A8A6-494057203542}" type="datetime1">
               <a:rPr lang="en-US" smtClean="0"/>
-              <a:t>10/22/2023</a:t>
+              <a:t>10/23/2023</a:t>
             </a:fld>
             <a:endParaRPr lang="en-US"/>
           </a:p>
@@ -7683,7 +8403,7 @@
           <a:p>
             <a:fld id="{A126C4B4-559D-414E-BC9C-16A745BBF3C3}" type="datetime1">
               <a:rPr lang="en-US" smtClean="0"/>
-              <a:t>10/22/2023</a:t>
+              <a:t>10/23/2023</a:t>
             </a:fld>
             <a:endParaRPr lang="en-US"/>
           </a:p>
@@ -7796,7 +8516,7 @@
           <a:p>
             <a:fld id="{0D49D49E-73A5-4C03-BFEA-3D845EB044D8}" type="datetime1">
               <a:rPr lang="en-US" smtClean="0"/>
-              <a:t>10/22/2023</a:t>
+              <a:t>10/23/2023</a:t>
             </a:fld>
             <a:endParaRPr lang="en-US"/>
           </a:p>
@@ -8107,7 +8827,7 @@
           <a:p>
             <a:fld id="{4A0F93E6-3134-410C-B573-A5F6B38FC346}" type="datetime1">
               <a:rPr lang="en-US" smtClean="0"/>
-              <a:t>10/22/2023</a:t>
+              <a:t>10/23/2023</a:t>
             </a:fld>
             <a:endParaRPr lang="en-US"/>
           </a:p>
@@ -8395,7 +9115,7 @@
           <a:p>
             <a:fld id="{F766E70F-5320-45A5-BE33-1819A93C2AF4}" type="datetime1">
               <a:rPr lang="en-US" smtClean="0"/>
-              <a:t>10/22/2023</a:t>
+              <a:t>10/23/2023</a:t>
             </a:fld>
             <a:endParaRPr lang="en-US"/>
           </a:p>
@@ -8636,7 +9356,7 @@
           <a:p>
             <a:fld id="{A706458B-0289-40FF-A02D-2C541B7F1CB6}" type="datetime1">
               <a:rPr lang="en-US" smtClean="0"/>
-              <a:t>10/22/2023</a:t>
+              <a:t>10/23/2023</a:t>
             </a:fld>
             <a:endParaRPr lang="en-US"/>
           </a:p>
@@ -9768,7 +10488,7 @@
           <a:lstStyle/>
           <a:p>
             <a:r>
-              <a:rPr lang="en-US" altLang="zh-TW" dirty="0">
+              <a:rPr lang="en-US" altLang="zh-TW" sz="4000" dirty="0">
                 <a:latin typeface="Times" panose="02020603050405020304" pitchFamily="18" charset="0"/>
                 <a:cs typeface="Times" panose="02020603050405020304" pitchFamily="18" charset="0"/>
               </a:rPr>
@@ -13351,41 +14071,6 @@
       </p:grpSpPr>
       <p:sp>
         <p:nvSpPr>
-          <p:cNvPr id="2" name="標題 1">
-            <a:extLst>
-              <a:ext uri="{FF2B5EF4-FFF2-40B4-BE49-F238E27FC236}">
-                <a16:creationId xmlns:a16="http://schemas.microsoft.com/office/drawing/2014/main" id="{9F8825D9-62B8-AE30-2193-DEF7925EB754}"/>
-              </a:ext>
-            </a:extLst>
-          </p:cNvPr>
-          <p:cNvSpPr>
-            <a:spLocks noGrp="1"/>
-          </p:cNvSpPr>
-          <p:nvPr>
-            <p:ph type="title"/>
-          </p:nvPr>
-        </p:nvSpPr>
-        <p:spPr/>
-        <p:txBody>
-          <a:bodyPr/>
-          <a:lstStyle/>
-          <a:p>
-            <a:r>
-              <a:rPr lang="en-US" altLang="zh-TW" dirty="0">
-                <a:latin typeface="Times New Roman" panose="02020603050405020304" pitchFamily="18" charset="0"/>
-                <a:cs typeface="Times New Roman" panose="02020603050405020304" pitchFamily="18" charset="0"/>
-              </a:rPr>
-              <a:t>Congestion Estimation</a:t>
-            </a:r>
-            <a:endParaRPr lang="zh-TW" altLang="en-US" dirty="0">
-              <a:latin typeface="Times New Roman" panose="02020603050405020304" pitchFamily="18" charset="0"/>
-              <a:cs typeface="Times New Roman" panose="02020603050405020304" pitchFamily="18" charset="0"/>
-            </a:endParaRPr>
-          </a:p>
-        </p:txBody>
-      </p:sp>
-      <p:sp>
-        <p:nvSpPr>
           <p:cNvPr id="3" name="內容版面配置區 2">
             <a:extLst>
               <a:ext uri="{FF2B5EF4-FFF2-40B4-BE49-F238E27FC236}">
@@ -13502,6 +14187,67 @@
               <a:t>13</a:t>
             </a:fld>
             <a:endParaRPr lang="en-US"/>
+          </a:p>
+        </p:txBody>
+      </p:sp>
+      <p:sp>
+        <p:nvSpPr>
+          <p:cNvPr id="7" name="標題 1">
+            <a:extLst>
+              <a:ext uri="{FF2B5EF4-FFF2-40B4-BE49-F238E27FC236}">
+                <a16:creationId xmlns:a16="http://schemas.microsoft.com/office/drawing/2014/main" id="{CFB868C1-8EBF-EA19-4D66-C8975E9B9F80}"/>
+              </a:ext>
+            </a:extLst>
+          </p:cNvPr>
+          <p:cNvSpPr txBox="1">
+            <a:spLocks/>
+          </p:cNvSpPr>
+          <p:nvPr/>
+        </p:nvSpPr>
+        <p:spPr>
+          <a:xfrm>
+            <a:off x="434738" y="320675"/>
+            <a:ext cx="11757262" cy="1325563"/>
+          </a:xfrm>
+          <a:prstGeom prst="rect">
+            <a:avLst/>
+          </a:prstGeom>
+        </p:spPr>
+        <p:txBody>
+          <a:bodyPr vert="horz" lIns="91440" tIns="45720" rIns="91440" bIns="45720" rtlCol="0" anchor="ctr">
+            <a:normAutofit/>
+          </a:bodyPr>
+          <a:lstStyle>
+            <a:lvl1pPr algn="l" defTabSz="914400" rtl="0" eaLnBrk="1" latinLnBrk="0" hangingPunct="1">
+              <a:lnSpc>
+                <a:spcPct val="90000"/>
+              </a:lnSpc>
+              <a:spcBef>
+                <a:spcPct val="0"/>
+              </a:spcBef>
+              <a:buNone/>
+              <a:defRPr sz="4400" kern="1200">
+                <a:solidFill>
+                  <a:schemeClr val="tx1"/>
+                </a:solidFill>
+                <a:latin typeface="+mj-lt"/>
+                <a:ea typeface="+mj-ea"/>
+                <a:cs typeface="+mj-cs"/>
+              </a:defRPr>
+            </a:lvl1pPr>
+          </a:lstStyle>
+          <a:p>
+            <a:r>
+              <a:rPr lang="en-US" altLang="zh-TW" sz="4000">
+                <a:latin typeface="Times" panose="02020603050405020304" pitchFamily="18" charset="0"/>
+                <a:cs typeface="Times" panose="02020603050405020304" pitchFamily="18" charset="0"/>
+              </a:rPr>
+              <a:t>Congestion Estimation</a:t>
+            </a:r>
+            <a:endParaRPr lang="en-US" altLang="zh-TW" sz="4000" dirty="0">
+              <a:latin typeface="Times" panose="02020603050405020304" pitchFamily="18" charset="0"/>
+              <a:cs typeface="Times" panose="02020603050405020304" pitchFamily="18" charset="0"/>
+            </a:endParaRPr>
           </a:p>
         </p:txBody>
       </p:sp>
@@ -14816,7 +15562,7 @@
                 <a:latin typeface="Times" panose="02020603050405020304" pitchFamily="18" charset="0"/>
                 <a:cs typeface="Times" panose="02020603050405020304" pitchFamily="18" charset="0"/>
               </a:rPr>
-              <a:t>Multi-feature-based Cell Padding</a:t>
+              <a:t>Cell Padding</a:t>
             </a:r>
           </a:p>
         </p:txBody>
@@ -21154,1405 +21900,6 @@
             <p:spPr>
               <a:xfrm>
                 <a:off x="839645" y="1846585"/>
-                <a:ext cx="10512709" cy="5083604"/>
-              </a:xfrm>
-            </p:spPr>
-            <p:txBody>
-              <a:bodyPr>
-                <a:normAutofit/>
-              </a:bodyPr>
-              <a:lstStyle/>
-              <a:p>
-                <a:pPr marL="514350" indent="-514350">
-                  <a:buFont typeface="+mj-lt"/>
-                  <a:buAutoNum type="arabicPeriod" startAt="2"/>
-                </a:pPr>
-                <a:r>
-                  <a:rPr lang="en-US" altLang="zh-TW" sz="2400" dirty="0">
-                    <a:latin typeface="Times" panose="02020603050405020304" pitchFamily="18" charset="0"/>
-                    <a:cs typeface="Times" panose="02020603050405020304" pitchFamily="18" charset="0"/>
-                  </a:rPr>
-                  <a:t>Multi-feature-based Cell Padding</a:t>
-                </a:r>
-              </a:p>
-              <a:p>
-                <a:pPr marL="514350" indent="-514350">
-                  <a:buFont typeface="+mj-lt"/>
-                  <a:buAutoNum type="arabicPeriod" startAt="3"/>
-                </a:pPr>
-                <a:endParaRPr lang="en-US" altLang="zh-TW" sz="300" dirty="0">
-                  <a:latin typeface="Times" panose="02020603050405020304" pitchFamily="18" charset="0"/>
-                  <a:cs typeface="Times" panose="02020603050405020304" pitchFamily="18" charset="0"/>
-                </a:endParaRPr>
-              </a:p>
-              <a:p>
-                <a:pPr>
-                  <a:lnSpc>
-                    <a:spcPct val="130000"/>
-                  </a:lnSpc>
-                </a:pPr>
-                <a:r>
-                  <a:rPr lang="en-US" altLang="zh-TW" sz="2200" dirty="0">
-                    <a:latin typeface="Times" panose="02020603050405020304" pitchFamily="18" charset="0"/>
-                    <a:cs typeface="Times" panose="02020603050405020304" pitchFamily="18" charset="0"/>
-                  </a:rPr>
-                  <a:t> If a cell have non-positive padding, it should go through the recycling process to withdraw a part of history padding.</a:t>
-                </a:r>
-              </a:p>
-              <a:p>
-                <a:pPr>
-                  <a:lnSpc>
-                    <a:spcPct val="130000"/>
-                  </a:lnSpc>
-                </a:pPr>
-                <a:r>
-                  <a:rPr lang="en-US" altLang="zh-TW" sz="2200" dirty="0">
-                    <a:latin typeface="Times" panose="02020603050405020304" pitchFamily="18" charset="0"/>
-                    <a:cs typeface="Times" panose="02020603050405020304" pitchFamily="18" charset="0"/>
-                  </a:rPr>
-                  <a:t>Padding utilization:</a:t>
-                </a:r>
-              </a:p>
-              <a:p>
-                <a:pPr marL="0" indent="0">
-                  <a:lnSpc>
-                    <a:spcPct val="130000"/>
-                  </a:lnSpc>
-                  <a:buNone/>
-                </a:pPr>
-                <a:endParaRPr lang="en-US" altLang="zh-TW" sz="2200" dirty="0">
-                  <a:latin typeface="Times" panose="02020603050405020304" pitchFamily="18" charset="0"/>
-                  <a:cs typeface="Times" panose="02020603050405020304" pitchFamily="18" charset="0"/>
-                </a:endParaRPr>
-              </a:p>
-              <a:p>
-                <a:pPr marL="0" indent="0">
-                  <a:lnSpc>
-                    <a:spcPct val="130000"/>
-                  </a:lnSpc>
-                  <a:buNone/>
-                </a:pPr>
-                <a:endParaRPr lang="en-US" altLang="zh-TW" sz="900" dirty="0">
-                  <a:latin typeface="Times" panose="02020603050405020304" pitchFamily="18" charset="0"/>
-                  <a:cs typeface="Times" panose="02020603050405020304" pitchFamily="18" charset="0"/>
-                </a:endParaRPr>
-              </a:p>
-              <a:p>
-                <a:pPr marL="0" indent="0">
-                  <a:lnSpc>
-                    <a:spcPct val="130000"/>
-                  </a:lnSpc>
-                  <a:buNone/>
-                </a:pPr>
-                <a:endParaRPr lang="en-US" altLang="zh-TW" sz="900" dirty="0">
-                  <a:latin typeface="Times" panose="02020603050405020304" pitchFamily="18" charset="0"/>
-                  <a:cs typeface="Times" panose="02020603050405020304" pitchFamily="18" charset="0"/>
-                </a:endParaRPr>
-              </a:p>
-              <a:p>
-                <a:pPr>
-                  <a:lnSpc>
-                    <a:spcPct val="110000"/>
-                  </a:lnSpc>
-                  <a:buFont typeface="Wingdings" panose="05000000000000000000" pitchFamily="2" charset="2"/>
-                  <a:buChar char="Ø"/>
-                </a:pPr>
-                <a:r>
-                  <a:rPr lang="en-US" altLang="zh-TW" sz="2200" dirty="0">
-                    <a:latin typeface="Times" panose="02020603050405020304" pitchFamily="18" charset="0"/>
-                    <a:cs typeface="Times" panose="02020603050405020304" pitchFamily="18" charset="0"/>
-                  </a:rPr>
-                  <a:t> </a:t>
-                </a:r>
-                <a14:m>
-                  <m:oMath xmlns:m="http://schemas.openxmlformats.org/officeDocument/2006/math">
-                    <m:r>
-                      <a:rPr lang="en-US" altLang="zh-TW" sz="2000" b="0" i="1" smtClean="0">
-                        <a:latin typeface="Cambria Math" panose="02040503050406030204" pitchFamily="18" charset="0"/>
-                        <a:cs typeface="Times" panose="02020603050405020304" pitchFamily="18" charset="0"/>
-                      </a:rPr>
-                      <m:t>𝑝</m:t>
-                    </m:r>
-                    <m:sSub>
-                      <m:sSubPr>
-                        <m:ctrlPr>
-                          <a:rPr lang="en-US" altLang="zh-TW" sz="2000" b="0" i="1" smtClean="0">
-                            <a:latin typeface="Cambria Math" panose="02040503050406030204" pitchFamily="18" charset="0"/>
-                            <a:cs typeface="Times" panose="02020603050405020304" pitchFamily="18" charset="0"/>
-                          </a:rPr>
-                        </m:ctrlPr>
-                      </m:sSubPr>
-                      <m:e>
-                        <m:r>
-                          <a:rPr lang="en-US" altLang="zh-TW" sz="2000" b="0" i="1" smtClean="0">
-                            <a:latin typeface="Cambria Math" panose="02040503050406030204" pitchFamily="18" charset="0"/>
-                            <a:cs typeface="Times" panose="02020603050405020304" pitchFamily="18" charset="0"/>
-                          </a:rPr>
-                          <m:t>𝑢</m:t>
-                        </m:r>
-                      </m:e>
-                      <m:sub>
-                        <m:r>
-                          <a:rPr lang="en-US" altLang="zh-TW" sz="2000" b="0" i="1" smtClean="0">
-                            <a:latin typeface="Cambria Math" panose="02040503050406030204" pitchFamily="18" charset="0"/>
-                            <a:cs typeface="Times" panose="02020603050405020304" pitchFamily="18" charset="0"/>
-                          </a:rPr>
-                          <m:t>𝑖</m:t>
-                        </m:r>
-                      </m:sub>
-                    </m:sSub>
-                    <m:r>
-                      <a:rPr lang="en-US" altLang="zh-TW" sz="2000" b="0" i="1" smtClean="0">
-                        <a:latin typeface="Cambria Math" panose="02040503050406030204" pitchFamily="18" charset="0"/>
-                        <a:cs typeface="Times" panose="02020603050405020304" pitchFamily="18" charset="0"/>
-                      </a:rPr>
-                      <m:t> </m:t>
-                    </m:r>
-                  </m:oMath>
-                </a14:m>
-                <a:r>
-                  <a:rPr lang="en-US" altLang="zh-TW" sz="2000" dirty="0">
-                    <a:latin typeface="Times" panose="02020603050405020304" pitchFamily="18" charset="0"/>
-                    <a:cs typeface="Times" panose="02020603050405020304" pitchFamily="18" charset="0"/>
-                  </a:rPr>
-                  <a:t>: padding utilization of line 5</a:t>
-                </a:r>
-              </a:p>
-              <a:p>
-                <a:pPr>
-                  <a:lnSpc>
-                    <a:spcPct val="110000"/>
-                  </a:lnSpc>
-                  <a:buFont typeface="Wingdings" panose="05000000000000000000" pitchFamily="2" charset="2"/>
-                  <a:buChar char="Ø"/>
-                </a:pPr>
-                <a:r>
-                  <a:rPr lang="en-US" altLang="zh-TW" sz="2000" dirty="0">
-                    <a:latin typeface="Times" panose="02020603050405020304" pitchFamily="18" charset="0"/>
-                    <a:cs typeface="Times" panose="02020603050405020304" pitchFamily="18" charset="0"/>
-                  </a:rPr>
-                  <a:t> </a:t>
-                </a:r>
-                <a14:m>
-                  <m:oMath xmlns:m="http://schemas.openxmlformats.org/officeDocument/2006/math">
-                    <m:r>
-                      <a:rPr lang="en-US" altLang="zh-TW" sz="2000" b="0" i="1" smtClean="0">
-                        <a:latin typeface="Cambria Math" panose="02040503050406030204" pitchFamily="18" charset="0"/>
-                        <a:cs typeface="Times" panose="02020603050405020304" pitchFamily="18" charset="0"/>
-                      </a:rPr>
-                      <m:t>𝑝</m:t>
-                    </m:r>
-                    <m:sSub>
-                      <m:sSubPr>
-                        <m:ctrlPr>
-                          <a:rPr lang="en-US" altLang="zh-TW" sz="2000" b="0" i="1" smtClean="0">
-                            <a:latin typeface="Cambria Math" panose="02040503050406030204" pitchFamily="18" charset="0"/>
-                            <a:cs typeface="Times" panose="02020603050405020304" pitchFamily="18" charset="0"/>
-                          </a:rPr>
-                        </m:ctrlPr>
-                      </m:sSubPr>
-                      <m:e>
-                        <m:r>
-                          <a:rPr lang="en-US" altLang="zh-TW" sz="2000" b="0" i="1" smtClean="0">
-                            <a:latin typeface="Cambria Math" panose="02040503050406030204" pitchFamily="18" charset="0"/>
-                            <a:cs typeface="Times" panose="02020603050405020304" pitchFamily="18" charset="0"/>
-                          </a:rPr>
-                          <m:t>𝑢</m:t>
-                        </m:r>
-                      </m:e>
-                      <m:sub>
-                        <m:r>
-                          <a:rPr lang="en-US" altLang="zh-TW" sz="2000" b="0" i="1" smtClean="0">
-                            <a:latin typeface="Cambria Math" panose="02040503050406030204" pitchFamily="18" charset="0"/>
-                            <a:cs typeface="Times" panose="02020603050405020304" pitchFamily="18" charset="0"/>
-                          </a:rPr>
-                          <m:t>𝑙𝑜𝑤</m:t>
-                        </m:r>
-                      </m:sub>
-                    </m:sSub>
-                    <m:r>
-                      <a:rPr lang="en-US" altLang="zh-TW" sz="2000" b="0" i="1" smtClean="0">
-                        <a:latin typeface="Cambria Math" panose="02040503050406030204" pitchFamily="18" charset="0"/>
-                        <a:cs typeface="Times" panose="02020603050405020304" pitchFamily="18" charset="0"/>
-                      </a:rPr>
-                      <m:t>, </m:t>
-                    </m:r>
-                    <m:r>
-                      <a:rPr lang="en-US" altLang="zh-TW" sz="2000" i="1">
-                        <a:latin typeface="Cambria Math" panose="02040503050406030204" pitchFamily="18" charset="0"/>
-                        <a:cs typeface="Times" panose="02020603050405020304" pitchFamily="18" charset="0"/>
-                      </a:rPr>
-                      <m:t>𝑝</m:t>
-                    </m:r>
-                    <m:sSub>
-                      <m:sSubPr>
-                        <m:ctrlPr>
-                          <a:rPr lang="en-US" altLang="zh-TW" sz="2000" i="1">
-                            <a:latin typeface="Cambria Math" panose="02040503050406030204" pitchFamily="18" charset="0"/>
-                            <a:cs typeface="Times" panose="02020603050405020304" pitchFamily="18" charset="0"/>
-                          </a:rPr>
-                        </m:ctrlPr>
-                      </m:sSubPr>
-                      <m:e>
-                        <m:r>
-                          <a:rPr lang="en-US" altLang="zh-TW" sz="2000" i="1">
-                            <a:latin typeface="Cambria Math" panose="02040503050406030204" pitchFamily="18" charset="0"/>
-                            <a:cs typeface="Times" panose="02020603050405020304" pitchFamily="18" charset="0"/>
-                          </a:rPr>
-                          <m:t>𝑢</m:t>
-                        </m:r>
-                      </m:e>
-                      <m:sub>
-                        <m:r>
-                          <a:rPr lang="en-US" altLang="zh-TW" sz="2000" b="0" i="1" smtClean="0">
-                            <a:latin typeface="Cambria Math" panose="02040503050406030204" pitchFamily="18" charset="0"/>
-                            <a:cs typeface="Times" panose="02020603050405020304" pitchFamily="18" charset="0"/>
-                          </a:rPr>
-                          <m:t>h𝑖𝑔h</m:t>
-                        </m:r>
-                      </m:sub>
-                    </m:sSub>
-                  </m:oMath>
-                </a14:m>
-                <a:r>
-                  <a:rPr lang="en-US" altLang="zh-TW" sz="2000" dirty="0">
-                    <a:latin typeface="Times" panose="02020603050405020304" pitchFamily="18" charset="0"/>
-                    <a:cs typeface="Times" panose="02020603050405020304" pitchFamily="18" charset="0"/>
-                  </a:rPr>
-                  <a:t> : strategy parameter determining min and max padding utilization</a:t>
-                </a:r>
-              </a:p>
-              <a:p>
-                <a:pPr>
-                  <a:lnSpc>
-                    <a:spcPct val="110000"/>
-                  </a:lnSpc>
-                  <a:buFont typeface="Wingdings" panose="05000000000000000000" pitchFamily="2" charset="2"/>
-                  <a:buChar char="Ø"/>
-                </a:pPr>
-                <a:r>
-                  <a:rPr lang="en-US" altLang="zh-TW" sz="2000" dirty="0">
-                    <a:latin typeface="Times" panose="02020603050405020304" pitchFamily="18" charset="0"/>
-                    <a:cs typeface="Times" panose="02020603050405020304" pitchFamily="18" charset="0"/>
-                  </a:rPr>
-                  <a:t> ξ : max iteration of routing optimization</a:t>
-                </a:r>
-              </a:p>
-            </p:txBody>
-          </p:sp>
-        </mc:Choice>
-        <mc:Fallback xmlns="">
-          <p:sp>
-            <p:nvSpPr>
-              <p:cNvPr id="3" name="內容版面配置區 2">
-                <a:extLst>
-                  <a:ext uri="{FF2B5EF4-FFF2-40B4-BE49-F238E27FC236}">
-                    <a16:creationId xmlns:a16="http://schemas.microsoft.com/office/drawing/2014/main" id="{CDD6591C-6706-1D9B-A7CF-BE488BA469CB}"/>
-                  </a:ext>
-                </a:extLst>
-              </p:cNvPr>
-              <p:cNvSpPr>
-                <a:spLocks noGrp="1" noRot="1" noChangeAspect="1" noMove="1" noResize="1" noEditPoints="1" noAdjustHandles="1" noChangeArrowheads="1" noChangeShapeType="1" noTextEdit="1"/>
-              </p:cNvSpPr>
-              <p:nvPr>
-                <p:ph idx="1"/>
-              </p:nvPr>
-            </p:nvSpPr>
-            <p:spPr>
-              <a:xfrm>
-                <a:off x="839645" y="1846585"/>
-                <a:ext cx="10512709" cy="5083604"/>
-              </a:xfrm>
-              <a:blipFill>
-                <a:blip r:embed="rId3"/>
-                <a:stretch>
-                  <a:fillRect l="-812" t="-1679"/>
-                </a:stretch>
-              </a:blipFill>
-            </p:spPr>
-            <p:txBody>
-              <a:bodyPr/>
-              <a:lstStyle/>
-              <a:p>
-                <a:r>
-                  <a:rPr lang="zh-TW" altLang="en-US">
-                    <a:noFill/>
-                  </a:rPr>
-                  <a:t> </a:t>
-                </a:r>
-              </a:p>
-            </p:txBody>
-          </p:sp>
-        </mc:Fallback>
-      </mc:AlternateContent>
-      <p:sp>
-        <p:nvSpPr>
-          <p:cNvPr id="4" name="投影片編號版面配置區 3">
-            <a:extLst>
-              <a:ext uri="{FF2B5EF4-FFF2-40B4-BE49-F238E27FC236}">
-                <a16:creationId xmlns:a16="http://schemas.microsoft.com/office/drawing/2014/main" id="{C4A4DCC3-BB49-91CF-D3FC-B1B0701D13DC}"/>
-              </a:ext>
-            </a:extLst>
-          </p:cNvPr>
-          <p:cNvSpPr>
-            <a:spLocks noGrp="1"/>
-          </p:cNvSpPr>
-          <p:nvPr>
-            <p:ph type="sldNum" sz="quarter" idx="12"/>
-          </p:nvPr>
-        </p:nvSpPr>
-        <p:spPr/>
-        <p:txBody>
-          <a:bodyPr/>
-          <a:lstStyle/>
-          <a:p>
-            <a:fld id="{666274A1-CF9C-426A-8DD4-B13ED0C24231}" type="slidenum">
-              <a:rPr lang="en-US" smtClean="0"/>
-              <a:t>23</a:t>
-            </a:fld>
-            <a:endParaRPr lang="en-US" dirty="0"/>
-          </a:p>
-        </p:txBody>
-      </p:sp>
-      <p:pic>
-        <p:nvPicPr>
-          <p:cNvPr id="9" name="圖片 8">
-            <a:extLst>
-              <a:ext uri="{FF2B5EF4-FFF2-40B4-BE49-F238E27FC236}">
-                <a16:creationId xmlns:a16="http://schemas.microsoft.com/office/drawing/2014/main" id="{442D7C86-38FF-CED7-CD1D-78106517D1BE}"/>
-              </a:ext>
-            </a:extLst>
-          </p:cNvPr>
-          <p:cNvPicPr>
-            <a:picLocks noChangeAspect="1"/>
-          </p:cNvPicPr>
-          <p:nvPr/>
-        </p:nvPicPr>
-        <p:blipFill>
-          <a:blip r:embed="rId4"/>
-          <a:stretch>
-            <a:fillRect/>
-          </a:stretch>
-        </p:blipFill>
-        <p:spPr>
-          <a:xfrm>
-            <a:off x="3524381" y="3975283"/>
-            <a:ext cx="5143236" cy="826208"/>
-          </a:xfrm>
-          <a:prstGeom prst="rect">
-            <a:avLst/>
-          </a:prstGeom>
-        </p:spPr>
-      </p:pic>
-    </p:spTree>
-    <p:extLst>
-      <p:ext uri="{BB962C8B-B14F-4D97-AF65-F5344CB8AC3E}">
-        <p14:creationId xmlns:p14="http://schemas.microsoft.com/office/powerpoint/2010/main" val="149396179"/>
-      </p:ext>
-    </p:extLst>
-  </p:cSld>
-  <p:clrMapOvr>
-    <a:masterClrMapping/>
-  </p:clrMapOvr>
-</p:sld>
-</file>
-
-<file path=ppt/slides/slide25.xml><?xml version="1.0" encoding="utf-8"?>
-<p:sld xmlns:a="http://schemas.openxmlformats.org/drawingml/2006/main" xmlns:r="http://schemas.openxmlformats.org/officeDocument/2006/relationships" xmlns:p="http://schemas.openxmlformats.org/presentationml/2006/main">
-  <p:cSld>
-    <p:spTree>
-      <p:nvGrpSpPr>
-        <p:cNvPr id="1" name=""/>
-        <p:cNvGrpSpPr/>
-        <p:nvPr/>
-      </p:nvGrpSpPr>
-      <p:grpSpPr>
-        <a:xfrm>
-          <a:off x="0" y="0"/>
-          <a:ext cx="0" cy="0"/>
-          <a:chOff x="0" y="0"/>
-          <a:chExt cx="0" cy="0"/>
-        </a:xfrm>
-      </p:grpSpPr>
-      <p:sp>
-        <p:nvSpPr>
-          <p:cNvPr id="2" name="標題 1">
-            <a:extLst>
-              <a:ext uri="{FF2B5EF4-FFF2-40B4-BE49-F238E27FC236}">
-                <a16:creationId xmlns:a16="http://schemas.microsoft.com/office/drawing/2014/main" id="{AEDF6777-6236-46F8-93C4-053ACE59502E}"/>
-              </a:ext>
-            </a:extLst>
-          </p:cNvPr>
-          <p:cNvSpPr>
-            <a:spLocks noGrp="1"/>
-          </p:cNvSpPr>
-          <p:nvPr>
-            <p:ph type="title"/>
-          </p:nvPr>
-        </p:nvSpPr>
-        <p:spPr>
-          <a:xfrm>
-            <a:off x="434738" y="320675"/>
-            <a:ext cx="11757262" cy="1325563"/>
-          </a:xfrm>
-        </p:spPr>
-        <p:txBody>
-          <a:bodyPr>
-            <a:normAutofit/>
-          </a:bodyPr>
-          <a:lstStyle/>
-          <a:p>
-            <a:r>
-              <a:rPr lang="en-US" altLang="zh-TW" sz="4000" dirty="0">
-                <a:latin typeface="Times" panose="02020603050405020304" pitchFamily="18" charset="0"/>
-                <a:cs typeface="Times" panose="02020603050405020304" pitchFamily="18" charset="0"/>
-              </a:rPr>
-              <a:t>Multi-feature-based Cell Padding</a:t>
-            </a:r>
-          </a:p>
-        </p:txBody>
-      </p:sp>
-      <p:sp>
-        <p:nvSpPr>
-          <p:cNvPr id="3" name="內容版面配置區 2">
-            <a:extLst>
-              <a:ext uri="{FF2B5EF4-FFF2-40B4-BE49-F238E27FC236}">
-                <a16:creationId xmlns:a16="http://schemas.microsoft.com/office/drawing/2014/main" id="{CDD6591C-6706-1D9B-A7CF-BE488BA469CB}"/>
-              </a:ext>
-            </a:extLst>
-          </p:cNvPr>
-          <p:cNvSpPr>
-            <a:spLocks noGrp="1"/>
-          </p:cNvSpPr>
-          <p:nvPr>
-            <p:ph idx="1"/>
-          </p:nvPr>
-        </p:nvSpPr>
-        <p:spPr>
-          <a:xfrm>
-            <a:off x="839645" y="1846585"/>
-            <a:ext cx="10512709" cy="4874890"/>
-          </a:xfrm>
-        </p:spPr>
-        <p:txBody>
-          <a:bodyPr>
-            <a:normAutofit/>
-          </a:bodyPr>
-          <a:lstStyle/>
-          <a:p>
-            <a:pPr marL="514350" indent="-514350">
-              <a:buFont typeface="+mj-lt"/>
-              <a:buAutoNum type="arabicPeriod" startAt="2"/>
-            </a:pPr>
-            <a:r>
-              <a:rPr lang="en-US" altLang="zh-TW" sz="2400" dirty="0">
-                <a:latin typeface="Times" panose="02020603050405020304" pitchFamily="18" charset="0"/>
-                <a:cs typeface="Times" panose="02020603050405020304" pitchFamily="18" charset="0"/>
-              </a:rPr>
-              <a:t>Multi-feature-based Cell Padding</a:t>
-            </a:r>
-          </a:p>
-          <a:p>
-            <a:pPr marL="514350" indent="-514350">
-              <a:buFont typeface="+mj-lt"/>
-              <a:buAutoNum type="arabicPeriod" startAt="2"/>
-            </a:pPr>
-            <a:endParaRPr lang="en-US" altLang="zh-TW" sz="2000" dirty="0">
-              <a:latin typeface="Times" panose="02020603050405020304" pitchFamily="18" charset="0"/>
-              <a:cs typeface="Times" panose="02020603050405020304" pitchFamily="18" charset="0"/>
-            </a:endParaRPr>
-          </a:p>
-          <a:p>
-            <a:pPr>
-              <a:lnSpc>
-                <a:spcPct val="130000"/>
-              </a:lnSpc>
-            </a:pPr>
-            <a:r>
-              <a:rPr lang="en-US" altLang="zh-TW" sz="2200" dirty="0">
-                <a:latin typeface="Times" panose="02020603050405020304" pitchFamily="18" charset="0"/>
-                <a:cs typeface="Times" panose="02020603050405020304" pitchFamily="18" charset="0"/>
-              </a:rPr>
-              <a:t> </a:t>
-            </a:r>
-            <a:r>
-              <a:rPr lang="en-US" altLang="zh-TW" sz="2200" dirty="0" err="1">
-                <a:latin typeface="Times" panose="02020603050405020304" pitchFamily="18" charset="0"/>
-                <a:cs typeface="Times" panose="02020603050405020304" pitchFamily="18" charset="0"/>
-              </a:rPr>
-              <a:t>Routabililty</a:t>
-            </a:r>
-            <a:r>
-              <a:rPr lang="en-US" altLang="zh-TW" sz="2200" dirty="0">
-                <a:latin typeface="Times" panose="02020603050405020304" pitchFamily="18" charset="0"/>
-                <a:cs typeface="Times" panose="02020603050405020304" pitchFamily="18" charset="0"/>
-              </a:rPr>
-              <a:t> optimization process:</a:t>
-            </a:r>
-          </a:p>
-        </p:txBody>
-      </p:sp>
-      <p:sp>
-        <p:nvSpPr>
-          <p:cNvPr id="4" name="投影片編號版面配置區 3">
-            <a:extLst>
-              <a:ext uri="{FF2B5EF4-FFF2-40B4-BE49-F238E27FC236}">
-                <a16:creationId xmlns:a16="http://schemas.microsoft.com/office/drawing/2014/main" id="{C4A4DCC3-BB49-91CF-D3FC-B1B0701D13DC}"/>
-              </a:ext>
-            </a:extLst>
-          </p:cNvPr>
-          <p:cNvSpPr>
-            <a:spLocks noGrp="1"/>
-          </p:cNvSpPr>
-          <p:nvPr>
-            <p:ph type="sldNum" sz="quarter" idx="12"/>
-          </p:nvPr>
-        </p:nvSpPr>
-        <p:spPr/>
-        <p:txBody>
-          <a:bodyPr/>
-          <a:lstStyle/>
-          <a:p>
-            <a:fld id="{666274A1-CF9C-426A-8DD4-B13ED0C24231}" type="slidenum">
-              <a:rPr lang="en-US" smtClean="0"/>
-              <a:t>24</a:t>
-            </a:fld>
-            <a:endParaRPr lang="en-US" dirty="0"/>
-          </a:p>
-        </p:txBody>
-      </p:sp>
-      <p:pic>
-        <p:nvPicPr>
-          <p:cNvPr id="8" name="圖片 7">
-            <a:extLst>
-              <a:ext uri="{FF2B5EF4-FFF2-40B4-BE49-F238E27FC236}">
-                <a16:creationId xmlns:a16="http://schemas.microsoft.com/office/drawing/2014/main" id="{B3CA337D-AFC2-C562-AA80-567D9D843CBB}"/>
-              </a:ext>
-            </a:extLst>
-          </p:cNvPr>
-          <p:cNvPicPr>
-            <a:picLocks noChangeAspect="1"/>
-          </p:cNvPicPr>
-          <p:nvPr/>
-        </p:nvPicPr>
-        <p:blipFill>
-          <a:blip r:embed="rId3"/>
-          <a:stretch>
-            <a:fillRect/>
-          </a:stretch>
-        </p:blipFill>
-        <p:spPr>
-          <a:xfrm>
-            <a:off x="2200593" y="1646238"/>
-            <a:ext cx="7790813" cy="4828381"/>
-          </a:xfrm>
-          <a:prstGeom prst="rect">
-            <a:avLst/>
-          </a:prstGeom>
-        </p:spPr>
-      </p:pic>
-    </p:spTree>
-    <p:extLst>
-      <p:ext uri="{BB962C8B-B14F-4D97-AF65-F5344CB8AC3E}">
-        <p14:creationId xmlns:p14="http://schemas.microsoft.com/office/powerpoint/2010/main" val="3172725510"/>
-      </p:ext>
-    </p:extLst>
-  </p:cSld>
-  <p:clrMapOvr>
-    <a:masterClrMapping/>
-  </p:clrMapOvr>
-  <p:timing>
-    <p:tnLst>
-      <p:par>
-        <p:cTn id="1" dur="indefinite" restart="never" nodeType="tmRoot">
-          <p:childTnLst>
-            <p:seq concurrent="1" nextAc="seek">
-              <p:cTn id="2" dur="indefinite" nodeType="mainSeq">
-                <p:childTnLst>
-                  <p:par>
-                    <p:cTn id="3" fill="hold">
-                      <p:stCondLst>
-                        <p:cond delay="indefinite"/>
-                      </p:stCondLst>
-                      <p:childTnLst>
-                        <p:par>
-                          <p:cTn id="4" fill="hold">
-                            <p:stCondLst>
-                              <p:cond delay="0"/>
-                            </p:stCondLst>
-                            <p:childTnLst>
-                              <p:par>
-                                <p:cTn id="5" presetID="1" presetClass="entr" presetSubtype="0" fill="hold" nodeType="clickEffect">
-                                  <p:stCondLst>
-                                    <p:cond delay="0"/>
-                                  </p:stCondLst>
-                                  <p:childTnLst>
-                                    <p:set>
-                                      <p:cBhvr>
-                                        <p:cTn id="6" dur="1" fill="hold">
-                                          <p:stCondLst>
-                                            <p:cond delay="0"/>
-                                          </p:stCondLst>
-                                        </p:cTn>
-                                        <p:tgtEl>
-                                          <p:spTgt spid="8"/>
-                                        </p:tgtEl>
-                                        <p:attrNameLst>
-                                          <p:attrName>style.visibility</p:attrName>
-                                        </p:attrNameLst>
-                                      </p:cBhvr>
-                                      <p:to>
-                                        <p:strVal val="visible"/>
-                                      </p:to>
-                                    </p:set>
-                                  </p:childTnLst>
-                                </p:cTn>
-                              </p:par>
-                            </p:childTnLst>
-                          </p:cTn>
-                        </p:par>
-                      </p:childTnLst>
-                    </p:cTn>
-                  </p:par>
-                </p:childTnLst>
-              </p:cTn>
-              <p:prevCondLst>
-                <p:cond evt="onPrev" delay="0">
-                  <p:tgtEl>
-                    <p:sldTgt/>
-                  </p:tgtEl>
-                </p:cond>
-              </p:prevCondLst>
-              <p:nextCondLst>
-                <p:cond evt="onNext" delay="0">
-                  <p:tgtEl>
-                    <p:sldTgt/>
-                  </p:tgtEl>
-                </p:cond>
-              </p:nextCondLst>
-            </p:seq>
-          </p:childTnLst>
-        </p:cTn>
-      </p:par>
-    </p:tnLst>
-  </p:timing>
-</p:sld>
-</file>
-
-<file path=ppt/slides/slide26.xml><?xml version="1.0" encoding="utf-8"?>
-<p:sld xmlns:a="http://schemas.openxmlformats.org/drawingml/2006/main" xmlns:r="http://schemas.openxmlformats.org/officeDocument/2006/relationships" xmlns:p="http://schemas.openxmlformats.org/presentationml/2006/main">
-  <p:cSld>
-    <p:spTree>
-      <p:nvGrpSpPr>
-        <p:cNvPr id="1" name=""/>
-        <p:cNvGrpSpPr/>
-        <p:nvPr/>
-      </p:nvGrpSpPr>
-      <p:grpSpPr>
-        <a:xfrm>
-          <a:off x="0" y="0"/>
-          <a:ext cx="0" cy="0"/>
-          <a:chOff x="0" y="0"/>
-          <a:chExt cx="0" cy="0"/>
-        </a:xfrm>
-      </p:grpSpPr>
-      <p:sp>
-        <p:nvSpPr>
-          <p:cNvPr id="2" name="標題 1">
-            <a:extLst>
-              <a:ext uri="{FF2B5EF4-FFF2-40B4-BE49-F238E27FC236}">
-                <a16:creationId xmlns:a16="http://schemas.microsoft.com/office/drawing/2014/main" id="{AEDF6777-6236-46F8-93C4-053ACE59502E}"/>
-              </a:ext>
-            </a:extLst>
-          </p:cNvPr>
-          <p:cNvSpPr>
-            <a:spLocks noGrp="1"/>
-          </p:cNvSpPr>
-          <p:nvPr>
-            <p:ph type="title"/>
-          </p:nvPr>
-        </p:nvSpPr>
-        <p:spPr>
-          <a:xfrm>
-            <a:off x="434738" y="320675"/>
-            <a:ext cx="11757262" cy="1325563"/>
-          </a:xfrm>
-        </p:spPr>
-        <p:txBody>
-          <a:bodyPr>
-            <a:normAutofit/>
-          </a:bodyPr>
-          <a:lstStyle/>
-          <a:p>
-            <a:r>
-              <a:rPr lang="en-US" altLang="zh-TW" sz="4000" dirty="0">
-                <a:latin typeface="Times" panose="02020603050405020304" pitchFamily="18" charset="0"/>
-                <a:cs typeface="Times" panose="02020603050405020304" pitchFamily="18" charset="0"/>
-              </a:rPr>
-              <a:t>Multi-feature-based Cell Padding</a:t>
-            </a:r>
-          </a:p>
-        </p:txBody>
-      </p:sp>
-      <mc:AlternateContent xmlns:mc="http://schemas.openxmlformats.org/markup-compatibility/2006" xmlns:a14="http://schemas.microsoft.com/office/drawing/2010/main">
-        <mc:Choice Requires="a14">
-          <p:sp>
-            <p:nvSpPr>
-              <p:cNvPr id="3" name="內容版面配置區 2">
-                <a:extLst>
-                  <a:ext uri="{FF2B5EF4-FFF2-40B4-BE49-F238E27FC236}">
-                    <a16:creationId xmlns:a16="http://schemas.microsoft.com/office/drawing/2014/main" id="{CDD6591C-6706-1D9B-A7CF-BE488BA469CB}"/>
-                  </a:ext>
-                </a:extLst>
-              </p:cNvPr>
-              <p:cNvSpPr>
-                <a:spLocks noGrp="1"/>
-              </p:cNvSpPr>
-              <p:nvPr>
-                <p:ph idx="1"/>
-              </p:nvPr>
-            </p:nvSpPr>
-            <p:spPr>
-              <a:xfrm>
-                <a:off x="839645" y="1846585"/>
-                <a:ext cx="10512709" cy="4874890"/>
-              </a:xfrm>
-            </p:spPr>
-            <p:txBody>
-              <a:bodyPr>
-                <a:normAutofit lnSpcReduction="10000"/>
-              </a:bodyPr>
-              <a:lstStyle/>
-              <a:p>
-                <a:pPr marL="514350" indent="-514350">
-                  <a:buFont typeface="+mj-lt"/>
-                  <a:buAutoNum type="arabicPeriod" startAt="2"/>
-                </a:pPr>
-                <a:r>
-                  <a:rPr lang="en-US" altLang="zh-TW" sz="2400" dirty="0">
-                    <a:latin typeface="Times" panose="02020603050405020304" pitchFamily="18" charset="0"/>
-                    <a:cs typeface="Times" panose="02020603050405020304" pitchFamily="18" charset="0"/>
-                  </a:rPr>
-                  <a:t>Multi-feature-based Cell Padding</a:t>
-                </a:r>
-              </a:p>
-              <a:p>
-                <a:pPr marL="514350" indent="-514350">
-                  <a:buFont typeface="+mj-lt"/>
-                  <a:buAutoNum type="arabicPeriod" startAt="3"/>
-                </a:pPr>
-                <a:endParaRPr lang="en-US" altLang="zh-TW" sz="600" dirty="0">
-                  <a:latin typeface="Times" panose="02020603050405020304" pitchFamily="18" charset="0"/>
-                  <a:cs typeface="Times" panose="02020603050405020304" pitchFamily="18" charset="0"/>
-                </a:endParaRPr>
-              </a:p>
-              <a:p>
-                <a:pPr>
-                  <a:lnSpc>
-                    <a:spcPct val="130000"/>
-                  </a:lnSpc>
-                </a:pPr>
-                <a:r>
-                  <a:rPr lang="en-US" altLang="zh-TW" sz="2200" dirty="0">
-                    <a:latin typeface="Times" panose="02020603050405020304" pitchFamily="18" charset="0"/>
-                    <a:cs typeface="Times" panose="02020603050405020304" pitchFamily="18" charset="0"/>
-                  </a:rPr>
-                  <a:t> Three conditions to trigger the </a:t>
-                </a:r>
-                <a:r>
-                  <a:rPr lang="en-US" altLang="zh-TW" sz="2200" dirty="0" err="1">
-                    <a:latin typeface="Times" panose="02020603050405020304" pitchFamily="18" charset="0"/>
-                    <a:cs typeface="Times" panose="02020603050405020304" pitchFamily="18" charset="0"/>
-                  </a:rPr>
-                  <a:t>routability</a:t>
-                </a:r>
-                <a:r>
-                  <a:rPr lang="en-US" altLang="zh-TW" sz="2200" dirty="0">
-                    <a:latin typeface="Times" panose="02020603050405020304" pitchFamily="18" charset="0"/>
-                    <a:cs typeface="Times" panose="02020603050405020304" pitchFamily="18" charset="0"/>
-                  </a:rPr>
-                  <a:t> optimizer (</a:t>
-                </a:r>
-                <a14:m>
-                  <m:oMath xmlns:m="http://schemas.openxmlformats.org/officeDocument/2006/math">
-                    <m:r>
-                      <a:rPr lang="zh-TW" altLang="en-US" sz="2400" i="1" smtClean="0">
-                        <a:latin typeface="Cambria Math" panose="02040503050406030204" pitchFamily="18" charset="0"/>
-                        <a:cs typeface="Times" panose="02020603050405020304" pitchFamily="18" charset="0"/>
-                      </a:rPr>
-                      <m:t>𝜏</m:t>
-                    </m:r>
-                  </m:oMath>
-                </a14:m>
-                <a:r>
-                  <a:rPr lang="en-US" altLang="zh-TW" sz="2200" dirty="0">
-                    <a:latin typeface="Times" panose="02020603050405020304" pitchFamily="18" charset="0"/>
-                    <a:cs typeface="Times" panose="02020603050405020304" pitchFamily="18" charset="0"/>
-                  </a:rPr>
-                  <a:t>, </a:t>
-                </a:r>
-                <a14:m>
-                  <m:oMath xmlns:m="http://schemas.openxmlformats.org/officeDocument/2006/math">
-                    <m:r>
-                      <a:rPr lang="en-US" altLang="zh-TW" sz="2400" i="1" dirty="0">
-                        <a:latin typeface="Cambria Math" panose="02040503050406030204" pitchFamily="18" charset="0"/>
-                        <a:cs typeface="Times" panose="02020603050405020304" pitchFamily="18" charset="0"/>
-                      </a:rPr>
-                      <m:t>𝜂</m:t>
-                    </m:r>
-                  </m:oMath>
-                </a14:m>
-                <a:r>
-                  <a:rPr lang="en-US" altLang="zh-TW" sz="2200" dirty="0">
-                    <a:latin typeface="Times" panose="02020603050405020304" pitchFamily="18" charset="0"/>
-                    <a:cs typeface="Times" panose="02020603050405020304" pitchFamily="18" charset="0"/>
-                  </a:rPr>
-                  <a:t>, </a:t>
-                </a:r>
-                <a14:m>
-                  <m:oMath xmlns:m="http://schemas.openxmlformats.org/officeDocument/2006/math">
-                    <m:r>
-                      <m:rPr>
-                        <m:sty m:val="p"/>
-                      </m:rPr>
-                      <a:rPr lang="en-US" altLang="zh-TW" sz="2400" i="1">
-                        <a:latin typeface="Cambria Math" panose="02040503050406030204" pitchFamily="18" charset="0"/>
-                        <a:cs typeface="Times" panose="02020603050405020304" pitchFamily="18" charset="0"/>
-                      </a:rPr>
-                      <m:t>ξ</m:t>
-                    </m:r>
-                  </m:oMath>
-                </a14:m>
-                <a:r>
-                  <a:rPr lang="en-US" altLang="zh-TW" sz="2200" dirty="0">
-                    <a:latin typeface="Times" panose="02020603050405020304" pitchFamily="18" charset="0"/>
-                    <a:cs typeface="Times" panose="02020603050405020304" pitchFamily="18" charset="0"/>
-                  </a:rPr>
-                  <a:t>   are strategy parameter) :</a:t>
-                </a:r>
-              </a:p>
-              <a:p>
-                <a:pPr marL="914400" lvl="1" indent="-457200">
-                  <a:lnSpc>
-                    <a:spcPct val="130000"/>
-                  </a:lnSpc>
-                  <a:buFont typeface="+mj-lt"/>
-                  <a:buAutoNum type="arabicPeriod"/>
-                </a:pPr>
-                <a:r>
-                  <a:rPr lang="en-US" altLang="zh-TW" sz="2000" dirty="0">
-                    <a:latin typeface="Times" panose="02020603050405020304" pitchFamily="18" charset="0"/>
-                    <a:cs typeface="Times" panose="02020603050405020304" pitchFamily="18" charset="0"/>
-                  </a:rPr>
-                  <a:t>Density flow &lt; threshold </a:t>
-                </a:r>
-                <a14:m>
-                  <m:oMath xmlns:m="http://schemas.openxmlformats.org/officeDocument/2006/math">
-                    <m:r>
-                      <a:rPr lang="zh-TW" altLang="en-US" sz="2000" i="1" smtClean="0">
-                        <a:latin typeface="Cambria Math" panose="02040503050406030204" pitchFamily="18" charset="0"/>
-                        <a:cs typeface="Times" panose="02020603050405020304" pitchFamily="18" charset="0"/>
-                      </a:rPr>
-                      <m:t>𝜏</m:t>
-                    </m:r>
-                  </m:oMath>
-                </a14:m>
-                <a:endParaRPr lang="en-US" altLang="zh-TW" sz="2000" dirty="0">
-                  <a:latin typeface="Times" panose="02020603050405020304" pitchFamily="18" charset="0"/>
-                  <a:cs typeface="Times" panose="02020603050405020304" pitchFamily="18" charset="0"/>
-                </a:endParaRPr>
-              </a:p>
-              <a:p>
-                <a:pPr lvl="2">
-                  <a:lnSpc>
-                    <a:spcPct val="130000"/>
-                  </a:lnSpc>
-                </a:pPr>
-                <a:r>
-                  <a:rPr lang="en-US" altLang="zh-TW" sz="1800" dirty="0">
-                    <a:latin typeface="Times" panose="02020603050405020304" pitchFamily="18" charset="0"/>
-                    <a:cs typeface="Times" panose="02020603050405020304" pitchFamily="18" charset="0"/>
-                  </a:rPr>
-                  <a:t>Density flow: </a:t>
-                </a:r>
-                <a14:m>
-                  <m:oMath xmlns:m="http://schemas.openxmlformats.org/officeDocument/2006/math">
-                    <m:f>
-                      <m:fPr>
-                        <m:ctrlPr>
-                          <a:rPr lang="en-US" altLang="zh-TW" i="1" dirty="0" smtClean="0">
-                            <a:latin typeface="Cambria Math" panose="02040503050406030204" pitchFamily="18" charset="0"/>
-                            <a:cs typeface="Times" panose="02020603050405020304" pitchFamily="18" charset="0"/>
-                          </a:rPr>
-                        </m:ctrlPr>
-                      </m:fPr>
-                      <m:num>
-                        <m:r>
-                          <m:rPr>
-                            <m:sty m:val="p"/>
-                          </m:rPr>
-                          <a:rPr lang="el-GR" altLang="zh-TW" i="1">
-                            <a:latin typeface="Cambria Math" panose="02040503050406030204" pitchFamily="18" charset="0"/>
-                            <a:ea typeface="Cambria Math" panose="02040503050406030204" pitchFamily="18" charset="0"/>
-                            <a:cs typeface="Times" panose="02020603050405020304" pitchFamily="18" charset="0"/>
-                          </a:rPr>
-                          <m:t>Σ</m:t>
-                        </m:r>
-                        <m:r>
-                          <a:rPr lang="en-US" altLang="zh-TW" b="0" i="1" smtClean="0">
-                            <a:latin typeface="Cambria Math" panose="02040503050406030204" pitchFamily="18" charset="0"/>
-                            <a:ea typeface="Cambria Math" panose="02040503050406030204" pitchFamily="18" charset="0"/>
-                            <a:cs typeface="Times" panose="02020603050405020304" pitchFamily="18" charset="0"/>
-                          </a:rPr>
-                          <m:t> </m:t>
-                        </m:r>
-                        <m:r>
-                          <a:rPr lang="en-US" altLang="zh-TW" b="0" i="1" smtClean="0">
-                            <a:latin typeface="Cambria Math" panose="02040503050406030204" pitchFamily="18" charset="0"/>
-                            <a:ea typeface="Cambria Math" panose="02040503050406030204" pitchFamily="18" charset="0"/>
-                            <a:cs typeface="Times" panose="02020603050405020304" pitchFamily="18" charset="0"/>
-                          </a:rPr>
-                          <m:t>𝑐𝑒𝑙𝑙</m:t>
-                        </m:r>
-                        <m:r>
-                          <a:rPr lang="en-US" altLang="zh-TW" b="0" i="1" smtClean="0">
-                            <a:latin typeface="Cambria Math" panose="02040503050406030204" pitchFamily="18" charset="0"/>
-                            <a:ea typeface="Cambria Math" panose="02040503050406030204" pitchFamily="18" charset="0"/>
-                            <a:cs typeface="Times" panose="02020603050405020304" pitchFamily="18" charset="0"/>
-                          </a:rPr>
-                          <m:t> </m:t>
-                        </m:r>
-                        <m:r>
-                          <a:rPr lang="en-US" altLang="zh-TW" b="0" i="1" smtClean="0">
-                            <a:latin typeface="Cambria Math" panose="02040503050406030204" pitchFamily="18" charset="0"/>
-                            <a:ea typeface="Cambria Math" panose="02040503050406030204" pitchFamily="18" charset="0"/>
-                            <a:cs typeface="Times" panose="02020603050405020304" pitchFamily="18" charset="0"/>
-                          </a:rPr>
-                          <m:t>𝑜𝑣𝑒𝑟𝑓𝑙𝑜𝑤</m:t>
-                        </m:r>
-                        <m:r>
-                          <a:rPr lang="en-US" altLang="zh-TW" b="0" i="1" smtClean="0">
-                            <a:latin typeface="Cambria Math" panose="02040503050406030204" pitchFamily="18" charset="0"/>
-                            <a:ea typeface="Cambria Math" panose="02040503050406030204" pitchFamily="18" charset="0"/>
-                            <a:cs typeface="Times" panose="02020603050405020304" pitchFamily="18" charset="0"/>
-                          </a:rPr>
-                          <m:t> </m:t>
-                        </m:r>
-                        <m:r>
-                          <a:rPr lang="en-US" altLang="zh-TW" b="0" i="1" smtClean="0">
-                            <a:latin typeface="Cambria Math" panose="02040503050406030204" pitchFamily="18" charset="0"/>
-                            <a:ea typeface="Cambria Math" panose="02040503050406030204" pitchFamily="18" charset="0"/>
-                            <a:cs typeface="Times" panose="02020603050405020304" pitchFamily="18" charset="0"/>
-                          </a:rPr>
-                          <m:t>𝑎𝑟𝑒𝑎</m:t>
-                        </m:r>
-                        <m:r>
-                          <a:rPr lang="en-US" altLang="zh-TW" b="0" i="1" smtClean="0">
-                            <a:latin typeface="Cambria Math" panose="02040503050406030204" pitchFamily="18" charset="0"/>
-                            <a:ea typeface="Cambria Math" panose="02040503050406030204" pitchFamily="18" charset="0"/>
-                            <a:cs typeface="Times" panose="02020603050405020304" pitchFamily="18" charset="0"/>
-                          </a:rPr>
-                          <m:t> </m:t>
-                        </m:r>
-                        <m:r>
-                          <a:rPr lang="en-US" altLang="zh-TW" b="0" i="1" smtClean="0">
-                            <a:latin typeface="Cambria Math" panose="02040503050406030204" pitchFamily="18" charset="0"/>
-                            <a:ea typeface="Cambria Math" panose="02040503050406030204" pitchFamily="18" charset="0"/>
-                            <a:cs typeface="Times" panose="02020603050405020304" pitchFamily="18" charset="0"/>
-                          </a:rPr>
-                          <m:t>𝑜𝑓</m:t>
-                        </m:r>
-                        <m:r>
-                          <a:rPr lang="en-US" altLang="zh-TW" b="0" i="1" smtClean="0">
-                            <a:latin typeface="Cambria Math" panose="02040503050406030204" pitchFamily="18" charset="0"/>
-                            <a:ea typeface="Cambria Math" panose="02040503050406030204" pitchFamily="18" charset="0"/>
-                            <a:cs typeface="Times" panose="02020603050405020304" pitchFamily="18" charset="0"/>
-                          </a:rPr>
-                          <m:t> </m:t>
-                        </m:r>
-                        <m:r>
-                          <a:rPr lang="en-US" altLang="zh-TW" b="0" i="1" smtClean="0">
-                            <a:latin typeface="Cambria Math" panose="02040503050406030204" pitchFamily="18" charset="0"/>
-                            <a:ea typeface="Cambria Math" panose="02040503050406030204" pitchFamily="18" charset="0"/>
-                            <a:cs typeface="Times" panose="02020603050405020304" pitchFamily="18" charset="0"/>
-                          </a:rPr>
-                          <m:t>𝑎𝑙𝑙</m:t>
-                        </m:r>
-                        <m:r>
-                          <a:rPr lang="en-US" altLang="zh-TW" b="0" i="1" smtClean="0">
-                            <a:latin typeface="Cambria Math" panose="02040503050406030204" pitchFamily="18" charset="0"/>
-                            <a:ea typeface="Cambria Math" panose="02040503050406030204" pitchFamily="18" charset="0"/>
-                            <a:cs typeface="Times" panose="02020603050405020304" pitchFamily="18" charset="0"/>
-                          </a:rPr>
-                          <m:t> </m:t>
-                        </m:r>
-                        <m:r>
-                          <a:rPr lang="en-US" altLang="zh-TW" b="0" i="1" smtClean="0">
-                            <a:latin typeface="Cambria Math" panose="02040503050406030204" pitchFamily="18" charset="0"/>
-                            <a:ea typeface="Cambria Math" panose="02040503050406030204" pitchFamily="18" charset="0"/>
-                            <a:cs typeface="Times" panose="02020603050405020304" pitchFamily="18" charset="0"/>
-                          </a:rPr>
-                          <m:t>𝑏𝑖𝑛𝑠</m:t>
-                        </m:r>
-                      </m:num>
-                      <m:den>
-                        <m:r>
-                          <a:rPr lang="en-US" altLang="zh-TW" b="0" i="1" dirty="0" smtClean="0">
-                            <a:latin typeface="Cambria Math" panose="02040503050406030204" pitchFamily="18" charset="0"/>
-                            <a:cs typeface="Times" panose="02020603050405020304" pitchFamily="18" charset="0"/>
-                          </a:rPr>
-                          <m:t>𝑛𝑢𝑚𝑏𝑒𝑟</m:t>
-                        </m:r>
-                        <m:r>
-                          <a:rPr lang="en-US" altLang="zh-TW" b="0" i="1" dirty="0" smtClean="0">
-                            <a:latin typeface="Cambria Math" panose="02040503050406030204" pitchFamily="18" charset="0"/>
-                            <a:cs typeface="Times" panose="02020603050405020304" pitchFamily="18" charset="0"/>
-                          </a:rPr>
-                          <m:t> </m:t>
-                        </m:r>
-                        <m:r>
-                          <a:rPr lang="en-US" altLang="zh-TW" b="0" i="1" dirty="0" smtClean="0">
-                            <a:latin typeface="Cambria Math" panose="02040503050406030204" pitchFamily="18" charset="0"/>
-                            <a:cs typeface="Times" panose="02020603050405020304" pitchFamily="18" charset="0"/>
-                          </a:rPr>
-                          <m:t>𝑜𝑓</m:t>
-                        </m:r>
-                        <m:r>
-                          <a:rPr lang="en-US" altLang="zh-TW" b="0" i="1" dirty="0" smtClean="0">
-                            <a:latin typeface="Cambria Math" panose="02040503050406030204" pitchFamily="18" charset="0"/>
-                            <a:cs typeface="Times" panose="02020603050405020304" pitchFamily="18" charset="0"/>
-                          </a:rPr>
-                          <m:t> </m:t>
-                        </m:r>
-                        <m:r>
-                          <a:rPr lang="en-US" altLang="zh-TW" b="0" i="1" dirty="0" smtClean="0">
-                            <a:latin typeface="Cambria Math" panose="02040503050406030204" pitchFamily="18" charset="0"/>
-                            <a:cs typeface="Times" panose="02020603050405020304" pitchFamily="18" charset="0"/>
-                          </a:rPr>
-                          <m:t>𝑏𝑖𝑛𝑠</m:t>
-                        </m:r>
-                      </m:den>
-                    </m:f>
-                  </m:oMath>
-                </a14:m>
-                <a:endParaRPr lang="en-US" altLang="zh-TW" dirty="0">
-                  <a:latin typeface="Times" panose="02020603050405020304" pitchFamily="18" charset="0"/>
-                  <a:cs typeface="Times" panose="02020603050405020304" pitchFamily="18" charset="0"/>
-                </a:endParaRPr>
-              </a:p>
-              <a:p>
-                <a:pPr lvl="2">
-                  <a:lnSpc>
-                    <a:spcPct val="130000"/>
-                  </a:lnSpc>
-                </a:pPr>
-                <a:endParaRPr lang="en-US" altLang="zh-TW" sz="500" dirty="0">
-                  <a:latin typeface="Times" panose="02020603050405020304" pitchFamily="18" charset="0"/>
-                  <a:cs typeface="Times" panose="02020603050405020304" pitchFamily="18" charset="0"/>
-                </a:endParaRPr>
-              </a:p>
-              <a:p>
-                <a:pPr marL="800100" lvl="1" indent="-342900">
-                  <a:lnSpc>
-                    <a:spcPct val="130000"/>
-                  </a:lnSpc>
-                  <a:buFont typeface="+mj-lt"/>
-                  <a:buAutoNum type="arabicPeriod"/>
-                </a:pPr>
-                <a:r>
-                  <a:rPr lang="en-US" altLang="zh-TW" sz="2000" dirty="0">
-                    <a:latin typeface="Times" panose="02020603050405020304" pitchFamily="18" charset="0"/>
-                    <a:cs typeface="Times" panose="02020603050405020304" pitchFamily="18" charset="0"/>
-                  </a:rPr>
-                  <a:t>  Padding utilization of the preceding round &lt; threshold </a:t>
-                </a:r>
-                <a14:m>
-                  <m:oMath xmlns:m="http://schemas.openxmlformats.org/officeDocument/2006/math">
-                    <m:r>
-                      <a:rPr lang="en-US" altLang="zh-TW" sz="2000" i="1" dirty="0" smtClean="0">
-                        <a:latin typeface="Cambria Math" panose="02040503050406030204" pitchFamily="18" charset="0"/>
-                        <a:cs typeface="Times" panose="02020603050405020304" pitchFamily="18" charset="0"/>
-                      </a:rPr>
-                      <m:t>𝜂</m:t>
-                    </m:r>
-                  </m:oMath>
-                </a14:m>
-                <a:endParaRPr lang="en-US" altLang="zh-TW" sz="2000" dirty="0">
-                  <a:latin typeface="Times" panose="02020603050405020304" pitchFamily="18" charset="0"/>
-                  <a:cs typeface="Times" panose="02020603050405020304" pitchFamily="18" charset="0"/>
-                </a:endParaRPr>
-              </a:p>
-              <a:p>
-                <a:pPr lvl="2">
-                  <a:lnSpc>
-                    <a:spcPct val="130000"/>
-                  </a:lnSpc>
-                </a:pPr>
-                <a:r>
-                  <a:rPr lang="en-US" altLang="zh-TW" sz="1800" dirty="0">
-                    <a:latin typeface="Times" panose="02020603050405020304" pitchFamily="18" charset="0"/>
-                    <a:cs typeface="Times" panose="02020603050405020304" pitchFamily="18" charset="0"/>
-                  </a:rPr>
-                  <a:t>Padding is converging</a:t>
-                </a:r>
-              </a:p>
-              <a:p>
-                <a:pPr marL="800100" lvl="1" indent="-342900">
-                  <a:lnSpc>
-                    <a:spcPct val="130000"/>
-                  </a:lnSpc>
-                  <a:buFont typeface="+mj-lt"/>
-                  <a:buAutoNum type="arabicPeriod"/>
-                </a:pPr>
-                <a:endParaRPr lang="en-US" altLang="zh-TW" sz="500" dirty="0">
-                  <a:latin typeface="Times" panose="02020603050405020304" pitchFamily="18" charset="0"/>
-                  <a:cs typeface="Times" panose="02020603050405020304" pitchFamily="18" charset="0"/>
-                </a:endParaRPr>
-              </a:p>
-              <a:p>
-                <a:pPr marL="800100" lvl="1" indent="-342900">
-                  <a:lnSpc>
-                    <a:spcPct val="130000"/>
-                  </a:lnSpc>
-                  <a:buFont typeface="+mj-lt"/>
-                  <a:buAutoNum type="arabicPeriod"/>
-                </a:pPr>
-                <a:r>
-                  <a:rPr lang="zh-TW" altLang="en-US" sz="2000" dirty="0">
-                    <a:latin typeface="Times" panose="02020603050405020304" pitchFamily="18" charset="0"/>
-                    <a:cs typeface="Times" panose="02020603050405020304" pitchFamily="18" charset="0"/>
-                  </a:rPr>
-                  <a:t>  </a:t>
-                </a:r>
-                <a:r>
-                  <a:rPr lang="en-US" altLang="zh-TW" sz="2000" dirty="0">
-                    <a:latin typeface="Times" panose="02020603050405020304" pitchFamily="18" charset="0"/>
-                    <a:cs typeface="Times" panose="02020603050405020304" pitchFamily="18" charset="0"/>
-                  </a:rPr>
-                  <a:t>Call time of </a:t>
-                </a:r>
-                <a:r>
-                  <a:rPr lang="en-US" altLang="zh-TW" sz="2000" dirty="0" err="1">
-                    <a:latin typeface="Times" panose="02020603050405020304" pitchFamily="18" charset="0"/>
-                    <a:cs typeface="Times" panose="02020603050405020304" pitchFamily="18" charset="0"/>
-                  </a:rPr>
-                  <a:t>routability</a:t>
-                </a:r>
-                <a:r>
-                  <a:rPr lang="en-US" altLang="zh-TW" sz="2000" dirty="0">
-                    <a:latin typeface="Times" panose="02020603050405020304" pitchFamily="18" charset="0"/>
-                    <a:cs typeface="Times" panose="02020603050405020304" pitchFamily="18" charset="0"/>
-                  </a:rPr>
-                  <a:t> optimizer &lt; </a:t>
-                </a:r>
-                <a:r>
-                  <a:rPr lang="en-US" altLang="zh-TW" sz="2000" b="0" i="0" u="none" strike="noStrike" baseline="0" dirty="0">
-                    <a:latin typeface="Times" panose="02020603050405020304" pitchFamily="18" charset="0"/>
-                    <a:cs typeface="Times" panose="02020603050405020304" pitchFamily="18" charset="0"/>
-                  </a:rPr>
-                  <a:t>maximum iteration </a:t>
-                </a:r>
-                <a14:m>
-                  <m:oMath xmlns:m="http://schemas.openxmlformats.org/officeDocument/2006/math">
-                    <m:r>
-                      <m:rPr>
-                        <m:sty m:val="p"/>
-                      </m:rPr>
-                      <a:rPr lang="en-US" altLang="zh-TW" sz="2000" i="1" smtClean="0">
-                        <a:latin typeface="Cambria Math" panose="02040503050406030204" pitchFamily="18" charset="0"/>
-                        <a:cs typeface="Times" panose="02020603050405020304" pitchFamily="18" charset="0"/>
-                      </a:rPr>
-                      <m:t>ξ</m:t>
-                    </m:r>
-                  </m:oMath>
-                </a14:m>
-                <a:r>
-                  <a:rPr lang="en-US" altLang="zh-TW" sz="1600" dirty="0">
-                    <a:latin typeface="Times" panose="02020603050405020304" pitchFamily="18" charset="0"/>
-                    <a:cs typeface="Times" panose="02020603050405020304" pitchFamily="18" charset="0"/>
-                  </a:rPr>
-                  <a:t>	</a:t>
-                </a:r>
-              </a:p>
-              <a:p>
-                <a:pPr>
-                  <a:lnSpc>
-                    <a:spcPct val="130000"/>
-                  </a:lnSpc>
-                </a:pPr>
-                <a:r>
-                  <a:rPr lang="en-US" altLang="zh-TW" sz="2200" dirty="0">
-                    <a:latin typeface="Times" panose="02020603050405020304" pitchFamily="18" charset="0"/>
-                    <a:cs typeface="Times" panose="02020603050405020304" pitchFamily="18" charset="0"/>
-                  </a:rPr>
-                  <a:t>Otherwise, the WL-driven placement engine will optimize both wirelength and density until it converges.</a:t>
-                </a:r>
-              </a:p>
-            </p:txBody>
-          </p:sp>
-        </mc:Choice>
-        <mc:Fallback xmlns="">
-          <p:sp>
-            <p:nvSpPr>
-              <p:cNvPr id="3" name="內容版面配置區 2">
-                <a:extLst>
-                  <a:ext uri="{FF2B5EF4-FFF2-40B4-BE49-F238E27FC236}">
-                    <a16:creationId xmlns:a16="http://schemas.microsoft.com/office/drawing/2014/main" id="{CDD6591C-6706-1D9B-A7CF-BE488BA469CB}"/>
-                  </a:ext>
-                </a:extLst>
-              </p:cNvPr>
-              <p:cNvSpPr>
-                <a:spLocks noGrp="1" noRot="1" noChangeAspect="1" noMove="1" noResize="1" noEditPoints="1" noAdjustHandles="1" noChangeArrowheads="1" noChangeShapeType="1" noTextEdit="1"/>
-              </p:cNvSpPr>
-              <p:nvPr>
-                <p:ph idx="1"/>
-              </p:nvPr>
-            </p:nvSpPr>
-            <p:spPr>
-              <a:xfrm>
-                <a:off x="839645" y="1846585"/>
-                <a:ext cx="10512709" cy="4874890"/>
-              </a:xfrm>
-              <a:blipFill>
-                <a:blip r:embed="rId3"/>
-                <a:stretch>
-                  <a:fillRect l="-812" t="-2500"/>
-                </a:stretch>
-              </a:blipFill>
-            </p:spPr>
-            <p:txBody>
-              <a:bodyPr/>
-              <a:lstStyle/>
-              <a:p>
-                <a:r>
-                  <a:rPr lang="zh-TW" altLang="en-US">
-                    <a:noFill/>
-                  </a:rPr>
-                  <a:t> </a:t>
-                </a:r>
-              </a:p>
-            </p:txBody>
-          </p:sp>
-        </mc:Fallback>
-      </mc:AlternateContent>
-      <p:sp>
-        <p:nvSpPr>
-          <p:cNvPr id="4" name="投影片編號版面配置區 3">
-            <a:extLst>
-              <a:ext uri="{FF2B5EF4-FFF2-40B4-BE49-F238E27FC236}">
-                <a16:creationId xmlns:a16="http://schemas.microsoft.com/office/drawing/2014/main" id="{C4A4DCC3-BB49-91CF-D3FC-B1B0701D13DC}"/>
-              </a:ext>
-            </a:extLst>
-          </p:cNvPr>
-          <p:cNvSpPr>
-            <a:spLocks noGrp="1"/>
-          </p:cNvSpPr>
-          <p:nvPr>
-            <p:ph type="sldNum" sz="quarter" idx="12"/>
-          </p:nvPr>
-        </p:nvSpPr>
-        <p:spPr/>
-        <p:txBody>
-          <a:bodyPr/>
-          <a:lstStyle/>
-          <a:p>
-            <a:fld id="{666274A1-CF9C-426A-8DD4-B13ED0C24231}" type="slidenum">
-              <a:rPr lang="en-US" smtClean="0"/>
-              <a:t>25</a:t>
-            </a:fld>
-            <a:endParaRPr lang="en-US" dirty="0"/>
-          </a:p>
-        </p:txBody>
-      </p:sp>
-    </p:spTree>
-    <p:extLst>
-      <p:ext uri="{BB962C8B-B14F-4D97-AF65-F5344CB8AC3E}">
-        <p14:creationId xmlns:p14="http://schemas.microsoft.com/office/powerpoint/2010/main" val="265493472"/>
-      </p:ext>
-    </p:extLst>
-  </p:cSld>
-  <p:clrMapOvr>
-    <a:masterClrMapping/>
-  </p:clrMapOvr>
-</p:sld>
-</file>
-
-<file path=ppt/slides/slide27.xml><?xml version="1.0" encoding="utf-8"?>
-<p:sld xmlns:a="http://schemas.openxmlformats.org/drawingml/2006/main" xmlns:r="http://schemas.openxmlformats.org/officeDocument/2006/relationships" xmlns:p="http://schemas.openxmlformats.org/presentationml/2006/main">
-  <p:cSld>
-    <p:spTree>
-      <p:nvGrpSpPr>
-        <p:cNvPr id="1" name=""/>
-        <p:cNvGrpSpPr/>
-        <p:nvPr/>
-      </p:nvGrpSpPr>
-      <p:grpSpPr>
-        <a:xfrm>
-          <a:off x="0" y="0"/>
-          <a:ext cx="0" cy="0"/>
-          <a:chOff x="0" y="0"/>
-          <a:chExt cx="0" cy="0"/>
-        </a:xfrm>
-      </p:grpSpPr>
-      <p:sp>
-        <p:nvSpPr>
-          <p:cNvPr id="2" name="標題 1">
-            <a:extLst>
-              <a:ext uri="{FF2B5EF4-FFF2-40B4-BE49-F238E27FC236}">
-                <a16:creationId xmlns:a16="http://schemas.microsoft.com/office/drawing/2014/main" id="{AEDF6777-6236-46F8-93C4-053ACE59502E}"/>
-              </a:ext>
-            </a:extLst>
-          </p:cNvPr>
-          <p:cNvSpPr>
-            <a:spLocks noGrp="1"/>
-          </p:cNvSpPr>
-          <p:nvPr>
-            <p:ph type="title"/>
-          </p:nvPr>
-        </p:nvSpPr>
-        <p:spPr>
-          <a:xfrm>
-            <a:off x="434738" y="320675"/>
-            <a:ext cx="11757262" cy="1325563"/>
-          </a:xfrm>
-        </p:spPr>
-        <p:txBody>
-          <a:bodyPr>
-            <a:normAutofit/>
-          </a:bodyPr>
-          <a:lstStyle/>
-          <a:p>
-            <a:r>
-              <a:rPr lang="en-US" altLang="zh-TW" sz="4000" dirty="0">
-                <a:latin typeface="Times" panose="02020603050405020304" pitchFamily="18" charset="0"/>
-                <a:cs typeface="Times" panose="02020603050405020304" pitchFamily="18" charset="0"/>
-              </a:rPr>
-              <a:t>Cell Padding</a:t>
-            </a:r>
-          </a:p>
-        </p:txBody>
-      </p:sp>
-      <mc:AlternateContent xmlns:mc="http://schemas.openxmlformats.org/markup-compatibility/2006" xmlns:a14="http://schemas.microsoft.com/office/drawing/2010/main">
-        <mc:Choice Requires="a14">
-          <p:sp>
-            <p:nvSpPr>
-              <p:cNvPr id="3" name="內容版面配置區 2">
-                <a:extLst>
-                  <a:ext uri="{FF2B5EF4-FFF2-40B4-BE49-F238E27FC236}">
-                    <a16:creationId xmlns:a16="http://schemas.microsoft.com/office/drawing/2014/main" id="{CDD6591C-6706-1D9B-A7CF-BE488BA469CB}"/>
-                  </a:ext>
-                </a:extLst>
-              </p:cNvPr>
-              <p:cNvSpPr>
-                <a:spLocks noGrp="1"/>
-              </p:cNvSpPr>
-              <p:nvPr>
-                <p:ph idx="1"/>
-              </p:nvPr>
-            </p:nvSpPr>
-            <p:spPr>
-              <a:xfrm>
-                <a:off x="839645" y="1846585"/>
                 <a:ext cx="10512709" cy="4874890"/>
               </a:xfrm>
             </p:spPr>
@@ -23026,7 +22373,7 @@
           <a:p>
             <a:fld id="{666274A1-CF9C-426A-8DD4-B13ED0C24231}" type="slidenum">
               <a:rPr lang="en-US" smtClean="0"/>
-              <a:t>26</a:t>
+              <a:t>23</a:t>
             </a:fld>
             <a:endParaRPr lang="en-US" dirty="0"/>
           </a:p>
@@ -23065,7 +22412,1406 @@
     </p:spTree>
     <p:extLst>
       <p:ext uri="{BB962C8B-B14F-4D97-AF65-F5344CB8AC3E}">
-        <p14:creationId xmlns:p14="http://schemas.microsoft.com/office/powerpoint/2010/main" val="1457493368"/>
+        <p14:creationId xmlns:p14="http://schemas.microsoft.com/office/powerpoint/2010/main" val="1847726706"/>
+      </p:ext>
+    </p:extLst>
+  </p:cSld>
+  <p:clrMapOvr>
+    <a:masterClrMapping/>
+  </p:clrMapOvr>
+</p:sld>
+</file>
+
+<file path=ppt/slides/slide25.xml><?xml version="1.0" encoding="utf-8"?>
+<p:sld xmlns:a="http://schemas.openxmlformats.org/drawingml/2006/main" xmlns:r="http://schemas.openxmlformats.org/officeDocument/2006/relationships" xmlns:p="http://schemas.openxmlformats.org/presentationml/2006/main">
+  <p:cSld>
+    <p:spTree>
+      <p:nvGrpSpPr>
+        <p:cNvPr id="1" name=""/>
+        <p:cNvGrpSpPr/>
+        <p:nvPr/>
+      </p:nvGrpSpPr>
+      <p:grpSpPr>
+        <a:xfrm>
+          <a:off x="0" y="0"/>
+          <a:ext cx="0" cy="0"/>
+          <a:chOff x="0" y="0"/>
+          <a:chExt cx="0" cy="0"/>
+        </a:xfrm>
+      </p:grpSpPr>
+      <p:sp>
+        <p:nvSpPr>
+          <p:cNvPr id="2" name="標題 1">
+            <a:extLst>
+              <a:ext uri="{FF2B5EF4-FFF2-40B4-BE49-F238E27FC236}">
+                <a16:creationId xmlns:a16="http://schemas.microsoft.com/office/drawing/2014/main" id="{AEDF6777-6236-46F8-93C4-053ACE59502E}"/>
+              </a:ext>
+            </a:extLst>
+          </p:cNvPr>
+          <p:cNvSpPr>
+            <a:spLocks noGrp="1"/>
+          </p:cNvSpPr>
+          <p:nvPr>
+            <p:ph type="title"/>
+          </p:nvPr>
+        </p:nvSpPr>
+        <p:spPr>
+          <a:xfrm>
+            <a:off x="434738" y="320675"/>
+            <a:ext cx="11757262" cy="1325563"/>
+          </a:xfrm>
+        </p:spPr>
+        <p:txBody>
+          <a:bodyPr>
+            <a:normAutofit/>
+          </a:bodyPr>
+          <a:lstStyle/>
+          <a:p>
+            <a:r>
+              <a:rPr lang="en-US" altLang="zh-TW" sz="4000" dirty="0">
+                <a:latin typeface="Times" panose="02020603050405020304" pitchFamily="18" charset="0"/>
+                <a:cs typeface="Times" panose="02020603050405020304" pitchFamily="18" charset="0"/>
+              </a:rPr>
+              <a:t>Cell Padding</a:t>
+            </a:r>
+          </a:p>
+        </p:txBody>
+      </p:sp>
+      <mc:AlternateContent xmlns:mc="http://schemas.openxmlformats.org/markup-compatibility/2006">
+        <mc:Choice xmlns:a14="http://schemas.microsoft.com/office/drawing/2010/main" Requires="a14">
+          <p:sp>
+            <p:nvSpPr>
+              <p:cNvPr id="3" name="內容版面配置區 2">
+                <a:extLst>
+                  <a:ext uri="{FF2B5EF4-FFF2-40B4-BE49-F238E27FC236}">
+                    <a16:creationId xmlns:a16="http://schemas.microsoft.com/office/drawing/2014/main" id="{CDD6591C-6706-1D9B-A7CF-BE488BA469CB}"/>
+                  </a:ext>
+                </a:extLst>
+              </p:cNvPr>
+              <p:cNvSpPr>
+                <a:spLocks noGrp="1"/>
+              </p:cNvSpPr>
+              <p:nvPr>
+                <p:ph idx="1"/>
+              </p:nvPr>
+            </p:nvSpPr>
+            <p:spPr>
+              <a:xfrm>
+                <a:off x="839645" y="1846585"/>
+                <a:ext cx="10512709" cy="5083604"/>
+              </a:xfrm>
+            </p:spPr>
+            <p:txBody>
+              <a:bodyPr>
+                <a:normAutofit/>
+              </a:bodyPr>
+              <a:lstStyle/>
+              <a:p>
+                <a:pPr marL="514350" indent="-514350">
+                  <a:buFont typeface="+mj-lt"/>
+                  <a:buAutoNum type="arabicPeriod" startAt="3"/>
+                </a:pPr>
+                <a:r>
+                  <a:rPr lang="en-US" altLang="zh-TW" sz="2400" dirty="0">
+                    <a:latin typeface="Times" panose="02020603050405020304" pitchFamily="18" charset="0"/>
+                    <a:cs typeface="Times" panose="02020603050405020304" pitchFamily="18" charset="0"/>
+                  </a:rPr>
+                  <a:t>Multi-feature-based Cell Padding</a:t>
+                </a:r>
+              </a:p>
+              <a:p>
+                <a:pPr marL="514350" indent="-514350">
+                  <a:buFont typeface="+mj-lt"/>
+                  <a:buAutoNum type="arabicPeriod" startAt="3"/>
+                </a:pPr>
+                <a:endParaRPr lang="en-US" altLang="zh-TW" sz="300" dirty="0">
+                  <a:latin typeface="Times" panose="02020603050405020304" pitchFamily="18" charset="0"/>
+                  <a:cs typeface="Times" panose="02020603050405020304" pitchFamily="18" charset="0"/>
+                </a:endParaRPr>
+              </a:p>
+              <a:p>
+                <a:pPr>
+                  <a:lnSpc>
+                    <a:spcPct val="130000"/>
+                  </a:lnSpc>
+                </a:pPr>
+                <a:r>
+                  <a:rPr lang="en-US" altLang="zh-TW" sz="2200" dirty="0">
+                    <a:latin typeface="Times" panose="02020603050405020304" pitchFamily="18" charset="0"/>
+                    <a:cs typeface="Times" panose="02020603050405020304" pitchFamily="18" charset="0"/>
+                  </a:rPr>
+                  <a:t> If a cell have non-positive padding, it should go through the recycling process to withdraw a part of history padding.</a:t>
+                </a:r>
+              </a:p>
+              <a:p>
+                <a:pPr>
+                  <a:lnSpc>
+                    <a:spcPct val="130000"/>
+                  </a:lnSpc>
+                </a:pPr>
+                <a:r>
+                  <a:rPr lang="en-US" altLang="zh-TW" sz="2200" dirty="0">
+                    <a:latin typeface="Times" panose="02020603050405020304" pitchFamily="18" charset="0"/>
+                    <a:cs typeface="Times" panose="02020603050405020304" pitchFamily="18" charset="0"/>
+                  </a:rPr>
+                  <a:t>Padding utilization:</a:t>
+                </a:r>
+              </a:p>
+              <a:p>
+                <a:pPr marL="0" indent="0">
+                  <a:lnSpc>
+                    <a:spcPct val="130000"/>
+                  </a:lnSpc>
+                  <a:buNone/>
+                </a:pPr>
+                <a:endParaRPr lang="en-US" altLang="zh-TW" sz="2200" dirty="0">
+                  <a:latin typeface="Times" panose="02020603050405020304" pitchFamily="18" charset="0"/>
+                  <a:cs typeface="Times" panose="02020603050405020304" pitchFamily="18" charset="0"/>
+                </a:endParaRPr>
+              </a:p>
+              <a:p>
+                <a:pPr marL="0" indent="0">
+                  <a:lnSpc>
+                    <a:spcPct val="130000"/>
+                  </a:lnSpc>
+                  <a:buNone/>
+                </a:pPr>
+                <a:endParaRPr lang="en-US" altLang="zh-TW" sz="900" dirty="0">
+                  <a:latin typeface="Times" panose="02020603050405020304" pitchFamily="18" charset="0"/>
+                  <a:cs typeface="Times" panose="02020603050405020304" pitchFamily="18" charset="0"/>
+                </a:endParaRPr>
+              </a:p>
+              <a:p>
+                <a:pPr marL="0" indent="0">
+                  <a:lnSpc>
+                    <a:spcPct val="130000"/>
+                  </a:lnSpc>
+                  <a:buNone/>
+                </a:pPr>
+                <a:endParaRPr lang="en-US" altLang="zh-TW" sz="900" dirty="0">
+                  <a:latin typeface="Times" panose="02020603050405020304" pitchFamily="18" charset="0"/>
+                  <a:cs typeface="Times" panose="02020603050405020304" pitchFamily="18" charset="0"/>
+                </a:endParaRPr>
+              </a:p>
+              <a:p>
+                <a:pPr>
+                  <a:lnSpc>
+                    <a:spcPct val="110000"/>
+                  </a:lnSpc>
+                  <a:buFont typeface="Wingdings" panose="05000000000000000000" pitchFamily="2" charset="2"/>
+                  <a:buChar char="Ø"/>
+                </a:pPr>
+                <a:r>
+                  <a:rPr lang="en-US" altLang="zh-TW" sz="2200" dirty="0">
+                    <a:latin typeface="Times" panose="02020603050405020304" pitchFamily="18" charset="0"/>
+                    <a:cs typeface="Times" panose="02020603050405020304" pitchFamily="18" charset="0"/>
+                  </a:rPr>
+                  <a:t> </a:t>
+                </a:r>
+                <a14:m>
+                  <m:oMath xmlns:m="http://schemas.openxmlformats.org/officeDocument/2006/math">
+                    <m:r>
+                      <a:rPr lang="en-US" altLang="zh-TW" sz="2000" b="0" i="1" smtClean="0">
+                        <a:latin typeface="Cambria Math" panose="02040503050406030204" pitchFamily="18" charset="0"/>
+                        <a:cs typeface="Times" panose="02020603050405020304" pitchFamily="18" charset="0"/>
+                      </a:rPr>
+                      <m:t>𝑝</m:t>
+                    </m:r>
+                    <m:sSub>
+                      <m:sSubPr>
+                        <m:ctrlPr>
+                          <a:rPr lang="en-US" altLang="zh-TW" sz="2000" b="0" i="1" smtClean="0">
+                            <a:latin typeface="Cambria Math" panose="02040503050406030204" pitchFamily="18" charset="0"/>
+                            <a:cs typeface="Times" panose="02020603050405020304" pitchFamily="18" charset="0"/>
+                          </a:rPr>
+                        </m:ctrlPr>
+                      </m:sSubPr>
+                      <m:e>
+                        <m:r>
+                          <a:rPr lang="en-US" altLang="zh-TW" sz="2000" b="0" i="1" smtClean="0">
+                            <a:latin typeface="Cambria Math" panose="02040503050406030204" pitchFamily="18" charset="0"/>
+                            <a:cs typeface="Times" panose="02020603050405020304" pitchFamily="18" charset="0"/>
+                          </a:rPr>
+                          <m:t>𝑢</m:t>
+                        </m:r>
+                      </m:e>
+                      <m:sub>
+                        <m:r>
+                          <a:rPr lang="en-US" altLang="zh-TW" sz="2000" b="0" i="1" smtClean="0">
+                            <a:latin typeface="Cambria Math" panose="02040503050406030204" pitchFamily="18" charset="0"/>
+                            <a:cs typeface="Times" panose="02020603050405020304" pitchFamily="18" charset="0"/>
+                          </a:rPr>
+                          <m:t>𝑖</m:t>
+                        </m:r>
+                      </m:sub>
+                    </m:sSub>
+                    <m:r>
+                      <a:rPr lang="en-US" altLang="zh-TW" sz="2000" b="0" i="1" smtClean="0">
+                        <a:latin typeface="Cambria Math" panose="02040503050406030204" pitchFamily="18" charset="0"/>
+                        <a:cs typeface="Times" panose="02020603050405020304" pitchFamily="18" charset="0"/>
+                      </a:rPr>
+                      <m:t> </m:t>
+                    </m:r>
+                  </m:oMath>
+                </a14:m>
+                <a:r>
+                  <a:rPr lang="en-US" altLang="zh-TW" sz="2000" dirty="0">
+                    <a:latin typeface="Times" panose="02020603050405020304" pitchFamily="18" charset="0"/>
+                    <a:cs typeface="Times" panose="02020603050405020304" pitchFamily="18" charset="0"/>
+                  </a:rPr>
+                  <a:t>: padding utilization of line 5</a:t>
+                </a:r>
+              </a:p>
+              <a:p>
+                <a:pPr>
+                  <a:lnSpc>
+                    <a:spcPct val="110000"/>
+                  </a:lnSpc>
+                  <a:buFont typeface="Wingdings" panose="05000000000000000000" pitchFamily="2" charset="2"/>
+                  <a:buChar char="Ø"/>
+                </a:pPr>
+                <a:r>
+                  <a:rPr lang="en-US" altLang="zh-TW" sz="2000" dirty="0">
+                    <a:latin typeface="Times" panose="02020603050405020304" pitchFamily="18" charset="0"/>
+                    <a:cs typeface="Times" panose="02020603050405020304" pitchFamily="18" charset="0"/>
+                  </a:rPr>
+                  <a:t> </a:t>
+                </a:r>
+                <a14:m>
+                  <m:oMath xmlns:m="http://schemas.openxmlformats.org/officeDocument/2006/math">
+                    <m:r>
+                      <a:rPr lang="en-US" altLang="zh-TW" sz="2000" b="0" i="1" smtClean="0">
+                        <a:latin typeface="Cambria Math" panose="02040503050406030204" pitchFamily="18" charset="0"/>
+                        <a:cs typeface="Times" panose="02020603050405020304" pitchFamily="18" charset="0"/>
+                      </a:rPr>
+                      <m:t>𝑝</m:t>
+                    </m:r>
+                    <m:sSub>
+                      <m:sSubPr>
+                        <m:ctrlPr>
+                          <a:rPr lang="en-US" altLang="zh-TW" sz="2000" b="0" i="1" smtClean="0">
+                            <a:latin typeface="Cambria Math" panose="02040503050406030204" pitchFamily="18" charset="0"/>
+                            <a:cs typeface="Times" panose="02020603050405020304" pitchFamily="18" charset="0"/>
+                          </a:rPr>
+                        </m:ctrlPr>
+                      </m:sSubPr>
+                      <m:e>
+                        <m:r>
+                          <a:rPr lang="en-US" altLang="zh-TW" sz="2000" b="0" i="1" smtClean="0">
+                            <a:latin typeface="Cambria Math" panose="02040503050406030204" pitchFamily="18" charset="0"/>
+                            <a:cs typeface="Times" panose="02020603050405020304" pitchFamily="18" charset="0"/>
+                          </a:rPr>
+                          <m:t>𝑢</m:t>
+                        </m:r>
+                      </m:e>
+                      <m:sub>
+                        <m:r>
+                          <a:rPr lang="en-US" altLang="zh-TW" sz="2000" b="0" i="1" smtClean="0">
+                            <a:latin typeface="Cambria Math" panose="02040503050406030204" pitchFamily="18" charset="0"/>
+                            <a:cs typeface="Times" panose="02020603050405020304" pitchFamily="18" charset="0"/>
+                          </a:rPr>
+                          <m:t>𝑙𝑜𝑤</m:t>
+                        </m:r>
+                      </m:sub>
+                    </m:sSub>
+                    <m:r>
+                      <a:rPr lang="en-US" altLang="zh-TW" sz="2000" b="0" i="1" smtClean="0">
+                        <a:latin typeface="Cambria Math" panose="02040503050406030204" pitchFamily="18" charset="0"/>
+                        <a:cs typeface="Times" panose="02020603050405020304" pitchFamily="18" charset="0"/>
+                      </a:rPr>
+                      <m:t>, </m:t>
+                    </m:r>
+                    <m:r>
+                      <a:rPr lang="en-US" altLang="zh-TW" sz="2000" i="1">
+                        <a:latin typeface="Cambria Math" panose="02040503050406030204" pitchFamily="18" charset="0"/>
+                        <a:cs typeface="Times" panose="02020603050405020304" pitchFamily="18" charset="0"/>
+                      </a:rPr>
+                      <m:t>𝑝</m:t>
+                    </m:r>
+                    <m:sSub>
+                      <m:sSubPr>
+                        <m:ctrlPr>
+                          <a:rPr lang="en-US" altLang="zh-TW" sz="2000" i="1">
+                            <a:latin typeface="Cambria Math" panose="02040503050406030204" pitchFamily="18" charset="0"/>
+                            <a:cs typeface="Times" panose="02020603050405020304" pitchFamily="18" charset="0"/>
+                          </a:rPr>
+                        </m:ctrlPr>
+                      </m:sSubPr>
+                      <m:e>
+                        <m:r>
+                          <a:rPr lang="en-US" altLang="zh-TW" sz="2000" i="1">
+                            <a:latin typeface="Cambria Math" panose="02040503050406030204" pitchFamily="18" charset="0"/>
+                            <a:cs typeface="Times" panose="02020603050405020304" pitchFamily="18" charset="0"/>
+                          </a:rPr>
+                          <m:t>𝑢</m:t>
+                        </m:r>
+                      </m:e>
+                      <m:sub>
+                        <m:r>
+                          <a:rPr lang="en-US" altLang="zh-TW" sz="2000" b="0" i="1" smtClean="0">
+                            <a:latin typeface="Cambria Math" panose="02040503050406030204" pitchFamily="18" charset="0"/>
+                            <a:cs typeface="Times" panose="02020603050405020304" pitchFamily="18" charset="0"/>
+                          </a:rPr>
+                          <m:t>h𝑖𝑔h</m:t>
+                        </m:r>
+                      </m:sub>
+                    </m:sSub>
+                  </m:oMath>
+                </a14:m>
+                <a:r>
+                  <a:rPr lang="en-US" altLang="zh-TW" sz="2000" dirty="0">
+                    <a:latin typeface="Times" panose="02020603050405020304" pitchFamily="18" charset="0"/>
+                    <a:cs typeface="Times" panose="02020603050405020304" pitchFamily="18" charset="0"/>
+                  </a:rPr>
+                  <a:t> : strategy parameter determining min and max padding utilization</a:t>
+                </a:r>
+              </a:p>
+              <a:p>
+                <a:pPr>
+                  <a:lnSpc>
+                    <a:spcPct val="110000"/>
+                  </a:lnSpc>
+                  <a:buFont typeface="Wingdings" panose="05000000000000000000" pitchFamily="2" charset="2"/>
+                  <a:buChar char="Ø"/>
+                </a:pPr>
+                <a:r>
+                  <a:rPr lang="en-US" altLang="zh-TW" sz="2000" dirty="0">
+                    <a:latin typeface="Times" panose="02020603050405020304" pitchFamily="18" charset="0"/>
+                    <a:cs typeface="Times" panose="02020603050405020304" pitchFamily="18" charset="0"/>
+                  </a:rPr>
+                  <a:t> ξ : max iteration of routing optimization</a:t>
+                </a:r>
+              </a:p>
+            </p:txBody>
+          </p:sp>
+        </mc:Choice>
+        <mc:Fallback>
+          <p:sp>
+            <p:nvSpPr>
+              <p:cNvPr id="3" name="內容版面配置區 2">
+                <a:extLst>
+                  <a:ext uri="{FF2B5EF4-FFF2-40B4-BE49-F238E27FC236}">
+                    <a16:creationId xmlns:a16="http://schemas.microsoft.com/office/drawing/2014/main" id="{CDD6591C-6706-1D9B-A7CF-BE488BA469CB}"/>
+                  </a:ext>
+                </a:extLst>
+              </p:cNvPr>
+              <p:cNvSpPr>
+                <a:spLocks noGrp="1" noRot="1" noChangeAspect="1" noMove="1" noResize="1" noEditPoints="1" noAdjustHandles="1" noChangeArrowheads="1" noChangeShapeType="1" noTextEdit="1"/>
+              </p:cNvSpPr>
+              <p:nvPr>
+                <p:ph idx="1"/>
+              </p:nvPr>
+            </p:nvSpPr>
+            <p:spPr>
+              <a:xfrm>
+                <a:off x="839645" y="1846585"/>
+                <a:ext cx="10512709" cy="5083604"/>
+              </a:xfrm>
+              <a:blipFill>
+                <a:blip r:embed="rId3"/>
+                <a:stretch>
+                  <a:fillRect l="-812" t="-1679"/>
+                </a:stretch>
+              </a:blipFill>
+            </p:spPr>
+            <p:txBody>
+              <a:bodyPr/>
+              <a:lstStyle/>
+              <a:p>
+                <a:r>
+                  <a:rPr lang="zh-TW" altLang="en-US">
+                    <a:noFill/>
+                  </a:rPr>
+                  <a:t> </a:t>
+                </a:r>
+              </a:p>
+            </p:txBody>
+          </p:sp>
+        </mc:Fallback>
+      </mc:AlternateContent>
+      <p:sp>
+        <p:nvSpPr>
+          <p:cNvPr id="4" name="投影片編號版面配置區 3">
+            <a:extLst>
+              <a:ext uri="{FF2B5EF4-FFF2-40B4-BE49-F238E27FC236}">
+                <a16:creationId xmlns:a16="http://schemas.microsoft.com/office/drawing/2014/main" id="{C4A4DCC3-BB49-91CF-D3FC-B1B0701D13DC}"/>
+              </a:ext>
+            </a:extLst>
+          </p:cNvPr>
+          <p:cNvSpPr>
+            <a:spLocks noGrp="1"/>
+          </p:cNvSpPr>
+          <p:nvPr>
+            <p:ph type="sldNum" sz="quarter" idx="12"/>
+          </p:nvPr>
+        </p:nvSpPr>
+        <p:spPr/>
+        <p:txBody>
+          <a:bodyPr/>
+          <a:lstStyle/>
+          <a:p>
+            <a:fld id="{666274A1-CF9C-426A-8DD4-B13ED0C24231}" type="slidenum">
+              <a:rPr lang="en-US" smtClean="0"/>
+              <a:t>24</a:t>
+            </a:fld>
+            <a:endParaRPr lang="en-US" dirty="0"/>
+          </a:p>
+        </p:txBody>
+      </p:sp>
+      <p:pic>
+        <p:nvPicPr>
+          <p:cNvPr id="9" name="圖片 8">
+            <a:extLst>
+              <a:ext uri="{FF2B5EF4-FFF2-40B4-BE49-F238E27FC236}">
+                <a16:creationId xmlns:a16="http://schemas.microsoft.com/office/drawing/2014/main" id="{442D7C86-38FF-CED7-CD1D-78106517D1BE}"/>
+              </a:ext>
+            </a:extLst>
+          </p:cNvPr>
+          <p:cNvPicPr>
+            <a:picLocks noChangeAspect="1"/>
+          </p:cNvPicPr>
+          <p:nvPr/>
+        </p:nvPicPr>
+        <p:blipFill>
+          <a:blip r:embed="rId4"/>
+          <a:stretch>
+            <a:fillRect/>
+          </a:stretch>
+        </p:blipFill>
+        <p:spPr>
+          <a:xfrm>
+            <a:off x="3524381" y="3975283"/>
+            <a:ext cx="5143236" cy="826208"/>
+          </a:xfrm>
+          <a:prstGeom prst="rect">
+            <a:avLst/>
+          </a:prstGeom>
+        </p:spPr>
+      </p:pic>
+    </p:spTree>
+    <p:extLst>
+      <p:ext uri="{BB962C8B-B14F-4D97-AF65-F5344CB8AC3E}">
+        <p14:creationId xmlns:p14="http://schemas.microsoft.com/office/powerpoint/2010/main" val="149396179"/>
+      </p:ext>
+    </p:extLst>
+  </p:cSld>
+  <p:clrMapOvr>
+    <a:masterClrMapping/>
+  </p:clrMapOvr>
+</p:sld>
+</file>
+
+<file path=ppt/slides/slide26.xml><?xml version="1.0" encoding="utf-8"?>
+<p:sld xmlns:a="http://schemas.openxmlformats.org/drawingml/2006/main" xmlns:r="http://schemas.openxmlformats.org/officeDocument/2006/relationships" xmlns:p="http://schemas.openxmlformats.org/presentationml/2006/main">
+  <p:cSld>
+    <p:spTree>
+      <p:nvGrpSpPr>
+        <p:cNvPr id="1" name=""/>
+        <p:cNvGrpSpPr/>
+        <p:nvPr/>
+      </p:nvGrpSpPr>
+      <p:grpSpPr>
+        <a:xfrm>
+          <a:off x="0" y="0"/>
+          <a:ext cx="0" cy="0"/>
+          <a:chOff x="0" y="0"/>
+          <a:chExt cx="0" cy="0"/>
+        </a:xfrm>
+      </p:grpSpPr>
+      <p:sp>
+        <p:nvSpPr>
+          <p:cNvPr id="2" name="標題 1">
+            <a:extLst>
+              <a:ext uri="{FF2B5EF4-FFF2-40B4-BE49-F238E27FC236}">
+                <a16:creationId xmlns:a16="http://schemas.microsoft.com/office/drawing/2014/main" id="{AEDF6777-6236-46F8-93C4-053ACE59502E}"/>
+              </a:ext>
+            </a:extLst>
+          </p:cNvPr>
+          <p:cNvSpPr>
+            <a:spLocks noGrp="1"/>
+          </p:cNvSpPr>
+          <p:nvPr>
+            <p:ph type="title"/>
+          </p:nvPr>
+        </p:nvSpPr>
+        <p:spPr>
+          <a:xfrm>
+            <a:off x="434738" y="320675"/>
+            <a:ext cx="11757262" cy="1325563"/>
+          </a:xfrm>
+        </p:spPr>
+        <p:txBody>
+          <a:bodyPr>
+            <a:normAutofit/>
+          </a:bodyPr>
+          <a:lstStyle/>
+          <a:p>
+            <a:r>
+              <a:rPr lang="en-US" altLang="zh-TW" sz="4000" dirty="0">
+                <a:latin typeface="Times" panose="02020603050405020304" pitchFamily="18" charset="0"/>
+                <a:cs typeface="Times" panose="02020603050405020304" pitchFamily="18" charset="0"/>
+              </a:rPr>
+              <a:t>Cell Padding</a:t>
+            </a:r>
+          </a:p>
+        </p:txBody>
+      </p:sp>
+      <p:sp>
+        <p:nvSpPr>
+          <p:cNvPr id="3" name="內容版面配置區 2">
+            <a:extLst>
+              <a:ext uri="{FF2B5EF4-FFF2-40B4-BE49-F238E27FC236}">
+                <a16:creationId xmlns:a16="http://schemas.microsoft.com/office/drawing/2014/main" id="{CDD6591C-6706-1D9B-A7CF-BE488BA469CB}"/>
+              </a:ext>
+            </a:extLst>
+          </p:cNvPr>
+          <p:cNvSpPr>
+            <a:spLocks noGrp="1"/>
+          </p:cNvSpPr>
+          <p:nvPr>
+            <p:ph idx="1"/>
+          </p:nvPr>
+        </p:nvSpPr>
+        <p:spPr>
+          <a:xfrm>
+            <a:off x="839645" y="1846585"/>
+            <a:ext cx="10512709" cy="4874890"/>
+          </a:xfrm>
+        </p:spPr>
+        <p:txBody>
+          <a:bodyPr>
+            <a:normAutofit/>
+          </a:bodyPr>
+          <a:lstStyle/>
+          <a:p>
+            <a:pPr marL="514350" indent="-514350">
+              <a:buFont typeface="+mj-lt"/>
+              <a:buAutoNum type="arabicPeriod" startAt="3"/>
+            </a:pPr>
+            <a:r>
+              <a:rPr lang="en-US" altLang="zh-TW" sz="2400" dirty="0">
+                <a:latin typeface="Times" panose="02020603050405020304" pitchFamily="18" charset="0"/>
+                <a:cs typeface="Times" panose="02020603050405020304" pitchFamily="18" charset="0"/>
+              </a:rPr>
+              <a:t>Multi-feature-based Cell Padding</a:t>
+            </a:r>
+          </a:p>
+          <a:p>
+            <a:pPr marL="514350" indent="-514350">
+              <a:buFont typeface="+mj-lt"/>
+              <a:buAutoNum type="arabicPeriod" startAt="3"/>
+            </a:pPr>
+            <a:endParaRPr lang="en-US" altLang="zh-TW" sz="2000" dirty="0">
+              <a:latin typeface="Times" panose="02020603050405020304" pitchFamily="18" charset="0"/>
+              <a:cs typeface="Times" panose="02020603050405020304" pitchFamily="18" charset="0"/>
+            </a:endParaRPr>
+          </a:p>
+          <a:p>
+            <a:pPr>
+              <a:lnSpc>
+                <a:spcPct val="130000"/>
+              </a:lnSpc>
+            </a:pPr>
+            <a:r>
+              <a:rPr lang="en-US" altLang="zh-TW" sz="2200" dirty="0">
+                <a:latin typeface="Times" panose="02020603050405020304" pitchFamily="18" charset="0"/>
+                <a:cs typeface="Times" panose="02020603050405020304" pitchFamily="18" charset="0"/>
+              </a:rPr>
+              <a:t> </a:t>
+            </a:r>
+            <a:r>
+              <a:rPr lang="en-US" altLang="zh-TW" sz="2200" dirty="0" err="1">
+                <a:latin typeface="Times" panose="02020603050405020304" pitchFamily="18" charset="0"/>
+                <a:cs typeface="Times" panose="02020603050405020304" pitchFamily="18" charset="0"/>
+              </a:rPr>
+              <a:t>Routabililty</a:t>
+            </a:r>
+            <a:r>
+              <a:rPr lang="en-US" altLang="zh-TW" sz="2200" dirty="0">
+                <a:latin typeface="Times" panose="02020603050405020304" pitchFamily="18" charset="0"/>
+                <a:cs typeface="Times" panose="02020603050405020304" pitchFamily="18" charset="0"/>
+              </a:rPr>
+              <a:t> optimization process:</a:t>
+            </a:r>
+          </a:p>
+        </p:txBody>
+      </p:sp>
+      <p:sp>
+        <p:nvSpPr>
+          <p:cNvPr id="4" name="投影片編號版面配置區 3">
+            <a:extLst>
+              <a:ext uri="{FF2B5EF4-FFF2-40B4-BE49-F238E27FC236}">
+                <a16:creationId xmlns:a16="http://schemas.microsoft.com/office/drawing/2014/main" id="{C4A4DCC3-BB49-91CF-D3FC-B1B0701D13DC}"/>
+              </a:ext>
+            </a:extLst>
+          </p:cNvPr>
+          <p:cNvSpPr>
+            <a:spLocks noGrp="1"/>
+          </p:cNvSpPr>
+          <p:nvPr>
+            <p:ph type="sldNum" sz="quarter" idx="12"/>
+          </p:nvPr>
+        </p:nvSpPr>
+        <p:spPr/>
+        <p:txBody>
+          <a:bodyPr/>
+          <a:lstStyle/>
+          <a:p>
+            <a:fld id="{666274A1-CF9C-426A-8DD4-B13ED0C24231}" type="slidenum">
+              <a:rPr lang="en-US" smtClean="0"/>
+              <a:t>25</a:t>
+            </a:fld>
+            <a:endParaRPr lang="en-US" dirty="0"/>
+          </a:p>
+        </p:txBody>
+      </p:sp>
+      <p:pic>
+        <p:nvPicPr>
+          <p:cNvPr id="8" name="圖片 7">
+            <a:extLst>
+              <a:ext uri="{FF2B5EF4-FFF2-40B4-BE49-F238E27FC236}">
+                <a16:creationId xmlns:a16="http://schemas.microsoft.com/office/drawing/2014/main" id="{B3CA337D-AFC2-C562-AA80-567D9D843CBB}"/>
+              </a:ext>
+            </a:extLst>
+          </p:cNvPr>
+          <p:cNvPicPr>
+            <a:picLocks noChangeAspect="1"/>
+          </p:cNvPicPr>
+          <p:nvPr/>
+        </p:nvPicPr>
+        <p:blipFill>
+          <a:blip r:embed="rId3"/>
+          <a:stretch>
+            <a:fillRect/>
+          </a:stretch>
+        </p:blipFill>
+        <p:spPr>
+          <a:xfrm>
+            <a:off x="2200593" y="1646238"/>
+            <a:ext cx="7790813" cy="4828381"/>
+          </a:xfrm>
+          <a:prstGeom prst="rect">
+            <a:avLst/>
+          </a:prstGeom>
+        </p:spPr>
+      </p:pic>
+    </p:spTree>
+    <p:extLst>
+      <p:ext uri="{BB962C8B-B14F-4D97-AF65-F5344CB8AC3E}">
+        <p14:creationId xmlns:p14="http://schemas.microsoft.com/office/powerpoint/2010/main" val="3172725510"/>
+      </p:ext>
+    </p:extLst>
+  </p:cSld>
+  <p:clrMapOvr>
+    <a:masterClrMapping/>
+  </p:clrMapOvr>
+  <p:timing>
+    <p:tnLst>
+      <p:par>
+        <p:cTn id="1" dur="indefinite" restart="never" nodeType="tmRoot">
+          <p:childTnLst>
+            <p:seq concurrent="1" nextAc="seek">
+              <p:cTn id="2" dur="indefinite" nodeType="mainSeq">
+                <p:childTnLst>
+                  <p:par>
+                    <p:cTn id="3" fill="hold">
+                      <p:stCondLst>
+                        <p:cond delay="indefinite"/>
+                      </p:stCondLst>
+                      <p:childTnLst>
+                        <p:par>
+                          <p:cTn id="4" fill="hold">
+                            <p:stCondLst>
+                              <p:cond delay="0"/>
+                            </p:stCondLst>
+                            <p:childTnLst>
+                              <p:par>
+                                <p:cTn id="5" presetID="1" presetClass="entr" presetSubtype="0" fill="hold" nodeType="clickEffect">
+                                  <p:stCondLst>
+                                    <p:cond delay="0"/>
+                                  </p:stCondLst>
+                                  <p:childTnLst>
+                                    <p:set>
+                                      <p:cBhvr>
+                                        <p:cTn id="6" dur="1" fill="hold">
+                                          <p:stCondLst>
+                                            <p:cond delay="0"/>
+                                          </p:stCondLst>
+                                        </p:cTn>
+                                        <p:tgtEl>
+                                          <p:spTgt spid="8"/>
+                                        </p:tgtEl>
+                                        <p:attrNameLst>
+                                          <p:attrName>style.visibility</p:attrName>
+                                        </p:attrNameLst>
+                                      </p:cBhvr>
+                                      <p:to>
+                                        <p:strVal val="visible"/>
+                                      </p:to>
+                                    </p:set>
+                                  </p:childTnLst>
+                                </p:cTn>
+                              </p:par>
+                            </p:childTnLst>
+                          </p:cTn>
+                        </p:par>
+                      </p:childTnLst>
+                    </p:cTn>
+                  </p:par>
+                </p:childTnLst>
+              </p:cTn>
+              <p:prevCondLst>
+                <p:cond evt="onPrev" delay="0">
+                  <p:tgtEl>
+                    <p:sldTgt/>
+                  </p:tgtEl>
+                </p:cond>
+              </p:prevCondLst>
+              <p:nextCondLst>
+                <p:cond evt="onNext" delay="0">
+                  <p:tgtEl>
+                    <p:sldTgt/>
+                  </p:tgtEl>
+                </p:cond>
+              </p:nextCondLst>
+            </p:seq>
+          </p:childTnLst>
+        </p:cTn>
+      </p:par>
+    </p:tnLst>
+  </p:timing>
+</p:sld>
+</file>
+
+<file path=ppt/slides/slide27.xml><?xml version="1.0" encoding="utf-8"?>
+<p:sld xmlns:a="http://schemas.openxmlformats.org/drawingml/2006/main" xmlns:r="http://schemas.openxmlformats.org/officeDocument/2006/relationships" xmlns:p="http://schemas.openxmlformats.org/presentationml/2006/main">
+  <p:cSld>
+    <p:spTree>
+      <p:nvGrpSpPr>
+        <p:cNvPr id="1" name=""/>
+        <p:cNvGrpSpPr/>
+        <p:nvPr/>
+      </p:nvGrpSpPr>
+      <p:grpSpPr>
+        <a:xfrm>
+          <a:off x="0" y="0"/>
+          <a:ext cx="0" cy="0"/>
+          <a:chOff x="0" y="0"/>
+          <a:chExt cx="0" cy="0"/>
+        </a:xfrm>
+      </p:grpSpPr>
+      <p:sp>
+        <p:nvSpPr>
+          <p:cNvPr id="2" name="標題 1">
+            <a:extLst>
+              <a:ext uri="{FF2B5EF4-FFF2-40B4-BE49-F238E27FC236}">
+                <a16:creationId xmlns:a16="http://schemas.microsoft.com/office/drawing/2014/main" id="{AEDF6777-6236-46F8-93C4-053ACE59502E}"/>
+              </a:ext>
+            </a:extLst>
+          </p:cNvPr>
+          <p:cNvSpPr>
+            <a:spLocks noGrp="1"/>
+          </p:cNvSpPr>
+          <p:nvPr>
+            <p:ph type="title"/>
+          </p:nvPr>
+        </p:nvSpPr>
+        <p:spPr>
+          <a:xfrm>
+            <a:off x="434738" y="320675"/>
+            <a:ext cx="11757262" cy="1325563"/>
+          </a:xfrm>
+        </p:spPr>
+        <p:txBody>
+          <a:bodyPr>
+            <a:normAutofit/>
+          </a:bodyPr>
+          <a:lstStyle/>
+          <a:p>
+            <a:r>
+              <a:rPr lang="en-US" altLang="zh-TW" sz="4000" dirty="0">
+                <a:latin typeface="Times" panose="02020603050405020304" pitchFamily="18" charset="0"/>
+                <a:cs typeface="Times" panose="02020603050405020304" pitchFamily="18" charset="0"/>
+              </a:rPr>
+              <a:t>Cell Padding</a:t>
+            </a:r>
+          </a:p>
+        </p:txBody>
+      </p:sp>
+      <mc:AlternateContent xmlns:mc="http://schemas.openxmlformats.org/markup-compatibility/2006">
+        <mc:Choice xmlns:a14="http://schemas.microsoft.com/office/drawing/2010/main" Requires="a14">
+          <p:sp>
+            <p:nvSpPr>
+              <p:cNvPr id="3" name="內容版面配置區 2">
+                <a:extLst>
+                  <a:ext uri="{FF2B5EF4-FFF2-40B4-BE49-F238E27FC236}">
+                    <a16:creationId xmlns:a16="http://schemas.microsoft.com/office/drawing/2014/main" id="{CDD6591C-6706-1D9B-A7CF-BE488BA469CB}"/>
+                  </a:ext>
+                </a:extLst>
+              </p:cNvPr>
+              <p:cNvSpPr>
+                <a:spLocks noGrp="1"/>
+              </p:cNvSpPr>
+              <p:nvPr>
+                <p:ph idx="1"/>
+              </p:nvPr>
+            </p:nvSpPr>
+            <p:spPr>
+              <a:xfrm>
+                <a:off x="839645" y="1846585"/>
+                <a:ext cx="10512709" cy="4874890"/>
+              </a:xfrm>
+            </p:spPr>
+            <p:txBody>
+              <a:bodyPr>
+                <a:normAutofit lnSpcReduction="10000"/>
+              </a:bodyPr>
+              <a:lstStyle/>
+              <a:p>
+                <a:pPr marL="514350" indent="-514350">
+                  <a:buFont typeface="+mj-lt"/>
+                  <a:buAutoNum type="arabicPeriod" startAt="3"/>
+                </a:pPr>
+                <a:r>
+                  <a:rPr lang="en-US" altLang="zh-TW" sz="2400" dirty="0">
+                    <a:latin typeface="Times" panose="02020603050405020304" pitchFamily="18" charset="0"/>
+                    <a:cs typeface="Times" panose="02020603050405020304" pitchFamily="18" charset="0"/>
+                  </a:rPr>
+                  <a:t>Multi-feature-based Cell Padding</a:t>
+                </a:r>
+              </a:p>
+              <a:p>
+                <a:pPr marL="514350" indent="-514350">
+                  <a:buFont typeface="+mj-lt"/>
+                  <a:buAutoNum type="arabicPeriod" startAt="3"/>
+                </a:pPr>
+                <a:endParaRPr lang="en-US" altLang="zh-TW" sz="600" dirty="0">
+                  <a:latin typeface="Times" panose="02020603050405020304" pitchFamily="18" charset="0"/>
+                  <a:cs typeface="Times" panose="02020603050405020304" pitchFamily="18" charset="0"/>
+                </a:endParaRPr>
+              </a:p>
+              <a:p>
+                <a:pPr>
+                  <a:lnSpc>
+                    <a:spcPct val="130000"/>
+                  </a:lnSpc>
+                </a:pPr>
+                <a:r>
+                  <a:rPr lang="en-US" altLang="zh-TW" sz="2200" dirty="0">
+                    <a:latin typeface="Times" panose="02020603050405020304" pitchFamily="18" charset="0"/>
+                    <a:cs typeface="Times" panose="02020603050405020304" pitchFamily="18" charset="0"/>
+                  </a:rPr>
+                  <a:t> Three conditions to trigger the </a:t>
+                </a:r>
+                <a:r>
+                  <a:rPr lang="en-US" altLang="zh-TW" sz="2200" dirty="0" err="1">
+                    <a:latin typeface="Times" panose="02020603050405020304" pitchFamily="18" charset="0"/>
+                    <a:cs typeface="Times" panose="02020603050405020304" pitchFamily="18" charset="0"/>
+                  </a:rPr>
+                  <a:t>routability</a:t>
+                </a:r>
+                <a:r>
+                  <a:rPr lang="en-US" altLang="zh-TW" sz="2200" dirty="0">
+                    <a:latin typeface="Times" panose="02020603050405020304" pitchFamily="18" charset="0"/>
+                    <a:cs typeface="Times" panose="02020603050405020304" pitchFamily="18" charset="0"/>
+                  </a:rPr>
+                  <a:t> optimizer (</a:t>
+                </a:r>
+                <a14:m>
+                  <m:oMath xmlns:m="http://schemas.openxmlformats.org/officeDocument/2006/math">
+                    <m:r>
+                      <a:rPr lang="zh-TW" altLang="en-US" sz="2400" i="1" smtClean="0">
+                        <a:latin typeface="Cambria Math" panose="02040503050406030204" pitchFamily="18" charset="0"/>
+                        <a:cs typeface="Times" panose="02020603050405020304" pitchFamily="18" charset="0"/>
+                      </a:rPr>
+                      <m:t>𝜏</m:t>
+                    </m:r>
+                  </m:oMath>
+                </a14:m>
+                <a:r>
+                  <a:rPr lang="en-US" altLang="zh-TW" sz="2200" dirty="0">
+                    <a:latin typeface="Times" panose="02020603050405020304" pitchFamily="18" charset="0"/>
+                    <a:cs typeface="Times" panose="02020603050405020304" pitchFamily="18" charset="0"/>
+                  </a:rPr>
+                  <a:t>, </a:t>
+                </a:r>
+                <a14:m>
+                  <m:oMath xmlns:m="http://schemas.openxmlformats.org/officeDocument/2006/math">
+                    <m:r>
+                      <a:rPr lang="en-US" altLang="zh-TW" sz="2400" i="1" dirty="0">
+                        <a:latin typeface="Cambria Math" panose="02040503050406030204" pitchFamily="18" charset="0"/>
+                        <a:cs typeface="Times" panose="02020603050405020304" pitchFamily="18" charset="0"/>
+                      </a:rPr>
+                      <m:t>𝜂</m:t>
+                    </m:r>
+                  </m:oMath>
+                </a14:m>
+                <a:r>
+                  <a:rPr lang="en-US" altLang="zh-TW" sz="2200" dirty="0">
+                    <a:latin typeface="Times" panose="02020603050405020304" pitchFamily="18" charset="0"/>
+                    <a:cs typeface="Times" panose="02020603050405020304" pitchFamily="18" charset="0"/>
+                  </a:rPr>
+                  <a:t>, </a:t>
+                </a:r>
+                <a14:m>
+                  <m:oMath xmlns:m="http://schemas.openxmlformats.org/officeDocument/2006/math">
+                    <m:r>
+                      <m:rPr>
+                        <m:sty m:val="p"/>
+                      </m:rPr>
+                      <a:rPr lang="en-US" altLang="zh-TW" sz="2400" i="1">
+                        <a:latin typeface="Cambria Math" panose="02040503050406030204" pitchFamily="18" charset="0"/>
+                        <a:cs typeface="Times" panose="02020603050405020304" pitchFamily="18" charset="0"/>
+                      </a:rPr>
+                      <m:t>ξ</m:t>
+                    </m:r>
+                  </m:oMath>
+                </a14:m>
+                <a:r>
+                  <a:rPr lang="en-US" altLang="zh-TW" sz="2200" dirty="0">
+                    <a:latin typeface="Times" panose="02020603050405020304" pitchFamily="18" charset="0"/>
+                    <a:cs typeface="Times" panose="02020603050405020304" pitchFamily="18" charset="0"/>
+                  </a:rPr>
+                  <a:t>   are strategy parameter) :</a:t>
+                </a:r>
+              </a:p>
+              <a:p>
+                <a:pPr marL="914400" lvl="1" indent="-457200">
+                  <a:lnSpc>
+                    <a:spcPct val="130000"/>
+                  </a:lnSpc>
+                  <a:buFont typeface="+mj-lt"/>
+                  <a:buAutoNum type="arabicPeriod"/>
+                </a:pPr>
+                <a:r>
+                  <a:rPr lang="en-US" altLang="zh-TW" sz="2000" dirty="0">
+                    <a:latin typeface="Times" panose="02020603050405020304" pitchFamily="18" charset="0"/>
+                    <a:cs typeface="Times" panose="02020603050405020304" pitchFamily="18" charset="0"/>
+                  </a:rPr>
+                  <a:t>Density flow &lt; threshold </a:t>
+                </a:r>
+                <a14:m>
+                  <m:oMath xmlns:m="http://schemas.openxmlformats.org/officeDocument/2006/math">
+                    <m:r>
+                      <a:rPr lang="zh-TW" altLang="en-US" sz="2000" i="1" smtClean="0">
+                        <a:latin typeface="Cambria Math" panose="02040503050406030204" pitchFamily="18" charset="0"/>
+                        <a:cs typeface="Times" panose="02020603050405020304" pitchFamily="18" charset="0"/>
+                      </a:rPr>
+                      <m:t>𝜏</m:t>
+                    </m:r>
+                  </m:oMath>
+                </a14:m>
+                <a:endParaRPr lang="en-US" altLang="zh-TW" sz="2000" dirty="0">
+                  <a:latin typeface="Times" panose="02020603050405020304" pitchFamily="18" charset="0"/>
+                  <a:cs typeface="Times" panose="02020603050405020304" pitchFamily="18" charset="0"/>
+                </a:endParaRPr>
+              </a:p>
+              <a:p>
+                <a:pPr lvl="2">
+                  <a:lnSpc>
+                    <a:spcPct val="130000"/>
+                  </a:lnSpc>
+                </a:pPr>
+                <a:r>
+                  <a:rPr lang="en-US" altLang="zh-TW" sz="1800" dirty="0">
+                    <a:latin typeface="Times" panose="02020603050405020304" pitchFamily="18" charset="0"/>
+                    <a:cs typeface="Times" panose="02020603050405020304" pitchFamily="18" charset="0"/>
+                  </a:rPr>
+                  <a:t>Density flow: </a:t>
+                </a:r>
+                <a14:m>
+                  <m:oMath xmlns:m="http://schemas.openxmlformats.org/officeDocument/2006/math">
+                    <m:f>
+                      <m:fPr>
+                        <m:ctrlPr>
+                          <a:rPr lang="en-US" altLang="zh-TW" i="1" dirty="0" smtClean="0">
+                            <a:latin typeface="Cambria Math" panose="02040503050406030204" pitchFamily="18" charset="0"/>
+                            <a:cs typeface="Times" panose="02020603050405020304" pitchFamily="18" charset="0"/>
+                          </a:rPr>
+                        </m:ctrlPr>
+                      </m:fPr>
+                      <m:num>
+                        <m:r>
+                          <m:rPr>
+                            <m:sty m:val="p"/>
+                          </m:rPr>
+                          <a:rPr lang="el-GR" altLang="zh-TW" i="1">
+                            <a:latin typeface="Cambria Math" panose="02040503050406030204" pitchFamily="18" charset="0"/>
+                            <a:ea typeface="Cambria Math" panose="02040503050406030204" pitchFamily="18" charset="0"/>
+                            <a:cs typeface="Times" panose="02020603050405020304" pitchFamily="18" charset="0"/>
+                          </a:rPr>
+                          <m:t>Σ</m:t>
+                        </m:r>
+                        <m:r>
+                          <a:rPr lang="en-US" altLang="zh-TW" b="0" i="1" smtClean="0">
+                            <a:latin typeface="Cambria Math" panose="02040503050406030204" pitchFamily="18" charset="0"/>
+                            <a:ea typeface="Cambria Math" panose="02040503050406030204" pitchFamily="18" charset="0"/>
+                            <a:cs typeface="Times" panose="02020603050405020304" pitchFamily="18" charset="0"/>
+                          </a:rPr>
+                          <m:t> </m:t>
+                        </m:r>
+                        <m:r>
+                          <a:rPr lang="en-US" altLang="zh-TW" b="0" i="1" smtClean="0">
+                            <a:latin typeface="Cambria Math" panose="02040503050406030204" pitchFamily="18" charset="0"/>
+                            <a:ea typeface="Cambria Math" panose="02040503050406030204" pitchFamily="18" charset="0"/>
+                            <a:cs typeface="Times" panose="02020603050405020304" pitchFamily="18" charset="0"/>
+                          </a:rPr>
+                          <m:t>𝑐𝑒𝑙𝑙</m:t>
+                        </m:r>
+                        <m:r>
+                          <a:rPr lang="en-US" altLang="zh-TW" b="0" i="1" smtClean="0">
+                            <a:latin typeface="Cambria Math" panose="02040503050406030204" pitchFamily="18" charset="0"/>
+                            <a:ea typeface="Cambria Math" panose="02040503050406030204" pitchFamily="18" charset="0"/>
+                            <a:cs typeface="Times" panose="02020603050405020304" pitchFamily="18" charset="0"/>
+                          </a:rPr>
+                          <m:t> </m:t>
+                        </m:r>
+                        <m:r>
+                          <a:rPr lang="en-US" altLang="zh-TW" b="0" i="1" smtClean="0">
+                            <a:latin typeface="Cambria Math" panose="02040503050406030204" pitchFamily="18" charset="0"/>
+                            <a:ea typeface="Cambria Math" panose="02040503050406030204" pitchFamily="18" charset="0"/>
+                            <a:cs typeface="Times" panose="02020603050405020304" pitchFamily="18" charset="0"/>
+                          </a:rPr>
+                          <m:t>𝑜𝑣𝑒𝑟𝑓𝑙𝑜𝑤</m:t>
+                        </m:r>
+                        <m:r>
+                          <a:rPr lang="en-US" altLang="zh-TW" b="0" i="1" smtClean="0">
+                            <a:latin typeface="Cambria Math" panose="02040503050406030204" pitchFamily="18" charset="0"/>
+                            <a:ea typeface="Cambria Math" panose="02040503050406030204" pitchFamily="18" charset="0"/>
+                            <a:cs typeface="Times" panose="02020603050405020304" pitchFamily="18" charset="0"/>
+                          </a:rPr>
+                          <m:t> </m:t>
+                        </m:r>
+                        <m:r>
+                          <a:rPr lang="en-US" altLang="zh-TW" b="0" i="1" smtClean="0">
+                            <a:latin typeface="Cambria Math" panose="02040503050406030204" pitchFamily="18" charset="0"/>
+                            <a:ea typeface="Cambria Math" panose="02040503050406030204" pitchFamily="18" charset="0"/>
+                            <a:cs typeface="Times" panose="02020603050405020304" pitchFamily="18" charset="0"/>
+                          </a:rPr>
+                          <m:t>𝑎𝑟𝑒𝑎</m:t>
+                        </m:r>
+                        <m:r>
+                          <a:rPr lang="en-US" altLang="zh-TW" b="0" i="1" smtClean="0">
+                            <a:latin typeface="Cambria Math" panose="02040503050406030204" pitchFamily="18" charset="0"/>
+                            <a:ea typeface="Cambria Math" panose="02040503050406030204" pitchFamily="18" charset="0"/>
+                            <a:cs typeface="Times" panose="02020603050405020304" pitchFamily="18" charset="0"/>
+                          </a:rPr>
+                          <m:t> </m:t>
+                        </m:r>
+                        <m:r>
+                          <a:rPr lang="en-US" altLang="zh-TW" b="0" i="1" smtClean="0">
+                            <a:latin typeface="Cambria Math" panose="02040503050406030204" pitchFamily="18" charset="0"/>
+                            <a:ea typeface="Cambria Math" panose="02040503050406030204" pitchFamily="18" charset="0"/>
+                            <a:cs typeface="Times" panose="02020603050405020304" pitchFamily="18" charset="0"/>
+                          </a:rPr>
+                          <m:t>𝑜𝑓</m:t>
+                        </m:r>
+                        <m:r>
+                          <a:rPr lang="en-US" altLang="zh-TW" b="0" i="1" smtClean="0">
+                            <a:latin typeface="Cambria Math" panose="02040503050406030204" pitchFamily="18" charset="0"/>
+                            <a:ea typeface="Cambria Math" panose="02040503050406030204" pitchFamily="18" charset="0"/>
+                            <a:cs typeface="Times" panose="02020603050405020304" pitchFamily="18" charset="0"/>
+                          </a:rPr>
+                          <m:t> </m:t>
+                        </m:r>
+                        <m:r>
+                          <a:rPr lang="en-US" altLang="zh-TW" b="0" i="1" smtClean="0">
+                            <a:latin typeface="Cambria Math" panose="02040503050406030204" pitchFamily="18" charset="0"/>
+                            <a:ea typeface="Cambria Math" panose="02040503050406030204" pitchFamily="18" charset="0"/>
+                            <a:cs typeface="Times" panose="02020603050405020304" pitchFamily="18" charset="0"/>
+                          </a:rPr>
+                          <m:t>𝑎𝑙𝑙</m:t>
+                        </m:r>
+                        <m:r>
+                          <a:rPr lang="en-US" altLang="zh-TW" b="0" i="1" smtClean="0">
+                            <a:latin typeface="Cambria Math" panose="02040503050406030204" pitchFamily="18" charset="0"/>
+                            <a:ea typeface="Cambria Math" panose="02040503050406030204" pitchFamily="18" charset="0"/>
+                            <a:cs typeface="Times" panose="02020603050405020304" pitchFamily="18" charset="0"/>
+                          </a:rPr>
+                          <m:t> </m:t>
+                        </m:r>
+                        <m:r>
+                          <a:rPr lang="en-US" altLang="zh-TW" b="0" i="1" smtClean="0">
+                            <a:latin typeface="Cambria Math" panose="02040503050406030204" pitchFamily="18" charset="0"/>
+                            <a:ea typeface="Cambria Math" panose="02040503050406030204" pitchFamily="18" charset="0"/>
+                            <a:cs typeface="Times" panose="02020603050405020304" pitchFamily="18" charset="0"/>
+                          </a:rPr>
+                          <m:t>𝑏𝑖𝑛𝑠</m:t>
+                        </m:r>
+                      </m:num>
+                      <m:den>
+                        <m:r>
+                          <a:rPr lang="en-US" altLang="zh-TW" b="0" i="1" dirty="0" smtClean="0">
+                            <a:latin typeface="Cambria Math" panose="02040503050406030204" pitchFamily="18" charset="0"/>
+                            <a:cs typeface="Times" panose="02020603050405020304" pitchFamily="18" charset="0"/>
+                          </a:rPr>
+                          <m:t>𝑛𝑢𝑚𝑏𝑒𝑟</m:t>
+                        </m:r>
+                        <m:r>
+                          <a:rPr lang="en-US" altLang="zh-TW" b="0" i="1" dirty="0" smtClean="0">
+                            <a:latin typeface="Cambria Math" panose="02040503050406030204" pitchFamily="18" charset="0"/>
+                            <a:cs typeface="Times" panose="02020603050405020304" pitchFamily="18" charset="0"/>
+                          </a:rPr>
+                          <m:t> </m:t>
+                        </m:r>
+                        <m:r>
+                          <a:rPr lang="en-US" altLang="zh-TW" b="0" i="1" dirty="0" smtClean="0">
+                            <a:latin typeface="Cambria Math" panose="02040503050406030204" pitchFamily="18" charset="0"/>
+                            <a:cs typeface="Times" panose="02020603050405020304" pitchFamily="18" charset="0"/>
+                          </a:rPr>
+                          <m:t>𝑜𝑓</m:t>
+                        </m:r>
+                        <m:r>
+                          <a:rPr lang="en-US" altLang="zh-TW" b="0" i="1" dirty="0" smtClean="0">
+                            <a:latin typeface="Cambria Math" panose="02040503050406030204" pitchFamily="18" charset="0"/>
+                            <a:cs typeface="Times" panose="02020603050405020304" pitchFamily="18" charset="0"/>
+                          </a:rPr>
+                          <m:t> </m:t>
+                        </m:r>
+                        <m:r>
+                          <a:rPr lang="en-US" altLang="zh-TW" b="0" i="1" dirty="0" smtClean="0">
+                            <a:latin typeface="Cambria Math" panose="02040503050406030204" pitchFamily="18" charset="0"/>
+                            <a:cs typeface="Times" panose="02020603050405020304" pitchFamily="18" charset="0"/>
+                          </a:rPr>
+                          <m:t>𝑏𝑖𝑛𝑠</m:t>
+                        </m:r>
+                      </m:den>
+                    </m:f>
+                  </m:oMath>
+                </a14:m>
+                <a:endParaRPr lang="en-US" altLang="zh-TW" dirty="0">
+                  <a:latin typeface="Times" panose="02020603050405020304" pitchFamily="18" charset="0"/>
+                  <a:cs typeface="Times" panose="02020603050405020304" pitchFamily="18" charset="0"/>
+                </a:endParaRPr>
+              </a:p>
+              <a:p>
+                <a:pPr lvl="2">
+                  <a:lnSpc>
+                    <a:spcPct val="130000"/>
+                  </a:lnSpc>
+                </a:pPr>
+                <a:endParaRPr lang="en-US" altLang="zh-TW" sz="500" dirty="0">
+                  <a:latin typeface="Times" panose="02020603050405020304" pitchFamily="18" charset="0"/>
+                  <a:cs typeface="Times" panose="02020603050405020304" pitchFamily="18" charset="0"/>
+                </a:endParaRPr>
+              </a:p>
+              <a:p>
+                <a:pPr marL="800100" lvl="1" indent="-342900">
+                  <a:lnSpc>
+                    <a:spcPct val="130000"/>
+                  </a:lnSpc>
+                  <a:buFont typeface="+mj-lt"/>
+                  <a:buAutoNum type="arabicPeriod"/>
+                </a:pPr>
+                <a:r>
+                  <a:rPr lang="en-US" altLang="zh-TW" sz="2000" dirty="0">
+                    <a:latin typeface="Times" panose="02020603050405020304" pitchFamily="18" charset="0"/>
+                    <a:cs typeface="Times" panose="02020603050405020304" pitchFamily="18" charset="0"/>
+                  </a:rPr>
+                  <a:t>  Padding utilization of the preceding round &lt; threshold </a:t>
+                </a:r>
+                <a14:m>
+                  <m:oMath xmlns:m="http://schemas.openxmlformats.org/officeDocument/2006/math">
+                    <m:r>
+                      <a:rPr lang="en-US" altLang="zh-TW" sz="2000" i="1" dirty="0" smtClean="0">
+                        <a:latin typeface="Cambria Math" panose="02040503050406030204" pitchFamily="18" charset="0"/>
+                        <a:cs typeface="Times" panose="02020603050405020304" pitchFamily="18" charset="0"/>
+                      </a:rPr>
+                      <m:t>𝜂</m:t>
+                    </m:r>
+                  </m:oMath>
+                </a14:m>
+                <a:endParaRPr lang="en-US" altLang="zh-TW" sz="2000" dirty="0">
+                  <a:latin typeface="Times" panose="02020603050405020304" pitchFamily="18" charset="0"/>
+                  <a:cs typeface="Times" panose="02020603050405020304" pitchFamily="18" charset="0"/>
+                </a:endParaRPr>
+              </a:p>
+              <a:p>
+                <a:pPr lvl="2">
+                  <a:lnSpc>
+                    <a:spcPct val="130000"/>
+                  </a:lnSpc>
+                </a:pPr>
+                <a:r>
+                  <a:rPr lang="en-US" altLang="zh-TW" sz="1800" dirty="0">
+                    <a:latin typeface="Times" panose="02020603050405020304" pitchFamily="18" charset="0"/>
+                    <a:cs typeface="Times" panose="02020603050405020304" pitchFamily="18" charset="0"/>
+                  </a:rPr>
+                  <a:t>Padding is converging</a:t>
+                </a:r>
+              </a:p>
+              <a:p>
+                <a:pPr marL="800100" lvl="1" indent="-342900">
+                  <a:lnSpc>
+                    <a:spcPct val="130000"/>
+                  </a:lnSpc>
+                  <a:buFont typeface="+mj-lt"/>
+                  <a:buAutoNum type="arabicPeriod"/>
+                </a:pPr>
+                <a:endParaRPr lang="en-US" altLang="zh-TW" sz="500" dirty="0">
+                  <a:latin typeface="Times" panose="02020603050405020304" pitchFamily="18" charset="0"/>
+                  <a:cs typeface="Times" panose="02020603050405020304" pitchFamily="18" charset="0"/>
+                </a:endParaRPr>
+              </a:p>
+              <a:p>
+                <a:pPr marL="800100" lvl="1" indent="-342900">
+                  <a:lnSpc>
+                    <a:spcPct val="130000"/>
+                  </a:lnSpc>
+                  <a:buFont typeface="+mj-lt"/>
+                  <a:buAutoNum type="arabicPeriod"/>
+                </a:pPr>
+                <a:r>
+                  <a:rPr lang="zh-TW" altLang="en-US" sz="2000" dirty="0">
+                    <a:latin typeface="Times" panose="02020603050405020304" pitchFamily="18" charset="0"/>
+                    <a:cs typeface="Times" panose="02020603050405020304" pitchFamily="18" charset="0"/>
+                  </a:rPr>
+                  <a:t>  </a:t>
+                </a:r>
+                <a:r>
+                  <a:rPr lang="en-US" altLang="zh-TW" sz="2000" dirty="0">
+                    <a:latin typeface="Times" panose="02020603050405020304" pitchFamily="18" charset="0"/>
+                    <a:cs typeface="Times" panose="02020603050405020304" pitchFamily="18" charset="0"/>
+                  </a:rPr>
+                  <a:t>Call time of </a:t>
+                </a:r>
+                <a:r>
+                  <a:rPr lang="en-US" altLang="zh-TW" sz="2000" dirty="0" err="1">
+                    <a:latin typeface="Times" panose="02020603050405020304" pitchFamily="18" charset="0"/>
+                    <a:cs typeface="Times" panose="02020603050405020304" pitchFamily="18" charset="0"/>
+                  </a:rPr>
+                  <a:t>routability</a:t>
+                </a:r>
+                <a:r>
+                  <a:rPr lang="en-US" altLang="zh-TW" sz="2000" dirty="0">
+                    <a:latin typeface="Times" panose="02020603050405020304" pitchFamily="18" charset="0"/>
+                    <a:cs typeface="Times" panose="02020603050405020304" pitchFamily="18" charset="0"/>
+                  </a:rPr>
+                  <a:t> optimizer &lt; </a:t>
+                </a:r>
+                <a:r>
+                  <a:rPr lang="en-US" altLang="zh-TW" sz="2000" b="0" i="0" u="none" strike="noStrike" baseline="0" dirty="0">
+                    <a:latin typeface="Times" panose="02020603050405020304" pitchFamily="18" charset="0"/>
+                    <a:cs typeface="Times" panose="02020603050405020304" pitchFamily="18" charset="0"/>
+                  </a:rPr>
+                  <a:t>maximum iteration </a:t>
+                </a:r>
+                <a14:m>
+                  <m:oMath xmlns:m="http://schemas.openxmlformats.org/officeDocument/2006/math">
+                    <m:r>
+                      <m:rPr>
+                        <m:sty m:val="p"/>
+                      </m:rPr>
+                      <a:rPr lang="en-US" altLang="zh-TW" sz="2000" i="1" smtClean="0">
+                        <a:latin typeface="Cambria Math" panose="02040503050406030204" pitchFamily="18" charset="0"/>
+                        <a:cs typeface="Times" panose="02020603050405020304" pitchFamily="18" charset="0"/>
+                      </a:rPr>
+                      <m:t>ξ</m:t>
+                    </m:r>
+                  </m:oMath>
+                </a14:m>
+                <a:r>
+                  <a:rPr lang="en-US" altLang="zh-TW" sz="1600" dirty="0">
+                    <a:latin typeface="Times" panose="02020603050405020304" pitchFamily="18" charset="0"/>
+                    <a:cs typeface="Times" panose="02020603050405020304" pitchFamily="18" charset="0"/>
+                  </a:rPr>
+                  <a:t>	</a:t>
+                </a:r>
+              </a:p>
+              <a:p>
+                <a:pPr>
+                  <a:lnSpc>
+                    <a:spcPct val="130000"/>
+                  </a:lnSpc>
+                </a:pPr>
+                <a:r>
+                  <a:rPr lang="en-US" altLang="zh-TW" sz="2200" dirty="0">
+                    <a:latin typeface="Times" panose="02020603050405020304" pitchFamily="18" charset="0"/>
+                    <a:cs typeface="Times" panose="02020603050405020304" pitchFamily="18" charset="0"/>
+                  </a:rPr>
+                  <a:t>Otherwise, the WL-driven placement engine will optimize both wirelength and density until it converges.</a:t>
+                </a:r>
+              </a:p>
+            </p:txBody>
+          </p:sp>
+        </mc:Choice>
+        <mc:Fallback>
+          <p:sp>
+            <p:nvSpPr>
+              <p:cNvPr id="3" name="內容版面配置區 2">
+                <a:extLst>
+                  <a:ext uri="{FF2B5EF4-FFF2-40B4-BE49-F238E27FC236}">
+                    <a16:creationId xmlns:a16="http://schemas.microsoft.com/office/drawing/2014/main" id="{CDD6591C-6706-1D9B-A7CF-BE488BA469CB}"/>
+                  </a:ext>
+                </a:extLst>
+              </p:cNvPr>
+              <p:cNvSpPr>
+                <a:spLocks noGrp="1" noRot="1" noChangeAspect="1" noMove="1" noResize="1" noEditPoints="1" noAdjustHandles="1" noChangeArrowheads="1" noChangeShapeType="1" noTextEdit="1"/>
+              </p:cNvSpPr>
+              <p:nvPr>
+                <p:ph idx="1"/>
+              </p:nvPr>
+            </p:nvSpPr>
+            <p:spPr>
+              <a:xfrm>
+                <a:off x="839645" y="1846585"/>
+                <a:ext cx="10512709" cy="4874890"/>
+              </a:xfrm>
+              <a:blipFill>
+                <a:blip r:embed="rId3"/>
+                <a:stretch>
+                  <a:fillRect l="-812" t="-2500"/>
+                </a:stretch>
+              </a:blipFill>
+            </p:spPr>
+            <p:txBody>
+              <a:bodyPr/>
+              <a:lstStyle/>
+              <a:p>
+                <a:r>
+                  <a:rPr lang="zh-TW" altLang="en-US">
+                    <a:noFill/>
+                  </a:rPr>
+                  <a:t> </a:t>
+                </a:r>
+              </a:p>
+            </p:txBody>
+          </p:sp>
+        </mc:Fallback>
+      </mc:AlternateContent>
+      <p:sp>
+        <p:nvSpPr>
+          <p:cNvPr id="4" name="投影片編號版面配置區 3">
+            <a:extLst>
+              <a:ext uri="{FF2B5EF4-FFF2-40B4-BE49-F238E27FC236}">
+                <a16:creationId xmlns:a16="http://schemas.microsoft.com/office/drawing/2014/main" id="{C4A4DCC3-BB49-91CF-D3FC-B1B0701D13DC}"/>
+              </a:ext>
+            </a:extLst>
+          </p:cNvPr>
+          <p:cNvSpPr>
+            <a:spLocks noGrp="1"/>
+          </p:cNvSpPr>
+          <p:nvPr>
+            <p:ph type="sldNum" sz="quarter" idx="12"/>
+          </p:nvPr>
+        </p:nvSpPr>
+        <p:spPr/>
+        <p:txBody>
+          <a:bodyPr/>
+          <a:lstStyle/>
+          <a:p>
+            <a:fld id="{666274A1-CF9C-426A-8DD4-B13ED0C24231}" type="slidenum">
+              <a:rPr lang="en-US" smtClean="0"/>
+              <a:t>26</a:t>
+            </a:fld>
+            <a:endParaRPr lang="en-US" dirty="0"/>
+          </a:p>
+        </p:txBody>
+      </p:sp>
+    </p:spTree>
+    <p:extLst>
+      <p:ext uri="{BB962C8B-B14F-4D97-AF65-F5344CB8AC3E}">
+        <p14:creationId xmlns:p14="http://schemas.microsoft.com/office/powerpoint/2010/main" val="265493472"/>
       </p:ext>
     </p:extLst>
   </p:cSld>
@@ -23094,10 +23840,104 @@
       </p:grpSpPr>
       <p:sp>
         <p:nvSpPr>
-          <p:cNvPr id="4" name="Slide Number Placeholder 3">
+          <p:cNvPr id="2" name="標題 1">
             <a:extLst>
               <a:ext uri="{FF2B5EF4-FFF2-40B4-BE49-F238E27FC236}">
-                <a16:creationId xmlns:a16="http://schemas.microsoft.com/office/drawing/2014/main" id="{DB47E6D4-11C1-7FA3-40FD-EC8CC1AC8613}"/>
+                <a16:creationId xmlns:a16="http://schemas.microsoft.com/office/drawing/2014/main" id="{AEDF6777-6236-46F8-93C4-053ACE59502E}"/>
+              </a:ext>
+            </a:extLst>
+          </p:cNvPr>
+          <p:cNvSpPr>
+            <a:spLocks noGrp="1"/>
+          </p:cNvSpPr>
+          <p:nvPr>
+            <p:ph type="title"/>
+          </p:nvPr>
+        </p:nvSpPr>
+        <p:spPr>
+          <a:xfrm>
+            <a:off x="434738" y="320675"/>
+            <a:ext cx="11757262" cy="1325563"/>
+          </a:xfrm>
+        </p:spPr>
+        <p:txBody>
+          <a:bodyPr>
+            <a:normAutofit/>
+          </a:bodyPr>
+          <a:lstStyle/>
+          <a:p>
+            <a:r>
+              <a:rPr lang="en-US" altLang="zh-TW" sz="4000">
+                <a:latin typeface="Times" panose="02020603050405020304" pitchFamily="18" charset="0"/>
+                <a:cs typeface="Times" panose="02020603050405020304" pitchFamily="18" charset="0"/>
+              </a:rPr>
+              <a:t>Strategy Exploration</a:t>
+            </a:r>
+            <a:endParaRPr lang="en-US" altLang="zh-TW" sz="4000" dirty="0">
+              <a:latin typeface="Times" panose="02020603050405020304" pitchFamily="18" charset="0"/>
+              <a:cs typeface="Times" panose="02020603050405020304" pitchFamily="18" charset="0"/>
+            </a:endParaRPr>
+          </a:p>
+        </p:txBody>
+      </p:sp>
+      <p:sp>
+        <p:nvSpPr>
+          <p:cNvPr id="3" name="內容版面配置區 2">
+            <a:extLst>
+              <a:ext uri="{FF2B5EF4-FFF2-40B4-BE49-F238E27FC236}">
+                <a16:creationId xmlns:a16="http://schemas.microsoft.com/office/drawing/2014/main" id="{CDD6591C-6706-1D9B-A7CF-BE488BA469CB}"/>
+              </a:ext>
+            </a:extLst>
+          </p:cNvPr>
+          <p:cNvSpPr>
+            <a:spLocks noGrp="1"/>
+          </p:cNvSpPr>
+          <p:nvPr>
+            <p:ph idx="1"/>
+          </p:nvPr>
+        </p:nvSpPr>
+        <p:spPr>
+          <a:xfrm>
+            <a:off x="839645" y="1846585"/>
+            <a:ext cx="10512709" cy="4874890"/>
+          </a:xfrm>
+        </p:spPr>
+        <p:txBody>
+          <a:bodyPr>
+            <a:normAutofit/>
+          </a:bodyPr>
+          <a:lstStyle/>
+          <a:p>
+            <a:pPr marL="514350" indent="-514350">
+              <a:buFont typeface="+mj-lt"/>
+              <a:buAutoNum type="arabicPeriod"/>
+            </a:pPr>
+            <a:r>
+              <a:rPr lang="en-US" altLang="zh-TW" sz="2400" dirty="0">
+                <a:latin typeface="Times" panose="02020603050405020304" pitchFamily="18" charset="0"/>
+                <a:cs typeface="Times" panose="02020603050405020304" pitchFamily="18" charset="0"/>
+              </a:rPr>
+              <a:t>Bayesian-based Strategy Exploration</a:t>
+            </a:r>
+          </a:p>
+          <a:p>
+            <a:pPr marL="514350" indent="-514350">
+              <a:buFont typeface="+mj-lt"/>
+              <a:buAutoNum type="arabicPeriod"/>
+            </a:pPr>
+            <a:endParaRPr lang="en-US" altLang="zh-TW" sz="600" dirty="0">
+              <a:latin typeface="Times" panose="02020603050405020304" pitchFamily="18" charset="0"/>
+              <a:cs typeface="Times" panose="02020603050405020304" pitchFamily="18" charset="0"/>
+            </a:endParaRPr>
+          </a:p>
+        </p:txBody>
+      </p:sp>
+      <p:sp>
+        <p:nvSpPr>
+          <p:cNvPr id="4" name="投影片編號版面配置區 3">
+            <a:extLst>
+              <a:ext uri="{FF2B5EF4-FFF2-40B4-BE49-F238E27FC236}">
+                <a16:creationId xmlns:a16="http://schemas.microsoft.com/office/drawing/2014/main" id="{C4A4DCC3-BB49-91CF-D3FC-B1B0701D13DC}"/>
               </a:ext>
             </a:extLst>
           </p:cNvPr>
@@ -23117,56 +23957,383 @@
               <a:rPr lang="en-US" smtClean="0"/>
               <a:t>27</a:t>
             </a:fld>
-            <a:endParaRPr lang="en-US"/>
+            <a:endParaRPr lang="en-US" dirty="0"/>
           </a:p>
         </p:txBody>
       </p:sp>
-      <p:sp>
-        <p:nvSpPr>
-          <p:cNvPr id="5" name="TextBox 4">
+      <p:pic>
+        <p:nvPicPr>
+          <p:cNvPr id="6" name="圖片 5">
             <a:extLst>
               <a:ext uri="{FF2B5EF4-FFF2-40B4-BE49-F238E27FC236}">
-                <a16:creationId xmlns:a16="http://schemas.microsoft.com/office/drawing/2014/main" id="{DE342AA9-4E4B-2420-9858-9BBA5A519307}"/>
+                <a16:creationId xmlns:a16="http://schemas.microsoft.com/office/drawing/2014/main" id="{95D9BD19-2A2D-B2E1-1366-CBDE7553B4B3}"/>
               </a:ext>
             </a:extLst>
           </p:cNvPr>
-          <p:cNvSpPr txBox="1"/>
+          <p:cNvPicPr>
+            <a:picLocks noChangeAspect="1"/>
+          </p:cNvPicPr>
           <p:nvPr/>
-        </p:nvSpPr>
+        </p:nvPicPr>
+        <p:blipFill>
+          <a:blip r:embed="rId3"/>
+          <a:stretch>
+            <a:fillRect/>
+          </a:stretch>
+        </p:blipFill>
         <p:spPr>
           <a:xfrm>
-            <a:off x="2697986" y="2967335"/>
-            <a:ext cx="6796028" cy="923330"/>
+            <a:off x="2057399" y="91573"/>
+            <a:ext cx="8077201" cy="6674854"/>
           </a:xfrm>
           <a:prstGeom prst="rect">
             <a:avLst/>
           </a:prstGeom>
-          <a:noFill/>
         </p:spPr>
-        <p:txBody>
-          <a:bodyPr wrap="none" rtlCol="0">
-            <a:spAutoFit/>
-          </a:bodyPr>
-          <a:lstStyle/>
-          <a:p>
-            <a:r>
-              <a:rPr lang="en-US" altLang="zh-TW" sz="5400" dirty="0"/>
-              <a:t>Thank you for listening!</a:t>
-            </a:r>
-            <a:endParaRPr lang="zh-TW" altLang="en-US" sz="5400" dirty="0"/>
-          </a:p>
-        </p:txBody>
-      </p:sp>
+      </p:pic>
     </p:spTree>
     <p:extLst>
       <p:ext uri="{BB962C8B-B14F-4D97-AF65-F5344CB8AC3E}">
-        <p14:creationId xmlns:p14="http://schemas.microsoft.com/office/powerpoint/2010/main" val="1947749228"/>
+        <p14:creationId xmlns:p14="http://schemas.microsoft.com/office/powerpoint/2010/main" val="6285975"/>
       </p:ext>
     </p:extLst>
   </p:cSld>
   <p:clrMapOvr>
     <a:masterClrMapping/>
   </p:clrMapOvr>
+  <p:timing>
+    <p:tnLst>
+      <p:par>
+        <p:cTn id="1" dur="indefinite" restart="never" nodeType="tmRoot">
+          <p:childTnLst>
+            <p:seq concurrent="1" nextAc="seek">
+              <p:cTn id="2" dur="indefinite" nodeType="mainSeq">
+                <p:childTnLst>
+                  <p:par>
+                    <p:cTn id="3" fill="hold">
+                      <p:stCondLst>
+                        <p:cond delay="indefinite"/>
+                      </p:stCondLst>
+                      <p:childTnLst>
+                        <p:par>
+                          <p:cTn id="4" fill="hold">
+                            <p:stCondLst>
+                              <p:cond delay="0"/>
+                            </p:stCondLst>
+                            <p:childTnLst>
+                              <p:par>
+                                <p:cTn id="5" presetID="1" presetClass="entr" presetSubtype="0" fill="hold" nodeType="clickEffect">
+                                  <p:stCondLst>
+                                    <p:cond delay="0"/>
+                                  </p:stCondLst>
+                                  <p:childTnLst>
+                                    <p:set>
+                                      <p:cBhvr>
+                                        <p:cTn id="6" dur="1" fill="hold">
+                                          <p:stCondLst>
+                                            <p:cond delay="0"/>
+                                          </p:stCondLst>
+                                        </p:cTn>
+                                        <p:tgtEl>
+                                          <p:spTgt spid="6"/>
+                                        </p:tgtEl>
+                                        <p:attrNameLst>
+                                          <p:attrName>style.visibility</p:attrName>
+                                        </p:attrNameLst>
+                                      </p:cBhvr>
+                                      <p:to>
+                                        <p:strVal val="visible"/>
+                                      </p:to>
+                                    </p:set>
+                                  </p:childTnLst>
+                                </p:cTn>
+                              </p:par>
+                            </p:childTnLst>
+                          </p:cTn>
+                        </p:par>
+                      </p:childTnLst>
+                    </p:cTn>
+                  </p:par>
+                </p:childTnLst>
+              </p:cTn>
+              <p:prevCondLst>
+                <p:cond evt="onPrev" delay="0">
+                  <p:tgtEl>
+                    <p:sldTgt/>
+                  </p:tgtEl>
+                </p:cond>
+              </p:prevCondLst>
+              <p:nextCondLst>
+                <p:cond evt="onNext" delay="0">
+                  <p:tgtEl>
+                    <p:sldTgt/>
+                  </p:tgtEl>
+                </p:cond>
+              </p:nextCondLst>
+            </p:seq>
+          </p:childTnLst>
+        </p:cTn>
+      </p:par>
+    </p:tnLst>
+  </p:timing>
+</p:sld>
+</file>
+
+<file path=ppt/slides/slide29.xml><?xml version="1.0" encoding="utf-8"?>
+<p:sld xmlns:a="http://schemas.openxmlformats.org/drawingml/2006/main" xmlns:r="http://schemas.openxmlformats.org/officeDocument/2006/relationships" xmlns:p="http://schemas.openxmlformats.org/presentationml/2006/main">
+  <p:cSld>
+    <p:spTree>
+      <p:nvGrpSpPr>
+        <p:cNvPr id="1" name=""/>
+        <p:cNvGrpSpPr/>
+        <p:nvPr/>
+      </p:nvGrpSpPr>
+      <p:grpSpPr>
+        <a:xfrm>
+          <a:off x="0" y="0"/>
+          <a:ext cx="0" cy="0"/>
+          <a:chOff x="0" y="0"/>
+          <a:chExt cx="0" cy="0"/>
+        </a:xfrm>
+      </p:grpSpPr>
+      <p:sp>
+        <p:nvSpPr>
+          <p:cNvPr id="2" name="標題 1">
+            <a:extLst>
+              <a:ext uri="{FF2B5EF4-FFF2-40B4-BE49-F238E27FC236}">
+                <a16:creationId xmlns:a16="http://schemas.microsoft.com/office/drawing/2014/main" id="{AEDF6777-6236-46F8-93C4-053ACE59502E}"/>
+              </a:ext>
+            </a:extLst>
+          </p:cNvPr>
+          <p:cNvSpPr>
+            <a:spLocks noGrp="1"/>
+          </p:cNvSpPr>
+          <p:nvPr>
+            <p:ph type="title"/>
+          </p:nvPr>
+        </p:nvSpPr>
+        <p:spPr>
+          <a:xfrm>
+            <a:off x="434738" y="320675"/>
+            <a:ext cx="11757262" cy="1325563"/>
+          </a:xfrm>
+        </p:spPr>
+        <p:txBody>
+          <a:bodyPr>
+            <a:normAutofit/>
+          </a:bodyPr>
+          <a:lstStyle/>
+          <a:p>
+            <a:r>
+              <a:rPr lang="en-US" altLang="zh-TW" sz="4000">
+                <a:latin typeface="Times" panose="02020603050405020304" pitchFamily="18" charset="0"/>
+                <a:cs typeface="Times" panose="02020603050405020304" pitchFamily="18" charset="0"/>
+              </a:rPr>
+              <a:t>Strategy Exploration</a:t>
+            </a:r>
+            <a:endParaRPr lang="en-US" altLang="zh-TW" sz="4000" dirty="0">
+              <a:latin typeface="Times" panose="02020603050405020304" pitchFamily="18" charset="0"/>
+              <a:cs typeface="Times" panose="02020603050405020304" pitchFamily="18" charset="0"/>
+            </a:endParaRPr>
+          </a:p>
+        </p:txBody>
+      </p:sp>
+      <p:sp>
+        <p:nvSpPr>
+          <p:cNvPr id="3" name="內容版面配置區 2">
+            <a:extLst>
+              <a:ext uri="{FF2B5EF4-FFF2-40B4-BE49-F238E27FC236}">
+                <a16:creationId xmlns:a16="http://schemas.microsoft.com/office/drawing/2014/main" id="{CDD6591C-6706-1D9B-A7CF-BE488BA469CB}"/>
+              </a:ext>
+            </a:extLst>
+          </p:cNvPr>
+          <p:cNvSpPr>
+            <a:spLocks noGrp="1"/>
+          </p:cNvSpPr>
+          <p:nvPr>
+            <p:ph idx="1"/>
+          </p:nvPr>
+        </p:nvSpPr>
+        <p:spPr>
+          <a:xfrm>
+            <a:off x="839645" y="1846585"/>
+            <a:ext cx="10512709" cy="4874890"/>
+          </a:xfrm>
+        </p:spPr>
+        <p:txBody>
+          <a:bodyPr>
+            <a:normAutofit/>
+          </a:bodyPr>
+          <a:lstStyle/>
+          <a:p>
+            <a:pPr marL="514350" indent="-514350">
+              <a:buFont typeface="+mj-lt"/>
+              <a:buAutoNum type="arabicPeriod"/>
+            </a:pPr>
+            <a:r>
+              <a:rPr lang="en-US" altLang="zh-TW" sz="2400" dirty="0">
+                <a:latin typeface="Times" panose="02020603050405020304" pitchFamily="18" charset="0"/>
+                <a:cs typeface="Times" panose="02020603050405020304" pitchFamily="18" charset="0"/>
+              </a:rPr>
+              <a:t>Bayesian-based Strategy Exploration</a:t>
+            </a:r>
+          </a:p>
+          <a:p>
+            <a:pPr marL="514350" indent="-514350">
+              <a:buFont typeface="+mj-lt"/>
+              <a:buAutoNum type="arabicPeriod"/>
+            </a:pPr>
+            <a:endParaRPr lang="en-US" altLang="zh-TW" sz="600" dirty="0">
+              <a:latin typeface="Times" panose="02020603050405020304" pitchFamily="18" charset="0"/>
+              <a:cs typeface="Times" panose="02020603050405020304" pitchFamily="18" charset="0"/>
+            </a:endParaRPr>
+          </a:p>
+        </p:txBody>
+      </p:sp>
+      <p:sp>
+        <p:nvSpPr>
+          <p:cNvPr id="4" name="投影片編號版面配置區 3">
+            <a:extLst>
+              <a:ext uri="{FF2B5EF4-FFF2-40B4-BE49-F238E27FC236}">
+                <a16:creationId xmlns:a16="http://schemas.microsoft.com/office/drawing/2014/main" id="{C4A4DCC3-BB49-91CF-D3FC-B1B0701D13DC}"/>
+              </a:ext>
+            </a:extLst>
+          </p:cNvPr>
+          <p:cNvSpPr>
+            <a:spLocks noGrp="1"/>
+          </p:cNvSpPr>
+          <p:nvPr>
+            <p:ph type="sldNum" sz="quarter" idx="12"/>
+          </p:nvPr>
+        </p:nvSpPr>
+        <p:spPr/>
+        <p:txBody>
+          <a:bodyPr/>
+          <a:lstStyle/>
+          <a:p>
+            <a:fld id="{666274A1-CF9C-426A-8DD4-B13ED0C24231}" type="slidenum">
+              <a:rPr lang="en-US" smtClean="0"/>
+              <a:t>28</a:t>
+            </a:fld>
+            <a:endParaRPr lang="en-US" dirty="0"/>
+          </a:p>
+        </p:txBody>
+      </p:sp>
+      <p:pic>
+        <p:nvPicPr>
+          <p:cNvPr id="7" name="圖片 6">
+            <a:extLst>
+              <a:ext uri="{FF2B5EF4-FFF2-40B4-BE49-F238E27FC236}">
+                <a16:creationId xmlns:a16="http://schemas.microsoft.com/office/drawing/2014/main" id="{339928CD-B45D-E0D9-7794-EF2445879694}"/>
+              </a:ext>
+            </a:extLst>
+          </p:cNvPr>
+          <p:cNvPicPr>
+            <a:picLocks noChangeAspect="1"/>
+          </p:cNvPicPr>
+          <p:nvPr/>
+        </p:nvPicPr>
+        <p:blipFill>
+          <a:blip r:embed="rId3"/>
+          <a:stretch>
+            <a:fillRect/>
+          </a:stretch>
+        </p:blipFill>
+        <p:spPr>
+          <a:xfrm>
+            <a:off x="1604661" y="622880"/>
+            <a:ext cx="8982676" cy="5612240"/>
+          </a:xfrm>
+          <a:prstGeom prst="rect">
+            <a:avLst/>
+          </a:prstGeom>
+        </p:spPr>
+      </p:pic>
+    </p:spTree>
+    <p:extLst>
+      <p:ext uri="{BB962C8B-B14F-4D97-AF65-F5344CB8AC3E}">
+        <p14:creationId xmlns:p14="http://schemas.microsoft.com/office/powerpoint/2010/main" val="3706666746"/>
+      </p:ext>
+    </p:extLst>
+  </p:cSld>
+  <p:clrMapOvr>
+    <a:masterClrMapping/>
+  </p:clrMapOvr>
+  <p:timing>
+    <p:tnLst>
+      <p:par>
+        <p:cTn id="1" dur="indefinite" restart="never" nodeType="tmRoot">
+          <p:childTnLst>
+            <p:seq concurrent="1" nextAc="seek">
+              <p:cTn id="2" dur="indefinite" nodeType="mainSeq">
+                <p:childTnLst>
+                  <p:par>
+                    <p:cTn id="3" fill="hold">
+                      <p:stCondLst>
+                        <p:cond delay="indefinite"/>
+                      </p:stCondLst>
+                      <p:childTnLst>
+                        <p:par>
+                          <p:cTn id="4" fill="hold">
+                            <p:stCondLst>
+                              <p:cond delay="0"/>
+                            </p:stCondLst>
+                            <p:childTnLst>
+                              <p:par>
+                                <p:cTn id="5" presetID="1" presetClass="entr" presetSubtype="0" fill="hold" nodeType="clickEffect">
+                                  <p:stCondLst>
+                                    <p:cond delay="0"/>
+                                  </p:stCondLst>
+                                  <p:childTnLst>
+                                    <p:set>
+                                      <p:cBhvr>
+                                        <p:cTn id="6" dur="1" fill="hold">
+                                          <p:stCondLst>
+                                            <p:cond delay="0"/>
+                                          </p:stCondLst>
+                                        </p:cTn>
+                                        <p:tgtEl>
+                                          <p:spTgt spid="7"/>
+                                        </p:tgtEl>
+                                        <p:attrNameLst>
+                                          <p:attrName>style.visibility</p:attrName>
+                                        </p:attrNameLst>
+                                      </p:cBhvr>
+                                      <p:to>
+                                        <p:strVal val="visible"/>
+                                      </p:to>
+                                    </p:set>
+                                  </p:childTnLst>
+                                </p:cTn>
+                              </p:par>
+                            </p:childTnLst>
+                          </p:cTn>
+                        </p:par>
+                      </p:childTnLst>
+                    </p:cTn>
+                  </p:par>
+                </p:childTnLst>
+              </p:cTn>
+              <p:prevCondLst>
+                <p:cond evt="onPrev" delay="0">
+                  <p:tgtEl>
+                    <p:sldTgt/>
+                  </p:tgtEl>
+                </p:cond>
+              </p:prevCondLst>
+              <p:nextCondLst>
+                <p:cond evt="onNext" delay="0">
+                  <p:tgtEl>
+                    <p:sldTgt/>
+                  </p:tgtEl>
+                </p:cond>
+              </p:nextCondLst>
+            </p:seq>
+          </p:childTnLst>
+        </p:cTn>
+      </p:par>
+    </p:tnLst>
+  </p:timing>
 </p:sld>
 </file>
 
@@ -23397,6 +24564,352 @@
     <p:extLst>
       <p:ext uri="{BB962C8B-B14F-4D97-AF65-F5344CB8AC3E}">
         <p14:creationId xmlns:p14="http://schemas.microsoft.com/office/powerpoint/2010/main" val="335788732"/>
+      </p:ext>
+    </p:extLst>
+  </p:cSld>
+  <p:clrMapOvr>
+    <a:masterClrMapping/>
+  </p:clrMapOvr>
+</p:sld>
+</file>
+
+<file path=ppt/slides/slide30.xml><?xml version="1.0" encoding="utf-8"?>
+<p:sld xmlns:a="http://schemas.openxmlformats.org/drawingml/2006/main" xmlns:r="http://schemas.openxmlformats.org/officeDocument/2006/relationships" xmlns:p="http://schemas.openxmlformats.org/presentationml/2006/main">
+  <p:cSld>
+    <p:spTree>
+      <p:nvGrpSpPr>
+        <p:cNvPr id="1" name=""/>
+        <p:cNvGrpSpPr/>
+        <p:nvPr/>
+      </p:nvGrpSpPr>
+      <p:grpSpPr>
+        <a:xfrm>
+          <a:off x="0" y="0"/>
+          <a:ext cx="0" cy="0"/>
+          <a:chOff x="0" y="0"/>
+          <a:chExt cx="0" cy="0"/>
+        </a:xfrm>
+      </p:grpSpPr>
+      <p:sp>
+        <p:nvSpPr>
+          <p:cNvPr id="2" name="標題 1">
+            <a:extLst>
+              <a:ext uri="{FF2B5EF4-FFF2-40B4-BE49-F238E27FC236}">
+                <a16:creationId xmlns:a16="http://schemas.microsoft.com/office/drawing/2014/main" id="{AEDF6777-6236-46F8-93C4-053ACE59502E}"/>
+              </a:ext>
+            </a:extLst>
+          </p:cNvPr>
+          <p:cNvSpPr>
+            <a:spLocks noGrp="1"/>
+          </p:cNvSpPr>
+          <p:nvPr>
+            <p:ph type="title"/>
+          </p:nvPr>
+        </p:nvSpPr>
+        <p:spPr>
+          <a:xfrm>
+            <a:off x="434738" y="320675"/>
+            <a:ext cx="11757262" cy="1325563"/>
+          </a:xfrm>
+        </p:spPr>
+        <p:txBody>
+          <a:bodyPr>
+            <a:normAutofit/>
+          </a:bodyPr>
+          <a:lstStyle/>
+          <a:p>
+            <a:r>
+              <a:rPr lang="en-US" altLang="zh-TW" sz="4000" dirty="0">
+                <a:latin typeface="Times" panose="02020603050405020304" pitchFamily="18" charset="0"/>
+                <a:cs typeface="Times" panose="02020603050405020304" pitchFamily="18" charset="0"/>
+              </a:rPr>
+              <a:t>Strategy Exploration</a:t>
+            </a:r>
+          </a:p>
+        </p:txBody>
+      </p:sp>
+      <p:sp>
+        <p:nvSpPr>
+          <p:cNvPr id="3" name="內容版面配置區 2">
+            <a:extLst>
+              <a:ext uri="{FF2B5EF4-FFF2-40B4-BE49-F238E27FC236}">
+                <a16:creationId xmlns:a16="http://schemas.microsoft.com/office/drawing/2014/main" id="{CDD6591C-6706-1D9B-A7CF-BE488BA469CB}"/>
+              </a:ext>
+            </a:extLst>
+          </p:cNvPr>
+          <p:cNvSpPr>
+            <a:spLocks noGrp="1"/>
+          </p:cNvSpPr>
+          <p:nvPr>
+            <p:ph idx="1"/>
+          </p:nvPr>
+        </p:nvSpPr>
+        <p:spPr>
+          <a:xfrm>
+            <a:off x="839645" y="1846585"/>
+            <a:ext cx="10512709" cy="4874890"/>
+          </a:xfrm>
+        </p:spPr>
+        <p:txBody>
+          <a:bodyPr>
+            <a:normAutofit/>
+          </a:bodyPr>
+          <a:lstStyle/>
+          <a:p>
+            <a:pPr marL="514350" indent="-514350">
+              <a:buFont typeface="+mj-lt"/>
+              <a:buAutoNum type="arabicPeriod"/>
+            </a:pPr>
+            <a:r>
+              <a:rPr lang="en-US" altLang="zh-TW" sz="2400" dirty="0">
+                <a:latin typeface="Times" panose="02020603050405020304" pitchFamily="18" charset="0"/>
+                <a:cs typeface="Times" panose="02020603050405020304" pitchFamily="18" charset="0"/>
+              </a:rPr>
+              <a:t>Bayesian-based Strategy Exploration</a:t>
+            </a:r>
+          </a:p>
+          <a:p>
+            <a:pPr marL="514350" indent="-514350">
+              <a:buFont typeface="+mj-lt"/>
+              <a:buAutoNum type="arabicPeriod"/>
+            </a:pPr>
+            <a:endParaRPr lang="en-US" altLang="zh-TW" sz="600" dirty="0">
+              <a:latin typeface="Times" panose="02020603050405020304" pitchFamily="18" charset="0"/>
+              <a:cs typeface="Times" panose="02020603050405020304" pitchFamily="18" charset="0"/>
+            </a:endParaRPr>
+          </a:p>
+          <a:p>
+            <a:pPr lvl="1">
+              <a:lnSpc>
+                <a:spcPct val="130000"/>
+              </a:lnSpc>
+            </a:pPr>
+            <a:r>
+              <a:rPr lang="en-US" altLang="zh-TW" sz="1800" dirty="0">
+                <a:latin typeface="Times" panose="02020603050405020304" pitchFamily="18" charset="0"/>
+                <a:cs typeface="Times" panose="02020603050405020304" pitchFamily="18" charset="0"/>
+              </a:rPr>
+              <a:t> </a:t>
+            </a:r>
+            <a:r>
+              <a:rPr lang="en-US" altLang="zh-TW" sz="2000" dirty="0">
+                <a:latin typeface="Times" panose="02020603050405020304" pitchFamily="18" charset="0"/>
+                <a:cs typeface="Times" panose="02020603050405020304" pitchFamily="18" charset="0"/>
+              </a:rPr>
+              <a:t>In previous stage, several strategy parameter should be determined.</a:t>
+            </a:r>
+          </a:p>
+          <a:p>
+            <a:pPr lvl="1">
+              <a:lnSpc>
+                <a:spcPct val="130000"/>
+              </a:lnSpc>
+            </a:pPr>
+            <a:endParaRPr lang="en-US" altLang="zh-TW" sz="1000" dirty="0">
+              <a:latin typeface="Times" panose="02020603050405020304" pitchFamily="18" charset="0"/>
+              <a:cs typeface="Times" panose="02020603050405020304" pitchFamily="18" charset="0"/>
+            </a:endParaRPr>
+          </a:p>
+          <a:p>
+            <a:pPr lvl="1">
+              <a:lnSpc>
+                <a:spcPct val="130000"/>
+              </a:lnSpc>
+            </a:pPr>
+            <a:r>
+              <a:rPr lang="en-US" altLang="zh-TW" sz="2000" dirty="0">
+                <a:latin typeface="Times" panose="02020603050405020304" pitchFamily="18" charset="0"/>
+                <a:cs typeface="Times" panose="02020603050405020304" pitchFamily="18" charset="0"/>
+              </a:rPr>
+              <a:t> Placement can be considered as an evaluation-expensive black-box derivative-free process</a:t>
+            </a:r>
+          </a:p>
+          <a:p>
+            <a:pPr lvl="1">
+              <a:lnSpc>
+                <a:spcPct val="130000"/>
+              </a:lnSpc>
+            </a:pPr>
+            <a:endParaRPr lang="en-US" altLang="zh-TW" sz="1000" dirty="0">
+              <a:latin typeface="Times" panose="02020603050405020304" pitchFamily="18" charset="0"/>
+              <a:cs typeface="Times" panose="02020603050405020304" pitchFamily="18" charset="0"/>
+            </a:endParaRPr>
+          </a:p>
+          <a:p>
+            <a:pPr lvl="1">
+              <a:lnSpc>
+                <a:spcPct val="130000"/>
+              </a:lnSpc>
+            </a:pPr>
+            <a:r>
+              <a:rPr lang="en-US" altLang="zh-TW" sz="2000" dirty="0">
+                <a:latin typeface="Times" panose="02020603050405020304" pitchFamily="18" charset="0"/>
+                <a:cs typeface="Times" panose="02020603050405020304" pitchFamily="18" charset="0"/>
+              </a:rPr>
+              <a:t> Apply the sequential model-based global optimization (SMBO) with the tree-structured </a:t>
+            </a:r>
+            <a:r>
+              <a:rPr lang="en-US" altLang="zh-TW" sz="2000" dirty="0" err="1">
+                <a:latin typeface="Times" panose="02020603050405020304" pitchFamily="18" charset="0"/>
+                <a:cs typeface="Times" panose="02020603050405020304" pitchFamily="18" charset="0"/>
+              </a:rPr>
+              <a:t>Parzen</a:t>
+            </a:r>
+            <a:r>
+              <a:rPr lang="en-US" altLang="zh-TW" sz="2000" dirty="0">
+                <a:latin typeface="Times" panose="02020603050405020304" pitchFamily="18" charset="0"/>
+                <a:cs typeface="Times" panose="02020603050405020304" pitchFamily="18" charset="0"/>
+              </a:rPr>
+              <a:t> estimator (TPE) approach </a:t>
+            </a:r>
+            <a:r>
+              <a:rPr lang="en-US" altLang="zh-TW" sz="1800" dirty="0">
+                <a:latin typeface="Times" panose="02020603050405020304" pitchFamily="18" charset="0"/>
+                <a:cs typeface="Times" panose="02020603050405020304" pitchFamily="18" charset="0"/>
+              </a:rPr>
+              <a:t>[17]</a:t>
+            </a:r>
+            <a:endParaRPr lang="en-US" altLang="zh-TW" sz="2000" dirty="0">
+              <a:latin typeface="Times" panose="02020603050405020304" pitchFamily="18" charset="0"/>
+              <a:cs typeface="Times" panose="02020603050405020304" pitchFamily="18" charset="0"/>
+            </a:endParaRPr>
+          </a:p>
+        </p:txBody>
+      </p:sp>
+      <p:sp>
+        <p:nvSpPr>
+          <p:cNvPr id="4" name="投影片編號版面配置區 3">
+            <a:extLst>
+              <a:ext uri="{FF2B5EF4-FFF2-40B4-BE49-F238E27FC236}">
+                <a16:creationId xmlns:a16="http://schemas.microsoft.com/office/drawing/2014/main" id="{C4A4DCC3-BB49-91CF-D3FC-B1B0701D13DC}"/>
+              </a:ext>
+            </a:extLst>
+          </p:cNvPr>
+          <p:cNvSpPr>
+            <a:spLocks noGrp="1"/>
+          </p:cNvSpPr>
+          <p:nvPr>
+            <p:ph type="sldNum" sz="quarter" idx="12"/>
+          </p:nvPr>
+        </p:nvSpPr>
+        <p:spPr/>
+        <p:txBody>
+          <a:bodyPr/>
+          <a:lstStyle/>
+          <a:p>
+            <a:fld id="{666274A1-CF9C-426A-8DD4-B13ED0C24231}" type="slidenum">
+              <a:rPr lang="en-US" smtClean="0"/>
+              <a:t>29</a:t>
+            </a:fld>
+            <a:endParaRPr lang="en-US" dirty="0"/>
+          </a:p>
+        </p:txBody>
+      </p:sp>
+    </p:spTree>
+    <p:extLst>
+      <p:ext uri="{BB962C8B-B14F-4D97-AF65-F5344CB8AC3E}">
+        <p14:creationId xmlns:p14="http://schemas.microsoft.com/office/powerpoint/2010/main" val="779812351"/>
+      </p:ext>
+    </p:extLst>
+  </p:cSld>
+  <p:clrMapOvr>
+    <a:masterClrMapping/>
+  </p:clrMapOvr>
+</p:sld>
+</file>
+
+<file path=ppt/slides/slide31.xml><?xml version="1.0" encoding="utf-8"?>
+<p:sld xmlns:a="http://schemas.openxmlformats.org/drawingml/2006/main" xmlns:r="http://schemas.openxmlformats.org/officeDocument/2006/relationships" xmlns:p="http://schemas.openxmlformats.org/presentationml/2006/main">
+  <p:cSld>
+    <p:spTree>
+      <p:nvGrpSpPr>
+        <p:cNvPr id="1" name=""/>
+        <p:cNvGrpSpPr/>
+        <p:nvPr/>
+      </p:nvGrpSpPr>
+      <p:grpSpPr>
+        <a:xfrm>
+          <a:off x="0" y="0"/>
+          <a:ext cx="0" cy="0"/>
+          <a:chOff x="0" y="0"/>
+          <a:chExt cx="0" cy="0"/>
+        </a:xfrm>
+      </p:grpSpPr>
+      <p:sp>
+        <p:nvSpPr>
+          <p:cNvPr id="4" name="Slide Number Placeholder 3">
+            <a:extLst>
+              <a:ext uri="{FF2B5EF4-FFF2-40B4-BE49-F238E27FC236}">
+                <a16:creationId xmlns:a16="http://schemas.microsoft.com/office/drawing/2014/main" id="{DB47E6D4-11C1-7FA3-40FD-EC8CC1AC8613}"/>
+              </a:ext>
+            </a:extLst>
+          </p:cNvPr>
+          <p:cNvSpPr>
+            <a:spLocks noGrp="1"/>
+          </p:cNvSpPr>
+          <p:nvPr>
+            <p:ph type="sldNum" sz="quarter" idx="12"/>
+          </p:nvPr>
+        </p:nvSpPr>
+        <p:spPr/>
+        <p:txBody>
+          <a:bodyPr/>
+          <a:lstStyle/>
+          <a:p>
+            <a:fld id="{666274A1-CF9C-426A-8DD4-B13ED0C24231}" type="slidenum">
+              <a:rPr lang="en-US" smtClean="0"/>
+              <a:t>30</a:t>
+            </a:fld>
+            <a:endParaRPr lang="en-US"/>
+          </a:p>
+        </p:txBody>
+      </p:sp>
+      <p:sp>
+        <p:nvSpPr>
+          <p:cNvPr id="5" name="TextBox 4">
+            <a:extLst>
+              <a:ext uri="{FF2B5EF4-FFF2-40B4-BE49-F238E27FC236}">
+                <a16:creationId xmlns:a16="http://schemas.microsoft.com/office/drawing/2014/main" id="{DE342AA9-4E4B-2420-9858-9BBA5A519307}"/>
+              </a:ext>
+            </a:extLst>
+          </p:cNvPr>
+          <p:cNvSpPr txBox="1"/>
+          <p:nvPr/>
+        </p:nvSpPr>
+        <p:spPr>
+          <a:xfrm>
+            <a:off x="2697986" y="2967335"/>
+            <a:ext cx="6936514" cy="923330"/>
+          </a:xfrm>
+          <a:prstGeom prst="rect">
+            <a:avLst/>
+          </a:prstGeom>
+          <a:noFill/>
+        </p:spPr>
+        <p:txBody>
+          <a:bodyPr wrap="none" rtlCol="0">
+            <a:spAutoFit/>
+          </a:bodyPr>
+          <a:lstStyle/>
+          <a:p>
+            <a:r>
+              <a:rPr lang="en-US" altLang="zh-TW" sz="5400" dirty="0">
+                <a:latin typeface="Times" panose="02020603050405020304" pitchFamily="18" charset="0"/>
+                <a:cs typeface="Times" panose="02020603050405020304" pitchFamily="18" charset="0"/>
+              </a:rPr>
+              <a:t>Thank you for listening!</a:t>
+            </a:r>
+            <a:endParaRPr lang="zh-TW" altLang="en-US" sz="5400" dirty="0">
+              <a:latin typeface="Times" panose="02020603050405020304" pitchFamily="18" charset="0"/>
+              <a:cs typeface="Times" panose="02020603050405020304" pitchFamily="18" charset="0"/>
+            </a:endParaRPr>
+          </a:p>
+        </p:txBody>
+      </p:sp>
+    </p:spTree>
+    <p:extLst>
+      <p:ext uri="{BB962C8B-B14F-4D97-AF65-F5344CB8AC3E}">
+        <p14:creationId xmlns:p14="http://schemas.microsoft.com/office/powerpoint/2010/main" val="1947749228"/>
       </p:ext>
     </p:extLst>
   </p:cSld>

--- a/GM/Placement/PUFFER A Routability-Driven Placement Framework via Cell Padding/PUFFER A Routability-Driven Placement Framework via Cell Padding.pptx
+++ b/GM/Placement/PUFFER A Routability-Driven Placement Framework via Cell Padding/PUFFER A Routability-Driven Placement Framework via Cell Padding.pptx
@@ -5,7 +5,7 @@
     <p:sldMasterId id="2147483648" r:id="rId1"/>
   </p:sldMasterIdLst>
   <p:notesMasterIdLst>
-    <p:notesMasterId r:id="rId33"/>
+    <p:notesMasterId r:id="rId34"/>
   </p:notesMasterIdLst>
   <p:sldIdLst>
     <p:sldId id="256" r:id="rId2"/>
@@ -35,10 +35,11 @@
     <p:sldId id="322" r:id="rId26"/>
     <p:sldId id="323" r:id="rId27"/>
     <p:sldId id="324" r:id="rId28"/>
-    <p:sldId id="325" r:id="rId29"/>
-    <p:sldId id="327" r:id="rId30"/>
-    <p:sldId id="326" r:id="rId31"/>
-    <p:sldId id="298" r:id="rId32"/>
+    <p:sldId id="326" r:id="rId29"/>
+    <p:sldId id="325" r:id="rId30"/>
+    <p:sldId id="327" r:id="rId31"/>
+    <p:sldId id="328" r:id="rId32"/>
+    <p:sldId id="298" r:id="rId33"/>
   </p:sldIdLst>
   <p:sldSz cx="12192000" cy="6858000"/>
   <p:notesSz cx="6858000" cy="9144000"/>
@@ -4669,147 +4670,6 @@
               <a:buFont typeface="Arial" panose="020B0604020202020204" pitchFamily="34" charset="0"/>
               <a:buChar char="•"/>
             </a:pPr>
-            <a:r>
-              <a:rPr lang="zh-TW" altLang="en-US" sz="1800" b="0" i="0" u="none" strike="noStrike" baseline="0" dirty="0">
-                <a:latin typeface="CMMI9"/>
-              </a:rPr>
-              <a:t>這個</a:t>
-            </a:r>
-            <a:r>
-              <a:rPr lang="en-US" altLang="zh-TW" sz="1800" b="0" i="0" u="none" strike="noStrike" baseline="0" dirty="0">
-                <a:latin typeface="CMMI9"/>
-              </a:rPr>
-              <a:t>algorithm 2 </a:t>
-            </a:r>
-            <a:r>
-              <a:rPr lang="zh-TW" altLang="en-US" sz="1800" b="0" i="0" u="none" strike="noStrike" baseline="0" dirty="0">
-                <a:latin typeface="CMMI9"/>
-              </a:rPr>
-              <a:t>是有關於</a:t>
-            </a:r>
-            <a:r>
-              <a:rPr lang="en-US" altLang="zh-TW" sz="1800" b="0" i="0" u="none" strike="noStrike" baseline="0" dirty="0">
-                <a:latin typeface="CMMI9"/>
-              </a:rPr>
-              <a:t>parameter exploration</a:t>
-            </a:r>
-          </a:p>
-          <a:p>
-            <a:pPr marL="285750" indent="-285750" algn="l">
-              <a:buFont typeface="Arial" panose="020B0604020202020204" pitchFamily="34" charset="0"/>
-              <a:buChar char="•"/>
-            </a:pPr>
-            <a:r>
-              <a:rPr lang="en-US" altLang="zh-TW" sz="1800" b="0" i="0" u="none" strike="noStrike" baseline="0" dirty="0" err="1">
-                <a:latin typeface="CMMI9"/>
-              </a:rPr>
-              <a:t>Npc</a:t>
-            </a:r>
-            <a:r>
-              <a:rPr lang="en-US" altLang="zh-TW" sz="1800" b="0" i="0" u="none" strike="noStrike" baseline="0" dirty="0">
-                <a:latin typeface="CMMI9"/>
-              </a:rPr>
-              <a:t>: </a:t>
-            </a:r>
-            <a:r>
-              <a:rPr lang="zh-TW" altLang="en-US" sz="1800" b="0" i="0" u="none" strike="noStrike" baseline="0" dirty="0">
-                <a:latin typeface="CMMI9"/>
-              </a:rPr>
-              <a:t>結果沒有</a:t>
-            </a:r>
-            <a:r>
-              <a:rPr lang="en-US" altLang="zh-TW" sz="1800" b="0" i="0" u="none" strike="noStrike" baseline="0" dirty="0">
-                <a:latin typeface="CMMI9"/>
-              </a:rPr>
-              <a:t>improve</a:t>
-            </a:r>
-            <a:r>
-              <a:rPr lang="zh-TW" altLang="en-US" sz="1800" b="0" i="0" u="none" strike="noStrike" baseline="0" dirty="0">
-                <a:latin typeface="CMMI9"/>
-              </a:rPr>
-              <a:t>的次數， </a:t>
-            </a:r>
-            <a:r>
-              <a:rPr lang="en-US" altLang="zh-TW" sz="1800" b="0" i="0" u="none" strike="noStrike" baseline="0" dirty="0">
-                <a:latin typeface="CMMI9"/>
-              </a:rPr>
-              <a:t>Tc: </a:t>
-            </a:r>
-            <a:r>
-              <a:rPr lang="zh-TW" altLang="en-US" sz="1800" b="0" i="0" u="none" strike="noStrike" baseline="0" dirty="0">
-                <a:latin typeface="CMMI9"/>
-              </a:rPr>
-              <a:t>現在執行的</a:t>
-            </a:r>
-            <a:r>
-              <a:rPr lang="en-US" altLang="zh-TW" sz="1800" b="0" i="0" u="none" strike="noStrike" baseline="0" dirty="0">
-                <a:latin typeface="CMMI9"/>
-              </a:rPr>
-              <a:t>iteration</a:t>
-            </a:r>
-            <a:r>
-              <a:rPr lang="zh-TW" altLang="en-US" sz="1800" b="0" i="0" u="none" strike="noStrike" baseline="0" dirty="0">
-                <a:latin typeface="CMMI9"/>
-              </a:rPr>
-              <a:t>數</a:t>
-            </a:r>
-            <a:endParaRPr lang="en-US" altLang="zh-TW" sz="1800" b="0" i="0" u="none" strike="noStrike" baseline="0" dirty="0">
-              <a:latin typeface="CMMI9"/>
-            </a:endParaRPr>
-          </a:p>
-          <a:p>
-            <a:pPr marL="285750" indent="-285750" algn="l">
-              <a:buFont typeface="Arial" panose="020B0604020202020204" pitchFamily="34" charset="0"/>
-              <a:buChar char="•"/>
-            </a:pPr>
-            <a:r>
-              <a:rPr lang="en-US" altLang="zh-TW" sz="1800" b="0" i="0" u="none" strike="noStrike" baseline="0" dirty="0">
-                <a:latin typeface="CMMI9"/>
-              </a:rPr>
-              <a:t>Parameter list </a:t>
-            </a:r>
-            <a:r>
-              <a:rPr lang="zh-TW" altLang="en-US" sz="1800" b="0" i="0" u="none" strike="noStrike" baseline="0" dirty="0">
-                <a:latin typeface="CMMI9"/>
-              </a:rPr>
-              <a:t>是給</a:t>
-            </a:r>
-            <a:r>
-              <a:rPr lang="en-US" altLang="zh-TW" sz="1800" b="0" i="0" u="none" strike="noStrike" baseline="0" dirty="0">
-                <a:latin typeface="CMMI9"/>
-              </a:rPr>
-              <a:t>discrete</a:t>
-            </a:r>
-            <a:r>
-              <a:rPr lang="zh-TW" altLang="en-US" sz="1800" b="0" i="0" u="none" strike="noStrike" baseline="0" dirty="0">
-                <a:latin typeface="CMMI9"/>
-              </a:rPr>
-              <a:t>的參數的，</a:t>
-            </a:r>
-            <a:r>
-              <a:rPr lang="en-US" altLang="zh-TW" sz="1800" b="0" i="0" u="none" strike="noStrike" baseline="0" dirty="0">
-                <a:latin typeface="CMMI9"/>
-              </a:rPr>
-              <a:t>parameter range</a:t>
-            </a:r>
-            <a:r>
-              <a:rPr lang="zh-TW" altLang="en-US" sz="1800" b="0" i="0" u="none" strike="noStrike" baseline="0" dirty="0">
-                <a:latin typeface="CMMI9"/>
-              </a:rPr>
-              <a:t>是給</a:t>
-            </a:r>
-            <a:r>
-              <a:rPr lang="en-US" altLang="zh-TW" sz="1800" b="0" i="0" u="none" strike="noStrike" baseline="0" dirty="0">
-                <a:latin typeface="CMMI9"/>
-              </a:rPr>
-              <a:t>continuous</a:t>
-            </a:r>
-            <a:r>
-              <a:rPr lang="zh-TW" altLang="en-US" sz="1800" b="0" i="0" u="none" strike="noStrike" baseline="0" dirty="0">
-                <a:latin typeface="CMMI9"/>
-              </a:rPr>
-              <a:t>的參數的</a:t>
-            </a:r>
             <a:endParaRPr lang="en-US" altLang="zh-TW" sz="1800" b="0" i="0" u="none" strike="noStrike" baseline="0" dirty="0">
               <a:latin typeface="CMMI9"/>
             </a:endParaRPr>
@@ -4842,7 +4702,7 @@
     </p:spTree>
     <p:extLst>
       <p:ext uri="{BB962C8B-B14F-4D97-AF65-F5344CB8AC3E}">
-        <p14:creationId xmlns:p14="http://schemas.microsoft.com/office/powerpoint/2010/main" val="1262121680"/>
+        <p14:creationId xmlns:p14="http://schemas.microsoft.com/office/powerpoint/2010/main" val="3347446419"/>
       </p:ext>
     </p:extLst>
   </p:cSld>
@@ -4910,79 +4770,19 @@
               <a:rPr lang="en-US" altLang="zh-TW" sz="1800" b="0" i="0" u="none" strike="noStrike" baseline="0" dirty="0">
                 <a:latin typeface="CMMI9"/>
               </a:rPr>
-              <a:t>algorithm3 </a:t>
+              <a:t>algorithm 2 </a:t>
             </a:r>
             <a:r>
               <a:rPr lang="zh-TW" altLang="en-US" sz="1800" b="0" i="0" u="none" strike="noStrike" baseline="0" dirty="0">
                 <a:latin typeface="CMMI9"/>
               </a:rPr>
-              <a:t>是有關於他們</a:t>
+              <a:t>是有關於</a:t>
             </a:r>
             <a:r>
               <a:rPr lang="en-US" altLang="zh-TW" sz="1800" b="0" i="0" u="none" strike="noStrike" baseline="0" dirty="0">
                 <a:latin typeface="CMMI9"/>
               </a:rPr>
-              <a:t>strategy exploration</a:t>
-            </a:r>
-            <a:r>
-              <a:rPr lang="zh-TW" altLang="en-US" sz="1800" b="0" i="0" u="none" strike="noStrike" baseline="0" dirty="0">
-                <a:latin typeface="CMMI9"/>
-              </a:rPr>
-              <a:t>的計畫，包含兩個部分</a:t>
-            </a:r>
-            <a:r>
-              <a:rPr lang="en-US" altLang="zh-TW" sz="1800" b="0" i="0" u="none" strike="noStrike" baseline="0" dirty="0">
-                <a:latin typeface="CMMI9"/>
-              </a:rPr>
-              <a:t>:</a:t>
-            </a:r>
-            <a:r>
-              <a:rPr lang="zh-TW" altLang="en-US" sz="1800" b="0" i="0" u="none" strike="noStrike" baseline="0" dirty="0">
-                <a:latin typeface="CMMI9"/>
-              </a:rPr>
-              <a:t> </a:t>
-            </a:r>
-            <a:r>
-              <a:rPr lang="en-US" altLang="zh-TW" sz="1800" b="0" i="0" u="none" strike="noStrike" baseline="0" dirty="0">
-                <a:latin typeface="CMMI9"/>
-              </a:rPr>
-              <a:t>1.</a:t>
-            </a:r>
-            <a:r>
-              <a:rPr lang="zh-TW" altLang="en-US" sz="1800" b="0" i="0" u="none" strike="noStrike" baseline="0" dirty="0">
-                <a:latin typeface="CMMI9"/>
-              </a:rPr>
-              <a:t> </a:t>
-            </a:r>
-            <a:r>
-              <a:rPr lang="en-US" altLang="zh-TW" sz="1800" b="0" i="0" u="none" strike="noStrike" baseline="0" dirty="0">
-                <a:latin typeface="CMMI9"/>
-              </a:rPr>
-              <a:t>global exploration</a:t>
-            </a:r>
-            <a:r>
-              <a:rPr lang="zh-TW" altLang="en-US" sz="1800" b="0" i="0" u="none" strike="noStrike" baseline="0" dirty="0">
-                <a:latin typeface="CMMI9"/>
-              </a:rPr>
-              <a:t>跟</a:t>
-            </a:r>
-            <a:r>
-              <a:rPr lang="en-US" altLang="zh-TW" sz="1800" b="0" i="0" u="none" strike="noStrike" baseline="0" dirty="0">
-                <a:latin typeface="CMMI9"/>
-              </a:rPr>
-              <a:t>2.</a:t>
-            </a:r>
-            <a:r>
-              <a:rPr lang="zh-TW" altLang="en-US" sz="1800" b="0" i="0" u="none" strike="noStrike" baseline="0" dirty="0">
-                <a:latin typeface="CMMI9"/>
-              </a:rPr>
-              <a:t> </a:t>
-            </a:r>
-            <a:r>
-              <a:rPr lang="en-US" altLang="zh-TW" sz="1800" b="0" i="0" u="none" strike="noStrike" baseline="0" dirty="0">
-                <a:latin typeface="CMMI9"/>
-              </a:rPr>
-              <a:t>local exploration</a:t>
+              <a:t>parameter exploration</a:t>
             </a:r>
           </a:p>
           <a:p>
@@ -4991,47 +4791,62 @@
               <a:buChar char="•"/>
             </a:pPr>
             <a:r>
+              <a:rPr lang="en-US" altLang="zh-TW" sz="1800" b="0" i="0" u="none" strike="noStrike" baseline="0" dirty="0" err="1">
+                <a:latin typeface="CMMI9"/>
+              </a:rPr>
+              <a:t>Npc</a:t>
+            </a:r>
+            <a:r>
               <a:rPr lang="en-US" altLang="zh-TW" sz="1800" b="0" i="0" u="none" strike="noStrike" baseline="0" dirty="0">
                 <a:latin typeface="CMMI9"/>
               </a:rPr>
-              <a:t>1-2 : </a:t>
+              <a:t>: </a:t>
             </a:r>
             <a:r>
               <a:rPr lang="zh-TW" altLang="en-US" sz="1800" b="0" i="0" u="none" strike="noStrike" baseline="0" dirty="0">
                 <a:latin typeface="CMMI9"/>
               </a:rPr>
-              <a:t>先給定所有</a:t>
+              <a:t>結果沒有</a:t>
             </a:r>
             <a:r>
               <a:rPr lang="en-US" altLang="zh-TW" sz="1800" b="0" i="0" u="none" strike="noStrike" baseline="0" dirty="0">
                 <a:latin typeface="CMMI9"/>
               </a:rPr>
-              <a:t>parameter</a:t>
+              <a:t>improve</a:t>
             </a:r>
             <a:r>
               <a:rPr lang="zh-TW" altLang="en-US" sz="1800" b="0" i="0" u="none" strike="noStrike" baseline="0" dirty="0">
                 <a:latin typeface="CMMI9"/>
               </a:rPr>
-              <a:t>一個</a:t>
+              <a:t>的次數， </a:t>
             </a:r>
             <a:r>
               <a:rPr lang="en-US" altLang="zh-TW" sz="1800" b="0" i="0" u="none" strike="noStrike" baseline="0" dirty="0">
                 <a:latin typeface="CMMI9"/>
               </a:rPr>
-              <a:t>range</a:t>
+              <a:t>Tc: </a:t>
             </a:r>
             <a:r>
               <a:rPr lang="zh-TW" altLang="en-US" sz="1800" b="0" i="0" u="none" strike="noStrike" baseline="0" dirty="0">
                 <a:latin typeface="CMMI9"/>
               </a:rPr>
-              <a:t>，接著所有參數一起跑剛剛講的</a:t>
+              <a:t>現在執行的</a:t>
             </a:r>
             <a:r>
               <a:rPr lang="en-US" altLang="zh-TW" sz="1800" b="0" i="0" u="none" strike="noStrike" baseline="0" dirty="0">
                 <a:latin typeface="CMMI9"/>
               </a:rPr>
-              <a:t>parameter exploration</a:t>
-            </a:r>
+              <a:t>iteration</a:t>
+            </a:r>
+            <a:r>
+              <a:rPr lang="zh-TW" altLang="en-US" sz="1800" b="0" i="0" u="none" strike="noStrike" baseline="0" dirty="0">
+                <a:latin typeface="CMMI9"/>
+              </a:rPr>
+              <a:t>數</a:t>
+            </a:r>
+            <a:endParaRPr lang="en-US" altLang="zh-TW" sz="1800" b="0" i="0" u="none" strike="noStrike" baseline="0" dirty="0">
+              <a:latin typeface="CMMI9"/>
+            </a:endParaRPr>
           </a:p>
           <a:p>
             <a:pPr marL="285750" indent="-285750" algn="l">
@@ -5042,169 +4857,49 @@
               <a:rPr lang="en-US" altLang="zh-TW" sz="1800" b="0" i="0" u="none" strike="noStrike" baseline="0" dirty="0">
                 <a:latin typeface="CMMI9"/>
               </a:rPr>
-              <a:t>3: </a:t>
+              <a:t>Parameter list </a:t>
             </a:r>
             <a:r>
               <a:rPr lang="zh-TW" altLang="en-US" sz="1800" b="0" i="0" u="none" strike="noStrike" baseline="0" dirty="0">
                 <a:latin typeface="CMMI9"/>
               </a:rPr>
-              <a:t>接著會將</a:t>
+              <a:t>是給</a:t>
             </a:r>
             <a:r>
               <a:rPr lang="en-US" altLang="zh-TW" sz="1800" b="0" i="0" u="none" strike="noStrike" baseline="0" dirty="0">
                 <a:latin typeface="CMMI9"/>
               </a:rPr>
-              <a:t>parameters</a:t>
+              <a:t>discrete</a:t>
             </a:r>
             <a:r>
               <a:rPr lang="zh-TW" altLang="en-US" sz="1800" b="0" i="0" u="none" strike="noStrike" baseline="0" dirty="0">
                 <a:latin typeface="CMMI9"/>
               </a:rPr>
-              <a:t>分組，有強相關的會分再一起</a:t>
-            </a:r>
-            <a:endParaRPr lang="en-US" altLang="zh-TW" sz="1800" b="0" i="0" u="none" strike="noStrike" baseline="0" dirty="0">
-              <a:latin typeface="CMMI9"/>
-            </a:endParaRPr>
-          </a:p>
-          <a:p>
-            <a:pPr marL="285750" indent="-285750" algn="l">
-              <a:buFont typeface="Arial" panose="020B0604020202020204" pitchFamily="34" charset="0"/>
-              <a:buChar char="•"/>
-            </a:pPr>
+              <a:t>的參數的，</a:t>
+            </a:r>
             <a:r>
               <a:rPr lang="en-US" altLang="zh-TW" sz="1800" b="0" i="0" u="none" strike="noStrike" baseline="0" dirty="0">
                 <a:latin typeface="CMMI9"/>
               </a:rPr>
-              <a:t>6-11: </a:t>
+              <a:t>parameter range</a:t>
             </a:r>
             <a:r>
               <a:rPr lang="zh-TW" altLang="en-US" sz="1800" b="0" i="0" u="none" strike="noStrike" baseline="0" dirty="0">
                 <a:latin typeface="CMMI9"/>
               </a:rPr>
-              <a:t>接著會將分組過後的進行</a:t>
+              <a:t>是給</a:t>
             </a:r>
             <a:r>
               <a:rPr lang="en-US" altLang="zh-TW" sz="1800" b="0" i="0" u="none" strike="noStrike" baseline="0" dirty="0">
                 <a:latin typeface="CMMI9"/>
               </a:rPr>
-              <a:t>parameter exploration</a:t>
+              <a:t>continuous</a:t>
             </a:r>
             <a:r>
               <a:rPr lang="zh-TW" altLang="en-US" sz="1800" b="0" i="0" u="none" strike="noStrike" baseline="0" dirty="0">
                 <a:latin typeface="CMMI9"/>
               </a:rPr>
-              <a:t>，而不屬於該組的</a:t>
-            </a:r>
-            <a:r>
-              <a:rPr lang="en-US" altLang="zh-TW" sz="1800" b="0" i="0" u="none" strike="noStrike" baseline="0" dirty="0">
-                <a:latin typeface="CMMI9"/>
-              </a:rPr>
-              <a:t>parameters</a:t>
-            </a:r>
-            <a:r>
-              <a:rPr lang="zh-TW" altLang="en-US" sz="1800" b="0" i="0" u="none" strike="noStrike" baseline="0" dirty="0">
-                <a:latin typeface="CMMI9"/>
-              </a:rPr>
-              <a:t>的就會用他們自己</a:t>
-            </a:r>
-            <a:r>
-              <a:rPr lang="en-US" altLang="zh-TW" sz="1800" b="0" i="0" u="none" strike="noStrike" baseline="0" dirty="0">
-                <a:latin typeface="CMMI9"/>
-              </a:rPr>
-              <a:t>range</a:t>
-            </a:r>
-            <a:r>
-              <a:rPr lang="zh-TW" altLang="en-US" sz="1800" b="0" i="0" u="none" strike="noStrike" baseline="0" dirty="0">
-                <a:latin typeface="CMMI9"/>
-              </a:rPr>
-              <a:t>的中位數</a:t>
-            </a:r>
-            <a:endParaRPr lang="en-US" altLang="zh-TW" sz="1800" b="0" i="0" u="none" strike="noStrike" baseline="0" dirty="0">
-              <a:latin typeface="CMMI9"/>
-            </a:endParaRPr>
-          </a:p>
-          <a:p>
-            <a:pPr marL="285750" indent="-285750" algn="l">
-              <a:buFont typeface="Arial" panose="020B0604020202020204" pitchFamily="34" charset="0"/>
-              <a:buChar char="•"/>
-            </a:pPr>
-            <a:r>
-              <a:rPr lang="zh-TW" altLang="en-US" sz="1800" b="0" i="0" u="none" strike="noStrike" baseline="0" dirty="0">
-                <a:latin typeface="CMMI9"/>
-              </a:rPr>
-              <a:t>當全部跑完後</a:t>
-            </a:r>
-            <a:r>
-              <a:rPr lang="en-US" altLang="zh-TW" sz="1800" b="0" i="0" u="none" strike="noStrike" baseline="0" dirty="0">
-                <a:latin typeface="CMMI9"/>
-              </a:rPr>
-              <a:t>(</a:t>
-            </a:r>
-            <a:r>
-              <a:rPr lang="zh-TW" altLang="en-US" sz="1800" b="0" i="0" u="none" strike="noStrike" baseline="0" dirty="0">
-                <a:latin typeface="CMMI9"/>
-              </a:rPr>
-              <a:t>可以平行</a:t>
-            </a:r>
-            <a:r>
-              <a:rPr lang="en-US" altLang="zh-TW" sz="1800" b="0" i="0" u="none" strike="noStrike" baseline="0" dirty="0">
-                <a:latin typeface="CMMI9"/>
-              </a:rPr>
-              <a:t>)</a:t>
-            </a:r>
-            <a:r>
-              <a:rPr lang="zh-TW" altLang="en-US" sz="1800" b="0" i="0" u="none" strike="noStrike" baseline="0" dirty="0">
-                <a:latin typeface="CMMI9"/>
-              </a:rPr>
-              <a:t>就會得到所有</a:t>
-            </a:r>
-            <a:r>
-              <a:rPr lang="en-US" altLang="zh-TW" sz="1800" b="0" i="0" u="none" strike="noStrike" baseline="0" dirty="0" err="1">
-                <a:latin typeface="CMMI9"/>
-              </a:rPr>
-              <a:t>paramete</a:t>
-            </a:r>
-            <a:r>
-              <a:rPr lang="zh-TW" altLang="en-US" sz="1800" b="0" i="0" u="none" strike="noStrike" baseline="0" dirty="0">
-                <a:latin typeface="CMMI9"/>
-              </a:rPr>
-              <a:t>最後的</a:t>
-            </a:r>
-            <a:r>
-              <a:rPr lang="en-US" altLang="zh-TW" sz="1800" b="0" i="0" u="none" strike="noStrike" baseline="0" dirty="0">
-                <a:latin typeface="CMMI9"/>
-              </a:rPr>
-              <a:t>range</a:t>
-            </a:r>
-            <a:r>
-              <a:rPr lang="zh-TW" altLang="en-US" sz="1800" b="0" i="0" u="none" strike="noStrike" baseline="0" dirty="0">
-                <a:latin typeface="CMMI9"/>
-              </a:rPr>
-              <a:t>，接著該</a:t>
-            </a:r>
-            <a:r>
-              <a:rPr lang="en-US" altLang="zh-TW" sz="1800" b="0" i="0" u="none" strike="noStrike" baseline="0" dirty="0">
-                <a:latin typeface="CMMI9"/>
-              </a:rPr>
-              <a:t>parameter</a:t>
-            </a:r>
-            <a:r>
-              <a:rPr lang="zh-TW" altLang="en-US" sz="1800" b="0" i="0" u="none" strike="noStrike" baseline="0" dirty="0">
-                <a:latin typeface="CMMI9"/>
-              </a:rPr>
-              <a:t>就會用那個</a:t>
-            </a:r>
-            <a:r>
-              <a:rPr lang="en-US" altLang="zh-TW" sz="1800" b="0" i="0" u="none" strike="noStrike" baseline="0" dirty="0">
-                <a:latin typeface="CMMI9"/>
-              </a:rPr>
-              <a:t>range</a:t>
-            </a:r>
-            <a:r>
-              <a:rPr lang="zh-TW" altLang="en-US" sz="1800" b="0" i="0" u="none" strike="noStrike" baseline="0">
-                <a:latin typeface="CMMI9"/>
-              </a:rPr>
-              <a:t>的中位數當作最後的值</a:t>
+              <a:t>的參數的</a:t>
             </a:r>
             <a:endParaRPr lang="en-US" altLang="zh-TW" sz="1800" b="0" i="0" u="none" strike="noStrike" baseline="0" dirty="0">
               <a:latin typeface="CMMI9"/>
@@ -5238,7 +4933,7 @@
     </p:spTree>
     <p:extLst>
       <p:ext uri="{BB962C8B-B14F-4D97-AF65-F5344CB8AC3E}">
-        <p14:creationId xmlns:p14="http://schemas.microsoft.com/office/powerpoint/2010/main" val="4257960038"/>
+        <p14:creationId xmlns:p14="http://schemas.microsoft.com/office/powerpoint/2010/main" val="1262121680"/>
       </p:ext>
     </p:extLst>
   </p:cSld>
@@ -5296,6 +4991,312 @@
               <a:buFont typeface="Arial" panose="020B0604020202020204" pitchFamily="34" charset="0"/>
               <a:buChar char="•"/>
             </a:pPr>
+            <a:r>
+              <a:rPr lang="zh-TW" altLang="en-US" sz="1800" b="0" i="0" u="none" strike="noStrike" baseline="0" dirty="0">
+                <a:latin typeface="CMMI9"/>
+              </a:rPr>
+              <a:t>這個</a:t>
+            </a:r>
+            <a:r>
+              <a:rPr lang="en-US" altLang="zh-TW" sz="1800" b="0" i="0" u="none" strike="noStrike" baseline="0" dirty="0">
+                <a:latin typeface="CMMI9"/>
+              </a:rPr>
+              <a:t>algorithm3 </a:t>
+            </a:r>
+            <a:r>
+              <a:rPr lang="zh-TW" altLang="en-US" sz="1800" b="0" i="0" u="none" strike="noStrike" baseline="0" dirty="0">
+                <a:latin typeface="CMMI9"/>
+              </a:rPr>
+              <a:t>是有關於他們</a:t>
+            </a:r>
+            <a:r>
+              <a:rPr lang="en-US" altLang="zh-TW" sz="1800" b="0" i="0" u="none" strike="noStrike" baseline="0" dirty="0">
+                <a:latin typeface="CMMI9"/>
+              </a:rPr>
+              <a:t>strategy exploration</a:t>
+            </a:r>
+            <a:r>
+              <a:rPr lang="zh-TW" altLang="en-US" sz="1800" b="0" i="0" u="none" strike="noStrike" baseline="0" dirty="0">
+                <a:latin typeface="CMMI9"/>
+              </a:rPr>
+              <a:t>的計畫，包含兩個部分</a:t>
+            </a:r>
+            <a:r>
+              <a:rPr lang="en-US" altLang="zh-TW" sz="1800" b="0" i="0" u="none" strike="noStrike" baseline="0" dirty="0">
+                <a:latin typeface="CMMI9"/>
+              </a:rPr>
+              <a:t>:</a:t>
+            </a:r>
+            <a:r>
+              <a:rPr lang="zh-TW" altLang="en-US" sz="1800" b="0" i="0" u="none" strike="noStrike" baseline="0" dirty="0">
+                <a:latin typeface="CMMI9"/>
+              </a:rPr>
+              <a:t> </a:t>
+            </a:r>
+            <a:r>
+              <a:rPr lang="en-US" altLang="zh-TW" sz="1800" b="0" i="0" u="none" strike="noStrike" baseline="0" dirty="0">
+                <a:latin typeface="CMMI9"/>
+              </a:rPr>
+              <a:t>1.</a:t>
+            </a:r>
+            <a:r>
+              <a:rPr lang="zh-TW" altLang="en-US" sz="1800" b="0" i="0" u="none" strike="noStrike" baseline="0" dirty="0">
+                <a:latin typeface="CMMI9"/>
+              </a:rPr>
+              <a:t> </a:t>
+            </a:r>
+            <a:r>
+              <a:rPr lang="en-US" altLang="zh-TW" sz="1800" b="0" i="0" u="none" strike="noStrike" baseline="0" dirty="0">
+                <a:latin typeface="CMMI9"/>
+              </a:rPr>
+              <a:t>global exploration</a:t>
+            </a:r>
+            <a:r>
+              <a:rPr lang="zh-TW" altLang="en-US" sz="1800" b="0" i="0" u="none" strike="noStrike" baseline="0" dirty="0">
+                <a:latin typeface="CMMI9"/>
+              </a:rPr>
+              <a:t>跟</a:t>
+            </a:r>
+            <a:r>
+              <a:rPr lang="en-US" altLang="zh-TW" sz="1800" b="0" i="0" u="none" strike="noStrike" baseline="0" dirty="0">
+                <a:latin typeface="CMMI9"/>
+              </a:rPr>
+              <a:t>2.</a:t>
+            </a:r>
+            <a:r>
+              <a:rPr lang="zh-TW" altLang="en-US" sz="1800" b="0" i="0" u="none" strike="noStrike" baseline="0" dirty="0">
+                <a:latin typeface="CMMI9"/>
+              </a:rPr>
+              <a:t> </a:t>
+            </a:r>
+            <a:r>
+              <a:rPr lang="en-US" altLang="zh-TW" sz="1800" b="0" i="0" u="none" strike="noStrike" baseline="0" dirty="0">
+                <a:latin typeface="CMMI9"/>
+              </a:rPr>
+              <a:t>local exploration</a:t>
+            </a:r>
+          </a:p>
+          <a:p>
+            <a:pPr marL="285750" indent="-285750" algn="l">
+              <a:buFont typeface="Arial" panose="020B0604020202020204" pitchFamily="34" charset="0"/>
+              <a:buChar char="•"/>
+            </a:pPr>
+            <a:r>
+              <a:rPr lang="en-US" altLang="zh-TW" sz="1800" b="0" i="0" u="none" strike="noStrike" baseline="0" dirty="0">
+                <a:latin typeface="CMMI9"/>
+              </a:rPr>
+              <a:t>1-2 : </a:t>
+            </a:r>
+            <a:r>
+              <a:rPr lang="zh-TW" altLang="en-US" sz="1800" b="0" i="0" u="none" strike="noStrike" baseline="0" dirty="0">
+                <a:latin typeface="CMMI9"/>
+              </a:rPr>
+              <a:t>先給定所有</a:t>
+            </a:r>
+            <a:r>
+              <a:rPr lang="en-US" altLang="zh-TW" sz="1800" b="0" i="0" u="none" strike="noStrike" baseline="0" dirty="0">
+                <a:latin typeface="CMMI9"/>
+              </a:rPr>
+              <a:t>parameter</a:t>
+            </a:r>
+            <a:r>
+              <a:rPr lang="zh-TW" altLang="en-US" sz="1800" b="0" i="0" u="none" strike="noStrike" baseline="0" dirty="0">
+                <a:latin typeface="CMMI9"/>
+              </a:rPr>
+              <a:t>一個</a:t>
+            </a:r>
+            <a:r>
+              <a:rPr lang="en-US" altLang="zh-TW" sz="1800" b="0" i="0" u="none" strike="noStrike" baseline="0" dirty="0">
+                <a:latin typeface="CMMI9"/>
+              </a:rPr>
+              <a:t>range</a:t>
+            </a:r>
+            <a:r>
+              <a:rPr lang="zh-TW" altLang="en-US" sz="1800" b="0" i="0" u="none" strike="noStrike" baseline="0" dirty="0">
+                <a:latin typeface="CMMI9"/>
+              </a:rPr>
+              <a:t>，接著所有參數一起跑剛剛講的</a:t>
+            </a:r>
+            <a:r>
+              <a:rPr lang="en-US" altLang="zh-TW" sz="1800" b="0" i="0" u="none" strike="noStrike" baseline="0" dirty="0">
+                <a:latin typeface="CMMI9"/>
+              </a:rPr>
+              <a:t>parameter exploration</a:t>
+            </a:r>
+          </a:p>
+          <a:p>
+            <a:pPr marL="285750" indent="-285750" algn="l">
+              <a:buFont typeface="Arial" panose="020B0604020202020204" pitchFamily="34" charset="0"/>
+              <a:buChar char="•"/>
+            </a:pPr>
+            <a:r>
+              <a:rPr lang="en-US" altLang="zh-TW" sz="1800" b="0" i="0" u="none" strike="noStrike" baseline="0" dirty="0">
+                <a:latin typeface="CMMI9"/>
+              </a:rPr>
+              <a:t>3: </a:t>
+            </a:r>
+            <a:r>
+              <a:rPr lang="zh-TW" altLang="en-US" sz="1800" b="0" i="0" u="none" strike="noStrike" baseline="0" dirty="0">
+                <a:latin typeface="CMMI9"/>
+              </a:rPr>
+              <a:t>接著會將</a:t>
+            </a:r>
+            <a:r>
+              <a:rPr lang="en-US" altLang="zh-TW" sz="1800" b="0" i="0" u="none" strike="noStrike" baseline="0" dirty="0">
+                <a:latin typeface="CMMI9"/>
+              </a:rPr>
+              <a:t>parameters</a:t>
+            </a:r>
+            <a:r>
+              <a:rPr lang="zh-TW" altLang="en-US" sz="1800" b="0" i="0" u="none" strike="noStrike" baseline="0" dirty="0">
+                <a:latin typeface="CMMI9"/>
+              </a:rPr>
+              <a:t>分組，有強相關的會分再一起</a:t>
+            </a:r>
+            <a:endParaRPr lang="en-US" altLang="zh-TW" sz="1800" b="0" i="0" u="none" strike="noStrike" baseline="0" dirty="0">
+              <a:latin typeface="CMMI9"/>
+            </a:endParaRPr>
+          </a:p>
+          <a:p>
+            <a:pPr marL="285750" indent="-285750" algn="l">
+              <a:buFont typeface="Arial" panose="020B0604020202020204" pitchFamily="34" charset="0"/>
+              <a:buChar char="•"/>
+            </a:pPr>
+            <a:r>
+              <a:rPr lang="en-US" altLang="zh-TW" sz="1800" b="0" i="0" u="none" strike="noStrike" baseline="0" dirty="0">
+                <a:latin typeface="CMMI9"/>
+              </a:rPr>
+              <a:t>6-11: </a:t>
+            </a:r>
+            <a:r>
+              <a:rPr lang="zh-TW" altLang="en-US" sz="1800" b="0" i="0" u="none" strike="noStrike" baseline="0" dirty="0">
+                <a:latin typeface="CMMI9"/>
+              </a:rPr>
+              <a:t>接著會將分組過後的進行</a:t>
+            </a:r>
+            <a:r>
+              <a:rPr lang="en-US" altLang="zh-TW" sz="1800" b="0" i="0" u="none" strike="noStrike" baseline="0" dirty="0">
+                <a:latin typeface="CMMI9"/>
+              </a:rPr>
+              <a:t>parameter exploration</a:t>
+            </a:r>
+            <a:r>
+              <a:rPr lang="zh-TW" altLang="en-US" sz="1800" b="0" i="0" u="none" strike="noStrike" baseline="0" dirty="0">
+                <a:latin typeface="CMMI9"/>
+              </a:rPr>
+              <a:t>，而不屬於該組的</a:t>
+            </a:r>
+            <a:r>
+              <a:rPr lang="en-US" altLang="zh-TW" sz="1800" b="0" i="0" u="none" strike="noStrike" baseline="0" dirty="0">
+                <a:latin typeface="CMMI9"/>
+              </a:rPr>
+              <a:t>parameters</a:t>
+            </a:r>
+            <a:r>
+              <a:rPr lang="zh-TW" altLang="en-US" sz="1800" b="0" i="0" u="none" strike="noStrike" baseline="0" dirty="0">
+                <a:latin typeface="CMMI9"/>
+              </a:rPr>
+              <a:t>的就會用他們自己</a:t>
+            </a:r>
+            <a:r>
+              <a:rPr lang="en-US" altLang="zh-TW" sz="1800" b="0" i="0" u="none" strike="noStrike" baseline="0" dirty="0">
+                <a:latin typeface="CMMI9"/>
+              </a:rPr>
+              <a:t>range</a:t>
+            </a:r>
+            <a:r>
+              <a:rPr lang="zh-TW" altLang="en-US" sz="1800" b="0" i="0" u="none" strike="noStrike" baseline="0" dirty="0">
+                <a:latin typeface="CMMI9"/>
+              </a:rPr>
+              <a:t>的中位數</a:t>
+            </a:r>
+            <a:endParaRPr lang="en-US" altLang="zh-TW" sz="1800" b="0" i="0" u="none" strike="noStrike" baseline="0" dirty="0">
+              <a:latin typeface="CMMI9"/>
+            </a:endParaRPr>
+          </a:p>
+          <a:p>
+            <a:pPr marL="285750" indent="-285750" algn="l">
+              <a:buFont typeface="Arial" panose="020B0604020202020204" pitchFamily="34" charset="0"/>
+              <a:buChar char="•"/>
+            </a:pPr>
+            <a:r>
+              <a:rPr lang="zh-TW" altLang="en-US" sz="1800" b="0" i="0" u="none" strike="noStrike" baseline="0" dirty="0">
+                <a:latin typeface="CMMI9"/>
+              </a:rPr>
+              <a:t>當全部跑完後</a:t>
+            </a:r>
+            <a:r>
+              <a:rPr lang="en-US" altLang="zh-TW" sz="1800" b="0" i="0" u="none" strike="noStrike" baseline="0" dirty="0">
+                <a:latin typeface="CMMI9"/>
+              </a:rPr>
+              <a:t>(</a:t>
+            </a:r>
+            <a:r>
+              <a:rPr lang="zh-TW" altLang="en-US" sz="1800" b="0" i="0" u="none" strike="noStrike" baseline="0" dirty="0">
+                <a:latin typeface="CMMI9"/>
+              </a:rPr>
+              <a:t>可以平行</a:t>
+            </a:r>
+            <a:r>
+              <a:rPr lang="en-US" altLang="zh-TW" sz="1800" b="0" i="0" u="none" strike="noStrike" baseline="0" dirty="0">
+                <a:latin typeface="CMMI9"/>
+              </a:rPr>
+              <a:t>)</a:t>
+            </a:r>
+            <a:r>
+              <a:rPr lang="zh-TW" altLang="en-US" sz="1800" b="0" i="0" u="none" strike="noStrike" baseline="0" dirty="0">
+                <a:latin typeface="CMMI9"/>
+              </a:rPr>
+              <a:t>就會得到所有</a:t>
+            </a:r>
+            <a:r>
+              <a:rPr lang="en-US" altLang="zh-TW" sz="1800" b="0" i="0" u="none" strike="noStrike" baseline="0" dirty="0" err="1">
+                <a:latin typeface="CMMI9"/>
+              </a:rPr>
+              <a:t>paramete</a:t>
+            </a:r>
+            <a:r>
+              <a:rPr lang="zh-TW" altLang="en-US" sz="1800" b="0" i="0" u="none" strike="noStrike" baseline="0" dirty="0">
+                <a:latin typeface="CMMI9"/>
+              </a:rPr>
+              <a:t>最後的</a:t>
+            </a:r>
+            <a:r>
+              <a:rPr lang="en-US" altLang="zh-TW" sz="1800" b="0" i="0" u="none" strike="noStrike" baseline="0" dirty="0">
+                <a:latin typeface="CMMI9"/>
+              </a:rPr>
+              <a:t>range</a:t>
+            </a:r>
+            <a:r>
+              <a:rPr lang="zh-TW" altLang="en-US" sz="1800" b="0" i="0" u="none" strike="noStrike" baseline="0" dirty="0">
+                <a:latin typeface="CMMI9"/>
+              </a:rPr>
+              <a:t>，接著該</a:t>
+            </a:r>
+            <a:r>
+              <a:rPr lang="en-US" altLang="zh-TW" sz="1800" b="0" i="0" u="none" strike="noStrike" baseline="0" dirty="0">
+                <a:latin typeface="CMMI9"/>
+              </a:rPr>
+              <a:t>parameter</a:t>
+            </a:r>
+            <a:r>
+              <a:rPr lang="zh-TW" altLang="en-US" sz="1800" b="0" i="0" u="none" strike="noStrike" baseline="0" dirty="0">
+                <a:latin typeface="CMMI9"/>
+              </a:rPr>
+              <a:t>就會用那個</a:t>
+            </a:r>
+            <a:r>
+              <a:rPr lang="en-US" altLang="zh-TW" sz="1800" b="0" i="0" u="none" strike="noStrike" baseline="0" dirty="0">
+                <a:latin typeface="CMMI9"/>
+              </a:rPr>
+              <a:t>range</a:t>
+            </a:r>
+            <a:r>
+              <a:rPr lang="zh-TW" altLang="en-US" sz="1800" b="0" i="0" u="none" strike="noStrike" baseline="0" dirty="0">
+                <a:latin typeface="CMMI9"/>
+              </a:rPr>
+              <a:t>的中位數當作最後的值</a:t>
+            </a:r>
             <a:endParaRPr lang="en-US" altLang="zh-TW" sz="1800" b="0" i="0" u="none" strike="noStrike" baseline="0" dirty="0">
               <a:latin typeface="CMMI9"/>
             </a:endParaRPr>
@@ -5328,7 +5329,403 @@
     </p:spTree>
     <p:extLst>
       <p:ext uri="{BB962C8B-B14F-4D97-AF65-F5344CB8AC3E}">
-        <p14:creationId xmlns:p14="http://schemas.microsoft.com/office/powerpoint/2010/main" val="3347446419"/>
+        <p14:creationId xmlns:p14="http://schemas.microsoft.com/office/powerpoint/2010/main" val="4257960038"/>
+      </p:ext>
+    </p:extLst>
+  </p:cSld>
+  <p:clrMapOvr>
+    <a:masterClrMapping/>
+  </p:clrMapOvr>
+</p:notes>
+</file>
+
+<file path=ppt/notesSlides/notesSlide26.xml><?xml version="1.0" encoding="utf-8"?>
+<p:notes xmlns:a="http://schemas.openxmlformats.org/drawingml/2006/main" xmlns:r="http://schemas.openxmlformats.org/officeDocument/2006/relationships" xmlns:p="http://schemas.openxmlformats.org/presentationml/2006/main">
+  <p:cSld>
+    <p:spTree>
+      <p:nvGrpSpPr>
+        <p:cNvPr id="1" name=""/>
+        <p:cNvGrpSpPr/>
+        <p:nvPr/>
+      </p:nvGrpSpPr>
+      <p:grpSpPr>
+        <a:xfrm>
+          <a:off x="0" y="0"/>
+          <a:ext cx="0" cy="0"/>
+          <a:chOff x="0" y="0"/>
+          <a:chExt cx="0" cy="0"/>
+        </a:xfrm>
+      </p:grpSpPr>
+      <p:sp>
+        <p:nvSpPr>
+          <p:cNvPr id="2" name="投影片影像版面配置區 1"/>
+          <p:cNvSpPr>
+            <a:spLocks noGrp="1" noRot="1" noChangeAspect="1"/>
+          </p:cNvSpPr>
+          <p:nvPr>
+            <p:ph type="sldImg"/>
+          </p:nvPr>
+        </p:nvSpPr>
+        <p:spPr/>
+      </p:sp>
+      <p:sp>
+        <p:nvSpPr>
+          <p:cNvPr id="3" name="備忘稿版面配置區 2"/>
+          <p:cNvSpPr>
+            <a:spLocks noGrp="1"/>
+          </p:cNvSpPr>
+          <p:nvPr>
+            <p:ph type="body" idx="1"/>
+          </p:nvPr>
+        </p:nvSpPr>
+        <p:spPr/>
+        <p:txBody>
+          <a:bodyPr/>
+          <a:lstStyle/>
+          <a:p>
+            <a:pPr marL="285750" indent="-285750" algn="l">
+              <a:buFont typeface="Arial" panose="020B0604020202020204" pitchFamily="34" charset="0"/>
+              <a:buChar char="•"/>
+            </a:pPr>
+            <a:r>
+              <a:rPr lang="zh-TW" altLang="en-US" sz="1800" b="0" i="0" u="none" strike="noStrike" baseline="0" dirty="0">
+                <a:latin typeface="CMMI9"/>
+              </a:rPr>
+              <a:t>這個</a:t>
+            </a:r>
+            <a:r>
+              <a:rPr lang="en-US" altLang="zh-TW" sz="1800" b="0" i="0" u="none" strike="noStrike" baseline="0" dirty="0">
+                <a:latin typeface="CMMI9"/>
+              </a:rPr>
+              <a:t>algorithm3 </a:t>
+            </a:r>
+            <a:r>
+              <a:rPr lang="zh-TW" altLang="en-US" sz="1800" b="0" i="0" u="none" strike="noStrike" baseline="0" dirty="0">
+                <a:latin typeface="CMMI9"/>
+              </a:rPr>
+              <a:t>是有關於他們</a:t>
+            </a:r>
+            <a:r>
+              <a:rPr lang="en-US" altLang="zh-TW" sz="1800" b="0" i="0" u="none" strike="noStrike" baseline="0" dirty="0">
+                <a:latin typeface="CMMI9"/>
+              </a:rPr>
+              <a:t>strategy exploration</a:t>
+            </a:r>
+            <a:r>
+              <a:rPr lang="zh-TW" altLang="en-US" sz="1800" b="0" i="0" u="none" strike="noStrike" baseline="0" dirty="0">
+                <a:latin typeface="CMMI9"/>
+              </a:rPr>
+              <a:t>的計畫，包含兩個部分</a:t>
+            </a:r>
+            <a:r>
+              <a:rPr lang="en-US" altLang="zh-TW" sz="1800" b="0" i="0" u="none" strike="noStrike" baseline="0" dirty="0">
+                <a:latin typeface="CMMI9"/>
+              </a:rPr>
+              <a:t>:</a:t>
+            </a:r>
+            <a:r>
+              <a:rPr lang="zh-TW" altLang="en-US" sz="1800" b="0" i="0" u="none" strike="noStrike" baseline="0" dirty="0">
+                <a:latin typeface="CMMI9"/>
+              </a:rPr>
+              <a:t> </a:t>
+            </a:r>
+            <a:r>
+              <a:rPr lang="en-US" altLang="zh-TW" sz="1800" b="0" i="0" u="none" strike="noStrike" baseline="0" dirty="0">
+                <a:latin typeface="CMMI9"/>
+              </a:rPr>
+              <a:t>1.</a:t>
+            </a:r>
+            <a:r>
+              <a:rPr lang="zh-TW" altLang="en-US" sz="1800" b="0" i="0" u="none" strike="noStrike" baseline="0" dirty="0">
+                <a:latin typeface="CMMI9"/>
+              </a:rPr>
+              <a:t> </a:t>
+            </a:r>
+            <a:r>
+              <a:rPr lang="en-US" altLang="zh-TW" sz="1800" b="0" i="0" u="none" strike="noStrike" baseline="0" dirty="0">
+                <a:latin typeface="CMMI9"/>
+              </a:rPr>
+              <a:t>global exploration</a:t>
+            </a:r>
+            <a:r>
+              <a:rPr lang="zh-TW" altLang="en-US" sz="1800" b="0" i="0" u="none" strike="noStrike" baseline="0" dirty="0">
+                <a:latin typeface="CMMI9"/>
+              </a:rPr>
+              <a:t>跟</a:t>
+            </a:r>
+            <a:r>
+              <a:rPr lang="en-US" altLang="zh-TW" sz="1800" b="0" i="0" u="none" strike="noStrike" baseline="0" dirty="0">
+                <a:latin typeface="CMMI9"/>
+              </a:rPr>
+              <a:t>2.</a:t>
+            </a:r>
+            <a:r>
+              <a:rPr lang="zh-TW" altLang="en-US" sz="1800" b="0" i="0" u="none" strike="noStrike" baseline="0" dirty="0">
+                <a:latin typeface="CMMI9"/>
+              </a:rPr>
+              <a:t> </a:t>
+            </a:r>
+            <a:r>
+              <a:rPr lang="en-US" altLang="zh-TW" sz="1800" b="0" i="0" u="none" strike="noStrike" baseline="0" dirty="0">
+                <a:latin typeface="CMMI9"/>
+              </a:rPr>
+              <a:t>local exploration</a:t>
+            </a:r>
+          </a:p>
+          <a:p>
+            <a:pPr marL="285750" indent="-285750" algn="l">
+              <a:buFont typeface="Arial" panose="020B0604020202020204" pitchFamily="34" charset="0"/>
+              <a:buChar char="•"/>
+            </a:pPr>
+            <a:r>
+              <a:rPr lang="en-US" altLang="zh-TW" sz="1800" b="0" i="0" u="none" strike="noStrike" baseline="0" dirty="0">
+                <a:latin typeface="CMMI9"/>
+              </a:rPr>
+              <a:t>1-2 : </a:t>
+            </a:r>
+            <a:r>
+              <a:rPr lang="zh-TW" altLang="en-US" sz="1800" b="0" i="0" u="none" strike="noStrike" baseline="0" dirty="0">
+                <a:latin typeface="CMMI9"/>
+              </a:rPr>
+              <a:t>先給定所有</a:t>
+            </a:r>
+            <a:r>
+              <a:rPr lang="en-US" altLang="zh-TW" sz="1800" b="0" i="0" u="none" strike="noStrike" baseline="0" dirty="0">
+                <a:latin typeface="CMMI9"/>
+              </a:rPr>
+              <a:t>parameter</a:t>
+            </a:r>
+            <a:r>
+              <a:rPr lang="zh-TW" altLang="en-US" sz="1800" b="0" i="0" u="none" strike="noStrike" baseline="0" dirty="0">
+                <a:latin typeface="CMMI9"/>
+              </a:rPr>
+              <a:t>一個</a:t>
+            </a:r>
+            <a:r>
+              <a:rPr lang="en-US" altLang="zh-TW" sz="1800" b="0" i="0" u="none" strike="noStrike" baseline="0" dirty="0">
+                <a:latin typeface="CMMI9"/>
+              </a:rPr>
+              <a:t>range</a:t>
+            </a:r>
+            <a:r>
+              <a:rPr lang="zh-TW" altLang="en-US" sz="1800" b="0" i="0" u="none" strike="noStrike" baseline="0" dirty="0">
+                <a:latin typeface="CMMI9"/>
+              </a:rPr>
+              <a:t>，接著所有參數一起跑剛剛講的</a:t>
+            </a:r>
+            <a:r>
+              <a:rPr lang="en-US" altLang="zh-TW" sz="1800" b="0" i="0" u="none" strike="noStrike" baseline="0" dirty="0">
+                <a:latin typeface="CMMI9"/>
+              </a:rPr>
+              <a:t>parameter exploration</a:t>
+            </a:r>
+          </a:p>
+          <a:p>
+            <a:pPr marL="285750" indent="-285750" algn="l">
+              <a:buFont typeface="Arial" panose="020B0604020202020204" pitchFamily="34" charset="0"/>
+              <a:buChar char="•"/>
+            </a:pPr>
+            <a:r>
+              <a:rPr lang="en-US" altLang="zh-TW" sz="1800" b="0" i="0" u="none" strike="noStrike" baseline="0" dirty="0">
+                <a:latin typeface="CMMI9"/>
+              </a:rPr>
+              <a:t>3: </a:t>
+            </a:r>
+            <a:r>
+              <a:rPr lang="zh-TW" altLang="en-US" sz="1800" b="0" i="0" u="none" strike="noStrike" baseline="0" dirty="0">
+                <a:latin typeface="CMMI9"/>
+              </a:rPr>
+              <a:t>接著會將</a:t>
+            </a:r>
+            <a:r>
+              <a:rPr lang="en-US" altLang="zh-TW" sz="1800" b="0" i="0" u="none" strike="noStrike" baseline="0" dirty="0">
+                <a:latin typeface="CMMI9"/>
+              </a:rPr>
+              <a:t>parameters</a:t>
+            </a:r>
+            <a:r>
+              <a:rPr lang="zh-TW" altLang="en-US" sz="1800" b="0" i="0" u="none" strike="noStrike" baseline="0" dirty="0">
+                <a:latin typeface="CMMI9"/>
+              </a:rPr>
+              <a:t>分組，有強相關的會分再一起</a:t>
+            </a:r>
+            <a:endParaRPr lang="en-US" altLang="zh-TW" sz="1800" b="0" i="0" u="none" strike="noStrike" baseline="0" dirty="0">
+              <a:latin typeface="CMMI9"/>
+            </a:endParaRPr>
+          </a:p>
+          <a:p>
+            <a:pPr marL="285750" indent="-285750" algn="l">
+              <a:buFont typeface="Arial" panose="020B0604020202020204" pitchFamily="34" charset="0"/>
+              <a:buChar char="•"/>
+            </a:pPr>
+            <a:r>
+              <a:rPr lang="en-US" altLang="zh-TW" sz="1800" b="0" i="0" u="none" strike="noStrike" baseline="0" dirty="0">
+                <a:latin typeface="CMMI9"/>
+              </a:rPr>
+              <a:t>6-11: </a:t>
+            </a:r>
+            <a:r>
+              <a:rPr lang="zh-TW" altLang="en-US" sz="1800" b="0" i="0" u="none" strike="noStrike" baseline="0" dirty="0">
+                <a:latin typeface="CMMI9"/>
+              </a:rPr>
+              <a:t>接著會將分組過後的進行</a:t>
+            </a:r>
+            <a:r>
+              <a:rPr lang="en-US" altLang="zh-TW" sz="1800" b="0" i="0" u="none" strike="noStrike" baseline="0" dirty="0">
+                <a:latin typeface="CMMI9"/>
+              </a:rPr>
+              <a:t>parameter exploration</a:t>
+            </a:r>
+            <a:r>
+              <a:rPr lang="zh-TW" altLang="en-US" sz="1800" b="0" i="0" u="none" strike="noStrike" baseline="0" dirty="0">
+                <a:latin typeface="CMMI9"/>
+              </a:rPr>
+              <a:t>，而不屬於該組的</a:t>
+            </a:r>
+            <a:r>
+              <a:rPr lang="en-US" altLang="zh-TW" sz="1800" b="0" i="0" u="none" strike="noStrike" baseline="0" dirty="0">
+                <a:latin typeface="CMMI9"/>
+              </a:rPr>
+              <a:t>parameters</a:t>
+            </a:r>
+            <a:r>
+              <a:rPr lang="zh-TW" altLang="en-US" sz="1800" b="0" i="0" u="none" strike="noStrike" baseline="0" dirty="0">
+                <a:latin typeface="CMMI9"/>
+              </a:rPr>
+              <a:t>的就會用他們自己</a:t>
+            </a:r>
+            <a:r>
+              <a:rPr lang="en-US" altLang="zh-TW" sz="1800" b="0" i="0" u="none" strike="noStrike" baseline="0" dirty="0">
+                <a:latin typeface="CMMI9"/>
+              </a:rPr>
+              <a:t>range</a:t>
+            </a:r>
+            <a:r>
+              <a:rPr lang="zh-TW" altLang="en-US" sz="1800" b="0" i="0" u="none" strike="noStrike" baseline="0" dirty="0">
+                <a:latin typeface="CMMI9"/>
+              </a:rPr>
+              <a:t>的中位數</a:t>
+            </a:r>
+            <a:endParaRPr lang="en-US" altLang="zh-TW" sz="1800" b="0" i="0" u="none" strike="noStrike" baseline="0" dirty="0">
+              <a:latin typeface="CMMI9"/>
+            </a:endParaRPr>
+          </a:p>
+          <a:p>
+            <a:pPr marL="285750" indent="-285750" algn="l">
+              <a:buFont typeface="Arial" panose="020B0604020202020204" pitchFamily="34" charset="0"/>
+              <a:buChar char="•"/>
+            </a:pPr>
+            <a:r>
+              <a:rPr lang="zh-TW" altLang="en-US" sz="1800" b="0" i="0" u="none" strike="noStrike" baseline="0" dirty="0">
+                <a:latin typeface="CMMI9"/>
+              </a:rPr>
+              <a:t>當全部跑完後</a:t>
+            </a:r>
+            <a:r>
+              <a:rPr lang="en-US" altLang="zh-TW" sz="1800" b="0" i="0" u="none" strike="noStrike" baseline="0" dirty="0">
+                <a:latin typeface="CMMI9"/>
+              </a:rPr>
+              <a:t>(</a:t>
+            </a:r>
+            <a:r>
+              <a:rPr lang="zh-TW" altLang="en-US" sz="1800" b="0" i="0" u="none" strike="noStrike" baseline="0" dirty="0">
+                <a:latin typeface="CMMI9"/>
+              </a:rPr>
+              <a:t>可以平行</a:t>
+            </a:r>
+            <a:r>
+              <a:rPr lang="en-US" altLang="zh-TW" sz="1800" b="0" i="0" u="none" strike="noStrike" baseline="0" dirty="0">
+                <a:latin typeface="CMMI9"/>
+              </a:rPr>
+              <a:t>)</a:t>
+            </a:r>
+            <a:r>
+              <a:rPr lang="zh-TW" altLang="en-US" sz="1800" b="0" i="0" u="none" strike="noStrike" baseline="0" dirty="0">
+                <a:latin typeface="CMMI9"/>
+              </a:rPr>
+              <a:t>就會得到所有</a:t>
+            </a:r>
+            <a:r>
+              <a:rPr lang="en-US" altLang="zh-TW" sz="1800" b="0" i="0" u="none" strike="noStrike" baseline="0" dirty="0" err="1">
+                <a:latin typeface="CMMI9"/>
+              </a:rPr>
+              <a:t>paramete</a:t>
+            </a:r>
+            <a:r>
+              <a:rPr lang="zh-TW" altLang="en-US" sz="1800" b="0" i="0" u="none" strike="noStrike" baseline="0" dirty="0">
+                <a:latin typeface="CMMI9"/>
+              </a:rPr>
+              <a:t>最後的</a:t>
+            </a:r>
+            <a:r>
+              <a:rPr lang="en-US" altLang="zh-TW" sz="1800" b="0" i="0" u="none" strike="noStrike" baseline="0" dirty="0">
+                <a:latin typeface="CMMI9"/>
+              </a:rPr>
+              <a:t>range</a:t>
+            </a:r>
+            <a:r>
+              <a:rPr lang="zh-TW" altLang="en-US" sz="1800" b="0" i="0" u="none" strike="noStrike" baseline="0" dirty="0">
+                <a:latin typeface="CMMI9"/>
+              </a:rPr>
+              <a:t>，接著該</a:t>
+            </a:r>
+            <a:r>
+              <a:rPr lang="en-US" altLang="zh-TW" sz="1800" b="0" i="0" u="none" strike="noStrike" baseline="0" dirty="0">
+                <a:latin typeface="CMMI9"/>
+              </a:rPr>
+              <a:t>parameter</a:t>
+            </a:r>
+            <a:r>
+              <a:rPr lang="zh-TW" altLang="en-US" sz="1800" b="0" i="0" u="none" strike="noStrike" baseline="0" dirty="0">
+                <a:latin typeface="CMMI9"/>
+              </a:rPr>
+              <a:t>就會用那個</a:t>
+            </a:r>
+            <a:r>
+              <a:rPr lang="en-US" altLang="zh-TW" sz="1800" b="0" i="0" u="none" strike="noStrike" baseline="0" dirty="0">
+                <a:latin typeface="CMMI9"/>
+              </a:rPr>
+              <a:t>range</a:t>
+            </a:r>
+            <a:r>
+              <a:rPr lang="zh-TW" altLang="en-US" sz="1800" b="0" i="0" u="none" strike="noStrike" baseline="0" dirty="0">
+                <a:latin typeface="CMMI9"/>
+              </a:rPr>
+              <a:t>的中位數當作最後的值</a:t>
+            </a:r>
+            <a:endParaRPr lang="en-US" altLang="zh-TW" sz="1800" b="0" i="0" u="none" strike="noStrike" baseline="0" dirty="0">
+              <a:latin typeface="CMMI9"/>
+            </a:endParaRPr>
+          </a:p>
+        </p:txBody>
+      </p:sp>
+      <p:sp>
+        <p:nvSpPr>
+          <p:cNvPr id="4" name="投影片編號版面配置區 3"/>
+          <p:cNvSpPr>
+            <a:spLocks noGrp="1"/>
+          </p:cNvSpPr>
+          <p:nvPr>
+            <p:ph type="sldNum" sz="quarter" idx="5"/>
+          </p:nvPr>
+        </p:nvSpPr>
+        <p:spPr/>
+        <p:txBody>
+          <a:bodyPr/>
+          <a:lstStyle/>
+          <a:p>
+            <a:fld id="{9D457EAB-1485-47AD-BEAD-484FAEBF5A54}" type="slidenum">
+              <a:rPr lang="en-US" smtClean="0"/>
+              <a:t>30</a:t>
+            </a:fld>
+            <a:endParaRPr lang="en-US"/>
+          </a:p>
+        </p:txBody>
+      </p:sp>
+    </p:spTree>
+    <p:extLst>
+      <p:ext uri="{BB962C8B-B14F-4D97-AF65-F5344CB8AC3E}">
+        <p14:creationId xmlns:p14="http://schemas.microsoft.com/office/powerpoint/2010/main" val="2955549178"/>
       </p:ext>
     </p:extLst>
   </p:cSld>
@@ -22477,8 +22874,8 @@
           </a:p>
         </p:txBody>
       </p:sp>
-      <mc:AlternateContent xmlns:mc="http://schemas.openxmlformats.org/markup-compatibility/2006">
-        <mc:Choice xmlns:a14="http://schemas.microsoft.com/office/drawing/2010/main" Requires="a14">
+      <mc:AlternateContent xmlns:mc="http://schemas.openxmlformats.org/markup-compatibility/2006" xmlns:a14="http://schemas.microsoft.com/office/drawing/2010/main">
+        <mc:Choice Requires="a14">
           <p:sp>
             <p:nvSpPr>
               <p:cNvPr id="3" name="內容版面配置區 2">
@@ -22785,7 +23182,7 @@
             </p:txBody>
           </p:sp>
         </mc:Choice>
-        <mc:Fallback>
+        <mc:Fallback xmlns="">
           <p:sp>
             <p:nvSpPr>
               <p:cNvPr id="3" name="內容版面配置區 2">
@@ -23238,8 +23635,8 @@
           </a:p>
         </p:txBody>
       </p:sp>
-      <mc:AlternateContent xmlns:mc="http://schemas.openxmlformats.org/markup-compatibility/2006">
-        <mc:Choice xmlns:a14="http://schemas.microsoft.com/office/drawing/2010/main" Requires="a14">
+      <mc:AlternateContent xmlns:mc="http://schemas.openxmlformats.org/markup-compatibility/2006" xmlns:a14="http://schemas.microsoft.com/office/drawing/2010/main">
+        <mc:Choice Requires="a14">
           <p:sp>
             <p:nvSpPr>
               <p:cNvPr id="3" name="內容版面配置區 2">
@@ -23735,7 +24132,7 @@
             </p:txBody>
           </p:sp>
         </mc:Choice>
-        <mc:Fallback>
+        <mc:Fallback xmlns="">
           <p:sp>
             <p:nvSpPr>
               <p:cNvPr id="3" name="內容版面配置區 2">
@@ -23867,16 +24264,12 @@
           <a:lstStyle/>
           <a:p>
             <a:r>
-              <a:rPr lang="en-US" altLang="zh-TW" sz="4000">
+              <a:rPr lang="en-US" altLang="zh-TW" sz="4000" dirty="0">
                 <a:latin typeface="Times" panose="02020603050405020304" pitchFamily="18" charset="0"/>
                 <a:cs typeface="Times" panose="02020603050405020304" pitchFamily="18" charset="0"/>
               </a:rPr>
               <a:t>Strategy Exploration</a:t>
             </a:r>
-            <a:endParaRPr lang="en-US" altLang="zh-TW" sz="4000" dirty="0">
-              <a:latin typeface="Times" panose="02020603050405020304" pitchFamily="18" charset="0"/>
-              <a:cs typeface="Times" panose="02020603050405020304" pitchFamily="18" charset="0"/>
-            </a:endParaRPr>
           </a:p>
         </p:txBody>
       </p:sp>
@@ -23930,6 +24323,102 @@
               <a:cs typeface="Times" panose="02020603050405020304" pitchFamily="18" charset="0"/>
             </a:endParaRPr>
           </a:p>
+          <a:p>
+            <a:pPr lvl="1">
+              <a:lnSpc>
+                <a:spcPct val="130000"/>
+              </a:lnSpc>
+            </a:pPr>
+            <a:r>
+              <a:rPr lang="en-US" altLang="zh-TW" sz="1800" dirty="0">
+                <a:latin typeface="Times" panose="02020603050405020304" pitchFamily="18" charset="0"/>
+                <a:cs typeface="Times" panose="02020603050405020304" pitchFamily="18" charset="0"/>
+              </a:rPr>
+              <a:t> </a:t>
+            </a:r>
+            <a:r>
+              <a:rPr lang="en-US" altLang="zh-TW" sz="2000" dirty="0">
+                <a:latin typeface="Times" panose="02020603050405020304" pitchFamily="18" charset="0"/>
+                <a:cs typeface="Times" panose="02020603050405020304" pitchFamily="18" charset="0"/>
+              </a:rPr>
+              <a:t>In previous stage, several strategy parameter should be determined.</a:t>
+            </a:r>
+          </a:p>
+          <a:p>
+            <a:pPr lvl="1">
+              <a:lnSpc>
+                <a:spcPct val="130000"/>
+              </a:lnSpc>
+            </a:pPr>
+            <a:endParaRPr lang="en-US" altLang="zh-TW" sz="1000" dirty="0">
+              <a:latin typeface="Times" panose="02020603050405020304" pitchFamily="18" charset="0"/>
+              <a:cs typeface="Times" panose="02020603050405020304" pitchFamily="18" charset="0"/>
+            </a:endParaRPr>
+          </a:p>
+          <a:p>
+            <a:pPr lvl="1">
+              <a:lnSpc>
+                <a:spcPct val="130000"/>
+              </a:lnSpc>
+            </a:pPr>
+            <a:r>
+              <a:rPr lang="en-US" altLang="zh-TW" sz="2000" dirty="0">
+                <a:latin typeface="Times" panose="02020603050405020304" pitchFamily="18" charset="0"/>
+                <a:cs typeface="Times" panose="02020603050405020304" pitchFamily="18" charset="0"/>
+              </a:rPr>
+              <a:t> Placement can be considered as an evaluation-expensive black-box derivative-free process</a:t>
+            </a:r>
+          </a:p>
+          <a:p>
+            <a:pPr lvl="1">
+              <a:lnSpc>
+                <a:spcPct val="130000"/>
+              </a:lnSpc>
+            </a:pPr>
+            <a:endParaRPr lang="en-US" altLang="zh-TW" sz="1000" dirty="0">
+              <a:latin typeface="Times" panose="02020603050405020304" pitchFamily="18" charset="0"/>
+              <a:cs typeface="Times" panose="02020603050405020304" pitchFamily="18" charset="0"/>
+            </a:endParaRPr>
+          </a:p>
+          <a:p>
+            <a:pPr lvl="1">
+              <a:lnSpc>
+                <a:spcPct val="130000"/>
+              </a:lnSpc>
+            </a:pPr>
+            <a:r>
+              <a:rPr lang="en-US" altLang="zh-TW" sz="2000" dirty="0">
+                <a:latin typeface="Times" panose="02020603050405020304" pitchFamily="18" charset="0"/>
+                <a:cs typeface="Times" panose="02020603050405020304" pitchFamily="18" charset="0"/>
+              </a:rPr>
+              <a:t> Apply the sequential model-based global optimization (SMBO) with the tree-structured </a:t>
+            </a:r>
+            <a:r>
+              <a:rPr lang="en-US" altLang="zh-TW" sz="2000" dirty="0" err="1">
+                <a:latin typeface="Times" panose="02020603050405020304" pitchFamily="18" charset="0"/>
+                <a:cs typeface="Times" panose="02020603050405020304" pitchFamily="18" charset="0"/>
+              </a:rPr>
+              <a:t>Parzen</a:t>
+            </a:r>
+            <a:r>
+              <a:rPr lang="en-US" altLang="zh-TW" sz="2000" dirty="0">
+                <a:latin typeface="Times" panose="02020603050405020304" pitchFamily="18" charset="0"/>
+                <a:cs typeface="Times" panose="02020603050405020304" pitchFamily="18" charset="0"/>
+              </a:rPr>
+              <a:t> estimator (TPE) approach </a:t>
+            </a:r>
+            <a:r>
+              <a:rPr lang="en-US" altLang="zh-TW" sz="1800" dirty="0">
+                <a:latin typeface="Times" panose="02020603050405020304" pitchFamily="18" charset="0"/>
+                <a:cs typeface="Times" panose="02020603050405020304" pitchFamily="18" charset="0"/>
+              </a:rPr>
+              <a:t>[17]</a:t>
+            </a:r>
+            <a:endParaRPr lang="en-US" altLang="zh-TW" sz="2000" dirty="0">
+              <a:latin typeface="Times" panose="02020603050405020304" pitchFamily="18" charset="0"/>
+              <a:cs typeface="Times" panose="02020603050405020304" pitchFamily="18" charset="0"/>
+            </a:endParaRPr>
+          </a:p>
         </p:txBody>
       </p:sp>
       <p:sp>
@@ -23956,6 +24445,159 @@
             <a:fld id="{666274A1-CF9C-426A-8DD4-B13ED0C24231}" type="slidenum">
               <a:rPr lang="en-US" smtClean="0"/>
               <a:t>27</a:t>
+            </a:fld>
+            <a:endParaRPr lang="en-US" dirty="0"/>
+          </a:p>
+        </p:txBody>
+      </p:sp>
+    </p:spTree>
+    <p:extLst>
+      <p:ext uri="{BB962C8B-B14F-4D97-AF65-F5344CB8AC3E}">
+        <p14:creationId xmlns:p14="http://schemas.microsoft.com/office/powerpoint/2010/main" val="779812351"/>
+      </p:ext>
+    </p:extLst>
+  </p:cSld>
+  <p:clrMapOvr>
+    <a:masterClrMapping/>
+  </p:clrMapOvr>
+</p:sld>
+</file>
+
+<file path=ppt/slides/slide29.xml><?xml version="1.0" encoding="utf-8"?>
+<p:sld xmlns:a="http://schemas.openxmlformats.org/drawingml/2006/main" xmlns:r="http://schemas.openxmlformats.org/officeDocument/2006/relationships" xmlns:p="http://schemas.openxmlformats.org/presentationml/2006/main">
+  <p:cSld>
+    <p:spTree>
+      <p:nvGrpSpPr>
+        <p:cNvPr id="1" name=""/>
+        <p:cNvGrpSpPr/>
+        <p:nvPr/>
+      </p:nvGrpSpPr>
+      <p:grpSpPr>
+        <a:xfrm>
+          <a:off x="0" y="0"/>
+          <a:ext cx="0" cy="0"/>
+          <a:chOff x="0" y="0"/>
+          <a:chExt cx="0" cy="0"/>
+        </a:xfrm>
+      </p:grpSpPr>
+      <p:sp>
+        <p:nvSpPr>
+          <p:cNvPr id="2" name="標題 1">
+            <a:extLst>
+              <a:ext uri="{FF2B5EF4-FFF2-40B4-BE49-F238E27FC236}">
+                <a16:creationId xmlns:a16="http://schemas.microsoft.com/office/drawing/2014/main" id="{AEDF6777-6236-46F8-93C4-053ACE59502E}"/>
+              </a:ext>
+            </a:extLst>
+          </p:cNvPr>
+          <p:cNvSpPr>
+            <a:spLocks noGrp="1"/>
+          </p:cNvSpPr>
+          <p:nvPr>
+            <p:ph type="title"/>
+          </p:nvPr>
+        </p:nvSpPr>
+        <p:spPr>
+          <a:xfrm>
+            <a:off x="434738" y="320675"/>
+            <a:ext cx="11757262" cy="1325563"/>
+          </a:xfrm>
+        </p:spPr>
+        <p:txBody>
+          <a:bodyPr>
+            <a:normAutofit/>
+          </a:bodyPr>
+          <a:lstStyle/>
+          <a:p>
+            <a:r>
+              <a:rPr lang="en-US" altLang="zh-TW" sz="4000">
+                <a:latin typeface="Times" panose="02020603050405020304" pitchFamily="18" charset="0"/>
+                <a:cs typeface="Times" panose="02020603050405020304" pitchFamily="18" charset="0"/>
+              </a:rPr>
+              <a:t>Strategy Exploration</a:t>
+            </a:r>
+            <a:endParaRPr lang="en-US" altLang="zh-TW" sz="4000" dirty="0">
+              <a:latin typeface="Times" panose="02020603050405020304" pitchFamily="18" charset="0"/>
+              <a:cs typeface="Times" panose="02020603050405020304" pitchFamily="18" charset="0"/>
+            </a:endParaRPr>
+          </a:p>
+        </p:txBody>
+      </p:sp>
+      <p:sp>
+        <p:nvSpPr>
+          <p:cNvPr id="3" name="內容版面配置區 2">
+            <a:extLst>
+              <a:ext uri="{FF2B5EF4-FFF2-40B4-BE49-F238E27FC236}">
+                <a16:creationId xmlns:a16="http://schemas.microsoft.com/office/drawing/2014/main" id="{CDD6591C-6706-1D9B-A7CF-BE488BA469CB}"/>
+              </a:ext>
+            </a:extLst>
+          </p:cNvPr>
+          <p:cNvSpPr>
+            <a:spLocks noGrp="1"/>
+          </p:cNvSpPr>
+          <p:nvPr>
+            <p:ph idx="1"/>
+          </p:nvPr>
+        </p:nvSpPr>
+        <p:spPr>
+          <a:xfrm>
+            <a:off x="839645" y="1846585"/>
+            <a:ext cx="10512709" cy="4874890"/>
+          </a:xfrm>
+        </p:spPr>
+        <p:txBody>
+          <a:bodyPr>
+            <a:normAutofit/>
+          </a:bodyPr>
+          <a:lstStyle/>
+          <a:p>
+            <a:pPr marL="514350" indent="-514350">
+              <a:buFont typeface="+mj-lt"/>
+              <a:buAutoNum type="arabicPeriod"/>
+            </a:pPr>
+            <a:r>
+              <a:rPr lang="en-US" altLang="zh-TW" sz="2400" dirty="0">
+                <a:latin typeface="Times" panose="02020603050405020304" pitchFamily="18" charset="0"/>
+                <a:cs typeface="Times" panose="02020603050405020304" pitchFamily="18" charset="0"/>
+              </a:rPr>
+              <a:t>Bayesian-based Strategy Exploration</a:t>
+            </a:r>
+          </a:p>
+          <a:p>
+            <a:pPr marL="514350" indent="-514350">
+              <a:buFont typeface="+mj-lt"/>
+              <a:buAutoNum type="arabicPeriod"/>
+            </a:pPr>
+            <a:endParaRPr lang="en-US" altLang="zh-TW" sz="600" dirty="0">
+              <a:latin typeface="Times" panose="02020603050405020304" pitchFamily="18" charset="0"/>
+              <a:cs typeface="Times" panose="02020603050405020304" pitchFamily="18" charset="0"/>
+            </a:endParaRPr>
+          </a:p>
+        </p:txBody>
+      </p:sp>
+      <p:sp>
+        <p:nvSpPr>
+          <p:cNvPr id="4" name="投影片編號版面配置區 3">
+            <a:extLst>
+              <a:ext uri="{FF2B5EF4-FFF2-40B4-BE49-F238E27FC236}">
+                <a16:creationId xmlns:a16="http://schemas.microsoft.com/office/drawing/2014/main" id="{C4A4DCC3-BB49-91CF-D3FC-B1B0701D13DC}"/>
+              </a:ext>
+            </a:extLst>
+          </p:cNvPr>
+          <p:cNvSpPr>
+            <a:spLocks noGrp="1"/>
+          </p:cNvSpPr>
+          <p:nvPr>
+            <p:ph type="sldNum" sz="quarter" idx="12"/>
+          </p:nvPr>
+        </p:nvSpPr>
+        <p:spPr/>
+        <p:txBody>
+          <a:bodyPr/>
+          <a:lstStyle/>
+          <a:p>
+            <a:fld id="{666274A1-CF9C-426A-8DD4-B13ED0C24231}" type="slidenum">
+              <a:rPr lang="en-US" smtClean="0"/>
+              <a:t>28</a:t>
             </a:fld>
             <a:endParaRPr lang="en-US" dirty="0"/>
           </a:p>
@@ -23983,8 +24625,8 @@
         </p:blipFill>
         <p:spPr>
           <a:xfrm>
-            <a:off x="2057399" y="91573"/>
-            <a:ext cx="8077201" cy="6674854"/>
+            <a:off x="4866851" y="440796"/>
+            <a:ext cx="7232016" cy="5976408"/>
           </a:xfrm>
           <a:prstGeom prst="rect">
             <a:avLst/>
@@ -24079,7 +24721,243 @@
 </p:sld>
 </file>
 
-<file path=ppt/slides/slide29.xml><?xml version="1.0" encoding="utf-8"?>
+<file path=ppt/slides/slide3.xml><?xml version="1.0" encoding="utf-8"?>
+<p:sld xmlns:a="http://schemas.openxmlformats.org/drawingml/2006/main" xmlns:r="http://schemas.openxmlformats.org/officeDocument/2006/relationships" xmlns:p="http://schemas.openxmlformats.org/presentationml/2006/main">
+  <p:cSld>
+    <p:spTree>
+      <p:nvGrpSpPr>
+        <p:cNvPr id="1" name=""/>
+        <p:cNvGrpSpPr/>
+        <p:nvPr/>
+      </p:nvGrpSpPr>
+      <p:grpSpPr>
+        <a:xfrm>
+          <a:off x="0" y="0"/>
+          <a:ext cx="0" cy="0"/>
+          <a:chOff x="0" y="0"/>
+          <a:chExt cx="0" cy="0"/>
+        </a:xfrm>
+      </p:grpSpPr>
+      <p:sp>
+        <p:nvSpPr>
+          <p:cNvPr id="2" name="Title 1">
+            <a:extLst>
+              <a:ext uri="{FF2B5EF4-FFF2-40B4-BE49-F238E27FC236}">
+                <a16:creationId xmlns:a16="http://schemas.microsoft.com/office/drawing/2014/main" id="{034B2B09-3A89-725A-85C2-749F88A4474D}"/>
+              </a:ext>
+            </a:extLst>
+          </p:cNvPr>
+          <p:cNvSpPr>
+            <a:spLocks noGrp="1"/>
+          </p:cNvSpPr>
+          <p:nvPr>
+            <p:ph type="title"/>
+          </p:nvPr>
+        </p:nvSpPr>
+        <p:spPr/>
+        <p:txBody>
+          <a:bodyPr/>
+          <a:lstStyle/>
+          <a:p>
+            <a:r>
+              <a:rPr lang="en-US" sz="4000" dirty="0">
+                <a:latin typeface="Times New Roman" panose="02020603050405020304" pitchFamily="18" charset="0"/>
+                <a:cs typeface="Times New Roman" panose="02020603050405020304" pitchFamily="18" charset="0"/>
+              </a:rPr>
+              <a:t>Outline</a:t>
+            </a:r>
+            <a:endParaRPr lang="en-US" dirty="0">
+              <a:latin typeface="Times New Roman" panose="02020603050405020304" pitchFamily="18" charset="0"/>
+              <a:cs typeface="Times New Roman" panose="02020603050405020304" pitchFamily="18" charset="0"/>
+            </a:endParaRPr>
+          </a:p>
+        </p:txBody>
+      </p:sp>
+      <p:sp>
+        <p:nvSpPr>
+          <p:cNvPr id="3" name="Content Placeholder 2">
+            <a:extLst>
+              <a:ext uri="{FF2B5EF4-FFF2-40B4-BE49-F238E27FC236}">
+                <a16:creationId xmlns:a16="http://schemas.microsoft.com/office/drawing/2014/main" id="{35A1418A-E9D3-D2C1-863A-CF59359781D1}"/>
+              </a:ext>
+            </a:extLst>
+          </p:cNvPr>
+          <p:cNvSpPr>
+            <a:spLocks noGrp="1"/>
+          </p:cNvSpPr>
+          <p:nvPr>
+            <p:ph idx="1"/>
+          </p:nvPr>
+        </p:nvSpPr>
+        <p:spPr/>
+        <p:txBody>
+          <a:bodyPr>
+            <a:normAutofit/>
+          </a:bodyPr>
+          <a:lstStyle/>
+          <a:p>
+            <a:pPr>
+              <a:lnSpc>
+                <a:spcPct val="130000"/>
+              </a:lnSpc>
+            </a:pPr>
+            <a:r>
+              <a:rPr lang="en-US" sz="2400" dirty="0">
+                <a:latin typeface="Times New Roman" panose="02020603050405020304" pitchFamily="18" charset="0"/>
+                <a:cs typeface="Times New Roman" panose="02020603050405020304" pitchFamily="18" charset="0"/>
+              </a:rPr>
+              <a:t>Abstract</a:t>
+            </a:r>
+          </a:p>
+          <a:p>
+            <a:pPr>
+              <a:lnSpc>
+                <a:spcPct val="130000"/>
+              </a:lnSpc>
+            </a:pPr>
+            <a:r>
+              <a:rPr lang="en-US" sz="2400" dirty="0">
+                <a:solidFill>
+                  <a:schemeClr val="bg1">
+                    <a:lumMod val="65000"/>
+                  </a:schemeClr>
+                </a:solidFill>
+                <a:latin typeface="Times New Roman" panose="02020603050405020304" pitchFamily="18" charset="0"/>
+                <a:cs typeface="Times New Roman" panose="02020603050405020304" pitchFamily="18" charset="0"/>
+              </a:rPr>
+              <a:t>Introduction</a:t>
+            </a:r>
+          </a:p>
+          <a:p>
+            <a:pPr>
+              <a:lnSpc>
+                <a:spcPct val="130000"/>
+              </a:lnSpc>
+            </a:pPr>
+            <a:r>
+              <a:rPr lang="en-US" altLang="zh-TW" sz="2400" dirty="0">
+                <a:solidFill>
+                  <a:schemeClr val="bg1">
+                    <a:lumMod val="65000"/>
+                  </a:schemeClr>
+                </a:solidFill>
+                <a:latin typeface="Times New Roman" panose="02020603050405020304" pitchFamily="18" charset="0"/>
+                <a:cs typeface="Times New Roman" panose="02020603050405020304" pitchFamily="18" charset="0"/>
+              </a:rPr>
+              <a:t>Preliminaries</a:t>
+            </a:r>
+            <a:endParaRPr lang="en-US" sz="2400" dirty="0">
+              <a:solidFill>
+                <a:schemeClr val="bg1">
+                  <a:lumMod val="65000"/>
+                </a:schemeClr>
+              </a:solidFill>
+              <a:latin typeface="Times New Roman" panose="02020603050405020304" pitchFamily="18" charset="0"/>
+              <a:cs typeface="Times New Roman" panose="02020603050405020304" pitchFamily="18" charset="0"/>
+            </a:endParaRPr>
+          </a:p>
+          <a:p>
+            <a:pPr>
+              <a:lnSpc>
+                <a:spcPct val="130000"/>
+              </a:lnSpc>
+            </a:pPr>
+            <a:r>
+              <a:rPr lang="en-US" sz="2400" dirty="0">
+                <a:solidFill>
+                  <a:schemeClr val="bg1">
+                    <a:lumMod val="65000"/>
+                  </a:schemeClr>
+                </a:solidFill>
+                <a:latin typeface="Times New Roman" panose="02020603050405020304" pitchFamily="18" charset="0"/>
+                <a:cs typeface="Times New Roman" panose="02020603050405020304" pitchFamily="18" charset="0"/>
+              </a:rPr>
+              <a:t>Proposed Partitioning Framework For Multi-GPU Acceleration</a:t>
+            </a:r>
+          </a:p>
+          <a:p>
+            <a:pPr>
+              <a:lnSpc>
+                <a:spcPct val="130000"/>
+              </a:lnSpc>
+            </a:pPr>
+            <a:r>
+              <a:rPr lang="en-US" sz="2400" dirty="0">
+                <a:solidFill>
+                  <a:schemeClr val="bg1">
+                    <a:lumMod val="65000"/>
+                  </a:schemeClr>
+                </a:solidFill>
+                <a:latin typeface="Times New Roman" panose="02020603050405020304" pitchFamily="18" charset="0"/>
+                <a:cs typeface="Times New Roman" panose="02020603050405020304" pitchFamily="18" charset="0"/>
+              </a:rPr>
+              <a:t>Experimental Result</a:t>
+            </a:r>
+          </a:p>
+          <a:p>
+            <a:pPr>
+              <a:lnSpc>
+                <a:spcPct val="130000"/>
+              </a:lnSpc>
+            </a:pPr>
+            <a:r>
+              <a:rPr lang="en-US" sz="2400" dirty="0">
+                <a:solidFill>
+                  <a:schemeClr val="bg1">
+                    <a:lumMod val="65000"/>
+                  </a:schemeClr>
+                </a:solidFill>
+                <a:latin typeface="Times New Roman" panose="02020603050405020304" pitchFamily="18" charset="0"/>
+                <a:cs typeface="Times New Roman" panose="02020603050405020304" pitchFamily="18" charset="0"/>
+              </a:rPr>
+              <a:t>Conclusion</a:t>
+            </a:r>
+          </a:p>
+        </p:txBody>
+      </p:sp>
+      <p:sp>
+        <p:nvSpPr>
+          <p:cNvPr id="4" name="Slide Number Placeholder 3">
+            <a:extLst>
+              <a:ext uri="{FF2B5EF4-FFF2-40B4-BE49-F238E27FC236}">
+                <a16:creationId xmlns:a16="http://schemas.microsoft.com/office/drawing/2014/main" id="{3592E110-E718-0573-BF00-CE5E90916A66}"/>
+              </a:ext>
+            </a:extLst>
+          </p:cNvPr>
+          <p:cNvSpPr>
+            <a:spLocks noGrp="1"/>
+          </p:cNvSpPr>
+          <p:nvPr>
+            <p:ph type="sldNum" sz="quarter" idx="12"/>
+          </p:nvPr>
+        </p:nvSpPr>
+        <p:spPr/>
+        <p:txBody>
+          <a:bodyPr/>
+          <a:lstStyle/>
+          <a:p>
+            <a:fld id="{666274A1-CF9C-426A-8DD4-B13ED0C24231}" type="slidenum">
+              <a:rPr lang="en-US" smtClean="0"/>
+              <a:t>2</a:t>
+            </a:fld>
+            <a:endParaRPr lang="en-US"/>
+          </a:p>
+        </p:txBody>
+      </p:sp>
+    </p:spTree>
+    <p:extLst>
+      <p:ext uri="{BB962C8B-B14F-4D97-AF65-F5344CB8AC3E}">
+        <p14:creationId xmlns:p14="http://schemas.microsoft.com/office/powerpoint/2010/main" val="335788732"/>
+      </p:ext>
+    </p:extLst>
+  </p:cSld>
+  <p:clrMapOvr>
+    <a:masterClrMapping/>
+  </p:clrMapOvr>
+</p:sld>
+</file>
+
+<file path=ppt/slides/slide30.xml><?xml version="1.0" encoding="utf-8"?>
 <p:sld xmlns:a="http://schemas.openxmlformats.org/drawingml/2006/main" xmlns:r="http://schemas.openxmlformats.org/officeDocument/2006/relationships" xmlns:p="http://schemas.openxmlformats.org/presentationml/2006/main">
   <p:cSld>
     <p:spTree>
@@ -24213,7 +25091,7 @@
           <a:p>
             <a:fld id="{666274A1-CF9C-426A-8DD4-B13ED0C24231}" type="slidenum">
               <a:rPr lang="en-US" smtClean="0"/>
-              <a:t>28</a:t>
+              <a:t>29</a:t>
             </a:fld>
             <a:endParaRPr lang="en-US" dirty="0"/>
           </a:p>
@@ -24241,8 +25119,8 @@
         </p:blipFill>
         <p:spPr>
           <a:xfrm>
-            <a:off x="1604661" y="622880"/>
-            <a:ext cx="8982676" cy="5612240"/>
+            <a:off x="1791375" y="1342546"/>
+            <a:ext cx="8609250" cy="5378929"/>
           </a:xfrm>
           <a:prstGeom prst="rect">
             <a:avLst/>
@@ -24337,243 +25215,7 @@
 </p:sld>
 </file>
 
-<file path=ppt/slides/slide3.xml><?xml version="1.0" encoding="utf-8"?>
-<p:sld xmlns:a="http://schemas.openxmlformats.org/drawingml/2006/main" xmlns:r="http://schemas.openxmlformats.org/officeDocument/2006/relationships" xmlns:p="http://schemas.openxmlformats.org/presentationml/2006/main">
-  <p:cSld>
-    <p:spTree>
-      <p:nvGrpSpPr>
-        <p:cNvPr id="1" name=""/>
-        <p:cNvGrpSpPr/>
-        <p:nvPr/>
-      </p:nvGrpSpPr>
-      <p:grpSpPr>
-        <a:xfrm>
-          <a:off x="0" y="0"/>
-          <a:ext cx="0" cy="0"/>
-          <a:chOff x="0" y="0"/>
-          <a:chExt cx="0" cy="0"/>
-        </a:xfrm>
-      </p:grpSpPr>
-      <p:sp>
-        <p:nvSpPr>
-          <p:cNvPr id="2" name="Title 1">
-            <a:extLst>
-              <a:ext uri="{FF2B5EF4-FFF2-40B4-BE49-F238E27FC236}">
-                <a16:creationId xmlns:a16="http://schemas.microsoft.com/office/drawing/2014/main" id="{034B2B09-3A89-725A-85C2-749F88A4474D}"/>
-              </a:ext>
-            </a:extLst>
-          </p:cNvPr>
-          <p:cNvSpPr>
-            <a:spLocks noGrp="1"/>
-          </p:cNvSpPr>
-          <p:nvPr>
-            <p:ph type="title"/>
-          </p:nvPr>
-        </p:nvSpPr>
-        <p:spPr/>
-        <p:txBody>
-          <a:bodyPr/>
-          <a:lstStyle/>
-          <a:p>
-            <a:r>
-              <a:rPr lang="en-US" sz="4000" dirty="0">
-                <a:latin typeface="Times New Roman" panose="02020603050405020304" pitchFamily="18" charset="0"/>
-                <a:cs typeface="Times New Roman" panose="02020603050405020304" pitchFamily="18" charset="0"/>
-              </a:rPr>
-              <a:t>Outline</a:t>
-            </a:r>
-            <a:endParaRPr lang="en-US" dirty="0">
-              <a:latin typeface="Times New Roman" panose="02020603050405020304" pitchFamily="18" charset="0"/>
-              <a:cs typeface="Times New Roman" panose="02020603050405020304" pitchFamily="18" charset="0"/>
-            </a:endParaRPr>
-          </a:p>
-        </p:txBody>
-      </p:sp>
-      <p:sp>
-        <p:nvSpPr>
-          <p:cNvPr id="3" name="Content Placeholder 2">
-            <a:extLst>
-              <a:ext uri="{FF2B5EF4-FFF2-40B4-BE49-F238E27FC236}">
-                <a16:creationId xmlns:a16="http://schemas.microsoft.com/office/drawing/2014/main" id="{35A1418A-E9D3-D2C1-863A-CF59359781D1}"/>
-              </a:ext>
-            </a:extLst>
-          </p:cNvPr>
-          <p:cNvSpPr>
-            <a:spLocks noGrp="1"/>
-          </p:cNvSpPr>
-          <p:nvPr>
-            <p:ph idx="1"/>
-          </p:nvPr>
-        </p:nvSpPr>
-        <p:spPr/>
-        <p:txBody>
-          <a:bodyPr>
-            <a:normAutofit/>
-          </a:bodyPr>
-          <a:lstStyle/>
-          <a:p>
-            <a:pPr>
-              <a:lnSpc>
-                <a:spcPct val="130000"/>
-              </a:lnSpc>
-            </a:pPr>
-            <a:r>
-              <a:rPr lang="en-US" sz="2400" dirty="0">
-                <a:latin typeface="Times New Roman" panose="02020603050405020304" pitchFamily="18" charset="0"/>
-                <a:cs typeface="Times New Roman" panose="02020603050405020304" pitchFamily="18" charset="0"/>
-              </a:rPr>
-              <a:t>Abstract</a:t>
-            </a:r>
-          </a:p>
-          <a:p>
-            <a:pPr>
-              <a:lnSpc>
-                <a:spcPct val="130000"/>
-              </a:lnSpc>
-            </a:pPr>
-            <a:r>
-              <a:rPr lang="en-US" sz="2400" dirty="0">
-                <a:solidFill>
-                  <a:schemeClr val="bg1">
-                    <a:lumMod val="65000"/>
-                  </a:schemeClr>
-                </a:solidFill>
-                <a:latin typeface="Times New Roman" panose="02020603050405020304" pitchFamily="18" charset="0"/>
-                <a:cs typeface="Times New Roman" panose="02020603050405020304" pitchFamily="18" charset="0"/>
-              </a:rPr>
-              <a:t>Introduction</a:t>
-            </a:r>
-          </a:p>
-          <a:p>
-            <a:pPr>
-              <a:lnSpc>
-                <a:spcPct val="130000"/>
-              </a:lnSpc>
-            </a:pPr>
-            <a:r>
-              <a:rPr lang="en-US" altLang="zh-TW" sz="2400" dirty="0">
-                <a:solidFill>
-                  <a:schemeClr val="bg1">
-                    <a:lumMod val="65000"/>
-                  </a:schemeClr>
-                </a:solidFill>
-                <a:latin typeface="Times New Roman" panose="02020603050405020304" pitchFamily="18" charset="0"/>
-                <a:cs typeface="Times New Roman" panose="02020603050405020304" pitchFamily="18" charset="0"/>
-              </a:rPr>
-              <a:t>Preliminaries</a:t>
-            </a:r>
-            <a:endParaRPr lang="en-US" sz="2400" dirty="0">
-              <a:solidFill>
-                <a:schemeClr val="bg1">
-                  <a:lumMod val="65000"/>
-                </a:schemeClr>
-              </a:solidFill>
-              <a:latin typeface="Times New Roman" panose="02020603050405020304" pitchFamily="18" charset="0"/>
-              <a:cs typeface="Times New Roman" panose="02020603050405020304" pitchFamily="18" charset="0"/>
-            </a:endParaRPr>
-          </a:p>
-          <a:p>
-            <a:pPr>
-              <a:lnSpc>
-                <a:spcPct val="130000"/>
-              </a:lnSpc>
-            </a:pPr>
-            <a:r>
-              <a:rPr lang="en-US" sz="2400" dirty="0">
-                <a:solidFill>
-                  <a:schemeClr val="bg1">
-                    <a:lumMod val="65000"/>
-                  </a:schemeClr>
-                </a:solidFill>
-                <a:latin typeface="Times New Roman" panose="02020603050405020304" pitchFamily="18" charset="0"/>
-                <a:cs typeface="Times New Roman" panose="02020603050405020304" pitchFamily="18" charset="0"/>
-              </a:rPr>
-              <a:t>Proposed Partitioning Framework For Multi-GPU Acceleration</a:t>
-            </a:r>
-          </a:p>
-          <a:p>
-            <a:pPr>
-              <a:lnSpc>
-                <a:spcPct val="130000"/>
-              </a:lnSpc>
-            </a:pPr>
-            <a:r>
-              <a:rPr lang="en-US" sz="2400" dirty="0">
-                <a:solidFill>
-                  <a:schemeClr val="bg1">
-                    <a:lumMod val="65000"/>
-                  </a:schemeClr>
-                </a:solidFill>
-                <a:latin typeface="Times New Roman" panose="02020603050405020304" pitchFamily="18" charset="0"/>
-                <a:cs typeface="Times New Roman" panose="02020603050405020304" pitchFamily="18" charset="0"/>
-              </a:rPr>
-              <a:t>Experimental Result</a:t>
-            </a:r>
-          </a:p>
-          <a:p>
-            <a:pPr>
-              <a:lnSpc>
-                <a:spcPct val="130000"/>
-              </a:lnSpc>
-            </a:pPr>
-            <a:r>
-              <a:rPr lang="en-US" sz="2400" dirty="0">
-                <a:solidFill>
-                  <a:schemeClr val="bg1">
-                    <a:lumMod val="65000"/>
-                  </a:schemeClr>
-                </a:solidFill>
-                <a:latin typeface="Times New Roman" panose="02020603050405020304" pitchFamily="18" charset="0"/>
-                <a:cs typeface="Times New Roman" panose="02020603050405020304" pitchFamily="18" charset="0"/>
-              </a:rPr>
-              <a:t>Conclusion</a:t>
-            </a:r>
-          </a:p>
-        </p:txBody>
-      </p:sp>
-      <p:sp>
-        <p:nvSpPr>
-          <p:cNvPr id="4" name="Slide Number Placeholder 3">
-            <a:extLst>
-              <a:ext uri="{FF2B5EF4-FFF2-40B4-BE49-F238E27FC236}">
-                <a16:creationId xmlns:a16="http://schemas.microsoft.com/office/drawing/2014/main" id="{3592E110-E718-0573-BF00-CE5E90916A66}"/>
-              </a:ext>
-            </a:extLst>
-          </p:cNvPr>
-          <p:cNvSpPr>
-            <a:spLocks noGrp="1"/>
-          </p:cNvSpPr>
-          <p:nvPr>
-            <p:ph type="sldNum" sz="quarter" idx="12"/>
-          </p:nvPr>
-        </p:nvSpPr>
-        <p:spPr/>
-        <p:txBody>
-          <a:bodyPr/>
-          <a:lstStyle/>
-          <a:p>
-            <a:fld id="{666274A1-CF9C-426A-8DD4-B13ED0C24231}" type="slidenum">
-              <a:rPr lang="en-US" smtClean="0"/>
-              <a:t>2</a:t>
-            </a:fld>
-            <a:endParaRPr lang="en-US"/>
-          </a:p>
-        </p:txBody>
-      </p:sp>
-    </p:spTree>
-    <p:extLst>
-      <p:ext uri="{BB962C8B-B14F-4D97-AF65-F5344CB8AC3E}">
-        <p14:creationId xmlns:p14="http://schemas.microsoft.com/office/powerpoint/2010/main" val="335788732"/>
-      </p:ext>
-    </p:extLst>
-  </p:cSld>
-  <p:clrMapOvr>
-    <a:masterClrMapping/>
-  </p:clrMapOvr>
-</p:sld>
-</file>
-
-<file path=ppt/slides/slide30.xml><?xml version="1.0" encoding="utf-8"?>
+<file path=ppt/slides/slide31.xml><?xml version="1.0" encoding="utf-8"?>
 <p:sld xmlns:a="http://schemas.openxmlformats.org/drawingml/2006/main" xmlns:r="http://schemas.openxmlformats.org/officeDocument/2006/relationships" xmlns:p="http://schemas.openxmlformats.org/presentationml/2006/main">
   <p:cSld>
     <p:spTree>
@@ -24623,7 +25265,7 @@
                 <a:latin typeface="Times" panose="02020603050405020304" pitchFamily="18" charset="0"/>
                 <a:cs typeface="Times" panose="02020603050405020304" pitchFamily="18" charset="0"/>
               </a:rPr>
-              <a:t>Strategy Exploration</a:t>
+              <a:t>Legalization</a:t>
             </a:r>
           </a:p>
         </p:txBody>
@@ -24665,7 +25307,7 @@
                 <a:latin typeface="Times" panose="02020603050405020304" pitchFamily="18" charset="0"/>
                 <a:cs typeface="Times" panose="02020603050405020304" pitchFamily="18" charset="0"/>
               </a:rPr>
-              <a:t>Bayesian-based Strategy Exploration</a:t>
+              <a:t>White-space-assisted Legalization</a:t>
             </a:r>
           </a:p>
           <a:p>
@@ -24679,100 +25321,14 @@
             </a:endParaRPr>
           </a:p>
           <a:p>
-            <a:pPr lvl="1">
-              <a:lnSpc>
-                <a:spcPct val="130000"/>
-              </a:lnSpc>
-            </a:pPr>
-            <a:r>
-              <a:rPr lang="en-US" altLang="zh-TW" sz="1800" dirty="0">
-                <a:latin typeface="Times" panose="02020603050405020304" pitchFamily="18" charset="0"/>
-                <a:cs typeface="Times" panose="02020603050405020304" pitchFamily="18" charset="0"/>
-              </a:rPr>
-              <a:t> </a:t>
-            </a:r>
+            <a:pPr lvl="1"/>
             <a:r>
               <a:rPr lang="en-US" altLang="zh-TW" sz="2000" dirty="0">
                 <a:latin typeface="Times" panose="02020603050405020304" pitchFamily="18" charset="0"/>
                 <a:cs typeface="Times" panose="02020603050405020304" pitchFamily="18" charset="0"/>
               </a:rPr>
-              <a:t>In previous stage, several strategy parameter should be determined.</a:t>
-            </a:r>
-          </a:p>
-          <a:p>
-            <a:pPr lvl="1">
-              <a:lnSpc>
-                <a:spcPct val="130000"/>
-              </a:lnSpc>
-            </a:pPr>
-            <a:endParaRPr lang="en-US" altLang="zh-TW" sz="1000" dirty="0">
-              <a:latin typeface="Times" panose="02020603050405020304" pitchFamily="18" charset="0"/>
-              <a:cs typeface="Times" panose="02020603050405020304" pitchFamily="18" charset="0"/>
-            </a:endParaRPr>
-          </a:p>
-          <a:p>
-            <a:pPr lvl="1">
-              <a:lnSpc>
-                <a:spcPct val="130000"/>
-              </a:lnSpc>
-            </a:pPr>
-            <a:r>
-              <a:rPr lang="en-US" altLang="zh-TW" sz="2000" dirty="0">
-                <a:latin typeface="Times" panose="02020603050405020304" pitchFamily="18" charset="0"/>
-                <a:cs typeface="Times" panose="02020603050405020304" pitchFamily="18" charset="0"/>
-              </a:rPr>
-              <a:t> Placement can be considered as an evaluation-expensive black-box derivative-free process</a:t>
-            </a:r>
-          </a:p>
-          <a:p>
-            <a:pPr lvl="1">
-              <a:lnSpc>
-                <a:spcPct val="130000"/>
-              </a:lnSpc>
-            </a:pPr>
-            <a:endParaRPr lang="en-US" altLang="zh-TW" sz="1000" dirty="0">
-              <a:latin typeface="Times" panose="02020603050405020304" pitchFamily="18" charset="0"/>
-              <a:cs typeface="Times" panose="02020603050405020304" pitchFamily="18" charset="0"/>
-            </a:endParaRPr>
-          </a:p>
-          <a:p>
-            <a:pPr lvl="1">
-              <a:lnSpc>
-                <a:spcPct val="130000"/>
-              </a:lnSpc>
-            </a:pPr>
-            <a:r>
-              <a:rPr lang="en-US" altLang="zh-TW" sz="2000" dirty="0">
-                <a:latin typeface="Times" panose="02020603050405020304" pitchFamily="18" charset="0"/>
-                <a:cs typeface="Times" panose="02020603050405020304" pitchFamily="18" charset="0"/>
-              </a:rPr>
-              <a:t> Apply the sequential model-based global optimization (SMBO) with the tree-structured </a:t>
-            </a:r>
-            <a:r>
-              <a:rPr lang="en-US" altLang="zh-TW" sz="2000" dirty="0" err="1">
-                <a:latin typeface="Times" panose="02020603050405020304" pitchFamily="18" charset="0"/>
-                <a:cs typeface="Times" panose="02020603050405020304" pitchFamily="18" charset="0"/>
-              </a:rPr>
-              <a:t>Parzen</a:t>
-            </a:r>
-            <a:r>
-              <a:rPr lang="en-US" altLang="zh-TW" sz="2000" dirty="0">
-                <a:latin typeface="Times" panose="02020603050405020304" pitchFamily="18" charset="0"/>
-                <a:cs typeface="Times" panose="02020603050405020304" pitchFamily="18" charset="0"/>
-              </a:rPr>
-              <a:t> estimator (TPE) approach </a:t>
-            </a:r>
-            <a:r>
-              <a:rPr lang="en-US" altLang="zh-TW" sz="1800" dirty="0">
-                <a:latin typeface="Times" panose="02020603050405020304" pitchFamily="18" charset="0"/>
-                <a:cs typeface="Times" panose="02020603050405020304" pitchFamily="18" charset="0"/>
-              </a:rPr>
-              <a:t>[17]</a:t>
-            </a:r>
-            <a:endParaRPr lang="en-US" altLang="zh-TW" sz="2000" dirty="0">
-              <a:latin typeface="Times" panose="02020603050405020304" pitchFamily="18" charset="0"/>
-              <a:cs typeface="Times" panose="02020603050405020304" pitchFamily="18" charset="0"/>
-            </a:endParaRPr>
+              <a:t>After global placement, we need to place the cell in legal position to eliminate overlaps and DRVs.</a:t>
+            </a:r>
           </a:p>
         </p:txBody>
       </p:sp>
@@ -24799,7 +25355,7 @@
           <a:p>
             <a:fld id="{666274A1-CF9C-426A-8DD4-B13ED0C24231}" type="slidenum">
               <a:rPr lang="en-US" smtClean="0"/>
-              <a:t>29</a:t>
+              <a:t>30</a:t>
             </a:fld>
             <a:endParaRPr lang="en-US" dirty="0"/>
           </a:p>
@@ -24808,7 +25364,7 @@
     </p:spTree>
     <p:extLst>
       <p:ext uri="{BB962C8B-B14F-4D97-AF65-F5344CB8AC3E}">
-        <p14:creationId xmlns:p14="http://schemas.microsoft.com/office/powerpoint/2010/main" val="779812351"/>
+        <p14:creationId xmlns:p14="http://schemas.microsoft.com/office/powerpoint/2010/main" val="3882460680"/>
       </p:ext>
     </p:extLst>
   </p:cSld>
@@ -24818,7 +25374,7 @@
 </p:sld>
 </file>
 
-<file path=ppt/slides/slide31.xml><?xml version="1.0" encoding="utf-8"?>
+<file path=ppt/slides/slide32.xml><?xml version="1.0" encoding="utf-8"?>
 <p:sld xmlns:a="http://schemas.openxmlformats.org/drawingml/2006/main" xmlns:r="http://schemas.openxmlformats.org/officeDocument/2006/relationships" xmlns:p="http://schemas.openxmlformats.org/presentationml/2006/main">
   <p:cSld>
     <p:spTree>
@@ -24858,7 +25414,7 @@
           <a:p>
             <a:fld id="{666274A1-CF9C-426A-8DD4-B13ED0C24231}" type="slidenum">
               <a:rPr lang="en-US" smtClean="0"/>
-              <a:t>30</a:t>
+              <a:t>31</a:t>
             </a:fld>
             <a:endParaRPr lang="en-US"/>
           </a:p>

--- a/GM/Placement/PUFFER A Routability-Driven Placement Framework via Cell Padding/PUFFER A Routability-Driven Placement Framework via Cell Padding.pptx
+++ b/GM/Placement/PUFFER A Routability-Driven Placement Framework via Cell Padding/PUFFER A Routability-Driven Placement Framework via Cell Padding.pptx
@@ -5,41 +5,54 @@
     <p:sldMasterId id="2147483648" r:id="rId1"/>
   </p:sldMasterIdLst>
   <p:notesMasterIdLst>
-    <p:notesMasterId r:id="rId34"/>
+    <p:notesMasterId r:id="rId47"/>
   </p:notesMasterIdLst>
   <p:sldIdLst>
     <p:sldId id="256" r:id="rId2"/>
     <p:sldId id="257" r:id="rId3"/>
     <p:sldId id="300" r:id="rId4"/>
     <p:sldId id="299" r:id="rId5"/>
-    <p:sldId id="301" r:id="rId6"/>
+    <p:sldId id="336" r:id="rId6"/>
     <p:sldId id="302" r:id="rId7"/>
     <p:sldId id="318" r:id="rId8"/>
-    <p:sldId id="303" r:id="rId9"/>
-    <p:sldId id="304" r:id="rId10"/>
-    <p:sldId id="305" r:id="rId11"/>
-    <p:sldId id="306" r:id="rId12"/>
-    <p:sldId id="307" r:id="rId13"/>
-    <p:sldId id="308" r:id="rId14"/>
-    <p:sldId id="319" r:id="rId15"/>
-    <p:sldId id="309" r:id="rId16"/>
-    <p:sldId id="310" r:id="rId17"/>
-    <p:sldId id="311" r:id="rId18"/>
-    <p:sldId id="312" r:id="rId19"/>
-    <p:sldId id="314" r:id="rId20"/>
-    <p:sldId id="320" r:id="rId21"/>
-    <p:sldId id="313" r:id="rId22"/>
-    <p:sldId id="315" r:id="rId23"/>
-    <p:sldId id="316" r:id="rId24"/>
-    <p:sldId id="317" r:id="rId25"/>
-    <p:sldId id="322" r:id="rId26"/>
-    <p:sldId id="323" r:id="rId27"/>
-    <p:sldId id="324" r:id="rId28"/>
-    <p:sldId id="326" r:id="rId29"/>
-    <p:sldId id="325" r:id="rId30"/>
-    <p:sldId id="327" r:id="rId31"/>
-    <p:sldId id="328" r:id="rId32"/>
-    <p:sldId id="298" r:id="rId33"/>
+    <p:sldId id="337" r:id="rId9"/>
+    <p:sldId id="303" r:id="rId10"/>
+    <p:sldId id="304" r:id="rId11"/>
+    <p:sldId id="305" r:id="rId12"/>
+    <p:sldId id="306" r:id="rId13"/>
+    <p:sldId id="307" r:id="rId14"/>
+    <p:sldId id="338" r:id="rId15"/>
+    <p:sldId id="308" r:id="rId16"/>
+    <p:sldId id="339" r:id="rId17"/>
+    <p:sldId id="319" r:id="rId18"/>
+    <p:sldId id="309" r:id="rId19"/>
+    <p:sldId id="310" r:id="rId20"/>
+    <p:sldId id="311" r:id="rId21"/>
+    <p:sldId id="340" r:id="rId22"/>
+    <p:sldId id="312" r:id="rId23"/>
+    <p:sldId id="314" r:id="rId24"/>
+    <p:sldId id="320" r:id="rId25"/>
+    <p:sldId id="313" r:id="rId26"/>
+    <p:sldId id="315" r:id="rId27"/>
+    <p:sldId id="316" r:id="rId28"/>
+    <p:sldId id="317" r:id="rId29"/>
+    <p:sldId id="322" r:id="rId30"/>
+    <p:sldId id="323" r:id="rId31"/>
+    <p:sldId id="324" r:id="rId32"/>
+    <p:sldId id="341" r:id="rId33"/>
+    <p:sldId id="326" r:id="rId34"/>
+    <p:sldId id="325" r:id="rId35"/>
+    <p:sldId id="327" r:id="rId36"/>
+    <p:sldId id="342" r:id="rId37"/>
+    <p:sldId id="328" r:id="rId38"/>
+    <p:sldId id="329" r:id="rId39"/>
+    <p:sldId id="343" r:id="rId40"/>
+    <p:sldId id="331" r:id="rId41"/>
+    <p:sldId id="332" r:id="rId42"/>
+    <p:sldId id="333" r:id="rId43"/>
+    <p:sldId id="334" r:id="rId44"/>
+    <p:sldId id="335" r:id="rId45"/>
+    <p:sldId id="298" r:id="rId46"/>
   </p:sldIdLst>
   <p:sldSz cx="12192000" cy="6858000"/>
   <p:notesSz cx="6858000" cy="9144000"/>
@@ -2149,7 +2162,7 @@
           <a:p>
             <a:fld id="{9D457EAB-1485-47AD-BEAD-484FAEBF5A54}" type="slidenum">
               <a:rPr lang="en-US" smtClean="0"/>
-              <a:t>14</a:t>
+              <a:t>17</a:t>
             </a:fld>
             <a:endParaRPr lang="en-US"/>
           </a:p>
@@ -2239,7 +2252,7 @@
           <a:p>
             <a:fld id="{9D457EAB-1485-47AD-BEAD-484FAEBF5A54}" type="slidenum">
               <a:rPr lang="en-US" smtClean="0"/>
-              <a:t>15</a:t>
+              <a:t>18</a:t>
             </a:fld>
             <a:endParaRPr lang="en-US"/>
           </a:p>
@@ -2329,7 +2342,7 @@
           <a:p>
             <a:fld id="{9D457EAB-1485-47AD-BEAD-484FAEBF5A54}" type="slidenum">
               <a:rPr lang="en-US" smtClean="0"/>
-              <a:t>16</a:t>
+              <a:t>19</a:t>
             </a:fld>
             <a:endParaRPr lang="en-US"/>
           </a:p>
@@ -2656,7 +2669,7 @@
           <a:p>
             <a:fld id="{9D457EAB-1485-47AD-BEAD-484FAEBF5A54}" type="slidenum">
               <a:rPr lang="en-US" smtClean="0"/>
-              <a:t>17</a:t>
+              <a:t>21</a:t>
             </a:fld>
             <a:endParaRPr lang="en-US"/>
           </a:p>
@@ -2983,7 +2996,7 @@
           <a:p>
             <a:fld id="{9D457EAB-1485-47AD-BEAD-484FAEBF5A54}" type="slidenum">
               <a:rPr lang="en-US" smtClean="0"/>
-              <a:t>18</a:t>
+              <a:t>22</a:t>
             </a:fld>
             <a:endParaRPr lang="en-US"/>
           </a:p>
@@ -3310,7 +3323,7 @@
           <a:p>
             <a:fld id="{9D457EAB-1485-47AD-BEAD-484FAEBF5A54}" type="slidenum">
               <a:rPr lang="en-US" smtClean="0"/>
-              <a:t>19</a:t>
+              <a:t>23</a:t>
             </a:fld>
             <a:endParaRPr lang="en-US"/>
           </a:p>
@@ -3451,7 +3464,7 @@
           <a:p>
             <a:fld id="{9D457EAB-1485-47AD-BEAD-484FAEBF5A54}" type="slidenum">
               <a:rPr lang="en-US" smtClean="0"/>
-              <a:t>20</a:t>
+              <a:t>24</a:t>
             </a:fld>
             <a:endParaRPr lang="en-US"/>
           </a:p>
@@ -3626,7 +3639,7 @@
           <a:p>
             <a:fld id="{9D457EAB-1485-47AD-BEAD-484FAEBF5A54}" type="slidenum">
               <a:rPr lang="en-US" smtClean="0"/>
-              <a:t>21</a:t>
+              <a:t>25</a:t>
             </a:fld>
             <a:endParaRPr lang="en-US"/>
           </a:p>
@@ -3804,7 +3817,7 @@
           <a:p>
             <a:fld id="{9D457EAB-1485-47AD-BEAD-484FAEBF5A54}" type="slidenum">
               <a:rPr lang="en-US" smtClean="0"/>
-              <a:t>22</a:t>
+              <a:t>26</a:t>
             </a:fld>
             <a:endParaRPr lang="en-US"/>
           </a:p>
@@ -3894,7 +3907,7 @@
           <a:p>
             <a:fld id="{9D457EAB-1485-47AD-BEAD-484FAEBF5A54}" type="slidenum">
               <a:rPr lang="en-US" smtClean="0"/>
-              <a:t>23</a:t>
+              <a:t>27</a:t>
             </a:fld>
             <a:endParaRPr lang="en-US"/>
           </a:p>
@@ -4129,7 +4142,7 @@
           <a:p>
             <a:fld id="{9D457EAB-1485-47AD-BEAD-484FAEBF5A54}" type="slidenum">
               <a:rPr lang="en-US" smtClean="0"/>
-              <a:t>24</a:t>
+              <a:t>28</a:t>
             </a:fld>
             <a:endParaRPr lang="en-US"/>
           </a:p>
@@ -4513,7 +4526,7 @@
           <a:p>
             <a:fld id="{9D457EAB-1485-47AD-BEAD-484FAEBF5A54}" type="slidenum">
               <a:rPr lang="en-US" smtClean="0"/>
-              <a:t>25</a:t>
+              <a:t>29</a:t>
             </a:fld>
             <a:endParaRPr lang="en-US"/>
           </a:p>
@@ -4603,7 +4616,7 @@
           <a:p>
             <a:fld id="{9D457EAB-1485-47AD-BEAD-484FAEBF5A54}" type="slidenum">
               <a:rPr lang="en-US" smtClean="0"/>
-              <a:t>26</a:t>
+              <a:t>30</a:t>
             </a:fld>
             <a:endParaRPr lang="en-US"/>
           </a:p>
@@ -4693,7 +4706,7 @@
           <a:p>
             <a:fld id="{9D457EAB-1485-47AD-BEAD-484FAEBF5A54}" type="slidenum">
               <a:rPr lang="en-US" smtClean="0"/>
-              <a:t>27</a:t>
+              <a:t>32</a:t>
             </a:fld>
             <a:endParaRPr lang="en-US"/>
           </a:p>
@@ -4924,7 +4937,7 @@
           <a:p>
             <a:fld id="{9D457EAB-1485-47AD-BEAD-484FAEBF5A54}" type="slidenum">
               <a:rPr lang="en-US" smtClean="0"/>
-              <a:t>28</a:t>
+              <a:t>33</a:t>
             </a:fld>
             <a:endParaRPr lang="en-US"/>
           </a:p>
@@ -5320,7 +5333,7 @@
           <a:p>
             <a:fld id="{9D457EAB-1485-47AD-BEAD-484FAEBF5A54}" type="slidenum">
               <a:rPr lang="en-US" smtClean="0"/>
-              <a:t>29</a:t>
+              <a:t>34</a:t>
             </a:fld>
             <a:endParaRPr lang="en-US"/>
           </a:p>
@@ -5391,311 +5404,62 @@
               <a:rPr lang="zh-TW" altLang="en-US" sz="1800" b="0" i="0" u="none" strike="noStrike" baseline="0" dirty="0">
                 <a:latin typeface="CMMI9"/>
               </a:rPr>
-              <a:t>這個</a:t>
+              <a:t>如果</a:t>
             </a:r>
             <a:r>
               <a:rPr lang="en-US" altLang="zh-TW" sz="1800" b="0" i="0" u="none" strike="noStrike" baseline="0" dirty="0">
                 <a:latin typeface="CMMI9"/>
               </a:rPr>
-              <a:t>algorithm3 </a:t>
+              <a:t>total padding</a:t>
             </a:r>
             <a:r>
               <a:rPr lang="zh-TW" altLang="en-US" sz="1800" b="0" i="0" u="none" strike="noStrike" baseline="0" dirty="0">
                 <a:latin typeface="CMMI9"/>
               </a:rPr>
-              <a:t>是有關於他們</a:t>
+              <a:t>超過</a:t>
             </a:r>
             <a:r>
               <a:rPr lang="en-US" altLang="zh-TW" sz="1800" b="0" i="0" u="none" strike="noStrike" baseline="0" dirty="0">
                 <a:latin typeface="CMMI9"/>
               </a:rPr>
-              <a:t>strategy exploration</a:t>
+              <a:t>Limit</a:t>
             </a:r>
             <a:r>
               <a:rPr lang="zh-TW" altLang="en-US" sz="1800" b="0" i="0" u="none" strike="noStrike" baseline="0" dirty="0">
                 <a:latin typeface="CMMI9"/>
               </a:rPr>
-              <a:t>的計畫，包含兩個部分</a:t>
+              <a:t>的話，他們會在</a:t>
             </a:r>
             <a:r>
               <a:rPr lang="en-US" altLang="zh-TW" sz="1800" b="0" i="0" u="none" strike="noStrike" baseline="0" dirty="0">
                 <a:latin typeface="CMMI9"/>
               </a:rPr>
-              <a:t>:</a:t>
+              <a:t>discrete padding</a:t>
             </a:r>
             <a:r>
               <a:rPr lang="zh-TW" altLang="en-US" sz="1800" b="0" i="0" u="none" strike="noStrike" baseline="0" dirty="0">
                 <a:latin typeface="CMMI9"/>
               </a:rPr>
-              <a:t> </a:t>
+              <a:t>中挑最小的的</a:t>
             </a:r>
             <a:r>
               <a:rPr lang="en-US" altLang="zh-TW" sz="1800" b="0" i="0" u="none" strike="noStrike" baseline="0" dirty="0">
                 <a:latin typeface="CMMI9"/>
               </a:rPr>
-              <a:t>1.</a:t>
+              <a:t>padding</a:t>
             </a:r>
             <a:r>
               <a:rPr lang="zh-TW" altLang="en-US" sz="1800" b="0" i="0" u="none" strike="noStrike" baseline="0" dirty="0">
                 <a:latin typeface="CMMI9"/>
               </a:rPr>
-              <a:t> </a:t>
+              <a:t>來釋放他，直到</a:t>
             </a:r>
             <a:r>
               <a:rPr lang="en-US" altLang="zh-TW" sz="1800" b="0" i="0" u="none" strike="noStrike" baseline="0" dirty="0">
                 <a:latin typeface="CMMI9"/>
               </a:rPr>
-              <a:t>global exploration</a:t>
-            </a:r>
-            <a:r>
-              <a:rPr lang="zh-TW" altLang="en-US" sz="1800" b="0" i="0" u="none" strike="noStrike" baseline="0" dirty="0">
-                <a:latin typeface="CMMI9"/>
-              </a:rPr>
-              <a:t>跟</a:t>
-            </a:r>
-            <a:r>
-              <a:rPr lang="en-US" altLang="zh-TW" sz="1800" b="0" i="0" u="none" strike="noStrike" baseline="0" dirty="0">
-                <a:latin typeface="CMMI9"/>
-              </a:rPr>
-              <a:t>2.</a:t>
-            </a:r>
-            <a:r>
-              <a:rPr lang="zh-TW" altLang="en-US" sz="1800" b="0" i="0" u="none" strike="noStrike" baseline="0" dirty="0">
-                <a:latin typeface="CMMI9"/>
-              </a:rPr>
-              <a:t> </a:t>
-            </a:r>
-            <a:r>
-              <a:rPr lang="en-US" altLang="zh-TW" sz="1800" b="0" i="0" u="none" strike="noStrike" baseline="0" dirty="0">
-                <a:latin typeface="CMMI9"/>
-              </a:rPr>
-              <a:t>local exploration</a:t>
-            </a:r>
-          </a:p>
-          <a:p>
-            <a:pPr marL="285750" indent="-285750" algn="l">
-              <a:buFont typeface="Arial" panose="020B0604020202020204" pitchFamily="34" charset="0"/>
-              <a:buChar char="•"/>
-            </a:pPr>
-            <a:r>
-              <a:rPr lang="en-US" altLang="zh-TW" sz="1800" b="0" i="0" u="none" strike="noStrike" baseline="0" dirty="0">
-                <a:latin typeface="CMMI9"/>
-              </a:rPr>
-              <a:t>1-2 : </a:t>
-            </a:r>
-            <a:r>
-              <a:rPr lang="zh-TW" altLang="en-US" sz="1800" b="0" i="0" u="none" strike="noStrike" baseline="0" dirty="0">
-                <a:latin typeface="CMMI9"/>
-              </a:rPr>
-              <a:t>先給定所有</a:t>
-            </a:r>
-            <a:r>
-              <a:rPr lang="en-US" altLang="zh-TW" sz="1800" b="0" i="0" u="none" strike="noStrike" baseline="0" dirty="0">
-                <a:latin typeface="CMMI9"/>
-              </a:rPr>
-              <a:t>parameter</a:t>
-            </a:r>
-            <a:r>
-              <a:rPr lang="zh-TW" altLang="en-US" sz="1800" b="0" i="0" u="none" strike="noStrike" baseline="0" dirty="0">
-                <a:latin typeface="CMMI9"/>
-              </a:rPr>
-              <a:t>一個</a:t>
-            </a:r>
-            <a:r>
-              <a:rPr lang="en-US" altLang="zh-TW" sz="1800" b="0" i="0" u="none" strike="noStrike" baseline="0" dirty="0">
-                <a:latin typeface="CMMI9"/>
-              </a:rPr>
-              <a:t>range</a:t>
-            </a:r>
-            <a:r>
-              <a:rPr lang="zh-TW" altLang="en-US" sz="1800" b="0" i="0" u="none" strike="noStrike" baseline="0" dirty="0">
-                <a:latin typeface="CMMI9"/>
-              </a:rPr>
-              <a:t>，接著所有參數一起跑剛剛講的</a:t>
-            </a:r>
-            <a:r>
-              <a:rPr lang="en-US" altLang="zh-TW" sz="1800" b="0" i="0" u="none" strike="noStrike" baseline="0" dirty="0">
-                <a:latin typeface="CMMI9"/>
-              </a:rPr>
-              <a:t>parameter exploration</a:t>
-            </a:r>
-          </a:p>
-          <a:p>
-            <a:pPr marL="285750" indent="-285750" algn="l">
-              <a:buFont typeface="Arial" panose="020B0604020202020204" pitchFamily="34" charset="0"/>
-              <a:buChar char="•"/>
-            </a:pPr>
-            <a:r>
-              <a:rPr lang="en-US" altLang="zh-TW" sz="1800" b="0" i="0" u="none" strike="noStrike" baseline="0" dirty="0">
-                <a:latin typeface="CMMI9"/>
-              </a:rPr>
-              <a:t>3: </a:t>
-            </a:r>
-            <a:r>
-              <a:rPr lang="zh-TW" altLang="en-US" sz="1800" b="0" i="0" u="none" strike="noStrike" baseline="0" dirty="0">
-                <a:latin typeface="CMMI9"/>
-              </a:rPr>
-              <a:t>接著會將</a:t>
-            </a:r>
-            <a:r>
-              <a:rPr lang="en-US" altLang="zh-TW" sz="1800" b="0" i="0" u="none" strike="noStrike" baseline="0" dirty="0">
-                <a:latin typeface="CMMI9"/>
-              </a:rPr>
-              <a:t>parameters</a:t>
-            </a:r>
-            <a:r>
-              <a:rPr lang="zh-TW" altLang="en-US" sz="1800" b="0" i="0" u="none" strike="noStrike" baseline="0" dirty="0">
-                <a:latin typeface="CMMI9"/>
-              </a:rPr>
-              <a:t>分組，有強相關的會分再一起</a:t>
-            </a:r>
-            <a:endParaRPr lang="en-US" altLang="zh-TW" sz="1800" b="0" i="0" u="none" strike="noStrike" baseline="0" dirty="0">
-              <a:latin typeface="CMMI9"/>
-            </a:endParaRPr>
-          </a:p>
-          <a:p>
-            <a:pPr marL="285750" indent="-285750" algn="l">
-              <a:buFont typeface="Arial" panose="020B0604020202020204" pitchFamily="34" charset="0"/>
-              <a:buChar char="•"/>
-            </a:pPr>
-            <a:r>
-              <a:rPr lang="en-US" altLang="zh-TW" sz="1800" b="0" i="0" u="none" strike="noStrike" baseline="0" dirty="0">
-                <a:latin typeface="CMMI9"/>
-              </a:rPr>
-              <a:t>6-11: </a:t>
-            </a:r>
-            <a:r>
-              <a:rPr lang="zh-TW" altLang="en-US" sz="1800" b="0" i="0" u="none" strike="noStrike" baseline="0" dirty="0">
-                <a:latin typeface="CMMI9"/>
-              </a:rPr>
-              <a:t>接著會將分組過後的進行</a:t>
-            </a:r>
-            <a:r>
-              <a:rPr lang="en-US" altLang="zh-TW" sz="1800" b="0" i="0" u="none" strike="noStrike" baseline="0" dirty="0">
-                <a:latin typeface="CMMI9"/>
-              </a:rPr>
-              <a:t>parameter exploration</a:t>
-            </a:r>
-            <a:r>
-              <a:rPr lang="zh-TW" altLang="en-US" sz="1800" b="0" i="0" u="none" strike="noStrike" baseline="0" dirty="0">
-                <a:latin typeface="CMMI9"/>
-              </a:rPr>
-              <a:t>，而不屬於該組的</a:t>
-            </a:r>
-            <a:r>
-              <a:rPr lang="en-US" altLang="zh-TW" sz="1800" b="0" i="0" u="none" strike="noStrike" baseline="0" dirty="0">
-                <a:latin typeface="CMMI9"/>
-              </a:rPr>
-              <a:t>parameters</a:t>
-            </a:r>
-            <a:r>
-              <a:rPr lang="zh-TW" altLang="en-US" sz="1800" b="0" i="0" u="none" strike="noStrike" baseline="0" dirty="0">
-                <a:latin typeface="CMMI9"/>
-              </a:rPr>
-              <a:t>的就會用他們自己</a:t>
-            </a:r>
-            <a:r>
-              <a:rPr lang="en-US" altLang="zh-TW" sz="1800" b="0" i="0" u="none" strike="noStrike" baseline="0" dirty="0">
-                <a:latin typeface="CMMI9"/>
-              </a:rPr>
-              <a:t>range</a:t>
-            </a:r>
-            <a:r>
-              <a:rPr lang="zh-TW" altLang="en-US" sz="1800" b="0" i="0" u="none" strike="noStrike" baseline="0" dirty="0">
-                <a:latin typeface="CMMI9"/>
-              </a:rPr>
-              <a:t>的中位數</a:t>
-            </a:r>
-            <a:endParaRPr lang="en-US" altLang="zh-TW" sz="1800" b="0" i="0" u="none" strike="noStrike" baseline="0" dirty="0">
-              <a:latin typeface="CMMI9"/>
-            </a:endParaRPr>
-          </a:p>
-          <a:p>
-            <a:pPr marL="285750" indent="-285750" algn="l">
-              <a:buFont typeface="Arial" panose="020B0604020202020204" pitchFamily="34" charset="0"/>
-              <a:buChar char="•"/>
-            </a:pPr>
-            <a:r>
-              <a:rPr lang="zh-TW" altLang="en-US" sz="1800" b="0" i="0" u="none" strike="noStrike" baseline="0" dirty="0">
-                <a:latin typeface="CMMI9"/>
-              </a:rPr>
-              <a:t>當全部跑完後</a:t>
-            </a:r>
-            <a:r>
-              <a:rPr lang="en-US" altLang="zh-TW" sz="1800" b="0" i="0" u="none" strike="noStrike" baseline="0" dirty="0">
-                <a:latin typeface="CMMI9"/>
-              </a:rPr>
-              <a:t>(</a:t>
-            </a:r>
-            <a:r>
-              <a:rPr lang="zh-TW" altLang="en-US" sz="1800" b="0" i="0" u="none" strike="noStrike" baseline="0" dirty="0">
-                <a:latin typeface="CMMI9"/>
-              </a:rPr>
-              <a:t>可以平行</a:t>
-            </a:r>
-            <a:r>
-              <a:rPr lang="en-US" altLang="zh-TW" sz="1800" b="0" i="0" u="none" strike="noStrike" baseline="0" dirty="0">
-                <a:latin typeface="CMMI9"/>
-              </a:rPr>
-              <a:t>)</a:t>
-            </a:r>
-            <a:r>
-              <a:rPr lang="zh-TW" altLang="en-US" sz="1800" b="0" i="0" u="none" strike="noStrike" baseline="0" dirty="0">
-                <a:latin typeface="CMMI9"/>
-              </a:rPr>
-              <a:t>就會得到所有</a:t>
-            </a:r>
-            <a:r>
-              <a:rPr lang="en-US" altLang="zh-TW" sz="1800" b="0" i="0" u="none" strike="noStrike" baseline="0" dirty="0" err="1">
-                <a:latin typeface="CMMI9"/>
-              </a:rPr>
-              <a:t>paramete</a:t>
-            </a:r>
-            <a:r>
-              <a:rPr lang="zh-TW" altLang="en-US" sz="1800" b="0" i="0" u="none" strike="noStrike" baseline="0" dirty="0">
-                <a:latin typeface="CMMI9"/>
-              </a:rPr>
-              <a:t>最後的</a:t>
-            </a:r>
-            <a:r>
-              <a:rPr lang="en-US" altLang="zh-TW" sz="1800" b="0" i="0" u="none" strike="noStrike" baseline="0" dirty="0">
-                <a:latin typeface="CMMI9"/>
-              </a:rPr>
-              <a:t>range</a:t>
-            </a:r>
-            <a:r>
-              <a:rPr lang="zh-TW" altLang="en-US" sz="1800" b="0" i="0" u="none" strike="noStrike" baseline="0" dirty="0">
-                <a:latin typeface="CMMI9"/>
-              </a:rPr>
-              <a:t>，接著該</a:t>
-            </a:r>
-            <a:r>
-              <a:rPr lang="en-US" altLang="zh-TW" sz="1800" b="0" i="0" u="none" strike="noStrike" baseline="0" dirty="0">
-                <a:latin typeface="CMMI9"/>
-              </a:rPr>
-              <a:t>parameter</a:t>
-            </a:r>
-            <a:r>
-              <a:rPr lang="zh-TW" altLang="en-US" sz="1800" b="0" i="0" u="none" strike="noStrike" baseline="0" dirty="0">
-                <a:latin typeface="CMMI9"/>
-              </a:rPr>
-              <a:t>就會用那個</a:t>
-            </a:r>
-            <a:r>
-              <a:rPr lang="en-US" altLang="zh-TW" sz="1800" b="0" i="0" u="none" strike="noStrike" baseline="0" dirty="0">
-                <a:latin typeface="CMMI9"/>
-              </a:rPr>
-              <a:t>range</a:t>
-            </a:r>
-            <a:r>
-              <a:rPr lang="zh-TW" altLang="en-US" sz="1800" b="0" i="0" u="none" strike="noStrike" baseline="0" dirty="0">
-                <a:latin typeface="CMMI9"/>
-              </a:rPr>
-              <a:t>的中位數當作最後的值</a:t>
-            </a:r>
-            <a:endParaRPr lang="en-US" altLang="zh-TW" sz="1800" b="0" i="0" u="none" strike="noStrike" baseline="0" dirty="0">
-              <a:latin typeface="CMMI9"/>
-            </a:endParaRPr>
+              <a:t>meet constraint</a:t>
+            </a:r>
           </a:p>
         </p:txBody>
       </p:sp>
@@ -5716,7 +5480,7 @@
           <a:p>
             <a:fld id="{9D457EAB-1485-47AD-BEAD-484FAEBF5A54}" type="slidenum">
               <a:rPr lang="en-US" smtClean="0"/>
-              <a:t>30</a:t>
+              <a:t>36</a:t>
             </a:fld>
             <a:endParaRPr lang="en-US"/>
           </a:p>
@@ -5726,6 +5490,906 @@
     <p:extLst>
       <p:ext uri="{BB962C8B-B14F-4D97-AF65-F5344CB8AC3E}">
         <p14:creationId xmlns:p14="http://schemas.microsoft.com/office/powerpoint/2010/main" val="2955549178"/>
+      </p:ext>
+    </p:extLst>
+  </p:cSld>
+  <p:clrMapOvr>
+    <a:masterClrMapping/>
+  </p:clrMapOvr>
+</p:notes>
+</file>
+
+<file path=ppt/notesSlides/notesSlide27.xml><?xml version="1.0" encoding="utf-8"?>
+<p:notes xmlns:a="http://schemas.openxmlformats.org/drawingml/2006/main" xmlns:r="http://schemas.openxmlformats.org/officeDocument/2006/relationships" xmlns:p="http://schemas.openxmlformats.org/presentationml/2006/main">
+  <p:cSld>
+    <p:spTree>
+      <p:nvGrpSpPr>
+        <p:cNvPr id="1" name=""/>
+        <p:cNvGrpSpPr/>
+        <p:nvPr/>
+      </p:nvGrpSpPr>
+      <p:grpSpPr>
+        <a:xfrm>
+          <a:off x="0" y="0"/>
+          <a:ext cx="0" cy="0"/>
+          <a:chOff x="0" y="0"/>
+          <a:chExt cx="0" cy="0"/>
+        </a:xfrm>
+      </p:grpSpPr>
+      <p:sp>
+        <p:nvSpPr>
+          <p:cNvPr id="2" name="投影片影像版面配置區 1"/>
+          <p:cNvSpPr>
+            <a:spLocks noGrp="1" noRot="1" noChangeAspect="1"/>
+          </p:cNvSpPr>
+          <p:nvPr>
+            <p:ph type="sldImg"/>
+          </p:nvPr>
+        </p:nvSpPr>
+        <p:spPr/>
+      </p:sp>
+      <p:sp>
+        <p:nvSpPr>
+          <p:cNvPr id="3" name="備忘稿版面配置區 2"/>
+          <p:cNvSpPr>
+            <a:spLocks noGrp="1"/>
+          </p:cNvSpPr>
+          <p:nvPr>
+            <p:ph type="body" idx="1"/>
+          </p:nvPr>
+        </p:nvSpPr>
+        <p:spPr/>
+        <p:txBody>
+          <a:bodyPr/>
+          <a:lstStyle/>
+          <a:p>
+            <a:pPr marL="285750" indent="-285750" algn="l">
+              <a:buFont typeface="Arial" panose="020B0604020202020204" pitchFamily="34" charset="0"/>
+              <a:buChar char="•"/>
+            </a:pPr>
+            <a:r>
+              <a:rPr lang="zh-TW" altLang="en-US" sz="1800" b="0" i="0" u="none" strike="noStrike" baseline="0" dirty="0">
+                <a:latin typeface="CMMI9"/>
+              </a:rPr>
+              <a:t>這個</a:t>
+            </a:r>
+            <a:r>
+              <a:rPr lang="en-US" altLang="zh-TW" sz="1800" b="0" i="0" u="none" strike="noStrike" baseline="0" dirty="0">
+                <a:latin typeface="CMMI9"/>
+              </a:rPr>
+              <a:t>algorithm3 </a:t>
+            </a:r>
+            <a:r>
+              <a:rPr lang="zh-TW" altLang="en-US" sz="1800" b="0" i="0" u="none" strike="noStrike" baseline="0" dirty="0">
+                <a:latin typeface="CMMI9"/>
+              </a:rPr>
+              <a:t>是有關於他們</a:t>
+            </a:r>
+            <a:r>
+              <a:rPr lang="en-US" altLang="zh-TW" sz="1800" b="0" i="0" u="none" strike="noStrike" baseline="0" dirty="0">
+                <a:latin typeface="CMMI9"/>
+              </a:rPr>
+              <a:t>strategy exploration</a:t>
+            </a:r>
+            <a:r>
+              <a:rPr lang="zh-TW" altLang="en-US" sz="1800" b="0" i="0" u="none" strike="noStrike" baseline="0" dirty="0">
+                <a:latin typeface="CMMI9"/>
+              </a:rPr>
+              <a:t>的計畫，包含兩個部分</a:t>
+            </a:r>
+            <a:r>
+              <a:rPr lang="en-US" altLang="zh-TW" sz="1800" b="0" i="0" u="none" strike="noStrike" baseline="0" dirty="0">
+                <a:latin typeface="CMMI9"/>
+              </a:rPr>
+              <a:t>:</a:t>
+            </a:r>
+            <a:r>
+              <a:rPr lang="zh-TW" altLang="en-US" sz="1800" b="0" i="0" u="none" strike="noStrike" baseline="0" dirty="0">
+                <a:latin typeface="CMMI9"/>
+              </a:rPr>
+              <a:t> </a:t>
+            </a:r>
+            <a:r>
+              <a:rPr lang="en-US" altLang="zh-TW" sz="1800" b="0" i="0" u="none" strike="noStrike" baseline="0" dirty="0">
+                <a:latin typeface="CMMI9"/>
+              </a:rPr>
+              <a:t>1.</a:t>
+            </a:r>
+            <a:r>
+              <a:rPr lang="zh-TW" altLang="en-US" sz="1800" b="0" i="0" u="none" strike="noStrike" baseline="0" dirty="0">
+                <a:latin typeface="CMMI9"/>
+              </a:rPr>
+              <a:t> </a:t>
+            </a:r>
+            <a:r>
+              <a:rPr lang="en-US" altLang="zh-TW" sz="1800" b="0" i="0" u="none" strike="noStrike" baseline="0" dirty="0">
+                <a:latin typeface="CMMI9"/>
+              </a:rPr>
+              <a:t>global exploration</a:t>
+            </a:r>
+            <a:r>
+              <a:rPr lang="zh-TW" altLang="en-US" sz="1800" b="0" i="0" u="none" strike="noStrike" baseline="0" dirty="0">
+                <a:latin typeface="CMMI9"/>
+              </a:rPr>
+              <a:t>跟</a:t>
+            </a:r>
+            <a:r>
+              <a:rPr lang="en-US" altLang="zh-TW" sz="1800" b="0" i="0" u="none" strike="noStrike" baseline="0" dirty="0">
+                <a:latin typeface="CMMI9"/>
+              </a:rPr>
+              <a:t>2.</a:t>
+            </a:r>
+            <a:r>
+              <a:rPr lang="zh-TW" altLang="en-US" sz="1800" b="0" i="0" u="none" strike="noStrike" baseline="0" dirty="0">
+                <a:latin typeface="CMMI9"/>
+              </a:rPr>
+              <a:t> </a:t>
+            </a:r>
+            <a:r>
+              <a:rPr lang="en-US" altLang="zh-TW" sz="1800" b="0" i="0" u="none" strike="noStrike" baseline="0" dirty="0">
+                <a:latin typeface="CMMI9"/>
+              </a:rPr>
+              <a:t>local exploration</a:t>
+            </a:r>
+          </a:p>
+          <a:p>
+            <a:pPr marL="285750" indent="-285750" algn="l">
+              <a:buFont typeface="Arial" panose="020B0604020202020204" pitchFamily="34" charset="0"/>
+              <a:buChar char="•"/>
+            </a:pPr>
+            <a:r>
+              <a:rPr lang="en-US" altLang="zh-TW" sz="1800" b="0" i="0" u="none" strike="noStrike" baseline="0" dirty="0">
+                <a:latin typeface="CMMI9"/>
+              </a:rPr>
+              <a:t>1-2 : </a:t>
+            </a:r>
+            <a:r>
+              <a:rPr lang="zh-TW" altLang="en-US" sz="1800" b="0" i="0" u="none" strike="noStrike" baseline="0" dirty="0">
+                <a:latin typeface="CMMI9"/>
+              </a:rPr>
+              <a:t>先給定所有</a:t>
+            </a:r>
+            <a:r>
+              <a:rPr lang="en-US" altLang="zh-TW" sz="1800" b="0" i="0" u="none" strike="noStrike" baseline="0" dirty="0">
+                <a:latin typeface="CMMI9"/>
+              </a:rPr>
+              <a:t>parameter</a:t>
+            </a:r>
+            <a:r>
+              <a:rPr lang="zh-TW" altLang="en-US" sz="1800" b="0" i="0" u="none" strike="noStrike" baseline="0" dirty="0">
+                <a:latin typeface="CMMI9"/>
+              </a:rPr>
+              <a:t>一個</a:t>
+            </a:r>
+            <a:r>
+              <a:rPr lang="en-US" altLang="zh-TW" sz="1800" b="0" i="0" u="none" strike="noStrike" baseline="0" dirty="0">
+                <a:latin typeface="CMMI9"/>
+              </a:rPr>
+              <a:t>range</a:t>
+            </a:r>
+            <a:r>
+              <a:rPr lang="zh-TW" altLang="en-US" sz="1800" b="0" i="0" u="none" strike="noStrike" baseline="0" dirty="0">
+                <a:latin typeface="CMMI9"/>
+              </a:rPr>
+              <a:t>，接著所有參數一起跑剛剛講的</a:t>
+            </a:r>
+            <a:r>
+              <a:rPr lang="en-US" altLang="zh-TW" sz="1800" b="0" i="0" u="none" strike="noStrike" baseline="0" dirty="0">
+                <a:latin typeface="CMMI9"/>
+              </a:rPr>
+              <a:t>parameter exploration</a:t>
+            </a:r>
+          </a:p>
+          <a:p>
+            <a:pPr marL="285750" indent="-285750" algn="l">
+              <a:buFont typeface="Arial" panose="020B0604020202020204" pitchFamily="34" charset="0"/>
+              <a:buChar char="•"/>
+            </a:pPr>
+            <a:r>
+              <a:rPr lang="en-US" altLang="zh-TW" sz="1800" b="0" i="0" u="none" strike="noStrike" baseline="0" dirty="0">
+                <a:latin typeface="CMMI9"/>
+              </a:rPr>
+              <a:t>3: </a:t>
+            </a:r>
+            <a:r>
+              <a:rPr lang="zh-TW" altLang="en-US" sz="1800" b="0" i="0" u="none" strike="noStrike" baseline="0" dirty="0">
+                <a:latin typeface="CMMI9"/>
+              </a:rPr>
+              <a:t>接著會將</a:t>
+            </a:r>
+            <a:r>
+              <a:rPr lang="en-US" altLang="zh-TW" sz="1800" b="0" i="0" u="none" strike="noStrike" baseline="0" dirty="0">
+                <a:latin typeface="CMMI9"/>
+              </a:rPr>
+              <a:t>parameters</a:t>
+            </a:r>
+            <a:r>
+              <a:rPr lang="zh-TW" altLang="en-US" sz="1800" b="0" i="0" u="none" strike="noStrike" baseline="0" dirty="0">
+                <a:latin typeface="CMMI9"/>
+              </a:rPr>
+              <a:t>分組，有強相關的會分再一起</a:t>
+            </a:r>
+            <a:endParaRPr lang="en-US" altLang="zh-TW" sz="1800" b="0" i="0" u="none" strike="noStrike" baseline="0" dirty="0">
+              <a:latin typeface="CMMI9"/>
+            </a:endParaRPr>
+          </a:p>
+          <a:p>
+            <a:pPr marL="285750" indent="-285750" algn="l">
+              <a:buFont typeface="Arial" panose="020B0604020202020204" pitchFamily="34" charset="0"/>
+              <a:buChar char="•"/>
+            </a:pPr>
+            <a:r>
+              <a:rPr lang="en-US" altLang="zh-TW" sz="1800" b="0" i="0" u="none" strike="noStrike" baseline="0" dirty="0">
+                <a:latin typeface="CMMI9"/>
+              </a:rPr>
+              <a:t>6-11: </a:t>
+            </a:r>
+            <a:r>
+              <a:rPr lang="zh-TW" altLang="en-US" sz="1800" b="0" i="0" u="none" strike="noStrike" baseline="0" dirty="0">
+                <a:latin typeface="CMMI9"/>
+              </a:rPr>
+              <a:t>接著會將分組過後的進行</a:t>
+            </a:r>
+            <a:r>
+              <a:rPr lang="en-US" altLang="zh-TW" sz="1800" b="0" i="0" u="none" strike="noStrike" baseline="0" dirty="0">
+                <a:latin typeface="CMMI9"/>
+              </a:rPr>
+              <a:t>parameter exploration</a:t>
+            </a:r>
+            <a:r>
+              <a:rPr lang="zh-TW" altLang="en-US" sz="1800" b="0" i="0" u="none" strike="noStrike" baseline="0" dirty="0">
+                <a:latin typeface="CMMI9"/>
+              </a:rPr>
+              <a:t>，而不屬於該組的</a:t>
+            </a:r>
+            <a:r>
+              <a:rPr lang="en-US" altLang="zh-TW" sz="1800" b="0" i="0" u="none" strike="noStrike" baseline="0" dirty="0">
+                <a:latin typeface="CMMI9"/>
+              </a:rPr>
+              <a:t>parameters</a:t>
+            </a:r>
+            <a:r>
+              <a:rPr lang="zh-TW" altLang="en-US" sz="1800" b="0" i="0" u="none" strike="noStrike" baseline="0" dirty="0">
+                <a:latin typeface="CMMI9"/>
+              </a:rPr>
+              <a:t>的就會用他們自己</a:t>
+            </a:r>
+            <a:r>
+              <a:rPr lang="en-US" altLang="zh-TW" sz="1800" b="0" i="0" u="none" strike="noStrike" baseline="0" dirty="0">
+                <a:latin typeface="CMMI9"/>
+              </a:rPr>
+              <a:t>range</a:t>
+            </a:r>
+            <a:r>
+              <a:rPr lang="zh-TW" altLang="en-US" sz="1800" b="0" i="0" u="none" strike="noStrike" baseline="0" dirty="0">
+                <a:latin typeface="CMMI9"/>
+              </a:rPr>
+              <a:t>的中位數</a:t>
+            </a:r>
+            <a:endParaRPr lang="en-US" altLang="zh-TW" sz="1800" b="0" i="0" u="none" strike="noStrike" baseline="0" dirty="0">
+              <a:latin typeface="CMMI9"/>
+            </a:endParaRPr>
+          </a:p>
+          <a:p>
+            <a:pPr marL="285750" indent="-285750" algn="l">
+              <a:buFont typeface="Arial" panose="020B0604020202020204" pitchFamily="34" charset="0"/>
+              <a:buChar char="•"/>
+            </a:pPr>
+            <a:r>
+              <a:rPr lang="zh-TW" altLang="en-US" sz="1800" b="0" i="0" u="none" strike="noStrike" baseline="0" dirty="0">
+                <a:latin typeface="CMMI9"/>
+              </a:rPr>
+              <a:t>當全部跑完後</a:t>
+            </a:r>
+            <a:r>
+              <a:rPr lang="en-US" altLang="zh-TW" sz="1800" b="0" i="0" u="none" strike="noStrike" baseline="0" dirty="0">
+                <a:latin typeface="CMMI9"/>
+              </a:rPr>
+              <a:t>(</a:t>
+            </a:r>
+            <a:r>
+              <a:rPr lang="zh-TW" altLang="en-US" sz="1800" b="0" i="0" u="none" strike="noStrike" baseline="0" dirty="0">
+                <a:latin typeface="CMMI9"/>
+              </a:rPr>
+              <a:t>可以平行</a:t>
+            </a:r>
+            <a:r>
+              <a:rPr lang="en-US" altLang="zh-TW" sz="1800" b="0" i="0" u="none" strike="noStrike" baseline="0" dirty="0">
+                <a:latin typeface="CMMI9"/>
+              </a:rPr>
+              <a:t>)</a:t>
+            </a:r>
+            <a:r>
+              <a:rPr lang="zh-TW" altLang="en-US" sz="1800" b="0" i="0" u="none" strike="noStrike" baseline="0" dirty="0">
+                <a:latin typeface="CMMI9"/>
+              </a:rPr>
+              <a:t>就會得到所有</a:t>
+            </a:r>
+            <a:r>
+              <a:rPr lang="en-US" altLang="zh-TW" sz="1800" b="0" i="0" u="none" strike="noStrike" baseline="0" dirty="0" err="1">
+                <a:latin typeface="CMMI9"/>
+              </a:rPr>
+              <a:t>paramete</a:t>
+            </a:r>
+            <a:r>
+              <a:rPr lang="zh-TW" altLang="en-US" sz="1800" b="0" i="0" u="none" strike="noStrike" baseline="0" dirty="0">
+                <a:latin typeface="CMMI9"/>
+              </a:rPr>
+              <a:t>最後的</a:t>
+            </a:r>
+            <a:r>
+              <a:rPr lang="en-US" altLang="zh-TW" sz="1800" b="0" i="0" u="none" strike="noStrike" baseline="0" dirty="0">
+                <a:latin typeface="CMMI9"/>
+              </a:rPr>
+              <a:t>range</a:t>
+            </a:r>
+            <a:r>
+              <a:rPr lang="zh-TW" altLang="en-US" sz="1800" b="0" i="0" u="none" strike="noStrike" baseline="0" dirty="0">
+                <a:latin typeface="CMMI9"/>
+              </a:rPr>
+              <a:t>，接著該</a:t>
+            </a:r>
+            <a:r>
+              <a:rPr lang="en-US" altLang="zh-TW" sz="1800" b="0" i="0" u="none" strike="noStrike" baseline="0" dirty="0">
+                <a:latin typeface="CMMI9"/>
+              </a:rPr>
+              <a:t>parameter</a:t>
+            </a:r>
+            <a:r>
+              <a:rPr lang="zh-TW" altLang="en-US" sz="1800" b="0" i="0" u="none" strike="noStrike" baseline="0" dirty="0">
+                <a:latin typeface="CMMI9"/>
+              </a:rPr>
+              <a:t>就會用那個</a:t>
+            </a:r>
+            <a:r>
+              <a:rPr lang="en-US" altLang="zh-TW" sz="1800" b="0" i="0" u="none" strike="noStrike" baseline="0" dirty="0">
+                <a:latin typeface="CMMI9"/>
+              </a:rPr>
+              <a:t>range</a:t>
+            </a:r>
+            <a:r>
+              <a:rPr lang="zh-TW" altLang="en-US" sz="1800" b="0" i="0" u="none" strike="noStrike" baseline="0" dirty="0">
+                <a:latin typeface="CMMI9"/>
+              </a:rPr>
+              <a:t>的中位數當作最後的值</a:t>
+            </a:r>
+            <a:endParaRPr lang="en-US" altLang="zh-TW" sz="1800" b="0" i="0" u="none" strike="noStrike" baseline="0" dirty="0">
+              <a:latin typeface="CMMI9"/>
+            </a:endParaRPr>
+          </a:p>
+        </p:txBody>
+      </p:sp>
+      <p:sp>
+        <p:nvSpPr>
+          <p:cNvPr id="4" name="投影片編號版面配置區 3"/>
+          <p:cNvSpPr>
+            <a:spLocks noGrp="1"/>
+          </p:cNvSpPr>
+          <p:nvPr>
+            <p:ph type="sldNum" sz="quarter" idx="5"/>
+          </p:nvPr>
+        </p:nvSpPr>
+        <p:spPr/>
+        <p:txBody>
+          <a:bodyPr/>
+          <a:lstStyle/>
+          <a:p>
+            <a:fld id="{9D457EAB-1485-47AD-BEAD-484FAEBF5A54}" type="slidenum">
+              <a:rPr lang="en-US" smtClean="0"/>
+              <a:t>37</a:t>
+            </a:fld>
+            <a:endParaRPr lang="en-US"/>
+          </a:p>
+        </p:txBody>
+      </p:sp>
+    </p:spTree>
+    <p:extLst>
+      <p:ext uri="{BB962C8B-B14F-4D97-AF65-F5344CB8AC3E}">
+        <p14:creationId xmlns:p14="http://schemas.microsoft.com/office/powerpoint/2010/main" val="2649608125"/>
+      </p:ext>
+    </p:extLst>
+  </p:cSld>
+  <p:clrMapOvr>
+    <a:masterClrMapping/>
+  </p:clrMapOvr>
+</p:notes>
+</file>
+
+<file path=ppt/notesSlides/notesSlide28.xml><?xml version="1.0" encoding="utf-8"?>
+<p:notes xmlns:a="http://schemas.openxmlformats.org/drawingml/2006/main" xmlns:r="http://schemas.openxmlformats.org/officeDocument/2006/relationships" xmlns:p="http://schemas.openxmlformats.org/presentationml/2006/main">
+  <p:cSld>
+    <p:spTree>
+      <p:nvGrpSpPr>
+        <p:cNvPr id="1" name=""/>
+        <p:cNvGrpSpPr/>
+        <p:nvPr/>
+      </p:nvGrpSpPr>
+      <p:grpSpPr>
+        <a:xfrm>
+          <a:off x="0" y="0"/>
+          <a:ext cx="0" cy="0"/>
+          <a:chOff x="0" y="0"/>
+          <a:chExt cx="0" cy="0"/>
+        </a:xfrm>
+      </p:grpSpPr>
+      <p:sp>
+        <p:nvSpPr>
+          <p:cNvPr id="2" name="投影片影像版面配置區 1"/>
+          <p:cNvSpPr>
+            <a:spLocks noGrp="1" noRot="1" noChangeAspect="1"/>
+          </p:cNvSpPr>
+          <p:nvPr>
+            <p:ph type="sldImg"/>
+          </p:nvPr>
+        </p:nvSpPr>
+        <p:spPr/>
+      </p:sp>
+      <p:sp>
+        <p:nvSpPr>
+          <p:cNvPr id="3" name="備忘稿版面配置區 2"/>
+          <p:cNvSpPr>
+            <a:spLocks noGrp="1"/>
+          </p:cNvSpPr>
+          <p:nvPr>
+            <p:ph type="body" idx="1"/>
+          </p:nvPr>
+        </p:nvSpPr>
+        <p:spPr/>
+        <p:txBody>
+          <a:bodyPr/>
+          <a:lstStyle/>
+          <a:p>
+            <a:pPr marL="285750" indent="-285750" algn="l">
+              <a:buFont typeface="Arial" panose="020B0604020202020204" pitchFamily="34" charset="0"/>
+              <a:buChar char="•"/>
+            </a:pPr>
+            <a:r>
+              <a:rPr lang="zh-TW" altLang="en-US" sz="1800" b="0" i="0" u="none" strike="noStrike" baseline="0" dirty="0">
+                <a:latin typeface="CMMI9"/>
+              </a:rPr>
+              <a:t>這個</a:t>
+            </a:r>
+            <a:r>
+              <a:rPr lang="en-US" altLang="zh-TW" sz="1800" b="0" i="0" u="none" strike="noStrike" baseline="0" dirty="0">
+                <a:latin typeface="CMMI9"/>
+              </a:rPr>
+              <a:t>algorithm3 </a:t>
+            </a:r>
+            <a:r>
+              <a:rPr lang="zh-TW" altLang="en-US" sz="1800" b="0" i="0" u="none" strike="noStrike" baseline="0" dirty="0">
+                <a:latin typeface="CMMI9"/>
+              </a:rPr>
+              <a:t>是有關於他們</a:t>
+            </a:r>
+            <a:r>
+              <a:rPr lang="en-US" altLang="zh-TW" sz="1800" b="0" i="0" u="none" strike="noStrike" baseline="0" dirty="0">
+                <a:latin typeface="CMMI9"/>
+              </a:rPr>
+              <a:t>strategy exploration</a:t>
+            </a:r>
+            <a:r>
+              <a:rPr lang="zh-TW" altLang="en-US" sz="1800" b="0" i="0" u="none" strike="noStrike" baseline="0" dirty="0">
+                <a:latin typeface="CMMI9"/>
+              </a:rPr>
+              <a:t>的計畫，包含兩個部分</a:t>
+            </a:r>
+            <a:r>
+              <a:rPr lang="en-US" altLang="zh-TW" sz="1800" b="0" i="0" u="none" strike="noStrike" baseline="0" dirty="0">
+                <a:latin typeface="CMMI9"/>
+              </a:rPr>
+              <a:t>:</a:t>
+            </a:r>
+            <a:r>
+              <a:rPr lang="zh-TW" altLang="en-US" sz="1800" b="0" i="0" u="none" strike="noStrike" baseline="0" dirty="0">
+                <a:latin typeface="CMMI9"/>
+              </a:rPr>
+              <a:t> </a:t>
+            </a:r>
+            <a:r>
+              <a:rPr lang="en-US" altLang="zh-TW" sz="1800" b="0" i="0" u="none" strike="noStrike" baseline="0" dirty="0">
+                <a:latin typeface="CMMI9"/>
+              </a:rPr>
+              <a:t>1.</a:t>
+            </a:r>
+            <a:r>
+              <a:rPr lang="zh-TW" altLang="en-US" sz="1800" b="0" i="0" u="none" strike="noStrike" baseline="0" dirty="0">
+                <a:latin typeface="CMMI9"/>
+              </a:rPr>
+              <a:t> </a:t>
+            </a:r>
+            <a:r>
+              <a:rPr lang="en-US" altLang="zh-TW" sz="1800" b="0" i="0" u="none" strike="noStrike" baseline="0" dirty="0">
+                <a:latin typeface="CMMI9"/>
+              </a:rPr>
+              <a:t>global exploration</a:t>
+            </a:r>
+            <a:r>
+              <a:rPr lang="zh-TW" altLang="en-US" sz="1800" b="0" i="0" u="none" strike="noStrike" baseline="0" dirty="0">
+                <a:latin typeface="CMMI9"/>
+              </a:rPr>
+              <a:t>跟</a:t>
+            </a:r>
+            <a:r>
+              <a:rPr lang="en-US" altLang="zh-TW" sz="1800" b="0" i="0" u="none" strike="noStrike" baseline="0" dirty="0">
+                <a:latin typeface="CMMI9"/>
+              </a:rPr>
+              <a:t>2.</a:t>
+            </a:r>
+            <a:r>
+              <a:rPr lang="zh-TW" altLang="en-US" sz="1800" b="0" i="0" u="none" strike="noStrike" baseline="0" dirty="0">
+                <a:latin typeface="CMMI9"/>
+              </a:rPr>
+              <a:t> </a:t>
+            </a:r>
+            <a:r>
+              <a:rPr lang="en-US" altLang="zh-TW" sz="1800" b="0" i="0" u="none" strike="noStrike" baseline="0" dirty="0">
+                <a:latin typeface="CMMI9"/>
+              </a:rPr>
+              <a:t>local exploration</a:t>
+            </a:r>
+          </a:p>
+          <a:p>
+            <a:pPr marL="285750" indent="-285750" algn="l">
+              <a:buFont typeface="Arial" panose="020B0604020202020204" pitchFamily="34" charset="0"/>
+              <a:buChar char="•"/>
+            </a:pPr>
+            <a:r>
+              <a:rPr lang="en-US" altLang="zh-TW" sz="1800" b="0" i="0" u="none" strike="noStrike" baseline="0" dirty="0">
+                <a:latin typeface="CMMI9"/>
+              </a:rPr>
+              <a:t>1-2 : </a:t>
+            </a:r>
+            <a:r>
+              <a:rPr lang="zh-TW" altLang="en-US" sz="1800" b="0" i="0" u="none" strike="noStrike" baseline="0" dirty="0">
+                <a:latin typeface="CMMI9"/>
+              </a:rPr>
+              <a:t>先給定所有</a:t>
+            </a:r>
+            <a:r>
+              <a:rPr lang="en-US" altLang="zh-TW" sz="1800" b="0" i="0" u="none" strike="noStrike" baseline="0" dirty="0">
+                <a:latin typeface="CMMI9"/>
+              </a:rPr>
+              <a:t>parameter</a:t>
+            </a:r>
+            <a:r>
+              <a:rPr lang="zh-TW" altLang="en-US" sz="1800" b="0" i="0" u="none" strike="noStrike" baseline="0" dirty="0">
+                <a:latin typeface="CMMI9"/>
+              </a:rPr>
+              <a:t>一個</a:t>
+            </a:r>
+            <a:r>
+              <a:rPr lang="en-US" altLang="zh-TW" sz="1800" b="0" i="0" u="none" strike="noStrike" baseline="0" dirty="0">
+                <a:latin typeface="CMMI9"/>
+              </a:rPr>
+              <a:t>range</a:t>
+            </a:r>
+            <a:r>
+              <a:rPr lang="zh-TW" altLang="en-US" sz="1800" b="0" i="0" u="none" strike="noStrike" baseline="0" dirty="0">
+                <a:latin typeface="CMMI9"/>
+              </a:rPr>
+              <a:t>，接著所有參數一起跑剛剛講的</a:t>
+            </a:r>
+            <a:r>
+              <a:rPr lang="en-US" altLang="zh-TW" sz="1800" b="0" i="0" u="none" strike="noStrike" baseline="0" dirty="0">
+                <a:latin typeface="CMMI9"/>
+              </a:rPr>
+              <a:t>parameter exploration</a:t>
+            </a:r>
+          </a:p>
+          <a:p>
+            <a:pPr marL="285750" indent="-285750" algn="l">
+              <a:buFont typeface="Arial" panose="020B0604020202020204" pitchFamily="34" charset="0"/>
+              <a:buChar char="•"/>
+            </a:pPr>
+            <a:r>
+              <a:rPr lang="en-US" altLang="zh-TW" sz="1800" b="0" i="0" u="none" strike="noStrike" baseline="0" dirty="0">
+                <a:latin typeface="CMMI9"/>
+              </a:rPr>
+              <a:t>3: </a:t>
+            </a:r>
+            <a:r>
+              <a:rPr lang="zh-TW" altLang="en-US" sz="1800" b="0" i="0" u="none" strike="noStrike" baseline="0" dirty="0">
+                <a:latin typeface="CMMI9"/>
+              </a:rPr>
+              <a:t>接著會將</a:t>
+            </a:r>
+            <a:r>
+              <a:rPr lang="en-US" altLang="zh-TW" sz="1800" b="0" i="0" u="none" strike="noStrike" baseline="0" dirty="0">
+                <a:latin typeface="CMMI9"/>
+              </a:rPr>
+              <a:t>parameters</a:t>
+            </a:r>
+            <a:r>
+              <a:rPr lang="zh-TW" altLang="en-US" sz="1800" b="0" i="0" u="none" strike="noStrike" baseline="0" dirty="0">
+                <a:latin typeface="CMMI9"/>
+              </a:rPr>
+              <a:t>分組，有強相關的會分再一起</a:t>
+            </a:r>
+            <a:endParaRPr lang="en-US" altLang="zh-TW" sz="1800" b="0" i="0" u="none" strike="noStrike" baseline="0" dirty="0">
+              <a:latin typeface="CMMI9"/>
+            </a:endParaRPr>
+          </a:p>
+          <a:p>
+            <a:pPr marL="285750" indent="-285750" algn="l">
+              <a:buFont typeface="Arial" panose="020B0604020202020204" pitchFamily="34" charset="0"/>
+              <a:buChar char="•"/>
+            </a:pPr>
+            <a:r>
+              <a:rPr lang="en-US" altLang="zh-TW" sz="1800" b="0" i="0" u="none" strike="noStrike" baseline="0" dirty="0">
+                <a:latin typeface="CMMI9"/>
+              </a:rPr>
+              <a:t>6-11: </a:t>
+            </a:r>
+            <a:r>
+              <a:rPr lang="zh-TW" altLang="en-US" sz="1800" b="0" i="0" u="none" strike="noStrike" baseline="0" dirty="0">
+                <a:latin typeface="CMMI9"/>
+              </a:rPr>
+              <a:t>接著會將分組過後的進行</a:t>
+            </a:r>
+            <a:r>
+              <a:rPr lang="en-US" altLang="zh-TW" sz="1800" b="0" i="0" u="none" strike="noStrike" baseline="0" dirty="0">
+                <a:latin typeface="CMMI9"/>
+              </a:rPr>
+              <a:t>parameter exploration</a:t>
+            </a:r>
+            <a:r>
+              <a:rPr lang="zh-TW" altLang="en-US" sz="1800" b="0" i="0" u="none" strike="noStrike" baseline="0" dirty="0">
+                <a:latin typeface="CMMI9"/>
+              </a:rPr>
+              <a:t>，而不屬於該組的</a:t>
+            </a:r>
+            <a:r>
+              <a:rPr lang="en-US" altLang="zh-TW" sz="1800" b="0" i="0" u="none" strike="noStrike" baseline="0" dirty="0">
+                <a:latin typeface="CMMI9"/>
+              </a:rPr>
+              <a:t>parameters</a:t>
+            </a:r>
+            <a:r>
+              <a:rPr lang="zh-TW" altLang="en-US" sz="1800" b="0" i="0" u="none" strike="noStrike" baseline="0" dirty="0">
+                <a:latin typeface="CMMI9"/>
+              </a:rPr>
+              <a:t>的就會用他們自己</a:t>
+            </a:r>
+            <a:r>
+              <a:rPr lang="en-US" altLang="zh-TW" sz="1800" b="0" i="0" u="none" strike="noStrike" baseline="0" dirty="0">
+                <a:latin typeface="CMMI9"/>
+              </a:rPr>
+              <a:t>range</a:t>
+            </a:r>
+            <a:r>
+              <a:rPr lang="zh-TW" altLang="en-US" sz="1800" b="0" i="0" u="none" strike="noStrike" baseline="0" dirty="0">
+                <a:latin typeface="CMMI9"/>
+              </a:rPr>
+              <a:t>的中位數</a:t>
+            </a:r>
+            <a:endParaRPr lang="en-US" altLang="zh-TW" sz="1800" b="0" i="0" u="none" strike="noStrike" baseline="0" dirty="0">
+              <a:latin typeface="CMMI9"/>
+            </a:endParaRPr>
+          </a:p>
+          <a:p>
+            <a:pPr marL="285750" indent="-285750" algn="l">
+              <a:buFont typeface="Arial" panose="020B0604020202020204" pitchFamily="34" charset="0"/>
+              <a:buChar char="•"/>
+            </a:pPr>
+            <a:r>
+              <a:rPr lang="zh-TW" altLang="en-US" sz="1800" b="0" i="0" u="none" strike="noStrike" baseline="0" dirty="0">
+                <a:latin typeface="CMMI9"/>
+              </a:rPr>
+              <a:t>當全部跑完後</a:t>
+            </a:r>
+            <a:r>
+              <a:rPr lang="en-US" altLang="zh-TW" sz="1800" b="0" i="0" u="none" strike="noStrike" baseline="0" dirty="0">
+                <a:latin typeface="CMMI9"/>
+              </a:rPr>
+              <a:t>(</a:t>
+            </a:r>
+            <a:r>
+              <a:rPr lang="zh-TW" altLang="en-US" sz="1800" b="0" i="0" u="none" strike="noStrike" baseline="0" dirty="0">
+                <a:latin typeface="CMMI9"/>
+              </a:rPr>
+              <a:t>可以平行</a:t>
+            </a:r>
+            <a:r>
+              <a:rPr lang="en-US" altLang="zh-TW" sz="1800" b="0" i="0" u="none" strike="noStrike" baseline="0" dirty="0">
+                <a:latin typeface="CMMI9"/>
+              </a:rPr>
+              <a:t>)</a:t>
+            </a:r>
+            <a:r>
+              <a:rPr lang="zh-TW" altLang="en-US" sz="1800" b="0" i="0" u="none" strike="noStrike" baseline="0" dirty="0">
+                <a:latin typeface="CMMI9"/>
+              </a:rPr>
+              <a:t>就會得到所有</a:t>
+            </a:r>
+            <a:r>
+              <a:rPr lang="en-US" altLang="zh-TW" sz="1800" b="0" i="0" u="none" strike="noStrike" baseline="0" dirty="0" err="1">
+                <a:latin typeface="CMMI9"/>
+              </a:rPr>
+              <a:t>paramete</a:t>
+            </a:r>
+            <a:r>
+              <a:rPr lang="zh-TW" altLang="en-US" sz="1800" b="0" i="0" u="none" strike="noStrike" baseline="0" dirty="0">
+                <a:latin typeface="CMMI9"/>
+              </a:rPr>
+              <a:t>最後的</a:t>
+            </a:r>
+            <a:r>
+              <a:rPr lang="en-US" altLang="zh-TW" sz="1800" b="0" i="0" u="none" strike="noStrike" baseline="0" dirty="0">
+                <a:latin typeface="CMMI9"/>
+              </a:rPr>
+              <a:t>range</a:t>
+            </a:r>
+            <a:r>
+              <a:rPr lang="zh-TW" altLang="en-US" sz="1800" b="0" i="0" u="none" strike="noStrike" baseline="0" dirty="0">
+                <a:latin typeface="CMMI9"/>
+              </a:rPr>
+              <a:t>，接著該</a:t>
+            </a:r>
+            <a:r>
+              <a:rPr lang="en-US" altLang="zh-TW" sz="1800" b="0" i="0" u="none" strike="noStrike" baseline="0" dirty="0">
+                <a:latin typeface="CMMI9"/>
+              </a:rPr>
+              <a:t>parameter</a:t>
+            </a:r>
+            <a:r>
+              <a:rPr lang="zh-TW" altLang="en-US" sz="1800" b="0" i="0" u="none" strike="noStrike" baseline="0" dirty="0">
+                <a:latin typeface="CMMI9"/>
+              </a:rPr>
+              <a:t>就會用那個</a:t>
+            </a:r>
+            <a:r>
+              <a:rPr lang="en-US" altLang="zh-TW" sz="1800" b="0" i="0" u="none" strike="noStrike" baseline="0" dirty="0">
+                <a:latin typeface="CMMI9"/>
+              </a:rPr>
+              <a:t>range</a:t>
+            </a:r>
+            <a:r>
+              <a:rPr lang="zh-TW" altLang="en-US" sz="1800" b="0" i="0" u="none" strike="noStrike" baseline="0" dirty="0">
+                <a:latin typeface="CMMI9"/>
+              </a:rPr>
+              <a:t>的中位數當作最後的值</a:t>
+            </a:r>
+            <a:endParaRPr lang="en-US" altLang="zh-TW" sz="1800" b="0" i="0" u="none" strike="noStrike" baseline="0" dirty="0">
+              <a:latin typeface="CMMI9"/>
+            </a:endParaRPr>
+          </a:p>
+        </p:txBody>
+      </p:sp>
+      <p:sp>
+        <p:nvSpPr>
+          <p:cNvPr id="4" name="投影片編號版面配置區 3"/>
+          <p:cNvSpPr>
+            <a:spLocks noGrp="1"/>
+          </p:cNvSpPr>
+          <p:nvPr>
+            <p:ph type="sldNum" sz="quarter" idx="5"/>
+          </p:nvPr>
+        </p:nvSpPr>
+        <p:spPr/>
+        <p:txBody>
+          <a:bodyPr/>
+          <a:lstStyle/>
+          <a:p>
+            <a:fld id="{9D457EAB-1485-47AD-BEAD-484FAEBF5A54}" type="slidenum">
+              <a:rPr lang="en-US" smtClean="0"/>
+              <a:t>39</a:t>
+            </a:fld>
+            <a:endParaRPr lang="en-US"/>
+          </a:p>
+        </p:txBody>
+      </p:sp>
+    </p:spTree>
+    <p:extLst>
+      <p:ext uri="{BB962C8B-B14F-4D97-AF65-F5344CB8AC3E}">
+        <p14:creationId xmlns:p14="http://schemas.microsoft.com/office/powerpoint/2010/main" val="1166749740"/>
+      </p:ext>
+    </p:extLst>
+  </p:cSld>
+  <p:clrMapOvr>
+    <a:masterClrMapping/>
+  </p:clrMapOvr>
+</p:notes>
+</file>
+
+<file path=ppt/notesSlides/notesSlide29.xml><?xml version="1.0" encoding="utf-8"?>
+<p:notes xmlns:a="http://schemas.openxmlformats.org/drawingml/2006/main" xmlns:r="http://schemas.openxmlformats.org/officeDocument/2006/relationships" xmlns:p="http://schemas.openxmlformats.org/presentationml/2006/main">
+  <p:cSld>
+    <p:spTree>
+      <p:nvGrpSpPr>
+        <p:cNvPr id="1" name=""/>
+        <p:cNvGrpSpPr/>
+        <p:nvPr/>
+      </p:nvGrpSpPr>
+      <p:grpSpPr>
+        <a:xfrm>
+          <a:off x="0" y="0"/>
+          <a:ext cx="0" cy="0"/>
+          <a:chOff x="0" y="0"/>
+          <a:chExt cx="0" cy="0"/>
+        </a:xfrm>
+      </p:grpSpPr>
+      <p:sp>
+        <p:nvSpPr>
+          <p:cNvPr id="2" name="投影片影像版面配置區 1"/>
+          <p:cNvSpPr>
+            <a:spLocks noGrp="1" noRot="1" noChangeAspect="1"/>
+          </p:cNvSpPr>
+          <p:nvPr>
+            <p:ph type="sldImg"/>
+          </p:nvPr>
+        </p:nvSpPr>
+        <p:spPr/>
+      </p:sp>
+      <p:sp>
+        <p:nvSpPr>
+          <p:cNvPr id="3" name="備忘稿版面配置區 2"/>
+          <p:cNvSpPr>
+            <a:spLocks noGrp="1"/>
+          </p:cNvSpPr>
+          <p:nvPr>
+            <p:ph type="body" idx="1"/>
+          </p:nvPr>
+        </p:nvSpPr>
+        <p:spPr/>
+        <p:txBody>
+          <a:bodyPr/>
+          <a:lstStyle/>
+          <a:p>
+            <a:pPr marL="285750" indent="-285750" algn="l">
+              <a:buFont typeface="Arial" panose="020B0604020202020204" pitchFamily="34" charset="0"/>
+              <a:buChar char="•"/>
+            </a:pPr>
+            <a:r>
+              <a:rPr lang="zh-TW" altLang="en-US" sz="1800" b="0" i="0" u="none" strike="noStrike" baseline="0" dirty="0">
+                <a:latin typeface="CMMI9"/>
+              </a:rPr>
+              <a:t>因為</a:t>
+            </a:r>
+            <a:r>
+              <a:rPr lang="en-US" altLang="zh-TW" sz="1800" b="0" i="0" u="none" strike="noStrike" baseline="0" dirty="0">
+                <a:latin typeface="CMMI9"/>
+              </a:rPr>
+              <a:t>1%-2%</a:t>
+            </a:r>
+            <a:r>
+              <a:rPr lang="zh-TW" altLang="en-US" sz="1800" b="0" i="0" u="none" strike="noStrike" baseline="0" dirty="0">
+                <a:latin typeface="CMMI9"/>
+              </a:rPr>
+              <a:t>在後續的優化可以修掉</a:t>
+            </a:r>
+            <a:endParaRPr lang="en-US" altLang="zh-TW" sz="1800" b="0" i="0" u="none" strike="noStrike" baseline="0" dirty="0">
+              <a:latin typeface="CMMI9"/>
+            </a:endParaRPr>
+          </a:p>
+        </p:txBody>
+      </p:sp>
+      <p:sp>
+        <p:nvSpPr>
+          <p:cNvPr id="4" name="投影片編號版面配置區 3"/>
+          <p:cNvSpPr>
+            <a:spLocks noGrp="1"/>
+          </p:cNvSpPr>
+          <p:nvPr>
+            <p:ph type="sldNum" sz="quarter" idx="5"/>
+          </p:nvPr>
+        </p:nvSpPr>
+        <p:spPr/>
+        <p:txBody>
+          <a:bodyPr/>
+          <a:lstStyle/>
+          <a:p>
+            <a:fld id="{9D457EAB-1485-47AD-BEAD-484FAEBF5A54}" type="slidenum">
+              <a:rPr lang="en-US" smtClean="0"/>
+              <a:t>40</a:t>
+            </a:fld>
+            <a:endParaRPr lang="en-US"/>
+          </a:p>
+        </p:txBody>
+      </p:sp>
+    </p:spTree>
+    <p:extLst>
+      <p:ext uri="{BB962C8B-B14F-4D97-AF65-F5344CB8AC3E}">
+        <p14:creationId xmlns:p14="http://schemas.microsoft.com/office/powerpoint/2010/main" val="1165397428"/>
       </p:ext>
     </p:extLst>
   </p:cSld>
@@ -5832,6 +6496,588 @@
     <p:extLst>
       <p:ext uri="{BB962C8B-B14F-4D97-AF65-F5344CB8AC3E}">
         <p14:creationId xmlns:p14="http://schemas.microsoft.com/office/powerpoint/2010/main" val="1221076406"/>
+      </p:ext>
+    </p:extLst>
+  </p:cSld>
+  <p:clrMapOvr>
+    <a:masterClrMapping/>
+  </p:clrMapOvr>
+</p:notes>
+</file>
+
+<file path=ppt/notesSlides/notesSlide30.xml><?xml version="1.0" encoding="utf-8"?>
+<p:notes xmlns:a="http://schemas.openxmlformats.org/drawingml/2006/main" xmlns:r="http://schemas.openxmlformats.org/officeDocument/2006/relationships" xmlns:p="http://schemas.openxmlformats.org/presentationml/2006/main">
+  <p:cSld>
+    <p:spTree>
+      <p:nvGrpSpPr>
+        <p:cNvPr id="1" name=""/>
+        <p:cNvGrpSpPr/>
+        <p:nvPr/>
+      </p:nvGrpSpPr>
+      <p:grpSpPr>
+        <a:xfrm>
+          <a:off x="0" y="0"/>
+          <a:ext cx="0" cy="0"/>
+          <a:chOff x="0" y="0"/>
+          <a:chExt cx="0" cy="0"/>
+        </a:xfrm>
+      </p:grpSpPr>
+      <p:sp>
+        <p:nvSpPr>
+          <p:cNvPr id="2" name="投影片影像版面配置區 1"/>
+          <p:cNvSpPr>
+            <a:spLocks noGrp="1" noRot="1" noChangeAspect="1"/>
+          </p:cNvSpPr>
+          <p:nvPr>
+            <p:ph type="sldImg"/>
+          </p:nvPr>
+        </p:nvSpPr>
+        <p:spPr/>
+      </p:sp>
+      <p:sp>
+        <p:nvSpPr>
+          <p:cNvPr id="3" name="備忘稿版面配置區 2"/>
+          <p:cNvSpPr>
+            <a:spLocks noGrp="1"/>
+          </p:cNvSpPr>
+          <p:nvPr>
+            <p:ph type="body" idx="1"/>
+          </p:nvPr>
+        </p:nvSpPr>
+        <p:spPr/>
+        <p:txBody>
+          <a:bodyPr/>
+          <a:lstStyle/>
+          <a:p>
+            <a:pPr marL="285750" indent="-285750" algn="l">
+              <a:buFont typeface="Arial" panose="020B0604020202020204" pitchFamily="34" charset="0"/>
+              <a:buChar char="•"/>
+            </a:pPr>
+            <a:r>
+              <a:rPr lang="zh-TW" altLang="en-US" sz="1800" b="0" i="0" u="none" strike="noStrike" baseline="0" dirty="0">
+                <a:latin typeface="CMMI9"/>
+              </a:rPr>
+              <a:t>這個</a:t>
+            </a:r>
+            <a:r>
+              <a:rPr lang="en-US" altLang="zh-TW" sz="1800" b="0" i="0" u="none" strike="noStrike" baseline="0" dirty="0">
+                <a:latin typeface="CMMI9"/>
+              </a:rPr>
+              <a:t>algorithm3 </a:t>
+            </a:r>
+            <a:r>
+              <a:rPr lang="zh-TW" altLang="en-US" sz="1800" b="0" i="0" u="none" strike="noStrike" baseline="0" dirty="0">
+                <a:latin typeface="CMMI9"/>
+              </a:rPr>
+              <a:t>是有關於他們</a:t>
+            </a:r>
+            <a:r>
+              <a:rPr lang="en-US" altLang="zh-TW" sz="1800" b="0" i="0" u="none" strike="noStrike" baseline="0" dirty="0">
+                <a:latin typeface="CMMI9"/>
+              </a:rPr>
+              <a:t>strategy exploration</a:t>
+            </a:r>
+            <a:r>
+              <a:rPr lang="zh-TW" altLang="en-US" sz="1800" b="0" i="0" u="none" strike="noStrike" baseline="0" dirty="0">
+                <a:latin typeface="CMMI9"/>
+              </a:rPr>
+              <a:t>的計畫，包含兩個部分</a:t>
+            </a:r>
+            <a:r>
+              <a:rPr lang="en-US" altLang="zh-TW" sz="1800" b="0" i="0" u="none" strike="noStrike" baseline="0" dirty="0">
+                <a:latin typeface="CMMI9"/>
+              </a:rPr>
+              <a:t>:</a:t>
+            </a:r>
+            <a:r>
+              <a:rPr lang="zh-TW" altLang="en-US" sz="1800" b="0" i="0" u="none" strike="noStrike" baseline="0" dirty="0">
+                <a:latin typeface="CMMI9"/>
+              </a:rPr>
+              <a:t> </a:t>
+            </a:r>
+            <a:r>
+              <a:rPr lang="en-US" altLang="zh-TW" sz="1800" b="0" i="0" u="none" strike="noStrike" baseline="0" dirty="0">
+                <a:latin typeface="CMMI9"/>
+              </a:rPr>
+              <a:t>1.</a:t>
+            </a:r>
+            <a:r>
+              <a:rPr lang="zh-TW" altLang="en-US" sz="1800" b="0" i="0" u="none" strike="noStrike" baseline="0" dirty="0">
+                <a:latin typeface="CMMI9"/>
+              </a:rPr>
+              <a:t> </a:t>
+            </a:r>
+            <a:r>
+              <a:rPr lang="en-US" altLang="zh-TW" sz="1800" b="0" i="0" u="none" strike="noStrike" baseline="0" dirty="0">
+                <a:latin typeface="CMMI9"/>
+              </a:rPr>
+              <a:t>global exploration</a:t>
+            </a:r>
+            <a:r>
+              <a:rPr lang="zh-TW" altLang="en-US" sz="1800" b="0" i="0" u="none" strike="noStrike" baseline="0" dirty="0">
+                <a:latin typeface="CMMI9"/>
+              </a:rPr>
+              <a:t>跟</a:t>
+            </a:r>
+            <a:r>
+              <a:rPr lang="en-US" altLang="zh-TW" sz="1800" b="0" i="0" u="none" strike="noStrike" baseline="0" dirty="0">
+                <a:latin typeface="CMMI9"/>
+              </a:rPr>
+              <a:t>2.</a:t>
+            </a:r>
+            <a:r>
+              <a:rPr lang="zh-TW" altLang="en-US" sz="1800" b="0" i="0" u="none" strike="noStrike" baseline="0" dirty="0">
+                <a:latin typeface="CMMI9"/>
+              </a:rPr>
+              <a:t> </a:t>
+            </a:r>
+            <a:r>
+              <a:rPr lang="en-US" altLang="zh-TW" sz="1800" b="0" i="0" u="none" strike="noStrike" baseline="0" dirty="0">
+                <a:latin typeface="CMMI9"/>
+              </a:rPr>
+              <a:t>local exploration</a:t>
+            </a:r>
+          </a:p>
+          <a:p>
+            <a:pPr marL="285750" indent="-285750" algn="l">
+              <a:buFont typeface="Arial" panose="020B0604020202020204" pitchFamily="34" charset="0"/>
+              <a:buChar char="•"/>
+            </a:pPr>
+            <a:r>
+              <a:rPr lang="en-US" altLang="zh-TW" sz="1800" b="0" i="0" u="none" strike="noStrike" baseline="0" dirty="0">
+                <a:latin typeface="CMMI9"/>
+              </a:rPr>
+              <a:t>1-2 : </a:t>
+            </a:r>
+            <a:r>
+              <a:rPr lang="zh-TW" altLang="en-US" sz="1800" b="0" i="0" u="none" strike="noStrike" baseline="0" dirty="0">
+                <a:latin typeface="CMMI9"/>
+              </a:rPr>
+              <a:t>先給定所有</a:t>
+            </a:r>
+            <a:r>
+              <a:rPr lang="en-US" altLang="zh-TW" sz="1800" b="0" i="0" u="none" strike="noStrike" baseline="0" dirty="0">
+                <a:latin typeface="CMMI9"/>
+              </a:rPr>
+              <a:t>parameter</a:t>
+            </a:r>
+            <a:r>
+              <a:rPr lang="zh-TW" altLang="en-US" sz="1800" b="0" i="0" u="none" strike="noStrike" baseline="0" dirty="0">
+                <a:latin typeface="CMMI9"/>
+              </a:rPr>
+              <a:t>一個</a:t>
+            </a:r>
+            <a:r>
+              <a:rPr lang="en-US" altLang="zh-TW" sz="1800" b="0" i="0" u="none" strike="noStrike" baseline="0" dirty="0">
+                <a:latin typeface="CMMI9"/>
+              </a:rPr>
+              <a:t>range</a:t>
+            </a:r>
+            <a:r>
+              <a:rPr lang="zh-TW" altLang="en-US" sz="1800" b="0" i="0" u="none" strike="noStrike" baseline="0" dirty="0">
+                <a:latin typeface="CMMI9"/>
+              </a:rPr>
+              <a:t>，接著所有參數一起跑剛剛講的</a:t>
+            </a:r>
+            <a:r>
+              <a:rPr lang="en-US" altLang="zh-TW" sz="1800" b="0" i="0" u="none" strike="noStrike" baseline="0" dirty="0">
+                <a:latin typeface="CMMI9"/>
+              </a:rPr>
+              <a:t>parameter exploration</a:t>
+            </a:r>
+          </a:p>
+          <a:p>
+            <a:pPr marL="285750" indent="-285750" algn="l">
+              <a:buFont typeface="Arial" panose="020B0604020202020204" pitchFamily="34" charset="0"/>
+              <a:buChar char="•"/>
+            </a:pPr>
+            <a:r>
+              <a:rPr lang="en-US" altLang="zh-TW" sz="1800" b="0" i="0" u="none" strike="noStrike" baseline="0" dirty="0">
+                <a:latin typeface="CMMI9"/>
+              </a:rPr>
+              <a:t>3: </a:t>
+            </a:r>
+            <a:r>
+              <a:rPr lang="zh-TW" altLang="en-US" sz="1800" b="0" i="0" u="none" strike="noStrike" baseline="0" dirty="0">
+                <a:latin typeface="CMMI9"/>
+              </a:rPr>
+              <a:t>接著會將</a:t>
+            </a:r>
+            <a:r>
+              <a:rPr lang="en-US" altLang="zh-TW" sz="1800" b="0" i="0" u="none" strike="noStrike" baseline="0" dirty="0">
+                <a:latin typeface="CMMI9"/>
+              </a:rPr>
+              <a:t>parameters</a:t>
+            </a:r>
+            <a:r>
+              <a:rPr lang="zh-TW" altLang="en-US" sz="1800" b="0" i="0" u="none" strike="noStrike" baseline="0" dirty="0">
+                <a:latin typeface="CMMI9"/>
+              </a:rPr>
+              <a:t>分組，有強相關的會分再一起</a:t>
+            </a:r>
+            <a:endParaRPr lang="en-US" altLang="zh-TW" sz="1800" b="0" i="0" u="none" strike="noStrike" baseline="0" dirty="0">
+              <a:latin typeface="CMMI9"/>
+            </a:endParaRPr>
+          </a:p>
+          <a:p>
+            <a:pPr marL="285750" indent="-285750" algn="l">
+              <a:buFont typeface="Arial" panose="020B0604020202020204" pitchFamily="34" charset="0"/>
+              <a:buChar char="•"/>
+            </a:pPr>
+            <a:r>
+              <a:rPr lang="en-US" altLang="zh-TW" sz="1800" b="0" i="0" u="none" strike="noStrike" baseline="0" dirty="0">
+                <a:latin typeface="CMMI9"/>
+              </a:rPr>
+              <a:t>6-11: </a:t>
+            </a:r>
+            <a:r>
+              <a:rPr lang="zh-TW" altLang="en-US" sz="1800" b="0" i="0" u="none" strike="noStrike" baseline="0" dirty="0">
+                <a:latin typeface="CMMI9"/>
+              </a:rPr>
+              <a:t>接著會將分組過後的進行</a:t>
+            </a:r>
+            <a:r>
+              <a:rPr lang="en-US" altLang="zh-TW" sz="1800" b="0" i="0" u="none" strike="noStrike" baseline="0" dirty="0">
+                <a:latin typeface="CMMI9"/>
+              </a:rPr>
+              <a:t>parameter exploration</a:t>
+            </a:r>
+            <a:r>
+              <a:rPr lang="zh-TW" altLang="en-US" sz="1800" b="0" i="0" u="none" strike="noStrike" baseline="0" dirty="0">
+                <a:latin typeface="CMMI9"/>
+              </a:rPr>
+              <a:t>，而不屬於該組的</a:t>
+            </a:r>
+            <a:r>
+              <a:rPr lang="en-US" altLang="zh-TW" sz="1800" b="0" i="0" u="none" strike="noStrike" baseline="0" dirty="0">
+                <a:latin typeface="CMMI9"/>
+              </a:rPr>
+              <a:t>parameters</a:t>
+            </a:r>
+            <a:r>
+              <a:rPr lang="zh-TW" altLang="en-US" sz="1800" b="0" i="0" u="none" strike="noStrike" baseline="0" dirty="0">
+                <a:latin typeface="CMMI9"/>
+              </a:rPr>
+              <a:t>的就會用他們自己</a:t>
+            </a:r>
+            <a:r>
+              <a:rPr lang="en-US" altLang="zh-TW" sz="1800" b="0" i="0" u="none" strike="noStrike" baseline="0" dirty="0">
+                <a:latin typeface="CMMI9"/>
+              </a:rPr>
+              <a:t>range</a:t>
+            </a:r>
+            <a:r>
+              <a:rPr lang="zh-TW" altLang="en-US" sz="1800" b="0" i="0" u="none" strike="noStrike" baseline="0" dirty="0">
+                <a:latin typeface="CMMI9"/>
+              </a:rPr>
+              <a:t>的中位數</a:t>
+            </a:r>
+            <a:endParaRPr lang="en-US" altLang="zh-TW" sz="1800" b="0" i="0" u="none" strike="noStrike" baseline="0" dirty="0">
+              <a:latin typeface="CMMI9"/>
+            </a:endParaRPr>
+          </a:p>
+          <a:p>
+            <a:pPr marL="285750" indent="-285750" algn="l">
+              <a:buFont typeface="Arial" panose="020B0604020202020204" pitchFamily="34" charset="0"/>
+              <a:buChar char="•"/>
+            </a:pPr>
+            <a:r>
+              <a:rPr lang="zh-TW" altLang="en-US" sz="1800" b="0" i="0" u="none" strike="noStrike" baseline="0" dirty="0">
+                <a:latin typeface="CMMI9"/>
+              </a:rPr>
+              <a:t>當全部跑完後</a:t>
+            </a:r>
+            <a:r>
+              <a:rPr lang="en-US" altLang="zh-TW" sz="1800" b="0" i="0" u="none" strike="noStrike" baseline="0" dirty="0">
+                <a:latin typeface="CMMI9"/>
+              </a:rPr>
+              <a:t>(</a:t>
+            </a:r>
+            <a:r>
+              <a:rPr lang="zh-TW" altLang="en-US" sz="1800" b="0" i="0" u="none" strike="noStrike" baseline="0" dirty="0">
+                <a:latin typeface="CMMI9"/>
+              </a:rPr>
+              <a:t>可以平行</a:t>
+            </a:r>
+            <a:r>
+              <a:rPr lang="en-US" altLang="zh-TW" sz="1800" b="0" i="0" u="none" strike="noStrike" baseline="0" dirty="0">
+                <a:latin typeface="CMMI9"/>
+              </a:rPr>
+              <a:t>)</a:t>
+            </a:r>
+            <a:r>
+              <a:rPr lang="zh-TW" altLang="en-US" sz="1800" b="0" i="0" u="none" strike="noStrike" baseline="0" dirty="0">
+                <a:latin typeface="CMMI9"/>
+              </a:rPr>
+              <a:t>就會得到所有</a:t>
+            </a:r>
+            <a:r>
+              <a:rPr lang="en-US" altLang="zh-TW" sz="1800" b="0" i="0" u="none" strike="noStrike" baseline="0" dirty="0" err="1">
+                <a:latin typeface="CMMI9"/>
+              </a:rPr>
+              <a:t>paramete</a:t>
+            </a:r>
+            <a:r>
+              <a:rPr lang="zh-TW" altLang="en-US" sz="1800" b="0" i="0" u="none" strike="noStrike" baseline="0" dirty="0">
+                <a:latin typeface="CMMI9"/>
+              </a:rPr>
+              <a:t>最後的</a:t>
+            </a:r>
+            <a:r>
+              <a:rPr lang="en-US" altLang="zh-TW" sz="1800" b="0" i="0" u="none" strike="noStrike" baseline="0" dirty="0">
+                <a:latin typeface="CMMI9"/>
+              </a:rPr>
+              <a:t>range</a:t>
+            </a:r>
+            <a:r>
+              <a:rPr lang="zh-TW" altLang="en-US" sz="1800" b="0" i="0" u="none" strike="noStrike" baseline="0" dirty="0">
+                <a:latin typeface="CMMI9"/>
+              </a:rPr>
+              <a:t>，接著該</a:t>
+            </a:r>
+            <a:r>
+              <a:rPr lang="en-US" altLang="zh-TW" sz="1800" b="0" i="0" u="none" strike="noStrike" baseline="0" dirty="0">
+                <a:latin typeface="CMMI9"/>
+              </a:rPr>
+              <a:t>parameter</a:t>
+            </a:r>
+            <a:r>
+              <a:rPr lang="zh-TW" altLang="en-US" sz="1800" b="0" i="0" u="none" strike="noStrike" baseline="0" dirty="0">
+                <a:latin typeface="CMMI9"/>
+              </a:rPr>
+              <a:t>就會用那個</a:t>
+            </a:r>
+            <a:r>
+              <a:rPr lang="en-US" altLang="zh-TW" sz="1800" b="0" i="0" u="none" strike="noStrike" baseline="0" dirty="0">
+                <a:latin typeface="CMMI9"/>
+              </a:rPr>
+              <a:t>range</a:t>
+            </a:r>
+            <a:r>
+              <a:rPr lang="zh-TW" altLang="en-US" sz="1800" b="0" i="0" u="none" strike="noStrike" baseline="0" dirty="0">
+                <a:latin typeface="CMMI9"/>
+              </a:rPr>
+              <a:t>的中位數當作最後的值</a:t>
+            </a:r>
+            <a:endParaRPr lang="en-US" altLang="zh-TW" sz="1800" b="0" i="0" u="none" strike="noStrike" baseline="0" dirty="0">
+              <a:latin typeface="CMMI9"/>
+            </a:endParaRPr>
+          </a:p>
+        </p:txBody>
+      </p:sp>
+      <p:sp>
+        <p:nvSpPr>
+          <p:cNvPr id="4" name="投影片編號版面配置區 3"/>
+          <p:cNvSpPr>
+            <a:spLocks noGrp="1"/>
+          </p:cNvSpPr>
+          <p:nvPr>
+            <p:ph type="sldNum" sz="quarter" idx="5"/>
+          </p:nvPr>
+        </p:nvSpPr>
+        <p:spPr/>
+        <p:txBody>
+          <a:bodyPr/>
+          <a:lstStyle/>
+          <a:p>
+            <a:fld id="{9D457EAB-1485-47AD-BEAD-484FAEBF5A54}" type="slidenum">
+              <a:rPr lang="en-US" smtClean="0"/>
+              <a:t>41</a:t>
+            </a:fld>
+            <a:endParaRPr lang="en-US"/>
+          </a:p>
+        </p:txBody>
+      </p:sp>
+    </p:spTree>
+    <p:extLst>
+      <p:ext uri="{BB962C8B-B14F-4D97-AF65-F5344CB8AC3E}">
+        <p14:creationId xmlns:p14="http://schemas.microsoft.com/office/powerpoint/2010/main" val="762836632"/>
+      </p:ext>
+    </p:extLst>
+  </p:cSld>
+  <p:clrMapOvr>
+    <a:masterClrMapping/>
+  </p:clrMapOvr>
+</p:notes>
+</file>
+
+<file path=ppt/notesSlides/notesSlide31.xml><?xml version="1.0" encoding="utf-8"?>
+<p:notes xmlns:a="http://schemas.openxmlformats.org/drawingml/2006/main" xmlns:r="http://schemas.openxmlformats.org/officeDocument/2006/relationships" xmlns:p="http://schemas.openxmlformats.org/presentationml/2006/main">
+  <p:cSld>
+    <p:spTree>
+      <p:nvGrpSpPr>
+        <p:cNvPr id="1" name=""/>
+        <p:cNvGrpSpPr/>
+        <p:nvPr/>
+      </p:nvGrpSpPr>
+      <p:grpSpPr>
+        <a:xfrm>
+          <a:off x="0" y="0"/>
+          <a:ext cx="0" cy="0"/>
+          <a:chOff x="0" y="0"/>
+          <a:chExt cx="0" cy="0"/>
+        </a:xfrm>
+      </p:grpSpPr>
+      <p:sp>
+        <p:nvSpPr>
+          <p:cNvPr id="2" name="投影片影像版面配置區 1"/>
+          <p:cNvSpPr>
+            <a:spLocks noGrp="1" noRot="1" noChangeAspect="1"/>
+          </p:cNvSpPr>
+          <p:nvPr>
+            <p:ph type="sldImg"/>
+          </p:nvPr>
+        </p:nvSpPr>
+        <p:spPr/>
+      </p:sp>
+      <p:sp>
+        <p:nvSpPr>
+          <p:cNvPr id="3" name="備忘稿版面配置區 2"/>
+          <p:cNvSpPr>
+            <a:spLocks noGrp="1"/>
+          </p:cNvSpPr>
+          <p:nvPr>
+            <p:ph type="body" idx="1"/>
+          </p:nvPr>
+        </p:nvSpPr>
+        <p:spPr/>
+        <p:txBody>
+          <a:bodyPr/>
+          <a:lstStyle/>
+          <a:p>
+            <a:pPr marL="285750" indent="-285750" algn="l">
+              <a:buFont typeface="Arial" panose="020B0604020202020204" pitchFamily="34" charset="0"/>
+              <a:buChar char="•"/>
+            </a:pPr>
+            <a:r>
+              <a:rPr lang="en-US" altLang="zh-TW" sz="1800" b="0" i="0" u="none" strike="noStrike" baseline="0" dirty="0">
+                <a:latin typeface="CMMI9"/>
+              </a:rPr>
+              <a:t>Horizontal congestion map</a:t>
+            </a:r>
+          </a:p>
+        </p:txBody>
+      </p:sp>
+      <p:sp>
+        <p:nvSpPr>
+          <p:cNvPr id="4" name="投影片編號版面配置區 3"/>
+          <p:cNvSpPr>
+            <a:spLocks noGrp="1"/>
+          </p:cNvSpPr>
+          <p:nvPr>
+            <p:ph type="sldNum" sz="quarter" idx="5"/>
+          </p:nvPr>
+        </p:nvSpPr>
+        <p:spPr/>
+        <p:txBody>
+          <a:bodyPr/>
+          <a:lstStyle/>
+          <a:p>
+            <a:fld id="{9D457EAB-1485-47AD-BEAD-484FAEBF5A54}" type="slidenum">
+              <a:rPr lang="en-US" smtClean="0"/>
+              <a:t>42</a:t>
+            </a:fld>
+            <a:endParaRPr lang="en-US"/>
+          </a:p>
+        </p:txBody>
+      </p:sp>
+    </p:spTree>
+    <p:extLst>
+      <p:ext uri="{BB962C8B-B14F-4D97-AF65-F5344CB8AC3E}">
+        <p14:creationId xmlns:p14="http://schemas.microsoft.com/office/powerpoint/2010/main" val="3220386652"/>
+      </p:ext>
+    </p:extLst>
+  </p:cSld>
+  <p:clrMapOvr>
+    <a:masterClrMapping/>
+  </p:clrMapOvr>
+</p:notes>
+</file>
+
+<file path=ppt/notesSlides/notesSlide32.xml><?xml version="1.0" encoding="utf-8"?>
+<p:notes xmlns:a="http://schemas.openxmlformats.org/drawingml/2006/main" xmlns:r="http://schemas.openxmlformats.org/officeDocument/2006/relationships" xmlns:p="http://schemas.openxmlformats.org/presentationml/2006/main">
+  <p:cSld>
+    <p:spTree>
+      <p:nvGrpSpPr>
+        <p:cNvPr id="1" name=""/>
+        <p:cNvGrpSpPr/>
+        <p:nvPr/>
+      </p:nvGrpSpPr>
+      <p:grpSpPr>
+        <a:xfrm>
+          <a:off x="0" y="0"/>
+          <a:ext cx="0" cy="0"/>
+          <a:chOff x="0" y="0"/>
+          <a:chExt cx="0" cy="0"/>
+        </a:xfrm>
+      </p:grpSpPr>
+      <p:sp>
+        <p:nvSpPr>
+          <p:cNvPr id="2" name="投影片影像版面配置區 1"/>
+          <p:cNvSpPr>
+            <a:spLocks noGrp="1" noRot="1" noChangeAspect="1"/>
+          </p:cNvSpPr>
+          <p:nvPr>
+            <p:ph type="sldImg"/>
+          </p:nvPr>
+        </p:nvSpPr>
+        <p:spPr/>
+      </p:sp>
+      <p:sp>
+        <p:nvSpPr>
+          <p:cNvPr id="3" name="備忘稿版面配置區 2"/>
+          <p:cNvSpPr>
+            <a:spLocks noGrp="1"/>
+          </p:cNvSpPr>
+          <p:nvPr>
+            <p:ph type="body" idx="1"/>
+          </p:nvPr>
+        </p:nvSpPr>
+        <p:spPr/>
+        <p:txBody>
+          <a:bodyPr/>
+          <a:lstStyle/>
+          <a:p>
+            <a:pPr marL="285750" indent="-285750" algn="l">
+              <a:buFont typeface="Arial" panose="020B0604020202020204" pitchFamily="34" charset="0"/>
+              <a:buChar char="•"/>
+            </a:pPr>
+            <a:r>
+              <a:rPr lang="en-US" altLang="zh-TW" sz="1800" b="0" i="0" u="none" strike="noStrike" baseline="0" dirty="0">
+                <a:latin typeface="CMMI9"/>
+              </a:rPr>
+              <a:t>Vertical congestion map</a:t>
+            </a:r>
+          </a:p>
+        </p:txBody>
+      </p:sp>
+      <p:sp>
+        <p:nvSpPr>
+          <p:cNvPr id="4" name="投影片編號版面配置區 3"/>
+          <p:cNvSpPr>
+            <a:spLocks noGrp="1"/>
+          </p:cNvSpPr>
+          <p:nvPr>
+            <p:ph type="sldNum" sz="quarter" idx="5"/>
+          </p:nvPr>
+        </p:nvSpPr>
+        <p:spPr/>
+        <p:txBody>
+          <a:bodyPr/>
+          <a:lstStyle/>
+          <a:p>
+            <a:fld id="{9D457EAB-1485-47AD-BEAD-484FAEBF5A54}" type="slidenum">
+              <a:rPr lang="en-US" smtClean="0"/>
+              <a:t>43</a:t>
+            </a:fld>
+            <a:endParaRPr lang="en-US"/>
+          </a:p>
+        </p:txBody>
+      </p:sp>
+    </p:spTree>
+    <p:extLst>
+      <p:ext uri="{BB962C8B-B14F-4D97-AF65-F5344CB8AC3E}">
+        <p14:creationId xmlns:p14="http://schemas.microsoft.com/office/powerpoint/2010/main" val="325481818"/>
       </p:ext>
     </p:extLst>
   </p:cSld>
@@ -6028,7 +7274,7 @@
           <a:p>
             <a:fld id="{9D457EAB-1485-47AD-BEAD-484FAEBF5A54}" type="slidenum">
               <a:rPr lang="en-US" smtClean="0"/>
-              <a:t>7</a:t>
+              <a:t>8</a:t>
             </a:fld>
             <a:endParaRPr lang="en-US"/>
           </a:p>
@@ -6148,7 +7394,7 @@
           <a:p>
             <a:fld id="{9D457EAB-1485-47AD-BEAD-484FAEBF5A54}" type="slidenum">
               <a:rPr lang="en-US" smtClean="0"/>
-              <a:t>8</a:t>
+              <a:t>9</a:t>
             </a:fld>
             <a:endParaRPr lang="en-US"/>
           </a:p>
@@ -6528,7 +7774,7 @@
           <a:p>
             <a:fld id="{9D457EAB-1485-47AD-BEAD-484FAEBF5A54}" type="slidenum">
               <a:rPr lang="en-US" smtClean="0"/>
-              <a:t>9</a:t>
+              <a:t>10</a:t>
             </a:fld>
             <a:endParaRPr lang="en-US"/>
           </a:p>
@@ -6743,7 +7989,7 @@
           <a:p>
             <a:fld id="{9D457EAB-1485-47AD-BEAD-484FAEBF5A54}" type="slidenum">
               <a:rPr lang="en-US" smtClean="0"/>
-              <a:t>11</a:t>
+              <a:t>12</a:t>
             </a:fld>
             <a:endParaRPr lang="en-US"/>
           </a:p>
@@ -6923,7 +8169,7 @@
           <a:p>
             <a:fld id="{9D457EAB-1485-47AD-BEAD-484FAEBF5A54}" type="slidenum">
               <a:rPr lang="en-US" smtClean="0"/>
-              <a:t>12</a:t>
+              <a:t>14</a:t>
             </a:fld>
             <a:endParaRPr lang="en-US"/>
           </a:p>
@@ -10847,6 +12093,625 @@
 </file>
 
 <file path=ppt/slides/slide10.xml><?xml version="1.0" encoding="utf-8"?>
+<p:sld xmlns:a="http://schemas.openxmlformats.org/drawingml/2006/main" xmlns:r="http://schemas.openxmlformats.org/officeDocument/2006/relationships" xmlns:p="http://schemas.openxmlformats.org/presentationml/2006/main">
+  <p:cSld>
+    <p:spTree>
+      <p:nvGrpSpPr>
+        <p:cNvPr id="1" name=""/>
+        <p:cNvGrpSpPr/>
+        <p:nvPr/>
+      </p:nvGrpSpPr>
+      <p:grpSpPr>
+        <a:xfrm>
+          <a:off x="0" y="0"/>
+          <a:ext cx="0" cy="0"/>
+          <a:chOff x="0" y="0"/>
+          <a:chExt cx="0" cy="0"/>
+        </a:xfrm>
+      </p:grpSpPr>
+      <p:sp>
+        <p:nvSpPr>
+          <p:cNvPr id="2" name="標題 1">
+            <a:extLst>
+              <a:ext uri="{FF2B5EF4-FFF2-40B4-BE49-F238E27FC236}">
+                <a16:creationId xmlns:a16="http://schemas.microsoft.com/office/drawing/2014/main" id="{17A4DB43-3782-7A5F-C632-D31E2EC09E1D}"/>
+              </a:ext>
+            </a:extLst>
+          </p:cNvPr>
+          <p:cNvSpPr>
+            <a:spLocks noGrp="1"/>
+          </p:cNvSpPr>
+          <p:nvPr>
+            <p:ph type="title"/>
+          </p:nvPr>
+        </p:nvSpPr>
+        <p:spPr/>
+        <p:txBody>
+          <a:bodyPr/>
+          <a:lstStyle/>
+          <a:p>
+            <a:r>
+              <a:rPr lang="en-US" altLang="zh-TW" sz="4000" dirty="0">
+                <a:latin typeface="Times" panose="02020603050405020304" pitchFamily="18" charset="0"/>
+                <a:cs typeface="Times" panose="02020603050405020304" pitchFamily="18" charset="0"/>
+              </a:rPr>
+              <a:t>Preliminaries</a:t>
+            </a:r>
+            <a:endParaRPr lang="zh-TW" altLang="en-US" dirty="0"/>
+          </a:p>
+        </p:txBody>
+      </p:sp>
+      <mc:AlternateContent xmlns:mc="http://schemas.openxmlformats.org/markup-compatibility/2006" xmlns:a14="http://schemas.microsoft.com/office/drawing/2010/main">
+        <mc:Choice Requires="a14">
+          <p:sp>
+            <p:nvSpPr>
+              <p:cNvPr id="3" name="內容版面配置區 2">
+                <a:extLst>
+                  <a:ext uri="{FF2B5EF4-FFF2-40B4-BE49-F238E27FC236}">
+                    <a16:creationId xmlns:a16="http://schemas.microsoft.com/office/drawing/2014/main" id="{8AC4E013-E47D-C26C-B333-168A6F3A8436}"/>
+                  </a:ext>
+                </a:extLst>
+              </p:cNvPr>
+              <p:cNvSpPr>
+                <a:spLocks noGrp="1"/>
+              </p:cNvSpPr>
+              <p:nvPr>
+                <p:ph idx="1"/>
+              </p:nvPr>
+            </p:nvSpPr>
+            <p:spPr/>
+            <p:txBody>
+              <a:bodyPr/>
+              <a:lstStyle/>
+              <a:p>
+                <a:r>
+                  <a:rPr lang="en-US" altLang="zh-TW" sz="2200" dirty="0">
+                    <a:latin typeface="Times" panose="02020603050405020304" pitchFamily="18" charset="0"/>
+                    <a:cs typeface="Times" panose="02020603050405020304" pitchFamily="18" charset="0"/>
+                  </a:rPr>
+                  <a:t>We can formulate </a:t>
+                </a:r>
+                <a:r>
+                  <a:rPr lang="en-US" altLang="zh-TW" sz="2200" b="0" dirty="0">
+                    <a:latin typeface="Times" panose="02020603050405020304" pitchFamily="18" charset="0"/>
+                    <a:cs typeface="Times" panose="02020603050405020304" pitchFamily="18" charset="0"/>
+                  </a:rPr>
+                  <a:t>analytical global routing problem as:</a:t>
+                </a:r>
+              </a:p>
+              <a:p>
+                <a:endParaRPr lang="en-US" altLang="zh-TW" sz="2800" b="0" dirty="0">
+                  <a:latin typeface="Times" panose="02020603050405020304" pitchFamily="18" charset="0"/>
+                  <a:cs typeface="Times" panose="02020603050405020304" pitchFamily="18" charset="0"/>
+                </a:endParaRPr>
+              </a:p>
+              <a:p>
+                <a:endParaRPr lang="en-US" altLang="zh-TW" sz="1800" b="0" dirty="0">
+                  <a:latin typeface="Times" panose="02020603050405020304" pitchFamily="18" charset="0"/>
+                  <a:cs typeface="Times" panose="02020603050405020304" pitchFamily="18" charset="0"/>
+                </a:endParaRPr>
+              </a:p>
+              <a:p>
+                <a:pPr marL="0" indent="0">
+                  <a:buNone/>
+                </a:pPr>
+                <a14:m>
+                  <m:oMathPara xmlns:m="http://schemas.openxmlformats.org/officeDocument/2006/math">
+                    <m:oMathParaPr>
+                      <m:jc m:val="centerGroup"/>
+                    </m:oMathParaPr>
+                    <m:oMath xmlns:m="http://schemas.openxmlformats.org/officeDocument/2006/math">
+                      <m:func>
+                        <m:funcPr>
+                          <m:ctrlPr>
+                            <a:rPr lang="en-US" altLang="zh-TW" sz="2400" b="0" i="1" smtClean="0">
+                              <a:latin typeface="Cambria Math" panose="02040503050406030204" pitchFamily="18" charset="0"/>
+                              <a:cs typeface="Times" panose="02020603050405020304" pitchFamily="18" charset="0"/>
+                            </a:rPr>
+                          </m:ctrlPr>
+                        </m:funcPr>
+                        <m:fName>
+                          <m:limLow>
+                            <m:limLowPr>
+                              <m:ctrlPr>
+                                <a:rPr lang="en-US" altLang="zh-TW" sz="2400" b="0" i="1" smtClean="0">
+                                  <a:latin typeface="Cambria Math" panose="02040503050406030204" pitchFamily="18" charset="0"/>
+                                  <a:cs typeface="Times" panose="02020603050405020304" pitchFamily="18" charset="0"/>
+                                </a:rPr>
+                              </m:ctrlPr>
+                            </m:limLowPr>
+                            <m:e>
+                              <m:func>
+                                <m:funcPr>
+                                  <m:ctrlPr>
+                                    <a:rPr lang="en-US" altLang="zh-TW" sz="2400" b="0" i="1" smtClean="0">
+                                      <a:latin typeface="Cambria Math" panose="02040503050406030204" pitchFamily="18" charset="0"/>
+                                      <a:cs typeface="Times" panose="02020603050405020304" pitchFamily="18" charset="0"/>
+                                    </a:rPr>
+                                  </m:ctrlPr>
+                                </m:funcPr>
+                                <m:fName>
+                                  <m:r>
+                                    <m:rPr>
+                                      <m:sty m:val="p"/>
+                                    </m:rPr>
+                                    <a:rPr lang="en-US" altLang="zh-TW" sz="2400" b="0" i="0" smtClean="0">
+                                      <a:latin typeface="Cambria Math" panose="02040503050406030204" pitchFamily="18" charset="0"/>
+                                      <a:cs typeface="Times" panose="02020603050405020304" pitchFamily="18" charset="0"/>
+                                    </a:rPr>
+                                    <m:t>min</m:t>
+                                  </m:r>
+                                </m:fName>
+                                <m:e>
+                                  <m:r>
+                                    <a:rPr lang="en-US" altLang="zh-TW" sz="2400" b="0" i="1" smtClean="0">
+                                      <a:latin typeface="Cambria Math" panose="02040503050406030204" pitchFamily="18" charset="0"/>
+                                      <a:cs typeface="Times" panose="02020603050405020304" pitchFamily="18" charset="0"/>
+                                    </a:rPr>
+                                    <m:t>𝑓</m:t>
+                                  </m:r>
+                                  <m:d>
+                                    <m:dPr>
+                                      <m:ctrlPr>
+                                        <a:rPr lang="en-US" altLang="zh-TW" sz="2400" b="0" i="1" smtClean="0">
+                                          <a:latin typeface="Cambria Math" panose="02040503050406030204" pitchFamily="18" charset="0"/>
+                                          <a:cs typeface="Times" panose="02020603050405020304" pitchFamily="18" charset="0"/>
+                                        </a:rPr>
+                                      </m:ctrlPr>
+                                    </m:dPr>
+                                    <m:e>
+                                      <m:r>
+                                        <a:rPr lang="en-US" altLang="zh-TW" sz="2400" b="0" i="1" smtClean="0">
+                                          <a:latin typeface="Cambria Math" panose="02040503050406030204" pitchFamily="18" charset="0"/>
+                                          <a:cs typeface="Times" panose="02020603050405020304" pitchFamily="18" charset="0"/>
+                                        </a:rPr>
+                                        <m:t>𝑥</m:t>
+                                      </m:r>
+                                    </m:e>
+                                  </m:d>
+                                  <m:r>
+                                    <a:rPr lang="en-US" altLang="zh-TW" sz="2400" b="0" i="1" smtClean="0">
+                                      <a:latin typeface="Cambria Math" panose="02040503050406030204" pitchFamily="18" charset="0"/>
+                                      <a:cs typeface="Times" panose="02020603050405020304" pitchFamily="18" charset="0"/>
+                                    </a:rPr>
+                                    <m:t>=</m:t>
+                                  </m:r>
+                                </m:e>
+                              </m:func>
+                            </m:e>
+                            <m:lim>
+                              <m:r>
+                                <a:rPr lang="en-US" altLang="zh-TW" sz="2400" b="0" i="1" smtClean="0">
+                                  <a:latin typeface="Cambria Math" panose="02040503050406030204" pitchFamily="18" charset="0"/>
+                                  <a:cs typeface="Times" panose="02020603050405020304" pitchFamily="18" charset="0"/>
+                                </a:rPr>
+                                <m:t>(</m:t>
+                              </m:r>
+                              <m:r>
+                                <a:rPr lang="en-US" altLang="zh-TW" sz="2400" b="0" i="1" smtClean="0">
+                                  <a:latin typeface="Cambria Math" panose="02040503050406030204" pitchFamily="18" charset="0"/>
+                                  <a:cs typeface="Times" panose="02020603050405020304" pitchFamily="18" charset="0"/>
+                                </a:rPr>
+                                <m:t>𝑥</m:t>
+                              </m:r>
+                              <m:r>
+                                <a:rPr lang="en-US" altLang="zh-TW" sz="2400" b="0" i="1" smtClean="0">
+                                  <a:latin typeface="Cambria Math" panose="02040503050406030204" pitchFamily="18" charset="0"/>
+                                  <a:cs typeface="Times" panose="02020603050405020304" pitchFamily="18" charset="0"/>
+                                </a:rPr>
+                                <m:t>, </m:t>
+                              </m:r>
+                              <m:r>
+                                <a:rPr lang="en-US" altLang="zh-TW" sz="2400" b="0" i="1" smtClean="0">
+                                  <a:latin typeface="Cambria Math" panose="02040503050406030204" pitchFamily="18" charset="0"/>
+                                  <a:cs typeface="Times" panose="02020603050405020304" pitchFamily="18" charset="0"/>
+                                </a:rPr>
+                                <m:t>𝑦</m:t>
+                              </m:r>
+                              <m:r>
+                                <a:rPr lang="en-US" altLang="zh-TW" sz="2400" b="0" i="1" smtClean="0">
+                                  <a:latin typeface="Cambria Math" panose="02040503050406030204" pitchFamily="18" charset="0"/>
+                                  <a:cs typeface="Times" panose="02020603050405020304" pitchFamily="18" charset="0"/>
+                                </a:rPr>
+                                <m:t>)</m:t>
+                              </m:r>
+                            </m:lim>
+                          </m:limLow>
+                        </m:fName>
+                        <m:e>
+                          <m:r>
+                            <a:rPr lang="en-US" altLang="zh-TW" sz="2400" b="0" i="1" smtClean="0">
+                              <a:latin typeface="Cambria Math" panose="02040503050406030204" pitchFamily="18" charset="0"/>
+                              <a:cs typeface="Times" panose="02020603050405020304" pitchFamily="18" charset="0"/>
+                            </a:rPr>
+                            <m:t>𝑊</m:t>
+                          </m:r>
+                          <m:d>
+                            <m:dPr>
+                              <m:ctrlPr>
+                                <a:rPr lang="en-US" altLang="zh-TW" sz="2400" b="0" i="1" smtClean="0">
+                                  <a:latin typeface="Cambria Math" panose="02040503050406030204" pitchFamily="18" charset="0"/>
+                                  <a:cs typeface="Times" panose="02020603050405020304" pitchFamily="18" charset="0"/>
+                                </a:rPr>
+                              </m:ctrlPr>
+                            </m:dPr>
+                            <m:e>
+                              <m:r>
+                                <a:rPr lang="en-US" altLang="zh-TW" sz="2400" b="0" i="1" smtClean="0">
+                                  <a:latin typeface="Cambria Math" panose="02040503050406030204" pitchFamily="18" charset="0"/>
+                                  <a:cs typeface="Times" panose="02020603050405020304" pitchFamily="18" charset="0"/>
+                                </a:rPr>
+                                <m:t>𝑥</m:t>
+                              </m:r>
+                              <m:r>
+                                <a:rPr lang="en-US" altLang="zh-TW" sz="2400" b="0" i="1" smtClean="0">
+                                  <a:latin typeface="Cambria Math" panose="02040503050406030204" pitchFamily="18" charset="0"/>
+                                  <a:cs typeface="Times" panose="02020603050405020304" pitchFamily="18" charset="0"/>
+                                </a:rPr>
+                                <m:t>, </m:t>
+                              </m:r>
+                              <m:r>
+                                <a:rPr lang="en-US" altLang="zh-TW" sz="2400" b="0" i="1" smtClean="0">
+                                  <a:latin typeface="Cambria Math" panose="02040503050406030204" pitchFamily="18" charset="0"/>
+                                  <a:cs typeface="Times" panose="02020603050405020304" pitchFamily="18" charset="0"/>
+                                </a:rPr>
+                                <m:t>𝑦</m:t>
+                              </m:r>
+                            </m:e>
+                          </m:d>
+                          <m:r>
+                            <a:rPr lang="en-US" altLang="zh-TW" sz="2400" b="0" i="1" smtClean="0">
+                              <a:latin typeface="Cambria Math" panose="02040503050406030204" pitchFamily="18" charset="0"/>
+                              <a:cs typeface="Times" panose="02020603050405020304" pitchFamily="18" charset="0"/>
+                            </a:rPr>
+                            <m:t>+ </m:t>
+                          </m:r>
+                          <m:r>
+                            <m:rPr>
+                              <m:sty m:val="p"/>
+                            </m:rPr>
+                            <a:rPr lang="en-US" altLang="zh-TW" sz="2400" i="1">
+                              <a:latin typeface="Cambria Math" panose="02040503050406030204" pitchFamily="18" charset="0"/>
+                              <a:cs typeface="Times" panose="02020603050405020304" pitchFamily="18" charset="0"/>
+                            </a:rPr>
+                            <m:t>λ</m:t>
+                          </m:r>
+                          <m:r>
+                            <a:rPr lang="en-US" altLang="zh-TW" sz="2400" b="0" i="1" smtClean="0">
+                              <a:latin typeface="Cambria Math" panose="02040503050406030204" pitchFamily="18" charset="0"/>
+                              <a:cs typeface="Times" panose="02020603050405020304" pitchFamily="18" charset="0"/>
+                            </a:rPr>
+                            <m:t>𝐷</m:t>
+                          </m:r>
+                          <m:r>
+                            <a:rPr lang="en-US" altLang="zh-TW" sz="2400" i="1" smtClean="0">
+                              <a:latin typeface="Cambria Math" panose="02040503050406030204" pitchFamily="18" charset="0"/>
+                              <a:cs typeface="Times" panose="02020603050405020304" pitchFamily="18" charset="0"/>
+                            </a:rPr>
+                            <m:t>(</m:t>
+                          </m:r>
+                          <m:r>
+                            <a:rPr lang="en-US" altLang="zh-TW" sz="2400" b="0" i="1" smtClean="0">
+                              <a:latin typeface="Cambria Math" panose="02040503050406030204" pitchFamily="18" charset="0"/>
+                              <a:cs typeface="Times" panose="02020603050405020304" pitchFamily="18" charset="0"/>
+                            </a:rPr>
+                            <m:t>𝑥</m:t>
+                          </m:r>
+                          <m:r>
+                            <a:rPr lang="en-US" altLang="zh-TW" sz="2400" b="0" i="1" smtClean="0">
+                              <a:latin typeface="Cambria Math" panose="02040503050406030204" pitchFamily="18" charset="0"/>
+                              <a:cs typeface="Times" panose="02020603050405020304" pitchFamily="18" charset="0"/>
+                            </a:rPr>
+                            <m:t>, </m:t>
+                          </m:r>
+                          <m:r>
+                            <a:rPr lang="en-US" altLang="zh-TW" sz="2400" b="0" i="1" smtClean="0">
+                              <a:latin typeface="Cambria Math" panose="02040503050406030204" pitchFamily="18" charset="0"/>
+                              <a:cs typeface="Times" panose="02020603050405020304" pitchFamily="18" charset="0"/>
+                            </a:rPr>
+                            <m:t>𝑦</m:t>
+                          </m:r>
+                          <m:r>
+                            <a:rPr lang="en-US" altLang="zh-TW" sz="2400" i="1">
+                              <a:latin typeface="Cambria Math" panose="02040503050406030204" pitchFamily="18" charset="0"/>
+                              <a:cs typeface="Times" panose="02020603050405020304" pitchFamily="18" charset="0"/>
+                            </a:rPr>
+                            <m:t>)</m:t>
+                          </m:r>
+                        </m:e>
+                      </m:func>
+                    </m:oMath>
+                  </m:oMathPara>
+                </a14:m>
+                <a:endParaRPr lang="en-US" altLang="zh-TW" sz="2800" b="0" dirty="0">
+                  <a:latin typeface="Times" panose="02020603050405020304" pitchFamily="18" charset="0"/>
+                  <a:cs typeface="Times" panose="02020603050405020304" pitchFamily="18" charset="0"/>
+                </a:endParaRPr>
+              </a:p>
+              <a:p>
+                <a:endParaRPr lang="en-US" altLang="zh-TW" dirty="0">
+                  <a:latin typeface="Times" panose="02020603050405020304" pitchFamily="18" charset="0"/>
+                  <a:cs typeface="Times" panose="02020603050405020304" pitchFamily="18" charset="0"/>
+                </a:endParaRPr>
+              </a:p>
+              <a:p>
+                <a:pPr>
+                  <a:lnSpc>
+                    <a:spcPct val="130000"/>
+                  </a:lnSpc>
+                  <a:buFont typeface="Wingdings" panose="05000000000000000000" pitchFamily="2" charset="2"/>
+                  <a:buChar char="Ø"/>
+                </a:pPr>
+                <a14:m>
+                  <m:oMath xmlns:m="http://schemas.openxmlformats.org/officeDocument/2006/math">
+                    <m:r>
+                      <a:rPr lang="en-US" altLang="zh-TW" sz="2000" b="0" i="1" smtClean="0">
+                        <a:latin typeface="Cambria Math" panose="02040503050406030204" pitchFamily="18" charset="0"/>
+                      </a:rPr>
+                      <m:t> </m:t>
+                    </m:r>
+                    <m:r>
+                      <a:rPr lang="en-US" altLang="zh-TW" sz="2000" b="0" i="1" smtClean="0">
+                        <a:latin typeface="Cambria Math" panose="02040503050406030204" pitchFamily="18" charset="0"/>
+                      </a:rPr>
+                      <m:t>𝑊</m:t>
+                    </m:r>
+                    <m:d>
+                      <m:dPr>
+                        <m:ctrlPr>
+                          <a:rPr lang="en-US" altLang="zh-TW" sz="2000" b="0" i="1" smtClean="0">
+                            <a:latin typeface="Cambria Math" panose="02040503050406030204" pitchFamily="18" charset="0"/>
+                          </a:rPr>
+                        </m:ctrlPr>
+                      </m:dPr>
+                      <m:e>
+                        <m:r>
+                          <a:rPr lang="en-US" altLang="zh-TW" sz="2000" b="0" i="1" smtClean="0">
+                            <a:latin typeface="Cambria Math" panose="02040503050406030204" pitchFamily="18" charset="0"/>
+                          </a:rPr>
+                          <m:t>𝑥</m:t>
+                        </m:r>
+                        <m:r>
+                          <a:rPr lang="en-US" altLang="zh-TW" sz="2000" b="0" i="1" smtClean="0">
+                            <a:latin typeface="Cambria Math" panose="02040503050406030204" pitchFamily="18" charset="0"/>
+                          </a:rPr>
+                          <m:t>, </m:t>
+                        </m:r>
+                        <m:r>
+                          <a:rPr lang="en-US" altLang="zh-TW" sz="2000" b="0" i="1" smtClean="0">
+                            <a:latin typeface="Cambria Math" panose="02040503050406030204" pitchFamily="18" charset="0"/>
+                          </a:rPr>
+                          <m:t>𝑦</m:t>
+                        </m:r>
+                      </m:e>
+                    </m:d>
+                    <m:r>
+                      <a:rPr lang="en-US" altLang="zh-TW" sz="2000" b="0" i="1" smtClean="0">
+                        <a:latin typeface="Cambria Math" panose="02040503050406030204" pitchFamily="18" charset="0"/>
+                      </a:rPr>
+                      <m:t>: </m:t>
+                    </m:r>
+                  </m:oMath>
+                </a14:m>
+                <a:r>
+                  <a:rPr lang="en-US" altLang="zh-TW" sz="2000" dirty="0">
+                    <a:latin typeface="Times" panose="02020603050405020304" pitchFamily="18" charset="0"/>
+                    <a:cs typeface="Times" panose="02020603050405020304" pitchFamily="18" charset="0"/>
+                  </a:rPr>
+                  <a:t>wirelength.</a:t>
+                </a:r>
+              </a:p>
+              <a:p>
+                <a:pPr>
+                  <a:lnSpc>
+                    <a:spcPct val="130000"/>
+                  </a:lnSpc>
+                  <a:buFont typeface="Wingdings" panose="05000000000000000000" pitchFamily="2" charset="2"/>
+                  <a:buChar char="Ø"/>
+                </a:pPr>
+                <a14:m>
+                  <m:oMath xmlns:m="http://schemas.openxmlformats.org/officeDocument/2006/math">
+                    <m:r>
+                      <a:rPr lang="en-US" altLang="zh-TW" sz="2000" b="0" i="1" smtClean="0">
+                        <a:latin typeface="Cambria Math" panose="02040503050406030204" pitchFamily="18" charset="0"/>
+                      </a:rPr>
+                      <m:t> </m:t>
+                    </m:r>
+                    <m:r>
+                      <a:rPr lang="en-US" altLang="zh-TW" sz="2000" b="0" i="1" smtClean="0">
+                        <a:latin typeface="Cambria Math" panose="02040503050406030204" pitchFamily="18" charset="0"/>
+                      </a:rPr>
+                      <m:t>𝐷</m:t>
+                    </m:r>
+                    <m:d>
+                      <m:dPr>
+                        <m:ctrlPr>
+                          <a:rPr lang="en-US" altLang="zh-TW" sz="2000" b="0" i="1" smtClean="0">
+                            <a:latin typeface="Cambria Math" panose="02040503050406030204" pitchFamily="18" charset="0"/>
+                          </a:rPr>
+                        </m:ctrlPr>
+                      </m:dPr>
+                      <m:e>
+                        <m:r>
+                          <a:rPr lang="en-US" altLang="zh-TW" sz="2000" b="0" i="1" smtClean="0">
+                            <a:latin typeface="Cambria Math" panose="02040503050406030204" pitchFamily="18" charset="0"/>
+                          </a:rPr>
+                          <m:t>𝑥</m:t>
+                        </m:r>
+                        <m:r>
+                          <a:rPr lang="en-US" altLang="zh-TW" sz="2000" b="0" i="1" smtClean="0">
+                            <a:latin typeface="Cambria Math" panose="02040503050406030204" pitchFamily="18" charset="0"/>
+                          </a:rPr>
+                          <m:t>, </m:t>
+                        </m:r>
+                        <m:r>
+                          <a:rPr lang="en-US" altLang="zh-TW" sz="2000" b="0" i="1" smtClean="0">
+                            <a:latin typeface="Cambria Math" panose="02040503050406030204" pitchFamily="18" charset="0"/>
+                          </a:rPr>
+                          <m:t>𝑦</m:t>
+                        </m:r>
+                      </m:e>
+                    </m:d>
+                    <m:r>
+                      <a:rPr lang="en-US" altLang="zh-TW" sz="2000" b="0" i="1" smtClean="0">
+                        <a:latin typeface="Cambria Math" panose="02040503050406030204" pitchFamily="18" charset="0"/>
+                      </a:rPr>
+                      <m:t>: </m:t>
+                    </m:r>
+                  </m:oMath>
+                </a14:m>
+                <a:r>
+                  <a:rPr lang="en-US" altLang="zh-TW" sz="2000" dirty="0">
+                    <a:latin typeface="Times" panose="02020603050405020304" pitchFamily="18" charset="0"/>
+                    <a:cs typeface="Times" panose="02020603050405020304" pitchFamily="18" charset="0"/>
+                  </a:rPr>
+                  <a:t> Density penalty to spread cells.</a:t>
+                </a:r>
+              </a:p>
+              <a:p>
+                <a:pPr>
+                  <a:lnSpc>
+                    <a:spcPct val="130000"/>
+                  </a:lnSpc>
+                  <a:buFont typeface="Wingdings" panose="05000000000000000000" pitchFamily="2" charset="2"/>
+                  <a:buChar char="Ø"/>
+                </a:pPr>
+                <a:r>
+                  <a:rPr lang="en-US" altLang="zh-TW" sz="2000" dirty="0">
+                    <a:latin typeface="Times" panose="02020603050405020304" pitchFamily="18" charset="0"/>
+                    <a:cs typeface="Times" panose="02020603050405020304" pitchFamily="18" charset="0"/>
+                  </a:rPr>
+                  <a:t> λ</a:t>
+                </a:r>
+                <a:r>
+                  <a:rPr lang="zh-TW" altLang="en-US" sz="2000" dirty="0">
+                    <a:latin typeface="Times" panose="02020603050405020304" pitchFamily="18" charset="0"/>
+                    <a:cs typeface="Times" panose="02020603050405020304" pitchFamily="18" charset="0"/>
+                  </a:rPr>
+                  <a:t> </a:t>
+                </a:r>
+                <a:r>
+                  <a:rPr lang="en-US" altLang="zh-TW" sz="2000" dirty="0">
+                    <a:latin typeface="Times" panose="02020603050405020304" pitchFamily="18" charset="0"/>
+                    <a:cs typeface="Times" panose="02020603050405020304" pitchFamily="18" charset="0"/>
+                  </a:rPr>
+                  <a:t>:</a:t>
+                </a:r>
+                <a:r>
+                  <a:rPr lang="zh-TW" altLang="en-US" sz="2000" dirty="0">
+                    <a:latin typeface="Times" panose="02020603050405020304" pitchFamily="18" charset="0"/>
+                    <a:cs typeface="Times" panose="02020603050405020304" pitchFamily="18" charset="0"/>
+                  </a:rPr>
+                  <a:t> </a:t>
+                </a:r>
+                <a:r>
+                  <a:rPr lang="en-US" altLang="zh-TW" sz="2000" dirty="0">
+                    <a:latin typeface="Times" panose="02020603050405020304" pitchFamily="18" charset="0"/>
+                    <a:cs typeface="Times" panose="02020603050405020304" pitchFamily="18" charset="0"/>
+                  </a:rPr>
+                  <a:t>Density penalty factor</a:t>
+                </a:r>
+                <a:endParaRPr lang="zh-TW" altLang="en-US" sz="2000" dirty="0">
+                  <a:latin typeface="Times" panose="02020603050405020304" pitchFamily="18" charset="0"/>
+                  <a:cs typeface="Times" panose="02020603050405020304" pitchFamily="18" charset="0"/>
+                </a:endParaRPr>
+              </a:p>
+              <a:p>
+                <a:pPr>
+                  <a:buFont typeface="Wingdings" panose="05000000000000000000" pitchFamily="2" charset="2"/>
+                  <a:buChar char="Ø"/>
+                </a:pPr>
+                <a:endParaRPr lang="zh-TW" altLang="en-US" sz="2400" dirty="0">
+                  <a:latin typeface="Times" panose="02020603050405020304" pitchFamily="18" charset="0"/>
+                  <a:cs typeface="Times" panose="02020603050405020304" pitchFamily="18" charset="0"/>
+                </a:endParaRPr>
+              </a:p>
+            </p:txBody>
+          </p:sp>
+        </mc:Choice>
+        <mc:Fallback xmlns="">
+          <p:sp>
+            <p:nvSpPr>
+              <p:cNvPr id="3" name="內容版面配置區 2">
+                <a:extLst>
+                  <a:ext uri="{FF2B5EF4-FFF2-40B4-BE49-F238E27FC236}">
+                    <a16:creationId xmlns:a16="http://schemas.microsoft.com/office/drawing/2014/main" id="{8AC4E013-E47D-C26C-B333-168A6F3A8436}"/>
+                  </a:ext>
+                </a:extLst>
+              </p:cNvPr>
+              <p:cNvSpPr>
+                <a:spLocks noGrp="1" noRot="1" noChangeAspect="1" noMove="1" noResize="1" noEditPoints="1" noAdjustHandles="1" noChangeArrowheads="1" noChangeShapeType="1" noTextEdit="1"/>
+              </p:cNvSpPr>
+              <p:nvPr>
+                <p:ph idx="1"/>
+              </p:nvPr>
+            </p:nvSpPr>
+            <p:spPr>
+              <a:blipFill>
+                <a:blip r:embed="rId3"/>
+                <a:stretch>
+                  <a:fillRect l="-696" t="-1541"/>
+                </a:stretch>
+              </a:blipFill>
+            </p:spPr>
+            <p:txBody>
+              <a:bodyPr/>
+              <a:lstStyle/>
+              <a:p>
+                <a:r>
+                  <a:rPr lang="zh-TW" altLang="en-US">
+                    <a:noFill/>
+                  </a:rPr>
+                  <a:t> </a:t>
+                </a:r>
+              </a:p>
+            </p:txBody>
+          </p:sp>
+        </mc:Fallback>
+      </mc:AlternateContent>
+      <p:sp>
+        <p:nvSpPr>
+          <p:cNvPr id="4" name="投影片編號版面配置區 3">
+            <a:extLst>
+              <a:ext uri="{FF2B5EF4-FFF2-40B4-BE49-F238E27FC236}">
+                <a16:creationId xmlns:a16="http://schemas.microsoft.com/office/drawing/2014/main" id="{2DD87A65-A426-F2D5-4AE1-C69B694DAED6}"/>
+              </a:ext>
+            </a:extLst>
+          </p:cNvPr>
+          <p:cNvSpPr>
+            <a:spLocks noGrp="1"/>
+          </p:cNvSpPr>
+          <p:nvPr>
+            <p:ph type="sldNum" sz="quarter" idx="12"/>
+          </p:nvPr>
+        </p:nvSpPr>
+        <p:spPr/>
+        <p:txBody>
+          <a:bodyPr/>
+          <a:lstStyle/>
+          <a:p>
+            <a:fld id="{666274A1-CF9C-426A-8DD4-B13ED0C24231}" type="slidenum">
+              <a:rPr lang="en-US" smtClean="0"/>
+              <a:t>9</a:t>
+            </a:fld>
+            <a:endParaRPr lang="en-US"/>
+          </a:p>
+        </p:txBody>
+      </p:sp>
+    </p:spTree>
+    <p:extLst>
+      <p:ext uri="{BB962C8B-B14F-4D97-AF65-F5344CB8AC3E}">
+        <p14:creationId xmlns:p14="http://schemas.microsoft.com/office/powerpoint/2010/main" val="3933262942"/>
+      </p:ext>
+    </p:extLst>
+  </p:cSld>
+  <p:clrMapOvr>
+    <a:masterClrMapping/>
+  </p:clrMapOvr>
+</p:sld>
+</file>
+
+<file path=ppt/slides/slide11.xml><?xml version="1.0" encoding="utf-8"?>
 <p:sld xmlns:a="http://schemas.openxmlformats.org/drawingml/2006/main" xmlns:r="http://schemas.openxmlformats.org/officeDocument/2006/relationships" xmlns:p="http://schemas.openxmlformats.org/presentationml/2006/main">
   <p:cSld>
     <p:spTree>
@@ -12202,7 +14067,7 @@
           <a:p>
             <a:fld id="{666274A1-CF9C-426A-8DD4-B13ED0C24231}" type="slidenum">
               <a:rPr lang="en-US" smtClean="0"/>
-              <a:t>9</a:t>
+              <a:t>10</a:t>
             </a:fld>
             <a:endParaRPr lang="en-US"/>
           </a:p>
@@ -12594,7 +14459,7 @@
 </p:sld>
 </file>
 
-<file path=ppt/slides/slide11.xml><?xml version="1.0" encoding="utf-8"?>
+<file path=ppt/slides/slide12.xml><?xml version="1.0" encoding="utf-8"?>
 <p:sld xmlns:a="http://schemas.openxmlformats.org/drawingml/2006/main" xmlns:r="http://schemas.openxmlformats.org/officeDocument/2006/relationships" xmlns:p="http://schemas.openxmlformats.org/presentationml/2006/main">
   <p:cSld>
     <p:spTree>
@@ -13722,7 +15587,7 @@
           <a:p>
             <a:fld id="{666274A1-CF9C-426A-8DD4-B13ED0C24231}" type="slidenum">
               <a:rPr lang="en-US" smtClean="0"/>
-              <a:t>10</a:t>
+              <a:t>11</a:t>
             </a:fld>
             <a:endParaRPr lang="en-US" dirty="0"/>
           </a:p>
@@ -13741,7 +15606,7 @@
 </p:sld>
 </file>
 
-<file path=ppt/slides/slide12.xml><?xml version="1.0" encoding="utf-8"?>
+<file path=ppt/slides/slide13.xml><?xml version="1.0" encoding="utf-8"?>
 <p:sld xmlns:a="http://schemas.openxmlformats.org/drawingml/2006/main" xmlns:r="http://schemas.openxmlformats.org/officeDocument/2006/relationships" xmlns:p="http://schemas.openxmlformats.org/presentationml/2006/main">
   <p:cSld>
     <p:spTree>
@@ -14275,7 +16140,7 @@
           <a:p>
             <a:fld id="{666274A1-CF9C-426A-8DD4-B13ED0C24231}" type="slidenum">
               <a:rPr lang="en-US" smtClean="0"/>
-              <a:t>11</a:t>
+              <a:t>12</a:t>
             </a:fld>
             <a:endParaRPr lang="en-US"/>
           </a:p>
@@ -14324,7 +16189,291 @@
 </p:sld>
 </file>
 
-<file path=ppt/slides/slide13.xml><?xml version="1.0" encoding="utf-8"?>
+<file path=ppt/slides/slide14.xml><?xml version="1.0" encoding="utf-8"?>
+<p:sld xmlns:a="http://schemas.openxmlformats.org/drawingml/2006/main" xmlns:r="http://schemas.openxmlformats.org/officeDocument/2006/relationships" xmlns:p="http://schemas.openxmlformats.org/presentationml/2006/main">
+  <p:cSld>
+    <p:spTree>
+      <p:nvGrpSpPr>
+        <p:cNvPr id="1" name=""/>
+        <p:cNvGrpSpPr/>
+        <p:nvPr/>
+      </p:nvGrpSpPr>
+      <p:grpSpPr>
+        <a:xfrm>
+          <a:off x="0" y="0"/>
+          <a:ext cx="0" cy="0"/>
+          <a:chOff x="0" y="0"/>
+          <a:chExt cx="0" cy="0"/>
+        </a:xfrm>
+      </p:grpSpPr>
+      <p:sp>
+        <p:nvSpPr>
+          <p:cNvPr id="2" name="Title 1">
+            <a:extLst>
+              <a:ext uri="{FF2B5EF4-FFF2-40B4-BE49-F238E27FC236}">
+                <a16:creationId xmlns:a16="http://schemas.microsoft.com/office/drawing/2014/main" id="{034B2B09-3A89-725A-85C2-749F88A4474D}"/>
+              </a:ext>
+            </a:extLst>
+          </p:cNvPr>
+          <p:cNvSpPr>
+            <a:spLocks noGrp="1"/>
+          </p:cNvSpPr>
+          <p:nvPr>
+            <p:ph type="title"/>
+          </p:nvPr>
+        </p:nvSpPr>
+        <p:spPr/>
+        <p:txBody>
+          <a:bodyPr/>
+          <a:lstStyle/>
+          <a:p>
+            <a:r>
+              <a:rPr lang="en-US" sz="4000" dirty="0">
+                <a:latin typeface="Times New Roman" panose="02020603050405020304" pitchFamily="18" charset="0"/>
+                <a:cs typeface="Times New Roman" panose="02020603050405020304" pitchFamily="18" charset="0"/>
+              </a:rPr>
+              <a:t>Outline</a:t>
+            </a:r>
+            <a:endParaRPr lang="en-US" dirty="0">
+              <a:latin typeface="Times New Roman" panose="02020603050405020304" pitchFamily="18" charset="0"/>
+              <a:cs typeface="Times New Roman" panose="02020603050405020304" pitchFamily="18" charset="0"/>
+            </a:endParaRPr>
+          </a:p>
+        </p:txBody>
+      </p:sp>
+      <p:sp>
+        <p:nvSpPr>
+          <p:cNvPr id="3" name="Content Placeholder 2">
+            <a:extLst>
+              <a:ext uri="{FF2B5EF4-FFF2-40B4-BE49-F238E27FC236}">
+                <a16:creationId xmlns:a16="http://schemas.microsoft.com/office/drawing/2014/main" id="{35A1418A-E9D3-D2C1-863A-CF59359781D1}"/>
+              </a:ext>
+            </a:extLst>
+          </p:cNvPr>
+          <p:cNvSpPr>
+            <a:spLocks noGrp="1"/>
+          </p:cNvSpPr>
+          <p:nvPr>
+            <p:ph idx="1"/>
+          </p:nvPr>
+        </p:nvSpPr>
+        <p:spPr/>
+        <p:txBody>
+          <a:bodyPr>
+            <a:normAutofit fontScale="92500" lnSpcReduction="10000"/>
+          </a:bodyPr>
+          <a:lstStyle/>
+          <a:p>
+            <a:pPr>
+              <a:lnSpc>
+                <a:spcPct val="130000"/>
+              </a:lnSpc>
+            </a:pPr>
+            <a:r>
+              <a:rPr lang="en-US" sz="2400" dirty="0">
+                <a:solidFill>
+                  <a:schemeClr val="bg1">
+                    <a:lumMod val="65000"/>
+                  </a:schemeClr>
+                </a:solidFill>
+                <a:latin typeface="Times New Roman" panose="02020603050405020304" pitchFamily="18" charset="0"/>
+                <a:cs typeface="Times New Roman" panose="02020603050405020304" pitchFamily="18" charset="0"/>
+              </a:rPr>
+              <a:t>Abstract</a:t>
+            </a:r>
+          </a:p>
+          <a:p>
+            <a:pPr>
+              <a:lnSpc>
+                <a:spcPct val="130000"/>
+              </a:lnSpc>
+            </a:pPr>
+            <a:r>
+              <a:rPr lang="en-US" sz="2400" dirty="0">
+                <a:solidFill>
+                  <a:schemeClr val="bg1">
+                    <a:lumMod val="65000"/>
+                  </a:schemeClr>
+                </a:solidFill>
+                <a:latin typeface="Times New Roman" panose="02020603050405020304" pitchFamily="18" charset="0"/>
+                <a:cs typeface="Times New Roman" panose="02020603050405020304" pitchFamily="18" charset="0"/>
+              </a:rPr>
+              <a:t>Introduction</a:t>
+            </a:r>
+          </a:p>
+          <a:p>
+            <a:pPr>
+              <a:lnSpc>
+                <a:spcPct val="130000"/>
+              </a:lnSpc>
+            </a:pPr>
+            <a:r>
+              <a:rPr lang="en-US" sz="2400" dirty="0">
+                <a:solidFill>
+                  <a:schemeClr val="bg1">
+                    <a:lumMod val="65000"/>
+                  </a:schemeClr>
+                </a:solidFill>
+                <a:latin typeface="Times New Roman" panose="02020603050405020304" pitchFamily="18" charset="0"/>
+                <a:cs typeface="Times New Roman" panose="02020603050405020304" pitchFamily="18" charset="0"/>
+              </a:rPr>
+              <a:t>Preliminaries</a:t>
+            </a:r>
+          </a:p>
+          <a:p>
+            <a:pPr>
+              <a:lnSpc>
+                <a:spcPct val="130000"/>
+              </a:lnSpc>
+            </a:pPr>
+            <a:r>
+              <a:rPr lang="en-US" sz="2400" dirty="0">
+                <a:latin typeface="Times New Roman" panose="02020603050405020304" pitchFamily="18" charset="0"/>
+                <a:cs typeface="Times New Roman" panose="02020603050405020304" pitchFamily="18" charset="0"/>
+              </a:rPr>
+              <a:t>Proposed Algorithm</a:t>
+            </a:r>
+          </a:p>
+          <a:p>
+            <a:pPr lvl="1">
+              <a:lnSpc>
+                <a:spcPct val="130000"/>
+              </a:lnSpc>
+            </a:pPr>
+            <a:r>
+              <a:rPr lang="en-US" sz="2000" dirty="0">
+                <a:solidFill>
+                  <a:schemeClr val="bg1">
+                    <a:lumMod val="65000"/>
+                  </a:schemeClr>
+                </a:solidFill>
+                <a:latin typeface="Times New Roman" panose="02020603050405020304" pitchFamily="18" charset="0"/>
+                <a:cs typeface="Times New Roman" panose="02020603050405020304" pitchFamily="18" charset="0"/>
+              </a:rPr>
+              <a:t>Congestion Estimation</a:t>
+            </a:r>
+          </a:p>
+          <a:p>
+            <a:pPr lvl="1">
+              <a:lnSpc>
+                <a:spcPct val="130000"/>
+              </a:lnSpc>
+            </a:pPr>
+            <a:r>
+              <a:rPr lang="en-US" sz="2000" dirty="0">
+                <a:solidFill>
+                  <a:schemeClr val="bg1">
+                    <a:lumMod val="65000"/>
+                  </a:schemeClr>
+                </a:solidFill>
+                <a:latin typeface="Times New Roman" panose="02020603050405020304" pitchFamily="18" charset="0"/>
+                <a:cs typeface="Times New Roman" panose="02020603050405020304" pitchFamily="18" charset="0"/>
+              </a:rPr>
+              <a:t>Cell Padding</a:t>
+            </a:r>
+          </a:p>
+          <a:p>
+            <a:pPr lvl="1">
+              <a:lnSpc>
+                <a:spcPct val="130000"/>
+              </a:lnSpc>
+            </a:pPr>
+            <a:r>
+              <a:rPr lang="en-US" sz="2000" dirty="0">
+                <a:solidFill>
+                  <a:schemeClr val="bg1">
+                    <a:lumMod val="65000"/>
+                  </a:schemeClr>
+                </a:solidFill>
+                <a:latin typeface="Times New Roman" panose="02020603050405020304" pitchFamily="18" charset="0"/>
+                <a:cs typeface="Times New Roman" panose="02020603050405020304" pitchFamily="18" charset="0"/>
+              </a:rPr>
+              <a:t>Strategy Exploration</a:t>
+            </a:r>
+          </a:p>
+          <a:p>
+            <a:pPr lvl="1">
+              <a:lnSpc>
+                <a:spcPct val="130000"/>
+              </a:lnSpc>
+            </a:pPr>
+            <a:r>
+              <a:rPr lang="en-US" sz="2000" dirty="0">
+                <a:solidFill>
+                  <a:schemeClr val="bg1">
+                    <a:lumMod val="65000"/>
+                  </a:schemeClr>
+                </a:solidFill>
+                <a:latin typeface="Times New Roman" panose="02020603050405020304" pitchFamily="18" charset="0"/>
+                <a:cs typeface="Times New Roman" panose="02020603050405020304" pitchFamily="18" charset="0"/>
+              </a:rPr>
+              <a:t>Legalization</a:t>
+            </a:r>
+          </a:p>
+          <a:p>
+            <a:pPr>
+              <a:lnSpc>
+                <a:spcPct val="130000"/>
+              </a:lnSpc>
+            </a:pPr>
+            <a:r>
+              <a:rPr lang="en-US" sz="2400" dirty="0">
+                <a:solidFill>
+                  <a:schemeClr val="bg1">
+                    <a:lumMod val="65000"/>
+                  </a:schemeClr>
+                </a:solidFill>
+                <a:latin typeface="Times New Roman" panose="02020603050405020304" pitchFamily="18" charset="0"/>
+                <a:cs typeface="Times New Roman" panose="02020603050405020304" pitchFamily="18" charset="0"/>
+              </a:rPr>
+              <a:t>Experimental Result</a:t>
+            </a:r>
+          </a:p>
+        </p:txBody>
+      </p:sp>
+      <p:sp>
+        <p:nvSpPr>
+          <p:cNvPr id="4" name="Slide Number Placeholder 3">
+            <a:extLst>
+              <a:ext uri="{FF2B5EF4-FFF2-40B4-BE49-F238E27FC236}">
+                <a16:creationId xmlns:a16="http://schemas.microsoft.com/office/drawing/2014/main" id="{3592E110-E718-0573-BF00-CE5E90916A66}"/>
+              </a:ext>
+            </a:extLst>
+          </p:cNvPr>
+          <p:cNvSpPr>
+            <a:spLocks noGrp="1"/>
+          </p:cNvSpPr>
+          <p:nvPr>
+            <p:ph type="sldNum" sz="quarter" idx="12"/>
+          </p:nvPr>
+        </p:nvSpPr>
+        <p:spPr/>
+        <p:txBody>
+          <a:bodyPr/>
+          <a:lstStyle/>
+          <a:p>
+            <a:fld id="{666274A1-CF9C-426A-8DD4-B13ED0C24231}" type="slidenum">
+              <a:rPr lang="en-US" smtClean="0"/>
+              <a:t>13</a:t>
+            </a:fld>
+            <a:endParaRPr lang="en-US"/>
+          </a:p>
+        </p:txBody>
+      </p:sp>
+    </p:spTree>
+    <p:extLst>
+      <p:ext uri="{BB962C8B-B14F-4D97-AF65-F5344CB8AC3E}">
+        <p14:creationId xmlns:p14="http://schemas.microsoft.com/office/powerpoint/2010/main" val="332051324"/>
+      </p:ext>
+    </p:extLst>
+  </p:cSld>
+  <p:clrMapOvr>
+    <a:masterClrMapping/>
+  </p:clrMapOvr>
+</p:sld>
+</file>
+
+<file path=ppt/slides/slide15.xml><?xml version="1.0" encoding="utf-8"?>
 <p:sld xmlns:a="http://schemas.openxmlformats.org/drawingml/2006/main" xmlns:r="http://schemas.openxmlformats.org/officeDocument/2006/relationships" xmlns:p="http://schemas.openxmlformats.org/presentationml/2006/main">
   <p:cSld>
     <p:spTree>
@@ -14430,7 +16579,7 @@
           <a:p>
             <a:fld id="{666274A1-CF9C-426A-8DD4-B13ED0C24231}" type="slidenum">
               <a:rPr lang="en-US" smtClean="0"/>
-              <a:t>12</a:t>
+              <a:t>14</a:t>
             </a:fld>
             <a:endParaRPr lang="en-US"/>
           </a:p>
@@ -14449,7 +16598,286 @@
 </p:sld>
 </file>
 
-<file path=ppt/slides/slide14.xml><?xml version="1.0" encoding="utf-8"?>
+<file path=ppt/slides/slide16.xml><?xml version="1.0" encoding="utf-8"?>
+<p:sld xmlns:a="http://schemas.openxmlformats.org/drawingml/2006/main" xmlns:r="http://schemas.openxmlformats.org/officeDocument/2006/relationships" xmlns:p="http://schemas.openxmlformats.org/presentationml/2006/main">
+  <p:cSld>
+    <p:spTree>
+      <p:nvGrpSpPr>
+        <p:cNvPr id="1" name=""/>
+        <p:cNvGrpSpPr/>
+        <p:nvPr/>
+      </p:nvGrpSpPr>
+      <p:grpSpPr>
+        <a:xfrm>
+          <a:off x="0" y="0"/>
+          <a:ext cx="0" cy="0"/>
+          <a:chOff x="0" y="0"/>
+          <a:chExt cx="0" cy="0"/>
+        </a:xfrm>
+      </p:grpSpPr>
+      <p:sp>
+        <p:nvSpPr>
+          <p:cNvPr id="2" name="Title 1">
+            <a:extLst>
+              <a:ext uri="{FF2B5EF4-FFF2-40B4-BE49-F238E27FC236}">
+                <a16:creationId xmlns:a16="http://schemas.microsoft.com/office/drawing/2014/main" id="{034B2B09-3A89-725A-85C2-749F88A4474D}"/>
+              </a:ext>
+            </a:extLst>
+          </p:cNvPr>
+          <p:cNvSpPr>
+            <a:spLocks noGrp="1"/>
+          </p:cNvSpPr>
+          <p:nvPr>
+            <p:ph type="title"/>
+          </p:nvPr>
+        </p:nvSpPr>
+        <p:spPr/>
+        <p:txBody>
+          <a:bodyPr/>
+          <a:lstStyle/>
+          <a:p>
+            <a:r>
+              <a:rPr lang="en-US" sz="4000" dirty="0">
+                <a:latin typeface="Times New Roman" panose="02020603050405020304" pitchFamily="18" charset="0"/>
+                <a:cs typeface="Times New Roman" panose="02020603050405020304" pitchFamily="18" charset="0"/>
+              </a:rPr>
+              <a:t>Outline</a:t>
+            </a:r>
+            <a:endParaRPr lang="en-US" dirty="0">
+              <a:latin typeface="Times New Roman" panose="02020603050405020304" pitchFamily="18" charset="0"/>
+              <a:cs typeface="Times New Roman" panose="02020603050405020304" pitchFamily="18" charset="0"/>
+            </a:endParaRPr>
+          </a:p>
+        </p:txBody>
+      </p:sp>
+      <p:sp>
+        <p:nvSpPr>
+          <p:cNvPr id="3" name="Content Placeholder 2">
+            <a:extLst>
+              <a:ext uri="{FF2B5EF4-FFF2-40B4-BE49-F238E27FC236}">
+                <a16:creationId xmlns:a16="http://schemas.microsoft.com/office/drawing/2014/main" id="{35A1418A-E9D3-D2C1-863A-CF59359781D1}"/>
+              </a:ext>
+            </a:extLst>
+          </p:cNvPr>
+          <p:cNvSpPr>
+            <a:spLocks noGrp="1"/>
+          </p:cNvSpPr>
+          <p:nvPr>
+            <p:ph idx="1"/>
+          </p:nvPr>
+        </p:nvSpPr>
+        <p:spPr/>
+        <p:txBody>
+          <a:bodyPr>
+            <a:normAutofit fontScale="92500" lnSpcReduction="10000"/>
+          </a:bodyPr>
+          <a:lstStyle/>
+          <a:p>
+            <a:pPr>
+              <a:lnSpc>
+                <a:spcPct val="130000"/>
+              </a:lnSpc>
+            </a:pPr>
+            <a:r>
+              <a:rPr lang="en-US" sz="2400" dirty="0">
+                <a:solidFill>
+                  <a:schemeClr val="bg1">
+                    <a:lumMod val="65000"/>
+                  </a:schemeClr>
+                </a:solidFill>
+                <a:latin typeface="Times New Roman" panose="02020603050405020304" pitchFamily="18" charset="0"/>
+                <a:cs typeface="Times New Roman" panose="02020603050405020304" pitchFamily="18" charset="0"/>
+              </a:rPr>
+              <a:t>Abstract</a:t>
+            </a:r>
+          </a:p>
+          <a:p>
+            <a:pPr>
+              <a:lnSpc>
+                <a:spcPct val="130000"/>
+              </a:lnSpc>
+            </a:pPr>
+            <a:r>
+              <a:rPr lang="en-US" sz="2400" dirty="0">
+                <a:solidFill>
+                  <a:schemeClr val="bg1">
+                    <a:lumMod val="65000"/>
+                  </a:schemeClr>
+                </a:solidFill>
+                <a:latin typeface="Times New Roman" panose="02020603050405020304" pitchFamily="18" charset="0"/>
+                <a:cs typeface="Times New Roman" panose="02020603050405020304" pitchFamily="18" charset="0"/>
+              </a:rPr>
+              <a:t>Introduction</a:t>
+            </a:r>
+          </a:p>
+          <a:p>
+            <a:pPr>
+              <a:lnSpc>
+                <a:spcPct val="130000"/>
+              </a:lnSpc>
+            </a:pPr>
+            <a:r>
+              <a:rPr lang="en-US" sz="2400" dirty="0">
+                <a:solidFill>
+                  <a:schemeClr val="bg1">
+                    <a:lumMod val="65000"/>
+                  </a:schemeClr>
+                </a:solidFill>
+                <a:latin typeface="Times New Roman" panose="02020603050405020304" pitchFamily="18" charset="0"/>
+                <a:cs typeface="Times New Roman" panose="02020603050405020304" pitchFamily="18" charset="0"/>
+              </a:rPr>
+              <a:t>Preliminaries</a:t>
+            </a:r>
+          </a:p>
+          <a:p>
+            <a:pPr>
+              <a:lnSpc>
+                <a:spcPct val="130000"/>
+              </a:lnSpc>
+            </a:pPr>
+            <a:r>
+              <a:rPr lang="en-US" sz="2400" dirty="0">
+                <a:latin typeface="Times New Roman" panose="02020603050405020304" pitchFamily="18" charset="0"/>
+                <a:cs typeface="Times New Roman" panose="02020603050405020304" pitchFamily="18" charset="0"/>
+              </a:rPr>
+              <a:t>Proposed Algorithm</a:t>
+            </a:r>
+          </a:p>
+          <a:p>
+            <a:pPr lvl="1">
+              <a:lnSpc>
+                <a:spcPct val="130000"/>
+              </a:lnSpc>
+            </a:pPr>
+            <a:r>
+              <a:rPr lang="en-US" sz="2000" dirty="0">
+                <a:latin typeface="Times New Roman" panose="02020603050405020304" pitchFamily="18" charset="0"/>
+                <a:cs typeface="Times New Roman" panose="02020603050405020304" pitchFamily="18" charset="0"/>
+              </a:rPr>
+              <a:t>Congestion Estimation</a:t>
+            </a:r>
+          </a:p>
+          <a:p>
+            <a:pPr lvl="1">
+              <a:lnSpc>
+                <a:spcPct val="130000"/>
+              </a:lnSpc>
+            </a:pPr>
+            <a:r>
+              <a:rPr lang="en-US" sz="2000" dirty="0">
+                <a:solidFill>
+                  <a:schemeClr val="bg1">
+                    <a:lumMod val="65000"/>
+                  </a:schemeClr>
+                </a:solidFill>
+                <a:latin typeface="Times New Roman" panose="02020603050405020304" pitchFamily="18" charset="0"/>
+                <a:cs typeface="Times New Roman" panose="02020603050405020304" pitchFamily="18" charset="0"/>
+              </a:rPr>
+              <a:t>Cell Padding</a:t>
+            </a:r>
+          </a:p>
+          <a:p>
+            <a:pPr lvl="1">
+              <a:lnSpc>
+                <a:spcPct val="130000"/>
+              </a:lnSpc>
+            </a:pPr>
+            <a:r>
+              <a:rPr lang="en-US" sz="2000" dirty="0">
+                <a:solidFill>
+                  <a:schemeClr val="bg1">
+                    <a:lumMod val="65000"/>
+                  </a:schemeClr>
+                </a:solidFill>
+                <a:latin typeface="Times New Roman" panose="02020603050405020304" pitchFamily="18" charset="0"/>
+                <a:cs typeface="Times New Roman" panose="02020603050405020304" pitchFamily="18" charset="0"/>
+              </a:rPr>
+              <a:t>Strategy Exploration</a:t>
+            </a:r>
+          </a:p>
+          <a:p>
+            <a:pPr lvl="1">
+              <a:lnSpc>
+                <a:spcPct val="130000"/>
+              </a:lnSpc>
+            </a:pPr>
+            <a:r>
+              <a:rPr lang="en-US" sz="2000" dirty="0">
+                <a:solidFill>
+                  <a:schemeClr val="bg1">
+                    <a:lumMod val="65000"/>
+                  </a:schemeClr>
+                </a:solidFill>
+                <a:latin typeface="Times New Roman" panose="02020603050405020304" pitchFamily="18" charset="0"/>
+                <a:cs typeface="Times New Roman" panose="02020603050405020304" pitchFamily="18" charset="0"/>
+              </a:rPr>
+              <a:t>Legalization</a:t>
+            </a:r>
+          </a:p>
+          <a:p>
+            <a:pPr>
+              <a:lnSpc>
+                <a:spcPct val="130000"/>
+              </a:lnSpc>
+            </a:pPr>
+            <a:r>
+              <a:rPr lang="en-US" sz="2400" dirty="0">
+                <a:solidFill>
+                  <a:schemeClr val="bg1">
+                    <a:lumMod val="65000"/>
+                  </a:schemeClr>
+                </a:solidFill>
+                <a:latin typeface="Times New Roman" panose="02020603050405020304" pitchFamily="18" charset="0"/>
+                <a:cs typeface="Times New Roman" panose="02020603050405020304" pitchFamily="18" charset="0"/>
+              </a:rPr>
+              <a:t>Experimental Result</a:t>
+            </a:r>
+          </a:p>
+        </p:txBody>
+      </p:sp>
+      <p:sp>
+        <p:nvSpPr>
+          <p:cNvPr id="4" name="Slide Number Placeholder 3">
+            <a:extLst>
+              <a:ext uri="{FF2B5EF4-FFF2-40B4-BE49-F238E27FC236}">
+                <a16:creationId xmlns:a16="http://schemas.microsoft.com/office/drawing/2014/main" id="{3592E110-E718-0573-BF00-CE5E90916A66}"/>
+              </a:ext>
+            </a:extLst>
+          </p:cNvPr>
+          <p:cNvSpPr>
+            <a:spLocks noGrp="1"/>
+          </p:cNvSpPr>
+          <p:nvPr>
+            <p:ph type="sldNum" sz="quarter" idx="12"/>
+          </p:nvPr>
+        </p:nvSpPr>
+        <p:spPr/>
+        <p:txBody>
+          <a:bodyPr/>
+          <a:lstStyle/>
+          <a:p>
+            <a:fld id="{666274A1-CF9C-426A-8DD4-B13ED0C24231}" type="slidenum">
+              <a:rPr lang="en-US" smtClean="0"/>
+              <a:t>15</a:t>
+            </a:fld>
+            <a:endParaRPr lang="en-US"/>
+          </a:p>
+        </p:txBody>
+      </p:sp>
+    </p:spTree>
+    <p:extLst>
+      <p:ext uri="{BB962C8B-B14F-4D97-AF65-F5344CB8AC3E}">
+        <p14:creationId xmlns:p14="http://schemas.microsoft.com/office/powerpoint/2010/main" val="2936331985"/>
+      </p:ext>
+    </p:extLst>
+  </p:cSld>
+  <p:clrMapOvr>
+    <a:masterClrMapping/>
+  </p:clrMapOvr>
+</p:sld>
+</file>
+
+<file path=ppt/slides/slide17.xml><?xml version="1.0" encoding="utf-8"?>
 <p:sld xmlns:a="http://schemas.openxmlformats.org/drawingml/2006/main" xmlns:r="http://schemas.openxmlformats.org/officeDocument/2006/relationships" xmlns:p="http://schemas.openxmlformats.org/presentationml/2006/main" show="0">
   <p:cSld>
     <p:spTree>
@@ -14581,7 +17009,7 @@
           <a:p>
             <a:fld id="{666274A1-CF9C-426A-8DD4-B13ED0C24231}" type="slidenum">
               <a:rPr lang="en-US" smtClean="0"/>
-              <a:t>13</a:t>
+              <a:t>16</a:t>
             </a:fld>
             <a:endParaRPr lang="en-US"/>
           </a:p>
@@ -14661,7 +17089,7 @@
 </p:sld>
 </file>
 
-<file path=ppt/slides/slide15.xml><?xml version="1.0" encoding="utf-8"?>
+<file path=ppt/slides/slide18.xml><?xml version="1.0" encoding="utf-8"?>
 <p:sld xmlns:a="http://schemas.openxmlformats.org/drawingml/2006/main" xmlns:r="http://schemas.openxmlformats.org/officeDocument/2006/relationships" xmlns:p="http://schemas.openxmlformats.org/presentationml/2006/main">
   <p:cSld>
     <p:spTree>
@@ -14919,7 +17347,7 @@
           <a:p>
             <a:fld id="{666274A1-CF9C-426A-8DD4-B13ED0C24231}" type="slidenum">
               <a:rPr lang="en-US" smtClean="0"/>
-              <a:t>14</a:t>
+              <a:t>17</a:t>
             </a:fld>
             <a:endParaRPr lang="en-US"/>
           </a:p>
@@ -15496,7 +17924,7 @@
 </p:sld>
 </file>
 
-<file path=ppt/slides/slide16.xml><?xml version="1.0" encoding="utf-8"?>
+<file path=ppt/slides/slide19.xml><?xml version="1.0" encoding="utf-8"?>
 <p:sld xmlns:a="http://schemas.openxmlformats.org/drawingml/2006/main" xmlns:r="http://schemas.openxmlformats.org/officeDocument/2006/relationships" xmlns:p="http://schemas.openxmlformats.org/presentationml/2006/main">
   <p:cSld>
     <p:spTree>
@@ -15672,7 +18100,7 @@
           <a:p>
             <a:fld id="{666274A1-CF9C-426A-8DD4-B13ED0C24231}" type="slidenum">
               <a:rPr lang="en-US" smtClean="0"/>
-              <a:t>15</a:t>
+              <a:t>18</a:t>
             </a:fld>
             <a:endParaRPr lang="en-US"/>
           </a:p>
@@ -15721,7 +18149,251 @@
 </p:sld>
 </file>
 
-<file path=ppt/slides/slide17.xml><?xml version="1.0" encoding="utf-8"?>
+<file path=ppt/slides/slide2.xml><?xml version="1.0" encoding="utf-8"?>
+<p:sld xmlns:a="http://schemas.openxmlformats.org/drawingml/2006/main" xmlns:r="http://schemas.openxmlformats.org/officeDocument/2006/relationships" xmlns:p="http://schemas.openxmlformats.org/presentationml/2006/main">
+  <p:cSld>
+    <p:spTree>
+      <p:nvGrpSpPr>
+        <p:cNvPr id="1" name=""/>
+        <p:cNvGrpSpPr/>
+        <p:nvPr/>
+      </p:nvGrpSpPr>
+      <p:grpSpPr>
+        <a:xfrm>
+          <a:off x="0" y="0"/>
+          <a:ext cx="0" cy="0"/>
+          <a:chOff x="0" y="0"/>
+          <a:chExt cx="0" cy="0"/>
+        </a:xfrm>
+      </p:grpSpPr>
+      <p:sp>
+        <p:nvSpPr>
+          <p:cNvPr id="2" name="Title 1">
+            <a:extLst>
+              <a:ext uri="{FF2B5EF4-FFF2-40B4-BE49-F238E27FC236}">
+                <a16:creationId xmlns:a16="http://schemas.microsoft.com/office/drawing/2014/main" id="{034B2B09-3A89-725A-85C2-749F88A4474D}"/>
+              </a:ext>
+            </a:extLst>
+          </p:cNvPr>
+          <p:cNvSpPr>
+            <a:spLocks noGrp="1"/>
+          </p:cNvSpPr>
+          <p:nvPr>
+            <p:ph type="title"/>
+          </p:nvPr>
+        </p:nvSpPr>
+        <p:spPr/>
+        <p:txBody>
+          <a:bodyPr/>
+          <a:lstStyle/>
+          <a:p>
+            <a:r>
+              <a:rPr lang="en-US" sz="4000" dirty="0">
+                <a:latin typeface="Times New Roman" panose="02020603050405020304" pitchFamily="18" charset="0"/>
+                <a:cs typeface="Times New Roman" panose="02020603050405020304" pitchFamily="18" charset="0"/>
+              </a:rPr>
+              <a:t>Outline</a:t>
+            </a:r>
+            <a:endParaRPr lang="en-US" dirty="0">
+              <a:latin typeface="Times New Roman" panose="02020603050405020304" pitchFamily="18" charset="0"/>
+              <a:cs typeface="Times New Roman" panose="02020603050405020304" pitchFamily="18" charset="0"/>
+            </a:endParaRPr>
+          </a:p>
+        </p:txBody>
+      </p:sp>
+      <p:sp>
+        <p:nvSpPr>
+          <p:cNvPr id="3" name="Content Placeholder 2">
+            <a:extLst>
+              <a:ext uri="{FF2B5EF4-FFF2-40B4-BE49-F238E27FC236}">
+                <a16:creationId xmlns:a16="http://schemas.microsoft.com/office/drawing/2014/main" id="{35A1418A-E9D3-D2C1-863A-CF59359781D1}"/>
+              </a:ext>
+            </a:extLst>
+          </p:cNvPr>
+          <p:cNvSpPr>
+            <a:spLocks noGrp="1"/>
+          </p:cNvSpPr>
+          <p:nvPr>
+            <p:ph idx="1"/>
+          </p:nvPr>
+        </p:nvSpPr>
+        <p:spPr/>
+        <p:txBody>
+          <a:bodyPr>
+            <a:normAutofit fontScale="92500" lnSpcReduction="10000"/>
+          </a:bodyPr>
+          <a:lstStyle/>
+          <a:p>
+            <a:pPr>
+              <a:lnSpc>
+                <a:spcPct val="130000"/>
+              </a:lnSpc>
+            </a:pPr>
+            <a:r>
+              <a:rPr lang="en-US" sz="2400" dirty="0">
+                <a:latin typeface="Times New Roman" panose="02020603050405020304" pitchFamily="18" charset="0"/>
+                <a:cs typeface="Times New Roman" panose="02020603050405020304" pitchFamily="18" charset="0"/>
+              </a:rPr>
+              <a:t>Abstract</a:t>
+            </a:r>
+          </a:p>
+          <a:p>
+            <a:pPr>
+              <a:lnSpc>
+                <a:spcPct val="130000"/>
+              </a:lnSpc>
+            </a:pPr>
+            <a:r>
+              <a:rPr lang="en-US" sz="2400" dirty="0">
+                <a:latin typeface="Times New Roman" panose="02020603050405020304" pitchFamily="18" charset="0"/>
+                <a:cs typeface="Times New Roman" panose="02020603050405020304" pitchFamily="18" charset="0"/>
+              </a:rPr>
+              <a:t>Introduction</a:t>
+            </a:r>
+          </a:p>
+          <a:p>
+            <a:pPr>
+              <a:lnSpc>
+                <a:spcPct val="130000"/>
+              </a:lnSpc>
+            </a:pPr>
+            <a:r>
+              <a:rPr lang="en-US" sz="2400" dirty="0">
+                <a:latin typeface="Times New Roman" panose="02020603050405020304" pitchFamily="18" charset="0"/>
+                <a:cs typeface="Times New Roman" panose="02020603050405020304" pitchFamily="18" charset="0"/>
+              </a:rPr>
+              <a:t>Preliminaries</a:t>
+            </a:r>
+          </a:p>
+          <a:p>
+            <a:pPr>
+              <a:lnSpc>
+                <a:spcPct val="130000"/>
+              </a:lnSpc>
+            </a:pPr>
+            <a:r>
+              <a:rPr lang="en-US" sz="2400" dirty="0">
+                <a:latin typeface="Times New Roman" panose="02020603050405020304" pitchFamily="18" charset="0"/>
+                <a:cs typeface="Times New Roman" panose="02020603050405020304" pitchFamily="18" charset="0"/>
+              </a:rPr>
+              <a:t>Proposed Algorithm</a:t>
+            </a:r>
+          </a:p>
+          <a:p>
+            <a:pPr lvl="1">
+              <a:lnSpc>
+                <a:spcPct val="130000"/>
+              </a:lnSpc>
+            </a:pPr>
+            <a:r>
+              <a:rPr lang="en-US" sz="2000" dirty="0">
+                <a:latin typeface="Times New Roman" panose="02020603050405020304" pitchFamily="18" charset="0"/>
+                <a:cs typeface="Times New Roman" panose="02020603050405020304" pitchFamily="18" charset="0"/>
+              </a:rPr>
+              <a:t>Congestion Estimation</a:t>
+            </a:r>
+          </a:p>
+          <a:p>
+            <a:pPr lvl="1">
+              <a:lnSpc>
+                <a:spcPct val="130000"/>
+              </a:lnSpc>
+            </a:pPr>
+            <a:r>
+              <a:rPr lang="en-US" sz="2000" dirty="0">
+                <a:latin typeface="Times New Roman" panose="02020603050405020304" pitchFamily="18" charset="0"/>
+                <a:cs typeface="Times New Roman" panose="02020603050405020304" pitchFamily="18" charset="0"/>
+              </a:rPr>
+              <a:t>Cell Padding</a:t>
+            </a:r>
+          </a:p>
+          <a:p>
+            <a:pPr lvl="1">
+              <a:lnSpc>
+                <a:spcPct val="130000"/>
+              </a:lnSpc>
+            </a:pPr>
+            <a:r>
+              <a:rPr lang="en-US" sz="2000" dirty="0">
+                <a:latin typeface="Times New Roman" panose="02020603050405020304" pitchFamily="18" charset="0"/>
+                <a:cs typeface="Times New Roman" panose="02020603050405020304" pitchFamily="18" charset="0"/>
+              </a:rPr>
+              <a:t>Strategy Exploration</a:t>
+            </a:r>
+          </a:p>
+          <a:p>
+            <a:pPr lvl="1">
+              <a:lnSpc>
+                <a:spcPct val="130000"/>
+              </a:lnSpc>
+            </a:pPr>
+            <a:r>
+              <a:rPr lang="en-US" sz="2000" dirty="0">
+                <a:latin typeface="Times New Roman" panose="02020603050405020304" pitchFamily="18" charset="0"/>
+                <a:cs typeface="Times New Roman" panose="02020603050405020304" pitchFamily="18" charset="0"/>
+              </a:rPr>
+              <a:t>Legalization</a:t>
+            </a:r>
+          </a:p>
+          <a:p>
+            <a:pPr>
+              <a:lnSpc>
+                <a:spcPct val="130000"/>
+              </a:lnSpc>
+            </a:pPr>
+            <a:r>
+              <a:rPr lang="en-US" sz="2400" dirty="0">
+                <a:latin typeface="Times New Roman" panose="02020603050405020304" pitchFamily="18" charset="0"/>
+                <a:cs typeface="Times New Roman" panose="02020603050405020304" pitchFamily="18" charset="0"/>
+              </a:rPr>
+              <a:t>Experimental Result</a:t>
+            </a:r>
+          </a:p>
+        </p:txBody>
+      </p:sp>
+      <p:sp>
+        <p:nvSpPr>
+          <p:cNvPr id="4" name="Slide Number Placeholder 3">
+            <a:extLst>
+              <a:ext uri="{FF2B5EF4-FFF2-40B4-BE49-F238E27FC236}">
+                <a16:creationId xmlns:a16="http://schemas.microsoft.com/office/drawing/2014/main" id="{3592E110-E718-0573-BF00-CE5E90916A66}"/>
+              </a:ext>
+            </a:extLst>
+          </p:cNvPr>
+          <p:cNvSpPr>
+            <a:spLocks noGrp="1"/>
+          </p:cNvSpPr>
+          <p:nvPr>
+            <p:ph type="sldNum" sz="quarter" idx="12"/>
+          </p:nvPr>
+        </p:nvSpPr>
+        <p:spPr/>
+        <p:txBody>
+          <a:bodyPr/>
+          <a:lstStyle/>
+          <a:p>
+            <a:fld id="{666274A1-CF9C-426A-8DD4-B13ED0C24231}" type="slidenum">
+              <a:rPr lang="en-US" smtClean="0"/>
+              <a:t>1</a:t>
+            </a:fld>
+            <a:endParaRPr lang="en-US"/>
+          </a:p>
+        </p:txBody>
+      </p:sp>
+    </p:spTree>
+    <p:extLst>
+      <p:ext uri="{BB962C8B-B14F-4D97-AF65-F5344CB8AC3E}">
+        <p14:creationId xmlns:p14="http://schemas.microsoft.com/office/powerpoint/2010/main" val="1597209759"/>
+      </p:ext>
+    </p:extLst>
+  </p:cSld>
+  <p:clrMapOvr>
+    <a:masterClrMapping/>
+  </p:clrMapOvr>
+</p:sld>
+</file>
+
+<file path=ppt/slides/slide20.xml><?xml version="1.0" encoding="utf-8"?>
 <p:sld xmlns:a="http://schemas.openxmlformats.org/drawingml/2006/main" xmlns:r="http://schemas.openxmlformats.org/officeDocument/2006/relationships" xmlns:p="http://schemas.openxmlformats.org/presentationml/2006/main">
   <p:cSld>
     <p:spTree>
@@ -15860,7 +18532,7 @@
           <a:p>
             <a:fld id="{666274A1-CF9C-426A-8DD4-B13ED0C24231}" type="slidenum">
               <a:rPr lang="en-US" smtClean="0"/>
-              <a:t>16</a:t>
+              <a:t>19</a:t>
             </a:fld>
             <a:endParaRPr lang="en-US"/>
           </a:p>
@@ -15909,7 +18581,286 @@
 </p:sld>
 </file>
 
-<file path=ppt/slides/slide18.xml><?xml version="1.0" encoding="utf-8"?>
+<file path=ppt/slides/slide21.xml><?xml version="1.0" encoding="utf-8"?>
+<p:sld xmlns:a="http://schemas.openxmlformats.org/drawingml/2006/main" xmlns:r="http://schemas.openxmlformats.org/officeDocument/2006/relationships" xmlns:p="http://schemas.openxmlformats.org/presentationml/2006/main">
+  <p:cSld>
+    <p:spTree>
+      <p:nvGrpSpPr>
+        <p:cNvPr id="1" name=""/>
+        <p:cNvGrpSpPr/>
+        <p:nvPr/>
+      </p:nvGrpSpPr>
+      <p:grpSpPr>
+        <a:xfrm>
+          <a:off x="0" y="0"/>
+          <a:ext cx="0" cy="0"/>
+          <a:chOff x="0" y="0"/>
+          <a:chExt cx="0" cy="0"/>
+        </a:xfrm>
+      </p:grpSpPr>
+      <p:sp>
+        <p:nvSpPr>
+          <p:cNvPr id="2" name="Title 1">
+            <a:extLst>
+              <a:ext uri="{FF2B5EF4-FFF2-40B4-BE49-F238E27FC236}">
+                <a16:creationId xmlns:a16="http://schemas.microsoft.com/office/drawing/2014/main" id="{034B2B09-3A89-725A-85C2-749F88A4474D}"/>
+              </a:ext>
+            </a:extLst>
+          </p:cNvPr>
+          <p:cNvSpPr>
+            <a:spLocks noGrp="1"/>
+          </p:cNvSpPr>
+          <p:nvPr>
+            <p:ph type="title"/>
+          </p:nvPr>
+        </p:nvSpPr>
+        <p:spPr/>
+        <p:txBody>
+          <a:bodyPr/>
+          <a:lstStyle/>
+          <a:p>
+            <a:r>
+              <a:rPr lang="en-US" sz="4000" dirty="0">
+                <a:latin typeface="Times New Roman" panose="02020603050405020304" pitchFamily="18" charset="0"/>
+                <a:cs typeface="Times New Roman" panose="02020603050405020304" pitchFamily="18" charset="0"/>
+              </a:rPr>
+              <a:t>Outline</a:t>
+            </a:r>
+            <a:endParaRPr lang="en-US" dirty="0">
+              <a:latin typeface="Times New Roman" panose="02020603050405020304" pitchFamily="18" charset="0"/>
+              <a:cs typeface="Times New Roman" panose="02020603050405020304" pitchFamily="18" charset="0"/>
+            </a:endParaRPr>
+          </a:p>
+        </p:txBody>
+      </p:sp>
+      <p:sp>
+        <p:nvSpPr>
+          <p:cNvPr id="3" name="Content Placeholder 2">
+            <a:extLst>
+              <a:ext uri="{FF2B5EF4-FFF2-40B4-BE49-F238E27FC236}">
+                <a16:creationId xmlns:a16="http://schemas.microsoft.com/office/drawing/2014/main" id="{35A1418A-E9D3-D2C1-863A-CF59359781D1}"/>
+              </a:ext>
+            </a:extLst>
+          </p:cNvPr>
+          <p:cNvSpPr>
+            <a:spLocks noGrp="1"/>
+          </p:cNvSpPr>
+          <p:nvPr>
+            <p:ph idx="1"/>
+          </p:nvPr>
+        </p:nvSpPr>
+        <p:spPr/>
+        <p:txBody>
+          <a:bodyPr>
+            <a:normAutofit fontScale="92500" lnSpcReduction="10000"/>
+          </a:bodyPr>
+          <a:lstStyle/>
+          <a:p>
+            <a:pPr>
+              <a:lnSpc>
+                <a:spcPct val="130000"/>
+              </a:lnSpc>
+            </a:pPr>
+            <a:r>
+              <a:rPr lang="en-US" sz="2400" dirty="0">
+                <a:solidFill>
+                  <a:schemeClr val="bg1">
+                    <a:lumMod val="65000"/>
+                  </a:schemeClr>
+                </a:solidFill>
+                <a:latin typeface="Times New Roman" panose="02020603050405020304" pitchFamily="18" charset="0"/>
+                <a:cs typeface="Times New Roman" panose="02020603050405020304" pitchFamily="18" charset="0"/>
+              </a:rPr>
+              <a:t>Abstract</a:t>
+            </a:r>
+          </a:p>
+          <a:p>
+            <a:pPr>
+              <a:lnSpc>
+                <a:spcPct val="130000"/>
+              </a:lnSpc>
+            </a:pPr>
+            <a:r>
+              <a:rPr lang="en-US" sz="2400" dirty="0">
+                <a:solidFill>
+                  <a:schemeClr val="bg1">
+                    <a:lumMod val="65000"/>
+                  </a:schemeClr>
+                </a:solidFill>
+                <a:latin typeface="Times New Roman" panose="02020603050405020304" pitchFamily="18" charset="0"/>
+                <a:cs typeface="Times New Roman" panose="02020603050405020304" pitchFamily="18" charset="0"/>
+              </a:rPr>
+              <a:t>Introduction</a:t>
+            </a:r>
+          </a:p>
+          <a:p>
+            <a:pPr>
+              <a:lnSpc>
+                <a:spcPct val="130000"/>
+              </a:lnSpc>
+            </a:pPr>
+            <a:r>
+              <a:rPr lang="en-US" sz="2400" dirty="0">
+                <a:solidFill>
+                  <a:schemeClr val="bg1">
+                    <a:lumMod val="65000"/>
+                  </a:schemeClr>
+                </a:solidFill>
+                <a:latin typeface="Times New Roman" panose="02020603050405020304" pitchFamily="18" charset="0"/>
+                <a:cs typeface="Times New Roman" panose="02020603050405020304" pitchFamily="18" charset="0"/>
+              </a:rPr>
+              <a:t>Preliminaries</a:t>
+            </a:r>
+          </a:p>
+          <a:p>
+            <a:pPr>
+              <a:lnSpc>
+                <a:spcPct val="130000"/>
+              </a:lnSpc>
+            </a:pPr>
+            <a:r>
+              <a:rPr lang="en-US" sz="2400" dirty="0">
+                <a:latin typeface="Times New Roman" panose="02020603050405020304" pitchFamily="18" charset="0"/>
+                <a:cs typeface="Times New Roman" panose="02020603050405020304" pitchFamily="18" charset="0"/>
+              </a:rPr>
+              <a:t>Proposed Algorithm</a:t>
+            </a:r>
+          </a:p>
+          <a:p>
+            <a:pPr lvl="1">
+              <a:lnSpc>
+                <a:spcPct val="130000"/>
+              </a:lnSpc>
+            </a:pPr>
+            <a:r>
+              <a:rPr lang="en-US" sz="2000" dirty="0">
+                <a:solidFill>
+                  <a:schemeClr val="bg1">
+                    <a:lumMod val="65000"/>
+                  </a:schemeClr>
+                </a:solidFill>
+                <a:latin typeface="Times New Roman" panose="02020603050405020304" pitchFamily="18" charset="0"/>
+                <a:cs typeface="Times New Roman" panose="02020603050405020304" pitchFamily="18" charset="0"/>
+              </a:rPr>
+              <a:t>Congestion Estimation</a:t>
+            </a:r>
+          </a:p>
+          <a:p>
+            <a:pPr lvl="1">
+              <a:lnSpc>
+                <a:spcPct val="130000"/>
+              </a:lnSpc>
+            </a:pPr>
+            <a:r>
+              <a:rPr lang="en-US" sz="2000" dirty="0">
+                <a:latin typeface="Times New Roman" panose="02020603050405020304" pitchFamily="18" charset="0"/>
+                <a:cs typeface="Times New Roman" panose="02020603050405020304" pitchFamily="18" charset="0"/>
+              </a:rPr>
+              <a:t>Cell Padding</a:t>
+            </a:r>
+          </a:p>
+          <a:p>
+            <a:pPr lvl="1">
+              <a:lnSpc>
+                <a:spcPct val="130000"/>
+              </a:lnSpc>
+            </a:pPr>
+            <a:r>
+              <a:rPr lang="en-US" sz="2000" dirty="0">
+                <a:solidFill>
+                  <a:schemeClr val="bg1">
+                    <a:lumMod val="65000"/>
+                  </a:schemeClr>
+                </a:solidFill>
+                <a:latin typeface="Times New Roman" panose="02020603050405020304" pitchFamily="18" charset="0"/>
+                <a:cs typeface="Times New Roman" panose="02020603050405020304" pitchFamily="18" charset="0"/>
+              </a:rPr>
+              <a:t>Strategy Exploration</a:t>
+            </a:r>
+          </a:p>
+          <a:p>
+            <a:pPr lvl="1">
+              <a:lnSpc>
+                <a:spcPct val="130000"/>
+              </a:lnSpc>
+            </a:pPr>
+            <a:r>
+              <a:rPr lang="en-US" sz="2000" dirty="0">
+                <a:solidFill>
+                  <a:schemeClr val="bg1">
+                    <a:lumMod val="65000"/>
+                  </a:schemeClr>
+                </a:solidFill>
+                <a:latin typeface="Times New Roman" panose="02020603050405020304" pitchFamily="18" charset="0"/>
+                <a:cs typeface="Times New Roman" panose="02020603050405020304" pitchFamily="18" charset="0"/>
+              </a:rPr>
+              <a:t>Legalization</a:t>
+            </a:r>
+          </a:p>
+          <a:p>
+            <a:pPr>
+              <a:lnSpc>
+                <a:spcPct val="130000"/>
+              </a:lnSpc>
+            </a:pPr>
+            <a:r>
+              <a:rPr lang="en-US" sz="2400" dirty="0">
+                <a:solidFill>
+                  <a:schemeClr val="bg1">
+                    <a:lumMod val="65000"/>
+                  </a:schemeClr>
+                </a:solidFill>
+                <a:latin typeface="Times New Roman" panose="02020603050405020304" pitchFamily="18" charset="0"/>
+                <a:cs typeface="Times New Roman" panose="02020603050405020304" pitchFamily="18" charset="0"/>
+              </a:rPr>
+              <a:t>Experimental Result</a:t>
+            </a:r>
+          </a:p>
+        </p:txBody>
+      </p:sp>
+      <p:sp>
+        <p:nvSpPr>
+          <p:cNvPr id="4" name="Slide Number Placeholder 3">
+            <a:extLst>
+              <a:ext uri="{FF2B5EF4-FFF2-40B4-BE49-F238E27FC236}">
+                <a16:creationId xmlns:a16="http://schemas.microsoft.com/office/drawing/2014/main" id="{3592E110-E718-0573-BF00-CE5E90916A66}"/>
+              </a:ext>
+            </a:extLst>
+          </p:cNvPr>
+          <p:cNvSpPr>
+            <a:spLocks noGrp="1"/>
+          </p:cNvSpPr>
+          <p:nvPr>
+            <p:ph type="sldNum" sz="quarter" idx="12"/>
+          </p:nvPr>
+        </p:nvSpPr>
+        <p:spPr/>
+        <p:txBody>
+          <a:bodyPr/>
+          <a:lstStyle/>
+          <a:p>
+            <a:fld id="{666274A1-CF9C-426A-8DD4-B13ED0C24231}" type="slidenum">
+              <a:rPr lang="en-US" smtClean="0"/>
+              <a:t>20</a:t>
+            </a:fld>
+            <a:endParaRPr lang="en-US"/>
+          </a:p>
+        </p:txBody>
+      </p:sp>
+    </p:spTree>
+    <p:extLst>
+      <p:ext uri="{BB962C8B-B14F-4D97-AF65-F5344CB8AC3E}">
+        <p14:creationId xmlns:p14="http://schemas.microsoft.com/office/powerpoint/2010/main" val="24928043"/>
+      </p:ext>
+    </p:extLst>
+  </p:cSld>
+  <p:clrMapOvr>
+    <a:masterClrMapping/>
+  </p:clrMapOvr>
+</p:sld>
+</file>
+
+<file path=ppt/slides/slide22.xml><?xml version="1.0" encoding="utf-8"?>
 <p:sld xmlns:a="http://schemas.openxmlformats.org/drawingml/2006/main" xmlns:r="http://schemas.openxmlformats.org/officeDocument/2006/relationships" xmlns:p="http://schemas.openxmlformats.org/presentationml/2006/main">
   <p:cSld>
     <p:spTree>
@@ -16433,7 +19384,7 @@
           <a:p>
             <a:fld id="{666274A1-CF9C-426A-8DD4-B13ED0C24231}" type="slidenum">
               <a:rPr lang="en-US" smtClean="0"/>
-              <a:t>17</a:t>
+              <a:t>21</a:t>
             </a:fld>
             <a:endParaRPr lang="en-US" dirty="0"/>
           </a:p>
@@ -16818,7 +19769,7 @@
 </p:sld>
 </file>
 
-<file path=ppt/slides/slide19.xml><?xml version="1.0" encoding="utf-8"?>
+<file path=ppt/slides/slide23.xml><?xml version="1.0" encoding="utf-8"?>
 <p:sld xmlns:a="http://schemas.openxmlformats.org/drawingml/2006/main" xmlns:r="http://schemas.openxmlformats.org/officeDocument/2006/relationships" xmlns:p="http://schemas.openxmlformats.org/presentationml/2006/main">
   <p:cSld>
     <p:spTree>
@@ -18055,7 +21006,7 @@
           <a:p>
             <a:fld id="{666274A1-CF9C-426A-8DD4-B13ED0C24231}" type="slidenum">
               <a:rPr lang="en-US" smtClean="0"/>
-              <a:t>18</a:t>
+              <a:t>22</a:t>
             </a:fld>
             <a:endParaRPr lang="en-US" dirty="0"/>
           </a:p>
@@ -18074,209 +21025,7 @@
 </p:sld>
 </file>
 
-<file path=ppt/slides/slide2.xml><?xml version="1.0" encoding="utf-8"?>
-<p:sld xmlns:a="http://schemas.openxmlformats.org/drawingml/2006/main" xmlns:r="http://schemas.openxmlformats.org/officeDocument/2006/relationships" xmlns:p="http://schemas.openxmlformats.org/presentationml/2006/main">
-  <p:cSld>
-    <p:spTree>
-      <p:nvGrpSpPr>
-        <p:cNvPr id="1" name=""/>
-        <p:cNvGrpSpPr/>
-        <p:nvPr/>
-      </p:nvGrpSpPr>
-      <p:grpSpPr>
-        <a:xfrm>
-          <a:off x="0" y="0"/>
-          <a:ext cx="0" cy="0"/>
-          <a:chOff x="0" y="0"/>
-          <a:chExt cx="0" cy="0"/>
-        </a:xfrm>
-      </p:grpSpPr>
-      <p:sp>
-        <p:nvSpPr>
-          <p:cNvPr id="2" name="Title 1">
-            <a:extLst>
-              <a:ext uri="{FF2B5EF4-FFF2-40B4-BE49-F238E27FC236}">
-                <a16:creationId xmlns:a16="http://schemas.microsoft.com/office/drawing/2014/main" id="{034B2B09-3A89-725A-85C2-749F88A4474D}"/>
-              </a:ext>
-            </a:extLst>
-          </p:cNvPr>
-          <p:cNvSpPr>
-            <a:spLocks noGrp="1"/>
-          </p:cNvSpPr>
-          <p:nvPr>
-            <p:ph type="title"/>
-          </p:nvPr>
-        </p:nvSpPr>
-        <p:spPr/>
-        <p:txBody>
-          <a:bodyPr/>
-          <a:lstStyle/>
-          <a:p>
-            <a:r>
-              <a:rPr lang="en-US" sz="4000" dirty="0">
-                <a:latin typeface="Times New Roman" panose="02020603050405020304" pitchFamily="18" charset="0"/>
-                <a:cs typeface="Times New Roman" panose="02020603050405020304" pitchFamily="18" charset="0"/>
-              </a:rPr>
-              <a:t>Outline</a:t>
-            </a:r>
-            <a:endParaRPr lang="en-US" dirty="0">
-              <a:latin typeface="Times New Roman" panose="02020603050405020304" pitchFamily="18" charset="0"/>
-              <a:cs typeface="Times New Roman" panose="02020603050405020304" pitchFamily="18" charset="0"/>
-            </a:endParaRPr>
-          </a:p>
-        </p:txBody>
-      </p:sp>
-      <p:sp>
-        <p:nvSpPr>
-          <p:cNvPr id="3" name="Content Placeholder 2">
-            <a:extLst>
-              <a:ext uri="{FF2B5EF4-FFF2-40B4-BE49-F238E27FC236}">
-                <a16:creationId xmlns:a16="http://schemas.microsoft.com/office/drawing/2014/main" id="{35A1418A-E9D3-D2C1-863A-CF59359781D1}"/>
-              </a:ext>
-            </a:extLst>
-          </p:cNvPr>
-          <p:cNvSpPr>
-            <a:spLocks noGrp="1"/>
-          </p:cNvSpPr>
-          <p:nvPr>
-            <p:ph idx="1"/>
-          </p:nvPr>
-        </p:nvSpPr>
-        <p:spPr/>
-        <p:txBody>
-          <a:bodyPr>
-            <a:normAutofit/>
-          </a:bodyPr>
-          <a:lstStyle/>
-          <a:p>
-            <a:pPr>
-              <a:lnSpc>
-                <a:spcPct val="130000"/>
-              </a:lnSpc>
-            </a:pPr>
-            <a:r>
-              <a:rPr lang="en-US" sz="2400" dirty="0">
-                <a:latin typeface="Times New Roman" panose="02020603050405020304" pitchFamily="18" charset="0"/>
-                <a:cs typeface="Times New Roman" panose="02020603050405020304" pitchFamily="18" charset="0"/>
-              </a:rPr>
-              <a:t>Abstract</a:t>
-            </a:r>
-          </a:p>
-          <a:p>
-            <a:pPr>
-              <a:lnSpc>
-                <a:spcPct val="130000"/>
-              </a:lnSpc>
-            </a:pPr>
-            <a:r>
-              <a:rPr lang="en-US" sz="2400" dirty="0">
-                <a:latin typeface="Times New Roman" panose="02020603050405020304" pitchFamily="18" charset="0"/>
-                <a:cs typeface="Times New Roman" panose="02020603050405020304" pitchFamily="18" charset="0"/>
-              </a:rPr>
-              <a:t>Introduction</a:t>
-            </a:r>
-          </a:p>
-          <a:p>
-            <a:pPr>
-              <a:lnSpc>
-                <a:spcPct val="130000"/>
-              </a:lnSpc>
-            </a:pPr>
-            <a:r>
-              <a:rPr lang="en-US" sz="2400" dirty="0">
-                <a:latin typeface="Times New Roman" panose="02020603050405020304" pitchFamily="18" charset="0"/>
-                <a:cs typeface="Times New Roman" panose="02020603050405020304" pitchFamily="18" charset="0"/>
-              </a:rPr>
-              <a:t>Preliminaries</a:t>
-            </a:r>
-          </a:p>
-          <a:p>
-            <a:pPr>
-              <a:lnSpc>
-                <a:spcPct val="130000"/>
-              </a:lnSpc>
-            </a:pPr>
-            <a:r>
-              <a:rPr lang="en-US" sz="2400" dirty="0">
-                <a:latin typeface="Times New Roman" panose="02020603050405020304" pitchFamily="18" charset="0"/>
-                <a:cs typeface="Times New Roman" panose="02020603050405020304" pitchFamily="18" charset="0"/>
-              </a:rPr>
-              <a:t>Proposed Algorithm</a:t>
-            </a:r>
-          </a:p>
-          <a:p>
-            <a:pPr>
-              <a:lnSpc>
-                <a:spcPct val="130000"/>
-              </a:lnSpc>
-            </a:pPr>
-            <a:r>
-              <a:rPr lang="en-US" sz="2400" dirty="0">
-                <a:latin typeface="Times New Roman" panose="02020603050405020304" pitchFamily="18" charset="0"/>
-                <a:cs typeface="Times New Roman" panose="02020603050405020304" pitchFamily="18" charset="0"/>
-              </a:rPr>
-              <a:t>Experimental Result</a:t>
-            </a:r>
-          </a:p>
-          <a:p>
-            <a:pPr>
-              <a:lnSpc>
-                <a:spcPct val="130000"/>
-              </a:lnSpc>
-            </a:pPr>
-            <a:r>
-              <a:rPr lang="en-US" sz="2400" dirty="0">
-                <a:latin typeface="Times New Roman" panose="02020603050405020304" pitchFamily="18" charset="0"/>
-                <a:cs typeface="Times New Roman" panose="02020603050405020304" pitchFamily="18" charset="0"/>
-              </a:rPr>
-              <a:t>Conclusion</a:t>
-            </a:r>
-          </a:p>
-        </p:txBody>
-      </p:sp>
-      <p:sp>
-        <p:nvSpPr>
-          <p:cNvPr id="4" name="Slide Number Placeholder 3">
-            <a:extLst>
-              <a:ext uri="{FF2B5EF4-FFF2-40B4-BE49-F238E27FC236}">
-                <a16:creationId xmlns:a16="http://schemas.microsoft.com/office/drawing/2014/main" id="{3592E110-E718-0573-BF00-CE5E90916A66}"/>
-              </a:ext>
-            </a:extLst>
-          </p:cNvPr>
-          <p:cNvSpPr>
-            <a:spLocks noGrp="1"/>
-          </p:cNvSpPr>
-          <p:nvPr>
-            <p:ph type="sldNum" sz="quarter" idx="12"/>
-          </p:nvPr>
-        </p:nvSpPr>
-        <p:spPr/>
-        <p:txBody>
-          <a:bodyPr/>
-          <a:lstStyle/>
-          <a:p>
-            <a:fld id="{666274A1-CF9C-426A-8DD4-B13ED0C24231}" type="slidenum">
-              <a:rPr lang="en-US" smtClean="0"/>
-              <a:t>1</a:t>
-            </a:fld>
-            <a:endParaRPr lang="en-US"/>
-          </a:p>
-        </p:txBody>
-      </p:sp>
-    </p:spTree>
-    <p:extLst>
-      <p:ext uri="{BB962C8B-B14F-4D97-AF65-F5344CB8AC3E}">
-        <p14:creationId xmlns:p14="http://schemas.microsoft.com/office/powerpoint/2010/main" val="1597209759"/>
-      </p:ext>
-    </p:extLst>
-  </p:cSld>
-  <p:clrMapOvr>
-    <a:masterClrMapping/>
-  </p:clrMapOvr>
-</p:sld>
-</file>
-
-<file path=ppt/slides/slide20.xml><?xml version="1.0" encoding="utf-8"?>
+<file path=ppt/slides/slide24.xml><?xml version="1.0" encoding="utf-8"?>
 <p:sld xmlns:a="http://schemas.openxmlformats.org/drawingml/2006/main" xmlns:r="http://schemas.openxmlformats.org/officeDocument/2006/relationships" xmlns:p="http://schemas.openxmlformats.org/presentationml/2006/main">
   <p:cSld>
     <p:spTree>
@@ -18698,7 +21447,7 @@
           <a:p>
             <a:fld id="{666274A1-CF9C-426A-8DD4-B13ED0C24231}" type="slidenum">
               <a:rPr lang="en-US" smtClean="0"/>
-              <a:t>19</a:t>
+              <a:t>23</a:t>
             </a:fld>
             <a:endParaRPr lang="en-US" dirty="0"/>
           </a:p>
@@ -19083,7 +21832,7 @@
 </p:sld>
 </file>
 
-<file path=ppt/slides/slide21.xml><?xml version="1.0" encoding="utf-8"?>
+<file path=ppt/slides/slide25.xml><?xml version="1.0" encoding="utf-8"?>
 <p:sld xmlns:a="http://schemas.openxmlformats.org/drawingml/2006/main" xmlns:r="http://schemas.openxmlformats.org/officeDocument/2006/relationships" xmlns:p="http://schemas.openxmlformats.org/presentationml/2006/main">
   <p:cSld>
     <p:spTree>
@@ -19585,7 +22334,7 @@
           <a:p>
             <a:fld id="{666274A1-CF9C-426A-8DD4-B13ED0C24231}" type="slidenum">
               <a:rPr lang="en-US" smtClean="0"/>
-              <a:t>20</a:t>
+              <a:t>24</a:t>
             </a:fld>
             <a:endParaRPr lang="en-US" dirty="0"/>
           </a:p>
@@ -19783,7 +22532,7 @@
 </p:sld>
 </file>
 
-<file path=ppt/slides/slide22.xml><?xml version="1.0" encoding="utf-8"?>
+<file path=ppt/slides/slide26.xml><?xml version="1.0" encoding="utf-8"?>
 <p:sld xmlns:a="http://schemas.openxmlformats.org/drawingml/2006/main" xmlns:r="http://schemas.openxmlformats.org/officeDocument/2006/relationships" xmlns:p="http://schemas.openxmlformats.org/presentationml/2006/main">
   <p:cSld>
     <p:spTree>
@@ -21223,7 +23972,7 @@
           <a:p>
             <a:fld id="{666274A1-CF9C-426A-8DD4-B13ED0C24231}" type="slidenum">
               <a:rPr lang="en-US" smtClean="0"/>
-              <a:t>21</a:t>
+              <a:t>25</a:t>
             </a:fld>
             <a:endParaRPr lang="en-US" dirty="0"/>
           </a:p>
@@ -21579,7 +24328,7 @@
 </p:sld>
 </file>
 
-<file path=ppt/slides/slide23.xml><?xml version="1.0" encoding="utf-8"?>
+<file path=ppt/slides/slide27.xml><?xml version="1.0" encoding="utf-8"?>
 <p:sld xmlns:a="http://schemas.openxmlformats.org/drawingml/2006/main" xmlns:r="http://schemas.openxmlformats.org/officeDocument/2006/relationships" xmlns:p="http://schemas.openxmlformats.org/presentationml/2006/main">
   <p:cSld>
     <p:spTree>
@@ -22172,7 +24921,7 @@
           <a:p>
             <a:fld id="{666274A1-CF9C-426A-8DD4-B13ED0C24231}" type="slidenum">
               <a:rPr lang="en-US" smtClean="0"/>
-              <a:t>22</a:t>
+              <a:t>26</a:t>
             </a:fld>
             <a:endParaRPr lang="en-US" dirty="0"/>
           </a:p>
@@ -22221,7 +24970,7 @@
 </p:sld>
 </file>
 
-<file path=ppt/slides/slide24.xml><?xml version="1.0" encoding="utf-8"?>
+<file path=ppt/slides/slide28.xml><?xml version="1.0" encoding="utf-8"?>
 <p:sld xmlns:a="http://schemas.openxmlformats.org/drawingml/2006/main" xmlns:r="http://schemas.openxmlformats.org/officeDocument/2006/relationships" xmlns:p="http://schemas.openxmlformats.org/presentationml/2006/main">
   <p:cSld>
     <p:spTree>
@@ -22770,7 +25519,7 @@
           <a:p>
             <a:fld id="{666274A1-CF9C-426A-8DD4-B13ED0C24231}" type="slidenum">
               <a:rPr lang="en-US" smtClean="0"/>
-              <a:t>23</a:t>
+              <a:t>27</a:t>
             </a:fld>
             <a:endParaRPr lang="en-US" dirty="0"/>
           </a:p>
@@ -22819,7 +25568,7 @@
 </p:sld>
 </file>
 
-<file path=ppt/slides/slide25.xml><?xml version="1.0" encoding="utf-8"?>
+<file path=ppt/slides/slide29.xml><?xml version="1.0" encoding="utf-8"?>
 <p:sld xmlns:a="http://schemas.openxmlformats.org/drawingml/2006/main" xmlns:r="http://schemas.openxmlformats.org/officeDocument/2006/relationships" xmlns:p="http://schemas.openxmlformats.org/presentationml/2006/main">
   <p:cSld>
     <p:spTree>
@@ -23249,7 +25998,7 @@
           <a:p>
             <a:fld id="{666274A1-CF9C-426A-8DD4-B13ED0C24231}" type="slidenum">
               <a:rPr lang="en-US" smtClean="0"/>
-              <a:t>24</a:t>
+              <a:t>28</a:t>
             </a:fld>
             <a:endParaRPr lang="en-US" dirty="0"/>
           </a:p>
@@ -23298,7 +26047,460 @@
 </p:sld>
 </file>
 
-<file path=ppt/slides/slide26.xml><?xml version="1.0" encoding="utf-8"?>
+<file path=ppt/slides/slide3.xml><?xml version="1.0" encoding="utf-8"?>
+<p:sld xmlns:a="http://schemas.openxmlformats.org/drawingml/2006/main" xmlns:r="http://schemas.openxmlformats.org/officeDocument/2006/relationships" xmlns:p="http://schemas.openxmlformats.org/presentationml/2006/main">
+  <p:cSld>
+    <p:spTree>
+      <p:nvGrpSpPr>
+        <p:cNvPr id="1" name=""/>
+        <p:cNvGrpSpPr/>
+        <p:nvPr/>
+      </p:nvGrpSpPr>
+      <p:grpSpPr>
+        <a:xfrm>
+          <a:off x="0" y="0"/>
+          <a:ext cx="0" cy="0"/>
+          <a:chOff x="0" y="0"/>
+          <a:chExt cx="0" cy="0"/>
+        </a:xfrm>
+      </p:grpSpPr>
+      <p:sp>
+        <p:nvSpPr>
+          <p:cNvPr id="2" name="Title 1">
+            <a:extLst>
+              <a:ext uri="{FF2B5EF4-FFF2-40B4-BE49-F238E27FC236}">
+                <a16:creationId xmlns:a16="http://schemas.microsoft.com/office/drawing/2014/main" id="{034B2B09-3A89-725A-85C2-749F88A4474D}"/>
+              </a:ext>
+            </a:extLst>
+          </p:cNvPr>
+          <p:cNvSpPr>
+            <a:spLocks noGrp="1"/>
+          </p:cNvSpPr>
+          <p:nvPr>
+            <p:ph type="title"/>
+          </p:nvPr>
+        </p:nvSpPr>
+        <p:spPr/>
+        <p:txBody>
+          <a:bodyPr/>
+          <a:lstStyle/>
+          <a:p>
+            <a:r>
+              <a:rPr lang="en-US" sz="4000" dirty="0">
+                <a:latin typeface="Times New Roman" panose="02020603050405020304" pitchFamily="18" charset="0"/>
+                <a:cs typeface="Times New Roman" panose="02020603050405020304" pitchFamily="18" charset="0"/>
+              </a:rPr>
+              <a:t>Outline</a:t>
+            </a:r>
+            <a:endParaRPr lang="en-US" dirty="0">
+              <a:latin typeface="Times New Roman" panose="02020603050405020304" pitchFamily="18" charset="0"/>
+              <a:cs typeface="Times New Roman" panose="02020603050405020304" pitchFamily="18" charset="0"/>
+            </a:endParaRPr>
+          </a:p>
+        </p:txBody>
+      </p:sp>
+      <p:sp>
+        <p:nvSpPr>
+          <p:cNvPr id="4" name="Slide Number Placeholder 3">
+            <a:extLst>
+              <a:ext uri="{FF2B5EF4-FFF2-40B4-BE49-F238E27FC236}">
+                <a16:creationId xmlns:a16="http://schemas.microsoft.com/office/drawing/2014/main" id="{3592E110-E718-0573-BF00-CE5E90916A66}"/>
+              </a:ext>
+            </a:extLst>
+          </p:cNvPr>
+          <p:cNvSpPr>
+            <a:spLocks noGrp="1"/>
+          </p:cNvSpPr>
+          <p:nvPr>
+            <p:ph type="sldNum" sz="quarter" idx="12"/>
+          </p:nvPr>
+        </p:nvSpPr>
+        <p:spPr/>
+        <p:txBody>
+          <a:bodyPr/>
+          <a:lstStyle/>
+          <a:p>
+            <a:fld id="{666274A1-CF9C-426A-8DD4-B13ED0C24231}" type="slidenum">
+              <a:rPr lang="en-US" smtClean="0"/>
+              <a:t>2</a:t>
+            </a:fld>
+            <a:endParaRPr lang="en-US"/>
+          </a:p>
+        </p:txBody>
+      </p:sp>
+      <p:sp>
+        <p:nvSpPr>
+          <p:cNvPr id="8" name="Content Placeholder 2">
+            <a:extLst>
+              <a:ext uri="{FF2B5EF4-FFF2-40B4-BE49-F238E27FC236}">
+                <a16:creationId xmlns:a16="http://schemas.microsoft.com/office/drawing/2014/main" id="{80F5ACCC-5DFA-8207-04B9-C86058DB7556}"/>
+              </a:ext>
+            </a:extLst>
+          </p:cNvPr>
+          <p:cNvSpPr txBox="1">
+            <a:spLocks/>
+          </p:cNvSpPr>
+          <p:nvPr/>
+        </p:nvSpPr>
+        <p:spPr>
+          <a:xfrm>
+            <a:off x="990600" y="1978025"/>
+            <a:ext cx="10515600" cy="4351338"/>
+          </a:xfrm>
+          <a:prstGeom prst="rect">
+            <a:avLst/>
+          </a:prstGeom>
+        </p:spPr>
+        <p:txBody>
+          <a:bodyPr vert="horz" lIns="91440" tIns="45720" rIns="91440" bIns="45720" rtlCol="0">
+            <a:normAutofit fontScale="92500" lnSpcReduction="10000"/>
+          </a:bodyPr>
+          <a:lstStyle>
+            <a:lvl1pPr marL="228600" indent="-228600" algn="l" defTabSz="914400" rtl="0" eaLnBrk="1" latinLnBrk="0" hangingPunct="1">
+              <a:lnSpc>
+                <a:spcPct val="90000"/>
+              </a:lnSpc>
+              <a:spcBef>
+                <a:spcPts val="1000"/>
+              </a:spcBef>
+              <a:buFont typeface="Arial" panose="020B0604020202020204" pitchFamily="34" charset="0"/>
+              <a:buChar char="•"/>
+              <a:defRPr sz="2800" kern="1200">
+                <a:solidFill>
+                  <a:schemeClr val="tx1"/>
+                </a:solidFill>
+                <a:latin typeface="+mn-lt"/>
+                <a:ea typeface="+mn-ea"/>
+                <a:cs typeface="+mn-cs"/>
+              </a:defRPr>
+            </a:lvl1pPr>
+            <a:lvl2pPr marL="685800" indent="-228600" algn="l" defTabSz="914400" rtl="0" eaLnBrk="1" latinLnBrk="0" hangingPunct="1">
+              <a:lnSpc>
+                <a:spcPct val="90000"/>
+              </a:lnSpc>
+              <a:spcBef>
+                <a:spcPts val="500"/>
+              </a:spcBef>
+              <a:buFont typeface="Arial" panose="020B0604020202020204" pitchFamily="34" charset="0"/>
+              <a:buChar char="•"/>
+              <a:defRPr sz="2400" kern="1200">
+                <a:solidFill>
+                  <a:schemeClr val="tx1"/>
+                </a:solidFill>
+                <a:latin typeface="+mn-lt"/>
+                <a:ea typeface="+mn-ea"/>
+                <a:cs typeface="+mn-cs"/>
+              </a:defRPr>
+            </a:lvl2pPr>
+            <a:lvl3pPr marL="1143000" indent="-228600" algn="l" defTabSz="914400" rtl="0" eaLnBrk="1" latinLnBrk="0" hangingPunct="1">
+              <a:lnSpc>
+                <a:spcPct val="90000"/>
+              </a:lnSpc>
+              <a:spcBef>
+                <a:spcPts val="500"/>
+              </a:spcBef>
+              <a:buFont typeface="Arial" panose="020B0604020202020204" pitchFamily="34" charset="0"/>
+              <a:buChar char="•"/>
+              <a:defRPr sz="2000" kern="1200">
+                <a:solidFill>
+                  <a:schemeClr val="tx1"/>
+                </a:solidFill>
+                <a:latin typeface="+mn-lt"/>
+                <a:ea typeface="+mn-ea"/>
+                <a:cs typeface="+mn-cs"/>
+              </a:defRPr>
+            </a:lvl3pPr>
+            <a:lvl4pPr marL="1600200" indent="-228600" algn="l" defTabSz="914400" rtl="0" eaLnBrk="1" latinLnBrk="0" hangingPunct="1">
+              <a:lnSpc>
+                <a:spcPct val="90000"/>
+              </a:lnSpc>
+              <a:spcBef>
+                <a:spcPts val="500"/>
+              </a:spcBef>
+              <a:buFont typeface="Arial" panose="020B0604020202020204" pitchFamily="34" charset="0"/>
+              <a:buChar char="•"/>
+              <a:defRPr sz="1800" kern="1200">
+                <a:solidFill>
+                  <a:schemeClr val="tx1"/>
+                </a:solidFill>
+                <a:latin typeface="+mn-lt"/>
+                <a:ea typeface="+mn-ea"/>
+                <a:cs typeface="+mn-cs"/>
+              </a:defRPr>
+            </a:lvl4pPr>
+            <a:lvl5pPr marL="2057400" indent="-228600" algn="l" defTabSz="914400" rtl="0" eaLnBrk="1" latinLnBrk="0" hangingPunct="1">
+              <a:lnSpc>
+                <a:spcPct val="90000"/>
+              </a:lnSpc>
+              <a:spcBef>
+                <a:spcPts val="500"/>
+              </a:spcBef>
+              <a:buFont typeface="Arial" panose="020B0604020202020204" pitchFamily="34" charset="0"/>
+              <a:buChar char="•"/>
+              <a:defRPr sz="1800" kern="1200">
+                <a:solidFill>
+                  <a:schemeClr val="tx1"/>
+                </a:solidFill>
+                <a:latin typeface="+mn-lt"/>
+                <a:ea typeface="+mn-ea"/>
+                <a:cs typeface="+mn-cs"/>
+              </a:defRPr>
+            </a:lvl5pPr>
+            <a:lvl6pPr marL="2514600" indent="-228600" algn="l" defTabSz="914400" rtl="0" eaLnBrk="1" latinLnBrk="0" hangingPunct="1">
+              <a:lnSpc>
+                <a:spcPct val="90000"/>
+              </a:lnSpc>
+              <a:spcBef>
+                <a:spcPts val="500"/>
+              </a:spcBef>
+              <a:buFont typeface="Arial" panose="020B0604020202020204" pitchFamily="34" charset="0"/>
+              <a:buChar char="•"/>
+              <a:defRPr sz="1800" kern="1200">
+                <a:solidFill>
+                  <a:schemeClr val="tx1"/>
+                </a:solidFill>
+                <a:latin typeface="+mn-lt"/>
+                <a:ea typeface="+mn-ea"/>
+                <a:cs typeface="+mn-cs"/>
+              </a:defRPr>
+            </a:lvl6pPr>
+            <a:lvl7pPr marL="2971800" indent="-228600" algn="l" defTabSz="914400" rtl="0" eaLnBrk="1" latinLnBrk="0" hangingPunct="1">
+              <a:lnSpc>
+                <a:spcPct val="90000"/>
+              </a:lnSpc>
+              <a:spcBef>
+                <a:spcPts val="500"/>
+              </a:spcBef>
+              <a:buFont typeface="Arial" panose="020B0604020202020204" pitchFamily="34" charset="0"/>
+              <a:buChar char="•"/>
+              <a:defRPr sz="1800" kern="1200">
+                <a:solidFill>
+                  <a:schemeClr val="tx1"/>
+                </a:solidFill>
+                <a:latin typeface="+mn-lt"/>
+                <a:ea typeface="+mn-ea"/>
+                <a:cs typeface="+mn-cs"/>
+              </a:defRPr>
+            </a:lvl7pPr>
+            <a:lvl8pPr marL="3429000" indent="-228600" algn="l" defTabSz="914400" rtl="0" eaLnBrk="1" latinLnBrk="0" hangingPunct="1">
+              <a:lnSpc>
+                <a:spcPct val="90000"/>
+              </a:lnSpc>
+              <a:spcBef>
+                <a:spcPts val="500"/>
+              </a:spcBef>
+              <a:buFont typeface="Arial" panose="020B0604020202020204" pitchFamily="34" charset="0"/>
+              <a:buChar char="•"/>
+              <a:defRPr sz="1800" kern="1200">
+                <a:solidFill>
+                  <a:schemeClr val="tx1"/>
+                </a:solidFill>
+                <a:latin typeface="+mn-lt"/>
+                <a:ea typeface="+mn-ea"/>
+                <a:cs typeface="+mn-cs"/>
+              </a:defRPr>
+            </a:lvl8pPr>
+            <a:lvl9pPr marL="3886200" indent="-228600" algn="l" defTabSz="914400" rtl="0" eaLnBrk="1" latinLnBrk="0" hangingPunct="1">
+              <a:lnSpc>
+                <a:spcPct val="90000"/>
+              </a:lnSpc>
+              <a:spcBef>
+                <a:spcPts val="500"/>
+              </a:spcBef>
+              <a:buFont typeface="Arial" panose="020B0604020202020204" pitchFamily="34" charset="0"/>
+              <a:buChar char="•"/>
+              <a:defRPr sz="1800" kern="1200">
+                <a:solidFill>
+                  <a:schemeClr val="tx1"/>
+                </a:solidFill>
+                <a:latin typeface="+mn-lt"/>
+                <a:ea typeface="+mn-ea"/>
+                <a:cs typeface="+mn-cs"/>
+              </a:defRPr>
+            </a:lvl9pPr>
+          </a:lstStyle>
+          <a:p>
+            <a:pPr>
+              <a:lnSpc>
+                <a:spcPct val="130000"/>
+              </a:lnSpc>
+            </a:pPr>
+            <a:r>
+              <a:rPr lang="en-US" sz="2400" dirty="0">
+                <a:latin typeface="Times New Roman" panose="02020603050405020304" pitchFamily="18" charset="0"/>
+                <a:cs typeface="Times New Roman" panose="02020603050405020304" pitchFamily="18" charset="0"/>
+              </a:rPr>
+              <a:t>Abstract</a:t>
+            </a:r>
+          </a:p>
+          <a:p>
+            <a:pPr>
+              <a:lnSpc>
+                <a:spcPct val="130000"/>
+              </a:lnSpc>
+            </a:pPr>
+            <a:r>
+              <a:rPr lang="en-US" sz="2400" dirty="0">
+                <a:solidFill>
+                  <a:schemeClr val="bg1">
+                    <a:lumMod val="65000"/>
+                  </a:schemeClr>
+                </a:solidFill>
+                <a:latin typeface="Times New Roman" panose="02020603050405020304" pitchFamily="18" charset="0"/>
+                <a:cs typeface="Times New Roman" panose="02020603050405020304" pitchFamily="18" charset="0"/>
+              </a:rPr>
+              <a:t>Introduction</a:t>
+            </a:r>
+          </a:p>
+          <a:p>
+            <a:pPr>
+              <a:lnSpc>
+                <a:spcPct val="130000"/>
+              </a:lnSpc>
+            </a:pPr>
+            <a:r>
+              <a:rPr lang="en-US" sz="2400" dirty="0">
+                <a:solidFill>
+                  <a:schemeClr val="bg1">
+                    <a:lumMod val="65000"/>
+                  </a:schemeClr>
+                </a:solidFill>
+                <a:latin typeface="Times New Roman" panose="02020603050405020304" pitchFamily="18" charset="0"/>
+                <a:cs typeface="Times New Roman" panose="02020603050405020304" pitchFamily="18" charset="0"/>
+              </a:rPr>
+              <a:t>Preliminaries</a:t>
+            </a:r>
+          </a:p>
+          <a:p>
+            <a:pPr>
+              <a:lnSpc>
+                <a:spcPct val="130000"/>
+              </a:lnSpc>
+            </a:pPr>
+            <a:r>
+              <a:rPr lang="en-US" sz="2400" dirty="0">
+                <a:solidFill>
+                  <a:schemeClr val="bg1">
+                    <a:lumMod val="65000"/>
+                  </a:schemeClr>
+                </a:solidFill>
+                <a:latin typeface="Times New Roman" panose="02020603050405020304" pitchFamily="18" charset="0"/>
+                <a:cs typeface="Times New Roman" panose="02020603050405020304" pitchFamily="18" charset="0"/>
+              </a:rPr>
+              <a:t>Proposed Algorithm</a:t>
+            </a:r>
+          </a:p>
+          <a:p>
+            <a:pPr lvl="1">
+              <a:lnSpc>
+                <a:spcPct val="130000"/>
+              </a:lnSpc>
+            </a:pPr>
+            <a:r>
+              <a:rPr lang="en-US" sz="2000" dirty="0">
+                <a:solidFill>
+                  <a:schemeClr val="bg1">
+                    <a:lumMod val="65000"/>
+                  </a:schemeClr>
+                </a:solidFill>
+                <a:latin typeface="Times New Roman" panose="02020603050405020304" pitchFamily="18" charset="0"/>
+                <a:cs typeface="Times New Roman" panose="02020603050405020304" pitchFamily="18" charset="0"/>
+              </a:rPr>
+              <a:t>Congestion Estimation</a:t>
+            </a:r>
+          </a:p>
+          <a:p>
+            <a:pPr lvl="1">
+              <a:lnSpc>
+                <a:spcPct val="130000"/>
+              </a:lnSpc>
+            </a:pPr>
+            <a:r>
+              <a:rPr lang="en-US" sz="2000" dirty="0">
+                <a:solidFill>
+                  <a:schemeClr val="bg1">
+                    <a:lumMod val="65000"/>
+                  </a:schemeClr>
+                </a:solidFill>
+                <a:latin typeface="Times New Roman" panose="02020603050405020304" pitchFamily="18" charset="0"/>
+                <a:cs typeface="Times New Roman" panose="02020603050405020304" pitchFamily="18" charset="0"/>
+              </a:rPr>
+              <a:t>Cell Padding</a:t>
+            </a:r>
+          </a:p>
+          <a:p>
+            <a:pPr lvl="1">
+              <a:lnSpc>
+                <a:spcPct val="130000"/>
+              </a:lnSpc>
+            </a:pPr>
+            <a:r>
+              <a:rPr lang="en-US" sz="2000" dirty="0">
+                <a:solidFill>
+                  <a:schemeClr val="bg1">
+                    <a:lumMod val="65000"/>
+                  </a:schemeClr>
+                </a:solidFill>
+                <a:latin typeface="Times New Roman" panose="02020603050405020304" pitchFamily="18" charset="0"/>
+                <a:cs typeface="Times New Roman" panose="02020603050405020304" pitchFamily="18" charset="0"/>
+              </a:rPr>
+              <a:t>Strategy Exploration</a:t>
+            </a:r>
+          </a:p>
+          <a:p>
+            <a:pPr lvl="1">
+              <a:lnSpc>
+                <a:spcPct val="130000"/>
+              </a:lnSpc>
+            </a:pPr>
+            <a:r>
+              <a:rPr lang="en-US" sz="2000" dirty="0">
+                <a:solidFill>
+                  <a:schemeClr val="bg1">
+                    <a:lumMod val="65000"/>
+                  </a:schemeClr>
+                </a:solidFill>
+                <a:latin typeface="Times New Roman" panose="02020603050405020304" pitchFamily="18" charset="0"/>
+                <a:cs typeface="Times New Roman" panose="02020603050405020304" pitchFamily="18" charset="0"/>
+              </a:rPr>
+              <a:t>Legalization</a:t>
+            </a:r>
+          </a:p>
+          <a:p>
+            <a:pPr>
+              <a:lnSpc>
+                <a:spcPct val="130000"/>
+              </a:lnSpc>
+            </a:pPr>
+            <a:r>
+              <a:rPr lang="en-US" sz="2400" dirty="0">
+                <a:solidFill>
+                  <a:schemeClr val="bg1">
+                    <a:lumMod val="65000"/>
+                  </a:schemeClr>
+                </a:solidFill>
+                <a:latin typeface="Times New Roman" panose="02020603050405020304" pitchFamily="18" charset="0"/>
+                <a:cs typeface="Times New Roman" panose="02020603050405020304" pitchFamily="18" charset="0"/>
+              </a:rPr>
+              <a:t>Experimental Result</a:t>
+            </a:r>
+          </a:p>
+        </p:txBody>
+      </p:sp>
+    </p:spTree>
+    <p:extLst>
+      <p:ext uri="{BB962C8B-B14F-4D97-AF65-F5344CB8AC3E}">
+        <p14:creationId xmlns:p14="http://schemas.microsoft.com/office/powerpoint/2010/main" val="335788732"/>
+      </p:ext>
+    </p:extLst>
+  </p:cSld>
+  <p:clrMapOvr>
+    <a:masterClrMapping/>
+  </p:clrMapOvr>
+</p:sld>
+</file>
+
+<file path=ppt/slides/slide30.xml><?xml version="1.0" encoding="utf-8"?>
 <p:sld xmlns:a="http://schemas.openxmlformats.org/drawingml/2006/main" xmlns:r="http://schemas.openxmlformats.org/officeDocument/2006/relationships" xmlns:p="http://schemas.openxmlformats.org/presentationml/2006/main">
   <p:cSld>
     <p:spTree>
@@ -23456,7 +26658,7 @@
           <a:p>
             <a:fld id="{666274A1-CF9C-426A-8DD4-B13ED0C24231}" type="slidenum">
               <a:rPr lang="en-US" smtClean="0"/>
-              <a:t>25</a:t>
+              <a:t>29</a:t>
             </a:fld>
             <a:endParaRPr lang="en-US" dirty="0"/>
           </a:p>
@@ -23580,7 +26782,7 @@
 </p:sld>
 </file>
 
-<file path=ppt/slides/slide27.xml><?xml version="1.0" encoding="utf-8"?>
+<file path=ppt/slides/slide31.xml><?xml version="1.0" encoding="utf-8"?>
 <p:sld xmlns:a="http://schemas.openxmlformats.org/drawingml/2006/main" xmlns:r="http://schemas.openxmlformats.org/officeDocument/2006/relationships" xmlns:p="http://schemas.openxmlformats.org/presentationml/2006/main">
   <p:cSld>
     <p:spTree>
@@ -24199,7 +27401,7 @@
           <a:p>
             <a:fld id="{666274A1-CF9C-426A-8DD4-B13ED0C24231}" type="slidenum">
               <a:rPr lang="en-US" smtClean="0"/>
-              <a:t>26</a:t>
+              <a:t>30</a:t>
             </a:fld>
             <a:endParaRPr lang="en-US" dirty="0"/>
           </a:p>
@@ -24218,7 +27420,286 @@
 </p:sld>
 </file>
 
-<file path=ppt/slides/slide28.xml><?xml version="1.0" encoding="utf-8"?>
+<file path=ppt/slides/slide32.xml><?xml version="1.0" encoding="utf-8"?>
+<p:sld xmlns:a="http://schemas.openxmlformats.org/drawingml/2006/main" xmlns:r="http://schemas.openxmlformats.org/officeDocument/2006/relationships" xmlns:p="http://schemas.openxmlformats.org/presentationml/2006/main">
+  <p:cSld>
+    <p:spTree>
+      <p:nvGrpSpPr>
+        <p:cNvPr id="1" name=""/>
+        <p:cNvGrpSpPr/>
+        <p:nvPr/>
+      </p:nvGrpSpPr>
+      <p:grpSpPr>
+        <a:xfrm>
+          <a:off x="0" y="0"/>
+          <a:ext cx="0" cy="0"/>
+          <a:chOff x="0" y="0"/>
+          <a:chExt cx="0" cy="0"/>
+        </a:xfrm>
+      </p:grpSpPr>
+      <p:sp>
+        <p:nvSpPr>
+          <p:cNvPr id="2" name="Title 1">
+            <a:extLst>
+              <a:ext uri="{FF2B5EF4-FFF2-40B4-BE49-F238E27FC236}">
+                <a16:creationId xmlns:a16="http://schemas.microsoft.com/office/drawing/2014/main" id="{034B2B09-3A89-725A-85C2-749F88A4474D}"/>
+              </a:ext>
+            </a:extLst>
+          </p:cNvPr>
+          <p:cNvSpPr>
+            <a:spLocks noGrp="1"/>
+          </p:cNvSpPr>
+          <p:nvPr>
+            <p:ph type="title"/>
+          </p:nvPr>
+        </p:nvSpPr>
+        <p:spPr/>
+        <p:txBody>
+          <a:bodyPr/>
+          <a:lstStyle/>
+          <a:p>
+            <a:r>
+              <a:rPr lang="en-US" sz="4000" dirty="0">
+                <a:latin typeface="Times New Roman" panose="02020603050405020304" pitchFamily="18" charset="0"/>
+                <a:cs typeface="Times New Roman" panose="02020603050405020304" pitchFamily="18" charset="0"/>
+              </a:rPr>
+              <a:t>Outline</a:t>
+            </a:r>
+            <a:endParaRPr lang="en-US" dirty="0">
+              <a:latin typeface="Times New Roman" panose="02020603050405020304" pitchFamily="18" charset="0"/>
+              <a:cs typeface="Times New Roman" panose="02020603050405020304" pitchFamily="18" charset="0"/>
+            </a:endParaRPr>
+          </a:p>
+        </p:txBody>
+      </p:sp>
+      <p:sp>
+        <p:nvSpPr>
+          <p:cNvPr id="3" name="Content Placeholder 2">
+            <a:extLst>
+              <a:ext uri="{FF2B5EF4-FFF2-40B4-BE49-F238E27FC236}">
+                <a16:creationId xmlns:a16="http://schemas.microsoft.com/office/drawing/2014/main" id="{35A1418A-E9D3-D2C1-863A-CF59359781D1}"/>
+              </a:ext>
+            </a:extLst>
+          </p:cNvPr>
+          <p:cNvSpPr>
+            <a:spLocks noGrp="1"/>
+          </p:cNvSpPr>
+          <p:nvPr>
+            <p:ph idx="1"/>
+          </p:nvPr>
+        </p:nvSpPr>
+        <p:spPr/>
+        <p:txBody>
+          <a:bodyPr>
+            <a:normAutofit fontScale="92500" lnSpcReduction="10000"/>
+          </a:bodyPr>
+          <a:lstStyle/>
+          <a:p>
+            <a:pPr>
+              <a:lnSpc>
+                <a:spcPct val="130000"/>
+              </a:lnSpc>
+            </a:pPr>
+            <a:r>
+              <a:rPr lang="en-US" sz="2400" dirty="0">
+                <a:solidFill>
+                  <a:schemeClr val="bg1">
+                    <a:lumMod val="65000"/>
+                  </a:schemeClr>
+                </a:solidFill>
+                <a:latin typeface="Times New Roman" panose="02020603050405020304" pitchFamily="18" charset="0"/>
+                <a:cs typeface="Times New Roman" panose="02020603050405020304" pitchFamily="18" charset="0"/>
+              </a:rPr>
+              <a:t>Abstract</a:t>
+            </a:r>
+          </a:p>
+          <a:p>
+            <a:pPr>
+              <a:lnSpc>
+                <a:spcPct val="130000"/>
+              </a:lnSpc>
+            </a:pPr>
+            <a:r>
+              <a:rPr lang="en-US" sz="2400" dirty="0">
+                <a:solidFill>
+                  <a:schemeClr val="bg1">
+                    <a:lumMod val="65000"/>
+                  </a:schemeClr>
+                </a:solidFill>
+                <a:latin typeface="Times New Roman" panose="02020603050405020304" pitchFamily="18" charset="0"/>
+                <a:cs typeface="Times New Roman" panose="02020603050405020304" pitchFamily="18" charset="0"/>
+              </a:rPr>
+              <a:t>Introduction</a:t>
+            </a:r>
+          </a:p>
+          <a:p>
+            <a:pPr>
+              <a:lnSpc>
+                <a:spcPct val="130000"/>
+              </a:lnSpc>
+            </a:pPr>
+            <a:r>
+              <a:rPr lang="en-US" sz="2400" dirty="0">
+                <a:solidFill>
+                  <a:schemeClr val="bg1">
+                    <a:lumMod val="65000"/>
+                  </a:schemeClr>
+                </a:solidFill>
+                <a:latin typeface="Times New Roman" panose="02020603050405020304" pitchFamily="18" charset="0"/>
+                <a:cs typeface="Times New Roman" panose="02020603050405020304" pitchFamily="18" charset="0"/>
+              </a:rPr>
+              <a:t>Preliminaries</a:t>
+            </a:r>
+          </a:p>
+          <a:p>
+            <a:pPr>
+              <a:lnSpc>
+                <a:spcPct val="130000"/>
+              </a:lnSpc>
+            </a:pPr>
+            <a:r>
+              <a:rPr lang="en-US" sz="2400" dirty="0">
+                <a:latin typeface="Times New Roman" panose="02020603050405020304" pitchFamily="18" charset="0"/>
+                <a:cs typeface="Times New Roman" panose="02020603050405020304" pitchFamily="18" charset="0"/>
+              </a:rPr>
+              <a:t>Proposed Algorithm</a:t>
+            </a:r>
+          </a:p>
+          <a:p>
+            <a:pPr lvl="1">
+              <a:lnSpc>
+                <a:spcPct val="130000"/>
+              </a:lnSpc>
+            </a:pPr>
+            <a:r>
+              <a:rPr lang="en-US" sz="2000" dirty="0">
+                <a:solidFill>
+                  <a:schemeClr val="bg1">
+                    <a:lumMod val="65000"/>
+                  </a:schemeClr>
+                </a:solidFill>
+                <a:latin typeface="Times New Roman" panose="02020603050405020304" pitchFamily="18" charset="0"/>
+                <a:cs typeface="Times New Roman" panose="02020603050405020304" pitchFamily="18" charset="0"/>
+              </a:rPr>
+              <a:t>Congestion Estimation</a:t>
+            </a:r>
+          </a:p>
+          <a:p>
+            <a:pPr lvl="1">
+              <a:lnSpc>
+                <a:spcPct val="130000"/>
+              </a:lnSpc>
+            </a:pPr>
+            <a:r>
+              <a:rPr lang="en-US" sz="2000" dirty="0">
+                <a:solidFill>
+                  <a:schemeClr val="bg1">
+                    <a:lumMod val="65000"/>
+                  </a:schemeClr>
+                </a:solidFill>
+                <a:latin typeface="Times New Roman" panose="02020603050405020304" pitchFamily="18" charset="0"/>
+                <a:cs typeface="Times New Roman" panose="02020603050405020304" pitchFamily="18" charset="0"/>
+              </a:rPr>
+              <a:t>Cell Padding</a:t>
+            </a:r>
+          </a:p>
+          <a:p>
+            <a:pPr lvl="1">
+              <a:lnSpc>
+                <a:spcPct val="130000"/>
+              </a:lnSpc>
+            </a:pPr>
+            <a:r>
+              <a:rPr lang="en-US" sz="2000" dirty="0">
+                <a:latin typeface="Times New Roman" panose="02020603050405020304" pitchFamily="18" charset="0"/>
+                <a:cs typeface="Times New Roman" panose="02020603050405020304" pitchFamily="18" charset="0"/>
+              </a:rPr>
+              <a:t>Strategy Exploration</a:t>
+            </a:r>
+          </a:p>
+          <a:p>
+            <a:pPr lvl="1">
+              <a:lnSpc>
+                <a:spcPct val="130000"/>
+              </a:lnSpc>
+            </a:pPr>
+            <a:r>
+              <a:rPr lang="en-US" sz="2000" dirty="0">
+                <a:solidFill>
+                  <a:schemeClr val="bg1">
+                    <a:lumMod val="65000"/>
+                  </a:schemeClr>
+                </a:solidFill>
+                <a:latin typeface="Times New Roman" panose="02020603050405020304" pitchFamily="18" charset="0"/>
+                <a:cs typeface="Times New Roman" panose="02020603050405020304" pitchFamily="18" charset="0"/>
+              </a:rPr>
+              <a:t>Legalization</a:t>
+            </a:r>
+          </a:p>
+          <a:p>
+            <a:pPr>
+              <a:lnSpc>
+                <a:spcPct val="130000"/>
+              </a:lnSpc>
+            </a:pPr>
+            <a:r>
+              <a:rPr lang="en-US" sz="2400" dirty="0">
+                <a:solidFill>
+                  <a:schemeClr val="bg1">
+                    <a:lumMod val="65000"/>
+                  </a:schemeClr>
+                </a:solidFill>
+                <a:latin typeface="Times New Roman" panose="02020603050405020304" pitchFamily="18" charset="0"/>
+                <a:cs typeface="Times New Roman" panose="02020603050405020304" pitchFamily="18" charset="0"/>
+              </a:rPr>
+              <a:t>Experimental Result</a:t>
+            </a:r>
+          </a:p>
+        </p:txBody>
+      </p:sp>
+      <p:sp>
+        <p:nvSpPr>
+          <p:cNvPr id="4" name="Slide Number Placeholder 3">
+            <a:extLst>
+              <a:ext uri="{FF2B5EF4-FFF2-40B4-BE49-F238E27FC236}">
+                <a16:creationId xmlns:a16="http://schemas.microsoft.com/office/drawing/2014/main" id="{3592E110-E718-0573-BF00-CE5E90916A66}"/>
+              </a:ext>
+            </a:extLst>
+          </p:cNvPr>
+          <p:cNvSpPr>
+            <a:spLocks noGrp="1"/>
+          </p:cNvSpPr>
+          <p:nvPr>
+            <p:ph type="sldNum" sz="quarter" idx="12"/>
+          </p:nvPr>
+        </p:nvSpPr>
+        <p:spPr/>
+        <p:txBody>
+          <a:bodyPr/>
+          <a:lstStyle/>
+          <a:p>
+            <a:fld id="{666274A1-CF9C-426A-8DD4-B13ED0C24231}" type="slidenum">
+              <a:rPr lang="en-US" smtClean="0"/>
+              <a:t>31</a:t>
+            </a:fld>
+            <a:endParaRPr lang="en-US"/>
+          </a:p>
+        </p:txBody>
+      </p:sp>
+    </p:spTree>
+    <p:extLst>
+      <p:ext uri="{BB962C8B-B14F-4D97-AF65-F5344CB8AC3E}">
+        <p14:creationId xmlns:p14="http://schemas.microsoft.com/office/powerpoint/2010/main" val="383911418"/>
+      </p:ext>
+    </p:extLst>
+  </p:cSld>
+  <p:clrMapOvr>
+    <a:masterClrMapping/>
+  </p:clrMapOvr>
+</p:sld>
+</file>
+
+<file path=ppt/slides/slide33.xml><?xml version="1.0" encoding="utf-8"?>
 <p:sld xmlns:a="http://schemas.openxmlformats.org/drawingml/2006/main" xmlns:r="http://schemas.openxmlformats.org/officeDocument/2006/relationships" xmlns:p="http://schemas.openxmlformats.org/presentationml/2006/main">
   <p:cSld>
     <p:spTree>
@@ -24337,7 +27818,7 @@
               <a:t> </a:t>
             </a:r>
             <a:r>
-              <a:rPr lang="en-US" altLang="zh-TW" sz="2000" dirty="0">
+              <a:rPr lang="en-US" altLang="zh-TW" sz="2200" dirty="0">
                 <a:latin typeface="Times" panose="02020603050405020304" pitchFamily="18" charset="0"/>
                 <a:cs typeface="Times" panose="02020603050405020304" pitchFamily="18" charset="0"/>
               </a:rPr>
@@ -24358,7 +27839,7 @@
           <a:p>
             <a:pPr lvl="1">
               <a:lnSpc>
-                <a:spcPct val="130000"/>
+                <a:spcPct val="100000"/>
               </a:lnSpc>
             </a:pPr>
             <a:r>
@@ -24366,7 +27847,29 @@
                 <a:latin typeface="Times" panose="02020603050405020304" pitchFamily="18" charset="0"/>
                 <a:cs typeface="Times" panose="02020603050405020304" pitchFamily="18" charset="0"/>
               </a:rPr>
-              <a:t> Placement can be considered as an evaluation-expensive black-box derivative-free process</a:t>
+              <a:t> </a:t>
+            </a:r>
+            <a:r>
+              <a:rPr lang="en-US" altLang="zh-TW" sz="2200" dirty="0">
+                <a:latin typeface="Times" panose="02020603050405020304" pitchFamily="18" charset="0"/>
+                <a:cs typeface="Times" panose="02020603050405020304" pitchFamily="18" charset="0"/>
+              </a:rPr>
+              <a:t>Placement can be considered as an evaluation-expensive black-box derivative-free   </a:t>
+            </a:r>
+          </a:p>
+          <a:p>
+            <a:pPr marL="457200" lvl="1" indent="0">
+              <a:lnSpc>
+                <a:spcPct val="100000"/>
+              </a:lnSpc>
+              <a:buNone/>
+            </a:pPr>
+            <a:r>
+              <a:rPr lang="en-US" altLang="zh-TW" sz="2200" dirty="0">
+                <a:latin typeface="Times" panose="02020603050405020304" pitchFamily="18" charset="0"/>
+                <a:cs typeface="Times" panose="02020603050405020304" pitchFamily="18" charset="0"/>
+              </a:rPr>
+              <a:t>    process</a:t>
             </a:r>
           </a:p>
           <a:p>
@@ -24383,7 +27886,7 @@
           <a:p>
             <a:pPr lvl="1">
               <a:lnSpc>
-                <a:spcPct val="130000"/>
+                <a:spcPct val="100000"/>
               </a:lnSpc>
             </a:pPr>
             <a:r>
@@ -24391,17 +27894,39 @@
                 <a:latin typeface="Times" panose="02020603050405020304" pitchFamily="18" charset="0"/>
                 <a:cs typeface="Times" panose="02020603050405020304" pitchFamily="18" charset="0"/>
               </a:rPr>
-              <a:t> Apply the sequential model-based global optimization (SMBO) with the tree-structured </a:t>
-            </a:r>
-            <a:r>
-              <a:rPr lang="en-US" altLang="zh-TW" sz="2000" dirty="0" err="1">
+              <a:t> </a:t>
+            </a:r>
+            <a:r>
+              <a:rPr lang="en-US" altLang="zh-TW" sz="2200" dirty="0">
                 <a:latin typeface="Times" panose="02020603050405020304" pitchFamily="18" charset="0"/>
                 <a:cs typeface="Times" panose="02020603050405020304" pitchFamily="18" charset="0"/>
               </a:rPr>
+              <a:t>Apply the sequential model-based global optimization (SMBO) with the tree-  </a:t>
+            </a:r>
+          </a:p>
+          <a:p>
+            <a:pPr marL="457200" lvl="1" indent="0">
+              <a:lnSpc>
+                <a:spcPct val="100000"/>
+              </a:lnSpc>
+              <a:buNone/>
+            </a:pPr>
+            <a:r>
+              <a:rPr lang="en-US" altLang="zh-TW" sz="2200" dirty="0">
+                <a:latin typeface="Times" panose="02020603050405020304" pitchFamily="18" charset="0"/>
+                <a:cs typeface="Times" panose="02020603050405020304" pitchFamily="18" charset="0"/>
+              </a:rPr>
+              <a:t>    structured </a:t>
+            </a:r>
+            <a:r>
+              <a:rPr lang="en-US" altLang="zh-TW" sz="2200" dirty="0" err="1">
+                <a:latin typeface="Times" panose="02020603050405020304" pitchFamily="18" charset="0"/>
+                <a:cs typeface="Times" panose="02020603050405020304" pitchFamily="18" charset="0"/>
+              </a:rPr>
               <a:t>Parzen</a:t>
             </a:r>
             <a:r>
-              <a:rPr lang="en-US" altLang="zh-TW" sz="2000" dirty="0">
+              <a:rPr lang="en-US" altLang="zh-TW" sz="2200" dirty="0">
                 <a:latin typeface="Times" panose="02020603050405020304" pitchFamily="18" charset="0"/>
                 <a:cs typeface="Times" panose="02020603050405020304" pitchFamily="18" charset="0"/>
               </a:rPr>
@@ -24444,7 +27969,7 @@
           <a:p>
             <a:fld id="{666274A1-CF9C-426A-8DD4-B13ED0C24231}" type="slidenum">
               <a:rPr lang="en-US" smtClean="0"/>
-              <a:t>27</a:t>
+              <a:t>32</a:t>
             </a:fld>
             <a:endParaRPr lang="en-US" dirty="0"/>
           </a:p>
@@ -24463,7 +27988,7 @@
 </p:sld>
 </file>
 
-<file path=ppt/slides/slide29.xml><?xml version="1.0" encoding="utf-8"?>
+<file path=ppt/slides/slide34.xml><?xml version="1.0" encoding="utf-8"?>
 <p:sld xmlns:a="http://schemas.openxmlformats.org/drawingml/2006/main" xmlns:r="http://schemas.openxmlformats.org/officeDocument/2006/relationships" xmlns:p="http://schemas.openxmlformats.org/presentationml/2006/main">
   <p:cSld>
     <p:spTree>
@@ -24597,7 +28122,7 @@
           <a:p>
             <a:fld id="{666274A1-CF9C-426A-8DD4-B13ED0C24231}" type="slidenum">
               <a:rPr lang="en-US" smtClean="0"/>
-              <a:t>28</a:t>
+              <a:t>33</a:t>
             </a:fld>
             <a:endParaRPr lang="en-US" dirty="0"/>
           </a:p>
@@ -24721,243 +28246,7 @@
 </p:sld>
 </file>
 
-<file path=ppt/slides/slide3.xml><?xml version="1.0" encoding="utf-8"?>
-<p:sld xmlns:a="http://schemas.openxmlformats.org/drawingml/2006/main" xmlns:r="http://schemas.openxmlformats.org/officeDocument/2006/relationships" xmlns:p="http://schemas.openxmlformats.org/presentationml/2006/main">
-  <p:cSld>
-    <p:spTree>
-      <p:nvGrpSpPr>
-        <p:cNvPr id="1" name=""/>
-        <p:cNvGrpSpPr/>
-        <p:nvPr/>
-      </p:nvGrpSpPr>
-      <p:grpSpPr>
-        <a:xfrm>
-          <a:off x="0" y="0"/>
-          <a:ext cx="0" cy="0"/>
-          <a:chOff x="0" y="0"/>
-          <a:chExt cx="0" cy="0"/>
-        </a:xfrm>
-      </p:grpSpPr>
-      <p:sp>
-        <p:nvSpPr>
-          <p:cNvPr id="2" name="Title 1">
-            <a:extLst>
-              <a:ext uri="{FF2B5EF4-FFF2-40B4-BE49-F238E27FC236}">
-                <a16:creationId xmlns:a16="http://schemas.microsoft.com/office/drawing/2014/main" id="{034B2B09-3A89-725A-85C2-749F88A4474D}"/>
-              </a:ext>
-            </a:extLst>
-          </p:cNvPr>
-          <p:cNvSpPr>
-            <a:spLocks noGrp="1"/>
-          </p:cNvSpPr>
-          <p:nvPr>
-            <p:ph type="title"/>
-          </p:nvPr>
-        </p:nvSpPr>
-        <p:spPr/>
-        <p:txBody>
-          <a:bodyPr/>
-          <a:lstStyle/>
-          <a:p>
-            <a:r>
-              <a:rPr lang="en-US" sz="4000" dirty="0">
-                <a:latin typeface="Times New Roman" panose="02020603050405020304" pitchFamily="18" charset="0"/>
-                <a:cs typeface="Times New Roman" panose="02020603050405020304" pitchFamily="18" charset="0"/>
-              </a:rPr>
-              <a:t>Outline</a:t>
-            </a:r>
-            <a:endParaRPr lang="en-US" dirty="0">
-              <a:latin typeface="Times New Roman" panose="02020603050405020304" pitchFamily="18" charset="0"/>
-              <a:cs typeface="Times New Roman" panose="02020603050405020304" pitchFamily="18" charset="0"/>
-            </a:endParaRPr>
-          </a:p>
-        </p:txBody>
-      </p:sp>
-      <p:sp>
-        <p:nvSpPr>
-          <p:cNvPr id="3" name="Content Placeholder 2">
-            <a:extLst>
-              <a:ext uri="{FF2B5EF4-FFF2-40B4-BE49-F238E27FC236}">
-                <a16:creationId xmlns:a16="http://schemas.microsoft.com/office/drawing/2014/main" id="{35A1418A-E9D3-D2C1-863A-CF59359781D1}"/>
-              </a:ext>
-            </a:extLst>
-          </p:cNvPr>
-          <p:cNvSpPr>
-            <a:spLocks noGrp="1"/>
-          </p:cNvSpPr>
-          <p:nvPr>
-            <p:ph idx="1"/>
-          </p:nvPr>
-        </p:nvSpPr>
-        <p:spPr/>
-        <p:txBody>
-          <a:bodyPr>
-            <a:normAutofit/>
-          </a:bodyPr>
-          <a:lstStyle/>
-          <a:p>
-            <a:pPr>
-              <a:lnSpc>
-                <a:spcPct val="130000"/>
-              </a:lnSpc>
-            </a:pPr>
-            <a:r>
-              <a:rPr lang="en-US" sz="2400" dirty="0">
-                <a:latin typeface="Times New Roman" panose="02020603050405020304" pitchFamily="18" charset="0"/>
-                <a:cs typeface="Times New Roman" panose="02020603050405020304" pitchFamily="18" charset="0"/>
-              </a:rPr>
-              <a:t>Abstract</a:t>
-            </a:r>
-          </a:p>
-          <a:p>
-            <a:pPr>
-              <a:lnSpc>
-                <a:spcPct val="130000"/>
-              </a:lnSpc>
-            </a:pPr>
-            <a:r>
-              <a:rPr lang="en-US" sz="2400" dirty="0">
-                <a:solidFill>
-                  <a:schemeClr val="bg1">
-                    <a:lumMod val="65000"/>
-                  </a:schemeClr>
-                </a:solidFill>
-                <a:latin typeface="Times New Roman" panose="02020603050405020304" pitchFamily="18" charset="0"/>
-                <a:cs typeface="Times New Roman" panose="02020603050405020304" pitchFamily="18" charset="0"/>
-              </a:rPr>
-              <a:t>Introduction</a:t>
-            </a:r>
-          </a:p>
-          <a:p>
-            <a:pPr>
-              <a:lnSpc>
-                <a:spcPct val="130000"/>
-              </a:lnSpc>
-            </a:pPr>
-            <a:r>
-              <a:rPr lang="en-US" altLang="zh-TW" sz="2400" dirty="0">
-                <a:solidFill>
-                  <a:schemeClr val="bg1">
-                    <a:lumMod val="65000"/>
-                  </a:schemeClr>
-                </a:solidFill>
-                <a:latin typeface="Times New Roman" panose="02020603050405020304" pitchFamily="18" charset="0"/>
-                <a:cs typeface="Times New Roman" panose="02020603050405020304" pitchFamily="18" charset="0"/>
-              </a:rPr>
-              <a:t>Preliminaries</a:t>
-            </a:r>
-            <a:endParaRPr lang="en-US" sz="2400" dirty="0">
-              <a:solidFill>
-                <a:schemeClr val="bg1">
-                  <a:lumMod val="65000"/>
-                </a:schemeClr>
-              </a:solidFill>
-              <a:latin typeface="Times New Roman" panose="02020603050405020304" pitchFamily="18" charset="0"/>
-              <a:cs typeface="Times New Roman" panose="02020603050405020304" pitchFamily="18" charset="0"/>
-            </a:endParaRPr>
-          </a:p>
-          <a:p>
-            <a:pPr>
-              <a:lnSpc>
-                <a:spcPct val="130000"/>
-              </a:lnSpc>
-            </a:pPr>
-            <a:r>
-              <a:rPr lang="en-US" sz="2400" dirty="0">
-                <a:solidFill>
-                  <a:schemeClr val="bg1">
-                    <a:lumMod val="65000"/>
-                  </a:schemeClr>
-                </a:solidFill>
-                <a:latin typeface="Times New Roman" panose="02020603050405020304" pitchFamily="18" charset="0"/>
-                <a:cs typeface="Times New Roman" panose="02020603050405020304" pitchFamily="18" charset="0"/>
-              </a:rPr>
-              <a:t>Proposed Partitioning Framework For Multi-GPU Acceleration</a:t>
-            </a:r>
-          </a:p>
-          <a:p>
-            <a:pPr>
-              <a:lnSpc>
-                <a:spcPct val="130000"/>
-              </a:lnSpc>
-            </a:pPr>
-            <a:r>
-              <a:rPr lang="en-US" sz="2400" dirty="0">
-                <a:solidFill>
-                  <a:schemeClr val="bg1">
-                    <a:lumMod val="65000"/>
-                  </a:schemeClr>
-                </a:solidFill>
-                <a:latin typeface="Times New Roman" panose="02020603050405020304" pitchFamily="18" charset="0"/>
-                <a:cs typeface="Times New Roman" panose="02020603050405020304" pitchFamily="18" charset="0"/>
-              </a:rPr>
-              <a:t>Experimental Result</a:t>
-            </a:r>
-          </a:p>
-          <a:p>
-            <a:pPr>
-              <a:lnSpc>
-                <a:spcPct val="130000"/>
-              </a:lnSpc>
-            </a:pPr>
-            <a:r>
-              <a:rPr lang="en-US" sz="2400" dirty="0">
-                <a:solidFill>
-                  <a:schemeClr val="bg1">
-                    <a:lumMod val="65000"/>
-                  </a:schemeClr>
-                </a:solidFill>
-                <a:latin typeface="Times New Roman" panose="02020603050405020304" pitchFamily="18" charset="0"/>
-                <a:cs typeface="Times New Roman" panose="02020603050405020304" pitchFamily="18" charset="0"/>
-              </a:rPr>
-              <a:t>Conclusion</a:t>
-            </a:r>
-          </a:p>
-        </p:txBody>
-      </p:sp>
-      <p:sp>
-        <p:nvSpPr>
-          <p:cNvPr id="4" name="Slide Number Placeholder 3">
-            <a:extLst>
-              <a:ext uri="{FF2B5EF4-FFF2-40B4-BE49-F238E27FC236}">
-                <a16:creationId xmlns:a16="http://schemas.microsoft.com/office/drawing/2014/main" id="{3592E110-E718-0573-BF00-CE5E90916A66}"/>
-              </a:ext>
-            </a:extLst>
-          </p:cNvPr>
-          <p:cNvSpPr>
-            <a:spLocks noGrp="1"/>
-          </p:cNvSpPr>
-          <p:nvPr>
-            <p:ph type="sldNum" sz="quarter" idx="12"/>
-          </p:nvPr>
-        </p:nvSpPr>
-        <p:spPr/>
-        <p:txBody>
-          <a:bodyPr/>
-          <a:lstStyle/>
-          <a:p>
-            <a:fld id="{666274A1-CF9C-426A-8DD4-B13ED0C24231}" type="slidenum">
-              <a:rPr lang="en-US" smtClean="0"/>
-              <a:t>2</a:t>
-            </a:fld>
-            <a:endParaRPr lang="en-US"/>
-          </a:p>
-        </p:txBody>
-      </p:sp>
-    </p:spTree>
-    <p:extLst>
-      <p:ext uri="{BB962C8B-B14F-4D97-AF65-F5344CB8AC3E}">
-        <p14:creationId xmlns:p14="http://schemas.microsoft.com/office/powerpoint/2010/main" val="335788732"/>
-      </p:ext>
-    </p:extLst>
-  </p:cSld>
-  <p:clrMapOvr>
-    <a:masterClrMapping/>
-  </p:clrMapOvr>
-</p:sld>
-</file>
-
-<file path=ppt/slides/slide30.xml><?xml version="1.0" encoding="utf-8"?>
+<file path=ppt/slides/slide35.xml><?xml version="1.0" encoding="utf-8"?>
 <p:sld xmlns:a="http://schemas.openxmlformats.org/drawingml/2006/main" xmlns:r="http://schemas.openxmlformats.org/officeDocument/2006/relationships" xmlns:p="http://schemas.openxmlformats.org/presentationml/2006/main">
   <p:cSld>
     <p:spTree>
@@ -25091,7 +28380,7 @@
           <a:p>
             <a:fld id="{666274A1-CF9C-426A-8DD4-B13ED0C24231}" type="slidenum">
               <a:rPr lang="en-US" smtClean="0"/>
-              <a:t>29</a:t>
+              <a:t>34</a:t>
             </a:fld>
             <a:endParaRPr lang="en-US" dirty="0"/>
           </a:p>
@@ -25215,7 +28504,286 @@
 </p:sld>
 </file>
 
-<file path=ppt/slides/slide31.xml><?xml version="1.0" encoding="utf-8"?>
+<file path=ppt/slides/slide36.xml><?xml version="1.0" encoding="utf-8"?>
+<p:sld xmlns:a="http://schemas.openxmlformats.org/drawingml/2006/main" xmlns:r="http://schemas.openxmlformats.org/officeDocument/2006/relationships" xmlns:p="http://schemas.openxmlformats.org/presentationml/2006/main">
+  <p:cSld>
+    <p:spTree>
+      <p:nvGrpSpPr>
+        <p:cNvPr id="1" name=""/>
+        <p:cNvGrpSpPr/>
+        <p:nvPr/>
+      </p:nvGrpSpPr>
+      <p:grpSpPr>
+        <a:xfrm>
+          <a:off x="0" y="0"/>
+          <a:ext cx="0" cy="0"/>
+          <a:chOff x="0" y="0"/>
+          <a:chExt cx="0" cy="0"/>
+        </a:xfrm>
+      </p:grpSpPr>
+      <p:sp>
+        <p:nvSpPr>
+          <p:cNvPr id="2" name="Title 1">
+            <a:extLst>
+              <a:ext uri="{FF2B5EF4-FFF2-40B4-BE49-F238E27FC236}">
+                <a16:creationId xmlns:a16="http://schemas.microsoft.com/office/drawing/2014/main" id="{034B2B09-3A89-725A-85C2-749F88A4474D}"/>
+              </a:ext>
+            </a:extLst>
+          </p:cNvPr>
+          <p:cNvSpPr>
+            <a:spLocks noGrp="1"/>
+          </p:cNvSpPr>
+          <p:nvPr>
+            <p:ph type="title"/>
+          </p:nvPr>
+        </p:nvSpPr>
+        <p:spPr/>
+        <p:txBody>
+          <a:bodyPr/>
+          <a:lstStyle/>
+          <a:p>
+            <a:r>
+              <a:rPr lang="en-US" sz="4000" dirty="0">
+                <a:latin typeface="Times New Roman" panose="02020603050405020304" pitchFamily="18" charset="0"/>
+                <a:cs typeface="Times New Roman" panose="02020603050405020304" pitchFamily="18" charset="0"/>
+              </a:rPr>
+              <a:t>Outline</a:t>
+            </a:r>
+            <a:endParaRPr lang="en-US" dirty="0">
+              <a:latin typeface="Times New Roman" panose="02020603050405020304" pitchFamily="18" charset="0"/>
+              <a:cs typeface="Times New Roman" panose="02020603050405020304" pitchFamily="18" charset="0"/>
+            </a:endParaRPr>
+          </a:p>
+        </p:txBody>
+      </p:sp>
+      <p:sp>
+        <p:nvSpPr>
+          <p:cNvPr id="3" name="Content Placeholder 2">
+            <a:extLst>
+              <a:ext uri="{FF2B5EF4-FFF2-40B4-BE49-F238E27FC236}">
+                <a16:creationId xmlns:a16="http://schemas.microsoft.com/office/drawing/2014/main" id="{35A1418A-E9D3-D2C1-863A-CF59359781D1}"/>
+              </a:ext>
+            </a:extLst>
+          </p:cNvPr>
+          <p:cNvSpPr>
+            <a:spLocks noGrp="1"/>
+          </p:cNvSpPr>
+          <p:nvPr>
+            <p:ph idx="1"/>
+          </p:nvPr>
+        </p:nvSpPr>
+        <p:spPr/>
+        <p:txBody>
+          <a:bodyPr>
+            <a:normAutofit fontScale="92500" lnSpcReduction="10000"/>
+          </a:bodyPr>
+          <a:lstStyle/>
+          <a:p>
+            <a:pPr>
+              <a:lnSpc>
+                <a:spcPct val="130000"/>
+              </a:lnSpc>
+            </a:pPr>
+            <a:r>
+              <a:rPr lang="en-US" sz="2400" dirty="0">
+                <a:solidFill>
+                  <a:schemeClr val="bg1">
+                    <a:lumMod val="65000"/>
+                  </a:schemeClr>
+                </a:solidFill>
+                <a:latin typeface="Times New Roman" panose="02020603050405020304" pitchFamily="18" charset="0"/>
+                <a:cs typeface="Times New Roman" panose="02020603050405020304" pitchFamily="18" charset="0"/>
+              </a:rPr>
+              <a:t>Abstract</a:t>
+            </a:r>
+          </a:p>
+          <a:p>
+            <a:pPr>
+              <a:lnSpc>
+                <a:spcPct val="130000"/>
+              </a:lnSpc>
+            </a:pPr>
+            <a:r>
+              <a:rPr lang="en-US" sz="2400" dirty="0">
+                <a:solidFill>
+                  <a:schemeClr val="bg1">
+                    <a:lumMod val="65000"/>
+                  </a:schemeClr>
+                </a:solidFill>
+                <a:latin typeface="Times New Roman" panose="02020603050405020304" pitchFamily="18" charset="0"/>
+                <a:cs typeface="Times New Roman" panose="02020603050405020304" pitchFamily="18" charset="0"/>
+              </a:rPr>
+              <a:t>Introduction</a:t>
+            </a:r>
+          </a:p>
+          <a:p>
+            <a:pPr>
+              <a:lnSpc>
+                <a:spcPct val="130000"/>
+              </a:lnSpc>
+            </a:pPr>
+            <a:r>
+              <a:rPr lang="en-US" sz="2400" dirty="0">
+                <a:solidFill>
+                  <a:schemeClr val="bg1">
+                    <a:lumMod val="65000"/>
+                  </a:schemeClr>
+                </a:solidFill>
+                <a:latin typeface="Times New Roman" panose="02020603050405020304" pitchFamily="18" charset="0"/>
+                <a:cs typeface="Times New Roman" panose="02020603050405020304" pitchFamily="18" charset="0"/>
+              </a:rPr>
+              <a:t>Preliminaries</a:t>
+            </a:r>
+          </a:p>
+          <a:p>
+            <a:pPr>
+              <a:lnSpc>
+                <a:spcPct val="130000"/>
+              </a:lnSpc>
+            </a:pPr>
+            <a:r>
+              <a:rPr lang="en-US" sz="2400" dirty="0">
+                <a:latin typeface="Times New Roman" panose="02020603050405020304" pitchFamily="18" charset="0"/>
+                <a:cs typeface="Times New Roman" panose="02020603050405020304" pitchFamily="18" charset="0"/>
+              </a:rPr>
+              <a:t>Proposed Algorithm</a:t>
+            </a:r>
+          </a:p>
+          <a:p>
+            <a:pPr lvl="1">
+              <a:lnSpc>
+                <a:spcPct val="130000"/>
+              </a:lnSpc>
+            </a:pPr>
+            <a:r>
+              <a:rPr lang="en-US" sz="2000" dirty="0">
+                <a:solidFill>
+                  <a:schemeClr val="bg1">
+                    <a:lumMod val="65000"/>
+                  </a:schemeClr>
+                </a:solidFill>
+                <a:latin typeface="Times New Roman" panose="02020603050405020304" pitchFamily="18" charset="0"/>
+                <a:cs typeface="Times New Roman" panose="02020603050405020304" pitchFamily="18" charset="0"/>
+              </a:rPr>
+              <a:t>Congestion Estimation</a:t>
+            </a:r>
+          </a:p>
+          <a:p>
+            <a:pPr lvl="1">
+              <a:lnSpc>
+                <a:spcPct val="130000"/>
+              </a:lnSpc>
+            </a:pPr>
+            <a:r>
+              <a:rPr lang="en-US" sz="2000" dirty="0">
+                <a:solidFill>
+                  <a:schemeClr val="bg1">
+                    <a:lumMod val="65000"/>
+                  </a:schemeClr>
+                </a:solidFill>
+                <a:latin typeface="Times New Roman" panose="02020603050405020304" pitchFamily="18" charset="0"/>
+                <a:cs typeface="Times New Roman" panose="02020603050405020304" pitchFamily="18" charset="0"/>
+              </a:rPr>
+              <a:t>Cell Padding</a:t>
+            </a:r>
+          </a:p>
+          <a:p>
+            <a:pPr lvl="1">
+              <a:lnSpc>
+                <a:spcPct val="130000"/>
+              </a:lnSpc>
+            </a:pPr>
+            <a:r>
+              <a:rPr lang="en-US" sz="2000" dirty="0">
+                <a:solidFill>
+                  <a:schemeClr val="bg1">
+                    <a:lumMod val="65000"/>
+                  </a:schemeClr>
+                </a:solidFill>
+                <a:latin typeface="Times New Roman" panose="02020603050405020304" pitchFamily="18" charset="0"/>
+                <a:cs typeface="Times New Roman" panose="02020603050405020304" pitchFamily="18" charset="0"/>
+              </a:rPr>
+              <a:t>Strategy Exploration</a:t>
+            </a:r>
+          </a:p>
+          <a:p>
+            <a:pPr lvl="1">
+              <a:lnSpc>
+                <a:spcPct val="130000"/>
+              </a:lnSpc>
+            </a:pPr>
+            <a:r>
+              <a:rPr lang="en-US" sz="2000" dirty="0">
+                <a:latin typeface="Times New Roman" panose="02020603050405020304" pitchFamily="18" charset="0"/>
+                <a:cs typeface="Times New Roman" panose="02020603050405020304" pitchFamily="18" charset="0"/>
+              </a:rPr>
+              <a:t>Legalization</a:t>
+            </a:r>
+          </a:p>
+          <a:p>
+            <a:pPr>
+              <a:lnSpc>
+                <a:spcPct val="130000"/>
+              </a:lnSpc>
+            </a:pPr>
+            <a:r>
+              <a:rPr lang="en-US" sz="2400" dirty="0">
+                <a:solidFill>
+                  <a:schemeClr val="bg1">
+                    <a:lumMod val="65000"/>
+                  </a:schemeClr>
+                </a:solidFill>
+                <a:latin typeface="Times New Roman" panose="02020603050405020304" pitchFamily="18" charset="0"/>
+                <a:cs typeface="Times New Roman" panose="02020603050405020304" pitchFamily="18" charset="0"/>
+              </a:rPr>
+              <a:t>Experimental Result</a:t>
+            </a:r>
+          </a:p>
+        </p:txBody>
+      </p:sp>
+      <p:sp>
+        <p:nvSpPr>
+          <p:cNvPr id="4" name="Slide Number Placeholder 3">
+            <a:extLst>
+              <a:ext uri="{FF2B5EF4-FFF2-40B4-BE49-F238E27FC236}">
+                <a16:creationId xmlns:a16="http://schemas.microsoft.com/office/drawing/2014/main" id="{3592E110-E718-0573-BF00-CE5E90916A66}"/>
+              </a:ext>
+            </a:extLst>
+          </p:cNvPr>
+          <p:cNvSpPr>
+            <a:spLocks noGrp="1"/>
+          </p:cNvSpPr>
+          <p:nvPr>
+            <p:ph type="sldNum" sz="quarter" idx="12"/>
+          </p:nvPr>
+        </p:nvSpPr>
+        <p:spPr/>
+        <p:txBody>
+          <a:bodyPr/>
+          <a:lstStyle/>
+          <a:p>
+            <a:fld id="{666274A1-CF9C-426A-8DD4-B13ED0C24231}" type="slidenum">
+              <a:rPr lang="en-US" smtClean="0"/>
+              <a:t>35</a:t>
+            </a:fld>
+            <a:endParaRPr lang="en-US"/>
+          </a:p>
+        </p:txBody>
+      </p:sp>
+    </p:spTree>
+    <p:extLst>
+      <p:ext uri="{BB962C8B-B14F-4D97-AF65-F5344CB8AC3E}">
+        <p14:creationId xmlns:p14="http://schemas.microsoft.com/office/powerpoint/2010/main" val="1758214704"/>
+      </p:ext>
+    </p:extLst>
+  </p:cSld>
+  <p:clrMapOvr>
+    <a:masterClrMapping/>
+  </p:clrMapOvr>
+</p:sld>
+</file>
+
+<file path=ppt/slides/slide37.xml><?xml version="1.0" encoding="utf-8"?>
 <p:sld xmlns:a="http://schemas.openxmlformats.org/drawingml/2006/main" xmlns:r="http://schemas.openxmlformats.org/officeDocument/2006/relationships" xmlns:p="http://schemas.openxmlformats.org/presentationml/2006/main">
   <p:cSld>
     <p:spTree>
@@ -25321,13 +28889,173 @@
             </a:endParaRPr>
           </a:p>
           <a:p>
-            <a:pPr lvl="1"/>
-            <a:r>
-              <a:rPr lang="en-US" altLang="zh-TW" sz="2000" dirty="0">
+            <a:pPr lvl="1">
+              <a:lnSpc>
+                <a:spcPct val="100000"/>
+              </a:lnSpc>
+            </a:pPr>
+            <a:r>
+              <a:rPr lang="en-US" altLang="zh-TW" sz="2200" dirty="0">
                 <a:latin typeface="Times" panose="02020603050405020304" pitchFamily="18" charset="0"/>
                 <a:cs typeface="Times" panose="02020603050405020304" pitchFamily="18" charset="0"/>
               </a:rPr>
               <a:t>After global placement, we need to place the cell in legal position to eliminate overlaps and DRVs.</a:t>
+            </a:r>
+          </a:p>
+          <a:p>
+            <a:pPr lvl="1">
+              <a:lnSpc>
+                <a:spcPct val="100000"/>
+              </a:lnSpc>
+            </a:pPr>
+            <a:endParaRPr lang="en-US" altLang="zh-TW" sz="600" dirty="0">
+              <a:latin typeface="Times" panose="02020603050405020304" pitchFamily="18" charset="0"/>
+              <a:cs typeface="Times" panose="02020603050405020304" pitchFamily="18" charset="0"/>
+            </a:endParaRPr>
+          </a:p>
+          <a:p>
+            <a:pPr lvl="1">
+              <a:lnSpc>
+                <a:spcPct val="100000"/>
+              </a:lnSpc>
+            </a:pPr>
+            <a:r>
+              <a:rPr lang="en-US" altLang="zh-TW" sz="2200" dirty="0">
+                <a:latin typeface="Times" panose="02020603050405020304" pitchFamily="18" charset="0"/>
+                <a:cs typeface="Times" panose="02020603050405020304" pitchFamily="18" charset="0"/>
+              </a:rPr>
+              <a:t>Cells of the same</a:t>
+            </a:r>
+            <a:r>
+              <a:rPr lang="zh-TW" altLang="en-US" sz="2200" dirty="0">
+                <a:latin typeface="Times" panose="02020603050405020304" pitchFamily="18" charset="0"/>
+                <a:cs typeface="Times" panose="02020603050405020304" pitchFamily="18" charset="0"/>
+              </a:rPr>
+              <a:t> </a:t>
+            </a:r>
+            <a:r>
+              <a:rPr lang="en-US" altLang="zh-TW" sz="2200" dirty="0">
+                <a:latin typeface="Times" panose="02020603050405020304" pitchFamily="18" charset="0"/>
+                <a:cs typeface="Times" panose="02020603050405020304" pitchFamily="18" charset="0"/>
+              </a:rPr>
+              <a:t>cluster will cling together, degrading </a:t>
+            </a:r>
+            <a:r>
+              <a:rPr lang="en-US" altLang="zh-TW" sz="2200" dirty="0" err="1">
+                <a:latin typeface="Times" panose="02020603050405020304" pitchFamily="18" charset="0"/>
+                <a:cs typeface="Times" panose="02020603050405020304" pitchFamily="18" charset="0"/>
+              </a:rPr>
+              <a:t>routability</a:t>
+            </a:r>
+            <a:r>
+              <a:rPr lang="en-US" altLang="zh-TW" sz="2200" dirty="0">
+                <a:latin typeface="Times" panose="02020603050405020304" pitchFamily="18" charset="0"/>
+                <a:cs typeface="Times" panose="02020603050405020304" pitchFamily="18" charset="0"/>
+              </a:rPr>
+              <a:t>.</a:t>
+            </a:r>
+          </a:p>
+          <a:p>
+            <a:pPr lvl="1">
+              <a:lnSpc>
+                <a:spcPct val="100000"/>
+              </a:lnSpc>
+            </a:pPr>
+            <a:endParaRPr lang="en-US" altLang="zh-TW" sz="600" dirty="0">
+              <a:latin typeface="Times" panose="02020603050405020304" pitchFamily="18" charset="0"/>
+              <a:cs typeface="Times" panose="02020603050405020304" pitchFamily="18" charset="0"/>
+            </a:endParaRPr>
+          </a:p>
+          <a:p>
+            <a:pPr lvl="1">
+              <a:lnSpc>
+                <a:spcPct val="100000"/>
+              </a:lnSpc>
+            </a:pPr>
+            <a:r>
+              <a:rPr lang="en-US" altLang="zh-TW" sz="2200" dirty="0">
+                <a:latin typeface="Times" panose="02020603050405020304" pitchFamily="18" charset="0"/>
+                <a:cs typeface="Times" panose="02020603050405020304" pitchFamily="18" charset="0"/>
+              </a:rPr>
+              <a:t>Inherit the padding from global placement to introduce white space in the congested region.</a:t>
+            </a:r>
+          </a:p>
+          <a:p>
+            <a:pPr lvl="1">
+              <a:lnSpc>
+                <a:spcPct val="100000"/>
+              </a:lnSpc>
+            </a:pPr>
+            <a:endParaRPr lang="en-US" altLang="zh-TW" sz="600" dirty="0">
+              <a:latin typeface="Times" panose="02020603050405020304" pitchFamily="18" charset="0"/>
+              <a:cs typeface="Times" panose="02020603050405020304" pitchFamily="18" charset="0"/>
+            </a:endParaRPr>
+          </a:p>
+          <a:p>
+            <a:pPr lvl="1">
+              <a:lnSpc>
+                <a:spcPct val="100000"/>
+              </a:lnSpc>
+            </a:pPr>
+            <a:r>
+              <a:rPr lang="en-US" altLang="zh-TW" sz="2200" dirty="0">
+                <a:latin typeface="Times" panose="02020603050405020304" pitchFamily="18" charset="0"/>
+                <a:cs typeface="Times" panose="02020603050405020304" pitchFamily="18" charset="0"/>
+              </a:rPr>
+              <a:t>To control the</a:t>
+            </a:r>
+            <a:r>
+              <a:rPr lang="zh-TW" altLang="en-US" sz="2200" dirty="0">
+                <a:latin typeface="Times" panose="02020603050405020304" pitchFamily="18" charset="0"/>
+                <a:cs typeface="Times" panose="02020603050405020304" pitchFamily="18" charset="0"/>
+              </a:rPr>
+              <a:t> </a:t>
+            </a:r>
+            <a:r>
+              <a:rPr lang="en-US" altLang="zh-TW" sz="2200" dirty="0">
+                <a:latin typeface="Times" panose="02020603050405020304" pitchFamily="18" charset="0"/>
+                <a:cs typeface="Times" panose="02020603050405020304" pitchFamily="18" charset="0"/>
+              </a:rPr>
+              <a:t>padding utilization, we limit the total padding area to less than 5% of</a:t>
+            </a:r>
+            <a:r>
+              <a:rPr lang="zh-TW" altLang="en-US" sz="2200" dirty="0">
+                <a:latin typeface="Times" panose="02020603050405020304" pitchFamily="18" charset="0"/>
+                <a:cs typeface="Times" panose="02020603050405020304" pitchFamily="18" charset="0"/>
+              </a:rPr>
+              <a:t> </a:t>
+            </a:r>
+            <a:r>
+              <a:rPr lang="en-US" altLang="zh-TW" sz="2200" dirty="0">
+                <a:latin typeface="Times" panose="02020603050405020304" pitchFamily="18" charset="0"/>
+                <a:cs typeface="Times" panose="02020603050405020304" pitchFamily="18" charset="0"/>
+              </a:rPr>
+              <a:t>the total movable cells area.</a:t>
+            </a:r>
+          </a:p>
+          <a:p>
+            <a:pPr lvl="1">
+              <a:lnSpc>
+                <a:spcPct val="100000"/>
+              </a:lnSpc>
+            </a:pPr>
+            <a:endParaRPr lang="en-US" altLang="zh-TW" sz="600" dirty="0">
+              <a:latin typeface="Times" panose="02020603050405020304" pitchFamily="18" charset="0"/>
+              <a:cs typeface="Times" panose="02020603050405020304" pitchFamily="18" charset="0"/>
+            </a:endParaRPr>
+          </a:p>
+          <a:p>
+            <a:pPr lvl="1">
+              <a:lnSpc>
+                <a:spcPct val="100000"/>
+              </a:lnSpc>
+            </a:pPr>
+            <a:r>
+              <a:rPr lang="en-US" altLang="zh-TW" sz="2200" dirty="0">
+                <a:latin typeface="Times" panose="02020603050405020304" pitchFamily="18" charset="0"/>
+                <a:cs typeface="Times" panose="02020603050405020304" pitchFamily="18" charset="0"/>
+              </a:rPr>
+              <a:t>After adding the cell padding, they employ Abacus-based algorithm for legalization.</a:t>
             </a:r>
           </a:p>
         </p:txBody>
@@ -25355,7 +29083,7 @@
           <a:p>
             <a:fld id="{666274A1-CF9C-426A-8DD4-B13ED0C24231}" type="slidenum">
               <a:rPr lang="en-US" smtClean="0"/>
-              <a:t>30</a:t>
+              <a:t>36</a:t>
             </a:fld>
             <a:endParaRPr lang="en-US" dirty="0"/>
           </a:p>
@@ -25374,7 +29102,7 @@
 </p:sld>
 </file>
 
-<file path=ppt/slides/slide32.xml><?xml version="1.0" encoding="utf-8"?>
+<file path=ppt/slides/slide38.xml><?xml version="1.0" encoding="utf-8"?>
 <p:sld xmlns:a="http://schemas.openxmlformats.org/drawingml/2006/main" xmlns:r="http://schemas.openxmlformats.org/officeDocument/2006/relationships" xmlns:p="http://schemas.openxmlformats.org/presentationml/2006/main">
   <p:cSld>
     <p:spTree>
@@ -25393,10 +29121,360 @@
       </p:grpSpPr>
       <p:sp>
         <p:nvSpPr>
-          <p:cNvPr id="4" name="Slide Number Placeholder 3">
+          <p:cNvPr id="2" name="標題 1">
             <a:extLst>
               <a:ext uri="{FF2B5EF4-FFF2-40B4-BE49-F238E27FC236}">
-                <a16:creationId xmlns:a16="http://schemas.microsoft.com/office/drawing/2014/main" id="{DB47E6D4-11C1-7FA3-40FD-EC8CC1AC8613}"/>
+                <a16:creationId xmlns:a16="http://schemas.microsoft.com/office/drawing/2014/main" id="{AEDF6777-6236-46F8-93C4-053ACE59502E}"/>
+              </a:ext>
+            </a:extLst>
+          </p:cNvPr>
+          <p:cNvSpPr>
+            <a:spLocks noGrp="1"/>
+          </p:cNvSpPr>
+          <p:nvPr>
+            <p:ph type="title"/>
+          </p:nvPr>
+        </p:nvSpPr>
+        <p:spPr>
+          <a:xfrm>
+            <a:off x="434738" y="320675"/>
+            <a:ext cx="11757262" cy="1325563"/>
+          </a:xfrm>
+        </p:spPr>
+        <p:txBody>
+          <a:bodyPr>
+            <a:normAutofit/>
+          </a:bodyPr>
+          <a:lstStyle/>
+          <a:p>
+            <a:r>
+              <a:rPr lang="en-US" altLang="zh-TW" sz="4000" dirty="0">
+                <a:latin typeface="Times" panose="02020603050405020304" pitchFamily="18" charset="0"/>
+                <a:cs typeface="Times" panose="02020603050405020304" pitchFamily="18" charset="0"/>
+              </a:rPr>
+              <a:t>Legalization</a:t>
+            </a:r>
+          </a:p>
+        </p:txBody>
+      </p:sp>
+      <mc:AlternateContent xmlns:mc="http://schemas.openxmlformats.org/markup-compatibility/2006">
+        <mc:Choice xmlns:a14="http://schemas.microsoft.com/office/drawing/2010/main" Requires="a14">
+          <p:sp>
+            <p:nvSpPr>
+              <p:cNvPr id="3" name="內容版面配置區 2">
+                <a:extLst>
+                  <a:ext uri="{FF2B5EF4-FFF2-40B4-BE49-F238E27FC236}">
+                    <a16:creationId xmlns:a16="http://schemas.microsoft.com/office/drawing/2014/main" id="{CDD6591C-6706-1D9B-A7CF-BE488BA469CB}"/>
+                  </a:ext>
+                </a:extLst>
+              </p:cNvPr>
+              <p:cNvSpPr>
+                <a:spLocks noGrp="1"/>
+              </p:cNvSpPr>
+              <p:nvPr>
+                <p:ph idx="1"/>
+              </p:nvPr>
+            </p:nvSpPr>
+            <p:spPr>
+              <a:xfrm>
+                <a:off x="839645" y="1846585"/>
+                <a:ext cx="10512709" cy="4874890"/>
+              </a:xfrm>
+            </p:spPr>
+            <p:txBody>
+              <a:bodyPr>
+                <a:normAutofit/>
+              </a:bodyPr>
+              <a:lstStyle/>
+              <a:p>
+                <a:pPr marL="514350" indent="-514350">
+                  <a:buFont typeface="+mj-lt"/>
+                  <a:buAutoNum type="arabicPeriod"/>
+                </a:pPr>
+                <a:r>
+                  <a:rPr lang="en-US" altLang="zh-TW" sz="2400" dirty="0">
+                    <a:latin typeface="Times" panose="02020603050405020304" pitchFamily="18" charset="0"/>
+                    <a:cs typeface="Times" panose="02020603050405020304" pitchFamily="18" charset="0"/>
+                  </a:rPr>
+                  <a:t>White-space-assisted Legalization</a:t>
+                </a:r>
+              </a:p>
+              <a:p>
+                <a:pPr marL="514350" indent="-514350">
+                  <a:buFont typeface="+mj-lt"/>
+                  <a:buAutoNum type="arabicPeriod"/>
+                </a:pPr>
+                <a:endParaRPr lang="en-US" altLang="zh-TW" sz="1200" dirty="0">
+                  <a:latin typeface="Times" panose="02020603050405020304" pitchFamily="18" charset="0"/>
+                  <a:cs typeface="Times" panose="02020603050405020304" pitchFamily="18" charset="0"/>
+                </a:endParaRPr>
+              </a:p>
+              <a:p>
+                <a:pPr lvl="1">
+                  <a:lnSpc>
+                    <a:spcPct val="100000"/>
+                  </a:lnSpc>
+                </a:pPr>
+                <a:r>
+                  <a:rPr lang="en-US" altLang="zh-TW" sz="2200" dirty="0">
+                    <a:latin typeface="Times" panose="02020603050405020304" pitchFamily="18" charset="0"/>
+                    <a:cs typeface="Times" panose="02020603050405020304" pitchFamily="18" charset="0"/>
+                  </a:rPr>
+                  <a:t>Width of a cell should be the multiple of the technology site in legalization, So we discretize the padding using a staircase function defined as follows:</a:t>
+                </a:r>
+              </a:p>
+              <a:p>
+                <a:pPr lvl="1">
+                  <a:lnSpc>
+                    <a:spcPct val="100000"/>
+                  </a:lnSpc>
+                </a:pPr>
+                <a:endParaRPr lang="en-US" altLang="zh-TW" sz="2200" dirty="0">
+                  <a:latin typeface="Times" panose="02020603050405020304" pitchFamily="18" charset="0"/>
+                  <a:cs typeface="Times" panose="02020603050405020304" pitchFamily="18" charset="0"/>
+                </a:endParaRPr>
+              </a:p>
+              <a:p>
+                <a:pPr lvl="1">
+                  <a:lnSpc>
+                    <a:spcPct val="100000"/>
+                  </a:lnSpc>
+                </a:pPr>
+                <a:endParaRPr lang="en-US" altLang="zh-TW" sz="2200" dirty="0">
+                  <a:latin typeface="Times" panose="02020603050405020304" pitchFamily="18" charset="0"/>
+                  <a:cs typeface="Times" panose="02020603050405020304" pitchFamily="18" charset="0"/>
+                </a:endParaRPr>
+              </a:p>
+              <a:p>
+                <a:pPr lvl="1">
+                  <a:lnSpc>
+                    <a:spcPct val="100000"/>
+                  </a:lnSpc>
+                </a:pPr>
+                <a:endParaRPr lang="en-US" altLang="zh-TW" sz="2200" dirty="0">
+                  <a:latin typeface="Times" panose="02020603050405020304" pitchFamily="18" charset="0"/>
+                  <a:cs typeface="Times" panose="02020603050405020304" pitchFamily="18" charset="0"/>
+                </a:endParaRPr>
+              </a:p>
+              <a:p>
+                <a:pPr lvl="1">
+                  <a:lnSpc>
+                    <a:spcPct val="100000"/>
+                  </a:lnSpc>
+                </a:pPr>
+                <a:endParaRPr lang="en-US" altLang="zh-TW" sz="2200" dirty="0">
+                  <a:latin typeface="Times" panose="02020603050405020304" pitchFamily="18" charset="0"/>
+                  <a:cs typeface="Times" panose="02020603050405020304" pitchFamily="18" charset="0"/>
+                </a:endParaRPr>
+              </a:p>
+              <a:p>
+                <a:pPr lvl="1">
+                  <a:lnSpc>
+                    <a:spcPct val="100000"/>
+                  </a:lnSpc>
+                  <a:buFont typeface="Wingdings" panose="05000000000000000000" pitchFamily="2" charset="2"/>
+                  <a:buChar char="Ø"/>
+                </a:pPr>
+                <a:r>
+                  <a:rPr lang="en-US" altLang="zh-TW" sz="2200" dirty="0">
+                    <a:latin typeface="Times" panose="02020603050405020304" pitchFamily="18" charset="0"/>
+                    <a:cs typeface="Times" panose="02020603050405020304" pitchFamily="18" charset="0"/>
+                  </a:rPr>
+                  <a:t> </a:t>
+                </a:r>
+                <a14:m>
+                  <m:oMath xmlns:m="http://schemas.openxmlformats.org/officeDocument/2006/math">
+                    <m:r>
+                      <a:rPr lang="en-US" altLang="zh-TW" sz="2000" b="0" i="1" smtClean="0">
+                        <a:latin typeface="Cambria Math" panose="02040503050406030204" pitchFamily="18" charset="0"/>
+                        <a:cs typeface="Times" panose="02020603050405020304" pitchFamily="18" charset="0"/>
+                      </a:rPr>
+                      <m:t>𝐷𝑖𝑠𝑃𝑎𝑑</m:t>
+                    </m:r>
+                    <m:r>
+                      <a:rPr lang="en-US" altLang="zh-TW" sz="2000" b="0" i="1" smtClean="0">
+                        <a:latin typeface="Cambria Math" panose="02040503050406030204" pitchFamily="18" charset="0"/>
+                        <a:cs typeface="Times" panose="02020603050405020304" pitchFamily="18" charset="0"/>
+                      </a:rPr>
+                      <m:t>(</m:t>
+                    </m:r>
+                    <m:r>
+                      <a:rPr lang="en-US" altLang="zh-TW" sz="2000" b="0" i="1" smtClean="0">
+                        <a:latin typeface="Cambria Math" panose="02040503050406030204" pitchFamily="18" charset="0"/>
+                        <a:cs typeface="Times" panose="02020603050405020304" pitchFamily="18" charset="0"/>
+                      </a:rPr>
+                      <m:t>𝑐</m:t>
+                    </m:r>
+                    <m:r>
+                      <a:rPr lang="en-US" altLang="zh-TW" sz="2000" b="0" i="1" smtClean="0">
+                        <a:latin typeface="Cambria Math" panose="02040503050406030204" pitchFamily="18" charset="0"/>
+                        <a:cs typeface="Times" panose="02020603050405020304" pitchFamily="18" charset="0"/>
+                      </a:rPr>
+                      <m:t>)</m:t>
+                    </m:r>
+                  </m:oMath>
+                </a14:m>
+                <a:r>
+                  <a:rPr lang="en-US" altLang="zh-TW" sz="2000" dirty="0">
+                    <a:latin typeface="Times" panose="02020603050405020304" pitchFamily="18" charset="0"/>
+                    <a:cs typeface="Times" panose="02020603050405020304" pitchFamily="18" charset="0"/>
+                  </a:rPr>
+                  <a:t> : discrete padding of cell </a:t>
+                </a:r>
+                <a14:m>
+                  <m:oMath xmlns:m="http://schemas.openxmlformats.org/officeDocument/2006/math">
+                    <m:r>
+                      <a:rPr lang="en-US" altLang="zh-TW" sz="2000" b="0" i="1" smtClean="0">
+                        <a:latin typeface="Cambria Math" panose="02040503050406030204" pitchFamily="18" charset="0"/>
+                        <a:cs typeface="Times" panose="02020603050405020304" pitchFamily="18" charset="0"/>
+                      </a:rPr>
+                      <m:t>𝑐</m:t>
+                    </m:r>
+                  </m:oMath>
+                </a14:m>
+                <a:endParaRPr lang="en-US" altLang="zh-TW" sz="2000" dirty="0">
+                  <a:latin typeface="Times" panose="02020603050405020304" pitchFamily="18" charset="0"/>
+                  <a:cs typeface="Times" panose="02020603050405020304" pitchFamily="18" charset="0"/>
+                </a:endParaRPr>
+              </a:p>
+              <a:p>
+                <a:pPr lvl="1">
+                  <a:lnSpc>
+                    <a:spcPct val="100000"/>
+                  </a:lnSpc>
+                  <a:buFont typeface="Wingdings" panose="05000000000000000000" pitchFamily="2" charset="2"/>
+                  <a:buChar char="Ø"/>
+                </a:pPr>
+                <a14:m>
+                  <m:oMath xmlns:m="http://schemas.openxmlformats.org/officeDocument/2006/math">
+                    <m:r>
+                      <a:rPr lang="en-US" altLang="zh-TW" sz="2000" b="0" i="1" smtClean="0">
+                        <a:latin typeface="Cambria Math" panose="02040503050406030204" pitchFamily="18" charset="0"/>
+                        <a:cs typeface="Times" panose="02020603050405020304" pitchFamily="18" charset="0"/>
+                      </a:rPr>
+                      <m:t> </m:t>
+                    </m:r>
+                    <m:r>
+                      <a:rPr lang="zh-TW" altLang="en-US" sz="2000" b="0" i="1" smtClean="0">
+                        <a:latin typeface="Cambria Math" panose="02040503050406030204" pitchFamily="18" charset="0"/>
+                        <a:cs typeface="Times" panose="02020603050405020304" pitchFamily="18" charset="0"/>
+                      </a:rPr>
+                      <m:t>𝜃</m:t>
+                    </m:r>
+                    <m:r>
+                      <a:rPr lang="en-US" altLang="zh-TW" sz="2000" b="0" i="1" smtClean="0">
+                        <a:latin typeface="Cambria Math" panose="02040503050406030204" pitchFamily="18" charset="0"/>
+                        <a:cs typeface="Times" panose="02020603050405020304" pitchFamily="18" charset="0"/>
+                      </a:rPr>
+                      <m:t> : </m:t>
+                    </m:r>
+                  </m:oMath>
+                </a14:m>
+                <a:r>
+                  <a:rPr lang="en-US" altLang="zh-TW" sz="2000" dirty="0">
+                    <a:latin typeface="Times" panose="02020603050405020304" pitchFamily="18" charset="0"/>
+                    <a:cs typeface="Times" panose="02020603050405020304" pitchFamily="18" charset="0"/>
+                  </a:rPr>
+                  <a:t>strategy parameter</a:t>
+                </a:r>
+              </a:p>
+              <a:p>
+                <a:pPr lvl="1">
+                  <a:lnSpc>
+                    <a:spcPct val="100000"/>
+                  </a:lnSpc>
+                  <a:buFont typeface="Wingdings" panose="05000000000000000000" pitchFamily="2" charset="2"/>
+                  <a:buChar char="Ø"/>
+                </a:pPr>
+                <a:r>
+                  <a:rPr lang="en-US" altLang="zh-TW" sz="2000" dirty="0">
+                    <a:latin typeface="Times" panose="02020603050405020304" pitchFamily="18" charset="0"/>
+                    <a:cs typeface="Times" panose="02020603050405020304" pitchFamily="18" charset="0"/>
+                  </a:rPr>
+                  <a:t> </a:t>
+                </a:r>
+                <a14:m>
+                  <m:oMath xmlns:m="http://schemas.openxmlformats.org/officeDocument/2006/math">
+                    <m:r>
+                      <a:rPr lang="en-US" altLang="zh-TW" sz="2000" b="0" i="1" smtClean="0">
+                        <a:latin typeface="Cambria Math" panose="02040503050406030204" pitchFamily="18" charset="0"/>
+                        <a:cs typeface="Times" panose="02020603050405020304" pitchFamily="18" charset="0"/>
+                      </a:rPr>
+                      <m:t>𝑚𝑝</m:t>
+                    </m:r>
+                  </m:oMath>
+                </a14:m>
+                <a:r>
+                  <a:rPr lang="en-US" altLang="zh-TW" sz="2000" dirty="0">
+                    <a:latin typeface="Times" panose="02020603050405020304" pitchFamily="18" charset="0"/>
+                    <a:cs typeface="Times" panose="02020603050405020304" pitchFamily="18" charset="0"/>
+                  </a:rPr>
+                  <a:t> : maximum padding of all cells</a:t>
+                </a:r>
+              </a:p>
+              <a:p>
+                <a:pPr marL="514350" indent="-514350">
+                  <a:buFont typeface="+mj-lt"/>
+                  <a:buAutoNum type="arabicPeriod"/>
+                </a:pPr>
+                <a:endParaRPr lang="en-US" altLang="zh-TW" sz="600" dirty="0">
+                  <a:latin typeface="Times" panose="02020603050405020304" pitchFamily="18" charset="0"/>
+                  <a:cs typeface="Times" panose="02020603050405020304" pitchFamily="18" charset="0"/>
+                </a:endParaRPr>
+              </a:p>
+            </p:txBody>
+          </p:sp>
+        </mc:Choice>
+        <mc:Fallback>
+          <p:sp>
+            <p:nvSpPr>
+              <p:cNvPr id="3" name="內容版面配置區 2">
+                <a:extLst>
+                  <a:ext uri="{FF2B5EF4-FFF2-40B4-BE49-F238E27FC236}">
+                    <a16:creationId xmlns:a16="http://schemas.microsoft.com/office/drawing/2014/main" id="{CDD6591C-6706-1D9B-A7CF-BE488BA469CB}"/>
+                  </a:ext>
+                </a:extLst>
+              </p:cNvPr>
+              <p:cNvSpPr>
+                <a:spLocks noGrp="1" noRot="1" noChangeAspect="1" noMove="1" noResize="1" noEditPoints="1" noAdjustHandles="1" noChangeArrowheads="1" noChangeShapeType="1" noTextEdit="1"/>
+              </p:cNvSpPr>
+              <p:nvPr>
+                <p:ph idx="1"/>
+              </p:nvPr>
+            </p:nvSpPr>
+            <p:spPr>
+              <a:xfrm>
+                <a:off x="839645" y="1846585"/>
+                <a:ext cx="10512709" cy="4874890"/>
+              </a:xfrm>
+              <a:blipFill>
+                <a:blip r:embed="rId3"/>
+                <a:stretch>
+                  <a:fillRect l="-812" t="-1750"/>
+                </a:stretch>
+              </a:blipFill>
+            </p:spPr>
+            <p:txBody>
+              <a:bodyPr/>
+              <a:lstStyle/>
+              <a:p>
+                <a:r>
+                  <a:rPr lang="zh-TW" altLang="en-US">
+                    <a:noFill/>
+                  </a:rPr>
+                  <a:t> </a:t>
+                </a:r>
+              </a:p>
+            </p:txBody>
+          </p:sp>
+        </mc:Fallback>
+      </mc:AlternateContent>
+      <p:sp>
+        <p:nvSpPr>
+          <p:cNvPr id="4" name="投影片編號版面配置區 3">
+            <a:extLst>
+              <a:ext uri="{FF2B5EF4-FFF2-40B4-BE49-F238E27FC236}">
+                <a16:creationId xmlns:a16="http://schemas.microsoft.com/office/drawing/2014/main" id="{C4A4DCC3-BB49-91CF-D3FC-B1B0701D13DC}"/>
               </a:ext>
             </a:extLst>
           </p:cNvPr>
@@ -25414,58 +29492,330 @@
           <a:p>
             <a:fld id="{666274A1-CF9C-426A-8DD4-B13ED0C24231}" type="slidenum">
               <a:rPr lang="en-US" smtClean="0"/>
-              <a:t>31</a:t>
+              <a:t>37</a:t>
             </a:fld>
-            <a:endParaRPr lang="en-US"/>
+            <a:endParaRPr lang="en-US" dirty="0"/>
+          </a:p>
+        </p:txBody>
+      </p:sp>
+      <p:pic>
+        <p:nvPicPr>
+          <p:cNvPr id="7" name="圖片 6">
+            <a:extLst>
+              <a:ext uri="{FF2B5EF4-FFF2-40B4-BE49-F238E27FC236}">
+                <a16:creationId xmlns:a16="http://schemas.microsoft.com/office/drawing/2014/main" id="{D1B142B3-254F-2E1C-7443-C3FEFAE67749}"/>
+              </a:ext>
+            </a:extLst>
+          </p:cNvPr>
+          <p:cNvPicPr>
+            <a:picLocks noChangeAspect="1"/>
+          </p:cNvPicPr>
+          <p:nvPr/>
+        </p:nvPicPr>
+        <p:blipFill>
+          <a:blip r:embed="rId4"/>
+          <a:stretch>
+            <a:fillRect/>
+          </a:stretch>
+        </p:blipFill>
+        <p:spPr>
+          <a:xfrm>
+            <a:off x="3808183" y="3638332"/>
+            <a:ext cx="4575632" cy="943293"/>
+          </a:xfrm>
+          <a:prstGeom prst="rect">
+            <a:avLst/>
+          </a:prstGeom>
+        </p:spPr>
+      </p:pic>
+    </p:spTree>
+    <p:extLst>
+      <p:ext uri="{BB962C8B-B14F-4D97-AF65-F5344CB8AC3E}">
+        <p14:creationId xmlns:p14="http://schemas.microsoft.com/office/powerpoint/2010/main" val="2120979702"/>
+      </p:ext>
+    </p:extLst>
+  </p:cSld>
+  <p:clrMapOvr>
+    <a:masterClrMapping/>
+  </p:clrMapOvr>
+</p:sld>
+</file>
+
+<file path=ppt/slides/slide39.xml><?xml version="1.0" encoding="utf-8"?>
+<p:sld xmlns:a="http://schemas.openxmlformats.org/drawingml/2006/main" xmlns:r="http://schemas.openxmlformats.org/officeDocument/2006/relationships" xmlns:p="http://schemas.openxmlformats.org/presentationml/2006/main">
+  <p:cSld>
+    <p:spTree>
+      <p:nvGrpSpPr>
+        <p:cNvPr id="1" name=""/>
+        <p:cNvGrpSpPr/>
+        <p:nvPr/>
+      </p:nvGrpSpPr>
+      <p:grpSpPr>
+        <a:xfrm>
+          <a:off x="0" y="0"/>
+          <a:ext cx="0" cy="0"/>
+          <a:chOff x="0" y="0"/>
+          <a:chExt cx="0" cy="0"/>
+        </a:xfrm>
+      </p:grpSpPr>
+      <p:sp>
+        <p:nvSpPr>
+          <p:cNvPr id="2" name="Title 1">
+            <a:extLst>
+              <a:ext uri="{FF2B5EF4-FFF2-40B4-BE49-F238E27FC236}">
+                <a16:creationId xmlns:a16="http://schemas.microsoft.com/office/drawing/2014/main" id="{034B2B09-3A89-725A-85C2-749F88A4474D}"/>
+              </a:ext>
+            </a:extLst>
+          </p:cNvPr>
+          <p:cNvSpPr>
+            <a:spLocks noGrp="1"/>
+          </p:cNvSpPr>
+          <p:nvPr>
+            <p:ph type="title"/>
+          </p:nvPr>
+        </p:nvSpPr>
+        <p:spPr/>
+        <p:txBody>
+          <a:bodyPr/>
+          <a:lstStyle/>
+          <a:p>
+            <a:r>
+              <a:rPr lang="en-US" sz="4000" dirty="0">
+                <a:latin typeface="Times New Roman" panose="02020603050405020304" pitchFamily="18" charset="0"/>
+                <a:cs typeface="Times New Roman" panose="02020603050405020304" pitchFamily="18" charset="0"/>
+              </a:rPr>
+              <a:t>Outline</a:t>
+            </a:r>
+            <a:endParaRPr lang="en-US" dirty="0">
+              <a:latin typeface="Times New Roman" panose="02020603050405020304" pitchFamily="18" charset="0"/>
+              <a:cs typeface="Times New Roman" panose="02020603050405020304" pitchFamily="18" charset="0"/>
+            </a:endParaRPr>
           </a:p>
         </p:txBody>
       </p:sp>
       <p:sp>
         <p:nvSpPr>
-          <p:cNvPr id="5" name="TextBox 4">
+          <p:cNvPr id="3" name="Content Placeholder 2">
             <a:extLst>
               <a:ext uri="{FF2B5EF4-FFF2-40B4-BE49-F238E27FC236}">
-                <a16:creationId xmlns:a16="http://schemas.microsoft.com/office/drawing/2014/main" id="{DE342AA9-4E4B-2420-9858-9BBA5A519307}"/>
+                <a16:creationId xmlns:a16="http://schemas.microsoft.com/office/drawing/2014/main" id="{35A1418A-E9D3-D2C1-863A-CF59359781D1}"/>
               </a:ext>
             </a:extLst>
           </p:cNvPr>
-          <p:cNvSpPr txBox="1"/>
-          <p:nvPr/>
+          <p:cNvSpPr>
+            <a:spLocks noGrp="1"/>
+          </p:cNvSpPr>
+          <p:nvPr>
+            <p:ph idx="1"/>
+          </p:nvPr>
         </p:nvSpPr>
-        <p:spPr>
-          <a:xfrm>
-            <a:off x="2697986" y="2967335"/>
-            <a:ext cx="6936514" cy="923330"/>
-          </a:xfrm>
-          <a:prstGeom prst="rect">
-            <a:avLst/>
-          </a:prstGeom>
-          <a:noFill/>
-        </p:spPr>
+        <p:spPr/>
         <p:txBody>
-          <a:bodyPr wrap="none" rtlCol="0">
-            <a:spAutoFit/>
+          <a:bodyPr>
+            <a:normAutofit fontScale="92500" lnSpcReduction="10000"/>
           </a:bodyPr>
           <a:lstStyle/>
           <a:p>
-            <a:r>
-              <a:rPr lang="en-US" altLang="zh-TW" sz="5400" dirty="0">
-                <a:latin typeface="Times" panose="02020603050405020304" pitchFamily="18" charset="0"/>
-                <a:cs typeface="Times" panose="02020603050405020304" pitchFamily="18" charset="0"/>
-              </a:rPr>
-              <a:t>Thank you for listening!</a:t>
-            </a:r>
-            <a:endParaRPr lang="zh-TW" altLang="en-US" sz="5400" dirty="0">
-              <a:latin typeface="Times" panose="02020603050405020304" pitchFamily="18" charset="0"/>
-              <a:cs typeface="Times" panose="02020603050405020304" pitchFamily="18" charset="0"/>
-            </a:endParaRPr>
+            <a:pPr>
+              <a:lnSpc>
+                <a:spcPct val="130000"/>
+              </a:lnSpc>
+            </a:pPr>
+            <a:r>
+              <a:rPr lang="en-US" sz="2400" dirty="0">
+                <a:solidFill>
+                  <a:schemeClr val="bg1">
+                    <a:lumMod val="65000"/>
+                  </a:schemeClr>
+                </a:solidFill>
+                <a:latin typeface="Times New Roman" panose="02020603050405020304" pitchFamily="18" charset="0"/>
+                <a:cs typeface="Times New Roman" panose="02020603050405020304" pitchFamily="18" charset="0"/>
+              </a:rPr>
+              <a:t>Abstract</a:t>
+            </a:r>
+          </a:p>
+          <a:p>
+            <a:pPr>
+              <a:lnSpc>
+                <a:spcPct val="130000"/>
+              </a:lnSpc>
+            </a:pPr>
+            <a:r>
+              <a:rPr lang="en-US" sz="2400" dirty="0">
+                <a:solidFill>
+                  <a:schemeClr val="bg1">
+                    <a:lumMod val="65000"/>
+                  </a:schemeClr>
+                </a:solidFill>
+                <a:latin typeface="Times New Roman" panose="02020603050405020304" pitchFamily="18" charset="0"/>
+                <a:cs typeface="Times New Roman" panose="02020603050405020304" pitchFamily="18" charset="0"/>
+              </a:rPr>
+              <a:t>Introduction</a:t>
+            </a:r>
+          </a:p>
+          <a:p>
+            <a:pPr>
+              <a:lnSpc>
+                <a:spcPct val="130000"/>
+              </a:lnSpc>
+            </a:pPr>
+            <a:r>
+              <a:rPr lang="en-US" sz="2400" dirty="0">
+                <a:solidFill>
+                  <a:schemeClr val="bg1">
+                    <a:lumMod val="65000"/>
+                  </a:schemeClr>
+                </a:solidFill>
+                <a:latin typeface="Times New Roman" panose="02020603050405020304" pitchFamily="18" charset="0"/>
+                <a:cs typeface="Times New Roman" panose="02020603050405020304" pitchFamily="18" charset="0"/>
+              </a:rPr>
+              <a:t>Preliminaries</a:t>
+            </a:r>
+          </a:p>
+          <a:p>
+            <a:pPr>
+              <a:lnSpc>
+                <a:spcPct val="130000"/>
+              </a:lnSpc>
+            </a:pPr>
+            <a:r>
+              <a:rPr lang="en-US" sz="2400" dirty="0">
+                <a:solidFill>
+                  <a:schemeClr val="bg1">
+                    <a:lumMod val="65000"/>
+                  </a:schemeClr>
+                </a:solidFill>
+                <a:latin typeface="Times New Roman" panose="02020603050405020304" pitchFamily="18" charset="0"/>
+                <a:cs typeface="Times New Roman" panose="02020603050405020304" pitchFamily="18" charset="0"/>
+              </a:rPr>
+              <a:t>Proposed Algorithm</a:t>
+            </a:r>
+          </a:p>
+          <a:p>
+            <a:pPr lvl="1">
+              <a:lnSpc>
+                <a:spcPct val="130000"/>
+              </a:lnSpc>
+            </a:pPr>
+            <a:r>
+              <a:rPr lang="en-US" sz="2000" dirty="0">
+                <a:solidFill>
+                  <a:schemeClr val="bg1">
+                    <a:lumMod val="65000"/>
+                  </a:schemeClr>
+                </a:solidFill>
+                <a:latin typeface="Times New Roman" panose="02020603050405020304" pitchFamily="18" charset="0"/>
+                <a:cs typeface="Times New Roman" panose="02020603050405020304" pitchFamily="18" charset="0"/>
+              </a:rPr>
+              <a:t>Congestion Estimation</a:t>
+            </a:r>
+          </a:p>
+          <a:p>
+            <a:pPr lvl="1">
+              <a:lnSpc>
+                <a:spcPct val="130000"/>
+              </a:lnSpc>
+            </a:pPr>
+            <a:r>
+              <a:rPr lang="en-US" sz="2000" dirty="0">
+                <a:solidFill>
+                  <a:schemeClr val="bg1">
+                    <a:lumMod val="65000"/>
+                  </a:schemeClr>
+                </a:solidFill>
+                <a:latin typeface="Times New Roman" panose="02020603050405020304" pitchFamily="18" charset="0"/>
+                <a:cs typeface="Times New Roman" panose="02020603050405020304" pitchFamily="18" charset="0"/>
+              </a:rPr>
+              <a:t>Cell Padding</a:t>
+            </a:r>
+          </a:p>
+          <a:p>
+            <a:pPr lvl="1">
+              <a:lnSpc>
+                <a:spcPct val="130000"/>
+              </a:lnSpc>
+            </a:pPr>
+            <a:r>
+              <a:rPr lang="en-US" sz="2000" dirty="0">
+                <a:solidFill>
+                  <a:schemeClr val="bg1">
+                    <a:lumMod val="65000"/>
+                  </a:schemeClr>
+                </a:solidFill>
+                <a:latin typeface="Times New Roman" panose="02020603050405020304" pitchFamily="18" charset="0"/>
+                <a:cs typeface="Times New Roman" panose="02020603050405020304" pitchFamily="18" charset="0"/>
+              </a:rPr>
+              <a:t>Strategy Exploration</a:t>
+            </a:r>
+          </a:p>
+          <a:p>
+            <a:pPr lvl="1">
+              <a:lnSpc>
+                <a:spcPct val="130000"/>
+              </a:lnSpc>
+            </a:pPr>
+            <a:r>
+              <a:rPr lang="en-US" sz="2000" dirty="0">
+                <a:solidFill>
+                  <a:schemeClr val="bg1">
+                    <a:lumMod val="65000"/>
+                  </a:schemeClr>
+                </a:solidFill>
+                <a:latin typeface="Times New Roman" panose="02020603050405020304" pitchFamily="18" charset="0"/>
+                <a:cs typeface="Times New Roman" panose="02020603050405020304" pitchFamily="18" charset="0"/>
+              </a:rPr>
+              <a:t>Legalization</a:t>
+            </a:r>
+          </a:p>
+          <a:p>
+            <a:pPr>
+              <a:lnSpc>
+                <a:spcPct val="130000"/>
+              </a:lnSpc>
+            </a:pPr>
+            <a:r>
+              <a:rPr lang="en-US" sz="2400" dirty="0">
+                <a:latin typeface="Times New Roman" panose="02020603050405020304" pitchFamily="18" charset="0"/>
+                <a:cs typeface="Times New Roman" panose="02020603050405020304" pitchFamily="18" charset="0"/>
+              </a:rPr>
+              <a:t>Experimental Result</a:t>
+            </a:r>
+          </a:p>
+        </p:txBody>
+      </p:sp>
+      <p:sp>
+        <p:nvSpPr>
+          <p:cNvPr id="4" name="Slide Number Placeholder 3">
+            <a:extLst>
+              <a:ext uri="{FF2B5EF4-FFF2-40B4-BE49-F238E27FC236}">
+                <a16:creationId xmlns:a16="http://schemas.microsoft.com/office/drawing/2014/main" id="{3592E110-E718-0573-BF00-CE5E90916A66}"/>
+              </a:ext>
+            </a:extLst>
+          </p:cNvPr>
+          <p:cNvSpPr>
+            <a:spLocks noGrp="1"/>
+          </p:cNvSpPr>
+          <p:nvPr>
+            <p:ph type="sldNum" sz="quarter" idx="12"/>
+          </p:nvPr>
+        </p:nvSpPr>
+        <p:spPr/>
+        <p:txBody>
+          <a:bodyPr/>
+          <a:lstStyle/>
+          <a:p>
+            <a:fld id="{666274A1-CF9C-426A-8DD4-B13ED0C24231}" type="slidenum">
+              <a:rPr lang="en-US" smtClean="0"/>
+              <a:t>38</a:t>
+            </a:fld>
+            <a:endParaRPr lang="en-US"/>
           </a:p>
         </p:txBody>
       </p:sp>
     </p:spTree>
     <p:extLst>
       <p:ext uri="{BB962C8B-B14F-4D97-AF65-F5344CB8AC3E}">
-        <p14:creationId xmlns:p14="http://schemas.microsoft.com/office/powerpoint/2010/main" val="1947749228"/>
+        <p14:creationId xmlns:p14="http://schemas.microsoft.com/office/powerpoint/2010/main" val="335564838"/>
       </p:ext>
     </p:extLst>
   </p:cSld>
@@ -25755,6 +30105,1206 @@
 </p:sld>
 </file>
 
+<file path=ppt/slides/slide40.xml><?xml version="1.0" encoding="utf-8"?>
+<p:sld xmlns:a="http://schemas.openxmlformats.org/drawingml/2006/main" xmlns:r="http://schemas.openxmlformats.org/officeDocument/2006/relationships" xmlns:p="http://schemas.openxmlformats.org/presentationml/2006/main">
+  <p:cSld>
+    <p:spTree>
+      <p:nvGrpSpPr>
+        <p:cNvPr id="1" name=""/>
+        <p:cNvGrpSpPr/>
+        <p:nvPr/>
+      </p:nvGrpSpPr>
+      <p:grpSpPr>
+        <a:xfrm>
+          <a:off x="0" y="0"/>
+          <a:ext cx="0" cy="0"/>
+          <a:chOff x="0" y="0"/>
+          <a:chExt cx="0" cy="0"/>
+        </a:xfrm>
+      </p:grpSpPr>
+      <p:sp>
+        <p:nvSpPr>
+          <p:cNvPr id="2" name="標題 1">
+            <a:extLst>
+              <a:ext uri="{FF2B5EF4-FFF2-40B4-BE49-F238E27FC236}">
+                <a16:creationId xmlns:a16="http://schemas.microsoft.com/office/drawing/2014/main" id="{AEDF6777-6236-46F8-93C4-053ACE59502E}"/>
+              </a:ext>
+            </a:extLst>
+          </p:cNvPr>
+          <p:cNvSpPr>
+            <a:spLocks noGrp="1"/>
+          </p:cNvSpPr>
+          <p:nvPr>
+            <p:ph type="title"/>
+          </p:nvPr>
+        </p:nvSpPr>
+        <p:spPr>
+          <a:xfrm>
+            <a:off x="434738" y="320675"/>
+            <a:ext cx="11757262" cy="1325563"/>
+          </a:xfrm>
+        </p:spPr>
+        <p:txBody>
+          <a:bodyPr>
+            <a:normAutofit/>
+          </a:bodyPr>
+          <a:lstStyle/>
+          <a:p>
+            <a:r>
+              <a:rPr lang="en-US" altLang="zh-TW" sz="4000" dirty="0">
+                <a:latin typeface="Times" panose="02020603050405020304" pitchFamily="18" charset="0"/>
+                <a:cs typeface="Times" panose="02020603050405020304" pitchFamily="18" charset="0"/>
+              </a:rPr>
+              <a:t>Experimental Result</a:t>
+            </a:r>
+          </a:p>
+        </p:txBody>
+      </p:sp>
+      <p:sp>
+        <p:nvSpPr>
+          <p:cNvPr id="3" name="內容版面配置區 2">
+            <a:extLst>
+              <a:ext uri="{FF2B5EF4-FFF2-40B4-BE49-F238E27FC236}">
+                <a16:creationId xmlns:a16="http://schemas.microsoft.com/office/drawing/2014/main" id="{CDD6591C-6706-1D9B-A7CF-BE488BA469CB}"/>
+              </a:ext>
+            </a:extLst>
+          </p:cNvPr>
+          <p:cNvSpPr>
+            <a:spLocks noGrp="1"/>
+          </p:cNvSpPr>
+          <p:nvPr>
+            <p:ph idx="1"/>
+          </p:nvPr>
+        </p:nvSpPr>
+        <p:spPr>
+          <a:xfrm>
+            <a:off x="839645" y="1846585"/>
+            <a:ext cx="10512709" cy="4874890"/>
+          </a:xfrm>
+        </p:spPr>
+        <p:txBody>
+          <a:bodyPr>
+            <a:normAutofit/>
+          </a:bodyPr>
+          <a:lstStyle/>
+          <a:p>
+            <a:r>
+              <a:rPr lang="en-US" altLang="zh-TW" sz="2400" dirty="0">
+                <a:latin typeface="Times" panose="02020603050405020304" pitchFamily="18" charset="0"/>
+                <a:cs typeface="Times" panose="02020603050405020304" pitchFamily="18" charset="0"/>
+              </a:rPr>
+              <a:t>Environments</a:t>
+            </a:r>
+          </a:p>
+          <a:p>
+            <a:endParaRPr lang="en-US" altLang="zh-TW" sz="200" dirty="0">
+              <a:latin typeface="Times" panose="02020603050405020304" pitchFamily="18" charset="0"/>
+              <a:cs typeface="Times" panose="02020603050405020304" pitchFamily="18" charset="0"/>
+            </a:endParaRPr>
+          </a:p>
+          <a:p>
+            <a:pPr lvl="1">
+              <a:lnSpc>
+                <a:spcPct val="120000"/>
+              </a:lnSpc>
+            </a:pPr>
+            <a:r>
+              <a:rPr lang="en-US" altLang="zh-TW" sz="2000" dirty="0">
+                <a:latin typeface="Times" panose="02020603050405020304" pitchFamily="18" charset="0"/>
+                <a:cs typeface="Times" panose="02020603050405020304" pitchFamily="18" charset="0"/>
+              </a:rPr>
+              <a:t>C++ language.</a:t>
+            </a:r>
+          </a:p>
+          <a:p>
+            <a:pPr lvl="1">
+              <a:lnSpc>
+                <a:spcPct val="120000"/>
+              </a:lnSpc>
+            </a:pPr>
+            <a:r>
+              <a:rPr lang="en-US" altLang="zh-TW" sz="2000" dirty="0">
+                <a:latin typeface="Times" panose="02020603050405020304" pitchFamily="18" charset="0"/>
+                <a:cs typeface="Times" panose="02020603050405020304" pitchFamily="18" charset="0"/>
+              </a:rPr>
+              <a:t>64-bit CentOS Linux .</a:t>
+            </a:r>
+          </a:p>
+          <a:p>
+            <a:pPr lvl="1">
+              <a:lnSpc>
+                <a:spcPct val="120000"/>
+              </a:lnSpc>
+            </a:pPr>
+            <a:r>
+              <a:rPr lang="en-US" altLang="zh-TW" sz="2000" dirty="0">
+                <a:latin typeface="Times" panose="02020603050405020304" pitchFamily="18" charset="0"/>
+                <a:cs typeface="Times" panose="02020603050405020304" pitchFamily="18" charset="0"/>
+              </a:rPr>
+              <a:t>Intel® Xeon(R) Platinum 8260 CPU @ 2.4GHz , using 8 thread.</a:t>
+            </a:r>
+          </a:p>
+          <a:p>
+            <a:pPr lvl="1">
+              <a:lnSpc>
+                <a:spcPct val="120000"/>
+              </a:lnSpc>
+            </a:pPr>
+            <a:endParaRPr lang="en-US" altLang="zh-TW" sz="1050" dirty="0">
+              <a:latin typeface="Times" panose="02020603050405020304" pitchFamily="18" charset="0"/>
+              <a:cs typeface="Times" panose="02020603050405020304" pitchFamily="18" charset="0"/>
+            </a:endParaRPr>
+          </a:p>
+          <a:p>
+            <a:r>
+              <a:rPr lang="en-US" altLang="zh-TW" sz="2400" dirty="0">
+                <a:latin typeface="Times" panose="02020603050405020304" pitchFamily="18" charset="0"/>
+                <a:cs typeface="Times" panose="02020603050405020304" pitchFamily="18" charset="0"/>
+              </a:rPr>
+              <a:t>Benchmarks</a:t>
+            </a:r>
+          </a:p>
+          <a:p>
+            <a:pPr marL="457200" lvl="1" indent="0">
+              <a:buNone/>
+            </a:pPr>
+            <a:endParaRPr lang="en-US" altLang="zh-TW" sz="2000" dirty="0">
+              <a:latin typeface="Times" panose="02020603050405020304" pitchFamily="18" charset="0"/>
+              <a:cs typeface="Times" panose="02020603050405020304" pitchFamily="18" charset="0"/>
+            </a:endParaRPr>
+          </a:p>
+        </p:txBody>
+      </p:sp>
+      <p:sp>
+        <p:nvSpPr>
+          <p:cNvPr id="4" name="投影片編號版面配置區 3">
+            <a:extLst>
+              <a:ext uri="{FF2B5EF4-FFF2-40B4-BE49-F238E27FC236}">
+                <a16:creationId xmlns:a16="http://schemas.microsoft.com/office/drawing/2014/main" id="{C4A4DCC3-BB49-91CF-D3FC-B1B0701D13DC}"/>
+              </a:ext>
+            </a:extLst>
+          </p:cNvPr>
+          <p:cNvSpPr>
+            <a:spLocks noGrp="1"/>
+          </p:cNvSpPr>
+          <p:nvPr>
+            <p:ph type="sldNum" sz="quarter" idx="12"/>
+          </p:nvPr>
+        </p:nvSpPr>
+        <p:spPr/>
+        <p:txBody>
+          <a:bodyPr/>
+          <a:lstStyle/>
+          <a:p>
+            <a:fld id="{666274A1-CF9C-426A-8DD4-B13ED0C24231}" type="slidenum">
+              <a:rPr lang="en-US" smtClean="0"/>
+              <a:t>39</a:t>
+            </a:fld>
+            <a:endParaRPr lang="en-US" dirty="0"/>
+          </a:p>
+        </p:txBody>
+      </p:sp>
+      <p:pic>
+        <p:nvPicPr>
+          <p:cNvPr id="6" name="圖片 5">
+            <a:extLst>
+              <a:ext uri="{FF2B5EF4-FFF2-40B4-BE49-F238E27FC236}">
+                <a16:creationId xmlns:a16="http://schemas.microsoft.com/office/drawing/2014/main" id="{E62DB586-0C2F-FDD0-E5AD-BAED7C8BB90A}"/>
+              </a:ext>
+            </a:extLst>
+          </p:cNvPr>
+          <p:cNvPicPr>
+            <a:picLocks noChangeAspect="1"/>
+          </p:cNvPicPr>
+          <p:nvPr/>
+        </p:nvPicPr>
+        <p:blipFill>
+          <a:blip r:embed="rId3"/>
+          <a:stretch>
+            <a:fillRect/>
+          </a:stretch>
+        </p:blipFill>
+        <p:spPr>
+          <a:xfrm>
+            <a:off x="3949845" y="4030251"/>
+            <a:ext cx="6032355" cy="2691224"/>
+          </a:xfrm>
+          <a:prstGeom prst="rect">
+            <a:avLst/>
+          </a:prstGeom>
+        </p:spPr>
+      </p:pic>
+    </p:spTree>
+    <p:extLst>
+      <p:ext uri="{BB962C8B-B14F-4D97-AF65-F5344CB8AC3E}">
+        <p14:creationId xmlns:p14="http://schemas.microsoft.com/office/powerpoint/2010/main" val="1124631172"/>
+      </p:ext>
+    </p:extLst>
+  </p:cSld>
+  <p:clrMapOvr>
+    <a:masterClrMapping/>
+  </p:clrMapOvr>
+</p:sld>
+</file>
+
+<file path=ppt/slides/slide41.xml><?xml version="1.0" encoding="utf-8"?>
+<p:sld xmlns:a="http://schemas.openxmlformats.org/drawingml/2006/main" xmlns:r="http://schemas.openxmlformats.org/officeDocument/2006/relationships" xmlns:p="http://schemas.openxmlformats.org/presentationml/2006/main">
+  <p:cSld>
+    <p:spTree>
+      <p:nvGrpSpPr>
+        <p:cNvPr id="1" name=""/>
+        <p:cNvGrpSpPr/>
+        <p:nvPr/>
+      </p:nvGrpSpPr>
+      <p:grpSpPr>
+        <a:xfrm>
+          <a:off x="0" y="0"/>
+          <a:ext cx="0" cy="0"/>
+          <a:chOff x="0" y="0"/>
+          <a:chExt cx="0" cy="0"/>
+        </a:xfrm>
+      </p:grpSpPr>
+      <p:sp>
+        <p:nvSpPr>
+          <p:cNvPr id="2" name="標題 1">
+            <a:extLst>
+              <a:ext uri="{FF2B5EF4-FFF2-40B4-BE49-F238E27FC236}">
+                <a16:creationId xmlns:a16="http://schemas.microsoft.com/office/drawing/2014/main" id="{AEDF6777-6236-46F8-93C4-053ACE59502E}"/>
+              </a:ext>
+            </a:extLst>
+          </p:cNvPr>
+          <p:cNvSpPr>
+            <a:spLocks noGrp="1"/>
+          </p:cNvSpPr>
+          <p:nvPr>
+            <p:ph type="title"/>
+          </p:nvPr>
+        </p:nvSpPr>
+        <p:spPr>
+          <a:xfrm>
+            <a:off x="434738" y="320675"/>
+            <a:ext cx="11757262" cy="1325563"/>
+          </a:xfrm>
+        </p:spPr>
+        <p:txBody>
+          <a:bodyPr>
+            <a:normAutofit/>
+          </a:bodyPr>
+          <a:lstStyle/>
+          <a:p>
+            <a:r>
+              <a:rPr lang="en-US" altLang="zh-TW" sz="4000" dirty="0">
+                <a:latin typeface="Times" panose="02020603050405020304" pitchFamily="18" charset="0"/>
+                <a:cs typeface="Times" panose="02020603050405020304" pitchFamily="18" charset="0"/>
+              </a:rPr>
+              <a:t>Experimental Result</a:t>
+            </a:r>
+          </a:p>
+        </p:txBody>
+      </p:sp>
+      <p:sp>
+        <p:nvSpPr>
+          <p:cNvPr id="3" name="內容版面配置區 2">
+            <a:extLst>
+              <a:ext uri="{FF2B5EF4-FFF2-40B4-BE49-F238E27FC236}">
+                <a16:creationId xmlns:a16="http://schemas.microsoft.com/office/drawing/2014/main" id="{CDD6591C-6706-1D9B-A7CF-BE488BA469CB}"/>
+              </a:ext>
+            </a:extLst>
+          </p:cNvPr>
+          <p:cNvSpPr>
+            <a:spLocks noGrp="1"/>
+          </p:cNvSpPr>
+          <p:nvPr>
+            <p:ph idx="1"/>
+          </p:nvPr>
+        </p:nvSpPr>
+        <p:spPr>
+          <a:xfrm>
+            <a:off x="839645" y="1846585"/>
+            <a:ext cx="10512709" cy="4874890"/>
+          </a:xfrm>
+        </p:spPr>
+        <p:txBody>
+          <a:bodyPr>
+            <a:normAutofit/>
+          </a:bodyPr>
+          <a:lstStyle/>
+          <a:p>
+            <a:r>
+              <a:rPr lang="en-US" altLang="zh-TW" sz="2400" dirty="0">
+                <a:latin typeface="Times" panose="02020603050405020304" pitchFamily="18" charset="0"/>
+                <a:cs typeface="Times" panose="02020603050405020304" pitchFamily="18" charset="0"/>
+              </a:rPr>
+              <a:t>They compare their proposed framework PUFFER with </a:t>
+            </a:r>
+            <a:r>
+              <a:rPr lang="en-US" altLang="zh-TW" sz="2400" dirty="0" err="1">
+                <a:latin typeface="Times" panose="02020603050405020304" pitchFamily="18" charset="0"/>
+                <a:cs typeface="Times" panose="02020603050405020304" pitchFamily="18" charset="0"/>
+              </a:rPr>
+              <a:t>RePlAce</a:t>
+            </a:r>
+            <a:r>
+              <a:rPr lang="en-US" altLang="zh-TW" sz="2400" dirty="0">
+                <a:latin typeface="Times" panose="02020603050405020304" pitchFamily="18" charset="0"/>
+                <a:cs typeface="Times" panose="02020603050405020304" pitchFamily="18" charset="0"/>
+              </a:rPr>
+              <a:t>.</a:t>
+            </a:r>
+          </a:p>
+          <a:p>
+            <a:endParaRPr lang="en-US" altLang="zh-TW" sz="600" dirty="0">
+              <a:latin typeface="Times" panose="02020603050405020304" pitchFamily="18" charset="0"/>
+              <a:cs typeface="Times" panose="02020603050405020304" pitchFamily="18" charset="0"/>
+            </a:endParaRPr>
+          </a:p>
+          <a:p>
+            <a:r>
+              <a:rPr lang="en-US" altLang="zh-TW" sz="2400" dirty="0">
+                <a:latin typeface="Times" panose="02020603050405020304" pitchFamily="18" charset="0"/>
+                <a:cs typeface="Times" panose="02020603050405020304" pitchFamily="18" charset="0"/>
+              </a:rPr>
+              <a:t>Utilize the global router of </a:t>
+            </a:r>
+            <a:r>
+              <a:rPr lang="en-US" altLang="zh-TW" sz="2400" dirty="0" err="1">
+                <a:latin typeface="Times" panose="02020603050405020304" pitchFamily="18" charset="0"/>
+                <a:cs typeface="Times" panose="02020603050405020304" pitchFamily="18" charset="0"/>
+              </a:rPr>
+              <a:t>Innovus</a:t>
+            </a:r>
+            <a:r>
+              <a:rPr lang="en-US" altLang="zh-TW" sz="2400" dirty="0">
+                <a:latin typeface="Times" panose="02020603050405020304" pitchFamily="18" charset="0"/>
+                <a:cs typeface="Times" panose="02020603050405020304" pitchFamily="18" charset="0"/>
+              </a:rPr>
+              <a:t> to evaluate the </a:t>
+            </a:r>
+            <a:r>
+              <a:rPr lang="en-US" altLang="zh-TW" sz="2400" dirty="0" err="1">
+                <a:latin typeface="Times" panose="02020603050405020304" pitchFamily="18" charset="0"/>
+                <a:cs typeface="Times" panose="02020603050405020304" pitchFamily="18" charset="0"/>
+              </a:rPr>
+              <a:t>routability</a:t>
+            </a:r>
+            <a:r>
+              <a:rPr lang="en-US" altLang="zh-TW" sz="2400" dirty="0">
+                <a:latin typeface="Times" panose="02020603050405020304" pitchFamily="18" charset="0"/>
+                <a:cs typeface="Times" panose="02020603050405020304" pitchFamily="18" charset="0"/>
+              </a:rPr>
+              <a:t> of the </a:t>
+            </a:r>
+            <a:r>
+              <a:rPr lang="en-US" altLang="zh-TW" sz="2400" dirty="0" err="1">
+                <a:latin typeface="Times" panose="02020603050405020304" pitchFamily="18" charset="0"/>
+                <a:cs typeface="Times" panose="02020603050405020304" pitchFamily="18" charset="0"/>
+              </a:rPr>
+              <a:t>placememt</a:t>
+            </a:r>
+            <a:r>
+              <a:rPr lang="en-US" altLang="zh-TW" sz="2400" dirty="0">
+                <a:latin typeface="Times" panose="02020603050405020304" pitchFamily="18" charset="0"/>
+                <a:cs typeface="Times" panose="02020603050405020304" pitchFamily="18" charset="0"/>
+              </a:rPr>
+              <a:t> result.</a:t>
+            </a:r>
+          </a:p>
+          <a:p>
+            <a:r>
+              <a:rPr lang="en-US" altLang="zh-TW" sz="2400" dirty="0">
+                <a:latin typeface="Times" panose="02020603050405020304" pitchFamily="18" charset="0"/>
+                <a:cs typeface="Times" panose="02020603050405020304" pitchFamily="18" charset="0"/>
+              </a:rPr>
+              <a:t>They take 1% overflow as the pass criterion for </a:t>
+            </a:r>
+            <a:r>
+              <a:rPr lang="en-US" altLang="zh-TW" sz="2400" dirty="0" err="1">
+                <a:latin typeface="Times" panose="02020603050405020304" pitchFamily="18" charset="0"/>
+                <a:cs typeface="Times" panose="02020603050405020304" pitchFamily="18" charset="0"/>
+              </a:rPr>
+              <a:t>routability</a:t>
+            </a:r>
+            <a:r>
+              <a:rPr lang="en-US" altLang="zh-TW" sz="2400" dirty="0">
+                <a:latin typeface="Times" panose="02020603050405020304" pitchFamily="18" charset="0"/>
+                <a:cs typeface="Times" panose="02020603050405020304" pitchFamily="18" charset="0"/>
+              </a:rPr>
+              <a:t>.</a:t>
+            </a:r>
+          </a:p>
+        </p:txBody>
+      </p:sp>
+      <p:sp>
+        <p:nvSpPr>
+          <p:cNvPr id="4" name="投影片編號版面配置區 3">
+            <a:extLst>
+              <a:ext uri="{FF2B5EF4-FFF2-40B4-BE49-F238E27FC236}">
+                <a16:creationId xmlns:a16="http://schemas.microsoft.com/office/drawing/2014/main" id="{C4A4DCC3-BB49-91CF-D3FC-B1B0701D13DC}"/>
+              </a:ext>
+            </a:extLst>
+          </p:cNvPr>
+          <p:cNvSpPr>
+            <a:spLocks noGrp="1"/>
+          </p:cNvSpPr>
+          <p:nvPr>
+            <p:ph type="sldNum" sz="quarter" idx="12"/>
+          </p:nvPr>
+        </p:nvSpPr>
+        <p:spPr/>
+        <p:txBody>
+          <a:bodyPr/>
+          <a:lstStyle/>
+          <a:p>
+            <a:fld id="{666274A1-CF9C-426A-8DD4-B13ED0C24231}" type="slidenum">
+              <a:rPr lang="en-US" smtClean="0"/>
+              <a:t>40</a:t>
+            </a:fld>
+            <a:endParaRPr lang="en-US" dirty="0"/>
+          </a:p>
+        </p:txBody>
+      </p:sp>
+    </p:spTree>
+    <p:extLst>
+      <p:ext uri="{BB962C8B-B14F-4D97-AF65-F5344CB8AC3E}">
+        <p14:creationId xmlns:p14="http://schemas.microsoft.com/office/powerpoint/2010/main" val="3398887723"/>
+      </p:ext>
+    </p:extLst>
+  </p:cSld>
+  <p:clrMapOvr>
+    <a:masterClrMapping/>
+  </p:clrMapOvr>
+</p:sld>
+</file>
+
+<file path=ppt/slides/slide42.xml><?xml version="1.0" encoding="utf-8"?>
+<p:sld xmlns:a="http://schemas.openxmlformats.org/drawingml/2006/main" xmlns:r="http://schemas.openxmlformats.org/officeDocument/2006/relationships" xmlns:p="http://schemas.openxmlformats.org/presentationml/2006/main">
+  <p:cSld>
+    <p:spTree>
+      <p:nvGrpSpPr>
+        <p:cNvPr id="1" name=""/>
+        <p:cNvGrpSpPr/>
+        <p:nvPr/>
+      </p:nvGrpSpPr>
+      <p:grpSpPr>
+        <a:xfrm>
+          <a:off x="0" y="0"/>
+          <a:ext cx="0" cy="0"/>
+          <a:chOff x="0" y="0"/>
+          <a:chExt cx="0" cy="0"/>
+        </a:xfrm>
+      </p:grpSpPr>
+      <p:sp>
+        <p:nvSpPr>
+          <p:cNvPr id="2" name="標題 1">
+            <a:extLst>
+              <a:ext uri="{FF2B5EF4-FFF2-40B4-BE49-F238E27FC236}">
+                <a16:creationId xmlns:a16="http://schemas.microsoft.com/office/drawing/2014/main" id="{AEDF6777-6236-46F8-93C4-053ACE59502E}"/>
+              </a:ext>
+            </a:extLst>
+          </p:cNvPr>
+          <p:cNvSpPr>
+            <a:spLocks noGrp="1"/>
+          </p:cNvSpPr>
+          <p:nvPr>
+            <p:ph type="title"/>
+          </p:nvPr>
+        </p:nvSpPr>
+        <p:spPr>
+          <a:xfrm>
+            <a:off x="434738" y="320675"/>
+            <a:ext cx="11757262" cy="1325563"/>
+          </a:xfrm>
+        </p:spPr>
+        <p:txBody>
+          <a:bodyPr>
+            <a:normAutofit/>
+          </a:bodyPr>
+          <a:lstStyle/>
+          <a:p>
+            <a:r>
+              <a:rPr lang="en-US" altLang="zh-TW" sz="4000" dirty="0">
+                <a:latin typeface="Times" panose="02020603050405020304" pitchFamily="18" charset="0"/>
+                <a:cs typeface="Times" panose="02020603050405020304" pitchFamily="18" charset="0"/>
+              </a:rPr>
+              <a:t>Experimental Result</a:t>
+            </a:r>
+          </a:p>
+        </p:txBody>
+      </p:sp>
+      <p:sp>
+        <p:nvSpPr>
+          <p:cNvPr id="4" name="投影片編號版面配置區 3">
+            <a:extLst>
+              <a:ext uri="{FF2B5EF4-FFF2-40B4-BE49-F238E27FC236}">
+                <a16:creationId xmlns:a16="http://schemas.microsoft.com/office/drawing/2014/main" id="{C4A4DCC3-BB49-91CF-D3FC-B1B0701D13DC}"/>
+              </a:ext>
+            </a:extLst>
+          </p:cNvPr>
+          <p:cNvSpPr>
+            <a:spLocks noGrp="1"/>
+          </p:cNvSpPr>
+          <p:nvPr>
+            <p:ph type="sldNum" sz="quarter" idx="12"/>
+          </p:nvPr>
+        </p:nvSpPr>
+        <p:spPr/>
+        <p:txBody>
+          <a:bodyPr/>
+          <a:lstStyle/>
+          <a:p>
+            <a:fld id="{666274A1-CF9C-426A-8DD4-B13ED0C24231}" type="slidenum">
+              <a:rPr lang="en-US" smtClean="0"/>
+              <a:t>41</a:t>
+            </a:fld>
+            <a:endParaRPr lang="en-US" dirty="0"/>
+          </a:p>
+        </p:txBody>
+      </p:sp>
+      <p:pic>
+        <p:nvPicPr>
+          <p:cNvPr id="6" name="圖片 5">
+            <a:extLst>
+              <a:ext uri="{FF2B5EF4-FFF2-40B4-BE49-F238E27FC236}">
+                <a16:creationId xmlns:a16="http://schemas.microsoft.com/office/drawing/2014/main" id="{EDEA68B6-8F48-89AF-328B-EE5C51D6F5A3}"/>
+              </a:ext>
+            </a:extLst>
+          </p:cNvPr>
+          <p:cNvPicPr>
+            <a:picLocks noChangeAspect="1"/>
+          </p:cNvPicPr>
+          <p:nvPr/>
+        </p:nvPicPr>
+        <p:blipFill>
+          <a:blip r:embed="rId3"/>
+          <a:stretch>
+            <a:fillRect/>
+          </a:stretch>
+        </p:blipFill>
+        <p:spPr>
+          <a:xfrm>
+            <a:off x="0" y="1759957"/>
+            <a:ext cx="12192000" cy="2912036"/>
+          </a:xfrm>
+          <a:prstGeom prst="rect">
+            <a:avLst/>
+          </a:prstGeom>
+        </p:spPr>
+      </p:pic>
+      <p:sp>
+        <p:nvSpPr>
+          <p:cNvPr id="7" name="文字方塊 6">
+            <a:extLst>
+              <a:ext uri="{FF2B5EF4-FFF2-40B4-BE49-F238E27FC236}">
+                <a16:creationId xmlns:a16="http://schemas.microsoft.com/office/drawing/2014/main" id="{F9E74543-FC48-EAC2-7D64-CC1BE29DE325}"/>
+              </a:ext>
+            </a:extLst>
+          </p:cNvPr>
+          <p:cNvSpPr txBox="1"/>
+          <p:nvPr/>
+        </p:nvSpPr>
+        <p:spPr>
+          <a:xfrm>
+            <a:off x="838200" y="5029220"/>
+            <a:ext cx="8450981" cy="1508105"/>
+          </a:xfrm>
+          <a:prstGeom prst="rect">
+            <a:avLst/>
+          </a:prstGeom>
+          <a:noFill/>
+        </p:spPr>
+        <p:txBody>
+          <a:bodyPr wrap="square" rtlCol="0">
+            <a:spAutoFit/>
+          </a:bodyPr>
+          <a:lstStyle/>
+          <a:p>
+            <a:pPr marL="285750" indent="-285750">
+              <a:buFont typeface="Wingdings" panose="05000000000000000000" pitchFamily="2" charset="2"/>
+              <a:buChar char="Ø"/>
+            </a:pPr>
+            <a:r>
+              <a:rPr lang="en-US" altLang="zh-TW" sz="2000" dirty="0">
+                <a:latin typeface="Times" panose="02020603050405020304" pitchFamily="18" charset="0"/>
+                <a:cs typeface="Times" panose="02020603050405020304" pitchFamily="18" charset="0"/>
+              </a:rPr>
+              <a:t> HOF : routing overflow ratio of horizontal direction</a:t>
+            </a:r>
+          </a:p>
+          <a:p>
+            <a:pPr marL="285750" indent="-285750">
+              <a:buFont typeface="Wingdings" panose="05000000000000000000" pitchFamily="2" charset="2"/>
+              <a:buChar char="Ø"/>
+            </a:pPr>
+            <a:endParaRPr lang="en-US" altLang="zh-TW" sz="400" dirty="0">
+              <a:latin typeface="Times" panose="02020603050405020304" pitchFamily="18" charset="0"/>
+              <a:cs typeface="Times" panose="02020603050405020304" pitchFamily="18" charset="0"/>
+            </a:endParaRPr>
+          </a:p>
+          <a:p>
+            <a:pPr marL="285750" indent="-285750">
+              <a:buFont typeface="Wingdings" panose="05000000000000000000" pitchFamily="2" charset="2"/>
+              <a:buChar char="Ø"/>
+            </a:pPr>
+            <a:r>
+              <a:rPr lang="en-US" altLang="zh-TW" sz="2000" dirty="0">
+                <a:latin typeface="Times" panose="02020603050405020304" pitchFamily="18" charset="0"/>
+                <a:cs typeface="Times" panose="02020603050405020304" pitchFamily="18" charset="0"/>
+              </a:rPr>
+              <a:t> VOF : routing overflow ratio of vertical direction</a:t>
+            </a:r>
+          </a:p>
+          <a:p>
+            <a:pPr marL="285750" indent="-285750">
+              <a:buFont typeface="Wingdings" panose="05000000000000000000" pitchFamily="2" charset="2"/>
+              <a:buChar char="Ø"/>
+            </a:pPr>
+            <a:endParaRPr lang="en-US" altLang="zh-TW" sz="400" dirty="0">
+              <a:latin typeface="Times" panose="02020603050405020304" pitchFamily="18" charset="0"/>
+              <a:cs typeface="Times" panose="02020603050405020304" pitchFamily="18" charset="0"/>
+            </a:endParaRPr>
+          </a:p>
+          <a:p>
+            <a:pPr marL="285750" indent="-285750">
+              <a:buFont typeface="Wingdings" panose="05000000000000000000" pitchFamily="2" charset="2"/>
+              <a:buChar char="Ø"/>
+            </a:pPr>
+            <a:r>
+              <a:rPr lang="en-US" altLang="zh-TW" sz="2000" dirty="0">
+                <a:latin typeface="Times" panose="02020603050405020304" pitchFamily="18" charset="0"/>
+                <a:cs typeface="Times" panose="02020603050405020304" pitchFamily="18" charset="0"/>
+              </a:rPr>
+              <a:t> WL :   global routing wirelength</a:t>
+            </a:r>
+          </a:p>
+          <a:p>
+            <a:pPr marL="285750" indent="-285750">
+              <a:buFont typeface="Wingdings" panose="05000000000000000000" pitchFamily="2" charset="2"/>
+              <a:buChar char="Ø"/>
+            </a:pPr>
+            <a:endParaRPr lang="en-US" altLang="zh-TW" sz="400" dirty="0">
+              <a:latin typeface="Times" panose="02020603050405020304" pitchFamily="18" charset="0"/>
+              <a:cs typeface="Times" panose="02020603050405020304" pitchFamily="18" charset="0"/>
+            </a:endParaRPr>
+          </a:p>
+          <a:p>
+            <a:pPr marL="285750" indent="-285750">
+              <a:buFont typeface="Wingdings" panose="05000000000000000000" pitchFamily="2" charset="2"/>
+              <a:buChar char="Ø"/>
+            </a:pPr>
+            <a:r>
+              <a:rPr lang="en-US" altLang="zh-TW" sz="2000" dirty="0">
+                <a:latin typeface="Times" panose="02020603050405020304" pitchFamily="18" charset="0"/>
+                <a:cs typeface="Times" panose="02020603050405020304" pitchFamily="18" charset="0"/>
+              </a:rPr>
+              <a:t> RT :    runtime</a:t>
+            </a:r>
+            <a:endParaRPr lang="zh-TW" altLang="en-US" sz="2000" dirty="0">
+              <a:latin typeface="Times" panose="02020603050405020304" pitchFamily="18" charset="0"/>
+              <a:cs typeface="Times" panose="02020603050405020304" pitchFamily="18" charset="0"/>
+            </a:endParaRPr>
+          </a:p>
+        </p:txBody>
+      </p:sp>
+      <p:sp>
+        <p:nvSpPr>
+          <p:cNvPr id="10" name="文字方塊 9">
+            <a:extLst>
+              <a:ext uri="{FF2B5EF4-FFF2-40B4-BE49-F238E27FC236}">
+                <a16:creationId xmlns:a16="http://schemas.microsoft.com/office/drawing/2014/main" id="{AFBCC90F-4732-9623-C20F-DBC7BF0B3E80}"/>
+              </a:ext>
+            </a:extLst>
+          </p:cNvPr>
+          <p:cNvSpPr txBox="1"/>
+          <p:nvPr/>
+        </p:nvSpPr>
+        <p:spPr>
+          <a:xfrm>
+            <a:off x="4706754" y="4284672"/>
+            <a:ext cx="575799" cy="369332"/>
+          </a:xfrm>
+          <a:prstGeom prst="rect">
+            <a:avLst/>
+          </a:prstGeom>
+          <a:noFill/>
+        </p:spPr>
+        <p:txBody>
+          <a:bodyPr wrap="none" rtlCol="0">
+            <a:spAutoFit/>
+          </a:bodyPr>
+          <a:lstStyle/>
+          <a:p>
+            <a:r>
+              <a:rPr lang="en-US" altLang="zh-TW" dirty="0">
+                <a:solidFill>
+                  <a:srgbClr val="FF0000"/>
+                </a:solidFill>
+              </a:rPr>
+              <a:t>2.7x</a:t>
+            </a:r>
+            <a:endParaRPr lang="zh-TW" altLang="en-US" dirty="0">
+              <a:solidFill>
+                <a:srgbClr val="FF0000"/>
+              </a:solidFill>
+            </a:endParaRPr>
+          </a:p>
+        </p:txBody>
+      </p:sp>
+      <p:sp>
+        <p:nvSpPr>
+          <p:cNvPr id="11" name="文字方塊 10">
+            <a:extLst>
+              <a:ext uri="{FF2B5EF4-FFF2-40B4-BE49-F238E27FC236}">
+                <a16:creationId xmlns:a16="http://schemas.microsoft.com/office/drawing/2014/main" id="{7DB734E4-319B-A2BA-B93C-F8F6E9544F5C}"/>
+              </a:ext>
+            </a:extLst>
+          </p:cNvPr>
+          <p:cNvSpPr txBox="1"/>
+          <p:nvPr/>
+        </p:nvSpPr>
+        <p:spPr>
+          <a:xfrm>
+            <a:off x="8161477" y="4284672"/>
+            <a:ext cx="575799" cy="369332"/>
+          </a:xfrm>
+          <a:prstGeom prst="rect">
+            <a:avLst/>
+          </a:prstGeom>
+          <a:noFill/>
+        </p:spPr>
+        <p:txBody>
+          <a:bodyPr wrap="none" rtlCol="0">
+            <a:spAutoFit/>
+          </a:bodyPr>
+          <a:lstStyle/>
+          <a:p>
+            <a:r>
+              <a:rPr lang="en-US" altLang="zh-TW" dirty="0">
+                <a:solidFill>
+                  <a:srgbClr val="FF0000"/>
+                </a:solidFill>
+              </a:rPr>
+              <a:t>1.4x</a:t>
+            </a:r>
+            <a:endParaRPr lang="zh-TW" altLang="en-US" dirty="0">
+              <a:solidFill>
+                <a:srgbClr val="FF0000"/>
+              </a:solidFill>
+            </a:endParaRPr>
+          </a:p>
+        </p:txBody>
+      </p:sp>
+      <p:sp>
+        <p:nvSpPr>
+          <p:cNvPr id="12" name="文字方塊 11">
+            <a:extLst>
+              <a:ext uri="{FF2B5EF4-FFF2-40B4-BE49-F238E27FC236}">
+                <a16:creationId xmlns:a16="http://schemas.microsoft.com/office/drawing/2014/main" id="{19376267-95E7-6453-8AB2-64B7F53B89CD}"/>
+              </a:ext>
+            </a:extLst>
+          </p:cNvPr>
+          <p:cNvSpPr txBox="1"/>
+          <p:nvPr/>
+        </p:nvSpPr>
+        <p:spPr>
+          <a:xfrm>
+            <a:off x="10559203" y="4284672"/>
+            <a:ext cx="809837" cy="369332"/>
+          </a:xfrm>
+          <a:prstGeom prst="rect">
+            <a:avLst/>
+          </a:prstGeom>
+          <a:noFill/>
+        </p:spPr>
+        <p:txBody>
+          <a:bodyPr wrap="none" rtlCol="0">
+            <a:spAutoFit/>
+          </a:bodyPr>
+          <a:lstStyle/>
+          <a:p>
+            <a:r>
+              <a:rPr lang="en-US" altLang="zh-TW" dirty="0">
+                <a:solidFill>
+                  <a:srgbClr val="FF0000"/>
+                </a:solidFill>
+              </a:rPr>
+              <a:t>1.045x</a:t>
+            </a:r>
+            <a:endParaRPr lang="zh-TW" altLang="en-US" dirty="0">
+              <a:solidFill>
+                <a:srgbClr val="FF0000"/>
+              </a:solidFill>
+            </a:endParaRPr>
+          </a:p>
+        </p:txBody>
+      </p:sp>
+    </p:spTree>
+    <p:extLst>
+      <p:ext uri="{BB962C8B-B14F-4D97-AF65-F5344CB8AC3E}">
+        <p14:creationId xmlns:p14="http://schemas.microsoft.com/office/powerpoint/2010/main" val="633511889"/>
+      </p:ext>
+    </p:extLst>
+  </p:cSld>
+  <p:clrMapOvr>
+    <a:masterClrMapping/>
+  </p:clrMapOvr>
+</p:sld>
+</file>
+
+<file path=ppt/slides/slide43.xml><?xml version="1.0" encoding="utf-8"?>
+<p:sld xmlns:a="http://schemas.openxmlformats.org/drawingml/2006/main" xmlns:r="http://schemas.openxmlformats.org/officeDocument/2006/relationships" xmlns:p="http://schemas.openxmlformats.org/presentationml/2006/main">
+  <p:cSld>
+    <p:spTree>
+      <p:nvGrpSpPr>
+        <p:cNvPr id="1" name=""/>
+        <p:cNvGrpSpPr/>
+        <p:nvPr/>
+      </p:nvGrpSpPr>
+      <p:grpSpPr>
+        <a:xfrm>
+          <a:off x="0" y="0"/>
+          <a:ext cx="0" cy="0"/>
+          <a:chOff x="0" y="0"/>
+          <a:chExt cx="0" cy="0"/>
+        </a:xfrm>
+      </p:grpSpPr>
+      <p:sp>
+        <p:nvSpPr>
+          <p:cNvPr id="2" name="標題 1">
+            <a:extLst>
+              <a:ext uri="{FF2B5EF4-FFF2-40B4-BE49-F238E27FC236}">
+                <a16:creationId xmlns:a16="http://schemas.microsoft.com/office/drawing/2014/main" id="{AEDF6777-6236-46F8-93C4-053ACE59502E}"/>
+              </a:ext>
+            </a:extLst>
+          </p:cNvPr>
+          <p:cNvSpPr>
+            <a:spLocks noGrp="1"/>
+          </p:cNvSpPr>
+          <p:nvPr>
+            <p:ph type="title"/>
+          </p:nvPr>
+        </p:nvSpPr>
+        <p:spPr>
+          <a:xfrm>
+            <a:off x="434738" y="320675"/>
+            <a:ext cx="11757262" cy="1325563"/>
+          </a:xfrm>
+        </p:spPr>
+        <p:txBody>
+          <a:bodyPr>
+            <a:normAutofit/>
+          </a:bodyPr>
+          <a:lstStyle/>
+          <a:p>
+            <a:r>
+              <a:rPr lang="en-US" altLang="zh-TW" sz="4000" dirty="0">
+                <a:latin typeface="Times" panose="02020603050405020304" pitchFamily="18" charset="0"/>
+                <a:cs typeface="Times" panose="02020603050405020304" pitchFamily="18" charset="0"/>
+              </a:rPr>
+              <a:t>Experimental Result</a:t>
+            </a:r>
+          </a:p>
+        </p:txBody>
+      </p:sp>
+      <p:sp>
+        <p:nvSpPr>
+          <p:cNvPr id="4" name="投影片編號版面配置區 3">
+            <a:extLst>
+              <a:ext uri="{FF2B5EF4-FFF2-40B4-BE49-F238E27FC236}">
+                <a16:creationId xmlns:a16="http://schemas.microsoft.com/office/drawing/2014/main" id="{C4A4DCC3-BB49-91CF-D3FC-B1B0701D13DC}"/>
+              </a:ext>
+            </a:extLst>
+          </p:cNvPr>
+          <p:cNvSpPr>
+            <a:spLocks noGrp="1"/>
+          </p:cNvSpPr>
+          <p:nvPr>
+            <p:ph type="sldNum" sz="quarter" idx="12"/>
+          </p:nvPr>
+        </p:nvSpPr>
+        <p:spPr/>
+        <p:txBody>
+          <a:bodyPr/>
+          <a:lstStyle/>
+          <a:p>
+            <a:fld id="{666274A1-CF9C-426A-8DD4-B13ED0C24231}" type="slidenum">
+              <a:rPr lang="en-US" smtClean="0"/>
+              <a:t>42</a:t>
+            </a:fld>
+            <a:endParaRPr lang="en-US" dirty="0"/>
+          </a:p>
+        </p:txBody>
+      </p:sp>
+      <p:pic>
+        <p:nvPicPr>
+          <p:cNvPr id="5" name="圖片 4">
+            <a:extLst>
+              <a:ext uri="{FF2B5EF4-FFF2-40B4-BE49-F238E27FC236}">
+                <a16:creationId xmlns:a16="http://schemas.microsoft.com/office/drawing/2014/main" id="{362781E6-B379-CA92-0AE3-3D1B0291F5F6}"/>
+              </a:ext>
+            </a:extLst>
+          </p:cNvPr>
+          <p:cNvPicPr>
+            <a:picLocks noChangeAspect="1"/>
+          </p:cNvPicPr>
+          <p:nvPr/>
+        </p:nvPicPr>
+        <p:blipFill>
+          <a:blip r:embed="rId3"/>
+          <a:stretch>
+            <a:fillRect/>
+          </a:stretch>
+        </p:blipFill>
+        <p:spPr>
+          <a:xfrm>
+            <a:off x="2183705" y="2048396"/>
+            <a:ext cx="8259328" cy="3905795"/>
+          </a:xfrm>
+          <a:prstGeom prst="rect">
+            <a:avLst/>
+          </a:prstGeom>
+        </p:spPr>
+      </p:pic>
+    </p:spTree>
+    <p:extLst>
+      <p:ext uri="{BB962C8B-B14F-4D97-AF65-F5344CB8AC3E}">
+        <p14:creationId xmlns:p14="http://schemas.microsoft.com/office/powerpoint/2010/main" val="133808901"/>
+      </p:ext>
+    </p:extLst>
+  </p:cSld>
+  <p:clrMapOvr>
+    <a:masterClrMapping/>
+  </p:clrMapOvr>
+</p:sld>
+</file>
+
+<file path=ppt/slides/slide44.xml><?xml version="1.0" encoding="utf-8"?>
+<p:sld xmlns:a="http://schemas.openxmlformats.org/drawingml/2006/main" xmlns:r="http://schemas.openxmlformats.org/officeDocument/2006/relationships" xmlns:p="http://schemas.openxmlformats.org/presentationml/2006/main">
+  <p:cSld>
+    <p:spTree>
+      <p:nvGrpSpPr>
+        <p:cNvPr id="1" name=""/>
+        <p:cNvGrpSpPr/>
+        <p:nvPr/>
+      </p:nvGrpSpPr>
+      <p:grpSpPr>
+        <a:xfrm>
+          <a:off x="0" y="0"/>
+          <a:ext cx="0" cy="0"/>
+          <a:chOff x="0" y="0"/>
+          <a:chExt cx="0" cy="0"/>
+        </a:xfrm>
+      </p:grpSpPr>
+      <p:sp>
+        <p:nvSpPr>
+          <p:cNvPr id="2" name="標題 1">
+            <a:extLst>
+              <a:ext uri="{FF2B5EF4-FFF2-40B4-BE49-F238E27FC236}">
+                <a16:creationId xmlns:a16="http://schemas.microsoft.com/office/drawing/2014/main" id="{AEDF6777-6236-46F8-93C4-053ACE59502E}"/>
+              </a:ext>
+            </a:extLst>
+          </p:cNvPr>
+          <p:cNvSpPr>
+            <a:spLocks noGrp="1"/>
+          </p:cNvSpPr>
+          <p:nvPr>
+            <p:ph type="title"/>
+          </p:nvPr>
+        </p:nvSpPr>
+        <p:spPr>
+          <a:xfrm>
+            <a:off x="434738" y="320675"/>
+            <a:ext cx="11757262" cy="1325563"/>
+          </a:xfrm>
+        </p:spPr>
+        <p:txBody>
+          <a:bodyPr>
+            <a:normAutofit/>
+          </a:bodyPr>
+          <a:lstStyle/>
+          <a:p>
+            <a:r>
+              <a:rPr lang="en-US" altLang="zh-TW" sz="4000" dirty="0">
+                <a:latin typeface="Times" panose="02020603050405020304" pitchFamily="18" charset="0"/>
+                <a:cs typeface="Times" panose="02020603050405020304" pitchFamily="18" charset="0"/>
+              </a:rPr>
+              <a:t>Experimental Result</a:t>
+            </a:r>
+          </a:p>
+        </p:txBody>
+      </p:sp>
+      <p:sp>
+        <p:nvSpPr>
+          <p:cNvPr id="4" name="投影片編號版面配置區 3">
+            <a:extLst>
+              <a:ext uri="{FF2B5EF4-FFF2-40B4-BE49-F238E27FC236}">
+                <a16:creationId xmlns:a16="http://schemas.microsoft.com/office/drawing/2014/main" id="{C4A4DCC3-BB49-91CF-D3FC-B1B0701D13DC}"/>
+              </a:ext>
+            </a:extLst>
+          </p:cNvPr>
+          <p:cNvSpPr>
+            <a:spLocks noGrp="1"/>
+          </p:cNvSpPr>
+          <p:nvPr>
+            <p:ph type="sldNum" sz="quarter" idx="12"/>
+          </p:nvPr>
+        </p:nvSpPr>
+        <p:spPr/>
+        <p:txBody>
+          <a:bodyPr/>
+          <a:lstStyle/>
+          <a:p>
+            <a:fld id="{666274A1-CF9C-426A-8DD4-B13ED0C24231}" type="slidenum">
+              <a:rPr lang="en-US" smtClean="0"/>
+              <a:t>43</a:t>
+            </a:fld>
+            <a:endParaRPr lang="en-US" dirty="0"/>
+          </a:p>
+        </p:txBody>
+      </p:sp>
+      <p:pic>
+        <p:nvPicPr>
+          <p:cNvPr id="6" name="圖片 5">
+            <a:extLst>
+              <a:ext uri="{FF2B5EF4-FFF2-40B4-BE49-F238E27FC236}">
+                <a16:creationId xmlns:a16="http://schemas.microsoft.com/office/drawing/2014/main" id="{72E1E7A4-A8BF-453A-6DC3-CE3C0A0B50E9}"/>
+              </a:ext>
+            </a:extLst>
+          </p:cNvPr>
+          <p:cNvPicPr>
+            <a:picLocks noChangeAspect="1"/>
+          </p:cNvPicPr>
+          <p:nvPr/>
+        </p:nvPicPr>
+        <p:blipFill>
+          <a:blip r:embed="rId3"/>
+          <a:stretch>
+            <a:fillRect/>
+          </a:stretch>
+        </p:blipFill>
+        <p:spPr>
+          <a:xfrm>
+            <a:off x="2240863" y="2105554"/>
+            <a:ext cx="8145012" cy="3791479"/>
+          </a:xfrm>
+          <a:prstGeom prst="rect">
+            <a:avLst/>
+          </a:prstGeom>
+        </p:spPr>
+      </p:pic>
+    </p:spTree>
+    <p:extLst>
+      <p:ext uri="{BB962C8B-B14F-4D97-AF65-F5344CB8AC3E}">
+        <p14:creationId xmlns:p14="http://schemas.microsoft.com/office/powerpoint/2010/main" val="1351628877"/>
+      </p:ext>
+    </p:extLst>
+  </p:cSld>
+  <p:clrMapOvr>
+    <a:masterClrMapping/>
+  </p:clrMapOvr>
+</p:sld>
+</file>
+
+<file path=ppt/slides/slide45.xml><?xml version="1.0" encoding="utf-8"?>
+<p:sld xmlns:a="http://schemas.openxmlformats.org/drawingml/2006/main" xmlns:r="http://schemas.openxmlformats.org/officeDocument/2006/relationships" xmlns:p="http://schemas.openxmlformats.org/presentationml/2006/main">
+  <p:cSld>
+    <p:spTree>
+      <p:nvGrpSpPr>
+        <p:cNvPr id="1" name=""/>
+        <p:cNvGrpSpPr/>
+        <p:nvPr/>
+      </p:nvGrpSpPr>
+      <p:grpSpPr>
+        <a:xfrm>
+          <a:off x="0" y="0"/>
+          <a:ext cx="0" cy="0"/>
+          <a:chOff x="0" y="0"/>
+          <a:chExt cx="0" cy="0"/>
+        </a:xfrm>
+      </p:grpSpPr>
+      <p:sp>
+        <p:nvSpPr>
+          <p:cNvPr id="4" name="Slide Number Placeholder 3">
+            <a:extLst>
+              <a:ext uri="{FF2B5EF4-FFF2-40B4-BE49-F238E27FC236}">
+                <a16:creationId xmlns:a16="http://schemas.microsoft.com/office/drawing/2014/main" id="{DB47E6D4-11C1-7FA3-40FD-EC8CC1AC8613}"/>
+              </a:ext>
+            </a:extLst>
+          </p:cNvPr>
+          <p:cNvSpPr>
+            <a:spLocks noGrp="1"/>
+          </p:cNvSpPr>
+          <p:nvPr>
+            <p:ph type="sldNum" sz="quarter" idx="12"/>
+          </p:nvPr>
+        </p:nvSpPr>
+        <p:spPr/>
+        <p:txBody>
+          <a:bodyPr/>
+          <a:lstStyle/>
+          <a:p>
+            <a:fld id="{666274A1-CF9C-426A-8DD4-B13ED0C24231}" type="slidenum">
+              <a:rPr lang="en-US" smtClean="0"/>
+              <a:t>44</a:t>
+            </a:fld>
+            <a:endParaRPr lang="en-US"/>
+          </a:p>
+        </p:txBody>
+      </p:sp>
+      <p:sp>
+        <p:nvSpPr>
+          <p:cNvPr id="5" name="TextBox 4">
+            <a:extLst>
+              <a:ext uri="{FF2B5EF4-FFF2-40B4-BE49-F238E27FC236}">
+                <a16:creationId xmlns:a16="http://schemas.microsoft.com/office/drawing/2014/main" id="{DE342AA9-4E4B-2420-9858-9BBA5A519307}"/>
+              </a:ext>
+            </a:extLst>
+          </p:cNvPr>
+          <p:cNvSpPr txBox="1"/>
+          <p:nvPr/>
+        </p:nvSpPr>
+        <p:spPr>
+          <a:xfrm>
+            <a:off x="2697986" y="2967335"/>
+            <a:ext cx="6936514" cy="923330"/>
+          </a:xfrm>
+          <a:prstGeom prst="rect">
+            <a:avLst/>
+          </a:prstGeom>
+          <a:noFill/>
+        </p:spPr>
+        <p:txBody>
+          <a:bodyPr wrap="none" rtlCol="0">
+            <a:spAutoFit/>
+          </a:bodyPr>
+          <a:lstStyle/>
+          <a:p>
+            <a:r>
+              <a:rPr lang="en-US" altLang="zh-TW" sz="5400" dirty="0">
+                <a:latin typeface="Times" panose="02020603050405020304" pitchFamily="18" charset="0"/>
+                <a:cs typeface="Times" panose="02020603050405020304" pitchFamily="18" charset="0"/>
+              </a:rPr>
+              <a:t>Thank you for listening!</a:t>
+            </a:r>
+            <a:endParaRPr lang="zh-TW" altLang="en-US" sz="5400" dirty="0">
+              <a:latin typeface="Times" panose="02020603050405020304" pitchFamily="18" charset="0"/>
+              <a:cs typeface="Times" panose="02020603050405020304" pitchFamily="18" charset="0"/>
+            </a:endParaRPr>
+          </a:p>
+        </p:txBody>
+      </p:sp>
+    </p:spTree>
+    <p:extLst>
+      <p:ext uri="{BB962C8B-B14F-4D97-AF65-F5344CB8AC3E}">
+        <p14:creationId xmlns:p14="http://schemas.microsoft.com/office/powerpoint/2010/main" val="1947749228"/>
+      </p:ext>
+    </p:extLst>
+  </p:cSld>
+  <p:clrMapOvr>
+    <a:masterClrMapping/>
+  </p:clrMapOvr>
+</p:sld>
+</file>
+
 <file path=ppt/slides/slide5.xml><?xml version="1.0" encoding="utf-8"?>
 <p:sld xmlns:a="http://schemas.openxmlformats.org/drawingml/2006/main" xmlns:r="http://schemas.openxmlformats.org/officeDocument/2006/relationships" xmlns:p="http://schemas.openxmlformats.org/presentationml/2006/main">
   <p:cSld>
@@ -25826,7 +31376,7 @@
         <p:spPr/>
         <p:txBody>
           <a:bodyPr>
-            <a:normAutofit/>
+            <a:normAutofit fontScale="92500" lnSpcReduction="10000"/>
           </a:bodyPr>
           <a:lstStyle/>
           <a:p>
@@ -25869,29 +31419,6 @@
               </a:lnSpc>
             </a:pPr>
             <a:r>
-              <a:rPr lang="en-US" altLang="zh-TW" sz="2400" dirty="0">
-                <a:solidFill>
-                  <a:schemeClr val="bg1">
-                    <a:lumMod val="65000"/>
-                  </a:schemeClr>
-                </a:solidFill>
-                <a:latin typeface="Times New Roman" panose="02020603050405020304" pitchFamily="18" charset="0"/>
-                <a:cs typeface="Times New Roman" panose="02020603050405020304" pitchFamily="18" charset="0"/>
-              </a:rPr>
-              <a:t>Preliminaries</a:t>
-            </a:r>
-            <a:endParaRPr lang="en-US" sz="2400" dirty="0">
-              <a:latin typeface="Times New Roman" panose="02020603050405020304" pitchFamily="18" charset="0"/>
-              <a:cs typeface="Times New Roman" panose="02020603050405020304" pitchFamily="18" charset="0"/>
-            </a:endParaRPr>
-          </a:p>
-          <a:p>
-            <a:pPr>
-              <a:lnSpc>
-                <a:spcPct val="130000"/>
-              </a:lnSpc>
-            </a:pPr>
-            <a:r>
               <a:rPr lang="en-US" sz="2400" dirty="0">
                 <a:solidFill>
                   <a:schemeClr val="bg1">
@@ -25901,7 +31428,7 @@
                 <a:latin typeface="Times New Roman" panose="02020603050405020304" pitchFamily="18" charset="0"/>
                 <a:cs typeface="Times New Roman" panose="02020603050405020304" pitchFamily="18" charset="0"/>
               </a:rPr>
-              <a:t>Proposed Partitioning Framework For Multi-GPU Acceleration</a:t>
+              <a:t>Preliminaries</a:t>
             </a:r>
           </a:p>
           <a:p>
@@ -25920,7 +31447,83 @@
                 <a:latin typeface="Times New Roman" panose="02020603050405020304" pitchFamily="18" charset="0"/>
                 <a:cs typeface="Times New Roman" panose="02020603050405020304" pitchFamily="18" charset="0"/>
               </a:rPr>
-              <a:t>Experimental Result</a:t>
+              <a:t>Proposed Algorithm</a:t>
+            </a:r>
+          </a:p>
+          <a:p>
+            <a:pPr lvl="1">
+              <a:lnSpc>
+                <a:spcPct val="130000"/>
+              </a:lnSpc>
+            </a:pPr>
+            <a:r>
+              <a:rPr lang="en-US" sz="2000" dirty="0">
+                <a:solidFill>
+                  <a:schemeClr val="bg1">
+                    <a:lumMod val="65000"/>
+                  </a:schemeClr>
+                </a:solidFill>
+                <a:latin typeface="Times New Roman" panose="02020603050405020304" pitchFamily="18" charset="0"/>
+                <a:cs typeface="Times New Roman" panose="02020603050405020304" pitchFamily="18" charset="0"/>
+              </a:rPr>
+              <a:t>Congestion Estimation</a:t>
+            </a:r>
+          </a:p>
+          <a:p>
+            <a:pPr lvl="1">
+              <a:lnSpc>
+                <a:spcPct val="130000"/>
+              </a:lnSpc>
+            </a:pPr>
+            <a:r>
+              <a:rPr lang="en-US" sz="2000" dirty="0">
+                <a:solidFill>
+                  <a:schemeClr val="bg1">
+                    <a:lumMod val="65000"/>
+                  </a:schemeClr>
+                </a:solidFill>
+                <a:latin typeface="Times New Roman" panose="02020603050405020304" pitchFamily="18" charset="0"/>
+                <a:cs typeface="Times New Roman" panose="02020603050405020304" pitchFamily="18" charset="0"/>
+              </a:rPr>
+              <a:t>Cell Padding</a:t>
+            </a:r>
+          </a:p>
+          <a:p>
+            <a:pPr lvl="1">
+              <a:lnSpc>
+                <a:spcPct val="130000"/>
+              </a:lnSpc>
+            </a:pPr>
+            <a:r>
+              <a:rPr lang="en-US" sz="2000" dirty="0">
+                <a:solidFill>
+                  <a:schemeClr val="bg1">
+                    <a:lumMod val="65000"/>
+                  </a:schemeClr>
+                </a:solidFill>
+                <a:latin typeface="Times New Roman" panose="02020603050405020304" pitchFamily="18" charset="0"/>
+                <a:cs typeface="Times New Roman" panose="02020603050405020304" pitchFamily="18" charset="0"/>
+              </a:rPr>
+              <a:t>Strategy Exploration</a:t>
+            </a:r>
+          </a:p>
+          <a:p>
+            <a:pPr lvl="1">
+              <a:lnSpc>
+                <a:spcPct val="130000"/>
+              </a:lnSpc>
+            </a:pPr>
+            <a:r>
+              <a:rPr lang="en-US" sz="2000" dirty="0">
+                <a:solidFill>
+                  <a:schemeClr val="bg1">
+                    <a:lumMod val="65000"/>
+                  </a:schemeClr>
+                </a:solidFill>
+                <a:latin typeface="Times New Roman" panose="02020603050405020304" pitchFamily="18" charset="0"/>
+                <a:cs typeface="Times New Roman" panose="02020603050405020304" pitchFamily="18" charset="0"/>
+              </a:rPr>
+              <a:t>Legalization</a:t>
             </a:r>
           </a:p>
           <a:p>
@@ -25939,7 +31542,7 @@
                 <a:latin typeface="Times New Roman" panose="02020603050405020304" pitchFamily="18" charset="0"/>
                 <a:cs typeface="Times New Roman" panose="02020603050405020304" pitchFamily="18" charset="0"/>
               </a:rPr>
-              <a:t>Conclusion</a:t>
+              <a:t>Experimental Result</a:t>
             </a:r>
           </a:p>
         </p:txBody>
@@ -25976,7 +31579,7 @@
     </p:spTree>
     <p:extLst>
       <p:ext uri="{BB962C8B-B14F-4D97-AF65-F5344CB8AC3E}">
-        <p14:creationId xmlns:p14="http://schemas.microsoft.com/office/powerpoint/2010/main" val="1115764687"/>
+        <p14:creationId xmlns:p14="http://schemas.microsoft.com/office/powerpoint/2010/main" val="1456427704"/>
       </p:ext>
     </p:extLst>
   </p:cSld>
@@ -26556,6 +32159,290 @@
 </file>
 
 <file path=ppt/slides/slide8.xml><?xml version="1.0" encoding="utf-8"?>
+<p:sld xmlns:a="http://schemas.openxmlformats.org/drawingml/2006/main" xmlns:r="http://schemas.openxmlformats.org/officeDocument/2006/relationships" xmlns:p="http://schemas.openxmlformats.org/presentationml/2006/main">
+  <p:cSld>
+    <p:spTree>
+      <p:nvGrpSpPr>
+        <p:cNvPr id="1" name=""/>
+        <p:cNvGrpSpPr/>
+        <p:nvPr/>
+      </p:nvGrpSpPr>
+      <p:grpSpPr>
+        <a:xfrm>
+          <a:off x="0" y="0"/>
+          <a:ext cx="0" cy="0"/>
+          <a:chOff x="0" y="0"/>
+          <a:chExt cx="0" cy="0"/>
+        </a:xfrm>
+      </p:grpSpPr>
+      <p:sp>
+        <p:nvSpPr>
+          <p:cNvPr id="2" name="Title 1">
+            <a:extLst>
+              <a:ext uri="{FF2B5EF4-FFF2-40B4-BE49-F238E27FC236}">
+                <a16:creationId xmlns:a16="http://schemas.microsoft.com/office/drawing/2014/main" id="{034B2B09-3A89-725A-85C2-749F88A4474D}"/>
+              </a:ext>
+            </a:extLst>
+          </p:cNvPr>
+          <p:cNvSpPr>
+            <a:spLocks noGrp="1"/>
+          </p:cNvSpPr>
+          <p:nvPr>
+            <p:ph type="title"/>
+          </p:nvPr>
+        </p:nvSpPr>
+        <p:spPr/>
+        <p:txBody>
+          <a:bodyPr/>
+          <a:lstStyle/>
+          <a:p>
+            <a:r>
+              <a:rPr lang="en-US" sz="4000" dirty="0">
+                <a:latin typeface="Times New Roman" panose="02020603050405020304" pitchFamily="18" charset="0"/>
+                <a:cs typeface="Times New Roman" panose="02020603050405020304" pitchFamily="18" charset="0"/>
+              </a:rPr>
+              <a:t>Outline</a:t>
+            </a:r>
+            <a:endParaRPr lang="en-US" dirty="0">
+              <a:latin typeface="Times New Roman" panose="02020603050405020304" pitchFamily="18" charset="0"/>
+              <a:cs typeface="Times New Roman" panose="02020603050405020304" pitchFamily="18" charset="0"/>
+            </a:endParaRPr>
+          </a:p>
+        </p:txBody>
+      </p:sp>
+      <p:sp>
+        <p:nvSpPr>
+          <p:cNvPr id="3" name="Content Placeholder 2">
+            <a:extLst>
+              <a:ext uri="{FF2B5EF4-FFF2-40B4-BE49-F238E27FC236}">
+                <a16:creationId xmlns:a16="http://schemas.microsoft.com/office/drawing/2014/main" id="{35A1418A-E9D3-D2C1-863A-CF59359781D1}"/>
+              </a:ext>
+            </a:extLst>
+          </p:cNvPr>
+          <p:cNvSpPr>
+            <a:spLocks noGrp="1"/>
+          </p:cNvSpPr>
+          <p:nvPr>
+            <p:ph idx="1"/>
+          </p:nvPr>
+        </p:nvSpPr>
+        <p:spPr/>
+        <p:txBody>
+          <a:bodyPr>
+            <a:normAutofit fontScale="92500" lnSpcReduction="10000"/>
+          </a:bodyPr>
+          <a:lstStyle/>
+          <a:p>
+            <a:pPr>
+              <a:lnSpc>
+                <a:spcPct val="130000"/>
+              </a:lnSpc>
+            </a:pPr>
+            <a:r>
+              <a:rPr lang="en-US" sz="2400" dirty="0">
+                <a:solidFill>
+                  <a:schemeClr val="bg1">
+                    <a:lumMod val="65000"/>
+                  </a:schemeClr>
+                </a:solidFill>
+                <a:latin typeface="Times New Roman" panose="02020603050405020304" pitchFamily="18" charset="0"/>
+                <a:cs typeface="Times New Roman" panose="02020603050405020304" pitchFamily="18" charset="0"/>
+              </a:rPr>
+              <a:t>Abstract</a:t>
+            </a:r>
+          </a:p>
+          <a:p>
+            <a:pPr>
+              <a:lnSpc>
+                <a:spcPct val="130000"/>
+              </a:lnSpc>
+            </a:pPr>
+            <a:r>
+              <a:rPr lang="en-US" sz="2400" dirty="0">
+                <a:solidFill>
+                  <a:schemeClr val="bg1">
+                    <a:lumMod val="65000"/>
+                  </a:schemeClr>
+                </a:solidFill>
+                <a:latin typeface="Times New Roman" panose="02020603050405020304" pitchFamily="18" charset="0"/>
+                <a:cs typeface="Times New Roman" panose="02020603050405020304" pitchFamily="18" charset="0"/>
+              </a:rPr>
+              <a:t>Introduction</a:t>
+            </a:r>
+          </a:p>
+          <a:p>
+            <a:pPr>
+              <a:lnSpc>
+                <a:spcPct val="130000"/>
+              </a:lnSpc>
+            </a:pPr>
+            <a:r>
+              <a:rPr lang="en-US" sz="2400" dirty="0">
+                <a:latin typeface="Times New Roman" panose="02020603050405020304" pitchFamily="18" charset="0"/>
+                <a:cs typeface="Times New Roman" panose="02020603050405020304" pitchFamily="18" charset="0"/>
+              </a:rPr>
+              <a:t>Preliminaries</a:t>
+            </a:r>
+          </a:p>
+          <a:p>
+            <a:pPr>
+              <a:lnSpc>
+                <a:spcPct val="130000"/>
+              </a:lnSpc>
+            </a:pPr>
+            <a:r>
+              <a:rPr lang="en-US" sz="2400" dirty="0">
+                <a:solidFill>
+                  <a:schemeClr val="bg1">
+                    <a:lumMod val="65000"/>
+                  </a:schemeClr>
+                </a:solidFill>
+                <a:latin typeface="Times New Roman" panose="02020603050405020304" pitchFamily="18" charset="0"/>
+                <a:cs typeface="Times New Roman" panose="02020603050405020304" pitchFamily="18" charset="0"/>
+              </a:rPr>
+              <a:t>Proposed Algorithm</a:t>
+            </a:r>
+          </a:p>
+          <a:p>
+            <a:pPr lvl="1">
+              <a:lnSpc>
+                <a:spcPct val="130000"/>
+              </a:lnSpc>
+            </a:pPr>
+            <a:r>
+              <a:rPr lang="en-US" sz="2000" dirty="0">
+                <a:solidFill>
+                  <a:schemeClr val="bg1">
+                    <a:lumMod val="65000"/>
+                  </a:schemeClr>
+                </a:solidFill>
+                <a:latin typeface="Times New Roman" panose="02020603050405020304" pitchFamily="18" charset="0"/>
+                <a:cs typeface="Times New Roman" panose="02020603050405020304" pitchFamily="18" charset="0"/>
+              </a:rPr>
+              <a:t>Congestion Estimation</a:t>
+            </a:r>
+          </a:p>
+          <a:p>
+            <a:pPr lvl="1">
+              <a:lnSpc>
+                <a:spcPct val="130000"/>
+              </a:lnSpc>
+            </a:pPr>
+            <a:r>
+              <a:rPr lang="en-US" sz="2000" dirty="0">
+                <a:solidFill>
+                  <a:schemeClr val="bg1">
+                    <a:lumMod val="65000"/>
+                  </a:schemeClr>
+                </a:solidFill>
+                <a:latin typeface="Times New Roman" panose="02020603050405020304" pitchFamily="18" charset="0"/>
+                <a:cs typeface="Times New Roman" panose="02020603050405020304" pitchFamily="18" charset="0"/>
+              </a:rPr>
+              <a:t>Cell Padding</a:t>
+            </a:r>
+          </a:p>
+          <a:p>
+            <a:pPr lvl="1">
+              <a:lnSpc>
+                <a:spcPct val="130000"/>
+              </a:lnSpc>
+            </a:pPr>
+            <a:r>
+              <a:rPr lang="en-US" sz="2000" dirty="0">
+                <a:solidFill>
+                  <a:schemeClr val="bg1">
+                    <a:lumMod val="65000"/>
+                  </a:schemeClr>
+                </a:solidFill>
+                <a:latin typeface="Times New Roman" panose="02020603050405020304" pitchFamily="18" charset="0"/>
+                <a:cs typeface="Times New Roman" panose="02020603050405020304" pitchFamily="18" charset="0"/>
+              </a:rPr>
+              <a:t>Strategy Exploration</a:t>
+            </a:r>
+          </a:p>
+          <a:p>
+            <a:pPr lvl="1">
+              <a:lnSpc>
+                <a:spcPct val="130000"/>
+              </a:lnSpc>
+            </a:pPr>
+            <a:r>
+              <a:rPr lang="en-US" sz="2000" dirty="0">
+                <a:solidFill>
+                  <a:schemeClr val="bg1">
+                    <a:lumMod val="65000"/>
+                  </a:schemeClr>
+                </a:solidFill>
+                <a:latin typeface="Times New Roman" panose="02020603050405020304" pitchFamily="18" charset="0"/>
+                <a:cs typeface="Times New Roman" panose="02020603050405020304" pitchFamily="18" charset="0"/>
+              </a:rPr>
+              <a:t>Legalization</a:t>
+            </a:r>
+          </a:p>
+          <a:p>
+            <a:pPr>
+              <a:lnSpc>
+                <a:spcPct val="130000"/>
+              </a:lnSpc>
+            </a:pPr>
+            <a:r>
+              <a:rPr lang="en-US" sz="2400" dirty="0">
+                <a:solidFill>
+                  <a:schemeClr val="bg1">
+                    <a:lumMod val="65000"/>
+                  </a:schemeClr>
+                </a:solidFill>
+                <a:latin typeface="Times New Roman" panose="02020603050405020304" pitchFamily="18" charset="0"/>
+                <a:cs typeface="Times New Roman" panose="02020603050405020304" pitchFamily="18" charset="0"/>
+              </a:rPr>
+              <a:t>Experimental Result</a:t>
+            </a:r>
+          </a:p>
+        </p:txBody>
+      </p:sp>
+      <p:sp>
+        <p:nvSpPr>
+          <p:cNvPr id="4" name="Slide Number Placeholder 3">
+            <a:extLst>
+              <a:ext uri="{FF2B5EF4-FFF2-40B4-BE49-F238E27FC236}">
+                <a16:creationId xmlns:a16="http://schemas.microsoft.com/office/drawing/2014/main" id="{3592E110-E718-0573-BF00-CE5E90916A66}"/>
+              </a:ext>
+            </a:extLst>
+          </p:cNvPr>
+          <p:cNvSpPr>
+            <a:spLocks noGrp="1"/>
+          </p:cNvSpPr>
+          <p:nvPr>
+            <p:ph type="sldNum" sz="quarter" idx="12"/>
+          </p:nvPr>
+        </p:nvSpPr>
+        <p:spPr/>
+        <p:txBody>
+          <a:bodyPr/>
+          <a:lstStyle/>
+          <a:p>
+            <a:fld id="{666274A1-CF9C-426A-8DD4-B13ED0C24231}" type="slidenum">
+              <a:rPr lang="en-US" smtClean="0"/>
+              <a:t>7</a:t>
+            </a:fld>
+            <a:endParaRPr lang="en-US"/>
+          </a:p>
+        </p:txBody>
+      </p:sp>
+    </p:spTree>
+    <p:extLst>
+      <p:ext uri="{BB962C8B-B14F-4D97-AF65-F5344CB8AC3E}">
+        <p14:creationId xmlns:p14="http://schemas.microsoft.com/office/powerpoint/2010/main" val="3029696911"/>
+      </p:ext>
+    </p:extLst>
+  </p:cSld>
+  <p:clrMapOvr>
+    <a:masterClrMapping/>
+  </p:clrMapOvr>
+</p:sld>
+</file>
+
+<file path=ppt/slides/slide9.xml><?xml version="1.0" encoding="utf-8"?>
 <p:sld xmlns:a="http://schemas.openxmlformats.org/drawingml/2006/main" xmlns:r="http://schemas.openxmlformats.org/officeDocument/2006/relationships" xmlns:p="http://schemas.openxmlformats.org/presentationml/2006/main">
   <p:cSld>
     <p:spTree>
@@ -27349,7 +33236,7 @@
           <a:p>
             <a:fld id="{666274A1-CF9C-426A-8DD4-B13ED0C24231}" type="slidenum">
               <a:rPr lang="en-US" smtClean="0"/>
-              <a:t>7</a:t>
+              <a:t>8</a:t>
             </a:fld>
             <a:endParaRPr lang="en-US"/>
           </a:p>
@@ -27359,625 +33246,6 @@
     <p:extLst>
       <p:ext uri="{BB962C8B-B14F-4D97-AF65-F5344CB8AC3E}">
         <p14:creationId xmlns:p14="http://schemas.microsoft.com/office/powerpoint/2010/main" val="2422840493"/>
-      </p:ext>
-    </p:extLst>
-  </p:cSld>
-  <p:clrMapOvr>
-    <a:masterClrMapping/>
-  </p:clrMapOvr>
-</p:sld>
-</file>
-
-<file path=ppt/slides/slide9.xml><?xml version="1.0" encoding="utf-8"?>
-<p:sld xmlns:a="http://schemas.openxmlformats.org/drawingml/2006/main" xmlns:r="http://schemas.openxmlformats.org/officeDocument/2006/relationships" xmlns:p="http://schemas.openxmlformats.org/presentationml/2006/main">
-  <p:cSld>
-    <p:spTree>
-      <p:nvGrpSpPr>
-        <p:cNvPr id="1" name=""/>
-        <p:cNvGrpSpPr/>
-        <p:nvPr/>
-      </p:nvGrpSpPr>
-      <p:grpSpPr>
-        <a:xfrm>
-          <a:off x="0" y="0"/>
-          <a:ext cx="0" cy="0"/>
-          <a:chOff x="0" y="0"/>
-          <a:chExt cx="0" cy="0"/>
-        </a:xfrm>
-      </p:grpSpPr>
-      <p:sp>
-        <p:nvSpPr>
-          <p:cNvPr id="2" name="標題 1">
-            <a:extLst>
-              <a:ext uri="{FF2B5EF4-FFF2-40B4-BE49-F238E27FC236}">
-                <a16:creationId xmlns:a16="http://schemas.microsoft.com/office/drawing/2014/main" id="{17A4DB43-3782-7A5F-C632-D31E2EC09E1D}"/>
-              </a:ext>
-            </a:extLst>
-          </p:cNvPr>
-          <p:cNvSpPr>
-            <a:spLocks noGrp="1"/>
-          </p:cNvSpPr>
-          <p:nvPr>
-            <p:ph type="title"/>
-          </p:nvPr>
-        </p:nvSpPr>
-        <p:spPr/>
-        <p:txBody>
-          <a:bodyPr/>
-          <a:lstStyle/>
-          <a:p>
-            <a:r>
-              <a:rPr lang="en-US" altLang="zh-TW" sz="4000" dirty="0">
-                <a:latin typeface="Times" panose="02020603050405020304" pitchFamily="18" charset="0"/>
-                <a:cs typeface="Times" panose="02020603050405020304" pitchFamily="18" charset="0"/>
-              </a:rPr>
-              <a:t>Preliminaries</a:t>
-            </a:r>
-            <a:endParaRPr lang="zh-TW" altLang="en-US" dirty="0"/>
-          </a:p>
-        </p:txBody>
-      </p:sp>
-      <mc:AlternateContent xmlns:mc="http://schemas.openxmlformats.org/markup-compatibility/2006" xmlns:a14="http://schemas.microsoft.com/office/drawing/2010/main">
-        <mc:Choice Requires="a14">
-          <p:sp>
-            <p:nvSpPr>
-              <p:cNvPr id="3" name="內容版面配置區 2">
-                <a:extLst>
-                  <a:ext uri="{FF2B5EF4-FFF2-40B4-BE49-F238E27FC236}">
-                    <a16:creationId xmlns:a16="http://schemas.microsoft.com/office/drawing/2014/main" id="{8AC4E013-E47D-C26C-B333-168A6F3A8436}"/>
-                  </a:ext>
-                </a:extLst>
-              </p:cNvPr>
-              <p:cNvSpPr>
-                <a:spLocks noGrp="1"/>
-              </p:cNvSpPr>
-              <p:nvPr>
-                <p:ph idx="1"/>
-              </p:nvPr>
-            </p:nvSpPr>
-            <p:spPr/>
-            <p:txBody>
-              <a:bodyPr/>
-              <a:lstStyle/>
-              <a:p>
-                <a:r>
-                  <a:rPr lang="en-US" altLang="zh-TW" sz="2200" dirty="0">
-                    <a:latin typeface="Times" panose="02020603050405020304" pitchFamily="18" charset="0"/>
-                    <a:cs typeface="Times" panose="02020603050405020304" pitchFamily="18" charset="0"/>
-                  </a:rPr>
-                  <a:t>We can formulate </a:t>
-                </a:r>
-                <a:r>
-                  <a:rPr lang="en-US" altLang="zh-TW" sz="2200" b="0" dirty="0">
-                    <a:latin typeface="Times" panose="02020603050405020304" pitchFamily="18" charset="0"/>
-                    <a:cs typeface="Times" panose="02020603050405020304" pitchFamily="18" charset="0"/>
-                  </a:rPr>
-                  <a:t>analytical global routing problem as:</a:t>
-                </a:r>
-              </a:p>
-              <a:p>
-                <a:endParaRPr lang="en-US" altLang="zh-TW" sz="2800" b="0" dirty="0">
-                  <a:latin typeface="Times" panose="02020603050405020304" pitchFamily="18" charset="0"/>
-                  <a:cs typeface="Times" panose="02020603050405020304" pitchFamily="18" charset="0"/>
-                </a:endParaRPr>
-              </a:p>
-              <a:p>
-                <a:endParaRPr lang="en-US" altLang="zh-TW" sz="1800" b="0" dirty="0">
-                  <a:latin typeface="Times" panose="02020603050405020304" pitchFamily="18" charset="0"/>
-                  <a:cs typeface="Times" panose="02020603050405020304" pitchFamily="18" charset="0"/>
-                </a:endParaRPr>
-              </a:p>
-              <a:p>
-                <a:pPr marL="0" indent="0">
-                  <a:buNone/>
-                </a:pPr>
-                <a14:m>
-                  <m:oMathPara xmlns:m="http://schemas.openxmlformats.org/officeDocument/2006/math">
-                    <m:oMathParaPr>
-                      <m:jc m:val="centerGroup"/>
-                    </m:oMathParaPr>
-                    <m:oMath xmlns:m="http://schemas.openxmlformats.org/officeDocument/2006/math">
-                      <m:func>
-                        <m:funcPr>
-                          <m:ctrlPr>
-                            <a:rPr lang="en-US" altLang="zh-TW" sz="2400" b="0" i="1" smtClean="0">
-                              <a:latin typeface="Cambria Math" panose="02040503050406030204" pitchFamily="18" charset="0"/>
-                              <a:cs typeface="Times" panose="02020603050405020304" pitchFamily="18" charset="0"/>
-                            </a:rPr>
-                          </m:ctrlPr>
-                        </m:funcPr>
-                        <m:fName>
-                          <m:limLow>
-                            <m:limLowPr>
-                              <m:ctrlPr>
-                                <a:rPr lang="en-US" altLang="zh-TW" sz="2400" b="0" i="1" smtClean="0">
-                                  <a:latin typeface="Cambria Math" panose="02040503050406030204" pitchFamily="18" charset="0"/>
-                                  <a:cs typeface="Times" panose="02020603050405020304" pitchFamily="18" charset="0"/>
-                                </a:rPr>
-                              </m:ctrlPr>
-                            </m:limLowPr>
-                            <m:e>
-                              <m:func>
-                                <m:funcPr>
-                                  <m:ctrlPr>
-                                    <a:rPr lang="en-US" altLang="zh-TW" sz="2400" b="0" i="1" smtClean="0">
-                                      <a:latin typeface="Cambria Math" panose="02040503050406030204" pitchFamily="18" charset="0"/>
-                                      <a:cs typeface="Times" panose="02020603050405020304" pitchFamily="18" charset="0"/>
-                                    </a:rPr>
-                                  </m:ctrlPr>
-                                </m:funcPr>
-                                <m:fName>
-                                  <m:r>
-                                    <m:rPr>
-                                      <m:sty m:val="p"/>
-                                    </m:rPr>
-                                    <a:rPr lang="en-US" altLang="zh-TW" sz="2400" b="0" i="0" smtClean="0">
-                                      <a:latin typeface="Cambria Math" panose="02040503050406030204" pitchFamily="18" charset="0"/>
-                                      <a:cs typeface="Times" panose="02020603050405020304" pitchFamily="18" charset="0"/>
-                                    </a:rPr>
-                                    <m:t>min</m:t>
-                                  </m:r>
-                                </m:fName>
-                                <m:e>
-                                  <m:r>
-                                    <a:rPr lang="en-US" altLang="zh-TW" sz="2400" b="0" i="1" smtClean="0">
-                                      <a:latin typeface="Cambria Math" panose="02040503050406030204" pitchFamily="18" charset="0"/>
-                                      <a:cs typeface="Times" panose="02020603050405020304" pitchFamily="18" charset="0"/>
-                                    </a:rPr>
-                                    <m:t>𝑓</m:t>
-                                  </m:r>
-                                  <m:d>
-                                    <m:dPr>
-                                      <m:ctrlPr>
-                                        <a:rPr lang="en-US" altLang="zh-TW" sz="2400" b="0" i="1" smtClean="0">
-                                          <a:latin typeface="Cambria Math" panose="02040503050406030204" pitchFamily="18" charset="0"/>
-                                          <a:cs typeface="Times" panose="02020603050405020304" pitchFamily="18" charset="0"/>
-                                        </a:rPr>
-                                      </m:ctrlPr>
-                                    </m:dPr>
-                                    <m:e>
-                                      <m:r>
-                                        <a:rPr lang="en-US" altLang="zh-TW" sz="2400" b="0" i="1" smtClean="0">
-                                          <a:latin typeface="Cambria Math" panose="02040503050406030204" pitchFamily="18" charset="0"/>
-                                          <a:cs typeface="Times" panose="02020603050405020304" pitchFamily="18" charset="0"/>
-                                        </a:rPr>
-                                        <m:t>𝑥</m:t>
-                                      </m:r>
-                                    </m:e>
-                                  </m:d>
-                                  <m:r>
-                                    <a:rPr lang="en-US" altLang="zh-TW" sz="2400" b="0" i="1" smtClean="0">
-                                      <a:latin typeface="Cambria Math" panose="02040503050406030204" pitchFamily="18" charset="0"/>
-                                      <a:cs typeface="Times" panose="02020603050405020304" pitchFamily="18" charset="0"/>
-                                    </a:rPr>
-                                    <m:t>=</m:t>
-                                  </m:r>
-                                </m:e>
-                              </m:func>
-                            </m:e>
-                            <m:lim>
-                              <m:r>
-                                <a:rPr lang="en-US" altLang="zh-TW" sz="2400" b="0" i="1" smtClean="0">
-                                  <a:latin typeface="Cambria Math" panose="02040503050406030204" pitchFamily="18" charset="0"/>
-                                  <a:cs typeface="Times" panose="02020603050405020304" pitchFamily="18" charset="0"/>
-                                </a:rPr>
-                                <m:t>(</m:t>
-                              </m:r>
-                              <m:r>
-                                <a:rPr lang="en-US" altLang="zh-TW" sz="2400" b="0" i="1" smtClean="0">
-                                  <a:latin typeface="Cambria Math" panose="02040503050406030204" pitchFamily="18" charset="0"/>
-                                  <a:cs typeface="Times" panose="02020603050405020304" pitchFamily="18" charset="0"/>
-                                </a:rPr>
-                                <m:t>𝑥</m:t>
-                              </m:r>
-                              <m:r>
-                                <a:rPr lang="en-US" altLang="zh-TW" sz="2400" b="0" i="1" smtClean="0">
-                                  <a:latin typeface="Cambria Math" panose="02040503050406030204" pitchFamily="18" charset="0"/>
-                                  <a:cs typeface="Times" panose="02020603050405020304" pitchFamily="18" charset="0"/>
-                                </a:rPr>
-                                <m:t>, </m:t>
-                              </m:r>
-                              <m:r>
-                                <a:rPr lang="en-US" altLang="zh-TW" sz="2400" b="0" i="1" smtClean="0">
-                                  <a:latin typeface="Cambria Math" panose="02040503050406030204" pitchFamily="18" charset="0"/>
-                                  <a:cs typeface="Times" panose="02020603050405020304" pitchFamily="18" charset="0"/>
-                                </a:rPr>
-                                <m:t>𝑦</m:t>
-                              </m:r>
-                              <m:r>
-                                <a:rPr lang="en-US" altLang="zh-TW" sz="2400" b="0" i="1" smtClean="0">
-                                  <a:latin typeface="Cambria Math" panose="02040503050406030204" pitchFamily="18" charset="0"/>
-                                  <a:cs typeface="Times" panose="02020603050405020304" pitchFamily="18" charset="0"/>
-                                </a:rPr>
-                                <m:t>)</m:t>
-                              </m:r>
-                            </m:lim>
-                          </m:limLow>
-                        </m:fName>
-                        <m:e>
-                          <m:r>
-                            <a:rPr lang="en-US" altLang="zh-TW" sz="2400" b="0" i="1" smtClean="0">
-                              <a:latin typeface="Cambria Math" panose="02040503050406030204" pitchFamily="18" charset="0"/>
-                              <a:cs typeface="Times" panose="02020603050405020304" pitchFamily="18" charset="0"/>
-                            </a:rPr>
-                            <m:t>𝑊</m:t>
-                          </m:r>
-                          <m:d>
-                            <m:dPr>
-                              <m:ctrlPr>
-                                <a:rPr lang="en-US" altLang="zh-TW" sz="2400" b="0" i="1" smtClean="0">
-                                  <a:latin typeface="Cambria Math" panose="02040503050406030204" pitchFamily="18" charset="0"/>
-                                  <a:cs typeface="Times" panose="02020603050405020304" pitchFamily="18" charset="0"/>
-                                </a:rPr>
-                              </m:ctrlPr>
-                            </m:dPr>
-                            <m:e>
-                              <m:r>
-                                <a:rPr lang="en-US" altLang="zh-TW" sz="2400" b="0" i="1" smtClean="0">
-                                  <a:latin typeface="Cambria Math" panose="02040503050406030204" pitchFamily="18" charset="0"/>
-                                  <a:cs typeface="Times" panose="02020603050405020304" pitchFamily="18" charset="0"/>
-                                </a:rPr>
-                                <m:t>𝑥</m:t>
-                              </m:r>
-                              <m:r>
-                                <a:rPr lang="en-US" altLang="zh-TW" sz="2400" b="0" i="1" smtClean="0">
-                                  <a:latin typeface="Cambria Math" panose="02040503050406030204" pitchFamily="18" charset="0"/>
-                                  <a:cs typeface="Times" panose="02020603050405020304" pitchFamily="18" charset="0"/>
-                                </a:rPr>
-                                <m:t>, </m:t>
-                              </m:r>
-                              <m:r>
-                                <a:rPr lang="en-US" altLang="zh-TW" sz="2400" b="0" i="1" smtClean="0">
-                                  <a:latin typeface="Cambria Math" panose="02040503050406030204" pitchFamily="18" charset="0"/>
-                                  <a:cs typeface="Times" panose="02020603050405020304" pitchFamily="18" charset="0"/>
-                                </a:rPr>
-                                <m:t>𝑦</m:t>
-                              </m:r>
-                            </m:e>
-                          </m:d>
-                          <m:r>
-                            <a:rPr lang="en-US" altLang="zh-TW" sz="2400" b="0" i="1" smtClean="0">
-                              <a:latin typeface="Cambria Math" panose="02040503050406030204" pitchFamily="18" charset="0"/>
-                              <a:cs typeface="Times" panose="02020603050405020304" pitchFamily="18" charset="0"/>
-                            </a:rPr>
-                            <m:t>+ </m:t>
-                          </m:r>
-                          <m:r>
-                            <m:rPr>
-                              <m:sty m:val="p"/>
-                            </m:rPr>
-                            <a:rPr lang="en-US" altLang="zh-TW" sz="2400" i="1">
-                              <a:latin typeface="Cambria Math" panose="02040503050406030204" pitchFamily="18" charset="0"/>
-                              <a:cs typeface="Times" panose="02020603050405020304" pitchFamily="18" charset="0"/>
-                            </a:rPr>
-                            <m:t>λ</m:t>
-                          </m:r>
-                          <m:r>
-                            <a:rPr lang="en-US" altLang="zh-TW" sz="2400" b="0" i="1" smtClean="0">
-                              <a:latin typeface="Cambria Math" panose="02040503050406030204" pitchFamily="18" charset="0"/>
-                              <a:cs typeface="Times" panose="02020603050405020304" pitchFamily="18" charset="0"/>
-                            </a:rPr>
-                            <m:t>𝐷</m:t>
-                          </m:r>
-                          <m:r>
-                            <a:rPr lang="en-US" altLang="zh-TW" sz="2400" i="1" smtClean="0">
-                              <a:latin typeface="Cambria Math" panose="02040503050406030204" pitchFamily="18" charset="0"/>
-                              <a:cs typeface="Times" panose="02020603050405020304" pitchFamily="18" charset="0"/>
-                            </a:rPr>
-                            <m:t>(</m:t>
-                          </m:r>
-                          <m:r>
-                            <a:rPr lang="en-US" altLang="zh-TW" sz="2400" b="0" i="1" smtClean="0">
-                              <a:latin typeface="Cambria Math" panose="02040503050406030204" pitchFamily="18" charset="0"/>
-                              <a:cs typeface="Times" panose="02020603050405020304" pitchFamily="18" charset="0"/>
-                            </a:rPr>
-                            <m:t>𝑥</m:t>
-                          </m:r>
-                          <m:r>
-                            <a:rPr lang="en-US" altLang="zh-TW" sz="2400" b="0" i="1" smtClean="0">
-                              <a:latin typeface="Cambria Math" panose="02040503050406030204" pitchFamily="18" charset="0"/>
-                              <a:cs typeface="Times" panose="02020603050405020304" pitchFamily="18" charset="0"/>
-                            </a:rPr>
-                            <m:t>, </m:t>
-                          </m:r>
-                          <m:r>
-                            <a:rPr lang="en-US" altLang="zh-TW" sz="2400" b="0" i="1" smtClean="0">
-                              <a:latin typeface="Cambria Math" panose="02040503050406030204" pitchFamily="18" charset="0"/>
-                              <a:cs typeface="Times" panose="02020603050405020304" pitchFamily="18" charset="0"/>
-                            </a:rPr>
-                            <m:t>𝑦</m:t>
-                          </m:r>
-                          <m:r>
-                            <a:rPr lang="en-US" altLang="zh-TW" sz="2400" i="1">
-                              <a:latin typeface="Cambria Math" panose="02040503050406030204" pitchFamily="18" charset="0"/>
-                              <a:cs typeface="Times" panose="02020603050405020304" pitchFamily="18" charset="0"/>
-                            </a:rPr>
-                            <m:t>)</m:t>
-                          </m:r>
-                        </m:e>
-                      </m:func>
-                    </m:oMath>
-                  </m:oMathPara>
-                </a14:m>
-                <a:endParaRPr lang="en-US" altLang="zh-TW" sz="2800" b="0" dirty="0">
-                  <a:latin typeface="Times" panose="02020603050405020304" pitchFamily="18" charset="0"/>
-                  <a:cs typeface="Times" panose="02020603050405020304" pitchFamily="18" charset="0"/>
-                </a:endParaRPr>
-              </a:p>
-              <a:p>
-                <a:endParaRPr lang="en-US" altLang="zh-TW" dirty="0">
-                  <a:latin typeface="Times" panose="02020603050405020304" pitchFamily="18" charset="0"/>
-                  <a:cs typeface="Times" panose="02020603050405020304" pitchFamily="18" charset="0"/>
-                </a:endParaRPr>
-              </a:p>
-              <a:p>
-                <a:pPr>
-                  <a:lnSpc>
-                    <a:spcPct val="130000"/>
-                  </a:lnSpc>
-                  <a:buFont typeface="Wingdings" panose="05000000000000000000" pitchFamily="2" charset="2"/>
-                  <a:buChar char="Ø"/>
-                </a:pPr>
-                <a14:m>
-                  <m:oMath xmlns:m="http://schemas.openxmlformats.org/officeDocument/2006/math">
-                    <m:r>
-                      <a:rPr lang="en-US" altLang="zh-TW" sz="2000" b="0" i="1" smtClean="0">
-                        <a:latin typeface="Cambria Math" panose="02040503050406030204" pitchFamily="18" charset="0"/>
-                      </a:rPr>
-                      <m:t> </m:t>
-                    </m:r>
-                    <m:r>
-                      <a:rPr lang="en-US" altLang="zh-TW" sz="2000" b="0" i="1" smtClean="0">
-                        <a:latin typeface="Cambria Math" panose="02040503050406030204" pitchFamily="18" charset="0"/>
-                      </a:rPr>
-                      <m:t>𝑊</m:t>
-                    </m:r>
-                    <m:d>
-                      <m:dPr>
-                        <m:ctrlPr>
-                          <a:rPr lang="en-US" altLang="zh-TW" sz="2000" b="0" i="1" smtClean="0">
-                            <a:latin typeface="Cambria Math" panose="02040503050406030204" pitchFamily="18" charset="0"/>
-                          </a:rPr>
-                        </m:ctrlPr>
-                      </m:dPr>
-                      <m:e>
-                        <m:r>
-                          <a:rPr lang="en-US" altLang="zh-TW" sz="2000" b="0" i="1" smtClean="0">
-                            <a:latin typeface="Cambria Math" panose="02040503050406030204" pitchFamily="18" charset="0"/>
-                          </a:rPr>
-                          <m:t>𝑥</m:t>
-                        </m:r>
-                        <m:r>
-                          <a:rPr lang="en-US" altLang="zh-TW" sz="2000" b="0" i="1" smtClean="0">
-                            <a:latin typeface="Cambria Math" panose="02040503050406030204" pitchFamily="18" charset="0"/>
-                          </a:rPr>
-                          <m:t>, </m:t>
-                        </m:r>
-                        <m:r>
-                          <a:rPr lang="en-US" altLang="zh-TW" sz="2000" b="0" i="1" smtClean="0">
-                            <a:latin typeface="Cambria Math" panose="02040503050406030204" pitchFamily="18" charset="0"/>
-                          </a:rPr>
-                          <m:t>𝑦</m:t>
-                        </m:r>
-                      </m:e>
-                    </m:d>
-                    <m:r>
-                      <a:rPr lang="en-US" altLang="zh-TW" sz="2000" b="0" i="1" smtClean="0">
-                        <a:latin typeface="Cambria Math" panose="02040503050406030204" pitchFamily="18" charset="0"/>
-                      </a:rPr>
-                      <m:t>: </m:t>
-                    </m:r>
-                  </m:oMath>
-                </a14:m>
-                <a:r>
-                  <a:rPr lang="en-US" altLang="zh-TW" sz="2000" dirty="0">
-                    <a:latin typeface="Times" panose="02020603050405020304" pitchFamily="18" charset="0"/>
-                    <a:cs typeface="Times" panose="02020603050405020304" pitchFamily="18" charset="0"/>
-                  </a:rPr>
-                  <a:t>wirelength.</a:t>
-                </a:r>
-              </a:p>
-              <a:p>
-                <a:pPr>
-                  <a:lnSpc>
-                    <a:spcPct val="130000"/>
-                  </a:lnSpc>
-                  <a:buFont typeface="Wingdings" panose="05000000000000000000" pitchFamily="2" charset="2"/>
-                  <a:buChar char="Ø"/>
-                </a:pPr>
-                <a14:m>
-                  <m:oMath xmlns:m="http://schemas.openxmlformats.org/officeDocument/2006/math">
-                    <m:r>
-                      <a:rPr lang="en-US" altLang="zh-TW" sz="2000" b="0" i="1" smtClean="0">
-                        <a:latin typeface="Cambria Math" panose="02040503050406030204" pitchFamily="18" charset="0"/>
-                      </a:rPr>
-                      <m:t> </m:t>
-                    </m:r>
-                    <m:r>
-                      <a:rPr lang="en-US" altLang="zh-TW" sz="2000" b="0" i="1" smtClean="0">
-                        <a:latin typeface="Cambria Math" panose="02040503050406030204" pitchFamily="18" charset="0"/>
-                      </a:rPr>
-                      <m:t>𝐷</m:t>
-                    </m:r>
-                    <m:d>
-                      <m:dPr>
-                        <m:ctrlPr>
-                          <a:rPr lang="en-US" altLang="zh-TW" sz="2000" b="0" i="1" smtClean="0">
-                            <a:latin typeface="Cambria Math" panose="02040503050406030204" pitchFamily="18" charset="0"/>
-                          </a:rPr>
-                        </m:ctrlPr>
-                      </m:dPr>
-                      <m:e>
-                        <m:r>
-                          <a:rPr lang="en-US" altLang="zh-TW" sz="2000" b="0" i="1" smtClean="0">
-                            <a:latin typeface="Cambria Math" panose="02040503050406030204" pitchFamily="18" charset="0"/>
-                          </a:rPr>
-                          <m:t>𝑥</m:t>
-                        </m:r>
-                        <m:r>
-                          <a:rPr lang="en-US" altLang="zh-TW" sz="2000" b="0" i="1" smtClean="0">
-                            <a:latin typeface="Cambria Math" panose="02040503050406030204" pitchFamily="18" charset="0"/>
-                          </a:rPr>
-                          <m:t>, </m:t>
-                        </m:r>
-                        <m:r>
-                          <a:rPr lang="en-US" altLang="zh-TW" sz="2000" b="0" i="1" smtClean="0">
-                            <a:latin typeface="Cambria Math" panose="02040503050406030204" pitchFamily="18" charset="0"/>
-                          </a:rPr>
-                          <m:t>𝑦</m:t>
-                        </m:r>
-                      </m:e>
-                    </m:d>
-                    <m:r>
-                      <a:rPr lang="en-US" altLang="zh-TW" sz="2000" b="0" i="1" smtClean="0">
-                        <a:latin typeface="Cambria Math" panose="02040503050406030204" pitchFamily="18" charset="0"/>
-                      </a:rPr>
-                      <m:t>: </m:t>
-                    </m:r>
-                  </m:oMath>
-                </a14:m>
-                <a:r>
-                  <a:rPr lang="en-US" altLang="zh-TW" sz="2000" dirty="0">
-                    <a:latin typeface="Times" panose="02020603050405020304" pitchFamily="18" charset="0"/>
-                    <a:cs typeface="Times" panose="02020603050405020304" pitchFamily="18" charset="0"/>
-                  </a:rPr>
-                  <a:t> Density penalty to spread cells.</a:t>
-                </a:r>
-              </a:p>
-              <a:p>
-                <a:pPr>
-                  <a:lnSpc>
-                    <a:spcPct val="130000"/>
-                  </a:lnSpc>
-                  <a:buFont typeface="Wingdings" panose="05000000000000000000" pitchFamily="2" charset="2"/>
-                  <a:buChar char="Ø"/>
-                </a:pPr>
-                <a:r>
-                  <a:rPr lang="en-US" altLang="zh-TW" sz="2000" dirty="0">
-                    <a:latin typeface="Times" panose="02020603050405020304" pitchFamily="18" charset="0"/>
-                    <a:cs typeface="Times" panose="02020603050405020304" pitchFamily="18" charset="0"/>
-                  </a:rPr>
-                  <a:t> λ</a:t>
-                </a:r>
-                <a:r>
-                  <a:rPr lang="zh-TW" altLang="en-US" sz="2000" dirty="0">
-                    <a:latin typeface="Times" panose="02020603050405020304" pitchFamily="18" charset="0"/>
-                    <a:cs typeface="Times" panose="02020603050405020304" pitchFamily="18" charset="0"/>
-                  </a:rPr>
-                  <a:t> </a:t>
-                </a:r>
-                <a:r>
-                  <a:rPr lang="en-US" altLang="zh-TW" sz="2000" dirty="0">
-                    <a:latin typeface="Times" panose="02020603050405020304" pitchFamily="18" charset="0"/>
-                    <a:cs typeface="Times" panose="02020603050405020304" pitchFamily="18" charset="0"/>
-                  </a:rPr>
-                  <a:t>:</a:t>
-                </a:r>
-                <a:r>
-                  <a:rPr lang="zh-TW" altLang="en-US" sz="2000" dirty="0">
-                    <a:latin typeface="Times" panose="02020603050405020304" pitchFamily="18" charset="0"/>
-                    <a:cs typeface="Times" panose="02020603050405020304" pitchFamily="18" charset="0"/>
-                  </a:rPr>
-                  <a:t> </a:t>
-                </a:r>
-                <a:r>
-                  <a:rPr lang="en-US" altLang="zh-TW" sz="2000" dirty="0">
-                    <a:latin typeface="Times" panose="02020603050405020304" pitchFamily="18" charset="0"/>
-                    <a:cs typeface="Times" panose="02020603050405020304" pitchFamily="18" charset="0"/>
-                  </a:rPr>
-                  <a:t>Density penalty factor</a:t>
-                </a:r>
-                <a:endParaRPr lang="zh-TW" altLang="en-US" sz="2000" dirty="0">
-                  <a:latin typeface="Times" panose="02020603050405020304" pitchFamily="18" charset="0"/>
-                  <a:cs typeface="Times" panose="02020603050405020304" pitchFamily="18" charset="0"/>
-                </a:endParaRPr>
-              </a:p>
-              <a:p>
-                <a:pPr>
-                  <a:buFont typeface="Wingdings" panose="05000000000000000000" pitchFamily="2" charset="2"/>
-                  <a:buChar char="Ø"/>
-                </a:pPr>
-                <a:endParaRPr lang="zh-TW" altLang="en-US" sz="2400" dirty="0">
-                  <a:latin typeface="Times" panose="02020603050405020304" pitchFamily="18" charset="0"/>
-                  <a:cs typeface="Times" panose="02020603050405020304" pitchFamily="18" charset="0"/>
-                </a:endParaRPr>
-              </a:p>
-            </p:txBody>
-          </p:sp>
-        </mc:Choice>
-        <mc:Fallback xmlns="">
-          <p:sp>
-            <p:nvSpPr>
-              <p:cNvPr id="3" name="內容版面配置區 2">
-                <a:extLst>
-                  <a:ext uri="{FF2B5EF4-FFF2-40B4-BE49-F238E27FC236}">
-                    <a16:creationId xmlns:a16="http://schemas.microsoft.com/office/drawing/2014/main" id="{8AC4E013-E47D-C26C-B333-168A6F3A8436}"/>
-                  </a:ext>
-                </a:extLst>
-              </p:cNvPr>
-              <p:cNvSpPr>
-                <a:spLocks noGrp="1" noRot="1" noChangeAspect="1" noMove="1" noResize="1" noEditPoints="1" noAdjustHandles="1" noChangeArrowheads="1" noChangeShapeType="1" noTextEdit="1"/>
-              </p:cNvSpPr>
-              <p:nvPr>
-                <p:ph idx="1"/>
-              </p:nvPr>
-            </p:nvSpPr>
-            <p:spPr>
-              <a:blipFill>
-                <a:blip r:embed="rId3"/>
-                <a:stretch>
-                  <a:fillRect l="-696" t="-1541"/>
-                </a:stretch>
-              </a:blipFill>
-            </p:spPr>
-            <p:txBody>
-              <a:bodyPr/>
-              <a:lstStyle/>
-              <a:p>
-                <a:r>
-                  <a:rPr lang="zh-TW" altLang="en-US">
-                    <a:noFill/>
-                  </a:rPr>
-                  <a:t> </a:t>
-                </a:r>
-              </a:p>
-            </p:txBody>
-          </p:sp>
-        </mc:Fallback>
-      </mc:AlternateContent>
-      <p:sp>
-        <p:nvSpPr>
-          <p:cNvPr id="4" name="投影片編號版面配置區 3">
-            <a:extLst>
-              <a:ext uri="{FF2B5EF4-FFF2-40B4-BE49-F238E27FC236}">
-                <a16:creationId xmlns:a16="http://schemas.microsoft.com/office/drawing/2014/main" id="{2DD87A65-A426-F2D5-4AE1-C69B694DAED6}"/>
-              </a:ext>
-            </a:extLst>
-          </p:cNvPr>
-          <p:cNvSpPr>
-            <a:spLocks noGrp="1"/>
-          </p:cNvSpPr>
-          <p:nvPr>
-            <p:ph type="sldNum" sz="quarter" idx="12"/>
-          </p:nvPr>
-        </p:nvSpPr>
-        <p:spPr/>
-        <p:txBody>
-          <a:bodyPr/>
-          <a:lstStyle/>
-          <a:p>
-            <a:fld id="{666274A1-CF9C-426A-8DD4-B13ED0C24231}" type="slidenum">
-              <a:rPr lang="en-US" smtClean="0"/>
-              <a:t>8</a:t>
-            </a:fld>
-            <a:endParaRPr lang="en-US"/>
-          </a:p>
-        </p:txBody>
-      </p:sp>
-    </p:spTree>
-    <p:extLst>
-      <p:ext uri="{BB962C8B-B14F-4D97-AF65-F5344CB8AC3E}">
-        <p14:creationId xmlns:p14="http://schemas.microsoft.com/office/powerpoint/2010/main" val="3933262942"/>
       </p:ext>
     </p:extLst>
   </p:cSld>

--- a/GM/Placement/PUFFER A Routability-Driven Placement Framework via Cell Padding/PUFFER A Routability-Driven Placement Framework via Cell Padding.pptx
+++ b/GM/Placement/PUFFER A Routability-Driven Placement Framework via Cell Padding/PUFFER A Routability-Driven Placement Framework via Cell Padding.pptx
@@ -4000,8 +4000,8 @@
         </p:nvSpPr>
         <p:spPr/>
       </p:sp>
-      <mc:AlternateContent xmlns:mc="http://schemas.openxmlformats.org/markup-compatibility/2006">
-        <mc:Choice xmlns:a14="http://schemas.microsoft.com/office/drawing/2010/main" Requires="a14">
+      <mc:AlternateContent xmlns:mc="http://schemas.openxmlformats.org/markup-compatibility/2006" xmlns:a14="http://schemas.microsoft.com/office/drawing/2010/main">
+        <mc:Choice Requires="a14">
           <p:sp>
             <p:nvSpPr>
               <p:cNvPr id="3" name="備忘稿版面配置區 2"/>
@@ -4146,7 +4146,7 @@
             </p:txBody>
           </p:sp>
         </mc:Choice>
-        <mc:Fallback>
+        <mc:Fallback xmlns="">
           <p:sp>
             <p:nvSpPr>
               <p:cNvPr id="3" name="備忘稿版面配置區 2"/>
@@ -12537,8 +12537,8 @@
           </a:p>
         </p:txBody>
       </p:sp>
-      <mc:AlternateContent xmlns:mc="http://schemas.openxmlformats.org/markup-compatibility/2006">
-        <mc:Choice xmlns:a14="http://schemas.microsoft.com/office/drawing/2010/main" Requires="a14">
+      <mc:AlternateContent xmlns:mc="http://schemas.openxmlformats.org/markup-compatibility/2006" xmlns:a14="http://schemas.microsoft.com/office/drawing/2010/main">
+        <mc:Choice Requires="a14">
           <p:sp>
             <p:nvSpPr>
               <p:cNvPr id="3" name="內容版面配置區 2">
@@ -13025,7 +13025,7 @@
             </p:txBody>
           </p:sp>
         </mc:Choice>
-        <mc:Fallback>
+        <mc:Fallback xmlns="">
           <p:sp>
             <p:nvSpPr>
               <p:cNvPr id="3" name="內容版面配置區 2">
@@ -13159,8 +13159,8 @@
           </a:p>
         </p:txBody>
       </p:sp>
-      <mc:AlternateContent xmlns:mc="http://schemas.openxmlformats.org/markup-compatibility/2006">
-        <mc:Choice xmlns:a14="http://schemas.microsoft.com/office/drawing/2010/main" Requires="a14">
+      <mc:AlternateContent xmlns:mc="http://schemas.openxmlformats.org/markup-compatibility/2006" xmlns:a14="http://schemas.microsoft.com/office/drawing/2010/main">
+        <mc:Choice Requires="a14">
           <p:sp>
             <p:nvSpPr>
               <p:cNvPr id="3" name="內容版面配置區 2">
@@ -14396,7 +14396,7 @@
             </p:txBody>
           </p:sp>
         </mc:Choice>
-        <mc:Fallback>
+        <mc:Fallback xmlns="">
           <p:sp>
             <p:nvSpPr>
               <p:cNvPr id="3" name="內容版面配置區 2">
@@ -19032,7 +19032,7 @@
         <p:spPr>
           <a:xfrm>
             <a:off x="839645" y="1846585"/>
-            <a:ext cx="10512709" cy="2333529"/>
+            <a:ext cx="11037930" cy="2333529"/>
           </a:xfrm>
         </p:spPr>
         <p:txBody>
@@ -19051,6 +19051,97 @@
                 <a:cs typeface="Times" panose="02020603050405020304" pitchFamily="18" charset="0"/>
               </a:rPr>
               <a:t>Routing detour-imitating Routing Demand Expansion</a:t>
+            </a:r>
+          </a:p>
+          <a:p>
+            <a:pPr marL="514350" indent="-514350">
+              <a:buFont typeface="+mj-lt"/>
+              <a:buAutoNum type="arabicPeriod" startAt="3"/>
+            </a:pPr>
+            <a:endParaRPr lang="en-US" altLang="zh-TW" sz="400" dirty="0">
+              <a:latin typeface="Times" panose="02020603050405020304" pitchFamily="18" charset="0"/>
+              <a:cs typeface="Times" panose="02020603050405020304" pitchFamily="18" charset="0"/>
+            </a:endParaRPr>
+          </a:p>
+          <a:p>
+            <a:pPr lvl="1"/>
+            <a:r>
+              <a:rPr lang="en-US" altLang="zh-TW" sz="2000" dirty="0">
+                <a:latin typeface="Times" panose="02020603050405020304" pitchFamily="18" charset="0"/>
+                <a:cs typeface="Times" panose="02020603050405020304" pitchFamily="18" charset="0"/>
+              </a:rPr>
+              <a:t>For all congested I-shape two-point nets, they wilk try to transfer the original routing demand</a:t>
+            </a:r>
+          </a:p>
+          <a:p>
+            <a:pPr marL="457200" lvl="1" indent="0">
+              <a:buNone/>
+            </a:pPr>
+            <a:r>
+              <a:rPr lang="en-US" altLang="zh-TW" sz="2000" dirty="0">
+                <a:latin typeface="Times" panose="02020603050405020304" pitchFamily="18" charset="0"/>
+                <a:cs typeface="Times" panose="02020603050405020304" pitchFamily="18" charset="0"/>
+              </a:rPr>
+              <a:t>    to the surrounding region with sufficient routing resources</a:t>
+            </a:r>
+          </a:p>
+          <a:p>
+            <a:pPr marL="457200" lvl="1" indent="0">
+              <a:buNone/>
+            </a:pPr>
+            <a:endParaRPr lang="en-US" altLang="zh-TW" sz="400" dirty="0">
+              <a:latin typeface="Times" panose="02020603050405020304" pitchFamily="18" charset="0"/>
+              <a:cs typeface="Times" panose="02020603050405020304" pitchFamily="18" charset="0"/>
+            </a:endParaRPr>
+          </a:p>
+          <a:p>
+            <a:pPr marL="1257300" lvl="2" indent="-342900">
+              <a:buFont typeface="+mj-lt"/>
+              <a:buAutoNum type="arabicPeriod"/>
+            </a:pPr>
+            <a:r>
+              <a:rPr lang="en-US" altLang="zh-TW" sz="1800" dirty="0">
+                <a:latin typeface="Times" panose="02020603050405020304" pitchFamily="18" charset="0"/>
+                <a:cs typeface="Times" panose="02020603050405020304" pitchFamily="18" charset="0"/>
+              </a:rPr>
+              <a:t>If contain </a:t>
+            </a:r>
+            <a:r>
+              <a:rPr lang="en-US" altLang="zh-TW" sz="1800" dirty="0" err="1">
+                <a:latin typeface="Times" panose="02020603050405020304" pitchFamily="18" charset="0"/>
+                <a:cs typeface="Times" panose="02020603050405020304" pitchFamily="18" charset="0"/>
+              </a:rPr>
+              <a:t>steiner</a:t>
+            </a:r>
+            <a:r>
+              <a:rPr lang="en-US" altLang="zh-TW" sz="1800" dirty="0">
+                <a:latin typeface="Times" panose="02020603050405020304" pitchFamily="18" charset="0"/>
+                <a:cs typeface="Times" panose="02020603050405020304" pitchFamily="18" charset="0"/>
+              </a:rPr>
+              <a:t> point: add extra routing demand in the perpendicular direction (routing detour)</a:t>
+            </a:r>
+          </a:p>
+          <a:p>
+            <a:pPr marL="1257300" lvl="2" indent="-342900">
+              <a:buFont typeface="+mj-lt"/>
+              <a:buAutoNum type="arabicPeriod"/>
+            </a:pPr>
+            <a:endParaRPr lang="en-US" altLang="zh-TW" sz="400" dirty="0">
+              <a:latin typeface="Times" panose="02020603050405020304" pitchFamily="18" charset="0"/>
+              <a:cs typeface="Times" panose="02020603050405020304" pitchFamily="18" charset="0"/>
+            </a:endParaRPr>
+          </a:p>
+          <a:p>
+            <a:pPr marL="1257300" lvl="2" indent="-342900">
+              <a:buFont typeface="+mj-lt"/>
+              <a:buAutoNum type="arabicPeriod"/>
+            </a:pPr>
+            <a:r>
+              <a:rPr lang="en-US" altLang="zh-TW" sz="1800" dirty="0">
+                <a:latin typeface="Times" panose="02020603050405020304" pitchFamily="18" charset="0"/>
+                <a:cs typeface="Times" panose="02020603050405020304" pitchFamily="18" charset="0"/>
+              </a:rPr>
+              <a:t>If only pins: not necessary, because the cell can be moved (cell spreading)</a:t>
             </a:r>
           </a:p>
           <a:p>
@@ -19125,8 +19216,8 @@
         </p:blipFill>
         <p:spPr>
           <a:xfrm>
-            <a:off x="2671283" y="3013349"/>
-            <a:ext cx="6849431" cy="2953162"/>
+            <a:off x="3120519" y="3985341"/>
+            <a:ext cx="5950962" cy="2565783"/>
           </a:xfrm>
           <a:prstGeom prst="rect">
             <a:avLst/>
@@ -19480,8 +19571,8 @@
           </a:p>
         </p:txBody>
       </p:sp>
-      <mc:AlternateContent xmlns:mc="http://schemas.openxmlformats.org/markup-compatibility/2006">
-        <mc:Choice xmlns:a14="http://schemas.microsoft.com/office/drawing/2010/main" Requires="a14">
+      <mc:AlternateContent xmlns:mc="http://schemas.openxmlformats.org/markup-compatibility/2006" xmlns:a14="http://schemas.microsoft.com/office/drawing/2010/main">
+        <mc:Choice Requires="a14">
           <p:sp>
             <p:nvSpPr>
               <p:cNvPr id="3" name="內容版面配置區 2">
@@ -19962,7 +20053,7 @@
             </p:txBody>
           </p:sp>
         </mc:Choice>
-        <mc:Fallback>
+        <mc:Fallback xmlns="">
           <p:sp>
             <p:nvSpPr>
               <p:cNvPr id="3" name="內容版面配置區 2">
@@ -20469,8 +20560,8 @@
           </a:p>
         </p:txBody>
       </p:sp>
-      <mc:AlternateContent xmlns:mc="http://schemas.openxmlformats.org/markup-compatibility/2006">
-        <mc:Choice xmlns:a14="http://schemas.microsoft.com/office/drawing/2010/main" Requires="a14">
+      <mc:AlternateContent xmlns:mc="http://schemas.openxmlformats.org/markup-compatibility/2006" xmlns:a14="http://schemas.microsoft.com/office/drawing/2010/main">
+        <mc:Choice Requires="a14">
           <p:sp>
             <p:nvSpPr>
               <p:cNvPr id="3" name="內容版面配置區 2">
@@ -21497,7 +21588,7 @@
             </p:txBody>
           </p:sp>
         </mc:Choice>
-        <mc:Fallback>
+        <mc:Fallback xmlns="">
           <p:sp>
             <p:nvSpPr>
               <p:cNvPr id="3" name="內容版面配置區 2">
@@ -24941,8 +25032,8 @@
           </a:p>
         </p:txBody>
       </p:sp>
-      <mc:AlternateContent xmlns:mc="http://schemas.openxmlformats.org/markup-compatibility/2006">
-        <mc:Choice xmlns:a14="http://schemas.microsoft.com/office/drawing/2010/main" Requires="a14">
+      <mc:AlternateContent xmlns:mc="http://schemas.openxmlformats.org/markup-compatibility/2006" xmlns:a14="http://schemas.microsoft.com/office/drawing/2010/main">
+        <mc:Choice Requires="a14">
           <p:sp>
             <p:nvSpPr>
               <p:cNvPr id="3" name="內容版面配置區 2">
@@ -25467,7 +25558,7 @@
             </p:txBody>
           </p:sp>
         </mc:Choice>
-        <mc:Fallback>
+        <mc:Fallback xmlns="">
           <p:sp>
             <p:nvSpPr>
               <p:cNvPr id="3" name="內容版面配置區 2">
@@ -25638,8 +25729,8 @@
           </a:p>
         </p:txBody>
       </p:sp>
-      <mc:AlternateContent xmlns:mc="http://schemas.openxmlformats.org/markup-compatibility/2006">
-        <mc:Choice xmlns:a14="http://schemas.microsoft.com/office/drawing/2010/main" Requires="a14">
+      <mc:AlternateContent xmlns:mc="http://schemas.openxmlformats.org/markup-compatibility/2006" xmlns:a14="http://schemas.microsoft.com/office/drawing/2010/main">
+        <mc:Choice Requires="a14">
           <p:sp>
             <p:nvSpPr>
               <p:cNvPr id="3" name="內容版面配置區 2">
@@ -25946,7 +26037,7 @@
             </p:txBody>
           </p:sp>
         </mc:Choice>
-        <mc:Fallback>
+        <mc:Fallback xmlns="">
           <p:sp>
             <p:nvSpPr>
               <p:cNvPr id="3" name="內容版面配置區 2">
@@ -26117,8 +26208,8 @@
           </a:p>
         </p:txBody>
       </p:sp>
-      <mc:AlternateContent xmlns:mc="http://schemas.openxmlformats.org/markup-compatibility/2006">
-        <mc:Choice xmlns:a14="http://schemas.microsoft.com/office/drawing/2010/main" Requires="a14">
+      <mc:AlternateContent xmlns:mc="http://schemas.openxmlformats.org/markup-compatibility/2006" xmlns:a14="http://schemas.microsoft.com/office/drawing/2010/main">
+        <mc:Choice Requires="a14">
           <p:sp>
             <p:nvSpPr>
               <p:cNvPr id="3" name="內容版面配置區 2">
@@ -26611,7 +26702,7 @@
             </p:txBody>
           </p:sp>
         </mc:Choice>
-        <mc:Fallback>
+        <mc:Fallback xmlns="">
           <p:sp>
             <p:nvSpPr>
               <p:cNvPr id="3" name="內容版面配置區 2">
@@ -27517,8 +27608,8 @@
           </a:p>
         </p:txBody>
       </p:sp>
-      <mc:AlternateContent xmlns:mc="http://schemas.openxmlformats.org/markup-compatibility/2006">
-        <mc:Choice xmlns:a14="http://schemas.microsoft.com/office/drawing/2010/main" Requires="a14">
+      <mc:AlternateContent xmlns:mc="http://schemas.openxmlformats.org/markup-compatibility/2006" xmlns:a14="http://schemas.microsoft.com/office/drawing/2010/main">
+        <mc:Choice Requires="a14">
           <p:sp>
             <p:nvSpPr>
               <p:cNvPr id="3" name="內容版面配置區 2">
@@ -28014,7 +28105,7 @@
             </p:txBody>
           </p:sp>
         </mc:Choice>
-        <mc:Fallback>
+        <mc:Fallback xmlns="">
           <p:sp>
             <p:nvSpPr>
               <p:cNvPr id="3" name="內容版面配置區 2">
@@ -33324,7 +33415,7 @@
                 <a:latin typeface="Times" panose="02020603050405020304" pitchFamily="18" charset="0"/>
                 <a:cs typeface="Times" panose="02020603050405020304" pitchFamily="18" charset="0"/>
               </a:rPr>
-              <a:t> optimizer.</a:t>
+              <a:t> optimizer:</a:t>
             </a:r>
           </a:p>
           <a:p>
@@ -34077,8 +34168,8 @@
           </a:p>
         </p:txBody>
       </p:sp>
-      <mc:AlternateContent xmlns:mc="http://schemas.openxmlformats.org/markup-compatibility/2006">
-        <mc:Choice xmlns:a14="http://schemas.microsoft.com/office/drawing/2010/main" Requires="a14">
+      <mc:AlternateContent xmlns:mc="http://schemas.openxmlformats.org/markup-compatibility/2006" xmlns:a14="http://schemas.microsoft.com/office/drawing/2010/main">
+        <mc:Choice Requires="a14">
           <p:sp>
             <p:nvSpPr>
               <p:cNvPr id="3" name="內容版面配置區 2">
@@ -34770,7 +34861,7 @@
             </p:txBody>
           </p:sp>
         </mc:Choice>
-        <mc:Fallback>
+        <mc:Fallback xmlns="">
           <p:sp>
             <p:nvSpPr>
               <p:cNvPr id="3" name="內容版面配置區 2">

--- a/GM/Placement/PUFFER A Routability-Driven Placement Framework via Cell Padding/PUFFER A Routability-Driven Placement Framework via Cell Padding.pptx
+++ b/GM/Placement/PUFFER A Routability-Driven Placement Framework via Cell Padding/PUFFER A Routability-Driven Placement Framework via Cell Padding.pptx
@@ -1499,7 +1499,7 @@
           <a:p>
             <a:fld id="{C9ED61FB-B9B0-4D85-A72E-A614C28ECC4E}" type="datetimeFigureOut">
               <a:rPr lang="en-US" smtClean="0"/>
-              <a:t>10/23/2023</a:t>
+              <a:t>10/24/2023</a:t>
             </a:fld>
             <a:endParaRPr lang="en-US"/>
           </a:p>
@@ -4786,6 +4786,15 @@
               </a:rPr>
               <a:t>才會觸發</a:t>
             </a:r>
+            <a:endParaRPr lang="en-US" altLang="zh-TW" sz="1800" b="0" i="0" u="none" strike="noStrike" baseline="0" dirty="0">
+              <a:latin typeface="CMMI9"/>
+            </a:endParaRPr>
+          </a:p>
+          <a:p>
+            <a:pPr marL="342900" indent="-342900" algn="l">
+              <a:buFont typeface="+mj-lt"/>
+              <a:buAutoNum type="arabicPeriod"/>
+            </a:pPr>
             <a:endParaRPr lang="en-US" altLang="zh-TW" sz="1800" b="0" i="0" u="none" strike="noStrike" baseline="0" dirty="0">
               <a:latin typeface="CMMI9"/>
             </a:endParaRPr>
@@ -8731,7 +8740,7 @@
           <a:p>
             <a:fld id="{99BA7BAB-F69F-4C21-8D40-7AA273A2D01F}" type="datetime1">
               <a:rPr lang="en-US" smtClean="0"/>
-              <a:t>10/23/2023</a:t>
+              <a:t>10/24/2023</a:t>
             </a:fld>
             <a:endParaRPr lang="en-US"/>
           </a:p>
@@ -8936,7 +8945,7 @@
           <a:p>
             <a:fld id="{FB00A8EC-4678-43EE-BE64-F312B7F1A46F}" type="datetime1">
               <a:rPr lang="en-US" smtClean="0"/>
-              <a:t>10/23/2023</a:t>
+              <a:t>10/24/2023</a:t>
             </a:fld>
             <a:endParaRPr lang="en-US"/>
           </a:p>
@@ -9144,7 +9153,7 @@
           <a:p>
             <a:fld id="{9487F23D-EA8F-4C56-9373-23F6109AD11F}" type="datetime1">
               <a:rPr lang="en-US" smtClean="0"/>
-              <a:t>10/23/2023</a:t>
+              <a:t>10/24/2023</a:t>
             </a:fld>
             <a:endParaRPr lang="en-US"/>
           </a:p>
@@ -9342,7 +9351,7 @@
           <a:p>
             <a:fld id="{A34E716E-0239-4A81-9CF4-D3B9651721CF}" type="datetime1">
               <a:rPr lang="en-US" smtClean="0"/>
-              <a:t>10/23/2023</a:t>
+              <a:t>10/24/2023</a:t>
             </a:fld>
             <a:endParaRPr lang="en-US"/>
           </a:p>
@@ -9624,7 +9633,7 @@
           <a:p>
             <a:fld id="{CC112E56-3D97-4B86-935C-1C493DD86A08}" type="datetime1">
               <a:rPr lang="en-US" smtClean="0"/>
-              <a:t>10/23/2023</a:t>
+              <a:t>10/24/2023</a:t>
             </a:fld>
             <a:endParaRPr lang="en-US"/>
           </a:p>
@@ -9889,7 +9898,7 @@
           <a:p>
             <a:fld id="{40649135-BABF-4F63-9AF8-3CEC545E47DC}" type="datetime1">
               <a:rPr lang="en-US" smtClean="0"/>
-              <a:t>10/23/2023</a:t>
+              <a:t>10/24/2023</a:t>
             </a:fld>
             <a:endParaRPr lang="en-US"/>
           </a:p>
@@ -10301,7 +10310,7 @@
           <a:p>
             <a:fld id="{B16EBC02-C9C0-442D-A8A6-494057203542}" type="datetime1">
               <a:rPr lang="en-US" smtClean="0"/>
-              <a:t>10/23/2023</a:t>
+              <a:t>10/24/2023</a:t>
             </a:fld>
             <a:endParaRPr lang="en-US"/>
           </a:p>
@@ -10442,7 +10451,7 @@
           <a:p>
             <a:fld id="{A126C4B4-559D-414E-BC9C-16A745BBF3C3}" type="datetime1">
               <a:rPr lang="en-US" smtClean="0"/>
-              <a:t>10/23/2023</a:t>
+              <a:t>10/24/2023</a:t>
             </a:fld>
             <a:endParaRPr lang="en-US"/>
           </a:p>
@@ -10555,7 +10564,7 @@
           <a:p>
             <a:fld id="{0D49D49E-73A5-4C03-BFEA-3D845EB044D8}" type="datetime1">
               <a:rPr lang="en-US" smtClean="0"/>
-              <a:t>10/23/2023</a:t>
+              <a:t>10/24/2023</a:t>
             </a:fld>
             <a:endParaRPr lang="en-US"/>
           </a:p>
@@ -10866,7 +10875,7 @@
           <a:p>
             <a:fld id="{4A0F93E6-3134-410C-B573-A5F6B38FC346}" type="datetime1">
               <a:rPr lang="en-US" smtClean="0"/>
-              <a:t>10/23/2023</a:t>
+              <a:t>10/24/2023</a:t>
             </a:fld>
             <a:endParaRPr lang="en-US"/>
           </a:p>
@@ -11154,7 +11163,7 @@
           <a:p>
             <a:fld id="{F766E70F-5320-45A5-BE33-1819A93C2AF4}" type="datetime1">
               <a:rPr lang="en-US" smtClean="0"/>
-              <a:t>10/23/2023</a:t>
+              <a:t>10/24/2023</a:t>
             </a:fld>
             <a:endParaRPr lang="en-US"/>
           </a:p>
@@ -11395,7 +11404,7 @@
           <a:p>
             <a:fld id="{A706458B-0289-40FF-A02D-2C541B7F1CB6}" type="datetime1">
               <a:rPr lang="en-US" smtClean="0"/>
-              <a:t>10/23/2023</a:t>
+              <a:t>10/24/2023</a:t>
             </a:fld>
             <a:endParaRPr lang="en-US"/>
           </a:p>
@@ -26208,8 +26217,8 @@
           </a:p>
         </p:txBody>
       </p:sp>
-      <mc:AlternateContent xmlns:mc="http://schemas.openxmlformats.org/markup-compatibility/2006" xmlns:a14="http://schemas.microsoft.com/office/drawing/2010/main">
-        <mc:Choice Requires="a14">
+      <mc:AlternateContent xmlns:mc="http://schemas.openxmlformats.org/markup-compatibility/2006">
+        <mc:Choice xmlns:a14="http://schemas.microsoft.com/office/drawing/2010/main" Requires="a14">
           <p:sp>
             <p:nvSpPr>
               <p:cNvPr id="3" name="內容版面配置區 2">
@@ -26300,7 +26309,41 @@
                     <a:ea typeface="新細明體" panose="02020500000000000000" pitchFamily="18" charset="-120"/>
                     <a:cs typeface="Times" panose="02020603050405020304" pitchFamily="18" charset="0"/>
                   </a:rPr>
-                  <a:t>If a cell have non-positive padding, it should go through the recycling process to </a:t>
+                  <a:t>If a cell have non-positive padding, it should go through the </a:t>
+                </a:r>
+                <a:r>
+                  <a:rPr kumimoji="0" lang="en-US" altLang="zh-TW" sz="2200" b="1" i="0" u="none" strike="noStrike" kern="1200" cap="none" spc="0" normalizeH="0" baseline="0" noProof="0" dirty="0">
+                    <a:ln>
+                      <a:noFill/>
+                    </a:ln>
+                    <a:solidFill>
+                      <a:prstClr val="black"/>
+                    </a:solidFill>
+                    <a:effectLst/>
+                    <a:uLnTx/>
+                    <a:uFillTx/>
+                    <a:latin typeface="Times" panose="02020603050405020304" pitchFamily="18" charset="0"/>
+                    <a:ea typeface="新細明體" panose="02020500000000000000" pitchFamily="18" charset="-120"/>
+                    <a:cs typeface="Times" panose="02020603050405020304" pitchFamily="18" charset="0"/>
+                  </a:rPr>
+                  <a:t>recycling process</a:t>
+                </a:r>
+                <a:r>
+                  <a:rPr kumimoji="0" lang="en-US" altLang="zh-TW" sz="2200" b="0" i="0" u="none" strike="noStrike" kern="1200" cap="none" spc="0" normalizeH="0" baseline="0" noProof="0" dirty="0">
+                    <a:ln>
+                      <a:noFill/>
+                    </a:ln>
+                    <a:solidFill>
+                      <a:prstClr val="black"/>
+                    </a:solidFill>
+                    <a:effectLst/>
+                    <a:uLnTx/>
+                    <a:uFillTx/>
+                    <a:latin typeface="Times" panose="02020603050405020304" pitchFamily="18" charset="0"/>
+                    <a:ea typeface="新細明體" panose="02020500000000000000" pitchFamily="18" charset="-120"/>
+                    <a:cs typeface="Times" panose="02020603050405020304" pitchFamily="18" charset="0"/>
+                  </a:rPr>
+                  <a:t> to </a:t>
                 </a:r>
                 <a:r>
                   <a:rPr kumimoji="0" lang="zh-TW" altLang="en-US" sz="2200" b="0" i="0" u="none" strike="noStrike" kern="1200" cap="none" spc="0" normalizeH="0" baseline="0" noProof="0" dirty="0">
@@ -26334,7 +26377,41 @@
                     <a:ea typeface="新細明體" panose="02020500000000000000" pitchFamily="18" charset="-120"/>
                     <a:cs typeface="Times" panose="02020603050405020304" pitchFamily="18" charset="0"/>
                   </a:rPr>
-                  <a:t>withdraw a part of history padding.</a:t>
+                  <a:t>withdraw a </a:t>
+                </a:r>
+                <a:r>
+                  <a:rPr kumimoji="0" lang="en-US" altLang="zh-TW" sz="2200" b="1" i="0" u="none" strike="noStrike" kern="1200" cap="none" spc="0" normalizeH="0" baseline="0" noProof="0" dirty="0">
+                    <a:ln>
+                      <a:noFill/>
+                    </a:ln>
+                    <a:solidFill>
+                      <a:prstClr val="black"/>
+                    </a:solidFill>
+                    <a:effectLst/>
+                    <a:uLnTx/>
+                    <a:uFillTx/>
+                    <a:latin typeface="Times" panose="02020603050405020304" pitchFamily="18" charset="0"/>
+                    <a:ea typeface="新細明體" panose="02020500000000000000" pitchFamily="18" charset="-120"/>
+                    <a:cs typeface="Times" panose="02020603050405020304" pitchFamily="18" charset="0"/>
+                  </a:rPr>
+                  <a:t>part of history padding</a:t>
+                </a:r>
+                <a:r>
+                  <a:rPr kumimoji="0" lang="en-US" altLang="zh-TW" sz="2200" b="0" i="0" u="none" strike="noStrike" kern="1200" cap="none" spc="0" normalizeH="0" baseline="0" noProof="0" dirty="0">
+                    <a:ln>
+                      <a:noFill/>
+                    </a:ln>
+                    <a:solidFill>
+                      <a:prstClr val="black"/>
+                    </a:solidFill>
+                    <a:effectLst/>
+                    <a:uLnTx/>
+                    <a:uFillTx/>
+                    <a:latin typeface="Times" panose="02020603050405020304" pitchFamily="18" charset="0"/>
+                    <a:ea typeface="新細明體" panose="02020500000000000000" pitchFamily="18" charset="-120"/>
+                    <a:cs typeface="Times" panose="02020603050405020304" pitchFamily="18" charset="0"/>
+                  </a:rPr>
+                  <a:t>.</a:t>
                 </a:r>
                 <a:endParaRPr lang="en-US" altLang="zh-TW" sz="2200" dirty="0">
                   <a:latin typeface="Times" panose="02020603050405020304" pitchFamily="18" charset="0"/>
@@ -26702,7 +26779,7 @@
             </p:txBody>
           </p:sp>
         </mc:Choice>
-        <mc:Fallback xmlns="">
+        <mc:Fallback>
           <p:sp>
             <p:nvSpPr>
               <p:cNvPr id="3" name="內容版面配置區 2">
@@ -33393,6 +33470,20 @@
               </a:rPr>
               <a:t>Non-linear placement.</a:t>
             </a:r>
+          </a:p>
+          <a:p>
+            <a:pPr lvl="2"/>
+            <a:r>
+              <a:rPr lang="en-US" altLang="zh-TW" sz="1800" dirty="0" err="1">
+                <a:latin typeface="Times" panose="02020603050405020304" pitchFamily="18" charset="0"/>
+                <a:cs typeface="Times" panose="02020603050405020304" pitchFamily="18" charset="0"/>
+              </a:rPr>
+              <a:t>ePlace</a:t>
+            </a:r>
+            <a:endParaRPr lang="en-US" altLang="zh-TW" sz="1800" dirty="0">
+              <a:latin typeface="Times" panose="02020603050405020304" pitchFamily="18" charset="0"/>
+              <a:cs typeface="Times" panose="02020603050405020304" pitchFamily="18" charset="0"/>
+            </a:endParaRPr>
           </a:p>
           <a:p>
             <a:pPr lvl="2"/>

--- a/GM/Placement/PUFFER A Routability-Driven Placement Framework via Cell Padding/PUFFER A Routability-Driven Placement Framework via Cell Padding.pptx
+++ b/GM/Placement/PUFFER A Routability-Driven Placement Framework via Cell Padding/PUFFER A Routability-Driven Placement Framework via Cell Padding.pptx
@@ -5,7 +5,7 @@
     <p:sldMasterId id="2147483648" r:id="rId1"/>
   </p:sldMasterIdLst>
   <p:notesMasterIdLst>
-    <p:notesMasterId r:id="rId49"/>
+    <p:notesMasterId r:id="rId50"/>
   </p:notesMasterIdLst>
   <p:sldIdLst>
     <p:sldId id="256" r:id="rId2"/>
@@ -20,41 +20,42 @@
     <p:sldId id="304" r:id="rId11"/>
     <p:sldId id="305" r:id="rId12"/>
     <p:sldId id="306" r:id="rId13"/>
-    <p:sldId id="307" r:id="rId14"/>
-    <p:sldId id="338" r:id="rId15"/>
-    <p:sldId id="308" r:id="rId16"/>
-    <p:sldId id="339" r:id="rId17"/>
-    <p:sldId id="319" r:id="rId18"/>
-    <p:sldId id="309" r:id="rId19"/>
-    <p:sldId id="310" r:id="rId20"/>
-    <p:sldId id="311" r:id="rId21"/>
-    <p:sldId id="340" r:id="rId22"/>
-    <p:sldId id="312" r:id="rId23"/>
-    <p:sldId id="314" r:id="rId24"/>
-    <p:sldId id="320" r:id="rId25"/>
-    <p:sldId id="313" r:id="rId26"/>
-    <p:sldId id="315" r:id="rId27"/>
-    <p:sldId id="316" r:id="rId28"/>
-    <p:sldId id="322" r:id="rId29"/>
-    <p:sldId id="317" r:id="rId30"/>
-    <p:sldId id="323" r:id="rId31"/>
-    <p:sldId id="324" r:id="rId32"/>
-    <p:sldId id="341" r:id="rId33"/>
-    <p:sldId id="326" r:id="rId34"/>
-    <p:sldId id="344" r:id="rId35"/>
-    <p:sldId id="327" r:id="rId36"/>
-    <p:sldId id="325" r:id="rId37"/>
-    <p:sldId id="342" r:id="rId38"/>
-    <p:sldId id="328" r:id="rId39"/>
-    <p:sldId id="329" r:id="rId40"/>
-    <p:sldId id="343" r:id="rId41"/>
-    <p:sldId id="331" r:id="rId42"/>
-    <p:sldId id="332" r:id="rId43"/>
-    <p:sldId id="333" r:id="rId44"/>
-    <p:sldId id="334" r:id="rId45"/>
-    <p:sldId id="335" r:id="rId46"/>
-    <p:sldId id="298" r:id="rId47"/>
-    <p:sldId id="345" r:id="rId48"/>
+    <p:sldId id="346" r:id="rId14"/>
+    <p:sldId id="307" r:id="rId15"/>
+    <p:sldId id="338" r:id="rId16"/>
+    <p:sldId id="308" r:id="rId17"/>
+    <p:sldId id="339" r:id="rId18"/>
+    <p:sldId id="319" r:id="rId19"/>
+    <p:sldId id="309" r:id="rId20"/>
+    <p:sldId id="310" r:id="rId21"/>
+    <p:sldId id="311" r:id="rId22"/>
+    <p:sldId id="340" r:id="rId23"/>
+    <p:sldId id="312" r:id="rId24"/>
+    <p:sldId id="314" r:id="rId25"/>
+    <p:sldId id="320" r:id="rId26"/>
+    <p:sldId id="313" r:id="rId27"/>
+    <p:sldId id="315" r:id="rId28"/>
+    <p:sldId id="316" r:id="rId29"/>
+    <p:sldId id="322" r:id="rId30"/>
+    <p:sldId id="317" r:id="rId31"/>
+    <p:sldId id="323" r:id="rId32"/>
+    <p:sldId id="324" r:id="rId33"/>
+    <p:sldId id="341" r:id="rId34"/>
+    <p:sldId id="326" r:id="rId35"/>
+    <p:sldId id="344" r:id="rId36"/>
+    <p:sldId id="327" r:id="rId37"/>
+    <p:sldId id="325" r:id="rId38"/>
+    <p:sldId id="342" r:id="rId39"/>
+    <p:sldId id="328" r:id="rId40"/>
+    <p:sldId id="329" r:id="rId41"/>
+    <p:sldId id="343" r:id="rId42"/>
+    <p:sldId id="331" r:id="rId43"/>
+    <p:sldId id="332" r:id="rId44"/>
+    <p:sldId id="333" r:id="rId45"/>
+    <p:sldId id="334" r:id="rId46"/>
+    <p:sldId id="335" r:id="rId47"/>
+    <p:sldId id="298" r:id="rId48"/>
+    <p:sldId id="345" r:id="rId49"/>
   </p:sldIdLst>
   <p:sldSz cx="12192000" cy="6858000"/>
   <p:notesSz cx="6858000" cy="9144000"/>
@@ -2019,7 +2020,7 @@
           <a:p>
             <a:fld id="{9D457EAB-1485-47AD-BEAD-484FAEBF5A54}" type="slidenum">
               <a:rPr lang="en-US" smtClean="0"/>
-              <a:t>14</a:t>
+              <a:t>15</a:t>
             </a:fld>
             <a:endParaRPr lang="en-US"/>
           </a:p>
@@ -2352,7 +2353,7 @@
           <a:p>
             <a:fld id="{9D457EAB-1485-47AD-BEAD-484FAEBF5A54}" type="slidenum">
               <a:rPr lang="en-US" smtClean="0"/>
-              <a:t>17</a:t>
+              <a:t>18</a:t>
             </a:fld>
             <a:endParaRPr lang="en-US"/>
           </a:p>
@@ -2715,7 +2716,7 @@
           <a:p>
             <a:fld id="{9D457EAB-1485-47AD-BEAD-484FAEBF5A54}" type="slidenum">
               <a:rPr lang="en-US" smtClean="0"/>
-              <a:t>18</a:t>
+              <a:t>19</a:t>
             </a:fld>
             <a:endParaRPr lang="en-US"/>
           </a:p>
@@ -2782,6 +2783,24 @@
               <a:buFont typeface="Arial" panose="020B0604020202020204" pitchFamily="34" charset="0"/>
               <a:buChar char="•"/>
             </a:pPr>
+            <a:r>
+              <a:rPr lang="zh-TW" altLang="en-US" sz="1800" b="0" i="0" u="none" strike="noStrike" baseline="0" dirty="0">
+                <a:latin typeface="CMMI9"/>
+              </a:rPr>
+              <a:t>做完這些就會得到</a:t>
+            </a:r>
+            <a:r>
+              <a:rPr lang="en-US" altLang="zh-TW" sz="1800" b="0" i="0" u="none" strike="noStrike" baseline="0" dirty="0">
+                <a:latin typeface="CMMI9"/>
+              </a:rPr>
+              <a:t>congestion map</a:t>
+            </a:r>
+            <a:r>
+              <a:rPr lang="zh-TW" altLang="en-US" sz="1800" b="0" i="0" u="none" strike="noStrike" baseline="0" dirty="0">
+                <a:latin typeface="CMMI9"/>
+              </a:rPr>
+              <a:t>了</a:t>
+            </a:r>
             <a:endParaRPr lang="en-US" altLang="zh-TW" sz="1800" b="0" i="0" u="none" strike="noStrike" baseline="0" dirty="0">
               <a:latin typeface="CMMI9"/>
             </a:endParaRPr>
@@ -2805,7 +2824,7 @@
           <a:p>
             <a:fld id="{9D457EAB-1485-47AD-BEAD-484FAEBF5A54}" type="slidenum">
               <a:rPr lang="en-US" smtClean="0"/>
-              <a:t>19</a:t>
+              <a:t>20</a:t>
             </a:fld>
             <a:endParaRPr lang="en-US"/>
           </a:p>
@@ -2931,7 +2950,7 @@
           <a:p>
             <a:fld id="{9D457EAB-1485-47AD-BEAD-484FAEBF5A54}" type="slidenum">
               <a:rPr lang="en-US" smtClean="0"/>
-              <a:t>21</a:t>
+              <a:t>22</a:t>
             </a:fld>
             <a:endParaRPr lang="en-US"/>
           </a:p>
@@ -3126,7 +3145,7 @@
           <a:p>
             <a:fld id="{9D457EAB-1485-47AD-BEAD-484FAEBF5A54}" type="slidenum">
               <a:rPr lang="en-US" smtClean="0"/>
-              <a:t>22</a:t>
+              <a:t>23</a:t>
             </a:fld>
             <a:endParaRPr lang="en-US"/>
           </a:p>
@@ -3216,7 +3235,7 @@
           <a:p>
             <a:fld id="{9D457EAB-1485-47AD-BEAD-484FAEBF5A54}" type="slidenum">
               <a:rPr lang="en-US" smtClean="0"/>
-              <a:t>23</a:t>
+              <a:t>24</a:t>
             </a:fld>
             <a:endParaRPr lang="en-US"/>
           </a:p>
@@ -3405,7 +3424,7 @@
           <a:p>
             <a:fld id="{9D457EAB-1485-47AD-BEAD-484FAEBF5A54}" type="slidenum">
               <a:rPr lang="en-US" smtClean="0"/>
-              <a:t>24</a:t>
+              <a:t>25</a:t>
             </a:fld>
             <a:endParaRPr lang="en-US"/>
           </a:p>
@@ -3600,7 +3619,7 @@
           <a:p>
             <a:fld id="{9D457EAB-1485-47AD-BEAD-484FAEBF5A54}" type="slidenum">
               <a:rPr lang="en-US" smtClean="0"/>
-              <a:t>25</a:t>
+              <a:t>26</a:t>
             </a:fld>
             <a:endParaRPr lang="en-US"/>
           </a:p>
@@ -3778,7 +3797,7 @@
           <a:p>
             <a:fld id="{9D457EAB-1485-47AD-BEAD-484FAEBF5A54}" type="slidenum">
               <a:rPr lang="en-US" smtClean="0"/>
-              <a:t>26</a:t>
+              <a:t>27</a:t>
             </a:fld>
             <a:endParaRPr lang="en-US"/>
           </a:p>
@@ -3952,7 +3971,7 @@
           <a:p>
             <a:fld id="{9D457EAB-1485-47AD-BEAD-484FAEBF5A54}" type="slidenum">
               <a:rPr lang="en-US" smtClean="0"/>
-              <a:t>27</a:t>
+              <a:t>28</a:t>
             </a:fld>
             <a:endParaRPr lang="en-US"/>
           </a:p>
@@ -4305,7 +4324,7 @@
           <a:p>
             <a:fld id="{9D457EAB-1485-47AD-BEAD-484FAEBF5A54}" type="slidenum">
               <a:rPr lang="en-US" smtClean="0"/>
-              <a:t>28</a:t>
+              <a:t>29</a:t>
             </a:fld>
             <a:endParaRPr lang="en-US"/>
           </a:p>
@@ -4701,7 +4720,7 @@
           <a:p>
             <a:fld id="{9D457EAB-1485-47AD-BEAD-484FAEBF5A54}" type="slidenum">
               <a:rPr lang="en-US" smtClean="0"/>
-              <a:t>29</a:t>
+              <a:t>30</a:t>
             </a:fld>
             <a:endParaRPr lang="en-US"/>
           </a:p>
@@ -4818,7 +4837,7 @@
           <a:p>
             <a:fld id="{9D457EAB-1485-47AD-BEAD-484FAEBF5A54}" type="slidenum">
               <a:rPr lang="en-US" smtClean="0"/>
-              <a:t>30</a:t>
+              <a:t>31</a:t>
             </a:fld>
             <a:endParaRPr lang="en-US"/>
           </a:p>
@@ -4908,7 +4927,7 @@
           <a:p>
             <a:fld id="{9D457EAB-1485-47AD-BEAD-484FAEBF5A54}" type="slidenum">
               <a:rPr lang="en-US" smtClean="0"/>
-              <a:t>32</a:t>
+              <a:t>33</a:t>
             </a:fld>
             <a:endParaRPr lang="en-US"/>
           </a:p>
@@ -4998,7 +5017,7 @@
           <a:p>
             <a:fld id="{9D457EAB-1485-47AD-BEAD-484FAEBF5A54}" type="slidenum">
               <a:rPr lang="en-US" smtClean="0"/>
-              <a:t>33</a:t>
+              <a:t>34</a:t>
             </a:fld>
             <a:endParaRPr lang="en-US"/>
           </a:p>
@@ -5453,7 +5472,7 @@
           <a:p>
             <a:fld id="{9D457EAB-1485-47AD-BEAD-484FAEBF5A54}" type="slidenum">
               <a:rPr lang="en-US" smtClean="0"/>
-              <a:t>34</a:t>
+              <a:t>35</a:t>
             </a:fld>
             <a:endParaRPr lang="en-US"/>
           </a:p>
@@ -5792,7 +5811,7 @@
           <a:p>
             <a:fld id="{9D457EAB-1485-47AD-BEAD-484FAEBF5A54}" type="slidenum">
               <a:rPr lang="en-US" smtClean="0"/>
-              <a:t>35</a:t>
+              <a:t>36</a:t>
             </a:fld>
             <a:endParaRPr lang="en-US"/>
           </a:p>
@@ -5939,7 +5958,7 @@
           <a:p>
             <a:fld id="{9D457EAB-1485-47AD-BEAD-484FAEBF5A54}" type="slidenum">
               <a:rPr lang="en-US" smtClean="0"/>
-              <a:t>37</a:t>
+              <a:t>38</a:t>
             </a:fld>
             <a:endParaRPr lang="en-US"/>
           </a:p>
@@ -6335,7 +6354,7 @@
           <a:p>
             <a:fld id="{9D457EAB-1485-47AD-BEAD-484FAEBF5A54}" type="slidenum">
               <a:rPr lang="en-US" smtClean="0"/>
-              <a:t>38</a:t>
+              <a:t>39</a:t>
             </a:fld>
             <a:endParaRPr lang="en-US"/>
           </a:p>
@@ -6855,7 +6874,7 @@
           <a:p>
             <a:fld id="{9D457EAB-1485-47AD-BEAD-484FAEBF5A54}" type="slidenum">
               <a:rPr lang="en-US" smtClean="0"/>
-              <a:t>40</a:t>
+              <a:t>41</a:t>
             </a:fld>
             <a:endParaRPr lang="en-US"/>
           </a:p>
@@ -6963,7 +6982,7 @@
           <a:p>
             <a:fld id="{9D457EAB-1485-47AD-BEAD-484FAEBF5A54}" type="slidenum">
               <a:rPr lang="en-US" smtClean="0"/>
-              <a:t>41</a:t>
+              <a:t>42</a:t>
             </a:fld>
             <a:endParaRPr lang="en-US"/>
           </a:p>
@@ -7359,7 +7378,7 @@
           <a:p>
             <a:fld id="{9D457EAB-1485-47AD-BEAD-484FAEBF5A54}" type="slidenum">
               <a:rPr lang="en-US" smtClean="0"/>
-              <a:t>42</a:t>
+              <a:t>43</a:t>
             </a:fld>
             <a:endParaRPr lang="en-US"/>
           </a:p>
@@ -7452,7 +7471,7 @@
           <a:p>
             <a:fld id="{9D457EAB-1485-47AD-BEAD-484FAEBF5A54}" type="slidenum">
               <a:rPr lang="en-US" smtClean="0"/>
-              <a:t>43</a:t>
+              <a:t>44</a:t>
             </a:fld>
             <a:endParaRPr lang="en-US"/>
           </a:p>
@@ -7545,7 +7564,7 @@
           <a:p>
             <a:fld id="{9D457EAB-1485-47AD-BEAD-484FAEBF5A54}" type="slidenum">
               <a:rPr lang="en-US" smtClean="0"/>
-              <a:t>44</a:t>
+              <a:t>45</a:t>
             </a:fld>
             <a:endParaRPr lang="en-US"/>
           </a:p>
@@ -7943,7 +7962,7 @@
                   <a:srgbClr val="FF0000"/>
                 </a:solidFill>
               </a:rPr>
-              <a:t>* * * * * After doing global routing, </a:t>
+              <a:t>* * * * * After doing global Placement, </a:t>
             </a:r>
             <a:r>
               <a:rPr lang="en-US" altLang="zh-TW" sz="1800" b="1" i="0" u="none" strike="noStrike" baseline="0" dirty="0">
@@ -8062,8 +8081,8 @@
                   </a:rPr>
                   <a:t> 靜電</a:t>
                 </a:r>
-                <a:endParaRPr lang="en-US" altLang="zh-TW" sz="1200" i="1" dirty="0">
-                  <a:latin typeface="Cambria Math" panose="02040503050406030204" pitchFamily="18" charset="0"/>
+                <a:endParaRPr lang="en-US" altLang="zh-TW" sz="1200" dirty="0">
+                  <a:latin typeface="Times" panose="02020603050405020304" pitchFamily="18" charset="0"/>
                   <a:cs typeface="Times" panose="02020603050405020304" pitchFamily="18" charset="0"/>
                 </a:endParaRPr>
               </a:p>
@@ -8072,148 +8091,72 @@
                   <a:buFont typeface="Arial" panose="020B0604020202020204" pitchFamily="34" charset="0"/>
                   <a:buChar char="•"/>
                 </a:pPr>
-                <a14:m>
-                  <m:oMath xmlns:m="http://schemas.openxmlformats.org/officeDocument/2006/math">
-                    <m:sSub>
-                      <m:sSubPr>
-                        <m:ctrlPr>
-                          <a:rPr lang="en-US" altLang="zh-TW" sz="1200" i="1" smtClean="0">
-                            <a:latin typeface="Cambria Math" panose="02040503050406030204" pitchFamily="18" charset="0"/>
-                            <a:cs typeface="Times" panose="02020603050405020304" pitchFamily="18" charset="0"/>
-                          </a:rPr>
-                        </m:ctrlPr>
-                      </m:sSubPr>
-                      <m:e>
-                        <m:r>
-                          <a:rPr lang="en-US" altLang="zh-TW" sz="1200" i="1">
-                            <a:latin typeface="Cambria Math" panose="02040503050406030204" pitchFamily="18" charset="0"/>
-                            <a:cs typeface="Times" panose="02020603050405020304" pitchFamily="18" charset="0"/>
-                          </a:rPr>
-                          <m:t>𝑊</m:t>
-                        </m:r>
-                      </m:e>
-                      <m:sub>
-                        <m:sSub>
-                          <m:sSubPr>
-                            <m:ctrlPr>
-                              <a:rPr lang="en-US" altLang="zh-TW" sz="1200" i="1">
-                                <a:latin typeface="Cambria Math" panose="02040503050406030204" pitchFamily="18" charset="0"/>
-                                <a:cs typeface="Times" panose="02020603050405020304" pitchFamily="18" charset="0"/>
-                              </a:rPr>
-                            </m:ctrlPr>
-                          </m:sSubPr>
-                          <m:e>
-                            <m:r>
-                              <a:rPr lang="en-US" altLang="zh-TW" sz="1200" i="1">
-                                <a:latin typeface="Cambria Math" panose="02040503050406030204" pitchFamily="18" charset="0"/>
-                                <a:cs typeface="Times" panose="02020603050405020304" pitchFamily="18" charset="0"/>
-                              </a:rPr>
-                              <m:t>𝑒</m:t>
-                            </m:r>
-                          </m:e>
-                          <m:sub>
-                            <m:r>
-                              <a:rPr lang="en-US" altLang="zh-TW" sz="1200" b="0" i="1" smtClean="0">
-                                <a:latin typeface="Cambria Math" panose="02040503050406030204" pitchFamily="18" charset="0"/>
-                                <a:cs typeface="Times" panose="02020603050405020304" pitchFamily="18" charset="0"/>
-                              </a:rPr>
-                              <m:t>𝑖</m:t>
-                            </m:r>
-                          </m:sub>
-                        </m:sSub>
-                      </m:sub>
-                    </m:sSub>
-                    <m:r>
-                      <a:rPr lang="en-US" altLang="zh-TW" sz="1200" i="1">
-                        <a:latin typeface="Cambria Math" panose="02040503050406030204" pitchFamily="18" charset="0"/>
-                        <a:cs typeface="Times" panose="02020603050405020304" pitchFamily="18" charset="0"/>
-                      </a:rPr>
-                      <m:t> (</m:t>
-                    </m:r>
-                    <m:r>
-                      <a:rPr lang="en-US" altLang="zh-TW" sz="1200" i="1">
-                        <a:latin typeface="Cambria Math" panose="02040503050406030204" pitchFamily="18" charset="0"/>
-                        <a:cs typeface="Times" panose="02020603050405020304" pitchFamily="18" charset="0"/>
-                      </a:rPr>
-                      <m:t>𝑥</m:t>
-                    </m:r>
-                    <m:r>
-                      <a:rPr lang="en-US" altLang="zh-TW" sz="1200" i="1">
-                        <a:latin typeface="Cambria Math" panose="02040503050406030204" pitchFamily="18" charset="0"/>
-                        <a:cs typeface="Times" panose="02020603050405020304" pitchFamily="18" charset="0"/>
-                      </a:rPr>
-                      <m:t>, </m:t>
-                    </m:r>
-                    <m:r>
-                      <a:rPr lang="en-US" altLang="zh-TW" sz="1200" i="1">
-                        <a:latin typeface="Cambria Math" panose="02040503050406030204" pitchFamily="18" charset="0"/>
-                        <a:cs typeface="Times" panose="02020603050405020304" pitchFamily="18" charset="0"/>
-                      </a:rPr>
-                      <m:t>𝑦</m:t>
-                    </m:r>
-                    <m:r>
-                      <a:rPr lang="en-US" altLang="zh-TW" sz="1200" i="1">
-                        <a:latin typeface="Cambria Math" panose="02040503050406030204" pitchFamily="18" charset="0"/>
-                        <a:cs typeface="Times" panose="02020603050405020304" pitchFamily="18" charset="0"/>
-                      </a:rPr>
-                      <m:t>):</m:t>
-                    </m:r>
-                  </m:oMath>
-                </a14:m>
                 <a:r>
-                  <a:rPr lang="zh-TW" altLang="en-US" dirty="0"/>
-                  <a:t> </a:t>
+                  <a:rPr lang="en-US" altLang="zh-TW" sz="1200" i="0" dirty="0">
+                    <a:latin typeface="Times" panose="02020603050405020304" pitchFamily="18" charset="0"/>
+                    <a:cs typeface="Times" panose="02020603050405020304" pitchFamily="18" charset="0"/>
+                  </a:rPr>
+                  <a:t>Ei : net</a:t>
                 </a:r>
-                <a:r>
-                  <a:rPr lang="en-US" altLang="zh-TW" dirty="0"/>
-                  <a:t>weighted</a:t>
-                </a:r>
-                <a:r>
-                  <a:rPr lang="en-US" altLang="zh-TW" baseline="0" dirty="0"/>
-                  <a:t> wirelength of  net </a:t>
-                </a:r>
-                <a:r>
-                  <a:rPr lang="en-US" altLang="zh-TW" baseline="0" dirty="0" err="1"/>
-                  <a:t>ei</a:t>
-                </a:r>
-                <a:endParaRPr lang="en-US" altLang="zh-TW" baseline="0" dirty="0"/>
               </a:p>
               <a:p>
-                <a:pPr marL="171450" indent="-171450" algn="l">
+                <a:pPr marL="171450" indent="-171450">
                   <a:buFont typeface="Arial" panose="020B0604020202020204" pitchFamily="34" charset="0"/>
                   <a:buChar char="•"/>
                 </a:pPr>
                 <a:r>
-                  <a:rPr lang="el-GR" altLang="zh-TW" sz="1100" dirty="0"/>
-                  <a:t>Γ</a:t>
+                  <a:rPr lang="en-US" altLang="zh-TW" sz="1200" i="0" dirty="0">
+                    <a:latin typeface="Times" panose="02020603050405020304" pitchFamily="18" charset="0"/>
+                    <a:cs typeface="Times" panose="02020603050405020304" pitchFamily="18" charset="0"/>
+                  </a:rPr>
+                  <a:t>X : </a:t>
                 </a:r>
                 <a:r>
-                  <a:rPr lang="en-US" altLang="zh-TW" sz="1100" dirty="0"/>
-                  <a:t>:</a:t>
+                  <a:rPr lang="en-US" altLang="zh-TW" sz="1200" i="0" dirty="0" err="1">
+                    <a:latin typeface="Times" panose="02020603050405020304" pitchFamily="18" charset="0"/>
+                    <a:cs typeface="Times" panose="02020603050405020304" pitchFamily="18" charset="0"/>
+                  </a:rPr>
+                  <a:t>ei</a:t>
                 </a:r>
                 <a:r>
-                  <a:rPr lang="zh-TW" altLang="en-US" sz="1100" dirty="0"/>
-                  <a:t> </a:t>
+                  <a:rPr lang="zh-TW" altLang="en-US" sz="1200" i="0" dirty="0">
+                    <a:latin typeface="Times" panose="02020603050405020304" pitchFamily="18" charset="0"/>
+                    <a:cs typeface="Times" panose="02020603050405020304" pitchFamily="18" charset="0"/>
+                  </a:rPr>
+                  <a:t>上</a:t>
                 </a:r>
                 <a:r>
-                  <a:rPr lang="en-US" altLang="zh-TW" sz="1800" b="0" i="0" u="none" strike="noStrike" baseline="0" dirty="0">
-                    <a:latin typeface="NimbusRomNo9L-Regu"/>
+                  <a:rPr lang="en-US" altLang="zh-TW" sz="1200" i="0" dirty="0">
+                    <a:latin typeface="Times" panose="02020603050405020304" pitchFamily="18" charset="0"/>
+                    <a:cs typeface="Times" panose="02020603050405020304" pitchFamily="18" charset="0"/>
                   </a:rPr>
-                  <a:t>smoothing parameter used to adjust the</a:t>
+                  <a:t>cell</a:t>
                 </a:r>
                 <a:r>
-                  <a:rPr lang="zh-TW" altLang="en-US" sz="1800" b="0" i="0" u="none" strike="noStrike" baseline="0" dirty="0">
-                    <a:latin typeface="NimbusRomNo9L-Regu"/>
+                  <a:rPr lang="zh-TW" altLang="en-US" sz="1200" i="0" dirty="0">
+                    <a:latin typeface="Times" panose="02020603050405020304" pitchFamily="18" charset="0"/>
+                    <a:cs typeface="Times" panose="02020603050405020304" pitchFamily="18" charset="0"/>
                   </a:rPr>
-                  <a:t> </a:t>
+                  <a:t>的</a:t>
                 </a:r>
                 <a:r>
-                  <a:rPr lang="en-US" altLang="zh-TW" sz="1800" b="0" i="0" u="none" strike="noStrike" baseline="0" dirty="0">
-                    <a:latin typeface="NimbusRomNo9L-Regu"/>
+                  <a:rPr lang="en-US" altLang="zh-TW" sz="1200" i="0" dirty="0">
+                    <a:latin typeface="Times" panose="02020603050405020304" pitchFamily="18" charset="0"/>
+                    <a:cs typeface="Times" panose="02020603050405020304" pitchFamily="18" charset="0"/>
                   </a:rPr>
-                  <a:t>accuracy.</a:t>
+                  <a:t>x</a:t>
                 </a:r>
-                <a:endParaRPr lang="zh-TW" altLang="en-US" sz="1100" dirty="0"/>
+                <a:r>
+                  <a:rPr lang="zh-TW" altLang="en-US" sz="1200" i="0" dirty="0">
+                    <a:latin typeface="Times" panose="02020603050405020304" pitchFamily="18" charset="0"/>
+                    <a:cs typeface="Times" panose="02020603050405020304" pitchFamily="18" charset="0"/>
+                  </a:rPr>
+                  <a:t>座標</a:t>
+                </a:r>
+                <a:endParaRPr lang="en-US" altLang="zh-TW" sz="1200" i="0" dirty="0">
+                  <a:latin typeface="Cambria Math" panose="02040503050406030204" pitchFamily="18" charset="0"/>
+                  <a:cs typeface="Times" panose="02020603050405020304" pitchFamily="18" charset="0"/>
+                </a:endParaRPr>
               </a:p>
             </p:txBody>
           </p:sp>
@@ -8574,7 +8517,7 @@
           <a:p>
             <a:fld id="{9D457EAB-1485-47AD-BEAD-484FAEBF5A54}" type="slidenum">
               <a:rPr lang="en-US" smtClean="0"/>
-              <a:t>12</a:t>
+              <a:t>13</a:t>
             </a:fld>
             <a:endParaRPr lang="en-US"/>
           </a:p>
@@ -13168,8 +13111,8 @@
           </a:p>
         </p:txBody>
       </p:sp>
-      <mc:AlternateContent xmlns:mc="http://schemas.openxmlformats.org/markup-compatibility/2006" xmlns:a14="http://schemas.microsoft.com/office/drawing/2010/main">
-        <mc:Choice Requires="a14">
+      <mc:AlternateContent xmlns:mc="http://schemas.openxmlformats.org/markup-compatibility/2006">
+        <mc:Choice xmlns:a14="http://schemas.microsoft.com/office/drawing/2010/main" Requires="a14">
           <p:sp>
             <p:nvSpPr>
               <p:cNvPr id="3" name="內容版面配置區 2">
@@ -13221,7 +13164,21 @@
                     <a:latin typeface="Times" panose="02020603050405020304" pitchFamily="18" charset="0"/>
                     <a:cs typeface="Times" panose="02020603050405020304" pitchFamily="18" charset="0"/>
                   </a:rPr>
-                  <a:t>Placement</a:t>
+                  <a:t>Placement engine (</a:t>
+                </a:r>
+                <a:r>
+                  <a:rPr lang="en-US" altLang="zh-TW" sz="2400" dirty="0" err="1">
+                    <a:latin typeface="Times" panose="02020603050405020304" pitchFamily="18" charset="0"/>
+                    <a:cs typeface="Times" panose="02020603050405020304" pitchFamily="18" charset="0"/>
+                  </a:rPr>
+                  <a:t>ePlace</a:t>
+                </a:r>
+                <a:r>
+                  <a:rPr lang="en-US" altLang="zh-TW" sz="2400" dirty="0">
+                    <a:latin typeface="Times" panose="02020603050405020304" pitchFamily="18" charset="0"/>
+                    <a:cs typeface="Times" panose="02020603050405020304" pitchFamily="18" charset="0"/>
+                  </a:rPr>
+                  <a:t>)</a:t>
                 </a:r>
                 <a:endParaRPr lang="en-US" altLang="zh-TW" sz="2600" dirty="0">
                   <a:latin typeface="Times" panose="02020603050405020304" pitchFamily="18" charset="0"/>
@@ -14405,7 +14362,7 @@
             </p:txBody>
           </p:sp>
         </mc:Choice>
-        <mc:Fallback xmlns="">
+        <mc:Fallback>
           <p:sp>
             <p:nvSpPr>
               <p:cNvPr id="3" name="內容版面配置區 2">
@@ -16012,6 +15969,126 @@
 </file>
 
 <file path=ppt/slides/slide13.xml><?xml version="1.0" encoding="utf-8"?>
+<p:sld xmlns:a="http://schemas.openxmlformats.org/drawingml/2006/main" xmlns:r="http://schemas.openxmlformats.org/officeDocument/2006/relationships" xmlns:p="http://schemas.openxmlformats.org/presentationml/2006/main" show="0">
+  <p:cSld>
+    <p:spTree>
+      <p:nvGrpSpPr>
+        <p:cNvPr id="1" name=""/>
+        <p:cNvGrpSpPr/>
+        <p:nvPr/>
+      </p:nvGrpSpPr>
+      <p:grpSpPr>
+        <a:xfrm>
+          <a:off x="0" y="0"/>
+          <a:ext cx="0" cy="0"/>
+          <a:chOff x="0" y="0"/>
+          <a:chExt cx="0" cy="0"/>
+        </a:xfrm>
+      </p:grpSpPr>
+      <p:sp>
+        <p:nvSpPr>
+          <p:cNvPr id="2" name="標題 1">
+            <a:extLst>
+              <a:ext uri="{FF2B5EF4-FFF2-40B4-BE49-F238E27FC236}">
+                <a16:creationId xmlns:a16="http://schemas.microsoft.com/office/drawing/2014/main" id="{8B377EC7-8AA3-B104-A270-92740D671CE5}"/>
+              </a:ext>
+            </a:extLst>
+          </p:cNvPr>
+          <p:cNvSpPr>
+            <a:spLocks noGrp="1"/>
+          </p:cNvSpPr>
+          <p:nvPr>
+            <p:ph type="title"/>
+          </p:nvPr>
+        </p:nvSpPr>
+        <p:spPr/>
+        <p:txBody>
+          <a:bodyPr/>
+          <a:lstStyle/>
+          <a:p>
+            <a:r>
+              <a:rPr lang="en-US" altLang="zh-TW" sz="4000" dirty="0">
+                <a:latin typeface="Times" panose="02020603050405020304" pitchFamily="18" charset="0"/>
+                <a:cs typeface="Times" panose="02020603050405020304" pitchFamily="18" charset="0"/>
+              </a:rPr>
+              <a:t>Preliminaries</a:t>
+            </a:r>
+            <a:endParaRPr lang="zh-TW" altLang="en-US" dirty="0"/>
+          </a:p>
+        </p:txBody>
+      </p:sp>
+      <p:pic>
+        <p:nvPicPr>
+          <p:cNvPr id="6" name="內容版面配置區 5">
+            <a:extLst>
+              <a:ext uri="{FF2B5EF4-FFF2-40B4-BE49-F238E27FC236}">
+                <a16:creationId xmlns:a16="http://schemas.microsoft.com/office/drawing/2014/main" id="{770A5E5F-A7B8-7E97-C675-067A8FB6D52D}"/>
+              </a:ext>
+            </a:extLst>
+          </p:cNvPr>
+          <p:cNvPicPr>
+            <a:picLocks noGrp="1" noChangeAspect="1"/>
+          </p:cNvPicPr>
+          <p:nvPr>
+            <p:ph idx="1"/>
+          </p:nvPr>
+        </p:nvPicPr>
+        <p:blipFill>
+          <a:blip r:embed="rId2"/>
+          <a:stretch>
+            <a:fillRect/>
+          </a:stretch>
+        </p:blipFill>
+        <p:spPr>
+          <a:xfrm>
+            <a:off x="2976269" y="2017219"/>
+            <a:ext cx="6239462" cy="3439577"/>
+          </a:xfrm>
+        </p:spPr>
+      </p:pic>
+      <p:sp>
+        <p:nvSpPr>
+          <p:cNvPr id="4" name="投影片編號版面配置區 3">
+            <a:extLst>
+              <a:ext uri="{FF2B5EF4-FFF2-40B4-BE49-F238E27FC236}">
+                <a16:creationId xmlns:a16="http://schemas.microsoft.com/office/drawing/2014/main" id="{99F65292-A2B6-5B24-A6A7-F44E35D88B29}"/>
+              </a:ext>
+            </a:extLst>
+          </p:cNvPr>
+          <p:cNvSpPr>
+            <a:spLocks noGrp="1"/>
+          </p:cNvSpPr>
+          <p:nvPr>
+            <p:ph type="sldNum" sz="quarter" idx="12"/>
+          </p:nvPr>
+        </p:nvSpPr>
+        <p:spPr/>
+        <p:txBody>
+          <a:bodyPr/>
+          <a:lstStyle/>
+          <a:p>
+            <a:fld id="{666274A1-CF9C-426A-8DD4-B13ED0C24231}" type="slidenum">
+              <a:rPr lang="en-US" smtClean="0"/>
+              <a:t>12</a:t>
+            </a:fld>
+            <a:endParaRPr lang="en-US" dirty="0"/>
+          </a:p>
+        </p:txBody>
+      </p:sp>
+    </p:spTree>
+    <p:extLst>
+      <p:ext uri="{BB962C8B-B14F-4D97-AF65-F5344CB8AC3E}">
+        <p14:creationId xmlns:p14="http://schemas.microsoft.com/office/powerpoint/2010/main" val="1158742324"/>
+      </p:ext>
+    </p:extLst>
+  </p:cSld>
+  <p:clrMapOvr>
+    <a:masterClrMapping/>
+  </p:clrMapOvr>
+</p:sld>
+</file>
+
+<file path=ppt/slides/slide14.xml><?xml version="1.0" encoding="utf-8"?>
 <p:sld xmlns:a="http://schemas.openxmlformats.org/drawingml/2006/main" xmlns:r="http://schemas.openxmlformats.org/officeDocument/2006/relationships" xmlns:p="http://schemas.openxmlformats.org/presentationml/2006/main">
   <p:cSld>
     <p:spTree>
@@ -16545,7 +16622,7 @@
           <a:p>
             <a:fld id="{666274A1-CF9C-426A-8DD4-B13ED0C24231}" type="slidenum">
               <a:rPr lang="en-US" smtClean="0"/>
-              <a:t>12</a:t>
+              <a:t>13</a:t>
             </a:fld>
             <a:endParaRPr lang="en-US"/>
           </a:p>
@@ -16594,7 +16671,7 @@
 </p:sld>
 </file>
 
-<file path=ppt/slides/slide14.xml><?xml version="1.0" encoding="utf-8"?>
+<file path=ppt/slides/slide15.xml><?xml version="1.0" encoding="utf-8"?>
 <p:sld xmlns:a="http://schemas.openxmlformats.org/drawingml/2006/main" xmlns:r="http://schemas.openxmlformats.org/officeDocument/2006/relationships" xmlns:p="http://schemas.openxmlformats.org/presentationml/2006/main">
   <p:cSld>
     <p:spTree>
@@ -16859,7 +16936,7 @@
           <a:p>
             <a:fld id="{666274A1-CF9C-426A-8DD4-B13ED0C24231}" type="slidenum">
               <a:rPr lang="en-US" smtClean="0"/>
-              <a:t>13</a:t>
+              <a:t>14</a:t>
             </a:fld>
             <a:endParaRPr lang="en-US"/>
           </a:p>
@@ -16878,7 +16955,7 @@
 </p:sld>
 </file>
 
-<file path=ppt/slides/slide15.xml><?xml version="1.0" encoding="utf-8"?>
+<file path=ppt/slides/slide16.xml><?xml version="1.0" encoding="utf-8"?>
 <p:sld xmlns:a="http://schemas.openxmlformats.org/drawingml/2006/main" xmlns:r="http://schemas.openxmlformats.org/officeDocument/2006/relationships" xmlns:p="http://schemas.openxmlformats.org/presentationml/2006/main">
   <p:cSld>
     <p:spTree>
@@ -16984,7 +17061,7 @@
           <a:p>
             <a:fld id="{666274A1-CF9C-426A-8DD4-B13ED0C24231}" type="slidenum">
               <a:rPr lang="en-US" smtClean="0"/>
-              <a:t>14</a:t>
+              <a:t>15</a:t>
             </a:fld>
             <a:endParaRPr lang="en-US"/>
           </a:p>
@@ -17003,7 +17080,7 @@
 </p:sld>
 </file>
 
-<file path=ppt/slides/slide16.xml><?xml version="1.0" encoding="utf-8"?>
+<file path=ppt/slides/slide17.xml><?xml version="1.0" encoding="utf-8"?>
 <p:sld xmlns:a="http://schemas.openxmlformats.org/drawingml/2006/main" xmlns:r="http://schemas.openxmlformats.org/officeDocument/2006/relationships" xmlns:p="http://schemas.openxmlformats.org/presentationml/2006/main">
   <p:cSld>
     <p:spTree>
@@ -17263,7 +17340,7 @@
           <a:p>
             <a:fld id="{666274A1-CF9C-426A-8DD4-B13ED0C24231}" type="slidenum">
               <a:rPr lang="en-US" smtClean="0"/>
-              <a:t>15</a:t>
+              <a:t>16</a:t>
             </a:fld>
             <a:endParaRPr lang="en-US"/>
           </a:p>
@@ -17282,8 +17359,8 @@
 </p:sld>
 </file>
 
-<file path=ppt/slides/slide17.xml><?xml version="1.0" encoding="utf-8"?>
-<p:sld xmlns:a="http://schemas.openxmlformats.org/drawingml/2006/main" xmlns:r="http://schemas.openxmlformats.org/officeDocument/2006/relationships" xmlns:p="http://schemas.openxmlformats.org/presentationml/2006/main" show="0">
+<file path=ppt/slides/slide18.xml><?xml version="1.0" encoding="utf-8"?>
+<p:sld xmlns:a="http://schemas.openxmlformats.org/drawingml/2006/main" xmlns:r="http://schemas.openxmlformats.org/officeDocument/2006/relationships" xmlns:p="http://schemas.openxmlformats.org/presentationml/2006/main">
   <p:cSld>
     <p:spTree>
       <p:nvGrpSpPr>
@@ -17414,7 +17491,7 @@
           <a:p>
             <a:fld id="{666274A1-CF9C-426A-8DD4-B13ED0C24231}" type="slidenum">
               <a:rPr lang="en-US" smtClean="0"/>
-              <a:t>16</a:t>
+              <a:t>17</a:t>
             </a:fld>
             <a:endParaRPr lang="en-US"/>
           </a:p>
@@ -17494,7 +17571,7 @@
 </p:sld>
 </file>
 
-<file path=ppt/slides/slide18.xml><?xml version="1.0" encoding="utf-8"?>
+<file path=ppt/slides/slide19.xml><?xml version="1.0" encoding="utf-8"?>
 <p:sld xmlns:a="http://schemas.openxmlformats.org/drawingml/2006/main" xmlns:r="http://schemas.openxmlformats.org/officeDocument/2006/relationships" xmlns:p="http://schemas.openxmlformats.org/presentationml/2006/main">
   <p:cSld>
     <p:spTree>
@@ -17752,7 +17829,7 @@
           <a:p>
             <a:fld id="{666274A1-CF9C-426A-8DD4-B13ED0C24231}" type="slidenum">
               <a:rPr lang="en-US" smtClean="0"/>
-              <a:t>17</a:t>
+              <a:t>18</a:t>
             </a:fld>
             <a:endParaRPr lang="en-US"/>
           </a:p>
@@ -18316,207 +18393,12 @@
           </p:sp>
         </mc:Fallback>
       </mc:AlternateContent>
-    </p:spTree>
-    <p:extLst>
-      <p:ext uri="{BB962C8B-B14F-4D97-AF65-F5344CB8AC3E}">
-        <p14:creationId xmlns:p14="http://schemas.microsoft.com/office/powerpoint/2010/main" val="1371440977"/>
-      </p:ext>
-    </p:extLst>
-  </p:cSld>
-  <p:clrMapOvr>
-    <a:masterClrMapping/>
-  </p:clrMapOvr>
-</p:sld>
-</file>
-
-<file path=ppt/slides/slide19.xml><?xml version="1.0" encoding="utf-8"?>
-<p:sld xmlns:a="http://schemas.openxmlformats.org/drawingml/2006/main" xmlns:r="http://schemas.openxmlformats.org/officeDocument/2006/relationships" xmlns:p="http://schemas.openxmlformats.org/presentationml/2006/main">
-  <p:cSld>
-    <p:spTree>
-      <p:nvGrpSpPr>
-        <p:cNvPr id="1" name=""/>
-        <p:cNvGrpSpPr/>
-        <p:nvPr/>
-      </p:nvGrpSpPr>
-      <p:grpSpPr>
-        <a:xfrm>
-          <a:off x="0" y="0"/>
-          <a:ext cx="0" cy="0"/>
-          <a:chOff x="0" y="0"/>
-          <a:chExt cx="0" cy="0"/>
-        </a:xfrm>
-      </p:grpSpPr>
-      <p:sp>
-        <p:nvSpPr>
-          <p:cNvPr id="2" name="標題 1">
-            <a:extLst>
-              <a:ext uri="{FF2B5EF4-FFF2-40B4-BE49-F238E27FC236}">
-                <a16:creationId xmlns:a16="http://schemas.microsoft.com/office/drawing/2014/main" id="{AEDF6777-6236-46F8-93C4-053ACE59502E}"/>
-              </a:ext>
-            </a:extLst>
-          </p:cNvPr>
-          <p:cNvSpPr>
-            <a:spLocks noGrp="1"/>
-          </p:cNvSpPr>
-          <p:nvPr>
-            <p:ph type="title"/>
-          </p:nvPr>
-        </p:nvSpPr>
-        <p:spPr>
-          <a:xfrm>
-            <a:off x="434737" y="320675"/>
-            <a:ext cx="11612119" cy="1325563"/>
-          </a:xfrm>
-        </p:spPr>
-        <p:txBody>
-          <a:bodyPr>
-            <a:normAutofit/>
-          </a:bodyPr>
-          <a:lstStyle/>
-          <a:p>
-            <a:r>
-              <a:rPr lang="en-US" altLang="zh-TW" sz="4000" dirty="0">
-                <a:latin typeface="Times" panose="02020603050405020304" pitchFamily="18" charset="0"/>
-                <a:cs typeface="Times" panose="02020603050405020304" pitchFamily="18" charset="0"/>
-              </a:rPr>
-              <a:t>Congestion Estimation</a:t>
-            </a:r>
-          </a:p>
-        </p:txBody>
-      </p:sp>
-      <p:sp>
-        <p:nvSpPr>
-          <p:cNvPr id="3" name="內容版面配置區 2">
-            <a:extLst>
-              <a:ext uri="{FF2B5EF4-FFF2-40B4-BE49-F238E27FC236}">
-                <a16:creationId xmlns:a16="http://schemas.microsoft.com/office/drawing/2014/main" id="{CDD6591C-6706-1D9B-A7CF-BE488BA469CB}"/>
-              </a:ext>
-            </a:extLst>
-          </p:cNvPr>
-          <p:cNvSpPr>
-            <a:spLocks noGrp="1"/>
-          </p:cNvSpPr>
-          <p:nvPr>
-            <p:ph idx="1"/>
-          </p:nvPr>
-        </p:nvSpPr>
-        <p:spPr>
-          <a:xfrm>
-            <a:off x="839645" y="1846585"/>
-            <a:ext cx="10512709" cy="2333529"/>
-          </a:xfrm>
-        </p:spPr>
-        <p:txBody>
-          <a:bodyPr>
-            <a:normAutofit/>
-          </a:bodyPr>
-          <a:lstStyle/>
-          <a:p>
-            <a:pPr marL="514350" indent="-514350">
-              <a:buFont typeface="+mj-lt"/>
-              <a:buAutoNum type="arabicPeriod" startAt="2"/>
-            </a:pPr>
-            <a:r>
-              <a:rPr lang="en-US" altLang="zh-TW" sz="2400" dirty="0">
-                <a:latin typeface="Times" panose="02020603050405020304" pitchFamily="18" charset="0"/>
-                <a:cs typeface="Times" panose="02020603050405